--- a/modules/unlink/Unlink.pptx
+++ b/modules/unlink/Unlink.pptx
@@ -5,7 +5,7 @@
     <p:sldMasterId id="2147483660" r:id="rId1"/>
   </p:sldMasterIdLst>
   <p:notesMasterIdLst>
-    <p:notesMasterId r:id="rId95"/>
+    <p:notesMasterId r:id="rId94"/>
   </p:notesMasterIdLst>
   <p:sldIdLst>
     <p:sldId id="440" r:id="rId2"/>
@@ -45,62 +45,61 @@
     <p:sldId id="481" r:id="rId36"/>
     <p:sldId id="441" r:id="rId37"/>
     <p:sldId id="405" r:id="rId38"/>
-    <p:sldId id="408" r:id="rId39"/>
-    <p:sldId id="287" r:id="rId40"/>
-    <p:sldId id="291" r:id="rId41"/>
-    <p:sldId id="288" r:id="rId42"/>
-    <p:sldId id="455" r:id="rId43"/>
-    <p:sldId id="456" r:id="rId44"/>
-    <p:sldId id="414" r:id="rId45"/>
-    <p:sldId id="418" r:id="rId46"/>
-    <p:sldId id="482" r:id="rId47"/>
-    <p:sldId id="483" r:id="rId48"/>
-    <p:sldId id="484" r:id="rId49"/>
-    <p:sldId id="485" r:id="rId50"/>
-    <p:sldId id="487" r:id="rId51"/>
-    <p:sldId id="415" r:id="rId52"/>
-    <p:sldId id="416" r:id="rId53"/>
-    <p:sldId id="417" r:id="rId54"/>
-    <p:sldId id="419" r:id="rId55"/>
-    <p:sldId id="420" r:id="rId56"/>
-    <p:sldId id="434" r:id="rId57"/>
-    <p:sldId id="435" r:id="rId58"/>
-    <p:sldId id="421" r:id="rId59"/>
-    <p:sldId id="423" r:id="rId60"/>
-    <p:sldId id="443" r:id="rId61"/>
-    <p:sldId id="412" r:id="rId62"/>
-    <p:sldId id="432" r:id="rId63"/>
-    <p:sldId id="413" r:id="rId64"/>
-    <p:sldId id="424" r:id="rId65"/>
-    <p:sldId id="445" r:id="rId66"/>
-    <p:sldId id="494" r:id="rId67"/>
-    <p:sldId id="488" r:id="rId68"/>
-    <p:sldId id="489" r:id="rId69"/>
-    <p:sldId id="490" r:id="rId70"/>
-    <p:sldId id="491" r:id="rId71"/>
-    <p:sldId id="492" r:id="rId72"/>
-    <p:sldId id="451" r:id="rId73"/>
-    <p:sldId id="452" r:id="rId74"/>
-    <p:sldId id="453" r:id="rId75"/>
-    <p:sldId id="454" r:id="rId76"/>
-    <p:sldId id="471" r:id="rId77"/>
-    <p:sldId id="427" r:id="rId78"/>
-    <p:sldId id="428" r:id="rId79"/>
-    <p:sldId id="457" r:id="rId80"/>
-    <p:sldId id="459" r:id="rId81"/>
-    <p:sldId id="460" r:id="rId82"/>
-    <p:sldId id="461" r:id="rId83"/>
-    <p:sldId id="462" r:id="rId84"/>
-    <p:sldId id="463" r:id="rId85"/>
-    <p:sldId id="465" r:id="rId86"/>
-    <p:sldId id="467" r:id="rId87"/>
-    <p:sldId id="468" r:id="rId88"/>
-    <p:sldId id="466" r:id="rId89"/>
-    <p:sldId id="469" r:id="rId90"/>
-    <p:sldId id="458" r:id="rId91"/>
-    <p:sldId id="470" r:id="rId92"/>
-    <p:sldId id="442" r:id="rId93"/>
-    <p:sldId id="429" r:id="rId94"/>
+    <p:sldId id="287" r:id="rId39"/>
+    <p:sldId id="288" r:id="rId40"/>
+    <p:sldId id="408" r:id="rId41"/>
+    <p:sldId id="455" r:id="rId42"/>
+    <p:sldId id="456" r:id="rId43"/>
+    <p:sldId id="414" r:id="rId44"/>
+    <p:sldId id="418" r:id="rId45"/>
+    <p:sldId id="482" r:id="rId46"/>
+    <p:sldId id="483" r:id="rId47"/>
+    <p:sldId id="484" r:id="rId48"/>
+    <p:sldId id="485" r:id="rId49"/>
+    <p:sldId id="487" r:id="rId50"/>
+    <p:sldId id="415" r:id="rId51"/>
+    <p:sldId id="416" r:id="rId52"/>
+    <p:sldId id="417" r:id="rId53"/>
+    <p:sldId id="419" r:id="rId54"/>
+    <p:sldId id="420" r:id="rId55"/>
+    <p:sldId id="434" r:id="rId56"/>
+    <p:sldId id="435" r:id="rId57"/>
+    <p:sldId id="421" r:id="rId58"/>
+    <p:sldId id="423" r:id="rId59"/>
+    <p:sldId id="443" r:id="rId60"/>
+    <p:sldId id="412" r:id="rId61"/>
+    <p:sldId id="432" r:id="rId62"/>
+    <p:sldId id="413" r:id="rId63"/>
+    <p:sldId id="424" r:id="rId64"/>
+    <p:sldId id="445" r:id="rId65"/>
+    <p:sldId id="494" r:id="rId66"/>
+    <p:sldId id="488" r:id="rId67"/>
+    <p:sldId id="489" r:id="rId68"/>
+    <p:sldId id="490" r:id="rId69"/>
+    <p:sldId id="491" r:id="rId70"/>
+    <p:sldId id="492" r:id="rId71"/>
+    <p:sldId id="451" r:id="rId72"/>
+    <p:sldId id="452" r:id="rId73"/>
+    <p:sldId id="453" r:id="rId74"/>
+    <p:sldId id="454" r:id="rId75"/>
+    <p:sldId id="471" r:id="rId76"/>
+    <p:sldId id="427" r:id="rId77"/>
+    <p:sldId id="428" r:id="rId78"/>
+    <p:sldId id="457" r:id="rId79"/>
+    <p:sldId id="459" r:id="rId80"/>
+    <p:sldId id="460" r:id="rId81"/>
+    <p:sldId id="461" r:id="rId82"/>
+    <p:sldId id="462" r:id="rId83"/>
+    <p:sldId id="463" r:id="rId84"/>
+    <p:sldId id="465" r:id="rId85"/>
+    <p:sldId id="467" r:id="rId86"/>
+    <p:sldId id="468" r:id="rId87"/>
+    <p:sldId id="466" r:id="rId88"/>
+    <p:sldId id="469" r:id="rId89"/>
+    <p:sldId id="458" r:id="rId90"/>
+    <p:sldId id="470" r:id="rId91"/>
+    <p:sldId id="442" r:id="rId92"/>
+    <p:sldId id="429" r:id="rId93"/>
   </p:sldIdLst>
   <p:sldSz cx="9144000" cy="5143500" type="screen16x9"/>
   <p:notesSz cx="6858000" cy="9144000"/>
@@ -2470,6 +2469,753 @@
 </file>
 
 <file path=ppt/diagrams/colors4.xml><?xml version="1.0" encoding="utf-8"?>
+<dgm:colorsDef xmlns:dgm="http://schemas.openxmlformats.org/drawingml/2006/diagram" xmlns:a="http://schemas.openxmlformats.org/drawingml/2006/main" uniqueId="urn:microsoft.com/office/officeart/2005/8/colors/accent1_2">
+  <dgm:title val=""/>
+  <dgm:desc val=""/>
+  <dgm:catLst>
+    <dgm:cat type="accent1" pri="11200"/>
+  </dgm:catLst>
+  <dgm:styleLbl name="node0">
+    <dgm:fillClrLst meth="repeat">
+      <a:schemeClr val="accent1"/>
+    </dgm:fillClrLst>
+    <dgm:linClrLst meth="repeat">
+      <a:schemeClr val="lt1"/>
+    </dgm:linClrLst>
+    <dgm:effectClrLst/>
+    <dgm:txLinClrLst/>
+    <dgm:txFillClrLst/>
+    <dgm:txEffectClrLst/>
+  </dgm:styleLbl>
+  <dgm:styleLbl name="alignNode1">
+    <dgm:fillClrLst meth="repeat">
+      <a:schemeClr val="accent1"/>
+    </dgm:fillClrLst>
+    <dgm:linClrLst meth="repeat">
+      <a:schemeClr val="accent1"/>
+    </dgm:linClrLst>
+    <dgm:effectClrLst/>
+    <dgm:txLinClrLst/>
+    <dgm:txFillClrLst/>
+    <dgm:txEffectClrLst/>
+  </dgm:styleLbl>
+  <dgm:styleLbl name="node1">
+    <dgm:fillClrLst meth="repeat">
+      <a:schemeClr val="accent1"/>
+    </dgm:fillClrLst>
+    <dgm:linClrLst meth="repeat">
+      <a:schemeClr val="lt1"/>
+    </dgm:linClrLst>
+    <dgm:effectClrLst/>
+    <dgm:txLinClrLst/>
+    <dgm:txFillClrLst/>
+    <dgm:txEffectClrLst/>
+  </dgm:styleLbl>
+  <dgm:styleLbl name="lnNode1">
+    <dgm:fillClrLst meth="repeat">
+      <a:schemeClr val="accent1"/>
+    </dgm:fillClrLst>
+    <dgm:linClrLst meth="repeat">
+      <a:schemeClr val="lt1"/>
+    </dgm:linClrLst>
+    <dgm:effectClrLst/>
+    <dgm:txLinClrLst/>
+    <dgm:txFillClrLst/>
+    <dgm:txEffectClrLst/>
+  </dgm:styleLbl>
+  <dgm:styleLbl name="vennNode1">
+    <dgm:fillClrLst meth="repeat">
+      <a:schemeClr val="accent1">
+        <a:alpha val="50000"/>
+      </a:schemeClr>
+    </dgm:fillClrLst>
+    <dgm:linClrLst meth="repeat">
+      <a:schemeClr val="lt1"/>
+    </dgm:linClrLst>
+    <dgm:effectClrLst/>
+    <dgm:txLinClrLst/>
+    <dgm:txFillClrLst/>
+    <dgm:txEffectClrLst/>
+  </dgm:styleLbl>
+  <dgm:styleLbl name="node2">
+    <dgm:fillClrLst meth="repeat">
+      <a:schemeClr val="accent1"/>
+    </dgm:fillClrLst>
+    <dgm:linClrLst meth="repeat">
+      <a:schemeClr val="lt1"/>
+    </dgm:linClrLst>
+    <dgm:effectClrLst/>
+    <dgm:txLinClrLst/>
+    <dgm:txFillClrLst/>
+    <dgm:txEffectClrLst/>
+  </dgm:styleLbl>
+  <dgm:styleLbl name="node3">
+    <dgm:fillClrLst meth="repeat">
+      <a:schemeClr val="accent1"/>
+    </dgm:fillClrLst>
+    <dgm:linClrLst meth="repeat">
+      <a:schemeClr val="lt1"/>
+    </dgm:linClrLst>
+    <dgm:effectClrLst/>
+    <dgm:txLinClrLst/>
+    <dgm:txFillClrLst/>
+    <dgm:txEffectClrLst/>
+  </dgm:styleLbl>
+  <dgm:styleLbl name="node4">
+    <dgm:fillClrLst meth="repeat">
+      <a:schemeClr val="accent1"/>
+    </dgm:fillClrLst>
+    <dgm:linClrLst meth="repeat">
+      <a:schemeClr val="lt1"/>
+    </dgm:linClrLst>
+    <dgm:effectClrLst/>
+    <dgm:txLinClrLst/>
+    <dgm:txFillClrLst/>
+    <dgm:txEffectClrLst/>
+  </dgm:styleLbl>
+  <dgm:styleLbl name="fgImgPlace1">
+    <dgm:fillClrLst meth="repeat">
+      <a:schemeClr val="accent1">
+        <a:tint val="50000"/>
+      </a:schemeClr>
+    </dgm:fillClrLst>
+    <dgm:linClrLst meth="repeat">
+      <a:schemeClr val="lt1"/>
+    </dgm:linClrLst>
+    <dgm:effectClrLst/>
+    <dgm:txLinClrLst/>
+    <dgm:txFillClrLst meth="repeat">
+      <a:schemeClr val="lt1"/>
+    </dgm:txFillClrLst>
+    <dgm:txEffectClrLst/>
+  </dgm:styleLbl>
+  <dgm:styleLbl name="alignImgPlace1">
+    <dgm:fillClrLst meth="repeat">
+      <a:schemeClr val="accent1">
+        <a:tint val="50000"/>
+      </a:schemeClr>
+    </dgm:fillClrLst>
+    <dgm:linClrLst meth="repeat">
+      <a:schemeClr val="lt1"/>
+    </dgm:linClrLst>
+    <dgm:effectClrLst/>
+    <dgm:txLinClrLst/>
+    <dgm:txFillClrLst meth="repeat">
+      <a:schemeClr val="lt1"/>
+    </dgm:txFillClrLst>
+    <dgm:txEffectClrLst/>
+  </dgm:styleLbl>
+  <dgm:styleLbl name="bgImgPlace1">
+    <dgm:fillClrLst meth="repeat">
+      <a:schemeClr val="accent1">
+        <a:tint val="50000"/>
+      </a:schemeClr>
+    </dgm:fillClrLst>
+    <dgm:linClrLst meth="repeat">
+      <a:schemeClr val="lt1"/>
+    </dgm:linClrLst>
+    <dgm:effectClrLst/>
+    <dgm:txLinClrLst/>
+    <dgm:txFillClrLst meth="repeat">
+      <a:schemeClr val="lt1"/>
+    </dgm:txFillClrLst>
+    <dgm:txEffectClrLst/>
+  </dgm:styleLbl>
+  <dgm:styleLbl name="sibTrans2D1">
+    <dgm:fillClrLst meth="repeat">
+      <a:schemeClr val="accent1">
+        <a:tint val="60000"/>
+      </a:schemeClr>
+    </dgm:fillClrLst>
+    <dgm:linClrLst meth="repeat">
+      <a:schemeClr val="accent1">
+        <a:tint val="60000"/>
+      </a:schemeClr>
+    </dgm:linClrLst>
+    <dgm:effectClrLst/>
+    <dgm:txLinClrLst/>
+    <dgm:txFillClrLst/>
+    <dgm:txEffectClrLst/>
+  </dgm:styleLbl>
+  <dgm:styleLbl name="fgSibTrans2D1">
+    <dgm:fillClrLst meth="repeat">
+      <a:schemeClr val="accent1">
+        <a:tint val="60000"/>
+      </a:schemeClr>
+    </dgm:fillClrLst>
+    <dgm:linClrLst meth="repeat">
+      <a:schemeClr val="accent1">
+        <a:tint val="60000"/>
+      </a:schemeClr>
+    </dgm:linClrLst>
+    <dgm:effectClrLst/>
+    <dgm:txLinClrLst/>
+    <dgm:txFillClrLst/>
+    <dgm:txEffectClrLst/>
+  </dgm:styleLbl>
+  <dgm:styleLbl name="bgSibTrans2D1">
+    <dgm:fillClrLst meth="repeat">
+      <a:schemeClr val="accent1">
+        <a:tint val="60000"/>
+      </a:schemeClr>
+    </dgm:fillClrLst>
+    <dgm:linClrLst meth="repeat">
+      <a:schemeClr val="accent1">
+        <a:tint val="60000"/>
+      </a:schemeClr>
+    </dgm:linClrLst>
+    <dgm:effectClrLst/>
+    <dgm:txLinClrLst/>
+    <dgm:txFillClrLst/>
+    <dgm:txEffectClrLst/>
+  </dgm:styleLbl>
+  <dgm:styleLbl name="sibTrans1D1">
+    <dgm:fillClrLst meth="repeat">
+      <a:schemeClr val="accent1"/>
+    </dgm:fillClrLst>
+    <dgm:linClrLst meth="repeat">
+      <a:schemeClr val="accent1"/>
+    </dgm:linClrLst>
+    <dgm:effectClrLst/>
+    <dgm:txLinClrLst/>
+    <dgm:txFillClrLst meth="repeat">
+      <a:schemeClr val="tx1"/>
+    </dgm:txFillClrLst>
+    <dgm:txEffectClrLst/>
+  </dgm:styleLbl>
+  <dgm:styleLbl name="callout">
+    <dgm:fillClrLst meth="repeat">
+      <a:schemeClr val="accent1"/>
+    </dgm:fillClrLst>
+    <dgm:linClrLst meth="repeat">
+      <a:schemeClr val="accent1">
+        <a:tint val="50000"/>
+      </a:schemeClr>
+    </dgm:linClrLst>
+    <dgm:effectClrLst/>
+    <dgm:txLinClrLst/>
+    <dgm:txFillClrLst meth="repeat">
+      <a:schemeClr val="tx1"/>
+    </dgm:txFillClrLst>
+    <dgm:txEffectClrLst/>
+  </dgm:styleLbl>
+  <dgm:styleLbl name="asst0">
+    <dgm:fillClrLst meth="repeat">
+      <a:schemeClr val="accent1"/>
+    </dgm:fillClrLst>
+    <dgm:linClrLst meth="repeat">
+      <a:schemeClr val="lt1"/>
+    </dgm:linClrLst>
+    <dgm:effectClrLst/>
+    <dgm:txLinClrLst/>
+    <dgm:txFillClrLst/>
+    <dgm:txEffectClrLst/>
+  </dgm:styleLbl>
+  <dgm:styleLbl name="asst1">
+    <dgm:fillClrLst meth="repeat">
+      <a:schemeClr val="accent1"/>
+    </dgm:fillClrLst>
+    <dgm:linClrLst meth="repeat">
+      <a:schemeClr val="lt1"/>
+    </dgm:linClrLst>
+    <dgm:effectClrLst/>
+    <dgm:txLinClrLst/>
+    <dgm:txFillClrLst/>
+    <dgm:txEffectClrLst/>
+  </dgm:styleLbl>
+  <dgm:styleLbl name="asst2">
+    <dgm:fillClrLst meth="repeat">
+      <a:schemeClr val="accent1"/>
+    </dgm:fillClrLst>
+    <dgm:linClrLst meth="repeat">
+      <a:schemeClr val="lt1"/>
+    </dgm:linClrLst>
+    <dgm:effectClrLst/>
+    <dgm:txLinClrLst/>
+    <dgm:txFillClrLst/>
+    <dgm:txEffectClrLst/>
+  </dgm:styleLbl>
+  <dgm:styleLbl name="asst3">
+    <dgm:fillClrLst meth="repeat">
+      <a:schemeClr val="accent1"/>
+    </dgm:fillClrLst>
+    <dgm:linClrLst meth="repeat">
+      <a:schemeClr val="lt1"/>
+    </dgm:linClrLst>
+    <dgm:effectClrLst/>
+    <dgm:txLinClrLst/>
+    <dgm:txFillClrLst/>
+    <dgm:txEffectClrLst/>
+  </dgm:styleLbl>
+  <dgm:styleLbl name="asst4">
+    <dgm:fillClrLst meth="repeat">
+      <a:schemeClr val="accent1"/>
+    </dgm:fillClrLst>
+    <dgm:linClrLst meth="repeat">
+      <a:schemeClr val="lt1"/>
+    </dgm:linClrLst>
+    <dgm:effectClrLst/>
+    <dgm:txLinClrLst/>
+    <dgm:txFillClrLst/>
+    <dgm:txEffectClrLst/>
+  </dgm:styleLbl>
+  <dgm:styleLbl name="parChTrans2D1">
+    <dgm:fillClrLst meth="repeat">
+      <a:schemeClr val="accent1">
+        <a:tint val="60000"/>
+      </a:schemeClr>
+    </dgm:fillClrLst>
+    <dgm:linClrLst meth="repeat">
+      <a:schemeClr val="accent1">
+        <a:tint val="60000"/>
+      </a:schemeClr>
+    </dgm:linClrLst>
+    <dgm:effectClrLst/>
+    <dgm:txLinClrLst/>
+    <dgm:txFillClrLst meth="repeat">
+      <a:schemeClr val="lt1"/>
+    </dgm:txFillClrLst>
+    <dgm:txEffectClrLst/>
+  </dgm:styleLbl>
+  <dgm:styleLbl name="parChTrans2D2">
+    <dgm:fillClrLst meth="repeat">
+      <a:schemeClr val="accent1"/>
+    </dgm:fillClrLst>
+    <dgm:linClrLst meth="repeat">
+      <a:schemeClr val="accent1"/>
+    </dgm:linClrLst>
+    <dgm:effectClrLst/>
+    <dgm:txLinClrLst/>
+    <dgm:txFillClrLst meth="repeat">
+      <a:schemeClr val="lt1"/>
+    </dgm:txFillClrLst>
+    <dgm:txEffectClrLst/>
+  </dgm:styleLbl>
+  <dgm:styleLbl name="parChTrans2D3">
+    <dgm:fillClrLst meth="repeat">
+      <a:schemeClr val="accent1"/>
+    </dgm:fillClrLst>
+    <dgm:linClrLst meth="repeat">
+      <a:schemeClr val="accent1"/>
+    </dgm:linClrLst>
+    <dgm:effectClrLst/>
+    <dgm:txLinClrLst/>
+    <dgm:txFillClrLst meth="repeat">
+      <a:schemeClr val="lt1"/>
+    </dgm:txFillClrLst>
+    <dgm:txEffectClrLst/>
+  </dgm:styleLbl>
+  <dgm:styleLbl name="parChTrans2D4">
+    <dgm:fillClrLst meth="repeat">
+      <a:schemeClr val="accent1"/>
+    </dgm:fillClrLst>
+    <dgm:linClrLst meth="repeat">
+      <a:schemeClr val="accent1"/>
+    </dgm:linClrLst>
+    <dgm:effectClrLst/>
+    <dgm:txLinClrLst/>
+    <dgm:txFillClrLst meth="repeat">
+      <a:schemeClr val="lt1"/>
+    </dgm:txFillClrLst>
+    <dgm:txEffectClrLst/>
+  </dgm:styleLbl>
+  <dgm:styleLbl name="parChTrans1D1">
+    <dgm:fillClrLst meth="repeat">
+      <a:schemeClr val="accent1"/>
+    </dgm:fillClrLst>
+    <dgm:linClrLst meth="repeat">
+      <a:schemeClr val="accent1">
+        <a:shade val="60000"/>
+      </a:schemeClr>
+    </dgm:linClrLst>
+    <dgm:effectClrLst/>
+    <dgm:txLinClrLst/>
+    <dgm:txFillClrLst meth="repeat">
+      <a:schemeClr val="tx1"/>
+    </dgm:txFillClrLst>
+    <dgm:txEffectClrLst/>
+  </dgm:styleLbl>
+  <dgm:styleLbl name="parChTrans1D2">
+    <dgm:fillClrLst meth="repeat">
+      <a:schemeClr val="accent1"/>
+    </dgm:fillClrLst>
+    <dgm:linClrLst meth="repeat">
+      <a:schemeClr val="accent1">
+        <a:shade val="60000"/>
+      </a:schemeClr>
+    </dgm:linClrLst>
+    <dgm:effectClrLst/>
+    <dgm:txLinClrLst/>
+    <dgm:txFillClrLst meth="repeat">
+      <a:schemeClr val="tx1"/>
+    </dgm:txFillClrLst>
+    <dgm:txEffectClrLst/>
+  </dgm:styleLbl>
+  <dgm:styleLbl name="parChTrans1D3">
+    <dgm:fillClrLst meth="repeat">
+      <a:schemeClr val="accent1"/>
+    </dgm:fillClrLst>
+    <dgm:linClrLst meth="repeat">
+      <a:schemeClr val="accent1">
+        <a:shade val="80000"/>
+      </a:schemeClr>
+    </dgm:linClrLst>
+    <dgm:effectClrLst/>
+    <dgm:txLinClrLst/>
+    <dgm:txFillClrLst meth="repeat">
+      <a:schemeClr val="tx1"/>
+    </dgm:txFillClrLst>
+    <dgm:txEffectClrLst/>
+  </dgm:styleLbl>
+  <dgm:styleLbl name="parChTrans1D4">
+    <dgm:fillClrLst meth="repeat">
+      <a:schemeClr val="accent1"/>
+    </dgm:fillClrLst>
+    <dgm:linClrLst meth="repeat">
+      <a:schemeClr val="accent1">
+        <a:shade val="80000"/>
+      </a:schemeClr>
+    </dgm:linClrLst>
+    <dgm:effectClrLst/>
+    <dgm:txLinClrLst/>
+    <dgm:txFillClrLst meth="repeat">
+      <a:schemeClr val="tx1"/>
+    </dgm:txFillClrLst>
+    <dgm:txEffectClrLst/>
+  </dgm:styleLbl>
+  <dgm:styleLbl name="fgAcc1">
+    <dgm:fillClrLst meth="repeat">
+      <a:schemeClr val="lt1">
+        <a:alpha val="90000"/>
+      </a:schemeClr>
+    </dgm:fillClrLst>
+    <dgm:linClrLst meth="repeat">
+      <a:schemeClr val="accent1"/>
+    </dgm:linClrLst>
+    <dgm:effectClrLst/>
+    <dgm:txLinClrLst/>
+    <dgm:txFillClrLst meth="repeat">
+      <a:schemeClr val="dk1"/>
+    </dgm:txFillClrLst>
+    <dgm:txEffectClrLst/>
+  </dgm:styleLbl>
+  <dgm:styleLbl name="conFgAcc1">
+    <dgm:fillClrLst meth="repeat">
+      <a:schemeClr val="lt1">
+        <a:alpha val="90000"/>
+      </a:schemeClr>
+    </dgm:fillClrLst>
+    <dgm:linClrLst meth="repeat">
+      <a:schemeClr val="accent1"/>
+    </dgm:linClrLst>
+    <dgm:effectClrLst/>
+    <dgm:txLinClrLst/>
+    <dgm:txFillClrLst meth="repeat">
+      <a:schemeClr val="dk1"/>
+    </dgm:txFillClrLst>
+    <dgm:txEffectClrLst/>
+  </dgm:styleLbl>
+  <dgm:styleLbl name="alignAcc1">
+    <dgm:fillClrLst meth="repeat">
+      <a:schemeClr val="lt1">
+        <a:alpha val="90000"/>
+      </a:schemeClr>
+    </dgm:fillClrLst>
+    <dgm:linClrLst meth="repeat">
+      <a:schemeClr val="accent1"/>
+    </dgm:linClrLst>
+    <dgm:effectClrLst/>
+    <dgm:txLinClrLst/>
+    <dgm:txFillClrLst meth="repeat">
+      <a:schemeClr val="dk1"/>
+    </dgm:txFillClrLst>
+    <dgm:txEffectClrLst/>
+  </dgm:styleLbl>
+  <dgm:styleLbl name="trAlignAcc1">
+    <dgm:fillClrLst meth="repeat">
+      <a:schemeClr val="lt1">
+        <a:alpha val="40000"/>
+      </a:schemeClr>
+    </dgm:fillClrLst>
+    <dgm:linClrLst meth="repeat">
+      <a:schemeClr val="accent1"/>
+    </dgm:linClrLst>
+    <dgm:effectClrLst/>
+    <dgm:txLinClrLst/>
+    <dgm:txFillClrLst meth="repeat">
+      <a:schemeClr val="dk1"/>
+    </dgm:txFillClrLst>
+    <dgm:txEffectClrLst/>
+  </dgm:styleLbl>
+  <dgm:styleLbl name="bgAcc1">
+    <dgm:fillClrLst meth="repeat">
+      <a:schemeClr val="lt1">
+        <a:alpha val="90000"/>
+      </a:schemeClr>
+    </dgm:fillClrLst>
+    <dgm:linClrLst meth="repeat">
+      <a:schemeClr val="accent1"/>
+    </dgm:linClrLst>
+    <dgm:effectClrLst/>
+    <dgm:txLinClrLst/>
+    <dgm:txFillClrLst meth="repeat">
+      <a:schemeClr val="dk1"/>
+    </dgm:txFillClrLst>
+    <dgm:txEffectClrLst/>
+  </dgm:styleLbl>
+  <dgm:styleLbl name="solidFgAcc1">
+    <dgm:fillClrLst meth="repeat">
+      <a:schemeClr val="lt1"/>
+    </dgm:fillClrLst>
+    <dgm:linClrLst meth="repeat">
+      <a:schemeClr val="accent1"/>
+    </dgm:linClrLst>
+    <dgm:effectClrLst/>
+    <dgm:txLinClrLst/>
+    <dgm:txFillClrLst meth="repeat">
+      <a:schemeClr val="dk1"/>
+    </dgm:txFillClrLst>
+    <dgm:txEffectClrLst/>
+  </dgm:styleLbl>
+  <dgm:styleLbl name="solidAlignAcc1">
+    <dgm:fillClrLst meth="repeat">
+      <a:schemeClr val="lt1"/>
+    </dgm:fillClrLst>
+    <dgm:linClrLst meth="repeat">
+      <a:schemeClr val="accent1"/>
+    </dgm:linClrLst>
+    <dgm:effectClrLst/>
+    <dgm:txLinClrLst/>
+    <dgm:txFillClrLst meth="repeat">
+      <a:schemeClr val="dk1"/>
+    </dgm:txFillClrLst>
+    <dgm:txEffectClrLst/>
+  </dgm:styleLbl>
+  <dgm:styleLbl name="solidBgAcc1">
+    <dgm:fillClrLst meth="repeat">
+      <a:schemeClr val="lt1"/>
+    </dgm:fillClrLst>
+    <dgm:linClrLst meth="repeat">
+      <a:schemeClr val="accent1"/>
+    </dgm:linClrLst>
+    <dgm:effectClrLst/>
+    <dgm:txLinClrLst/>
+    <dgm:txFillClrLst meth="repeat">
+      <a:schemeClr val="dk1"/>
+    </dgm:txFillClrLst>
+    <dgm:txEffectClrLst/>
+  </dgm:styleLbl>
+  <dgm:styleLbl name="fgAccFollowNode1">
+    <dgm:fillClrLst meth="repeat">
+      <a:schemeClr val="accent1">
+        <a:alpha val="90000"/>
+        <a:tint val="40000"/>
+      </a:schemeClr>
+    </dgm:fillClrLst>
+    <dgm:linClrLst meth="repeat">
+      <a:schemeClr val="accent1">
+        <a:alpha val="90000"/>
+        <a:tint val="40000"/>
+      </a:schemeClr>
+    </dgm:linClrLst>
+    <dgm:effectClrLst/>
+    <dgm:txLinClrLst/>
+    <dgm:txFillClrLst meth="repeat">
+      <a:schemeClr val="dk1"/>
+    </dgm:txFillClrLst>
+    <dgm:txEffectClrLst/>
+  </dgm:styleLbl>
+  <dgm:styleLbl name="alignAccFollowNode1">
+    <dgm:fillClrLst meth="repeat">
+      <a:schemeClr val="accent1">
+        <a:alpha val="90000"/>
+        <a:tint val="40000"/>
+      </a:schemeClr>
+    </dgm:fillClrLst>
+    <dgm:linClrLst meth="repeat">
+      <a:schemeClr val="accent1">
+        <a:alpha val="90000"/>
+        <a:tint val="40000"/>
+      </a:schemeClr>
+    </dgm:linClrLst>
+    <dgm:effectClrLst/>
+    <dgm:txLinClrLst/>
+    <dgm:txFillClrLst meth="repeat">
+      <a:schemeClr val="dk1"/>
+    </dgm:txFillClrLst>
+    <dgm:txEffectClrLst/>
+  </dgm:styleLbl>
+  <dgm:styleLbl name="bgAccFollowNode1">
+    <dgm:fillClrLst meth="repeat">
+      <a:schemeClr val="accent1">
+        <a:alpha val="90000"/>
+        <a:tint val="40000"/>
+      </a:schemeClr>
+    </dgm:fillClrLst>
+    <dgm:linClrLst meth="repeat">
+      <a:schemeClr val="accent1">
+        <a:alpha val="90000"/>
+        <a:tint val="40000"/>
+      </a:schemeClr>
+    </dgm:linClrLst>
+    <dgm:effectClrLst/>
+    <dgm:txLinClrLst/>
+    <dgm:txFillClrLst meth="repeat">
+      <a:schemeClr val="dk1"/>
+    </dgm:txFillClrLst>
+    <dgm:txEffectClrLst/>
+  </dgm:styleLbl>
+  <dgm:styleLbl name="fgAcc0">
+    <dgm:fillClrLst meth="repeat">
+      <a:schemeClr val="lt1">
+        <a:alpha val="90000"/>
+      </a:schemeClr>
+    </dgm:fillClrLst>
+    <dgm:linClrLst meth="repeat">
+      <a:schemeClr val="accent1"/>
+    </dgm:linClrLst>
+    <dgm:effectClrLst/>
+    <dgm:txLinClrLst/>
+    <dgm:txFillClrLst meth="repeat">
+      <a:schemeClr val="dk1"/>
+    </dgm:txFillClrLst>
+    <dgm:txEffectClrLst/>
+  </dgm:styleLbl>
+  <dgm:styleLbl name="fgAcc2">
+    <dgm:fillClrLst meth="repeat">
+      <a:schemeClr val="lt1">
+        <a:alpha val="90000"/>
+      </a:schemeClr>
+    </dgm:fillClrLst>
+    <dgm:linClrLst meth="repeat">
+      <a:schemeClr val="accent1"/>
+    </dgm:linClrLst>
+    <dgm:effectClrLst/>
+    <dgm:txLinClrLst/>
+    <dgm:txFillClrLst meth="repeat">
+      <a:schemeClr val="dk1"/>
+    </dgm:txFillClrLst>
+    <dgm:txEffectClrLst/>
+  </dgm:styleLbl>
+  <dgm:styleLbl name="fgAcc3">
+    <dgm:fillClrLst meth="repeat">
+      <a:schemeClr val="lt1">
+        <a:alpha val="90000"/>
+      </a:schemeClr>
+    </dgm:fillClrLst>
+    <dgm:linClrLst meth="repeat">
+      <a:schemeClr val="accent1"/>
+    </dgm:linClrLst>
+    <dgm:effectClrLst/>
+    <dgm:txLinClrLst/>
+    <dgm:txFillClrLst meth="repeat">
+      <a:schemeClr val="dk1"/>
+    </dgm:txFillClrLst>
+    <dgm:txEffectClrLst/>
+  </dgm:styleLbl>
+  <dgm:styleLbl name="fgAcc4">
+    <dgm:fillClrLst meth="repeat">
+      <a:schemeClr val="lt1">
+        <a:alpha val="90000"/>
+      </a:schemeClr>
+    </dgm:fillClrLst>
+    <dgm:linClrLst meth="repeat">
+      <a:schemeClr val="accent1"/>
+    </dgm:linClrLst>
+    <dgm:effectClrLst/>
+    <dgm:txLinClrLst/>
+    <dgm:txFillClrLst meth="repeat">
+      <a:schemeClr val="dk1"/>
+    </dgm:txFillClrLst>
+    <dgm:txEffectClrLst/>
+  </dgm:styleLbl>
+  <dgm:styleLbl name="bgShp">
+    <dgm:fillClrLst meth="repeat">
+      <a:schemeClr val="accent1">
+        <a:tint val="40000"/>
+      </a:schemeClr>
+    </dgm:fillClrLst>
+    <dgm:linClrLst meth="repeat">
+      <a:schemeClr val="accent1"/>
+    </dgm:linClrLst>
+    <dgm:effectClrLst/>
+    <dgm:txLinClrLst/>
+    <dgm:txFillClrLst meth="repeat">
+      <a:schemeClr val="dk1"/>
+    </dgm:txFillClrLst>
+    <dgm:txEffectClrLst/>
+  </dgm:styleLbl>
+  <dgm:styleLbl name="dkBgShp">
+    <dgm:fillClrLst meth="repeat">
+      <a:schemeClr val="accent1">
+        <a:shade val="80000"/>
+      </a:schemeClr>
+    </dgm:fillClrLst>
+    <dgm:linClrLst meth="repeat">
+      <a:schemeClr val="accent1"/>
+    </dgm:linClrLst>
+    <dgm:effectClrLst/>
+    <dgm:txLinClrLst/>
+    <dgm:txFillClrLst meth="repeat">
+      <a:schemeClr val="lt1"/>
+    </dgm:txFillClrLst>
+    <dgm:txEffectClrLst/>
+  </dgm:styleLbl>
+  <dgm:styleLbl name="trBgShp">
+    <dgm:fillClrLst meth="repeat">
+      <a:schemeClr val="accent1">
+        <a:tint val="50000"/>
+        <a:alpha val="40000"/>
+      </a:schemeClr>
+    </dgm:fillClrLst>
+    <dgm:linClrLst meth="repeat">
+      <a:schemeClr val="accent1"/>
+    </dgm:linClrLst>
+    <dgm:effectClrLst/>
+    <dgm:txLinClrLst/>
+    <dgm:txFillClrLst meth="repeat">
+      <a:schemeClr val="lt1"/>
+    </dgm:txFillClrLst>
+    <dgm:txEffectClrLst/>
+  </dgm:styleLbl>
+  <dgm:styleLbl name="fgShp">
+    <dgm:fillClrLst meth="repeat">
+      <a:schemeClr val="accent1">
+        <a:tint val="60000"/>
+      </a:schemeClr>
+    </dgm:fillClrLst>
+    <dgm:linClrLst meth="repeat">
+      <a:schemeClr val="lt1"/>
+    </dgm:linClrLst>
+    <dgm:effectClrLst/>
+    <dgm:txLinClrLst/>
+    <dgm:txFillClrLst meth="repeat">
+      <a:schemeClr val="dk1"/>
+    </dgm:txFillClrLst>
+    <dgm:txEffectClrLst/>
+  </dgm:styleLbl>
+  <dgm:styleLbl name="revTx">
+    <dgm:fillClrLst meth="repeat">
+      <a:schemeClr val="lt1">
+        <a:alpha val="0"/>
+      </a:schemeClr>
+    </dgm:fillClrLst>
+    <dgm:linClrLst meth="repeat">
+      <a:schemeClr val="dk1">
+        <a:alpha val="0"/>
+      </a:schemeClr>
+    </dgm:linClrLst>
+    <dgm:effectClrLst/>
+    <dgm:txLinClrLst/>
+    <dgm:txFillClrLst meth="repeat">
+      <a:schemeClr val="tx1"/>
+    </dgm:txFillClrLst>
+    <dgm:txEffectClrLst/>
+  </dgm:styleLbl>
+</dgm:colorsDef>
+</file>
+
+<file path=ppt/diagrams/colors5.xml><?xml version="1.0" encoding="utf-8"?>
 <dgm:colorsDef xmlns:dgm="http://schemas.openxmlformats.org/drawingml/2006/diagram" xmlns:a="http://schemas.openxmlformats.org/drawingml/2006/main" uniqueId="urn:microsoft.com/office/officeart/2005/8/colors/accent2_2">
   <dgm:title val=""/>
   <dgm:desc val=""/>
@@ -3216,7 +3962,7 @@
 </dgm:colorsDef>
 </file>
 
-<file path=ppt/diagrams/colors5.xml><?xml version="1.0" encoding="utf-8"?>
+<file path=ppt/diagrams/colors6.xml><?xml version="1.0" encoding="utf-8"?>
 <dgm:colorsDef xmlns:dgm="http://schemas.openxmlformats.org/drawingml/2006/diagram" xmlns:a="http://schemas.openxmlformats.org/drawingml/2006/main" uniqueId="urn:microsoft.com/office/officeart/2005/8/colors/accent3_2">
   <dgm:title val=""/>
   <dgm:desc val=""/>
@@ -3929,753 +4675,6 @@
   <dgm:styleLbl name="fgShp">
     <dgm:fillClrLst meth="repeat">
       <a:schemeClr val="accent3">
-        <a:tint val="60000"/>
-      </a:schemeClr>
-    </dgm:fillClrLst>
-    <dgm:linClrLst meth="repeat">
-      <a:schemeClr val="lt1"/>
-    </dgm:linClrLst>
-    <dgm:effectClrLst/>
-    <dgm:txLinClrLst/>
-    <dgm:txFillClrLst meth="repeat">
-      <a:schemeClr val="dk1"/>
-    </dgm:txFillClrLst>
-    <dgm:txEffectClrLst/>
-  </dgm:styleLbl>
-  <dgm:styleLbl name="revTx">
-    <dgm:fillClrLst meth="repeat">
-      <a:schemeClr val="lt1">
-        <a:alpha val="0"/>
-      </a:schemeClr>
-    </dgm:fillClrLst>
-    <dgm:linClrLst meth="repeat">
-      <a:schemeClr val="dk1">
-        <a:alpha val="0"/>
-      </a:schemeClr>
-    </dgm:linClrLst>
-    <dgm:effectClrLst/>
-    <dgm:txLinClrLst/>
-    <dgm:txFillClrLst meth="repeat">
-      <a:schemeClr val="tx1"/>
-    </dgm:txFillClrLst>
-    <dgm:txEffectClrLst/>
-  </dgm:styleLbl>
-</dgm:colorsDef>
-</file>
-
-<file path=ppt/diagrams/colors6.xml><?xml version="1.0" encoding="utf-8"?>
-<dgm:colorsDef xmlns:dgm="http://schemas.openxmlformats.org/drawingml/2006/diagram" xmlns:a="http://schemas.openxmlformats.org/drawingml/2006/main" uniqueId="urn:microsoft.com/office/officeart/2005/8/colors/accent2_2">
-  <dgm:title val=""/>
-  <dgm:desc val=""/>
-  <dgm:catLst>
-    <dgm:cat type="accent2" pri="11200"/>
-  </dgm:catLst>
-  <dgm:styleLbl name="node0">
-    <dgm:fillClrLst meth="repeat">
-      <a:schemeClr val="accent2"/>
-    </dgm:fillClrLst>
-    <dgm:linClrLst meth="repeat">
-      <a:schemeClr val="lt1"/>
-    </dgm:linClrLst>
-    <dgm:effectClrLst/>
-    <dgm:txLinClrLst/>
-    <dgm:txFillClrLst/>
-    <dgm:txEffectClrLst/>
-  </dgm:styleLbl>
-  <dgm:styleLbl name="node1">
-    <dgm:fillClrLst meth="repeat">
-      <a:schemeClr val="accent2"/>
-    </dgm:fillClrLst>
-    <dgm:linClrLst meth="repeat">
-      <a:schemeClr val="lt1"/>
-    </dgm:linClrLst>
-    <dgm:effectClrLst/>
-    <dgm:txLinClrLst/>
-    <dgm:txFillClrLst/>
-    <dgm:txEffectClrLst/>
-  </dgm:styleLbl>
-  <dgm:styleLbl name="alignNode1">
-    <dgm:fillClrLst meth="repeat">
-      <a:schemeClr val="accent2"/>
-    </dgm:fillClrLst>
-    <dgm:linClrLst meth="repeat">
-      <a:schemeClr val="accent2"/>
-    </dgm:linClrLst>
-    <dgm:effectClrLst/>
-    <dgm:txLinClrLst/>
-    <dgm:txFillClrLst/>
-    <dgm:txEffectClrLst/>
-  </dgm:styleLbl>
-  <dgm:styleLbl name="lnNode1">
-    <dgm:fillClrLst meth="repeat">
-      <a:schemeClr val="accent2"/>
-    </dgm:fillClrLst>
-    <dgm:linClrLst meth="repeat">
-      <a:schemeClr val="lt1"/>
-    </dgm:linClrLst>
-    <dgm:effectClrLst/>
-    <dgm:txLinClrLst/>
-    <dgm:txFillClrLst/>
-    <dgm:txEffectClrLst/>
-  </dgm:styleLbl>
-  <dgm:styleLbl name="vennNode1">
-    <dgm:fillClrLst meth="repeat">
-      <a:schemeClr val="accent2">
-        <a:alpha val="50000"/>
-      </a:schemeClr>
-    </dgm:fillClrLst>
-    <dgm:linClrLst meth="repeat">
-      <a:schemeClr val="lt1"/>
-    </dgm:linClrLst>
-    <dgm:effectClrLst/>
-    <dgm:txLinClrLst/>
-    <dgm:txFillClrLst/>
-    <dgm:txEffectClrLst/>
-  </dgm:styleLbl>
-  <dgm:styleLbl name="node2">
-    <dgm:fillClrLst meth="repeat">
-      <a:schemeClr val="accent2"/>
-    </dgm:fillClrLst>
-    <dgm:linClrLst meth="repeat">
-      <a:schemeClr val="lt1"/>
-    </dgm:linClrLst>
-    <dgm:effectClrLst/>
-    <dgm:txLinClrLst/>
-    <dgm:txFillClrLst/>
-    <dgm:txEffectClrLst/>
-  </dgm:styleLbl>
-  <dgm:styleLbl name="node3">
-    <dgm:fillClrLst meth="repeat">
-      <a:schemeClr val="accent2"/>
-    </dgm:fillClrLst>
-    <dgm:linClrLst meth="repeat">
-      <a:schemeClr val="lt1"/>
-    </dgm:linClrLst>
-    <dgm:effectClrLst/>
-    <dgm:txLinClrLst/>
-    <dgm:txFillClrLst/>
-    <dgm:txEffectClrLst/>
-  </dgm:styleLbl>
-  <dgm:styleLbl name="node4">
-    <dgm:fillClrLst meth="repeat">
-      <a:schemeClr val="accent2"/>
-    </dgm:fillClrLst>
-    <dgm:linClrLst meth="repeat">
-      <a:schemeClr val="lt1"/>
-    </dgm:linClrLst>
-    <dgm:effectClrLst/>
-    <dgm:txLinClrLst/>
-    <dgm:txFillClrLst/>
-    <dgm:txEffectClrLst/>
-  </dgm:styleLbl>
-  <dgm:styleLbl name="fgImgPlace1">
-    <dgm:fillClrLst meth="repeat">
-      <a:schemeClr val="accent2">
-        <a:tint val="50000"/>
-      </a:schemeClr>
-    </dgm:fillClrLst>
-    <dgm:linClrLst meth="repeat">
-      <a:schemeClr val="lt1"/>
-    </dgm:linClrLst>
-    <dgm:effectClrLst/>
-    <dgm:txLinClrLst/>
-    <dgm:txFillClrLst meth="repeat">
-      <a:schemeClr val="lt1"/>
-    </dgm:txFillClrLst>
-    <dgm:txEffectClrLst/>
-  </dgm:styleLbl>
-  <dgm:styleLbl name="alignImgPlace1">
-    <dgm:fillClrLst meth="repeat">
-      <a:schemeClr val="accent2">
-        <a:tint val="50000"/>
-      </a:schemeClr>
-    </dgm:fillClrLst>
-    <dgm:linClrLst meth="repeat">
-      <a:schemeClr val="lt1"/>
-    </dgm:linClrLst>
-    <dgm:effectClrLst/>
-    <dgm:txLinClrLst/>
-    <dgm:txFillClrLst meth="repeat">
-      <a:schemeClr val="lt1"/>
-    </dgm:txFillClrLst>
-    <dgm:txEffectClrLst/>
-  </dgm:styleLbl>
-  <dgm:styleLbl name="bgImgPlace1">
-    <dgm:fillClrLst meth="repeat">
-      <a:schemeClr val="accent2">
-        <a:tint val="50000"/>
-      </a:schemeClr>
-    </dgm:fillClrLst>
-    <dgm:linClrLst meth="repeat">
-      <a:schemeClr val="lt1"/>
-    </dgm:linClrLst>
-    <dgm:effectClrLst/>
-    <dgm:txLinClrLst/>
-    <dgm:txFillClrLst meth="repeat">
-      <a:schemeClr val="lt1"/>
-    </dgm:txFillClrLst>
-    <dgm:txEffectClrLst/>
-  </dgm:styleLbl>
-  <dgm:styleLbl name="sibTrans2D1">
-    <dgm:fillClrLst meth="repeat">
-      <a:schemeClr val="accent2">
-        <a:tint val="60000"/>
-      </a:schemeClr>
-    </dgm:fillClrLst>
-    <dgm:linClrLst meth="repeat">
-      <a:schemeClr val="accent2">
-        <a:tint val="60000"/>
-      </a:schemeClr>
-    </dgm:linClrLst>
-    <dgm:effectClrLst/>
-    <dgm:txLinClrLst/>
-    <dgm:txFillClrLst/>
-    <dgm:txEffectClrLst/>
-  </dgm:styleLbl>
-  <dgm:styleLbl name="fgSibTrans2D1">
-    <dgm:fillClrLst meth="repeat">
-      <a:schemeClr val="accent2">
-        <a:tint val="60000"/>
-      </a:schemeClr>
-    </dgm:fillClrLst>
-    <dgm:linClrLst meth="repeat">
-      <a:schemeClr val="accent2">
-        <a:tint val="60000"/>
-      </a:schemeClr>
-    </dgm:linClrLst>
-    <dgm:effectClrLst/>
-    <dgm:txLinClrLst/>
-    <dgm:txFillClrLst/>
-    <dgm:txEffectClrLst/>
-  </dgm:styleLbl>
-  <dgm:styleLbl name="bgSibTrans2D1">
-    <dgm:fillClrLst meth="repeat">
-      <a:schemeClr val="accent2">
-        <a:tint val="60000"/>
-      </a:schemeClr>
-    </dgm:fillClrLst>
-    <dgm:linClrLst meth="repeat">
-      <a:schemeClr val="accent2">
-        <a:tint val="60000"/>
-      </a:schemeClr>
-    </dgm:linClrLst>
-    <dgm:effectClrLst/>
-    <dgm:txLinClrLst/>
-    <dgm:txFillClrLst/>
-    <dgm:txEffectClrLst/>
-  </dgm:styleLbl>
-  <dgm:styleLbl name="sibTrans1D1">
-    <dgm:fillClrLst meth="repeat">
-      <a:schemeClr val="accent2"/>
-    </dgm:fillClrLst>
-    <dgm:linClrLst meth="repeat">
-      <a:schemeClr val="accent2"/>
-    </dgm:linClrLst>
-    <dgm:effectClrLst/>
-    <dgm:txLinClrLst/>
-    <dgm:txFillClrLst meth="repeat">
-      <a:schemeClr val="tx1"/>
-    </dgm:txFillClrLst>
-    <dgm:txEffectClrLst/>
-  </dgm:styleLbl>
-  <dgm:styleLbl name="callout">
-    <dgm:fillClrLst meth="repeat">
-      <a:schemeClr val="accent2"/>
-    </dgm:fillClrLst>
-    <dgm:linClrLst meth="repeat">
-      <a:schemeClr val="accent2">
-        <a:tint val="50000"/>
-      </a:schemeClr>
-    </dgm:linClrLst>
-    <dgm:effectClrLst/>
-    <dgm:txLinClrLst/>
-    <dgm:txFillClrLst meth="repeat">
-      <a:schemeClr val="tx1"/>
-    </dgm:txFillClrLst>
-    <dgm:txEffectClrLst/>
-  </dgm:styleLbl>
-  <dgm:styleLbl name="asst0">
-    <dgm:fillClrLst meth="repeat">
-      <a:schemeClr val="accent2"/>
-    </dgm:fillClrLst>
-    <dgm:linClrLst meth="repeat">
-      <a:schemeClr val="lt1"/>
-    </dgm:linClrLst>
-    <dgm:effectClrLst/>
-    <dgm:txLinClrLst/>
-    <dgm:txFillClrLst/>
-    <dgm:txEffectClrLst/>
-  </dgm:styleLbl>
-  <dgm:styleLbl name="asst1">
-    <dgm:fillClrLst meth="repeat">
-      <a:schemeClr val="accent2"/>
-    </dgm:fillClrLst>
-    <dgm:linClrLst meth="repeat">
-      <a:schemeClr val="lt1"/>
-    </dgm:linClrLst>
-    <dgm:effectClrLst/>
-    <dgm:txLinClrLst/>
-    <dgm:txFillClrLst/>
-    <dgm:txEffectClrLst/>
-  </dgm:styleLbl>
-  <dgm:styleLbl name="asst2">
-    <dgm:fillClrLst meth="repeat">
-      <a:schemeClr val="accent2"/>
-    </dgm:fillClrLst>
-    <dgm:linClrLst meth="repeat">
-      <a:schemeClr val="lt1"/>
-    </dgm:linClrLst>
-    <dgm:effectClrLst/>
-    <dgm:txLinClrLst/>
-    <dgm:txFillClrLst/>
-    <dgm:txEffectClrLst/>
-  </dgm:styleLbl>
-  <dgm:styleLbl name="asst3">
-    <dgm:fillClrLst meth="repeat">
-      <a:schemeClr val="accent2"/>
-    </dgm:fillClrLst>
-    <dgm:linClrLst meth="repeat">
-      <a:schemeClr val="lt1"/>
-    </dgm:linClrLst>
-    <dgm:effectClrLst/>
-    <dgm:txLinClrLst/>
-    <dgm:txFillClrLst/>
-    <dgm:txEffectClrLst/>
-  </dgm:styleLbl>
-  <dgm:styleLbl name="asst4">
-    <dgm:fillClrLst meth="repeat">
-      <a:schemeClr val="accent2"/>
-    </dgm:fillClrLst>
-    <dgm:linClrLst meth="repeat">
-      <a:schemeClr val="lt1"/>
-    </dgm:linClrLst>
-    <dgm:effectClrLst/>
-    <dgm:txLinClrLst/>
-    <dgm:txFillClrLst/>
-    <dgm:txEffectClrLst/>
-  </dgm:styleLbl>
-  <dgm:styleLbl name="parChTrans2D1">
-    <dgm:fillClrLst meth="repeat">
-      <a:schemeClr val="accent2">
-        <a:tint val="60000"/>
-      </a:schemeClr>
-    </dgm:fillClrLst>
-    <dgm:linClrLst meth="repeat">
-      <a:schemeClr val="accent2">
-        <a:tint val="60000"/>
-      </a:schemeClr>
-    </dgm:linClrLst>
-    <dgm:effectClrLst/>
-    <dgm:txLinClrLst/>
-    <dgm:txFillClrLst meth="repeat">
-      <a:schemeClr val="lt1"/>
-    </dgm:txFillClrLst>
-    <dgm:txEffectClrLst/>
-  </dgm:styleLbl>
-  <dgm:styleLbl name="parChTrans2D2">
-    <dgm:fillClrLst meth="repeat">
-      <a:schemeClr val="accent2"/>
-    </dgm:fillClrLst>
-    <dgm:linClrLst meth="repeat">
-      <a:schemeClr val="accent2"/>
-    </dgm:linClrLst>
-    <dgm:effectClrLst/>
-    <dgm:txLinClrLst/>
-    <dgm:txFillClrLst meth="repeat">
-      <a:schemeClr val="lt1"/>
-    </dgm:txFillClrLst>
-    <dgm:txEffectClrLst/>
-  </dgm:styleLbl>
-  <dgm:styleLbl name="parChTrans2D3">
-    <dgm:fillClrLst meth="repeat">
-      <a:schemeClr val="accent2"/>
-    </dgm:fillClrLst>
-    <dgm:linClrLst meth="repeat">
-      <a:schemeClr val="accent2"/>
-    </dgm:linClrLst>
-    <dgm:effectClrLst/>
-    <dgm:txLinClrLst/>
-    <dgm:txFillClrLst meth="repeat">
-      <a:schemeClr val="lt1"/>
-    </dgm:txFillClrLst>
-    <dgm:txEffectClrLst/>
-  </dgm:styleLbl>
-  <dgm:styleLbl name="parChTrans2D4">
-    <dgm:fillClrLst meth="repeat">
-      <a:schemeClr val="accent2"/>
-    </dgm:fillClrLst>
-    <dgm:linClrLst meth="repeat">
-      <a:schemeClr val="accent2"/>
-    </dgm:linClrLst>
-    <dgm:effectClrLst/>
-    <dgm:txLinClrLst/>
-    <dgm:txFillClrLst meth="repeat">
-      <a:schemeClr val="lt1"/>
-    </dgm:txFillClrLst>
-    <dgm:txEffectClrLst/>
-  </dgm:styleLbl>
-  <dgm:styleLbl name="parChTrans1D1">
-    <dgm:fillClrLst meth="repeat">
-      <a:schemeClr val="accent2"/>
-    </dgm:fillClrLst>
-    <dgm:linClrLst meth="repeat">
-      <a:schemeClr val="accent2">
-        <a:shade val="60000"/>
-      </a:schemeClr>
-    </dgm:linClrLst>
-    <dgm:effectClrLst/>
-    <dgm:txLinClrLst/>
-    <dgm:txFillClrLst meth="repeat">
-      <a:schemeClr val="tx1"/>
-    </dgm:txFillClrLst>
-    <dgm:txEffectClrLst/>
-  </dgm:styleLbl>
-  <dgm:styleLbl name="parChTrans1D2">
-    <dgm:fillClrLst meth="repeat">
-      <a:schemeClr val="accent2"/>
-    </dgm:fillClrLst>
-    <dgm:linClrLst meth="repeat">
-      <a:schemeClr val="accent2">
-        <a:shade val="60000"/>
-      </a:schemeClr>
-    </dgm:linClrLst>
-    <dgm:effectClrLst/>
-    <dgm:txLinClrLst/>
-    <dgm:txFillClrLst meth="repeat">
-      <a:schemeClr val="tx1"/>
-    </dgm:txFillClrLst>
-    <dgm:txEffectClrLst/>
-  </dgm:styleLbl>
-  <dgm:styleLbl name="parChTrans1D3">
-    <dgm:fillClrLst meth="repeat">
-      <a:schemeClr val="accent2"/>
-    </dgm:fillClrLst>
-    <dgm:linClrLst meth="repeat">
-      <a:schemeClr val="accent2">
-        <a:shade val="80000"/>
-      </a:schemeClr>
-    </dgm:linClrLst>
-    <dgm:effectClrLst/>
-    <dgm:txLinClrLst/>
-    <dgm:txFillClrLst meth="repeat">
-      <a:schemeClr val="tx1"/>
-    </dgm:txFillClrLst>
-    <dgm:txEffectClrLst/>
-  </dgm:styleLbl>
-  <dgm:styleLbl name="parChTrans1D4">
-    <dgm:fillClrLst meth="repeat">
-      <a:schemeClr val="accent2"/>
-    </dgm:fillClrLst>
-    <dgm:linClrLst meth="repeat">
-      <a:schemeClr val="accent2">
-        <a:shade val="80000"/>
-      </a:schemeClr>
-    </dgm:linClrLst>
-    <dgm:effectClrLst/>
-    <dgm:txLinClrLst/>
-    <dgm:txFillClrLst meth="repeat">
-      <a:schemeClr val="tx1"/>
-    </dgm:txFillClrLst>
-    <dgm:txEffectClrLst/>
-  </dgm:styleLbl>
-  <dgm:styleLbl name="fgAcc1">
-    <dgm:fillClrLst meth="repeat">
-      <a:schemeClr val="lt1">
-        <a:alpha val="90000"/>
-      </a:schemeClr>
-    </dgm:fillClrLst>
-    <dgm:linClrLst meth="repeat">
-      <a:schemeClr val="accent2"/>
-    </dgm:linClrLst>
-    <dgm:effectClrLst/>
-    <dgm:txLinClrLst/>
-    <dgm:txFillClrLst meth="repeat">
-      <a:schemeClr val="dk1"/>
-    </dgm:txFillClrLst>
-    <dgm:txEffectClrLst/>
-  </dgm:styleLbl>
-  <dgm:styleLbl name="conFgAcc1">
-    <dgm:fillClrLst meth="repeat">
-      <a:schemeClr val="lt1">
-        <a:alpha val="90000"/>
-      </a:schemeClr>
-    </dgm:fillClrLst>
-    <dgm:linClrLst meth="repeat">
-      <a:schemeClr val="accent2"/>
-    </dgm:linClrLst>
-    <dgm:effectClrLst/>
-    <dgm:txLinClrLst/>
-    <dgm:txFillClrLst meth="repeat">
-      <a:schemeClr val="dk1"/>
-    </dgm:txFillClrLst>
-    <dgm:txEffectClrLst/>
-  </dgm:styleLbl>
-  <dgm:styleLbl name="alignAcc1">
-    <dgm:fillClrLst meth="repeat">
-      <a:schemeClr val="lt1">
-        <a:alpha val="90000"/>
-      </a:schemeClr>
-    </dgm:fillClrLst>
-    <dgm:linClrLst meth="repeat">
-      <a:schemeClr val="accent2"/>
-    </dgm:linClrLst>
-    <dgm:effectClrLst/>
-    <dgm:txLinClrLst/>
-    <dgm:txFillClrLst meth="repeat">
-      <a:schemeClr val="dk1"/>
-    </dgm:txFillClrLst>
-    <dgm:txEffectClrLst/>
-  </dgm:styleLbl>
-  <dgm:styleLbl name="trAlignAcc1">
-    <dgm:fillClrLst meth="repeat">
-      <a:schemeClr val="lt1">
-        <a:alpha val="40000"/>
-      </a:schemeClr>
-    </dgm:fillClrLst>
-    <dgm:linClrLst meth="repeat">
-      <a:schemeClr val="accent2"/>
-    </dgm:linClrLst>
-    <dgm:effectClrLst/>
-    <dgm:txLinClrLst/>
-    <dgm:txFillClrLst meth="repeat">
-      <a:schemeClr val="dk1"/>
-    </dgm:txFillClrLst>
-    <dgm:txEffectClrLst/>
-  </dgm:styleLbl>
-  <dgm:styleLbl name="bgAcc1">
-    <dgm:fillClrLst meth="repeat">
-      <a:schemeClr val="lt1">
-        <a:alpha val="90000"/>
-      </a:schemeClr>
-    </dgm:fillClrLst>
-    <dgm:linClrLst meth="repeat">
-      <a:schemeClr val="accent2"/>
-    </dgm:linClrLst>
-    <dgm:effectClrLst/>
-    <dgm:txLinClrLst/>
-    <dgm:txFillClrLst meth="repeat">
-      <a:schemeClr val="dk1"/>
-    </dgm:txFillClrLst>
-    <dgm:txEffectClrLst/>
-  </dgm:styleLbl>
-  <dgm:styleLbl name="solidFgAcc1">
-    <dgm:fillClrLst meth="repeat">
-      <a:schemeClr val="lt1"/>
-    </dgm:fillClrLst>
-    <dgm:linClrLst meth="repeat">
-      <a:schemeClr val="accent2"/>
-    </dgm:linClrLst>
-    <dgm:effectClrLst/>
-    <dgm:txLinClrLst/>
-    <dgm:txFillClrLst meth="repeat">
-      <a:schemeClr val="dk1"/>
-    </dgm:txFillClrLst>
-    <dgm:txEffectClrLst/>
-  </dgm:styleLbl>
-  <dgm:styleLbl name="solidAlignAcc1">
-    <dgm:fillClrLst meth="repeat">
-      <a:schemeClr val="lt1"/>
-    </dgm:fillClrLst>
-    <dgm:linClrLst meth="repeat">
-      <a:schemeClr val="accent2"/>
-    </dgm:linClrLst>
-    <dgm:effectClrLst/>
-    <dgm:txLinClrLst/>
-    <dgm:txFillClrLst meth="repeat">
-      <a:schemeClr val="dk1"/>
-    </dgm:txFillClrLst>
-    <dgm:txEffectClrLst/>
-  </dgm:styleLbl>
-  <dgm:styleLbl name="solidBgAcc1">
-    <dgm:fillClrLst meth="repeat">
-      <a:schemeClr val="lt1"/>
-    </dgm:fillClrLst>
-    <dgm:linClrLst meth="repeat">
-      <a:schemeClr val="accent2"/>
-    </dgm:linClrLst>
-    <dgm:effectClrLst/>
-    <dgm:txLinClrLst/>
-    <dgm:txFillClrLst meth="repeat">
-      <a:schemeClr val="dk1"/>
-    </dgm:txFillClrLst>
-    <dgm:txEffectClrLst/>
-  </dgm:styleLbl>
-  <dgm:styleLbl name="fgAccFollowNode1">
-    <dgm:fillClrLst meth="repeat">
-      <a:schemeClr val="accent2">
-        <a:alpha val="90000"/>
-        <a:tint val="40000"/>
-      </a:schemeClr>
-    </dgm:fillClrLst>
-    <dgm:linClrLst meth="repeat">
-      <a:schemeClr val="accent2">
-        <a:alpha val="90000"/>
-        <a:tint val="40000"/>
-      </a:schemeClr>
-    </dgm:linClrLst>
-    <dgm:effectClrLst/>
-    <dgm:txLinClrLst/>
-    <dgm:txFillClrLst meth="repeat">
-      <a:schemeClr val="dk1"/>
-    </dgm:txFillClrLst>
-    <dgm:txEffectClrLst/>
-  </dgm:styleLbl>
-  <dgm:styleLbl name="alignAccFollowNode1">
-    <dgm:fillClrLst meth="repeat">
-      <a:schemeClr val="accent2">
-        <a:alpha val="90000"/>
-        <a:tint val="40000"/>
-      </a:schemeClr>
-    </dgm:fillClrLst>
-    <dgm:linClrLst meth="repeat">
-      <a:schemeClr val="accent2">
-        <a:alpha val="90000"/>
-        <a:tint val="40000"/>
-      </a:schemeClr>
-    </dgm:linClrLst>
-    <dgm:effectClrLst/>
-    <dgm:txLinClrLst/>
-    <dgm:txFillClrLst meth="repeat">
-      <a:schemeClr val="dk1"/>
-    </dgm:txFillClrLst>
-    <dgm:txEffectClrLst/>
-  </dgm:styleLbl>
-  <dgm:styleLbl name="bgAccFollowNode1">
-    <dgm:fillClrLst meth="repeat">
-      <a:schemeClr val="accent2">
-        <a:alpha val="90000"/>
-        <a:tint val="40000"/>
-      </a:schemeClr>
-    </dgm:fillClrLst>
-    <dgm:linClrLst meth="repeat">
-      <a:schemeClr val="accent2">
-        <a:alpha val="90000"/>
-        <a:tint val="40000"/>
-      </a:schemeClr>
-    </dgm:linClrLst>
-    <dgm:effectClrLst/>
-    <dgm:txLinClrLst/>
-    <dgm:txFillClrLst meth="repeat">
-      <a:schemeClr val="dk1"/>
-    </dgm:txFillClrLst>
-    <dgm:txEffectClrLst/>
-  </dgm:styleLbl>
-  <dgm:styleLbl name="fgAcc0">
-    <dgm:fillClrLst meth="repeat">
-      <a:schemeClr val="lt1">
-        <a:alpha val="90000"/>
-      </a:schemeClr>
-    </dgm:fillClrLst>
-    <dgm:linClrLst meth="repeat">
-      <a:schemeClr val="accent2"/>
-    </dgm:linClrLst>
-    <dgm:effectClrLst/>
-    <dgm:txLinClrLst/>
-    <dgm:txFillClrLst meth="repeat">
-      <a:schemeClr val="dk1"/>
-    </dgm:txFillClrLst>
-    <dgm:txEffectClrLst/>
-  </dgm:styleLbl>
-  <dgm:styleLbl name="fgAcc2">
-    <dgm:fillClrLst meth="repeat">
-      <a:schemeClr val="lt1">
-        <a:alpha val="90000"/>
-      </a:schemeClr>
-    </dgm:fillClrLst>
-    <dgm:linClrLst meth="repeat">
-      <a:schemeClr val="accent2"/>
-    </dgm:linClrLst>
-    <dgm:effectClrLst/>
-    <dgm:txLinClrLst/>
-    <dgm:txFillClrLst meth="repeat">
-      <a:schemeClr val="dk1"/>
-    </dgm:txFillClrLst>
-    <dgm:txEffectClrLst/>
-  </dgm:styleLbl>
-  <dgm:styleLbl name="fgAcc3">
-    <dgm:fillClrLst meth="repeat">
-      <a:schemeClr val="lt1">
-        <a:alpha val="90000"/>
-      </a:schemeClr>
-    </dgm:fillClrLst>
-    <dgm:linClrLst meth="repeat">
-      <a:schemeClr val="accent2"/>
-    </dgm:linClrLst>
-    <dgm:effectClrLst/>
-    <dgm:txLinClrLst/>
-    <dgm:txFillClrLst meth="repeat">
-      <a:schemeClr val="dk1"/>
-    </dgm:txFillClrLst>
-    <dgm:txEffectClrLst/>
-  </dgm:styleLbl>
-  <dgm:styleLbl name="fgAcc4">
-    <dgm:fillClrLst meth="repeat">
-      <a:schemeClr val="lt1">
-        <a:alpha val="90000"/>
-      </a:schemeClr>
-    </dgm:fillClrLst>
-    <dgm:linClrLst meth="repeat">
-      <a:schemeClr val="accent2"/>
-    </dgm:linClrLst>
-    <dgm:effectClrLst/>
-    <dgm:txLinClrLst/>
-    <dgm:txFillClrLst meth="repeat">
-      <a:schemeClr val="dk1"/>
-    </dgm:txFillClrLst>
-    <dgm:txEffectClrLst/>
-  </dgm:styleLbl>
-  <dgm:styleLbl name="bgShp">
-    <dgm:fillClrLst meth="repeat">
-      <a:schemeClr val="accent2">
-        <a:tint val="40000"/>
-      </a:schemeClr>
-    </dgm:fillClrLst>
-    <dgm:linClrLst meth="repeat">
-      <a:schemeClr val="accent2"/>
-    </dgm:linClrLst>
-    <dgm:effectClrLst/>
-    <dgm:txLinClrLst/>
-    <dgm:txFillClrLst meth="repeat">
-      <a:schemeClr val="dk1"/>
-    </dgm:txFillClrLst>
-    <dgm:txEffectClrLst/>
-  </dgm:styleLbl>
-  <dgm:styleLbl name="dkBgShp">
-    <dgm:fillClrLst meth="repeat">
-      <a:schemeClr val="accent2">
-        <a:shade val="80000"/>
-      </a:schemeClr>
-    </dgm:fillClrLst>
-    <dgm:linClrLst meth="repeat">
-      <a:schemeClr val="accent2"/>
-    </dgm:linClrLst>
-    <dgm:effectClrLst/>
-    <dgm:txLinClrLst/>
-    <dgm:txFillClrLst meth="repeat">
-      <a:schemeClr val="lt1"/>
-    </dgm:txFillClrLst>
-    <dgm:txEffectClrLst/>
-  </dgm:styleLbl>
-  <dgm:styleLbl name="trBgShp">
-    <dgm:fillClrLst meth="repeat">
-      <a:schemeClr val="accent2">
-        <a:tint val="50000"/>
-        <a:alpha val="40000"/>
-      </a:schemeClr>
-    </dgm:fillClrLst>
-    <dgm:linClrLst meth="repeat">
-      <a:schemeClr val="accent2"/>
-    </dgm:linClrLst>
-    <dgm:effectClrLst/>
-    <dgm:txLinClrLst/>
-    <dgm:txFillClrLst meth="repeat">
-      <a:schemeClr val="lt1"/>
-    </dgm:txFillClrLst>
-    <dgm:txEffectClrLst/>
-  </dgm:styleLbl>
-  <dgm:styleLbl name="fgShp">
-    <dgm:fillClrLst meth="repeat">
-      <a:schemeClr val="accent2">
         <a:tint val="60000"/>
       </a:schemeClr>
     </dgm:fillClrLst>
@@ -5458,6 +5457,753 @@
 </file>
 
 <file path=ppt/diagrams/colors8.xml><?xml version="1.0" encoding="utf-8"?>
+<dgm:colorsDef xmlns:dgm="http://schemas.openxmlformats.org/drawingml/2006/diagram" xmlns:a="http://schemas.openxmlformats.org/drawingml/2006/main" uniqueId="urn:microsoft.com/office/officeart/2005/8/colors/accent2_2">
+  <dgm:title val=""/>
+  <dgm:desc val=""/>
+  <dgm:catLst>
+    <dgm:cat type="accent2" pri="11200"/>
+  </dgm:catLst>
+  <dgm:styleLbl name="node0">
+    <dgm:fillClrLst meth="repeat">
+      <a:schemeClr val="accent2"/>
+    </dgm:fillClrLst>
+    <dgm:linClrLst meth="repeat">
+      <a:schemeClr val="lt1"/>
+    </dgm:linClrLst>
+    <dgm:effectClrLst/>
+    <dgm:txLinClrLst/>
+    <dgm:txFillClrLst/>
+    <dgm:txEffectClrLst/>
+  </dgm:styleLbl>
+  <dgm:styleLbl name="node1">
+    <dgm:fillClrLst meth="repeat">
+      <a:schemeClr val="accent2"/>
+    </dgm:fillClrLst>
+    <dgm:linClrLst meth="repeat">
+      <a:schemeClr val="lt1"/>
+    </dgm:linClrLst>
+    <dgm:effectClrLst/>
+    <dgm:txLinClrLst/>
+    <dgm:txFillClrLst/>
+    <dgm:txEffectClrLst/>
+  </dgm:styleLbl>
+  <dgm:styleLbl name="alignNode1">
+    <dgm:fillClrLst meth="repeat">
+      <a:schemeClr val="accent2"/>
+    </dgm:fillClrLst>
+    <dgm:linClrLst meth="repeat">
+      <a:schemeClr val="accent2"/>
+    </dgm:linClrLst>
+    <dgm:effectClrLst/>
+    <dgm:txLinClrLst/>
+    <dgm:txFillClrLst/>
+    <dgm:txEffectClrLst/>
+  </dgm:styleLbl>
+  <dgm:styleLbl name="lnNode1">
+    <dgm:fillClrLst meth="repeat">
+      <a:schemeClr val="accent2"/>
+    </dgm:fillClrLst>
+    <dgm:linClrLst meth="repeat">
+      <a:schemeClr val="lt1"/>
+    </dgm:linClrLst>
+    <dgm:effectClrLst/>
+    <dgm:txLinClrLst/>
+    <dgm:txFillClrLst/>
+    <dgm:txEffectClrLst/>
+  </dgm:styleLbl>
+  <dgm:styleLbl name="vennNode1">
+    <dgm:fillClrLst meth="repeat">
+      <a:schemeClr val="accent2">
+        <a:alpha val="50000"/>
+      </a:schemeClr>
+    </dgm:fillClrLst>
+    <dgm:linClrLst meth="repeat">
+      <a:schemeClr val="lt1"/>
+    </dgm:linClrLst>
+    <dgm:effectClrLst/>
+    <dgm:txLinClrLst/>
+    <dgm:txFillClrLst/>
+    <dgm:txEffectClrLst/>
+  </dgm:styleLbl>
+  <dgm:styleLbl name="node2">
+    <dgm:fillClrLst meth="repeat">
+      <a:schemeClr val="accent2"/>
+    </dgm:fillClrLst>
+    <dgm:linClrLst meth="repeat">
+      <a:schemeClr val="lt1"/>
+    </dgm:linClrLst>
+    <dgm:effectClrLst/>
+    <dgm:txLinClrLst/>
+    <dgm:txFillClrLst/>
+    <dgm:txEffectClrLst/>
+  </dgm:styleLbl>
+  <dgm:styleLbl name="node3">
+    <dgm:fillClrLst meth="repeat">
+      <a:schemeClr val="accent2"/>
+    </dgm:fillClrLst>
+    <dgm:linClrLst meth="repeat">
+      <a:schemeClr val="lt1"/>
+    </dgm:linClrLst>
+    <dgm:effectClrLst/>
+    <dgm:txLinClrLst/>
+    <dgm:txFillClrLst/>
+    <dgm:txEffectClrLst/>
+  </dgm:styleLbl>
+  <dgm:styleLbl name="node4">
+    <dgm:fillClrLst meth="repeat">
+      <a:schemeClr val="accent2"/>
+    </dgm:fillClrLst>
+    <dgm:linClrLst meth="repeat">
+      <a:schemeClr val="lt1"/>
+    </dgm:linClrLst>
+    <dgm:effectClrLst/>
+    <dgm:txLinClrLst/>
+    <dgm:txFillClrLst/>
+    <dgm:txEffectClrLst/>
+  </dgm:styleLbl>
+  <dgm:styleLbl name="fgImgPlace1">
+    <dgm:fillClrLst meth="repeat">
+      <a:schemeClr val="accent2">
+        <a:tint val="50000"/>
+      </a:schemeClr>
+    </dgm:fillClrLst>
+    <dgm:linClrLst meth="repeat">
+      <a:schemeClr val="lt1"/>
+    </dgm:linClrLst>
+    <dgm:effectClrLst/>
+    <dgm:txLinClrLst/>
+    <dgm:txFillClrLst meth="repeat">
+      <a:schemeClr val="lt1"/>
+    </dgm:txFillClrLst>
+    <dgm:txEffectClrLst/>
+  </dgm:styleLbl>
+  <dgm:styleLbl name="alignImgPlace1">
+    <dgm:fillClrLst meth="repeat">
+      <a:schemeClr val="accent2">
+        <a:tint val="50000"/>
+      </a:schemeClr>
+    </dgm:fillClrLst>
+    <dgm:linClrLst meth="repeat">
+      <a:schemeClr val="lt1"/>
+    </dgm:linClrLst>
+    <dgm:effectClrLst/>
+    <dgm:txLinClrLst/>
+    <dgm:txFillClrLst meth="repeat">
+      <a:schemeClr val="lt1"/>
+    </dgm:txFillClrLst>
+    <dgm:txEffectClrLst/>
+  </dgm:styleLbl>
+  <dgm:styleLbl name="bgImgPlace1">
+    <dgm:fillClrLst meth="repeat">
+      <a:schemeClr val="accent2">
+        <a:tint val="50000"/>
+      </a:schemeClr>
+    </dgm:fillClrLst>
+    <dgm:linClrLst meth="repeat">
+      <a:schemeClr val="lt1"/>
+    </dgm:linClrLst>
+    <dgm:effectClrLst/>
+    <dgm:txLinClrLst/>
+    <dgm:txFillClrLst meth="repeat">
+      <a:schemeClr val="lt1"/>
+    </dgm:txFillClrLst>
+    <dgm:txEffectClrLst/>
+  </dgm:styleLbl>
+  <dgm:styleLbl name="sibTrans2D1">
+    <dgm:fillClrLst meth="repeat">
+      <a:schemeClr val="accent2">
+        <a:tint val="60000"/>
+      </a:schemeClr>
+    </dgm:fillClrLst>
+    <dgm:linClrLst meth="repeat">
+      <a:schemeClr val="accent2">
+        <a:tint val="60000"/>
+      </a:schemeClr>
+    </dgm:linClrLst>
+    <dgm:effectClrLst/>
+    <dgm:txLinClrLst/>
+    <dgm:txFillClrLst/>
+    <dgm:txEffectClrLst/>
+  </dgm:styleLbl>
+  <dgm:styleLbl name="fgSibTrans2D1">
+    <dgm:fillClrLst meth="repeat">
+      <a:schemeClr val="accent2">
+        <a:tint val="60000"/>
+      </a:schemeClr>
+    </dgm:fillClrLst>
+    <dgm:linClrLst meth="repeat">
+      <a:schemeClr val="accent2">
+        <a:tint val="60000"/>
+      </a:schemeClr>
+    </dgm:linClrLst>
+    <dgm:effectClrLst/>
+    <dgm:txLinClrLst/>
+    <dgm:txFillClrLst/>
+    <dgm:txEffectClrLst/>
+  </dgm:styleLbl>
+  <dgm:styleLbl name="bgSibTrans2D1">
+    <dgm:fillClrLst meth="repeat">
+      <a:schemeClr val="accent2">
+        <a:tint val="60000"/>
+      </a:schemeClr>
+    </dgm:fillClrLst>
+    <dgm:linClrLst meth="repeat">
+      <a:schemeClr val="accent2">
+        <a:tint val="60000"/>
+      </a:schemeClr>
+    </dgm:linClrLst>
+    <dgm:effectClrLst/>
+    <dgm:txLinClrLst/>
+    <dgm:txFillClrLst/>
+    <dgm:txEffectClrLst/>
+  </dgm:styleLbl>
+  <dgm:styleLbl name="sibTrans1D1">
+    <dgm:fillClrLst meth="repeat">
+      <a:schemeClr val="accent2"/>
+    </dgm:fillClrLst>
+    <dgm:linClrLst meth="repeat">
+      <a:schemeClr val="accent2"/>
+    </dgm:linClrLst>
+    <dgm:effectClrLst/>
+    <dgm:txLinClrLst/>
+    <dgm:txFillClrLst meth="repeat">
+      <a:schemeClr val="tx1"/>
+    </dgm:txFillClrLst>
+    <dgm:txEffectClrLst/>
+  </dgm:styleLbl>
+  <dgm:styleLbl name="callout">
+    <dgm:fillClrLst meth="repeat">
+      <a:schemeClr val="accent2"/>
+    </dgm:fillClrLst>
+    <dgm:linClrLst meth="repeat">
+      <a:schemeClr val="accent2">
+        <a:tint val="50000"/>
+      </a:schemeClr>
+    </dgm:linClrLst>
+    <dgm:effectClrLst/>
+    <dgm:txLinClrLst/>
+    <dgm:txFillClrLst meth="repeat">
+      <a:schemeClr val="tx1"/>
+    </dgm:txFillClrLst>
+    <dgm:txEffectClrLst/>
+  </dgm:styleLbl>
+  <dgm:styleLbl name="asst0">
+    <dgm:fillClrLst meth="repeat">
+      <a:schemeClr val="accent2"/>
+    </dgm:fillClrLst>
+    <dgm:linClrLst meth="repeat">
+      <a:schemeClr val="lt1"/>
+    </dgm:linClrLst>
+    <dgm:effectClrLst/>
+    <dgm:txLinClrLst/>
+    <dgm:txFillClrLst/>
+    <dgm:txEffectClrLst/>
+  </dgm:styleLbl>
+  <dgm:styleLbl name="asst1">
+    <dgm:fillClrLst meth="repeat">
+      <a:schemeClr val="accent2"/>
+    </dgm:fillClrLst>
+    <dgm:linClrLst meth="repeat">
+      <a:schemeClr val="lt1"/>
+    </dgm:linClrLst>
+    <dgm:effectClrLst/>
+    <dgm:txLinClrLst/>
+    <dgm:txFillClrLst/>
+    <dgm:txEffectClrLst/>
+  </dgm:styleLbl>
+  <dgm:styleLbl name="asst2">
+    <dgm:fillClrLst meth="repeat">
+      <a:schemeClr val="accent2"/>
+    </dgm:fillClrLst>
+    <dgm:linClrLst meth="repeat">
+      <a:schemeClr val="lt1"/>
+    </dgm:linClrLst>
+    <dgm:effectClrLst/>
+    <dgm:txLinClrLst/>
+    <dgm:txFillClrLst/>
+    <dgm:txEffectClrLst/>
+  </dgm:styleLbl>
+  <dgm:styleLbl name="asst3">
+    <dgm:fillClrLst meth="repeat">
+      <a:schemeClr val="accent2"/>
+    </dgm:fillClrLst>
+    <dgm:linClrLst meth="repeat">
+      <a:schemeClr val="lt1"/>
+    </dgm:linClrLst>
+    <dgm:effectClrLst/>
+    <dgm:txLinClrLst/>
+    <dgm:txFillClrLst/>
+    <dgm:txEffectClrLst/>
+  </dgm:styleLbl>
+  <dgm:styleLbl name="asst4">
+    <dgm:fillClrLst meth="repeat">
+      <a:schemeClr val="accent2"/>
+    </dgm:fillClrLst>
+    <dgm:linClrLst meth="repeat">
+      <a:schemeClr val="lt1"/>
+    </dgm:linClrLst>
+    <dgm:effectClrLst/>
+    <dgm:txLinClrLst/>
+    <dgm:txFillClrLst/>
+    <dgm:txEffectClrLst/>
+  </dgm:styleLbl>
+  <dgm:styleLbl name="parChTrans2D1">
+    <dgm:fillClrLst meth="repeat">
+      <a:schemeClr val="accent2">
+        <a:tint val="60000"/>
+      </a:schemeClr>
+    </dgm:fillClrLst>
+    <dgm:linClrLst meth="repeat">
+      <a:schemeClr val="accent2">
+        <a:tint val="60000"/>
+      </a:schemeClr>
+    </dgm:linClrLst>
+    <dgm:effectClrLst/>
+    <dgm:txLinClrLst/>
+    <dgm:txFillClrLst meth="repeat">
+      <a:schemeClr val="lt1"/>
+    </dgm:txFillClrLst>
+    <dgm:txEffectClrLst/>
+  </dgm:styleLbl>
+  <dgm:styleLbl name="parChTrans2D2">
+    <dgm:fillClrLst meth="repeat">
+      <a:schemeClr val="accent2"/>
+    </dgm:fillClrLst>
+    <dgm:linClrLst meth="repeat">
+      <a:schemeClr val="accent2"/>
+    </dgm:linClrLst>
+    <dgm:effectClrLst/>
+    <dgm:txLinClrLst/>
+    <dgm:txFillClrLst meth="repeat">
+      <a:schemeClr val="lt1"/>
+    </dgm:txFillClrLst>
+    <dgm:txEffectClrLst/>
+  </dgm:styleLbl>
+  <dgm:styleLbl name="parChTrans2D3">
+    <dgm:fillClrLst meth="repeat">
+      <a:schemeClr val="accent2"/>
+    </dgm:fillClrLst>
+    <dgm:linClrLst meth="repeat">
+      <a:schemeClr val="accent2"/>
+    </dgm:linClrLst>
+    <dgm:effectClrLst/>
+    <dgm:txLinClrLst/>
+    <dgm:txFillClrLst meth="repeat">
+      <a:schemeClr val="lt1"/>
+    </dgm:txFillClrLst>
+    <dgm:txEffectClrLst/>
+  </dgm:styleLbl>
+  <dgm:styleLbl name="parChTrans2D4">
+    <dgm:fillClrLst meth="repeat">
+      <a:schemeClr val="accent2"/>
+    </dgm:fillClrLst>
+    <dgm:linClrLst meth="repeat">
+      <a:schemeClr val="accent2"/>
+    </dgm:linClrLst>
+    <dgm:effectClrLst/>
+    <dgm:txLinClrLst/>
+    <dgm:txFillClrLst meth="repeat">
+      <a:schemeClr val="lt1"/>
+    </dgm:txFillClrLst>
+    <dgm:txEffectClrLst/>
+  </dgm:styleLbl>
+  <dgm:styleLbl name="parChTrans1D1">
+    <dgm:fillClrLst meth="repeat">
+      <a:schemeClr val="accent2"/>
+    </dgm:fillClrLst>
+    <dgm:linClrLst meth="repeat">
+      <a:schemeClr val="accent2">
+        <a:shade val="60000"/>
+      </a:schemeClr>
+    </dgm:linClrLst>
+    <dgm:effectClrLst/>
+    <dgm:txLinClrLst/>
+    <dgm:txFillClrLst meth="repeat">
+      <a:schemeClr val="tx1"/>
+    </dgm:txFillClrLst>
+    <dgm:txEffectClrLst/>
+  </dgm:styleLbl>
+  <dgm:styleLbl name="parChTrans1D2">
+    <dgm:fillClrLst meth="repeat">
+      <a:schemeClr val="accent2"/>
+    </dgm:fillClrLst>
+    <dgm:linClrLst meth="repeat">
+      <a:schemeClr val="accent2">
+        <a:shade val="60000"/>
+      </a:schemeClr>
+    </dgm:linClrLst>
+    <dgm:effectClrLst/>
+    <dgm:txLinClrLst/>
+    <dgm:txFillClrLst meth="repeat">
+      <a:schemeClr val="tx1"/>
+    </dgm:txFillClrLst>
+    <dgm:txEffectClrLst/>
+  </dgm:styleLbl>
+  <dgm:styleLbl name="parChTrans1D3">
+    <dgm:fillClrLst meth="repeat">
+      <a:schemeClr val="accent2"/>
+    </dgm:fillClrLst>
+    <dgm:linClrLst meth="repeat">
+      <a:schemeClr val="accent2">
+        <a:shade val="80000"/>
+      </a:schemeClr>
+    </dgm:linClrLst>
+    <dgm:effectClrLst/>
+    <dgm:txLinClrLst/>
+    <dgm:txFillClrLst meth="repeat">
+      <a:schemeClr val="tx1"/>
+    </dgm:txFillClrLst>
+    <dgm:txEffectClrLst/>
+  </dgm:styleLbl>
+  <dgm:styleLbl name="parChTrans1D4">
+    <dgm:fillClrLst meth="repeat">
+      <a:schemeClr val="accent2"/>
+    </dgm:fillClrLst>
+    <dgm:linClrLst meth="repeat">
+      <a:schemeClr val="accent2">
+        <a:shade val="80000"/>
+      </a:schemeClr>
+    </dgm:linClrLst>
+    <dgm:effectClrLst/>
+    <dgm:txLinClrLst/>
+    <dgm:txFillClrLst meth="repeat">
+      <a:schemeClr val="tx1"/>
+    </dgm:txFillClrLst>
+    <dgm:txEffectClrLst/>
+  </dgm:styleLbl>
+  <dgm:styleLbl name="fgAcc1">
+    <dgm:fillClrLst meth="repeat">
+      <a:schemeClr val="lt1">
+        <a:alpha val="90000"/>
+      </a:schemeClr>
+    </dgm:fillClrLst>
+    <dgm:linClrLst meth="repeat">
+      <a:schemeClr val="accent2"/>
+    </dgm:linClrLst>
+    <dgm:effectClrLst/>
+    <dgm:txLinClrLst/>
+    <dgm:txFillClrLst meth="repeat">
+      <a:schemeClr val="dk1"/>
+    </dgm:txFillClrLst>
+    <dgm:txEffectClrLst/>
+  </dgm:styleLbl>
+  <dgm:styleLbl name="conFgAcc1">
+    <dgm:fillClrLst meth="repeat">
+      <a:schemeClr val="lt1">
+        <a:alpha val="90000"/>
+      </a:schemeClr>
+    </dgm:fillClrLst>
+    <dgm:linClrLst meth="repeat">
+      <a:schemeClr val="accent2"/>
+    </dgm:linClrLst>
+    <dgm:effectClrLst/>
+    <dgm:txLinClrLst/>
+    <dgm:txFillClrLst meth="repeat">
+      <a:schemeClr val="dk1"/>
+    </dgm:txFillClrLst>
+    <dgm:txEffectClrLst/>
+  </dgm:styleLbl>
+  <dgm:styleLbl name="alignAcc1">
+    <dgm:fillClrLst meth="repeat">
+      <a:schemeClr val="lt1">
+        <a:alpha val="90000"/>
+      </a:schemeClr>
+    </dgm:fillClrLst>
+    <dgm:linClrLst meth="repeat">
+      <a:schemeClr val="accent2"/>
+    </dgm:linClrLst>
+    <dgm:effectClrLst/>
+    <dgm:txLinClrLst/>
+    <dgm:txFillClrLst meth="repeat">
+      <a:schemeClr val="dk1"/>
+    </dgm:txFillClrLst>
+    <dgm:txEffectClrLst/>
+  </dgm:styleLbl>
+  <dgm:styleLbl name="trAlignAcc1">
+    <dgm:fillClrLst meth="repeat">
+      <a:schemeClr val="lt1">
+        <a:alpha val="40000"/>
+      </a:schemeClr>
+    </dgm:fillClrLst>
+    <dgm:linClrLst meth="repeat">
+      <a:schemeClr val="accent2"/>
+    </dgm:linClrLst>
+    <dgm:effectClrLst/>
+    <dgm:txLinClrLst/>
+    <dgm:txFillClrLst meth="repeat">
+      <a:schemeClr val="dk1"/>
+    </dgm:txFillClrLst>
+    <dgm:txEffectClrLst/>
+  </dgm:styleLbl>
+  <dgm:styleLbl name="bgAcc1">
+    <dgm:fillClrLst meth="repeat">
+      <a:schemeClr val="lt1">
+        <a:alpha val="90000"/>
+      </a:schemeClr>
+    </dgm:fillClrLst>
+    <dgm:linClrLst meth="repeat">
+      <a:schemeClr val="accent2"/>
+    </dgm:linClrLst>
+    <dgm:effectClrLst/>
+    <dgm:txLinClrLst/>
+    <dgm:txFillClrLst meth="repeat">
+      <a:schemeClr val="dk1"/>
+    </dgm:txFillClrLst>
+    <dgm:txEffectClrLst/>
+  </dgm:styleLbl>
+  <dgm:styleLbl name="solidFgAcc1">
+    <dgm:fillClrLst meth="repeat">
+      <a:schemeClr val="lt1"/>
+    </dgm:fillClrLst>
+    <dgm:linClrLst meth="repeat">
+      <a:schemeClr val="accent2"/>
+    </dgm:linClrLst>
+    <dgm:effectClrLst/>
+    <dgm:txLinClrLst/>
+    <dgm:txFillClrLst meth="repeat">
+      <a:schemeClr val="dk1"/>
+    </dgm:txFillClrLst>
+    <dgm:txEffectClrLst/>
+  </dgm:styleLbl>
+  <dgm:styleLbl name="solidAlignAcc1">
+    <dgm:fillClrLst meth="repeat">
+      <a:schemeClr val="lt1"/>
+    </dgm:fillClrLst>
+    <dgm:linClrLst meth="repeat">
+      <a:schemeClr val="accent2"/>
+    </dgm:linClrLst>
+    <dgm:effectClrLst/>
+    <dgm:txLinClrLst/>
+    <dgm:txFillClrLst meth="repeat">
+      <a:schemeClr val="dk1"/>
+    </dgm:txFillClrLst>
+    <dgm:txEffectClrLst/>
+  </dgm:styleLbl>
+  <dgm:styleLbl name="solidBgAcc1">
+    <dgm:fillClrLst meth="repeat">
+      <a:schemeClr val="lt1"/>
+    </dgm:fillClrLst>
+    <dgm:linClrLst meth="repeat">
+      <a:schemeClr val="accent2"/>
+    </dgm:linClrLst>
+    <dgm:effectClrLst/>
+    <dgm:txLinClrLst/>
+    <dgm:txFillClrLst meth="repeat">
+      <a:schemeClr val="dk1"/>
+    </dgm:txFillClrLst>
+    <dgm:txEffectClrLst/>
+  </dgm:styleLbl>
+  <dgm:styleLbl name="fgAccFollowNode1">
+    <dgm:fillClrLst meth="repeat">
+      <a:schemeClr val="accent2">
+        <a:alpha val="90000"/>
+        <a:tint val="40000"/>
+      </a:schemeClr>
+    </dgm:fillClrLst>
+    <dgm:linClrLst meth="repeat">
+      <a:schemeClr val="accent2">
+        <a:alpha val="90000"/>
+        <a:tint val="40000"/>
+      </a:schemeClr>
+    </dgm:linClrLst>
+    <dgm:effectClrLst/>
+    <dgm:txLinClrLst/>
+    <dgm:txFillClrLst meth="repeat">
+      <a:schemeClr val="dk1"/>
+    </dgm:txFillClrLst>
+    <dgm:txEffectClrLst/>
+  </dgm:styleLbl>
+  <dgm:styleLbl name="alignAccFollowNode1">
+    <dgm:fillClrLst meth="repeat">
+      <a:schemeClr val="accent2">
+        <a:alpha val="90000"/>
+        <a:tint val="40000"/>
+      </a:schemeClr>
+    </dgm:fillClrLst>
+    <dgm:linClrLst meth="repeat">
+      <a:schemeClr val="accent2">
+        <a:alpha val="90000"/>
+        <a:tint val="40000"/>
+      </a:schemeClr>
+    </dgm:linClrLst>
+    <dgm:effectClrLst/>
+    <dgm:txLinClrLst/>
+    <dgm:txFillClrLst meth="repeat">
+      <a:schemeClr val="dk1"/>
+    </dgm:txFillClrLst>
+    <dgm:txEffectClrLst/>
+  </dgm:styleLbl>
+  <dgm:styleLbl name="bgAccFollowNode1">
+    <dgm:fillClrLst meth="repeat">
+      <a:schemeClr val="accent2">
+        <a:alpha val="90000"/>
+        <a:tint val="40000"/>
+      </a:schemeClr>
+    </dgm:fillClrLst>
+    <dgm:linClrLst meth="repeat">
+      <a:schemeClr val="accent2">
+        <a:alpha val="90000"/>
+        <a:tint val="40000"/>
+      </a:schemeClr>
+    </dgm:linClrLst>
+    <dgm:effectClrLst/>
+    <dgm:txLinClrLst/>
+    <dgm:txFillClrLst meth="repeat">
+      <a:schemeClr val="dk1"/>
+    </dgm:txFillClrLst>
+    <dgm:txEffectClrLst/>
+  </dgm:styleLbl>
+  <dgm:styleLbl name="fgAcc0">
+    <dgm:fillClrLst meth="repeat">
+      <a:schemeClr val="lt1">
+        <a:alpha val="90000"/>
+      </a:schemeClr>
+    </dgm:fillClrLst>
+    <dgm:linClrLst meth="repeat">
+      <a:schemeClr val="accent2"/>
+    </dgm:linClrLst>
+    <dgm:effectClrLst/>
+    <dgm:txLinClrLst/>
+    <dgm:txFillClrLst meth="repeat">
+      <a:schemeClr val="dk1"/>
+    </dgm:txFillClrLst>
+    <dgm:txEffectClrLst/>
+  </dgm:styleLbl>
+  <dgm:styleLbl name="fgAcc2">
+    <dgm:fillClrLst meth="repeat">
+      <a:schemeClr val="lt1">
+        <a:alpha val="90000"/>
+      </a:schemeClr>
+    </dgm:fillClrLst>
+    <dgm:linClrLst meth="repeat">
+      <a:schemeClr val="accent2"/>
+    </dgm:linClrLst>
+    <dgm:effectClrLst/>
+    <dgm:txLinClrLst/>
+    <dgm:txFillClrLst meth="repeat">
+      <a:schemeClr val="dk1"/>
+    </dgm:txFillClrLst>
+    <dgm:txEffectClrLst/>
+  </dgm:styleLbl>
+  <dgm:styleLbl name="fgAcc3">
+    <dgm:fillClrLst meth="repeat">
+      <a:schemeClr val="lt1">
+        <a:alpha val="90000"/>
+      </a:schemeClr>
+    </dgm:fillClrLst>
+    <dgm:linClrLst meth="repeat">
+      <a:schemeClr val="accent2"/>
+    </dgm:linClrLst>
+    <dgm:effectClrLst/>
+    <dgm:txLinClrLst/>
+    <dgm:txFillClrLst meth="repeat">
+      <a:schemeClr val="dk1"/>
+    </dgm:txFillClrLst>
+    <dgm:txEffectClrLst/>
+  </dgm:styleLbl>
+  <dgm:styleLbl name="fgAcc4">
+    <dgm:fillClrLst meth="repeat">
+      <a:schemeClr val="lt1">
+        <a:alpha val="90000"/>
+      </a:schemeClr>
+    </dgm:fillClrLst>
+    <dgm:linClrLst meth="repeat">
+      <a:schemeClr val="accent2"/>
+    </dgm:linClrLst>
+    <dgm:effectClrLst/>
+    <dgm:txLinClrLst/>
+    <dgm:txFillClrLst meth="repeat">
+      <a:schemeClr val="dk1"/>
+    </dgm:txFillClrLst>
+    <dgm:txEffectClrLst/>
+  </dgm:styleLbl>
+  <dgm:styleLbl name="bgShp">
+    <dgm:fillClrLst meth="repeat">
+      <a:schemeClr val="accent2">
+        <a:tint val="40000"/>
+      </a:schemeClr>
+    </dgm:fillClrLst>
+    <dgm:linClrLst meth="repeat">
+      <a:schemeClr val="accent2"/>
+    </dgm:linClrLst>
+    <dgm:effectClrLst/>
+    <dgm:txLinClrLst/>
+    <dgm:txFillClrLst meth="repeat">
+      <a:schemeClr val="dk1"/>
+    </dgm:txFillClrLst>
+    <dgm:txEffectClrLst/>
+  </dgm:styleLbl>
+  <dgm:styleLbl name="dkBgShp">
+    <dgm:fillClrLst meth="repeat">
+      <a:schemeClr val="accent2">
+        <a:shade val="80000"/>
+      </a:schemeClr>
+    </dgm:fillClrLst>
+    <dgm:linClrLst meth="repeat">
+      <a:schemeClr val="accent2"/>
+    </dgm:linClrLst>
+    <dgm:effectClrLst/>
+    <dgm:txLinClrLst/>
+    <dgm:txFillClrLst meth="repeat">
+      <a:schemeClr val="lt1"/>
+    </dgm:txFillClrLst>
+    <dgm:txEffectClrLst/>
+  </dgm:styleLbl>
+  <dgm:styleLbl name="trBgShp">
+    <dgm:fillClrLst meth="repeat">
+      <a:schemeClr val="accent2">
+        <a:tint val="50000"/>
+        <a:alpha val="40000"/>
+      </a:schemeClr>
+    </dgm:fillClrLst>
+    <dgm:linClrLst meth="repeat">
+      <a:schemeClr val="accent2"/>
+    </dgm:linClrLst>
+    <dgm:effectClrLst/>
+    <dgm:txLinClrLst/>
+    <dgm:txFillClrLst meth="repeat">
+      <a:schemeClr val="lt1"/>
+    </dgm:txFillClrLst>
+    <dgm:txEffectClrLst/>
+  </dgm:styleLbl>
+  <dgm:styleLbl name="fgShp">
+    <dgm:fillClrLst meth="repeat">
+      <a:schemeClr val="accent2">
+        <a:tint val="60000"/>
+      </a:schemeClr>
+    </dgm:fillClrLst>
+    <dgm:linClrLst meth="repeat">
+      <a:schemeClr val="lt1"/>
+    </dgm:linClrLst>
+    <dgm:effectClrLst/>
+    <dgm:txLinClrLst/>
+    <dgm:txFillClrLst meth="repeat">
+      <a:schemeClr val="dk1"/>
+    </dgm:txFillClrLst>
+    <dgm:txEffectClrLst/>
+  </dgm:styleLbl>
+  <dgm:styleLbl name="revTx">
+    <dgm:fillClrLst meth="repeat">
+      <a:schemeClr val="lt1">
+        <a:alpha val="0"/>
+      </a:schemeClr>
+    </dgm:fillClrLst>
+    <dgm:linClrLst meth="repeat">
+      <a:schemeClr val="dk1">
+        <a:alpha val="0"/>
+      </a:schemeClr>
+    </dgm:linClrLst>
+    <dgm:effectClrLst/>
+    <dgm:txLinClrLst/>
+    <dgm:txFillClrLst meth="repeat">
+      <a:schemeClr val="tx1"/>
+    </dgm:txFillClrLst>
+    <dgm:txEffectClrLst/>
+  </dgm:styleLbl>
+</dgm:colorsDef>
+</file>
+
+<file path=ppt/diagrams/colors9.xml><?xml version="1.0" encoding="utf-8"?>
 <dgm:colorsDef xmlns:dgm="http://schemas.openxmlformats.org/drawingml/2006/diagram" xmlns:a="http://schemas.openxmlformats.org/drawingml/2006/main" uniqueId="urn:microsoft.com/office/officeart/2005/8/colors/accent1_2">
   <dgm:title val=""/>
   <dgm:desc val=""/>
@@ -7272,6 +8018,234 @@
 <file path=ppt/diagrams/data4.xml><?xml version="1.0" encoding="utf-8"?>
 <dgm:dataModel xmlns:dgm="http://schemas.openxmlformats.org/drawingml/2006/diagram" xmlns:a="http://schemas.openxmlformats.org/drawingml/2006/main">
   <dgm:ptLst>
+    <dgm:pt modelId="{B74CB5F5-4AEA-48DD-9E9A-DD8BBE6BA064}" type="doc">
+      <dgm:prSet loTypeId="urn:microsoft.com/office/officeart/2018/2/layout/IconLabelList" loCatId="icon" qsTypeId="urn:microsoft.com/office/officeart/2005/8/quickstyle/simple1" qsCatId="simple" csTypeId="urn:microsoft.com/office/officeart/2005/8/colors/accent1_2" csCatId="accent1" phldr="1"/>
+      <dgm:spPr/>
+      <dgm:t>
+        <a:bodyPr/>
+        <a:lstStyle/>
+        <a:p>
+          <a:endParaRPr lang="en-US"/>
+        </a:p>
+      </dgm:t>
+    </dgm:pt>
+    <dgm:pt modelId="{88BC16A5-2758-4633-A825-02416861FFEA}">
+      <dgm:prSet/>
+      <dgm:spPr/>
+      <dgm:t>
+        <a:bodyPr/>
+        <a:lstStyle/>
+        <a:p>
+          <a:pPr>
+            <a:lnSpc>
+              <a:spcPct val="100000"/>
+            </a:lnSpc>
+          </a:pPr>
+          <a:r>
+            <a:rPr lang="en-US"/>
+            <a:t>Because the write occurs in BOTH directions, either direction can be used for the arbitrary write</a:t>
+          </a:r>
+        </a:p>
+      </dgm:t>
+    </dgm:pt>
+    <dgm:pt modelId="{BC2E9D5B-24D0-458F-9706-18136B24D9F4}" type="parTrans" cxnId="{CEE01E40-2FE2-4569-BEEC-F99F9AECCFC3}">
+      <dgm:prSet/>
+      <dgm:spPr/>
+      <dgm:t>
+        <a:bodyPr/>
+        <a:lstStyle/>
+        <a:p>
+          <a:endParaRPr lang="en-US"/>
+        </a:p>
+      </dgm:t>
+    </dgm:pt>
+    <dgm:pt modelId="{DC3FF36E-4E09-441A-9D10-C0A131E66E9B}" type="sibTrans" cxnId="{CEE01E40-2FE2-4569-BEEC-F99F9AECCFC3}">
+      <dgm:prSet/>
+      <dgm:spPr/>
+      <dgm:t>
+        <a:bodyPr/>
+        <a:lstStyle/>
+        <a:p>
+          <a:endParaRPr lang="en-US"/>
+        </a:p>
+      </dgm:t>
+    </dgm:pt>
+    <dgm:pt modelId="{F3371CD8-B830-4EEB-855B-ECB3CF9D0C68}">
+      <dgm:prSet/>
+      <dgm:spPr/>
+      <dgm:t>
+        <a:bodyPr/>
+        <a:lstStyle/>
+        <a:p>
+          <a:pPr>
+            <a:lnSpc>
+              <a:spcPct val="100000"/>
+            </a:lnSpc>
+          </a:pPr>
+          <a:r>
+            <a:rPr lang="en-US"/>
+            <a:t>We just choose the </a:t>
+          </a:r>
+          <a:r>
+            <a:rPr lang="en-US" i="1"/>
+            <a:t>first</a:t>
+          </a:r>
+          <a:r>
+            <a:rPr lang="en-US"/>
+            <a:t> and went with it</a:t>
+          </a:r>
+        </a:p>
+      </dgm:t>
+    </dgm:pt>
+    <dgm:pt modelId="{D21E84B1-15FA-4F0F-9843-704852C12EF5}" type="parTrans" cxnId="{F39630D8-4CC4-48E6-8725-35CDF63EAA06}">
+      <dgm:prSet/>
+      <dgm:spPr/>
+      <dgm:t>
+        <a:bodyPr/>
+        <a:lstStyle/>
+        <a:p>
+          <a:endParaRPr lang="en-US"/>
+        </a:p>
+      </dgm:t>
+    </dgm:pt>
+    <dgm:pt modelId="{2C618462-4761-4A3D-9707-FA7D00F9AE29}" type="sibTrans" cxnId="{F39630D8-4CC4-48E6-8725-35CDF63EAA06}">
+      <dgm:prSet/>
+      <dgm:spPr/>
+      <dgm:t>
+        <a:bodyPr/>
+        <a:lstStyle/>
+        <a:p>
+          <a:endParaRPr lang="en-US"/>
+        </a:p>
+      </dgm:t>
+    </dgm:pt>
+    <dgm:pt modelId="{613E07D6-ECEC-442D-9762-79FA876996BE}" type="pres">
+      <dgm:prSet presAssocID="{B74CB5F5-4AEA-48DD-9E9A-DD8BBE6BA064}" presName="root" presStyleCnt="0">
+        <dgm:presLayoutVars>
+          <dgm:dir/>
+          <dgm:resizeHandles val="exact"/>
+        </dgm:presLayoutVars>
+      </dgm:prSet>
+      <dgm:spPr/>
+    </dgm:pt>
+    <dgm:pt modelId="{779B6FE4-12CB-4612-B66C-E5376A59910A}" type="pres">
+      <dgm:prSet presAssocID="{88BC16A5-2758-4633-A825-02416861FFEA}" presName="compNode" presStyleCnt="0"/>
+      <dgm:spPr/>
+    </dgm:pt>
+    <dgm:pt modelId="{CF5D1B79-138E-424E-9769-15E082172CC4}" type="pres">
+      <dgm:prSet presAssocID="{88BC16A5-2758-4633-A825-02416861FFEA}" presName="iconRect" presStyleLbl="node1" presStyleIdx="0" presStyleCnt="2"/>
+      <dgm:spPr>
+        <a:blipFill>
+          <a:blip xmlns:r="http://schemas.openxmlformats.org/officeDocument/2006/relationships" r:embed="rId1">
+            <a:extLst>
+              <a:ext uri="{28A0092B-C50C-407E-A947-70E740481C1C}">
+                <a14:useLocalDpi xmlns:a14="http://schemas.microsoft.com/office/drawing/2010/main" val="0"/>
+              </a:ext>
+              <a:ext uri="{96DAC541-7B7A-43D3-8B79-37D633B846F1}">
+                <asvg:svgBlip xmlns:asvg="http://schemas.microsoft.com/office/drawing/2016/SVG/main" r:embed="rId2"/>
+              </a:ext>
+            </a:extLst>
+          </a:blip>
+          <a:stretch>
+            <a:fillRect/>
+          </a:stretch>
+        </a:blipFill>
+      </dgm:spPr>
+      <dgm:extLst>
+        <a:ext uri="{E40237B7-FDA0-4F09-8148-C483321AD2D9}">
+          <dgm14:cNvPr xmlns:dgm14="http://schemas.microsoft.com/office/drawing/2010/diagram" id="0" name="" descr="Drawing Compass"/>
+        </a:ext>
+      </dgm:extLst>
+    </dgm:pt>
+    <dgm:pt modelId="{C4751554-00A2-42F5-BFE1-0139B228FFFC}" type="pres">
+      <dgm:prSet presAssocID="{88BC16A5-2758-4633-A825-02416861FFEA}" presName="spaceRect" presStyleCnt="0"/>
+      <dgm:spPr/>
+    </dgm:pt>
+    <dgm:pt modelId="{18D73FDC-0EF8-4DFE-AABF-1CE925C4AB87}" type="pres">
+      <dgm:prSet presAssocID="{88BC16A5-2758-4633-A825-02416861FFEA}" presName="textRect" presStyleLbl="revTx" presStyleIdx="0" presStyleCnt="2">
+        <dgm:presLayoutVars>
+          <dgm:chMax val="1"/>
+          <dgm:chPref val="1"/>
+        </dgm:presLayoutVars>
+      </dgm:prSet>
+      <dgm:spPr/>
+    </dgm:pt>
+    <dgm:pt modelId="{96E67787-DAE6-4925-A6F3-3317C584286C}" type="pres">
+      <dgm:prSet presAssocID="{DC3FF36E-4E09-441A-9D10-C0A131E66E9B}" presName="sibTrans" presStyleCnt="0"/>
+      <dgm:spPr/>
+    </dgm:pt>
+    <dgm:pt modelId="{E08215A7-C7D2-4D23-AA5C-55CBD114D976}" type="pres">
+      <dgm:prSet presAssocID="{F3371CD8-B830-4EEB-855B-ECB3CF9D0C68}" presName="compNode" presStyleCnt="0"/>
+      <dgm:spPr/>
+    </dgm:pt>
+    <dgm:pt modelId="{1777A1BB-4A2E-4B15-A920-F4B0CC3DE435}" type="pres">
+      <dgm:prSet presAssocID="{F3371CD8-B830-4EEB-855B-ECB3CF9D0C68}" presName="iconRect" presStyleLbl="node1" presStyleIdx="1" presStyleCnt="2"/>
+      <dgm:spPr>
+        <a:blipFill>
+          <a:blip xmlns:r="http://schemas.openxmlformats.org/officeDocument/2006/relationships" r:embed="rId3">
+            <a:extLst>
+              <a:ext uri="{28A0092B-C50C-407E-A947-70E740481C1C}">
+                <a14:useLocalDpi xmlns:a14="http://schemas.microsoft.com/office/drawing/2010/main" val="0"/>
+              </a:ext>
+              <a:ext uri="{96DAC541-7B7A-43D3-8B79-37D633B846F1}">
+                <asvg:svgBlip xmlns:asvg="http://schemas.microsoft.com/office/drawing/2016/SVG/main" r:embed="rId4"/>
+              </a:ext>
+            </a:extLst>
+          </a:blip>
+          <a:stretch>
+            <a:fillRect/>
+          </a:stretch>
+        </a:blipFill>
+      </dgm:spPr>
+      <dgm:extLst>
+        <a:ext uri="{E40237B7-FDA0-4F09-8148-C483321AD2D9}">
+          <dgm14:cNvPr xmlns:dgm14="http://schemas.microsoft.com/office/drawing/2010/diagram" id="0" name="" descr="Heart"/>
+        </a:ext>
+      </dgm:extLst>
+    </dgm:pt>
+    <dgm:pt modelId="{99297306-7AAB-44E7-9006-B03AE6E2EA14}" type="pres">
+      <dgm:prSet presAssocID="{F3371CD8-B830-4EEB-855B-ECB3CF9D0C68}" presName="spaceRect" presStyleCnt="0"/>
+      <dgm:spPr/>
+    </dgm:pt>
+    <dgm:pt modelId="{B72BDEF3-C8C9-4D48-8FD6-903093E1E202}" type="pres">
+      <dgm:prSet presAssocID="{F3371CD8-B830-4EEB-855B-ECB3CF9D0C68}" presName="textRect" presStyleLbl="revTx" presStyleIdx="1" presStyleCnt="2">
+        <dgm:presLayoutVars>
+          <dgm:chMax val="1"/>
+          <dgm:chPref val="1"/>
+        </dgm:presLayoutVars>
+      </dgm:prSet>
+      <dgm:spPr/>
+    </dgm:pt>
+  </dgm:ptLst>
+  <dgm:cxnLst>
+    <dgm:cxn modelId="{A9B43D26-56C2-442E-B7E0-C0D69342D672}" type="presOf" srcId="{B74CB5F5-4AEA-48DD-9E9A-DD8BBE6BA064}" destId="{613E07D6-ECEC-442D-9762-79FA876996BE}" srcOrd="0" destOrd="0" presId="urn:microsoft.com/office/officeart/2018/2/layout/IconLabelList"/>
+    <dgm:cxn modelId="{CEE01E40-2FE2-4569-BEEC-F99F9AECCFC3}" srcId="{B74CB5F5-4AEA-48DD-9E9A-DD8BBE6BA064}" destId="{88BC16A5-2758-4633-A825-02416861FFEA}" srcOrd="0" destOrd="0" parTransId="{BC2E9D5B-24D0-458F-9706-18136B24D9F4}" sibTransId="{DC3FF36E-4E09-441A-9D10-C0A131E66E9B}"/>
+    <dgm:cxn modelId="{79CA9098-87E4-43FB-B86C-47CE7E54A008}" type="presOf" srcId="{88BC16A5-2758-4633-A825-02416861FFEA}" destId="{18D73FDC-0EF8-4DFE-AABF-1CE925C4AB87}" srcOrd="0" destOrd="0" presId="urn:microsoft.com/office/officeart/2018/2/layout/IconLabelList"/>
+    <dgm:cxn modelId="{2422D0A5-EAE4-4AA5-B494-4792DA0B1D10}" type="presOf" srcId="{F3371CD8-B830-4EEB-855B-ECB3CF9D0C68}" destId="{B72BDEF3-C8C9-4D48-8FD6-903093E1E202}" srcOrd="0" destOrd="0" presId="urn:microsoft.com/office/officeart/2018/2/layout/IconLabelList"/>
+    <dgm:cxn modelId="{F39630D8-4CC4-48E6-8725-35CDF63EAA06}" srcId="{B74CB5F5-4AEA-48DD-9E9A-DD8BBE6BA064}" destId="{F3371CD8-B830-4EEB-855B-ECB3CF9D0C68}" srcOrd="1" destOrd="0" parTransId="{D21E84B1-15FA-4F0F-9843-704852C12EF5}" sibTransId="{2C618462-4761-4A3D-9707-FA7D00F9AE29}"/>
+    <dgm:cxn modelId="{984D1FE0-9625-42F9-BE21-68A353812128}" type="presParOf" srcId="{613E07D6-ECEC-442D-9762-79FA876996BE}" destId="{779B6FE4-12CB-4612-B66C-E5376A59910A}" srcOrd="0" destOrd="0" presId="urn:microsoft.com/office/officeart/2018/2/layout/IconLabelList"/>
+    <dgm:cxn modelId="{7A53DCBA-B0ED-4F1A-9ED8-2B966FBA118D}" type="presParOf" srcId="{779B6FE4-12CB-4612-B66C-E5376A59910A}" destId="{CF5D1B79-138E-424E-9769-15E082172CC4}" srcOrd="0" destOrd="0" presId="urn:microsoft.com/office/officeart/2018/2/layout/IconLabelList"/>
+    <dgm:cxn modelId="{18291972-A302-4FCF-BDEC-FEBA05029E3D}" type="presParOf" srcId="{779B6FE4-12CB-4612-B66C-E5376A59910A}" destId="{C4751554-00A2-42F5-BFE1-0139B228FFFC}" srcOrd="1" destOrd="0" presId="urn:microsoft.com/office/officeart/2018/2/layout/IconLabelList"/>
+    <dgm:cxn modelId="{7872B98A-33E0-4551-878C-337865EDBCB0}" type="presParOf" srcId="{779B6FE4-12CB-4612-B66C-E5376A59910A}" destId="{18D73FDC-0EF8-4DFE-AABF-1CE925C4AB87}" srcOrd="2" destOrd="0" presId="urn:microsoft.com/office/officeart/2018/2/layout/IconLabelList"/>
+    <dgm:cxn modelId="{C4C9CB3C-739C-4FA7-B1D1-D62D7F497219}" type="presParOf" srcId="{613E07D6-ECEC-442D-9762-79FA876996BE}" destId="{96E67787-DAE6-4925-A6F3-3317C584286C}" srcOrd="1" destOrd="0" presId="urn:microsoft.com/office/officeart/2018/2/layout/IconLabelList"/>
+    <dgm:cxn modelId="{3D0178FD-48AE-4C55-B2DE-EDB59D132A8F}" type="presParOf" srcId="{613E07D6-ECEC-442D-9762-79FA876996BE}" destId="{E08215A7-C7D2-4D23-AA5C-55CBD114D976}" srcOrd="2" destOrd="0" presId="urn:microsoft.com/office/officeart/2018/2/layout/IconLabelList"/>
+    <dgm:cxn modelId="{47E9FEB9-673E-4463-B657-70405C511C6C}" type="presParOf" srcId="{E08215A7-C7D2-4D23-AA5C-55CBD114D976}" destId="{1777A1BB-4A2E-4B15-A920-F4B0CC3DE435}" srcOrd="0" destOrd="0" presId="urn:microsoft.com/office/officeart/2018/2/layout/IconLabelList"/>
+    <dgm:cxn modelId="{51F2FC2A-49FD-47B4-8C12-101F65A1AB22}" type="presParOf" srcId="{E08215A7-C7D2-4D23-AA5C-55CBD114D976}" destId="{99297306-7AAB-44E7-9006-B03AE6E2EA14}" srcOrd="1" destOrd="0" presId="urn:microsoft.com/office/officeart/2018/2/layout/IconLabelList"/>
+    <dgm:cxn modelId="{B48B5E7A-67CB-4DCF-87C8-97D715AFE17C}" type="presParOf" srcId="{E08215A7-C7D2-4D23-AA5C-55CBD114D976}" destId="{B72BDEF3-C8C9-4D48-8FD6-903093E1E202}" srcOrd="2" destOrd="0" presId="urn:microsoft.com/office/officeart/2018/2/layout/IconLabelList"/>
+  </dgm:cxnLst>
+  <dgm:bg/>
+  <dgm:whole/>
+  <dgm:extLst>
+    <a:ext uri="http://schemas.microsoft.com/office/drawing/2008/diagram">
+      <dsp:dataModelExt xmlns:dsp="http://schemas.microsoft.com/office/drawing/2008/diagram" relId="rId6" minVer="http://schemas.openxmlformats.org/drawingml/2006/diagram"/>
+    </a:ext>
+  </dgm:extLst>
+</dgm:dataModel>
+</file>
+
+<file path=ppt/diagrams/data5.xml><?xml version="1.0" encoding="utf-8"?>
+<dgm:dataModel xmlns:dgm="http://schemas.openxmlformats.org/drawingml/2006/diagram" xmlns:a="http://schemas.openxmlformats.org/drawingml/2006/main">
+  <dgm:ptLst>
     <dgm:pt modelId="{756AF93E-D0F7-4F75-9A79-C40D4BDB8185}" type="doc">
       <dgm:prSet loTypeId="urn:microsoft.com/office/officeart/2018/5/layout/IconCircleLabelList" loCatId="icon" qsTypeId="urn:microsoft.com/office/officeart/2005/8/quickstyle/simple1" qsCatId="simple" csTypeId="urn:microsoft.com/office/officeart/2005/8/colors/accent2_2" csCatId="accent2" phldr="1"/>
       <dgm:spPr/>
@@ -7509,7 +8483,7 @@
 </dgm:dataModel>
 </file>
 
-<file path=ppt/diagrams/data5.xml><?xml version="1.0" encoding="utf-8"?>
+<file path=ppt/diagrams/data6.xml><?xml version="1.0" encoding="utf-8"?>
 <dgm:dataModel xmlns:dgm="http://schemas.openxmlformats.org/drawingml/2006/diagram" xmlns:a="http://schemas.openxmlformats.org/drawingml/2006/main">
   <dgm:ptLst>
     <dgm:pt modelId="{23259EE6-B075-4856-A778-E990408C9A07}" type="doc">
@@ -7725,7 +8699,7 @@
 </dgm:dataModel>
 </file>
 
-<file path=ppt/diagrams/data6.xml><?xml version="1.0" encoding="utf-8"?>
+<file path=ppt/diagrams/data7.xml><?xml version="1.0" encoding="utf-8"?>
 <dgm:dataModel xmlns:dgm="http://schemas.openxmlformats.org/drawingml/2006/diagram" xmlns:a="http://schemas.openxmlformats.org/drawingml/2006/main">
   <dgm:ptLst>
     <dgm:pt modelId="{80583F84-67A5-4472-886B-0867F6F05CB4}" type="doc">
@@ -8109,7 +9083,7 @@
 </dgm:dataModel>
 </file>
 
-<file path=ppt/diagrams/data7.xml><?xml version="1.0" encoding="utf-8"?>
+<file path=ppt/diagrams/data8.xml><?xml version="1.0" encoding="utf-8"?>
 <dgm:dataModel xmlns:dgm="http://schemas.openxmlformats.org/drawingml/2006/diagram" xmlns:a="http://schemas.openxmlformats.org/drawingml/2006/main">
   <dgm:ptLst>
     <dgm:pt modelId="{756AF93E-D0F7-4F75-9A79-C40D4BDB8185}" type="doc">
@@ -8349,7 +9323,7 @@
 </dgm:dataModel>
 </file>
 
-<file path=ppt/diagrams/data8.xml><?xml version="1.0" encoding="utf-8"?>
+<file path=ppt/diagrams/data9.xml><?xml version="1.0" encoding="utf-8"?>
 <dgm:dataModel xmlns:dgm="http://schemas.openxmlformats.org/drawingml/2006/diagram" xmlns:a="http://schemas.openxmlformats.org/drawingml/2006/main">
   <dgm:ptLst>
     <dgm:pt modelId="{75B972EB-4DAA-48B4-A8F3-7F1857FB64F5}" type="doc">
@@ -10086,6 +11060,260 @@
       <dsp:cNvGrpSpPr/>
     </dsp:nvGrpSpPr>
     <dsp:grpSpPr/>
+    <dsp:sp modelId="{CF5D1B79-138E-424E-9769-15E082172CC4}">
+      <dsp:nvSpPr>
+        <dsp:cNvPr id="0" name=""/>
+        <dsp:cNvSpPr/>
+      </dsp:nvSpPr>
+      <dsp:spPr>
+        <a:xfrm>
+          <a:off x="1009209" y="252128"/>
+          <a:ext cx="1625062" cy="1625062"/>
+        </a:xfrm>
+        <a:prstGeom prst="rect">
+          <a:avLst/>
+        </a:prstGeom>
+        <a:blipFill>
+          <a:blip xmlns:r="http://schemas.openxmlformats.org/officeDocument/2006/relationships" r:embed="rId1">
+            <a:extLst>
+              <a:ext uri="{28A0092B-C50C-407E-A947-70E740481C1C}">
+                <a14:useLocalDpi xmlns:a14="http://schemas.microsoft.com/office/drawing/2010/main" val="0"/>
+              </a:ext>
+              <a:ext uri="{96DAC541-7B7A-43D3-8B79-37D633B846F1}">
+                <asvg:svgBlip xmlns:asvg="http://schemas.microsoft.com/office/drawing/2016/SVG/main" r:embed="rId2"/>
+              </a:ext>
+            </a:extLst>
+          </a:blip>
+          <a:stretch>
+            <a:fillRect/>
+          </a:stretch>
+        </a:blipFill>
+        <a:ln w="12700" cap="flat" cmpd="sng" algn="ctr">
+          <a:solidFill>
+            <a:schemeClr val="lt1">
+              <a:hueOff val="0"/>
+              <a:satOff val="0"/>
+              <a:lumOff val="0"/>
+              <a:alphaOff val="0"/>
+            </a:schemeClr>
+          </a:solidFill>
+          <a:prstDash val="solid"/>
+          <a:miter lim="800000"/>
+        </a:ln>
+        <a:effectLst/>
+      </dsp:spPr>
+      <dsp:style>
+        <a:lnRef idx="2">
+          <a:scrgbClr r="0" g="0" b="0"/>
+        </a:lnRef>
+        <a:fillRef idx="1">
+          <a:scrgbClr r="0" g="0" b="0"/>
+        </a:fillRef>
+        <a:effectRef idx="0">
+          <a:scrgbClr r="0" g="0" b="0"/>
+        </a:effectRef>
+        <a:fontRef idx="minor">
+          <a:schemeClr val="lt1"/>
+        </a:fontRef>
+      </dsp:style>
+    </dsp:sp>
+    <dsp:sp modelId="{18D73FDC-0EF8-4DFE-AABF-1CE925C4AB87}">
+      <dsp:nvSpPr>
+        <dsp:cNvPr id="0" name=""/>
+        <dsp:cNvSpPr/>
+      </dsp:nvSpPr>
+      <dsp:spPr>
+        <a:xfrm>
+          <a:off x="16115" y="2291375"/>
+          <a:ext cx="3611250" cy="720000"/>
+        </a:xfrm>
+        <a:prstGeom prst="rect">
+          <a:avLst/>
+        </a:prstGeom>
+        <a:noFill/>
+        <a:ln>
+          <a:noFill/>
+        </a:ln>
+        <a:effectLst/>
+      </dsp:spPr>
+      <dsp:style>
+        <a:lnRef idx="0">
+          <a:scrgbClr r="0" g="0" b="0"/>
+        </a:lnRef>
+        <a:fillRef idx="0">
+          <a:scrgbClr r="0" g="0" b="0"/>
+        </a:fillRef>
+        <a:effectRef idx="0">
+          <a:scrgbClr r="0" g="0" b="0"/>
+        </a:effectRef>
+        <a:fontRef idx="minor"/>
+      </dsp:style>
+      <dsp:txBody>
+        <a:bodyPr spcFirstLastPara="0" vert="horz" wrap="square" lIns="0" tIns="0" rIns="0" bIns="0" numCol="1" spcCol="1270" anchor="t" anchorCtr="0">
+          <a:noAutofit/>
+        </a:bodyPr>
+        <a:lstStyle/>
+        <a:p>
+          <a:pPr marL="0" lvl="0" indent="0" algn="ctr" defTabSz="666750">
+            <a:lnSpc>
+              <a:spcPct val="100000"/>
+            </a:lnSpc>
+            <a:spcBef>
+              <a:spcPct val="0"/>
+            </a:spcBef>
+            <a:spcAft>
+              <a:spcPct val="35000"/>
+            </a:spcAft>
+            <a:buNone/>
+          </a:pPr>
+          <a:r>
+            <a:rPr lang="en-US" sz="1500" kern="1200"/>
+            <a:t>Because the write occurs in BOTH directions, either direction can be used for the arbitrary write</a:t>
+          </a:r>
+        </a:p>
+      </dsp:txBody>
+      <dsp:txXfrm>
+        <a:off x="16115" y="2291375"/>
+        <a:ext cx="3611250" cy="720000"/>
+      </dsp:txXfrm>
+    </dsp:sp>
+    <dsp:sp modelId="{1777A1BB-4A2E-4B15-A920-F4B0CC3DE435}">
+      <dsp:nvSpPr>
+        <dsp:cNvPr id="0" name=""/>
+        <dsp:cNvSpPr/>
+      </dsp:nvSpPr>
+      <dsp:spPr>
+        <a:xfrm>
+          <a:off x="5252428" y="252128"/>
+          <a:ext cx="1625062" cy="1625062"/>
+        </a:xfrm>
+        <a:prstGeom prst="rect">
+          <a:avLst/>
+        </a:prstGeom>
+        <a:blipFill>
+          <a:blip xmlns:r="http://schemas.openxmlformats.org/officeDocument/2006/relationships" r:embed="rId3">
+            <a:extLst>
+              <a:ext uri="{28A0092B-C50C-407E-A947-70E740481C1C}">
+                <a14:useLocalDpi xmlns:a14="http://schemas.microsoft.com/office/drawing/2010/main" val="0"/>
+              </a:ext>
+              <a:ext uri="{96DAC541-7B7A-43D3-8B79-37D633B846F1}">
+                <asvg:svgBlip xmlns:asvg="http://schemas.microsoft.com/office/drawing/2016/SVG/main" r:embed="rId4"/>
+              </a:ext>
+            </a:extLst>
+          </a:blip>
+          <a:stretch>
+            <a:fillRect/>
+          </a:stretch>
+        </a:blipFill>
+        <a:ln w="12700" cap="flat" cmpd="sng" algn="ctr">
+          <a:solidFill>
+            <a:schemeClr val="lt1">
+              <a:hueOff val="0"/>
+              <a:satOff val="0"/>
+              <a:lumOff val="0"/>
+              <a:alphaOff val="0"/>
+            </a:schemeClr>
+          </a:solidFill>
+          <a:prstDash val="solid"/>
+          <a:miter lim="800000"/>
+        </a:ln>
+        <a:effectLst/>
+      </dsp:spPr>
+      <dsp:style>
+        <a:lnRef idx="2">
+          <a:scrgbClr r="0" g="0" b="0"/>
+        </a:lnRef>
+        <a:fillRef idx="1">
+          <a:scrgbClr r="0" g="0" b="0"/>
+        </a:fillRef>
+        <a:effectRef idx="0">
+          <a:scrgbClr r="0" g="0" b="0"/>
+        </a:effectRef>
+        <a:fontRef idx="minor">
+          <a:schemeClr val="lt1"/>
+        </a:fontRef>
+      </dsp:style>
+    </dsp:sp>
+    <dsp:sp modelId="{B72BDEF3-C8C9-4D48-8FD6-903093E1E202}">
+      <dsp:nvSpPr>
+        <dsp:cNvPr id="0" name=""/>
+        <dsp:cNvSpPr/>
+      </dsp:nvSpPr>
+      <dsp:spPr>
+        <a:xfrm>
+          <a:off x="4259334" y="2291375"/>
+          <a:ext cx="3611250" cy="720000"/>
+        </a:xfrm>
+        <a:prstGeom prst="rect">
+          <a:avLst/>
+        </a:prstGeom>
+        <a:noFill/>
+        <a:ln>
+          <a:noFill/>
+        </a:ln>
+        <a:effectLst/>
+      </dsp:spPr>
+      <dsp:style>
+        <a:lnRef idx="0">
+          <a:scrgbClr r="0" g="0" b="0"/>
+        </a:lnRef>
+        <a:fillRef idx="0">
+          <a:scrgbClr r="0" g="0" b="0"/>
+        </a:fillRef>
+        <a:effectRef idx="0">
+          <a:scrgbClr r="0" g="0" b="0"/>
+        </a:effectRef>
+        <a:fontRef idx="minor"/>
+      </dsp:style>
+      <dsp:txBody>
+        <a:bodyPr spcFirstLastPara="0" vert="horz" wrap="square" lIns="0" tIns="0" rIns="0" bIns="0" numCol="1" spcCol="1270" anchor="t" anchorCtr="0">
+          <a:noAutofit/>
+        </a:bodyPr>
+        <a:lstStyle/>
+        <a:p>
+          <a:pPr marL="0" lvl="0" indent="0" algn="ctr" defTabSz="666750">
+            <a:lnSpc>
+              <a:spcPct val="100000"/>
+            </a:lnSpc>
+            <a:spcBef>
+              <a:spcPct val="0"/>
+            </a:spcBef>
+            <a:spcAft>
+              <a:spcPct val="35000"/>
+            </a:spcAft>
+            <a:buNone/>
+          </a:pPr>
+          <a:r>
+            <a:rPr lang="en-US" sz="1500" kern="1200"/>
+            <a:t>We just choose the </a:t>
+          </a:r>
+          <a:r>
+            <a:rPr lang="en-US" sz="1500" i="1" kern="1200"/>
+            <a:t>first</a:t>
+          </a:r>
+          <a:r>
+            <a:rPr lang="en-US" sz="1500" kern="1200"/>
+            <a:t> and went with it</a:t>
+          </a:r>
+        </a:p>
+      </dsp:txBody>
+      <dsp:txXfrm>
+        <a:off x="4259334" y="2291375"/>
+        <a:ext cx="3611250" cy="720000"/>
+      </dsp:txXfrm>
+    </dsp:sp>
+  </dsp:spTree>
+</dsp:drawing>
+</file>
+
+<file path=ppt/diagrams/drawing5.xml><?xml version="1.0" encoding="utf-8"?>
+<dsp:drawing xmlns:dgm="http://schemas.openxmlformats.org/drawingml/2006/diagram" xmlns:dsp="http://schemas.microsoft.com/office/drawing/2008/diagram" xmlns:a="http://schemas.openxmlformats.org/drawingml/2006/main">
+  <dsp:spTree>
+    <dsp:nvGrpSpPr>
+      <dsp:cNvPr id="0" name=""/>
+      <dsp:cNvGrpSpPr/>
+    </dsp:nvGrpSpPr>
+    <dsp:grpSpPr/>
     <dsp:sp modelId="{7BBB6A24-C0D0-4740-8208-D9E80F39BB01}">
       <dsp:nvSpPr>
         <dsp:cNvPr id="0" name=""/>
@@ -10400,7 +11628,7 @@
 </dsp:drawing>
 </file>
 
-<file path=ppt/diagrams/drawing5.xml><?xml version="1.0" encoding="utf-8"?>
+<file path=ppt/diagrams/drawing6.xml><?xml version="1.0" encoding="utf-8"?>
 <dsp:drawing xmlns:dgm="http://schemas.openxmlformats.org/drawingml/2006/diagram" xmlns:dsp="http://schemas.microsoft.com/office/drawing/2008/diagram" xmlns:a="http://schemas.openxmlformats.org/drawingml/2006/main">
   <dsp:spTree>
     <dsp:nvGrpSpPr>
@@ -10632,7 +11860,7 @@
 </dsp:drawing>
 </file>
 
-<file path=ppt/diagrams/drawing6.xml><?xml version="1.0" encoding="utf-8"?>
+<file path=ppt/diagrams/drawing7.xml><?xml version="1.0" encoding="utf-8"?>
 <dsp:drawing xmlns:dgm="http://schemas.openxmlformats.org/drawingml/2006/diagram" xmlns:dsp="http://schemas.microsoft.com/office/drawing/2008/diagram" xmlns:a="http://schemas.openxmlformats.org/drawingml/2006/main">
   <dsp:spTree>
     <dsp:nvGrpSpPr>
@@ -11099,7 +12327,7 @@
 </dsp:drawing>
 </file>
 
-<file path=ppt/diagrams/drawing7.xml><?xml version="1.0" encoding="utf-8"?>
+<file path=ppt/diagrams/drawing8.xml><?xml version="1.0" encoding="utf-8"?>
 <dsp:drawing xmlns:dgm="http://schemas.openxmlformats.org/drawingml/2006/diagram" xmlns:dsp="http://schemas.microsoft.com/office/drawing/2008/diagram" xmlns:a="http://schemas.openxmlformats.org/drawingml/2006/main">
   <dsp:spTree>
     <dsp:nvGrpSpPr>
@@ -11421,7 +12649,7 @@
 </dsp:drawing>
 </file>
 
-<file path=ppt/diagrams/drawing8.xml><?xml version="1.0" encoding="utf-8"?>
+<file path=ppt/diagrams/drawing9.xml><?xml version="1.0" encoding="utf-8"?>
 <dsp:drawing xmlns:dgm="http://schemas.openxmlformats.org/drawingml/2006/diagram" xmlns:dsp="http://schemas.microsoft.com/office/drawing/2008/diagram" xmlns:a="http://schemas.openxmlformats.org/drawingml/2006/main">
   <dsp:spTree>
     <dsp:nvGrpSpPr>
@@ -12705,6 +13933,196 @@
 </file>
 
 <file path=ppt/diagrams/layout4.xml><?xml version="1.0" encoding="utf-8"?>
+<dgm:layoutDef xmlns:dgm="http://schemas.openxmlformats.org/drawingml/2006/diagram" xmlns:a="http://schemas.openxmlformats.org/drawingml/2006/main" uniqueId="urn:microsoft.com/office/officeart/2018/2/layout/IconLabelList">
+  <dgm:title val="Icon Label List"/>
+  <dgm:desc val="Use to show non-sequential or grouped chunks of information accompanied by a related visuals. Works best with icons or small pictures with short text captions."/>
+  <dgm:catLst>
+    <dgm:cat type="icon" pri="500"/>
+  </dgm:catLst>
+  <dgm:sampData useDef="1">
+    <dgm:dataModel>
+      <dgm:ptLst/>
+      <dgm:bg/>
+      <dgm:whole/>
+    </dgm:dataModel>
+  </dgm:sampData>
+  <dgm:styleData useDef="1">
+    <dgm:dataModel>
+      <dgm:ptLst/>
+      <dgm:bg/>
+      <dgm:whole/>
+    </dgm:dataModel>
+  </dgm:styleData>
+  <dgm:clrData useDef="1">
+    <dgm:dataModel>
+      <dgm:ptLst/>
+      <dgm:bg/>
+      <dgm:whole/>
+    </dgm:dataModel>
+  </dgm:clrData>
+  <dgm:layoutNode name="root">
+    <dgm:varLst>
+      <dgm:dir/>
+      <dgm:resizeHandles val="exact"/>
+    </dgm:varLst>
+    <dgm:choose name="Name0">
+      <dgm:if name="Name1" axis="self" func="var" arg="dir" op="equ" val="norm">
+        <dgm:alg type="snake">
+          <dgm:param type="grDir" val="tL"/>
+          <dgm:param type="flowDir" val="row"/>
+          <dgm:param type="contDir" val="sameDir"/>
+          <dgm:param type="off" val="ctr"/>
+          <dgm:param type="vertAlign" val="mid"/>
+          <dgm:param type="horzAlign" val="ctr"/>
+        </dgm:alg>
+      </dgm:if>
+      <dgm:else name="Name2">
+        <dgm:alg type="snake">
+          <dgm:param type="grDir" val="tR"/>
+          <dgm:param type="flowDir" val="row"/>
+          <dgm:param type="contDir" val="sameDir"/>
+          <dgm:param type="off" val="ctr"/>
+          <dgm:param type="vertAlign" val="mid"/>
+          <dgm:param type="horzAlign" val="ctr"/>
+        </dgm:alg>
+      </dgm:else>
+    </dgm:choose>
+    <dgm:shape xmlns:r="http://schemas.openxmlformats.org/officeDocument/2006/relationships" r:blip="">
+      <dgm:adjLst/>
+    </dgm:shape>
+    <dgm:presOf/>
+    <dgm:choose name="Name3">
+      <dgm:if name="Name4" axis="ch" ptType="node" func="cnt" op="lte" val="2">
+        <dgm:constrLst>
+          <dgm:constr type="h" for="ch" forName="compNode" refType="h" fact="0.4"/>
+          <dgm:constr type="w" for="ch" forName="compNode" val="120"/>
+          <dgm:constr type="w" for="ch" forName="sibTrans" refType="w" refFor="ch" refForName="compNode" fact="0.175"/>
+          <dgm:constr type="sp" refType="w" refFor="ch" refForName="compNode" op="equ" fact="0.25"/>
+          <dgm:constr type="primFontSz" for="des" ptType="node" op="equ" val="50"/>
+          <dgm:constr type="h" for="des" forName="compNode" op="equ"/>
+          <dgm:constr type="h" for="des" forName="textRect" op="equ"/>
+        </dgm:constrLst>
+      </dgm:if>
+      <dgm:if name="Name5" axis="ch" ptType="node" func="cnt" op="lte" val="4">
+        <dgm:constrLst>
+          <dgm:constr type="h" for="ch" forName="compNode" refType="h" fact="0.4"/>
+          <dgm:constr type="w" for="ch" forName="compNode" refType="w"/>
+          <dgm:constr type="w" for="ch" forName="sibTrans" refType="w" refFor="ch" refForName="compNode" fact="0.175"/>
+          <dgm:constr type="sp" refType="w" refFor="ch" refForName="compNode" op="equ" fact="0.25"/>
+          <dgm:constr type="primFontSz" for="des" ptType="node" op="equ" val="36"/>
+          <dgm:constr type="h" for="des" forName="compNode" op="equ"/>
+          <dgm:constr type="h" for="des" forName="textRect" op="equ"/>
+        </dgm:constrLst>
+      </dgm:if>
+      <dgm:else name="Name6">
+        <dgm:constrLst>
+          <dgm:constr type="h" for="ch" forName="compNode" refType="h" fact="0.4"/>
+          <dgm:constr type="w" for="ch" forName="compNode" refType="w"/>
+          <dgm:constr type="w" for="ch" forName="sibTrans" refType="w" refFor="ch" refForName="compNode" fact="0.175"/>
+          <dgm:constr type="sp" refType="w" refFor="ch" refForName="compNode" op="equ" fact="0.25"/>
+          <dgm:constr type="primFontSz" for="des" ptType="node" op="equ" val="24"/>
+          <dgm:constr type="h" for="des" forName="compNode" op="equ"/>
+          <dgm:constr type="h" for="des" forName="textRect" op="equ"/>
+        </dgm:constrLst>
+      </dgm:else>
+    </dgm:choose>
+    <dgm:ruleLst>
+      <dgm:rule type="w" for="ch" forName="compNode" val="50" fact="NaN" max="NaN"/>
+    </dgm:ruleLst>
+    <dgm:forEach name="Name7" axis="ch" ptType="node">
+      <dgm:layoutNode name="compNode">
+        <dgm:alg type="composite"/>
+        <dgm:shape xmlns:r="http://schemas.openxmlformats.org/officeDocument/2006/relationships" r:blip="">
+          <dgm:adjLst/>
+        </dgm:shape>
+        <dgm:presOf axis="self"/>
+        <dgm:constrLst>
+          <dgm:constr type="w" for="ch" forName="iconRect" refType="w" fact="0.45"/>
+          <dgm:constr type="h" for="ch" forName="iconRect" refType="w" refFor="ch" refForName="iconRect"/>
+          <dgm:constr type="ctrX" for="ch" forName="iconRect" refType="w" fact="0.5"/>
+          <dgm:constr type="t" for="ch" forName="iconRect"/>
+          <dgm:constr type="h" for="ch" forName="spaceRect" refType="h" fact="0.15"/>
+          <dgm:constr type="w" for="ch" forName="spaceRect" refType="w"/>
+          <dgm:constr type="l" for="ch" forName="spaceRect"/>
+          <dgm:constr type="t" for="ch" forName="spaceRect" refType="b" refFor="ch" refForName="iconRect"/>
+          <dgm:constr type="h" for="ch" forName="textRect" val="20"/>
+          <dgm:constr type="w" for="ch" forName="textRect" refType="w"/>
+          <dgm:constr type="l" for="ch" forName="textRect"/>
+          <dgm:constr type="t" for="ch" forName="textRect" refType="b" refFor="ch" refForName="spaceRect"/>
+        </dgm:constrLst>
+        <dgm:ruleLst>
+          <dgm:rule type="h" val="INF" fact="NaN" max="NaN"/>
+        </dgm:ruleLst>
+        <dgm:layoutNode name="iconRect" styleLbl="node1">
+          <dgm:alg type="sp"/>
+          <dgm:shape xmlns:r="http://schemas.openxmlformats.org/officeDocument/2006/relationships" type="rect" r:blip="" blipPhldr="1">
+            <dgm:adjLst/>
+          </dgm:shape>
+          <dgm:presOf/>
+          <dgm:constrLst/>
+          <dgm:ruleLst/>
+        </dgm:layoutNode>
+        <dgm:layoutNode name="spaceRect">
+          <dgm:alg type="sp"/>
+          <dgm:shape xmlns:r="http://schemas.openxmlformats.org/officeDocument/2006/relationships" r:blip="">
+            <dgm:adjLst/>
+          </dgm:shape>
+          <dgm:presOf/>
+          <dgm:constrLst/>
+          <dgm:ruleLst/>
+        </dgm:layoutNode>
+        <dgm:layoutNode name="textRect" styleLbl="revTx">
+          <dgm:varLst>
+            <dgm:chMax val="1"/>
+            <dgm:chPref val="1"/>
+          </dgm:varLst>
+          <dgm:alg type="tx">
+            <dgm:param type="txAnchorVert" val="t"/>
+          </dgm:alg>
+          <dgm:shape xmlns:r="http://schemas.openxmlformats.org/officeDocument/2006/relationships" type="rect" r:blip="">
+            <dgm:adjLst/>
+          </dgm:shape>
+          <dgm:presOf axis="self" ptType="node"/>
+          <dgm:constrLst>
+            <dgm:constr type="lMarg"/>
+            <dgm:constr type="rMarg"/>
+            <dgm:constr type="tMarg"/>
+            <dgm:constr type="bMarg"/>
+          </dgm:constrLst>
+          <dgm:ruleLst>
+            <dgm:rule type="primFontSz" val="11" fact="NaN" max="NaN"/>
+            <dgm:rule type="h" val="INF" fact="NaN" max="NaN"/>
+          </dgm:ruleLst>
+        </dgm:layoutNode>
+      </dgm:layoutNode>
+      <dgm:forEach name="Name8" axis="followSib" ptType="sibTrans" cnt="1">
+        <dgm:layoutNode name="sibTrans">
+          <dgm:alg type="sp"/>
+          <dgm:shape xmlns:r="http://schemas.openxmlformats.org/officeDocument/2006/relationships" r:blip="">
+            <dgm:adjLst/>
+          </dgm:shape>
+          <dgm:presOf axis="self"/>
+          <dgm:constrLst/>
+          <dgm:ruleLst/>
+        </dgm:layoutNode>
+      </dgm:forEach>
+    </dgm:forEach>
+  </dgm:layoutNode>
+  <dgm:extLst>
+    <a:ext uri="{68A01E43-0DF5-4B5B-8FA6-DAF915123BFB}">
+      <dgm1612:lstStyle xmlns:dgm1612="http://schemas.microsoft.com/office/drawing/2016/12/diagram">
+        <a:lvl1pPr>
+          <a:lnSpc>
+            <a:spcPct val="100000"/>
+          </a:lnSpc>
+        </a:lvl1pPr>
+      </dgm1612:lstStyle>
+    </a:ext>
+  </dgm:extLst>
+</dgm:layoutDef>
+</file>
+
+<file path=ppt/diagrams/layout5.xml><?xml version="1.0" encoding="utf-8"?>
 <dgm:layoutDef xmlns:dgm="http://schemas.openxmlformats.org/drawingml/2006/diagram" xmlns:a="http://schemas.openxmlformats.org/drawingml/2006/main" uniqueId="urn:microsoft.com/office/officeart/2018/5/layout/IconCircleLabelList">
   <dgm:title val="Icon Circle Label List"/>
   <dgm:desc val="Use to show non-sequential or grouped chunks of information accompanied by a related visuals. Works best with icons or small pictures with short text captions."/>
@@ -12919,7 +14337,7 @@
 </dgm:layoutDef>
 </file>
 
-<file path=ppt/diagrams/layout5.xml><?xml version="1.0" encoding="utf-8"?>
+<file path=ppt/diagrams/layout6.xml><?xml version="1.0" encoding="utf-8"?>
 <dgm:layoutDef xmlns:dgm="http://schemas.openxmlformats.org/drawingml/2006/diagram" xmlns:a="http://schemas.openxmlformats.org/drawingml/2006/main" uniqueId="urn:microsoft.com/office/officeart/2018/2/layout/IconLabelList">
   <dgm:title val="Icon Label List"/>
   <dgm:desc val="Use to show non-sequential or grouped chunks of information accompanied by a related visuals. Works best with icons or small pictures with short text captions."/>
@@ -13109,7 +14527,7 @@
 </dgm:layoutDef>
 </file>
 
-<file path=ppt/diagrams/layout6.xml><?xml version="1.0" encoding="utf-8"?>
+<file path=ppt/diagrams/layout7.xml><?xml version="1.0" encoding="utf-8"?>
 <dgm:layoutDef xmlns:dgm="http://schemas.openxmlformats.org/drawingml/2006/diagram" xmlns:a="http://schemas.openxmlformats.org/drawingml/2006/main" uniqueId="urn:microsoft.com/office/officeart/2005/8/layout/hList1">
   <dgm:title val=""/>
   <dgm:desc val=""/>
@@ -13326,7 +14744,7 @@
 </dgm:layoutDef>
 </file>
 
-<file path=ppt/diagrams/layout7.xml><?xml version="1.0" encoding="utf-8"?>
+<file path=ppt/diagrams/layout8.xml><?xml version="1.0" encoding="utf-8"?>
 <dgm:layoutDef xmlns:dgm="http://schemas.openxmlformats.org/drawingml/2006/diagram" xmlns:a="http://schemas.openxmlformats.org/drawingml/2006/main" uniqueId="urn:microsoft.com/office/officeart/2018/5/layout/IconCircleLabelList">
   <dgm:title val="Icon Circle Label List"/>
   <dgm:desc val="Use to show non-sequential or grouped chunks of information accompanied by a related visuals. Works best with icons or small pictures with short text captions."/>
@@ -13541,7 +14959,7 @@
 </dgm:layoutDef>
 </file>
 
-<file path=ppt/diagrams/layout8.xml><?xml version="1.0" encoding="utf-8"?>
+<file path=ppt/diagrams/layout9.xml><?xml version="1.0" encoding="utf-8"?>
 <dgm:layoutDef xmlns:dgm="http://schemas.openxmlformats.org/drawingml/2006/diagram" xmlns:a="http://schemas.openxmlformats.org/drawingml/2006/main" uniqueId="urn:microsoft.com/office/officeart/2016/7/layout/BasicLinearProcessNumbered">
   <dgm:title val="Basic Linear Process Numbered"/>
   <dgm:desc val="Used to show a progression; a timeline; sequential steps in a task, process, or workflow; or to emphasize movement or direction. Automatic numbers have been introduced to show the steps of the process which appears in a circle. Level 1 and Level 2 text appear in a rectangle."/>
@@ -18989,6 +20407,1040 @@
 </file>
 
 <file path=ppt/diagrams/quickStyle6.xml><?xml version="1.0" encoding="utf-8"?>
+<dgm:styleDef xmlns:dgm="http://schemas.openxmlformats.org/drawingml/2006/diagram" xmlns:a="http://schemas.openxmlformats.org/drawingml/2006/main" uniqueId="urn:microsoft.com/office/officeart/2005/8/quickstyle/simple1">
+  <dgm:title val=""/>
+  <dgm:desc val=""/>
+  <dgm:catLst>
+    <dgm:cat type="simple" pri="10100"/>
+  </dgm:catLst>
+  <dgm:scene3d>
+    <a:camera prst="orthographicFront"/>
+    <a:lightRig rig="threePt" dir="t"/>
+  </dgm:scene3d>
+  <dgm:styleLbl name="node0">
+    <dgm:scene3d>
+      <a:camera prst="orthographicFront"/>
+      <a:lightRig rig="threePt" dir="t"/>
+    </dgm:scene3d>
+    <dgm:sp3d/>
+    <dgm:txPr/>
+    <dgm:style>
+      <a:lnRef idx="2">
+        <a:scrgbClr r="0" g="0" b="0"/>
+      </a:lnRef>
+      <a:fillRef idx="1">
+        <a:scrgbClr r="0" g="0" b="0"/>
+      </a:fillRef>
+      <a:effectRef idx="0">
+        <a:scrgbClr r="0" g="0" b="0"/>
+      </a:effectRef>
+      <a:fontRef idx="minor">
+        <a:schemeClr val="lt1"/>
+      </a:fontRef>
+    </dgm:style>
+  </dgm:styleLbl>
+  <dgm:styleLbl name="lnNode1">
+    <dgm:scene3d>
+      <a:camera prst="orthographicFront"/>
+      <a:lightRig rig="threePt" dir="t"/>
+    </dgm:scene3d>
+    <dgm:sp3d/>
+    <dgm:txPr/>
+    <dgm:style>
+      <a:lnRef idx="2">
+        <a:scrgbClr r="0" g="0" b="0"/>
+      </a:lnRef>
+      <a:fillRef idx="1">
+        <a:scrgbClr r="0" g="0" b="0"/>
+      </a:fillRef>
+      <a:effectRef idx="0">
+        <a:scrgbClr r="0" g="0" b="0"/>
+      </a:effectRef>
+      <a:fontRef idx="minor">
+        <a:schemeClr val="lt1"/>
+      </a:fontRef>
+    </dgm:style>
+  </dgm:styleLbl>
+  <dgm:styleLbl name="vennNode1">
+    <dgm:scene3d>
+      <a:camera prst="orthographicFront"/>
+      <a:lightRig rig="threePt" dir="t"/>
+    </dgm:scene3d>
+    <dgm:sp3d/>
+    <dgm:txPr/>
+    <dgm:style>
+      <a:lnRef idx="2">
+        <a:scrgbClr r="0" g="0" b="0"/>
+      </a:lnRef>
+      <a:fillRef idx="1">
+        <a:scrgbClr r="0" g="0" b="0"/>
+      </a:fillRef>
+      <a:effectRef idx="0">
+        <a:scrgbClr r="0" g="0" b="0"/>
+      </a:effectRef>
+      <a:fontRef idx="minor">
+        <a:schemeClr val="tx1"/>
+      </a:fontRef>
+    </dgm:style>
+  </dgm:styleLbl>
+  <dgm:styleLbl name="alignNode1">
+    <dgm:scene3d>
+      <a:camera prst="orthographicFront"/>
+      <a:lightRig rig="threePt" dir="t"/>
+    </dgm:scene3d>
+    <dgm:sp3d/>
+    <dgm:txPr/>
+    <dgm:style>
+      <a:lnRef idx="2">
+        <a:scrgbClr r="0" g="0" b="0"/>
+      </a:lnRef>
+      <a:fillRef idx="1">
+        <a:scrgbClr r="0" g="0" b="0"/>
+      </a:fillRef>
+      <a:effectRef idx="0">
+        <a:scrgbClr r="0" g="0" b="0"/>
+      </a:effectRef>
+      <a:fontRef idx="minor">
+        <a:schemeClr val="lt1"/>
+      </a:fontRef>
+    </dgm:style>
+  </dgm:styleLbl>
+  <dgm:styleLbl name="node1">
+    <dgm:scene3d>
+      <a:camera prst="orthographicFront"/>
+      <a:lightRig rig="threePt" dir="t"/>
+    </dgm:scene3d>
+    <dgm:sp3d/>
+    <dgm:txPr/>
+    <dgm:style>
+      <a:lnRef idx="2">
+        <a:scrgbClr r="0" g="0" b="0"/>
+      </a:lnRef>
+      <a:fillRef idx="1">
+        <a:scrgbClr r="0" g="0" b="0"/>
+      </a:fillRef>
+      <a:effectRef idx="0">
+        <a:scrgbClr r="0" g="0" b="0"/>
+      </a:effectRef>
+      <a:fontRef idx="minor">
+        <a:schemeClr val="lt1"/>
+      </a:fontRef>
+    </dgm:style>
+  </dgm:styleLbl>
+  <dgm:styleLbl name="node2">
+    <dgm:scene3d>
+      <a:camera prst="orthographicFront"/>
+      <a:lightRig rig="threePt" dir="t"/>
+    </dgm:scene3d>
+    <dgm:sp3d/>
+    <dgm:txPr/>
+    <dgm:style>
+      <a:lnRef idx="2">
+        <a:scrgbClr r="0" g="0" b="0"/>
+      </a:lnRef>
+      <a:fillRef idx="1">
+        <a:scrgbClr r="0" g="0" b="0"/>
+      </a:fillRef>
+      <a:effectRef idx="0">
+        <a:scrgbClr r="0" g="0" b="0"/>
+      </a:effectRef>
+      <a:fontRef idx="minor">
+        <a:schemeClr val="lt1"/>
+      </a:fontRef>
+    </dgm:style>
+  </dgm:styleLbl>
+  <dgm:styleLbl name="node3">
+    <dgm:scene3d>
+      <a:camera prst="orthographicFront"/>
+      <a:lightRig rig="threePt" dir="t"/>
+    </dgm:scene3d>
+    <dgm:sp3d/>
+    <dgm:txPr/>
+    <dgm:style>
+      <a:lnRef idx="2">
+        <a:scrgbClr r="0" g="0" b="0"/>
+      </a:lnRef>
+      <a:fillRef idx="1">
+        <a:scrgbClr r="0" g="0" b="0"/>
+      </a:fillRef>
+      <a:effectRef idx="0">
+        <a:scrgbClr r="0" g="0" b="0"/>
+      </a:effectRef>
+      <a:fontRef idx="minor">
+        <a:schemeClr val="lt1"/>
+      </a:fontRef>
+    </dgm:style>
+  </dgm:styleLbl>
+  <dgm:styleLbl name="node4">
+    <dgm:scene3d>
+      <a:camera prst="orthographicFront"/>
+      <a:lightRig rig="threePt" dir="t"/>
+    </dgm:scene3d>
+    <dgm:sp3d/>
+    <dgm:txPr/>
+    <dgm:style>
+      <a:lnRef idx="2">
+        <a:scrgbClr r="0" g="0" b="0"/>
+      </a:lnRef>
+      <a:fillRef idx="1">
+        <a:scrgbClr r="0" g="0" b="0"/>
+      </a:fillRef>
+      <a:effectRef idx="0">
+        <a:scrgbClr r="0" g="0" b="0"/>
+      </a:effectRef>
+      <a:fontRef idx="minor">
+        <a:schemeClr val="lt1"/>
+      </a:fontRef>
+    </dgm:style>
+  </dgm:styleLbl>
+  <dgm:styleLbl name="fgImgPlace1">
+    <dgm:scene3d>
+      <a:camera prst="orthographicFront"/>
+      <a:lightRig rig="threePt" dir="t"/>
+    </dgm:scene3d>
+    <dgm:sp3d/>
+    <dgm:txPr/>
+    <dgm:style>
+      <a:lnRef idx="2">
+        <a:scrgbClr r="0" g="0" b="0"/>
+      </a:lnRef>
+      <a:fillRef idx="1">
+        <a:scrgbClr r="0" g="0" b="0"/>
+      </a:fillRef>
+      <a:effectRef idx="0">
+        <a:scrgbClr r="0" g="0" b="0"/>
+      </a:effectRef>
+      <a:fontRef idx="minor"/>
+    </dgm:style>
+  </dgm:styleLbl>
+  <dgm:styleLbl name="alignImgPlace1">
+    <dgm:scene3d>
+      <a:camera prst="orthographicFront"/>
+      <a:lightRig rig="threePt" dir="t"/>
+    </dgm:scene3d>
+    <dgm:sp3d/>
+    <dgm:txPr/>
+    <dgm:style>
+      <a:lnRef idx="2">
+        <a:scrgbClr r="0" g="0" b="0"/>
+      </a:lnRef>
+      <a:fillRef idx="1">
+        <a:scrgbClr r="0" g="0" b="0"/>
+      </a:fillRef>
+      <a:effectRef idx="0">
+        <a:scrgbClr r="0" g="0" b="0"/>
+      </a:effectRef>
+      <a:fontRef idx="minor"/>
+    </dgm:style>
+  </dgm:styleLbl>
+  <dgm:styleLbl name="bgImgPlace1">
+    <dgm:scene3d>
+      <a:camera prst="orthographicFront"/>
+      <a:lightRig rig="threePt" dir="t"/>
+    </dgm:scene3d>
+    <dgm:sp3d/>
+    <dgm:txPr/>
+    <dgm:style>
+      <a:lnRef idx="2">
+        <a:scrgbClr r="0" g="0" b="0"/>
+      </a:lnRef>
+      <a:fillRef idx="1">
+        <a:scrgbClr r="0" g="0" b="0"/>
+      </a:fillRef>
+      <a:effectRef idx="0">
+        <a:scrgbClr r="0" g="0" b="0"/>
+      </a:effectRef>
+      <a:fontRef idx="minor"/>
+    </dgm:style>
+  </dgm:styleLbl>
+  <dgm:styleLbl name="sibTrans2D1">
+    <dgm:scene3d>
+      <a:camera prst="orthographicFront"/>
+      <a:lightRig rig="threePt" dir="t"/>
+    </dgm:scene3d>
+    <dgm:sp3d/>
+    <dgm:txPr/>
+    <dgm:style>
+      <a:lnRef idx="0">
+        <a:scrgbClr r="0" g="0" b="0"/>
+      </a:lnRef>
+      <a:fillRef idx="1">
+        <a:scrgbClr r="0" g="0" b="0"/>
+      </a:fillRef>
+      <a:effectRef idx="0">
+        <a:scrgbClr r="0" g="0" b="0"/>
+      </a:effectRef>
+      <a:fontRef idx="minor">
+        <a:schemeClr val="lt1"/>
+      </a:fontRef>
+    </dgm:style>
+  </dgm:styleLbl>
+  <dgm:styleLbl name="fgSibTrans2D1">
+    <dgm:scene3d>
+      <a:camera prst="orthographicFront"/>
+      <a:lightRig rig="threePt" dir="t"/>
+    </dgm:scene3d>
+    <dgm:sp3d/>
+    <dgm:txPr/>
+    <dgm:style>
+      <a:lnRef idx="0">
+        <a:scrgbClr r="0" g="0" b="0"/>
+      </a:lnRef>
+      <a:fillRef idx="1">
+        <a:scrgbClr r="0" g="0" b="0"/>
+      </a:fillRef>
+      <a:effectRef idx="0">
+        <a:scrgbClr r="0" g="0" b="0"/>
+      </a:effectRef>
+      <a:fontRef idx="minor">
+        <a:schemeClr val="lt1"/>
+      </a:fontRef>
+    </dgm:style>
+  </dgm:styleLbl>
+  <dgm:styleLbl name="bgSibTrans2D1">
+    <dgm:scene3d>
+      <a:camera prst="orthographicFront"/>
+      <a:lightRig rig="threePt" dir="t"/>
+    </dgm:scene3d>
+    <dgm:sp3d/>
+    <dgm:txPr/>
+    <dgm:style>
+      <a:lnRef idx="0">
+        <a:scrgbClr r="0" g="0" b="0"/>
+      </a:lnRef>
+      <a:fillRef idx="1">
+        <a:scrgbClr r="0" g="0" b="0"/>
+      </a:fillRef>
+      <a:effectRef idx="0">
+        <a:scrgbClr r="0" g="0" b="0"/>
+      </a:effectRef>
+      <a:fontRef idx="minor">
+        <a:schemeClr val="lt1"/>
+      </a:fontRef>
+    </dgm:style>
+  </dgm:styleLbl>
+  <dgm:styleLbl name="sibTrans1D1">
+    <dgm:scene3d>
+      <a:camera prst="orthographicFront"/>
+      <a:lightRig rig="threePt" dir="t"/>
+    </dgm:scene3d>
+    <dgm:sp3d/>
+    <dgm:txPr/>
+    <dgm:style>
+      <a:lnRef idx="1">
+        <a:scrgbClr r="0" g="0" b="0"/>
+      </a:lnRef>
+      <a:fillRef idx="0">
+        <a:scrgbClr r="0" g="0" b="0"/>
+      </a:fillRef>
+      <a:effectRef idx="0">
+        <a:scrgbClr r="0" g="0" b="0"/>
+      </a:effectRef>
+      <a:fontRef idx="minor"/>
+    </dgm:style>
+  </dgm:styleLbl>
+  <dgm:styleLbl name="callout">
+    <dgm:scene3d>
+      <a:camera prst="orthographicFront"/>
+      <a:lightRig rig="threePt" dir="t"/>
+    </dgm:scene3d>
+    <dgm:sp3d/>
+    <dgm:txPr/>
+    <dgm:style>
+      <a:lnRef idx="2">
+        <a:scrgbClr r="0" g="0" b="0"/>
+      </a:lnRef>
+      <a:fillRef idx="1">
+        <a:scrgbClr r="0" g="0" b="0"/>
+      </a:fillRef>
+      <a:effectRef idx="0">
+        <a:scrgbClr r="0" g="0" b="0"/>
+      </a:effectRef>
+      <a:fontRef idx="minor"/>
+    </dgm:style>
+  </dgm:styleLbl>
+  <dgm:styleLbl name="asst0">
+    <dgm:scene3d>
+      <a:camera prst="orthographicFront"/>
+      <a:lightRig rig="threePt" dir="t"/>
+    </dgm:scene3d>
+    <dgm:sp3d/>
+    <dgm:txPr/>
+    <dgm:style>
+      <a:lnRef idx="2">
+        <a:scrgbClr r="0" g="0" b="0"/>
+      </a:lnRef>
+      <a:fillRef idx="1">
+        <a:scrgbClr r="0" g="0" b="0"/>
+      </a:fillRef>
+      <a:effectRef idx="0">
+        <a:scrgbClr r="0" g="0" b="0"/>
+      </a:effectRef>
+      <a:fontRef idx="minor">
+        <a:schemeClr val="lt1"/>
+      </a:fontRef>
+    </dgm:style>
+  </dgm:styleLbl>
+  <dgm:styleLbl name="asst1">
+    <dgm:scene3d>
+      <a:camera prst="orthographicFront"/>
+      <a:lightRig rig="threePt" dir="t"/>
+    </dgm:scene3d>
+    <dgm:sp3d/>
+    <dgm:txPr/>
+    <dgm:style>
+      <a:lnRef idx="2">
+        <a:scrgbClr r="0" g="0" b="0"/>
+      </a:lnRef>
+      <a:fillRef idx="1">
+        <a:scrgbClr r="0" g="0" b="0"/>
+      </a:fillRef>
+      <a:effectRef idx="0">
+        <a:scrgbClr r="0" g="0" b="0"/>
+      </a:effectRef>
+      <a:fontRef idx="minor">
+        <a:schemeClr val="lt1"/>
+      </a:fontRef>
+    </dgm:style>
+  </dgm:styleLbl>
+  <dgm:styleLbl name="asst2">
+    <dgm:scene3d>
+      <a:camera prst="orthographicFront"/>
+      <a:lightRig rig="threePt" dir="t"/>
+    </dgm:scene3d>
+    <dgm:sp3d/>
+    <dgm:txPr/>
+    <dgm:style>
+      <a:lnRef idx="2">
+        <a:scrgbClr r="0" g="0" b="0"/>
+      </a:lnRef>
+      <a:fillRef idx="1">
+        <a:scrgbClr r="0" g="0" b="0"/>
+      </a:fillRef>
+      <a:effectRef idx="0">
+        <a:scrgbClr r="0" g="0" b="0"/>
+      </a:effectRef>
+      <a:fontRef idx="minor">
+        <a:schemeClr val="lt1"/>
+      </a:fontRef>
+    </dgm:style>
+  </dgm:styleLbl>
+  <dgm:styleLbl name="asst3">
+    <dgm:scene3d>
+      <a:camera prst="orthographicFront"/>
+      <a:lightRig rig="threePt" dir="t"/>
+    </dgm:scene3d>
+    <dgm:sp3d/>
+    <dgm:txPr/>
+    <dgm:style>
+      <a:lnRef idx="2">
+        <a:scrgbClr r="0" g="0" b="0"/>
+      </a:lnRef>
+      <a:fillRef idx="1">
+        <a:scrgbClr r="0" g="0" b="0"/>
+      </a:fillRef>
+      <a:effectRef idx="0">
+        <a:scrgbClr r="0" g="0" b="0"/>
+      </a:effectRef>
+      <a:fontRef idx="minor">
+        <a:schemeClr val="lt1"/>
+      </a:fontRef>
+    </dgm:style>
+  </dgm:styleLbl>
+  <dgm:styleLbl name="asst4">
+    <dgm:scene3d>
+      <a:camera prst="orthographicFront"/>
+      <a:lightRig rig="threePt" dir="t"/>
+    </dgm:scene3d>
+    <dgm:sp3d/>
+    <dgm:txPr/>
+    <dgm:style>
+      <a:lnRef idx="2">
+        <a:scrgbClr r="0" g="0" b="0"/>
+      </a:lnRef>
+      <a:fillRef idx="1">
+        <a:scrgbClr r="0" g="0" b="0"/>
+      </a:fillRef>
+      <a:effectRef idx="0">
+        <a:scrgbClr r="0" g="0" b="0"/>
+      </a:effectRef>
+      <a:fontRef idx="minor">
+        <a:schemeClr val="lt1"/>
+      </a:fontRef>
+    </dgm:style>
+  </dgm:styleLbl>
+  <dgm:styleLbl name="parChTrans2D1">
+    <dgm:scene3d>
+      <a:camera prst="orthographicFront"/>
+      <a:lightRig rig="threePt" dir="t"/>
+    </dgm:scene3d>
+    <dgm:sp3d/>
+    <dgm:txPr/>
+    <dgm:style>
+      <a:lnRef idx="2">
+        <a:scrgbClr r="0" g="0" b="0"/>
+      </a:lnRef>
+      <a:fillRef idx="1">
+        <a:scrgbClr r="0" g="0" b="0"/>
+      </a:fillRef>
+      <a:effectRef idx="0">
+        <a:scrgbClr r="0" g="0" b="0"/>
+      </a:effectRef>
+      <a:fontRef idx="minor">
+        <a:schemeClr val="lt1"/>
+      </a:fontRef>
+    </dgm:style>
+  </dgm:styleLbl>
+  <dgm:styleLbl name="parChTrans2D2">
+    <dgm:scene3d>
+      <a:camera prst="orthographicFront"/>
+      <a:lightRig rig="threePt" dir="t"/>
+    </dgm:scene3d>
+    <dgm:sp3d/>
+    <dgm:txPr/>
+    <dgm:style>
+      <a:lnRef idx="2">
+        <a:scrgbClr r="0" g="0" b="0"/>
+      </a:lnRef>
+      <a:fillRef idx="1">
+        <a:scrgbClr r="0" g="0" b="0"/>
+      </a:fillRef>
+      <a:effectRef idx="0">
+        <a:scrgbClr r="0" g="0" b="0"/>
+      </a:effectRef>
+      <a:fontRef idx="minor">
+        <a:schemeClr val="lt1"/>
+      </a:fontRef>
+    </dgm:style>
+  </dgm:styleLbl>
+  <dgm:styleLbl name="parChTrans2D3">
+    <dgm:scene3d>
+      <a:camera prst="orthographicFront"/>
+      <a:lightRig rig="threePt" dir="t"/>
+    </dgm:scene3d>
+    <dgm:sp3d/>
+    <dgm:txPr/>
+    <dgm:style>
+      <a:lnRef idx="2">
+        <a:scrgbClr r="0" g="0" b="0"/>
+      </a:lnRef>
+      <a:fillRef idx="1">
+        <a:scrgbClr r="0" g="0" b="0"/>
+      </a:fillRef>
+      <a:effectRef idx="0">
+        <a:scrgbClr r="0" g="0" b="0"/>
+      </a:effectRef>
+      <a:fontRef idx="minor">
+        <a:schemeClr val="lt1"/>
+      </a:fontRef>
+    </dgm:style>
+  </dgm:styleLbl>
+  <dgm:styleLbl name="parChTrans2D4">
+    <dgm:scene3d>
+      <a:camera prst="orthographicFront"/>
+      <a:lightRig rig="threePt" dir="t"/>
+    </dgm:scene3d>
+    <dgm:sp3d/>
+    <dgm:txPr/>
+    <dgm:style>
+      <a:lnRef idx="2">
+        <a:scrgbClr r="0" g="0" b="0"/>
+      </a:lnRef>
+      <a:fillRef idx="1">
+        <a:scrgbClr r="0" g="0" b="0"/>
+      </a:fillRef>
+      <a:effectRef idx="0">
+        <a:scrgbClr r="0" g="0" b="0"/>
+      </a:effectRef>
+      <a:fontRef idx="minor">
+        <a:schemeClr val="lt1"/>
+      </a:fontRef>
+    </dgm:style>
+  </dgm:styleLbl>
+  <dgm:styleLbl name="parChTrans1D1">
+    <dgm:scene3d>
+      <a:camera prst="orthographicFront"/>
+      <a:lightRig rig="threePt" dir="t"/>
+    </dgm:scene3d>
+    <dgm:sp3d/>
+    <dgm:txPr/>
+    <dgm:style>
+      <a:lnRef idx="2">
+        <a:scrgbClr r="0" g="0" b="0"/>
+      </a:lnRef>
+      <a:fillRef idx="0">
+        <a:scrgbClr r="0" g="0" b="0"/>
+      </a:fillRef>
+      <a:effectRef idx="0">
+        <a:scrgbClr r="0" g="0" b="0"/>
+      </a:effectRef>
+      <a:fontRef idx="minor"/>
+    </dgm:style>
+  </dgm:styleLbl>
+  <dgm:styleLbl name="parChTrans1D2">
+    <dgm:scene3d>
+      <a:camera prst="orthographicFront"/>
+      <a:lightRig rig="threePt" dir="t"/>
+    </dgm:scene3d>
+    <dgm:sp3d/>
+    <dgm:txPr/>
+    <dgm:style>
+      <a:lnRef idx="2">
+        <a:scrgbClr r="0" g="0" b="0"/>
+      </a:lnRef>
+      <a:fillRef idx="0">
+        <a:scrgbClr r="0" g="0" b="0"/>
+      </a:fillRef>
+      <a:effectRef idx="0">
+        <a:scrgbClr r="0" g="0" b="0"/>
+      </a:effectRef>
+      <a:fontRef idx="minor"/>
+    </dgm:style>
+  </dgm:styleLbl>
+  <dgm:styleLbl name="parChTrans1D3">
+    <dgm:scene3d>
+      <a:camera prst="orthographicFront"/>
+      <a:lightRig rig="threePt" dir="t"/>
+    </dgm:scene3d>
+    <dgm:sp3d/>
+    <dgm:txPr/>
+    <dgm:style>
+      <a:lnRef idx="2">
+        <a:scrgbClr r="0" g="0" b="0"/>
+      </a:lnRef>
+      <a:fillRef idx="0">
+        <a:scrgbClr r="0" g="0" b="0"/>
+      </a:fillRef>
+      <a:effectRef idx="0">
+        <a:scrgbClr r="0" g="0" b="0"/>
+      </a:effectRef>
+      <a:fontRef idx="minor"/>
+    </dgm:style>
+  </dgm:styleLbl>
+  <dgm:styleLbl name="parChTrans1D4">
+    <dgm:scene3d>
+      <a:camera prst="orthographicFront"/>
+      <a:lightRig rig="threePt" dir="t"/>
+    </dgm:scene3d>
+    <dgm:sp3d/>
+    <dgm:txPr/>
+    <dgm:style>
+      <a:lnRef idx="2">
+        <a:scrgbClr r="0" g="0" b="0"/>
+      </a:lnRef>
+      <a:fillRef idx="0">
+        <a:scrgbClr r="0" g="0" b="0"/>
+      </a:fillRef>
+      <a:effectRef idx="0">
+        <a:scrgbClr r="0" g="0" b="0"/>
+      </a:effectRef>
+      <a:fontRef idx="minor"/>
+    </dgm:style>
+  </dgm:styleLbl>
+  <dgm:styleLbl name="fgAcc1">
+    <dgm:scene3d>
+      <a:camera prst="orthographicFront"/>
+      <a:lightRig rig="threePt" dir="t"/>
+    </dgm:scene3d>
+    <dgm:sp3d/>
+    <dgm:txPr/>
+    <dgm:style>
+      <a:lnRef idx="2">
+        <a:scrgbClr r="0" g="0" b="0"/>
+      </a:lnRef>
+      <a:fillRef idx="1">
+        <a:scrgbClr r="0" g="0" b="0"/>
+      </a:fillRef>
+      <a:effectRef idx="0">
+        <a:scrgbClr r="0" g="0" b="0"/>
+      </a:effectRef>
+      <a:fontRef idx="minor"/>
+    </dgm:style>
+  </dgm:styleLbl>
+  <dgm:styleLbl name="conFgAcc1">
+    <dgm:scene3d>
+      <a:camera prst="orthographicFront"/>
+      <a:lightRig rig="threePt" dir="t"/>
+    </dgm:scene3d>
+    <dgm:sp3d/>
+    <dgm:txPr/>
+    <dgm:style>
+      <a:lnRef idx="2">
+        <a:scrgbClr r="0" g="0" b="0"/>
+      </a:lnRef>
+      <a:fillRef idx="1">
+        <a:scrgbClr r="0" g="0" b="0"/>
+      </a:fillRef>
+      <a:effectRef idx="0">
+        <a:scrgbClr r="0" g="0" b="0"/>
+      </a:effectRef>
+      <a:fontRef idx="minor"/>
+    </dgm:style>
+  </dgm:styleLbl>
+  <dgm:styleLbl name="alignAcc1">
+    <dgm:scene3d>
+      <a:camera prst="orthographicFront"/>
+      <a:lightRig rig="threePt" dir="t"/>
+    </dgm:scene3d>
+    <dgm:sp3d/>
+    <dgm:txPr/>
+    <dgm:style>
+      <a:lnRef idx="2">
+        <a:scrgbClr r="0" g="0" b="0"/>
+      </a:lnRef>
+      <a:fillRef idx="1">
+        <a:scrgbClr r="0" g="0" b="0"/>
+      </a:fillRef>
+      <a:effectRef idx="0">
+        <a:scrgbClr r="0" g="0" b="0"/>
+      </a:effectRef>
+      <a:fontRef idx="minor"/>
+    </dgm:style>
+  </dgm:styleLbl>
+  <dgm:styleLbl name="trAlignAcc1">
+    <dgm:scene3d>
+      <a:camera prst="orthographicFront"/>
+      <a:lightRig rig="threePt" dir="t"/>
+    </dgm:scene3d>
+    <dgm:sp3d/>
+    <dgm:txPr/>
+    <dgm:style>
+      <a:lnRef idx="1">
+        <a:scrgbClr r="0" g="0" b="0"/>
+      </a:lnRef>
+      <a:fillRef idx="1">
+        <a:scrgbClr r="0" g="0" b="0"/>
+      </a:fillRef>
+      <a:effectRef idx="0">
+        <a:scrgbClr r="0" g="0" b="0"/>
+      </a:effectRef>
+      <a:fontRef idx="minor"/>
+    </dgm:style>
+  </dgm:styleLbl>
+  <dgm:styleLbl name="bgAcc1">
+    <dgm:scene3d>
+      <a:camera prst="orthographicFront"/>
+      <a:lightRig rig="threePt" dir="t"/>
+    </dgm:scene3d>
+    <dgm:sp3d/>
+    <dgm:txPr/>
+    <dgm:style>
+      <a:lnRef idx="2">
+        <a:scrgbClr r="0" g="0" b="0"/>
+      </a:lnRef>
+      <a:fillRef idx="1">
+        <a:scrgbClr r="0" g="0" b="0"/>
+      </a:fillRef>
+      <a:effectRef idx="0">
+        <a:scrgbClr r="0" g="0" b="0"/>
+      </a:effectRef>
+      <a:fontRef idx="minor"/>
+    </dgm:style>
+  </dgm:styleLbl>
+  <dgm:styleLbl name="solidFgAcc1">
+    <dgm:scene3d>
+      <a:camera prst="orthographicFront"/>
+      <a:lightRig rig="threePt" dir="t"/>
+    </dgm:scene3d>
+    <dgm:sp3d/>
+    <dgm:txPr/>
+    <dgm:style>
+      <a:lnRef idx="2">
+        <a:scrgbClr r="0" g="0" b="0"/>
+      </a:lnRef>
+      <a:fillRef idx="1">
+        <a:scrgbClr r="0" g="0" b="0"/>
+      </a:fillRef>
+      <a:effectRef idx="0">
+        <a:scrgbClr r="0" g="0" b="0"/>
+      </a:effectRef>
+      <a:fontRef idx="minor"/>
+    </dgm:style>
+  </dgm:styleLbl>
+  <dgm:styleLbl name="solidAlignAcc1">
+    <dgm:scene3d>
+      <a:camera prst="orthographicFront"/>
+      <a:lightRig rig="threePt" dir="t"/>
+    </dgm:scene3d>
+    <dgm:sp3d/>
+    <dgm:txPr/>
+    <dgm:style>
+      <a:lnRef idx="2">
+        <a:scrgbClr r="0" g="0" b="0"/>
+      </a:lnRef>
+      <a:fillRef idx="1">
+        <a:scrgbClr r="0" g="0" b="0"/>
+      </a:fillRef>
+      <a:effectRef idx="0">
+        <a:scrgbClr r="0" g="0" b="0"/>
+      </a:effectRef>
+      <a:fontRef idx="minor"/>
+    </dgm:style>
+  </dgm:styleLbl>
+  <dgm:styleLbl name="solidBgAcc1">
+    <dgm:scene3d>
+      <a:camera prst="orthographicFront"/>
+      <a:lightRig rig="threePt" dir="t"/>
+    </dgm:scene3d>
+    <dgm:sp3d/>
+    <dgm:txPr/>
+    <dgm:style>
+      <a:lnRef idx="2">
+        <a:scrgbClr r="0" g="0" b="0"/>
+      </a:lnRef>
+      <a:fillRef idx="1">
+        <a:scrgbClr r="0" g="0" b="0"/>
+      </a:fillRef>
+      <a:effectRef idx="0">
+        <a:scrgbClr r="0" g="0" b="0"/>
+      </a:effectRef>
+      <a:fontRef idx="minor"/>
+    </dgm:style>
+  </dgm:styleLbl>
+  <dgm:styleLbl name="fgAccFollowNode1">
+    <dgm:scene3d>
+      <a:camera prst="orthographicFront"/>
+      <a:lightRig rig="threePt" dir="t"/>
+    </dgm:scene3d>
+    <dgm:sp3d/>
+    <dgm:txPr/>
+    <dgm:style>
+      <a:lnRef idx="2">
+        <a:scrgbClr r="0" g="0" b="0"/>
+      </a:lnRef>
+      <a:fillRef idx="1">
+        <a:scrgbClr r="0" g="0" b="0"/>
+      </a:fillRef>
+      <a:effectRef idx="0">
+        <a:scrgbClr r="0" g="0" b="0"/>
+      </a:effectRef>
+      <a:fontRef idx="minor"/>
+    </dgm:style>
+  </dgm:styleLbl>
+  <dgm:styleLbl name="alignAccFollowNode1">
+    <dgm:scene3d>
+      <a:camera prst="orthographicFront"/>
+      <a:lightRig rig="threePt" dir="t"/>
+    </dgm:scene3d>
+    <dgm:sp3d/>
+    <dgm:txPr/>
+    <dgm:style>
+      <a:lnRef idx="2">
+        <a:scrgbClr r="0" g="0" b="0"/>
+      </a:lnRef>
+      <a:fillRef idx="1">
+        <a:scrgbClr r="0" g="0" b="0"/>
+      </a:fillRef>
+      <a:effectRef idx="0">
+        <a:scrgbClr r="0" g="0" b="0"/>
+      </a:effectRef>
+      <a:fontRef idx="minor"/>
+    </dgm:style>
+  </dgm:styleLbl>
+  <dgm:styleLbl name="bgAccFollowNode1">
+    <dgm:scene3d>
+      <a:camera prst="orthographicFront"/>
+      <a:lightRig rig="threePt" dir="t"/>
+    </dgm:scene3d>
+    <dgm:sp3d/>
+    <dgm:txPr/>
+    <dgm:style>
+      <a:lnRef idx="2">
+        <a:scrgbClr r="0" g="0" b="0"/>
+      </a:lnRef>
+      <a:fillRef idx="1">
+        <a:scrgbClr r="0" g="0" b="0"/>
+      </a:fillRef>
+      <a:effectRef idx="0">
+        <a:scrgbClr r="0" g="0" b="0"/>
+      </a:effectRef>
+      <a:fontRef idx="minor"/>
+    </dgm:style>
+  </dgm:styleLbl>
+  <dgm:styleLbl name="fgAcc0">
+    <dgm:scene3d>
+      <a:camera prst="orthographicFront"/>
+      <a:lightRig rig="threePt" dir="t"/>
+    </dgm:scene3d>
+    <dgm:sp3d/>
+    <dgm:txPr/>
+    <dgm:style>
+      <a:lnRef idx="2">
+        <a:scrgbClr r="0" g="0" b="0"/>
+      </a:lnRef>
+      <a:fillRef idx="1">
+        <a:scrgbClr r="0" g="0" b="0"/>
+      </a:fillRef>
+      <a:effectRef idx="0">
+        <a:scrgbClr r="0" g="0" b="0"/>
+      </a:effectRef>
+      <a:fontRef idx="minor"/>
+    </dgm:style>
+  </dgm:styleLbl>
+  <dgm:styleLbl name="fgAcc2">
+    <dgm:scene3d>
+      <a:camera prst="orthographicFront"/>
+      <a:lightRig rig="threePt" dir="t"/>
+    </dgm:scene3d>
+    <dgm:sp3d/>
+    <dgm:txPr/>
+    <dgm:style>
+      <a:lnRef idx="2">
+        <a:scrgbClr r="0" g="0" b="0"/>
+      </a:lnRef>
+      <a:fillRef idx="1">
+        <a:scrgbClr r="0" g="0" b="0"/>
+      </a:fillRef>
+      <a:effectRef idx="0">
+        <a:scrgbClr r="0" g="0" b="0"/>
+      </a:effectRef>
+      <a:fontRef idx="minor"/>
+    </dgm:style>
+  </dgm:styleLbl>
+  <dgm:styleLbl name="fgAcc3">
+    <dgm:scene3d>
+      <a:camera prst="orthographicFront"/>
+      <a:lightRig rig="threePt" dir="t"/>
+    </dgm:scene3d>
+    <dgm:sp3d/>
+    <dgm:txPr/>
+    <dgm:style>
+      <a:lnRef idx="2">
+        <a:scrgbClr r="0" g="0" b="0"/>
+      </a:lnRef>
+      <a:fillRef idx="1">
+        <a:scrgbClr r="0" g="0" b="0"/>
+      </a:fillRef>
+      <a:effectRef idx="0">
+        <a:scrgbClr r="0" g="0" b="0"/>
+      </a:effectRef>
+      <a:fontRef idx="minor"/>
+    </dgm:style>
+  </dgm:styleLbl>
+  <dgm:styleLbl name="fgAcc4">
+    <dgm:scene3d>
+      <a:camera prst="orthographicFront"/>
+      <a:lightRig rig="threePt" dir="t"/>
+    </dgm:scene3d>
+    <dgm:sp3d/>
+    <dgm:txPr/>
+    <dgm:style>
+      <a:lnRef idx="2">
+        <a:scrgbClr r="0" g="0" b="0"/>
+      </a:lnRef>
+      <a:fillRef idx="1">
+        <a:scrgbClr r="0" g="0" b="0"/>
+      </a:fillRef>
+      <a:effectRef idx="0">
+        <a:scrgbClr r="0" g="0" b="0"/>
+      </a:effectRef>
+      <a:fontRef idx="minor"/>
+    </dgm:style>
+  </dgm:styleLbl>
+  <dgm:styleLbl name="bgShp">
+    <dgm:scene3d>
+      <a:camera prst="orthographicFront"/>
+      <a:lightRig rig="threePt" dir="t"/>
+    </dgm:scene3d>
+    <dgm:sp3d/>
+    <dgm:txPr/>
+    <dgm:style>
+      <a:lnRef idx="0">
+        <a:scrgbClr r="0" g="0" b="0"/>
+      </a:lnRef>
+      <a:fillRef idx="1">
+        <a:scrgbClr r="0" g="0" b="0"/>
+      </a:fillRef>
+      <a:effectRef idx="0">
+        <a:scrgbClr r="0" g="0" b="0"/>
+      </a:effectRef>
+      <a:fontRef idx="minor"/>
+    </dgm:style>
+  </dgm:styleLbl>
+  <dgm:styleLbl name="dkBgShp">
+    <dgm:scene3d>
+      <a:camera prst="orthographicFront"/>
+      <a:lightRig rig="threePt" dir="t"/>
+    </dgm:scene3d>
+    <dgm:sp3d/>
+    <dgm:txPr/>
+    <dgm:style>
+      <a:lnRef idx="0">
+        <a:scrgbClr r="0" g="0" b="0"/>
+      </a:lnRef>
+      <a:fillRef idx="1">
+        <a:scrgbClr r="0" g="0" b="0"/>
+      </a:fillRef>
+      <a:effectRef idx="0">
+        <a:scrgbClr r="0" g="0" b="0"/>
+      </a:effectRef>
+      <a:fontRef idx="minor"/>
+    </dgm:style>
+  </dgm:styleLbl>
+  <dgm:styleLbl name="trBgShp">
+    <dgm:scene3d>
+      <a:camera prst="orthographicFront"/>
+      <a:lightRig rig="threePt" dir="t"/>
+    </dgm:scene3d>
+    <dgm:sp3d/>
+    <dgm:txPr/>
+    <dgm:style>
+      <a:lnRef idx="0">
+        <a:scrgbClr r="0" g="0" b="0"/>
+      </a:lnRef>
+      <a:fillRef idx="1">
+        <a:scrgbClr r="0" g="0" b="0"/>
+      </a:fillRef>
+      <a:effectRef idx="0">
+        <a:scrgbClr r="0" g="0" b="0"/>
+      </a:effectRef>
+      <a:fontRef idx="minor"/>
+    </dgm:style>
+  </dgm:styleLbl>
+  <dgm:styleLbl name="fgShp">
+    <dgm:scene3d>
+      <a:camera prst="orthographicFront"/>
+      <a:lightRig rig="threePt" dir="t"/>
+    </dgm:scene3d>
+    <dgm:sp3d/>
+    <dgm:txPr/>
+    <dgm:style>
+      <a:lnRef idx="2">
+        <a:scrgbClr r="0" g="0" b="0"/>
+      </a:lnRef>
+      <a:fillRef idx="1">
+        <a:scrgbClr r="0" g="0" b="0"/>
+      </a:fillRef>
+      <a:effectRef idx="0">
+        <a:scrgbClr r="0" g="0" b="0"/>
+      </a:effectRef>
+      <a:fontRef idx="minor"/>
+    </dgm:style>
+  </dgm:styleLbl>
+  <dgm:styleLbl name="revTx">
+    <dgm:scene3d>
+      <a:camera prst="orthographicFront"/>
+      <a:lightRig rig="threePt" dir="t"/>
+    </dgm:scene3d>
+    <dgm:sp3d/>
+    <dgm:txPr/>
+    <dgm:style>
+      <a:lnRef idx="0">
+        <a:scrgbClr r="0" g="0" b="0"/>
+      </a:lnRef>
+      <a:fillRef idx="0">
+        <a:scrgbClr r="0" g="0" b="0"/>
+      </a:fillRef>
+      <a:effectRef idx="0">
+        <a:scrgbClr r="0" g="0" b="0"/>
+      </a:effectRef>
+      <a:fontRef idx="minor"/>
+    </dgm:style>
+  </dgm:styleLbl>
+</dgm:styleDef>
+</file>
+
+<file path=ppt/diagrams/quickStyle7.xml><?xml version="1.0" encoding="utf-8"?>
 <dgm:styleDef xmlns:dgm="http://schemas.openxmlformats.org/drawingml/2006/diagram" xmlns:a="http://schemas.openxmlformats.org/drawingml/2006/main" uniqueId="urn:microsoft.com/office/officeart/2005/8/quickstyle/simple4">
   <dgm:title val=""/>
   <dgm:desc val=""/>
@@ -20022,7 +22474,7 @@
 </dgm:styleDef>
 </file>
 
-<file path=ppt/diagrams/quickStyle7.xml><?xml version="1.0" encoding="utf-8"?>
+<file path=ppt/diagrams/quickStyle8.xml><?xml version="1.0" encoding="utf-8"?>
 <dgm:styleDef xmlns:dgm="http://schemas.openxmlformats.org/drawingml/2006/diagram" xmlns:a="http://schemas.openxmlformats.org/drawingml/2006/main" uniqueId="urn:microsoft.com/office/officeart/2005/8/quickstyle/simple1">
   <dgm:title val=""/>
   <dgm:desc val=""/>
@@ -21056,7 +23508,7 @@
 </dgm:styleDef>
 </file>
 
-<file path=ppt/diagrams/quickStyle8.xml><?xml version="1.0" encoding="utf-8"?>
+<file path=ppt/diagrams/quickStyle9.xml><?xml version="1.0" encoding="utf-8"?>
 <dgm:styleDef xmlns:dgm="http://schemas.openxmlformats.org/drawingml/2006/diagram" xmlns:a="http://schemas.openxmlformats.org/drawingml/2006/main" uniqueId="urn:microsoft.com/office/officeart/2005/8/quickstyle/simple2">
   <dgm:title val=""/>
   <dgm:desc val=""/>
@@ -22172,7 +24624,7 @@
           <a:p>
             <a:fld id="{2DA23E8D-1792-1541-9147-970A8DD8A355}" type="datetimeFigureOut">
               <a:rPr lang="en-US" smtClean="0"/>
-              <a:t>6/3/21</a:t>
+              <a:t>6/22/21</a:t>
             </a:fld>
             <a:endParaRPr lang="en-US" dirty="0"/>
           </a:p>
@@ -22642,7 +25094,7 @@
                 <a:latin typeface="Calibri"/>
               </a:rPr>
               <a:pPr/>
-              <a:t>6/3/21</a:t>
+              <a:t>6/22/21</a:t>
             </a:fld>
             <a:endParaRPr lang="en-US" dirty="0">
               <a:solidFill>
@@ -22895,7 +25347,7 @@
                 <a:latin typeface="Calibri"/>
               </a:rPr>
               <a:pPr/>
-              <a:t>6/3/21</a:t>
+              <a:t>6/22/21</a:t>
             </a:fld>
             <a:endParaRPr lang="en-US" dirty="0">
               <a:solidFill>
@@ -23110,7 +25562,7 @@
                 <a:latin typeface="Calibri"/>
               </a:rPr>
               <a:pPr/>
-              <a:t>6/3/21</a:t>
+              <a:t>6/22/21</a:t>
             </a:fld>
             <a:endParaRPr lang="en-US" dirty="0">
               <a:solidFill>
@@ -23508,7 +25960,7 @@
                 <a:latin typeface="Calibri"/>
               </a:rPr>
               <a:pPr/>
-              <a:t>6/3/21</a:t>
+              <a:t>6/22/21</a:t>
             </a:fld>
             <a:endParaRPr lang="en-US" dirty="0">
               <a:solidFill>
@@ -23850,7 +26302,7 @@
                 <a:latin typeface="Calibri"/>
               </a:rPr>
               <a:pPr/>
-              <a:t>6/3/21</a:t>
+              <a:t>6/22/21</a:t>
             </a:fld>
             <a:endParaRPr lang="en-US" dirty="0">
               <a:solidFill>
@@ -24178,7 +26630,7 @@
                 <a:latin typeface="Calibri"/>
               </a:rPr>
               <a:pPr/>
-              <a:t>6/3/21</a:t>
+              <a:t>6/22/21</a:t>
             </a:fld>
             <a:endParaRPr lang="en-US" dirty="0">
               <a:solidFill>
@@ -24667,7 +27119,7 @@
                 <a:latin typeface="Calibri"/>
               </a:rPr>
               <a:pPr/>
-              <a:t>6/3/21</a:t>
+              <a:t>6/22/21</a:t>
             </a:fld>
             <a:endParaRPr lang="en-US" dirty="0">
               <a:solidFill>
@@ -24850,7 +27302,7 @@
                 <a:latin typeface="Calibri"/>
               </a:rPr>
               <a:pPr/>
-              <a:t>6/3/21</a:t>
+              <a:t>6/22/21</a:t>
             </a:fld>
             <a:endParaRPr lang="en-US" dirty="0">
               <a:solidFill>
@@ -25096,7 +27548,7 @@
                 <a:latin typeface="Calibri"/>
               </a:rPr>
               <a:pPr/>
-              <a:t>6/3/21</a:t>
+              <a:t>6/22/21</a:t>
             </a:fld>
             <a:endParaRPr lang="en-US" dirty="0">
               <a:solidFill>
@@ -25438,7 +27890,7 @@
                 <a:latin typeface="Calibri"/>
               </a:rPr>
               <a:pPr/>
-              <a:t>6/3/21</a:t>
+              <a:t>6/22/21</a:t>
             </a:fld>
             <a:endParaRPr lang="en-US" dirty="0">
               <a:solidFill>
@@ -25730,7 +28182,7 @@
                 <a:latin typeface="Calibri"/>
               </a:rPr>
               <a:pPr/>
-              <a:t>6/3/21</a:t>
+              <a:t>6/22/21</a:t>
             </a:fld>
             <a:endParaRPr lang="en-US" dirty="0">
               <a:solidFill>
@@ -25980,7 +28432,7 @@
                 <a:latin typeface="Calibri"/>
               </a:rPr>
               <a:pPr defTabSz="914400"/>
-              <a:t>6/3/21</a:t>
+              <a:t>6/22/21</a:t>
             </a:fld>
             <a:endParaRPr lang="en-US" dirty="0">
               <a:solidFill>
@@ -27552,10 +30004,10 @@
       </p:grpSpPr>
       <p:pic>
         <p:nvPicPr>
-          <p:cNvPr id="5" name="Picture 4" descr="Unlink macro: replaced FD with A and BK with C and P with B">
+          <p:cNvPr id="12" name="Picture 11" descr="Unlink macro easier to read">
             <a:extLst>
               <a:ext uri="{FF2B5EF4-FFF2-40B4-BE49-F238E27FC236}">
-                <a16:creationId xmlns:a16="http://schemas.microsoft.com/office/drawing/2014/main" id="{0748EDD9-9145-B74E-A89A-BE4AE3D501EF}"/>
+                <a16:creationId xmlns:a16="http://schemas.microsoft.com/office/drawing/2014/main" id="{C0C6CB2D-13F1-0842-8177-79F61B9BD2EA}"/>
               </a:ext>
             </a:extLst>
           </p:cNvPr>
@@ -27572,8 +30024,8 @@
         </p:blipFill>
         <p:spPr>
           <a:xfrm>
-            <a:off x="94254" y="1203858"/>
-            <a:ext cx="3334749" cy="1643555"/>
+            <a:off x="110214" y="1256770"/>
+            <a:ext cx="3101270" cy="1527141"/>
           </a:xfrm>
           <a:prstGeom prst="rect">
             <a:avLst/>
@@ -27797,7 +30249,7 @@
         <p:spPr>
           <a:xfrm>
             <a:off x="538259" y="1936799"/>
-            <a:ext cx="1032199" cy="0"/>
+            <a:ext cx="1122590" cy="0"/>
           </a:xfrm>
           <a:prstGeom prst="line">
             <a:avLst/>
@@ -28772,10 +31224,10 @@
       </p:grpSpPr>
       <p:pic>
         <p:nvPicPr>
-          <p:cNvPr id="6" name="Picture 5" descr="Unlink macro: replaced FD with A and BK with C and P with B">
+          <p:cNvPr id="8" name="Picture 7" descr="Unlink macro easier to read">
             <a:extLst>
               <a:ext uri="{FF2B5EF4-FFF2-40B4-BE49-F238E27FC236}">
-                <a16:creationId xmlns:a16="http://schemas.microsoft.com/office/drawing/2014/main" id="{AE5C58EE-656F-F745-80EE-24657CF464F6}"/>
+                <a16:creationId xmlns:a16="http://schemas.microsoft.com/office/drawing/2014/main" id="{B042087F-EE79-6B4E-A070-DB96BBD79732}"/>
               </a:ext>
             </a:extLst>
           </p:cNvPr>
@@ -28792,8 +31244,8 @@
         </p:blipFill>
         <p:spPr>
           <a:xfrm>
-            <a:off x="423438" y="1196685"/>
-            <a:ext cx="7358106" cy="3626495"/>
+            <a:off x="403225" y="1037887"/>
+            <a:ext cx="8337550" cy="4105613"/>
           </a:xfrm>
           <a:prstGeom prst="rect">
             <a:avLst/>
@@ -28844,7 +31296,7 @@
         </p:nvCxnSpPr>
         <p:spPr>
           <a:xfrm>
-            <a:off x="1438174" y="2242566"/>
+            <a:off x="1726040" y="2251033"/>
             <a:ext cx="2429738" cy="0"/>
           </a:xfrm>
           <a:prstGeom prst="line">
@@ -28887,7 +31339,7 @@
         </p:nvCxnSpPr>
         <p:spPr>
           <a:xfrm>
-            <a:off x="1438174" y="2808765"/>
+            <a:off x="1726040" y="2876499"/>
             <a:ext cx="2429738" cy="0"/>
           </a:xfrm>
           <a:prstGeom prst="line">
@@ -28991,7 +31443,7 @@
         <p:spPr>
           <a:xfrm>
             <a:off x="628650" y="1236541"/>
-            <a:ext cx="4973160" cy="3263504"/>
+            <a:ext cx="4552950" cy="3263504"/>
           </a:xfrm>
         </p:spPr>
         <p:txBody>
@@ -29037,7 +31489,7 @@
             <a:pPr lvl="1"/>
             <a:r>
               <a:rPr lang="en-US" dirty="0"/>
-              <a:t>Used for removing a chunk from a linked list</a:t>
+              <a:t>Used for removing a chunk from the middle of a linked list</a:t>
             </a:r>
           </a:p>
           <a:p>
@@ -29184,10 +31636,10 @@
       </p:pic>
       <p:pic>
         <p:nvPicPr>
-          <p:cNvPr id="8" name="Picture 7" descr="Unlink macro: replaced FD with A and BK with C and P with B">
+          <p:cNvPr id="13" name="Picture 12" descr="Unlink macro easier to read">
             <a:extLst>
               <a:ext uri="{FF2B5EF4-FFF2-40B4-BE49-F238E27FC236}">
-                <a16:creationId xmlns:a16="http://schemas.microsoft.com/office/drawing/2014/main" id="{FE74A88B-2338-5141-8B5E-62202C7610D3}"/>
+                <a16:creationId xmlns:a16="http://schemas.microsoft.com/office/drawing/2014/main" id="{A939A754-248F-0E48-B625-240A7AFF959F}"/>
               </a:ext>
             </a:extLst>
           </p:cNvPr>
@@ -29204,8 +31656,8 @@
         </p:blipFill>
         <p:spPr>
           <a:xfrm>
-            <a:off x="2230399" y="3202632"/>
-            <a:ext cx="3334749" cy="1643555"/>
+            <a:off x="2108541" y="3342512"/>
+            <a:ext cx="3101270" cy="1527141"/>
           </a:xfrm>
           <a:prstGeom prst="rect">
             <a:avLst/>
@@ -29304,11 +31756,11 @@
             </a:r>
             <a:r>
               <a:rPr lang="en-US" i="1" dirty="0"/>
-              <a:t>location</a:t>
+              <a:t>address</a:t>
             </a:r>
             <a:r>
               <a:rPr lang="en-US" dirty="0"/>
-              <a:t> (C)of write and </a:t>
+              <a:t> (C) of write and </a:t>
             </a:r>
             <a:r>
               <a:rPr lang="en-US" i="1" dirty="0"/>
@@ -29340,7 +31792,7 @@
         </p:nvCxnSpPr>
         <p:spPr>
           <a:xfrm>
-            <a:off x="2604317" y="4198822"/>
+            <a:off x="2477317" y="4325822"/>
             <a:ext cx="1293456" cy="0"/>
           </a:xfrm>
           <a:prstGeom prst="line">
@@ -30882,48 +33334,32 @@
           </a:p>
         </p:txBody>
       </p:sp>
-      <p:sp>
-        <p:nvSpPr>
-          <p:cNvPr id="3" name="Content Placeholder 2">
+      <p:graphicFrame>
+        <p:nvGraphicFramePr>
+          <p:cNvPr id="5" name="Content Placeholder 2">
             <a:extLst>
               <a:ext uri="{FF2B5EF4-FFF2-40B4-BE49-F238E27FC236}">
-                <a16:creationId xmlns:a16="http://schemas.microsoft.com/office/drawing/2014/main" id="{F2F9E2EE-4C83-B54B-AD07-93D8B2898D81}"/>
+                <a16:creationId xmlns:a16="http://schemas.microsoft.com/office/drawing/2014/main" id="{8468A13A-4CDC-4026-A583-C035DAEC1F7F}"/>
               </a:ext>
             </a:extLst>
           </p:cNvPr>
-          <p:cNvSpPr>
-            <a:spLocks noGrp="1"/>
-          </p:cNvSpPr>
+          <p:cNvGraphicFramePr>
+            <a:graphicFrameLocks noGrp="1"/>
+          </p:cNvGraphicFramePr>
           <p:nvPr>
             <p:ph idx="1"/>
           </p:nvPr>
-        </p:nvSpPr>
-        <p:spPr/>
-        <p:txBody>
-          <a:bodyPr/>
-          <a:lstStyle/>
-          <a:p>
-            <a:r>
-              <a:rPr lang="en-US" dirty="0"/>
-              <a:t>Because the write occurs in BOTH directions, either direction can be used for the arbitrary write</a:t>
-            </a:r>
-          </a:p>
-          <a:p>
-            <a:r>
-              <a:rPr lang="en-US" dirty="0"/>
-              <a:t>We just choose the </a:t>
-            </a:r>
-            <a:r>
-              <a:rPr lang="en-US" i="1" dirty="0"/>
-              <a:t>first</a:t>
-            </a:r>
-            <a:r>
-              <a:rPr lang="en-US" dirty="0"/>
-              <a:t> and went with it</a:t>
-            </a:r>
-          </a:p>
-        </p:txBody>
-      </p:sp>
+        </p:nvGraphicFramePr>
+        <p:xfrm>
+          <a:off x="628650" y="1236541"/>
+          <a:ext cx="7886700" cy="3263504"/>
+        </p:xfrm>
+        <a:graphic>
+          <a:graphicData uri="http://schemas.openxmlformats.org/drawingml/2006/diagram">
+            <dgm:relIds xmlns:dgm="http://schemas.openxmlformats.org/drawingml/2006/diagram" xmlns:r="http://schemas.openxmlformats.org/officeDocument/2006/relationships" r:dm="rId2" r:lo="rId3" r:qs="rId4" r:cs="rId5"/>
+          </a:graphicData>
+        </a:graphic>
+      </p:graphicFrame>
     </p:spTree>
     <p:extLst>
       <p:ext uri="{BB962C8B-B14F-4D97-AF65-F5344CB8AC3E}">
@@ -33573,7 +36009,7 @@
           <p:cNvPr id="2" name="Title 1">
             <a:extLst>
               <a:ext uri="{FF2B5EF4-FFF2-40B4-BE49-F238E27FC236}">
-                <a16:creationId xmlns:a16="http://schemas.microsoft.com/office/drawing/2014/main" id="{50917DE6-522B-CD44-8651-0EA70998F72F}"/>
+                <a16:creationId xmlns:a16="http://schemas.microsoft.com/office/drawing/2014/main" id="{FC32702D-5A65-D24F-805C-86A5B8C2A15D}"/>
               </a:ext>
             </a:extLst>
           </p:cNvPr>
@@ -33591,7 +36027,7 @@
           <a:p>
             <a:r>
               <a:rPr lang="en-US" dirty="0"/>
-              <a:t>Challenge1</a:t>
+              <a:t>Shared Libraries Use in ELF</a:t>
             </a:r>
           </a:p>
         </p:txBody>
@@ -33601,7 +36037,7 @@
           <p:cNvPr id="3" name="Content Placeholder 2">
             <a:extLst>
               <a:ext uri="{FF2B5EF4-FFF2-40B4-BE49-F238E27FC236}">
-                <a16:creationId xmlns:a16="http://schemas.microsoft.com/office/drawing/2014/main" id="{AA0CA50D-07E6-F54C-86BD-7C069FDC799B}"/>
+                <a16:creationId xmlns:a16="http://schemas.microsoft.com/office/drawing/2014/main" id="{3602D901-691A-684E-A152-583020452423}"/>
               </a:ext>
             </a:extLst>
           </p:cNvPr>
@@ -33615,7 +36051,7 @@
         <p:spPr>
           <a:xfrm>
             <a:off x="628650" y="1236541"/>
-            <a:ext cx="7886700" cy="3783134"/>
+            <a:ext cx="8437378" cy="3263504"/>
           </a:xfrm>
         </p:spPr>
         <p:txBody>
@@ -33626,85 +36062,104 @@
           <a:p>
             <a:r>
               <a:rPr lang="en-US" dirty="0"/>
-              <a:t>Overwrite the </a:t>
-            </a:r>
-            <a:r>
-              <a:rPr lang="en-US" b="1" dirty="0"/>
-              <a:t>GOT</a:t>
+              <a:t>Library functions are figured out at </a:t>
+            </a:r>
+            <a:r>
+              <a:rPr lang="en-US" i="1" dirty="0"/>
+              <a:t>runtime</a:t>
             </a:r>
             <a:r>
               <a:rPr lang="en-US" dirty="0"/>
-              <a:t> entry of </a:t>
-            </a:r>
-            <a:r>
-              <a:rPr lang="en-US" b="1" dirty="0"/>
-              <a:t>Puts </a:t>
-            </a:r>
+              <a:t> by using the </a:t>
+            </a:r>
+            <a:r>
+              <a:rPr lang="en-US" i="1" dirty="0"/>
+              <a:t>loader</a:t>
+            </a:r>
+            <a:endParaRPr lang="en-US" dirty="0"/>
+          </a:p>
+          <a:p>
             <a:r>
               <a:rPr lang="en-US" dirty="0"/>
-              <a:t>(</a:t>
-            </a:r>
-            <a:r>
-              <a:rPr lang="en-US" dirty="0" err="1"/>
-              <a:t>LibC</a:t>
+              <a:t>The symbol address is put into the </a:t>
+            </a:r>
+            <a:r>
+              <a:rPr lang="en-US" b="1" i="1" dirty="0"/>
+              <a:t>Global Offset Table</a:t>
             </a:r>
             <a:r>
               <a:rPr lang="en-US" dirty="0"/>
-              <a:t> print function):</a:t>
-            </a:r>
+              <a:t> (GOT):</a:t>
+            </a:r>
+            <a:endParaRPr lang="en-US" b="1" i="1" dirty="0"/>
           </a:p>
           <a:p>
             <a:pPr lvl="1"/>
             <a:r>
               <a:rPr lang="en-US" dirty="0"/>
-              <a:t>Next slide has details on GOT</a:t>
-            </a:r>
-          </a:p>
-          <a:p>
+              <a:t>Acts as a </a:t>
+            </a:r>
+            <a:r>
+              <a:rPr lang="en-US" i="1" dirty="0"/>
+              <a:t>cache</a:t>
+            </a:r>
             <a:r>
               <a:rPr lang="en-US" dirty="0"/>
-              <a:t>NO memory protections: </a:t>
+              <a:t> for library pointers</a:t>
+            </a:r>
+          </a:p>
+          <a:p>
+            <a:r>
+              <a:rPr lang="en-US" dirty="0"/>
+              <a:t>The next time a function is called, the GOT entry is used: </a:t>
             </a:r>
           </a:p>
           <a:p>
             <a:pPr lvl="1"/>
             <a:r>
               <a:rPr lang="en-US" dirty="0"/>
-              <a:t>ASLR, RELRO, NX (on stack but not heap).</a:t>
-            </a:r>
-          </a:p>
-          <a:p>
-            <a:pPr lvl="1"/>
-            <a:r>
-              <a:rPr lang="en-US" dirty="0"/>
-              <a:t>Shellcode is already written for you </a:t>
-            </a:r>
-            <a:r>
-              <a:rPr lang="en-US" dirty="0">
-                <a:sym typeface="Wingdings" pitchFamily="2" charset="2"/>
-              </a:rPr>
-              <a:t> </a:t>
-            </a:r>
-          </a:p>
-          <a:p>
-            <a:r>
-              <a:rPr lang="en-US" dirty="0"/>
-              <a:t>Writing offset: </a:t>
-            </a:r>
-          </a:p>
-          <a:p>
-            <a:pPr lvl="1"/>
-            <a:r>
-              <a:rPr lang="en-US" dirty="0"/>
-              <a:t>Bk (offset of 0x18) for the WHERE </a:t>
-            </a:r>
+              <a:t>Not the entire loader process</a:t>
+            </a:r>
+          </a:p>
+          <a:p>
+            <a:endParaRPr lang="en-US" dirty="0"/>
           </a:p>
         </p:txBody>
       </p:sp>
+      <p:pic>
+        <p:nvPicPr>
+          <p:cNvPr id="5" name="Picture 4" descr="Global offset table for the upcoming exercise">
+            <a:extLst>
+              <a:ext uri="{FF2B5EF4-FFF2-40B4-BE49-F238E27FC236}">
+                <a16:creationId xmlns:a16="http://schemas.microsoft.com/office/drawing/2014/main" id="{8D79563F-C719-3C45-AA5B-C5B3BB916454}"/>
+              </a:ext>
+            </a:extLst>
+          </p:cNvPr>
+          <p:cNvPicPr>
+            <a:picLocks noChangeAspect="1"/>
+          </p:cNvPicPr>
+          <p:nvPr/>
+        </p:nvPicPr>
+        <p:blipFill>
+          <a:blip r:embed="rId2"/>
+          <a:stretch>
+            <a:fillRect/>
+          </a:stretch>
+        </p:blipFill>
+        <p:spPr>
+          <a:xfrm>
+            <a:off x="0" y="3071231"/>
+            <a:ext cx="6570035" cy="2072269"/>
+          </a:xfrm>
+          <a:prstGeom prst="rect">
+            <a:avLst/>
+          </a:prstGeom>
+        </p:spPr>
+      </p:pic>
     </p:spTree>
     <p:extLst>
       <p:ext uri="{BB962C8B-B14F-4D97-AF65-F5344CB8AC3E}">
-        <p14:creationId xmlns:p14="http://schemas.microsoft.com/office/powerpoint/2010/main" val="1587408766"/>
+        <p14:creationId xmlns:p14="http://schemas.microsoft.com/office/powerpoint/2010/main" val="734180899"/>
       </p:ext>
     </p:extLst>
   </p:cSld>
@@ -33736,7 +36191,7 @@
           <p:cNvPr id="2" name="Title 1">
             <a:extLst>
               <a:ext uri="{FF2B5EF4-FFF2-40B4-BE49-F238E27FC236}">
-                <a16:creationId xmlns:a16="http://schemas.microsoft.com/office/drawing/2014/main" id="{FC32702D-5A65-D24F-805C-86A5B8C2A15D}"/>
+                <a16:creationId xmlns:a16="http://schemas.microsoft.com/office/drawing/2014/main" id="{D35AB0A3-C049-1840-B418-E601C92A7E33}"/>
               </a:ext>
             </a:extLst>
           </p:cNvPr>
@@ -33749,12 +36204,14 @@
         </p:nvSpPr>
         <p:spPr/>
         <p:txBody>
-          <a:bodyPr/>
+          <a:bodyPr>
+            <a:normAutofit fontScale="90000"/>
+          </a:bodyPr>
           <a:lstStyle/>
           <a:p>
             <a:r>
               <a:rPr lang="en-US" dirty="0"/>
-              <a:t>Shared Libraries Use in ELF</a:t>
+              <a:t>Shared Libraries Use in ELF – What’s the Problem?</a:t>
             </a:r>
           </a:p>
         </p:txBody>
@@ -33764,7 +36221,7 @@
           <p:cNvPr id="3" name="Content Placeholder 2">
             <a:extLst>
               <a:ext uri="{FF2B5EF4-FFF2-40B4-BE49-F238E27FC236}">
-                <a16:creationId xmlns:a16="http://schemas.microsoft.com/office/drawing/2014/main" id="{3602D901-691A-684E-A152-583020452423}"/>
+                <a16:creationId xmlns:a16="http://schemas.microsoft.com/office/drawing/2014/main" id="{FD739A31-EE31-BF4F-AF32-12A03969C09B}"/>
               </a:ext>
             </a:extLst>
           </p:cNvPr>
@@ -33777,56 +36234,61 @@
         </p:nvSpPr>
         <p:spPr/>
         <p:txBody>
-          <a:bodyPr>
-            <a:normAutofit/>
-          </a:bodyPr>
+          <a:bodyPr/>
           <a:lstStyle/>
           <a:p>
             <a:r>
               <a:rPr lang="en-US" dirty="0"/>
-              <a:t>This symbol address is put into the </a:t>
+              <a:t>GOT table is </a:t>
             </a:r>
             <a:r>
               <a:rPr lang="en-US" b="1" i="1" dirty="0"/>
-              <a:t>Global Offset Table:</a:t>
+              <a:t>writable:</a:t>
             </a:r>
           </a:p>
           <a:p>
             <a:pPr lvl="1"/>
             <a:r>
               <a:rPr lang="en-US" dirty="0"/>
-              <a:t>Acts as a </a:t>
-            </a:r>
-            <a:r>
-              <a:rPr lang="en-US" i="1" dirty="0"/>
-              <a:t>cache</a:t>
-            </a:r>
+              <a:t>Anytime there are writable function pointers, it will be abused.</a:t>
+            </a:r>
+          </a:p>
+          <a:p>
+            <a:pPr lvl="1"/>
             <a:r>
               <a:rPr lang="en-US" dirty="0"/>
-              <a:t> for library pointers</a:t>
+              <a:t>GOT is an array of function pointers for other libraries</a:t>
             </a:r>
           </a:p>
           <a:p>
             <a:r>
               <a:rPr lang="en-US" dirty="0"/>
-              <a:t>The next time a function is called, the GOT entry is used: </a:t>
+              <a:t>Attack: </a:t>
             </a:r>
           </a:p>
           <a:p>
             <a:pPr lvl="1"/>
             <a:r>
               <a:rPr lang="en-US" dirty="0"/>
-              <a:t>Not the entire loader process</a:t>
+              <a:t>Overwrite a GOT table entry </a:t>
             </a:r>
           </a:p>
           <a:p>
             <a:pPr lvl="1"/>
             <a:r>
               <a:rPr lang="en-US" dirty="0"/>
-              <a:t>For efficiency purposes!</a:t>
-            </a:r>
-          </a:p>
-          <a:p>
+              <a:t>Call this function – Uses YOUR function pointer</a:t>
+            </a:r>
+          </a:p>
+          <a:p>
+            <a:pPr lvl="1"/>
+            <a:r>
+              <a:rPr lang="en-US" dirty="0"/>
+              <a:t>Great for leaks of library addresses (known location if PIE is not turned on)</a:t>
+            </a:r>
+          </a:p>
+          <a:p>
+            <a:pPr lvl="1"/>
             <a:endParaRPr lang="en-US" dirty="0"/>
           </a:p>
         </p:txBody>
@@ -33834,7 +36296,7 @@
     </p:spTree>
     <p:extLst>
       <p:ext uri="{BB962C8B-B14F-4D97-AF65-F5344CB8AC3E}">
-        <p14:creationId xmlns:p14="http://schemas.microsoft.com/office/powerpoint/2010/main" val="734180899"/>
+        <p14:creationId xmlns:p14="http://schemas.microsoft.com/office/powerpoint/2010/main" val="1604924481"/>
       </p:ext>
     </p:extLst>
   </p:cSld>
@@ -34074,162 +36536,7 @@
           <p:cNvPr id="2" name="Title 1">
             <a:extLst>
               <a:ext uri="{FF2B5EF4-FFF2-40B4-BE49-F238E27FC236}">
-                <a16:creationId xmlns:a16="http://schemas.microsoft.com/office/drawing/2014/main" id="{02F4E014-9A29-8E47-9C54-4030D3DB30ED}"/>
-              </a:ext>
-            </a:extLst>
-          </p:cNvPr>
-          <p:cNvSpPr>
-            <a:spLocks noGrp="1"/>
-          </p:cNvSpPr>
-          <p:nvPr>
-            <p:ph type="title"/>
-          </p:nvPr>
-        </p:nvSpPr>
-        <p:spPr>
-          <a:xfrm>
-            <a:off x="48905" y="263328"/>
-            <a:ext cx="2982161" cy="2366564"/>
-          </a:xfrm>
-        </p:spPr>
-        <p:txBody>
-          <a:bodyPr vert="horz" lIns="68580" tIns="34290" rIns="68580" bIns="34290" rtlCol="0" anchor="b">
-            <a:normAutofit/>
-          </a:bodyPr>
-          <a:lstStyle/>
-          <a:p>
-            <a:r>
-              <a:rPr lang="en-US" sz="4050" dirty="0"/>
-              <a:t>Code -&gt;PLT -&gt;GOT</a:t>
-            </a:r>
-            <a:endParaRPr lang="en-US" sz="4050" dirty="0">
-              <a:solidFill>
-                <a:schemeClr val="tx2"/>
-              </a:solidFill>
-              <a:latin typeface="+mj-lt"/>
-              <a:cs typeface="+mj-cs"/>
-            </a:endParaRPr>
-          </a:p>
-        </p:txBody>
-      </p:sp>
-      <p:pic>
-        <p:nvPicPr>
-          <p:cNvPr id="10242" name="Picture 2">
-            <a:extLst>
-              <a:ext uri="{FF2B5EF4-FFF2-40B4-BE49-F238E27FC236}">
-                <a16:creationId xmlns:a16="http://schemas.microsoft.com/office/drawing/2014/main" id="{0AEE0191-EA82-3D42-B628-A7B91704D5C3}"/>
-              </a:ext>
-            </a:extLst>
-          </p:cNvPr>
-          <p:cNvPicPr>
-            <a:picLocks noGrp="1" noChangeAspect="1" noChangeArrowheads="1"/>
-          </p:cNvPicPr>
-          <p:nvPr>
-            <p:ph idx="1"/>
-          </p:nvPr>
-        </p:nvPicPr>
-        <p:blipFill>
-          <a:blip r:embed="rId2">
-            <a:extLst>
-              <a:ext uri="{28A0092B-C50C-407E-A947-70E740481C1C}">
-                <a14:useLocalDpi xmlns:a14="http://schemas.microsoft.com/office/drawing/2010/main" val="0"/>
-              </a:ext>
-            </a:extLst>
-          </a:blip>
-          <a:stretch>
-            <a:fillRect/>
-          </a:stretch>
-        </p:blipFill>
-        <p:spPr bwMode="auto">
-          <a:xfrm>
-            <a:off x="2893592" y="660949"/>
-            <a:ext cx="6174590" cy="4060004"/>
-          </a:xfrm>
-          <a:prstGeom prst="rect">
-            <a:avLst/>
-          </a:prstGeom>
-          <a:noFill/>
-          <a:extLst>
-            <a:ext uri="{909E8E84-426E-40DD-AFC4-6F175D3DCCD1}">
-              <a14:hiddenFill xmlns:a14="http://schemas.microsoft.com/office/drawing/2010/main">
-                <a:solidFill>
-                  <a:srgbClr val="FFFFFF"/>
-                </a:solidFill>
-              </a14:hiddenFill>
-            </a:ext>
-          </a:extLst>
-        </p:spPr>
-      </p:pic>
-      <p:sp>
-        <p:nvSpPr>
-          <p:cNvPr id="4" name="TextBox 3">
-            <a:extLst>
-              <a:ext uri="{FF2B5EF4-FFF2-40B4-BE49-F238E27FC236}">
-                <a16:creationId xmlns:a16="http://schemas.microsoft.com/office/drawing/2014/main" id="{60B94506-D7EE-574A-9C10-8CD87ED2E4CC}"/>
-              </a:ext>
-            </a:extLst>
-          </p:cNvPr>
-          <p:cNvSpPr txBox="1"/>
-          <p:nvPr/>
-        </p:nvSpPr>
-        <p:spPr>
-          <a:xfrm>
-            <a:off x="7446156" y="2052086"/>
-            <a:ext cx="1506791" cy="300082"/>
-          </a:xfrm>
-          <a:prstGeom prst="rect">
-            <a:avLst/>
-          </a:prstGeom>
-          <a:noFill/>
-        </p:spPr>
-        <p:txBody>
-          <a:bodyPr wrap="square" rtlCol="0">
-            <a:spAutoFit/>
-          </a:bodyPr>
-          <a:lstStyle/>
-          <a:p>
-            <a:r>
-              <a:rPr lang="en-US" sz="1350" dirty="0"/>
-              <a:t>Function Pointer!</a:t>
-            </a:r>
-          </a:p>
-        </p:txBody>
-      </p:sp>
-    </p:spTree>
-    <p:extLst>
-      <p:ext uri="{BB962C8B-B14F-4D97-AF65-F5344CB8AC3E}">
-        <p14:creationId xmlns:p14="http://schemas.microsoft.com/office/powerpoint/2010/main" val="2640828518"/>
-      </p:ext>
-    </p:extLst>
-  </p:cSld>
-  <p:clrMapOvr>
-    <a:masterClrMapping/>
-  </p:clrMapOvr>
-</p:sld>
-</file>
-
-<file path=ppt/slides/slide41.xml><?xml version="1.0" encoding="utf-8"?>
-<p:sld xmlns:a="http://schemas.openxmlformats.org/drawingml/2006/main" xmlns:r="http://schemas.openxmlformats.org/officeDocument/2006/relationships" xmlns:p="http://schemas.openxmlformats.org/presentationml/2006/main">
-  <p:cSld>
-    <p:spTree>
-      <p:nvGrpSpPr>
-        <p:cNvPr id="1" name=""/>
-        <p:cNvGrpSpPr/>
-        <p:nvPr/>
-      </p:nvGrpSpPr>
-      <p:grpSpPr>
-        <a:xfrm>
-          <a:off x="0" y="0"/>
-          <a:ext cx="0" cy="0"/>
-          <a:chOff x="0" y="0"/>
-          <a:chExt cx="0" cy="0"/>
-        </a:xfrm>
-      </p:grpSpPr>
-      <p:sp>
-        <p:nvSpPr>
-          <p:cNvPr id="2" name="Title 1">
-            <a:extLst>
-              <a:ext uri="{FF2B5EF4-FFF2-40B4-BE49-F238E27FC236}">
-                <a16:creationId xmlns:a16="http://schemas.microsoft.com/office/drawing/2014/main" id="{D35AB0A3-C049-1840-B418-E601C92A7E33}"/>
+                <a16:creationId xmlns:a16="http://schemas.microsoft.com/office/drawing/2014/main" id="{50917DE6-522B-CD44-8651-0EA70998F72F}"/>
               </a:ext>
             </a:extLst>
           </p:cNvPr>
@@ -34242,14 +36549,12 @@
         </p:nvSpPr>
         <p:spPr/>
         <p:txBody>
-          <a:bodyPr>
-            <a:normAutofit fontScale="90000"/>
-          </a:bodyPr>
+          <a:bodyPr/>
           <a:lstStyle/>
           <a:p>
             <a:r>
               <a:rPr lang="en-US" dirty="0"/>
-              <a:t>Shared Libraries Use in ELF – What’s the Problem?</a:t>
+              <a:t>Exercise1 </a:t>
             </a:r>
           </a:p>
         </p:txBody>
@@ -34259,7 +36564,7 @@
           <p:cNvPr id="3" name="Content Placeholder 2">
             <a:extLst>
               <a:ext uri="{FF2B5EF4-FFF2-40B4-BE49-F238E27FC236}">
-                <a16:creationId xmlns:a16="http://schemas.microsoft.com/office/drawing/2014/main" id="{FD739A31-EE31-BF4F-AF32-12A03969C09B}"/>
+                <a16:creationId xmlns:a16="http://schemas.microsoft.com/office/drawing/2014/main" id="{AA0CA50D-07E6-F54C-86BD-7C069FDC799B}"/>
               </a:ext>
             </a:extLst>
           </p:cNvPr>
@@ -34270,71 +36575,326 @@
             <p:ph idx="1"/>
           </p:nvPr>
         </p:nvSpPr>
-        <p:spPr/>
+        <p:spPr>
+          <a:xfrm>
+            <a:off x="628650" y="1236541"/>
+            <a:ext cx="7886700" cy="3783134"/>
+          </a:xfrm>
+        </p:spPr>
         <p:txBody>
-          <a:bodyPr/>
+          <a:bodyPr>
+            <a:normAutofit/>
+          </a:bodyPr>
           <a:lstStyle/>
           <a:p>
             <a:r>
               <a:rPr lang="en-US" dirty="0"/>
-              <a:t>GOT table is </a:t>
-            </a:r>
-            <a:r>
-              <a:rPr lang="en-US" b="1" i="1" dirty="0"/>
-              <a:t>writable:</a:t>
+              <a:t>Target: </a:t>
             </a:r>
           </a:p>
           <a:p>
             <a:pPr lvl="1"/>
             <a:r>
               <a:rPr lang="en-US" dirty="0"/>
-              <a:t>Anytime there are writable function pointers, it will be abused.</a:t>
+              <a:t>Corrupt </a:t>
+            </a:r>
+            <a:r>
+              <a:rPr lang="en-US" i="1" dirty="0"/>
+              <a:t>fd</a:t>
+            </a:r>
+            <a:r>
+              <a:rPr lang="en-US" dirty="0"/>
+              <a:t> and </a:t>
+            </a:r>
+            <a:r>
+              <a:rPr lang="en-US" i="1" dirty="0"/>
+              <a:t>bk</a:t>
+            </a:r>
+            <a:r>
+              <a:rPr lang="en-US" dirty="0"/>
+              <a:t> of chunk for </a:t>
+            </a:r>
+            <a:r>
+              <a:rPr lang="en-US" i="1" dirty="0"/>
+              <a:t>unlink</a:t>
+            </a:r>
+            <a:r>
+              <a:rPr lang="en-US" dirty="0"/>
+              <a:t> exploit technique </a:t>
             </a:r>
           </a:p>
           <a:p>
             <a:pPr lvl="1"/>
             <a:r>
               <a:rPr lang="en-US" dirty="0"/>
-              <a:t>GOT is an array of function pointers for other libraries</a:t>
-            </a:r>
-          </a:p>
-          <a:p>
+              <a:t>Overwrite function pointer to jump to shellcode</a:t>
+            </a:r>
+          </a:p>
+          <a:p>
+            <a:r>
+              <a:rPr lang="en-US" b="1" dirty="0"/>
+              <a:t>WHERE </a:t>
+            </a:r>
             <a:r>
               <a:rPr lang="en-US" dirty="0"/>
-              <a:t>Attack: </a:t>
+              <a:t>(fd): </a:t>
             </a:r>
           </a:p>
           <a:p>
             <a:pPr lvl="1"/>
             <a:r>
+              <a:rPr lang="en-US" b="1" dirty="0"/>
+              <a:t>GOT</a:t>
+            </a:r>
+            <a:r>
               <a:rPr lang="en-US" dirty="0"/>
-              <a:t>Overwrite a GOT table entry </a:t>
+              <a:t> entry of </a:t>
+            </a:r>
+            <a:r>
+              <a:rPr lang="en-US" b="1" dirty="0"/>
+              <a:t>Puts</a:t>
             </a:r>
           </a:p>
           <a:p>
             <a:pPr lvl="1"/>
             <a:r>
               <a:rPr lang="en-US" dirty="0"/>
-              <a:t>Call this function – Uses YOUR function pointer</a:t>
-            </a:r>
+              <a:t>Offset of 0x18</a:t>
+            </a:r>
+            <a:r>
+              <a:rPr lang="en-US" b="1" dirty="0"/>
+              <a:t> </a:t>
+            </a:r>
+          </a:p>
+          <a:p>
+            <a:r>
+              <a:rPr lang="en-US" b="1" dirty="0"/>
+              <a:t>WHAT </a:t>
+            </a:r>
+            <a:r>
+              <a:rPr lang="en-US" dirty="0"/>
+              <a:t>(bk): </a:t>
+            </a:r>
+            <a:endParaRPr lang="en-US" b="1" dirty="0"/>
           </a:p>
           <a:p>
             <a:pPr lvl="1"/>
             <a:r>
+              <a:rPr lang="en-US" i="1" dirty="0"/>
+              <a:t>Address</a:t>
+            </a:r>
+            <a:r>
               <a:rPr lang="en-US" dirty="0"/>
-              <a:t>Great for leaks of library addresses (known location if PIE is not turned on)</a:t>
-            </a:r>
-          </a:p>
-          <a:p>
-            <a:pPr lvl="1"/>
-            <a:endParaRPr lang="en-US" dirty="0"/>
+              <a:t> of shellcode</a:t>
+            </a:r>
           </a:p>
         </p:txBody>
       </p:sp>
+      <p:pic>
+        <p:nvPicPr>
+          <p:cNvPr id="5" name="Picture 4" descr="pwntools variables in the  program for unlink">
+            <a:extLst>
+              <a:ext uri="{FF2B5EF4-FFF2-40B4-BE49-F238E27FC236}">
+                <a16:creationId xmlns:a16="http://schemas.microsoft.com/office/drawing/2014/main" id="{24FFC96F-FBCD-CD45-86A8-99826C85DF29}"/>
+              </a:ext>
+            </a:extLst>
+          </p:cNvPr>
+          <p:cNvPicPr>
+            <a:picLocks noChangeAspect="1"/>
+          </p:cNvPicPr>
+          <p:nvPr/>
+        </p:nvPicPr>
+        <p:blipFill rotWithShape="1">
+          <a:blip r:embed="rId2"/>
+          <a:srcRect t="24573"/>
+          <a:stretch/>
+        </p:blipFill>
+        <p:spPr>
+          <a:xfrm>
+            <a:off x="4097965" y="3629247"/>
+            <a:ext cx="4648200" cy="823812"/>
+          </a:xfrm>
+          <a:prstGeom prst="rect">
+            <a:avLst/>
+          </a:prstGeom>
+        </p:spPr>
+      </p:pic>
+      <p:cxnSp>
+        <p:nvCxnSpPr>
+          <p:cNvPr id="6" name="Straight Connector 5">
+            <a:extLst>
+              <a:ext uri="{FF2B5EF4-FFF2-40B4-BE49-F238E27FC236}">
+                <a16:creationId xmlns:a16="http://schemas.microsoft.com/office/drawing/2014/main" id="{4643D2A8-4899-2345-AA10-CBE57CEB0DA3}"/>
+              </a:ext>
+            </a:extLst>
+          </p:cNvPr>
+          <p:cNvCxnSpPr>
+            <a:cxnSpLocks/>
+          </p:cNvCxnSpPr>
+          <p:nvPr/>
+        </p:nvCxnSpPr>
+        <p:spPr>
+          <a:xfrm>
+            <a:off x="4176591" y="3867209"/>
+            <a:ext cx="2876339" cy="0"/>
+          </a:xfrm>
+          <a:prstGeom prst="line">
+            <a:avLst/>
+          </a:prstGeom>
+          <a:ln w="25400">
+            <a:solidFill>
+              <a:srgbClr val="FF0000"/>
+            </a:solidFill>
+          </a:ln>
+        </p:spPr>
+        <p:style>
+          <a:lnRef idx="1">
+            <a:schemeClr val="accent1"/>
+          </a:lnRef>
+          <a:fillRef idx="0">
+            <a:schemeClr val="accent1"/>
+          </a:fillRef>
+          <a:effectRef idx="0">
+            <a:schemeClr val="accent1"/>
+          </a:effectRef>
+          <a:fontRef idx="minor">
+            <a:schemeClr val="tx1"/>
+          </a:fontRef>
+        </p:style>
+      </p:cxnSp>
+      <p:cxnSp>
+        <p:nvCxnSpPr>
+          <p:cNvPr id="7" name="Straight Connector 6">
+            <a:extLst>
+              <a:ext uri="{FF2B5EF4-FFF2-40B4-BE49-F238E27FC236}">
+                <a16:creationId xmlns:a16="http://schemas.microsoft.com/office/drawing/2014/main" id="{6FA4A73F-11A5-0945-AFB6-5C291DC504D0}"/>
+              </a:ext>
+            </a:extLst>
+          </p:cNvPr>
+          <p:cNvCxnSpPr>
+            <a:cxnSpLocks/>
+          </p:cNvCxnSpPr>
+          <p:nvPr/>
+        </p:nvCxnSpPr>
+        <p:spPr>
+          <a:xfrm>
+            <a:off x="4176591" y="4388205"/>
+            <a:ext cx="1869790" cy="0"/>
+          </a:xfrm>
+          <a:prstGeom prst="line">
+            <a:avLst/>
+          </a:prstGeom>
+          <a:ln w="25400">
+            <a:solidFill>
+              <a:srgbClr val="FF0000"/>
+            </a:solidFill>
+          </a:ln>
+        </p:spPr>
+        <p:style>
+          <a:lnRef idx="1">
+            <a:schemeClr val="accent1"/>
+          </a:lnRef>
+          <a:fillRef idx="0">
+            <a:schemeClr val="accent1"/>
+          </a:fillRef>
+          <a:effectRef idx="0">
+            <a:schemeClr val="accent1"/>
+          </a:effectRef>
+          <a:fontRef idx="minor">
+            <a:schemeClr val="tx1"/>
+          </a:fontRef>
+        </p:style>
+      </p:cxnSp>
+      <p:cxnSp>
+        <p:nvCxnSpPr>
+          <p:cNvPr id="11" name="Straight Arrow Connector 10">
+            <a:extLst>
+              <a:ext uri="{FF2B5EF4-FFF2-40B4-BE49-F238E27FC236}">
+                <a16:creationId xmlns:a16="http://schemas.microsoft.com/office/drawing/2014/main" id="{C207840A-EA09-C243-92A1-881E24BDB4C8}"/>
+              </a:ext>
+            </a:extLst>
+          </p:cNvPr>
+          <p:cNvCxnSpPr>
+            <a:cxnSpLocks/>
+          </p:cNvCxnSpPr>
+          <p:nvPr/>
+        </p:nvCxnSpPr>
+        <p:spPr>
+          <a:xfrm>
+            <a:off x="2466753" y="2571750"/>
+            <a:ext cx="2225749" cy="1012151"/>
+          </a:xfrm>
+          <a:prstGeom prst="curvedConnector3">
+            <a:avLst>
+              <a:gd name="adj1" fmla="val 100319"/>
+            </a:avLst>
+          </a:prstGeom>
+          <a:ln w="57150">
+            <a:tailEnd type="triangle"/>
+          </a:ln>
+        </p:spPr>
+        <p:style>
+          <a:lnRef idx="1">
+            <a:schemeClr val="accent1"/>
+          </a:lnRef>
+          <a:fillRef idx="0">
+            <a:schemeClr val="accent1"/>
+          </a:fillRef>
+          <a:effectRef idx="0">
+            <a:schemeClr val="accent1"/>
+          </a:effectRef>
+          <a:fontRef idx="minor">
+            <a:schemeClr val="tx1"/>
+          </a:fontRef>
+        </p:style>
+      </p:cxnSp>
+      <p:cxnSp>
+        <p:nvCxnSpPr>
+          <p:cNvPr id="15" name="Straight Arrow Connector 14">
+            <a:extLst>
+              <a:ext uri="{FF2B5EF4-FFF2-40B4-BE49-F238E27FC236}">
+                <a16:creationId xmlns:a16="http://schemas.microsoft.com/office/drawing/2014/main" id="{30783FF6-A39D-544F-9ADE-3293DB8E8F6C}"/>
+              </a:ext>
+            </a:extLst>
+          </p:cNvPr>
+          <p:cNvCxnSpPr>
+            <a:cxnSpLocks/>
+          </p:cNvCxnSpPr>
+          <p:nvPr/>
+        </p:nvCxnSpPr>
+        <p:spPr>
+          <a:xfrm>
+            <a:off x="2374605" y="3660725"/>
+            <a:ext cx="1723360" cy="641063"/>
+          </a:xfrm>
+          <a:prstGeom prst="curvedConnector3">
+            <a:avLst>
+              <a:gd name="adj1" fmla="val 85373"/>
+            </a:avLst>
+          </a:prstGeom>
+          <a:ln w="57150">
+            <a:tailEnd type="triangle"/>
+          </a:ln>
+        </p:spPr>
+        <p:style>
+          <a:lnRef idx="1">
+            <a:schemeClr val="accent1"/>
+          </a:lnRef>
+          <a:fillRef idx="0">
+            <a:schemeClr val="accent1"/>
+          </a:fillRef>
+          <a:effectRef idx="0">
+            <a:schemeClr val="accent1"/>
+          </a:effectRef>
+          <a:fontRef idx="minor">
+            <a:schemeClr val="tx1"/>
+          </a:fontRef>
+        </p:style>
+      </p:cxnSp>
     </p:spTree>
     <p:extLst>
       <p:ext uri="{BB962C8B-B14F-4D97-AF65-F5344CB8AC3E}">
-        <p14:creationId xmlns:p14="http://schemas.microsoft.com/office/powerpoint/2010/main" val="1604924481"/>
+        <p14:creationId xmlns:p14="http://schemas.microsoft.com/office/powerpoint/2010/main" val="1587408766"/>
       </p:ext>
     </p:extLst>
   </p:cSld>
@@ -34344,7 +36904,7 @@
 </p:sld>
 </file>
 
-<file path=ppt/slides/slide42.xml><?xml version="1.0" encoding="utf-8"?>
+<file path=ppt/slides/slide41.xml><?xml version="1.0" encoding="utf-8"?>
 <p:sld xmlns:a="http://schemas.openxmlformats.org/drawingml/2006/main" xmlns:r="http://schemas.openxmlformats.org/officeDocument/2006/relationships" xmlns:p="http://schemas.openxmlformats.org/presentationml/2006/main">
   <p:cSld>
     <p:spTree>
@@ -34445,10 +37005,10 @@
               <a:t>Use after free (UAF) on </a:t>
             </a:r>
             <a:r>
-              <a:rPr lang="en-US" i="1" dirty="0"/>
-              <a:t>unlink chunk</a:t>
-            </a:r>
-            <a:endParaRPr lang="en-US" dirty="0"/>
+              <a:rPr lang="en-US" b="1" i="1" dirty="0" err="1"/>
+              <a:t>unlink_chunk</a:t>
+            </a:r>
+            <a:endParaRPr lang="en-US" b="1" dirty="0"/>
           </a:p>
           <a:p>
             <a:r>
@@ -34574,7 +37134,7 @@
 </p:sld>
 </file>
 
-<file path=ppt/slides/slide43.xml><?xml version="1.0" encoding="utf-8"?>
+<file path=ppt/slides/slide42.xml><?xml version="1.0" encoding="utf-8"?>
 <p:sld xmlns:a="http://schemas.openxmlformats.org/drawingml/2006/main" xmlns:r="http://schemas.openxmlformats.org/officeDocument/2006/relationships" xmlns:p="http://schemas.openxmlformats.org/presentationml/2006/main">
   <p:cSld>
     <p:spTree>
@@ -34804,7 +37364,7 @@
 </p:sld>
 </file>
 
-<file path=ppt/slides/slide44.xml><?xml version="1.0" encoding="utf-8"?>
+<file path=ppt/slides/slide43.xml><?xml version="1.0" encoding="utf-8"?>
 <p:sld xmlns:a="http://schemas.openxmlformats.org/drawingml/2006/main" xmlns:r="http://schemas.openxmlformats.org/officeDocument/2006/relationships" xmlns:p="http://schemas.openxmlformats.org/presentationml/2006/main">
   <p:cSld>
     <p:spTree>
@@ -35040,7 +37600,7 @@
 </p:sld>
 </file>
 
-<file path=ppt/slides/slide45.xml><?xml version="1.0" encoding="utf-8"?>
+<file path=ppt/slides/slide44.xml><?xml version="1.0" encoding="utf-8"?>
 <p:sld xmlns:a="http://schemas.openxmlformats.org/drawingml/2006/main" xmlns:r="http://schemas.openxmlformats.org/officeDocument/2006/relationships" xmlns:p="http://schemas.openxmlformats.org/presentationml/2006/main">
   <p:cSld>
     <p:spTree>
@@ -35191,7 +37751,7 @@
 </p:sld>
 </file>
 
-<file path=ppt/slides/slide46.xml><?xml version="1.0" encoding="utf-8"?>
+<file path=ppt/slides/slide45.xml><?xml version="1.0" encoding="utf-8"?>
 <p:sld xmlns:a="http://schemas.openxmlformats.org/drawingml/2006/main" xmlns:r="http://schemas.openxmlformats.org/officeDocument/2006/relationships" xmlns:p="http://schemas.openxmlformats.org/presentationml/2006/main">
   <p:cSld>
     <p:spTree>
@@ -35380,7 +37940,7 @@
 </p:sld>
 </file>
 
-<file path=ppt/slides/slide47.xml><?xml version="1.0" encoding="utf-8"?>
+<file path=ppt/slides/slide46.xml><?xml version="1.0" encoding="utf-8"?>
 <p:sld xmlns:a="http://schemas.openxmlformats.org/drawingml/2006/main" xmlns:r="http://schemas.openxmlformats.org/officeDocument/2006/relationships" xmlns:p="http://schemas.openxmlformats.org/presentationml/2006/main">
   <p:cSld>
     <p:spTree>
@@ -35459,9 +38019,8 @@
             </a:pPr>
             <a:r>
               <a:rPr lang="en-US" dirty="0"/>
-              <a:t>WHAT is a corrupted pointer (FD)</a:t>
-            </a:r>
-            <a:endParaRPr lang="en-US" i="1" dirty="0"/>
+              <a:t>WHERE is a corrupted pointer (FD)</a:t>
+            </a:r>
           </a:p>
           <a:p>
             <a:pPr marL="285750" indent="-285750">
@@ -35470,8 +38029,9 @@
             </a:pPr>
             <a:r>
               <a:rPr lang="en-US" dirty="0"/>
-              <a:t>WHERE is a corrupted pointer (BK)</a:t>
-            </a:r>
+              <a:t>WHAT is a corrupted pointer (BK)</a:t>
+            </a:r>
+            <a:endParaRPr lang="en-US" i="1" dirty="0"/>
           </a:p>
           <a:p>
             <a:pPr marL="285750" indent="-285750">
@@ -35561,7 +38121,7 @@
 </p:sld>
 </file>
 
-<file path=ppt/slides/slide48.xml><?xml version="1.0" encoding="utf-8"?>
+<file path=ppt/slides/slide47.xml><?xml version="1.0" encoding="utf-8"?>
 <p:sld xmlns:a="http://schemas.openxmlformats.org/drawingml/2006/main" xmlns:r="http://schemas.openxmlformats.org/officeDocument/2006/relationships" xmlns:p="http://schemas.openxmlformats.org/presentationml/2006/main">
   <p:cSld>
     <p:spTree>
@@ -35727,7 +38287,7 @@
 </p:sld>
 </file>
 
-<file path=ppt/slides/slide49.xml><?xml version="1.0" encoding="utf-8"?>
+<file path=ppt/slides/slide48.xml><?xml version="1.0" encoding="utf-8"?>
 <p:sld xmlns:a="http://schemas.openxmlformats.org/drawingml/2006/main" xmlns:r="http://schemas.openxmlformats.org/officeDocument/2006/relationships" xmlns:p="http://schemas.openxmlformats.org/presentationml/2006/main">
   <p:cSld>
     <p:spTree>
@@ -36024,6 +38584,255 @@
     <p:extLst>
       <p:ext uri="{BB962C8B-B14F-4D97-AF65-F5344CB8AC3E}">
         <p14:creationId xmlns:p14="http://schemas.microsoft.com/office/powerpoint/2010/main" val="1374347619"/>
+      </p:ext>
+    </p:extLst>
+  </p:cSld>
+  <p:clrMapOvr>
+    <a:masterClrMapping/>
+  </p:clrMapOvr>
+</p:sld>
+</file>
+
+<file path=ppt/slides/slide49.xml><?xml version="1.0" encoding="utf-8"?>
+<p:sld xmlns:a="http://schemas.openxmlformats.org/drawingml/2006/main" xmlns:r="http://schemas.openxmlformats.org/officeDocument/2006/relationships" xmlns:p="http://schemas.openxmlformats.org/presentationml/2006/main">
+  <p:cSld>
+    <p:spTree>
+      <p:nvGrpSpPr>
+        <p:cNvPr id="1" name=""/>
+        <p:cNvGrpSpPr/>
+        <p:nvPr/>
+      </p:nvGrpSpPr>
+      <p:grpSpPr>
+        <a:xfrm>
+          <a:off x="0" y="0"/>
+          <a:ext cx="0" cy="0"/>
+          <a:chOff x="0" y="0"/>
+          <a:chExt cx="0" cy="0"/>
+        </a:xfrm>
+      </p:grpSpPr>
+      <p:sp>
+        <p:nvSpPr>
+          <p:cNvPr id="2" name="Title 1">
+            <a:extLst>
+              <a:ext uri="{FF2B5EF4-FFF2-40B4-BE49-F238E27FC236}">
+                <a16:creationId xmlns:a16="http://schemas.microsoft.com/office/drawing/2014/main" id="{F301ED8F-4787-BB44-A31D-56A8EBB356A6}"/>
+              </a:ext>
+            </a:extLst>
+          </p:cNvPr>
+          <p:cNvSpPr>
+            <a:spLocks noGrp="1"/>
+          </p:cNvSpPr>
+          <p:nvPr>
+            <p:ph type="title"/>
+          </p:nvPr>
+        </p:nvSpPr>
+        <p:spPr/>
+        <p:txBody>
+          <a:bodyPr/>
+          <a:lstStyle/>
+          <a:p>
+            <a:r>
+              <a:rPr lang="en-US" dirty="0"/>
+              <a:t>Fake Unlink Pointers</a:t>
+            </a:r>
+          </a:p>
+        </p:txBody>
+      </p:sp>
+      <p:pic>
+        <p:nvPicPr>
+          <p:cNvPr id="13" name="Picture 12" descr="Unlink WHAT and WHERE">
+            <a:extLst>
+              <a:ext uri="{FF2B5EF4-FFF2-40B4-BE49-F238E27FC236}">
+                <a16:creationId xmlns:a16="http://schemas.microsoft.com/office/drawing/2014/main" id="{74FCEE4C-E3EC-0241-B2FC-F5F723233F31}"/>
+              </a:ext>
+            </a:extLst>
+          </p:cNvPr>
+          <p:cNvPicPr>
+            <a:picLocks noChangeAspect="1"/>
+          </p:cNvPicPr>
+          <p:nvPr/>
+        </p:nvPicPr>
+        <p:blipFill rotWithShape="1">
+          <a:blip r:embed="rId2"/>
+          <a:srcRect l="11066" t="56113" r="43015" b="14925"/>
+          <a:stretch/>
+        </p:blipFill>
+        <p:spPr>
+          <a:xfrm>
+            <a:off x="368602" y="1083267"/>
+            <a:ext cx="2548433" cy="703823"/>
+          </a:xfrm>
+          <a:prstGeom prst="rect">
+            <a:avLst/>
+          </a:prstGeom>
+        </p:spPr>
+      </p:pic>
+      <p:cxnSp>
+        <p:nvCxnSpPr>
+          <p:cNvPr id="10" name="Straight Connector 9">
+            <a:extLst>
+              <a:ext uri="{FF2B5EF4-FFF2-40B4-BE49-F238E27FC236}">
+                <a16:creationId xmlns:a16="http://schemas.microsoft.com/office/drawing/2014/main" id="{F436FA15-5100-A64B-B744-F07369F74153}"/>
+              </a:ext>
+            </a:extLst>
+          </p:cNvPr>
+          <p:cNvCxnSpPr>
+            <a:cxnSpLocks/>
+          </p:cNvCxnSpPr>
+          <p:nvPr/>
+        </p:nvCxnSpPr>
+        <p:spPr>
+          <a:xfrm>
+            <a:off x="368602" y="1696277"/>
+            <a:ext cx="2536698" cy="18820"/>
+          </a:xfrm>
+          <a:prstGeom prst="line">
+            <a:avLst/>
+          </a:prstGeom>
+          <a:ln w="25400">
+            <a:solidFill>
+              <a:srgbClr val="FF0000"/>
+            </a:solidFill>
+          </a:ln>
+        </p:spPr>
+        <p:style>
+          <a:lnRef idx="1">
+            <a:schemeClr val="accent1"/>
+          </a:lnRef>
+          <a:fillRef idx="0">
+            <a:schemeClr val="accent1"/>
+          </a:fillRef>
+          <a:effectRef idx="0">
+            <a:schemeClr val="accent1"/>
+          </a:effectRef>
+          <a:fontRef idx="minor">
+            <a:schemeClr val="tx1"/>
+          </a:fontRef>
+        </p:style>
+      </p:cxnSp>
+      <p:pic>
+        <p:nvPicPr>
+          <p:cNvPr id="5" name="Picture 4" descr="Write BACK to the location of the shellcode with the address of the GOT entry">
+            <a:extLst>
+              <a:ext uri="{FF2B5EF4-FFF2-40B4-BE49-F238E27FC236}">
+                <a16:creationId xmlns:a16="http://schemas.microsoft.com/office/drawing/2014/main" id="{F1BB4B04-433D-F844-B3E0-4496DE931919}"/>
+              </a:ext>
+            </a:extLst>
+          </p:cNvPr>
+          <p:cNvPicPr>
+            <a:picLocks noChangeAspect="1"/>
+          </p:cNvPicPr>
+          <p:nvPr/>
+        </p:nvPicPr>
+        <p:blipFill>
+          <a:blip r:embed="rId3"/>
+          <a:stretch>
+            <a:fillRect/>
+          </a:stretch>
+        </p:blipFill>
+        <p:spPr>
+          <a:xfrm>
+            <a:off x="3177082" y="1087449"/>
+            <a:ext cx="5552105" cy="2131612"/>
+          </a:xfrm>
+          <a:prstGeom prst="rect">
+            <a:avLst/>
+          </a:prstGeom>
+        </p:spPr>
+      </p:pic>
+      <p:sp>
+        <p:nvSpPr>
+          <p:cNvPr id="11" name="TextBox 10">
+            <a:extLst>
+              <a:ext uri="{FF2B5EF4-FFF2-40B4-BE49-F238E27FC236}">
+                <a16:creationId xmlns:a16="http://schemas.microsoft.com/office/drawing/2014/main" id="{A2368BF4-9B9C-0F4D-8CFD-8470BF0E163E}"/>
+              </a:ext>
+            </a:extLst>
+          </p:cNvPr>
+          <p:cNvSpPr txBox="1"/>
+          <p:nvPr/>
+        </p:nvSpPr>
+        <p:spPr>
+          <a:xfrm>
+            <a:off x="516038" y="3252795"/>
+            <a:ext cx="6248972" cy="1754326"/>
+          </a:xfrm>
+          <a:prstGeom prst="rect">
+            <a:avLst/>
+          </a:prstGeom>
+          <a:noFill/>
+        </p:spPr>
+        <p:txBody>
+          <a:bodyPr wrap="square" rtlCol="0">
+            <a:spAutoFit/>
+          </a:bodyPr>
+          <a:lstStyle/>
+          <a:p>
+            <a:pPr marL="285750" indent="-285750">
+              <a:buFont typeface="Arial" panose="020B0604020202020204" pitchFamily="34" charset="0"/>
+              <a:buChar char="•"/>
+            </a:pPr>
+            <a:r>
+              <a:rPr lang="en-US" dirty="0"/>
+              <a:t>WHERE is a corrupted pointer (GOT entry)</a:t>
+            </a:r>
+          </a:p>
+          <a:p>
+            <a:pPr marL="285750" indent="-285750">
+              <a:buFont typeface="Arial" panose="020B0604020202020204" pitchFamily="34" charset="0"/>
+              <a:buChar char="•"/>
+            </a:pPr>
+            <a:r>
+              <a:rPr lang="en-US" dirty="0"/>
+              <a:t>WHAT is a corrupted pointer (heap, where shellcode lives)</a:t>
+            </a:r>
+          </a:p>
+          <a:p>
+            <a:pPr marL="285750" indent="-285750">
+              <a:buFont typeface="Arial" panose="020B0604020202020204" pitchFamily="34" charset="0"/>
+              <a:buChar char="•"/>
+            </a:pPr>
+            <a:r>
+              <a:rPr lang="en-US" dirty="0"/>
+              <a:t>Set WHAT + 0x10 = WHERE; (third element of struct) </a:t>
+            </a:r>
+          </a:p>
+          <a:p>
+            <a:pPr marL="742950" lvl="1" indent="-285750">
+              <a:buFont typeface="Arial" panose="020B0604020202020204" pitchFamily="34" charset="0"/>
+              <a:buChar char="•"/>
+            </a:pPr>
+            <a:r>
+              <a:rPr lang="en-US" dirty="0"/>
+              <a:t>Hopefully don’t corrupt anything we need!</a:t>
+            </a:r>
+          </a:p>
+          <a:p>
+            <a:pPr marL="742950" lvl="1" indent="-285750">
+              <a:buFont typeface="Arial" panose="020B0604020202020204" pitchFamily="34" charset="0"/>
+              <a:buChar char="•"/>
+            </a:pPr>
+            <a:r>
+              <a:rPr lang="en-US" dirty="0"/>
+              <a:t>Bytes 0x10-0x18 of shellcode would be screwed up</a:t>
+            </a:r>
+          </a:p>
+          <a:p>
+            <a:pPr marL="742950" lvl="1" indent="-285750">
+              <a:buFont typeface="Arial" panose="020B0604020202020204" pitchFamily="34" charset="0"/>
+              <a:buChar char="•"/>
+            </a:pPr>
+            <a:r>
+              <a:rPr lang="en-US" dirty="0"/>
+              <a:t>Write small shellcode or jump over it!</a:t>
+            </a:r>
+          </a:p>
+        </p:txBody>
+      </p:sp>
+    </p:spTree>
+    <p:extLst>
+      <p:ext uri="{BB962C8B-B14F-4D97-AF65-F5344CB8AC3E}">
+        <p14:creationId xmlns:p14="http://schemas.microsoft.com/office/powerpoint/2010/main" val="3191011607"/>
       </p:ext>
     </p:extLst>
   </p:cSld>
@@ -36417,255 +39226,6 @@
 </file>
 
 <file path=ppt/slides/slide50.xml><?xml version="1.0" encoding="utf-8"?>
-<p:sld xmlns:a="http://schemas.openxmlformats.org/drawingml/2006/main" xmlns:r="http://schemas.openxmlformats.org/officeDocument/2006/relationships" xmlns:p="http://schemas.openxmlformats.org/presentationml/2006/main">
-  <p:cSld>
-    <p:spTree>
-      <p:nvGrpSpPr>
-        <p:cNvPr id="1" name=""/>
-        <p:cNvGrpSpPr/>
-        <p:nvPr/>
-      </p:nvGrpSpPr>
-      <p:grpSpPr>
-        <a:xfrm>
-          <a:off x="0" y="0"/>
-          <a:ext cx="0" cy="0"/>
-          <a:chOff x="0" y="0"/>
-          <a:chExt cx="0" cy="0"/>
-        </a:xfrm>
-      </p:grpSpPr>
-      <p:sp>
-        <p:nvSpPr>
-          <p:cNvPr id="2" name="Title 1">
-            <a:extLst>
-              <a:ext uri="{FF2B5EF4-FFF2-40B4-BE49-F238E27FC236}">
-                <a16:creationId xmlns:a16="http://schemas.microsoft.com/office/drawing/2014/main" id="{F301ED8F-4787-BB44-A31D-56A8EBB356A6}"/>
-              </a:ext>
-            </a:extLst>
-          </p:cNvPr>
-          <p:cNvSpPr>
-            <a:spLocks noGrp="1"/>
-          </p:cNvSpPr>
-          <p:nvPr>
-            <p:ph type="title"/>
-          </p:nvPr>
-        </p:nvSpPr>
-        <p:spPr/>
-        <p:txBody>
-          <a:bodyPr/>
-          <a:lstStyle/>
-          <a:p>
-            <a:r>
-              <a:rPr lang="en-US" dirty="0"/>
-              <a:t>Fake Unlink Pointers</a:t>
-            </a:r>
-          </a:p>
-        </p:txBody>
-      </p:sp>
-      <p:pic>
-        <p:nvPicPr>
-          <p:cNvPr id="13" name="Picture 12" descr="Unlink WHAT and WHERE">
-            <a:extLst>
-              <a:ext uri="{FF2B5EF4-FFF2-40B4-BE49-F238E27FC236}">
-                <a16:creationId xmlns:a16="http://schemas.microsoft.com/office/drawing/2014/main" id="{74FCEE4C-E3EC-0241-B2FC-F5F723233F31}"/>
-              </a:ext>
-            </a:extLst>
-          </p:cNvPr>
-          <p:cNvPicPr>
-            <a:picLocks noChangeAspect="1"/>
-          </p:cNvPicPr>
-          <p:nvPr/>
-        </p:nvPicPr>
-        <p:blipFill rotWithShape="1">
-          <a:blip r:embed="rId2"/>
-          <a:srcRect l="11066" t="56113" r="43015" b="14925"/>
-          <a:stretch/>
-        </p:blipFill>
-        <p:spPr>
-          <a:xfrm>
-            <a:off x="368602" y="1083267"/>
-            <a:ext cx="2548433" cy="703823"/>
-          </a:xfrm>
-          <a:prstGeom prst="rect">
-            <a:avLst/>
-          </a:prstGeom>
-        </p:spPr>
-      </p:pic>
-      <p:cxnSp>
-        <p:nvCxnSpPr>
-          <p:cNvPr id="10" name="Straight Connector 9">
-            <a:extLst>
-              <a:ext uri="{FF2B5EF4-FFF2-40B4-BE49-F238E27FC236}">
-                <a16:creationId xmlns:a16="http://schemas.microsoft.com/office/drawing/2014/main" id="{F436FA15-5100-A64B-B744-F07369F74153}"/>
-              </a:ext>
-            </a:extLst>
-          </p:cNvPr>
-          <p:cNvCxnSpPr>
-            <a:cxnSpLocks/>
-          </p:cNvCxnSpPr>
-          <p:nvPr/>
-        </p:nvCxnSpPr>
-        <p:spPr>
-          <a:xfrm>
-            <a:off x="368602" y="1696277"/>
-            <a:ext cx="2536698" cy="18820"/>
-          </a:xfrm>
-          <a:prstGeom prst="line">
-            <a:avLst/>
-          </a:prstGeom>
-          <a:ln w="25400">
-            <a:solidFill>
-              <a:srgbClr val="FF0000"/>
-            </a:solidFill>
-          </a:ln>
-        </p:spPr>
-        <p:style>
-          <a:lnRef idx="1">
-            <a:schemeClr val="accent1"/>
-          </a:lnRef>
-          <a:fillRef idx="0">
-            <a:schemeClr val="accent1"/>
-          </a:fillRef>
-          <a:effectRef idx="0">
-            <a:schemeClr val="accent1"/>
-          </a:effectRef>
-          <a:fontRef idx="minor">
-            <a:schemeClr val="tx1"/>
-          </a:fontRef>
-        </p:style>
-      </p:cxnSp>
-      <p:pic>
-        <p:nvPicPr>
-          <p:cNvPr id="5" name="Picture 4" descr="Write BACK to the location of the shellcode with the address of the GOT entry">
-            <a:extLst>
-              <a:ext uri="{FF2B5EF4-FFF2-40B4-BE49-F238E27FC236}">
-                <a16:creationId xmlns:a16="http://schemas.microsoft.com/office/drawing/2014/main" id="{F1BB4B04-433D-F844-B3E0-4496DE931919}"/>
-              </a:ext>
-            </a:extLst>
-          </p:cNvPr>
-          <p:cNvPicPr>
-            <a:picLocks noChangeAspect="1"/>
-          </p:cNvPicPr>
-          <p:nvPr/>
-        </p:nvPicPr>
-        <p:blipFill>
-          <a:blip r:embed="rId3"/>
-          <a:stretch>
-            <a:fillRect/>
-          </a:stretch>
-        </p:blipFill>
-        <p:spPr>
-          <a:xfrm>
-            <a:off x="3177082" y="1087449"/>
-            <a:ext cx="5552105" cy="2131612"/>
-          </a:xfrm>
-          <a:prstGeom prst="rect">
-            <a:avLst/>
-          </a:prstGeom>
-        </p:spPr>
-      </p:pic>
-      <p:sp>
-        <p:nvSpPr>
-          <p:cNvPr id="11" name="TextBox 10">
-            <a:extLst>
-              <a:ext uri="{FF2B5EF4-FFF2-40B4-BE49-F238E27FC236}">
-                <a16:creationId xmlns:a16="http://schemas.microsoft.com/office/drawing/2014/main" id="{A2368BF4-9B9C-0F4D-8CFD-8470BF0E163E}"/>
-              </a:ext>
-            </a:extLst>
-          </p:cNvPr>
-          <p:cNvSpPr txBox="1"/>
-          <p:nvPr/>
-        </p:nvSpPr>
-        <p:spPr>
-          <a:xfrm>
-            <a:off x="516038" y="3252795"/>
-            <a:ext cx="6248972" cy="1754326"/>
-          </a:xfrm>
-          <a:prstGeom prst="rect">
-            <a:avLst/>
-          </a:prstGeom>
-          <a:noFill/>
-        </p:spPr>
-        <p:txBody>
-          <a:bodyPr wrap="square" rtlCol="0">
-            <a:spAutoFit/>
-          </a:bodyPr>
-          <a:lstStyle/>
-          <a:p>
-            <a:pPr marL="285750" indent="-285750">
-              <a:buFont typeface="Arial" panose="020B0604020202020204" pitchFamily="34" charset="0"/>
-              <a:buChar char="•"/>
-            </a:pPr>
-            <a:r>
-              <a:rPr lang="en-US" dirty="0"/>
-              <a:t>WHERE is a corrupted pointer (GOT entry)</a:t>
-            </a:r>
-          </a:p>
-          <a:p>
-            <a:pPr marL="285750" indent="-285750">
-              <a:buFont typeface="Arial" panose="020B0604020202020204" pitchFamily="34" charset="0"/>
-              <a:buChar char="•"/>
-            </a:pPr>
-            <a:r>
-              <a:rPr lang="en-US" dirty="0"/>
-              <a:t>WHAT is a corrupted pointer (heap, where shellcode lives)</a:t>
-            </a:r>
-          </a:p>
-          <a:p>
-            <a:pPr marL="285750" indent="-285750">
-              <a:buFont typeface="Arial" panose="020B0604020202020204" pitchFamily="34" charset="0"/>
-              <a:buChar char="•"/>
-            </a:pPr>
-            <a:r>
-              <a:rPr lang="en-US" dirty="0"/>
-              <a:t>Set WHAT + 0x10 = WHERE; (third element of struct) </a:t>
-            </a:r>
-          </a:p>
-          <a:p>
-            <a:pPr marL="742950" lvl="1" indent="-285750">
-              <a:buFont typeface="Arial" panose="020B0604020202020204" pitchFamily="34" charset="0"/>
-              <a:buChar char="•"/>
-            </a:pPr>
-            <a:r>
-              <a:rPr lang="en-US" dirty="0"/>
-              <a:t>Hopefully don’t corrupt anything we need!</a:t>
-            </a:r>
-          </a:p>
-          <a:p>
-            <a:pPr marL="742950" lvl="1" indent="-285750">
-              <a:buFont typeface="Arial" panose="020B0604020202020204" pitchFamily="34" charset="0"/>
-              <a:buChar char="•"/>
-            </a:pPr>
-            <a:r>
-              <a:rPr lang="en-US" dirty="0"/>
-              <a:t>Bytes 0x10-0x18 of shellcode would be screwed up</a:t>
-            </a:r>
-          </a:p>
-          <a:p>
-            <a:pPr marL="742950" lvl="1" indent="-285750">
-              <a:buFont typeface="Arial" panose="020B0604020202020204" pitchFamily="34" charset="0"/>
-              <a:buChar char="•"/>
-            </a:pPr>
-            <a:r>
-              <a:rPr lang="en-US" dirty="0"/>
-              <a:t>Write small shellcode or jump over it!</a:t>
-            </a:r>
-          </a:p>
-        </p:txBody>
-      </p:sp>
-    </p:spTree>
-    <p:extLst>
-      <p:ext uri="{BB962C8B-B14F-4D97-AF65-F5344CB8AC3E}">
-        <p14:creationId xmlns:p14="http://schemas.microsoft.com/office/powerpoint/2010/main" val="3191011607"/>
-      </p:ext>
-    </p:extLst>
-  </p:cSld>
-  <p:clrMapOvr>
-    <a:masterClrMapping/>
-  </p:clrMapOvr>
-</p:sld>
-</file>
-
-<file path=ppt/slides/slide51.xml><?xml version="1.0" encoding="utf-8"?>
 <p:sld xmlns:a="http://schemas.openxmlformats.org/drawingml/2006/main" xmlns:r="http://schemas.openxmlformats.org/officeDocument/2006/relationships" xmlns:p="http://schemas.openxmlformats.org/presentationml/2006/main" show="0">
   <p:cSld>
     <p:spTree>
@@ -36828,7 +39388,7 @@
 </p:sld>
 </file>
 
-<file path=ppt/slides/slide52.xml><?xml version="1.0" encoding="utf-8"?>
+<file path=ppt/slides/slide51.xml><?xml version="1.0" encoding="utf-8"?>
 <p:sld xmlns:a="http://schemas.openxmlformats.org/drawingml/2006/main" xmlns:r="http://schemas.openxmlformats.org/officeDocument/2006/relationships" xmlns:p="http://schemas.openxmlformats.org/presentationml/2006/main" show="0">
   <p:cSld>
     <p:spTree>
@@ -37007,7 +39567,7 @@
 </p:sld>
 </file>
 
-<file path=ppt/slides/slide53.xml><?xml version="1.0" encoding="utf-8"?>
+<file path=ppt/slides/slide52.xml><?xml version="1.0" encoding="utf-8"?>
 <p:sld xmlns:a="http://schemas.openxmlformats.org/drawingml/2006/main" xmlns:r="http://schemas.openxmlformats.org/officeDocument/2006/relationships" xmlns:p="http://schemas.openxmlformats.org/presentationml/2006/main" show="0">
   <p:cSld>
     <p:spTree>
@@ -37172,7 +39732,7 @@
 </p:sld>
 </file>
 
-<file path=ppt/slides/slide54.xml><?xml version="1.0" encoding="utf-8"?>
+<file path=ppt/slides/slide53.xml><?xml version="1.0" encoding="utf-8"?>
 <p:sld xmlns:a="http://schemas.openxmlformats.org/drawingml/2006/main" xmlns:r="http://schemas.openxmlformats.org/officeDocument/2006/relationships" xmlns:p="http://schemas.openxmlformats.org/presentationml/2006/main" show="0">
   <p:cSld>
     <p:spTree>
@@ -37490,7 +40050,7 @@
 </p:sld>
 </file>
 
-<file path=ppt/slides/slide55.xml><?xml version="1.0" encoding="utf-8"?>
+<file path=ppt/slides/slide54.xml><?xml version="1.0" encoding="utf-8"?>
 <p:sld xmlns:a="http://schemas.openxmlformats.org/drawingml/2006/main" xmlns:r="http://schemas.openxmlformats.org/officeDocument/2006/relationships" xmlns:p="http://schemas.openxmlformats.org/presentationml/2006/main" show="0">
   <p:cSld>
     <p:spTree>
@@ -37738,7 +40298,7 @@
 </p:sld>
 </file>
 
-<file path=ppt/slides/slide56.xml><?xml version="1.0" encoding="utf-8"?>
+<file path=ppt/slides/slide55.xml><?xml version="1.0" encoding="utf-8"?>
 <p:sld xmlns:a="http://schemas.openxmlformats.org/drawingml/2006/main" xmlns:r="http://schemas.openxmlformats.org/officeDocument/2006/relationships" xmlns:p="http://schemas.openxmlformats.org/presentationml/2006/main">
   <p:cSld>
     <p:spTree>
@@ -37889,7 +40449,7 @@
 </p:sld>
 </file>
 
-<file path=ppt/slides/slide57.xml><?xml version="1.0" encoding="utf-8"?>
+<file path=ppt/slides/slide56.xml><?xml version="1.0" encoding="utf-8"?>
 <p:sld xmlns:a="http://schemas.openxmlformats.org/drawingml/2006/main" xmlns:r="http://schemas.openxmlformats.org/officeDocument/2006/relationships" xmlns:p="http://schemas.openxmlformats.org/presentationml/2006/main">
   <p:cSld>
     <p:spTree>
@@ -38048,7 +40608,7 @@
 </p:sld>
 </file>
 
-<file path=ppt/slides/slide58.xml><?xml version="1.0" encoding="utf-8"?>
+<file path=ppt/slides/slide57.xml><?xml version="1.0" encoding="utf-8"?>
 <p:sld xmlns:a="http://schemas.openxmlformats.org/drawingml/2006/main" xmlns:r="http://schemas.openxmlformats.org/officeDocument/2006/relationships" xmlns:p="http://schemas.openxmlformats.org/presentationml/2006/main">
   <p:cSld>
     <p:spTree>
@@ -38144,7 +40704,7 @@
 </p:sld>
 </file>
 
-<file path=ppt/slides/slide59.xml><?xml version="1.0" encoding="utf-8"?>
+<file path=ppt/slides/slide58.xml><?xml version="1.0" encoding="utf-8"?>
 <p:sld xmlns:a="http://schemas.openxmlformats.org/drawingml/2006/main" xmlns:r="http://schemas.openxmlformats.org/officeDocument/2006/relationships" xmlns:p="http://schemas.openxmlformats.org/presentationml/2006/main">
   <p:cSld>
     <p:spTree>
@@ -38385,6 +40945,186 @@
     <p:extLst>
       <p:ext uri="{BB962C8B-B14F-4D97-AF65-F5344CB8AC3E}">
         <p14:creationId xmlns:p14="http://schemas.microsoft.com/office/powerpoint/2010/main" val="1502479331"/>
+      </p:ext>
+    </p:extLst>
+  </p:cSld>
+  <p:clrMapOvr>
+    <a:masterClrMapping/>
+  </p:clrMapOvr>
+</p:sld>
+</file>
+
+<file path=ppt/slides/slide59.xml><?xml version="1.0" encoding="utf-8"?>
+<p:sld xmlns:a="http://schemas.openxmlformats.org/drawingml/2006/main" xmlns:r="http://schemas.openxmlformats.org/officeDocument/2006/relationships" xmlns:p="http://schemas.openxmlformats.org/presentationml/2006/main">
+  <p:cSld>
+    <p:spTree>
+      <p:nvGrpSpPr>
+        <p:cNvPr id="1" name=""/>
+        <p:cNvGrpSpPr/>
+        <p:nvPr/>
+      </p:nvGrpSpPr>
+      <p:grpSpPr>
+        <a:xfrm>
+          <a:off x="0" y="0"/>
+          <a:ext cx="0" cy="0"/>
+          <a:chOff x="0" y="0"/>
+          <a:chExt cx="0" cy="0"/>
+        </a:xfrm>
+      </p:grpSpPr>
+      <p:sp>
+        <p:nvSpPr>
+          <p:cNvPr id="2" name="Title 1">
+            <a:extLst>
+              <a:ext uri="{FF2B5EF4-FFF2-40B4-BE49-F238E27FC236}">
+                <a16:creationId xmlns:a16="http://schemas.microsoft.com/office/drawing/2014/main" id="{50917DE6-522B-CD44-8651-0EA70998F72F}"/>
+              </a:ext>
+            </a:extLst>
+          </p:cNvPr>
+          <p:cNvSpPr>
+            <a:spLocks noGrp="1"/>
+          </p:cNvSpPr>
+          <p:nvPr>
+            <p:ph type="title"/>
+          </p:nvPr>
+        </p:nvSpPr>
+        <p:spPr/>
+        <p:txBody>
+          <a:bodyPr/>
+          <a:lstStyle/>
+          <a:p>
+            <a:r>
+              <a:rPr lang="en-US" dirty="0"/>
+              <a:t>Exercise2</a:t>
+            </a:r>
+          </a:p>
+        </p:txBody>
+      </p:sp>
+      <p:sp>
+        <p:nvSpPr>
+          <p:cNvPr id="3" name="Content Placeholder 2">
+            <a:extLst>
+              <a:ext uri="{FF2B5EF4-FFF2-40B4-BE49-F238E27FC236}">
+                <a16:creationId xmlns:a16="http://schemas.microsoft.com/office/drawing/2014/main" id="{AA0CA50D-07E6-F54C-86BD-7C069FDC799B}"/>
+              </a:ext>
+            </a:extLst>
+          </p:cNvPr>
+          <p:cNvSpPr>
+            <a:spLocks noGrp="1"/>
+          </p:cNvSpPr>
+          <p:nvPr>
+            <p:ph idx="1"/>
+          </p:nvPr>
+        </p:nvSpPr>
+        <p:spPr>
+          <a:xfrm>
+            <a:off x="628650" y="1236541"/>
+            <a:ext cx="7886700" cy="3783134"/>
+          </a:xfrm>
+        </p:spPr>
+        <p:txBody>
+          <a:bodyPr>
+            <a:normAutofit/>
+          </a:bodyPr>
+          <a:lstStyle/>
+          <a:p>
+            <a:r>
+              <a:rPr lang="en-US" i="1" dirty="0" err="1"/>
+              <a:t>prev_inuse</a:t>
+            </a:r>
+            <a:r>
+              <a:rPr lang="en-US" dirty="0"/>
+              <a:t> bit set to 0 to force a backwards consolidation</a:t>
+            </a:r>
+          </a:p>
+          <a:p>
+            <a:r>
+              <a:rPr lang="en-US" dirty="0"/>
+              <a:t>Everything else is the same as before: </a:t>
+            </a:r>
+          </a:p>
+          <a:p>
+            <a:pPr lvl="1"/>
+            <a:r>
+              <a:rPr lang="en-US" dirty="0"/>
+              <a:t>Writes (offsets) for chunks: </a:t>
+            </a:r>
+          </a:p>
+          <a:p>
+            <a:pPr lvl="2"/>
+            <a:r>
+              <a:rPr lang="en-US" dirty="0"/>
+              <a:t>Fd (offset of 0x10) </a:t>
+            </a:r>
+          </a:p>
+          <a:p>
+            <a:pPr lvl="2"/>
+            <a:r>
+              <a:rPr lang="en-US" dirty="0"/>
+              <a:t>Bk (offset of 0x18) </a:t>
+            </a:r>
+          </a:p>
+          <a:p>
+            <a:pPr lvl="1"/>
+            <a:r>
+              <a:rPr lang="en-US" dirty="0"/>
+              <a:t>Overwrite the </a:t>
+            </a:r>
+            <a:r>
+              <a:rPr lang="en-US" b="1" dirty="0"/>
+              <a:t>GOT</a:t>
+            </a:r>
+            <a:r>
+              <a:rPr lang="en-US" dirty="0"/>
+              <a:t> entry of </a:t>
+            </a:r>
+            <a:r>
+              <a:rPr lang="en-US" b="1" dirty="0"/>
+              <a:t>puts</a:t>
+            </a:r>
+            <a:r>
+              <a:rPr lang="en-US" dirty="0"/>
+              <a:t> or return </a:t>
+            </a:r>
+            <a:r>
+              <a:rPr lang="en-US" b="1" dirty="0"/>
+              <a:t>EIP</a:t>
+            </a:r>
+            <a:endParaRPr lang="en-US" dirty="0"/>
+          </a:p>
+          <a:p>
+            <a:pPr lvl="1"/>
+            <a:r>
+              <a:rPr lang="en-US" dirty="0"/>
+              <a:t>NO memory protections: </a:t>
+            </a:r>
+          </a:p>
+          <a:p>
+            <a:pPr lvl="2"/>
+            <a:r>
+              <a:rPr lang="en-US" dirty="0"/>
+              <a:t>ASLR, RELRO, NX (on stack but not heap).</a:t>
+            </a:r>
+          </a:p>
+          <a:p>
+            <a:pPr lvl="2"/>
+            <a:r>
+              <a:rPr lang="en-US" dirty="0"/>
+              <a:t>Shellcode is already written for you </a:t>
+            </a:r>
+            <a:r>
+              <a:rPr lang="en-US" dirty="0">
+                <a:sym typeface="Wingdings" pitchFamily="2" charset="2"/>
+              </a:rPr>
+              <a:t> </a:t>
+            </a:r>
+            <a:endParaRPr lang="en-US" dirty="0"/>
+          </a:p>
+        </p:txBody>
+      </p:sp>
+    </p:spTree>
+    <p:extLst>
+      <p:ext uri="{BB962C8B-B14F-4D97-AF65-F5344CB8AC3E}">
+        <p14:creationId xmlns:p14="http://schemas.microsoft.com/office/powerpoint/2010/main" val="1271793759"/>
       </p:ext>
     </p:extLst>
   </p:cSld>
@@ -38681,186 +41421,6 @@
 </file>
 
 <file path=ppt/slides/slide60.xml><?xml version="1.0" encoding="utf-8"?>
-<p:sld xmlns:a="http://schemas.openxmlformats.org/drawingml/2006/main" xmlns:r="http://schemas.openxmlformats.org/officeDocument/2006/relationships" xmlns:p="http://schemas.openxmlformats.org/presentationml/2006/main">
-  <p:cSld>
-    <p:spTree>
-      <p:nvGrpSpPr>
-        <p:cNvPr id="1" name=""/>
-        <p:cNvGrpSpPr/>
-        <p:nvPr/>
-      </p:nvGrpSpPr>
-      <p:grpSpPr>
-        <a:xfrm>
-          <a:off x="0" y="0"/>
-          <a:ext cx="0" cy="0"/>
-          <a:chOff x="0" y="0"/>
-          <a:chExt cx="0" cy="0"/>
-        </a:xfrm>
-      </p:grpSpPr>
-      <p:sp>
-        <p:nvSpPr>
-          <p:cNvPr id="2" name="Title 1">
-            <a:extLst>
-              <a:ext uri="{FF2B5EF4-FFF2-40B4-BE49-F238E27FC236}">
-                <a16:creationId xmlns:a16="http://schemas.microsoft.com/office/drawing/2014/main" id="{50917DE6-522B-CD44-8651-0EA70998F72F}"/>
-              </a:ext>
-            </a:extLst>
-          </p:cNvPr>
-          <p:cNvSpPr>
-            <a:spLocks noGrp="1"/>
-          </p:cNvSpPr>
-          <p:nvPr>
-            <p:ph type="title"/>
-          </p:nvPr>
-        </p:nvSpPr>
-        <p:spPr/>
-        <p:txBody>
-          <a:bodyPr/>
-          <a:lstStyle/>
-          <a:p>
-            <a:r>
-              <a:rPr lang="en-US" dirty="0"/>
-              <a:t>Challenge2</a:t>
-            </a:r>
-          </a:p>
-        </p:txBody>
-      </p:sp>
-      <p:sp>
-        <p:nvSpPr>
-          <p:cNvPr id="3" name="Content Placeholder 2">
-            <a:extLst>
-              <a:ext uri="{FF2B5EF4-FFF2-40B4-BE49-F238E27FC236}">
-                <a16:creationId xmlns:a16="http://schemas.microsoft.com/office/drawing/2014/main" id="{AA0CA50D-07E6-F54C-86BD-7C069FDC799B}"/>
-              </a:ext>
-            </a:extLst>
-          </p:cNvPr>
-          <p:cNvSpPr>
-            <a:spLocks noGrp="1"/>
-          </p:cNvSpPr>
-          <p:nvPr>
-            <p:ph idx="1"/>
-          </p:nvPr>
-        </p:nvSpPr>
-        <p:spPr>
-          <a:xfrm>
-            <a:off x="628650" y="1236541"/>
-            <a:ext cx="7886700" cy="3783134"/>
-          </a:xfrm>
-        </p:spPr>
-        <p:txBody>
-          <a:bodyPr>
-            <a:normAutofit/>
-          </a:bodyPr>
-          <a:lstStyle/>
-          <a:p>
-            <a:r>
-              <a:rPr lang="en-US" i="1" dirty="0" err="1"/>
-              <a:t>prev_inuse</a:t>
-            </a:r>
-            <a:r>
-              <a:rPr lang="en-US" dirty="0"/>
-              <a:t> bit set to 0 to force a backwards consolidation</a:t>
-            </a:r>
-          </a:p>
-          <a:p>
-            <a:r>
-              <a:rPr lang="en-US" dirty="0"/>
-              <a:t>Everything else is the same as before: </a:t>
-            </a:r>
-          </a:p>
-          <a:p>
-            <a:pPr lvl="1"/>
-            <a:r>
-              <a:rPr lang="en-US" dirty="0"/>
-              <a:t>Writes (offsets) for chunks: </a:t>
-            </a:r>
-          </a:p>
-          <a:p>
-            <a:pPr lvl="2"/>
-            <a:r>
-              <a:rPr lang="en-US" dirty="0"/>
-              <a:t>Fd (offset of 0x10) </a:t>
-            </a:r>
-          </a:p>
-          <a:p>
-            <a:pPr lvl="2"/>
-            <a:r>
-              <a:rPr lang="en-US" dirty="0"/>
-              <a:t>Bk (offset of 0x18) </a:t>
-            </a:r>
-          </a:p>
-          <a:p>
-            <a:pPr lvl="1"/>
-            <a:r>
-              <a:rPr lang="en-US" dirty="0"/>
-              <a:t>Overwrite the </a:t>
-            </a:r>
-            <a:r>
-              <a:rPr lang="en-US" b="1" dirty="0"/>
-              <a:t>GOT</a:t>
-            </a:r>
-            <a:r>
-              <a:rPr lang="en-US" dirty="0"/>
-              <a:t> entry of </a:t>
-            </a:r>
-            <a:r>
-              <a:rPr lang="en-US" b="1" dirty="0"/>
-              <a:t>puts</a:t>
-            </a:r>
-            <a:r>
-              <a:rPr lang="en-US" dirty="0"/>
-              <a:t> or return </a:t>
-            </a:r>
-            <a:r>
-              <a:rPr lang="en-US" b="1" dirty="0"/>
-              <a:t>EIP</a:t>
-            </a:r>
-            <a:endParaRPr lang="en-US" dirty="0"/>
-          </a:p>
-          <a:p>
-            <a:pPr lvl="1"/>
-            <a:r>
-              <a:rPr lang="en-US" dirty="0"/>
-              <a:t>NO memory protections: </a:t>
-            </a:r>
-          </a:p>
-          <a:p>
-            <a:pPr lvl="2"/>
-            <a:r>
-              <a:rPr lang="en-US" dirty="0"/>
-              <a:t>ASLR, RELRO, NX (on stack but not heap).</a:t>
-            </a:r>
-          </a:p>
-          <a:p>
-            <a:pPr lvl="2"/>
-            <a:r>
-              <a:rPr lang="en-US" dirty="0"/>
-              <a:t>Shellcode is already written for you </a:t>
-            </a:r>
-            <a:r>
-              <a:rPr lang="en-US" dirty="0">
-                <a:sym typeface="Wingdings" pitchFamily="2" charset="2"/>
-              </a:rPr>
-              <a:t> </a:t>
-            </a:r>
-            <a:endParaRPr lang="en-US" dirty="0"/>
-          </a:p>
-        </p:txBody>
-      </p:sp>
-    </p:spTree>
-    <p:extLst>
-      <p:ext uri="{BB962C8B-B14F-4D97-AF65-F5344CB8AC3E}">
-        <p14:creationId xmlns:p14="http://schemas.microsoft.com/office/powerpoint/2010/main" val="1271793759"/>
-      </p:ext>
-    </p:extLst>
-  </p:cSld>
-  <p:clrMapOvr>
-    <a:masterClrMapping/>
-  </p:clrMapOvr>
-</p:sld>
-</file>
-
-<file path=ppt/slides/slide61.xml><?xml version="1.0" encoding="utf-8"?>
 <p:sld xmlns:a="http://schemas.openxmlformats.org/drawingml/2006/main" xmlns:r="http://schemas.openxmlformats.org/officeDocument/2006/relationships" xmlns:p="http://schemas.openxmlformats.org/presentationml/2006/main">
   <p:cSld>
     <p:spTree>
@@ -39203,7 +41763,7 @@
 </p:sld>
 </file>
 
-<file path=ppt/slides/slide62.xml><?xml version="1.0" encoding="utf-8"?>
+<file path=ppt/slides/slide61.xml><?xml version="1.0" encoding="utf-8"?>
 <p:sld xmlns:a="http://schemas.openxmlformats.org/drawingml/2006/main" xmlns:r="http://schemas.openxmlformats.org/officeDocument/2006/relationships" xmlns:p="http://schemas.openxmlformats.org/presentationml/2006/main">
   <p:cSld>
     <p:spTree>
@@ -39294,7 +41854,7 @@
 </p:sld>
 </file>
 
-<file path=ppt/slides/slide63.xml><?xml version="1.0" encoding="utf-8"?>
+<file path=ppt/slides/slide62.xml><?xml version="1.0" encoding="utf-8"?>
 <p:sld xmlns:a="http://schemas.openxmlformats.org/drawingml/2006/main" xmlns:r="http://schemas.openxmlformats.org/officeDocument/2006/relationships" xmlns:p="http://schemas.openxmlformats.org/presentationml/2006/main">
   <p:cSld>
     <p:spTree>
@@ -39553,7 +42113,7 @@
 </p:sld>
 </file>
 
-<file path=ppt/slides/slide64.xml><?xml version="1.0" encoding="utf-8"?>
+<file path=ppt/slides/slide63.xml><?xml version="1.0" encoding="utf-8"?>
 <p:sld xmlns:a="http://schemas.openxmlformats.org/drawingml/2006/main" xmlns:r="http://schemas.openxmlformats.org/officeDocument/2006/relationships" xmlns:p="http://schemas.openxmlformats.org/presentationml/2006/main">
   <p:cSld>
     <p:spTree>
@@ -39786,7 +42346,7 @@
 </p:sld>
 </file>
 
-<file path=ppt/slides/slide65.xml><?xml version="1.0" encoding="utf-8"?>
+<file path=ppt/slides/slide64.xml><?xml version="1.0" encoding="utf-8"?>
 <p:sld xmlns:a="http://schemas.openxmlformats.org/drawingml/2006/main" xmlns:r="http://schemas.openxmlformats.org/officeDocument/2006/relationships" xmlns:p="http://schemas.openxmlformats.org/presentationml/2006/main">
   <p:cSld>
     <p:spTree>
@@ -39882,7 +42442,7 @@
 </p:sld>
 </file>
 
-<file path=ppt/slides/slide66.xml><?xml version="1.0" encoding="utf-8"?>
+<file path=ppt/slides/slide65.xml><?xml version="1.0" encoding="utf-8"?>
 <p:sld xmlns:a="http://schemas.openxmlformats.org/drawingml/2006/main" xmlns:r="http://schemas.openxmlformats.org/officeDocument/2006/relationships" xmlns:p="http://schemas.openxmlformats.org/presentationml/2006/main">
   <p:cSld>
     <p:spTree>
@@ -40118,7 +42678,7 @@
 </p:sld>
 </file>
 
-<file path=ppt/slides/slide67.xml><?xml version="1.0" encoding="utf-8"?>
+<file path=ppt/slides/slide66.xml><?xml version="1.0" encoding="utf-8"?>
 <p:sld xmlns:a="http://schemas.openxmlformats.org/drawingml/2006/main" xmlns:r="http://schemas.openxmlformats.org/officeDocument/2006/relationships" xmlns:p="http://schemas.openxmlformats.org/presentationml/2006/main">
   <p:cSld>
     <p:spTree>
@@ -40308,7 +42868,7 @@
 </p:sld>
 </file>
 
-<file path=ppt/slides/slide68.xml><?xml version="1.0" encoding="utf-8"?>
+<file path=ppt/slides/slide67.xml><?xml version="1.0" encoding="utf-8"?>
 <p:sld xmlns:a="http://schemas.openxmlformats.org/drawingml/2006/main" xmlns:r="http://schemas.openxmlformats.org/officeDocument/2006/relationships" xmlns:p="http://schemas.openxmlformats.org/presentationml/2006/main">
   <p:cSld>
     <p:spTree>
@@ -40490,7 +43050,7 @@
 </p:sld>
 </file>
 
-<file path=ppt/slides/slide69.xml><?xml version="1.0" encoding="utf-8"?>
+<file path=ppt/slides/slide68.xml><?xml version="1.0" encoding="utf-8"?>
 <p:sld xmlns:a="http://schemas.openxmlformats.org/drawingml/2006/main" xmlns:r="http://schemas.openxmlformats.org/officeDocument/2006/relationships" xmlns:p="http://schemas.openxmlformats.org/presentationml/2006/main">
   <p:cSld>
     <p:spTree>
@@ -40656,103 +43216,7 @@
 </p:sld>
 </file>
 
-<file path=ppt/slides/slide7.xml><?xml version="1.0" encoding="utf-8"?>
-<p:sld xmlns:a="http://schemas.openxmlformats.org/drawingml/2006/main" xmlns:r="http://schemas.openxmlformats.org/officeDocument/2006/relationships" xmlns:p="http://schemas.openxmlformats.org/presentationml/2006/main">
-  <p:cSld>
-    <p:spTree>
-      <p:nvGrpSpPr>
-        <p:cNvPr id="1" name=""/>
-        <p:cNvGrpSpPr/>
-        <p:nvPr/>
-      </p:nvGrpSpPr>
-      <p:grpSpPr>
-        <a:xfrm>
-          <a:off x="0" y="0"/>
-          <a:ext cx="0" cy="0"/>
-          <a:chOff x="0" y="0"/>
-          <a:chExt cx="0" cy="0"/>
-        </a:xfrm>
-      </p:grpSpPr>
-      <p:sp>
-        <p:nvSpPr>
-          <p:cNvPr id="2" name="Title 1">
-            <a:extLst>
-              <a:ext uri="{FF2B5EF4-FFF2-40B4-BE49-F238E27FC236}">
-                <a16:creationId xmlns:a16="http://schemas.microsoft.com/office/drawing/2014/main" id="{9FE9DBD8-DB8B-7D49-8DC2-F4DB58CD55DE}"/>
-              </a:ext>
-            </a:extLst>
-          </p:cNvPr>
-          <p:cNvSpPr>
-            <a:spLocks noGrp="1"/>
-          </p:cNvSpPr>
-          <p:nvPr>
-            <p:ph type="title"/>
-          </p:nvPr>
-        </p:nvSpPr>
-        <p:spPr>
-          <a:xfrm>
-            <a:off x="628650" y="273847"/>
-            <a:ext cx="7886700" cy="994172"/>
-          </a:xfrm>
-        </p:spPr>
-        <p:txBody>
-          <a:bodyPr anchor="ctr">
-            <a:normAutofit/>
-          </a:bodyPr>
-          <a:lstStyle/>
-          <a:p>
-            <a:r>
-              <a:rPr lang="en-US"/>
-              <a:t>Consolidation </a:t>
-            </a:r>
-          </a:p>
-        </p:txBody>
-      </p:sp>
-      <p:graphicFrame>
-        <p:nvGraphicFramePr>
-          <p:cNvPr id="12" name="Content Placeholder 3">
-            <a:extLst>
-              <a:ext uri="{FF2B5EF4-FFF2-40B4-BE49-F238E27FC236}">
-                <a16:creationId xmlns:a16="http://schemas.microsoft.com/office/drawing/2014/main" id="{7A40F2FF-8E3D-4578-9B16-3CB16A6541A1}"/>
-              </a:ext>
-            </a:extLst>
-          </p:cNvPr>
-          <p:cNvGraphicFramePr>
-            <a:graphicFrameLocks noGrp="1"/>
-          </p:cNvGraphicFramePr>
-          <p:nvPr>
-            <p:ph idx="1"/>
-            <p:extLst>
-              <p:ext uri="{D42A27DB-BD31-4B8C-83A1-F6EECF244321}">
-                <p14:modId xmlns:p14="http://schemas.microsoft.com/office/powerpoint/2010/main" val="2885620417"/>
-              </p:ext>
-            </p:extLst>
-          </p:nvPr>
-        </p:nvGraphicFramePr>
-        <p:xfrm>
-          <a:off x="628650" y="1236541"/>
-          <a:ext cx="7886700" cy="3263504"/>
-        </p:xfrm>
-        <a:graphic>
-          <a:graphicData uri="http://schemas.openxmlformats.org/drawingml/2006/diagram">
-            <dgm:relIds xmlns:dgm="http://schemas.openxmlformats.org/drawingml/2006/diagram" xmlns:r="http://schemas.openxmlformats.org/officeDocument/2006/relationships" r:dm="rId2" r:lo="rId3" r:qs="rId4" r:cs="rId5"/>
-          </a:graphicData>
-        </a:graphic>
-      </p:graphicFrame>
-    </p:spTree>
-    <p:extLst>
-      <p:ext uri="{BB962C8B-B14F-4D97-AF65-F5344CB8AC3E}">
-        <p14:creationId xmlns:p14="http://schemas.microsoft.com/office/powerpoint/2010/main" val="3016325248"/>
-      </p:ext>
-    </p:extLst>
-  </p:cSld>
-  <p:clrMapOvr>
-    <a:masterClrMapping/>
-  </p:clrMapOvr>
-</p:sld>
-</file>
-
-<file path=ppt/slides/slide70.xml><?xml version="1.0" encoding="utf-8"?>
+<file path=ppt/slides/slide69.xml><?xml version="1.0" encoding="utf-8"?>
 <p:sld xmlns:a="http://schemas.openxmlformats.org/drawingml/2006/main" xmlns:r="http://schemas.openxmlformats.org/officeDocument/2006/relationships" xmlns:p="http://schemas.openxmlformats.org/presentationml/2006/main">
   <p:cSld>
     <p:spTree>
@@ -41058,7 +43522,103 @@
 </p:sld>
 </file>
 
-<file path=ppt/slides/slide71.xml><?xml version="1.0" encoding="utf-8"?>
+<file path=ppt/slides/slide7.xml><?xml version="1.0" encoding="utf-8"?>
+<p:sld xmlns:a="http://schemas.openxmlformats.org/drawingml/2006/main" xmlns:r="http://schemas.openxmlformats.org/officeDocument/2006/relationships" xmlns:p="http://schemas.openxmlformats.org/presentationml/2006/main">
+  <p:cSld>
+    <p:spTree>
+      <p:nvGrpSpPr>
+        <p:cNvPr id="1" name=""/>
+        <p:cNvGrpSpPr/>
+        <p:nvPr/>
+      </p:nvGrpSpPr>
+      <p:grpSpPr>
+        <a:xfrm>
+          <a:off x="0" y="0"/>
+          <a:ext cx="0" cy="0"/>
+          <a:chOff x="0" y="0"/>
+          <a:chExt cx="0" cy="0"/>
+        </a:xfrm>
+      </p:grpSpPr>
+      <p:sp>
+        <p:nvSpPr>
+          <p:cNvPr id="2" name="Title 1">
+            <a:extLst>
+              <a:ext uri="{FF2B5EF4-FFF2-40B4-BE49-F238E27FC236}">
+                <a16:creationId xmlns:a16="http://schemas.microsoft.com/office/drawing/2014/main" id="{9FE9DBD8-DB8B-7D49-8DC2-F4DB58CD55DE}"/>
+              </a:ext>
+            </a:extLst>
+          </p:cNvPr>
+          <p:cNvSpPr>
+            <a:spLocks noGrp="1"/>
+          </p:cNvSpPr>
+          <p:nvPr>
+            <p:ph type="title"/>
+          </p:nvPr>
+        </p:nvSpPr>
+        <p:spPr>
+          <a:xfrm>
+            <a:off x="628650" y="273847"/>
+            <a:ext cx="7886700" cy="994172"/>
+          </a:xfrm>
+        </p:spPr>
+        <p:txBody>
+          <a:bodyPr anchor="ctr">
+            <a:normAutofit/>
+          </a:bodyPr>
+          <a:lstStyle/>
+          <a:p>
+            <a:r>
+              <a:rPr lang="en-US"/>
+              <a:t>Consolidation </a:t>
+            </a:r>
+          </a:p>
+        </p:txBody>
+      </p:sp>
+      <p:graphicFrame>
+        <p:nvGraphicFramePr>
+          <p:cNvPr id="12" name="Content Placeholder 3">
+            <a:extLst>
+              <a:ext uri="{FF2B5EF4-FFF2-40B4-BE49-F238E27FC236}">
+                <a16:creationId xmlns:a16="http://schemas.microsoft.com/office/drawing/2014/main" id="{7A40F2FF-8E3D-4578-9B16-3CB16A6541A1}"/>
+              </a:ext>
+            </a:extLst>
+          </p:cNvPr>
+          <p:cNvGraphicFramePr>
+            <a:graphicFrameLocks noGrp="1"/>
+          </p:cNvGraphicFramePr>
+          <p:nvPr>
+            <p:ph idx="1"/>
+            <p:extLst>
+              <p:ext uri="{D42A27DB-BD31-4B8C-83A1-F6EECF244321}">
+                <p14:modId xmlns:p14="http://schemas.microsoft.com/office/powerpoint/2010/main" val="2885620417"/>
+              </p:ext>
+            </p:extLst>
+          </p:nvPr>
+        </p:nvGraphicFramePr>
+        <p:xfrm>
+          <a:off x="628650" y="1236541"/>
+          <a:ext cx="7886700" cy="3263504"/>
+        </p:xfrm>
+        <a:graphic>
+          <a:graphicData uri="http://schemas.openxmlformats.org/drawingml/2006/diagram">
+            <dgm:relIds xmlns:dgm="http://schemas.openxmlformats.org/drawingml/2006/diagram" xmlns:r="http://schemas.openxmlformats.org/officeDocument/2006/relationships" r:dm="rId2" r:lo="rId3" r:qs="rId4" r:cs="rId5"/>
+          </a:graphicData>
+        </a:graphic>
+      </p:graphicFrame>
+    </p:spTree>
+    <p:extLst>
+      <p:ext uri="{BB962C8B-B14F-4D97-AF65-F5344CB8AC3E}">
+        <p14:creationId xmlns:p14="http://schemas.microsoft.com/office/powerpoint/2010/main" val="3016325248"/>
+      </p:ext>
+    </p:extLst>
+  </p:cSld>
+  <p:clrMapOvr>
+    <a:masterClrMapping/>
+  </p:clrMapOvr>
+</p:sld>
+</file>
+
+<file path=ppt/slides/slide70.xml><?xml version="1.0" encoding="utf-8"?>
 <p:sld xmlns:a="http://schemas.openxmlformats.org/drawingml/2006/main" xmlns:r="http://schemas.openxmlformats.org/officeDocument/2006/relationships" xmlns:p="http://schemas.openxmlformats.org/presentationml/2006/main">
   <p:cSld>
     <p:spTree>
@@ -41307,7 +43867,7 @@
 </p:sld>
 </file>
 
-<file path=ppt/slides/slide72.xml><?xml version="1.0" encoding="utf-8"?>
+<file path=ppt/slides/slide71.xml><?xml version="1.0" encoding="utf-8"?>
 <p:sld xmlns:a="http://schemas.openxmlformats.org/drawingml/2006/main" xmlns:r="http://schemas.openxmlformats.org/officeDocument/2006/relationships" xmlns:p="http://schemas.openxmlformats.org/presentationml/2006/main">
   <p:cSld>
     <p:spTree>
@@ -41458,7 +44018,7 @@
 </p:sld>
 </file>
 
-<file path=ppt/slides/slide73.xml><?xml version="1.0" encoding="utf-8"?>
+<file path=ppt/slides/slide72.xml><?xml version="1.0" encoding="utf-8"?>
 <p:sld xmlns:a="http://schemas.openxmlformats.org/drawingml/2006/main" xmlns:r="http://schemas.openxmlformats.org/officeDocument/2006/relationships" xmlns:p="http://schemas.openxmlformats.org/presentationml/2006/main">
   <p:cSld>
     <p:spTree>
@@ -41617,7 +44177,7 @@
 </p:sld>
 </file>
 
-<file path=ppt/slides/slide74.xml><?xml version="1.0" encoding="utf-8"?>
+<file path=ppt/slides/slide73.xml><?xml version="1.0" encoding="utf-8"?>
 <p:sld xmlns:a="http://schemas.openxmlformats.org/drawingml/2006/main" xmlns:r="http://schemas.openxmlformats.org/officeDocument/2006/relationships" xmlns:p="http://schemas.openxmlformats.org/presentationml/2006/main">
   <p:cSld>
     <p:spTree>
@@ -41708,7 +44268,7 @@
 </p:sld>
 </file>
 
-<file path=ppt/slides/slide75.xml><?xml version="1.0" encoding="utf-8"?>
+<file path=ppt/slides/slide74.xml><?xml version="1.0" encoding="utf-8"?>
 <p:sld xmlns:a="http://schemas.openxmlformats.org/drawingml/2006/main" xmlns:r="http://schemas.openxmlformats.org/officeDocument/2006/relationships" xmlns:p="http://schemas.openxmlformats.org/presentationml/2006/main">
   <p:cSld>
     <p:spTree>
@@ -41958,7 +44518,7 @@
 </p:sld>
 </file>
 
-<file path=ppt/slides/slide76.xml><?xml version="1.0" encoding="utf-8"?>
+<file path=ppt/slides/slide75.xml><?xml version="1.0" encoding="utf-8"?>
 <p:sld xmlns:a="http://schemas.openxmlformats.org/drawingml/2006/main" xmlns:r="http://schemas.openxmlformats.org/officeDocument/2006/relationships" xmlns:p="http://schemas.openxmlformats.org/presentationml/2006/main">
   <p:cSld>
     <p:spTree>
@@ -42026,7 +44586,7 @@
           <a:p>
             <a:r>
               <a:rPr lang="en-US" dirty="0"/>
-              <a:t>Patched in </a:t>
+              <a:t>Original patched in </a:t>
             </a:r>
             <a:r>
               <a:rPr lang="en-US" dirty="0" err="1"/>
@@ -42041,6 +44601,26 @@
             <a:r>
               <a:rPr lang="en-US" dirty="0"/>
               <a:t>Cannot write to non-writable memory (code pointers) </a:t>
+            </a:r>
+          </a:p>
+          <a:p>
+            <a:r>
+              <a:rPr lang="en-US" dirty="0"/>
+              <a:t>TODO: </a:t>
+            </a:r>
+          </a:p>
+          <a:p>
+            <a:pPr lvl="1"/>
+            <a:r>
+              <a:rPr lang="en-US" dirty="0"/>
+              <a:t>No longer WRITE-WHAT-WHERE primitive</a:t>
+            </a:r>
+          </a:p>
+          <a:p>
+            <a:pPr lvl="1"/>
+            <a:r>
+              <a:rPr lang="en-US" dirty="0"/>
+              <a:t>But, overwrite a pointer using another technique!</a:t>
             </a:r>
           </a:p>
         </p:txBody>
@@ -42058,7 +44638,7 @@
 </p:sld>
 </file>
 
-<file path=ppt/slides/slide77.xml><?xml version="1.0" encoding="utf-8"?>
+<file path=ppt/slides/slide76.xml><?xml version="1.0" encoding="utf-8"?>
 <p:sld xmlns:a="http://schemas.openxmlformats.org/drawingml/2006/main" xmlns:r="http://schemas.openxmlformats.org/officeDocument/2006/relationships" xmlns:p="http://schemas.openxmlformats.org/presentationml/2006/main">
   <p:cSld>
     <p:spTree>
@@ -42395,7 +44975,7 @@
 </p:sld>
 </file>
 
-<file path=ppt/slides/slide78.xml><?xml version="1.0" encoding="utf-8"?>
+<file path=ppt/slides/slide77.xml><?xml version="1.0" encoding="utf-8"?>
 <p:sld xmlns:a="http://schemas.openxmlformats.org/drawingml/2006/main" xmlns:r="http://schemas.openxmlformats.org/officeDocument/2006/relationships" xmlns:p="http://schemas.openxmlformats.org/presentationml/2006/main">
   <p:cSld>
     <p:spTree>
@@ -42469,6 +45049,18 @@
               <a:rPr lang="en-US" i="1" dirty="0"/>
               <a:t>overwrite the pointer to the chunk itself! </a:t>
             </a:r>
+          </a:p>
+          <a:p>
+            <a:pPr lvl="1"/>
+            <a:r>
+              <a:rPr lang="en-US" dirty="0"/>
+              <a:t>Not the same attack, but still a </a:t>
+            </a:r>
+            <a:r>
+              <a:rPr lang="en-US"/>
+              <a:t>powerful primitive</a:t>
+            </a:r>
+            <a:endParaRPr lang="en-US" dirty="0"/>
           </a:p>
           <a:p>
             <a:r>
@@ -42600,7 +45192,7 @@
 </p:sld>
 </file>
 
-<file path=ppt/slides/slide79.xml><?xml version="1.0" encoding="utf-8"?>
+<file path=ppt/slides/slide78.xml><?xml version="1.0" encoding="utf-8"?>
 <p:sld xmlns:a="http://schemas.openxmlformats.org/drawingml/2006/main" xmlns:r="http://schemas.openxmlformats.org/officeDocument/2006/relationships" xmlns:p="http://schemas.openxmlformats.org/presentationml/2006/main">
   <p:cSld>
     <p:spTree>
@@ -42734,6 +45326,156 @@
     <p:extLst>
       <p:ext uri="{BB962C8B-B14F-4D97-AF65-F5344CB8AC3E}">
         <p14:creationId xmlns:p14="http://schemas.microsoft.com/office/powerpoint/2010/main" val="532587959"/>
+      </p:ext>
+    </p:extLst>
+  </p:cSld>
+  <p:clrMapOvr>
+    <a:masterClrMapping/>
+  </p:clrMapOvr>
+</p:sld>
+</file>
+
+<file path=ppt/slides/slide79.xml><?xml version="1.0" encoding="utf-8"?>
+<p:sld xmlns:a="http://schemas.openxmlformats.org/drawingml/2006/main" xmlns:r="http://schemas.openxmlformats.org/officeDocument/2006/relationships" xmlns:p="http://schemas.openxmlformats.org/presentationml/2006/main">
+  <p:cSld>
+    <p:spTree>
+      <p:nvGrpSpPr>
+        <p:cNvPr id="1" name=""/>
+        <p:cNvGrpSpPr/>
+        <p:nvPr/>
+      </p:nvGrpSpPr>
+      <p:grpSpPr>
+        <a:xfrm>
+          <a:off x="0" y="0"/>
+          <a:ext cx="0" cy="0"/>
+          <a:chOff x="0" y="0"/>
+          <a:chExt cx="0" cy="0"/>
+        </a:xfrm>
+      </p:grpSpPr>
+      <p:sp>
+        <p:nvSpPr>
+          <p:cNvPr id="2" name="Title 1">
+            <a:extLst>
+              <a:ext uri="{FF2B5EF4-FFF2-40B4-BE49-F238E27FC236}">
+                <a16:creationId xmlns:a16="http://schemas.microsoft.com/office/drawing/2014/main" id="{E9E670F8-AACA-D046-8E4F-17454C7527D7}"/>
+              </a:ext>
+            </a:extLst>
+          </p:cNvPr>
+          <p:cNvSpPr>
+            <a:spLocks noGrp="1"/>
+          </p:cNvSpPr>
+          <p:nvPr>
+            <p:ph type="title"/>
+          </p:nvPr>
+        </p:nvSpPr>
+        <p:spPr>
+          <a:xfrm>
+            <a:off x="628650" y="273847"/>
+            <a:ext cx="7886700" cy="994172"/>
+          </a:xfrm>
+        </p:spPr>
+        <p:txBody>
+          <a:bodyPr anchor="ctr">
+            <a:normAutofit/>
+          </a:bodyPr>
+          <a:lstStyle/>
+          <a:p>
+            <a:r>
+              <a:rPr lang="en-US" dirty="0"/>
+              <a:t>Unsafe Unlink Setup – 1 </a:t>
+            </a:r>
+          </a:p>
+        </p:txBody>
+      </p:sp>
+      <p:pic>
+        <p:nvPicPr>
+          <p:cNvPr id="5" name="Content Placeholder 4" descr="Diagram&#10;&#10;Description automatically generated">
+            <a:extLst>
+              <a:ext uri="{FF2B5EF4-FFF2-40B4-BE49-F238E27FC236}">
+                <a16:creationId xmlns:a16="http://schemas.microsoft.com/office/drawing/2014/main" id="{E0FF205A-0822-E040-9B1C-DDBE9B537C0F}"/>
+              </a:ext>
+            </a:extLst>
+          </p:cNvPr>
+          <p:cNvPicPr>
+            <a:picLocks noGrp="1" noChangeAspect="1"/>
+          </p:cNvPicPr>
+          <p:nvPr>
+            <p:ph sz="half" idx="1"/>
+          </p:nvPr>
+        </p:nvPicPr>
+        <p:blipFill>
+          <a:blip r:embed="rId2"/>
+          <a:stretch>
+            <a:fillRect/>
+          </a:stretch>
+        </p:blipFill>
+        <p:spPr>
+          <a:xfrm>
+            <a:off x="628650" y="1401113"/>
+            <a:ext cx="3886200" cy="3199715"/>
+          </a:xfrm>
+          <a:noFill/>
+        </p:spPr>
+      </p:pic>
+      <p:sp>
+        <p:nvSpPr>
+          <p:cNvPr id="10" name="Content Placeholder 3">
+            <a:extLst>
+              <a:ext uri="{FF2B5EF4-FFF2-40B4-BE49-F238E27FC236}">
+                <a16:creationId xmlns:a16="http://schemas.microsoft.com/office/drawing/2014/main" id="{2261C260-EABE-400C-BFDD-E06E1533800F}"/>
+              </a:ext>
+            </a:extLst>
+          </p:cNvPr>
+          <p:cNvSpPr>
+            <a:spLocks noGrp="1"/>
+          </p:cNvSpPr>
+          <p:nvPr>
+            <p:ph sz="half" idx="2"/>
+          </p:nvPr>
+        </p:nvSpPr>
+        <p:spPr>
+          <a:xfrm>
+            <a:off x="4629150" y="1369219"/>
+            <a:ext cx="3886200" cy="3263504"/>
+          </a:xfrm>
+        </p:spPr>
+        <p:txBody>
+          <a:bodyPr/>
+          <a:lstStyle/>
+          <a:p>
+            <a:r>
+              <a:rPr lang="en-US" dirty="0"/>
+              <a:t>User sees </a:t>
+            </a:r>
+            <a:r>
+              <a:rPr lang="en-US" b="1" i="1" dirty="0"/>
+              <a:t>memory</a:t>
+            </a:r>
+            <a:endParaRPr lang="en-US" dirty="0"/>
+          </a:p>
+          <a:p>
+            <a:r>
+              <a:rPr lang="en-US" dirty="0"/>
+              <a:t>Allocator sees </a:t>
+            </a:r>
+            <a:r>
+              <a:rPr lang="en-US" b="1" i="1" dirty="0"/>
+              <a:t>chunk</a:t>
+            </a:r>
+            <a:endParaRPr lang="en-US" dirty="0"/>
+          </a:p>
+          <a:p>
+            <a:r>
+              <a:rPr lang="en-US" dirty="0"/>
+              <a:t>Chunk + 0x10 = memory</a:t>
+            </a:r>
+          </a:p>
+        </p:txBody>
+      </p:sp>
+    </p:spTree>
+    <p:extLst>
+      <p:ext uri="{BB962C8B-B14F-4D97-AF65-F5344CB8AC3E}">
+        <p14:creationId xmlns:p14="http://schemas.microsoft.com/office/powerpoint/2010/main" val="568598570"/>
       </p:ext>
     </p:extLst>
   </p:cSld>
@@ -43105,7 +45847,7 @@
           <a:p>
             <a:r>
               <a:rPr lang="en-US" dirty="0"/>
-              <a:t>Unsafe Unlink Setup – 1 </a:t>
+              <a:t>Unsafe Unlink Setup – 2 </a:t>
             </a:r>
           </a:p>
         </p:txBody>
@@ -43168,29 +45910,21 @@
           <a:p>
             <a:r>
               <a:rPr lang="en-US" dirty="0"/>
-              <a:t>User sees </a:t>
+              <a:t>What if we used this quirk to create a </a:t>
             </a:r>
             <a:r>
               <a:rPr lang="en-US" b="1" i="1" dirty="0"/>
-              <a:t>memory</a:t>
-            </a:r>
-            <a:endParaRPr lang="en-US" dirty="0"/>
-          </a:p>
-          <a:p>
+              <a:t>fake chunk</a:t>
+            </a:r>
             <a:r>
               <a:rPr lang="en-US" dirty="0"/>
-              <a:t>Allocator sees </a:t>
-            </a:r>
-            <a:r>
-              <a:rPr lang="en-US" b="1" i="1" dirty="0"/>
-              <a:t>chunk</a:t>
-            </a:r>
-            <a:endParaRPr lang="en-US" dirty="0"/>
+              <a:t>?</a:t>
+            </a:r>
           </a:p>
           <a:p>
             <a:r>
               <a:rPr lang="en-US" dirty="0"/>
-              <a:t>Chunk + 0x10 = memory</a:t>
+              <a:t>When we consolidate backwards, we could use THIS pointer to bypass the check!</a:t>
             </a:r>
           </a:p>
         </p:txBody>
@@ -43198,7 +45932,7 @@
     </p:spTree>
     <p:extLst>
       <p:ext uri="{BB962C8B-B14F-4D97-AF65-F5344CB8AC3E}">
-        <p14:creationId xmlns:p14="http://schemas.microsoft.com/office/powerpoint/2010/main" val="568598570"/>
+        <p14:creationId xmlns:p14="http://schemas.microsoft.com/office/powerpoint/2010/main" val="1858268095"/>
       </p:ext>
     </p:extLst>
   </p:cSld>
@@ -43255,148 +45989,6 @@
           <a:p>
             <a:r>
               <a:rPr lang="en-US" dirty="0"/>
-              <a:t>Unsafe Unlink Setup – 2 </a:t>
-            </a:r>
-          </a:p>
-        </p:txBody>
-      </p:sp>
-      <p:pic>
-        <p:nvPicPr>
-          <p:cNvPr id="5" name="Content Placeholder 4" descr="Diagram&#10;&#10;Description automatically generated">
-            <a:extLst>
-              <a:ext uri="{FF2B5EF4-FFF2-40B4-BE49-F238E27FC236}">
-                <a16:creationId xmlns:a16="http://schemas.microsoft.com/office/drawing/2014/main" id="{E0FF205A-0822-E040-9B1C-DDBE9B537C0F}"/>
-              </a:ext>
-            </a:extLst>
-          </p:cNvPr>
-          <p:cNvPicPr>
-            <a:picLocks noGrp="1" noChangeAspect="1"/>
-          </p:cNvPicPr>
-          <p:nvPr>
-            <p:ph sz="half" idx="1"/>
-          </p:nvPr>
-        </p:nvPicPr>
-        <p:blipFill>
-          <a:blip r:embed="rId2"/>
-          <a:stretch>
-            <a:fillRect/>
-          </a:stretch>
-        </p:blipFill>
-        <p:spPr>
-          <a:xfrm>
-            <a:off x="628650" y="1401113"/>
-            <a:ext cx="3886200" cy="3199715"/>
-          </a:xfrm>
-          <a:noFill/>
-        </p:spPr>
-      </p:pic>
-      <p:sp>
-        <p:nvSpPr>
-          <p:cNvPr id="10" name="Content Placeholder 3">
-            <a:extLst>
-              <a:ext uri="{FF2B5EF4-FFF2-40B4-BE49-F238E27FC236}">
-                <a16:creationId xmlns:a16="http://schemas.microsoft.com/office/drawing/2014/main" id="{2261C260-EABE-400C-BFDD-E06E1533800F}"/>
-              </a:ext>
-            </a:extLst>
-          </p:cNvPr>
-          <p:cNvSpPr>
-            <a:spLocks noGrp="1"/>
-          </p:cNvSpPr>
-          <p:nvPr>
-            <p:ph sz="half" idx="2"/>
-          </p:nvPr>
-        </p:nvSpPr>
-        <p:spPr>
-          <a:xfrm>
-            <a:off x="4629150" y="1369219"/>
-            <a:ext cx="3886200" cy="3263504"/>
-          </a:xfrm>
-        </p:spPr>
-        <p:txBody>
-          <a:bodyPr/>
-          <a:lstStyle/>
-          <a:p>
-            <a:r>
-              <a:rPr lang="en-US" dirty="0"/>
-              <a:t>What if we used this quirk to create a </a:t>
-            </a:r>
-            <a:r>
-              <a:rPr lang="en-US" b="1" i="1" dirty="0"/>
-              <a:t>fake chunk</a:t>
-            </a:r>
-            <a:r>
-              <a:rPr lang="en-US" dirty="0"/>
-              <a:t>?</a:t>
-            </a:r>
-          </a:p>
-          <a:p>
-            <a:r>
-              <a:rPr lang="en-US" dirty="0"/>
-              <a:t>When we consolidate backwards, we could use THIS pointer to bypass the check!</a:t>
-            </a:r>
-          </a:p>
-        </p:txBody>
-      </p:sp>
-    </p:spTree>
-    <p:extLst>
-      <p:ext uri="{BB962C8B-B14F-4D97-AF65-F5344CB8AC3E}">
-        <p14:creationId xmlns:p14="http://schemas.microsoft.com/office/powerpoint/2010/main" val="1858268095"/>
-      </p:ext>
-    </p:extLst>
-  </p:cSld>
-  <p:clrMapOvr>
-    <a:masterClrMapping/>
-  </p:clrMapOvr>
-</p:sld>
-</file>
-
-<file path=ppt/slides/slide82.xml><?xml version="1.0" encoding="utf-8"?>
-<p:sld xmlns:a="http://schemas.openxmlformats.org/drawingml/2006/main" xmlns:r="http://schemas.openxmlformats.org/officeDocument/2006/relationships" xmlns:p="http://schemas.openxmlformats.org/presentationml/2006/main">
-  <p:cSld>
-    <p:spTree>
-      <p:nvGrpSpPr>
-        <p:cNvPr id="1" name=""/>
-        <p:cNvGrpSpPr/>
-        <p:nvPr/>
-      </p:nvGrpSpPr>
-      <p:grpSpPr>
-        <a:xfrm>
-          <a:off x="0" y="0"/>
-          <a:ext cx="0" cy="0"/>
-          <a:chOff x="0" y="0"/>
-          <a:chExt cx="0" cy="0"/>
-        </a:xfrm>
-      </p:grpSpPr>
-      <p:sp>
-        <p:nvSpPr>
-          <p:cNvPr id="2" name="Title 1">
-            <a:extLst>
-              <a:ext uri="{FF2B5EF4-FFF2-40B4-BE49-F238E27FC236}">
-                <a16:creationId xmlns:a16="http://schemas.microsoft.com/office/drawing/2014/main" id="{E9E670F8-AACA-D046-8E4F-17454C7527D7}"/>
-              </a:ext>
-            </a:extLst>
-          </p:cNvPr>
-          <p:cNvSpPr>
-            <a:spLocks noGrp="1"/>
-          </p:cNvSpPr>
-          <p:nvPr>
-            <p:ph type="title"/>
-          </p:nvPr>
-        </p:nvSpPr>
-        <p:spPr>
-          <a:xfrm>
-            <a:off x="628650" y="273847"/>
-            <a:ext cx="7886700" cy="994172"/>
-          </a:xfrm>
-        </p:spPr>
-        <p:txBody>
-          <a:bodyPr anchor="ctr">
-            <a:normAutofit/>
-          </a:bodyPr>
-          <a:lstStyle/>
-          <a:p>
-            <a:r>
-              <a:rPr lang="en-US" dirty="0"/>
               <a:t>Unsafe Unlink Setup – 3 </a:t>
             </a:r>
           </a:p>
@@ -43496,7 +46088,7 @@
 </p:sld>
 </file>
 
-<file path=ppt/slides/slide83.xml><?xml version="1.0" encoding="utf-8"?>
+<file path=ppt/slides/slide82.xml><?xml version="1.0" encoding="utf-8"?>
 <p:sld xmlns:a="http://schemas.openxmlformats.org/drawingml/2006/main" xmlns:r="http://schemas.openxmlformats.org/officeDocument/2006/relationships" xmlns:p="http://schemas.openxmlformats.org/presentationml/2006/main">
   <p:cSld>
     <p:spTree>
@@ -43703,7 +46295,7 @@
 </p:sld>
 </file>
 
-<file path=ppt/slides/slide84.xml><?xml version="1.0" encoding="utf-8"?>
+<file path=ppt/slides/slide83.xml><?xml version="1.0" encoding="utf-8"?>
 <p:sld xmlns:a="http://schemas.openxmlformats.org/drawingml/2006/main" xmlns:r="http://schemas.openxmlformats.org/officeDocument/2006/relationships" xmlns:p="http://schemas.openxmlformats.org/presentationml/2006/main">
   <p:cSld>
     <p:spTree>
@@ -43910,7 +46502,7 @@
 </p:sld>
 </file>
 
-<file path=ppt/slides/slide85.xml><?xml version="1.0" encoding="utf-8"?>
+<file path=ppt/slides/slide84.xml><?xml version="1.0" encoding="utf-8"?>
 <p:sld xmlns:a="http://schemas.openxmlformats.org/drawingml/2006/main" xmlns:r="http://schemas.openxmlformats.org/officeDocument/2006/relationships" xmlns:p="http://schemas.openxmlformats.org/presentationml/2006/main">
   <p:cSld>
     <p:spTree>
@@ -44123,7 +46715,7 @@
 </p:sld>
 </file>
 
-<file path=ppt/slides/slide86.xml><?xml version="1.0" encoding="utf-8"?>
+<file path=ppt/slides/slide85.xml><?xml version="1.0" encoding="utf-8"?>
 <p:sld xmlns:a="http://schemas.openxmlformats.org/drawingml/2006/main" xmlns:r="http://schemas.openxmlformats.org/officeDocument/2006/relationships" xmlns:p="http://schemas.openxmlformats.org/presentationml/2006/main">
   <p:cSld>
     <p:spTree>
@@ -44296,7 +46888,7 @@
 </p:sld>
 </file>
 
-<file path=ppt/slides/slide87.xml><?xml version="1.0" encoding="utf-8"?>
+<file path=ppt/slides/slide86.xml><?xml version="1.0" encoding="utf-8"?>
 <p:sld xmlns:a="http://schemas.openxmlformats.org/drawingml/2006/main" xmlns:r="http://schemas.openxmlformats.org/officeDocument/2006/relationships" xmlns:p="http://schemas.openxmlformats.org/presentationml/2006/main">
   <p:cSld>
     <p:spTree>
@@ -44412,7 +47004,7 @@
 </p:sld>
 </file>
 
-<file path=ppt/slides/slide88.xml><?xml version="1.0" encoding="utf-8"?>
+<file path=ppt/slides/slide87.xml><?xml version="1.0" encoding="utf-8"?>
 <p:sld xmlns:a="http://schemas.openxmlformats.org/drawingml/2006/main" xmlns:r="http://schemas.openxmlformats.org/officeDocument/2006/relationships" xmlns:p="http://schemas.openxmlformats.org/presentationml/2006/main">
   <p:cSld>
     <p:spTree>
@@ -44540,10 +47132,10 @@
       </p:sp>
       <p:pic>
         <p:nvPicPr>
-          <p:cNvPr id="13" name="Content Placeholder 4" descr="Unlink Mitigation">
+          <p:cNvPr id="4" name="Picture 3" descr="Unsafe unlink writing over the top of itself.">
             <a:extLst>
               <a:ext uri="{FF2B5EF4-FFF2-40B4-BE49-F238E27FC236}">
-                <a16:creationId xmlns:a16="http://schemas.microsoft.com/office/drawing/2014/main" id="{E2D7F700-5AD9-E749-A930-4450D98053D2}"/>
+                <a16:creationId xmlns:a16="http://schemas.microsoft.com/office/drawing/2014/main" id="{58592682-B9B8-4248-9071-BDF61B8A204F}"/>
               </a:ext>
             </a:extLst>
           </p:cNvPr>
@@ -44560,13 +47152,12 @@
         </p:blipFill>
         <p:spPr>
           <a:xfrm>
-            <a:off x="2195582" y="3995951"/>
-            <a:ext cx="6892446" cy="1120021"/>
+            <a:off x="2525587" y="3702027"/>
+            <a:ext cx="3223279" cy="1233601"/>
           </a:xfrm>
           <a:prstGeom prst="rect">
             <a:avLst/>
           </a:prstGeom>
-          <a:noFill/>
         </p:spPr>
       </p:pic>
     </p:spTree>
@@ -44582,7 +47173,7 @@
 </p:sld>
 </file>
 
-<file path=ppt/slides/slide89.xml><?xml version="1.0" encoding="utf-8"?>
+<file path=ppt/slides/slide88.xml><?xml version="1.0" encoding="utf-8"?>
 <p:sld xmlns:a="http://schemas.openxmlformats.org/drawingml/2006/main" xmlns:r="http://schemas.openxmlformats.org/officeDocument/2006/relationships" xmlns:p="http://schemas.openxmlformats.org/presentationml/2006/main">
   <p:cSld>
     <p:spTree>
@@ -44713,10 +47304,10 @@
       </p:pic>
       <p:pic>
         <p:nvPicPr>
-          <p:cNvPr id="13" name="Content Placeholder 4" descr="Unlink Mitigation">
+          <p:cNvPr id="7" name="Picture 6" descr="Unsafe unlink writing over the top of itself.">
             <a:extLst>
               <a:ext uri="{FF2B5EF4-FFF2-40B4-BE49-F238E27FC236}">
-                <a16:creationId xmlns:a16="http://schemas.microsoft.com/office/drawing/2014/main" id="{E2D7F700-5AD9-E749-A930-4450D98053D2}"/>
+                <a16:creationId xmlns:a16="http://schemas.microsoft.com/office/drawing/2014/main" id="{07AB6A48-DA8A-EE45-90EF-9802668B6D3F}"/>
               </a:ext>
             </a:extLst>
           </p:cNvPr>
@@ -44733,19 +47324,114 @@
         </p:blipFill>
         <p:spPr>
           <a:xfrm>
-            <a:off x="2195582" y="3995951"/>
-            <a:ext cx="6892446" cy="1120021"/>
+            <a:off x="2525587" y="3702027"/>
+            <a:ext cx="3223279" cy="1233601"/>
           </a:xfrm>
           <a:prstGeom prst="rect">
             <a:avLst/>
           </a:prstGeom>
-          <a:noFill/>
         </p:spPr>
       </p:pic>
     </p:spTree>
     <p:extLst>
       <p:ext uri="{BB962C8B-B14F-4D97-AF65-F5344CB8AC3E}">
         <p14:creationId xmlns:p14="http://schemas.microsoft.com/office/powerpoint/2010/main" val="2393535310"/>
+      </p:ext>
+    </p:extLst>
+  </p:cSld>
+  <p:clrMapOvr>
+    <a:masterClrMapping/>
+  </p:clrMapOvr>
+</p:sld>
+</file>
+
+<file path=ppt/slides/slide89.xml><?xml version="1.0" encoding="utf-8"?>
+<p:sld xmlns:a="http://schemas.openxmlformats.org/drawingml/2006/main" xmlns:r="http://schemas.openxmlformats.org/officeDocument/2006/relationships" xmlns:p="http://schemas.openxmlformats.org/presentationml/2006/main">
+  <p:cSld>
+    <p:spTree>
+      <p:nvGrpSpPr>
+        <p:cNvPr id="1" name=""/>
+        <p:cNvGrpSpPr/>
+        <p:nvPr/>
+      </p:nvGrpSpPr>
+      <p:grpSpPr>
+        <a:xfrm>
+          <a:off x="0" y="0"/>
+          <a:ext cx="0" cy="0"/>
+          <a:chOff x="0" y="0"/>
+          <a:chExt cx="0" cy="0"/>
+        </a:xfrm>
+      </p:grpSpPr>
+      <p:sp>
+        <p:nvSpPr>
+          <p:cNvPr id="2" name="Title 1">
+            <a:extLst>
+              <a:ext uri="{FF2B5EF4-FFF2-40B4-BE49-F238E27FC236}">
+                <a16:creationId xmlns:a16="http://schemas.microsoft.com/office/drawing/2014/main" id="{891D7252-8ACB-5042-A464-CE83D62171E4}"/>
+              </a:ext>
+            </a:extLst>
+          </p:cNvPr>
+          <p:cNvSpPr>
+            <a:spLocks noGrp="1"/>
+          </p:cNvSpPr>
+          <p:nvPr>
+            <p:ph type="title"/>
+          </p:nvPr>
+        </p:nvSpPr>
+        <p:spPr>
+          <a:xfrm>
+            <a:off x="628650" y="273847"/>
+            <a:ext cx="7886700" cy="994172"/>
+          </a:xfrm>
+        </p:spPr>
+        <p:txBody>
+          <a:bodyPr anchor="ctr">
+            <a:normAutofit/>
+          </a:bodyPr>
+          <a:lstStyle/>
+          <a:p>
+            <a:r>
+              <a:rPr lang="en-US" dirty="0"/>
+              <a:t>Puts All of This Together</a:t>
+            </a:r>
+          </a:p>
+        </p:txBody>
+      </p:sp>
+      <p:graphicFrame>
+        <p:nvGraphicFramePr>
+          <p:cNvPr id="5" name="Content Placeholder 2">
+            <a:extLst>
+              <a:ext uri="{FF2B5EF4-FFF2-40B4-BE49-F238E27FC236}">
+                <a16:creationId xmlns:a16="http://schemas.microsoft.com/office/drawing/2014/main" id="{AAAD6EEA-0B3E-429A-8843-B8D3D1CB8ACD}"/>
+              </a:ext>
+            </a:extLst>
+          </p:cNvPr>
+          <p:cNvGraphicFramePr>
+            <a:graphicFrameLocks noGrp="1"/>
+          </p:cNvGraphicFramePr>
+          <p:nvPr>
+            <p:ph idx="1"/>
+            <p:extLst>
+              <p:ext uri="{D42A27DB-BD31-4B8C-83A1-F6EECF244321}">
+                <p14:modId xmlns:p14="http://schemas.microsoft.com/office/powerpoint/2010/main" val="1203403640"/>
+              </p:ext>
+            </p:extLst>
+          </p:nvPr>
+        </p:nvGraphicFramePr>
+        <p:xfrm>
+          <a:off x="628650" y="1236541"/>
+          <a:ext cx="7886700" cy="3263504"/>
+        </p:xfrm>
+        <a:graphic>
+          <a:graphicData uri="http://schemas.openxmlformats.org/drawingml/2006/diagram">
+            <dgm:relIds xmlns:dgm="http://schemas.openxmlformats.org/drawingml/2006/diagram" xmlns:r="http://schemas.openxmlformats.org/officeDocument/2006/relationships" r:dm="rId2" r:lo="rId3" r:qs="rId4" r:cs="rId5"/>
+          </a:graphicData>
+        </a:graphic>
+      </p:graphicFrame>
+    </p:spTree>
+    <p:extLst>
+      <p:ext uri="{BB962C8B-B14F-4D97-AF65-F5344CB8AC3E}">
+        <p14:creationId xmlns:p14="http://schemas.microsoft.com/office/powerpoint/2010/main" val="3184685061"/>
       </p:ext>
     </p:extLst>
   </p:cSld>
@@ -45088,102 +47774,6 @@
           <p:cNvPr id="2" name="Title 1">
             <a:extLst>
               <a:ext uri="{FF2B5EF4-FFF2-40B4-BE49-F238E27FC236}">
-                <a16:creationId xmlns:a16="http://schemas.microsoft.com/office/drawing/2014/main" id="{891D7252-8ACB-5042-A464-CE83D62171E4}"/>
-              </a:ext>
-            </a:extLst>
-          </p:cNvPr>
-          <p:cNvSpPr>
-            <a:spLocks noGrp="1"/>
-          </p:cNvSpPr>
-          <p:nvPr>
-            <p:ph type="title"/>
-          </p:nvPr>
-        </p:nvSpPr>
-        <p:spPr>
-          <a:xfrm>
-            <a:off x="628650" y="273847"/>
-            <a:ext cx="7886700" cy="994172"/>
-          </a:xfrm>
-        </p:spPr>
-        <p:txBody>
-          <a:bodyPr anchor="ctr">
-            <a:normAutofit/>
-          </a:bodyPr>
-          <a:lstStyle/>
-          <a:p>
-            <a:r>
-              <a:rPr lang="en-US" dirty="0"/>
-              <a:t>Puts All of This Together</a:t>
-            </a:r>
-          </a:p>
-        </p:txBody>
-      </p:sp>
-      <p:graphicFrame>
-        <p:nvGraphicFramePr>
-          <p:cNvPr id="5" name="Content Placeholder 2">
-            <a:extLst>
-              <a:ext uri="{FF2B5EF4-FFF2-40B4-BE49-F238E27FC236}">
-                <a16:creationId xmlns:a16="http://schemas.microsoft.com/office/drawing/2014/main" id="{AAAD6EEA-0B3E-429A-8843-B8D3D1CB8ACD}"/>
-              </a:ext>
-            </a:extLst>
-          </p:cNvPr>
-          <p:cNvGraphicFramePr>
-            <a:graphicFrameLocks noGrp="1"/>
-          </p:cNvGraphicFramePr>
-          <p:nvPr>
-            <p:ph idx="1"/>
-            <p:extLst>
-              <p:ext uri="{D42A27DB-BD31-4B8C-83A1-F6EECF244321}">
-                <p14:modId xmlns:p14="http://schemas.microsoft.com/office/powerpoint/2010/main" val="1203403640"/>
-              </p:ext>
-            </p:extLst>
-          </p:nvPr>
-        </p:nvGraphicFramePr>
-        <p:xfrm>
-          <a:off x="628650" y="1236541"/>
-          <a:ext cx="7886700" cy="3263504"/>
-        </p:xfrm>
-        <a:graphic>
-          <a:graphicData uri="http://schemas.openxmlformats.org/drawingml/2006/diagram">
-            <dgm:relIds xmlns:dgm="http://schemas.openxmlformats.org/drawingml/2006/diagram" xmlns:r="http://schemas.openxmlformats.org/officeDocument/2006/relationships" r:dm="rId2" r:lo="rId3" r:qs="rId4" r:cs="rId5"/>
-          </a:graphicData>
-        </a:graphic>
-      </p:graphicFrame>
-    </p:spTree>
-    <p:extLst>
-      <p:ext uri="{BB962C8B-B14F-4D97-AF65-F5344CB8AC3E}">
-        <p14:creationId xmlns:p14="http://schemas.microsoft.com/office/powerpoint/2010/main" val="3184685061"/>
-      </p:ext>
-    </p:extLst>
-  </p:cSld>
-  <p:clrMapOvr>
-    <a:masterClrMapping/>
-  </p:clrMapOvr>
-</p:sld>
-</file>
-
-<file path=ppt/slides/slide91.xml><?xml version="1.0" encoding="utf-8"?>
-<p:sld xmlns:a="http://schemas.openxmlformats.org/drawingml/2006/main" xmlns:r="http://schemas.openxmlformats.org/officeDocument/2006/relationships" xmlns:p="http://schemas.openxmlformats.org/presentationml/2006/main">
-  <p:cSld>
-    <p:spTree>
-      <p:nvGrpSpPr>
-        <p:cNvPr id="1" name=""/>
-        <p:cNvGrpSpPr/>
-        <p:nvPr/>
-      </p:nvGrpSpPr>
-      <p:grpSpPr>
-        <a:xfrm>
-          <a:off x="0" y="0"/>
-          <a:ext cx="0" cy="0"/>
-          <a:chOff x="0" y="0"/>
-          <a:chExt cx="0" cy="0"/>
-        </a:xfrm>
-      </p:grpSpPr>
-      <p:sp>
-        <p:nvSpPr>
-          <p:cNvPr id="2" name="Title 1">
-            <a:extLst>
-              <a:ext uri="{FF2B5EF4-FFF2-40B4-BE49-F238E27FC236}">
                 <a16:creationId xmlns:a16="http://schemas.microsoft.com/office/drawing/2014/main" id="{A90A02E4-3663-3C40-BA39-AFC8E4C6C9EC}"/>
               </a:ext>
             </a:extLst>
@@ -45268,7 +47858,7 @@
 </p:sld>
 </file>
 
-<file path=ppt/slides/slide92.xml><?xml version="1.0" encoding="utf-8"?>
+<file path=ppt/slides/slide91.xml><?xml version="1.0" encoding="utf-8"?>
 <p:sld xmlns:a="http://schemas.openxmlformats.org/drawingml/2006/main" xmlns:r="http://schemas.openxmlformats.org/officeDocument/2006/relationships" xmlns:p="http://schemas.openxmlformats.org/presentationml/2006/main">
   <p:cSld>
     <p:spTree>
@@ -45374,7 +47964,7 @@
 </p:sld>
 </file>
 
-<file path=ppt/slides/slide93.xml><?xml version="1.0" encoding="utf-8"?>
+<file path=ppt/slides/slide92.xml><?xml version="1.0" encoding="utf-8"?>
 <p:sld xmlns:a="http://schemas.openxmlformats.org/drawingml/2006/main" xmlns:r="http://schemas.openxmlformats.org/officeDocument/2006/relationships" xmlns:p="http://schemas.openxmlformats.org/presentationml/2006/main">
   <p:cSld>
     <p:spTree>

--- a/modules/unlink/Unlink.pptx
+++ b/modules/unlink/Unlink.pptx
@@ -24624,7 +24624,7 @@
           <a:p>
             <a:fld id="{2DA23E8D-1792-1541-9147-970A8DD8A355}" type="datetimeFigureOut">
               <a:rPr lang="en-US" smtClean="0"/>
-              <a:t>6/22/21</a:t>
+              <a:t>7/5/21</a:t>
             </a:fld>
             <a:endParaRPr lang="en-US" dirty="0"/>
           </a:p>
@@ -24889,6 +24889,90 @@
     </a:lvl9pPr>
   </p:notesStyle>
 </p:notesMaster>
+</file>
+
+<file path=ppt/notesSlides/notesSlide1.xml><?xml version="1.0" encoding="utf-8"?>
+<p:notes xmlns:a="http://schemas.openxmlformats.org/drawingml/2006/main" xmlns:r="http://schemas.openxmlformats.org/officeDocument/2006/relationships" xmlns:p="http://schemas.openxmlformats.org/presentationml/2006/main">
+  <p:cSld>
+    <p:spTree>
+      <p:nvGrpSpPr>
+        <p:cNvPr id="1" name=""/>
+        <p:cNvGrpSpPr/>
+        <p:nvPr/>
+      </p:nvGrpSpPr>
+      <p:grpSpPr>
+        <a:xfrm>
+          <a:off x="0" y="0"/>
+          <a:ext cx="0" cy="0"/>
+          <a:chOff x="0" y="0"/>
+          <a:chExt cx="0" cy="0"/>
+        </a:xfrm>
+      </p:grpSpPr>
+      <p:sp>
+        <p:nvSpPr>
+          <p:cNvPr id="2" name="Slide Image Placeholder 1"/>
+          <p:cNvSpPr>
+            <a:spLocks noGrp="1" noRot="1" noChangeAspect="1"/>
+          </p:cNvSpPr>
+          <p:nvPr>
+            <p:ph type="sldImg"/>
+          </p:nvPr>
+        </p:nvSpPr>
+        <p:spPr/>
+      </p:sp>
+      <p:sp>
+        <p:nvSpPr>
+          <p:cNvPr id="3" name="Notes Placeholder 2"/>
+          <p:cNvSpPr>
+            <a:spLocks noGrp="1"/>
+          </p:cNvSpPr>
+          <p:nvPr>
+            <p:ph type="body" idx="1"/>
+          </p:nvPr>
+        </p:nvSpPr>
+        <p:spPr/>
+        <p:txBody>
+          <a:bodyPr/>
+          <a:lstStyle/>
+          <a:p>
+            <a:endParaRPr lang="en-US" dirty="0"/>
+          </a:p>
+        </p:txBody>
+      </p:sp>
+      <p:sp>
+        <p:nvSpPr>
+          <p:cNvPr id="4" name="Slide Number Placeholder 3"/>
+          <p:cNvSpPr>
+            <a:spLocks noGrp="1"/>
+          </p:cNvSpPr>
+          <p:nvPr>
+            <p:ph type="sldNum" sz="quarter" idx="5"/>
+          </p:nvPr>
+        </p:nvSpPr>
+        <p:spPr/>
+        <p:txBody>
+          <a:bodyPr/>
+          <a:lstStyle/>
+          <a:p>
+            <a:fld id="{AC55928C-CD14-454C-B617-1AFCF9A58596}" type="slidenum">
+              <a:rPr lang="en-US" smtClean="0"/>
+              <a:t>15</a:t>
+            </a:fld>
+            <a:endParaRPr lang="en-US" dirty="0"/>
+          </a:p>
+        </p:txBody>
+      </p:sp>
+    </p:spTree>
+    <p:extLst>
+      <p:ext uri="{BB962C8B-B14F-4D97-AF65-F5344CB8AC3E}">
+        <p14:creationId xmlns:p14="http://schemas.microsoft.com/office/powerpoint/2010/main" val="3571229800"/>
+      </p:ext>
+    </p:extLst>
+  </p:cSld>
+  <p:clrMapOvr>
+    <a:masterClrMapping/>
+  </p:clrMapOvr>
+</p:notes>
 </file>
 
 <file path=ppt/slideLayouts/slideLayout1.xml><?xml version="1.0" encoding="utf-8"?>
@@ -25094,7 +25178,7 @@
                 <a:latin typeface="Calibri"/>
               </a:rPr>
               <a:pPr/>
-              <a:t>6/22/21</a:t>
+              <a:t>7/5/21</a:t>
             </a:fld>
             <a:endParaRPr lang="en-US" dirty="0">
               <a:solidFill>
@@ -25347,7 +25431,7 @@
                 <a:latin typeface="Calibri"/>
               </a:rPr>
               <a:pPr/>
-              <a:t>6/22/21</a:t>
+              <a:t>7/5/21</a:t>
             </a:fld>
             <a:endParaRPr lang="en-US" dirty="0">
               <a:solidFill>
@@ -25562,7 +25646,7 @@
                 <a:latin typeface="Calibri"/>
               </a:rPr>
               <a:pPr/>
-              <a:t>6/22/21</a:t>
+              <a:t>7/5/21</a:t>
             </a:fld>
             <a:endParaRPr lang="en-US" dirty="0">
               <a:solidFill>
@@ -25960,7 +26044,7 @@
                 <a:latin typeface="Calibri"/>
               </a:rPr>
               <a:pPr/>
-              <a:t>6/22/21</a:t>
+              <a:t>7/5/21</a:t>
             </a:fld>
             <a:endParaRPr lang="en-US" dirty="0">
               <a:solidFill>
@@ -26302,7 +26386,7 @@
                 <a:latin typeface="Calibri"/>
               </a:rPr>
               <a:pPr/>
-              <a:t>6/22/21</a:t>
+              <a:t>7/5/21</a:t>
             </a:fld>
             <a:endParaRPr lang="en-US" dirty="0">
               <a:solidFill>
@@ -26630,7 +26714,7 @@
                 <a:latin typeface="Calibri"/>
               </a:rPr>
               <a:pPr/>
-              <a:t>6/22/21</a:t>
+              <a:t>7/5/21</a:t>
             </a:fld>
             <a:endParaRPr lang="en-US" dirty="0">
               <a:solidFill>
@@ -27119,7 +27203,7 @@
                 <a:latin typeface="Calibri"/>
               </a:rPr>
               <a:pPr/>
-              <a:t>6/22/21</a:t>
+              <a:t>7/5/21</a:t>
             </a:fld>
             <a:endParaRPr lang="en-US" dirty="0">
               <a:solidFill>
@@ -27302,7 +27386,7 @@
                 <a:latin typeface="Calibri"/>
               </a:rPr>
               <a:pPr/>
-              <a:t>6/22/21</a:t>
+              <a:t>7/5/21</a:t>
             </a:fld>
             <a:endParaRPr lang="en-US" dirty="0">
               <a:solidFill>
@@ -27548,7 +27632,7 @@
                 <a:latin typeface="Calibri"/>
               </a:rPr>
               <a:pPr/>
-              <a:t>6/22/21</a:t>
+              <a:t>7/5/21</a:t>
             </a:fld>
             <a:endParaRPr lang="en-US" dirty="0">
               <a:solidFill>
@@ -27890,7 +27974,7 @@
                 <a:latin typeface="Calibri"/>
               </a:rPr>
               <a:pPr/>
-              <a:t>6/22/21</a:t>
+              <a:t>7/5/21</a:t>
             </a:fld>
             <a:endParaRPr lang="en-US" dirty="0">
               <a:solidFill>
@@ -28182,7 +28266,7 @@
                 <a:latin typeface="Calibri"/>
               </a:rPr>
               <a:pPr/>
-              <a:t>6/22/21</a:t>
+              <a:t>7/5/21</a:t>
             </a:fld>
             <a:endParaRPr lang="en-US" dirty="0">
               <a:solidFill>
@@ -28432,7 +28516,7 @@
                 <a:latin typeface="Calibri"/>
               </a:rPr>
               <a:pPr defTabSz="914400"/>
-              <a:t>6/22/21</a:t>
+              <a:t>7/5/21</a:t>
             </a:fld>
             <a:endParaRPr lang="en-US" dirty="0">
               <a:solidFill>
@@ -30004,36 +30088,6 @@
       </p:grpSpPr>
       <p:pic>
         <p:nvPicPr>
-          <p:cNvPr id="12" name="Picture 11" descr="Unlink macro easier to read">
-            <a:extLst>
-              <a:ext uri="{FF2B5EF4-FFF2-40B4-BE49-F238E27FC236}">
-                <a16:creationId xmlns:a16="http://schemas.microsoft.com/office/drawing/2014/main" id="{C0C6CB2D-13F1-0842-8177-79F61B9BD2EA}"/>
-              </a:ext>
-            </a:extLst>
-          </p:cNvPr>
-          <p:cNvPicPr>
-            <a:picLocks noChangeAspect="1"/>
-          </p:cNvPicPr>
-          <p:nvPr/>
-        </p:nvPicPr>
-        <p:blipFill>
-          <a:blip r:embed="rId2"/>
-          <a:stretch>
-            <a:fillRect/>
-          </a:stretch>
-        </p:blipFill>
-        <p:spPr>
-          <a:xfrm>
-            <a:off x="110214" y="1256770"/>
-            <a:ext cx="3101270" cy="1527141"/>
-          </a:xfrm>
-          <a:prstGeom prst="rect">
-            <a:avLst/>
-          </a:prstGeom>
-        </p:spPr>
-      </p:pic>
-      <p:pic>
-        <p:nvPicPr>
           <p:cNvPr id="17" name="Content Placeholder 4" descr="A screenshot of a cell phone&#10;&#10;Description automatically generated">
             <a:extLst>
               <a:ext uri="{FF2B5EF4-FFF2-40B4-BE49-F238E27FC236}">
@@ -30062,36 +30116,6 @@
           </a:prstGeom>
         </p:spPr>
       </p:pic>
-      <p:pic>
-        <p:nvPicPr>
-          <p:cNvPr id="4" name="Picture 3" descr="Unlink remove FD &amp; BK for A, B and C">
-            <a:extLst>
-              <a:ext uri="{FF2B5EF4-FFF2-40B4-BE49-F238E27FC236}">
-                <a16:creationId xmlns:a16="http://schemas.microsoft.com/office/drawing/2014/main" id="{2CD79E6A-B276-1F46-8F87-171DF15F5A23}"/>
-              </a:ext>
-            </a:extLst>
-          </p:cNvPr>
-          <p:cNvPicPr>
-            <a:picLocks noChangeAspect="1"/>
-          </p:cNvPicPr>
-          <p:nvPr/>
-        </p:nvPicPr>
-        <p:blipFill>
-          <a:blip r:embed="rId4"/>
-          <a:stretch>
-            <a:fillRect/>
-          </a:stretch>
-        </p:blipFill>
-        <p:spPr>
-          <a:xfrm>
-            <a:off x="3519689" y="2676682"/>
-            <a:ext cx="5274024" cy="1883580"/>
-          </a:xfrm>
-          <a:prstGeom prst="rect">
-            <a:avLst/>
-          </a:prstGeom>
-        </p:spPr>
-      </p:pic>
       <p:sp>
         <p:nvSpPr>
           <p:cNvPr id="2" name="Title 1">
@@ -30134,7 +30158,7 @@
         </p:nvSpPr>
         <p:spPr>
           <a:xfrm>
-            <a:off x="3786889" y="897850"/>
+            <a:off x="4296920" y="897850"/>
             <a:ext cx="5006824" cy="1200329"/>
           </a:xfrm>
           <a:prstGeom prst="rect">
@@ -30164,7 +30188,7 @@
             </a:pPr>
             <a:r>
               <a:rPr lang="en-US" dirty="0"/>
-              <a:t>A=FD</a:t>
+              <a:t>Next=FD</a:t>
             </a:r>
           </a:p>
           <a:p>
@@ -30174,7 +30198,7 @@
             </a:pPr>
             <a:r>
               <a:rPr lang="en-US" dirty="0"/>
-              <a:t>B=P</a:t>
+              <a:t>Cur=P</a:t>
             </a:r>
           </a:p>
           <a:p>
@@ -30184,7 +30208,7 @@
             </a:pPr>
             <a:r>
               <a:rPr lang="en-US" dirty="0"/>
-              <a:t>C=BK</a:t>
+              <a:t>Prev=BK</a:t>
             </a:r>
           </a:p>
         </p:txBody>
@@ -30250,49 +30274,6 @@
           <a:xfrm>
             <a:off x="538259" y="1936799"/>
             <a:ext cx="1122590" cy="0"/>
-          </a:xfrm>
-          <a:prstGeom prst="line">
-            <a:avLst/>
-          </a:prstGeom>
-          <a:ln w="25400">
-            <a:solidFill>
-              <a:srgbClr val="FF0000"/>
-            </a:solidFill>
-          </a:ln>
-        </p:spPr>
-        <p:style>
-          <a:lnRef idx="1">
-            <a:schemeClr val="accent1"/>
-          </a:lnRef>
-          <a:fillRef idx="0">
-            <a:schemeClr val="accent1"/>
-          </a:fillRef>
-          <a:effectRef idx="0">
-            <a:schemeClr val="accent1"/>
-          </a:effectRef>
-          <a:fontRef idx="minor">
-            <a:schemeClr val="tx1"/>
-          </a:fontRef>
-        </p:style>
-      </p:cxnSp>
-      <p:cxnSp>
-        <p:nvCxnSpPr>
-          <p:cNvPr id="11" name="Straight Connector 10">
-            <a:extLst>
-              <a:ext uri="{FF2B5EF4-FFF2-40B4-BE49-F238E27FC236}">
-                <a16:creationId xmlns:a16="http://schemas.microsoft.com/office/drawing/2014/main" id="{652E7F6F-BC5B-CD49-82DC-92938E9A6E42}"/>
-              </a:ext>
-            </a:extLst>
-          </p:cNvPr>
-          <p:cNvCxnSpPr>
-            <a:cxnSpLocks/>
-          </p:cNvCxnSpPr>
-          <p:nvPr/>
-        </p:nvCxnSpPr>
-        <p:spPr>
-          <a:xfrm>
-            <a:off x="6013341" y="2899939"/>
-            <a:ext cx="286719" cy="0"/>
           </a:xfrm>
           <a:prstGeom prst="line">
             <a:avLst/>
@@ -30490,6 +30471,243 @@
           </a:fontRef>
         </p:style>
       </p:cxnSp>
+      <p:pic>
+        <p:nvPicPr>
+          <p:cNvPr id="5" name="Picture 4" descr="Unlink Macro with name update">
+            <a:extLst>
+              <a:ext uri="{FF2B5EF4-FFF2-40B4-BE49-F238E27FC236}">
+                <a16:creationId xmlns:a16="http://schemas.microsoft.com/office/drawing/2014/main" id="{9A73BBAC-D173-AD40-861A-57111B4AA73E}"/>
+              </a:ext>
+            </a:extLst>
+          </p:cNvPr>
+          <p:cNvPicPr>
+            <a:picLocks noChangeAspect="1"/>
+          </p:cNvPicPr>
+          <p:nvPr/>
+        </p:nvPicPr>
+        <p:blipFill>
+          <a:blip r:embed="rId4"/>
+          <a:stretch>
+            <a:fillRect/>
+          </a:stretch>
+        </p:blipFill>
+        <p:spPr>
+          <a:xfrm>
+            <a:off x="29621" y="1042803"/>
+            <a:ext cx="4178300" cy="1638300"/>
+          </a:xfrm>
+          <a:prstGeom prst="rect">
+            <a:avLst/>
+          </a:prstGeom>
+        </p:spPr>
+      </p:pic>
+      <p:cxnSp>
+        <p:nvCxnSpPr>
+          <p:cNvPr id="16" name="Straight Connector 15">
+            <a:extLst>
+              <a:ext uri="{FF2B5EF4-FFF2-40B4-BE49-F238E27FC236}">
+                <a16:creationId xmlns:a16="http://schemas.microsoft.com/office/drawing/2014/main" id="{402B3B28-AE00-7249-9DCF-545D4909DAEF}"/>
+              </a:ext>
+            </a:extLst>
+          </p:cNvPr>
+          <p:cNvCxnSpPr>
+            <a:cxnSpLocks/>
+          </p:cNvCxnSpPr>
+          <p:nvPr/>
+        </p:nvCxnSpPr>
+        <p:spPr>
+          <a:xfrm>
+            <a:off x="508518" y="1546293"/>
+            <a:ext cx="1716792" cy="0"/>
+          </a:xfrm>
+          <a:prstGeom prst="line">
+            <a:avLst/>
+          </a:prstGeom>
+          <a:ln w="25400">
+            <a:solidFill>
+              <a:srgbClr val="FF0000"/>
+            </a:solidFill>
+          </a:ln>
+        </p:spPr>
+        <p:style>
+          <a:lnRef idx="1">
+            <a:schemeClr val="accent1"/>
+          </a:lnRef>
+          <a:fillRef idx="0">
+            <a:schemeClr val="accent1"/>
+          </a:fillRef>
+          <a:effectRef idx="0">
+            <a:schemeClr val="accent1"/>
+          </a:effectRef>
+          <a:fontRef idx="minor">
+            <a:schemeClr val="tx1"/>
+          </a:fontRef>
+        </p:style>
+      </p:cxnSp>
+      <p:cxnSp>
+        <p:nvCxnSpPr>
+          <p:cNvPr id="20" name="Straight Connector 19">
+            <a:extLst>
+              <a:ext uri="{FF2B5EF4-FFF2-40B4-BE49-F238E27FC236}">
+                <a16:creationId xmlns:a16="http://schemas.microsoft.com/office/drawing/2014/main" id="{790AFA6C-B7FB-7947-87C2-82D10DA3FAB0}"/>
+              </a:ext>
+            </a:extLst>
+          </p:cNvPr>
+          <p:cNvCxnSpPr>
+            <a:cxnSpLocks/>
+          </p:cNvCxnSpPr>
+          <p:nvPr/>
+        </p:nvCxnSpPr>
+        <p:spPr>
+          <a:xfrm>
+            <a:off x="508518" y="1861953"/>
+            <a:ext cx="1716792" cy="0"/>
+          </a:xfrm>
+          <a:prstGeom prst="line">
+            <a:avLst/>
+          </a:prstGeom>
+          <a:ln w="25400">
+            <a:solidFill>
+              <a:srgbClr val="FF0000"/>
+            </a:solidFill>
+          </a:ln>
+        </p:spPr>
+        <p:style>
+          <a:lnRef idx="1">
+            <a:schemeClr val="accent1"/>
+          </a:lnRef>
+          <a:fillRef idx="0">
+            <a:schemeClr val="accent1"/>
+          </a:fillRef>
+          <a:effectRef idx="0">
+            <a:schemeClr val="accent1"/>
+          </a:effectRef>
+          <a:fontRef idx="minor">
+            <a:schemeClr val="tx1"/>
+          </a:fontRef>
+        </p:style>
+      </p:cxnSp>
+      <p:pic>
+        <p:nvPicPr>
+          <p:cNvPr id="6" name="Graphic 5" descr="Unlink initial setup">
+            <a:extLst>
+              <a:ext uri="{FF2B5EF4-FFF2-40B4-BE49-F238E27FC236}">
+                <a16:creationId xmlns:a16="http://schemas.microsoft.com/office/drawing/2014/main" id="{74537FB8-51F4-8C42-AEF3-7807BBA86003}"/>
+              </a:ext>
+            </a:extLst>
+          </p:cNvPr>
+          <p:cNvPicPr>
+            <a:picLocks noChangeAspect="1"/>
+          </p:cNvPicPr>
+          <p:nvPr/>
+        </p:nvPicPr>
+        <p:blipFill rotWithShape="1">
+          <a:blip r:embed="rId5">
+            <a:extLst>
+              <a:ext uri="{96DAC541-7B7A-43D3-8B79-37D633B846F1}">
+                <asvg:svgBlip xmlns:asvg="http://schemas.microsoft.com/office/drawing/2016/SVG/main" r:embed="rId6"/>
+              </a:ext>
+            </a:extLst>
+          </a:blip>
+          <a:srcRect l="12630" t="18608" r="30118" b="64218"/>
+          <a:stretch/>
+        </p:blipFill>
+        <p:spPr>
+          <a:xfrm>
+            <a:off x="3565320" y="2867135"/>
+            <a:ext cx="5552084" cy="2155227"/>
+          </a:xfrm>
+          <a:prstGeom prst="rect">
+            <a:avLst/>
+          </a:prstGeom>
+        </p:spPr>
+      </p:pic>
+      <p:cxnSp>
+        <p:nvCxnSpPr>
+          <p:cNvPr id="11" name="Straight Connector 10">
+            <a:extLst>
+              <a:ext uri="{FF2B5EF4-FFF2-40B4-BE49-F238E27FC236}">
+                <a16:creationId xmlns:a16="http://schemas.microsoft.com/office/drawing/2014/main" id="{652E7F6F-BC5B-CD49-82DC-92938E9A6E42}"/>
+              </a:ext>
+            </a:extLst>
+          </p:cNvPr>
+          <p:cNvCxnSpPr>
+            <a:cxnSpLocks/>
+          </p:cNvCxnSpPr>
+          <p:nvPr/>
+        </p:nvCxnSpPr>
+        <p:spPr>
+          <a:xfrm>
+            <a:off x="7806631" y="3130758"/>
+            <a:ext cx="511746" cy="0"/>
+          </a:xfrm>
+          <a:prstGeom prst="line">
+            <a:avLst/>
+          </a:prstGeom>
+          <a:ln w="25400">
+            <a:solidFill>
+              <a:srgbClr val="FF0000"/>
+            </a:solidFill>
+          </a:ln>
+        </p:spPr>
+        <p:style>
+          <a:lnRef idx="1">
+            <a:schemeClr val="accent1"/>
+          </a:lnRef>
+          <a:fillRef idx="0">
+            <a:schemeClr val="accent1"/>
+          </a:fillRef>
+          <a:effectRef idx="0">
+            <a:schemeClr val="accent1"/>
+          </a:effectRef>
+          <a:fontRef idx="minor">
+            <a:schemeClr val="tx1"/>
+          </a:fontRef>
+        </p:style>
+      </p:cxnSp>
+      <p:cxnSp>
+        <p:nvCxnSpPr>
+          <p:cNvPr id="21" name="Straight Connector 20">
+            <a:extLst>
+              <a:ext uri="{FF2B5EF4-FFF2-40B4-BE49-F238E27FC236}">
+                <a16:creationId xmlns:a16="http://schemas.microsoft.com/office/drawing/2014/main" id="{756369C9-44DD-BB44-8237-8C1918D5B4BD}"/>
+              </a:ext>
+            </a:extLst>
+          </p:cNvPr>
+          <p:cNvCxnSpPr>
+            <a:cxnSpLocks/>
+          </p:cNvCxnSpPr>
+          <p:nvPr/>
+        </p:nvCxnSpPr>
+        <p:spPr>
+          <a:xfrm>
+            <a:off x="4032049" y="3130758"/>
+            <a:ext cx="511746" cy="0"/>
+          </a:xfrm>
+          <a:prstGeom prst="line">
+            <a:avLst/>
+          </a:prstGeom>
+          <a:ln w="25400">
+            <a:solidFill>
+              <a:srgbClr val="FF0000"/>
+            </a:solidFill>
+          </a:ln>
+        </p:spPr>
+        <p:style>
+          <a:lnRef idx="1">
+            <a:schemeClr val="accent1"/>
+          </a:lnRef>
+          <a:fillRef idx="0">
+            <a:schemeClr val="accent1"/>
+          </a:fillRef>
+          <a:effectRef idx="0">
+            <a:schemeClr val="accent1"/>
+          </a:effectRef>
+          <a:fontRef idx="minor">
+            <a:schemeClr val="tx1"/>
+          </a:fontRef>
+        </p:style>
+      </p:cxnSp>
     </p:spTree>
     <p:extLst>
       <p:ext uri="{BB962C8B-B14F-4D97-AF65-F5344CB8AC3E}">
@@ -30582,7 +30800,7 @@
             </a:pPr>
             <a:r>
               <a:rPr lang="en-US" dirty="0"/>
-              <a:t>C is the forward pointer (in doubly linked list)  </a:t>
+              <a:t>Next is the forward pointer (in doubly linked list)  </a:t>
             </a:r>
           </a:p>
           <a:p>
@@ -30592,7 +30810,7 @@
             </a:pPr>
             <a:r>
               <a:rPr lang="en-US" dirty="0"/>
-              <a:t>A is the backward pointer (in doubly linked list) </a:t>
+              <a:t>Prev is the backward pointer (in doubly linked list) </a:t>
             </a:r>
           </a:p>
           <a:p>
@@ -30602,10 +30820,10 @@
       </p:sp>
       <p:pic>
         <p:nvPicPr>
-          <p:cNvPr id="6" name="Picture 5" descr="Unlink remove FD &amp; BK for A, B and C">
+          <p:cNvPr id="7" name="Graphic 6" descr="Unlink initial setup">
             <a:extLst>
               <a:ext uri="{FF2B5EF4-FFF2-40B4-BE49-F238E27FC236}">
-                <a16:creationId xmlns:a16="http://schemas.microsoft.com/office/drawing/2014/main" id="{291A52A2-407C-1744-86D6-D3A52565BA8B}"/>
+                <a16:creationId xmlns:a16="http://schemas.microsoft.com/office/drawing/2014/main" id="{877D6274-DC80-F144-9D42-BF2E99AEE389}"/>
               </a:ext>
             </a:extLst>
           </p:cNvPr>
@@ -30614,16 +30832,21 @@
           </p:cNvPicPr>
           <p:nvPr/>
         </p:nvPicPr>
-        <p:blipFill>
-          <a:blip r:embed="rId2"/>
-          <a:stretch>
-            <a:fillRect/>
-          </a:stretch>
+        <p:blipFill rotWithShape="1">
+          <a:blip r:embed="rId2">
+            <a:extLst>
+              <a:ext uri="{96DAC541-7B7A-43D3-8B79-37D633B846F1}">
+                <asvg:svgBlip xmlns:asvg="http://schemas.microsoft.com/office/drawing/2016/SVG/main" r:embed="rId3"/>
+              </a:ext>
+            </a:extLst>
+          </a:blip>
+          <a:srcRect l="12630" t="18608" r="30118" b="64218"/>
+          <a:stretch/>
         </p:blipFill>
         <p:spPr>
           <a:xfrm>
-            <a:off x="3626815" y="1086550"/>
-            <a:ext cx="5274024" cy="1883580"/>
+            <a:off x="3591916" y="1105010"/>
+            <a:ext cx="5552084" cy="2155227"/>
           </a:xfrm>
           <a:prstGeom prst="rect">
             <a:avLst/>
@@ -30632,10 +30855,10 @@
       </p:pic>
       <p:pic>
         <p:nvPicPr>
-          <p:cNvPr id="14" name="Picture 13" descr="Bottom of unlink macro">
+          <p:cNvPr id="9" name="Picture 8" descr="Unlink Macro with name update">
             <a:extLst>
               <a:ext uri="{FF2B5EF4-FFF2-40B4-BE49-F238E27FC236}">
-                <a16:creationId xmlns:a16="http://schemas.microsoft.com/office/drawing/2014/main" id="{D17F9249-B902-BB4F-ADBC-F3D4D09ED357}"/>
+                <a16:creationId xmlns:a16="http://schemas.microsoft.com/office/drawing/2014/main" id="{6F3CA53A-6051-D246-8DBA-8845CC25EF68}"/>
               </a:ext>
             </a:extLst>
           </p:cNvPr>
@@ -30644,16 +30867,15 @@
           </p:cNvPicPr>
           <p:nvPr/>
         </p:nvPicPr>
-        <p:blipFill>
-          <a:blip r:embed="rId3"/>
-          <a:stretch>
-            <a:fillRect/>
-          </a:stretch>
+        <p:blipFill rotWithShape="1">
+          <a:blip r:embed="rId4"/>
+          <a:srcRect l="9064" t="13747" r="45468" b="49856"/>
+          <a:stretch/>
         </p:blipFill>
         <p:spPr>
           <a:xfrm>
-            <a:off x="628650" y="1356470"/>
-            <a:ext cx="2605908" cy="1124117"/>
+            <a:off x="424426" y="1531254"/>
+            <a:ext cx="3167490" cy="994172"/>
           </a:xfrm>
           <a:prstGeom prst="rect">
             <a:avLst/>
@@ -30692,10 +30914,10 @@
       </p:grpSpPr>
       <p:pic>
         <p:nvPicPr>
-          <p:cNvPr id="13" name="Picture 12">
+          <p:cNvPr id="9" name="Picture 8" descr="Unlink Macro with name update">
             <a:extLst>
               <a:ext uri="{FF2B5EF4-FFF2-40B4-BE49-F238E27FC236}">
-                <a16:creationId xmlns:a16="http://schemas.microsoft.com/office/drawing/2014/main" id="{26EAAD52-98CC-5A45-8212-D119CEFDCF59}"/>
+                <a16:creationId xmlns:a16="http://schemas.microsoft.com/office/drawing/2014/main" id="{7E0D8065-1290-9649-9EB1-486C9F3FB036}"/>
               </a:ext>
             </a:extLst>
           </p:cNvPr>
@@ -30704,16 +30926,15 @@
           </p:cNvPicPr>
           <p:nvPr/>
         </p:nvPicPr>
-        <p:blipFill>
+        <p:blipFill rotWithShape="1">
           <a:blip r:embed="rId2"/>
-          <a:stretch>
-            <a:fillRect/>
-          </a:stretch>
+          <a:srcRect l="9064" t="13747" r="45468" b="49856"/>
+          <a:stretch/>
         </p:blipFill>
         <p:spPr>
           <a:xfrm>
-            <a:off x="304995" y="1067472"/>
-            <a:ext cx="2605908" cy="1124117"/>
+            <a:off x="165365" y="1437663"/>
+            <a:ext cx="3167490" cy="994172"/>
           </a:xfrm>
           <a:prstGeom prst="rect">
             <a:avLst/>
@@ -30782,7 +31003,7 @@
             </a:pPr>
             <a:r>
               <a:rPr lang="en-US" dirty="0"/>
-              <a:t>C is the forward pointer (in doubly linked list)  </a:t>
+              <a:t>Next is the forward pointer (in doubly linked list)  </a:t>
             </a:r>
           </a:p>
           <a:p>
@@ -30792,7 +31013,7 @@
             </a:pPr>
             <a:r>
               <a:rPr lang="en-US" dirty="0"/>
-              <a:t>A is the backward pointer (in doubly linked list) </a:t>
+              <a:t>Prev is the backward pointer (in doubly linked list) </a:t>
             </a:r>
           </a:p>
           <a:p>
@@ -30806,7 +31027,7 @@
                   <a:srgbClr val="FF0000"/>
                 </a:solidFill>
               </a:rPr>
-              <a:t>C-&gt;bk = A;</a:t>
+              <a:t>Next-&gt;bk = Prev;</a:t>
             </a:r>
           </a:p>
           <a:p>
@@ -30857,8 +31078,8 @@
         </p:nvCxnSpPr>
         <p:spPr>
           <a:xfrm>
-            <a:off x="516038" y="1510681"/>
-            <a:ext cx="2217831" cy="0"/>
+            <a:off x="311851" y="1921288"/>
+            <a:ext cx="2810095" cy="0"/>
           </a:xfrm>
           <a:prstGeom prst="line">
             <a:avLst/>
@@ -30886,10 +31107,10 @@
       </p:cxnSp>
       <p:pic>
         <p:nvPicPr>
-          <p:cNvPr id="5" name="Picture 4" descr="Unlink fix C-&gt;bk">
+          <p:cNvPr id="4" name="Graphic 3" descr="Edit Nexts (FD)'s bk to be Prev (BK) ">
             <a:extLst>
               <a:ext uri="{FF2B5EF4-FFF2-40B4-BE49-F238E27FC236}">
-                <a16:creationId xmlns:a16="http://schemas.microsoft.com/office/drawing/2014/main" id="{DECAF598-0D77-E744-9CB4-9A2C7788DC29}"/>
+                <a16:creationId xmlns:a16="http://schemas.microsoft.com/office/drawing/2014/main" id="{B23EE62B-95F5-984B-8AEA-25C2B0DE5BA0}"/>
               </a:ext>
             </a:extLst>
           </p:cNvPr>
@@ -30898,16 +31119,21 @@
           </p:cNvPicPr>
           <p:nvPr/>
         </p:nvPicPr>
-        <p:blipFill>
-          <a:blip r:embed="rId3"/>
-          <a:stretch>
-            <a:fillRect/>
-          </a:stretch>
+        <p:blipFill rotWithShape="1">
+          <a:blip r:embed="rId3">
+            <a:extLst>
+              <a:ext uri="{96DAC541-7B7A-43D3-8B79-37D633B846F1}">
+                <asvg:svgBlip xmlns:asvg="http://schemas.microsoft.com/office/drawing/2016/SVG/main" r:embed="rId4"/>
+              </a:ext>
+            </a:extLst>
+          </a:blip>
+          <a:srcRect l="10241" t="17896" r="31684" b="65431"/>
+          <a:stretch/>
         </p:blipFill>
         <p:spPr>
           <a:xfrm>
-            <a:off x="3212851" y="1028114"/>
-            <a:ext cx="5210478" cy="2000451"/>
+            <a:off x="3121946" y="940577"/>
+            <a:ext cx="5837220" cy="2175526"/>
           </a:xfrm>
           <a:prstGeom prst="rect">
             <a:avLst/>
@@ -30944,6 +31170,35 @@
           <a:chExt cx="0" cy="0"/>
         </a:xfrm>
       </p:grpSpPr>
+      <p:pic>
+        <p:nvPicPr>
+          <p:cNvPr id="7" name="Picture 6" descr="Unlink Macro with name update">
+            <a:extLst>
+              <a:ext uri="{FF2B5EF4-FFF2-40B4-BE49-F238E27FC236}">
+                <a16:creationId xmlns:a16="http://schemas.microsoft.com/office/drawing/2014/main" id="{C3A58D42-388C-9A4E-9225-6BBD907235EC}"/>
+              </a:ext>
+            </a:extLst>
+          </p:cNvPr>
+          <p:cNvPicPr>
+            <a:picLocks noChangeAspect="1"/>
+          </p:cNvPicPr>
+          <p:nvPr/>
+        </p:nvPicPr>
+        <p:blipFill rotWithShape="1">
+          <a:blip r:embed="rId2"/>
+          <a:srcRect l="9064" t="13747" r="45468" b="49856"/>
+          <a:stretch/>
+        </p:blipFill>
+        <p:spPr>
+          <a:xfrm>
+            <a:off x="125567" y="1531254"/>
+            <a:ext cx="3167490" cy="994172"/>
+          </a:xfrm>
+          <a:prstGeom prst="rect">
+            <a:avLst/>
+          </a:prstGeom>
+        </p:spPr>
+      </p:pic>
       <p:sp>
         <p:nvSpPr>
           <p:cNvPr id="2" name="Title 1">
@@ -31006,7 +31261,7 @@
             </a:pPr>
             <a:r>
               <a:rPr lang="en-US" dirty="0"/>
-              <a:t>C is the forward pointer (in doubly linked list)  </a:t>
+              <a:t>Next is the forward pointer (in doubly linked list)  </a:t>
             </a:r>
           </a:p>
           <a:p>
@@ -31016,7 +31271,7 @@
             </a:pPr>
             <a:r>
               <a:rPr lang="en-US" dirty="0"/>
-              <a:t>A is the backward pointer (in doubly linked list) </a:t>
+              <a:t>Prev is the backward pointer (in doubly linked list) </a:t>
             </a:r>
           </a:p>
           <a:p>
@@ -31026,7 +31281,7 @@
             </a:pPr>
             <a:r>
               <a:rPr lang="en-US" dirty="0"/>
-              <a:t>C-&gt;bk = A</a:t>
+              <a:t>Next-&gt;bk = Prev</a:t>
             </a:r>
           </a:p>
           <a:p>
@@ -31054,7 +31309,7 @@
                   <a:srgbClr val="FF0000"/>
                 </a:solidFill>
               </a:rPr>
-              <a:t>A-&gt;fd = C</a:t>
+              <a:t>Prev-&gt;fd = Next</a:t>
             </a:r>
           </a:p>
           <a:p>
@@ -31089,36 +31344,6 @@
           </a:p>
         </p:txBody>
       </p:sp>
-      <p:pic>
-        <p:nvPicPr>
-          <p:cNvPr id="10" name="Picture 9">
-            <a:extLst>
-              <a:ext uri="{FF2B5EF4-FFF2-40B4-BE49-F238E27FC236}">
-                <a16:creationId xmlns:a16="http://schemas.microsoft.com/office/drawing/2014/main" id="{638B9040-355F-8544-8F16-56BC8DB81F43}"/>
-              </a:ext>
-            </a:extLst>
-          </p:cNvPr>
-          <p:cNvPicPr>
-            <a:picLocks noChangeAspect="1"/>
-          </p:cNvPicPr>
-          <p:nvPr/>
-        </p:nvPicPr>
-        <p:blipFill>
-          <a:blip r:embed="rId2"/>
-          <a:stretch>
-            <a:fillRect/>
-          </a:stretch>
-        </p:blipFill>
-        <p:spPr>
-          <a:xfrm>
-            <a:off x="417607" y="1186322"/>
-            <a:ext cx="2605908" cy="1124117"/>
-          </a:xfrm>
-          <a:prstGeom prst="rect">
-            <a:avLst/>
-          </a:prstGeom>
-        </p:spPr>
-      </p:pic>
       <p:cxnSp>
         <p:nvCxnSpPr>
           <p:cNvPr id="11" name="Straight Connector 10">
@@ -31135,7 +31360,7 @@
         </p:nvCxnSpPr>
         <p:spPr>
           <a:xfrm>
-            <a:off x="516038" y="2161376"/>
+            <a:off x="285219" y="1966067"/>
             <a:ext cx="2217831" cy="0"/>
           </a:xfrm>
           <a:prstGeom prst="line">
@@ -31164,10 +31389,10 @@
       </p:cxnSp>
       <p:pic>
         <p:nvPicPr>
-          <p:cNvPr id="13" name="Picture 12" descr="Fix A-&gt;fd to be C">
+          <p:cNvPr id="4" name="Graphic 3" descr="Edit Prevs fd (BK) to be the same as Next (FD) ">
             <a:extLst>
               <a:ext uri="{FF2B5EF4-FFF2-40B4-BE49-F238E27FC236}">
-                <a16:creationId xmlns:a16="http://schemas.microsoft.com/office/drawing/2014/main" id="{2FA93D8C-2E03-184F-8B1B-C09D391B1478}"/>
+                <a16:creationId xmlns:a16="http://schemas.microsoft.com/office/drawing/2014/main" id="{8E038AEC-93E7-7448-903F-A36A1B6523C3}"/>
               </a:ext>
             </a:extLst>
           </p:cNvPr>
@@ -31176,16 +31401,21 @@
           </p:cNvPicPr>
           <p:nvPr/>
         </p:nvPicPr>
-        <p:blipFill>
-          <a:blip r:embed="rId3"/>
-          <a:stretch>
-            <a:fillRect/>
-          </a:stretch>
+        <p:blipFill rotWithShape="1">
+          <a:blip r:embed="rId3">
+            <a:extLst>
+              <a:ext uri="{96DAC541-7B7A-43D3-8B79-37D633B846F1}">
+                <asvg:svgBlip xmlns:asvg="http://schemas.microsoft.com/office/drawing/2016/SVG/main" r:embed="rId4"/>
+              </a:ext>
+            </a:extLst>
+          </a:blip>
+          <a:srcRect l="12921" t="17087" r="31908" b="65998"/>
+          <a:stretch/>
         </p:blipFill>
         <p:spPr>
           <a:xfrm>
-            <a:off x="3401526" y="1218238"/>
-            <a:ext cx="5005355" cy="1921699"/>
+            <a:off x="3452709" y="1012678"/>
+            <a:ext cx="5119754" cy="2031323"/>
           </a:xfrm>
           <a:prstGeom prst="rect">
             <a:avLst/>
@@ -31224,10 +31454,10 @@
       </p:grpSpPr>
       <p:pic>
         <p:nvPicPr>
-          <p:cNvPr id="8" name="Picture 7" descr="Unlink macro easier to read">
+          <p:cNvPr id="6" name="Picture 5" descr="Unlink Macro with name update">
             <a:extLst>
               <a:ext uri="{FF2B5EF4-FFF2-40B4-BE49-F238E27FC236}">
-                <a16:creationId xmlns:a16="http://schemas.microsoft.com/office/drawing/2014/main" id="{B042087F-EE79-6B4E-A070-DB96BBD79732}"/>
+                <a16:creationId xmlns:a16="http://schemas.microsoft.com/office/drawing/2014/main" id="{820F483D-C4FA-2246-A891-3499DF38DED7}"/>
               </a:ext>
             </a:extLst>
           </p:cNvPr>
@@ -31244,8 +31474,8 @@
         </p:blipFill>
         <p:spPr>
           <a:xfrm>
-            <a:off x="403225" y="1037887"/>
-            <a:ext cx="8337550" cy="4105613"/>
+            <a:off x="97898" y="1268019"/>
+            <a:ext cx="9046102" cy="3546952"/>
           </a:xfrm>
           <a:prstGeom prst="rect">
             <a:avLst/>
@@ -31270,12 +31500,14 @@
         </p:nvSpPr>
         <p:spPr/>
         <p:txBody>
-          <a:bodyPr/>
+          <a:bodyPr>
+            <a:normAutofit fontScale="90000"/>
+          </a:bodyPr>
           <a:lstStyle/>
           <a:p>
             <a:r>
               <a:rPr lang="en-US" dirty="0"/>
-              <a:t>What If We Control A and C?</a:t>
+              <a:t>What If We Control Next and Prev?</a:t>
             </a:r>
           </a:p>
         </p:txBody>
@@ -31296,8 +31528,8 @@
         </p:nvCxnSpPr>
         <p:spPr>
           <a:xfrm>
-            <a:off x="1726040" y="2251033"/>
-            <a:ext cx="2429738" cy="0"/>
+            <a:off x="1166747" y="2330933"/>
+            <a:ext cx="3529540" cy="0"/>
           </a:xfrm>
           <a:prstGeom prst="line">
             <a:avLst/>
@@ -31339,8 +31571,8 @@
         </p:nvCxnSpPr>
         <p:spPr>
           <a:xfrm>
-            <a:off x="1726040" y="2876499"/>
-            <a:ext cx="2429738" cy="0"/>
+            <a:off x="1166747" y="2894254"/>
+            <a:ext cx="3529540" cy="0"/>
           </a:xfrm>
           <a:prstGeom prst="line">
             <a:avLst/>
@@ -31607,19 +31839,17 @@
       </p:grpSpPr>
       <p:pic>
         <p:nvPicPr>
-          <p:cNvPr id="7" name="Content Placeholder 6" descr="Corrupted FD (C) and BK (B) chunks">
+          <p:cNvPr id="18" name="Picture 17" descr="Unlink source code with the 'where' and 'what' added">
             <a:extLst>
               <a:ext uri="{FF2B5EF4-FFF2-40B4-BE49-F238E27FC236}">
-                <a16:creationId xmlns:a16="http://schemas.microsoft.com/office/drawing/2014/main" id="{271C8763-4272-0A47-8EEE-38A18D6D5FD5}"/>
+                <a16:creationId xmlns:a16="http://schemas.microsoft.com/office/drawing/2014/main" id="{E2F221EB-A958-914F-8D11-E0B99BA38699}"/>
               </a:ext>
             </a:extLst>
           </p:cNvPr>
           <p:cNvPicPr>
-            <a:picLocks noGrp="1" noChangeAspect="1"/>
+            <a:picLocks noChangeAspect="1"/>
           </p:cNvPicPr>
-          <p:nvPr>
-            <p:ph sz="half" idx="1"/>
-          </p:nvPr>
+          <p:nvPr/>
         </p:nvPicPr>
         <p:blipFill>
           <a:blip r:embed="rId2"/>
@@ -31629,35 +31859,8 @@
         </p:blipFill>
         <p:spPr>
           <a:xfrm>
-            <a:off x="386830" y="1268019"/>
-            <a:ext cx="5873761" cy="2408242"/>
-          </a:xfrm>
-        </p:spPr>
-      </p:pic>
-      <p:pic>
-        <p:nvPicPr>
-          <p:cNvPr id="13" name="Picture 12" descr="Unlink macro easier to read">
-            <a:extLst>
-              <a:ext uri="{FF2B5EF4-FFF2-40B4-BE49-F238E27FC236}">
-                <a16:creationId xmlns:a16="http://schemas.microsoft.com/office/drawing/2014/main" id="{A939A754-248F-0E48-B625-240A7AFF959F}"/>
-              </a:ext>
-            </a:extLst>
-          </p:cNvPr>
-          <p:cNvPicPr>
-            <a:picLocks noChangeAspect="1"/>
-          </p:cNvPicPr>
-          <p:nvPr/>
-        </p:nvPicPr>
-        <p:blipFill>
-          <a:blip r:embed="rId3"/>
-          <a:stretch>
-            <a:fillRect/>
-          </a:stretch>
-        </p:blipFill>
-        <p:spPr>
-          <a:xfrm>
-            <a:off x="2108541" y="3342512"/>
-            <a:ext cx="3101270" cy="1527141"/>
+            <a:off x="2459561" y="3406188"/>
+            <a:ext cx="3852462" cy="1495662"/>
           </a:xfrm>
           <a:prstGeom prst="rect">
             <a:avLst/>
@@ -31731,7 +31934,7 @@
             </a:r>
             <a:r>
               <a:rPr lang="en-US" b="1" i="1" dirty="0"/>
-              <a:t>A</a:t>
+              <a:t>Next</a:t>
             </a:r>
             <a:r>
               <a:rPr lang="en-US" dirty="0"/>
@@ -31739,7 +31942,7 @@
             </a:r>
             <a:r>
               <a:rPr lang="en-US" b="1" i="1" dirty="0"/>
-              <a:t>C</a:t>
+              <a:t>Prev</a:t>
             </a:r>
             <a:r>
               <a:rPr lang="en-US" dirty="0"/>
@@ -31760,11 +31963,11 @@
             </a:r>
             <a:r>
               <a:rPr lang="en-US" dirty="0"/>
-              <a:t> (C) of write and </a:t>
+              <a:t> (Next) of write and </a:t>
             </a:r>
             <a:r>
               <a:rPr lang="en-US" i="1" dirty="0"/>
-              <a:t>value (A) </a:t>
+              <a:t>value (Prev) </a:t>
             </a:r>
             <a:r>
               <a:rPr lang="en-US" dirty="0"/>
@@ -31792,8 +31995,8 @@
         </p:nvCxnSpPr>
         <p:spPr>
           <a:xfrm>
-            <a:off x="2477317" y="4325822"/>
-            <a:ext cx="1293456" cy="0"/>
+            <a:off x="2894566" y="4361333"/>
+            <a:ext cx="1677434" cy="0"/>
           </a:xfrm>
           <a:prstGeom prst="line">
             <a:avLst/>
@@ -31819,6 +32022,35 @@
           </a:fontRef>
         </p:style>
       </p:cxnSp>
+      <p:pic>
+        <p:nvPicPr>
+          <p:cNvPr id="16" name="Content Placeholder 15" descr="Corrupting the 'Cur' pointer and what results from this">
+            <a:extLst>
+              <a:ext uri="{FF2B5EF4-FFF2-40B4-BE49-F238E27FC236}">
+                <a16:creationId xmlns:a16="http://schemas.microsoft.com/office/drawing/2014/main" id="{105E8A7D-57E9-744E-905B-AEED1625AE56}"/>
+              </a:ext>
+            </a:extLst>
+          </p:cNvPr>
+          <p:cNvPicPr>
+            <a:picLocks noGrp="1" noChangeAspect="1"/>
+          </p:cNvPicPr>
+          <p:nvPr>
+            <p:ph sz="half" idx="1"/>
+          </p:nvPr>
+        </p:nvPicPr>
+        <p:blipFill>
+          <a:blip r:embed="rId3"/>
+          <a:stretch>
+            <a:fillRect/>
+          </a:stretch>
+        </p:blipFill>
+        <p:spPr>
+          <a:xfrm>
+            <a:off x="516460" y="1129837"/>
+            <a:ext cx="5972207" cy="2875507"/>
+          </a:xfrm>
+        </p:spPr>
+      </p:pic>
     </p:spTree>
     <p:extLst>
       <p:ext uri="{BB962C8B-B14F-4D97-AF65-F5344CB8AC3E}">
@@ -31940,6 +32172,35 @@
           <a:chExt cx="0" cy="0"/>
         </a:xfrm>
       </p:grpSpPr>
+      <p:pic>
+        <p:nvPicPr>
+          <p:cNvPr id="9" name="Content Placeholder 15" descr="Corrupting the 'Cur' pointer and what results from this">
+            <a:extLst>
+              <a:ext uri="{FF2B5EF4-FFF2-40B4-BE49-F238E27FC236}">
+                <a16:creationId xmlns:a16="http://schemas.microsoft.com/office/drawing/2014/main" id="{8A96B262-0186-7F4A-9FE3-F20B04740978}"/>
+              </a:ext>
+            </a:extLst>
+          </p:cNvPr>
+          <p:cNvPicPr>
+            <a:picLocks noGrp="1" noChangeAspect="1"/>
+          </p:cNvPicPr>
+          <p:nvPr>
+            <p:ph sz="half" idx="1"/>
+          </p:nvPr>
+        </p:nvPicPr>
+        <p:blipFill>
+          <a:blip r:embed="rId2"/>
+          <a:stretch>
+            <a:fillRect/>
+          </a:stretch>
+        </p:blipFill>
+        <p:spPr>
+          <a:xfrm>
+            <a:off x="516038" y="1398074"/>
+            <a:ext cx="5449756" cy="2623957"/>
+          </a:xfrm>
+        </p:spPr>
+      </p:pic>
       <p:sp>
         <p:nvSpPr>
           <p:cNvPr id="2" name="Title 1">
@@ -31982,7 +32243,7 @@
         </p:nvSpPr>
         <p:spPr>
           <a:xfrm>
-            <a:off x="516038" y="3395711"/>
+            <a:off x="482420" y="3943171"/>
             <a:ext cx="5633634" cy="1200329"/>
           </a:xfrm>
           <a:prstGeom prst="rect">
@@ -32030,36 +32291,6 @@
           </a:p>
         </p:txBody>
       </p:sp>
-      <p:pic>
-        <p:nvPicPr>
-          <p:cNvPr id="7" name="Content Placeholder 6" descr="Corrupted FD (C) and BK (B) chunks">
-            <a:extLst>
-              <a:ext uri="{FF2B5EF4-FFF2-40B4-BE49-F238E27FC236}">
-                <a16:creationId xmlns:a16="http://schemas.microsoft.com/office/drawing/2014/main" id="{13C0F780-89B6-284A-BF52-5366DF82E3D4}"/>
-              </a:ext>
-            </a:extLst>
-          </p:cNvPr>
-          <p:cNvPicPr>
-            <a:picLocks noChangeAspect="1"/>
-          </p:cNvPicPr>
-          <p:nvPr/>
-        </p:nvPicPr>
-        <p:blipFill>
-          <a:blip r:embed="rId2"/>
-          <a:stretch>
-            <a:fillRect/>
-          </a:stretch>
-        </p:blipFill>
-        <p:spPr>
-          <a:xfrm>
-            <a:off x="405676" y="956450"/>
-            <a:ext cx="5873761" cy="2408242"/>
-          </a:xfrm>
-          <a:prstGeom prst="rect">
-            <a:avLst/>
-          </a:prstGeom>
-        </p:spPr>
-      </p:pic>
       <p:sp>
         <p:nvSpPr>
           <p:cNvPr id="15" name="TextBox 14">
@@ -32074,8 +32305,8 @@
         </p:nvSpPr>
         <p:spPr>
           <a:xfrm>
-            <a:off x="621516" y="2160571"/>
-            <a:ext cx="923730" cy="307777"/>
+            <a:off x="708549" y="2859823"/>
+            <a:ext cx="640857" cy="307777"/>
           </a:xfrm>
           <a:prstGeom prst="rect">
             <a:avLst/>
@@ -32111,8 +32342,8 @@
         </p:nvSpPr>
         <p:spPr>
           <a:xfrm>
-            <a:off x="5355707" y="991261"/>
-            <a:ext cx="923730" cy="307777"/>
+            <a:off x="5178166" y="1520976"/>
+            <a:ext cx="903050" cy="307777"/>
           </a:xfrm>
           <a:prstGeom prst="rect">
             <a:avLst/>
@@ -32136,10 +32367,10 @@
       </p:sp>
       <p:pic>
         <p:nvPicPr>
-          <p:cNvPr id="20" name="Picture 19" descr="Unlink WHAT and WHERE sub">
+          <p:cNvPr id="10" name="Picture 9" descr="Unlink source code with the 'where' and 'what' added">
             <a:extLst>
               <a:ext uri="{FF2B5EF4-FFF2-40B4-BE49-F238E27FC236}">
-                <a16:creationId xmlns:a16="http://schemas.microsoft.com/office/drawing/2014/main" id="{2F6D7014-1CCB-5246-8C4A-932CEEF17EF6}"/>
+                <a16:creationId xmlns:a16="http://schemas.microsoft.com/office/drawing/2014/main" id="{1D3AB08C-848C-4348-9864-175F666EC891}"/>
               </a:ext>
             </a:extLst>
           </p:cNvPr>
@@ -32156,8 +32387,8 @@
         </p:blipFill>
         <p:spPr>
           <a:xfrm>
-            <a:off x="4133137" y="2925810"/>
-            <a:ext cx="3965834" cy="1736519"/>
+            <a:off x="5178166" y="3008243"/>
+            <a:ext cx="3852462" cy="1495662"/>
           </a:xfrm>
           <a:prstGeom prst="rect">
             <a:avLst/>
@@ -32194,36 +32425,6 @@
           <a:chExt cx="0" cy="0"/>
         </a:xfrm>
       </p:grpSpPr>
-      <p:pic>
-        <p:nvPicPr>
-          <p:cNvPr id="4" name="Picture 3" descr="Unlink WHAT and WHERE">
-            <a:extLst>
-              <a:ext uri="{FF2B5EF4-FFF2-40B4-BE49-F238E27FC236}">
-                <a16:creationId xmlns:a16="http://schemas.microsoft.com/office/drawing/2014/main" id="{837868BE-3B6F-2947-87BF-06744B0F4131}"/>
-              </a:ext>
-            </a:extLst>
-          </p:cNvPr>
-          <p:cNvPicPr>
-            <a:picLocks noChangeAspect="1"/>
-          </p:cNvPicPr>
-          <p:nvPr/>
-        </p:nvPicPr>
-        <p:blipFill>
-          <a:blip r:embed="rId2"/>
-          <a:stretch>
-            <a:fillRect/>
-          </a:stretch>
-        </p:blipFill>
-        <p:spPr>
-          <a:xfrm>
-            <a:off x="397069" y="1074705"/>
-            <a:ext cx="6022392" cy="2150854"/>
-          </a:xfrm>
-          <a:prstGeom prst="rect">
-            <a:avLst/>
-          </a:prstGeom>
-        </p:spPr>
-      </p:pic>
       <p:sp>
         <p:nvSpPr>
           <p:cNvPr id="2" name="Title 1">
@@ -32288,7 +32489,7 @@
             </a:pPr>
             <a:r>
               <a:rPr lang="en-US" dirty="0"/>
-              <a:t>WHERE = C (because of overwrite) </a:t>
+              <a:t>WHERE = Next (because of overwrite) </a:t>
             </a:r>
           </a:p>
           <a:p>
@@ -32298,7 +32499,7 @@
             </a:pPr>
             <a:r>
               <a:rPr lang="en-US" dirty="0"/>
-              <a:t>WHAT = A (because of overwrite)</a:t>
+              <a:t>WHAT = Prev (because of overwrite)</a:t>
             </a:r>
           </a:p>
           <a:p>
@@ -32318,10 +32519,40 @@
       </p:sp>
       <p:pic>
         <p:nvPicPr>
-          <p:cNvPr id="10" name="Picture 9" descr="Unlink WHAT and WHERE sub">
+          <p:cNvPr id="5" name="Picture 4" descr="A picture containing diagram&#10;&#10;Description automatically generated">
             <a:extLst>
               <a:ext uri="{FF2B5EF4-FFF2-40B4-BE49-F238E27FC236}">
-                <a16:creationId xmlns:a16="http://schemas.microsoft.com/office/drawing/2014/main" id="{04388542-5EDC-624D-A941-8FFE5057DD6B}"/>
+                <a16:creationId xmlns:a16="http://schemas.microsoft.com/office/drawing/2014/main" id="{595D26CB-A95F-7F43-A8D7-BBE213BCBEF4}"/>
+              </a:ext>
+            </a:extLst>
+          </p:cNvPr>
+          <p:cNvPicPr>
+            <a:picLocks noChangeAspect="1"/>
+          </p:cNvPicPr>
+          <p:nvPr/>
+        </p:nvPicPr>
+        <p:blipFill>
+          <a:blip r:embed="rId2"/>
+          <a:stretch>
+            <a:fillRect/>
+          </a:stretch>
+        </p:blipFill>
+        <p:spPr>
+          <a:xfrm>
+            <a:off x="516038" y="1017539"/>
+            <a:ext cx="5511900" cy="1968536"/>
+          </a:xfrm>
+          <a:prstGeom prst="rect">
+            <a:avLst/>
+          </a:prstGeom>
+        </p:spPr>
+      </p:pic>
+      <p:pic>
+        <p:nvPicPr>
+          <p:cNvPr id="11" name="Picture 10" descr="Unlink source code with the 'where' and 'what' added">
+            <a:extLst>
+              <a:ext uri="{FF2B5EF4-FFF2-40B4-BE49-F238E27FC236}">
+                <a16:creationId xmlns:a16="http://schemas.microsoft.com/office/drawing/2014/main" id="{B50149A0-CADB-3E4B-8950-B8DB51A403AD}"/>
               </a:ext>
             </a:extLst>
           </p:cNvPr>
@@ -32338,8 +32569,8 @@
         </p:blipFill>
         <p:spPr>
           <a:xfrm>
-            <a:off x="4133137" y="2925810"/>
-            <a:ext cx="3965834" cy="1736519"/>
+            <a:off x="4775500" y="2981936"/>
+            <a:ext cx="3852462" cy="1495662"/>
           </a:xfrm>
           <a:prstGeom prst="rect">
             <a:avLst/>
@@ -32378,10 +32609,10 @@
       </p:grpSpPr>
       <p:pic>
         <p:nvPicPr>
-          <p:cNvPr id="14" name="Picture 13" descr="Unlink WHAT and WHERE sub">
+          <p:cNvPr id="7" name="Picture 6" descr="Unlink source code with the 'where' and 'what' added">
             <a:extLst>
               <a:ext uri="{FF2B5EF4-FFF2-40B4-BE49-F238E27FC236}">
-                <a16:creationId xmlns:a16="http://schemas.microsoft.com/office/drawing/2014/main" id="{5EF0B984-2378-4C41-8402-1CFD34125A34}"/>
+                <a16:creationId xmlns:a16="http://schemas.microsoft.com/office/drawing/2014/main" id="{082D4EF4-EEA7-0342-B8AB-30F0F314CE6A}"/>
               </a:ext>
             </a:extLst>
           </p:cNvPr>
@@ -32392,13 +32623,13 @@
         </p:nvPicPr>
         <p:blipFill rotWithShape="1">
           <a:blip r:embed="rId2"/>
-          <a:srcRect l="11066" t="56113" r="17881" b="14925"/>
+          <a:srcRect l="10132" t="50000" b="18158"/>
           <a:stretch/>
         </p:blipFill>
         <p:spPr>
           <a:xfrm>
-            <a:off x="4944048" y="3888665"/>
-            <a:ext cx="3943350" cy="703823"/>
+            <a:off x="4942895" y="3962500"/>
+            <a:ext cx="4042949" cy="556151"/>
           </a:xfrm>
           <a:prstGeom prst="rect">
             <a:avLst/>
@@ -32530,7 +32761,7 @@
         <p:spPr>
           <a:xfrm>
             <a:off x="4944283" y="4223427"/>
-            <a:ext cx="2417570" cy="17149"/>
+            <a:ext cx="2020086" cy="17148"/>
           </a:xfrm>
           <a:prstGeom prst="line">
             <a:avLst/>
@@ -32558,10 +32789,10 @@
       </p:cxnSp>
       <p:pic>
         <p:nvPicPr>
-          <p:cNvPr id="10" name="Picture 9" descr="Write WHERE to WHAT">
+          <p:cNvPr id="13" name="Picture 12" descr="WHERE=WHAT for primative">
             <a:extLst>
               <a:ext uri="{FF2B5EF4-FFF2-40B4-BE49-F238E27FC236}">
-                <a16:creationId xmlns:a16="http://schemas.microsoft.com/office/drawing/2014/main" id="{236B341C-B88E-7140-A09E-44F0AFE94697}"/>
+                <a16:creationId xmlns:a16="http://schemas.microsoft.com/office/drawing/2014/main" id="{47B8FC93-7EE9-C140-BBD2-19EACBD85E32}"/>
               </a:ext>
             </a:extLst>
           </p:cNvPr>
@@ -32578,8 +32809,8 @@
         </p:blipFill>
         <p:spPr>
           <a:xfrm>
-            <a:off x="426224" y="1106694"/>
-            <a:ext cx="5097498" cy="1843292"/>
+            <a:off x="457199" y="1247290"/>
+            <a:ext cx="4907819" cy="1863154"/>
           </a:xfrm>
           <a:prstGeom prst="rect">
             <a:avLst/>
@@ -32618,10 +32849,10 @@
       </p:grpSpPr>
       <p:pic>
         <p:nvPicPr>
-          <p:cNvPr id="14" name="Picture 13" descr="Unlink WHAT and WHERE sub">
+          <p:cNvPr id="9" name="Picture 8" descr="Unlink source code with the 'where' and 'what' added">
             <a:extLst>
               <a:ext uri="{FF2B5EF4-FFF2-40B4-BE49-F238E27FC236}">
-                <a16:creationId xmlns:a16="http://schemas.microsoft.com/office/drawing/2014/main" id="{5EF0B984-2378-4C41-8402-1CFD34125A34}"/>
+                <a16:creationId xmlns:a16="http://schemas.microsoft.com/office/drawing/2014/main" id="{4495CFB2-BF93-4D48-AD5B-6AA8AAEDBAB8}"/>
               </a:ext>
             </a:extLst>
           </p:cNvPr>
@@ -32632,13 +32863,13 @@
         </p:nvPicPr>
         <p:blipFill rotWithShape="1">
           <a:blip r:embed="rId2"/>
-          <a:srcRect l="11066" t="56113" r="17881" b="14925"/>
+          <a:srcRect l="10132" t="50000" b="18158"/>
           <a:stretch/>
         </p:blipFill>
         <p:spPr>
           <a:xfrm>
-            <a:off x="4374881" y="3888665"/>
-            <a:ext cx="3943350" cy="703823"/>
+            <a:off x="4942895" y="3962500"/>
+            <a:ext cx="4042949" cy="556151"/>
           </a:xfrm>
           <a:prstGeom prst="rect">
             <a:avLst/>
@@ -32687,7 +32918,7 @@
         </p:nvSpPr>
         <p:spPr>
           <a:xfrm>
-            <a:off x="516038" y="3115160"/>
+            <a:off x="276341" y="3505778"/>
             <a:ext cx="5633634" cy="923330"/>
           </a:xfrm>
           <a:prstGeom prst="rect">
@@ -32716,10 +32947,7 @@
             </a:endParaRPr>
           </a:p>
           <a:p>
-            <a:pPr marL="742950" lvl="1" indent="-285750">
-              <a:buFont typeface="Arial" panose="020B0604020202020204" pitchFamily="34" charset="0"/>
-              <a:buChar char="•"/>
-            </a:pPr>
+            <a:pPr lvl="1"/>
             <a:endParaRPr lang="en-US" dirty="0">
               <a:solidFill>
                 <a:srgbClr val="FF0000"/>
@@ -32747,7 +32975,7 @@
         </p:nvCxnSpPr>
         <p:spPr>
           <a:xfrm>
-            <a:off x="4375116" y="4223427"/>
+            <a:off x="4942895" y="4223426"/>
             <a:ext cx="2417570" cy="17149"/>
           </a:xfrm>
           <a:prstGeom prst="line">
@@ -32776,10 +33004,10 @@
       </p:cxnSp>
       <p:pic>
         <p:nvPicPr>
-          <p:cNvPr id="7" name="Picture 6" descr="Unlink with shellcode">
+          <p:cNvPr id="4" name="Picture 3" descr="Write to function pointer with addrtess of the shellcode">
             <a:extLst>
               <a:ext uri="{FF2B5EF4-FFF2-40B4-BE49-F238E27FC236}">
-                <a16:creationId xmlns:a16="http://schemas.microsoft.com/office/drawing/2014/main" id="{328EC4B7-67FA-0B45-AAEE-8C0D7CC39A81}"/>
+                <a16:creationId xmlns:a16="http://schemas.microsoft.com/office/drawing/2014/main" id="{F02F76B3-68FE-ED47-87A5-27DF2AC1B90B}"/>
               </a:ext>
             </a:extLst>
           </p:cNvPr>
@@ -32796,8 +33024,8 @@
         </p:blipFill>
         <p:spPr>
           <a:xfrm>
-            <a:off x="516038" y="1268018"/>
-            <a:ext cx="5063668" cy="1831059"/>
+            <a:off x="628650" y="1368123"/>
+            <a:ext cx="5633634" cy="2138694"/>
           </a:xfrm>
           <a:prstGeom prst="rect">
             <a:avLst/>
@@ -32867,108 +33095,6 @@
           </a:p>
         </p:txBody>
       </p:sp>
-      <p:pic>
-        <p:nvPicPr>
-          <p:cNvPr id="5" name="Picture 4" descr="Diagram&#10;&#10;Description automatically generated">
-            <a:extLst>
-              <a:ext uri="{FF2B5EF4-FFF2-40B4-BE49-F238E27FC236}">
-                <a16:creationId xmlns:a16="http://schemas.microsoft.com/office/drawing/2014/main" id="{2A851F68-05FF-C347-A0AA-D49E16724400}"/>
-              </a:ext>
-            </a:extLst>
-          </p:cNvPr>
-          <p:cNvPicPr>
-            <a:picLocks noChangeAspect="1"/>
-          </p:cNvPicPr>
-          <p:nvPr/>
-        </p:nvPicPr>
-        <p:blipFill>
-          <a:blip r:embed="rId2"/>
-          <a:stretch>
-            <a:fillRect/>
-          </a:stretch>
-        </p:blipFill>
-        <p:spPr>
-          <a:xfrm>
-            <a:off x="628650" y="1082351"/>
-            <a:ext cx="5359023" cy="1913937"/>
-          </a:xfrm>
-          <a:prstGeom prst="rect">
-            <a:avLst/>
-          </a:prstGeom>
-        </p:spPr>
-      </p:pic>
-      <p:pic>
-        <p:nvPicPr>
-          <p:cNvPr id="11" name="Picture 10" descr="Unlink WHAT and WHERE sub">
-            <a:extLst>
-              <a:ext uri="{FF2B5EF4-FFF2-40B4-BE49-F238E27FC236}">
-                <a16:creationId xmlns:a16="http://schemas.microsoft.com/office/drawing/2014/main" id="{D1BB8929-39F9-5846-9ABB-0428C353F21F}"/>
-              </a:ext>
-            </a:extLst>
-          </p:cNvPr>
-          <p:cNvPicPr>
-            <a:picLocks noChangeAspect="1"/>
-          </p:cNvPicPr>
-          <p:nvPr/>
-        </p:nvPicPr>
-        <p:blipFill rotWithShape="1">
-          <a:blip r:embed="rId3"/>
-          <a:srcRect l="11066" t="56113" r="17881" b="14925"/>
-          <a:stretch/>
-        </p:blipFill>
-        <p:spPr>
-          <a:xfrm>
-            <a:off x="4953379" y="3888665"/>
-            <a:ext cx="3943350" cy="703823"/>
-          </a:xfrm>
-          <a:prstGeom prst="rect">
-            <a:avLst/>
-          </a:prstGeom>
-        </p:spPr>
-      </p:pic>
-      <p:cxnSp>
-        <p:nvCxnSpPr>
-          <p:cNvPr id="12" name="Straight Connector 11">
-            <a:extLst>
-              <a:ext uri="{FF2B5EF4-FFF2-40B4-BE49-F238E27FC236}">
-                <a16:creationId xmlns:a16="http://schemas.microsoft.com/office/drawing/2014/main" id="{BA0B92DA-8A49-694A-A617-4A849B067B92}"/>
-              </a:ext>
-            </a:extLst>
-          </p:cNvPr>
-          <p:cNvCxnSpPr>
-            <a:cxnSpLocks/>
-          </p:cNvCxnSpPr>
-          <p:nvPr/>
-        </p:nvCxnSpPr>
-        <p:spPr>
-          <a:xfrm>
-            <a:off x="4953379" y="4503345"/>
-            <a:ext cx="2417570" cy="17149"/>
-          </a:xfrm>
-          <a:prstGeom prst="line">
-            <a:avLst/>
-          </a:prstGeom>
-          <a:ln w="25400">
-            <a:solidFill>
-              <a:srgbClr val="FF0000"/>
-            </a:solidFill>
-          </a:ln>
-        </p:spPr>
-        <p:style>
-          <a:lnRef idx="1">
-            <a:schemeClr val="accent1"/>
-          </a:lnRef>
-          <a:fillRef idx="0">
-            <a:schemeClr val="accent1"/>
-          </a:fillRef>
-          <a:effectRef idx="0">
-            <a:schemeClr val="accent1"/>
-          </a:effectRef>
-          <a:fontRef idx="minor">
-            <a:schemeClr val="tx1"/>
-          </a:fontRef>
-        </p:style>
-      </p:cxnSp>
       <p:sp>
         <p:nvSpPr>
           <p:cNvPr id="14" name="TextBox 13">
@@ -33069,6 +33195,108 @@
           </a:p>
         </p:txBody>
       </p:sp>
+      <p:pic>
+        <p:nvPicPr>
+          <p:cNvPr id="4" name="Picture 3" descr="Overwrite shellcode with address of the function pointer">
+            <a:extLst>
+              <a:ext uri="{FF2B5EF4-FFF2-40B4-BE49-F238E27FC236}">
+                <a16:creationId xmlns:a16="http://schemas.microsoft.com/office/drawing/2014/main" id="{D879EF65-EFB8-AA4F-98F9-6BEF553A7165}"/>
+              </a:ext>
+            </a:extLst>
+          </p:cNvPr>
+          <p:cNvPicPr>
+            <a:picLocks noChangeAspect="1"/>
+          </p:cNvPicPr>
+          <p:nvPr/>
+        </p:nvPicPr>
+        <p:blipFill>
+          <a:blip r:embed="rId2"/>
+          <a:stretch>
+            <a:fillRect/>
+          </a:stretch>
+        </p:blipFill>
+        <p:spPr>
+          <a:xfrm>
+            <a:off x="325638" y="1069019"/>
+            <a:ext cx="5466152" cy="2189856"/>
+          </a:xfrm>
+          <a:prstGeom prst="rect">
+            <a:avLst/>
+          </a:prstGeom>
+        </p:spPr>
+      </p:pic>
+      <p:pic>
+        <p:nvPicPr>
+          <p:cNvPr id="9" name="Picture 8" descr="Unlink source code with the 'where' and 'what' added">
+            <a:extLst>
+              <a:ext uri="{FF2B5EF4-FFF2-40B4-BE49-F238E27FC236}">
+                <a16:creationId xmlns:a16="http://schemas.microsoft.com/office/drawing/2014/main" id="{B62493D9-D6CF-1449-AAB8-CF846E6DF6CB}"/>
+              </a:ext>
+            </a:extLst>
+          </p:cNvPr>
+          <p:cNvPicPr>
+            <a:picLocks noChangeAspect="1"/>
+          </p:cNvPicPr>
+          <p:nvPr/>
+        </p:nvPicPr>
+        <p:blipFill rotWithShape="1">
+          <a:blip r:embed="rId3"/>
+          <a:srcRect l="10132" t="50000" b="18158"/>
+          <a:stretch/>
+        </p:blipFill>
+        <p:spPr>
+          <a:xfrm>
+            <a:off x="4942895" y="3967865"/>
+            <a:ext cx="4042949" cy="556151"/>
+          </a:xfrm>
+          <a:prstGeom prst="rect">
+            <a:avLst/>
+          </a:prstGeom>
+        </p:spPr>
+      </p:pic>
+      <p:cxnSp>
+        <p:nvCxnSpPr>
+          <p:cNvPr id="10" name="Straight Connector 9">
+            <a:extLst>
+              <a:ext uri="{FF2B5EF4-FFF2-40B4-BE49-F238E27FC236}">
+                <a16:creationId xmlns:a16="http://schemas.microsoft.com/office/drawing/2014/main" id="{CDADC01A-DD85-BA45-BAAA-53426310694A}"/>
+              </a:ext>
+            </a:extLst>
+          </p:cNvPr>
+          <p:cNvCxnSpPr>
+            <a:cxnSpLocks/>
+          </p:cNvCxnSpPr>
+          <p:nvPr/>
+        </p:nvCxnSpPr>
+        <p:spPr>
+          <a:xfrm>
+            <a:off x="4971247" y="4506867"/>
+            <a:ext cx="2417570" cy="17149"/>
+          </a:xfrm>
+          <a:prstGeom prst="line">
+            <a:avLst/>
+          </a:prstGeom>
+          <a:ln w="25400">
+            <a:solidFill>
+              <a:srgbClr val="FF0000"/>
+            </a:solidFill>
+          </a:ln>
+        </p:spPr>
+        <p:style>
+          <a:lnRef idx="1">
+            <a:schemeClr val="accent1"/>
+          </a:lnRef>
+          <a:fillRef idx="0">
+            <a:schemeClr val="accent1"/>
+          </a:fillRef>
+          <a:effectRef idx="0">
+            <a:schemeClr val="accent1"/>
+          </a:effectRef>
+          <a:fontRef idx="minor">
+            <a:schemeClr val="tx1"/>
+          </a:fontRef>
+        </p:style>
+      </p:cxnSp>
     </p:spTree>
     <p:extLst>
       <p:ext uri="{BB962C8B-B14F-4D97-AF65-F5344CB8AC3E}">
@@ -33099,35 +33327,6 @@
           <a:chExt cx="0" cy="0"/>
         </a:xfrm>
       </p:grpSpPr>
-      <p:pic>
-        <p:nvPicPr>
-          <p:cNvPr id="14" name="Picture 13" descr="Unlink WHAT and WHERE sub">
-            <a:extLst>
-              <a:ext uri="{FF2B5EF4-FFF2-40B4-BE49-F238E27FC236}">
-                <a16:creationId xmlns:a16="http://schemas.microsoft.com/office/drawing/2014/main" id="{5EF0B984-2378-4C41-8402-1CFD34125A34}"/>
-              </a:ext>
-            </a:extLst>
-          </p:cNvPr>
-          <p:cNvPicPr>
-            <a:picLocks noChangeAspect="1"/>
-          </p:cNvPicPr>
-          <p:nvPr/>
-        </p:nvPicPr>
-        <p:blipFill rotWithShape="1">
-          <a:blip r:embed="rId2"/>
-          <a:srcRect l="11066" t="56113" r="17881" b="14925"/>
-          <a:stretch/>
-        </p:blipFill>
-        <p:spPr>
-          <a:xfrm>
-            <a:off x="4374881" y="3888665"/>
-            <a:ext cx="3943350" cy="703823"/>
-          </a:xfrm>
-          <a:prstGeom prst="rect">
-            <a:avLst/>
-          </a:prstGeom>
-        </p:spPr>
-      </p:pic>
       <p:sp>
         <p:nvSpPr>
           <p:cNvPr id="2" name="Title 1">
@@ -33203,12 +33402,41 @@
           </a:p>
         </p:txBody>
       </p:sp>
+      <p:pic>
+        <p:nvPicPr>
+          <p:cNvPr id="7" name="Picture 6" descr="Unlink source code with the 'where' and 'what' added">
+            <a:extLst>
+              <a:ext uri="{FF2B5EF4-FFF2-40B4-BE49-F238E27FC236}">
+                <a16:creationId xmlns:a16="http://schemas.microsoft.com/office/drawing/2014/main" id="{47009602-4305-1E41-8390-0B39A092AEBB}"/>
+              </a:ext>
+            </a:extLst>
+          </p:cNvPr>
+          <p:cNvPicPr>
+            <a:picLocks noChangeAspect="1"/>
+          </p:cNvPicPr>
+          <p:nvPr/>
+        </p:nvPicPr>
+        <p:blipFill rotWithShape="1">
+          <a:blip r:embed="rId2"/>
+          <a:srcRect l="10132" t="50000" b="18158"/>
+          <a:stretch/>
+        </p:blipFill>
+        <p:spPr>
+          <a:xfrm>
+            <a:off x="4942895" y="3962500"/>
+            <a:ext cx="4042949" cy="556151"/>
+          </a:xfrm>
+          <a:prstGeom prst="rect">
+            <a:avLst/>
+          </a:prstGeom>
+        </p:spPr>
+      </p:pic>
       <p:cxnSp>
         <p:nvCxnSpPr>
-          <p:cNvPr id="6" name="Straight Connector 5">
+          <p:cNvPr id="9" name="Straight Connector 8">
             <a:extLst>
               <a:ext uri="{FF2B5EF4-FFF2-40B4-BE49-F238E27FC236}">
-                <a16:creationId xmlns:a16="http://schemas.microsoft.com/office/drawing/2014/main" id="{CD171E65-600E-2842-B04B-B40AD3C7287B}"/>
+                <a16:creationId xmlns:a16="http://schemas.microsoft.com/office/drawing/2014/main" id="{D6096FD3-DCEC-5347-8039-A3035CEC75DC}"/>
               </a:ext>
             </a:extLst>
           </p:cNvPr>
@@ -33219,7 +33447,7 @@
         </p:nvCxnSpPr>
         <p:spPr>
           <a:xfrm>
-            <a:off x="4374881" y="4494015"/>
+            <a:off x="4940887" y="4501502"/>
             <a:ext cx="2417570" cy="17149"/>
           </a:xfrm>
           <a:prstGeom prst="line">
@@ -33248,10 +33476,10 @@
       </p:cxnSp>
       <p:pic>
         <p:nvPicPr>
-          <p:cNvPr id="4" name="Picture 3" descr="BK write to FD">
+          <p:cNvPr id="10" name="Picture 9" descr="Overwrite shellcode with address of the function pointer">
             <a:extLst>
               <a:ext uri="{FF2B5EF4-FFF2-40B4-BE49-F238E27FC236}">
-                <a16:creationId xmlns:a16="http://schemas.microsoft.com/office/drawing/2014/main" id="{5325E413-9E23-F544-82B7-CE7080FCB3AD}"/>
+                <a16:creationId xmlns:a16="http://schemas.microsoft.com/office/drawing/2014/main" id="{8262C190-E297-AE42-A08E-00E7C97ECAAC}"/>
               </a:ext>
             </a:extLst>
           </p:cNvPr>
@@ -33268,8 +33496,8 @@
         </p:blipFill>
         <p:spPr>
           <a:xfrm>
-            <a:off x="628650" y="1175589"/>
-            <a:ext cx="5633634" cy="2012012"/>
+            <a:off x="325638" y="1069019"/>
+            <a:ext cx="5466152" cy="2189856"/>
           </a:xfrm>
           <a:prstGeom prst="rect">
             <a:avLst/>

--- a/modules/unlink/Unlink.pptx
+++ b/modules/unlink/Unlink.pptx
@@ -5,7 +5,7 @@
     <p:sldMasterId id="2147483660" r:id="rId1"/>
   </p:sldMasterIdLst>
   <p:notesMasterIdLst>
-    <p:notesMasterId r:id="rId94"/>
+    <p:notesMasterId r:id="rId86"/>
   </p:notesMasterIdLst>
   <p:sldIdLst>
     <p:sldId id="440" r:id="rId2"/>
@@ -36,70 +36,62 @@
     <p:sldId id="477" r:id="rId27"/>
     <p:sldId id="480" r:id="rId28"/>
     <p:sldId id="493" r:id="rId29"/>
-    <p:sldId id="400" r:id="rId30"/>
-    <p:sldId id="402" r:id="rId31"/>
-    <p:sldId id="403" r:id="rId32"/>
-    <p:sldId id="411" r:id="rId33"/>
-    <p:sldId id="404" r:id="rId34"/>
-    <p:sldId id="407" r:id="rId35"/>
-    <p:sldId id="481" r:id="rId36"/>
-    <p:sldId id="441" r:id="rId37"/>
-    <p:sldId id="405" r:id="rId38"/>
-    <p:sldId id="287" r:id="rId39"/>
-    <p:sldId id="288" r:id="rId40"/>
-    <p:sldId id="408" r:id="rId41"/>
-    <p:sldId id="455" r:id="rId42"/>
-    <p:sldId id="456" r:id="rId43"/>
-    <p:sldId id="414" r:id="rId44"/>
-    <p:sldId id="418" r:id="rId45"/>
-    <p:sldId id="482" r:id="rId46"/>
-    <p:sldId id="483" r:id="rId47"/>
-    <p:sldId id="484" r:id="rId48"/>
-    <p:sldId id="485" r:id="rId49"/>
-    <p:sldId id="487" r:id="rId50"/>
-    <p:sldId id="415" r:id="rId51"/>
-    <p:sldId id="416" r:id="rId52"/>
-    <p:sldId id="417" r:id="rId53"/>
-    <p:sldId id="419" r:id="rId54"/>
-    <p:sldId id="420" r:id="rId55"/>
-    <p:sldId id="434" r:id="rId56"/>
-    <p:sldId id="435" r:id="rId57"/>
-    <p:sldId id="421" r:id="rId58"/>
-    <p:sldId id="423" r:id="rId59"/>
-    <p:sldId id="443" r:id="rId60"/>
-    <p:sldId id="412" r:id="rId61"/>
-    <p:sldId id="432" r:id="rId62"/>
-    <p:sldId id="413" r:id="rId63"/>
-    <p:sldId id="424" r:id="rId64"/>
-    <p:sldId id="445" r:id="rId65"/>
-    <p:sldId id="494" r:id="rId66"/>
-    <p:sldId id="488" r:id="rId67"/>
-    <p:sldId id="489" r:id="rId68"/>
-    <p:sldId id="490" r:id="rId69"/>
-    <p:sldId id="491" r:id="rId70"/>
-    <p:sldId id="492" r:id="rId71"/>
-    <p:sldId id="451" r:id="rId72"/>
-    <p:sldId id="452" r:id="rId73"/>
-    <p:sldId id="453" r:id="rId74"/>
-    <p:sldId id="454" r:id="rId75"/>
-    <p:sldId id="471" r:id="rId76"/>
-    <p:sldId id="427" r:id="rId77"/>
-    <p:sldId id="428" r:id="rId78"/>
-    <p:sldId id="457" r:id="rId79"/>
-    <p:sldId id="459" r:id="rId80"/>
-    <p:sldId id="460" r:id="rId81"/>
-    <p:sldId id="461" r:id="rId82"/>
-    <p:sldId id="462" r:id="rId83"/>
-    <p:sldId id="463" r:id="rId84"/>
-    <p:sldId id="465" r:id="rId85"/>
-    <p:sldId id="467" r:id="rId86"/>
-    <p:sldId id="468" r:id="rId87"/>
-    <p:sldId id="466" r:id="rId88"/>
-    <p:sldId id="469" r:id="rId89"/>
-    <p:sldId id="458" r:id="rId90"/>
-    <p:sldId id="470" r:id="rId91"/>
-    <p:sldId id="442" r:id="rId92"/>
-    <p:sldId id="429" r:id="rId93"/>
+    <p:sldId id="407" r:id="rId30"/>
+    <p:sldId id="481" r:id="rId31"/>
+    <p:sldId id="441" r:id="rId32"/>
+    <p:sldId id="405" r:id="rId33"/>
+    <p:sldId id="287" r:id="rId34"/>
+    <p:sldId id="288" r:id="rId35"/>
+    <p:sldId id="408" r:id="rId36"/>
+    <p:sldId id="455" r:id="rId37"/>
+    <p:sldId id="456" r:id="rId38"/>
+    <p:sldId id="414" r:id="rId39"/>
+    <p:sldId id="418" r:id="rId40"/>
+    <p:sldId id="482" r:id="rId41"/>
+    <p:sldId id="483" r:id="rId42"/>
+    <p:sldId id="484" r:id="rId43"/>
+    <p:sldId id="485" r:id="rId44"/>
+    <p:sldId id="487" r:id="rId45"/>
+    <p:sldId id="434" r:id="rId46"/>
+    <p:sldId id="435" r:id="rId47"/>
+    <p:sldId id="421" r:id="rId48"/>
+    <p:sldId id="423" r:id="rId49"/>
+    <p:sldId id="443" r:id="rId50"/>
+    <p:sldId id="495" r:id="rId51"/>
+    <p:sldId id="412" r:id="rId52"/>
+    <p:sldId id="432" r:id="rId53"/>
+    <p:sldId id="413" r:id="rId54"/>
+    <p:sldId id="424" r:id="rId55"/>
+    <p:sldId id="445" r:id="rId56"/>
+    <p:sldId id="494" r:id="rId57"/>
+    <p:sldId id="488" r:id="rId58"/>
+    <p:sldId id="489" r:id="rId59"/>
+    <p:sldId id="490" r:id="rId60"/>
+    <p:sldId id="491" r:id="rId61"/>
+    <p:sldId id="492" r:id="rId62"/>
+    <p:sldId id="451" r:id="rId63"/>
+    <p:sldId id="452" r:id="rId64"/>
+    <p:sldId id="453" r:id="rId65"/>
+    <p:sldId id="454" r:id="rId66"/>
+    <p:sldId id="471" r:id="rId67"/>
+    <p:sldId id="427" r:id="rId68"/>
+    <p:sldId id="428" r:id="rId69"/>
+    <p:sldId id="457" r:id="rId70"/>
+    <p:sldId id="459" r:id="rId71"/>
+    <p:sldId id="460" r:id="rId72"/>
+    <p:sldId id="461" r:id="rId73"/>
+    <p:sldId id="462" r:id="rId74"/>
+    <p:sldId id="463" r:id="rId75"/>
+    <p:sldId id="465" r:id="rId76"/>
+    <p:sldId id="467" r:id="rId77"/>
+    <p:sldId id="468" r:id="rId78"/>
+    <p:sldId id="466" r:id="rId79"/>
+    <p:sldId id="469" r:id="rId80"/>
+    <p:sldId id="458" r:id="rId81"/>
+    <p:sldId id="470" r:id="rId82"/>
+    <p:sldId id="496" r:id="rId83"/>
+    <p:sldId id="497" r:id="rId84"/>
+    <p:sldId id="429" r:id="rId85"/>
   </p:sldIdLst>
   <p:sldSz cx="9144000" cy="5143500" type="screen16x9"/>
   <p:notesSz cx="6858000" cy="9144000"/>
@@ -24624,7 +24616,7 @@
           <a:p>
             <a:fld id="{2DA23E8D-1792-1541-9147-970A8DD8A355}" type="datetimeFigureOut">
               <a:rPr lang="en-US" smtClean="0"/>
-              <a:t>7/5/21</a:t>
+              <a:t>7/24/21</a:t>
             </a:fld>
             <a:endParaRPr lang="en-US" dirty="0"/>
           </a:p>
@@ -25178,7 +25170,7 @@
                 <a:latin typeface="Calibri"/>
               </a:rPr>
               <a:pPr/>
-              <a:t>7/5/21</a:t>
+              <a:t>7/24/21</a:t>
             </a:fld>
             <a:endParaRPr lang="en-US" dirty="0">
               <a:solidFill>
@@ -25431,7 +25423,7 @@
                 <a:latin typeface="Calibri"/>
               </a:rPr>
               <a:pPr/>
-              <a:t>7/5/21</a:t>
+              <a:t>7/24/21</a:t>
             </a:fld>
             <a:endParaRPr lang="en-US" dirty="0">
               <a:solidFill>
@@ -25646,7 +25638,7 @@
                 <a:latin typeface="Calibri"/>
               </a:rPr>
               <a:pPr/>
-              <a:t>7/5/21</a:t>
+              <a:t>7/24/21</a:t>
             </a:fld>
             <a:endParaRPr lang="en-US" dirty="0">
               <a:solidFill>
@@ -26044,7 +26036,7 @@
                 <a:latin typeface="Calibri"/>
               </a:rPr>
               <a:pPr/>
-              <a:t>7/5/21</a:t>
+              <a:t>7/24/21</a:t>
             </a:fld>
             <a:endParaRPr lang="en-US" dirty="0">
               <a:solidFill>
@@ -26386,7 +26378,7 @@
                 <a:latin typeface="Calibri"/>
               </a:rPr>
               <a:pPr/>
-              <a:t>7/5/21</a:t>
+              <a:t>7/24/21</a:t>
             </a:fld>
             <a:endParaRPr lang="en-US" dirty="0">
               <a:solidFill>
@@ -26714,7 +26706,7 @@
                 <a:latin typeface="Calibri"/>
               </a:rPr>
               <a:pPr/>
-              <a:t>7/5/21</a:t>
+              <a:t>7/24/21</a:t>
             </a:fld>
             <a:endParaRPr lang="en-US" dirty="0">
               <a:solidFill>
@@ -27203,7 +27195,7 @@
                 <a:latin typeface="Calibri"/>
               </a:rPr>
               <a:pPr/>
-              <a:t>7/5/21</a:t>
+              <a:t>7/24/21</a:t>
             </a:fld>
             <a:endParaRPr lang="en-US" dirty="0">
               <a:solidFill>
@@ -27386,7 +27378,7 @@
                 <a:latin typeface="Calibri"/>
               </a:rPr>
               <a:pPr/>
-              <a:t>7/5/21</a:t>
+              <a:t>7/24/21</a:t>
             </a:fld>
             <a:endParaRPr lang="en-US" dirty="0">
               <a:solidFill>
@@ -27632,7 +27624,7 @@
                 <a:latin typeface="Calibri"/>
               </a:rPr>
               <a:pPr/>
-              <a:t>7/5/21</a:t>
+              <a:t>7/24/21</a:t>
             </a:fld>
             <a:endParaRPr lang="en-US" dirty="0">
               <a:solidFill>
@@ -27974,7 +27966,7 @@
                 <a:latin typeface="Calibri"/>
               </a:rPr>
               <a:pPr/>
-              <a:t>7/5/21</a:t>
+              <a:t>7/24/21</a:t>
             </a:fld>
             <a:endParaRPr lang="en-US" dirty="0">
               <a:solidFill>
@@ -28266,7 +28258,7 @@
                 <a:latin typeface="Calibri"/>
               </a:rPr>
               <a:pPr/>
-              <a:t>7/5/21</a:t>
+              <a:t>7/24/21</a:t>
             </a:fld>
             <a:endParaRPr lang="en-US" dirty="0">
               <a:solidFill>
@@ -28516,7 +28508,7 @@
                 <a:latin typeface="Calibri"/>
               </a:rPr>
               <a:pPr defTabSz="914400"/>
-              <a:t>7/5/21</a:t>
+              <a:t>7/24/21</a:t>
             </a:fld>
             <a:endParaRPr lang="en-US" dirty="0">
               <a:solidFill>
@@ -33602,1152 +33594,6 @@
 </file>
 
 <file path=ppt/slides/slide29.xml><?xml version="1.0" encoding="utf-8"?>
-<p:sld xmlns:a="http://schemas.openxmlformats.org/drawingml/2006/main" xmlns:r="http://schemas.openxmlformats.org/officeDocument/2006/relationships" xmlns:p="http://schemas.openxmlformats.org/presentationml/2006/main" show="0">
-  <p:cSld>
-    <p:spTree>
-      <p:nvGrpSpPr>
-        <p:cNvPr id="1" name=""/>
-        <p:cNvGrpSpPr/>
-        <p:nvPr/>
-      </p:nvGrpSpPr>
-      <p:grpSpPr>
-        <a:xfrm>
-          <a:off x="0" y="0"/>
-          <a:ext cx="0" cy="0"/>
-          <a:chOff x="0" y="0"/>
-          <a:chExt cx="0" cy="0"/>
-        </a:xfrm>
-      </p:grpSpPr>
-      <p:sp>
-        <p:nvSpPr>
-          <p:cNvPr id="2" name="Title 1">
-            <a:extLst>
-              <a:ext uri="{FF2B5EF4-FFF2-40B4-BE49-F238E27FC236}">
-                <a16:creationId xmlns:a16="http://schemas.microsoft.com/office/drawing/2014/main" id="{C80281A4-A325-8E4D-A866-CFF7EF2C905F}"/>
-              </a:ext>
-            </a:extLst>
-          </p:cNvPr>
-          <p:cNvSpPr>
-            <a:spLocks noGrp="1"/>
-          </p:cNvSpPr>
-          <p:nvPr>
-            <p:ph type="title"/>
-          </p:nvPr>
-        </p:nvSpPr>
-        <p:spPr>
-          <a:xfrm>
-            <a:off x="628650" y="273847"/>
-            <a:ext cx="7886700" cy="994172"/>
-          </a:xfrm>
-        </p:spPr>
-        <p:txBody>
-          <a:bodyPr anchor="ctr">
-            <a:normAutofit/>
-          </a:bodyPr>
-          <a:lstStyle/>
-          <a:p>
-            <a:r>
-              <a:rPr lang="en-US" dirty="0"/>
-              <a:t>Corrupted Unlink</a:t>
-            </a:r>
-          </a:p>
-        </p:txBody>
-      </p:sp>
-      <p:pic>
-        <p:nvPicPr>
-          <p:cNvPr id="5" name="Content Placeholder 4" descr="A picture containing game&#10;&#10;Description automatically generated">
-            <a:extLst>
-              <a:ext uri="{FF2B5EF4-FFF2-40B4-BE49-F238E27FC236}">
-                <a16:creationId xmlns:a16="http://schemas.microsoft.com/office/drawing/2014/main" id="{EE478E75-E8BC-4543-839D-8D7B2C424FF1}"/>
-              </a:ext>
-            </a:extLst>
-          </p:cNvPr>
-          <p:cNvPicPr>
-            <a:picLocks noGrp="1" noChangeAspect="1"/>
-          </p:cNvPicPr>
-          <p:nvPr>
-            <p:ph sz="half" idx="1"/>
-          </p:nvPr>
-        </p:nvPicPr>
-        <p:blipFill>
-          <a:blip r:embed="rId2"/>
-          <a:stretch>
-            <a:fillRect/>
-          </a:stretch>
-        </p:blipFill>
-        <p:spPr>
-          <a:xfrm>
-            <a:off x="206573" y="1369219"/>
-            <a:ext cx="5832671" cy="2303905"/>
-          </a:xfrm>
-          <a:noFill/>
-        </p:spPr>
-      </p:pic>
-      <p:sp>
-        <p:nvSpPr>
-          <p:cNvPr id="10" name="Content Placeholder 3">
-            <a:extLst>
-              <a:ext uri="{FF2B5EF4-FFF2-40B4-BE49-F238E27FC236}">
-                <a16:creationId xmlns:a16="http://schemas.microsoft.com/office/drawing/2014/main" id="{1D641075-C8B8-40A8-82C3-0868FFAD725A}"/>
-              </a:ext>
-            </a:extLst>
-          </p:cNvPr>
-          <p:cNvSpPr>
-            <a:spLocks noGrp="1"/>
-          </p:cNvSpPr>
-          <p:nvPr>
-            <p:ph sz="half" idx="2"/>
-          </p:nvPr>
-        </p:nvSpPr>
-        <p:spPr>
-          <a:xfrm>
-            <a:off x="6021092" y="1369219"/>
-            <a:ext cx="2494258" cy="3263504"/>
-          </a:xfrm>
-        </p:spPr>
-        <p:txBody>
-          <a:bodyPr/>
-          <a:lstStyle/>
-          <a:p>
-            <a:r>
-              <a:rPr lang="en-US" dirty="0"/>
-              <a:t>What if we controlled </a:t>
-            </a:r>
-            <a:r>
-              <a:rPr lang="en-US" b="1" i="1" dirty="0"/>
-              <a:t>FD</a:t>
-            </a:r>
-            <a:r>
-              <a:rPr lang="en-US" dirty="0"/>
-              <a:t> and </a:t>
-            </a:r>
-            <a:r>
-              <a:rPr lang="en-US" b="1" i="1" dirty="0"/>
-              <a:t>BK</a:t>
-            </a:r>
-            <a:r>
-              <a:rPr lang="en-US" dirty="0"/>
-              <a:t>? </a:t>
-            </a:r>
-          </a:p>
-        </p:txBody>
-      </p:sp>
-    </p:spTree>
-    <p:extLst>
-      <p:ext uri="{BB962C8B-B14F-4D97-AF65-F5344CB8AC3E}">
-        <p14:creationId xmlns:p14="http://schemas.microsoft.com/office/powerpoint/2010/main" val="1161245620"/>
-      </p:ext>
-    </p:extLst>
-  </p:cSld>
-  <p:clrMapOvr>
-    <a:masterClrMapping/>
-  </p:clrMapOvr>
-</p:sld>
-</file>
-
-<file path=ppt/slides/slide3.xml><?xml version="1.0" encoding="utf-8"?>
-<p:sld xmlns:a="http://schemas.openxmlformats.org/drawingml/2006/main" xmlns:r="http://schemas.openxmlformats.org/officeDocument/2006/relationships" xmlns:p="http://schemas.openxmlformats.org/presentationml/2006/main">
-  <p:cSld>
-    <p:spTree>
-      <p:nvGrpSpPr>
-        <p:cNvPr id="1" name=""/>
-        <p:cNvGrpSpPr/>
-        <p:nvPr/>
-      </p:nvGrpSpPr>
-      <p:grpSpPr>
-        <a:xfrm>
-          <a:off x="0" y="0"/>
-          <a:ext cx="0" cy="0"/>
-          <a:chOff x="0" y="0"/>
-          <a:chExt cx="0" cy="0"/>
-        </a:xfrm>
-      </p:grpSpPr>
-      <p:sp>
-        <p:nvSpPr>
-          <p:cNvPr id="2" name="Title 1">
-            <a:extLst>
-              <a:ext uri="{FF2B5EF4-FFF2-40B4-BE49-F238E27FC236}">
-                <a16:creationId xmlns:a16="http://schemas.microsoft.com/office/drawing/2014/main" id="{9FE9DBD8-DB8B-7D49-8DC2-F4DB58CD55DE}"/>
-              </a:ext>
-            </a:extLst>
-          </p:cNvPr>
-          <p:cNvSpPr>
-            <a:spLocks noGrp="1"/>
-          </p:cNvSpPr>
-          <p:nvPr>
-            <p:ph type="title"/>
-          </p:nvPr>
-        </p:nvSpPr>
-        <p:spPr>
-          <a:xfrm>
-            <a:off x="628650" y="273847"/>
-            <a:ext cx="7886700" cy="994172"/>
-          </a:xfrm>
-        </p:spPr>
-        <p:txBody>
-          <a:bodyPr anchor="ctr">
-            <a:normAutofit/>
-          </a:bodyPr>
-          <a:lstStyle/>
-          <a:p>
-            <a:r>
-              <a:rPr lang="en-US"/>
-              <a:t>Consolidation </a:t>
-            </a:r>
-          </a:p>
-        </p:txBody>
-      </p:sp>
-      <p:graphicFrame>
-        <p:nvGraphicFramePr>
-          <p:cNvPr id="12" name="Content Placeholder 3">
-            <a:extLst>
-              <a:ext uri="{FF2B5EF4-FFF2-40B4-BE49-F238E27FC236}">
-                <a16:creationId xmlns:a16="http://schemas.microsoft.com/office/drawing/2014/main" id="{051F256C-C461-4BA1-908E-8A9EDA2EE8E2}"/>
-              </a:ext>
-            </a:extLst>
-          </p:cNvPr>
-          <p:cNvGraphicFramePr>
-            <a:graphicFrameLocks noGrp="1"/>
-          </p:cNvGraphicFramePr>
-          <p:nvPr>
-            <p:ph idx="1"/>
-            <p:extLst>
-              <p:ext uri="{D42A27DB-BD31-4B8C-83A1-F6EECF244321}">
-                <p14:modId xmlns:p14="http://schemas.microsoft.com/office/powerpoint/2010/main" val="3000323649"/>
-              </p:ext>
-            </p:extLst>
-          </p:nvPr>
-        </p:nvGraphicFramePr>
-        <p:xfrm>
-          <a:off x="628650" y="1236541"/>
-          <a:ext cx="7886700" cy="3263504"/>
-        </p:xfrm>
-        <a:graphic>
-          <a:graphicData uri="http://schemas.openxmlformats.org/drawingml/2006/diagram">
-            <dgm:relIds xmlns:dgm="http://schemas.openxmlformats.org/drawingml/2006/diagram" xmlns:r="http://schemas.openxmlformats.org/officeDocument/2006/relationships" r:dm="rId2" r:lo="rId3" r:qs="rId4" r:cs="rId5"/>
-          </a:graphicData>
-        </a:graphic>
-      </p:graphicFrame>
-    </p:spTree>
-    <p:extLst>
-      <p:ext uri="{BB962C8B-B14F-4D97-AF65-F5344CB8AC3E}">
-        <p14:creationId xmlns:p14="http://schemas.microsoft.com/office/powerpoint/2010/main" val="841333381"/>
-      </p:ext>
-    </p:extLst>
-  </p:cSld>
-  <p:clrMapOvr>
-    <a:masterClrMapping/>
-  </p:clrMapOvr>
-</p:sld>
-</file>
-
-<file path=ppt/slides/slide30.xml><?xml version="1.0" encoding="utf-8"?>
-<p:sld xmlns:a="http://schemas.openxmlformats.org/drawingml/2006/main" xmlns:r="http://schemas.openxmlformats.org/officeDocument/2006/relationships" xmlns:p="http://schemas.openxmlformats.org/presentationml/2006/main" show="0">
-  <p:cSld>
-    <p:spTree>
-      <p:nvGrpSpPr>
-        <p:cNvPr id="1" name=""/>
-        <p:cNvGrpSpPr/>
-        <p:nvPr/>
-      </p:nvGrpSpPr>
-      <p:grpSpPr>
-        <a:xfrm>
-          <a:off x="0" y="0"/>
-          <a:ext cx="0" cy="0"/>
-          <a:chOff x="0" y="0"/>
-          <a:chExt cx="0" cy="0"/>
-        </a:xfrm>
-      </p:grpSpPr>
-      <p:sp>
-        <p:nvSpPr>
-          <p:cNvPr id="2" name="Title 1">
-            <a:extLst>
-              <a:ext uri="{FF2B5EF4-FFF2-40B4-BE49-F238E27FC236}">
-                <a16:creationId xmlns:a16="http://schemas.microsoft.com/office/drawing/2014/main" id="{F301ED8F-4787-BB44-A31D-56A8EBB356A6}"/>
-              </a:ext>
-            </a:extLst>
-          </p:cNvPr>
-          <p:cNvSpPr>
-            <a:spLocks noGrp="1"/>
-          </p:cNvSpPr>
-          <p:nvPr>
-            <p:ph type="title"/>
-          </p:nvPr>
-        </p:nvSpPr>
-        <p:spPr/>
-        <p:txBody>
-          <a:bodyPr/>
-          <a:lstStyle/>
-          <a:p>
-            <a:r>
-              <a:rPr lang="en-US" dirty="0"/>
-              <a:t>Code – FD and BK</a:t>
-            </a:r>
-          </a:p>
-        </p:txBody>
-      </p:sp>
-      <p:sp>
-        <p:nvSpPr>
-          <p:cNvPr id="8" name="TextBox 7">
-            <a:extLst>
-              <a:ext uri="{FF2B5EF4-FFF2-40B4-BE49-F238E27FC236}">
-                <a16:creationId xmlns:a16="http://schemas.microsoft.com/office/drawing/2014/main" id="{7276B931-B3EB-6441-AD0F-C781832BC418}"/>
-              </a:ext>
-            </a:extLst>
-          </p:cNvPr>
-          <p:cNvSpPr txBox="1"/>
-          <p:nvPr/>
-        </p:nvSpPr>
-        <p:spPr>
-          <a:xfrm>
-            <a:off x="516038" y="3115160"/>
-            <a:ext cx="5633634" cy="923330"/>
-          </a:xfrm>
-          <a:prstGeom prst="rect">
-            <a:avLst/>
-          </a:prstGeom>
-          <a:noFill/>
-        </p:spPr>
-        <p:txBody>
-          <a:bodyPr wrap="square" rtlCol="0">
-            <a:spAutoFit/>
-          </a:bodyPr>
-          <a:lstStyle/>
-          <a:p>
-            <a:pPr marL="285750" indent="-285750">
-              <a:buFont typeface="Arial" panose="020B0604020202020204" pitchFamily="34" charset="0"/>
-              <a:buChar char="•"/>
-            </a:pPr>
-            <a:r>
-              <a:rPr lang="en-US" dirty="0"/>
-              <a:t>FD is the forward pointer (in doubly linked list)  </a:t>
-            </a:r>
-          </a:p>
-          <a:p>
-            <a:pPr marL="285750" indent="-285750">
-              <a:buFont typeface="Arial" panose="020B0604020202020204" pitchFamily="34" charset="0"/>
-              <a:buChar char="•"/>
-            </a:pPr>
-            <a:r>
-              <a:rPr lang="en-US" dirty="0"/>
-              <a:t>BK is the backward pointer (in doubly linked list) </a:t>
-            </a:r>
-          </a:p>
-          <a:p>
-            <a:endParaRPr lang="en-US" dirty="0"/>
-          </a:p>
-        </p:txBody>
-      </p:sp>
-      <p:pic>
-        <p:nvPicPr>
-          <p:cNvPr id="9" name="Content Placeholder 8" descr="Unlink last two lines">
-            <a:extLst>
-              <a:ext uri="{FF2B5EF4-FFF2-40B4-BE49-F238E27FC236}">
-                <a16:creationId xmlns:a16="http://schemas.microsoft.com/office/drawing/2014/main" id="{F2A925A2-9E8E-9442-BFAD-A41F23251990}"/>
-              </a:ext>
-            </a:extLst>
-          </p:cNvPr>
-          <p:cNvPicPr>
-            <a:picLocks noGrp="1" noChangeAspect="1"/>
-          </p:cNvPicPr>
-          <p:nvPr>
-            <p:ph idx="1"/>
-          </p:nvPr>
-        </p:nvPicPr>
-        <p:blipFill rotWithShape="1">
-          <a:blip r:embed="rId2"/>
-          <a:srcRect r="47856"/>
-          <a:stretch/>
-        </p:blipFill>
-        <p:spPr>
-          <a:xfrm>
-            <a:off x="516038" y="1152041"/>
-            <a:ext cx="2364137" cy="876300"/>
-          </a:xfrm>
-        </p:spPr>
-      </p:pic>
-      <p:pic>
-        <p:nvPicPr>
-          <p:cNvPr id="6" name="Content Placeholder 4">
-            <a:extLst>
-              <a:ext uri="{FF2B5EF4-FFF2-40B4-BE49-F238E27FC236}">
-                <a16:creationId xmlns:a16="http://schemas.microsoft.com/office/drawing/2014/main" id="{3C37C7BE-079B-E240-94B2-7C307519ECC7}"/>
-              </a:ext>
-            </a:extLst>
-          </p:cNvPr>
-          <p:cNvPicPr>
-            <a:picLocks noChangeAspect="1"/>
-          </p:cNvPicPr>
-          <p:nvPr/>
-        </p:nvPicPr>
-        <p:blipFill>
-          <a:blip r:embed="rId3"/>
-          <a:stretch>
-            <a:fillRect/>
-          </a:stretch>
-        </p:blipFill>
-        <p:spPr>
-          <a:xfrm>
-            <a:off x="3272797" y="955007"/>
-            <a:ext cx="5633634" cy="2225285"/>
-          </a:xfrm>
-          <a:prstGeom prst="rect">
-            <a:avLst/>
-          </a:prstGeom>
-          <a:noFill/>
-        </p:spPr>
-      </p:pic>
-    </p:spTree>
-    <p:extLst>
-      <p:ext uri="{BB962C8B-B14F-4D97-AF65-F5344CB8AC3E}">
-        <p14:creationId xmlns:p14="http://schemas.microsoft.com/office/powerpoint/2010/main" val="4182951894"/>
-      </p:ext>
-    </p:extLst>
-  </p:cSld>
-  <p:clrMapOvr>
-    <a:masterClrMapping/>
-  </p:clrMapOvr>
-</p:sld>
-</file>
-
-<file path=ppt/slides/slide31.xml><?xml version="1.0" encoding="utf-8"?>
-<p:sld xmlns:a="http://schemas.openxmlformats.org/drawingml/2006/main" xmlns:r="http://schemas.openxmlformats.org/officeDocument/2006/relationships" xmlns:p="http://schemas.openxmlformats.org/presentationml/2006/main" show="0">
-  <p:cSld>
-    <p:spTree>
-      <p:nvGrpSpPr>
-        <p:cNvPr id="1" name=""/>
-        <p:cNvGrpSpPr/>
-        <p:nvPr/>
-      </p:nvGrpSpPr>
-      <p:grpSpPr>
-        <a:xfrm>
-          <a:off x="0" y="0"/>
-          <a:ext cx="0" cy="0"/>
-          <a:chOff x="0" y="0"/>
-          <a:chExt cx="0" cy="0"/>
-        </a:xfrm>
-      </p:grpSpPr>
-      <p:sp>
-        <p:nvSpPr>
-          <p:cNvPr id="2" name="Title 1">
-            <a:extLst>
-              <a:ext uri="{FF2B5EF4-FFF2-40B4-BE49-F238E27FC236}">
-                <a16:creationId xmlns:a16="http://schemas.microsoft.com/office/drawing/2014/main" id="{F301ED8F-4787-BB44-A31D-56A8EBB356A6}"/>
-              </a:ext>
-            </a:extLst>
-          </p:cNvPr>
-          <p:cNvSpPr>
-            <a:spLocks noGrp="1"/>
-          </p:cNvSpPr>
-          <p:nvPr>
-            <p:ph type="title"/>
-          </p:nvPr>
-        </p:nvSpPr>
-        <p:spPr/>
-        <p:txBody>
-          <a:bodyPr/>
-          <a:lstStyle/>
-          <a:p>
-            <a:r>
-              <a:rPr lang="en-US" dirty="0"/>
-              <a:t>Code – Edit Forward Pointer</a:t>
-            </a:r>
-          </a:p>
-        </p:txBody>
-      </p:sp>
-      <p:sp>
-        <p:nvSpPr>
-          <p:cNvPr id="8" name="TextBox 7">
-            <a:extLst>
-              <a:ext uri="{FF2B5EF4-FFF2-40B4-BE49-F238E27FC236}">
-                <a16:creationId xmlns:a16="http://schemas.microsoft.com/office/drawing/2014/main" id="{7276B931-B3EB-6441-AD0F-C781832BC418}"/>
-              </a:ext>
-            </a:extLst>
-          </p:cNvPr>
-          <p:cNvSpPr txBox="1"/>
-          <p:nvPr/>
-        </p:nvSpPr>
-        <p:spPr>
-          <a:xfrm>
-            <a:off x="516038" y="3115160"/>
-            <a:ext cx="5633634" cy="1477328"/>
-          </a:xfrm>
-          <a:prstGeom prst="rect">
-            <a:avLst/>
-          </a:prstGeom>
-          <a:noFill/>
-        </p:spPr>
-        <p:txBody>
-          <a:bodyPr wrap="square" rtlCol="0">
-            <a:spAutoFit/>
-          </a:bodyPr>
-          <a:lstStyle/>
-          <a:p>
-            <a:pPr marL="285750" indent="-285750">
-              <a:buFont typeface="Arial" panose="020B0604020202020204" pitchFamily="34" charset="0"/>
-              <a:buChar char="•"/>
-            </a:pPr>
-            <a:r>
-              <a:rPr lang="en-US" dirty="0"/>
-              <a:t>FD is a corrupted pointer (GOT/stack var/etc.) </a:t>
-            </a:r>
-          </a:p>
-          <a:p>
-            <a:pPr marL="285750" indent="-285750">
-              <a:buFont typeface="Arial" panose="020B0604020202020204" pitchFamily="34" charset="0"/>
-              <a:buChar char="•"/>
-            </a:pPr>
-            <a:r>
-              <a:rPr lang="en-US" dirty="0"/>
-              <a:t>BK is a corrupted pointer (GOT/stack var/etc.) </a:t>
-            </a:r>
-          </a:p>
-          <a:p>
-            <a:pPr marL="285750" indent="-285750">
-              <a:buFont typeface="Arial" panose="020B0604020202020204" pitchFamily="34" charset="0"/>
-              <a:buChar char="•"/>
-            </a:pPr>
-            <a:r>
-              <a:rPr lang="en-US" dirty="0">
-                <a:solidFill>
-                  <a:srgbClr val="FF0000"/>
-                </a:solidFill>
-              </a:rPr>
-              <a:t>FD + offset = BK; </a:t>
-            </a:r>
-          </a:p>
-          <a:p>
-            <a:pPr marL="742950" lvl="1" indent="-285750">
-              <a:buFont typeface="Arial" panose="020B0604020202020204" pitchFamily="34" charset="0"/>
-              <a:buChar char="•"/>
-            </a:pPr>
-            <a:r>
-              <a:rPr lang="en-US" dirty="0">
-                <a:solidFill>
-                  <a:srgbClr val="FF0000"/>
-                </a:solidFill>
-              </a:rPr>
-              <a:t>Write to BK the address of FD </a:t>
-            </a:r>
-          </a:p>
-          <a:p>
-            <a:endParaRPr lang="en-US" dirty="0"/>
-          </a:p>
-        </p:txBody>
-      </p:sp>
-      <p:pic>
-        <p:nvPicPr>
-          <p:cNvPr id="9" name="Content Placeholder 8" descr="Unlink last two lines">
-            <a:extLst>
-              <a:ext uri="{FF2B5EF4-FFF2-40B4-BE49-F238E27FC236}">
-                <a16:creationId xmlns:a16="http://schemas.microsoft.com/office/drawing/2014/main" id="{F2A925A2-9E8E-9442-BFAD-A41F23251990}"/>
-              </a:ext>
-            </a:extLst>
-          </p:cNvPr>
-          <p:cNvPicPr>
-            <a:picLocks noGrp="1" noChangeAspect="1"/>
-          </p:cNvPicPr>
-          <p:nvPr>
-            <p:ph idx="1"/>
-          </p:nvPr>
-        </p:nvPicPr>
-        <p:blipFill rotWithShape="1">
-          <a:blip r:embed="rId2"/>
-          <a:srcRect r="47856"/>
-          <a:stretch/>
-        </p:blipFill>
-        <p:spPr>
-          <a:xfrm>
-            <a:off x="516038" y="1152041"/>
-            <a:ext cx="2364137" cy="876300"/>
-          </a:xfrm>
-        </p:spPr>
-      </p:pic>
-      <p:cxnSp>
-        <p:nvCxnSpPr>
-          <p:cNvPr id="6" name="Straight Connector 5">
-            <a:extLst>
-              <a:ext uri="{FF2B5EF4-FFF2-40B4-BE49-F238E27FC236}">
-                <a16:creationId xmlns:a16="http://schemas.microsoft.com/office/drawing/2014/main" id="{CD171E65-600E-2842-B04B-B40AD3C7287B}"/>
-              </a:ext>
-            </a:extLst>
-          </p:cNvPr>
-          <p:cNvCxnSpPr>
-            <a:cxnSpLocks/>
-          </p:cNvCxnSpPr>
-          <p:nvPr/>
-        </p:nvCxnSpPr>
-        <p:spPr>
-          <a:xfrm>
-            <a:off x="720671" y="1408044"/>
-            <a:ext cx="1774556" cy="0"/>
-          </a:xfrm>
-          <a:prstGeom prst="line">
-            <a:avLst/>
-          </a:prstGeom>
-          <a:ln w="25400">
-            <a:solidFill>
-              <a:srgbClr val="FF0000"/>
-            </a:solidFill>
-          </a:ln>
-        </p:spPr>
-        <p:style>
-          <a:lnRef idx="1">
-            <a:schemeClr val="accent1"/>
-          </a:lnRef>
-          <a:fillRef idx="0">
-            <a:schemeClr val="accent1"/>
-          </a:fillRef>
-          <a:effectRef idx="0">
-            <a:schemeClr val="accent1"/>
-          </a:effectRef>
-          <a:fontRef idx="minor">
-            <a:schemeClr val="tx1"/>
-          </a:fontRef>
-        </p:style>
-      </p:cxnSp>
-      <p:pic>
-        <p:nvPicPr>
-          <p:cNvPr id="5" name="Picture 4" descr="A picture containing game, table&#10;&#10;Description automatically generated">
-            <a:extLst>
-              <a:ext uri="{FF2B5EF4-FFF2-40B4-BE49-F238E27FC236}">
-                <a16:creationId xmlns:a16="http://schemas.microsoft.com/office/drawing/2014/main" id="{76670C22-10C9-984D-A334-FA372526BB11}"/>
-              </a:ext>
-            </a:extLst>
-          </p:cNvPr>
-          <p:cNvPicPr>
-            <a:picLocks noChangeAspect="1"/>
-          </p:cNvPicPr>
-          <p:nvPr/>
-        </p:nvPicPr>
-        <p:blipFill>
-          <a:blip r:embed="rId3"/>
-          <a:stretch>
-            <a:fillRect/>
-          </a:stretch>
-        </p:blipFill>
-        <p:spPr>
-          <a:xfrm>
-            <a:off x="2992787" y="961603"/>
-            <a:ext cx="5543154" cy="2182617"/>
-          </a:xfrm>
-          <a:prstGeom prst="rect">
-            <a:avLst/>
-          </a:prstGeom>
-        </p:spPr>
-      </p:pic>
-    </p:spTree>
-    <p:extLst>
-      <p:ext uri="{BB962C8B-B14F-4D97-AF65-F5344CB8AC3E}">
-        <p14:creationId xmlns:p14="http://schemas.microsoft.com/office/powerpoint/2010/main" val="1795659096"/>
-      </p:ext>
-    </p:extLst>
-  </p:cSld>
-  <p:clrMapOvr>
-    <a:masterClrMapping/>
-  </p:clrMapOvr>
-</p:sld>
-</file>
-
-<file path=ppt/slides/slide32.xml><?xml version="1.0" encoding="utf-8"?>
-<p:sld xmlns:a="http://schemas.openxmlformats.org/drawingml/2006/main" xmlns:r="http://schemas.openxmlformats.org/officeDocument/2006/relationships" xmlns:p="http://schemas.openxmlformats.org/presentationml/2006/main" show="0">
-  <p:cSld>
-    <p:spTree>
-      <p:nvGrpSpPr>
-        <p:cNvPr id="1" name=""/>
-        <p:cNvGrpSpPr/>
-        <p:nvPr/>
-      </p:nvGrpSpPr>
-      <p:grpSpPr>
-        <a:xfrm>
-          <a:off x="0" y="0"/>
-          <a:ext cx="0" cy="0"/>
-          <a:chOff x="0" y="0"/>
-          <a:chExt cx="0" cy="0"/>
-        </a:xfrm>
-      </p:grpSpPr>
-      <p:sp>
-        <p:nvSpPr>
-          <p:cNvPr id="2" name="Title 1">
-            <a:extLst>
-              <a:ext uri="{FF2B5EF4-FFF2-40B4-BE49-F238E27FC236}">
-                <a16:creationId xmlns:a16="http://schemas.microsoft.com/office/drawing/2014/main" id="{F301ED8F-4787-BB44-A31D-56A8EBB356A6}"/>
-              </a:ext>
-            </a:extLst>
-          </p:cNvPr>
-          <p:cNvSpPr>
-            <a:spLocks noGrp="1"/>
-          </p:cNvSpPr>
-          <p:nvPr>
-            <p:ph type="title"/>
-          </p:nvPr>
-        </p:nvSpPr>
-        <p:spPr/>
-        <p:txBody>
-          <a:bodyPr/>
-          <a:lstStyle/>
-          <a:p>
-            <a:r>
-              <a:rPr lang="en-US" dirty="0"/>
-              <a:t>Code – Edit Forward Pointer</a:t>
-            </a:r>
-          </a:p>
-        </p:txBody>
-      </p:sp>
-      <p:sp>
-        <p:nvSpPr>
-          <p:cNvPr id="8" name="TextBox 7">
-            <a:extLst>
-              <a:ext uri="{FF2B5EF4-FFF2-40B4-BE49-F238E27FC236}">
-                <a16:creationId xmlns:a16="http://schemas.microsoft.com/office/drawing/2014/main" id="{7276B931-B3EB-6441-AD0F-C781832BC418}"/>
-              </a:ext>
-            </a:extLst>
-          </p:cNvPr>
-          <p:cNvSpPr txBox="1"/>
-          <p:nvPr/>
-        </p:nvSpPr>
-        <p:spPr>
-          <a:xfrm>
-            <a:off x="516038" y="3115160"/>
-            <a:ext cx="5633634" cy="1477328"/>
-          </a:xfrm>
-          <a:prstGeom prst="rect">
-            <a:avLst/>
-          </a:prstGeom>
-          <a:noFill/>
-        </p:spPr>
-        <p:txBody>
-          <a:bodyPr wrap="square" rtlCol="0">
-            <a:spAutoFit/>
-          </a:bodyPr>
-          <a:lstStyle/>
-          <a:p>
-            <a:pPr marL="285750" indent="-285750">
-              <a:buFont typeface="Arial" panose="020B0604020202020204" pitchFamily="34" charset="0"/>
-              <a:buChar char="•"/>
-            </a:pPr>
-            <a:r>
-              <a:rPr lang="en-US" dirty="0"/>
-              <a:t>FD is a corrupted pointer (GOT/stack var/etc.) </a:t>
-            </a:r>
-          </a:p>
-          <a:p>
-            <a:pPr marL="285750" indent="-285750">
-              <a:buFont typeface="Arial" panose="020B0604020202020204" pitchFamily="34" charset="0"/>
-              <a:buChar char="•"/>
-            </a:pPr>
-            <a:r>
-              <a:rPr lang="en-US" dirty="0"/>
-              <a:t>BK is a corrupted pointer (GOT/stack var/etc.) </a:t>
-            </a:r>
-          </a:p>
-          <a:p>
-            <a:pPr marL="285750" indent="-285750">
-              <a:buFont typeface="Arial" panose="020B0604020202020204" pitchFamily="34" charset="0"/>
-              <a:buChar char="•"/>
-            </a:pPr>
-            <a:r>
-              <a:rPr lang="en-US" dirty="0">
-                <a:solidFill>
-                  <a:srgbClr val="FF0000"/>
-                </a:solidFill>
-              </a:rPr>
-              <a:t>FD + x = BK; </a:t>
-            </a:r>
-          </a:p>
-          <a:p>
-            <a:pPr marL="742950" lvl="1" indent="-285750">
-              <a:buFont typeface="Arial" panose="020B0604020202020204" pitchFamily="34" charset="0"/>
-              <a:buChar char="•"/>
-            </a:pPr>
-            <a:r>
-              <a:rPr lang="en-US" dirty="0">
-                <a:solidFill>
-                  <a:srgbClr val="FF0000"/>
-                </a:solidFill>
-              </a:rPr>
-              <a:t>Write BK to the address of FD </a:t>
-            </a:r>
-          </a:p>
-          <a:p>
-            <a:endParaRPr lang="en-US" dirty="0"/>
-          </a:p>
-        </p:txBody>
-      </p:sp>
-      <p:pic>
-        <p:nvPicPr>
-          <p:cNvPr id="9" name="Content Placeholder 8" descr="Unlink last two lines">
-            <a:extLst>
-              <a:ext uri="{FF2B5EF4-FFF2-40B4-BE49-F238E27FC236}">
-                <a16:creationId xmlns:a16="http://schemas.microsoft.com/office/drawing/2014/main" id="{F2A925A2-9E8E-9442-BFAD-A41F23251990}"/>
-              </a:ext>
-            </a:extLst>
-          </p:cNvPr>
-          <p:cNvPicPr>
-            <a:picLocks noGrp="1" noChangeAspect="1"/>
-          </p:cNvPicPr>
-          <p:nvPr>
-            <p:ph idx="1"/>
-          </p:nvPr>
-        </p:nvPicPr>
-        <p:blipFill rotWithShape="1">
-          <a:blip r:embed="rId2"/>
-          <a:srcRect r="47856"/>
-          <a:stretch/>
-        </p:blipFill>
-        <p:spPr>
-          <a:xfrm>
-            <a:off x="516038" y="1152041"/>
-            <a:ext cx="2364137" cy="876300"/>
-          </a:xfrm>
-        </p:spPr>
-      </p:pic>
-      <p:cxnSp>
-        <p:nvCxnSpPr>
-          <p:cNvPr id="6" name="Straight Connector 5">
-            <a:extLst>
-              <a:ext uri="{FF2B5EF4-FFF2-40B4-BE49-F238E27FC236}">
-                <a16:creationId xmlns:a16="http://schemas.microsoft.com/office/drawing/2014/main" id="{CD171E65-600E-2842-B04B-B40AD3C7287B}"/>
-              </a:ext>
-            </a:extLst>
-          </p:cNvPr>
-          <p:cNvCxnSpPr>
-            <a:cxnSpLocks/>
-          </p:cNvCxnSpPr>
-          <p:nvPr/>
-        </p:nvCxnSpPr>
-        <p:spPr>
-          <a:xfrm>
-            <a:off x="720671" y="1408044"/>
-            <a:ext cx="1774556" cy="0"/>
-          </a:xfrm>
-          <a:prstGeom prst="line">
-            <a:avLst/>
-          </a:prstGeom>
-          <a:ln w="25400">
-            <a:solidFill>
-              <a:srgbClr val="FF0000"/>
-            </a:solidFill>
-          </a:ln>
-        </p:spPr>
-        <p:style>
-          <a:lnRef idx="1">
-            <a:schemeClr val="accent1"/>
-          </a:lnRef>
-          <a:fillRef idx="0">
-            <a:schemeClr val="accent1"/>
-          </a:fillRef>
-          <a:effectRef idx="0">
-            <a:schemeClr val="accent1"/>
-          </a:effectRef>
-          <a:fontRef idx="minor">
-            <a:schemeClr val="tx1"/>
-          </a:fontRef>
-        </p:style>
-      </p:cxnSp>
-      <p:pic>
-        <p:nvPicPr>
-          <p:cNvPr id="5" name="Picture 4" descr="A picture containing game, table&#10;&#10;Description automatically generated">
-            <a:extLst>
-              <a:ext uri="{FF2B5EF4-FFF2-40B4-BE49-F238E27FC236}">
-                <a16:creationId xmlns:a16="http://schemas.microsoft.com/office/drawing/2014/main" id="{76670C22-10C9-984D-A334-FA372526BB11}"/>
-              </a:ext>
-            </a:extLst>
-          </p:cNvPr>
-          <p:cNvPicPr>
-            <a:picLocks noChangeAspect="1"/>
-          </p:cNvPicPr>
-          <p:nvPr/>
-        </p:nvPicPr>
-        <p:blipFill>
-          <a:blip r:embed="rId3"/>
-          <a:stretch>
-            <a:fillRect/>
-          </a:stretch>
-        </p:blipFill>
-        <p:spPr>
-          <a:xfrm>
-            <a:off x="2992787" y="961603"/>
-            <a:ext cx="5543154" cy="2182617"/>
-          </a:xfrm>
-          <a:prstGeom prst="rect">
-            <a:avLst/>
-          </a:prstGeom>
-        </p:spPr>
-      </p:pic>
-    </p:spTree>
-    <p:extLst>
-      <p:ext uri="{BB962C8B-B14F-4D97-AF65-F5344CB8AC3E}">
-        <p14:creationId xmlns:p14="http://schemas.microsoft.com/office/powerpoint/2010/main" val="2415842382"/>
-      </p:ext>
-    </p:extLst>
-  </p:cSld>
-  <p:clrMapOvr>
-    <a:masterClrMapping/>
-  </p:clrMapOvr>
-</p:sld>
-</file>
-
-<file path=ppt/slides/slide33.xml><?xml version="1.0" encoding="utf-8"?>
-<p:sld xmlns:a="http://schemas.openxmlformats.org/drawingml/2006/main" xmlns:r="http://schemas.openxmlformats.org/officeDocument/2006/relationships" xmlns:p="http://schemas.openxmlformats.org/presentationml/2006/main" show="0">
-  <p:cSld>
-    <p:spTree>
-      <p:nvGrpSpPr>
-        <p:cNvPr id="1" name=""/>
-        <p:cNvGrpSpPr/>
-        <p:nvPr/>
-      </p:nvGrpSpPr>
-      <p:grpSpPr>
-        <a:xfrm>
-          <a:off x="0" y="0"/>
-          <a:ext cx="0" cy="0"/>
-          <a:chOff x="0" y="0"/>
-          <a:chExt cx="0" cy="0"/>
-        </a:xfrm>
-      </p:grpSpPr>
-      <p:sp>
-        <p:nvSpPr>
-          <p:cNvPr id="2" name="Title 1">
-            <a:extLst>
-              <a:ext uri="{FF2B5EF4-FFF2-40B4-BE49-F238E27FC236}">
-                <a16:creationId xmlns:a16="http://schemas.microsoft.com/office/drawing/2014/main" id="{F301ED8F-4787-BB44-A31D-56A8EBB356A6}"/>
-              </a:ext>
-            </a:extLst>
-          </p:cNvPr>
-          <p:cNvSpPr>
-            <a:spLocks noGrp="1"/>
-          </p:cNvSpPr>
-          <p:nvPr>
-            <p:ph type="title"/>
-          </p:nvPr>
-        </p:nvSpPr>
-        <p:spPr/>
-        <p:txBody>
-          <a:bodyPr/>
-          <a:lstStyle/>
-          <a:p>
-            <a:r>
-              <a:rPr lang="en-US" dirty="0"/>
-              <a:t>Code – Edit Backward Pointer</a:t>
-            </a:r>
-          </a:p>
-        </p:txBody>
-      </p:sp>
-      <p:sp>
-        <p:nvSpPr>
-          <p:cNvPr id="8" name="TextBox 7">
-            <a:extLst>
-              <a:ext uri="{FF2B5EF4-FFF2-40B4-BE49-F238E27FC236}">
-                <a16:creationId xmlns:a16="http://schemas.microsoft.com/office/drawing/2014/main" id="{7276B931-B3EB-6441-AD0F-C781832BC418}"/>
-              </a:ext>
-            </a:extLst>
-          </p:cNvPr>
-          <p:cNvSpPr txBox="1"/>
-          <p:nvPr/>
-        </p:nvSpPr>
-        <p:spPr>
-          <a:xfrm>
-            <a:off x="516038" y="3115160"/>
-            <a:ext cx="5633634" cy="2031325"/>
-          </a:xfrm>
-          <a:prstGeom prst="rect">
-            <a:avLst/>
-          </a:prstGeom>
-          <a:noFill/>
-        </p:spPr>
-        <p:txBody>
-          <a:bodyPr wrap="square" rtlCol="0">
-            <a:spAutoFit/>
-          </a:bodyPr>
-          <a:lstStyle/>
-          <a:p>
-            <a:pPr marL="285750" indent="-285750">
-              <a:buFont typeface="Arial" panose="020B0604020202020204" pitchFamily="34" charset="0"/>
-              <a:buChar char="•"/>
-            </a:pPr>
-            <a:r>
-              <a:rPr lang="en-US" dirty="0"/>
-              <a:t>FD is a corrupted pointer (GOT/stack var/etc.) </a:t>
-            </a:r>
-          </a:p>
-          <a:p>
-            <a:pPr marL="285750" indent="-285750">
-              <a:buFont typeface="Arial" panose="020B0604020202020204" pitchFamily="34" charset="0"/>
-              <a:buChar char="•"/>
-            </a:pPr>
-            <a:r>
-              <a:rPr lang="en-US" dirty="0"/>
-              <a:t>BK is a corrupted pointer (GOT/stack var/etc.) </a:t>
-            </a:r>
-          </a:p>
-          <a:p>
-            <a:pPr marL="285750" indent="-285750">
-              <a:buFont typeface="Arial" panose="020B0604020202020204" pitchFamily="34" charset="0"/>
-              <a:buChar char="•"/>
-            </a:pPr>
-            <a:r>
-              <a:rPr lang="en-US" dirty="0"/>
-              <a:t>FD + x = BK; </a:t>
-            </a:r>
-          </a:p>
-          <a:p>
-            <a:pPr marL="742950" lvl="1" indent="-285750">
-              <a:buFont typeface="Arial" panose="020B0604020202020204" pitchFamily="34" charset="0"/>
-              <a:buChar char="•"/>
-            </a:pPr>
-            <a:r>
-              <a:rPr lang="en-US" dirty="0"/>
-              <a:t>Write BK to the address of FD </a:t>
-            </a:r>
-          </a:p>
-          <a:p>
-            <a:pPr marL="285750" indent="-285750">
-              <a:buFont typeface="Arial" panose="020B0604020202020204" pitchFamily="34" charset="0"/>
-              <a:buChar char="•"/>
-            </a:pPr>
-            <a:r>
-              <a:rPr lang="en-US" dirty="0">
-                <a:solidFill>
-                  <a:srgbClr val="FF0000"/>
-                </a:solidFill>
-              </a:rPr>
-              <a:t>BK + y = FD; 	</a:t>
-            </a:r>
-          </a:p>
-          <a:p>
-            <a:pPr marL="742950" lvl="1" indent="-285750">
-              <a:buFont typeface="Arial" panose="020B0604020202020204" pitchFamily="34" charset="0"/>
-              <a:buChar char="•"/>
-            </a:pPr>
-            <a:r>
-              <a:rPr lang="en-US" dirty="0">
-                <a:solidFill>
-                  <a:srgbClr val="FF0000"/>
-                </a:solidFill>
-              </a:rPr>
-              <a:t>Write FD to the address of BK</a:t>
-            </a:r>
-          </a:p>
-          <a:p>
-            <a:endParaRPr lang="en-US" dirty="0"/>
-          </a:p>
-        </p:txBody>
-      </p:sp>
-      <p:pic>
-        <p:nvPicPr>
-          <p:cNvPr id="9" name="Content Placeholder 8" descr="Unlink last two lines">
-            <a:extLst>
-              <a:ext uri="{FF2B5EF4-FFF2-40B4-BE49-F238E27FC236}">
-                <a16:creationId xmlns:a16="http://schemas.microsoft.com/office/drawing/2014/main" id="{F2A925A2-9E8E-9442-BFAD-A41F23251990}"/>
-              </a:ext>
-            </a:extLst>
-          </p:cNvPr>
-          <p:cNvPicPr>
-            <a:picLocks noGrp="1" noChangeAspect="1"/>
-          </p:cNvPicPr>
-          <p:nvPr>
-            <p:ph idx="1"/>
-          </p:nvPr>
-        </p:nvPicPr>
-        <p:blipFill rotWithShape="1">
-          <a:blip r:embed="rId2"/>
-          <a:srcRect r="47856"/>
-          <a:stretch/>
-        </p:blipFill>
-        <p:spPr>
-          <a:xfrm>
-            <a:off x="516038" y="1152041"/>
-            <a:ext cx="2364137" cy="876300"/>
-          </a:xfrm>
-        </p:spPr>
-      </p:pic>
-      <p:cxnSp>
-        <p:nvCxnSpPr>
-          <p:cNvPr id="6" name="Straight Connector 5">
-            <a:extLst>
-              <a:ext uri="{FF2B5EF4-FFF2-40B4-BE49-F238E27FC236}">
-                <a16:creationId xmlns:a16="http://schemas.microsoft.com/office/drawing/2014/main" id="{CD171E65-600E-2842-B04B-B40AD3C7287B}"/>
-              </a:ext>
-            </a:extLst>
-          </p:cNvPr>
-          <p:cNvCxnSpPr>
-            <a:cxnSpLocks/>
-          </p:cNvCxnSpPr>
-          <p:nvPr/>
-        </p:nvCxnSpPr>
-        <p:spPr>
-          <a:xfrm>
-            <a:off x="705173" y="1648267"/>
-            <a:ext cx="1774556" cy="0"/>
-          </a:xfrm>
-          <a:prstGeom prst="line">
-            <a:avLst/>
-          </a:prstGeom>
-          <a:ln w="25400">
-            <a:solidFill>
-              <a:srgbClr val="FF0000"/>
-            </a:solidFill>
-          </a:ln>
-        </p:spPr>
-        <p:style>
-          <a:lnRef idx="1">
-            <a:schemeClr val="accent1"/>
-          </a:lnRef>
-          <a:fillRef idx="0">
-            <a:schemeClr val="accent1"/>
-          </a:fillRef>
-          <a:effectRef idx="0">
-            <a:schemeClr val="accent1"/>
-          </a:effectRef>
-          <a:fontRef idx="minor">
-            <a:schemeClr val="tx1"/>
-          </a:fontRef>
-        </p:style>
-      </p:cxnSp>
-      <p:pic>
-        <p:nvPicPr>
-          <p:cNvPr id="4" name="Picture 3" descr="A close up of a sign&#10;&#10;Description automatically generated">
-            <a:extLst>
-              <a:ext uri="{FF2B5EF4-FFF2-40B4-BE49-F238E27FC236}">
-                <a16:creationId xmlns:a16="http://schemas.microsoft.com/office/drawing/2014/main" id="{27733851-8AC7-B648-9CC3-08F3D2C31BFE}"/>
-              </a:ext>
-            </a:extLst>
-          </p:cNvPr>
-          <p:cNvPicPr>
-            <a:picLocks noChangeAspect="1"/>
-          </p:cNvPicPr>
-          <p:nvPr/>
-        </p:nvPicPr>
-        <p:blipFill>
-          <a:blip r:embed="rId3"/>
-          <a:stretch>
-            <a:fillRect/>
-          </a:stretch>
-        </p:blipFill>
-        <p:spPr>
-          <a:xfrm>
-            <a:off x="3148509" y="984787"/>
-            <a:ext cx="5366841" cy="2087105"/>
-          </a:xfrm>
-          <a:prstGeom prst="rect">
-            <a:avLst/>
-          </a:prstGeom>
-        </p:spPr>
-      </p:pic>
-    </p:spTree>
-    <p:extLst>
-      <p:ext uri="{BB962C8B-B14F-4D97-AF65-F5344CB8AC3E}">
-        <p14:creationId xmlns:p14="http://schemas.microsoft.com/office/powerpoint/2010/main" val="3001743624"/>
-      </p:ext>
-    </p:extLst>
-  </p:cSld>
-  <p:clrMapOvr>
-    <a:masterClrMapping/>
-  </p:clrMapOvr>
-</p:sld>
-</file>
-
-<file path=ppt/slides/slide34.xml><?xml version="1.0" encoding="utf-8"?>
 <p:sld xmlns:a="http://schemas.openxmlformats.org/drawingml/2006/main" xmlns:r="http://schemas.openxmlformats.org/officeDocument/2006/relationships" xmlns:p="http://schemas.openxmlformats.org/presentationml/2006/main">
   <p:cSld>
     <p:spTree>
@@ -34970,7 +33816,103 @@
 </p:sld>
 </file>
 
-<file path=ppt/slides/slide35.xml><?xml version="1.0" encoding="utf-8"?>
+<file path=ppt/slides/slide3.xml><?xml version="1.0" encoding="utf-8"?>
+<p:sld xmlns:a="http://schemas.openxmlformats.org/drawingml/2006/main" xmlns:r="http://schemas.openxmlformats.org/officeDocument/2006/relationships" xmlns:p="http://schemas.openxmlformats.org/presentationml/2006/main">
+  <p:cSld>
+    <p:spTree>
+      <p:nvGrpSpPr>
+        <p:cNvPr id="1" name=""/>
+        <p:cNvGrpSpPr/>
+        <p:nvPr/>
+      </p:nvGrpSpPr>
+      <p:grpSpPr>
+        <a:xfrm>
+          <a:off x="0" y="0"/>
+          <a:ext cx="0" cy="0"/>
+          <a:chOff x="0" y="0"/>
+          <a:chExt cx="0" cy="0"/>
+        </a:xfrm>
+      </p:grpSpPr>
+      <p:sp>
+        <p:nvSpPr>
+          <p:cNvPr id="2" name="Title 1">
+            <a:extLst>
+              <a:ext uri="{FF2B5EF4-FFF2-40B4-BE49-F238E27FC236}">
+                <a16:creationId xmlns:a16="http://schemas.microsoft.com/office/drawing/2014/main" id="{9FE9DBD8-DB8B-7D49-8DC2-F4DB58CD55DE}"/>
+              </a:ext>
+            </a:extLst>
+          </p:cNvPr>
+          <p:cNvSpPr>
+            <a:spLocks noGrp="1"/>
+          </p:cNvSpPr>
+          <p:nvPr>
+            <p:ph type="title"/>
+          </p:nvPr>
+        </p:nvSpPr>
+        <p:spPr>
+          <a:xfrm>
+            <a:off x="628650" y="273847"/>
+            <a:ext cx="7886700" cy="994172"/>
+          </a:xfrm>
+        </p:spPr>
+        <p:txBody>
+          <a:bodyPr anchor="ctr">
+            <a:normAutofit/>
+          </a:bodyPr>
+          <a:lstStyle/>
+          <a:p>
+            <a:r>
+              <a:rPr lang="en-US"/>
+              <a:t>Consolidation </a:t>
+            </a:r>
+          </a:p>
+        </p:txBody>
+      </p:sp>
+      <p:graphicFrame>
+        <p:nvGraphicFramePr>
+          <p:cNvPr id="12" name="Content Placeholder 3">
+            <a:extLst>
+              <a:ext uri="{FF2B5EF4-FFF2-40B4-BE49-F238E27FC236}">
+                <a16:creationId xmlns:a16="http://schemas.microsoft.com/office/drawing/2014/main" id="{051F256C-C461-4BA1-908E-8A9EDA2EE8E2}"/>
+              </a:ext>
+            </a:extLst>
+          </p:cNvPr>
+          <p:cNvGraphicFramePr>
+            <a:graphicFrameLocks noGrp="1"/>
+          </p:cNvGraphicFramePr>
+          <p:nvPr>
+            <p:ph idx="1"/>
+            <p:extLst>
+              <p:ext uri="{D42A27DB-BD31-4B8C-83A1-F6EECF244321}">
+                <p14:modId xmlns:p14="http://schemas.microsoft.com/office/powerpoint/2010/main" val="3000323649"/>
+              </p:ext>
+            </p:extLst>
+          </p:nvPr>
+        </p:nvGraphicFramePr>
+        <p:xfrm>
+          <a:off x="628650" y="1236541"/>
+          <a:ext cx="7886700" cy="3263504"/>
+        </p:xfrm>
+        <a:graphic>
+          <a:graphicData uri="http://schemas.openxmlformats.org/drawingml/2006/diagram">
+            <dgm:relIds xmlns:dgm="http://schemas.openxmlformats.org/drawingml/2006/diagram" xmlns:r="http://schemas.openxmlformats.org/officeDocument/2006/relationships" r:dm="rId2" r:lo="rId3" r:qs="rId4" r:cs="rId5"/>
+          </a:graphicData>
+        </a:graphic>
+      </p:graphicFrame>
+    </p:spTree>
+    <p:extLst>
+      <p:ext uri="{BB962C8B-B14F-4D97-AF65-F5344CB8AC3E}">
+        <p14:creationId xmlns:p14="http://schemas.microsoft.com/office/powerpoint/2010/main" val="841333381"/>
+      </p:ext>
+    </p:extLst>
+  </p:cSld>
+  <p:clrMapOvr>
+    <a:masterClrMapping/>
+  </p:clrMapOvr>
+</p:sld>
+</file>
+
+<file path=ppt/slides/slide30.xml><?xml version="1.0" encoding="utf-8"?>
 <p:sld xmlns:a="http://schemas.openxmlformats.org/drawingml/2006/main" xmlns:r="http://schemas.openxmlformats.org/officeDocument/2006/relationships" xmlns:p="http://schemas.openxmlformats.org/presentationml/2006/main">
   <p:cSld>
     <p:spTree>
@@ -35838,7 +34780,7 @@
 </p:sld>
 </file>
 
-<file path=ppt/slides/slide36.xml><?xml version="1.0" encoding="utf-8"?>
+<file path=ppt/slides/slide31.xml><?xml version="1.0" encoding="utf-8"?>
 <p:sld xmlns:a="http://schemas.openxmlformats.org/drawingml/2006/main" xmlns:r="http://schemas.openxmlformats.org/officeDocument/2006/relationships" xmlns:p="http://schemas.openxmlformats.org/presentationml/2006/main">
   <p:cSld>
     <p:spTree>
@@ -36064,7 +35006,7 @@
 </p:sld>
 </file>
 
-<file path=ppt/slides/slide37.xml><?xml version="1.0" encoding="utf-8"?>
+<file path=ppt/slides/slide32.xml><?xml version="1.0" encoding="utf-8"?>
 <p:sld xmlns:a="http://schemas.openxmlformats.org/drawingml/2006/main" xmlns:r="http://schemas.openxmlformats.org/officeDocument/2006/relationships" xmlns:p="http://schemas.openxmlformats.org/presentationml/2006/main">
   <p:cSld>
     <p:spTree>
@@ -36215,7 +35157,7 @@
 </p:sld>
 </file>
 
-<file path=ppt/slides/slide38.xml><?xml version="1.0" encoding="utf-8"?>
+<file path=ppt/slides/slide33.xml><?xml version="1.0" encoding="utf-8"?>
 <p:sld xmlns:a="http://schemas.openxmlformats.org/drawingml/2006/main" xmlns:r="http://schemas.openxmlformats.org/officeDocument/2006/relationships" xmlns:p="http://schemas.openxmlformats.org/presentationml/2006/main">
   <p:cSld>
     <p:spTree>
@@ -36397,7 +35339,7 @@
 </p:sld>
 </file>
 
-<file path=ppt/slides/slide39.xml><?xml version="1.0" encoding="utf-8"?>
+<file path=ppt/slides/slide34.xml><?xml version="1.0" encoding="utf-8"?>
 <p:sld xmlns:a="http://schemas.openxmlformats.org/drawingml/2006/main" xmlns:r="http://schemas.openxmlformats.org/officeDocument/2006/relationships" xmlns:p="http://schemas.openxmlformats.org/presentationml/2006/main">
   <p:cSld>
     <p:spTree>
@@ -36534,215 +35476,7 @@
 </p:sld>
 </file>
 
-<file path=ppt/slides/slide4.xml><?xml version="1.0" encoding="utf-8"?>
-<p:sld xmlns:a="http://schemas.openxmlformats.org/drawingml/2006/main" xmlns:r="http://schemas.openxmlformats.org/officeDocument/2006/relationships" xmlns:p="http://schemas.openxmlformats.org/presentationml/2006/main">
-  <p:cSld>
-    <p:spTree>
-      <p:nvGrpSpPr>
-        <p:cNvPr id="1" name=""/>
-        <p:cNvGrpSpPr/>
-        <p:nvPr/>
-      </p:nvGrpSpPr>
-      <p:grpSpPr>
-        <a:xfrm>
-          <a:off x="0" y="0"/>
-          <a:ext cx="0" cy="0"/>
-          <a:chOff x="0" y="0"/>
-          <a:chExt cx="0" cy="0"/>
-        </a:xfrm>
-      </p:grpSpPr>
-      <p:sp>
-        <p:nvSpPr>
-          <p:cNvPr id="2" name="Title 1">
-            <a:extLst>
-              <a:ext uri="{FF2B5EF4-FFF2-40B4-BE49-F238E27FC236}">
-                <a16:creationId xmlns:a16="http://schemas.microsoft.com/office/drawing/2014/main" id="{7BC5849A-9476-1E4F-BC71-F0022CD4E4A9}"/>
-              </a:ext>
-            </a:extLst>
-          </p:cNvPr>
-          <p:cNvSpPr>
-            <a:spLocks noGrp="1"/>
-          </p:cNvSpPr>
-          <p:nvPr>
-            <p:ph type="title"/>
-          </p:nvPr>
-        </p:nvSpPr>
-        <p:spPr/>
-        <p:txBody>
-          <a:bodyPr/>
-          <a:lstStyle/>
-          <a:p>
-            <a:r>
-              <a:rPr lang="en-US" dirty="0"/>
-              <a:t>Consolidation Process (Visually) </a:t>
-            </a:r>
-          </a:p>
-        </p:txBody>
-      </p:sp>
-      <p:sp>
-        <p:nvSpPr>
-          <p:cNvPr id="3" name="Content Placeholder 2">
-            <a:extLst>
-              <a:ext uri="{FF2B5EF4-FFF2-40B4-BE49-F238E27FC236}">
-                <a16:creationId xmlns:a16="http://schemas.microsoft.com/office/drawing/2014/main" id="{CB70F396-F82D-A240-96E3-7C427F6E7A8C}"/>
-              </a:ext>
-            </a:extLst>
-          </p:cNvPr>
-          <p:cNvSpPr>
-            <a:spLocks noGrp="1"/>
-          </p:cNvSpPr>
-          <p:nvPr>
-            <p:ph idx="1"/>
-          </p:nvPr>
-        </p:nvSpPr>
-        <p:spPr>
-          <a:xfrm>
-            <a:off x="2231136" y="1606149"/>
-            <a:ext cx="6284214" cy="3263504"/>
-          </a:xfrm>
-        </p:spPr>
-        <p:txBody>
-          <a:bodyPr/>
-          <a:lstStyle/>
-          <a:p>
-            <a:r>
-              <a:rPr lang="en-US" dirty="0"/>
-              <a:t>Free a chunk</a:t>
-            </a:r>
-          </a:p>
-        </p:txBody>
-      </p:sp>
-      <p:pic>
-        <p:nvPicPr>
-          <p:cNvPr id="4" name="Content Placeholder 4" descr="A screenshot of a cell phone&#10;&#10;Description automatically generated">
-            <a:extLst>
-              <a:ext uri="{FF2B5EF4-FFF2-40B4-BE49-F238E27FC236}">
-                <a16:creationId xmlns:a16="http://schemas.microsoft.com/office/drawing/2014/main" id="{C4858ED8-15A9-4643-9EBA-889A10CA58FC}"/>
-              </a:ext>
-            </a:extLst>
-          </p:cNvPr>
-          <p:cNvPicPr>
-            <a:picLocks noChangeAspect="1"/>
-          </p:cNvPicPr>
-          <p:nvPr/>
-        </p:nvPicPr>
-        <p:blipFill>
-          <a:blip r:embed="rId2"/>
-          <a:stretch>
-            <a:fillRect/>
-          </a:stretch>
-        </p:blipFill>
-        <p:spPr>
-          <a:xfrm>
-            <a:off x="628650" y="1115485"/>
-            <a:ext cx="1444616" cy="3651919"/>
-          </a:xfrm>
-          <a:prstGeom prst="rect">
-            <a:avLst/>
-          </a:prstGeom>
-          <a:noFill/>
-        </p:spPr>
-      </p:pic>
-      <p:cxnSp>
-        <p:nvCxnSpPr>
-          <p:cNvPr id="5" name="Straight Connector 4">
-            <a:extLst>
-              <a:ext uri="{FF2B5EF4-FFF2-40B4-BE49-F238E27FC236}">
-                <a16:creationId xmlns:a16="http://schemas.microsoft.com/office/drawing/2014/main" id="{5CD19AD0-DB05-3044-A088-C4B83F0D645E}"/>
-              </a:ext>
-            </a:extLst>
-          </p:cNvPr>
-          <p:cNvCxnSpPr>
-            <a:cxnSpLocks/>
-          </p:cNvCxnSpPr>
-          <p:nvPr/>
-        </p:nvCxnSpPr>
-        <p:spPr>
-          <a:xfrm>
-            <a:off x="843254" y="4484684"/>
-            <a:ext cx="1153497" cy="0"/>
-          </a:xfrm>
-          <a:prstGeom prst="line">
-            <a:avLst/>
-          </a:prstGeom>
-          <a:ln w="25400">
-            <a:solidFill>
-              <a:srgbClr val="FF0000"/>
-            </a:solidFill>
-          </a:ln>
-        </p:spPr>
-        <p:style>
-          <a:lnRef idx="1">
-            <a:schemeClr val="accent1"/>
-          </a:lnRef>
-          <a:fillRef idx="0">
-            <a:schemeClr val="accent1"/>
-          </a:fillRef>
-          <a:effectRef idx="0">
-            <a:schemeClr val="accent1"/>
-          </a:effectRef>
-          <a:fontRef idx="minor">
-            <a:schemeClr val="tx1"/>
-          </a:fontRef>
-        </p:style>
-      </p:cxnSp>
-      <p:cxnSp>
-        <p:nvCxnSpPr>
-          <p:cNvPr id="7" name="Straight Connector 6">
-            <a:extLst>
-              <a:ext uri="{FF2B5EF4-FFF2-40B4-BE49-F238E27FC236}">
-                <a16:creationId xmlns:a16="http://schemas.microsoft.com/office/drawing/2014/main" id="{6F951430-641A-3B42-9A4A-4A01A0F01E36}"/>
-              </a:ext>
-            </a:extLst>
-          </p:cNvPr>
-          <p:cNvCxnSpPr>
-            <a:cxnSpLocks/>
-          </p:cNvCxnSpPr>
-          <p:nvPr/>
-        </p:nvCxnSpPr>
-        <p:spPr>
-          <a:xfrm>
-            <a:off x="843253" y="4011933"/>
-            <a:ext cx="1153497" cy="0"/>
-          </a:xfrm>
-          <a:prstGeom prst="line">
-            <a:avLst/>
-          </a:prstGeom>
-          <a:ln w="25400">
-            <a:solidFill>
-              <a:srgbClr val="FF0000"/>
-            </a:solidFill>
-          </a:ln>
-        </p:spPr>
-        <p:style>
-          <a:lnRef idx="1">
-            <a:schemeClr val="accent1"/>
-          </a:lnRef>
-          <a:fillRef idx="0">
-            <a:schemeClr val="accent1"/>
-          </a:fillRef>
-          <a:effectRef idx="0">
-            <a:schemeClr val="accent1"/>
-          </a:effectRef>
-          <a:fontRef idx="minor">
-            <a:schemeClr val="tx1"/>
-          </a:fontRef>
-        </p:style>
-      </p:cxnSp>
-    </p:spTree>
-    <p:extLst>
-      <p:ext uri="{BB962C8B-B14F-4D97-AF65-F5344CB8AC3E}">
-        <p14:creationId xmlns:p14="http://schemas.microsoft.com/office/powerpoint/2010/main" val="2584787667"/>
-      </p:ext>
-    </p:extLst>
-  </p:cSld>
-  <p:clrMapOvr>
-    <a:masterClrMapping/>
-  </p:clrMapOvr>
-</p:sld>
-</file>
-
-<file path=ppt/slides/slide40.xml><?xml version="1.0" encoding="utf-8"?>
+<file path=ppt/slides/slide35.xml><?xml version="1.0" encoding="utf-8"?>
 <p:sld xmlns:a="http://schemas.openxmlformats.org/drawingml/2006/main" xmlns:r="http://schemas.openxmlformats.org/officeDocument/2006/relationships" xmlns:p="http://schemas.openxmlformats.org/presentationml/2006/main">
   <p:cSld>
     <p:spTree>
@@ -37132,7 +35866,7 @@
 </p:sld>
 </file>
 
-<file path=ppt/slides/slide41.xml><?xml version="1.0" encoding="utf-8"?>
+<file path=ppt/slides/slide36.xml><?xml version="1.0" encoding="utf-8"?>
 <p:sld xmlns:a="http://schemas.openxmlformats.org/drawingml/2006/main" xmlns:r="http://schemas.openxmlformats.org/officeDocument/2006/relationships" xmlns:p="http://schemas.openxmlformats.org/presentationml/2006/main">
   <p:cSld>
     <p:spTree>
@@ -37362,7 +36096,7 @@
 </p:sld>
 </file>
 
-<file path=ppt/slides/slide42.xml><?xml version="1.0" encoding="utf-8"?>
+<file path=ppt/slides/slide37.xml><?xml version="1.0" encoding="utf-8"?>
 <p:sld xmlns:a="http://schemas.openxmlformats.org/drawingml/2006/main" xmlns:r="http://schemas.openxmlformats.org/officeDocument/2006/relationships" xmlns:p="http://schemas.openxmlformats.org/presentationml/2006/main">
   <p:cSld>
     <p:spTree>
@@ -37592,7 +36326,7 @@
 </p:sld>
 </file>
 
-<file path=ppt/slides/slide43.xml><?xml version="1.0" encoding="utf-8"?>
+<file path=ppt/slides/slide38.xml><?xml version="1.0" encoding="utf-8"?>
 <p:sld xmlns:a="http://schemas.openxmlformats.org/drawingml/2006/main" xmlns:r="http://schemas.openxmlformats.org/officeDocument/2006/relationships" xmlns:p="http://schemas.openxmlformats.org/presentationml/2006/main">
   <p:cSld>
     <p:spTree>
@@ -37828,7 +36562,7 @@
 </p:sld>
 </file>
 
-<file path=ppt/slides/slide44.xml><?xml version="1.0" encoding="utf-8"?>
+<file path=ppt/slides/slide39.xml><?xml version="1.0" encoding="utf-8"?>
 <p:sld xmlns:a="http://schemas.openxmlformats.org/drawingml/2006/main" xmlns:r="http://schemas.openxmlformats.org/officeDocument/2006/relationships" xmlns:p="http://schemas.openxmlformats.org/presentationml/2006/main">
   <p:cSld>
     <p:spTree>
@@ -37979,7 +36713,215 @@
 </p:sld>
 </file>
 
-<file path=ppt/slides/slide45.xml><?xml version="1.0" encoding="utf-8"?>
+<file path=ppt/slides/slide4.xml><?xml version="1.0" encoding="utf-8"?>
+<p:sld xmlns:a="http://schemas.openxmlformats.org/drawingml/2006/main" xmlns:r="http://schemas.openxmlformats.org/officeDocument/2006/relationships" xmlns:p="http://schemas.openxmlformats.org/presentationml/2006/main">
+  <p:cSld>
+    <p:spTree>
+      <p:nvGrpSpPr>
+        <p:cNvPr id="1" name=""/>
+        <p:cNvGrpSpPr/>
+        <p:nvPr/>
+      </p:nvGrpSpPr>
+      <p:grpSpPr>
+        <a:xfrm>
+          <a:off x="0" y="0"/>
+          <a:ext cx="0" cy="0"/>
+          <a:chOff x="0" y="0"/>
+          <a:chExt cx="0" cy="0"/>
+        </a:xfrm>
+      </p:grpSpPr>
+      <p:sp>
+        <p:nvSpPr>
+          <p:cNvPr id="2" name="Title 1">
+            <a:extLst>
+              <a:ext uri="{FF2B5EF4-FFF2-40B4-BE49-F238E27FC236}">
+                <a16:creationId xmlns:a16="http://schemas.microsoft.com/office/drawing/2014/main" id="{7BC5849A-9476-1E4F-BC71-F0022CD4E4A9}"/>
+              </a:ext>
+            </a:extLst>
+          </p:cNvPr>
+          <p:cNvSpPr>
+            <a:spLocks noGrp="1"/>
+          </p:cNvSpPr>
+          <p:nvPr>
+            <p:ph type="title"/>
+          </p:nvPr>
+        </p:nvSpPr>
+        <p:spPr/>
+        <p:txBody>
+          <a:bodyPr/>
+          <a:lstStyle/>
+          <a:p>
+            <a:r>
+              <a:rPr lang="en-US" dirty="0"/>
+              <a:t>Consolidation Process (Visually) </a:t>
+            </a:r>
+          </a:p>
+        </p:txBody>
+      </p:sp>
+      <p:sp>
+        <p:nvSpPr>
+          <p:cNvPr id="3" name="Content Placeholder 2">
+            <a:extLst>
+              <a:ext uri="{FF2B5EF4-FFF2-40B4-BE49-F238E27FC236}">
+                <a16:creationId xmlns:a16="http://schemas.microsoft.com/office/drawing/2014/main" id="{CB70F396-F82D-A240-96E3-7C427F6E7A8C}"/>
+              </a:ext>
+            </a:extLst>
+          </p:cNvPr>
+          <p:cNvSpPr>
+            <a:spLocks noGrp="1"/>
+          </p:cNvSpPr>
+          <p:nvPr>
+            <p:ph idx="1"/>
+          </p:nvPr>
+        </p:nvSpPr>
+        <p:spPr>
+          <a:xfrm>
+            <a:off x="2231136" y="1606149"/>
+            <a:ext cx="6284214" cy="3263504"/>
+          </a:xfrm>
+        </p:spPr>
+        <p:txBody>
+          <a:bodyPr/>
+          <a:lstStyle/>
+          <a:p>
+            <a:r>
+              <a:rPr lang="en-US" dirty="0"/>
+              <a:t>Free a chunk</a:t>
+            </a:r>
+          </a:p>
+        </p:txBody>
+      </p:sp>
+      <p:pic>
+        <p:nvPicPr>
+          <p:cNvPr id="4" name="Content Placeholder 4" descr="A screenshot of a cell phone&#10;&#10;Description automatically generated">
+            <a:extLst>
+              <a:ext uri="{FF2B5EF4-FFF2-40B4-BE49-F238E27FC236}">
+                <a16:creationId xmlns:a16="http://schemas.microsoft.com/office/drawing/2014/main" id="{C4858ED8-15A9-4643-9EBA-889A10CA58FC}"/>
+              </a:ext>
+            </a:extLst>
+          </p:cNvPr>
+          <p:cNvPicPr>
+            <a:picLocks noChangeAspect="1"/>
+          </p:cNvPicPr>
+          <p:nvPr/>
+        </p:nvPicPr>
+        <p:blipFill>
+          <a:blip r:embed="rId2"/>
+          <a:stretch>
+            <a:fillRect/>
+          </a:stretch>
+        </p:blipFill>
+        <p:spPr>
+          <a:xfrm>
+            <a:off x="628650" y="1115485"/>
+            <a:ext cx="1444616" cy="3651919"/>
+          </a:xfrm>
+          <a:prstGeom prst="rect">
+            <a:avLst/>
+          </a:prstGeom>
+          <a:noFill/>
+        </p:spPr>
+      </p:pic>
+      <p:cxnSp>
+        <p:nvCxnSpPr>
+          <p:cNvPr id="5" name="Straight Connector 4">
+            <a:extLst>
+              <a:ext uri="{FF2B5EF4-FFF2-40B4-BE49-F238E27FC236}">
+                <a16:creationId xmlns:a16="http://schemas.microsoft.com/office/drawing/2014/main" id="{5CD19AD0-DB05-3044-A088-C4B83F0D645E}"/>
+              </a:ext>
+            </a:extLst>
+          </p:cNvPr>
+          <p:cNvCxnSpPr>
+            <a:cxnSpLocks/>
+          </p:cNvCxnSpPr>
+          <p:nvPr/>
+        </p:nvCxnSpPr>
+        <p:spPr>
+          <a:xfrm>
+            <a:off x="843254" y="4484684"/>
+            <a:ext cx="1153497" cy="0"/>
+          </a:xfrm>
+          <a:prstGeom prst="line">
+            <a:avLst/>
+          </a:prstGeom>
+          <a:ln w="25400">
+            <a:solidFill>
+              <a:srgbClr val="FF0000"/>
+            </a:solidFill>
+          </a:ln>
+        </p:spPr>
+        <p:style>
+          <a:lnRef idx="1">
+            <a:schemeClr val="accent1"/>
+          </a:lnRef>
+          <a:fillRef idx="0">
+            <a:schemeClr val="accent1"/>
+          </a:fillRef>
+          <a:effectRef idx="0">
+            <a:schemeClr val="accent1"/>
+          </a:effectRef>
+          <a:fontRef idx="minor">
+            <a:schemeClr val="tx1"/>
+          </a:fontRef>
+        </p:style>
+      </p:cxnSp>
+      <p:cxnSp>
+        <p:nvCxnSpPr>
+          <p:cNvPr id="7" name="Straight Connector 6">
+            <a:extLst>
+              <a:ext uri="{FF2B5EF4-FFF2-40B4-BE49-F238E27FC236}">
+                <a16:creationId xmlns:a16="http://schemas.microsoft.com/office/drawing/2014/main" id="{6F951430-641A-3B42-9A4A-4A01A0F01E36}"/>
+              </a:ext>
+            </a:extLst>
+          </p:cNvPr>
+          <p:cNvCxnSpPr>
+            <a:cxnSpLocks/>
+          </p:cNvCxnSpPr>
+          <p:nvPr/>
+        </p:nvCxnSpPr>
+        <p:spPr>
+          <a:xfrm>
+            <a:off x="843253" y="4011933"/>
+            <a:ext cx="1153497" cy="0"/>
+          </a:xfrm>
+          <a:prstGeom prst="line">
+            <a:avLst/>
+          </a:prstGeom>
+          <a:ln w="25400">
+            <a:solidFill>
+              <a:srgbClr val="FF0000"/>
+            </a:solidFill>
+          </a:ln>
+        </p:spPr>
+        <p:style>
+          <a:lnRef idx="1">
+            <a:schemeClr val="accent1"/>
+          </a:lnRef>
+          <a:fillRef idx="0">
+            <a:schemeClr val="accent1"/>
+          </a:fillRef>
+          <a:effectRef idx="0">
+            <a:schemeClr val="accent1"/>
+          </a:effectRef>
+          <a:fontRef idx="minor">
+            <a:schemeClr val="tx1"/>
+          </a:fontRef>
+        </p:style>
+      </p:cxnSp>
+    </p:spTree>
+    <p:extLst>
+      <p:ext uri="{BB962C8B-B14F-4D97-AF65-F5344CB8AC3E}">
+        <p14:creationId xmlns:p14="http://schemas.microsoft.com/office/powerpoint/2010/main" val="2584787667"/>
+      </p:ext>
+    </p:extLst>
+  </p:cSld>
+  <p:clrMapOvr>
+    <a:masterClrMapping/>
+  </p:clrMapOvr>
+</p:sld>
+</file>
+
+<file path=ppt/slides/slide40.xml><?xml version="1.0" encoding="utf-8"?>
 <p:sld xmlns:a="http://schemas.openxmlformats.org/drawingml/2006/main" xmlns:r="http://schemas.openxmlformats.org/officeDocument/2006/relationships" xmlns:p="http://schemas.openxmlformats.org/presentationml/2006/main">
   <p:cSld>
     <p:spTree>
@@ -38168,7 +37110,7 @@
 </p:sld>
 </file>
 
-<file path=ppt/slides/slide46.xml><?xml version="1.0" encoding="utf-8"?>
+<file path=ppt/slides/slide41.xml><?xml version="1.0" encoding="utf-8"?>
 <p:sld xmlns:a="http://schemas.openxmlformats.org/drawingml/2006/main" xmlns:r="http://schemas.openxmlformats.org/officeDocument/2006/relationships" xmlns:p="http://schemas.openxmlformats.org/presentationml/2006/main">
   <p:cSld>
     <p:spTree>
@@ -38349,7 +37291,7 @@
 </p:sld>
 </file>
 
-<file path=ppt/slides/slide47.xml><?xml version="1.0" encoding="utf-8"?>
+<file path=ppt/slides/slide42.xml><?xml version="1.0" encoding="utf-8"?>
 <p:sld xmlns:a="http://schemas.openxmlformats.org/drawingml/2006/main" xmlns:r="http://schemas.openxmlformats.org/officeDocument/2006/relationships" xmlns:p="http://schemas.openxmlformats.org/presentationml/2006/main">
   <p:cSld>
     <p:spTree>
@@ -38515,7 +37457,7 @@
 </p:sld>
 </file>
 
-<file path=ppt/slides/slide48.xml><?xml version="1.0" encoding="utf-8"?>
+<file path=ppt/slides/slide43.xml><?xml version="1.0" encoding="utf-8"?>
 <p:sld xmlns:a="http://schemas.openxmlformats.org/drawingml/2006/main" xmlns:r="http://schemas.openxmlformats.org/officeDocument/2006/relationships" xmlns:p="http://schemas.openxmlformats.org/presentationml/2006/main">
   <p:cSld>
     <p:spTree>
@@ -38821,7 +37763,7 @@
 </p:sld>
 </file>
 
-<file path=ppt/slides/slide49.xml><?xml version="1.0" encoding="utf-8"?>
+<file path=ppt/slides/slide44.xml><?xml version="1.0" encoding="utf-8"?>
 <p:sld xmlns:a="http://schemas.openxmlformats.org/drawingml/2006/main" xmlns:r="http://schemas.openxmlformats.org/officeDocument/2006/relationships" xmlns:p="http://schemas.openxmlformats.org/presentationml/2006/main">
   <p:cSld>
     <p:spTree>
@@ -39061,6 +38003,842 @@
     <p:extLst>
       <p:ext uri="{BB962C8B-B14F-4D97-AF65-F5344CB8AC3E}">
         <p14:creationId xmlns:p14="http://schemas.microsoft.com/office/powerpoint/2010/main" val="3191011607"/>
+      </p:ext>
+    </p:extLst>
+  </p:cSld>
+  <p:clrMapOvr>
+    <a:masterClrMapping/>
+  </p:clrMapOvr>
+</p:sld>
+</file>
+
+<file path=ppt/slides/slide45.xml><?xml version="1.0" encoding="utf-8"?>
+<p:sld xmlns:a="http://schemas.openxmlformats.org/drawingml/2006/main" xmlns:r="http://schemas.openxmlformats.org/officeDocument/2006/relationships" xmlns:p="http://schemas.openxmlformats.org/presentationml/2006/main">
+  <p:cSld>
+    <p:spTree>
+      <p:nvGrpSpPr>
+        <p:cNvPr id="1" name=""/>
+        <p:cNvGrpSpPr/>
+        <p:nvPr/>
+      </p:nvGrpSpPr>
+      <p:grpSpPr>
+        <a:xfrm>
+          <a:off x="0" y="0"/>
+          <a:ext cx="0" cy="0"/>
+          <a:chOff x="0" y="0"/>
+          <a:chExt cx="0" cy="0"/>
+        </a:xfrm>
+      </p:grpSpPr>
+      <p:sp>
+        <p:nvSpPr>
+          <p:cNvPr id="2" name="Title 1">
+            <a:extLst>
+              <a:ext uri="{FF2B5EF4-FFF2-40B4-BE49-F238E27FC236}">
+                <a16:creationId xmlns:a16="http://schemas.microsoft.com/office/drawing/2014/main" id="{7BBB650C-D1BC-8143-BD6E-F916B9DA04E2}"/>
+              </a:ext>
+            </a:extLst>
+          </p:cNvPr>
+          <p:cNvSpPr>
+            <a:spLocks noGrp="1"/>
+          </p:cNvSpPr>
+          <p:nvPr>
+            <p:ph type="title"/>
+          </p:nvPr>
+        </p:nvSpPr>
+        <p:spPr>
+          <a:xfrm>
+            <a:off x="628650" y="273847"/>
+            <a:ext cx="7886700" cy="994172"/>
+          </a:xfrm>
+        </p:spPr>
+        <p:txBody>
+          <a:bodyPr anchor="ctr">
+            <a:normAutofit fontScale="90000"/>
+          </a:bodyPr>
+          <a:lstStyle/>
+          <a:p>
+            <a:r>
+              <a:rPr lang="en-US" dirty="0"/>
+              <a:t>Offsets (hard part) - Wrong Way</a:t>
+            </a:r>
+          </a:p>
+        </p:txBody>
+      </p:sp>
+      <p:sp>
+        <p:nvSpPr>
+          <p:cNvPr id="3" name="Content Placeholder 2">
+            <a:extLst>
+              <a:ext uri="{FF2B5EF4-FFF2-40B4-BE49-F238E27FC236}">
+                <a16:creationId xmlns:a16="http://schemas.microsoft.com/office/drawing/2014/main" id="{122AEAAC-FCD5-2E4C-B4A7-07D5E5F31E70}"/>
+              </a:ext>
+            </a:extLst>
+          </p:cNvPr>
+          <p:cNvSpPr>
+            <a:spLocks noGrp="1"/>
+          </p:cNvSpPr>
+          <p:nvPr>
+            <p:ph sz="half" idx="1"/>
+          </p:nvPr>
+        </p:nvSpPr>
+        <p:spPr>
+          <a:xfrm>
+            <a:off x="628650" y="1369219"/>
+            <a:ext cx="3886200" cy="3263504"/>
+          </a:xfrm>
+        </p:spPr>
+        <p:txBody>
+          <a:bodyPr>
+            <a:normAutofit/>
+          </a:bodyPr>
+          <a:lstStyle/>
+          <a:p>
+            <a:r>
+              <a:rPr lang="en-US" dirty="0"/>
+              <a:t>When you write the pointer of FD, you probably just want to set it to GOT.</a:t>
+            </a:r>
+          </a:p>
+          <a:p>
+            <a:r>
+              <a:rPr lang="en-US" dirty="0"/>
+              <a:t>However, you will write </a:t>
+            </a:r>
+            <a:r>
+              <a:rPr lang="en-US" b="1" dirty="0"/>
+              <a:t>0x18</a:t>
+            </a:r>
+            <a:r>
+              <a:rPr lang="en-US" dirty="0"/>
+              <a:t> bytes passed where you want. </a:t>
+            </a:r>
+          </a:p>
+          <a:p>
+            <a:r>
+              <a:rPr lang="en-US" dirty="0"/>
+              <a:t>Solution?</a:t>
+            </a:r>
+          </a:p>
+        </p:txBody>
+      </p:sp>
+      <p:pic>
+        <p:nvPicPr>
+          <p:cNvPr id="5" name="Picture 4" descr="Offset wrong">
+            <a:extLst>
+              <a:ext uri="{FF2B5EF4-FFF2-40B4-BE49-F238E27FC236}">
+                <a16:creationId xmlns:a16="http://schemas.microsoft.com/office/drawing/2014/main" id="{E0B0E5BD-AB2A-544B-84C2-7EDC70CC6334}"/>
+              </a:ext>
+            </a:extLst>
+          </p:cNvPr>
+          <p:cNvPicPr>
+            <a:picLocks noChangeAspect="1"/>
+          </p:cNvPicPr>
+          <p:nvPr/>
+        </p:nvPicPr>
+        <p:blipFill>
+          <a:blip r:embed="rId2"/>
+          <a:stretch>
+            <a:fillRect/>
+          </a:stretch>
+        </p:blipFill>
+        <p:spPr>
+          <a:xfrm>
+            <a:off x="5388883" y="1036025"/>
+            <a:ext cx="2608369" cy="3596698"/>
+          </a:xfrm>
+          <a:prstGeom prst="rect">
+            <a:avLst/>
+          </a:prstGeom>
+          <a:noFill/>
+        </p:spPr>
+      </p:pic>
+    </p:spTree>
+    <p:extLst>
+      <p:ext uri="{BB962C8B-B14F-4D97-AF65-F5344CB8AC3E}">
+        <p14:creationId xmlns:p14="http://schemas.microsoft.com/office/powerpoint/2010/main" val="3108088431"/>
+      </p:ext>
+    </p:extLst>
+  </p:cSld>
+  <p:clrMapOvr>
+    <a:masterClrMapping/>
+  </p:clrMapOvr>
+</p:sld>
+</file>
+
+<file path=ppt/slides/slide46.xml><?xml version="1.0" encoding="utf-8"?>
+<p:sld xmlns:a="http://schemas.openxmlformats.org/drawingml/2006/main" xmlns:r="http://schemas.openxmlformats.org/officeDocument/2006/relationships" xmlns:p="http://schemas.openxmlformats.org/presentationml/2006/main">
+  <p:cSld>
+    <p:spTree>
+      <p:nvGrpSpPr>
+        <p:cNvPr id="1" name=""/>
+        <p:cNvGrpSpPr/>
+        <p:nvPr/>
+      </p:nvGrpSpPr>
+      <p:grpSpPr>
+        <a:xfrm>
+          <a:off x="0" y="0"/>
+          <a:ext cx="0" cy="0"/>
+          <a:chOff x="0" y="0"/>
+          <a:chExt cx="0" cy="0"/>
+        </a:xfrm>
+      </p:grpSpPr>
+      <p:sp>
+        <p:nvSpPr>
+          <p:cNvPr id="2" name="Title 1">
+            <a:extLst>
+              <a:ext uri="{FF2B5EF4-FFF2-40B4-BE49-F238E27FC236}">
+                <a16:creationId xmlns:a16="http://schemas.microsoft.com/office/drawing/2014/main" id="{7BBB650C-D1BC-8143-BD6E-F916B9DA04E2}"/>
+              </a:ext>
+            </a:extLst>
+          </p:cNvPr>
+          <p:cNvSpPr>
+            <a:spLocks noGrp="1"/>
+          </p:cNvSpPr>
+          <p:nvPr>
+            <p:ph type="title"/>
+          </p:nvPr>
+        </p:nvSpPr>
+        <p:spPr>
+          <a:xfrm>
+            <a:off x="628650" y="273847"/>
+            <a:ext cx="7886700" cy="994172"/>
+          </a:xfrm>
+        </p:spPr>
+        <p:txBody>
+          <a:bodyPr anchor="ctr">
+            <a:normAutofit fontScale="90000"/>
+          </a:bodyPr>
+          <a:lstStyle/>
+          <a:p>
+            <a:r>
+              <a:rPr lang="en-US" dirty="0"/>
+              <a:t>Offsets (hard part) - Right Way</a:t>
+            </a:r>
+          </a:p>
+        </p:txBody>
+      </p:sp>
+      <p:sp>
+        <p:nvSpPr>
+          <p:cNvPr id="3" name="Content Placeholder 2">
+            <a:extLst>
+              <a:ext uri="{FF2B5EF4-FFF2-40B4-BE49-F238E27FC236}">
+                <a16:creationId xmlns:a16="http://schemas.microsoft.com/office/drawing/2014/main" id="{122AEAAC-FCD5-2E4C-B4A7-07D5E5F31E70}"/>
+              </a:ext>
+            </a:extLst>
+          </p:cNvPr>
+          <p:cNvSpPr>
+            <a:spLocks noGrp="1"/>
+          </p:cNvSpPr>
+          <p:nvPr>
+            <p:ph sz="half" idx="1"/>
+          </p:nvPr>
+        </p:nvSpPr>
+        <p:spPr>
+          <a:xfrm>
+            <a:off x="628650" y="1369219"/>
+            <a:ext cx="3886200" cy="3263504"/>
+          </a:xfrm>
+        </p:spPr>
+        <p:txBody>
+          <a:bodyPr>
+            <a:normAutofit/>
+          </a:bodyPr>
+          <a:lstStyle/>
+          <a:p>
+            <a:r>
+              <a:rPr lang="en-US" dirty="0"/>
+              <a:t>Subtract </a:t>
+            </a:r>
+            <a:r>
+              <a:rPr lang="en-US" b="1" dirty="0"/>
+              <a:t>0x18 </a:t>
+            </a:r>
+            <a:r>
+              <a:rPr lang="en-US" dirty="0"/>
+              <a:t>from the place you want to write to. (</a:t>
+            </a:r>
+            <a:r>
+              <a:rPr lang="en-US" i="1" dirty="0"/>
+              <a:t>GOT – 0x18</a:t>
+            </a:r>
+            <a:r>
+              <a:rPr lang="en-US" dirty="0"/>
+              <a:t>) </a:t>
+            </a:r>
+          </a:p>
+          <a:p>
+            <a:r>
+              <a:rPr lang="en-US" dirty="0"/>
+              <a:t>Now, the write access will work properly</a:t>
+            </a:r>
+          </a:p>
+          <a:p>
+            <a:r>
+              <a:rPr lang="en-US" dirty="0"/>
+              <a:t>No overshooting (like previous diagram</a:t>
+            </a:r>
+          </a:p>
+        </p:txBody>
+      </p:sp>
+      <p:pic>
+        <p:nvPicPr>
+          <p:cNvPr id="6" name="Picture 5" descr="Offset, right way">
+            <a:extLst>
+              <a:ext uri="{FF2B5EF4-FFF2-40B4-BE49-F238E27FC236}">
+                <a16:creationId xmlns:a16="http://schemas.microsoft.com/office/drawing/2014/main" id="{540E9A64-20D2-C942-ABEF-A46D3910F14D}"/>
+              </a:ext>
+            </a:extLst>
+          </p:cNvPr>
+          <p:cNvPicPr>
+            <a:picLocks noChangeAspect="1"/>
+          </p:cNvPicPr>
+          <p:nvPr/>
+        </p:nvPicPr>
+        <p:blipFill>
+          <a:blip r:embed="rId2"/>
+          <a:stretch>
+            <a:fillRect/>
+          </a:stretch>
+        </p:blipFill>
+        <p:spPr>
+          <a:xfrm>
+            <a:off x="5388883" y="1369219"/>
+            <a:ext cx="2366733" cy="3263504"/>
+          </a:xfrm>
+          <a:prstGeom prst="rect">
+            <a:avLst/>
+          </a:prstGeom>
+          <a:noFill/>
+        </p:spPr>
+      </p:pic>
+    </p:spTree>
+    <p:extLst>
+      <p:ext uri="{BB962C8B-B14F-4D97-AF65-F5344CB8AC3E}">
+        <p14:creationId xmlns:p14="http://schemas.microsoft.com/office/powerpoint/2010/main" val="1714655884"/>
+      </p:ext>
+    </p:extLst>
+  </p:cSld>
+  <p:clrMapOvr>
+    <a:masterClrMapping/>
+  </p:clrMapOvr>
+</p:sld>
+</file>
+
+<file path=ppt/slides/slide47.xml><?xml version="1.0" encoding="utf-8"?>
+<p:sld xmlns:a="http://schemas.openxmlformats.org/drawingml/2006/main" xmlns:r="http://schemas.openxmlformats.org/officeDocument/2006/relationships" xmlns:p="http://schemas.openxmlformats.org/presentationml/2006/main">
+  <p:cSld>
+    <p:spTree>
+      <p:nvGrpSpPr>
+        <p:cNvPr id="1" name=""/>
+        <p:cNvGrpSpPr/>
+        <p:nvPr/>
+      </p:nvGrpSpPr>
+      <p:grpSpPr>
+        <a:xfrm>
+          <a:off x="0" y="0"/>
+          <a:ext cx="0" cy="0"/>
+          <a:chOff x="0" y="0"/>
+          <a:chExt cx="0" cy="0"/>
+        </a:xfrm>
+      </p:grpSpPr>
+      <p:sp>
+        <p:nvSpPr>
+          <p:cNvPr id="2" name="Title 1">
+            <a:extLst>
+              <a:ext uri="{FF2B5EF4-FFF2-40B4-BE49-F238E27FC236}">
+                <a16:creationId xmlns:a16="http://schemas.microsoft.com/office/drawing/2014/main" id="{46E4870F-C75F-824B-B6B2-E2854B25EF85}"/>
+              </a:ext>
+            </a:extLst>
+          </p:cNvPr>
+          <p:cNvSpPr>
+            <a:spLocks noGrp="1"/>
+          </p:cNvSpPr>
+          <p:nvPr>
+            <p:ph type="title"/>
+          </p:nvPr>
+        </p:nvSpPr>
+        <p:spPr>
+          <a:xfrm>
+            <a:off x="628650" y="273847"/>
+            <a:ext cx="7886700" cy="994172"/>
+          </a:xfrm>
+        </p:spPr>
+        <p:txBody>
+          <a:bodyPr anchor="ctr">
+            <a:normAutofit/>
+          </a:bodyPr>
+          <a:lstStyle/>
+          <a:p>
+            <a:r>
+              <a:rPr lang="en-US" dirty="0"/>
+              <a:t>Jump to Shellcode!</a:t>
+            </a:r>
+          </a:p>
+        </p:txBody>
+      </p:sp>
+      <p:graphicFrame>
+        <p:nvGraphicFramePr>
+          <p:cNvPr id="5" name="Content Placeholder 2">
+            <a:extLst>
+              <a:ext uri="{FF2B5EF4-FFF2-40B4-BE49-F238E27FC236}">
+                <a16:creationId xmlns:a16="http://schemas.microsoft.com/office/drawing/2014/main" id="{E7ECAA9D-41C5-4CC3-B2E3-81551424162A}"/>
+              </a:ext>
+            </a:extLst>
+          </p:cNvPr>
+          <p:cNvGraphicFramePr>
+            <a:graphicFrameLocks noGrp="1"/>
+          </p:cNvGraphicFramePr>
+          <p:nvPr>
+            <p:ph idx="1"/>
+            <p:extLst>
+              <p:ext uri="{D42A27DB-BD31-4B8C-83A1-F6EECF244321}">
+                <p14:modId xmlns:p14="http://schemas.microsoft.com/office/powerpoint/2010/main" val="224941718"/>
+              </p:ext>
+            </p:extLst>
+          </p:nvPr>
+        </p:nvGraphicFramePr>
+        <p:xfrm>
+          <a:off x="628650" y="1236541"/>
+          <a:ext cx="7886700" cy="3263504"/>
+        </p:xfrm>
+        <a:graphic>
+          <a:graphicData uri="http://schemas.openxmlformats.org/drawingml/2006/diagram">
+            <dgm:relIds xmlns:dgm="http://schemas.openxmlformats.org/drawingml/2006/diagram" xmlns:r="http://schemas.openxmlformats.org/officeDocument/2006/relationships" r:dm="rId2" r:lo="rId3" r:qs="rId4" r:cs="rId5"/>
+          </a:graphicData>
+        </a:graphic>
+      </p:graphicFrame>
+    </p:spTree>
+    <p:extLst>
+      <p:ext uri="{BB962C8B-B14F-4D97-AF65-F5344CB8AC3E}">
+        <p14:creationId xmlns:p14="http://schemas.microsoft.com/office/powerpoint/2010/main" val="3319901412"/>
+      </p:ext>
+    </p:extLst>
+  </p:cSld>
+  <p:clrMapOvr>
+    <a:masterClrMapping/>
+  </p:clrMapOvr>
+</p:sld>
+</file>
+
+<file path=ppt/slides/slide48.xml><?xml version="1.0" encoding="utf-8"?>
+<p:sld xmlns:a="http://schemas.openxmlformats.org/drawingml/2006/main" xmlns:r="http://schemas.openxmlformats.org/officeDocument/2006/relationships" xmlns:p="http://schemas.openxmlformats.org/presentationml/2006/main">
+  <p:cSld>
+    <p:spTree>
+      <p:nvGrpSpPr>
+        <p:cNvPr id="1" name=""/>
+        <p:cNvGrpSpPr/>
+        <p:nvPr/>
+      </p:nvGrpSpPr>
+      <p:grpSpPr>
+        <a:xfrm>
+          <a:off x="0" y="0"/>
+          <a:ext cx="0" cy="0"/>
+          <a:chOff x="0" y="0"/>
+          <a:chExt cx="0" cy="0"/>
+        </a:xfrm>
+      </p:grpSpPr>
+      <p:sp>
+        <p:nvSpPr>
+          <p:cNvPr id="2" name="Title 1">
+            <a:extLst>
+              <a:ext uri="{FF2B5EF4-FFF2-40B4-BE49-F238E27FC236}">
+                <a16:creationId xmlns:a16="http://schemas.microsoft.com/office/drawing/2014/main" id="{7DB9B60E-33BB-EE43-81C3-E31A50D0A4D9}"/>
+              </a:ext>
+            </a:extLst>
+          </p:cNvPr>
+          <p:cNvSpPr>
+            <a:spLocks noGrp="1"/>
+          </p:cNvSpPr>
+          <p:nvPr>
+            <p:ph type="title"/>
+          </p:nvPr>
+        </p:nvSpPr>
+        <p:spPr/>
+        <p:txBody>
+          <a:bodyPr/>
+          <a:lstStyle/>
+          <a:p>
+            <a:r>
+              <a:rPr lang="en-US" dirty="0"/>
+              <a:t>Easy Winner </a:t>
+            </a:r>
+            <a:r>
+              <a:rPr lang="en-US" dirty="0" err="1"/>
+              <a:t>Func</a:t>
+            </a:r>
+            <a:endParaRPr lang="en-US" dirty="0"/>
+          </a:p>
+        </p:txBody>
+      </p:sp>
+      <p:pic>
+        <p:nvPicPr>
+          <p:cNvPr id="5" name="Content Placeholder 4" descr="A close up of a sign&#10;&#10;Description automatically generated">
+            <a:extLst>
+              <a:ext uri="{FF2B5EF4-FFF2-40B4-BE49-F238E27FC236}">
+                <a16:creationId xmlns:a16="http://schemas.microsoft.com/office/drawing/2014/main" id="{37E12C90-C1C9-104B-8A6D-824067C2604C}"/>
+              </a:ext>
+            </a:extLst>
+          </p:cNvPr>
+          <p:cNvPicPr>
+            <a:picLocks noGrp="1" noChangeAspect="1"/>
+          </p:cNvPicPr>
+          <p:nvPr>
+            <p:ph idx="1"/>
+          </p:nvPr>
+        </p:nvPicPr>
+        <p:blipFill>
+          <a:blip r:embed="rId2"/>
+          <a:stretch>
+            <a:fillRect/>
+          </a:stretch>
+        </p:blipFill>
+        <p:spPr>
+          <a:xfrm>
+            <a:off x="715182" y="1268019"/>
+            <a:ext cx="6521680" cy="1172964"/>
+          </a:xfrm>
+        </p:spPr>
+      </p:pic>
+      <p:cxnSp>
+        <p:nvCxnSpPr>
+          <p:cNvPr id="9" name="Straight Arrow Connector 8">
+            <a:extLst>
+              <a:ext uri="{FF2B5EF4-FFF2-40B4-BE49-F238E27FC236}">
+                <a16:creationId xmlns:a16="http://schemas.microsoft.com/office/drawing/2014/main" id="{97B1379F-412C-8D44-A21C-A2577633A4E7}"/>
+              </a:ext>
+            </a:extLst>
+          </p:cNvPr>
+          <p:cNvCxnSpPr>
+            <a:cxnSpLocks/>
+          </p:cNvCxnSpPr>
+          <p:nvPr/>
+        </p:nvCxnSpPr>
+        <p:spPr>
+          <a:xfrm flipH="1">
+            <a:off x="6820175" y="1615417"/>
+            <a:ext cx="850639" cy="0"/>
+          </a:xfrm>
+          <a:prstGeom prst="straightConnector1">
+            <a:avLst/>
+          </a:prstGeom>
+          <a:ln w="38100">
+            <a:solidFill>
+              <a:srgbClr val="FF0000"/>
+            </a:solidFill>
+            <a:tailEnd type="triangle"/>
+          </a:ln>
+        </p:spPr>
+        <p:style>
+          <a:lnRef idx="1">
+            <a:schemeClr val="accent1"/>
+          </a:lnRef>
+          <a:fillRef idx="0">
+            <a:schemeClr val="accent1"/>
+          </a:fillRef>
+          <a:effectRef idx="0">
+            <a:schemeClr val="accent1"/>
+          </a:effectRef>
+          <a:fontRef idx="minor">
+            <a:schemeClr val="tx1"/>
+          </a:fontRef>
+        </p:style>
+      </p:cxnSp>
+      <p:sp>
+        <p:nvSpPr>
+          <p:cNvPr id="12" name="TextBox 11">
+            <a:extLst>
+              <a:ext uri="{FF2B5EF4-FFF2-40B4-BE49-F238E27FC236}">
+                <a16:creationId xmlns:a16="http://schemas.microsoft.com/office/drawing/2014/main" id="{8694D84A-0844-6A46-9C1D-E9F91318A523}"/>
+              </a:ext>
+            </a:extLst>
+          </p:cNvPr>
+          <p:cNvSpPr txBox="1"/>
+          <p:nvPr/>
+        </p:nvSpPr>
+        <p:spPr>
+          <a:xfrm>
+            <a:off x="7245494" y="1300503"/>
+            <a:ext cx="1720312" cy="369332"/>
+          </a:xfrm>
+          <a:prstGeom prst="rect">
+            <a:avLst/>
+          </a:prstGeom>
+          <a:noFill/>
+        </p:spPr>
+        <p:txBody>
+          <a:bodyPr wrap="square" rtlCol="0">
+            <a:spAutoFit/>
+          </a:bodyPr>
+          <a:lstStyle/>
+          <a:p>
+            <a:r>
+              <a:rPr lang="en-US" dirty="0"/>
+              <a:t>Winner Address</a:t>
+            </a:r>
+          </a:p>
+        </p:txBody>
+      </p:sp>
+      <p:cxnSp>
+        <p:nvCxnSpPr>
+          <p:cNvPr id="13" name="Straight Arrow Connector 12">
+            <a:extLst>
+              <a:ext uri="{FF2B5EF4-FFF2-40B4-BE49-F238E27FC236}">
+                <a16:creationId xmlns:a16="http://schemas.microsoft.com/office/drawing/2014/main" id="{6F965600-E060-584F-8787-08CC7152EBCA}"/>
+              </a:ext>
+            </a:extLst>
+          </p:cNvPr>
+          <p:cNvCxnSpPr>
+            <a:cxnSpLocks/>
+          </p:cNvCxnSpPr>
+          <p:nvPr/>
+        </p:nvCxnSpPr>
+        <p:spPr>
+          <a:xfrm flipH="1">
+            <a:off x="4254286" y="2146515"/>
+            <a:ext cx="3416528" cy="0"/>
+          </a:xfrm>
+          <a:prstGeom prst="straightConnector1">
+            <a:avLst/>
+          </a:prstGeom>
+          <a:ln w="38100">
+            <a:solidFill>
+              <a:srgbClr val="FF0000"/>
+            </a:solidFill>
+            <a:tailEnd type="triangle"/>
+          </a:ln>
+        </p:spPr>
+        <p:style>
+          <a:lnRef idx="1">
+            <a:schemeClr val="accent1"/>
+          </a:lnRef>
+          <a:fillRef idx="0">
+            <a:schemeClr val="accent1"/>
+          </a:fillRef>
+          <a:effectRef idx="0">
+            <a:schemeClr val="accent1"/>
+          </a:effectRef>
+          <a:fontRef idx="minor">
+            <a:schemeClr val="tx1"/>
+          </a:fontRef>
+        </p:style>
+      </p:cxnSp>
+      <p:sp>
+        <p:nvSpPr>
+          <p:cNvPr id="16" name="TextBox 15">
+            <a:extLst>
+              <a:ext uri="{FF2B5EF4-FFF2-40B4-BE49-F238E27FC236}">
+                <a16:creationId xmlns:a16="http://schemas.microsoft.com/office/drawing/2014/main" id="{60F6D075-4993-0641-B673-0C2A8D2F2F44}"/>
+              </a:ext>
+            </a:extLst>
+          </p:cNvPr>
+          <p:cNvSpPr txBox="1"/>
+          <p:nvPr/>
+        </p:nvSpPr>
+        <p:spPr>
+          <a:xfrm>
+            <a:off x="7245494" y="1800083"/>
+            <a:ext cx="1720312" cy="369332"/>
+          </a:xfrm>
+          <a:prstGeom prst="rect">
+            <a:avLst/>
+          </a:prstGeom>
+          <a:noFill/>
+        </p:spPr>
+        <p:txBody>
+          <a:bodyPr wrap="square" rtlCol="0">
+            <a:spAutoFit/>
+          </a:bodyPr>
+          <a:lstStyle/>
+          <a:p>
+            <a:r>
+              <a:rPr lang="en-US" dirty="0"/>
+              <a:t>Shellcode</a:t>
+            </a:r>
+          </a:p>
+        </p:txBody>
+      </p:sp>
+    </p:spTree>
+    <p:extLst>
+      <p:ext uri="{BB962C8B-B14F-4D97-AF65-F5344CB8AC3E}">
+        <p14:creationId xmlns:p14="http://schemas.microsoft.com/office/powerpoint/2010/main" val="1502479331"/>
+      </p:ext>
+    </p:extLst>
+  </p:cSld>
+  <p:clrMapOvr>
+    <a:masterClrMapping/>
+  </p:clrMapOvr>
+</p:sld>
+</file>
+
+<file path=ppt/slides/slide49.xml><?xml version="1.0" encoding="utf-8"?>
+<p:sld xmlns:a="http://schemas.openxmlformats.org/drawingml/2006/main" xmlns:r="http://schemas.openxmlformats.org/officeDocument/2006/relationships" xmlns:p="http://schemas.openxmlformats.org/presentationml/2006/main">
+  <p:cSld>
+    <p:spTree>
+      <p:nvGrpSpPr>
+        <p:cNvPr id="1" name=""/>
+        <p:cNvGrpSpPr/>
+        <p:nvPr/>
+      </p:nvGrpSpPr>
+      <p:grpSpPr>
+        <a:xfrm>
+          <a:off x="0" y="0"/>
+          <a:ext cx="0" cy="0"/>
+          <a:chOff x="0" y="0"/>
+          <a:chExt cx="0" cy="0"/>
+        </a:xfrm>
+      </p:grpSpPr>
+      <p:sp>
+        <p:nvSpPr>
+          <p:cNvPr id="2" name="Title 1">
+            <a:extLst>
+              <a:ext uri="{FF2B5EF4-FFF2-40B4-BE49-F238E27FC236}">
+                <a16:creationId xmlns:a16="http://schemas.microsoft.com/office/drawing/2014/main" id="{50917DE6-522B-CD44-8651-0EA70998F72F}"/>
+              </a:ext>
+            </a:extLst>
+          </p:cNvPr>
+          <p:cNvSpPr>
+            <a:spLocks noGrp="1"/>
+          </p:cNvSpPr>
+          <p:nvPr>
+            <p:ph type="title"/>
+          </p:nvPr>
+        </p:nvSpPr>
+        <p:spPr/>
+        <p:txBody>
+          <a:bodyPr/>
+          <a:lstStyle/>
+          <a:p>
+            <a:r>
+              <a:rPr lang="en-US" dirty="0"/>
+              <a:t>Exercise2</a:t>
+            </a:r>
+          </a:p>
+        </p:txBody>
+      </p:sp>
+      <p:sp>
+        <p:nvSpPr>
+          <p:cNvPr id="3" name="Content Placeholder 2">
+            <a:extLst>
+              <a:ext uri="{FF2B5EF4-FFF2-40B4-BE49-F238E27FC236}">
+                <a16:creationId xmlns:a16="http://schemas.microsoft.com/office/drawing/2014/main" id="{AA0CA50D-07E6-F54C-86BD-7C069FDC799B}"/>
+              </a:ext>
+            </a:extLst>
+          </p:cNvPr>
+          <p:cNvSpPr>
+            <a:spLocks noGrp="1"/>
+          </p:cNvSpPr>
+          <p:nvPr>
+            <p:ph idx="1"/>
+          </p:nvPr>
+        </p:nvSpPr>
+        <p:spPr>
+          <a:xfrm>
+            <a:off x="628650" y="1236541"/>
+            <a:ext cx="7886700" cy="3783134"/>
+          </a:xfrm>
+        </p:spPr>
+        <p:txBody>
+          <a:bodyPr>
+            <a:normAutofit/>
+          </a:bodyPr>
+          <a:lstStyle/>
+          <a:p>
+            <a:r>
+              <a:rPr lang="en-US" i="1" dirty="0" err="1"/>
+              <a:t>prev_inuse</a:t>
+            </a:r>
+            <a:r>
+              <a:rPr lang="en-US" dirty="0"/>
+              <a:t> bit set to 0 to force a backwards consolidation</a:t>
+            </a:r>
+          </a:p>
+          <a:p>
+            <a:r>
+              <a:rPr lang="en-US" dirty="0"/>
+              <a:t>Everything else is the same as before: </a:t>
+            </a:r>
+          </a:p>
+          <a:p>
+            <a:pPr lvl="1"/>
+            <a:r>
+              <a:rPr lang="en-US" dirty="0"/>
+              <a:t>Writes (offsets) for chunks: </a:t>
+            </a:r>
+          </a:p>
+          <a:p>
+            <a:pPr lvl="2"/>
+            <a:r>
+              <a:rPr lang="en-US" dirty="0"/>
+              <a:t>Fd (offset of 0x10) </a:t>
+            </a:r>
+          </a:p>
+          <a:p>
+            <a:pPr lvl="2"/>
+            <a:r>
+              <a:rPr lang="en-US" dirty="0"/>
+              <a:t>Bk (offset of 0x18) </a:t>
+            </a:r>
+          </a:p>
+          <a:p>
+            <a:pPr lvl="1"/>
+            <a:r>
+              <a:rPr lang="en-US" dirty="0"/>
+              <a:t>Overwrite the </a:t>
+            </a:r>
+            <a:r>
+              <a:rPr lang="en-US" b="1" dirty="0"/>
+              <a:t>GOT</a:t>
+            </a:r>
+            <a:r>
+              <a:rPr lang="en-US" dirty="0"/>
+              <a:t> entry of </a:t>
+            </a:r>
+            <a:r>
+              <a:rPr lang="en-US" b="1" dirty="0"/>
+              <a:t>puts</a:t>
+            </a:r>
+            <a:r>
+              <a:rPr lang="en-US" dirty="0"/>
+              <a:t> or return </a:t>
+            </a:r>
+            <a:r>
+              <a:rPr lang="en-US" b="1" dirty="0"/>
+              <a:t>EIP</a:t>
+            </a:r>
+            <a:endParaRPr lang="en-US" dirty="0"/>
+          </a:p>
+          <a:p>
+            <a:pPr lvl="1"/>
+            <a:r>
+              <a:rPr lang="en-US" dirty="0"/>
+              <a:t>NO memory protections: </a:t>
+            </a:r>
+          </a:p>
+          <a:p>
+            <a:pPr lvl="2"/>
+            <a:r>
+              <a:rPr lang="en-US" dirty="0"/>
+              <a:t>ASLR, RELRO, NX (on stack but not heap).</a:t>
+            </a:r>
+          </a:p>
+          <a:p>
+            <a:pPr lvl="2"/>
+            <a:r>
+              <a:rPr lang="en-US" dirty="0"/>
+              <a:t>Shellcode is already written for you </a:t>
+            </a:r>
+            <a:r>
+              <a:rPr lang="en-US" dirty="0">
+                <a:sym typeface="Wingdings" pitchFamily="2" charset="2"/>
+              </a:rPr>
+              <a:t> </a:t>
+            </a:r>
+            <a:endParaRPr lang="en-US" dirty="0"/>
+          </a:p>
+        </p:txBody>
+      </p:sp>
+    </p:spTree>
+    <p:extLst>
+      <p:ext uri="{BB962C8B-B14F-4D97-AF65-F5344CB8AC3E}">
+        <p14:creationId xmlns:p14="http://schemas.microsoft.com/office/powerpoint/2010/main" val="1271793759"/>
       </p:ext>
     </p:extLst>
   </p:cSld>
@@ -39454,1079 +39232,6 @@
 </file>
 
 <file path=ppt/slides/slide50.xml><?xml version="1.0" encoding="utf-8"?>
-<p:sld xmlns:a="http://schemas.openxmlformats.org/drawingml/2006/main" xmlns:r="http://schemas.openxmlformats.org/officeDocument/2006/relationships" xmlns:p="http://schemas.openxmlformats.org/presentationml/2006/main" show="0">
-  <p:cSld>
-    <p:spTree>
-      <p:nvGrpSpPr>
-        <p:cNvPr id="1" name=""/>
-        <p:cNvGrpSpPr/>
-        <p:nvPr/>
-      </p:nvGrpSpPr>
-      <p:grpSpPr>
-        <a:xfrm>
-          <a:off x="0" y="0"/>
-          <a:ext cx="0" cy="0"/>
-          <a:chOff x="0" y="0"/>
-          <a:chExt cx="0" cy="0"/>
-        </a:xfrm>
-      </p:grpSpPr>
-      <p:sp>
-        <p:nvSpPr>
-          <p:cNvPr id="2" name="Title 1">
-            <a:extLst>
-              <a:ext uri="{FF2B5EF4-FFF2-40B4-BE49-F238E27FC236}">
-                <a16:creationId xmlns:a16="http://schemas.microsoft.com/office/drawing/2014/main" id="{F301ED8F-4787-BB44-A31D-56A8EBB356A6}"/>
-              </a:ext>
-            </a:extLst>
-          </p:cNvPr>
-          <p:cNvSpPr>
-            <a:spLocks noGrp="1"/>
-          </p:cNvSpPr>
-          <p:nvPr>
-            <p:ph type="title"/>
-          </p:nvPr>
-        </p:nvSpPr>
-        <p:spPr/>
-        <p:txBody>
-          <a:bodyPr/>
-          <a:lstStyle/>
-          <a:p>
-            <a:r>
-              <a:rPr lang="en-US" dirty="0"/>
-              <a:t>Fake Unlink Pointers</a:t>
-            </a:r>
-          </a:p>
-        </p:txBody>
-      </p:sp>
-      <p:sp>
-        <p:nvSpPr>
-          <p:cNvPr id="8" name="TextBox 7">
-            <a:extLst>
-              <a:ext uri="{FF2B5EF4-FFF2-40B4-BE49-F238E27FC236}">
-                <a16:creationId xmlns:a16="http://schemas.microsoft.com/office/drawing/2014/main" id="{7276B931-B3EB-6441-AD0F-C781832BC418}"/>
-              </a:ext>
-            </a:extLst>
-          </p:cNvPr>
-          <p:cNvSpPr txBox="1"/>
-          <p:nvPr/>
-        </p:nvSpPr>
-        <p:spPr>
-          <a:xfrm>
-            <a:off x="516038" y="3252795"/>
-            <a:ext cx="5633634" cy="646331"/>
-          </a:xfrm>
-          <a:prstGeom prst="rect">
-            <a:avLst/>
-          </a:prstGeom>
-          <a:noFill/>
-        </p:spPr>
-        <p:txBody>
-          <a:bodyPr wrap="square" rtlCol="0">
-            <a:spAutoFit/>
-          </a:bodyPr>
-          <a:lstStyle/>
-          <a:p>
-            <a:pPr marL="285750" indent="-285750">
-              <a:buFont typeface="Arial" panose="020B0604020202020204" pitchFamily="34" charset="0"/>
-              <a:buChar char="•"/>
-            </a:pPr>
-            <a:r>
-              <a:rPr lang="en-US" dirty="0"/>
-              <a:t>Just going to remove the yellow chunks where the linked list </a:t>
-            </a:r>
-            <a:r>
-              <a:rPr lang="en-US" i="1" dirty="0"/>
-              <a:t>should</a:t>
-            </a:r>
-            <a:r>
-              <a:rPr lang="en-US" dirty="0"/>
-              <a:t> be at</a:t>
-            </a:r>
-          </a:p>
-        </p:txBody>
-      </p:sp>
-      <p:pic>
-        <p:nvPicPr>
-          <p:cNvPr id="9" name="Content Placeholder 8" descr="Unlink last two lines">
-            <a:extLst>
-              <a:ext uri="{FF2B5EF4-FFF2-40B4-BE49-F238E27FC236}">
-                <a16:creationId xmlns:a16="http://schemas.microsoft.com/office/drawing/2014/main" id="{F2A925A2-9E8E-9442-BFAD-A41F23251990}"/>
-              </a:ext>
-            </a:extLst>
-          </p:cNvPr>
-          <p:cNvPicPr>
-            <a:picLocks noGrp="1" noChangeAspect="1"/>
-          </p:cNvPicPr>
-          <p:nvPr>
-            <p:ph idx="1"/>
-          </p:nvPr>
-        </p:nvPicPr>
-        <p:blipFill rotWithShape="1">
-          <a:blip r:embed="rId2"/>
-          <a:srcRect r="47856"/>
-          <a:stretch/>
-        </p:blipFill>
-        <p:spPr>
-          <a:xfrm>
-            <a:off x="516038" y="1152041"/>
-            <a:ext cx="2364137" cy="876300"/>
-          </a:xfrm>
-        </p:spPr>
-      </p:pic>
-      <p:pic>
-        <p:nvPicPr>
-          <p:cNvPr id="4" name="Picture 3" descr="Corrupted Chunk Pointers">
-            <a:extLst>
-              <a:ext uri="{FF2B5EF4-FFF2-40B4-BE49-F238E27FC236}">
-                <a16:creationId xmlns:a16="http://schemas.microsoft.com/office/drawing/2014/main" id="{316973F4-E232-C546-B51D-75456C7F1A1C}"/>
-              </a:ext>
-            </a:extLst>
-          </p:cNvPr>
-          <p:cNvPicPr>
-            <a:picLocks noChangeAspect="1"/>
-          </p:cNvPicPr>
-          <p:nvPr/>
-        </p:nvPicPr>
-        <p:blipFill>
-          <a:blip r:embed="rId3"/>
-          <a:stretch>
-            <a:fillRect/>
-          </a:stretch>
-        </p:blipFill>
-        <p:spPr>
-          <a:xfrm>
-            <a:off x="3225261" y="953683"/>
-            <a:ext cx="5561309" cy="2328798"/>
-          </a:xfrm>
-          <a:prstGeom prst="rect">
-            <a:avLst/>
-          </a:prstGeom>
-        </p:spPr>
-      </p:pic>
-    </p:spTree>
-    <p:extLst>
-      <p:ext uri="{BB962C8B-B14F-4D97-AF65-F5344CB8AC3E}">
-        <p14:creationId xmlns:p14="http://schemas.microsoft.com/office/powerpoint/2010/main" val="85342651"/>
-      </p:ext>
-    </p:extLst>
-  </p:cSld>
-  <p:clrMapOvr>
-    <a:masterClrMapping/>
-  </p:clrMapOvr>
-</p:sld>
-</file>
-
-<file path=ppt/slides/slide51.xml><?xml version="1.0" encoding="utf-8"?>
-<p:sld xmlns:a="http://schemas.openxmlformats.org/drawingml/2006/main" xmlns:r="http://schemas.openxmlformats.org/officeDocument/2006/relationships" xmlns:p="http://schemas.openxmlformats.org/presentationml/2006/main" show="0">
-  <p:cSld>
-    <p:spTree>
-      <p:nvGrpSpPr>
-        <p:cNvPr id="1" name=""/>
-        <p:cNvGrpSpPr/>
-        <p:nvPr/>
-      </p:nvGrpSpPr>
-      <p:grpSpPr>
-        <a:xfrm>
-          <a:off x="0" y="0"/>
-          <a:ext cx="0" cy="0"/>
-          <a:chOff x="0" y="0"/>
-          <a:chExt cx="0" cy="0"/>
-        </a:xfrm>
-      </p:grpSpPr>
-      <p:sp>
-        <p:nvSpPr>
-          <p:cNvPr id="2" name="Title 1">
-            <a:extLst>
-              <a:ext uri="{FF2B5EF4-FFF2-40B4-BE49-F238E27FC236}">
-                <a16:creationId xmlns:a16="http://schemas.microsoft.com/office/drawing/2014/main" id="{F301ED8F-4787-BB44-A31D-56A8EBB356A6}"/>
-              </a:ext>
-            </a:extLst>
-          </p:cNvPr>
-          <p:cNvSpPr>
-            <a:spLocks noGrp="1"/>
-          </p:cNvSpPr>
-          <p:nvPr>
-            <p:ph type="title"/>
-          </p:nvPr>
-        </p:nvSpPr>
-        <p:spPr/>
-        <p:txBody>
-          <a:bodyPr/>
-          <a:lstStyle/>
-          <a:p>
-            <a:r>
-              <a:rPr lang="en-US" dirty="0"/>
-              <a:t>Fake Unlink Pointers</a:t>
-            </a:r>
-          </a:p>
-        </p:txBody>
-      </p:sp>
-      <p:sp>
-        <p:nvSpPr>
-          <p:cNvPr id="8" name="TextBox 7">
-            <a:extLst>
-              <a:ext uri="{FF2B5EF4-FFF2-40B4-BE49-F238E27FC236}">
-                <a16:creationId xmlns:a16="http://schemas.microsoft.com/office/drawing/2014/main" id="{7276B931-B3EB-6441-AD0F-C781832BC418}"/>
-              </a:ext>
-            </a:extLst>
-          </p:cNvPr>
-          <p:cNvSpPr txBox="1"/>
-          <p:nvPr/>
-        </p:nvSpPr>
-        <p:spPr>
-          <a:xfrm>
-            <a:off x="516038" y="3252795"/>
-            <a:ext cx="5633634" cy="923330"/>
-          </a:xfrm>
-          <a:prstGeom prst="rect">
-            <a:avLst/>
-          </a:prstGeom>
-          <a:noFill/>
-        </p:spPr>
-        <p:txBody>
-          <a:bodyPr wrap="square" rtlCol="0">
-            <a:spAutoFit/>
-          </a:bodyPr>
-          <a:lstStyle/>
-          <a:p>
-            <a:pPr marL="285750" indent="-285750">
-              <a:buFont typeface="Arial" panose="020B0604020202020204" pitchFamily="34" charset="0"/>
-              <a:buChar char="•"/>
-            </a:pPr>
-            <a:r>
-              <a:rPr lang="en-US" dirty="0"/>
-              <a:t>FD is a corrupted pointer (GOT/stack var/etc.) </a:t>
-            </a:r>
-          </a:p>
-          <a:p>
-            <a:pPr marL="285750" indent="-285750">
-              <a:buFont typeface="Arial" panose="020B0604020202020204" pitchFamily="34" charset="0"/>
-              <a:buChar char="•"/>
-            </a:pPr>
-            <a:r>
-              <a:rPr lang="en-US" dirty="0"/>
-              <a:t>BK is a corrupted pointer (GOT/stack var/etc.) </a:t>
-            </a:r>
-          </a:p>
-          <a:p>
-            <a:pPr marL="285750" indent="-285750">
-              <a:buFont typeface="Arial" panose="020B0604020202020204" pitchFamily="34" charset="0"/>
-              <a:buChar char="•"/>
-            </a:pPr>
-            <a:r>
-              <a:rPr lang="en-US" dirty="0">
-                <a:solidFill>
-                  <a:srgbClr val="FF0000"/>
-                </a:solidFill>
-              </a:rPr>
-              <a:t>Better!</a:t>
-            </a:r>
-          </a:p>
-        </p:txBody>
-      </p:sp>
-      <p:pic>
-        <p:nvPicPr>
-          <p:cNvPr id="9" name="Content Placeholder 8" descr="Unlink last two lines">
-            <a:extLst>
-              <a:ext uri="{FF2B5EF4-FFF2-40B4-BE49-F238E27FC236}">
-                <a16:creationId xmlns:a16="http://schemas.microsoft.com/office/drawing/2014/main" id="{F2A925A2-9E8E-9442-BFAD-A41F23251990}"/>
-              </a:ext>
-            </a:extLst>
-          </p:cNvPr>
-          <p:cNvPicPr>
-            <a:picLocks noGrp="1" noChangeAspect="1"/>
-          </p:cNvPicPr>
-          <p:nvPr>
-            <p:ph idx="1"/>
-          </p:nvPr>
-        </p:nvPicPr>
-        <p:blipFill rotWithShape="1">
-          <a:blip r:embed="rId2"/>
-          <a:srcRect r="47856"/>
-          <a:stretch/>
-        </p:blipFill>
-        <p:spPr>
-          <a:xfrm>
-            <a:off x="516038" y="1152041"/>
-            <a:ext cx="2364137" cy="876300"/>
-          </a:xfrm>
-        </p:spPr>
-      </p:pic>
-      <p:pic>
-        <p:nvPicPr>
-          <p:cNvPr id="5" name="Picture 4" descr="Easy to read fake chunks :)">
-            <a:extLst>
-              <a:ext uri="{FF2B5EF4-FFF2-40B4-BE49-F238E27FC236}">
-                <a16:creationId xmlns:a16="http://schemas.microsoft.com/office/drawing/2014/main" id="{DE5CBC1A-4532-734C-B534-A116D50EB4B2}"/>
-              </a:ext>
-            </a:extLst>
-          </p:cNvPr>
-          <p:cNvPicPr>
-            <a:picLocks noChangeAspect="1"/>
-          </p:cNvPicPr>
-          <p:nvPr/>
-        </p:nvPicPr>
-        <p:blipFill>
-          <a:blip r:embed="rId3"/>
-          <a:stretch>
-            <a:fillRect/>
-          </a:stretch>
-        </p:blipFill>
-        <p:spPr>
-          <a:xfrm>
-            <a:off x="3268779" y="1307906"/>
-            <a:ext cx="5275967" cy="1691015"/>
-          </a:xfrm>
-          <a:prstGeom prst="rect">
-            <a:avLst/>
-          </a:prstGeom>
-        </p:spPr>
-      </p:pic>
-    </p:spTree>
-    <p:extLst>
-      <p:ext uri="{BB962C8B-B14F-4D97-AF65-F5344CB8AC3E}">
-        <p14:creationId xmlns:p14="http://schemas.microsoft.com/office/powerpoint/2010/main" val="2333753255"/>
-      </p:ext>
-    </p:extLst>
-  </p:cSld>
-  <p:clrMapOvr>
-    <a:masterClrMapping/>
-  </p:clrMapOvr>
-</p:sld>
-</file>
-
-<file path=ppt/slides/slide52.xml><?xml version="1.0" encoding="utf-8"?>
-<p:sld xmlns:a="http://schemas.openxmlformats.org/drawingml/2006/main" xmlns:r="http://schemas.openxmlformats.org/officeDocument/2006/relationships" xmlns:p="http://schemas.openxmlformats.org/presentationml/2006/main" show="0">
-  <p:cSld>
-    <p:spTree>
-      <p:nvGrpSpPr>
-        <p:cNvPr id="1" name=""/>
-        <p:cNvGrpSpPr/>
-        <p:nvPr/>
-      </p:nvGrpSpPr>
-      <p:grpSpPr>
-        <a:xfrm>
-          <a:off x="0" y="0"/>
-          <a:ext cx="0" cy="0"/>
-          <a:chOff x="0" y="0"/>
-          <a:chExt cx="0" cy="0"/>
-        </a:xfrm>
-      </p:grpSpPr>
-      <p:sp>
-        <p:nvSpPr>
-          <p:cNvPr id="2" name="Title 1">
-            <a:extLst>
-              <a:ext uri="{FF2B5EF4-FFF2-40B4-BE49-F238E27FC236}">
-                <a16:creationId xmlns:a16="http://schemas.microsoft.com/office/drawing/2014/main" id="{F301ED8F-4787-BB44-A31D-56A8EBB356A6}"/>
-              </a:ext>
-            </a:extLst>
-          </p:cNvPr>
-          <p:cNvSpPr>
-            <a:spLocks noGrp="1"/>
-          </p:cNvSpPr>
-          <p:nvPr>
-            <p:ph type="title"/>
-          </p:nvPr>
-        </p:nvSpPr>
-        <p:spPr/>
-        <p:txBody>
-          <a:bodyPr/>
-          <a:lstStyle/>
-          <a:p>
-            <a:r>
-              <a:rPr lang="en-US" dirty="0"/>
-              <a:t>Fake Unlink Pointers</a:t>
-            </a:r>
-          </a:p>
-        </p:txBody>
-      </p:sp>
-      <p:sp>
-        <p:nvSpPr>
-          <p:cNvPr id="8" name="TextBox 7">
-            <a:extLst>
-              <a:ext uri="{FF2B5EF4-FFF2-40B4-BE49-F238E27FC236}">
-                <a16:creationId xmlns:a16="http://schemas.microsoft.com/office/drawing/2014/main" id="{7276B931-B3EB-6441-AD0F-C781832BC418}"/>
-              </a:ext>
-            </a:extLst>
-          </p:cNvPr>
-          <p:cNvSpPr txBox="1"/>
-          <p:nvPr/>
-        </p:nvSpPr>
-        <p:spPr>
-          <a:xfrm>
-            <a:off x="516038" y="3252795"/>
-            <a:ext cx="5633634" cy="646331"/>
-          </a:xfrm>
-          <a:prstGeom prst="rect">
-            <a:avLst/>
-          </a:prstGeom>
-          <a:noFill/>
-        </p:spPr>
-        <p:txBody>
-          <a:bodyPr wrap="square" rtlCol="0">
-            <a:spAutoFit/>
-          </a:bodyPr>
-          <a:lstStyle/>
-          <a:p>
-            <a:pPr marL="285750" indent="-285750">
-              <a:buFont typeface="Arial" panose="020B0604020202020204" pitchFamily="34" charset="0"/>
-              <a:buChar char="•"/>
-            </a:pPr>
-            <a:r>
-              <a:rPr lang="en-US" dirty="0"/>
-              <a:t>FD is a corrupted pointer (GOT entry)</a:t>
-            </a:r>
-          </a:p>
-          <a:p>
-            <a:pPr marL="285750" indent="-285750">
-              <a:buFont typeface="Arial" panose="020B0604020202020204" pitchFamily="34" charset="0"/>
-              <a:buChar char="•"/>
-            </a:pPr>
-            <a:r>
-              <a:rPr lang="en-US" dirty="0"/>
-              <a:t>BK is a corrupted pointer (heap, where shellcode lives) </a:t>
-            </a:r>
-          </a:p>
-        </p:txBody>
-      </p:sp>
-      <p:pic>
-        <p:nvPicPr>
-          <p:cNvPr id="9" name="Content Placeholder 8" descr="Unlink last two lines">
-            <a:extLst>
-              <a:ext uri="{FF2B5EF4-FFF2-40B4-BE49-F238E27FC236}">
-                <a16:creationId xmlns:a16="http://schemas.microsoft.com/office/drawing/2014/main" id="{F2A925A2-9E8E-9442-BFAD-A41F23251990}"/>
-              </a:ext>
-            </a:extLst>
-          </p:cNvPr>
-          <p:cNvPicPr>
-            <a:picLocks noGrp="1" noChangeAspect="1"/>
-          </p:cNvPicPr>
-          <p:nvPr>
-            <p:ph idx="1"/>
-          </p:nvPr>
-        </p:nvPicPr>
-        <p:blipFill rotWithShape="1">
-          <a:blip r:embed="rId2"/>
-          <a:srcRect r="47856"/>
-          <a:stretch/>
-        </p:blipFill>
-        <p:spPr>
-          <a:xfrm>
-            <a:off x="516038" y="1152041"/>
-            <a:ext cx="2364137" cy="876300"/>
-          </a:xfrm>
-        </p:spPr>
-      </p:pic>
-      <p:pic>
-        <p:nvPicPr>
-          <p:cNvPr id="4" name="Picture 3" descr="Where we are going to set it to">
-            <a:extLst>
-              <a:ext uri="{FF2B5EF4-FFF2-40B4-BE49-F238E27FC236}">
-                <a16:creationId xmlns:a16="http://schemas.microsoft.com/office/drawing/2014/main" id="{FD56014D-39D5-BE4B-8B4D-EA222C7C7245}"/>
-              </a:ext>
-            </a:extLst>
-          </p:cNvPr>
-          <p:cNvPicPr>
-            <a:picLocks noChangeAspect="1"/>
-          </p:cNvPicPr>
-          <p:nvPr/>
-        </p:nvPicPr>
-        <p:blipFill>
-          <a:blip r:embed="rId3"/>
-          <a:stretch>
-            <a:fillRect/>
-          </a:stretch>
-        </p:blipFill>
-        <p:spPr>
-          <a:xfrm>
-            <a:off x="3177872" y="1408044"/>
-            <a:ext cx="5090474" cy="1631562"/>
-          </a:xfrm>
-          <a:prstGeom prst="rect">
-            <a:avLst/>
-          </a:prstGeom>
-        </p:spPr>
-      </p:pic>
-    </p:spTree>
-    <p:extLst>
-      <p:ext uri="{BB962C8B-B14F-4D97-AF65-F5344CB8AC3E}">
-        <p14:creationId xmlns:p14="http://schemas.microsoft.com/office/powerpoint/2010/main" val="1040289354"/>
-      </p:ext>
-    </p:extLst>
-  </p:cSld>
-  <p:clrMapOvr>
-    <a:masterClrMapping/>
-  </p:clrMapOvr>
-</p:sld>
-</file>
-
-<file path=ppt/slides/slide53.xml><?xml version="1.0" encoding="utf-8"?>
-<p:sld xmlns:a="http://schemas.openxmlformats.org/drawingml/2006/main" xmlns:r="http://schemas.openxmlformats.org/officeDocument/2006/relationships" xmlns:p="http://schemas.openxmlformats.org/presentationml/2006/main" show="0">
-  <p:cSld>
-    <p:spTree>
-      <p:nvGrpSpPr>
-        <p:cNvPr id="1" name=""/>
-        <p:cNvGrpSpPr/>
-        <p:nvPr/>
-      </p:nvGrpSpPr>
-      <p:grpSpPr>
-        <a:xfrm>
-          <a:off x="0" y="0"/>
-          <a:ext cx="0" cy="0"/>
-          <a:chOff x="0" y="0"/>
-          <a:chExt cx="0" cy="0"/>
-        </a:xfrm>
-      </p:grpSpPr>
-      <p:sp>
-        <p:nvSpPr>
-          <p:cNvPr id="2" name="Title 1">
-            <a:extLst>
-              <a:ext uri="{FF2B5EF4-FFF2-40B4-BE49-F238E27FC236}">
-                <a16:creationId xmlns:a16="http://schemas.microsoft.com/office/drawing/2014/main" id="{F301ED8F-4787-BB44-A31D-56A8EBB356A6}"/>
-              </a:ext>
-            </a:extLst>
-          </p:cNvPr>
-          <p:cNvSpPr>
-            <a:spLocks noGrp="1"/>
-          </p:cNvSpPr>
-          <p:nvPr>
-            <p:ph type="title"/>
-          </p:nvPr>
-        </p:nvSpPr>
-        <p:spPr/>
-        <p:txBody>
-          <a:bodyPr/>
-          <a:lstStyle/>
-          <a:p>
-            <a:r>
-              <a:rPr lang="en-US" dirty="0"/>
-              <a:t>Fake Unlink Pointers</a:t>
-            </a:r>
-          </a:p>
-        </p:txBody>
-      </p:sp>
-      <p:sp>
-        <p:nvSpPr>
-          <p:cNvPr id="8" name="TextBox 7">
-            <a:extLst>
-              <a:ext uri="{FF2B5EF4-FFF2-40B4-BE49-F238E27FC236}">
-                <a16:creationId xmlns:a16="http://schemas.microsoft.com/office/drawing/2014/main" id="{7276B931-B3EB-6441-AD0F-C781832BC418}"/>
-              </a:ext>
-            </a:extLst>
-          </p:cNvPr>
-          <p:cNvSpPr txBox="1"/>
-          <p:nvPr/>
-        </p:nvSpPr>
-        <p:spPr>
-          <a:xfrm>
-            <a:off x="516038" y="2859907"/>
-            <a:ext cx="5633634" cy="2031325"/>
-          </a:xfrm>
-          <a:prstGeom prst="rect">
-            <a:avLst/>
-          </a:prstGeom>
-          <a:noFill/>
-        </p:spPr>
-        <p:txBody>
-          <a:bodyPr wrap="square" rtlCol="0">
-            <a:spAutoFit/>
-          </a:bodyPr>
-          <a:lstStyle/>
-          <a:p>
-            <a:pPr marL="285750" indent="-285750">
-              <a:buFont typeface="Arial" panose="020B0604020202020204" pitchFamily="34" charset="0"/>
-              <a:buChar char="•"/>
-            </a:pPr>
-            <a:r>
-              <a:rPr lang="en-US" dirty="0"/>
-              <a:t>FD is a corrupted pointer (GOT entry)</a:t>
-            </a:r>
-          </a:p>
-          <a:p>
-            <a:pPr marL="285750" indent="-285750">
-              <a:buFont typeface="Arial" panose="020B0604020202020204" pitchFamily="34" charset="0"/>
-              <a:buChar char="•"/>
-            </a:pPr>
-            <a:r>
-              <a:rPr lang="en-US" dirty="0"/>
-              <a:t>BK is a corrupted pointer (heap, where shellcode lives)</a:t>
-            </a:r>
-          </a:p>
-          <a:p>
-            <a:pPr marL="285750" indent="-285750">
-              <a:buFont typeface="Arial" panose="020B0604020202020204" pitchFamily="34" charset="0"/>
-              <a:buChar char="•"/>
-            </a:pPr>
-            <a:r>
-              <a:rPr lang="en-US" dirty="0"/>
-              <a:t>Set FD + 0x18 = BK; (fourth element of struct) </a:t>
-            </a:r>
-          </a:p>
-          <a:p>
-            <a:pPr marL="742950" lvl="1" indent="-285750">
-              <a:buFont typeface="Arial" panose="020B0604020202020204" pitchFamily="34" charset="0"/>
-              <a:buChar char="•"/>
-            </a:pPr>
-            <a:r>
-              <a:rPr lang="en-US" dirty="0"/>
-              <a:t>In order to combat this offset, set the </a:t>
-            </a:r>
-            <a:r>
-              <a:rPr lang="en-US" i="1" dirty="0"/>
-              <a:t>FD</a:t>
-            </a:r>
-            <a:r>
-              <a:rPr lang="en-US" dirty="0"/>
-              <a:t> to be </a:t>
-            </a:r>
-            <a:r>
-              <a:rPr lang="en-US" i="1" dirty="0"/>
-              <a:t>GOT Entry – 0x18</a:t>
-            </a:r>
-          </a:p>
-          <a:p>
-            <a:pPr marL="1200150" lvl="2" indent="-285750">
-              <a:buFont typeface="Arial" panose="020B0604020202020204" pitchFamily="34" charset="0"/>
-              <a:buChar char="•"/>
-            </a:pPr>
-            <a:r>
-              <a:rPr lang="en-US" dirty="0"/>
-              <a:t>Use PUTS for GOT entry</a:t>
-            </a:r>
-          </a:p>
-          <a:p>
-            <a:pPr marL="742950" lvl="1" indent="-285750">
-              <a:buFont typeface="Arial" panose="020B0604020202020204" pitchFamily="34" charset="0"/>
-              <a:buChar char="•"/>
-            </a:pPr>
-            <a:r>
-              <a:rPr lang="en-US" dirty="0"/>
-              <a:t>Set </a:t>
-            </a:r>
-            <a:r>
-              <a:rPr lang="en-US" i="1" dirty="0"/>
-              <a:t>BK</a:t>
-            </a:r>
-            <a:r>
-              <a:rPr lang="en-US" dirty="0"/>
-              <a:t> to be address of shellcode </a:t>
-            </a:r>
-            <a:r>
-              <a:rPr lang="en-US" dirty="0">
-                <a:sym typeface="Wingdings" pitchFamily="2" charset="2"/>
-              </a:rPr>
-              <a:t> </a:t>
-            </a:r>
-            <a:endParaRPr lang="en-US" dirty="0"/>
-          </a:p>
-        </p:txBody>
-      </p:sp>
-      <p:pic>
-        <p:nvPicPr>
-          <p:cNvPr id="9" name="Content Placeholder 8" descr="Unlink last two lines">
-            <a:extLst>
-              <a:ext uri="{FF2B5EF4-FFF2-40B4-BE49-F238E27FC236}">
-                <a16:creationId xmlns:a16="http://schemas.microsoft.com/office/drawing/2014/main" id="{F2A925A2-9E8E-9442-BFAD-A41F23251990}"/>
-              </a:ext>
-            </a:extLst>
-          </p:cNvPr>
-          <p:cNvPicPr>
-            <a:picLocks noGrp="1" noChangeAspect="1"/>
-          </p:cNvPicPr>
-          <p:nvPr>
-            <p:ph idx="1"/>
-          </p:nvPr>
-        </p:nvPicPr>
-        <p:blipFill rotWithShape="1">
-          <a:blip r:embed="rId2"/>
-          <a:srcRect r="47856"/>
-          <a:stretch/>
-        </p:blipFill>
-        <p:spPr>
-          <a:xfrm>
-            <a:off x="516038" y="1152041"/>
-            <a:ext cx="2364137" cy="876300"/>
-          </a:xfrm>
-        </p:spPr>
-      </p:pic>
-      <p:pic>
-        <p:nvPicPr>
-          <p:cNvPr id="5" name="Picture 4" descr="A picture containing clock&#10;&#10;Description automatically generated">
-            <a:extLst>
-              <a:ext uri="{FF2B5EF4-FFF2-40B4-BE49-F238E27FC236}">
-                <a16:creationId xmlns:a16="http://schemas.microsoft.com/office/drawing/2014/main" id="{67DCF193-99F8-2D4B-B4FF-4320D539A932}"/>
-              </a:ext>
-            </a:extLst>
-          </p:cNvPr>
-          <p:cNvPicPr>
-            <a:picLocks noChangeAspect="1"/>
-          </p:cNvPicPr>
-          <p:nvPr/>
-        </p:nvPicPr>
-        <p:blipFill>
-          <a:blip r:embed="rId3"/>
-          <a:stretch>
-            <a:fillRect/>
-          </a:stretch>
-        </p:blipFill>
-        <p:spPr>
-          <a:xfrm>
-            <a:off x="3177871" y="1267930"/>
-            <a:ext cx="5231451" cy="1676747"/>
-          </a:xfrm>
-          <a:prstGeom prst="rect">
-            <a:avLst/>
-          </a:prstGeom>
-        </p:spPr>
-      </p:pic>
-      <p:cxnSp>
-        <p:nvCxnSpPr>
-          <p:cNvPr id="10" name="Straight Connector 9">
-            <a:extLst>
-              <a:ext uri="{FF2B5EF4-FFF2-40B4-BE49-F238E27FC236}">
-                <a16:creationId xmlns:a16="http://schemas.microsoft.com/office/drawing/2014/main" id="{F436FA15-5100-A64B-B744-F07369F74153}"/>
-              </a:ext>
-            </a:extLst>
-          </p:cNvPr>
-          <p:cNvCxnSpPr>
-            <a:cxnSpLocks/>
-          </p:cNvCxnSpPr>
-          <p:nvPr/>
-        </p:nvCxnSpPr>
-        <p:spPr>
-          <a:xfrm>
-            <a:off x="836907" y="1418095"/>
-            <a:ext cx="1611825" cy="0"/>
-          </a:xfrm>
-          <a:prstGeom prst="line">
-            <a:avLst/>
-          </a:prstGeom>
-          <a:ln w="25400">
-            <a:solidFill>
-              <a:srgbClr val="FF0000"/>
-            </a:solidFill>
-          </a:ln>
-        </p:spPr>
-        <p:style>
-          <a:lnRef idx="1">
-            <a:schemeClr val="accent1"/>
-          </a:lnRef>
-          <a:fillRef idx="0">
-            <a:schemeClr val="accent1"/>
-          </a:fillRef>
-          <a:effectRef idx="0">
-            <a:schemeClr val="accent1"/>
-          </a:effectRef>
-          <a:fontRef idx="minor">
-            <a:schemeClr val="tx1"/>
-          </a:fontRef>
-        </p:style>
-      </p:cxnSp>
-      <p:cxnSp>
-        <p:nvCxnSpPr>
-          <p:cNvPr id="12" name="Straight Connector 11">
-            <a:extLst>
-              <a:ext uri="{FF2B5EF4-FFF2-40B4-BE49-F238E27FC236}">
-                <a16:creationId xmlns:a16="http://schemas.microsoft.com/office/drawing/2014/main" id="{F2AB99D8-6B45-DF4C-ABFE-19E446C9EC91}"/>
-              </a:ext>
-            </a:extLst>
-          </p:cNvPr>
-          <p:cNvCxnSpPr>
-            <a:cxnSpLocks/>
-          </p:cNvCxnSpPr>
-          <p:nvPr/>
-        </p:nvCxnSpPr>
-        <p:spPr>
-          <a:xfrm>
-            <a:off x="1152038" y="3709260"/>
-            <a:ext cx="1611825" cy="0"/>
-          </a:xfrm>
-          <a:prstGeom prst="line">
-            <a:avLst/>
-          </a:prstGeom>
-          <a:ln w="25400">
-            <a:solidFill>
-              <a:srgbClr val="FF0000"/>
-            </a:solidFill>
-          </a:ln>
-        </p:spPr>
-        <p:style>
-          <a:lnRef idx="1">
-            <a:schemeClr val="accent1"/>
-          </a:lnRef>
-          <a:fillRef idx="0">
-            <a:schemeClr val="accent1"/>
-          </a:fillRef>
-          <a:effectRef idx="0">
-            <a:schemeClr val="accent1"/>
-          </a:effectRef>
-          <a:fontRef idx="minor">
-            <a:schemeClr val="tx1"/>
-          </a:fontRef>
-        </p:style>
-      </p:cxnSp>
-    </p:spTree>
-    <p:extLst>
-      <p:ext uri="{BB962C8B-B14F-4D97-AF65-F5344CB8AC3E}">
-        <p14:creationId xmlns:p14="http://schemas.microsoft.com/office/powerpoint/2010/main" val="863114681"/>
-      </p:ext>
-    </p:extLst>
-  </p:cSld>
-  <p:clrMapOvr>
-    <a:masterClrMapping/>
-  </p:clrMapOvr>
-</p:sld>
-</file>
-
-<file path=ppt/slides/slide54.xml><?xml version="1.0" encoding="utf-8"?>
-<p:sld xmlns:a="http://schemas.openxmlformats.org/drawingml/2006/main" xmlns:r="http://schemas.openxmlformats.org/officeDocument/2006/relationships" xmlns:p="http://schemas.openxmlformats.org/presentationml/2006/main" show="0">
-  <p:cSld>
-    <p:spTree>
-      <p:nvGrpSpPr>
-        <p:cNvPr id="1" name=""/>
-        <p:cNvGrpSpPr/>
-        <p:nvPr/>
-      </p:nvGrpSpPr>
-      <p:grpSpPr>
-        <a:xfrm>
-          <a:off x="0" y="0"/>
-          <a:ext cx="0" cy="0"/>
-          <a:chOff x="0" y="0"/>
-          <a:chExt cx="0" cy="0"/>
-        </a:xfrm>
-      </p:grpSpPr>
-      <p:sp>
-        <p:nvSpPr>
-          <p:cNvPr id="2" name="Title 1">
-            <a:extLst>
-              <a:ext uri="{FF2B5EF4-FFF2-40B4-BE49-F238E27FC236}">
-                <a16:creationId xmlns:a16="http://schemas.microsoft.com/office/drawing/2014/main" id="{F301ED8F-4787-BB44-A31D-56A8EBB356A6}"/>
-              </a:ext>
-            </a:extLst>
-          </p:cNvPr>
-          <p:cNvSpPr>
-            <a:spLocks noGrp="1"/>
-          </p:cNvSpPr>
-          <p:nvPr>
-            <p:ph type="title"/>
-          </p:nvPr>
-        </p:nvSpPr>
-        <p:spPr/>
-        <p:txBody>
-          <a:bodyPr/>
-          <a:lstStyle/>
-          <a:p>
-            <a:r>
-              <a:rPr lang="en-US" dirty="0"/>
-              <a:t>Fake Unlink Pointers</a:t>
-            </a:r>
-          </a:p>
-        </p:txBody>
-      </p:sp>
-      <p:sp>
-        <p:nvSpPr>
-          <p:cNvPr id="8" name="TextBox 7">
-            <a:extLst>
-              <a:ext uri="{FF2B5EF4-FFF2-40B4-BE49-F238E27FC236}">
-                <a16:creationId xmlns:a16="http://schemas.microsoft.com/office/drawing/2014/main" id="{7276B931-B3EB-6441-AD0F-C781832BC418}"/>
-              </a:ext>
-            </a:extLst>
-          </p:cNvPr>
-          <p:cNvSpPr txBox="1"/>
-          <p:nvPr/>
-        </p:nvSpPr>
-        <p:spPr>
-          <a:xfrm>
-            <a:off x="516038" y="3252795"/>
-            <a:ext cx="6248972" cy="1754326"/>
-          </a:xfrm>
-          <a:prstGeom prst="rect">
-            <a:avLst/>
-          </a:prstGeom>
-          <a:noFill/>
-        </p:spPr>
-        <p:txBody>
-          <a:bodyPr wrap="square" rtlCol="0">
-            <a:spAutoFit/>
-          </a:bodyPr>
-          <a:lstStyle/>
-          <a:p>
-            <a:pPr marL="285750" indent="-285750">
-              <a:buFont typeface="Arial" panose="020B0604020202020204" pitchFamily="34" charset="0"/>
-              <a:buChar char="•"/>
-            </a:pPr>
-            <a:r>
-              <a:rPr lang="en-US" dirty="0"/>
-              <a:t>FD is a corrupted pointer (GOT entry)</a:t>
-            </a:r>
-          </a:p>
-          <a:p>
-            <a:pPr marL="285750" indent="-285750">
-              <a:buFont typeface="Arial" panose="020B0604020202020204" pitchFamily="34" charset="0"/>
-              <a:buChar char="•"/>
-            </a:pPr>
-            <a:r>
-              <a:rPr lang="en-US" dirty="0"/>
-              <a:t>BK is a corrupted pointer (heap, where shellcode lives)</a:t>
-            </a:r>
-          </a:p>
-          <a:p>
-            <a:pPr marL="285750" indent="-285750">
-              <a:buFont typeface="Arial" panose="020B0604020202020204" pitchFamily="34" charset="0"/>
-              <a:buChar char="•"/>
-            </a:pPr>
-            <a:r>
-              <a:rPr lang="en-US" dirty="0"/>
-              <a:t>Set BK + 0x10 = FD; (third element of struct) </a:t>
-            </a:r>
-          </a:p>
-          <a:p>
-            <a:pPr marL="742950" lvl="1" indent="-285750">
-              <a:buFont typeface="Arial" panose="020B0604020202020204" pitchFamily="34" charset="0"/>
-              <a:buChar char="•"/>
-            </a:pPr>
-            <a:r>
-              <a:rPr lang="en-US" dirty="0"/>
-              <a:t>Hopefully don’t corrupt anything we need!</a:t>
-            </a:r>
-          </a:p>
-          <a:p>
-            <a:pPr marL="742950" lvl="1" indent="-285750">
-              <a:buFont typeface="Arial" panose="020B0604020202020204" pitchFamily="34" charset="0"/>
-              <a:buChar char="•"/>
-            </a:pPr>
-            <a:r>
-              <a:rPr lang="en-US" dirty="0"/>
-              <a:t>Bytes 0x10-0x18 of shellcode would be screwed up</a:t>
-            </a:r>
-          </a:p>
-          <a:p>
-            <a:pPr marL="742950" lvl="1" indent="-285750">
-              <a:buFont typeface="Arial" panose="020B0604020202020204" pitchFamily="34" charset="0"/>
-              <a:buChar char="•"/>
-            </a:pPr>
-            <a:r>
-              <a:rPr lang="en-US" dirty="0"/>
-              <a:t>Write small shellcode or jump over it!</a:t>
-            </a:r>
-          </a:p>
-        </p:txBody>
-      </p:sp>
-      <p:pic>
-        <p:nvPicPr>
-          <p:cNvPr id="9" name="Content Placeholder 8" descr="Unlink last two lines">
-            <a:extLst>
-              <a:ext uri="{FF2B5EF4-FFF2-40B4-BE49-F238E27FC236}">
-                <a16:creationId xmlns:a16="http://schemas.microsoft.com/office/drawing/2014/main" id="{F2A925A2-9E8E-9442-BFAD-A41F23251990}"/>
-              </a:ext>
-            </a:extLst>
-          </p:cNvPr>
-          <p:cNvPicPr>
-            <a:picLocks noGrp="1" noChangeAspect="1"/>
-          </p:cNvPicPr>
-          <p:nvPr>
-            <p:ph idx="1"/>
-          </p:nvPr>
-        </p:nvPicPr>
-        <p:blipFill rotWithShape="1">
-          <a:blip r:embed="rId2"/>
-          <a:srcRect r="47856"/>
-          <a:stretch/>
-        </p:blipFill>
-        <p:spPr>
-          <a:xfrm>
-            <a:off x="516038" y="1152041"/>
-            <a:ext cx="2364137" cy="876300"/>
-          </a:xfrm>
-        </p:spPr>
-      </p:pic>
-      <p:cxnSp>
-        <p:nvCxnSpPr>
-          <p:cNvPr id="11" name="Straight Connector 10">
-            <a:extLst>
-              <a:ext uri="{FF2B5EF4-FFF2-40B4-BE49-F238E27FC236}">
-                <a16:creationId xmlns:a16="http://schemas.microsoft.com/office/drawing/2014/main" id="{3F609C8A-2432-D240-A44C-6117D1C92658}"/>
-              </a:ext>
-            </a:extLst>
-          </p:cNvPr>
-          <p:cNvCxnSpPr>
-            <a:cxnSpLocks/>
-          </p:cNvCxnSpPr>
-          <p:nvPr/>
-        </p:nvCxnSpPr>
-        <p:spPr>
-          <a:xfrm>
-            <a:off x="836907" y="1647986"/>
-            <a:ext cx="1611825" cy="0"/>
-          </a:xfrm>
-          <a:prstGeom prst="line">
-            <a:avLst/>
-          </a:prstGeom>
-          <a:ln w="25400">
-            <a:solidFill>
-              <a:srgbClr val="FF0000"/>
-            </a:solidFill>
-          </a:ln>
-        </p:spPr>
-        <p:style>
-          <a:lnRef idx="1">
-            <a:schemeClr val="accent1"/>
-          </a:lnRef>
-          <a:fillRef idx="0">
-            <a:schemeClr val="accent1"/>
-          </a:fillRef>
-          <a:effectRef idx="0">
-            <a:schemeClr val="accent1"/>
-          </a:effectRef>
-          <a:fontRef idx="minor">
-            <a:schemeClr val="tx1"/>
-          </a:fontRef>
-        </p:style>
-      </p:cxnSp>
-      <p:pic>
-        <p:nvPicPr>
-          <p:cNvPr id="4" name="Picture 3" descr="Shellcode + 12 = GOT">
-            <a:extLst>
-              <a:ext uri="{FF2B5EF4-FFF2-40B4-BE49-F238E27FC236}">
-                <a16:creationId xmlns:a16="http://schemas.microsoft.com/office/drawing/2014/main" id="{54E798A2-9E9E-2143-A200-7F043F664874}"/>
-              </a:ext>
-            </a:extLst>
-          </p:cNvPr>
-          <p:cNvPicPr>
-            <a:picLocks noChangeAspect="1"/>
-          </p:cNvPicPr>
-          <p:nvPr/>
-        </p:nvPicPr>
-        <p:blipFill>
-          <a:blip r:embed="rId3"/>
-          <a:stretch>
-            <a:fillRect/>
-          </a:stretch>
-        </p:blipFill>
-        <p:spPr>
-          <a:xfrm>
-            <a:off x="3352999" y="1236846"/>
-            <a:ext cx="5483220" cy="1874605"/>
-          </a:xfrm>
-          <a:prstGeom prst="rect">
-            <a:avLst/>
-          </a:prstGeom>
-        </p:spPr>
-      </p:pic>
-    </p:spTree>
-    <p:extLst>
-      <p:ext uri="{BB962C8B-B14F-4D97-AF65-F5344CB8AC3E}">
-        <p14:creationId xmlns:p14="http://schemas.microsoft.com/office/powerpoint/2010/main" val="1396188317"/>
-      </p:ext>
-    </p:extLst>
-  </p:cSld>
-  <p:clrMapOvr>
-    <a:masterClrMapping/>
-  </p:clrMapOvr>
-</p:sld>
-</file>
-
-<file path=ppt/slides/slide55.xml><?xml version="1.0" encoding="utf-8"?>
 <p:sld xmlns:a="http://schemas.openxmlformats.org/drawingml/2006/main" xmlns:r="http://schemas.openxmlformats.org/officeDocument/2006/relationships" xmlns:p="http://schemas.openxmlformats.org/presentationml/2006/main">
   <p:cSld>
     <p:spTree>
@@ -40548,413 +39253,7 @@
           <p:cNvPr id="2" name="Title 1">
             <a:extLst>
               <a:ext uri="{FF2B5EF4-FFF2-40B4-BE49-F238E27FC236}">
-                <a16:creationId xmlns:a16="http://schemas.microsoft.com/office/drawing/2014/main" id="{7BBB650C-D1BC-8143-BD6E-F916B9DA04E2}"/>
-              </a:ext>
-            </a:extLst>
-          </p:cNvPr>
-          <p:cNvSpPr>
-            <a:spLocks noGrp="1"/>
-          </p:cNvSpPr>
-          <p:nvPr>
-            <p:ph type="title"/>
-          </p:nvPr>
-        </p:nvSpPr>
-        <p:spPr>
-          <a:xfrm>
-            <a:off x="628650" y="273847"/>
-            <a:ext cx="7886700" cy="994172"/>
-          </a:xfrm>
-        </p:spPr>
-        <p:txBody>
-          <a:bodyPr anchor="ctr">
-            <a:normAutofit fontScale="90000"/>
-          </a:bodyPr>
-          <a:lstStyle/>
-          <a:p>
-            <a:r>
-              <a:rPr lang="en-US" dirty="0"/>
-              <a:t>Offsets (hard part) - Wrong Way</a:t>
-            </a:r>
-          </a:p>
-        </p:txBody>
-      </p:sp>
-      <p:sp>
-        <p:nvSpPr>
-          <p:cNvPr id="3" name="Content Placeholder 2">
-            <a:extLst>
-              <a:ext uri="{FF2B5EF4-FFF2-40B4-BE49-F238E27FC236}">
-                <a16:creationId xmlns:a16="http://schemas.microsoft.com/office/drawing/2014/main" id="{122AEAAC-FCD5-2E4C-B4A7-07D5E5F31E70}"/>
-              </a:ext>
-            </a:extLst>
-          </p:cNvPr>
-          <p:cNvSpPr>
-            <a:spLocks noGrp="1"/>
-          </p:cNvSpPr>
-          <p:nvPr>
-            <p:ph sz="half" idx="1"/>
-          </p:nvPr>
-        </p:nvSpPr>
-        <p:spPr>
-          <a:xfrm>
-            <a:off x="628650" y="1369219"/>
-            <a:ext cx="3886200" cy="3263504"/>
-          </a:xfrm>
-        </p:spPr>
-        <p:txBody>
-          <a:bodyPr>
-            <a:normAutofit/>
-          </a:bodyPr>
-          <a:lstStyle/>
-          <a:p>
-            <a:r>
-              <a:rPr lang="en-US" dirty="0"/>
-              <a:t>When you write the pointer of FD, you probably just want to set it to GOT.</a:t>
-            </a:r>
-          </a:p>
-          <a:p>
-            <a:r>
-              <a:rPr lang="en-US" dirty="0"/>
-              <a:t>However, you will write </a:t>
-            </a:r>
-            <a:r>
-              <a:rPr lang="en-US" b="1" dirty="0"/>
-              <a:t>0x18</a:t>
-            </a:r>
-            <a:r>
-              <a:rPr lang="en-US" dirty="0"/>
-              <a:t> bytes passed where you want. </a:t>
-            </a:r>
-          </a:p>
-          <a:p>
-            <a:r>
-              <a:rPr lang="en-US" dirty="0"/>
-              <a:t>Solution?</a:t>
-            </a:r>
-          </a:p>
-        </p:txBody>
-      </p:sp>
-      <p:pic>
-        <p:nvPicPr>
-          <p:cNvPr id="5" name="Picture 4" descr="Offset wrong">
-            <a:extLst>
-              <a:ext uri="{FF2B5EF4-FFF2-40B4-BE49-F238E27FC236}">
-                <a16:creationId xmlns:a16="http://schemas.microsoft.com/office/drawing/2014/main" id="{E0B0E5BD-AB2A-544B-84C2-7EDC70CC6334}"/>
-              </a:ext>
-            </a:extLst>
-          </p:cNvPr>
-          <p:cNvPicPr>
-            <a:picLocks noChangeAspect="1"/>
-          </p:cNvPicPr>
-          <p:nvPr/>
-        </p:nvPicPr>
-        <p:blipFill>
-          <a:blip r:embed="rId2"/>
-          <a:stretch>
-            <a:fillRect/>
-          </a:stretch>
-        </p:blipFill>
-        <p:spPr>
-          <a:xfrm>
-            <a:off x="5388883" y="1036025"/>
-            <a:ext cx="2608369" cy="3596698"/>
-          </a:xfrm>
-          <a:prstGeom prst="rect">
-            <a:avLst/>
-          </a:prstGeom>
-          <a:noFill/>
-        </p:spPr>
-      </p:pic>
-    </p:spTree>
-    <p:extLst>
-      <p:ext uri="{BB962C8B-B14F-4D97-AF65-F5344CB8AC3E}">
-        <p14:creationId xmlns:p14="http://schemas.microsoft.com/office/powerpoint/2010/main" val="3108088431"/>
-      </p:ext>
-    </p:extLst>
-  </p:cSld>
-  <p:clrMapOvr>
-    <a:masterClrMapping/>
-  </p:clrMapOvr>
-</p:sld>
-</file>
-
-<file path=ppt/slides/slide56.xml><?xml version="1.0" encoding="utf-8"?>
-<p:sld xmlns:a="http://schemas.openxmlformats.org/drawingml/2006/main" xmlns:r="http://schemas.openxmlformats.org/officeDocument/2006/relationships" xmlns:p="http://schemas.openxmlformats.org/presentationml/2006/main">
-  <p:cSld>
-    <p:spTree>
-      <p:nvGrpSpPr>
-        <p:cNvPr id="1" name=""/>
-        <p:cNvGrpSpPr/>
-        <p:nvPr/>
-      </p:nvGrpSpPr>
-      <p:grpSpPr>
-        <a:xfrm>
-          <a:off x="0" y="0"/>
-          <a:ext cx="0" cy="0"/>
-          <a:chOff x="0" y="0"/>
-          <a:chExt cx="0" cy="0"/>
-        </a:xfrm>
-      </p:grpSpPr>
-      <p:sp>
-        <p:nvSpPr>
-          <p:cNvPr id="2" name="Title 1">
-            <a:extLst>
-              <a:ext uri="{FF2B5EF4-FFF2-40B4-BE49-F238E27FC236}">
-                <a16:creationId xmlns:a16="http://schemas.microsoft.com/office/drawing/2014/main" id="{7BBB650C-D1BC-8143-BD6E-F916B9DA04E2}"/>
-              </a:ext>
-            </a:extLst>
-          </p:cNvPr>
-          <p:cNvSpPr>
-            <a:spLocks noGrp="1"/>
-          </p:cNvSpPr>
-          <p:nvPr>
-            <p:ph type="title"/>
-          </p:nvPr>
-        </p:nvSpPr>
-        <p:spPr>
-          <a:xfrm>
-            <a:off x="628650" y="273847"/>
-            <a:ext cx="7886700" cy="994172"/>
-          </a:xfrm>
-        </p:spPr>
-        <p:txBody>
-          <a:bodyPr anchor="ctr">
-            <a:normAutofit fontScale="90000"/>
-          </a:bodyPr>
-          <a:lstStyle/>
-          <a:p>
-            <a:r>
-              <a:rPr lang="en-US" dirty="0"/>
-              <a:t>Offsets (hard part) - Right Way</a:t>
-            </a:r>
-          </a:p>
-        </p:txBody>
-      </p:sp>
-      <p:sp>
-        <p:nvSpPr>
-          <p:cNvPr id="3" name="Content Placeholder 2">
-            <a:extLst>
-              <a:ext uri="{FF2B5EF4-FFF2-40B4-BE49-F238E27FC236}">
-                <a16:creationId xmlns:a16="http://schemas.microsoft.com/office/drawing/2014/main" id="{122AEAAC-FCD5-2E4C-B4A7-07D5E5F31E70}"/>
-              </a:ext>
-            </a:extLst>
-          </p:cNvPr>
-          <p:cNvSpPr>
-            <a:spLocks noGrp="1"/>
-          </p:cNvSpPr>
-          <p:nvPr>
-            <p:ph sz="half" idx="1"/>
-          </p:nvPr>
-        </p:nvSpPr>
-        <p:spPr>
-          <a:xfrm>
-            <a:off x="628650" y="1369219"/>
-            <a:ext cx="3886200" cy="3263504"/>
-          </a:xfrm>
-        </p:spPr>
-        <p:txBody>
-          <a:bodyPr>
-            <a:normAutofit/>
-          </a:bodyPr>
-          <a:lstStyle/>
-          <a:p>
-            <a:r>
-              <a:rPr lang="en-US" dirty="0"/>
-              <a:t>Subtract </a:t>
-            </a:r>
-            <a:r>
-              <a:rPr lang="en-US" b="1" dirty="0"/>
-              <a:t>0x18 </a:t>
-            </a:r>
-            <a:r>
-              <a:rPr lang="en-US" dirty="0"/>
-              <a:t>from the place you want to write to. (</a:t>
-            </a:r>
-            <a:r>
-              <a:rPr lang="en-US" i="1" dirty="0"/>
-              <a:t>GOT – 0x18</a:t>
-            </a:r>
-            <a:r>
-              <a:rPr lang="en-US" dirty="0"/>
-              <a:t>) </a:t>
-            </a:r>
-          </a:p>
-          <a:p>
-            <a:r>
-              <a:rPr lang="en-US" dirty="0"/>
-              <a:t>Now, the write access will work properly</a:t>
-            </a:r>
-          </a:p>
-          <a:p>
-            <a:r>
-              <a:rPr lang="en-US" dirty="0"/>
-              <a:t>No overshooting (like previous diagram</a:t>
-            </a:r>
-          </a:p>
-        </p:txBody>
-      </p:sp>
-      <p:pic>
-        <p:nvPicPr>
-          <p:cNvPr id="6" name="Picture 5" descr="Offset, right way">
-            <a:extLst>
-              <a:ext uri="{FF2B5EF4-FFF2-40B4-BE49-F238E27FC236}">
-                <a16:creationId xmlns:a16="http://schemas.microsoft.com/office/drawing/2014/main" id="{540E9A64-20D2-C942-ABEF-A46D3910F14D}"/>
-              </a:ext>
-            </a:extLst>
-          </p:cNvPr>
-          <p:cNvPicPr>
-            <a:picLocks noChangeAspect="1"/>
-          </p:cNvPicPr>
-          <p:nvPr/>
-        </p:nvPicPr>
-        <p:blipFill>
-          <a:blip r:embed="rId2"/>
-          <a:stretch>
-            <a:fillRect/>
-          </a:stretch>
-        </p:blipFill>
-        <p:spPr>
-          <a:xfrm>
-            <a:off x="5388883" y="1369219"/>
-            <a:ext cx="2366733" cy="3263504"/>
-          </a:xfrm>
-          <a:prstGeom prst="rect">
-            <a:avLst/>
-          </a:prstGeom>
-          <a:noFill/>
-        </p:spPr>
-      </p:pic>
-    </p:spTree>
-    <p:extLst>
-      <p:ext uri="{BB962C8B-B14F-4D97-AF65-F5344CB8AC3E}">
-        <p14:creationId xmlns:p14="http://schemas.microsoft.com/office/powerpoint/2010/main" val="1714655884"/>
-      </p:ext>
-    </p:extLst>
-  </p:cSld>
-  <p:clrMapOvr>
-    <a:masterClrMapping/>
-  </p:clrMapOvr>
-</p:sld>
-</file>
-
-<file path=ppt/slides/slide57.xml><?xml version="1.0" encoding="utf-8"?>
-<p:sld xmlns:a="http://schemas.openxmlformats.org/drawingml/2006/main" xmlns:r="http://schemas.openxmlformats.org/officeDocument/2006/relationships" xmlns:p="http://schemas.openxmlformats.org/presentationml/2006/main">
-  <p:cSld>
-    <p:spTree>
-      <p:nvGrpSpPr>
-        <p:cNvPr id="1" name=""/>
-        <p:cNvGrpSpPr/>
-        <p:nvPr/>
-      </p:nvGrpSpPr>
-      <p:grpSpPr>
-        <a:xfrm>
-          <a:off x="0" y="0"/>
-          <a:ext cx="0" cy="0"/>
-          <a:chOff x="0" y="0"/>
-          <a:chExt cx="0" cy="0"/>
-        </a:xfrm>
-      </p:grpSpPr>
-      <p:sp>
-        <p:nvSpPr>
-          <p:cNvPr id="2" name="Title 1">
-            <a:extLst>
-              <a:ext uri="{FF2B5EF4-FFF2-40B4-BE49-F238E27FC236}">
-                <a16:creationId xmlns:a16="http://schemas.microsoft.com/office/drawing/2014/main" id="{46E4870F-C75F-824B-B6B2-E2854B25EF85}"/>
-              </a:ext>
-            </a:extLst>
-          </p:cNvPr>
-          <p:cNvSpPr>
-            <a:spLocks noGrp="1"/>
-          </p:cNvSpPr>
-          <p:nvPr>
-            <p:ph type="title"/>
-          </p:nvPr>
-        </p:nvSpPr>
-        <p:spPr>
-          <a:xfrm>
-            <a:off x="628650" y="273847"/>
-            <a:ext cx="7886700" cy="994172"/>
-          </a:xfrm>
-        </p:spPr>
-        <p:txBody>
-          <a:bodyPr anchor="ctr">
-            <a:normAutofit/>
-          </a:bodyPr>
-          <a:lstStyle/>
-          <a:p>
-            <a:r>
-              <a:rPr lang="en-US" dirty="0"/>
-              <a:t>Jump to Shellcode!</a:t>
-            </a:r>
-          </a:p>
-        </p:txBody>
-      </p:sp>
-      <p:graphicFrame>
-        <p:nvGraphicFramePr>
-          <p:cNvPr id="5" name="Content Placeholder 2">
-            <a:extLst>
-              <a:ext uri="{FF2B5EF4-FFF2-40B4-BE49-F238E27FC236}">
-                <a16:creationId xmlns:a16="http://schemas.microsoft.com/office/drawing/2014/main" id="{E7ECAA9D-41C5-4CC3-B2E3-81551424162A}"/>
-              </a:ext>
-            </a:extLst>
-          </p:cNvPr>
-          <p:cNvGraphicFramePr>
-            <a:graphicFrameLocks noGrp="1"/>
-          </p:cNvGraphicFramePr>
-          <p:nvPr>
-            <p:ph idx="1"/>
-            <p:extLst>
-              <p:ext uri="{D42A27DB-BD31-4B8C-83A1-F6EECF244321}">
-                <p14:modId xmlns:p14="http://schemas.microsoft.com/office/powerpoint/2010/main" val="224941718"/>
-              </p:ext>
-            </p:extLst>
-          </p:nvPr>
-        </p:nvGraphicFramePr>
-        <p:xfrm>
-          <a:off x="628650" y="1236541"/>
-          <a:ext cx="7886700" cy="3263504"/>
-        </p:xfrm>
-        <a:graphic>
-          <a:graphicData uri="http://schemas.openxmlformats.org/drawingml/2006/diagram">
-            <dgm:relIds xmlns:dgm="http://schemas.openxmlformats.org/drawingml/2006/diagram" xmlns:r="http://schemas.openxmlformats.org/officeDocument/2006/relationships" r:dm="rId2" r:lo="rId3" r:qs="rId4" r:cs="rId5"/>
-          </a:graphicData>
-        </a:graphic>
-      </p:graphicFrame>
-    </p:spTree>
-    <p:extLst>
-      <p:ext uri="{BB962C8B-B14F-4D97-AF65-F5344CB8AC3E}">
-        <p14:creationId xmlns:p14="http://schemas.microsoft.com/office/powerpoint/2010/main" val="3319901412"/>
-      </p:ext>
-    </p:extLst>
-  </p:cSld>
-  <p:clrMapOvr>
-    <a:masterClrMapping/>
-  </p:clrMapOvr>
-</p:sld>
-</file>
-
-<file path=ppt/slides/slide58.xml><?xml version="1.0" encoding="utf-8"?>
-<p:sld xmlns:a="http://schemas.openxmlformats.org/drawingml/2006/main" xmlns:r="http://schemas.openxmlformats.org/officeDocument/2006/relationships" xmlns:p="http://schemas.openxmlformats.org/presentationml/2006/main">
-  <p:cSld>
-    <p:spTree>
-      <p:nvGrpSpPr>
-        <p:cNvPr id="1" name=""/>
-        <p:cNvGrpSpPr/>
-        <p:nvPr/>
-      </p:nvGrpSpPr>
-      <p:grpSpPr>
-        <a:xfrm>
-          <a:off x="0" y="0"/>
-          <a:ext cx="0" cy="0"/>
-          <a:chOff x="0" y="0"/>
-          <a:chExt cx="0" cy="0"/>
-        </a:xfrm>
-      </p:grpSpPr>
-      <p:sp>
-        <p:nvSpPr>
-          <p:cNvPr id="2" name="Title 1">
-            <a:extLst>
-              <a:ext uri="{FF2B5EF4-FFF2-40B4-BE49-F238E27FC236}">
-                <a16:creationId xmlns:a16="http://schemas.microsoft.com/office/drawing/2014/main" id="{7DB9B60E-33BB-EE43-81C3-E31A50D0A4D9}"/>
+                <a16:creationId xmlns:a16="http://schemas.microsoft.com/office/drawing/2014/main" id="{EE372A5F-3E61-4946-B1D1-75C6849B6CA5}"/>
               </a:ext>
             </a:extLst>
           </p:cNvPr>
@@ -40972,257 +39271,7 @@
           <a:p>
             <a:r>
               <a:rPr lang="en-US" dirty="0"/>
-              <a:t>Easy Winner </a:t>
-            </a:r>
-            <a:r>
-              <a:rPr lang="en-US" dirty="0" err="1"/>
-              <a:t>Func</a:t>
-            </a:r>
-            <a:endParaRPr lang="en-US" dirty="0"/>
-          </a:p>
-        </p:txBody>
-      </p:sp>
-      <p:pic>
-        <p:nvPicPr>
-          <p:cNvPr id="5" name="Content Placeholder 4" descr="A close up of a sign&#10;&#10;Description automatically generated">
-            <a:extLst>
-              <a:ext uri="{FF2B5EF4-FFF2-40B4-BE49-F238E27FC236}">
-                <a16:creationId xmlns:a16="http://schemas.microsoft.com/office/drawing/2014/main" id="{37E12C90-C1C9-104B-8A6D-824067C2604C}"/>
-              </a:ext>
-            </a:extLst>
-          </p:cNvPr>
-          <p:cNvPicPr>
-            <a:picLocks noGrp="1" noChangeAspect="1"/>
-          </p:cNvPicPr>
-          <p:nvPr>
-            <p:ph idx="1"/>
-          </p:nvPr>
-        </p:nvPicPr>
-        <p:blipFill>
-          <a:blip r:embed="rId2"/>
-          <a:stretch>
-            <a:fillRect/>
-          </a:stretch>
-        </p:blipFill>
-        <p:spPr>
-          <a:xfrm>
-            <a:off x="715182" y="1268019"/>
-            <a:ext cx="6521680" cy="1172964"/>
-          </a:xfrm>
-        </p:spPr>
-      </p:pic>
-      <p:cxnSp>
-        <p:nvCxnSpPr>
-          <p:cNvPr id="9" name="Straight Arrow Connector 8">
-            <a:extLst>
-              <a:ext uri="{FF2B5EF4-FFF2-40B4-BE49-F238E27FC236}">
-                <a16:creationId xmlns:a16="http://schemas.microsoft.com/office/drawing/2014/main" id="{97B1379F-412C-8D44-A21C-A2577633A4E7}"/>
-              </a:ext>
-            </a:extLst>
-          </p:cNvPr>
-          <p:cNvCxnSpPr>
-            <a:cxnSpLocks/>
-          </p:cNvCxnSpPr>
-          <p:nvPr/>
-        </p:nvCxnSpPr>
-        <p:spPr>
-          <a:xfrm flipH="1">
-            <a:off x="6820175" y="1615417"/>
-            <a:ext cx="850639" cy="0"/>
-          </a:xfrm>
-          <a:prstGeom prst="straightConnector1">
-            <a:avLst/>
-          </a:prstGeom>
-          <a:ln w="38100">
-            <a:solidFill>
-              <a:srgbClr val="FF0000"/>
-            </a:solidFill>
-            <a:tailEnd type="triangle"/>
-          </a:ln>
-        </p:spPr>
-        <p:style>
-          <a:lnRef idx="1">
-            <a:schemeClr val="accent1"/>
-          </a:lnRef>
-          <a:fillRef idx="0">
-            <a:schemeClr val="accent1"/>
-          </a:fillRef>
-          <a:effectRef idx="0">
-            <a:schemeClr val="accent1"/>
-          </a:effectRef>
-          <a:fontRef idx="minor">
-            <a:schemeClr val="tx1"/>
-          </a:fontRef>
-        </p:style>
-      </p:cxnSp>
-      <p:sp>
-        <p:nvSpPr>
-          <p:cNvPr id="12" name="TextBox 11">
-            <a:extLst>
-              <a:ext uri="{FF2B5EF4-FFF2-40B4-BE49-F238E27FC236}">
-                <a16:creationId xmlns:a16="http://schemas.microsoft.com/office/drawing/2014/main" id="{8694D84A-0844-6A46-9C1D-E9F91318A523}"/>
-              </a:ext>
-            </a:extLst>
-          </p:cNvPr>
-          <p:cNvSpPr txBox="1"/>
-          <p:nvPr/>
-        </p:nvSpPr>
-        <p:spPr>
-          <a:xfrm>
-            <a:off x="7245494" y="1300503"/>
-            <a:ext cx="1720312" cy="369332"/>
-          </a:xfrm>
-          <a:prstGeom prst="rect">
-            <a:avLst/>
-          </a:prstGeom>
-          <a:noFill/>
-        </p:spPr>
-        <p:txBody>
-          <a:bodyPr wrap="square" rtlCol="0">
-            <a:spAutoFit/>
-          </a:bodyPr>
-          <a:lstStyle/>
-          <a:p>
-            <a:r>
-              <a:rPr lang="en-US" dirty="0"/>
-              <a:t>Winner Address</a:t>
-            </a:r>
-          </a:p>
-        </p:txBody>
-      </p:sp>
-      <p:cxnSp>
-        <p:nvCxnSpPr>
-          <p:cNvPr id="13" name="Straight Arrow Connector 12">
-            <a:extLst>
-              <a:ext uri="{FF2B5EF4-FFF2-40B4-BE49-F238E27FC236}">
-                <a16:creationId xmlns:a16="http://schemas.microsoft.com/office/drawing/2014/main" id="{6F965600-E060-584F-8787-08CC7152EBCA}"/>
-              </a:ext>
-            </a:extLst>
-          </p:cNvPr>
-          <p:cNvCxnSpPr>
-            <a:cxnSpLocks/>
-          </p:cNvCxnSpPr>
-          <p:nvPr/>
-        </p:nvCxnSpPr>
-        <p:spPr>
-          <a:xfrm flipH="1">
-            <a:off x="4254286" y="2146515"/>
-            <a:ext cx="3416528" cy="0"/>
-          </a:xfrm>
-          <a:prstGeom prst="straightConnector1">
-            <a:avLst/>
-          </a:prstGeom>
-          <a:ln w="38100">
-            <a:solidFill>
-              <a:srgbClr val="FF0000"/>
-            </a:solidFill>
-            <a:tailEnd type="triangle"/>
-          </a:ln>
-        </p:spPr>
-        <p:style>
-          <a:lnRef idx="1">
-            <a:schemeClr val="accent1"/>
-          </a:lnRef>
-          <a:fillRef idx="0">
-            <a:schemeClr val="accent1"/>
-          </a:fillRef>
-          <a:effectRef idx="0">
-            <a:schemeClr val="accent1"/>
-          </a:effectRef>
-          <a:fontRef idx="minor">
-            <a:schemeClr val="tx1"/>
-          </a:fontRef>
-        </p:style>
-      </p:cxnSp>
-      <p:sp>
-        <p:nvSpPr>
-          <p:cNvPr id="16" name="TextBox 15">
-            <a:extLst>
-              <a:ext uri="{FF2B5EF4-FFF2-40B4-BE49-F238E27FC236}">
-                <a16:creationId xmlns:a16="http://schemas.microsoft.com/office/drawing/2014/main" id="{60F6D075-4993-0641-B673-0C2A8D2F2F44}"/>
-              </a:ext>
-            </a:extLst>
-          </p:cNvPr>
-          <p:cNvSpPr txBox="1"/>
-          <p:nvPr/>
-        </p:nvSpPr>
-        <p:spPr>
-          <a:xfrm>
-            <a:off x="7245494" y="1800083"/>
-            <a:ext cx="1720312" cy="369332"/>
-          </a:xfrm>
-          <a:prstGeom prst="rect">
-            <a:avLst/>
-          </a:prstGeom>
-          <a:noFill/>
-        </p:spPr>
-        <p:txBody>
-          <a:bodyPr wrap="square" rtlCol="0">
-            <a:spAutoFit/>
-          </a:bodyPr>
-          <a:lstStyle/>
-          <a:p>
-            <a:r>
-              <a:rPr lang="en-US" dirty="0"/>
-              <a:t>Shellcode</a:t>
-            </a:r>
-          </a:p>
-        </p:txBody>
-      </p:sp>
-    </p:spTree>
-    <p:extLst>
-      <p:ext uri="{BB962C8B-B14F-4D97-AF65-F5344CB8AC3E}">
-        <p14:creationId xmlns:p14="http://schemas.microsoft.com/office/powerpoint/2010/main" val="1502479331"/>
-      </p:ext>
-    </p:extLst>
-  </p:cSld>
-  <p:clrMapOvr>
-    <a:masterClrMapping/>
-  </p:clrMapOvr>
-</p:sld>
-</file>
-
-<file path=ppt/slides/slide59.xml><?xml version="1.0" encoding="utf-8"?>
-<p:sld xmlns:a="http://schemas.openxmlformats.org/drawingml/2006/main" xmlns:r="http://schemas.openxmlformats.org/officeDocument/2006/relationships" xmlns:p="http://schemas.openxmlformats.org/presentationml/2006/main">
-  <p:cSld>
-    <p:spTree>
-      <p:nvGrpSpPr>
-        <p:cNvPr id="1" name=""/>
-        <p:cNvGrpSpPr/>
-        <p:nvPr/>
-      </p:nvGrpSpPr>
-      <p:grpSpPr>
-        <a:xfrm>
-          <a:off x="0" y="0"/>
-          <a:ext cx="0" cy="0"/>
-          <a:chOff x="0" y="0"/>
-          <a:chExt cx="0" cy="0"/>
-        </a:xfrm>
-      </p:grpSpPr>
-      <p:sp>
-        <p:nvSpPr>
-          <p:cNvPr id="2" name="Title 1">
-            <a:extLst>
-              <a:ext uri="{FF2B5EF4-FFF2-40B4-BE49-F238E27FC236}">
-                <a16:creationId xmlns:a16="http://schemas.microsoft.com/office/drawing/2014/main" id="{50917DE6-522B-CD44-8651-0EA70998F72F}"/>
-              </a:ext>
-            </a:extLst>
-          </p:cNvPr>
-          <p:cNvSpPr>
-            <a:spLocks noGrp="1"/>
-          </p:cNvSpPr>
-          <p:nvPr>
-            <p:ph type="title"/>
-          </p:nvPr>
-        </p:nvSpPr>
-        <p:spPr/>
-        <p:txBody>
-          <a:bodyPr/>
-          <a:lstStyle/>
-          <a:p>
-            <a:r>
-              <a:rPr lang="en-US" dirty="0"/>
-              <a:t>Exercise2</a:t>
+              <a:t>Bonus Exercise!</a:t>
             </a:r>
           </a:p>
         </p:txBody>
@@ -41232,7 +39281,7 @@
           <p:cNvPr id="3" name="Content Placeholder 2">
             <a:extLst>
               <a:ext uri="{FF2B5EF4-FFF2-40B4-BE49-F238E27FC236}">
-                <a16:creationId xmlns:a16="http://schemas.microsoft.com/office/drawing/2014/main" id="{AA0CA50D-07E6-F54C-86BD-7C069FDC799B}"/>
+                <a16:creationId xmlns:a16="http://schemas.microsoft.com/office/drawing/2014/main" id="{F6EC2033-7EAC-5B46-B30B-A8E8956F387A}"/>
               </a:ext>
             </a:extLst>
           </p:cNvPr>
@@ -41243,116 +39292,48 @@
             <p:ph idx="1"/>
           </p:nvPr>
         </p:nvSpPr>
-        <p:spPr>
-          <a:xfrm>
-            <a:off x="628650" y="1236541"/>
-            <a:ext cx="7886700" cy="3783134"/>
-          </a:xfrm>
-        </p:spPr>
+        <p:spPr/>
         <p:txBody>
-          <a:bodyPr>
-            <a:normAutofit/>
-          </a:bodyPr>
+          <a:bodyPr/>
           <a:lstStyle/>
           <a:p>
             <a:r>
-              <a:rPr lang="en-US" i="1" dirty="0" err="1"/>
-              <a:t>prev_inuse</a:t>
-            </a:r>
-            <a:r>
               <a:rPr lang="en-US" dirty="0"/>
-              <a:t> bit set to 0 to force a backwards consolidation</a:t>
+              <a:t>Slightly harder than the first. </a:t>
             </a:r>
           </a:p>
           <a:p>
             <a:r>
               <a:rPr lang="en-US" dirty="0"/>
-              <a:t>Everything else is the same as before: </a:t>
+              <a:t>Main difference: </a:t>
             </a:r>
           </a:p>
           <a:p>
             <a:pPr lvl="1"/>
             <a:r>
               <a:rPr lang="en-US" dirty="0"/>
-              <a:t>Writes (offsets) for chunks: </a:t>
-            </a:r>
-          </a:p>
-          <a:p>
-            <a:pPr lvl="2"/>
+              <a:t>Force the consolidation to happen</a:t>
+            </a:r>
+          </a:p>
+          <a:p>
             <a:r>
               <a:rPr lang="en-US" dirty="0"/>
-              <a:t>Fd (offset of 0x10) </a:t>
-            </a:r>
-          </a:p>
-          <a:p>
-            <a:pPr lvl="2"/>
+              <a:t>/unlink/exercise2</a:t>
+            </a:r>
+          </a:p>
+          <a:p>
+            <a:pPr lvl="1"/>
             <a:r>
               <a:rPr lang="en-US" dirty="0"/>
-              <a:t>Bk (offset of 0x18) </a:t>
-            </a:r>
-          </a:p>
-          <a:p>
-            <a:pPr lvl="1"/>
-            <a:r>
-              <a:rPr lang="en-US" dirty="0"/>
-              <a:t>Overwrite the </a:t>
-            </a:r>
-            <a:r>
-              <a:rPr lang="en-US" b="1" dirty="0"/>
-              <a:t>GOT</a:t>
-            </a:r>
-            <a:r>
-              <a:rPr lang="en-US" dirty="0"/>
-              <a:t> entry of </a:t>
-            </a:r>
-            <a:r>
-              <a:rPr lang="en-US" b="1" dirty="0"/>
-              <a:t>puts</a:t>
-            </a:r>
-            <a:r>
-              <a:rPr lang="en-US" dirty="0"/>
-              <a:t> or return </a:t>
-            </a:r>
-            <a:r>
-              <a:rPr lang="en-US" b="1" dirty="0"/>
-              <a:t>EIP</a:t>
-            </a:r>
-            <a:endParaRPr lang="en-US" dirty="0"/>
-          </a:p>
-          <a:p>
-            <a:pPr lvl="1"/>
-            <a:r>
-              <a:rPr lang="en-US" dirty="0"/>
-              <a:t>NO memory protections: </a:t>
-            </a:r>
-          </a:p>
-          <a:p>
-            <a:pPr lvl="2"/>
-            <a:r>
-              <a:rPr lang="en-US" dirty="0"/>
-              <a:t>ASLR, RELRO, NX (on stack but not heap).</a:t>
-            </a:r>
-          </a:p>
-          <a:p>
-            <a:pPr lvl="2"/>
-            <a:r>
-              <a:rPr lang="en-US" dirty="0"/>
-              <a:t>Shellcode is already written for you </a:t>
-            </a:r>
-            <a:r>
-              <a:rPr lang="en-US" dirty="0">
-                <a:sym typeface="Wingdings" pitchFamily="2" charset="2"/>
-              </a:rPr>
-              <a:t> </a:t>
-            </a:r>
-            <a:endParaRPr lang="en-US" dirty="0"/>
+              <a:t>Slides are hidden in this slide deck</a:t>
+            </a:r>
           </a:p>
         </p:txBody>
       </p:sp>
     </p:spTree>
     <p:extLst>
       <p:ext uri="{BB962C8B-B14F-4D97-AF65-F5344CB8AC3E}">
-        <p14:creationId xmlns:p14="http://schemas.microsoft.com/office/powerpoint/2010/main" val="1271793759"/>
+        <p14:creationId xmlns:p14="http://schemas.microsoft.com/office/powerpoint/2010/main" val="391265628"/>
       </p:ext>
     </p:extLst>
   </p:cSld>
@@ -41362,294 +39343,8 @@
 </p:sld>
 </file>
 
-<file path=ppt/slides/slide6.xml><?xml version="1.0" encoding="utf-8"?>
-<p:sld xmlns:a="http://schemas.openxmlformats.org/drawingml/2006/main" xmlns:r="http://schemas.openxmlformats.org/officeDocument/2006/relationships" xmlns:p="http://schemas.openxmlformats.org/presentationml/2006/main">
-  <p:cSld>
-    <p:spTree>
-      <p:nvGrpSpPr>
-        <p:cNvPr id="1" name=""/>
-        <p:cNvGrpSpPr/>
-        <p:nvPr/>
-      </p:nvGrpSpPr>
-      <p:grpSpPr>
-        <a:xfrm>
-          <a:off x="0" y="0"/>
-          <a:ext cx="0" cy="0"/>
-          <a:chOff x="0" y="0"/>
-          <a:chExt cx="0" cy="0"/>
-        </a:xfrm>
-      </p:grpSpPr>
-      <p:sp>
-        <p:nvSpPr>
-          <p:cNvPr id="2" name="Title 1">
-            <a:extLst>
-              <a:ext uri="{FF2B5EF4-FFF2-40B4-BE49-F238E27FC236}">
-                <a16:creationId xmlns:a16="http://schemas.microsoft.com/office/drawing/2014/main" id="{C70F7017-3E62-A548-8F76-9B3F67371DA4}"/>
-              </a:ext>
-            </a:extLst>
-          </p:cNvPr>
-          <p:cNvSpPr>
-            <a:spLocks noGrp="1"/>
-          </p:cNvSpPr>
-          <p:nvPr>
-            <p:ph type="title"/>
-          </p:nvPr>
-        </p:nvSpPr>
-        <p:spPr/>
-        <p:txBody>
-          <a:bodyPr/>
-          <a:lstStyle/>
-          <a:p>
-            <a:r>
-              <a:rPr lang="en-US" dirty="0"/>
-              <a:t>Consolidation Process (Visually) </a:t>
-            </a:r>
-          </a:p>
-        </p:txBody>
-      </p:sp>
-      <p:pic>
-        <p:nvPicPr>
-          <p:cNvPr id="9" name="Content Placeholder 8" descr="A screenshot of a cell phone&#10;&#10;Description automatically generated">
-            <a:extLst>
-              <a:ext uri="{FF2B5EF4-FFF2-40B4-BE49-F238E27FC236}">
-                <a16:creationId xmlns:a16="http://schemas.microsoft.com/office/drawing/2014/main" id="{2192A2B6-F15E-7445-B5CB-D7F0F7142B05}"/>
-              </a:ext>
-            </a:extLst>
-          </p:cNvPr>
-          <p:cNvPicPr>
-            <a:picLocks noGrp="1" noChangeAspect="1"/>
-          </p:cNvPicPr>
-          <p:nvPr>
-            <p:ph idx="1"/>
-          </p:nvPr>
-        </p:nvPicPr>
-        <p:blipFill>
-          <a:blip r:embed="rId2"/>
-          <a:stretch>
-            <a:fillRect/>
-          </a:stretch>
-        </p:blipFill>
-        <p:spPr>
-          <a:xfrm>
-            <a:off x="628649" y="1225973"/>
-            <a:ext cx="2943709" cy="3515135"/>
-          </a:xfrm>
-        </p:spPr>
-      </p:pic>
-      <p:sp>
-        <p:nvSpPr>
-          <p:cNvPr id="10" name="Content Placeholder 2">
-            <a:extLst>
-              <a:ext uri="{FF2B5EF4-FFF2-40B4-BE49-F238E27FC236}">
-                <a16:creationId xmlns:a16="http://schemas.microsoft.com/office/drawing/2014/main" id="{EC1365E5-3E82-1145-87F6-D6B1D2EF85B4}"/>
-              </a:ext>
-            </a:extLst>
-          </p:cNvPr>
-          <p:cNvSpPr txBox="1">
-            <a:spLocks/>
-          </p:cNvSpPr>
-          <p:nvPr/>
-        </p:nvSpPr>
-        <p:spPr>
-          <a:xfrm>
-            <a:off x="2231136" y="1606149"/>
-            <a:ext cx="6284214" cy="3263504"/>
-          </a:xfrm>
-          <a:prstGeom prst="rect">
-            <a:avLst/>
-          </a:prstGeom>
-        </p:spPr>
-        <p:txBody>
-          <a:bodyPr vert="horz" lIns="91440" tIns="45720" rIns="91440" bIns="45720" rtlCol="0">
-            <a:normAutofit/>
-          </a:bodyPr>
-          <a:lstStyle>
-            <a:lvl1pPr marL="228600" indent="-228600" algn="l" defTabSz="914400" rtl="0" eaLnBrk="1" latinLnBrk="0" hangingPunct="1">
-              <a:lnSpc>
-                <a:spcPct val="90000"/>
-              </a:lnSpc>
-              <a:spcBef>
-                <a:spcPts val="1000"/>
-              </a:spcBef>
-              <a:buFont typeface="Arial" panose="020B0604020202020204" pitchFamily="34" charset="0"/>
-              <a:buChar char="•"/>
-              <a:defRPr sz="2200" kern="1200">
-                <a:solidFill>
-                  <a:schemeClr val="tx1"/>
-                </a:solidFill>
-                <a:latin typeface="Avenir Book"/>
-                <a:ea typeface="+mn-ea"/>
-                <a:cs typeface="Avenir Book"/>
-              </a:defRPr>
-            </a:lvl1pPr>
-            <a:lvl2pPr marL="685800" indent="-228600" algn="l" defTabSz="914400" rtl="0" eaLnBrk="1" latinLnBrk="0" hangingPunct="1">
-              <a:lnSpc>
-                <a:spcPct val="90000"/>
-              </a:lnSpc>
-              <a:spcBef>
-                <a:spcPts val="500"/>
-              </a:spcBef>
-              <a:buFont typeface="Arial" panose="020B0604020202020204" pitchFamily="34" charset="0"/>
-              <a:buChar char="•"/>
-              <a:defRPr sz="2000" kern="1200">
-                <a:solidFill>
-                  <a:schemeClr val="tx1"/>
-                </a:solidFill>
-                <a:latin typeface="Avenir Book"/>
-                <a:ea typeface="+mn-ea"/>
-                <a:cs typeface="Avenir Book"/>
-              </a:defRPr>
-            </a:lvl2pPr>
-            <a:lvl3pPr marL="1143000" indent="-228600" algn="l" defTabSz="914400" rtl="0" eaLnBrk="1" latinLnBrk="0" hangingPunct="1">
-              <a:lnSpc>
-                <a:spcPct val="90000"/>
-              </a:lnSpc>
-              <a:spcBef>
-                <a:spcPts val="500"/>
-              </a:spcBef>
-              <a:buFont typeface="Arial" panose="020B0604020202020204" pitchFamily="34" charset="0"/>
-              <a:buChar char="•"/>
-              <a:defRPr sz="1800" kern="1200">
-                <a:solidFill>
-                  <a:schemeClr val="tx1"/>
-                </a:solidFill>
-                <a:latin typeface="Avenir Book"/>
-                <a:ea typeface="+mn-ea"/>
-                <a:cs typeface="Avenir Book"/>
-              </a:defRPr>
-            </a:lvl3pPr>
-            <a:lvl4pPr marL="1600200" indent="-228600" algn="l" defTabSz="914400" rtl="0" eaLnBrk="1" latinLnBrk="0" hangingPunct="1">
-              <a:lnSpc>
-                <a:spcPct val="90000"/>
-              </a:lnSpc>
-              <a:spcBef>
-                <a:spcPts val="500"/>
-              </a:spcBef>
-              <a:buFont typeface="Arial" panose="020B0604020202020204" pitchFamily="34" charset="0"/>
-              <a:buChar char="•"/>
-              <a:defRPr sz="2400" kern="1200">
-                <a:solidFill>
-                  <a:schemeClr val="tx1"/>
-                </a:solidFill>
-                <a:latin typeface="Avenir Book"/>
-                <a:ea typeface="+mn-ea"/>
-                <a:cs typeface="Avenir Book"/>
-              </a:defRPr>
-            </a:lvl4pPr>
-            <a:lvl5pPr marL="2057400" indent="-228600" algn="l" defTabSz="914400" rtl="0" eaLnBrk="1" latinLnBrk="0" hangingPunct="1">
-              <a:lnSpc>
-                <a:spcPct val="90000"/>
-              </a:lnSpc>
-              <a:spcBef>
-                <a:spcPts val="500"/>
-              </a:spcBef>
-              <a:buFont typeface="Arial" panose="020B0604020202020204" pitchFamily="34" charset="0"/>
-              <a:buChar char="•"/>
-              <a:defRPr sz="2400" kern="1200">
-                <a:solidFill>
-                  <a:schemeClr val="tx1"/>
-                </a:solidFill>
-                <a:latin typeface="Avenir Book"/>
-                <a:ea typeface="+mn-ea"/>
-                <a:cs typeface="Avenir Book"/>
-              </a:defRPr>
-            </a:lvl5pPr>
-            <a:lvl6pPr marL="2514600" indent="-228600" algn="l" defTabSz="914400" rtl="0" eaLnBrk="1" latinLnBrk="0" hangingPunct="1">
-              <a:lnSpc>
-                <a:spcPct val="90000"/>
-              </a:lnSpc>
-              <a:spcBef>
-                <a:spcPts val="500"/>
-              </a:spcBef>
-              <a:buFont typeface="Arial" panose="020B0604020202020204" pitchFamily="34" charset="0"/>
-              <a:buChar char="•"/>
-              <a:defRPr sz="1800" kern="1200">
-                <a:solidFill>
-                  <a:schemeClr val="tx1"/>
-                </a:solidFill>
-                <a:latin typeface="+mn-lt"/>
-                <a:ea typeface="+mn-ea"/>
-                <a:cs typeface="+mn-cs"/>
-              </a:defRPr>
-            </a:lvl6pPr>
-            <a:lvl7pPr marL="2971800" indent="-228600" algn="l" defTabSz="914400" rtl="0" eaLnBrk="1" latinLnBrk="0" hangingPunct="1">
-              <a:lnSpc>
-                <a:spcPct val="90000"/>
-              </a:lnSpc>
-              <a:spcBef>
-                <a:spcPts val="500"/>
-              </a:spcBef>
-              <a:buFont typeface="Arial" panose="020B0604020202020204" pitchFamily="34" charset="0"/>
-              <a:buChar char="•"/>
-              <a:defRPr sz="1800" kern="1200">
-                <a:solidFill>
-                  <a:schemeClr val="tx1"/>
-                </a:solidFill>
-                <a:latin typeface="+mn-lt"/>
-                <a:ea typeface="+mn-ea"/>
-                <a:cs typeface="+mn-cs"/>
-              </a:defRPr>
-            </a:lvl7pPr>
-            <a:lvl8pPr marL="3429000" indent="-228600" algn="l" defTabSz="914400" rtl="0" eaLnBrk="1" latinLnBrk="0" hangingPunct="1">
-              <a:lnSpc>
-                <a:spcPct val="90000"/>
-              </a:lnSpc>
-              <a:spcBef>
-                <a:spcPts val="500"/>
-              </a:spcBef>
-              <a:buFont typeface="Arial" panose="020B0604020202020204" pitchFamily="34" charset="0"/>
-              <a:buChar char="•"/>
-              <a:defRPr sz="1800" kern="1200">
-                <a:solidFill>
-                  <a:schemeClr val="tx1"/>
-                </a:solidFill>
-                <a:latin typeface="+mn-lt"/>
-                <a:ea typeface="+mn-ea"/>
-                <a:cs typeface="+mn-cs"/>
-              </a:defRPr>
-            </a:lvl8pPr>
-            <a:lvl9pPr marL="3886200" indent="-228600" algn="l" defTabSz="914400" rtl="0" eaLnBrk="1" latinLnBrk="0" hangingPunct="1">
-              <a:lnSpc>
-                <a:spcPct val="90000"/>
-              </a:lnSpc>
-              <a:spcBef>
-                <a:spcPts val="500"/>
-              </a:spcBef>
-              <a:buFont typeface="Arial" panose="020B0604020202020204" pitchFamily="34" charset="0"/>
-              <a:buChar char="•"/>
-              <a:defRPr sz="1800" kern="1200">
-                <a:solidFill>
-                  <a:schemeClr val="tx1"/>
-                </a:solidFill>
-                <a:latin typeface="+mn-lt"/>
-                <a:ea typeface="+mn-ea"/>
-                <a:cs typeface="+mn-cs"/>
-              </a:defRPr>
-            </a:lvl9pPr>
-          </a:lstStyle>
-          <a:p>
-            <a:r>
-              <a:rPr lang="en-US" dirty="0"/>
-              <a:t>One large chunk!</a:t>
-            </a:r>
-          </a:p>
-        </p:txBody>
-      </p:sp>
-    </p:spTree>
-    <p:extLst>
-      <p:ext uri="{BB962C8B-B14F-4D97-AF65-F5344CB8AC3E}">
-        <p14:creationId xmlns:p14="http://schemas.microsoft.com/office/powerpoint/2010/main" val="968983553"/>
-      </p:ext>
-    </p:extLst>
-  </p:cSld>
-  <p:clrMapOvr>
-    <a:masterClrMapping/>
-  </p:clrMapOvr>
-</p:sld>
-</file>
-
-<file path=ppt/slides/slide60.xml><?xml version="1.0" encoding="utf-8"?>
-<p:sld xmlns:a="http://schemas.openxmlformats.org/drawingml/2006/main" xmlns:r="http://schemas.openxmlformats.org/officeDocument/2006/relationships" xmlns:p="http://schemas.openxmlformats.org/presentationml/2006/main">
+<file path=ppt/slides/slide51.xml><?xml version="1.0" encoding="utf-8"?>
+<p:sld xmlns:a="http://schemas.openxmlformats.org/drawingml/2006/main" xmlns:r="http://schemas.openxmlformats.org/officeDocument/2006/relationships" xmlns:p="http://schemas.openxmlformats.org/presentationml/2006/main" show="0">
   <p:cSld>
     <p:spTree>
       <p:nvGrpSpPr>
@@ -41991,8 +39686,8 @@
 </p:sld>
 </file>
 
-<file path=ppt/slides/slide61.xml><?xml version="1.0" encoding="utf-8"?>
-<p:sld xmlns:a="http://schemas.openxmlformats.org/drawingml/2006/main" xmlns:r="http://schemas.openxmlformats.org/officeDocument/2006/relationships" xmlns:p="http://schemas.openxmlformats.org/presentationml/2006/main">
+<file path=ppt/slides/slide52.xml><?xml version="1.0" encoding="utf-8"?>
+<p:sld xmlns:a="http://schemas.openxmlformats.org/drawingml/2006/main" xmlns:r="http://schemas.openxmlformats.org/officeDocument/2006/relationships" xmlns:p="http://schemas.openxmlformats.org/presentationml/2006/main" show="0">
   <p:cSld>
     <p:spTree>
       <p:nvGrpSpPr>
@@ -42082,8 +39777,8 @@
 </p:sld>
 </file>
 
-<file path=ppt/slides/slide62.xml><?xml version="1.0" encoding="utf-8"?>
-<p:sld xmlns:a="http://schemas.openxmlformats.org/drawingml/2006/main" xmlns:r="http://schemas.openxmlformats.org/officeDocument/2006/relationships" xmlns:p="http://schemas.openxmlformats.org/presentationml/2006/main">
+<file path=ppt/slides/slide53.xml><?xml version="1.0" encoding="utf-8"?>
+<p:sld xmlns:a="http://schemas.openxmlformats.org/drawingml/2006/main" xmlns:r="http://schemas.openxmlformats.org/officeDocument/2006/relationships" xmlns:p="http://schemas.openxmlformats.org/presentationml/2006/main" show="0">
   <p:cSld>
     <p:spTree>
       <p:nvGrpSpPr>
@@ -42341,8 +40036,8 @@
 </p:sld>
 </file>
 
-<file path=ppt/slides/slide63.xml><?xml version="1.0" encoding="utf-8"?>
-<p:sld xmlns:a="http://schemas.openxmlformats.org/drawingml/2006/main" xmlns:r="http://schemas.openxmlformats.org/officeDocument/2006/relationships" xmlns:p="http://schemas.openxmlformats.org/presentationml/2006/main">
+<file path=ppt/slides/slide54.xml><?xml version="1.0" encoding="utf-8"?>
+<p:sld xmlns:a="http://schemas.openxmlformats.org/drawingml/2006/main" xmlns:r="http://schemas.openxmlformats.org/officeDocument/2006/relationships" xmlns:p="http://schemas.openxmlformats.org/presentationml/2006/main" show="0">
   <p:cSld>
     <p:spTree>
       <p:nvGrpSpPr>
@@ -42574,8 +40269,8 @@
 </p:sld>
 </file>
 
-<file path=ppt/slides/slide64.xml><?xml version="1.0" encoding="utf-8"?>
-<p:sld xmlns:a="http://schemas.openxmlformats.org/drawingml/2006/main" xmlns:r="http://schemas.openxmlformats.org/officeDocument/2006/relationships" xmlns:p="http://schemas.openxmlformats.org/presentationml/2006/main">
+<file path=ppt/slides/slide55.xml><?xml version="1.0" encoding="utf-8"?>
+<p:sld xmlns:a="http://schemas.openxmlformats.org/drawingml/2006/main" xmlns:r="http://schemas.openxmlformats.org/officeDocument/2006/relationships" xmlns:p="http://schemas.openxmlformats.org/presentationml/2006/main" show="0">
   <p:cSld>
     <p:spTree>
       <p:nvGrpSpPr>
@@ -42670,8 +40365,8 @@
 </p:sld>
 </file>
 
-<file path=ppt/slides/slide65.xml><?xml version="1.0" encoding="utf-8"?>
-<p:sld xmlns:a="http://schemas.openxmlformats.org/drawingml/2006/main" xmlns:r="http://schemas.openxmlformats.org/officeDocument/2006/relationships" xmlns:p="http://schemas.openxmlformats.org/presentationml/2006/main">
+<file path=ppt/slides/slide56.xml><?xml version="1.0" encoding="utf-8"?>
+<p:sld xmlns:a="http://schemas.openxmlformats.org/drawingml/2006/main" xmlns:r="http://schemas.openxmlformats.org/officeDocument/2006/relationships" xmlns:p="http://schemas.openxmlformats.org/presentationml/2006/main" show="0">
   <p:cSld>
     <p:spTree>
       <p:nvGrpSpPr>
@@ -42906,8 +40601,8 @@
 </p:sld>
 </file>
 
-<file path=ppt/slides/slide66.xml><?xml version="1.0" encoding="utf-8"?>
-<p:sld xmlns:a="http://schemas.openxmlformats.org/drawingml/2006/main" xmlns:r="http://schemas.openxmlformats.org/officeDocument/2006/relationships" xmlns:p="http://schemas.openxmlformats.org/presentationml/2006/main">
+<file path=ppt/slides/slide57.xml><?xml version="1.0" encoding="utf-8"?>
+<p:sld xmlns:a="http://schemas.openxmlformats.org/drawingml/2006/main" xmlns:r="http://schemas.openxmlformats.org/officeDocument/2006/relationships" xmlns:p="http://schemas.openxmlformats.org/presentationml/2006/main" show="0">
   <p:cSld>
     <p:spTree>
       <p:nvGrpSpPr>
@@ -43096,8 +40791,8 @@
 </p:sld>
 </file>
 
-<file path=ppt/slides/slide67.xml><?xml version="1.0" encoding="utf-8"?>
-<p:sld xmlns:a="http://schemas.openxmlformats.org/drawingml/2006/main" xmlns:r="http://schemas.openxmlformats.org/officeDocument/2006/relationships" xmlns:p="http://schemas.openxmlformats.org/presentationml/2006/main">
+<file path=ppt/slides/slide58.xml><?xml version="1.0" encoding="utf-8"?>
+<p:sld xmlns:a="http://schemas.openxmlformats.org/drawingml/2006/main" xmlns:r="http://schemas.openxmlformats.org/officeDocument/2006/relationships" xmlns:p="http://schemas.openxmlformats.org/presentationml/2006/main" show="0">
   <p:cSld>
     <p:spTree>
       <p:nvGrpSpPr>
@@ -43278,8 +40973,8 @@
 </p:sld>
 </file>
 
-<file path=ppt/slides/slide68.xml><?xml version="1.0" encoding="utf-8"?>
-<p:sld xmlns:a="http://schemas.openxmlformats.org/drawingml/2006/main" xmlns:r="http://schemas.openxmlformats.org/officeDocument/2006/relationships" xmlns:p="http://schemas.openxmlformats.org/presentationml/2006/main">
+<file path=ppt/slides/slide59.xml><?xml version="1.0" encoding="utf-8"?>
+<p:sld xmlns:a="http://schemas.openxmlformats.org/drawingml/2006/main" xmlns:r="http://schemas.openxmlformats.org/officeDocument/2006/relationships" xmlns:p="http://schemas.openxmlformats.org/presentationml/2006/main" show="0">
   <p:cSld>
     <p:spTree>
       <p:nvGrpSpPr>
@@ -43444,8 +41139,294 @@
 </p:sld>
 </file>
 
-<file path=ppt/slides/slide69.xml><?xml version="1.0" encoding="utf-8"?>
+<file path=ppt/slides/slide6.xml><?xml version="1.0" encoding="utf-8"?>
 <p:sld xmlns:a="http://schemas.openxmlformats.org/drawingml/2006/main" xmlns:r="http://schemas.openxmlformats.org/officeDocument/2006/relationships" xmlns:p="http://schemas.openxmlformats.org/presentationml/2006/main">
+  <p:cSld>
+    <p:spTree>
+      <p:nvGrpSpPr>
+        <p:cNvPr id="1" name=""/>
+        <p:cNvGrpSpPr/>
+        <p:nvPr/>
+      </p:nvGrpSpPr>
+      <p:grpSpPr>
+        <a:xfrm>
+          <a:off x="0" y="0"/>
+          <a:ext cx="0" cy="0"/>
+          <a:chOff x="0" y="0"/>
+          <a:chExt cx="0" cy="0"/>
+        </a:xfrm>
+      </p:grpSpPr>
+      <p:sp>
+        <p:nvSpPr>
+          <p:cNvPr id="2" name="Title 1">
+            <a:extLst>
+              <a:ext uri="{FF2B5EF4-FFF2-40B4-BE49-F238E27FC236}">
+                <a16:creationId xmlns:a16="http://schemas.microsoft.com/office/drawing/2014/main" id="{C70F7017-3E62-A548-8F76-9B3F67371DA4}"/>
+              </a:ext>
+            </a:extLst>
+          </p:cNvPr>
+          <p:cNvSpPr>
+            <a:spLocks noGrp="1"/>
+          </p:cNvSpPr>
+          <p:nvPr>
+            <p:ph type="title"/>
+          </p:nvPr>
+        </p:nvSpPr>
+        <p:spPr/>
+        <p:txBody>
+          <a:bodyPr/>
+          <a:lstStyle/>
+          <a:p>
+            <a:r>
+              <a:rPr lang="en-US" dirty="0"/>
+              <a:t>Consolidation Process (Visually) </a:t>
+            </a:r>
+          </a:p>
+        </p:txBody>
+      </p:sp>
+      <p:pic>
+        <p:nvPicPr>
+          <p:cNvPr id="9" name="Content Placeholder 8" descr="A screenshot of a cell phone&#10;&#10;Description automatically generated">
+            <a:extLst>
+              <a:ext uri="{FF2B5EF4-FFF2-40B4-BE49-F238E27FC236}">
+                <a16:creationId xmlns:a16="http://schemas.microsoft.com/office/drawing/2014/main" id="{2192A2B6-F15E-7445-B5CB-D7F0F7142B05}"/>
+              </a:ext>
+            </a:extLst>
+          </p:cNvPr>
+          <p:cNvPicPr>
+            <a:picLocks noGrp="1" noChangeAspect="1"/>
+          </p:cNvPicPr>
+          <p:nvPr>
+            <p:ph idx="1"/>
+          </p:nvPr>
+        </p:nvPicPr>
+        <p:blipFill>
+          <a:blip r:embed="rId2"/>
+          <a:stretch>
+            <a:fillRect/>
+          </a:stretch>
+        </p:blipFill>
+        <p:spPr>
+          <a:xfrm>
+            <a:off x="628649" y="1225973"/>
+            <a:ext cx="2943709" cy="3515135"/>
+          </a:xfrm>
+        </p:spPr>
+      </p:pic>
+      <p:sp>
+        <p:nvSpPr>
+          <p:cNvPr id="10" name="Content Placeholder 2">
+            <a:extLst>
+              <a:ext uri="{FF2B5EF4-FFF2-40B4-BE49-F238E27FC236}">
+                <a16:creationId xmlns:a16="http://schemas.microsoft.com/office/drawing/2014/main" id="{EC1365E5-3E82-1145-87F6-D6B1D2EF85B4}"/>
+              </a:ext>
+            </a:extLst>
+          </p:cNvPr>
+          <p:cNvSpPr txBox="1">
+            <a:spLocks/>
+          </p:cNvSpPr>
+          <p:nvPr/>
+        </p:nvSpPr>
+        <p:spPr>
+          <a:xfrm>
+            <a:off x="2231136" y="1606149"/>
+            <a:ext cx="6284214" cy="3263504"/>
+          </a:xfrm>
+          <a:prstGeom prst="rect">
+            <a:avLst/>
+          </a:prstGeom>
+        </p:spPr>
+        <p:txBody>
+          <a:bodyPr vert="horz" lIns="91440" tIns="45720" rIns="91440" bIns="45720" rtlCol="0">
+            <a:normAutofit/>
+          </a:bodyPr>
+          <a:lstStyle>
+            <a:lvl1pPr marL="228600" indent="-228600" algn="l" defTabSz="914400" rtl="0" eaLnBrk="1" latinLnBrk="0" hangingPunct="1">
+              <a:lnSpc>
+                <a:spcPct val="90000"/>
+              </a:lnSpc>
+              <a:spcBef>
+                <a:spcPts val="1000"/>
+              </a:spcBef>
+              <a:buFont typeface="Arial" panose="020B0604020202020204" pitchFamily="34" charset="0"/>
+              <a:buChar char="•"/>
+              <a:defRPr sz="2200" kern="1200">
+                <a:solidFill>
+                  <a:schemeClr val="tx1"/>
+                </a:solidFill>
+                <a:latin typeface="Avenir Book"/>
+                <a:ea typeface="+mn-ea"/>
+                <a:cs typeface="Avenir Book"/>
+              </a:defRPr>
+            </a:lvl1pPr>
+            <a:lvl2pPr marL="685800" indent="-228600" algn="l" defTabSz="914400" rtl="0" eaLnBrk="1" latinLnBrk="0" hangingPunct="1">
+              <a:lnSpc>
+                <a:spcPct val="90000"/>
+              </a:lnSpc>
+              <a:spcBef>
+                <a:spcPts val="500"/>
+              </a:spcBef>
+              <a:buFont typeface="Arial" panose="020B0604020202020204" pitchFamily="34" charset="0"/>
+              <a:buChar char="•"/>
+              <a:defRPr sz="2000" kern="1200">
+                <a:solidFill>
+                  <a:schemeClr val="tx1"/>
+                </a:solidFill>
+                <a:latin typeface="Avenir Book"/>
+                <a:ea typeface="+mn-ea"/>
+                <a:cs typeface="Avenir Book"/>
+              </a:defRPr>
+            </a:lvl2pPr>
+            <a:lvl3pPr marL="1143000" indent="-228600" algn="l" defTabSz="914400" rtl="0" eaLnBrk="1" latinLnBrk="0" hangingPunct="1">
+              <a:lnSpc>
+                <a:spcPct val="90000"/>
+              </a:lnSpc>
+              <a:spcBef>
+                <a:spcPts val="500"/>
+              </a:spcBef>
+              <a:buFont typeface="Arial" panose="020B0604020202020204" pitchFamily="34" charset="0"/>
+              <a:buChar char="•"/>
+              <a:defRPr sz="1800" kern="1200">
+                <a:solidFill>
+                  <a:schemeClr val="tx1"/>
+                </a:solidFill>
+                <a:latin typeface="Avenir Book"/>
+                <a:ea typeface="+mn-ea"/>
+                <a:cs typeface="Avenir Book"/>
+              </a:defRPr>
+            </a:lvl3pPr>
+            <a:lvl4pPr marL="1600200" indent="-228600" algn="l" defTabSz="914400" rtl="0" eaLnBrk="1" latinLnBrk="0" hangingPunct="1">
+              <a:lnSpc>
+                <a:spcPct val="90000"/>
+              </a:lnSpc>
+              <a:spcBef>
+                <a:spcPts val="500"/>
+              </a:spcBef>
+              <a:buFont typeface="Arial" panose="020B0604020202020204" pitchFamily="34" charset="0"/>
+              <a:buChar char="•"/>
+              <a:defRPr sz="2400" kern="1200">
+                <a:solidFill>
+                  <a:schemeClr val="tx1"/>
+                </a:solidFill>
+                <a:latin typeface="Avenir Book"/>
+                <a:ea typeface="+mn-ea"/>
+                <a:cs typeface="Avenir Book"/>
+              </a:defRPr>
+            </a:lvl4pPr>
+            <a:lvl5pPr marL="2057400" indent="-228600" algn="l" defTabSz="914400" rtl="0" eaLnBrk="1" latinLnBrk="0" hangingPunct="1">
+              <a:lnSpc>
+                <a:spcPct val="90000"/>
+              </a:lnSpc>
+              <a:spcBef>
+                <a:spcPts val="500"/>
+              </a:spcBef>
+              <a:buFont typeface="Arial" panose="020B0604020202020204" pitchFamily="34" charset="0"/>
+              <a:buChar char="•"/>
+              <a:defRPr sz="2400" kern="1200">
+                <a:solidFill>
+                  <a:schemeClr val="tx1"/>
+                </a:solidFill>
+                <a:latin typeface="Avenir Book"/>
+                <a:ea typeface="+mn-ea"/>
+                <a:cs typeface="Avenir Book"/>
+              </a:defRPr>
+            </a:lvl5pPr>
+            <a:lvl6pPr marL="2514600" indent="-228600" algn="l" defTabSz="914400" rtl="0" eaLnBrk="1" latinLnBrk="0" hangingPunct="1">
+              <a:lnSpc>
+                <a:spcPct val="90000"/>
+              </a:lnSpc>
+              <a:spcBef>
+                <a:spcPts val="500"/>
+              </a:spcBef>
+              <a:buFont typeface="Arial" panose="020B0604020202020204" pitchFamily="34" charset="0"/>
+              <a:buChar char="•"/>
+              <a:defRPr sz="1800" kern="1200">
+                <a:solidFill>
+                  <a:schemeClr val="tx1"/>
+                </a:solidFill>
+                <a:latin typeface="+mn-lt"/>
+                <a:ea typeface="+mn-ea"/>
+                <a:cs typeface="+mn-cs"/>
+              </a:defRPr>
+            </a:lvl6pPr>
+            <a:lvl7pPr marL="2971800" indent="-228600" algn="l" defTabSz="914400" rtl="0" eaLnBrk="1" latinLnBrk="0" hangingPunct="1">
+              <a:lnSpc>
+                <a:spcPct val="90000"/>
+              </a:lnSpc>
+              <a:spcBef>
+                <a:spcPts val="500"/>
+              </a:spcBef>
+              <a:buFont typeface="Arial" panose="020B0604020202020204" pitchFamily="34" charset="0"/>
+              <a:buChar char="•"/>
+              <a:defRPr sz="1800" kern="1200">
+                <a:solidFill>
+                  <a:schemeClr val="tx1"/>
+                </a:solidFill>
+                <a:latin typeface="+mn-lt"/>
+                <a:ea typeface="+mn-ea"/>
+                <a:cs typeface="+mn-cs"/>
+              </a:defRPr>
+            </a:lvl7pPr>
+            <a:lvl8pPr marL="3429000" indent="-228600" algn="l" defTabSz="914400" rtl="0" eaLnBrk="1" latinLnBrk="0" hangingPunct="1">
+              <a:lnSpc>
+                <a:spcPct val="90000"/>
+              </a:lnSpc>
+              <a:spcBef>
+                <a:spcPts val="500"/>
+              </a:spcBef>
+              <a:buFont typeface="Arial" panose="020B0604020202020204" pitchFamily="34" charset="0"/>
+              <a:buChar char="•"/>
+              <a:defRPr sz="1800" kern="1200">
+                <a:solidFill>
+                  <a:schemeClr val="tx1"/>
+                </a:solidFill>
+                <a:latin typeface="+mn-lt"/>
+                <a:ea typeface="+mn-ea"/>
+                <a:cs typeface="+mn-cs"/>
+              </a:defRPr>
+            </a:lvl8pPr>
+            <a:lvl9pPr marL="3886200" indent="-228600" algn="l" defTabSz="914400" rtl="0" eaLnBrk="1" latinLnBrk="0" hangingPunct="1">
+              <a:lnSpc>
+                <a:spcPct val="90000"/>
+              </a:lnSpc>
+              <a:spcBef>
+                <a:spcPts val="500"/>
+              </a:spcBef>
+              <a:buFont typeface="Arial" panose="020B0604020202020204" pitchFamily="34" charset="0"/>
+              <a:buChar char="•"/>
+              <a:defRPr sz="1800" kern="1200">
+                <a:solidFill>
+                  <a:schemeClr val="tx1"/>
+                </a:solidFill>
+                <a:latin typeface="+mn-lt"/>
+                <a:ea typeface="+mn-ea"/>
+                <a:cs typeface="+mn-cs"/>
+              </a:defRPr>
+            </a:lvl9pPr>
+          </a:lstStyle>
+          <a:p>
+            <a:r>
+              <a:rPr lang="en-US" dirty="0"/>
+              <a:t>One large chunk!</a:t>
+            </a:r>
+          </a:p>
+        </p:txBody>
+      </p:sp>
+    </p:spTree>
+    <p:extLst>
+      <p:ext uri="{BB962C8B-B14F-4D97-AF65-F5344CB8AC3E}">
+        <p14:creationId xmlns:p14="http://schemas.microsoft.com/office/powerpoint/2010/main" val="968983553"/>
+      </p:ext>
+    </p:extLst>
+  </p:cSld>
+  <p:clrMapOvr>
+    <a:masterClrMapping/>
+  </p:clrMapOvr>
+</p:sld>
+</file>
+
+<file path=ppt/slides/slide60.xml><?xml version="1.0" encoding="utf-8"?>
+<p:sld xmlns:a="http://schemas.openxmlformats.org/drawingml/2006/main" xmlns:r="http://schemas.openxmlformats.org/officeDocument/2006/relationships" xmlns:p="http://schemas.openxmlformats.org/presentationml/2006/main" show="0">
   <p:cSld>
     <p:spTree>
       <p:nvGrpSpPr>
@@ -43750,104 +41731,8 @@
 </p:sld>
 </file>
 
-<file path=ppt/slides/slide7.xml><?xml version="1.0" encoding="utf-8"?>
-<p:sld xmlns:a="http://schemas.openxmlformats.org/drawingml/2006/main" xmlns:r="http://schemas.openxmlformats.org/officeDocument/2006/relationships" xmlns:p="http://schemas.openxmlformats.org/presentationml/2006/main">
-  <p:cSld>
-    <p:spTree>
-      <p:nvGrpSpPr>
-        <p:cNvPr id="1" name=""/>
-        <p:cNvGrpSpPr/>
-        <p:nvPr/>
-      </p:nvGrpSpPr>
-      <p:grpSpPr>
-        <a:xfrm>
-          <a:off x="0" y="0"/>
-          <a:ext cx="0" cy="0"/>
-          <a:chOff x="0" y="0"/>
-          <a:chExt cx="0" cy="0"/>
-        </a:xfrm>
-      </p:grpSpPr>
-      <p:sp>
-        <p:nvSpPr>
-          <p:cNvPr id="2" name="Title 1">
-            <a:extLst>
-              <a:ext uri="{FF2B5EF4-FFF2-40B4-BE49-F238E27FC236}">
-                <a16:creationId xmlns:a16="http://schemas.microsoft.com/office/drawing/2014/main" id="{9FE9DBD8-DB8B-7D49-8DC2-F4DB58CD55DE}"/>
-              </a:ext>
-            </a:extLst>
-          </p:cNvPr>
-          <p:cNvSpPr>
-            <a:spLocks noGrp="1"/>
-          </p:cNvSpPr>
-          <p:nvPr>
-            <p:ph type="title"/>
-          </p:nvPr>
-        </p:nvSpPr>
-        <p:spPr>
-          <a:xfrm>
-            <a:off x="628650" y="273847"/>
-            <a:ext cx="7886700" cy="994172"/>
-          </a:xfrm>
-        </p:spPr>
-        <p:txBody>
-          <a:bodyPr anchor="ctr">
-            <a:normAutofit/>
-          </a:bodyPr>
-          <a:lstStyle/>
-          <a:p>
-            <a:r>
-              <a:rPr lang="en-US"/>
-              <a:t>Consolidation </a:t>
-            </a:r>
-          </a:p>
-        </p:txBody>
-      </p:sp>
-      <p:graphicFrame>
-        <p:nvGraphicFramePr>
-          <p:cNvPr id="12" name="Content Placeholder 3">
-            <a:extLst>
-              <a:ext uri="{FF2B5EF4-FFF2-40B4-BE49-F238E27FC236}">
-                <a16:creationId xmlns:a16="http://schemas.microsoft.com/office/drawing/2014/main" id="{7A40F2FF-8E3D-4578-9B16-3CB16A6541A1}"/>
-              </a:ext>
-            </a:extLst>
-          </p:cNvPr>
-          <p:cNvGraphicFramePr>
-            <a:graphicFrameLocks noGrp="1"/>
-          </p:cNvGraphicFramePr>
-          <p:nvPr>
-            <p:ph idx="1"/>
-            <p:extLst>
-              <p:ext uri="{D42A27DB-BD31-4B8C-83A1-F6EECF244321}">
-                <p14:modId xmlns:p14="http://schemas.microsoft.com/office/powerpoint/2010/main" val="2885620417"/>
-              </p:ext>
-            </p:extLst>
-          </p:nvPr>
-        </p:nvGraphicFramePr>
-        <p:xfrm>
-          <a:off x="628650" y="1236541"/>
-          <a:ext cx="7886700" cy="3263504"/>
-        </p:xfrm>
-        <a:graphic>
-          <a:graphicData uri="http://schemas.openxmlformats.org/drawingml/2006/diagram">
-            <dgm:relIds xmlns:dgm="http://schemas.openxmlformats.org/drawingml/2006/diagram" xmlns:r="http://schemas.openxmlformats.org/officeDocument/2006/relationships" r:dm="rId2" r:lo="rId3" r:qs="rId4" r:cs="rId5"/>
-          </a:graphicData>
-        </a:graphic>
-      </p:graphicFrame>
-    </p:spTree>
-    <p:extLst>
-      <p:ext uri="{BB962C8B-B14F-4D97-AF65-F5344CB8AC3E}">
-        <p14:creationId xmlns:p14="http://schemas.microsoft.com/office/powerpoint/2010/main" val="3016325248"/>
-      </p:ext>
-    </p:extLst>
-  </p:cSld>
-  <p:clrMapOvr>
-    <a:masterClrMapping/>
-  </p:clrMapOvr>
-</p:sld>
-</file>
-
-<file path=ppt/slides/slide70.xml><?xml version="1.0" encoding="utf-8"?>
-<p:sld xmlns:a="http://schemas.openxmlformats.org/drawingml/2006/main" xmlns:r="http://schemas.openxmlformats.org/officeDocument/2006/relationships" xmlns:p="http://schemas.openxmlformats.org/presentationml/2006/main">
+<file path=ppt/slides/slide61.xml><?xml version="1.0" encoding="utf-8"?>
+<p:sld xmlns:a="http://schemas.openxmlformats.org/drawingml/2006/main" xmlns:r="http://schemas.openxmlformats.org/officeDocument/2006/relationships" xmlns:p="http://schemas.openxmlformats.org/presentationml/2006/main" show="0">
   <p:cSld>
     <p:spTree>
       <p:nvGrpSpPr>
@@ -44095,8 +41980,8 @@
 </p:sld>
 </file>
 
-<file path=ppt/slides/slide71.xml><?xml version="1.0" encoding="utf-8"?>
-<p:sld xmlns:a="http://schemas.openxmlformats.org/drawingml/2006/main" xmlns:r="http://schemas.openxmlformats.org/officeDocument/2006/relationships" xmlns:p="http://schemas.openxmlformats.org/presentationml/2006/main">
+<file path=ppt/slides/slide62.xml><?xml version="1.0" encoding="utf-8"?>
+<p:sld xmlns:a="http://schemas.openxmlformats.org/drawingml/2006/main" xmlns:r="http://schemas.openxmlformats.org/officeDocument/2006/relationships" xmlns:p="http://schemas.openxmlformats.org/presentationml/2006/main" show="0">
   <p:cSld>
     <p:spTree>
       <p:nvGrpSpPr>
@@ -44246,8 +42131,8 @@
 </p:sld>
 </file>
 
-<file path=ppt/slides/slide72.xml><?xml version="1.0" encoding="utf-8"?>
-<p:sld xmlns:a="http://schemas.openxmlformats.org/drawingml/2006/main" xmlns:r="http://schemas.openxmlformats.org/officeDocument/2006/relationships" xmlns:p="http://schemas.openxmlformats.org/presentationml/2006/main">
+<file path=ppt/slides/slide63.xml><?xml version="1.0" encoding="utf-8"?>
+<p:sld xmlns:a="http://schemas.openxmlformats.org/drawingml/2006/main" xmlns:r="http://schemas.openxmlformats.org/officeDocument/2006/relationships" xmlns:p="http://schemas.openxmlformats.org/presentationml/2006/main" show="0">
   <p:cSld>
     <p:spTree>
       <p:nvGrpSpPr>
@@ -44405,8 +42290,8 @@
 </p:sld>
 </file>
 
-<file path=ppt/slides/slide73.xml><?xml version="1.0" encoding="utf-8"?>
-<p:sld xmlns:a="http://schemas.openxmlformats.org/drawingml/2006/main" xmlns:r="http://schemas.openxmlformats.org/officeDocument/2006/relationships" xmlns:p="http://schemas.openxmlformats.org/presentationml/2006/main">
+<file path=ppt/slides/slide64.xml><?xml version="1.0" encoding="utf-8"?>
+<p:sld xmlns:a="http://schemas.openxmlformats.org/drawingml/2006/main" xmlns:r="http://schemas.openxmlformats.org/officeDocument/2006/relationships" xmlns:p="http://schemas.openxmlformats.org/presentationml/2006/main" show="0">
   <p:cSld>
     <p:spTree>
       <p:nvGrpSpPr>
@@ -44496,8 +42381,8 @@
 </p:sld>
 </file>
 
-<file path=ppt/slides/slide74.xml><?xml version="1.0" encoding="utf-8"?>
-<p:sld xmlns:a="http://schemas.openxmlformats.org/drawingml/2006/main" xmlns:r="http://schemas.openxmlformats.org/officeDocument/2006/relationships" xmlns:p="http://schemas.openxmlformats.org/presentationml/2006/main">
+<file path=ppt/slides/slide65.xml><?xml version="1.0" encoding="utf-8"?>
+<p:sld xmlns:a="http://schemas.openxmlformats.org/drawingml/2006/main" xmlns:r="http://schemas.openxmlformats.org/officeDocument/2006/relationships" xmlns:p="http://schemas.openxmlformats.org/presentationml/2006/main" show="0">
   <p:cSld>
     <p:spTree>
       <p:nvGrpSpPr>
@@ -44746,7 +42631,7 @@
 </p:sld>
 </file>
 
-<file path=ppt/slides/slide75.xml><?xml version="1.0" encoding="utf-8"?>
+<file path=ppt/slides/slide66.xml><?xml version="1.0" encoding="utf-8"?>
 <p:sld xmlns:a="http://schemas.openxmlformats.org/drawingml/2006/main" xmlns:r="http://schemas.openxmlformats.org/officeDocument/2006/relationships" xmlns:p="http://schemas.openxmlformats.org/presentationml/2006/main">
   <p:cSld>
     <p:spTree>
@@ -44779,9 +42664,16 @@
             <p:ph type="title"/>
           </p:nvPr>
         </p:nvSpPr>
-        <p:spPr/>
+        <p:spPr>
+          <a:xfrm>
+            <a:off x="628650" y="273847"/>
+            <a:ext cx="7886700" cy="994172"/>
+          </a:xfrm>
+        </p:spPr>
         <p:txBody>
-          <a:bodyPr/>
+          <a:bodyPr anchor="ctr">
+            <a:normAutofit/>
+          </a:bodyPr>
           <a:lstStyle/>
           <a:p>
             <a:r>
@@ -44791,6 +42683,52 @@
           </a:p>
         </p:txBody>
       </p:sp>
+      <p:pic>
+        <p:nvPicPr>
+          <p:cNvPr id="1030" name="Picture 6" descr="Spongebob Squarepants - Wa Wa Wa - YouTube">
+            <a:extLst>
+              <a:ext uri="{FF2B5EF4-FFF2-40B4-BE49-F238E27FC236}">
+                <a16:creationId xmlns:a16="http://schemas.microsoft.com/office/drawing/2014/main" id="{20E68ED6-87A5-2847-B8DE-64D3F6710F9E}"/>
+              </a:ext>
+            </a:extLst>
+          </p:cNvPr>
+          <p:cNvPicPr>
+            <a:picLocks noChangeAspect="1" noChangeArrowheads="1"/>
+          </p:cNvPicPr>
+          <p:nvPr/>
+        </p:nvPicPr>
+        <p:blipFill rotWithShape="1">
+          <a:blip r:embed="rId2">
+            <a:extLst>
+              <a:ext uri="{28A0092B-C50C-407E-A947-70E740481C1C}">
+                <a14:useLocalDpi xmlns:a14="http://schemas.microsoft.com/office/drawing/2010/main" val="0"/>
+              </a:ext>
+            </a:extLst>
+          </a:blip>
+          <a:stretch/>
+        </p:blipFill>
+        <p:spPr bwMode="auto">
+          <a:xfrm>
+            <a:off x="628650" y="1545522"/>
+            <a:ext cx="3886200" cy="2910898"/>
+          </a:xfrm>
+          <a:prstGeom prst="rect">
+            <a:avLst/>
+          </a:prstGeom>
+          <a:solidFill>
+            <a:srgbClr val="FFFFFF"/>
+          </a:solidFill>
+          <a:extLst>
+            <a:ext uri="{909E8E84-426E-40DD-AFC4-6F175D3DCCD1}">
+              <a14:hiddenFill xmlns:a14="http://schemas.microsoft.com/office/drawing/2010/main">
+                <a:solidFill>
+                  <a:srgbClr val="FFFFFF"/>
+                </a:solidFill>
+              </a14:hiddenFill>
+            </a:ext>
+          </a:extLst>
+        </p:spPr>
+      </p:pic>
       <p:sp>
         <p:nvSpPr>
           <p:cNvPr id="3" name="Content Placeholder 2">
@@ -44804,12 +42742,19 @@
             <a:spLocks noGrp="1"/>
           </p:cNvSpPr>
           <p:nvPr>
-            <p:ph idx="1"/>
+            <p:ph sz="half" idx="2"/>
           </p:nvPr>
         </p:nvSpPr>
-        <p:spPr/>
+        <p:spPr>
+          <a:xfrm>
+            <a:off x="4629150" y="1369219"/>
+            <a:ext cx="3886200" cy="3263504"/>
+          </a:xfrm>
+        </p:spPr>
         <p:txBody>
-          <a:bodyPr/>
+          <a:bodyPr>
+            <a:normAutofit/>
+          </a:bodyPr>
           <a:lstStyle/>
           <a:p>
             <a:r>
@@ -44829,26 +42774,6 @@
             <a:r>
               <a:rPr lang="en-US" dirty="0"/>
               <a:t>Cannot write to non-writable memory (code pointers) </a:t>
-            </a:r>
-          </a:p>
-          <a:p>
-            <a:r>
-              <a:rPr lang="en-US" dirty="0"/>
-              <a:t>TODO: </a:t>
-            </a:r>
-          </a:p>
-          <a:p>
-            <a:pPr lvl="1"/>
-            <a:r>
-              <a:rPr lang="en-US" dirty="0"/>
-              <a:t>No longer WRITE-WHAT-WHERE primitive</a:t>
-            </a:r>
-          </a:p>
-          <a:p>
-            <a:pPr lvl="1"/>
-            <a:r>
-              <a:rPr lang="en-US" dirty="0"/>
-              <a:t>But, overwrite a pointer using another technique!</a:t>
             </a:r>
           </a:p>
         </p:txBody>
@@ -44866,7 +42791,7 @@
 </p:sld>
 </file>
 
-<file path=ppt/slides/slide76.xml><?xml version="1.0" encoding="utf-8"?>
+<file path=ppt/slides/slide67.xml><?xml version="1.0" encoding="utf-8"?>
 <p:sld xmlns:a="http://schemas.openxmlformats.org/drawingml/2006/main" xmlns:r="http://schemas.openxmlformats.org/officeDocument/2006/relationships" xmlns:p="http://schemas.openxmlformats.org/presentationml/2006/main">
   <p:cSld>
     <p:spTree>
@@ -45203,7 +43128,7 @@
 </p:sld>
 </file>
 
-<file path=ppt/slides/slide77.xml><?xml version="1.0" encoding="utf-8"?>
+<file path=ppt/slides/slide68.xml><?xml version="1.0" encoding="utf-8"?>
 <p:sld xmlns:a="http://schemas.openxmlformats.org/drawingml/2006/main" xmlns:r="http://schemas.openxmlformats.org/officeDocument/2006/relationships" xmlns:p="http://schemas.openxmlformats.org/presentationml/2006/main">
   <p:cSld>
     <p:spTree>
@@ -45271,24 +43196,35 @@
           <a:p>
             <a:r>
               <a:rPr lang="en-US" dirty="0"/>
-              <a:t>Can bypass this check and </a:t>
+              <a:t>Overwrite the</a:t>
             </a:r>
             <a:r>
               <a:rPr lang="en-US" i="1" dirty="0"/>
-              <a:t>overwrite the pointer to the chunk itself! </a:t>
+              <a:t> </a:t>
+            </a:r>
+            <a:r>
+              <a:rPr lang="en-US" b="1" i="1" dirty="0"/>
+              <a:t>pointer</a:t>
+            </a:r>
+            <a:r>
+              <a:rPr lang="en-US" i="1" dirty="0"/>
+              <a:t> to the </a:t>
+            </a:r>
+            <a:r>
+              <a:rPr lang="en-US" b="1" i="1" dirty="0"/>
+              <a:t>chunk</a:t>
+            </a:r>
+            <a:r>
+              <a:rPr lang="en-US" i="1" dirty="0"/>
+              <a:t> itself! </a:t>
             </a:r>
           </a:p>
           <a:p>
             <a:pPr lvl="1"/>
             <a:r>
               <a:rPr lang="en-US" dirty="0"/>
-              <a:t>Not the same attack, but still a </a:t>
-            </a:r>
-            <a:r>
-              <a:rPr lang="en-US"/>
-              <a:t>powerful primitive</a:t>
-            </a:r>
-            <a:endParaRPr lang="en-US" dirty="0"/>
+              <a:t>Not the same primitive but still a powerful primitive</a:t>
+            </a:r>
           </a:p>
           <a:p>
             <a:r>
@@ -45328,7 +43264,7 @@
             <a:pPr lvl="1"/>
             <a:r>
               <a:rPr lang="en-US" dirty="0"/>
-              <a:t>Known location of fake chunk pointer (may require leak) </a:t>
+              <a:t>Known location of fake chunk pointer</a:t>
             </a:r>
           </a:p>
         </p:txBody>
@@ -45420,8 +43356,8 @@
 </p:sld>
 </file>
 
-<file path=ppt/slides/slide78.xml><?xml version="1.0" encoding="utf-8"?>
-<p:sld xmlns:a="http://schemas.openxmlformats.org/drawingml/2006/main" xmlns:r="http://schemas.openxmlformats.org/officeDocument/2006/relationships" xmlns:p="http://schemas.openxmlformats.org/presentationml/2006/main">
+<file path=ppt/slides/slide69.xml><?xml version="1.0" encoding="utf-8"?>
+<p:sld xmlns:a="http://schemas.openxmlformats.org/drawingml/2006/main" xmlns:r="http://schemas.openxmlformats.org/officeDocument/2006/relationships" xmlns:p="http://schemas.openxmlformats.org/presentationml/2006/main" show="0">
   <p:cSld>
     <p:spTree>
       <p:nvGrpSpPr>
@@ -45553,7 +43489,7 @@
     </p:spTree>
     <p:extLst>
       <p:ext uri="{BB962C8B-B14F-4D97-AF65-F5344CB8AC3E}">
-        <p14:creationId xmlns:p14="http://schemas.microsoft.com/office/powerpoint/2010/main" val="532587959"/>
+        <p14:creationId xmlns:p14="http://schemas.microsoft.com/office/powerpoint/2010/main" val="3206614782"/>
       </p:ext>
     </p:extLst>
   </p:cSld>
@@ -45563,8 +43499,104 @@
 </p:sld>
 </file>
 
-<file path=ppt/slides/slide79.xml><?xml version="1.0" encoding="utf-8"?>
+<file path=ppt/slides/slide7.xml><?xml version="1.0" encoding="utf-8"?>
 <p:sld xmlns:a="http://schemas.openxmlformats.org/drawingml/2006/main" xmlns:r="http://schemas.openxmlformats.org/officeDocument/2006/relationships" xmlns:p="http://schemas.openxmlformats.org/presentationml/2006/main">
+  <p:cSld>
+    <p:spTree>
+      <p:nvGrpSpPr>
+        <p:cNvPr id="1" name=""/>
+        <p:cNvGrpSpPr/>
+        <p:nvPr/>
+      </p:nvGrpSpPr>
+      <p:grpSpPr>
+        <a:xfrm>
+          <a:off x="0" y="0"/>
+          <a:ext cx="0" cy="0"/>
+          <a:chOff x="0" y="0"/>
+          <a:chExt cx="0" cy="0"/>
+        </a:xfrm>
+      </p:grpSpPr>
+      <p:sp>
+        <p:nvSpPr>
+          <p:cNvPr id="2" name="Title 1">
+            <a:extLst>
+              <a:ext uri="{FF2B5EF4-FFF2-40B4-BE49-F238E27FC236}">
+                <a16:creationId xmlns:a16="http://schemas.microsoft.com/office/drawing/2014/main" id="{9FE9DBD8-DB8B-7D49-8DC2-F4DB58CD55DE}"/>
+              </a:ext>
+            </a:extLst>
+          </p:cNvPr>
+          <p:cNvSpPr>
+            <a:spLocks noGrp="1"/>
+          </p:cNvSpPr>
+          <p:nvPr>
+            <p:ph type="title"/>
+          </p:nvPr>
+        </p:nvSpPr>
+        <p:spPr>
+          <a:xfrm>
+            <a:off x="628650" y="273847"/>
+            <a:ext cx="7886700" cy="994172"/>
+          </a:xfrm>
+        </p:spPr>
+        <p:txBody>
+          <a:bodyPr anchor="ctr">
+            <a:normAutofit/>
+          </a:bodyPr>
+          <a:lstStyle/>
+          <a:p>
+            <a:r>
+              <a:rPr lang="en-US"/>
+              <a:t>Consolidation </a:t>
+            </a:r>
+          </a:p>
+        </p:txBody>
+      </p:sp>
+      <p:graphicFrame>
+        <p:nvGraphicFramePr>
+          <p:cNvPr id="12" name="Content Placeholder 3">
+            <a:extLst>
+              <a:ext uri="{FF2B5EF4-FFF2-40B4-BE49-F238E27FC236}">
+                <a16:creationId xmlns:a16="http://schemas.microsoft.com/office/drawing/2014/main" id="{7A40F2FF-8E3D-4578-9B16-3CB16A6541A1}"/>
+              </a:ext>
+            </a:extLst>
+          </p:cNvPr>
+          <p:cNvGraphicFramePr>
+            <a:graphicFrameLocks noGrp="1"/>
+          </p:cNvGraphicFramePr>
+          <p:nvPr>
+            <p:ph idx="1"/>
+            <p:extLst>
+              <p:ext uri="{D42A27DB-BD31-4B8C-83A1-F6EECF244321}">
+                <p14:modId xmlns:p14="http://schemas.microsoft.com/office/powerpoint/2010/main" val="2885620417"/>
+              </p:ext>
+            </p:extLst>
+          </p:nvPr>
+        </p:nvGraphicFramePr>
+        <p:xfrm>
+          <a:off x="628650" y="1236541"/>
+          <a:ext cx="7886700" cy="3263504"/>
+        </p:xfrm>
+        <a:graphic>
+          <a:graphicData uri="http://schemas.openxmlformats.org/drawingml/2006/diagram">
+            <dgm:relIds xmlns:dgm="http://schemas.openxmlformats.org/drawingml/2006/diagram" xmlns:r="http://schemas.openxmlformats.org/officeDocument/2006/relationships" r:dm="rId2" r:lo="rId3" r:qs="rId4" r:cs="rId5"/>
+          </a:graphicData>
+        </a:graphic>
+      </p:graphicFrame>
+    </p:spTree>
+    <p:extLst>
+      <p:ext uri="{BB962C8B-B14F-4D97-AF65-F5344CB8AC3E}">
+        <p14:creationId xmlns:p14="http://schemas.microsoft.com/office/powerpoint/2010/main" val="3016325248"/>
+      </p:ext>
+    </p:extLst>
+  </p:cSld>
+  <p:clrMapOvr>
+    <a:masterClrMapping/>
+  </p:clrMapOvr>
+</p:sld>
+</file>
+
+<file path=ppt/slides/slide70.xml><?xml version="1.0" encoding="utf-8"?>
+<p:sld xmlns:a="http://schemas.openxmlformats.org/drawingml/2006/main" xmlns:r="http://schemas.openxmlformats.org/officeDocument/2006/relationships" xmlns:p="http://schemas.openxmlformats.org/presentationml/2006/main" show="0">
   <p:cSld>
     <p:spTree>
       <p:nvGrpSpPr>
@@ -45703,7 +43735,7 @@
     </p:spTree>
     <p:extLst>
       <p:ext uri="{BB962C8B-B14F-4D97-AF65-F5344CB8AC3E}">
-        <p14:creationId xmlns:p14="http://schemas.microsoft.com/office/powerpoint/2010/main" val="568598570"/>
+        <p14:creationId xmlns:p14="http://schemas.microsoft.com/office/powerpoint/2010/main" val="2092881028"/>
       </p:ext>
     </p:extLst>
   </p:cSld>
@@ -45713,323 +43745,8 @@
 </p:sld>
 </file>
 
-<file path=ppt/slides/slide8.xml><?xml version="1.0" encoding="utf-8"?>
-<p:sld xmlns:a="http://schemas.openxmlformats.org/drawingml/2006/main" xmlns:r="http://schemas.openxmlformats.org/officeDocument/2006/relationships" xmlns:p="http://schemas.openxmlformats.org/presentationml/2006/main">
-  <p:cSld>
-    <p:spTree>
-      <p:nvGrpSpPr>
-        <p:cNvPr id="1" name=""/>
-        <p:cNvGrpSpPr/>
-        <p:nvPr/>
-      </p:nvGrpSpPr>
-      <p:grpSpPr>
-        <a:xfrm>
-          <a:off x="0" y="0"/>
-          <a:ext cx="0" cy="0"/>
-          <a:chOff x="0" y="0"/>
-          <a:chExt cx="0" cy="0"/>
-        </a:xfrm>
-      </p:grpSpPr>
-      <p:sp>
-        <p:nvSpPr>
-          <p:cNvPr id="2" name="Title 1">
-            <a:extLst>
-              <a:ext uri="{FF2B5EF4-FFF2-40B4-BE49-F238E27FC236}">
-                <a16:creationId xmlns:a16="http://schemas.microsoft.com/office/drawing/2014/main" id="{6BEB7CF1-743A-D74C-AC52-B586D7683293}"/>
-              </a:ext>
-            </a:extLst>
-          </p:cNvPr>
-          <p:cNvSpPr>
-            <a:spLocks noGrp="1"/>
-          </p:cNvSpPr>
-          <p:nvPr>
-            <p:ph type="title"/>
-          </p:nvPr>
-        </p:nvSpPr>
-        <p:spPr>
-          <a:xfrm>
-            <a:off x="628650" y="273847"/>
-            <a:ext cx="7886700" cy="994172"/>
-          </a:xfrm>
-        </p:spPr>
-        <p:txBody>
-          <a:bodyPr anchor="ctr">
-            <a:normAutofit/>
-          </a:bodyPr>
-          <a:lstStyle/>
-          <a:p>
-            <a:r>
-              <a:rPr lang="en-US" dirty="0"/>
-              <a:t>Code Review! (questions) </a:t>
-            </a:r>
-          </a:p>
-        </p:txBody>
-      </p:sp>
-      <p:pic>
-        <p:nvPicPr>
-          <p:cNvPr id="5" name="Content Placeholder 4" descr="A screen shot of a social media post&#10;&#10;Description automatically generated">
-            <a:extLst>
-              <a:ext uri="{FF2B5EF4-FFF2-40B4-BE49-F238E27FC236}">
-                <a16:creationId xmlns:a16="http://schemas.microsoft.com/office/drawing/2014/main" id="{2079519E-7C78-EC4D-84CF-60D0BE06D9AF}"/>
-              </a:ext>
-            </a:extLst>
-          </p:cNvPr>
-          <p:cNvPicPr>
-            <a:picLocks noGrp="1" noChangeAspect="1"/>
-          </p:cNvPicPr>
-          <p:nvPr>
-            <p:ph sz="half" idx="1"/>
-          </p:nvPr>
-        </p:nvPicPr>
-        <p:blipFill>
-          <a:blip r:embed="rId2"/>
-          <a:stretch>
-            <a:fillRect/>
-          </a:stretch>
-        </p:blipFill>
-        <p:spPr>
-          <a:xfrm>
-            <a:off x="79963" y="1369219"/>
-            <a:ext cx="4492037" cy="1669701"/>
-          </a:xfrm>
-          <a:noFill/>
-        </p:spPr>
-      </p:pic>
-      <p:sp>
-        <p:nvSpPr>
-          <p:cNvPr id="10" name="Content Placeholder 3">
-            <a:extLst>
-              <a:ext uri="{FF2B5EF4-FFF2-40B4-BE49-F238E27FC236}">
-                <a16:creationId xmlns:a16="http://schemas.microsoft.com/office/drawing/2014/main" id="{79B45F60-0363-424B-9E27-65854133F913}"/>
-              </a:ext>
-            </a:extLst>
-          </p:cNvPr>
-          <p:cNvSpPr>
-            <a:spLocks noGrp="1"/>
-          </p:cNvSpPr>
-          <p:nvPr>
-            <p:ph sz="half" idx="2"/>
-          </p:nvPr>
-        </p:nvSpPr>
-        <p:spPr>
-          <a:xfrm>
-            <a:off x="4629149" y="1369219"/>
-            <a:ext cx="4434887" cy="3263504"/>
-          </a:xfrm>
-        </p:spPr>
-        <p:txBody>
-          <a:bodyPr>
-            <a:normAutofit fontScale="85000" lnSpcReduction="20000"/>
-          </a:bodyPr>
-          <a:lstStyle/>
-          <a:p>
-            <a:r>
-              <a:rPr lang="en-US" dirty="0"/>
-              <a:t>Inside of </a:t>
-            </a:r>
-            <a:r>
-              <a:rPr lang="en-US" i="1" dirty="0"/>
-              <a:t>free</a:t>
-            </a:r>
-            <a:r>
-              <a:rPr lang="en-US" dirty="0"/>
-              <a:t> (_</a:t>
-            </a:r>
-            <a:r>
-              <a:rPr lang="en-US" dirty="0" err="1"/>
-              <a:t>int_free</a:t>
-            </a:r>
-            <a:r>
-              <a:rPr lang="en-US" dirty="0"/>
-              <a:t>)</a:t>
-            </a:r>
-          </a:p>
-          <a:p>
-            <a:r>
-              <a:rPr lang="en-US" dirty="0"/>
-              <a:t>p: current chunk being freed</a:t>
-            </a:r>
-          </a:p>
-          <a:p>
-            <a:r>
-              <a:rPr lang="en-US" dirty="0"/>
-              <a:t>size: size of p</a:t>
-            </a:r>
-          </a:p>
-          <a:p>
-            <a:r>
-              <a:rPr lang="en-US" dirty="0" err="1"/>
-              <a:t>chunk_at_offset</a:t>
-            </a:r>
-            <a:r>
-              <a:rPr lang="en-US" dirty="0"/>
-              <a:t>: </a:t>
-            </a:r>
-          </a:p>
-          <a:p>
-            <a:pPr lvl="1"/>
-            <a:r>
-              <a:rPr lang="en-US" dirty="0"/>
-              <a:t>Gets chunk at the requested offset</a:t>
-            </a:r>
-          </a:p>
-          <a:p>
-            <a:r>
-              <a:rPr lang="en-US" dirty="0"/>
-              <a:t>Questions: </a:t>
-            </a:r>
-          </a:p>
-          <a:p>
-            <a:pPr marL="457200" lvl="1" indent="0">
-              <a:buNone/>
-            </a:pPr>
-            <a:r>
-              <a:rPr lang="en-US" dirty="0"/>
-              <a:t>1. What is the function call checking here?</a:t>
-            </a:r>
-          </a:p>
-          <a:p>
-            <a:pPr marL="457200" lvl="1" indent="0">
-              <a:buNone/>
-            </a:pPr>
-            <a:r>
-              <a:rPr lang="en-US" dirty="0"/>
-              <a:t>2. How does it find the </a:t>
-            </a:r>
-            <a:r>
-              <a:rPr lang="en-US" i="1" dirty="0"/>
-              <a:t>previous</a:t>
-            </a:r>
-            <a:r>
-              <a:rPr lang="en-US" dirty="0"/>
-              <a:t> chunk? </a:t>
-            </a:r>
-          </a:p>
-        </p:txBody>
-      </p:sp>
-      <p:sp>
-        <p:nvSpPr>
-          <p:cNvPr id="6" name="TextBox 5">
-            <a:extLst>
-              <a:ext uri="{FF2B5EF4-FFF2-40B4-BE49-F238E27FC236}">
-                <a16:creationId xmlns:a16="http://schemas.microsoft.com/office/drawing/2014/main" id="{6ED31DE9-D4DA-BB47-8961-1227E69BE052}"/>
-              </a:ext>
-            </a:extLst>
-          </p:cNvPr>
-          <p:cNvSpPr txBox="1"/>
-          <p:nvPr/>
-        </p:nvSpPr>
-        <p:spPr>
-          <a:xfrm>
-            <a:off x="2107770" y="1425843"/>
-            <a:ext cx="604434" cy="584775"/>
-          </a:xfrm>
-          <a:prstGeom prst="rect">
-            <a:avLst/>
-          </a:prstGeom>
-          <a:noFill/>
-        </p:spPr>
-        <p:txBody>
-          <a:bodyPr wrap="square" rtlCol="0">
-            <a:spAutoFit/>
-          </a:bodyPr>
-          <a:lstStyle/>
-          <a:p>
-            <a:r>
-              <a:rPr lang="en-US" sz="3200" dirty="0">
-                <a:solidFill>
-                  <a:srgbClr val="FF0000"/>
-                </a:solidFill>
-              </a:rPr>
-              <a:t>1)</a:t>
-            </a:r>
-          </a:p>
-        </p:txBody>
-      </p:sp>
-      <p:sp>
-        <p:nvSpPr>
-          <p:cNvPr id="8" name="TextBox 7">
-            <a:extLst>
-              <a:ext uri="{FF2B5EF4-FFF2-40B4-BE49-F238E27FC236}">
-                <a16:creationId xmlns:a16="http://schemas.microsoft.com/office/drawing/2014/main" id="{A3757472-D2AA-4E4C-9568-9C2638FD134D}"/>
-              </a:ext>
-            </a:extLst>
-          </p:cNvPr>
-          <p:cNvSpPr txBox="1"/>
-          <p:nvPr/>
-        </p:nvSpPr>
-        <p:spPr>
-          <a:xfrm>
-            <a:off x="4212635" y="2104806"/>
-            <a:ext cx="604434" cy="584775"/>
-          </a:xfrm>
-          <a:prstGeom prst="rect">
-            <a:avLst/>
-          </a:prstGeom>
-          <a:noFill/>
-        </p:spPr>
-        <p:txBody>
-          <a:bodyPr wrap="square" rtlCol="0">
-            <a:spAutoFit/>
-          </a:bodyPr>
-          <a:lstStyle/>
-          <a:p>
-            <a:r>
-              <a:rPr lang="en-US" sz="3200" dirty="0">
-                <a:solidFill>
-                  <a:srgbClr val="FF0000"/>
-                </a:solidFill>
-              </a:rPr>
-              <a:t>2)</a:t>
-            </a:r>
-          </a:p>
-        </p:txBody>
-      </p:sp>
-      <p:pic>
-        <p:nvPicPr>
-          <p:cNvPr id="9" name="Picture 8" descr="A screenshot of a cell phone&#10;&#10;Description automatically generated">
-            <a:extLst>
-              <a:ext uri="{FF2B5EF4-FFF2-40B4-BE49-F238E27FC236}">
-                <a16:creationId xmlns:a16="http://schemas.microsoft.com/office/drawing/2014/main" id="{47AFF4BB-6475-A341-8571-7C0868A3540F}"/>
-              </a:ext>
-            </a:extLst>
-          </p:cNvPr>
-          <p:cNvPicPr>
-            <a:picLocks noChangeAspect="1"/>
-          </p:cNvPicPr>
-          <p:nvPr/>
-        </p:nvPicPr>
-        <p:blipFill>
-          <a:blip r:embed="rId3"/>
-          <a:stretch>
-            <a:fillRect/>
-          </a:stretch>
-        </p:blipFill>
-        <p:spPr>
-          <a:xfrm>
-            <a:off x="130381" y="3038920"/>
-            <a:ext cx="1783479" cy="1983229"/>
-          </a:xfrm>
-          <a:prstGeom prst="rect">
-            <a:avLst/>
-          </a:prstGeom>
-        </p:spPr>
-      </p:pic>
-    </p:spTree>
-    <p:extLst>
-      <p:ext uri="{BB962C8B-B14F-4D97-AF65-F5344CB8AC3E}">
-        <p14:creationId xmlns:p14="http://schemas.microsoft.com/office/powerpoint/2010/main" val="2069957500"/>
-      </p:ext>
-    </p:extLst>
-  </p:cSld>
-  <p:clrMapOvr>
-    <a:masterClrMapping/>
-  </p:clrMapOvr>
-</p:sld>
-</file>
-
-<file path=ppt/slides/slide80.xml><?xml version="1.0" encoding="utf-8"?>
-<p:sld xmlns:a="http://schemas.openxmlformats.org/drawingml/2006/main" xmlns:r="http://schemas.openxmlformats.org/officeDocument/2006/relationships" xmlns:p="http://schemas.openxmlformats.org/presentationml/2006/main">
+<file path=ppt/slides/slide71.xml><?xml version="1.0" encoding="utf-8"?>
+<p:sld xmlns:a="http://schemas.openxmlformats.org/drawingml/2006/main" xmlns:r="http://schemas.openxmlformats.org/officeDocument/2006/relationships" xmlns:p="http://schemas.openxmlformats.org/presentationml/2006/main" show="0">
   <p:cSld>
     <p:spTree>
       <p:nvGrpSpPr>
@@ -46160,7 +43877,7 @@
     </p:spTree>
     <p:extLst>
       <p:ext uri="{BB962C8B-B14F-4D97-AF65-F5344CB8AC3E}">
-        <p14:creationId xmlns:p14="http://schemas.microsoft.com/office/powerpoint/2010/main" val="1858268095"/>
+        <p14:creationId xmlns:p14="http://schemas.microsoft.com/office/powerpoint/2010/main" val="1649633831"/>
       </p:ext>
     </p:extLst>
   </p:cSld>
@@ -46170,8 +43887,8 @@
 </p:sld>
 </file>
 
-<file path=ppt/slides/slide81.xml><?xml version="1.0" encoding="utf-8"?>
-<p:sld xmlns:a="http://schemas.openxmlformats.org/drawingml/2006/main" xmlns:r="http://schemas.openxmlformats.org/officeDocument/2006/relationships" xmlns:p="http://schemas.openxmlformats.org/presentationml/2006/main">
+<file path=ppt/slides/slide72.xml><?xml version="1.0" encoding="utf-8"?>
+<p:sld xmlns:a="http://schemas.openxmlformats.org/drawingml/2006/main" xmlns:r="http://schemas.openxmlformats.org/officeDocument/2006/relationships" xmlns:p="http://schemas.openxmlformats.org/presentationml/2006/main" show="0">
   <p:cSld>
     <p:spTree>
       <p:nvGrpSpPr>
@@ -46306,7 +44023,7 @@
     </p:spTree>
     <p:extLst>
       <p:ext uri="{BB962C8B-B14F-4D97-AF65-F5344CB8AC3E}">
-        <p14:creationId xmlns:p14="http://schemas.microsoft.com/office/powerpoint/2010/main" val="2724085730"/>
+        <p14:creationId xmlns:p14="http://schemas.microsoft.com/office/powerpoint/2010/main" val="2319942265"/>
       </p:ext>
     </p:extLst>
   </p:cSld>
@@ -46316,8 +44033,8 @@
 </p:sld>
 </file>
 
-<file path=ppt/slides/slide82.xml><?xml version="1.0" encoding="utf-8"?>
-<p:sld xmlns:a="http://schemas.openxmlformats.org/drawingml/2006/main" xmlns:r="http://schemas.openxmlformats.org/officeDocument/2006/relationships" xmlns:p="http://schemas.openxmlformats.org/presentationml/2006/main">
+<file path=ppt/slides/slide73.xml><?xml version="1.0" encoding="utf-8"?>
+<p:sld xmlns:a="http://schemas.openxmlformats.org/drawingml/2006/main" xmlns:r="http://schemas.openxmlformats.org/officeDocument/2006/relationships" xmlns:p="http://schemas.openxmlformats.org/presentationml/2006/main" show="0">
   <p:cSld>
     <p:spTree>
       <p:nvGrpSpPr>
@@ -46513,7 +44230,7 @@
     </p:spTree>
     <p:extLst>
       <p:ext uri="{BB962C8B-B14F-4D97-AF65-F5344CB8AC3E}">
-        <p14:creationId xmlns:p14="http://schemas.microsoft.com/office/powerpoint/2010/main" val="2467445632"/>
+        <p14:creationId xmlns:p14="http://schemas.microsoft.com/office/powerpoint/2010/main" val="3270770242"/>
       </p:ext>
     </p:extLst>
   </p:cSld>
@@ -46523,8 +44240,8 @@
 </p:sld>
 </file>
 
-<file path=ppt/slides/slide83.xml><?xml version="1.0" encoding="utf-8"?>
-<p:sld xmlns:a="http://schemas.openxmlformats.org/drawingml/2006/main" xmlns:r="http://schemas.openxmlformats.org/officeDocument/2006/relationships" xmlns:p="http://schemas.openxmlformats.org/presentationml/2006/main">
+<file path=ppt/slides/slide74.xml><?xml version="1.0" encoding="utf-8"?>
+<p:sld xmlns:a="http://schemas.openxmlformats.org/drawingml/2006/main" xmlns:r="http://schemas.openxmlformats.org/officeDocument/2006/relationships" xmlns:p="http://schemas.openxmlformats.org/presentationml/2006/main" show="0">
   <p:cSld>
     <p:spTree>
       <p:nvGrpSpPr>
@@ -46720,7 +44437,7 @@
     </p:spTree>
     <p:extLst>
       <p:ext uri="{BB962C8B-B14F-4D97-AF65-F5344CB8AC3E}">
-        <p14:creationId xmlns:p14="http://schemas.microsoft.com/office/powerpoint/2010/main" val="3805253557"/>
+        <p14:creationId xmlns:p14="http://schemas.microsoft.com/office/powerpoint/2010/main" val="2038491939"/>
       </p:ext>
     </p:extLst>
   </p:cSld>
@@ -46730,8 +44447,8 @@
 </p:sld>
 </file>
 
-<file path=ppt/slides/slide84.xml><?xml version="1.0" encoding="utf-8"?>
-<p:sld xmlns:a="http://schemas.openxmlformats.org/drawingml/2006/main" xmlns:r="http://schemas.openxmlformats.org/officeDocument/2006/relationships" xmlns:p="http://schemas.openxmlformats.org/presentationml/2006/main">
+<file path=ppt/slides/slide75.xml><?xml version="1.0" encoding="utf-8"?>
+<p:sld xmlns:a="http://schemas.openxmlformats.org/drawingml/2006/main" xmlns:r="http://schemas.openxmlformats.org/officeDocument/2006/relationships" xmlns:p="http://schemas.openxmlformats.org/presentationml/2006/main" show="0">
   <p:cSld>
     <p:spTree>
       <p:nvGrpSpPr>
@@ -46933,7 +44650,7 @@
     </p:spTree>
     <p:extLst>
       <p:ext uri="{BB962C8B-B14F-4D97-AF65-F5344CB8AC3E}">
-        <p14:creationId xmlns:p14="http://schemas.microsoft.com/office/powerpoint/2010/main" val="2802998201"/>
+        <p14:creationId xmlns:p14="http://schemas.microsoft.com/office/powerpoint/2010/main" val="3851073134"/>
       </p:ext>
     </p:extLst>
   </p:cSld>
@@ -46943,8 +44660,8 @@
 </p:sld>
 </file>
 
-<file path=ppt/slides/slide85.xml><?xml version="1.0" encoding="utf-8"?>
-<p:sld xmlns:a="http://schemas.openxmlformats.org/drawingml/2006/main" xmlns:r="http://schemas.openxmlformats.org/officeDocument/2006/relationships" xmlns:p="http://schemas.openxmlformats.org/presentationml/2006/main">
+<file path=ppt/slides/slide76.xml><?xml version="1.0" encoding="utf-8"?>
+<p:sld xmlns:a="http://schemas.openxmlformats.org/drawingml/2006/main" xmlns:r="http://schemas.openxmlformats.org/officeDocument/2006/relationships" xmlns:p="http://schemas.openxmlformats.org/presentationml/2006/main" show="0">
   <p:cSld>
     <p:spTree>
       <p:nvGrpSpPr>
@@ -47106,7 +44823,7 @@
     </p:spTree>
     <p:extLst>
       <p:ext uri="{BB962C8B-B14F-4D97-AF65-F5344CB8AC3E}">
-        <p14:creationId xmlns:p14="http://schemas.microsoft.com/office/powerpoint/2010/main" val="1474679594"/>
+        <p14:creationId xmlns:p14="http://schemas.microsoft.com/office/powerpoint/2010/main" val="2511474657"/>
       </p:ext>
     </p:extLst>
   </p:cSld>
@@ -47116,8 +44833,8 @@
 </p:sld>
 </file>
 
-<file path=ppt/slides/slide86.xml><?xml version="1.0" encoding="utf-8"?>
-<p:sld xmlns:a="http://schemas.openxmlformats.org/drawingml/2006/main" xmlns:r="http://schemas.openxmlformats.org/officeDocument/2006/relationships" xmlns:p="http://schemas.openxmlformats.org/presentationml/2006/main">
+<file path=ppt/slides/slide77.xml><?xml version="1.0" encoding="utf-8"?>
+<p:sld xmlns:a="http://schemas.openxmlformats.org/drawingml/2006/main" xmlns:r="http://schemas.openxmlformats.org/officeDocument/2006/relationships" xmlns:p="http://schemas.openxmlformats.org/presentationml/2006/main" show="0">
   <p:cSld>
     <p:spTree>
       <p:nvGrpSpPr>
@@ -47222,7 +44939,7 @@
     </p:spTree>
     <p:extLst>
       <p:ext uri="{BB962C8B-B14F-4D97-AF65-F5344CB8AC3E}">
-        <p14:creationId xmlns:p14="http://schemas.microsoft.com/office/powerpoint/2010/main" val="2186476783"/>
+        <p14:creationId xmlns:p14="http://schemas.microsoft.com/office/powerpoint/2010/main" val="3747950910"/>
       </p:ext>
     </p:extLst>
   </p:cSld>
@@ -47232,8 +44949,8 @@
 </p:sld>
 </file>
 
-<file path=ppt/slides/slide87.xml><?xml version="1.0" encoding="utf-8"?>
-<p:sld xmlns:a="http://schemas.openxmlformats.org/drawingml/2006/main" xmlns:r="http://schemas.openxmlformats.org/officeDocument/2006/relationships" xmlns:p="http://schemas.openxmlformats.org/presentationml/2006/main">
+<file path=ppt/slides/slide78.xml><?xml version="1.0" encoding="utf-8"?>
+<p:sld xmlns:a="http://schemas.openxmlformats.org/drawingml/2006/main" xmlns:r="http://schemas.openxmlformats.org/officeDocument/2006/relationships" xmlns:p="http://schemas.openxmlformats.org/presentationml/2006/main" show="0">
   <p:cSld>
     <p:spTree>
       <p:nvGrpSpPr>
@@ -47391,7 +45108,7 @@
     </p:spTree>
     <p:extLst>
       <p:ext uri="{BB962C8B-B14F-4D97-AF65-F5344CB8AC3E}">
-        <p14:creationId xmlns:p14="http://schemas.microsoft.com/office/powerpoint/2010/main" val="2272459286"/>
+        <p14:creationId xmlns:p14="http://schemas.microsoft.com/office/powerpoint/2010/main" val="3581830184"/>
       </p:ext>
     </p:extLst>
   </p:cSld>
@@ -47401,8 +45118,8 @@
 </p:sld>
 </file>
 
-<file path=ppt/slides/slide88.xml><?xml version="1.0" encoding="utf-8"?>
-<p:sld xmlns:a="http://schemas.openxmlformats.org/drawingml/2006/main" xmlns:r="http://schemas.openxmlformats.org/officeDocument/2006/relationships" xmlns:p="http://schemas.openxmlformats.org/presentationml/2006/main">
+<file path=ppt/slides/slide79.xml><?xml version="1.0" encoding="utf-8"?>
+<p:sld xmlns:a="http://schemas.openxmlformats.org/drawingml/2006/main" xmlns:r="http://schemas.openxmlformats.org/officeDocument/2006/relationships" xmlns:p="http://schemas.openxmlformats.org/presentationml/2006/main" show="0">
   <p:cSld>
     <p:spTree>
       <p:nvGrpSpPr>
@@ -47563,7 +45280,7 @@
     </p:spTree>
     <p:extLst>
       <p:ext uri="{BB962C8B-B14F-4D97-AF65-F5344CB8AC3E}">
-        <p14:creationId xmlns:p14="http://schemas.microsoft.com/office/powerpoint/2010/main" val="2393535310"/>
+        <p14:creationId xmlns:p14="http://schemas.microsoft.com/office/powerpoint/2010/main" val="2541819319"/>
       </p:ext>
     </p:extLst>
   </p:cSld>
@@ -47573,8 +45290,323 @@
 </p:sld>
 </file>
 
-<file path=ppt/slides/slide89.xml><?xml version="1.0" encoding="utf-8"?>
+<file path=ppt/slides/slide8.xml><?xml version="1.0" encoding="utf-8"?>
 <p:sld xmlns:a="http://schemas.openxmlformats.org/drawingml/2006/main" xmlns:r="http://schemas.openxmlformats.org/officeDocument/2006/relationships" xmlns:p="http://schemas.openxmlformats.org/presentationml/2006/main">
+  <p:cSld>
+    <p:spTree>
+      <p:nvGrpSpPr>
+        <p:cNvPr id="1" name=""/>
+        <p:cNvGrpSpPr/>
+        <p:nvPr/>
+      </p:nvGrpSpPr>
+      <p:grpSpPr>
+        <a:xfrm>
+          <a:off x="0" y="0"/>
+          <a:ext cx="0" cy="0"/>
+          <a:chOff x="0" y="0"/>
+          <a:chExt cx="0" cy="0"/>
+        </a:xfrm>
+      </p:grpSpPr>
+      <p:sp>
+        <p:nvSpPr>
+          <p:cNvPr id="2" name="Title 1">
+            <a:extLst>
+              <a:ext uri="{FF2B5EF4-FFF2-40B4-BE49-F238E27FC236}">
+                <a16:creationId xmlns:a16="http://schemas.microsoft.com/office/drawing/2014/main" id="{6BEB7CF1-743A-D74C-AC52-B586D7683293}"/>
+              </a:ext>
+            </a:extLst>
+          </p:cNvPr>
+          <p:cNvSpPr>
+            <a:spLocks noGrp="1"/>
+          </p:cNvSpPr>
+          <p:nvPr>
+            <p:ph type="title"/>
+          </p:nvPr>
+        </p:nvSpPr>
+        <p:spPr>
+          <a:xfrm>
+            <a:off x="628650" y="273847"/>
+            <a:ext cx="7886700" cy="994172"/>
+          </a:xfrm>
+        </p:spPr>
+        <p:txBody>
+          <a:bodyPr anchor="ctr">
+            <a:normAutofit/>
+          </a:bodyPr>
+          <a:lstStyle/>
+          <a:p>
+            <a:r>
+              <a:rPr lang="en-US" dirty="0"/>
+              <a:t>Code Review! (questions) </a:t>
+            </a:r>
+          </a:p>
+        </p:txBody>
+      </p:sp>
+      <p:pic>
+        <p:nvPicPr>
+          <p:cNvPr id="5" name="Content Placeholder 4" descr="A screen shot of a social media post&#10;&#10;Description automatically generated">
+            <a:extLst>
+              <a:ext uri="{FF2B5EF4-FFF2-40B4-BE49-F238E27FC236}">
+                <a16:creationId xmlns:a16="http://schemas.microsoft.com/office/drawing/2014/main" id="{2079519E-7C78-EC4D-84CF-60D0BE06D9AF}"/>
+              </a:ext>
+            </a:extLst>
+          </p:cNvPr>
+          <p:cNvPicPr>
+            <a:picLocks noGrp="1" noChangeAspect="1"/>
+          </p:cNvPicPr>
+          <p:nvPr>
+            <p:ph sz="half" idx="1"/>
+          </p:nvPr>
+        </p:nvPicPr>
+        <p:blipFill>
+          <a:blip r:embed="rId2"/>
+          <a:stretch>
+            <a:fillRect/>
+          </a:stretch>
+        </p:blipFill>
+        <p:spPr>
+          <a:xfrm>
+            <a:off x="79963" y="1369219"/>
+            <a:ext cx="4492037" cy="1669701"/>
+          </a:xfrm>
+          <a:noFill/>
+        </p:spPr>
+      </p:pic>
+      <p:sp>
+        <p:nvSpPr>
+          <p:cNvPr id="10" name="Content Placeholder 3">
+            <a:extLst>
+              <a:ext uri="{FF2B5EF4-FFF2-40B4-BE49-F238E27FC236}">
+                <a16:creationId xmlns:a16="http://schemas.microsoft.com/office/drawing/2014/main" id="{79B45F60-0363-424B-9E27-65854133F913}"/>
+              </a:ext>
+            </a:extLst>
+          </p:cNvPr>
+          <p:cNvSpPr>
+            <a:spLocks noGrp="1"/>
+          </p:cNvSpPr>
+          <p:nvPr>
+            <p:ph sz="half" idx="2"/>
+          </p:nvPr>
+        </p:nvSpPr>
+        <p:spPr>
+          <a:xfrm>
+            <a:off x="4629149" y="1369219"/>
+            <a:ext cx="4434887" cy="3263504"/>
+          </a:xfrm>
+        </p:spPr>
+        <p:txBody>
+          <a:bodyPr>
+            <a:normAutofit fontScale="85000" lnSpcReduction="20000"/>
+          </a:bodyPr>
+          <a:lstStyle/>
+          <a:p>
+            <a:r>
+              <a:rPr lang="en-US" dirty="0"/>
+              <a:t>Inside of </a:t>
+            </a:r>
+            <a:r>
+              <a:rPr lang="en-US" i="1" dirty="0"/>
+              <a:t>free</a:t>
+            </a:r>
+            <a:r>
+              <a:rPr lang="en-US" dirty="0"/>
+              <a:t> (_</a:t>
+            </a:r>
+            <a:r>
+              <a:rPr lang="en-US" dirty="0" err="1"/>
+              <a:t>int_free</a:t>
+            </a:r>
+            <a:r>
+              <a:rPr lang="en-US" dirty="0"/>
+              <a:t>)</a:t>
+            </a:r>
+          </a:p>
+          <a:p>
+            <a:r>
+              <a:rPr lang="en-US" dirty="0"/>
+              <a:t>p: current chunk being freed</a:t>
+            </a:r>
+          </a:p>
+          <a:p>
+            <a:r>
+              <a:rPr lang="en-US" dirty="0"/>
+              <a:t>size: size of p</a:t>
+            </a:r>
+          </a:p>
+          <a:p>
+            <a:r>
+              <a:rPr lang="en-US" dirty="0" err="1"/>
+              <a:t>chunk_at_offset</a:t>
+            </a:r>
+            <a:r>
+              <a:rPr lang="en-US" dirty="0"/>
+              <a:t>: </a:t>
+            </a:r>
+          </a:p>
+          <a:p>
+            <a:pPr lvl="1"/>
+            <a:r>
+              <a:rPr lang="en-US" dirty="0"/>
+              <a:t>Gets chunk at the requested offset</a:t>
+            </a:r>
+          </a:p>
+          <a:p>
+            <a:r>
+              <a:rPr lang="en-US" dirty="0"/>
+              <a:t>Questions: </a:t>
+            </a:r>
+          </a:p>
+          <a:p>
+            <a:pPr marL="457200" lvl="1" indent="0">
+              <a:buNone/>
+            </a:pPr>
+            <a:r>
+              <a:rPr lang="en-US" dirty="0"/>
+              <a:t>1. What is the function call checking here?</a:t>
+            </a:r>
+          </a:p>
+          <a:p>
+            <a:pPr marL="457200" lvl="1" indent="0">
+              <a:buNone/>
+            </a:pPr>
+            <a:r>
+              <a:rPr lang="en-US" dirty="0"/>
+              <a:t>2. How does it find the </a:t>
+            </a:r>
+            <a:r>
+              <a:rPr lang="en-US" i="1" dirty="0"/>
+              <a:t>previous</a:t>
+            </a:r>
+            <a:r>
+              <a:rPr lang="en-US" dirty="0"/>
+              <a:t> chunk? </a:t>
+            </a:r>
+          </a:p>
+        </p:txBody>
+      </p:sp>
+      <p:sp>
+        <p:nvSpPr>
+          <p:cNvPr id="6" name="TextBox 5">
+            <a:extLst>
+              <a:ext uri="{FF2B5EF4-FFF2-40B4-BE49-F238E27FC236}">
+                <a16:creationId xmlns:a16="http://schemas.microsoft.com/office/drawing/2014/main" id="{6ED31DE9-D4DA-BB47-8961-1227E69BE052}"/>
+              </a:ext>
+            </a:extLst>
+          </p:cNvPr>
+          <p:cNvSpPr txBox="1"/>
+          <p:nvPr/>
+        </p:nvSpPr>
+        <p:spPr>
+          <a:xfrm>
+            <a:off x="2107770" y="1425843"/>
+            <a:ext cx="604434" cy="584775"/>
+          </a:xfrm>
+          <a:prstGeom prst="rect">
+            <a:avLst/>
+          </a:prstGeom>
+          <a:noFill/>
+        </p:spPr>
+        <p:txBody>
+          <a:bodyPr wrap="square" rtlCol="0">
+            <a:spAutoFit/>
+          </a:bodyPr>
+          <a:lstStyle/>
+          <a:p>
+            <a:r>
+              <a:rPr lang="en-US" sz="3200" dirty="0">
+                <a:solidFill>
+                  <a:srgbClr val="FF0000"/>
+                </a:solidFill>
+              </a:rPr>
+              <a:t>1)</a:t>
+            </a:r>
+          </a:p>
+        </p:txBody>
+      </p:sp>
+      <p:sp>
+        <p:nvSpPr>
+          <p:cNvPr id="8" name="TextBox 7">
+            <a:extLst>
+              <a:ext uri="{FF2B5EF4-FFF2-40B4-BE49-F238E27FC236}">
+                <a16:creationId xmlns:a16="http://schemas.microsoft.com/office/drawing/2014/main" id="{A3757472-D2AA-4E4C-9568-9C2638FD134D}"/>
+              </a:ext>
+            </a:extLst>
+          </p:cNvPr>
+          <p:cNvSpPr txBox="1"/>
+          <p:nvPr/>
+        </p:nvSpPr>
+        <p:spPr>
+          <a:xfrm>
+            <a:off x="4212635" y="2104806"/>
+            <a:ext cx="604434" cy="584775"/>
+          </a:xfrm>
+          <a:prstGeom prst="rect">
+            <a:avLst/>
+          </a:prstGeom>
+          <a:noFill/>
+        </p:spPr>
+        <p:txBody>
+          <a:bodyPr wrap="square" rtlCol="0">
+            <a:spAutoFit/>
+          </a:bodyPr>
+          <a:lstStyle/>
+          <a:p>
+            <a:r>
+              <a:rPr lang="en-US" sz="3200" dirty="0">
+                <a:solidFill>
+                  <a:srgbClr val="FF0000"/>
+                </a:solidFill>
+              </a:rPr>
+              <a:t>2)</a:t>
+            </a:r>
+          </a:p>
+        </p:txBody>
+      </p:sp>
+      <p:pic>
+        <p:nvPicPr>
+          <p:cNvPr id="9" name="Picture 8" descr="A screenshot of a cell phone&#10;&#10;Description automatically generated">
+            <a:extLst>
+              <a:ext uri="{FF2B5EF4-FFF2-40B4-BE49-F238E27FC236}">
+                <a16:creationId xmlns:a16="http://schemas.microsoft.com/office/drawing/2014/main" id="{47AFF4BB-6475-A341-8571-7C0868A3540F}"/>
+              </a:ext>
+            </a:extLst>
+          </p:cNvPr>
+          <p:cNvPicPr>
+            <a:picLocks noChangeAspect="1"/>
+          </p:cNvPicPr>
+          <p:nvPr/>
+        </p:nvPicPr>
+        <p:blipFill>
+          <a:blip r:embed="rId3"/>
+          <a:stretch>
+            <a:fillRect/>
+          </a:stretch>
+        </p:blipFill>
+        <p:spPr>
+          <a:xfrm>
+            <a:off x="130381" y="3038920"/>
+            <a:ext cx="1783479" cy="1983229"/>
+          </a:xfrm>
+          <a:prstGeom prst="rect">
+            <a:avLst/>
+          </a:prstGeom>
+        </p:spPr>
+      </p:pic>
+    </p:spTree>
+    <p:extLst>
+      <p:ext uri="{BB962C8B-B14F-4D97-AF65-F5344CB8AC3E}">
+        <p14:creationId xmlns:p14="http://schemas.microsoft.com/office/powerpoint/2010/main" val="2069957500"/>
+      </p:ext>
+    </p:extLst>
+  </p:cSld>
+  <p:clrMapOvr>
+    <a:masterClrMapping/>
+  </p:clrMapOvr>
+</p:sld>
+</file>
+
+<file path=ppt/slides/slide80.xml><?xml version="1.0" encoding="utf-8"?>
+<p:sld xmlns:a="http://schemas.openxmlformats.org/drawingml/2006/main" xmlns:r="http://schemas.openxmlformats.org/officeDocument/2006/relationships" xmlns:p="http://schemas.openxmlformats.org/presentationml/2006/main" show="0">
   <p:cSld>
     <p:spTree>
       <p:nvGrpSpPr>
@@ -47639,11 +45671,6 @@
           </p:cNvGraphicFramePr>
           <p:nvPr>
             <p:ph idx="1"/>
-            <p:extLst>
-              <p:ext uri="{D42A27DB-BD31-4B8C-83A1-F6EECF244321}">
-                <p14:modId xmlns:p14="http://schemas.microsoft.com/office/powerpoint/2010/main" val="1203403640"/>
-              </p:ext>
-            </p:extLst>
           </p:nvPr>
         </p:nvGraphicFramePr>
         <p:xfrm>
@@ -47659,7 +45686,568 @@
     </p:spTree>
     <p:extLst>
       <p:ext uri="{BB962C8B-B14F-4D97-AF65-F5344CB8AC3E}">
-        <p14:creationId xmlns:p14="http://schemas.microsoft.com/office/powerpoint/2010/main" val="3184685061"/>
+        <p14:creationId xmlns:p14="http://schemas.microsoft.com/office/powerpoint/2010/main" val="39405227"/>
+      </p:ext>
+    </p:extLst>
+  </p:cSld>
+  <p:clrMapOvr>
+    <a:masterClrMapping/>
+  </p:clrMapOvr>
+</p:sld>
+</file>
+
+<file path=ppt/slides/slide81.xml><?xml version="1.0" encoding="utf-8"?>
+<p:sld xmlns:a="http://schemas.openxmlformats.org/drawingml/2006/main" xmlns:r="http://schemas.openxmlformats.org/officeDocument/2006/relationships" xmlns:p="http://schemas.openxmlformats.org/presentationml/2006/main" show="0">
+  <p:cSld>
+    <p:spTree>
+      <p:nvGrpSpPr>
+        <p:cNvPr id="1" name=""/>
+        <p:cNvGrpSpPr/>
+        <p:nvPr/>
+      </p:nvGrpSpPr>
+      <p:grpSpPr>
+        <a:xfrm>
+          <a:off x="0" y="0"/>
+          <a:ext cx="0" cy="0"/>
+          <a:chOff x="0" y="0"/>
+          <a:chExt cx="0" cy="0"/>
+        </a:xfrm>
+      </p:grpSpPr>
+      <p:sp>
+        <p:nvSpPr>
+          <p:cNvPr id="2" name="Title 1">
+            <a:extLst>
+              <a:ext uri="{FF2B5EF4-FFF2-40B4-BE49-F238E27FC236}">
+                <a16:creationId xmlns:a16="http://schemas.microsoft.com/office/drawing/2014/main" id="{A90A02E4-3663-3C40-BA39-AFC8E4C6C9EC}"/>
+              </a:ext>
+            </a:extLst>
+          </p:cNvPr>
+          <p:cNvSpPr>
+            <a:spLocks noGrp="1"/>
+          </p:cNvSpPr>
+          <p:nvPr>
+            <p:ph type="title"/>
+          </p:nvPr>
+        </p:nvSpPr>
+        <p:spPr>
+          <a:xfrm>
+            <a:off x="628650" y="273847"/>
+            <a:ext cx="7886700" cy="994172"/>
+          </a:xfrm>
+        </p:spPr>
+        <p:txBody>
+          <a:bodyPr anchor="ctr">
+            <a:normAutofit/>
+          </a:bodyPr>
+          <a:lstStyle/>
+          <a:p>
+            <a:r>
+              <a:rPr lang="en-US" dirty="0"/>
+              <a:t>Unsafe Unlink DEMO</a:t>
+            </a:r>
+          </a:p>
+        </p:txBody>
+      </p:sp>
+      <p:pic>
+        <p:nvPicPr>
+          <p:cNvPr id="1026" name="Picture 2" descr="Demo - Better support, happy customers - TOPdesk">
+            <a:extLst>
+              <a:ext uri="{FF2B5EF4-FFF2-40B4-BE49-F238E27FC236}">
+                <a16:creationId xmlns:a16="http://schemas.microsoft.com/office/drawing/2014/main" id="{2C8C0D5D-E3BF-EE49-B634-8F339CA9B268}"/>
+              </a:ext>
+            </a:extLst>
+          </p:cNvPr>
+          <p:cNvPicPr>
+            <a:picLocks noGrp="1" noChangeAspect="1" noChangeArrowheads="1"/>
+          </p:cNvPicPr>
+          <p:nvPr>
+            <p:ph idx="1"/>
+          </p:nvPr>
+        </p:nvPicPr>
+        <p:blipFill>
+          <a:blip r:embed="rId2">
+            <a:extLst>
+              <a:ext uri="{28A0092B-C50C-407E-A947-70E740481C1C}">
+                <a14:useLocalDpi xmlns:a14="http://schemas.microsoft.com/office/drawing/2010/main" val="0"/>
+              </a:ext>
+            </a:extLst>
+          </a:blip>
+          <a:stretch>
+            <a:fillRect/>
+          </a:stretch>
+        </p:blipFill>
+        <p:spPr bwMode="auto">
+          <a:xfrm>
+            <a:off x="1886602" y="1236541"/>
+            <a:ext cx="5370795" cy="3263504"/>
+          </a:xfrm>
+          <a:prstGeom prst="rect">
+            <a:avLst/>
+          </a:prstGeom>
+          <a:solidFill>
+            <a:srgbClr val="FFFFFF"/>
+          </a:solidFill>
+        </p:spPr>
+      </p:pic>
+    </p:spTree>
+    <p:extLst>
+      <p:ext uri="{BB962C8B-B14F-4D97-AF65-F5344CB8AC3E}">
+        <p14:creationId xmlns:p14="http://schemas.microsoft.com/office/powerpoint/2010/main" val="15110303"/>
+      </p:ext>
+    </p:extLst>
+  </p:cSld>
+  <p:clrMapOvr>
+    <a:masterClrMapping/>
+  </p:clrMapOvr>
+</p:sld>
+</file>
+
+<file path=ppt/slides/slide82.xml><?xml version="1.0" encoding="utf-8"?>
+<p:sld xmlns:a="http://schemas.openxmlformats.org/drawingml/2006/main" xmlns:r="http://schemas.openxmlformats.org/officeDocument/2006/relationships" xmlns:p="http://schemas.openxmlformats.org/presentationml/2006/main">
+  <p:cSld>
+    <p:spTree>
+      <p:nvGrpSpPr>
+        <p:cNvPr id="1" name=""/>
+        <p:cNvGrpSpPr/>
+        <p:nvPr/>
+      </p:nvGrpSpPr>
+      <p:grpSpPr>
+        <a:xfrm>
+          <a:off x="0" y="0"/>
+          <a:ext cx="0" cy="0"/>
+          <a:chOff x="0" y="0"/>
+          <a:chExt cx="0" cy="0"/>
+        </a:xfrm>
+      </p:grpSpPr>
+      <p:sp>
+        <p:nvSpPr>
+          <p:cNvPr id="2" name="Title 1">
+            <a:extLst>
+              <a:ext uri="{FF2B5EF4-FFF2-40B4-BE49-F238E27FC236}">
+                <a16:creationId xmlns:a16="http://schemas.microsoft.com/office/drawing/2014/main" id="{BC9602DB-7236-B64F-A9F7-91107F468B56}"/>
+              </a:ext>
+            </a:extLst>
+          </p:cNvPr>
+          <p:cNvSpPr>
+            <a:spLocks noGrp="1"/>
+          </p:cNvSpPr>
+          <p:nvPr>
+            <p:ph type="title"/>
+          </p:nvPr>
+        </p:nvSpPr>
+        <p:spPr>
+          <a:xfrm>
+            <a:off x="628650" y="273847"/>
+            <a:ext cx="7886700" cy="994172"/>
+          </a:xfrm>
+        </p:spPr>
+        <p:txBody>
+          <a:bodyPr anchor="ctr">
+            <a:normAutofit/>
+          </a:bodyPr>
+          <a:lstStyle/>
+          <a:p>
+            <a:r>
+              <a:rPr lang="en-US" dirty="0"/>
+              <a:t>Unsafe Unlink</a:t>
+            </a:r>
+          </a:p>
+        </p:txBody>
+      </p:sp>
+      <p:sp>
+        <p:nvSpPr>
+          <p:cNvPr id="9" name="Content Placeholder 2">
+            <a:extLst>
+              <a:ext uri="{FF2B5EF4-FFF2-40B4-BE49-F238E27FC236}">
+                <a16:creationId xmlns:a16="http://schemas.microsoft.com/office/drawing/2014/main" id="{14E04D08-B78A-4CFC-B4B7-21CA2EB856FA}"/>
+              </a:ext>
+            </a:extLst>
+          </p:cNvPr>
+          <p:cNvSpPr>
+            <a:spLocks noGrp="1"/>
+          </p:cNvSpPr>
+          <p:nvPr>
+            <p:ph sz="half" idx="1"/>
+          </p:nvPr>
+        </p:nvSpPr>
+        <p:spPr>
+          <a:xfrm>
+            <a:off x="628650" y="1369219"/>
+            <a:ext cx="3886200" cy="3263504"/>
+          </a:xfrm>
+        </p:spPr>
+        <p:txBody>
+          <a:bodyPr/>
+          <a:lstStyle/>
+          <a:p>
+            <a:r>
+              <a:rPr lang="en-US" dirty="0"/>
+              <a:t>Demo in </a:t>
+            </a:r>
+            <a:r>
+              <a:rPr lang="en-US" i="1" dirty="0"/>
+              <a:t>demo/</a:t>
+            </a:r>
+            <a:r>
+              <a:rPr lang="en-US" i="1" dirty="0" err="1"/>
+              <a:t>unsafe_unlink</a:t>
+            </a:r>
+            <a:endParaRPr lang="en-US" i="1" dirty="0"/>
+          </a:p>
+          <a:p>
+            <a:r>
+              <a:rPr lang="en-US" dirty="0"/>
+              <a:t>More slides in this deck</a:t>
+            </a:r>
+          </a:p>
+          <a:p>
+            <a:endParaRPr lang="en-US" dirty="0"/>
+          </a:p>
+          <a:p>
+            <a:endParaRPr lang="en-US" i="1" dirty="0"/>
+          </a:p>
+        </p:txBody>
+      </p:sp>
+      <p:pic>
+        <p:nvPicPr>
+          <p:cNvPr id="4" name="Content Placeholder 5" descr="Bypass the unlink security check">
+            <a:extLst>
+              <a:ext uri="{FF2B5EF4-FFF2-40B4-BE49-F238E27FC236}">
+                <a16:creationId xmlns:a16="http://schemas.microsoft.com/office/drawing/2014/main" id="{C4F0A6BF-749D-8A41-B597-7D045C69E965}"/>
+              </a:ext>
+            </a:extLst>
+          </p:cNvPr>
+          <p:cNvPicPr>
+            <a:picLocks noChangeAspect="1"/>
+          </p:cNvPicPr>
+          <p:nvPr/>
+        </p:nvPicPr>
+        <p:blipFill>
+          <a:blip r:embed="rId2"/>
+          <a:stretch>
+            <a:fillRect/>
+          </a:stretch>
+        </p:blipFill>
+        <p:spPr>
+          <a:xfrm>
+            <a:off x="4629149" y="923365"/>
+            <a:ext cx="4466447" cy="3677463"/>
+          </a:xfrm>
+          <a:prstGeom prst="rect">
+            <a:avLst/>
+          </a:prstGeom>
+          <a:noFill/>
+        </p:spPr>
+      </p:pic>
+    </p:spTree>
+    <p:extLst>
+      <p:ext uri="{BB962C8B-B14F-4D97-AF65-F5344CB8AC3E}">
+        <p14:creationId xmlns:p14="http://schemas.microsoft.com/office/powerpoint/2010/main" val="2235984658"/>
+      </p:ext>
+    </p:extLst>
+  </p:cSld>
+  <p:clrMapOvr>
+    <a:masterClrMapping/>
+  </p:clrMapOvr>
+</p:sld>
+</file>
+
+<file path=ppt/slides/slide83.xml><?xml version="1.0" encoding="utf-8"?>
+<p:sld xmlns:a="http://schemas.openxmlformats.org/drawingml/2006/main" xmlns:r="http://schemas.openxmlformats.org/officeDocument/2006/relationships" xmlns:p="http://schemas.openxmlformats.org/presentationml/2006/main">
+  <p:cSld>
+    <p:spTree>
+      <p:nvGrpSpPr>
+        <p:cNvPr id="1" name=""/>
+        <p:cNvGrpSpPr/>
+        <p:nvPr/>
+      </p:nvGrpSpPr>
+      <p:grpSpPr>
+        <a:xfrm>
+          <a:off x="0" y="0"/>
+          <a:ext cx="0" cy="0"/>
+          <a:chOff x="0" y="0"/>
+          <a:chExt cx="0" cy="0"/>
+        </a:xfrm>
+      </p:grpSpPr>
+      <p:sp>
+        <p:nvSpPr>
+          <p:cNvPr id="2" name="Title 1">
+            <a:extLst>
+              <a:ext uri="{FF2B5EF4-FFF2-40B4-BE49-F238E27FC236}">
+                <a16:creationId xmlns:a16="http://schemas.microsoft.com/office/drawing/2014/main" id="{F22D72AC-9E5D-A648-9734-F43BDB39EA49}"/>
+              </a:ext>
+            </a:extLst>
+          </p:cNvPr>
+          <p:cNvSpPr>
+            <a:spLocks noGrp="1"/>
+          </p:cNvSpPr>
+          <p:nvPr>
+            <p:ph type="title"/>
+          </p:nvPr>
+        </p:nvSpPr>
+        <p:spPr>
+          <a:xfrm>
+            <a:off x="628650" y="273847"/>
+            <a:ext cx="7886700" cy="994172"/>
+          </a:xfrm>
+        </p:spPr>
+        <p:txBody>
+          <a:bodyPr anchor="ctr">
+            <a:normAutofit/>
+          </a:bodyPr>
+          <a:lstStyle/>
+          <a:p>
+            <a:r>
+              <a:rPr lang="en-US" dirty="0"/>
+              <a:t>Future</a:t>
+            </a:r>
+          </a:p>
+        </p:txBody>
+      </p:sp>
+      <p:pic>
+        <p:nvPicPr>
+          <p:cNvPr id="4" name="Picture 2" descr="Stepping stones">
+            <a:extLst>
+              <a:ext uri="{FF2B5EF4-FFF2-40B4-BE49-F238E27FC236}">
+                <a16:creationId xmlns:a16="http://schemas.microsoft.com/office/drawing/2014/main" id="{C833D207-0CFC-5545-B9B0-2E20841257DD}"/>
+              </a:ext>
+            </a:extLst>
+          </p:cNvPr>
+          <p:cNvPicPr>
+            <a:picLocks noChangeAspect="1" noChangeArrowheads="1"/>
+          </p:cNvPicPr>
+          <p:nvPr/>
+        </p:nvPicPr>
+        <p:blipFill rotWithShape="1">
+          <a:blip r:embed="rId2">
+            <a:extLst>
+              <a:ext uri="{28A0092B-C50C-407E-A947-70E740481C1C}">
+                <a14:useLocalDpi xmlns:a14="http://schemas.microsoft.com/office/drawing/2010/main" val="0"/>
+              </a:ext>
+            </a:extLst>
+          </a:blip>
+          <a:srcRect t="26552" b="10546"/>
+          <a:stretch/>
+        </p:blipFill>
+        <p:spPr bwMode="auto">
+          <a:xfrm>
+            <a:off x="628650" y="1369219"/>
+            <a:ext cx="3886200" cy="3263504"/>
+          </a:xfrm>
+          <a:prstGeom prst="rect">
+            <a:avLst/>
+          </a:prstGeom>
+          <a:solidFill>
+            <a:srgbClr val="FFFFFF"/>
+          </a:solidFill>
+          <a:extLst>
+            <a:ext uri="{909E8E84-426E-40DD-AFC4-6F175D3DCCD1}">
+              <a14:hiddenFill xmlns:a14="http://schemas.microsoft.com/office/drawing/2010/main">
+                <a:solidFill>
+                  <a:srgbClr val="FFFFFF"/>
+                </a:solidFill>
+              </a14:hiddenFill>
+            </a:ext>
+          </a:extLst>
+        </p:spPr>
+      </p:pic>
+      <p:sp>
+        <p:nvSpPr>
+          <p:cNvPr id="3" name="Content Placeholder 2">
+            <a:extLst>
+              <a:ext uri="{FF2B5EF4-FFF2-40B4-BE49-F238E27FC236}">
+                <a16:creationId xmlns:a16="http://schemas.microsoft.com/office/drawing/2014/main" id="{0DB8E432-72FD-8E44-BCA2-65B71FE1C26B}"/>
+              </a:ext>
+            </a:extLst>
+          </p:cNvPr>
+          <p:cNvSpPr>
+            <a:spLocks noGrp="1"/>
+          </p:cNvSpPr>
+          <p:nvPr>
+            <p:ph sz="half" idx="2"/>
+          </p:nvPr>
+        </p:nvSpPr>
+        <p:spPr>
+          <a:xfrm>
+            <a:off x="4629150" y="1369219"/>
+            <a:ext cx="3886200" cy="3263504"/>
+          </a:xfrm>
+        </p:spPr>
+        <p:txBody>
+          <a:bodyPr>
+            <a:normAutofit/>
+          </a:bodyPr>
+          <a:lstStyle/>
+          <a:p>
+            <a:r>
+              <a:rPr lang="en-US" dirty="0"/>
+              <a:t>Stepping stone to more fertile ground!</a:t>
+            </a:r>
+          </a:p>
+          <a:p>
+            <a:r>
+              <a:rPr lang="en-US" b="1" dirty="0"/>
+              <a:t>Unsafe Unlink</a:t>
+            </a:r>
+            <a:r>
+              <a:rPr lang="en-US" dirty="0"/>
+              <a:t>, House of Lore, House of Einherjar, Unsorted Bin Attack &amp; plenty more!</a:t>
+            </a:r>
+          </a:p>
+          <a:p>
+            <a:endParaRPr lang="en-US" dirty="0"/>
+          </a:p>
+        </p:txBody>
+      </p:sp>
+    </p:spTree>
+    <p:extLst>
+      <p:ext uri="{BB962C8B-B14F-4D97-AF65-F5344CB8AC3E}">
+        <p14:creationId xmlns:p14="http://schemas.microsoft.com/office/powerpoint/2010/main" val="2831324551"/>
+      </p:ext>
+    </p:extLst>
+  </p:cSld>
+  <p:clrMapOvr>
+    <a:masterClrMapping/>
+  </p:clrMapOvr>
+</p:sld>
+</file>
+
+<file path=ppt/slides/slide84.xml><?xml version="1.0" encoding="utf-8"?>
+<p:sld xmlns:a="http://schemas.openxmlformats.org/drawingml/2006/main" xmlns:r="http://schemas.openxmlformats.org/officeDocument/2006/relationships" xmlns:p="http://schemas.openxmlformats.org/presentationml/2006/main">
+  <p:cSld>
+    <p:spTree>
+      <p:nvGrpSpPr>
+        <p:cNvPr id="1" name=""/>
+        <p:cNvGrpSpPr/>
+        <p:nvPr/>
+      </p:nvGrpSpPr>
+      <p:grpSpPr>
+        <a:xfrm>
+          <a:off x="0" y="0"/>
+          <a:ext cx="0" cy="0"/>
+          <a:chOff x="0" y="0"/>
+          <a:chExt cx="0" cy="0"/>
+        </a:xfrm>
+      </p:grpSpPr>
+      <p:sp>
+        <p:nvSpPr>
+          <p:cNvPr id="2" name="Title 1">
+            <a:extLst>
+              <a:ext uri="{FF2B5EF4-FFF2-40B4-BE49-F238E27FC236}">
+                <a16:creationId xmlns:a16="http://schemas.microsoft.com/office/drawing/2014/main" id="{B4A67C53-5C79-0548-A92E-EC918DEE6260}"/>
+              </a:ext>
+            </a:extLst>
+          </p:cNvPr>
+          <p:cNvSpPr>
+            <a:spLocks noGrp="1"/>
+          </p:cNvSpPr>
+          <p:nvPr>
+            <p:ph type="title"/>
+          </p:nvPr>
+        </p:nvSpPr>
+        <p:spPr/>
+        <p:txBody>
+          <a:bodyPr/>
+          <a:lstStyle/>
+          <a:p>
+            <a:r>
+              <a:rPr lang="en-US" dirty="0"/>
+              <a:t>Resources</a:t>
+            </a:r>
+          </a:p>
+        </p:txBody>
+      </p:sp>
+      <p:sp>
+        <p:nvSpPr>
+          <p:cNvPr id="3" name="Content Placeholder 2">
+            <a:extLst>
+              <a:ext uri="{FF2B5EF4-FFF2-40B4-BE49-F238E27FC236}">
+                <a16:creationId xmlns:a16="http://schemas.microsoft.com/office/drawing/2014/main" id="{31ED45E3-BAAF-194E-B4F4-BBE1A78FE0F0}"/>
+              </a:ext>
+            </a:extLst>
+          </p:cNvPr>
+          <p:cNvSpPr>
+            <a:spLocks noGrp="1"/>
+          </p:cNvSpPr>
+          <p:nvPr>
+            <p:ph idx="1"/>
+          </p:nvPr>
+        </p:nvSpPr>
+        <p:spPr/>
+        <p:txBody>
+          <a:bodyPr/>
+          <a:lstStyle/>
+          <a:p>
+            <a:r>
+              <a:rPr lang="en-US" dirty="0" err="1"/>
+              <a:t>LiveOverflow</a:t>
+            </a:r>
+            <a:r>
+              <a:rPr lang="en-US" dirty="0"/>
+              <a:t>: </a:t>
+            </a:r>
+            <a:r>
+              <a:rPr lang="en-US" dirty="0">
+                <a:hlinkClick r:id="rId2"/>
+              </a:rPr>
+              <a:t>https://www.youtube.com/watch?v=gL45bjQvZSU</a:t>
+            </a:r>
+            <a:endParaRPr lang="en-US" dirty="0"/>
+          </a:p>
+          <a:p>
+            <a:r>
+              <a:rPr lang="en-US" dirty="0"/>
+              <a:t>Once Upon a Free: </a:t>
+            </a:r>
+            <a:r>
+              <a:rPr lang="en-US" dirty="0">
+                <a:hlinkClick r:id="rId3"/>
+              </a:rPr>
+              <a:t>http://phrack.org/issues/57/9.html</a:t>
+            </a:r>
+            <a:endParaRPr lang="en-US" dirty="0"/>
+          </a:p>
+          <a:p>
+            <a:r>
+              <a:rPr lang="en-US" dirty="0"/>
+              <a:t>Unsafe Unlink: </a:t>
+            </a:r>
+          </a:p>
+          <a:p>
+            <a:pPr lvl="1"/>
+            <a:r>
+              <a:rPr lang="en-US" dirty="0">
+                <a:hlinkClick r:id="rId4"/>
+              </a:rPr>
+              <a:t>https://heap-exploitation.dhavalkapil.com/attacks/unlink_exploit.html</a:t>
+            </a:r>
+            <a:endParaRPr lang="en-US" dirty="0"/>
+          </a:p>
+          <a:p>
+            <a:pPr lvl="1"/>
+            <a:r>
+              <a:rPr lang="en-US" dirty="0">
+                <a:hlinkClick r:id="rId5"/>
+              </a:rPr>
+              <a:t>https://dangokyo.me/2018/01/01/heap-exploitation-unsafe-unlink-fastbin-corruption/</a:t>
+            </a:r>
+            <a:endParaRPr lang="en-US" dirty="0"/>
+          </a:p>
+          <a:p>
+            <a:pPr marL="457200" lvl="1" indent="0">
+              <a:buNone/>
+            </a:pPr>
+            <a:endParaRPr lang="en-US" dirty="0"/>
+          </a:p>
+          <a:p>
+            <a:endParaRPr lang="en-US" dirty="0"/>
+          </a:p>
+        </p:txBody>
+      </p:sp>
+    </p:spTree>
+    <p:extLst>
+      <p:ext uri="{BB962C8B-B14F-4D97-AF65-F5344CB8AC3E}">
+        <p14:creationId xmlns:p14="http://schemas.microsoft.com/office/powerpoint/2010/main" val="726634461"/>
       </p:ext>
     </p:extLst>
   </p:cSld>
@@ -47971,363 +46559,6 @@
     <p:extLst>
       <p:ext uri="{BB962C8B-B14F-4D97-AF65-F5344CB8AC3E}">
         <p14:creationId xmlns:p14="http://schemas.microsoft.com/office/powerpoint/2010/main" val="1384499838"/>
-      </p:ext>
-    </p:extLst>
-  </p:cSld>
-  <p:clrMapOvr>
-    <a:masterClrMapping/>
-  </p:clrMapOvr>
-</p:sld>
-</file>
-
-<file path=ppt/slides/slide90.xml><?xml version="1.0" encoding="utf-8"?>
-<p:sld xmlns:a="http://schemas.openxmlformats.org/drawingml/2006/main" xmlns:r="http://schemas.openxmlformats.org/officeDocument/2006/relationships" xmlns:p="http://schemas.openxmlformats.org/presentationml/2006/main">
-  <p:cSld>
-    <p:spTree>
-      <p:nvGrpSpPr>
-        <p:cNvPr id="1" name=""/>
-        <p:cNvGrpSpPr/>
-        <p:nvPr/>
-      </p:nvGrpSpPr>
-      <p:grpSpPr>
-        <a:xfrm>
-          <a:off x="0" y="0"/>
-          <a:ext cx="0" cy="0"/>
-          <a:chOff x="0" y="0"/>
-          <a:chExt cx="0" cy="0"/>
-        </a:xfrm>
-      </p:grpSpPr>
-      <p:sp>
-        <p:nvSpPr>
-          <p:cNvPr id="2" name="Title 1">
-            <a:extLst>
-              <a:ext uri="{FF2B5EF4-FFF2-40B4-BE49-F238E27FC236}">
-                <a16:creationId xmlns:a16="http://schemas.microsoft.com/office/drawing/2014/main" id="{A90A02E4-3663-3C40-BA39-AFC8E4C6C9EC}"/>
-              </a:ext>
-            </a:extLst>
-          </p:cNvPr>
-          <p:cNvSpPr>
-            <a:spLocks noGrp="1"/>
-          </p:cNvSpPr>
-          <p:nvPr>
-            <p:ph type="title"/>
-          </p:nvPr>
-        </p:nvSpPr>
-        <p:spPr>
-          <a:xfrm>
-            <a:off x="628650" y="273847"/>
-            <a:ext cx="7886700" cy="994172"/>
-          </a:xfrm>
-        </p:spPr>
-        <p:txBody>
-          <a:bodyPr anchor="ctr">
-            <a:normAutofit/>
-          </a:bodyPr>
-          <a:lstStyle/>
-          <a:p>
-            <a:r>
-              <a:rPr lang="en-US" dirty="0"/>
-              <a:t>Unsafe Unlink DEMO</a:t>
-            </a:r>
-          </a:p>
-        </p:txBody>
-      </p:sp>
-      <p:pic>
-        <p:nvPicPr>
-          <p:cNvPr id="1026" name="Picture 2" descr="Demo - Better support, happy customers - TOPdesk">
-            <a:extLst>
-              <a:ext uri="{FF2B5EF4-FFF2-40B4-BE49-F238E27FC236}">
-                <a16:creationId xmlns:a16="http://schemas.microsoft.com/office/drawing/2014/main" id="{2C8C0D5D-E3BF-EE49-B634-8F339CA9B268}"/>
-              </a:ext>
-            </a:extLst>
-          </p:cNvPr>
-          <p:cNvPicPr>
-            <a:picLocks noGrp="1" noChangeAspect="1" noChangeArrowheads="1"/>
-          </p:cNvPicPr>
-          <p:nvPr>
-            <p:ph idx="1"/>
-          </p:nvPr>
-        </p:nvPicPr>
-        <p:blipFill>
-          <a:blip r:embed="rId2">
-            <a:extLst>
-              <a:ext uri="{28A0092B-C50C-407E-A947-70E740481C1C}">
-                <a14:useLocalDpi xmlns:a14="http://schemas.microsoft.com/office/drawing/2010/main" val="0"/>
-              </a:ext>
-            </a:extLst>
-          </a:blip>
-          <a:stretch>
-            <a:fillRect/>
-          </a:stretch>
-        </p:blipFill>
-        <p:spPr bwMode="auto">
-          <a:xfrm>
-            <a:off x="1886602" y="1236541"/>
-            <a:ext cx="5370795" cy="3263504"/>
-          </a:xfrm>
-          <a:prstGeom prst="rect">
-            <a:avLst/>
-          </a:prstGeom>
-          <a:solidFill>
-            <a:srgbClr val="FFFFFF"/>
-          </a:solidFill>
-        </p:spPr>
-      </p:pic>
-    </p:spTree>
-    <p:extLst>
-      <p:ext uri="{BB962C8B-B14F-4D97-AF65-F5344CB8AC3E}">
-        <p14:creationId xmlns:p14="http://schemas.microsoft.com/office/powerpoint/2010/main" val="2337429973"/>
-      </p:ext>
-    </p:extLst>
-  </p:cSld>
-  <p:clrMapOvr>
-    <a:masterClrMapping/>
-  </p:clrMapOvr>
-</p:sld>
-</file>
-
-<file path=ppt/slides/slide91.xml><?xml version="1.0" encoding="utf-8"?>
-<p:sld xmlns:a="http://schemas.openxmlformats.org/drawingml/2006/main" xmlns:r="http://schemas.openxmlformats.org/officeDocument/2006/relationships" xmlns:p="http://schemas.openxmlformats.org/presentationml/2006/main">
-  <p:cSld>
-    <p:spTree>
-      <p:nvGrpSpPr>
-        <p:cNvPr id="1" name=""/>
-        <p:cNvGrpSpPr/>
-        <p:nvPr/>
-      </p:nvGrpSpPr>
-      <p:grpSpPr>
-        <a:xfrm>
-          <a:off x="0" y="0"/>
-          <a:ext cx="0" cy="0"/>
-          <a:chOff x="0" y="0"/>
-          <a:chExt cx="0" cy="0"/>
-        </a:xfrm>
-      </p:grpSpPr>
-      <p:sp>
-        <p:nvSpPr>
-          <p:cNvPr id="2" name="Title 1">
-            <a:extLst>
-              <a:ext uri="{FF2B5EF4-FFF2-40B4-BE49-F238E27FC236}">
-                <a16:creationId xmlns:a16="http://schemas.microsoft.com/office/drawing/2014/main" id="{C96CF04D-2F9B-2D4B-BB6E-1DBC2C66150E}"/>
-              </a:ext>
-            </a:extLst>
-          </p:cNvPr>
-          <p:cNvSpPr>
-            <a:spLocks noGrp="1"/>
-          </p:cNvSpPr>
-          <p:nvPr>
-            <p:ph type="title"/>
-          </p:nvPr>
-        </p:nvSpPr>
-        <p:spPr/>
-        <p:txBody>
-          <a:bodyPr/>
-          <a:lstStyle/>
-          <a:p>
-            <a:r>
-              <a:rPr lang="en-US" dirty="0"/>
-              <a:t>Similar Techniques</a:t>
-            </a:r>
-          </a:p>
-        </p:txBody>
-      </p:sp>
-      <p:sp>
-        <p:nvSpPr>
-          <p:cNvPr id="3" name="Content Placeholder 2">
-            <a:extLst>
-              <a:ext uri="{FF2B5EF4-FFF2-40B4-BE49-F238E27FC236}">
-                <a16:creationId xmlns:a16="http://schemas.microsoft.com/office/drawing/2014/main" id="{DB0B48B3-4287-5643-8B39-63515724D843}"/>
-              </a:ext>
-            </a:extLst>
-          </p:cNvPr>
-          <p:cNvSpPr>
-            <a:spLocks noGrp="1"/>
-          </p:cNvSpPr>
-          <p:nvPr>
-            <p:ph idx="1"/>
-          </p:nvPr>
-        </p:nvSpPr>
-        <p:spPr/>
-        <p:txBody>
-          <a:bodyPr/>
-          <a:lstStyle/>
-          <a:p>
-            <a:r>
-              <a:rPr lang="en-US" dirty="0"/>
-              <a:t>House of Einherjar: </a:t>
-            </a:r>
-          </a:p>
-          <a:p>
-            <a:pPr lvl="1"/>
-            <a:r>
-              <a:rPr lang="en-US" dirty="0"/>
-              <a:t>Unlink a fake chunk to overlap a large chunk of data</a:t>
-            </a:r>
-          </a:p>
-          <a:p>
-            <a:r>
-              <a:rPr lang="en-US" dirty="0"/>
-              <a:t>House of Storm: 	</a:t>
-            </a:r>
-          </a:p>
-          <a:p>
-            <a:pPr lvl="1"/>
-            <a:r>
-              <a:rPr lang="en-US" dirty="0"/>
-              <a:t>Add in a chunk by corrupting free list pointers</a:t>
-            </a:r>
-          </a:p>
-        </p:txBody>
-      </p:sp>
-    </p:spTree>
-    <p:extLst>
-      <p:ext uri="{BB962C8B-B14F-4D97-AF65-F5344CB8AC3E}">
-        <p14:creationId xmlns:p14="http://schemas.microsoft.com/office/powerpoint/2010/main" val="3545615887"/>
-      </p:ext>
-    </p:extLst>
-  </p:cSld>
-  <p:clrMapOvr>
-    <a:masterClrMapping/>
-  </p:clrMapOvr>
-</p:sld>
-</file>
-
-<file path=ppt/slides/slide92.xml><?xml version="1.0" encoding="utf-8"?>
-<p:sld xmlns:a="http://schemas.openxmlformats.org/drawingml/2006/main" xmlns:r="http://schemas.openxmlformats.org/officeDocument/2006/relationships" xmlns:p="http://schemas.openxmlformats.org/presentationml/2006/main">
-  <p:cSld>
-    <p:spTree>
-      <p:nvGrpSpPr>
-        <p:cNvPr id="1" name=""/>
-        <p:cNvGrpSpPr/>
-        <p:nvPr/>
-      </p:nvGrpSpPr>
-      <p:grpSpPr>
-        <a:xfrm>
-          <a:off x="0" y="0"/>
-          <a:ext cx="0" cy="0"/>
-          <a:chOff x="0" y="0"/>
-          <a:chExt cx="0" cy="0"/>
-        </a:xfrm>
-      </p:grpSpPr>
-      <p:sp>
-        <p:nvSpPr>
-          <p:cNvPr id="2" name="Title 1">
-            <a:extLst>
-              <a:ext uri="{FF2B5EF4-FFF2-40B4-BE49-F238E27FC236}">
-                <a16:creationId xmlns:a16="http://schemas.microsoft.com/office/drawing/2014/main" id="{B4A67C53-5C79-0548-A92E-EC918DEE6260}"/>
-              </a:ext>
-            </a:extLst>
-          </p:cNvPr>
-          <p:cNvSpPr>
-            <a:spLocks noGrp="1"/>
-          </p:cNvSpPr>
-          <p:nvPr>
-            <p:ph type="title"/>
-          </p:nvPr>
-        </p:nvSpPr>
-        <p:spPr/>
-        <p:txBody>
-          <a:bodyPr/>
-          <a:lstStyle/>
-          <a:p>
-            <a:r>
-              <a:rPr lang="en-US" dirty="0"/>
-              <a:t>Resources</a:t>
-            </a:r>
-          </a:p>
-        </p:txBody>
-      </p:sp>
-      <p:sp>
-        <p:nvSpPr>
-          <p:cNvPr id="3" name="Content Placeholder 2">
-            <a:extLst>
-              <a:ext uri="{FF2B5EF4-FFF2-40B4-BE49-F238E27FC236}">
-                <a16:creationId xmlns:a16="http://schemas.microsoft.com/office/drawing/2014/main" id="{31ED45E3-BAAF-194E-B4F4-BBE1A78FE0F0}"/>
-              </a:ext>
-            </a:extLst>
-          </p:cNvPr>
-          <p:cNvSpPr>
-            <a:spLocks noGrp="1"/>
-          </p:cNvSpPr>
-          <p:nvPr>
-            <p:ph idx="1"/>
-          </p:nvPr>
-        </p:nvSpPr>
-        <p:spPr/>
-        <p:txBody>
-          <a:bodyPr/>
-          <a:lstStyle/>
-          <a:p>
-            <a:r>
-              <a:rPr lang="en-US" dirty="0" err="1"/>
-              <a:t>LiveOverflow</a:t>
-            </a:r>
-            <a:r>
-              <a:rPr lang="en-US" dirty="0"/>
-              <a:t>: </a:t>
-            </a:r>
-            <a:r>
-              <a:rPr lang="en-US" dirty="0">
-                <a:hlinkClick r:id="rId2"/>
-              </a:rPr>
-              <a:t>https://www.youtube.com/watch?v=gL45bjQvZSU</a:t>
-            </a:r>
-            <a:endParaRPr lang="en-US" dirty="0"/>
-          </a:p>
-          <a:p>
-            <a:r>
-              <a:rPr lang="en-US" dirty="0"/>
-              <a:t>Once Upon a Free: </a:t>
-            </a:r>
-            <a:r>
-              <a:rPr lang="en-US" dirty="0">
-                <a:hlinkClick r:id="rId3"/>
-              </a:rPr>
-              <a:t>http://phrack.org/issues/57/9.html</a:t>
-            </a:r>
-            <a:endParaRPr lang="en-US" dirty="0"/>
-          </a:p>
-          <a:p>
-            <a:r>
-              <a:rPr lang="en-US" dirty="0"/>
-              <a:t>Unsafe Unlink: </a:t>
-            </a:r>
-          </a:p>
-          <a:p>
-            <a:pPr lvl="1"/>
-            <a:r>
-              <a:rPr lang="en-US" dirty="0">
-                <a:hlinkClick r:id="rId4"/>
-              </a:rPr>
-              <a:t>https://heap-exploitation.dhavalkapil.com/attacks/unlink_exploit.html</a:t>
-            </a:r>
-            <a:endParaRPr lang="en-US" dirty="0"/>
-          </a:p>
-          <a:p>
-            <a:pPr lvl="1"/>
-            <a:r>
-              <a:rPr lang="en-US" dirty="0">
-                <a:hlinkClick r:id="rId5"/>
-              </a:rPr>
-              <a:t>https://dangokyo.me/2018/01/01/heap-exploitation-unsafe-unlink-fastbin-corruption/</a:t>
-            </a:r>
-            <a:endParaRPr lang="en-US" dirty="0"/>
-          </a:p>
-          <a:p>
-            <a:pPr marL="457200" lvl="1" indent="0">
-              <a:buNone/>
-            </a:pPr>
-            <a:endParaRPr lang="en-US" dirty="0"/>
-          </a:p>
-          <a:p>
-            <a:endParaRPr lang="en-US" dirty="0"/>
-          </a:p>
-        </p:txBody>
-      </p:sp>
-    </p:spTree>
-    <p:extLst>
-      <p:ext uri="{BB962C8B-B14F-4D97-AF65-F5344CB8AC3E}">
-        <p14:creationId xmlns:p14="http://schemas.microsoft.com/office/powerpoint/2010/main" val="726634461"/>
       </p:ext>
     </p:extLst>
   </p:cSld>

--- a/modules/unlink/Unlink.pptx
+++ b/modules/unlink/Unlink.pptx
@@ -24616,7 +24616,7 @@
           <a:p>
             <a:fld id="{2DA23E8D-1792-1541-9147-970A8DD8A355}" type="datetimeFigureOut">
               <a:rPr lang="en-US" smtClean="0"/>
-              <a:t>7/24/21</a:t>
+              <a:t>7/28/21</a:t>
             </a:fld>
             <a:endParaRPr lang="en-US" dirty="0"/>
           </a:p>
@@ -25170,7 +25170,7 @@
                 <a:latin typeface="Calibri"/>
               </a:rPr>
               <a:pPr/>
-              <a:t>7/24/21</a:t>
+              <a:t>7/28/21</a:t>
             </a:fld>
             <a:endParaRPr lang="en-US" dirty="0">
               <a:solidFill>
@@ -25423,7 +25423,7 @@
                 <a:latin typeface="Calibri"/>
               </a:rPr>
               <a:pPr/>
-              <a:t>7/24/21</a:t>
+              <a:t>7/28/21</a:t>
             </a:fld>
             <a:endParaRPr lang="en-US" dirty="0">
               <a:solidFill>
@@ -25638,7 +25638,7 @@
                 <a:latin typeface="Calibri"/>
               </a:rPr>
               <a:pPr/>
-              <a:t>7/24/21</a:t>
+              <a:t>7/28/21</a:t>
             </a:fld>
             <a:endParaRPr lang="en-US" dirty="0">
               <a:solidFill>
@@ -26036,7 +26036,7 @@
                 <a:latin typeface="Calibri"/>
               </a:rPr>
               <a:pPr/>
-              <a:t>7/24/21</a:t>
+              <a:t>7/28/21</a:t>
             </a:fld>
             <a:endParaRPr lang="en-US" dirty="0">
               <a:solidFill>
@@ -26378,7 +26378,7 @@
                 <a:latin typeface="Calibri"/>
               </a:rPr>
               <a:pPr/>
-              <a:t>7/24/21</a:t>
+              <a:t>7/28/21</a:t>
             </a:fld>
             <a:endParaRPr lang="en-US" dirty="0">
               <a:solidFill>
@@ -26706,7 +26706,7 @@
                 <a:latin typeface="Calibri"/>
               </a:rPr>
               <a:pPr/>
-              <a:t>7/24/21</a:t>
+              <a:t>7/28/21</a:t>
             </a:fld>
             <a:endParaRPr lang="en-US" dirty="0">
               <a:solidFill>
@@ -27195,7 +27195,7 @@
                 <a:latin typeface="Calibri"/>
               </a:rPr>
               <a:pPr/>
-              <a:t>7/24/21</a:t>
+              <a:t>7/28/21</a:t>
             </a:fld>
             <a:endParaRPr lang="en-US" dirty="0">
               <a:solidFill>
@@ -27378,7 +27378,7 @@
                 <a:latin typeface="Calibri"/>
               </a:rPr>
               <a:pPr/>
-              <a:t>7/24/21</a:t>
+              <a:t>7/28/21</a:t>
             </a:fld>
             <a:endParaRPr lang="en-US" dirty="0">
               <a:solidFill>
@@ -27624,7 +27624,7 @@
                 <a:latin typeface="Calibri"/>
               </a:rPr>
               <a:pPr/>
-              <a:t>7/24/21</a:t>
+              <a:t>7/28/21</a:t>
             </a:fld>
             <a:endParaRPr lang="en-US" dirty="0">
               <a:solidFill>
@@ -27966,7 +27966,7 @@
                 <a:latin typeface="Calibri"/>
               </a:rPr>
               <a:pPr/>
-              <a:t>7/24/21</a:t>
+              <a:t>7/28/21</a:t>
             </a:fld>
             <a:endParaRPr lang="en-US" dirty="0">
               <a:solidFill>
@@ -28258,7 +28258,7 @@
                 <a:latin typeface="Calibri"/>
               </a:rPr>
               <a:pPr/>
-              <a:t>7/24/21</a:t>
+              <a:t>7/28/21</a:t>
             </a:fld>
             <a:endParaRPr lang="en-US" dirty="0">
               <a:solidFill>
@@ -28508,7 +28508,7 @@
                 <a:latin typeface="Calibri"/>
               </a:rPr>
               <a:pPr defTabSz="914400"/>
-              <a:t>7/24/21</a:t>
+              <a:t>7/28/21</a:t>
             </a:fld>
             <a:endParaRPr lang="en-US" dirty="0">
               <a:solidFill>
@@ -30920,7 +30920,7 @@
         </p:nvPicPr>
         <p:blipFill rotWithShape="1">
           <a:blip r:embed="rId2"/>
-          <a:srcRect l="9064" t="13747" r="45468" b="49856"/>
+          <a:srcRect l="10219" t="48563" r="44313" b="15040"/>
           <a:stretch/>
         </p:blipFill>
         <p:spPr>
@@ -31070,7 +31070,7 @@
         </p:nvCxnSpPr>
         <p:spPr>
           <a:xfrm>
-            <a:off x="311851" y="1921288"/>
+            <a:off x="311851" y="1818875"/>
             <a:ext cx="2810095" cy="0"/>
           </a:xfrm>
           <a:prstGeom prst="line">
@@ -31178,7 +31178,7 @@
         </p:nvPicPr>
         <p:blipFill rotWithShape="1">
           <a:blip r:embed="rId2"/>
-          <a:srcRect l="9064" t="13747" r="45468" b="49856"/>
+          <a:srcRect l="9799" t="46034" r="44733" b="17569"/>
           <a:stretch/>
         </p:blipFill>
         <p:spPr>
@@ -31352,8 +31352,8 @@
         </p:nvCxnSpPr>
         <p:spPr>
           <a:xfrm>
-            <a:off x="285219" y="1966067"/>
-            <a:ext cx="2217831" cy="0"/>
+            <a:off x="277904" y="2456185"/>
+            <a:ext cx="2853002" cy="0"/>
           </a:xfrm>
           <a:prstGeom prst="line">
             <a:avLst/>
@@ -31829,36 +31829,6 @@
           <a:chExt cx="0" cy="0"/>
         </a:xfrm>
       </p:grpSpPr>
-      <p:pic>
-        <p:nvPicPr>
-          <p:cNvPr id="18" name="Picture 17" descr="Unlink source code with the 'where' and 'what' added">
-            <a:extLst>
-              <a:ext uri="{FF2B5EF4-FFF2-40B4-BE49-F238E27FC236}">
-                <a16:creationId xmlns:a16="http://schemas.microsoft.com/office/drawing/2014/main" id="{E2F221EB-A958-914F-8D11-E0B99BA38699}"/>
-              </a:ext>
-            </a:extLst>
-          </p:cNvPr>
-          <p:cNvPicPr>
-            <a:picLocks noChangeAspect="1"/>
-          </p:cNvPicPr>
-          <p:nvPr/>
-        </p:nvPicPr>
-        <p:blipFill>
-          <a:blip r:embed="rId2"/>
-          <a:stretch>
-            <a:fillRect/>
-          </a:stretch>
-        </p:blipFill>
-        <p:spPr>
-          <a:xfrm>
-            <a:off x="2459561" y="3406188"/>
-            <a:ext cx="3852462" cy="1495662"/>
-          </a:xfrm>
-          <a:prstGeom prst="rect">
-            <a:avLst/>
-          </a:prstGeom>
-        </p:spPr>
-      </p:pic>
       <p:sp>
         <p:nvSpPr>
           <p:cNvPr id="2" name="Title 1">
@@ -31971,6 +31941,65 @@
           </a:p>
         </p:txBody>
       </p:sp>
+      <p:pic>
+        <p:nvPicPr>
+          <p:cNvPr id="16" name="Content Placeholder 15" descr="Corrupting the 'Cur' pointer and what results from this">
+            <a:extLst>
+              <a:ext uri="{FF2B5EF4-FFF2-40B4-BE49-F238E27FC236}">
+                <a16:creationId xmlns:a16="http://schemas.microsoft.com/office/drawing/2014/main" id="{105E8A7D-57E9-744E-905B-AEED1625AE56}"/>
+              </a:ext>
+            </a:extLst>
+          </p:cNvPr>
+          <p:cNvPicPr>
+            <a:picLocks noGrp="1" noChangeAspect="1"/>
+          </p:cNvPicPr>
+          <p:nvPr>
+            <p:ph sz="half" idx="1"/>
+          </p:nvPr>
+        </p:nvPicPr>
+        <p:blipFill>
+          <a:blip r:embed="rId2"/>
+          <a:stretch>
+            <a:fillRect/>
+          </a:stretch>
+        </p:blipFill>
+        <p:spPr>
+          <a:xfrm>
+            <a:off x="516460" y="1129837"/>
+            <a:ext cx="5972207" cy="2875507"/>
+          </a:xfrm>
+        </p:spPr>
+      </p:pic>
+      <p:pic>
+        <p:nvPicPr>
+          <p:cNvPr id="8" name="Picture 7" descr="Unlink Macro with name update">
+            <a:extLst>
+              <a:ext uri="{FF2B5EF4-FFF2-40B4-BE49-F238E27FC236}">
+                <a16:creationId xmlns:a16="http://schemas.microsoft.com/office/drawing/2014/main" id="{410367A6-EB77-2249-9AC6-9617FAF82196}"/>
+              </a:ext>
+            </a:extLst>
+          </p:cNvPr>
+          <p:cNvPicPr>
+            <a:picLocks noChangeAspect="1"/>
+          </p:cNvPicPr>
+          <p:nvPr/>
+        </p:nvPicPr>
+        <p:blipFill>
+          <a:blip r:embed="rId3"/>
+          <a:stretch>
+            <a:fillRect/>
+          </a:stretch>
+        </p:blipFill>
+        <p:spPr>
+          <a:xfrm>
+            <a:off x="2004725" y="3303200"/>
+            <a:ext cx="4178300" cy="1638300"/>
+          </a:xfrm>
+          <a:prstGeom prst="rect">
+            <a:avLst/>
+          </a:prstGeom>
+        </p:spPr>
+      </p:pic>
       <p:cxnSp>
         <p:nvCxnSpPr>
           <p:cNvPr id="11" name="Straight Connector 10">
@@ -31987,7 +32016,7 @@
         </p:nvCxnSpPr>
         <p:spPr>
           <a:xfrm>
-            <a:off x="2894566" y="4361333"/>
+            <a:off x="2488920" y="4354019"/>
             <a:ext cx="1677434" cy="0"/>
           </a:xfrm>
           <a:prstGeom prst="line">
@@ -32014,35 +32043,6 @@
           </a:fontRef>
         </p:style>
       </p:cxnSp>
-      <p:pic>
-        <p:nvPicPr>
-          <p:cNvPr id="16" name="Content Placeholder 15" descr="Corrupting the 'Cur' pointer and what results from this">
-            <a:extLst>
-              <a:ext uri="{FF2B5EF4-FFF2-40B4-BE49-F238E27FC236}">
-                <a16:creationId xmlns:a16="http://schemas.microsoft.com/office/drawing/2014/main" id="{105E8A7D-57E9-744E-905B-AEED1625AE56}"/>
-              </a:ext>
-            </a:extLst>
-          </p:cNvPr>
-          <p:cNvPicPr>
-            <a:picLocks noGrp="1" noChangeAspect="1"/>
-          </p:cNvPicPr>
-          <p:nvPr>
-            <p:ph sz="half" idx="1"/>
-          </p:nvPr>
-        </p:nvPicPr>
-        <p:blipFill>
-          <a:blip r:embed="rId3"/>
-          <a:stretch>
-            <a:fillRect/>
-          </a:stretch>
-        </p:blipFill>
-        <p:spPr>
-          <a:xfrm>
-            <a:off x="516460" y="1129837"/>
-            <a:ext cx="5972207" cy="2875507"/>
-          </a:xfrm>
-        </p:spPr>
-      </p:pic>
     </p:spTree>
     <p:extLst>
       <p:ext uri="{BB962C8B-B14F-4D97-AF65-F5344CB8AC3E}">
@@ -32255,7 +32255,7 @@
             </a:pPr>
             <a:r>
               <a:rPr lang="en-US" dirty="0"/>
-              <a:t>WHERE = C (because of overwrite) </a:t>
+              <a:t>WHERE = Next (because of overwrite) </a:t>
             </a:r>
           </a:p>
           <a:p>
@@ -32265,7 +32265,7 @@
             </a:pPr>
             <a:r>
               <a:rPr lang="en-US" dirty="0"/>
-              <a:t>WHAT = A (because of overwrite)</a:t>
+              <a:t>WHAT = Prev (because of overwrite)</a:t>
             </a:r>
           </a:p>
           <a:p>
@@ -38669,7 +38669,7 @@
 </file>
 
 <file path=ppt/slides/slide49.xml><?xml version="1.0" encoding="utf-8"?>
-<p:sld xmlns:a="http://schemas.openxmlformats.org/drawingml/2006/main" xmlns:r="http://schemas.openxmlformats.org/officeDocument/2006/relationships" xmlns:p="http://schemas.openxmlformats.org/presentationml/2006/main">
+<p:sld xmlns:a="http://schemas.openxmlformats.org/drawingml/2006/main" xmlns:r="http://schemas.openxmlformats.org/officeDocument/2006/relationships" xmlns:p="http://schemas.openxmlformats.org/presentationml/2006/main" show="0">
   <p:cSld>
     <p:spTree>
       <p:nvGrpSpPr>
@@ -42718,15 +42718,6 @@
           <a:solidFill>
             <a:srgbClr val="FFFFFF"/>
           </a:solidFill>
-          <a:extLst>
-            <a:ext uri="{909E8E84-426E-40DD-AFC4-6F175D3DCCD1}">
-              <a14:hiddenFill xmlns:a14="http://schemas.microsoft.com/office/drawing/2010/main">
-                <a:solidFill>
-                  <a:srgbClr val="FFFFFF"/>
-                </a:solidFill>
-              </a14:hiddenFill>
-            </a:ext>
-          </a:extLst>
         </p:spPr>
       </p:pic>
       <p:sp>
@@ -46040,15 +46031,6 @@
           <a:solidFill>
             <a:srgbClr val="FFFFFF"/>
           </a:solidFill>
-          <a:extLst>
-            <a:ext uri="{909E8E84-426E-40DD-AFC4-6F175D3DCCD1}">
-              <a14:hiddenFill xmlns:a14="http://schemas.microsoft.com/office/drawing/2010/main">
-                <a:solidFill>
-                  <a:srgbClr val="FFFFFF"/>
-                </a:solidFill>
-              </a14:hiddenFill>
-            </a:ext>
-          </a:extLst>
         </p:spPr>
       </p:pic>
       <p:sp>

--- a/modules/unlink/Unlink.pptx
+++ b/modules/unlink/Unlink.pptx
@@ -7975,8 +7975,8 @@
     <dgm:cxn modelId="{F775741C-59A6-4E04-BAF3-4A444561F3B4}" type="presOf" srcId="{BD7C699D-99AB-46E2-8A84-DCA9194549F5}" destId="{BA2E071B-3FD6-41BF-8C60-90B363E54580}" srcOrd="0" destOrd="0" presId="urn:microsoft.com/office/officeart/2018/5/layout/IconCircleLabelList"/>
     <dgm:cxn modelId="{9715803A-99F7-47EB-AA41-7F7CF5EBEA9E}" type="presOf" srcId="{230F026B-3987-46CF-9A63-7D84EF4D689D}" destId="{67796916-3737-448B-92A3-815B436C3F6E}" srcOrd="0" destOrd="0" presId="urn:microsoft.com/office/officeart/2018/5/layout/IconCircleLabelList"/>
     <dgm:cxn modelId="{35E45540-CC71-4333-8DA6-D1BB3275860B}" srcId="{230F026B-3987-46CF-9A63-7D84EF4D689D}" destId="{C9D5C807-8FCA-4BD0-A215-D507896FAD55}" srcOrd="2" destOrd="0" parTransId="{98135CA5-0F16-409F-841E-3E94EF2747AE}" sibTransId="{1FD5AED7-2E93-47AF-9B46-D662539871AD}"/>
+    <dgm:cxn modelId="{A5796E5F-37F0-4E12-ABCC-29746A27D6B3}" type="presOf" srcId="{C9D5C807-8FCA-4BD0-A215-D507896FAD55}" destId="{4D6923D7-31D1-4375-9FAB-FA7769332D50}" srcOrd="0" destOrd="0" presId="urn:microsoft.com/office/officeart/2018/5/layout/IconCircleLabelList"/>
     <dgm:cxn modelId="{D814D452-2697-4900-BDAE-F0EF3AFB42D9}" type="presOf" srcId="{219463C2-09C1-4870-85C9-1B9C0B7A6E9D}" destId="{0EF841F3-A7B5-4291-84A6-21B01D12904F}" srcOrd="0" destOrd="0" presId="urn:microsoft.com/office/officeart/2018/5/layout/IconCircleLabelList"/>
-    <dgm:cxn modelId="{A5796E5F-37F0-4E12-ABCC-29746A27D6B3}" type="presOf" srcId="{C9D5C807-8FCA-4BD0-A215-D507896FAD55}" destId="{4D6923D7-31D1-4375-9FAB-FA7769332D50}" srcOrd="0" destOrd="0" presId="urn:microsoft.com/office/officeart/2018/5/layout/IconCircleLabelList"/>
     <dgm:cxn modelId="{7C714775-CA1C-40A5-8797-3796E7BE55BE}" srcId="{230F026B-3987-46CF-9A63-7D84EF4D689D}" destId="{219463C2-09C1-4870-85C9-1B9C0B7A6E9D}" srcOrd="1" destOrd="0" parTransId="{9C56BA21-90C2-4F23-B67E-9D3D318499F2}" sibTransId="{D74DB109-1004-480B-9597-53366B31E798}"/>
     <dgm:cxn modelId="{704D8EE7-04D5-4DE4-B954-0B46DE4B3812}" srcId="{230F026B-3987-46CF-9A63-7D84EF4D689D}" destId="{BD7C699D-99AB-46E2-8A84-DCA9194549F5}" srcOrd="0" destOrd="0" parTransId="{A2D54A4E-B608-4600-9436-C63E335095E8}" sibTransId="{4802396A-C298-49FA-8612-F64D1F2D577C}"/>
     <dgm:cxn modelId="{9F4043C4-7F4D-414B-B8F1-08F1BCE3BFC0}" type="presParOf" srcId="{67796916-3737-448B-92A3-815B436C3F6E}" destId="{953EF6DE-AEA5-4725-9299-BE260B28B8E8}" srcOrd="0" destOrd="0" presId="urn:microsoft.com/office/officeart/2018/5/layout/IconCircleLabelList"/>
@@ -9042,13 +9042,13 @@
     </dgm:pt>
   </dgm:ptLst>
   <dgm:cxnLst>
-    <dgm:cxn modelId="{FFE9BE45-61B6-A44D-BE84-C9558C3668F6}" type="presOf" srcId="{BC5964F2-3436-428A-82BF-8D81F2CCCB7B}" destId="{F4B83521-76E5-6443-B290-1A97C604D333}" srcOrd="0" destOrd="1" presId="urn:microsoft.com/office/officeart/2005/8/layout/hList1"/>
-    <dgm:cxn modelId="{FBE81E4D-2C60-4146-B613-92E3D87B011A}" srcId="{A3AEE333-C082-4091-95F1-E40A1DF5AA5E}" destId="{D9C1E07F-394A-495E-BF92-748D78771FD0}" srcOrd="0" destOrd="0" parTransId="{B6B56E4F-FC1B-47D5-8363-584D9AB66F8A}" sibTransId="{0CADF98E-8CE4-4410-B815-5191D63FC01B}"/>
     <dgm:cxn modelId="{45EE175C-838B-8944-B5AB-1478DA48CA21}" type="presOf" srcId="{A2D762B9-69D8-4198-B569-F1F710179271}" destId="{9ECA6AE6-942A-ED42-9698-95EA8632EC55}" srcOrd="0" destOrd="1" presId="urn:microsoft.com/office/officeart/2005/8/layout/hList1"/>
     <dgm:cxn modelId="{F07C765D-A0C9-834B-96E3-B8F5BE32B36C}" type="presOf" srcId="{BFD488CB-6BC9-476B-BE83-9D410134A42E}" destId="{9ECA6AE6-942A-ED42-9698-95EA8632EC55}" srcOrd="0" destOrd="2" presId="urn:microsoft.com/office/officeart/2005/8/layout/hList1"/>
     <dgm:cxn modelId="{A136BD63-16C8-44E2-8F2B-A716FBB878BA}" srcId="{80583F84-67A5-4472-886B-0867F6F05CB4}" destId="{04B3EC38-7E63-4055-8CB1-DCCDC46EABA6}" srcOrd="0" destOrd="0" parTransId="{FE0A5599-8B12-41C8-A1C5-ED70E2E97E50}" sibTransId="{36572353-1A94-450C-A5F5-4D347A616362}"/>
     <dgm:cxn modelId="{F5FD6064-221F-2349-9858-E6CA54CD798F}" type="presOf" srcId="{B47E7D55-3927-469A-8C43-D33FB317AAAB}" destId="{9ECA6AE6-942A-ED42-9698-95EA8632EC55}" srcOrd="0" destOrd="0" presId="urn:microsoft.com/office/officeart/2005/8/layout/hList1"/>
     <dgm:cxn modelId="{D9843665-9100-4CBB-91ED-9120BB92A30D}" srcId="{04B3EC38-7E63-4055-8CB1-DCCDC46EABA6}" destId="{A2D762B9-69D8-4198-B569-F1F710179271}" srcOrd="1" destOrd="0" parTransId="{6575EA28-B06B-43F5-AC9E-6602A6951F57}" sibTransId="{01AB06EF-538A-4B6A-A818-A22919D5B9E6}"/>
+    <dgm:cxn modelId="{FFE9BE45-61B6-A44D-BE84-C9558C3668F6}" type="presOf" srcId="{BC5964F2-3436-428A-82BF-8D81F2CCCB7B}" destId="{F4B83521-76E5-6443-B290-1A97C604D333}" srcOrd="0" destOrd="1" presId="urn:microsoft.com/office/officeart/2005/8/layout/hList1"/>
+    <dgm:cxn modelId="{FBE81E4D-2C60-4146-B613-92E3D87B011A}" srcId="{A3AEE333-C082-4091-95F1-E40A1DF5AA5E}" destId="{D9C1E07F-394A-495E-BF92-748D78771FD0}" srcOrd="0" destOrd="0" parTransId="{B6B56E4F-FC1B-47D5-8363-584D9AB66F8A}" sibTransId="{0CADF98E-8CE4-4410-B815-5191D63FC01B}"/>
     <dgm:cxn modelId="{5F337299-DB97-7D4E-ACB2-103BF5CFA770}" type="presOf" srcId="{80583F84-67A5-4472-886B-0867F6F05CB4}" destId="{D9DABA6C-8D35-CC4E-9BD5-41AE818949B1}" srcOrd="0" destOrd="0" presId="urn:microsoft.com/office/officeart/2005/8/layout/hList1"/>
     <dgm:cxn modelId="{805B609D-1F81-1042-91BD-EBD396C8945D}" type="presOf" srcId="{04B3EC38-7E63-4055-8CB1-DCCDC46EABA6}" destId="{56899D10-F3D2-4945-BF21-AFF08F0ADD5A}" srcOrd="0" destOrd="0" presId="urn:microsoft.com/office/officeart/2005/8/layout/hList1"/>
     <dgm:cxn modelId="{E8BAB7A0-9BD9-814B-9DCC-B8B5730E4F10}" type="presOf" srcId="{A3AEE333-C082-4091-95F1-E40A1DF5AA5E}" destId="{682F0D67-AB2B-C34F-B3CF-71C32E9570A0}" srcOrd="0" destOrd="0" presId="urn:microsoft.com/office/officeart/2005/8/layout/hList1"/>
@@ -24616,7 +24616,7 @@
           <a:p>
             <a:fld id="{2DA23E8D-1792-1541-9147-970A8DD8A355}" type="datetimeFigureOut">
               <a:rPr lang="en-US" smtClean="0"/>
-              <a:t>7/28/21</a:t>
+              <a:t>8/1/2021</a:t>
             </a:fld>
             <a:endParaRPr lang="en-US" dirty="0"/>
           </a:p>
@@ -25170,7 +25170,7 @@
                 <a:latin typeface="Calibri"/>
               </a:rPr>
               <a:pPr/>
-              <a:t>7/28/21</a:t>
+              <a:t>8/1/2021</a:t>
             </a:fld>
             <a:endParaRPr lang="en-US" dirty="0">
               <a:solidFill>
@@ -25423,7 +25423,7 @@
                 <a:latin typeface="Calibri"/>
               </a:rPr>
               <a:pPr/>
-              <a:t>7/28/21</a:t>
+              <a:t>8/1/2021</a:t>
             </a:fld>
             <a:endParaRPr lang="en-US" dirty="0">
               <a:solidFill>
@@ -25638,7 +25638,7 @@
                 <a:latin typeface="Calibri"/>
               </a:rPr>
               <a:pPr/>
-              <a:t>7/28/21</a:t>
+              <a:t>8/1/2021</a:t>
             </a:fld>
             <a:endParaRPr lang="en-US" dirty="0">
               <a:solidFill>
@@ -26036,7 +26036,7 @@
                 <a:latin typeface="Calibri"/>
               </a:rPr>
               <a:pPr/>
-              <a:t>7/28/21</a:t>
+              <a:t>8/1/2021</a:t>
             </a:fld>
             <a:endParaRPr lang="en-US" dirty="0">
               <a:solidFill>
@@ -26378,7 +26378,7 @@
                 <a:latin typeface="Calibri"/>
               </a:rPr>
               <a:pPr/>
-              <a:t>7/28/21</a:t>
+              <a:t>8/1/2021</a:t>
             </a:fld>
             <a:endParaRPr lang="en-US" dirty="0">
               <a:solidFill>
@@ -26706,7 +26706,7 @@
                 <a:latin typeface="Calibri"/>
               </a:rPr>
               <a:pPr/>
-              <a:t>7/28/21</a:t>
+              <a:t>8/1/2021</a:t>
             </a:fld>
             <a:endParaRPr lang="en-US" dirty="0">
               <a:solidFill>
@@ -27195,7 +27195,7 @@
                 <a:latin typeface="Calibri"/>
               </a:rPr>
               <a:pPr/>
-              <a:t>7/28/21</a:t>
+              <a:t>8/1/2021</a:t>
             </a:fld>
             <a:endParaRPr lang="en-US" dirty="0">
               <a:solidFill>
@@ -27378,7 +27378,7 @@
                 <a:latin typeface="Calibri"/>
               </a:rPr>
               <a:pPr/>
-              <a:t>7/28/21</a:t>
+              <a:t>8/1/2021</a:t>
             </a:fld>
             <a:endParaRPr lang="en-US" dirty="0">
               <a:solidFill>
@@ -27624,7 +27624,7 @@
                 <a:latin typeface="Calibri"/>
               </a:rPr>
               <a:pPr/>
-              <a:t>7/28/21</a:t>
+              <a:t>8/1/2021</a:t>
             </a:fld>
             <a:endParaRPr lang="en-US" dirty="0">
               <a:solidFill>
@@ -27966,7 +27966,7 @@
                 <a:latin typeface="Calibri"/>
               </a:rPr>
               <a:pPr/>
-              <a:t>7/28/21</a:t>
+              <a:t>8/1/2021</a:t>
             </a:fld>
             <a:endParaRPr lang="en-US" dirty="0">
               <a:solidFill>
@@ -28258,7 +28258,7 @@
                 <a:latin typeface="Calibri"/>
               </a:rPr>
               <a:pPr/>
-              <a:t>7/28/21</a:t>
+              <a:t>8/1/2021</a:t>
             </a:fld>
             <a:endParaRPr lang="en-US" dirty="0">
               <a:solidFill>
@@ -28508,7 +28508,7 @@
                 <a:latin typeface="Calibri"/>
               </a:rPr>
               <a:pPr defTabSz="914400"/>
-              <a:t>7/28/21</a:t>
+              <a:t>8/1/2021</a:t>
             </a:fld>
             <a:endParaRPr lang="en-US" dirty="0">
               <a:solidFill>
@@ -31493,7 +31493,7 @@
         <p:spPr/>
         <p:txBody>
           <a:bodyPr>
-            <a:normAutofit fontScale="90000"/>
+            <a:normAutofit/>
           </a:bodyPr>
           <a:lstStyle/>
           <a:p>
@@ -32436,7 +32436,7 @@
         <p:spPr/>
         <p:txBody>
           <a:bodyPr>
-            <a:normAutofit fontScale="90000"/>
+            <a:normAutofit/>
           </a:bodyPr>
           <a:lstStyle/>
           <a:p>
@@ -38053,7 +38053,7 @@
         </p:spPr>
         <p:txBody>
           <a:bodyPr anchor="ctr">
-            <a:normAutofit fontScale="90000"/>
+            <a:normAutofit/>
           </a:bodyPr>
           <a:lstStyle/>
           <a:p>
@@ -38204,7 +38204,7 @@
         </p:spPr>
         <p:txBody>
           <a:bodyPr anchor="ctr">
-            <a:normAutofit fontScale="90000"/>
+            <a:normAutofit/>
           </a:bodyPr>
           <a:lstStyle/>
           <a:p>
@@ -42021,7 +42021,7 @@
         </p:spPr>
         <p:txBody>
           <a:bodyPr anchor="ctr">
-            <a:normAutofit fontScale="90000"/>
+            <a:normAutofit/>
           </a:bodyPr>
           <a:lstStyle/>
           <a:p>
@@ -42172,7 +42172,7 @@
         </p:spPr>
         <p:txBody>
           <a:bodyPr anchor="ctr">
-            <a:normAutofit fontScale="90000"/>
+            <a:normAutofit/>
           </a:bodyPr>
           <a:lstStyle/>
           <a:p>
@@ -42758,7 +42758,7 @@
             </a:r>
             <a:r>
               <a:rPr lang="en-US" dirty="0"/>
-              <a:t> Malloc over 20 years ago</a:t>
+              <a:t> Malloc over 15 years ago</a:t>
             </a:r>
           </a:p>
           <a:p>
@@ -43106,6 +43106,36 @@
           </a:fontRef>
         </p:style>
       </p:cxnSp>
+      <p:pic>
+        <p:nvPicPr>
+          <p:cNvPr id="7" name="Picture 6" descr="A picture containing diagram&#10;&#10;Description automatically generated">
+            <a:extLst>
+              <a:ext uri="{FF2B5EF4-FFF2-40B4-BE49-F238E27FC236}">
+                <a16:creationId xmlns:a16="http://schemas.microsoft.com/office/drawing/2014/main" id="{6A7DBB17-6E1D-4E6A-882D-A0DFAB71CEDD}"/>
+              </a:ext>
+            </a:extLst>
+          </p:cNvPr>
+          <p:cNvPicPr>
+            <a:picLocks noChangeAspect="1"/>
+          </p:cNvPicPr>
+          <p:nvPr/>
+        </p:nvPicPr>
+        <p:blipFill>
+          <a:blip r:embed="rId3"/>
+          <a:stretch>
+            <a:fillRect/>
+          </a:stretch>
+        </p:blipFill>
+        <p:spPr>
+          <a:xfrm>
+            <a:off x="1297575" y="3013936"/>
+            <a:ext cx="5511900" cy="1968536"/>
+          </a:xfrm>
+          <a:prstGeom prst="rect">
+            <a:avLst/>
+          </a:prstGeom>
+        </p:spPr>
+      </p:pic>
     </p:spTree>
     <p:extLst>
       <p:ext uri="{BB962C8B-B14F-4D97-AF65-F5344CB8AC3E}">
@@ -45387,7 +45417,7 @@
         </p:spPr>
         <p:txBody>
           <a:bodyPr>
-            <a:normAutofit fontScale="85000" lnSpcReduction="20000"/>
+            <a:normAutofit fontScale="85000" lnSpcReduction="10000"/>
           </a:bodyPr>
           <a:lstStyle/>
           <a:p>

--- a/modules/unlink/Unlink.pptx
+++ b/modules/unlink/Unlink.pptx
@@ -24616,7 +24616,7 @@
           <a:p>
             <a:fld id="{2DA23E8D-1792-1541-9147-970A8DD8A355}" type="datetimeFigureOut">
               <a:rPr lang="en-US" smtClean="0"/>
-              <a:t>8/1/2021</a:t>
+              <a:t>8/3/2021</a:t>
             </a:fld>
             <a:endParaRPr lang="en-US" dirty="0"/>
           </a:p>
@@ -24927,7 +24927,27 @@
           <a:bodyPr/>
           <a:lstStyle/>
           <a:p>
-            <a:endParaRPr lang="en-US" dirty="0"/>
+            <a:pPr marL="0" marR="0" lvl="0" indent="0" algn="l" defTabSz="457200" rtl="0" eaLnBrk="1" fontAlgn="auto" latinLnBrk="0" hangingPunct="1">
+              <a:lnSpc>
+                <a:spcPct val="100000"/>
+              </a:lnSpc>
+              <a:spcBef>
+                <a:spcPts val="0"/>
+              </a:spcBef>
+              <a:spcAft>
+                <a:spcPts val="0"/>
+              </a:spcAft>
+              <a:buClrTx/>
+              <a:buSzTx/>
+              <a:buFontTx/>
+              <a:buNone/>
+              <a:tabLst/>
+              <a:defRPr/>
+            </a:pPr>
+            <a:r>
+              <a:rPr lang="en-US" dirty="0"/>
+              <a:t>This is the source code for malloc!</a:t>
+            </a:r>
           </a:p>
         </p:txBody>
       </p:sp>
@@ -24948,6 +24968,174 @@
           <a:p>
             <a:fld id="{AC55928C-CD14-454C-B617-1AFCF9A58596}" type="slidenum">
               <a:rPr lang="en-US" smtClean="0"/>
+              <a:t>8</a:t>
+            </a:fld>
+            <a:endParaRPr lang="en-US" dirty="0"/>
+          </a:p>
+        </p:txBody>
+      </p:sp>
+    </p:spTree>
+    <p:extLst>
+      <p:ext uri="{BB962C8B-B14F-4D97-AF65-F5344CB8AC3E}">
+        <p14:creationId xmlns:p14="http://schemas.microsoft.com/office/powerpoint/2010/main" val="4258470791"/>
+      </p:ext>
+    </p:extLst>
+  </p:cSld>
+  <p:clrMapOvr>
+    <a:masterClrMapping/>
+  </p:clrMapOvr>
+</p:notes>
+</file>
+
+<file path=ppt/notesSlides/notesSlide2.xml><?xml version="1.0" encoding="utf-8"?>
+<p:notes xmlns:a="http://schemas.openxmlformats.org/drawingml/2006/main" xmlns:r="http://schemas.openxmlformats.org/officeDocument/2006/relationships" xmlns:p="http://schemas.openxmlformats.org/presentationml/2006/main">
+  <p:cSld>
+    <p:spTree>
+      <p:nvGrpSpPr>
+        <p:cNvPr id="1" name=""/>
+        <p:cNvGrpSpPr/>
+        <p:nvPr/>
+      </p:nvGrpSpPr>
+      <p:grpSpPr>
+        <a:xfrm>
+          <a:off x="0" y="0"/>
+          <a:ext cx="0" cy="0"/>
+          <a:chOff x="0" y="0"/>
+          <a:chExt cx="0" cy="0"/>
+        </a:xfrm>
+      </p:grpSpPr>
+      <p:sp>
+        <p:nvSpPr>
+          <p:cNvPr id="2" name="Slide Image Placeholder 1"/>
+          <p:cNvSpPr>
+            <a:spLocks noGrp="1" noRot="1" noChangeAspect="1"/>
+          </p:cNvSpPr>
+          <p:nvPr>
+            <p:ph type="sldImg"/>
+          </p:nvPr>
+        </p:nvSpPr>
+        <p:spPr/>
+      </p:sp>
+      <p:sp>
+        <p:nvSpPr>
+          <p:cNvPr id="3" name="Notes Placeholder 2"/>
+          <p:cNvSpPr>
+            <a:spLocks noGrp="1"/>
+          </p:cNvSpPr>
+          <p:nvPr>
+            <p:ph type="body" idx="1"/>
+          </p:nvPr>
+        </p:nvSpPr>
+        <p:spPr/>
+        <p:txBody>
+          <a:bodyPr/>
+          <a:lstStyle/>
+          <a:p>
+            <a:endParaRPr lang="en-US" dirty="0"/>
+          </a:p>
+        </p:txBody>
+      </p:sp>
+      <p:sp>
+        <p:nvSpPr>
+          <p:cNvPr id="4" name="Slide Number Placeholder 3"/>
+          <p:cNvSpPr>
+            <a:spLocks noGrp="1"/>
+          </p:cNvSpPr>
+          <p:nvPr>
+            <p:ph type="sldNum" sz="quarter" idx="5"/>
+          </p:nvPr>
+        </p:nvSpPr>
+        <p:spPr/>
+        <p:txBody>
+          <a:bodyPr/>
+          <a:lstStyle/>
+          <a:p>
+            <a:fld id="{AC55928C-CD14-454C-B617-1AFCF9A58596}" type="slidenum">
+              <a:rPr lang="en-US" smtClean="0"/>
+              <a:t>9</a:t>
+            </a:fld>
+            <a:endParaRPr lang="en-US" dirty="0"/>
+          </a:p>
+        </p:txBody>
+      </p:sp>
+    </p:spTree>
+    <p:extLst>
+      <p:ext uri="{BB962C8B-B14F-4D97-AF65-F5344CB8AC3E}">
+        <p14:creationId xmlns:p14="http://schemas.microsoft.com/office/powerpoint/2010/main" val="1819597811"/>
+      </p:ext>
+    </p:extLst>
+  </p:cSld>
+  <p:clrMapOvr>
+    <a:masterClrMapping/>
+  </p:clrMapOvr>
+</p:notes>
+</file>
+
+<file path=ppt/notesSlides/notesSlide3.xml><?xml version="1.0" encoding="utf-8"?>
+<p:notes xmlns:a="http://schemas.openxmlformats.org/drawingml/2006/main" xmlns:r="http://schemas.openxmlformats.org/officeDocument/2006/relationships" xmlns:p="http://schemas.openxmlformats.org/presentationml/2006/main">
+  <p:cSld>
+    <p:spTree>
+      <p:nvGrpSpPr>
+        <p:cNvPr id="1" name=""/>
+        <p:cNvGrpSpPr/>
+        <p:nvPr/>
+      </p:nvGrpSpPr>
+      <p:grpSpPr>
+        <a:xfrm>
+          <a:off x="0" y="0"/>
+          <a:ext cx="0" cy="0"/>
+          <a:chOff x="0" y="0"/>
+          <a:chExt cx="0" cy="0"/>
+        </a:xfrm>
+      </p:grpSpPr>
+      <p:sp>
+        <p:nvSpPr>
+          <p:cNvPr id="2" name="Slide Image Placeholder 1"/>
+          <p:cNvSpPr>
+            <a:spLocks noGrp="1" noRot="1" noChangeAspect="1"/>
+          </p:cNvSpPr>
+          <p:nvPr>
+            <p:ph type="sldImg"/>
+          </p:nvPr>
+        </p:nvSpPr>
+        <p:spPr/>
+      </p:sp>
+      <p:sp>
+        <p:nvSpPr>
+          <p:cNvPr id="3" name="Notes Placeholder 2"/>
+          <p:cNvSpPr>
+            <a:spLocks noGrp="1"/>
+          </p:cNvSpPr>
+          <p:nvPr>
+            <p:ph type="body" idx="1"/>
+          </p:nvPr>
+        </p:nvSpPr>
+        <p:spPr/>
+        <p:txBody>
+          <a:bodyPr/>
+          <a:lstStyle/>
+          <a:p>
+            <a:endParaRPr lang="en-US" dirty="0"/>
+          </a:p>
+        </p:txBody>
+      </p:sp>
+      <p:sp>
+        <p:nvSpPr>
+          <p:cNvPr id="4" name="Slide Number Placeholder 3"/>
+          <p:cNvSpPr>
+            <a:spLocks noGrp="1"/>
+          </p:cNvSpPr>
+          <p:nvPr>
+            <p:ph type="sldNum" sz="quarter" idx="5"/>
+          </p:nvPr>
+        </p:nvSpPr>
+        <p:spPr/>
+        <p:txBody>
+          <a:bodyPr/>
+          <a:lstStyle/>
+          <a:p>
+            <a:fld id="{AC55928C-CD14-454C-B617-1AFCF9A58596}" type="slidenum">
+              <a:rPr lang="en-US" smtClean="0"/>
               <a:t>15</a:t>
             </a:fld>
             <a:endParaRPr lang="en-US" dirty="0"/>
@@ -24958,6 +25146,180 @@
     <p:extLst>
       <p:ext uri="{BB962C8B-B14F-4D97-AF65-F5344CB8AC3E}">
         <p14:creationId xmlns:p14="http://schemas.microsoft.com/office/powerpoint/2010/main" val="3571229800"/>
+      </p:ext>
+    </p:extLst>
+  </p:cSld>
+  <p:clrMapOvr>
+    <a:masterClrMapping/>
+  </p:clrMapOvr>
+</p:notes>
+</file>
+
+<file path=ppt/notesSlides/notesSlide4.xml><?xml version="1.0" encoding="utf-8"?>
+<p:notes xmlns:a="http://schemas.openxmlformats.org/drawingml/2006/main" xmlns:r="http://schemas.openxmlformats.org/officeDocument/2006/relationships" xmlns:p="http://schemas.openxmlformats.org/presentationml/2006/main">
+  <p:cSld>
+    <p:spTree>
+      <p:nvGrpSpPr>
+        <p:cNvPr id="1" name=""/>
+        <p:cNvGrpSpPr/>
+        <p:nvPr/>
+      </p:nvGrpSpPr>
+      <p:grpSpPr>
+        <a:xfrm>
+          <a:off x="0" y="0"/>
+          <a:ext cx="0" cy="0"/>
+          <a:chOff x="0" y="0"/>
+          <a:chExt cx="0" cy="0"/>
+        </a:xfrm>
+      </p:grpSpPr>
+      <p:sp>
+        <p:nvSpPr>
+          <p:cNvPr id="2" name="Slide Image Placeholder 1"/>
+          <p:cNvSpPr>
+            <a:spLocks noGrp="1" noRot="1" noChangeAspect="1"/>
+          </p:cNvSpPr>
+          <p:nvPr>
+            <p:ph type="sldImg"/>
+          </p:nvPr>
+        </p:nvSpPr>
+        <p:spPr/>
+      </p:sp>
+      <p:sp>
+        <p:nvSpPr>
+          <p:cNvPr id="3" name="Notes Placeholder 2"/>
+          <p:cNvSpPr>
+            <a:spLocks noGrp="1"/>
+          </p:cNvSpPr>
+          <p:nvPr>
+            <p:ph type="body" idx="1"/>
+          </p:nvPr>
+        </p:nvSpPr>
+        <p:spPr/>
+        <p:txBody>
+          <a:bodyPr/>
+          <a:lstStyle/>
+          <a:p>
+            <a:r>
+              <a:rPr lang="en-US" dirty="0"/>
+              <a:t>STOP and ask for questions!</a:t>
+            </a:r>
+          </a:p>
+        </p:txBody>
+      </p:sp>
+      <p:sp>
+        <p:nvSpPr>
+          <p:cNvPr id="4" name="Slide Number Placeholder 3"/>
+          <p:cNvSpPr>
+            <a:spLocks noGrp="1"/>
+          </p:cNvSpPr>
+          <p:nvPr>
+            <p:ph type="sldNum" sz="quarter" idx="5"/>
+          </p:nvPr>
+        </p:nvSpPr>
+        <p:spPr/>
+        <p:txBody>
+          <a:bodyPr/>
+          <a:lstStyle/>
+          <a:p>
+            <a:fld id="{AC55928C-CD14-454C-B617-1AFCF9A58596}" type="slidenum">
+              <a:rPr lang="en-US" smtClean="0"/>
+              <a:t>34</a:t>
+            </a:fld>
+            <a:endParaRPr lang="en-US" dirty="0"/>
+          </a:p>
+        </p:txBody>
+      </p:sp>
+    </p:spTree>
+    <p:extLst>
+      <p:ext uri="{BB962C8B-B14F-4D97-AF65-F5344CB8AC3E}">
+        <p14:creationId xmlns:p14="http://schemas.microsoft.com/office/powerpoint/2010/main" val="17712015"/>
+      </p:ext>
+    </p:extLst>
+  </p:cSld>
+  <p:clrMapOvr>
+    <a:masterClrMapping/>
+  </p:clrMapOvr>
+</p:notes>
+</file>
+
+<file path=ppt/notesSlides/notesSlide5.xml><?xml version="1.0" encoding="utf-8"?>
+<p:notes xmlns:a="http://schemas.openxmlformats.org/drawingml/2006/main" xmlns:r="http://schemas.openxmlformats.org/officeDocument/2006/relationships" xmlns:p="http://schemas.openxmlformats.org/presentationml/2006/main">
+  <p:cSld>
+    <p:spTree>
+      <p:nvGrpSpPr>
+        <p:cNvPr id="1" name=""/>
+        <p:cNvGrpSpPr/>
+        <p:nvPr/>
+      </p:nvGrpSpPr>
+      <p:grpSpPr>
+        <a:xfrm>
+          <a:off x="0" y="0"/>
+          <a:ext cx="0" cy="0"/>
+          <a:chOff x="0" y="0"/>
+          <a:chExt cx="0" cy="0"/>
+        </a:xfrm>
+      </p:grpSpPr>
+      <p:sp>
+        <p:nvSpPr>
+          <p:cNvPr id="2" name="Slide Image Placeholder 1"/>
+          <p:cNvSpPr>
+            <a:spLocks noGrp="1" noRot="1" noChangeAspect="1"/>
+          </p:cNvSpPr>
+          <p:nvPr>
+            <p:ph type="sldImg"/>
+          </p:nvPr>
+        </p:nvSpPr>
+        <p:spPr/>
+      </p:sp>
+      <p:sp>
+        <p:nvSpPr>
+          <p:cNvPr id="3" name="Notes Placeholder 2"/>
+          <p:cNvSpPr>
+            <a:spLocks noGrp="1"/>
+          </p:cNvSpPr>
+          <p:nvPr>
+            <p:ph type="body" idx="1"/>
+          </p:nvPr>
+        </p:nvSpPr>
+        <p:spPr/>
+        <p:txBody>
+          <a:bodyPr/>
+          <a:lstStyle/>
+          <a:p>
+            <a:r>
+              <a:rPr lang="en-US" dirty="0"/>
+              <a:t>Mention that the unlink security check has been removed</a:t>
+            </a:r>
+          </a:p>
+        </p:txBody>
+      </p:sp>
+      <p:sp>
+        <p:nvSpPr>
+          <p:cNvPr id="4" name="Slide Number Placeholder 3"/>
+          <p:cNvSpPr>
+            <a:spLocks noGrp="1"/>
+          </p:cNvSpPr>
+          <p:nvPr>
+            <p:ph type="sldNum" sz="quarter" idx="5"/>
+          </p:nvPr>
+        </p:nvSpPr>
+        <p:spPr/>
+        <p:txBody>
+          <a:bodyPr/>
+          <a:lstStyle/>
+          <a:p>
+            <a:fld id="{AC55928C-CD14-454C-B617-1AFCF9A58596}" type="slidenum">
+              <a:rPr lang="en-US" smtClean="0"/>
+              <a:t>35</a:t>
+            </a:fld>
+            <a:endParaRPr lang="en-US" dirty="0"/>
+          </a:p>
+        </p:txBody>
+      </p:sp>
+    </p:spTree>
+    <p:extLst>
+      <p:ext uri="{BB962C8B-B14F-4D97-AF65-F5344CB8AC3E}">
+        <p14:creationId xmlns:p14="http://schemas.microsoft.com/office/powerpoint/2010/main" val="1888113324"/>
       </p:ext>
     </p:extLst>
   </p:cSld>
@@ -25170,7 +25532,7 @@
                 <a:latin typeface="Calibri"/>
               </a:rPr>
               <a:pPr/>
-              <a:t>8/1/2021</a:t>
+              <a:t>8/3/2021</a:t>
             </a:fld>
             <a:endParaRPr lang="en-US" dirty="0">
               <a:solidFill>
@@ -25423,7 +25785,7 @@
                 <a:latin typeface="Calibri"/>
               </a:rPr>
               <a:pPr/>
-              <a:t>8/1/2021</a:t>
+              <a:t>8/3/2021</a:t>
             </a:fld>
             <a:endParaRPr lang="en-US" dirty="0">
               <a:solidFill>
@@ -25638,7 +26000,7 @@
                 <a:latin typeface="Calibri"/>
               </a:rPr>
               <a:pPr/>
-              <a:t>8/1/2021</a:t>
+              <a:t>8/3/2021</a:t>
             </a:fld>
             <a:endParaRPr lang="en-US" dirty="0">
               <a:solidFill>
@@ -26036,7 +26398,7 @@
                 <a:latin typeface="Calibri"/>
               </a:rPr>
               <a:pPr/>
-              <a:t>8/1/2021</a:t>
+              <a:t>8/3/2021</a:t>
             </a:fld>
             <a:endParaRPr lang="en-US" dirty="0">
               <a:solidFill>
@@ -26378,7 +26740,7 @@
                 <a:latin typeface="Calibri"/>
               </a:rPr>
               <a:pPr/>
-              <a:t>8/1/2021</a:t>
+              <a:t>8/3/2021</a:t>
             </a:fld>
             <a:endParaRPr lang="en-US" dirty="0">
               <a:solidFill>
@@ -26706,7 +27068,7 @@
                 <a:latin typeface="Calibri"/>
               </a:rPr>
               <a:pPr/>
-              <a:t>8/1/2021</a:t>
+              <a:t>8/3/2021</a:t>
             </a:fld>
             <a:endParaRPr lang="en-US" dirty="0">
               <a:solidFill>
@@ -27195,7 +27557,7 @@
                 <a:latin typeface="Calibri"/>
               </a:rPr>
               <a:pPr/>
-              <a:t>8/1/2021</a:t>
+              <a:t>8/3/2021</a:t>
             </a:fld>
             <a:endParaRPr lang="en-US" dirty="0">
               <a:solidFill>
@@ -27378,7 +27740,7 @@
                 <a:latin typeface="Calibri"/>
               </a:rPr>
               <a:pPr/>
-              <a:t>8/1/2021</a:t>
+              <a:t>8/3/2021</a:t>
             </a:fld>
             <a:endParaRPr lang="en-US" dirty="0">
               <a:solidFill>
@@ -27624,7 +27986,7 @@
                 <a:latin typeface="Calibri"/>
               </a:rPr>
               <a:pPr/>
-              <a:t>8/1/2021</a:t>
+              <a:t>8/3/2021</a:t>
             </a:fld>
             <a:endParaRPr lang="en-US" dirty="0">
               <a:solidFill>
@@ -27966,7 +28328,7 @@
                 <a:latin typeface="Calibri"/>
               </a:rPr>
               <a:pPr/>
-              <a:t>8/1/2021</a:t>
+              <a:t>8/3/2021</a:t>
             </a:fld>
             <a:endParaRPr lang="en-US" dirty="0">
               <a:solidFill>
@@ -28258,7 +28620,7 @@
                 <a:latin typeface="Calibri"/>
               </a:rPr>
               <a:pPr/>
-              <a:t>8/1/2021</a:t>
+              <a:t>8/3/2021</a:t>
             </a:fld>
             <a:endParaRPr lang="en-US" dirty="0">
               <a:solidFill>
@@ -28508,7 +28870,7 @@
                 <a:latin typeface="Calibri"/>
               </a:rPr>
               <a:pPr defTabSz="914400"/>
-              <a:t>8/1/2021</a:t>
+              <a:t>8/3/2021</a:t>
             </a:fld>
             <a:endParaRPr lang="en-US" dirty="0">
               <a:solidFill>
@@ -35667,7 +36029,7 @@
           <p:nvPr/>
         </p:nvPicPr>
         <p:blipFill rotWithShape="1">
-          <a:blip r:embed="rId2"/>
+          <a:blip r:embed="rId3"/>
           <a:srcRect t="24573"/>
           <a:stretch/>
         </p:blipFill>
@@ -45380,7 +45742,7 @@
           </p:nvPr>
         </p:nvPicPr>
         <p:blipFill>
-          <a:blip r:embed="rId2"/>
+          <a:blip r:embed="rId3"/>
           <a:stretch>
             <a:fillRect/>
           </a:stretch>
@@ -45598,7 +45960,7 @@
           <p:nvPr/>
         </p:nvPicPr>
         <p:blipFill>
-          <a:blip r:embed="rId3"/>
+          <a:blip r:embed="rId4"/>
           <a:stretch>
             <a:fillRect/>
           </a:stretch>
@@ -46338,7 +46700,7 @@
           </p:nvPr>
         </p:nvPicPr>
         <p:blipFill>
-          <a:blip r:embed="rId2"/>
+          <a:blip r:embed="rId3"/>
           <a:stretch>
             <a:fillRect/>
           </a:stretch>
@@ -46552,7 +46914,7 @@
           <p:nvPr/>
         </p:nvPicPr>
         <p:blipFill>
-          <a:blip r:embed="rId3"/>
+          <a:blip r:embed="rId4"/>
           <a:stretch>
             <a:fillRect/>
           </a:stretch>

--- a/modules/unlink/Unlink.pptx
+++ b/modules/unlink/Unlink.pptx
@@ -5,7 +5,7 @@
     <p:sldMasterId id="2147483660" r:id="rId1"/>
   </p:sldMasterIdLst>
   <p:notesMasterIdLst>
-    <p:notesMasterId r:id="rId94"/>
+    <p:notesMasterId r:id="rId95"/>
   </p:notesMasterIdLst>
   <p:sldIdLst>
     <p:sldId id="440" r:id="rId2"/>
@@ -30,76 +30,77 @@
     <p:sldId id="473" r:id="rId21"/>
     <p:sldId id="401" r:id="rId22"/>
     <p:sldId id="474" r:id="rId23"/>
-    <p:sldId id="478" r:id="rId24"/>
-    <p:sldId id="475" r:id="rId25"/>
-    <p:sldId id="479" r:id="rId26"/>
-    <p:sldId id="477" r:id="rId27"/>
-    <p:sldId id="480" r:id="rId28"/>
-    <p:sldId id="493" r:id="rId29"/>
-    <p:sldId id="400" r:id="rId30"/>
-    <p:sldId id="402" r:id="rId31"/>
-    <p:sldId id="403" r:id="rId32"/>
-    <p:sldId id="411" r:id="rId33"/>
-    <p:sldId id="404" r:id="rId34"/>
-    <p:sldId id="407" r:id="rId35"/>
-    <p:sldId id="481" r:id="rId36"/>
-    <p:sldId id="441" r:id="rId37"/>
-    <p:sldId id="405" r:id="rId38"/>
-    <p:sldId id="287" r:id="rId39"/>
-    <p:sldId id="288" r:id="rId40"/>
-    <p:sldId id="408" r:id="rId41"/>
-    <p:sldId id="455" r:id="rId42"/>
-    <p:sldId id="456" r:id="rId43"/>
-    <p:sldId id="414" r:id="rId44"/>
-    <p:sldId id="418" r:id="rId45"/>
-    <p:sldId id="482" r:id="rId46"/>
-    <p:sldId id="483" r:id="rId47"/>
-    <p:sldId id="484" r:id="rId48"/>
-    <p:sldId id="485" r:id="rId49"/>
-    <p:sldId id="487" r:id="rId50"/>
-    <p:sldId id="415" r:id="rId51"/>
-    <p:sldId id="416" r:id="rId52"/>
-    <p:sldId id="417" r:id="rId53"/>
-    <p:sldId id="419" r:id="rId54"/>
-    <p:sldId id="420" r:id="rId55"/>
-    <p:sldId id="434" r:id="rId56"/>
-    <p:sldId id="435" r:id="rId57"/>
-    <p:sldId id="421" r:id="rId58"/>
-    <p:sldId id="423" r:id="rId59"/>
-    <p:sldId id="443" r:id="rId60"/>
-    <p:sldId id="412" r:id="rId61"/>
-    <p:sldId id="432" r:id="rId62"/>
-    <p:sldId id="413" r:id="rId63"/>
-    <p:sldId id="424" r:id="rId64"/>
-    <p:sldId id="445" r:id="rId65"/>
-    <p:sldId id="494" r:id="rId66"/>
-    <p:sldId id="488" r:id="rId67"/>
-    <p:sldId id="489" r:id="rId68"/>
-    <p:sldId id="490" r:id="rId69"/>
-    <p:sldId id="491" r:id="rId70"/>
-    <p:sldId id="492" r:id="rId71"/>
-    <p:sldId id="451" r:id="rId72"/>
-    <p:sldId id="452" r:id="rId73"/>
-    <p:sldId id="453" r:id="rId74"/>
-    <p:sldId id="454" r:id="rId75"/>
-    <p:sldId id="471" r:id="rId76"/>
+    <p:sldId id="495" r:id="rId24"/>
+    <p:sldId id="496" r:id="rId25"/>
+    <p:sldId id="497" r:id="rId26"/>
+    <p:sldId id="498" r:id="rId27"/>
+    <p:sldId id="499" r:id="rId28"/>
+    <p:sldId id="500" r:id="rId29"/>
+    <p:sldId id="501" r:id="rId30"/>
+    <p:sldId id="502" r:id="rId31"/>
+    <p:sldId id="503" r:id="rId32"/>
+    <p:sldId id="504" r:id="rId33"/>
+    <p:sldId id="505" r:id="rId34"/>
+    <p:sldId id="506" r:id="rId35"/>
+    <p:sldId id="507" r:id="rId36"/>
+    <p:sldId id="400" r:id="rId37"/>
+    <p:sldId id="402" r:id="rId38"/>
+    <p:sldId id="403" r:id="rId39"/>
+    <p:sldId id="411" r:id="rId40"/>
+    <p:sldId id="404" r:id="rId41"/>
+    <p:sldId id="408" r:id="rId42"/>
+    <p:sldId id="415" r:id="rId43"/>
+    <p:sldId id="455" r:id="rId44"/>
+    <p:sldId id="456" r:id="rId45"/>
+    <p:sldId id="414" r:id="rId46"/>
+    <p:sldId id="418" r:id="rId47"/>
+    <p:sldId id="482" r:id="rId48"/>
+    <p:sldId id="483" r:id="rId49"/>
+    <p:sldId id="484" r:id="rId50"/>
+    <p:sldId id="485" r:id="rId51"/>
+    <p:sldId id="487" r:id="rId52"/>
+    <p:sldId id="508" r:id="rId53"/>
+    <p:sldId id="509" r:id="rId54"/>
+    <p:sldId id="510" r:id="rId55"/>
+    <p:sldId id="511" r:id="rId56"/>
+    <p:sldId id="416" r:id="rId57"/>
+    <p:sldId id="417" r:id="rId58"/>
+    <p:sldId id="419" r:id="rId59"/>
+    <p:sldId id="420" r:id="rId60"/>
+    <p:sldId id="443" r:id="rId61"/>
+    <p:sldId id="412" r:id="rId62"/>
+    <p:sldId id="432" r:id="rId63"/>
+    <p:sldId id="413" r:id="rId64"/>
+    <p:sldId id="424" r:id="rId65"/>
+    <p:sldId id="445" r:id="rId66"/>
+    <p:sldId id="494" r:id="rId67"/>
+    <p:sldId id="488" r:id="rId68"/>
+    <p:sldId id="489" r:id="rId69"/>
+    <p:sldId id="490" r:id="rId70"/>
+    <p:sldId id="491" r:id="rId71"/>
+    <p:sldId id="492" r:id="rId72"/>
+    <p:sldId id="451" r:id="rId73"/>
+    <p:sldId id="452" r:id="rId74"/>
+    <p:sldId id="453" r:id="rId75"/>
+    <p:sldId id="454" r:id="rId76"/>
     <p:sldId id="427" r:id="rId77"/>
-    <p:sldId id="428" r:id="rId78"/>
-    <p:sldId id="457" r:id="rId79"/>
-    <p:sldId id="459" r:id="rId80"/>
-    <p:sldId id="460" r:id="rId81"/>
-    <p:sldId id="461" r:id="rId82"/>
-    <p:sldId id="462" r:id="rId83"/>
-    <p:sldId id="463" r:id="rId84"/>
-    <p:sldId id="465" r:id="rId85"/>
-    <p:sldId id="467" r:id="rId86"/>
-    <p:sldId id="468" r:id="rId87"/>
-    <p:sldId id="466" r:id="rId88"/>
-    <p:sldId id="469" r:id="rId89"/>
-    <p:sldId id="458" r:id="rId90"/>
-    <p:sldId id="470" r:id="rId91"/>
-    <p:sldId id="442" r:id="rId92"/>
-    <p:sldId id="429" r:id="rId93"/>
+    <p:sldId id="471" r:id="rId78"/>
+    <p:sldId id="428" r:id="rId79"/>
+    <p:sldId id="457" r:id="rId80"/>
+    <p:sldId id="459" r:id="rId81"/>
+    <p:sldId id="460" r:id="rId82"/>
+    <p:sldId id="461" r:id="rId83"/>
+    <p:sldId id="462" r:id="rId84"/>
+    <p:sldId id="463" r:id="rId85"/>
+    <p:sldId id="465" r:id="rId86"/>
+    <p:sldId id="467" r:id="rId87"/>
+    <p:sldId id="468" r:id="rId88"/>
+    <p:sldId id="466" r:id="rId89"/>
+    <p:sldId id="469" r:id="rId90"/>
+    <p:sldId id="458" r:id="rId91"/>
+    <p:sldId id="470" r:id="rId92"/>
+    <p:sldId id="442" r:id="rId93"/>
+    <p:sldId id="429" r:id="rId94"/>
   </p:sldIdLst>
   <p:sldSz cx="9144000" cy="5143500" type="screen16x9"/>
   <p:notesSz cx="6858000" cy="9144000"/>
@@ -24624,7 +24625,7 @@
           <a:p>
             <a:fld id="{2DA23E8D-1792-1541-9147-970A8DD8A355}" type="datetimeFigureOut">
               <a:rPr lang="en-US" smtClean="0"/>
-              <a:t>7/5/21</a:t>
+              <a:t>9/19/21</a:t>
             </a:fld>
             <a:endParaRPr lang="en-US" dirty="0"/>
           </a:p>
@@ -24975,6 +24976,93 @@
 </p:notes>
 </file>
 
+<file path=ppt/notesSlides/notesSlide2.xml><?xml version="1.0" encoding="utf-8"?>
+<p:notes xmlns:a="http://schemas.openxmlformats.org/drawingml/2006/main" xmlns:r="http://schemas.openxmlformats.org/officeDocument/2006/relationships" xmlns:p="http://schemas.openxmlformats.org/presentationml/2006/main">
+  <p:cSld>
+    <p:spTree>
+      <p:nvGrpSpPr>
+        <p:cNvPr id="1" name=""/>
+        <p:cNvGrpSpPr/>
+        <p:nvPr/>
+      </p:nvGrpSpPr>
+      <p:grpSpPr>
+        <a:xfrm>
+          <a:off x="0" y="0"/>
+          <a:ext cx="0" cy="0"/>
+          <a:chOff x="0" y="0"/>
+          <a:chExt cx="0" cy="0"/>
+        </a:xfrm>
+      </p:grpSpPr>
+      <p:sp>
+        <p:nvSpPr>
+          <p:cNvPr id="2" name="Slide Image Placeholder 1"/>
+          <p:cNvSpPr>
+            <a:spLocks noGrp="1" noRot="1" noChangeAspect="1"/>
+          </p:cNvSpPr>
+          <p:nvPr>
+            <p:ph type="sldImg"/>
+          </p:nvPr>
+        </p:nvSpPr>
+        <p:spPr/>
+      </p:sp>
+      <p:sp>
+        <p:nvSpPr>
+          <p:cNvPr id="3" name="Notes Placeholder 2"/>
+          <p:cNvSpPr>
+            <a:spLocks noGrp="1"/>
+          </p:cNvSpPr>
+          <p:nvPr>
+            <p:ph type="body" idx="1"/>
+          </p:nvPr>
+        </p:nvSpPr>
+        <p:spPr/>
+        <p:txBody>
+          <a:bodyPr/>
+          <a:lstStyle/>
+          <a:p>
+            <a:r>
+              <a:rPr lang="en-US" dirty="0"/>
+              <a:t>STOP and ask for questions!</a:t>
+            </a:r>
+          </a:p>
+        </p:txBody>
+      </p:sp>
+      <p:sp>
+        <p:nvSpPr>
+          <p:cNvPr id="4" name="Slide Number Placeholder 3"/>
+          <p:cNvSpPr>
+            <a:spLocks noGrp="1"/>
+          </p:cNvSpPr>
+          <p:nvPr>
+            <p:ph type="sldNum" sz="quarter" idx="5"/>
+          </p:nvPr>
+        </p:nvSpPr>
+        <p:spPr/>
+        <p:txBody>
+          <a:bodyPr/>
+          <a:lstStyle/>
+          <a:p>
+            <a:fld id="{AC55928C-CD14-454C-B617-1AFCF9A58596}" type="slidenum">
+              <a:rPr lang="en-US" smtClean="0"/>
+              <a:t>35</a:t>
+            </a:fld>
+            <a:endParaRPr lang="en-US" dirty="0"/>
+          </a:p>
+        </p:txBody>
+      </p:sp>
+    </p:spTree>
+    <p:extLst>
+      <p:ext uri="{BB962C8B-B14F-4D97-AF65-F5344CB8AC3E}">
+        <p14:creationId xmlns:p14="http://schemas.microsoft.com/office/powerpoint/2010/main" val="17712015"/>
+      </p:ext>
+    </p:extLst>
+  </p:cSld>
+  <p:clrMapOvr>
+    <a:masterClrMapping/>
+  </p:clrMapOvr>
+</p:notes>
+</file>
+
 <file path=ppt/slideLayouts/slideLayout1.xml><?xml version="1.0" encoding="utf-8"?>
 <p:sldLayout xmlns:a="http://schemas.openxmlformats.org/drawingml/2006/main" xmlns:r="http://schemas.openxmlformats.org/officeDocument/2006/relationships" xmlns:p="http://schemas.openxmlformats.org/presentationml/2006/main" type="title" preserve="1">
   <p:cSld name="Title Slide">
@@ -25178,7 +25266,7 @@
                 <a:latin typeface="Calibri"/>
               </a:rPr>
               <a:pPr/>
-              <a:t>7/5/21</a:t>
+              <a:t>9/19/21</a:t>
             </a:fld>
             <a:endParaRPr lang="en-US" dirty="0">
               <a:solidFill>
@@ -25431,7 +25519,7 @@
                 <a:latin typeface="Calibri"/>
               </a:rPr>
               <a:pPr/>
-              <a:t>7/5/21</a:t>
+              <a:t>9/19/21</a:t>
             </a:fld>
             <a:endParaRPr lang="en-US" dirty="0">
               <a:solidFill>
@@ -25646,7 +25734,7 @@
                 <a:latin typeface="Calibri"/>
               </a:rPr>
               <a:pPr/>
-              <a:t>7/5/21</a:t>
+              <a:t>9/19/21</a:t>
             </a:fld>
             <a:endParaRPr lang="en-US" dirty="0">
               <a:solidFill>
@@ -26044,7 +26132,7 @@
                 <a:latin typeface="Calibri"/>
               </a:rPr>
               <a:pPr/>
-              <a:t>7/5/21</a:t>
+              <a:t>9/19/21</a:t>
             </a:fld>
             <a:endParaRPr lang="en-US" dirty="0">
               <a:solidFill>
@@ -26386,7 +26474,7 @@
                 <a:latin typeface="Calibri"/>
               </a:rPr>
               <a:pPr/>
-              <a:t>7/5/21</a:t>
+              <a:t>9/19/21</a:t>
             </a:fld>
             <a:endParaRPr lang="en-US" dirty="0">
               <a:solidFill>
@@ -26714,7 +26802,7 @@
                 <a:latin typeface="Calibri"/>
               </a:rPr>
               <a:pPr/>
-              <a:t>7/5/21</a:t>
+              <a:t>9/19/21</a:t>
             </a:fld>
             <a:endParaRPr lang="en-US" dirty="0">
               <a:solidFill>
@@ -27203,7 +27291,7 @@
                 <a:latin typeface="Calibri"/>
               </a:rPr>
               <a:pPr/>
-              <a:t>7/5/21</a:t>
+              <a:t>9/19/21</a:t>
             </a:fld>
             <a:endParaRPr lang="en-US" dirty="0">
               <a:solidFill>
@@ -27386,7 +27474,7 @@
                 <a:latin typeface="Calibri"/>
               </a:rPr>
               <a:pPr/>
-              <a:t>7/5/21</a:t>
+              <a:t>9/19/21</a:t>
             </a:fld>
             <a:endParaRPr lang="en-US" dirty="0">
               <a:solidFill>
@@ -27632,7 +27720,7 @@
                 <a:latin typeface="Calibri"/>
               </a:rPr>
               <a:pPr/>
-              <a:t>7/5/21</a:t>
+              <a:t>9/19/21</a:t>
             </a:fld>
             <a:endParaRPr lang="en-US" dirty="0">
               <a:solidFill>
@@ -27974,7 +28062,7 @@
                 <a:latin typeface="Calibri"/>
               </a:rPr>
               <a:pPr/>
-              <a:t>7/5/21</a:t>
+              <a:t>9/19/21</a:t>
             </a:fld>
             <a:endParaRPr lang="en-US" dirty="0">
               <a:solidFill>
@@ -28266,7 +28354,7 @@
                 <a:latin typeface="Calibri"/>
               </a:rPr>
               <a:pPr/>
-              <a:t>7/5/21</a:t>
+              <a:t>9/19/21</a:t>
             </a:fld>
             <a:endParaRPr lang="en-US" dirty="0">
               <a:solidFill>
@@ -28516,7 +28604,7 @@
                 <a:latin typeface="Calibri"/>
               </a:rPr>
               <a:pPr defTabSz="914400"/>
-              <a:t>7/5/21</a:t>
+              <a:t>9/19/21</a:t>
             </a:fld>
             <a:endParaRPr lang="en-US" dirty="0">
               <a:solidFill>
@@ -31839,10 +31927,10 @@
       </p:grpSpPr>
       <p:pic>
         <p:nvPicPr>
-          <p:cNvPr id="18" name="Picture 17" descr="Unlink source code with the 'where' and 'what' added">
+          <p:cNvPr id="7" name="Picture 6" descr="Unlink Macro with name update">
             <a:extLst>
               <a:ext uri="{FF2B5EF4-FFF2-40B4-BE49-F238E27FC236}">
-                <a16:creationId xmlns:a16="http://schemas.microsoft.com/office/drawing/2014/main" id="{E2F221EB-A958-914F-8D11-E0B99BA38699}"/>
+                <a16:creationId xmlns:a16="http://schemas.microsoft.com/office/drawing/2014/main" id="{C48B2EA2-04F8-1047-BC52-8ED9B13A9948}"/>
               </a:ext>
             </a:extLst>
           </p:cNvPr>
@@ -31859,8 +31947,8 @@
         </p:blipFill>
         <p:spPr>
           <a:xfrm>
-            <a:off x="2459561" y="3406188"/>
-            <a:ext cx="3852462" cy="1495662"/>
+            <a:off x="2004725" y="3303200"/>
+            <a:ext cx="4178300" cy="1638300"/>
           </a:xfrm>
           <a:prstGeom prst="rect">
             <a:avLst/>
@@ -32425,6 +32513,259 @@
           <a:chExt cx="0" cy="0"/>
         </a:xfrm>
       </p:grpSpPr>
+      <p:pic>
+        <p:nvPicPr>
+          <p:cNvPr id="9" name="Content Placeholder 15" descr="Corrupting the 'Cur' pointer and what results from this">
+            <a:extLst>
+              <a:ext uri="{FF2B5EF4-FFF2-40B4-BE49-F238E27FC236}">
+                <a16:creationId xmlns:a16="http://schemas.microsoft.com/office/drawing/2014/main" id="{8A96B262-0186-7F4A-9FE3-F20B04740978}"/>
+              </a:ext>
+            </a:extLst>
+          </p:cNvPr>
+          <p:cNvPicPr>
+            <a:picLocks noGrp="1" noChangeAspect="1"/>
+          </p:cNvPicPr>
+          <p:nvPr>
+            <p:ph sz="half" idx="1"/>
+          </p:nvPr>
+        </p:nvPicPr>
+        <p:blipFill>
+          <a:blip r:embed="rId2"/>
+          <a:stretch>
+            <a:fillRect/>
+          </a:stretch>
+        </p:blipFill>
+        <p:spPr>
+          <a:xfrm>
+            <a:off x="516038" y="1398074"/>
+            <a:ext cx="5449756" cy="2623957"/>
+          </a:xfrm>
+        </p:spPr>
+      </p:pic>
+      <p:sp>
+        <p:nvSpPr>
+          <p:cNvPr id="2" name="Title 1">
+            <a:extLst>
+              <a:ext uri="{FF2B5EF4-FFF2-40B4-BE49-F238E27FC236}">
+                <a16:creationId xmlns:a16="http://schemas.microsoft.com/office/drawing/2014/main" id="{F301ED8F-4787-BB44-A31D-56A8EBB356A6}"/>
+              </a:ext>
+            </a:extLst>
+          </p:cNvPr>
+          <p:cNvSpPr>
+            <a:spLocks noGrp="1"/>
+          </p:cNvSpPr>
+          <p:nvPr>
+            <p:ph type="title"/>
+          </p:nvPr>
+        </p:nvSpPr>
+        <p:spPr/>
+        <p:txBody>
+          <a:bodyPr/>
+          <a:lstStyle/>
+          <a:p>
+            <a:r>
+              <a:rPr lang="en-US" dirty="0"/>
+              <a:t>Code – WHERE/WHAT</a:t>
+            </a:r>
+          </a:p>
+        </p:txBody>
+      </p:sp>
+      <p:sp>
+        <p:nvSpPr>
+          <p:cNvPr id="8" name="TextBox 7">
+            <a:extLst>
+              <a:ext uri="{FF2B5EF4-FFF2-40B4-BE49-F238E27FC236}">
+                <a16:creationId xmlns:a16="http://schemas.microsoft.com/office/drawing/2014/main" id="{7276B931-B3EB-6441-AD0F-C781832BC418}"/>
+              </a:ext>
+            </a:extLst>
+          </p:cNvPr>
+          <p:cNvSpPr txBox="1"/>
+          <p:nvPr/>
+        </p:nvSpPr>
+        <p:spPr>
+          <a:xfrm>
+            <a:off x="482420" y="3943171"/>
+            <a:ext cx="5633634" cy="1200329"/>
+          </a:xfrm>
+          <a:prstGeom prst="rect">
+            <a:avLst/>
+          </a:prstGeom>
+          <a:noFill/>
+        </p:spPr>
+        <p:txBody>
+          <a:bodyPr wrap="square" rtlCol="0">
+            <a:spAutoFit/>
+          </a:bodyPr>
+          <a:lstStyle/>
+          <a:p>
+            <a:pPr marL="285750" indent="-285750">
+              <a:buFont typeface="Arial" panose="020B0604020202020204" pitchFamily="34" charset="0"/>
+              <a:buChar char="•"/>
+            </a:pPr>
+            <a:r>
+              <a:rPr lang="en-US" dirty="0"/>
+              <a:t>WHERE = Next (because of overwrite) </a:t>
+            </a:r>
+          </a:p>
+          <a:p>
+            <a:pPr marL="285750" indent="-285750">
+              <a:buFont typeface="Arial" panose="020B0604020202020204" pitchFamily="34" charset="0"/>
+              <a:buChar char="•"/>
+            </a:pPr>
+            <a:r>
+              <a:rPr lang="en-US" dirty="0"/>
+              <a:t>WHAT = Prev (because of overwrite)</a:t>
+            </a:r>
+          </a:p>
+          <a:p>
+            <a:pPr marL="285750" indent="-285750">
+              <a:buFont typeface="Arial" panose="020B0604020202020204" pitchFamily="34" charset="0"/>
+              <a:buChar char="•"/>
+            </a:pPr>
+            <a:r>
+              <a:rPr lang="en-US" dirty="0"/>
+              <a:t>So, let’s clean this up!</a:t>
+            </a:r>
+          </a:p>
+          <a:p>
+            <a:endParaRPr lang="en-US" dirty="0"/>
+          </a:p>
+        </p:txBody>
+      </p:sp>
+      <p:sp>
+        <p:nvSpPr>
+          <p:cNvPr id="15" name="TextBox 14">
+            <a:extLst>
+              <a:ext uri="{FF2B5EF4-FFF2-40B4-BE49-F238E27FC236}">
+                <a16:creationId xmlns:a16="http://schemas.microsoft.com/office/drawing/2014/main" id="{10EF5EDE-4FE1-A945-B92E-ECD5620CC5B6}"/>
+              </a:ext>
+            </a:extLst>
+          </p:cNvPr>
+          <p:cNvSpPr txBox="1"/>
+          <p:nvPr/>
+        </p:nvSpPr>
+        <p:spPr>
+          <a:xfrm>
+            <a:off x="708549" y="2859823"/>
+            <a:ext cx="640857" cy="307777"/>
+          </a:xfrm>
+          <a:prstGeom prst="rect">
+            <a:avLst/>
+          </a:prstGeom>
+          <a:solidFill>
+            <a:schemeClr val="bg1"/>
+          </a:solidFill>
+        </p:spPr>
+        <p:txBody>
+          <a:bodyPr wrap="square" rtlCol="0">
+            <a:spAutoFit/>
+          </a:bodyPr>
+          <a:lstStyle/>
+          <a:p>
+            <a:r>
+              <a:rPr lang="en-US" sz="1400" b="1" dirty="0"/>
+              <a:t>WHAT</a:t>
+            </a:r>
+          </a:p>
+        </p:txBody>
+      </p:sp>
+      <p:sp>
+        <p:nvSpPr>
+          <p:cNvPr id="16" name="TextBox 15">
+            <a:extLst>
+              <a:ext uri="{FF2B5EF4-FFF2-40B4-BE49-F238E27FC236}">
+                <a16:creationId xmlns:a16="http://schemas.microsoft.com/office/drawing/2014/main" id="{57196571-A1C3-D74C-9DE3-10B95D7F04DD}"/>
+              </a:ext>
+            </a:extLst>
+          </p:cNvPr>
+          <p:cNvSpPr txBox="1"/>
+          <p:nvPr/>
+        </p:nvSpPr>
+        <p:spPr>
+          <a:xfrm>
+            <a:off x="5178166" y="1520976"/>
+            <a:ext cx="903050" cy="307777"/>
+          </a:xfrm>
+          <a:prstGeom prst="rect">
+            <a:avLst/>
+          </a:prstGeom>
+          <a:solidFill>
+            <a:schemeClr val="bg1"/>
+          </a:solidFill>
+        </p:spPr>
+        <p:txBody>
+          <a:bodyPr wrap="square" rtlCol="0">
+            <a:spAutoFit/>
+          </a:bodyPr>
+          <a:lstStyle/>
+          <a:p>
+            <a:r>
+              <a:rPr lang="en-US" sz="1400" b="1" dirty="0"/>
+              <a:t>WHERE</a:t>
+            </a:r>
+          </a:p>
+        </p:txBody>
+      </p:sp>
+      <p:pic>
+        <p:nvPicPr>
+          <p:cNvPr id="10" name="Picture 9" descr="Unlink source code with the 'where' and 'what' added">
+            <a:extLst>
+              <a:ext uri="{FF2B5EF4-FFF2-40B4-BE49-F238E27FC236}">
+                <a16:creationId xmlns:a16="http://schemas.microsoft.com/office/drawing/2014/main" id="{1D3AB08C-848C-4348-9864-175F666EC891}"/>
+              </a:ext>
+            </a:extLst>
+          </p:cNvPr>
+          <p:cNvPicPr>
+            <a:picLocks noChangeAspect="1"/>
+          </p:cNvPicPr>
+          <p:nvPr/>
+        </p:nvPicPr>
+        <p:blipFill>
+          <a:blip r:embed="rId3"/>
+          <a:stretch>
+            <a:fillRect/>
+          </a:stretch>
+        </p:blipFill>
+        <p:spPr>
+          <a:xfrm>
+            <a:off x="5178166" y="3008243"/>
+            <a:ext cx="3852462" cy="1495662"/>
+          </a:xfrm>
+          <a:prstGeom prst="rect">
+            <a:avLst/>
+          </a:prstGeom>
+        </p:spPr>
+      </p:pic>
+    </p:spTree>
+    <p:extLst>
+      <p:ext uri="{BB962C8B-B14F-4D97-AF65-F5344CB8AC3E}">
+        <p14:creationId xmlns:p14="http://schemas.microsoft.com/office/powerpoint/2010/main" val="2013403115"/>
+      </p:ext>
+    </p:extLst>
+  </p:cSld>
+  <p:clrMapOvr>
+    <a:masterClrMapping/>
+  </p:clrMapOvr>
+</p:sld>
+</file>
+
+<file path=ppt/slides/slide24.xml><?xml version="1.0" encoding="utf-8"?>
+<p:sld xmlns:a="http://schemas.openxmlformats.org/drawingml/2006/main" xmlns:r="http://schemas.openxmlformats.org/officeDocument/2006/relationships" xmlns:p="http://schemas.openxmlformats.org/presentationml/2006/main">
+  <p:cSld>
+    <p:spTree>
+      <p:nvGrpSpPr>
+        <p:cNvPr id="1" name=""/>
+        <p:cNvGrpSpPr/>
+        <p:nvPr/>
+      </p:nvGrpSpPr>
+      <p:grpSpPr>
+        <a:xfrm>
+          <a:off x="0" y="0"/>
+          <a:ext cx="0" cy="0"/>
+          <a:chOff x="0" y="0"/>
+          <a:chExt cx="0" cy="0"/>
+        </a:xfrm>
+      </p:grpSpPr>
       <p:sp>
         <p:nvSpPr>
           <p:cNvPr id="2" name="Title 1">
@@ -32580,7 +32921,7 @@
     </p:spTree>
     <p:extLst>
       <p:ext uri="{BB962C8B-B14F-4D97-AF65-F5344CB8AC3E}">
-        <p14:creationId xmlns:p14="http://schemas.microsoft.com/office/powerpoint/2010/main" val="3262596050"/>
+        <p14:creationId xmlns:p14="http://schemas.microsoft.com/office/powerpoint/2010/main" val="1375980566"/>
       </p:ext>
     </p:extLst>
   </p:cSld>
@@ -32590,7 +32931,7 @@
 </p:sld>
 </file>
 
-<file path=ppt/slides/slide24.xml><?xml version="1.0" encoding="utf-8"?>
+<file path=ppt/slides/slide25.xml><?xml version="1.0" encoding="utf-8"?>
 <p:sld xmlns:a="http://schemas.openxmlformats.org/drawingml/2006/main" xmlns:r="http://schemas.openxmlformats.org/officeDocument/2006/relationships" xmlns:p="http://schemas.openxmlformats.org/presentationml/2006/main">
   <p:cSld>
     <p:spTree>
@@ -32820,7 +33161,7 @@
     </p:spTree>
     <p:extLst>
       <p:ext uri="{BB962C8B-B14F-4D97-AF65-F5344CB8AC3E}">
-        <p14:creationId xmlns:p14="http://schemas.microsoft.com/office/powerpoint/2010/main" val="4233027459"/>
+        <p14:creationId xmlns:p14="http://schemas.microsoft.com/office/powerpoint/2010/main" val="3636306809"/>
       </p:ext>
     </p:extLst>
   </p:cSld>
@@ -32830,7 +33171,7 @@
 </p:sld>
 </file>
 
-<file path=ppt/slides/slide25.xml><?xml version="1.0" encoding="utf-8"?>
+<file path=ppt/slides/slide26.xml><?xml version="1.0" encoding="utf-8"?>
 <p:sld xmlns:a="http://schemas.openxmlformats.org/drawingml/2006/main" xmlns:r="http://schemas.openxmlformats.org/officeDocument/2006/relationships" xmlns:p="http://schemas.openxmlformats.org/presentationml/2006/main">
   <p:cSld>
     <p:spTree>
@@ -33035,7 +33376,7 @@
     </p:spTree>
     <p:extLst>
       <p:ext uri="{BB962C8B-B14F-4D97-AF65-F5344CB8AC3E}">
-        <p14:creationId xmlns:p14="http://schemas.microsoft.com/office/powerpoint/2010/main" val="2666201858"/>
+        <p14:creationId xmlns:p14="http://schemas.microsoft.com/office/powerpoint/2010/main" val="2502227144"/>
       </p:ext>
     </p:extLst>
   </p:cSld>
@@ -33045,7 +33386,7 @@
 </p:sld>
 </file>
 
-<file path=ppt/slides/slide26.xml><?xml version="1.0" encoding="utf-8"?>
+<file path=ppt/slides/slide27.xml><?xml version="1.0" encoding="utf-8"?>
 <p:sld xmlns:a="http://schemas.openxmlformats.org/drawingml/2006/main" xmlns:r="http://schemas.openxmlformats.org/officeDocument/2006/relationships" xmlns:p="http://schemas.openxmlformats.org/presentationml/2006/main">
   <p:cSld>
     <p:spTree>
@@ -33300,7 +33641,7 @@
     </p:spTree>
     <p:extLst>
       <p:ext uri="{BB962C8B-B14F-4D97-AF65-F5344CB8AC3E}">
-        <p14:creationId xmlns:p14="http://schemas.microsoft.com/office/powerpoint/2010/main" val="2159514367"/>
+        <p14:creationId xmlns:p14="http://schemas.microsoft.com/office/powerpoint/2010/main" val="2660213279"/>
       </p:ext>
     </p:extLst>
   </p:cSld>
@@ -33310,7 +33651,7 @@
 </p:sld>
 </file>
 
-<file path=ppt/slides/slide27.xml><?xml version="1.0" encoding="utf-8"?>
+<file path=ppt/slides/slide28.xml><?xml version="1.0" encoding="utf-8"?>
 <p:sld xmlns:a="http://schemas.openxmlformats.org/drawingml/2006/main" xmlns:r="http://schemas.openxmlformats.org/officeDocument/2006/relationships" xmlns:p="http://schemas.openxmlformats.org/presentationml/2006/main">
   <p:cSld>
     <p:spTree>
@@ -33507,7 +33848,7 @@
     </p:spTree>
     <p:extLst>
       <p:ext uri="{BB962C8B-B14F-4D97-AF65-F5344CB8AC3E}">
-        <p14:creationId xmlns:p14="http://schemas.microsoft.com/office/powerpoint/2010/main" val="2843359920"/>
+        <p14:creationId xmlns:p14="http://schemas.microsoft.com/office/powerpoint/2010/main" val="3650906097"/>
       </p:ext>
     </p:extLst>
   </p:cSld>
@@ -33517,7 +33858,7 @@
 </p:sld>
 </file>
 
-<file path=ppt/slides/slide28.xml><?xml version="1.0" encoding="utf-8"?>
+<file path=ppt/slides/slide29.xml><?xml version="1.0" encoding="utf-8"?>
 <p:sld xmlns:a="http://schemas.openxmlformats.org/drawingml/2006/main" xmlns:r="http://schemas.openxmlformats.org/officeDocument/2006/relationships" xmlns:p="http://schemas.openxmlformats.org/presentationml/2006/main">
   <p:cSld>
     <p:spTree>
@@ -33591,151 +33932,7 @@
     </p:spTree>
     <p:extLst>
       <p:ext uri="{BB962C8B-B14F-4D97-AF65-F5344CB8AC3E}">
-        <p14:creationId xmlns:p14="http://schemas.microsoft.com/office/powerpoint/2010/main" val="3787053037"/>
-      </p:ext>
-    </p:extLst>
-  </p:cSld>
-  <p:clrMapOvr>
-    <a:masterClrMapping/>
-  </p:clrMapOvr>
-</p:sld>
-</file>
-
-<file path=ppt/slides/slide29.xml><?xml version="1.0" encoding="utf-8"?>
-<p:sld xmlns:a="http://schemas.openxmlformats.org/drawingml/2006/main" xmlns:r="http://schemas.openxmlformats.org/officeDocument/2006/relationships" xmlns:p="http://schemas.openxmlformats.org/presentationml/2006/main" show="0">
-  <p:cSld>
-    <p:spTree>
-      <p:nvGrpSpPr>
-        <p:cNvPr id="1" name=""/>
-        <p:cNvGrpSpPr/>
-        <p:nvPr/>
-      </p:nvGrpSpPr>
-      <p:grpSpPr>
-        <a:xfrm>
-          <a:off x="0" y="0"/>
-          <a:ext cx="0" cy="0"/>
-          <a:chOff x="0" y="0"/>
-          <a:chExt cx="0" cy="0"/>
-        </a:xfrm>
-      </p:grpSpPr>
-      <p:sp>
-        <p:nvSpPr>
-          <p:cNvPr id="2" name="Title 1">
-            <a:extLst>
-              <a:ext uri="{FF2B5EF4-FFF2-40B4-BE49-F238E27FC236}">
-                <a16:creationId xmlns:a16="http://schemas.microsoft.com/office/drawing/2014/main" id="{C80281A4-A325-8E4D-A866-CFF7EF2C905F}"/>
-              </a:ext>
-            </a:extLst>
-          </p:cNvPr>
-          <p:cNvSpPr>
-            <a:spLocks noGrp="1"/>
-          </p:cNvSpPr>
-          <p:nvPr>
-            <p:ph type="title"/>
-          </p:nvPr>
-        </p:nvSpPr>
-        <p:spPr>
-          <a:xfrm>
-            <a:off x="628650" y="273847"/>
-            <a:ext cx="7886700" cy="994172"/>
-          </a:xfrm>
-        </p:spPr>
-        <p:txBody>
-          <a:bodyPr anchor="ctr">
-            <a:normAutofit/>
-          </a:bodyPr>
-          <a:lstStyle/>
-          <a:p>
-            <a:r>
-              <a:rPr lang="en-US" dirty="0"/>
-              <a:t>Corrupted Unlink</a:t>
-            </a:r>
-          </a:p>
-        </p:txBody>
-      </p:sp>
-      <p:pic>
-        <p:nvPicPr>
-          <p:cNvPr id="5" name="Content Placeholder 4" descr="A picture containing game&#10;&#10;Description automatically generated">
-            <a:extLst>
-              <a:ext uri="{FF2B5EF4-FFF2-40B4-BE49-F238E27FC236}">
-                <a16:creationId xmlns:a16="http://schemas.microsoft.com/office/drawing/2014/main" id="{EE478E75-E8BC-4543-839D-8D7B2C424FF1}"/>
-              </a:ext>
-            </a:extLst>
-          </p:cNvPr>
-          <p:cNvPicPr>
-            <a:picLocks noGrp="1" noChangeAspect="1"/>
-          </p:cNvPicPr>
-          <p:nvPr>
-            <p:ph sz="half" idx="1"/>
-          </p:nvPr>
-        </p:nvPicPr>
-        <p:blipFill>
-          <a:blip r:embed="rId2"/>
-          <a:stretch>
-            <a:fillRect/>
-          </a:stretch>
-        </p:blipFill>
-        <p:spPr>
-          <a:xfrm>
-            <a:off x="206573" y="1369219"/>
-            <a:ext cx="5832671" cy="2303905"/>
-          </a:xfrm>
-          <a:noFill/>
-        </p:spPr>
-      </p:pic>
-      <p:sp>
-        <p:nvSpPr>
-          <p:cNvPr id="10" name="Content Placeholder 3">
-            <a:extLst>
-              <a:ext uri="{FF2B5EF4-FFF2-40B4-BE49-F238E27FC236}">
-                <a16:creationId xmlns:a16="http://schemas.microsoft.com/office/drawing/2014/main" id="{1D641075-C8B8-40A8-82C3-0868FFAD725A}"/>
-              </a:ext>
-            </a:extLst>
-          </p:cNvPr>
-          <p:cNvSpPr>
-            <a:spLocks noGrp="1"/>
-          </p:cNvSpPr>
-          <p:nvPr>
-            <p:ph sz="half" idx="2"/>
-          </p:nvPr>
-        </p:nvSpPr>
-        <p:spPr>
-          <a:xfrm>
-            <a:off x="6021092" y="1369219"/>
-            <a:ext cx="2494258" cy="3263504"/>
-          </a:xfrm>
-        </p:spPr>
-        <p:txBody>
-          <a:bodyPr/>
-          <a:lstStyle/>
-          <a:p>
-            <a:r>
-              <a:rPr lang="en-US" dirty="0"/>
-              <a:t>What if we controlled </a:t>
-            </a:r>
-            <a:r>
-              <a:rPr lang="en-US" b="1" i="1" dirty="0"/>
-              <a:t>FD</a:t>
-            </a:r>
-            <a:r>
-              <a:rPr lang="en-US" dirty="0"/>
-              <a:t> and </a:t>
-            </a:r>
-            <a:r>
-              <a:rPr lang="en-US" b="1" i="1" dirty="0"/>
-              <a:t>BK</a:t>
-            </a:r>
-            <a:r>
-              <a:rPr lang="en-US" dirty="0"/>
-              <a:t>? </a:t>
-            </a:r>
-          </a:p>
-        </p:txBody>
-      </p:sp>
-    </p:spTree>
-    <p:extLst>
-      <p:ext uri="{BB962C8B-B14F-4D97-AF65-F5344CB8AC3E}">
-        <p14:creationId xmlns:p14="http://schemas.microsoft.com/office/powerpoint/2010/main" val="1161245620"/>
+        <p14:creationId xmlns:p14="http://schemas.microsoft.com/office/powerpoint/2010/main" val="2435015413"/>
       </p:ext>
     </p:extLst>
   </p:cSld>
@@ -33842,912 +34039,6 @@
 </file>
 
 <file path=ppt/slides/slide30.xml><?xml version="1.0" encoding="utf-8"?>
-<p:sld xmlns:a="http://schemas.openxmlformats.org/drawingml/2006/main" xmlns:r="http://schemas.openxmlformats.org/officeDocument/2006/relationships" xmlns:p="http://schemas.openxmlformats.org/presentationml/2006/main" show="0">
-  <p:cSld>
-    <p:spTree>
-      <p:nvGrpSpPr>
-        <p:cNvPr id="1" name=""/>
-        <p:cNvGrpSpPr/>
-        <p:nvPr/>
-      </p:nvGrpSpPr>
-      <p:grpSpPr>
-        <a:xfrm>
-          <a:off x="0" y="0"/>
-          <a:ext cx="0" cy="0"/>
-          <a:chOff x="0" y="0"/>
-          <a:chExt cx="0" cy="0"/>
-        </a:xfrm>
-      </p:grpSpPr>
-      <p:sp>
-        <p:nvSpPr>
-          <p:cNvPr id="2" name="Title 1">
-            <a:extLst>
-              <a:ext uri="{FF2B5EF4-FFF2-40B4-BE49-F238E27FC236}">
-                <a16:creationId xmlns:a16="http://schemas.microsoft.com/office/drawing/2014/main" id="{F301ED8F-4787-BB44-A31D-56A8EBB356A6}"/>
-              </a:ext>
-            </a:extLst>
-          </p:cNvPr>
-          <p:cNvSpPr>
-            <a:spLocks noGrp="1"/>
-          </p:cNvSpPr>
-          <p:nvPr>
-            <p:ph type="title"/>
-          </p:nvPr>
-        </p:nvSpPr>
-        <p:spPr/>
-        <p:txBody>
-          <a:bodyPr/>
-          <a:lstStyle/>
-          <a:p>
-            <a:r>
-              <a:rPr lang="en-US" dirty="0"/>
-              <a:t>Code – FD and BK</a:t>
-            </a:r>
-          </a:p>
-        </p:txBody>
-      </p:sp>
-      <p:sp>
-        <p:nvSpPr>
-          <p:cNvPr id="8" name="TextBox 7">
-            <a:extLst>
-              <a:ext uri="{FF2B5EF4-FFF2-40B4-BE49-F238E27FC236}">
-                <a16:creationId xmlns:a16="http://schemas.microsoft.com/office/drawing/2014/main" id="{7276B931-B3EB-6441-AD0F-C781832BC418}"/>
-              </a:ext>
-            </a:extLst>
-          </p:cNvPr>
-          <p:cNvSpPr txBox="1"/>
-          <p:nvPr/>
-        </p:nvSpPr>
-        <p:spPr>
-          <a:xfrm>
-            <a:off x="516038" y="3115160"/>
-            <a:ext cx="5633634" cy="923330"/>
-          </a:xfrm>
-          <a:prstGeom prst="rect">
-            <a:avLst/>
-          </a:prstGeom>
-          <a:noFill/>
-        </p:spPr>
-        <p:txBody>
-          <a:bodyPr wrap="square" rtlCol="0">
-            <a:spAutoFit/>
-          </a:bodyPr>
-          <a:lstStyle/>
-          <a:p>
-            <a:pPr marL="285750" indent="-285750">
-              <a:buFont typeface="Arial" panose="020B0604020202020204" pitchFamily="34" charset="0"/>
-              <a:buChar char="•"/>
-            </a:pPr>
-            <a:r>
-              <a:rPr lang="en-US" dirty="0"/>
-              <a:t>FD is the forward pointer (in doubly linked list)  </a:t>
-            </a:r>
-          </a:p>
-          <a:p>
-            <a:pPr marL="285750" indent="-285750">
-              <a:buFont typeface="Arial" panose="020B0604020202020204" pitchFamily="34" charset="0"/>
-              <a:buChar char="•"/>
-            </a:pPr>
-            <a:r>
-              <a:rPr lang="en-US" dirty="0"/>
-              <a:t>BK is the backward pointer (in doubly linked list) </a:t>
-            </a:r>
-          </a:p>
-          <a:p>
-            <a:endParaRPr lang="en-US" dirty="0"/>
-          </a:p>
-        </p:txBody>
-      </p:sp>
-      <p:pic>
-        <p:nvPicPr>
-          <p:cNvPr id="9" name="Content Placeholder 8" descr="Unlink last two lines">
-            <a:extLst>
-              <a:ext uri="{FF2B5EF4-FFF2-40B4-BE49-F238E27FC236}">
-                <a16:creationId xmlns:a16="http://schemas.microsoft.com/office/drawing/2014/main" id="{F2A925A2-9E8E-9442-BFAD-A41F23251990}"/>
-              </a:ext>
-            </a:extLst>
-          </p:cNvPr>
-          <p:cNvPicPr>
-            <a:picLocks noGrp="1" noChangeAspect="1"/>
-          </p:cNvPicPr>
-          <p:nvPr>
-            <p:ph idx="1"/>
-          </p:nvPr>
-        </p:nvPicPr>
-        <p:blipFill rotWithShape="1">
-          <a:blip r:embed="rId2"/>
-          <a:srcRect r="47856"/>
-          <a:stretch/>
-        </p:blipFill>
-        <p:spPr>
-          <a:xfrm>
-            <a:off x="516038" y="1152041"/>
-            <a:ext cx="2364137" cy="876300"/>
-          </a:xfrm>
-        </p:spPr>
-      </p:pic>
-      <p:pic>
-        <p:nvPicPr>
-          <p:cNvPr id="6" name="Content Placeholder 4">
-            <a:extLst>
-              <a:ext uri="{FF2B5EF4-FFF2-40B4-BE49-F238E27FC236}">
-                <a16:creationId xmlns:a16="http://schemas.microsoft.com/office/drawing/2014/main" id="{3C37C7BE-079B-E240-94B2-7C307519ECC7}"/>
-              </a:ext>
-            </a:extLst>
-          </p:cNvPr>
-          <p:cNvPicPr>
-            <a:picLocks noChangeAspect="1"/>
-          </p:cNvPicPr>
-          <p:nvPr/>
-        </p:nvPicPr>
-        <p:blipFill>
-          <a:blip r:embed="rId3"/>
-          <a:stretch>
-            <a:fillRect/>
-          </a:stretch>
-        </p:blipFill>
-        <p:spPr>
-          <a:xfrm>
-            <a:off x="3272797" y="955007"/>
-            <a:ext cx="5633634" cy="2225285"/>
-          </a:xfrm>
-          <a:prstGeom prst="rect">
-            <a:avLst/>
-          </a:prstGeom>
-          <a:noFill/>
-        </p:spPr>
-      </p:pic>
-    </p:spTree>
-    <p:extLst>
-      <p:ext uri="{BB962C8B-B14F-4D97-AF65-F5344CB8AC3E}">
-        <p14:creationId xmlns:p14="http://schemas.microsoft.com/office/powerpoint/2010/main" val="4182951894"/>
-      </p:ext>
-    </p:extLst>
-  </p:cSld>
-  <p:clrMapOvr>
-    <a:masterClrMapping/>
-  </p:clrMapOvr>
-</p:sld>
-</file>
-
-<file path=ppt/slides/slide31.xml><?xml version="1.0" encoding="utf-8"?>
-<p:sld xmlns:a="http://schemas.openxmlformats.org/drawingml/2006/main" xmlns:r="http://schemas.openxmlformats.org/officeDocument/2006/relationships" xmlns:p="http://schemas.openxmlformats.org/presentationml/2006/main" show="0">
-  <p:cSld>
-    <p:spTree>
-      <p:nvGrpSpPr>
-        <p:cNvPr id="1" name=""/>
-        <p:cNvGrpSpPr/>
-        <p:nvPr/>
-      </p:nvGrpSpPr>
-      <p:grpSpPr>
-        <a:xfrm>
-          <a:off x="0" y="0"/>
-          <a:ext cx="0" cy="0"/>
-          <a:chOff x="0" y="0"/>
-          <a:chExt cx="0" cy="0"/>
-        </a:xfrm>
-      </p:grpSpPr>
-      <p:sp>
-        <p:nvSpPr>
-          <p:cNvPr id="2" name="Title 1">
-            <a:extLst>
-              <a:ext uri="{FF2B5EF4-FFF2-40B4-BE49-F238E27FC236}">
-                <a16:creationId xmlns:a16="http://schemas.microsoft.com/office/drawing/2014/main" id="{F301ED8F-4787-BB44-A31D-56A8EBB356A6}"/>
-              </a:ext>
-            </a:extLst>
-          </p:cNvPr>
-          <p:cNvSpPr>
-            <a:spLocks noGrp="1"/>
-          </p:cNvSpPr>
-          <p:nvPr>
-            <p:ph type="title"/>
-          </p:nvPr>
-        </p:nvSpPr>
-        <p:spPr/>
-        <p:txBody>
-          <a:bodyPr/>
-          <a:lstStyle/>
-          <a:p>
-            <a:r>
-              <a:rPr lang="en-US" dirty="0"/>
-              <a:t>Code – Edit Forward Pointer</a:t>
-            </a:r>
-          </a:p>
-        </p:txBody>
-      </p:sp>
-      <p:sp>
-        <p:nvSpPr>
-          <p:cNvPr id="8" name="TextBox 7">
-            <a:extLst>
-              <a:ext uri="{FF2B5EF4-FFF2-40B4-BE49-F238E27FC236}">
-                <a16:creationId xmlns:a16="http://schemas.microsoft.com/office/drawing/2014/main" id="{7276B931-B3EB-6441-AD0F-C781832BC418}"/>
-              </a:ext>
-            </a:extLst>
-          </p:cNvPr>
-          <p:cNvSpPr txBox="1"/>
-          <p:nvPr/>
-        </p:nvSpPr>
-        <p:spPr>
-          <a:xfrm>
-            <a:off x="516038" y="3115160"/>
-            <a:ext cx="5633634" cy="1477328"/>
-          </a:xfrm>
-          <a:prstGeom prst="rect">
-            <a:avLst/>
-          </a:prstGeom>
-          <a:noFill/>
-        </p:spPr>
-        <p:txBody>
-          <a:bodyPr wrap="square" rtlCol="0">
-            <a:spAutoFit/>
-          </a:bodyPr>
-          <a:lstStyle/>
-          <a:p>
-            <a:pPr marL="285750" indent="-285750">
-              <a:buFont typeface="Arial" panose="020B0604020202020204" pitchFamily="34" charset="0"/>
-              <a:buChar char="•"/>
-            </a:pPr>
-            <a:r>
-              <a:rPr lang="en-US" dirty="0"/>
-              <a:t>FD is a corrupted pointer (GOT/stack var/etc.) </a:t>
-            </a:r>
-          </a:p>
-          <a:p>
-            <a:pPr marL="285750" indent="-285750">
-              <a:buFont typeface="Arial" panose="020B0604020202020204" pitchFamily="34" charset="0"/>
-              <a:buChar char="•"/>
-            </a:pPr>
-            <a:r>
-              <a:rPr lang="en-US" dirty="0"/>
-              <a:t>BK is a corrupted pointer (GOT/stack var/etc.) </a:t>
-            </a:r>
-          </a:p>
-          <a:p>
-            <a:pPr marL="285750" indent="-285750">
-              <a:buFont typeface="Arial" panose="020B0604020202020204" pitchFamily="34" charset="0"/>
-              <a:buChar char="•"/>
-            </a:pPr>
-            <a:r>
-              <a:rPr lang="en-US" dirty="0">
-                <a:solidFill>
-                  <a:srgbClr val="FF0000"/>
-                </a:solidFill>
-              </a:rPr>
-              <a:t>FD + offset = BK; </a:t>
-            </a:r>
-          </a:p>
-          <a:p>
-            <a:pPr marL="742950" lvl="1" indent="-285750">
-              <a:buFont typeface="Arial" panose="020B0604020202020204" pitchFamily="34" charset="0"/>
-              <a:buChar char="•"/>
-            </a:pPr>
-            <a:r>
-              <a:rPr lang="en-US" dirty="0">
-                <a:solidFill>
-                  <a:srgbClr val="FF0000"/>
-                </a:solidFill>
-              </a:rPr>
-              <a:t>Write to BK the address of FD </a:t>
-            </a:r>
-          </a:p>
-          <a:p>
-            <a:endParaRPr lang="en-US" dirty="0"/>
-          </a:p>
-        </p:txBody>
-      </p:sp>
-      <p:pic>
-        <p:nvPicPr>
-          <p:cNvPr id="9" name="Content Placeholder 8" descr="Unlink last two lines">
-            <a:extLst>
-              <a:ext uri="{FF2B5EF4-FFF2-40B4-BE49-F238E27FC236}">
-                <a16:creationId xmlns:a16="http://schemas.microsoft.com/office/drawing/2014/main" id="{F2A925A2-9E8E-9442-BFAD-A41F23251990}"/>
-              </a:ext>
-            </a:extLst>
-          </p:cNvPr>
-          <p:cNvPicPr>
-            <a:picLocks noGrp="1" noChangeAspect="1"/>
-          </p:cNvPicPr>
-          <p:nvPr>
-            <p:ph idx="1"/>
-          </p:nvPr>
-        </p:nvPicPr>
-        <p:blipFill rotWithShape="1">
-          <a:blip r:embed="rId2"/>
-          <a:srcRect r="47856"/>
-          <a:stretch/>
-        </p:blipFill>
-        <p:spPr>
-          <a:xfrm>
-            <a:off x="516038" y="1152041"/>
-            <a:ext cx="2364137" cy="876300"/>
-          </a:xfrm>
-        </p:spPr>
-      </p:pic>
-      <p:cxnSp>
-        <p:nvCxnSpPr>
-          <p:cNvPr id="6" name="Straight Connector 5">
-            <a:extLst>
-              <a:ext uri="{FF2B5EF4-FFF2-40B4-BE49-F238E27FC236}">
-                <a16:creationId xmlns:a16="http://schemas.microsoft.com/office/drawing/2014/main" id="{CD171E65-600E-2842-B04B-B40AD3C7287B}"/>
-              </a:ext>
-            </a:extLst>
-          </p:cNvPr>
-          <p:cNvCxnSpPr>
-            <a:cxnSpLocks/>
-          </p:cNvCxnSpPr>
-          <p:nvPr/>
-        </p:nvCxnSpPr>
-        <p:spPr>
-          <a:xfrm>
-            <a:off x="720671" y="1408044"/>
-            <a:ext cx="1774556" cy="0"/>
-          </a:xfrm>
-          <a:prstGeom prst="line">
-            <a:avLst/>
-          </a:prstGeom>
-          <a:ln w="25400">
-            <a:solidFill>
-              <a:srgbClr val="FF0000"/>
-            </a:solidFill>
-          </a:ln>
-        </p:spPr>
-        <p:style>
-          <a:lnRef idx="1">
-            <a:schemeClr val="accent1"/>
-          </a:lnRef>
-          <a:fillRef idx="0">
-            <a:schemeClr val="accent1"/>
-          </a:fillRef>
-          <a:effectRef idx="0">
-            <a:schemeClr val="accent1"/>
-          </a:effectRef>
-          <a:fontRef idx="minor">
-            <a:schemeClr val="tx1"/>
-          </a:fontRef>
-        </p:style>
-      </p:cxnSp>
-      <p:pic>
-        <p:nvPicPr>
-          <p:cNvPr id="5" name="Picture 4" descr="A picture containing game, table&#10;&#10;Description automatically generated">
-            <a:extLst>
-              <a:ext uri="{FF2B5EF4-FFF2-40B4-BE49-F238E27FC236}">
-                <a16:creationId xmlns:a16="http://schemas.microsoft.com/office/drawing/2014/main" id="{76670C22-10C9-984D-A334-FA372526BB11}"/>
-              </a:ext>
-            </a:extLst>
-          </p:cNvPr>
-          <p:cNvPicPr>
-            <a:picLocks noChangeAspect="1"/>
-          </p:cNvPicPr>
-          <p:nvPr/>
-        </p:nvPicPr>
-        <p:blipFill>
-          <a:blip r:embed="rId3"/>
-          <a:stretch>
-            <a:fillRect/>
-          </a:stretch>
-        </p:blipFill>
-        <p:spPr>
-          <a:xfrm>
-            <a:off x="2992787" y="961603"/>
-            <a:ext cx="5543154" cy="2182617"/>
-          </a:xfrm>
-          <a:prstGeom prst="rect">
-            <a:avLst/>
-          </a:prstGeom>
-        </p:spPr>
-      </p:pic>
-    </p:spTree>
-    <p:extLst>
-      <p:ext uri="{BB962C8B-B14F-4D97-AF65-F5344CB8AC3E}">
-        <p14:creationId xmlns:p14="http://schemas.microsoft.com/office/powerpoint/2010/main" val="1795659096"/>
-      </p:ext>
-    </p:extLst>
-  </p:cSld>
-  <p:clrMapOvr>
-    <a:masterClrMapping/>
-  </p:clrMapOvr>
-</p:sld>
-</file>
-
-<file path=ppt/slides/slide32.xml><?xml version="1.0" encoding="utf-8"?>
-<p:sld xmlns:a="http://schemas.openxmlformats.org/drawingml/2006/main" xmlns:r="http://schemas.openxmlformats.org/officeDocument/2006/relationships" xmlns:p="http://schemas.openxmlformats.org/presentationml/2006/main" show="0">
-  <p:cSld>
-    <p:spTree>
-      <p:nvGrpSpPr>
-        <p:cNvPr id="1" name=""/>
-        <p:cNvGrpSpPr/>
-        <p:nvPr/>
-      </p:nvGrpSpPr>
-      <p:grpSpPr>
-        <a:xfrm>
-          <a:off x="0" y="0"/>
-          <a:ext cx="0" cy="0"/>
-          <a:chOff x="0" y="0"/>
-          <a:chExt cx="0" cy="0"/>
-        </a:xfrm>
-      </p:grpSpPr>
-      <p:sp>
-        <p:nvSpPr>
-          <p:cNvPr id="2" name="Title 1">
-            <a:extLst>
-              <a:ext uri="{FF2B5EF4-FFF2-40B4-BE49-F238E27FC236}">
-                <a16:creationId xmlns:a16="http://schemas.microsoft.com/office/drawing/2014/main" id="{F301ED8F-4787-BB44-A31D-56A8EBB356A6}"/>
-              </a:ext>
-            </a:extLst>
-          </p:cNvPr>
-          <p:cNvSpPr>
-            <a:spLocks noGrp="1"/>
-          </p:cNvSpPr>
-          <p:nvPr>
-            <p:ph type="title"/>
-          </p:nvPr>
-        </p:nvSpPr>
-        <p:spPr/>
-        <p:txBody>
-          <a:bodyPr/>
-          <a:lstStyle/>
-          <a:p>
-            <a:r>
-              <a:rPr lang="en-US" dirty="0"/>
-              <a:t>Code – Edit Forward Pointer</a:t>
-            </a:r>
-          </a:p>
-        </p:txBody>
-      </p:sp>
-      <p:sp>
-        <p:nvSpPr>
-          <p:cNvPr id="8" name="TextBox 7">
-            <a:extLst>
-              <a:ext uri="{FF2B5EF4-FFF2-40B4-BE49-F238E27FC236}">
-                <a16:creationId xmlns:a16="http://schemas.microsoft.com/office/drawing/2014/main" id="{7276B931-B3EB-6441-AD0F-C781832BC418}"/>
-              </a:ext>
-            </a:extLst>
-          </p:cNvPr>
-          <p:cNvSpPr txBox="1"/>
-          <p:nvPr/>
-        </p:nvSpPr>
-        <p:spPr>
-          <a:xfrm>
-            <a:off x="516038" y="3115160"/>
-            <a:ext cx="5633634" cy="1477328"/>
-          </a:xfrm>
-          <a:prstGeom prst="rect">
-            <a:avLst/>
-          </a:prstGeom>
-          <a:noFill/>
-        </p:spPr>
-        <p:txBody>
-          <a:bodyPr wrap="square" rtlCol="0">
-            <a:spAutoFit/>
-          </a:bodyPr>
-          <a:lstStyle/>
-          <a:p>
-            <a:pPr marL="285750" indent="-285750">
-              <a:buFont typeface="Arial" panose="020B0604020202020204" pitchFamily="34" charset="0"/>
-              <a:buChar char="•"/>
-            </a:pPr>
-            <a:r>
-              <a:rPr lang="en-US" dirty="0"/>
-              <a:t>FD is a corrupted pointer (GOT/stack var/etc.) </a:t>
-            </a:r>
-          </a:p>
-          <a:p>
-            <a:pPr marL="285750" indent="-285750">
-              <a:buFont typeface="Arial" panose="020B0604020202020204" pitchFamily="34" charset="0"/>
-              <a:buChar char="•"/>
-            </a:pPr>
-            <a:r>
-              <a:rPr lang="en-US" dirty="0"/>
-              <a:t>BK is a corrupted pointer (GOT/stack var/etc.) </a:t>
-            </a:r>
-          </a:p>
-          <a:p>
-            <a:pPr marL="285750" indent="-285750">
-              <a:buFont typeface="Arial" panose="020B0604020202020204" pitchFamily="34" charset="0"/>
-              <a:buChar char="•"/>
-            </a:pPr>
-            <a:r>
-              <a:rPr lang="en-US" dirty="0">
-                <a:solidFill>
-                  <a:srgbClr val="FF0000"/>
-                </a:solidFill>
-              </a:rPr>
-              <a:t>FD + x = BK; </a:t>
-            </a:r>
-          </a:p>
-          <a:p>
-            <a:pPr marL="742950" lvl="1" indent="-285750">
-              <a:buFont typeface="Arial" panose="020B0604020202020204" pitchFamily="34" charset="0"/>
-              <a:buChar char="•"/>
-            </a:pPr>
-            <a:r>
-              <a:rPr lang="en-US" dirty="0">
-                <a:solidFill>
-                  <a:srgbClr val="FF0000"/>
-                </a:solidFill>
-              </a:rPr>
-              <a:t>Write BK to the address of FD </a:t>
-            </a:r>
-          </a:p>
-          <a:p>
-            <a:endParaRPr lang="en-US" dirty="0"/>
-          </a:p>
-        </p:txBody>
-      </p:sp>
-      <p:pic>
-        <p:nvPicPr>
-          <p:cNvPr id="9" name="Content Placeholder 8" descr="Unlink last two lines">
-            <a:extLst>
-              <a:ext uri="{FF2B5EF4-FFF2-40B4-BE49-F238E27FC236}">
-                <a16:creationId xmlns:a16="http://schemas.microsoft.com/office/drawing/2014/main" id="{F2A925A2-9E8E-9442-BFAD-A41F23251990}"/>
-              </a:ext>
-            </a:extLst>
-          </p:cNvPr>
-          <p:cNvPicPr>
-            <a:picLocks noGrp="1" noChangeAspect="1"/>
-          </p:cNvPicPr>
-          <p:nvPr>
-            <p:ph idx="1"/>
-          </p:nvPr>
-        </p:nvPicPr>
-        <p:blipFill rotWithShape="1">
-          <a:blip r:embed="rId2"/>
-          <a:srcRect r="47856"/>
-          <a:stretch/>
-        </p:blipFill>
-        <p:spPr>
-          <a:xfrm>
-            <a:off x="516038" y="1152041"/>
-            <a:ext cx="2364137" cy="876300"/>
-          </a:xfrm>
-        </p:spPr>
-      </p:pic>
-      <p:cxnSp>
-        <p:nvCxnSpPr>
-          <p:cNvPr id="6" name="Straight Connector 5">
-            <a:extLst>
-              <a:ext uri="{FF2B5EF4-FFF2-40B4-BE49-F238E27FC236}">
-                <a16:creationId xmlns:a16="http://schemas.microsoft.com/office/drawing/2014/main" id="{CD171E65-600E-2842-B04B-B40AD3C7287B}"/>
-              </a:ext>
-            </a:extLst>
-          </p:cNvPr>
-          <p:cNvCxnSpPr>
-            <a:cxnSpLocks/>
-          </p:cNvCxnSpPr>
-          <p:nvPr/>
-        </p:nvCxnSpPr>
-        <p:spPr>
-          <a:xfrm>
-            <a:off x="720671" y="1408044"/>
-            <a:ext cx="1774556" cy="0"/>
-          </a:xfrm>
-          <a:prstGeom prst="line">
-            <a:avLst/>
-          </a:prstGeom>
-          <a:ln w="25400">
-            <a:solidFill>
-              <a:srgbClr val="FF0000"/>
-            </a:solidFill>
-          </a:ln>
-        </p:spPr>
-        <p:style>
-          <a:lnRef idx="1">
-            <a:schemeClr val="accent1"/>
-          </a:lnRef>
-          <a:fillRef idx="0">
-            <a:schemeClr val="accent1"/>
-          </a:fillRef>
-          <a:effectRef idx="0">
-            <a:schemeClr val="accent1"/>
-          </a:effectRef>
-          <a:fontRef idx="minor">
-            <a:schemeClr val="tx1"/>
-          </a:fontRef>
-        </p:style>
-      </p:cxnSp>
-      <p:pic>
-        <p:nvPicPr>
-          <p:cNvPr id="5" name="Picture 4" descr="A picture containing game, table&#10;&#10;Description automatically generated">
-            <a:extLst>
-              <a:ext uri="{FF2B5EF4-FFF2-40B4-BE49-F238E27FC236}">
-                <a16:creationId xmlns:a16="http://schemas.microsoft.com/office/drawing/2014/main" id="{76670C22-10C9-984D-A334-FA372526BB11}"/>
-              </a:ext>
-            </a:extLst>
-          </p:cNvPr>
-          <p:cNvPicPr>
-            <a:picLocks noChangeAspect="1"/>
-          </p:cNvPicPr>
-          <p:nvPr/>
-        </p:nvPicPr>
-        <p:blipFill>
-          <a:blip r:embed="rId3"/>
-          <a:stretch>
-            <a:fillRect/>
-          </a:stretch>
-        </p:blipFill>
-        <p:spPr>
-          <a:xfrm>
-            <a:off x="2992787" y="961603"/>
-            <a:ext cx="5543154" cy="2182617"/>
-          </a:xfrm>
-          <a:prstGeom prst="rect">
-            <a:avLst/>
-          </a:prstGeom>
-        </p:spPr>
-      </p:pic>
-    </p:spTree>
-    <p:extLst>
-      <p:ext uri="{BB962C8B-B14F-4D97-AF65-F5344CB8AC3E}">
-        <p14:creationId xmlns:p14="http://schemas.microsoft.com/office/powerpoint/2010/main" val="2415842382"/>
-      </p:ext>
-    </p:extLst>
-  </p:cSld>
-  <p:clrMapOvr>
-    <a:masterClrMapping/>
-  </p:clrMapOvr>
-</p:sld>
-</file>
-
-<file path=ppt/slides/slide33.xml><?xml version="1.0" encoding="utf-8"?>
-<p:sld xmlns:a="http://schemas.openxmlformats.org/drawingml/2006/main" xmlns:r="http://schemas.openxmlformats.org/officeDocument/2006/relationships" xmlns:p="http://schemas.openxmlformats.org/presentationml/2006/main" show="0">
-  <p:cSld>
-    <p:spTree>
-      <p:nvGrpSpPr>
-        <p:cNvPr id="1" name=""/>
-        <p:cNvGrpSpPr/>
-        <p:nvPr/>
-      </p:nvGrpSpPr>
-      <p:grpSpPr>
-        <a:xfrm>
-          <a:off x="0" y="0"/>
-          <a:ext cx="0" cy="0"/>
-          <a:chOff x="0" y="0"/>
-          <a:chExt cx="0" cy="0"/>
-        </a:xfrm>
-      </p:grpSpPr>
-      <p:sp>
-        <p:nvSpPr>
-          <p:cNvPr id="2" name="Title 1">
-            <a:extLst>
-              <a:ext uri="{FF2B5EF4-FFF2-40B4-BE49-F238E27FC236}">
-                <a16:creationId xmlns:a16="http://schemas.microsoft.com/office/drawing/2014/main" id="{F301ED8F-4787-BB44-A31D-56A8EBB356A6}"/>
-              </a:ext>
-            </a:extLst>
-          </p:cNvPr>
-          <p:cNvSpPr>
-            <a:spLocks noGrp="1"/>
-          </p:cNvSpPr>
-          <p:nvPr>
-            <p:ph type="title"/>
-          </p:nvPr>
-        </p:nvSpPr>
-        <p:spPr/>
-        <p:txBody>
-          <a:bodyPr/>
-          <a:lstStyle/>
-          <a:p>
-            <a:r>
-              <a:rPr lang="en-US" dirty="0"/>
-              <a:t>Code – Edit Backward Pointer</a:t>
-            </a:r>
-          </a:p>
-        </p:txBody>
-      </p:sp>
-      <p:sp>
-        <p:nvSpPr>
-          <p:cNvPr id="8" name="TextBox 7">
-            <a:extLst>
-              <a:ext uri="{FF2B5EF4-FFF2-40B4-BE49-F238E27FC236}">
-                <a16:creationId xmlns:a16="http://schemas.microsoft.com/office/drawing/2014/main" id="{7276B931-B3EB-6441-AD0F-C781832BC418}"/>
-              </a:ext>
-            </a:extLst>
-          </p:cNvPr>
-          <p:cNvSpPr txBox="1"/>
-          <p:nvPr/>
-        </p:nvSpPr>
-        <p:spPr>
-          <a:xfrm>
-            <a:off x="516038" y="3115160"/>
-            <a:ext cx="5633634" cy="2031325"/>
-          </a:xfrm>
-          <a:prstGeom prst="rect">
-            <a:avLst/>
-          </a:prstGeom>
-          <a:noFill/>
-        </p:spPr>
-        <p:txBody>
-          <a:bodyPr wrap="square" rtlCol="0">
-            <a:spAutoFit/>
-          </a:bodyPr>
-          <a:lstStyle/>
-          <a:p>
-            <a:pPr marL="285750" indent="-285750">
-              <a:buFont typeface="Arial" panose="020B0604020202020204" pitchFamily="34" charset="0"/>
-              <a:buChar char="•"/>
-            </a:pPr>
-            <a:r>
-              <a:rPr lang="en-US" dirty="0"/>
-              <a:t>FD is a corrupted pointer (GOT/stack var/etc.) </a:t>
-            </a:r>
-          </a:p>
-          <a:p>
-            <a:pPr marL="285750" indent="-285750">
-              <a:buFont typeface="Arial" panose="020B0604020202020204" pitchFamily="34" charset="0"/>
-              <a:buChar char="•"/>
-            </a:pPr>
-            <a:r>
-              <a:rPr lang="en-US" dirty="0"/>
-              <a:t>BK is a corrupted pointer (GOT/stack var/etc.) </a:t>
-            </a:r>
-          </a:p>
-          <a:p>
-            <a:pPr marL="285750" indent="-285750">
-              <a:buFont typeface="Arial" panose="020B0604020202020204" pitchFamily="34" charset="0"/>
-              <a:buChar char="•"/>
-            </a:pPr>
-            <a:r>
-              <a:rPr lang="en-US" dirty="0"/>
-              <a:t>FD + x = BK; </a:t>
-            </a:r>
-          </a:p>
-          <a:p>
-            <a:pPr marL="742950" lvl="1" indent="-285750">
-              <a:buFont typeface="Arial" panose="020B0604020202020204" pitchFamily="34" charset="0"/>
-              <a:buChar char="•"/>
-            </a:pPr>
-            <a:r>
-              <a:rPr lang="en-US" dirty="0"/>
-              <a:t>Write BK to the address of FD </a:t>
-            </a:r>
-          </a:p>
-          <a:p>
-            <a:pPr marL="285750" indent="-285750">
-              <a:buFont typeface="Arial" panose="020B0604020202020204" pitchFamily="34" charset="0"/>
-              <a:buChar char="•"/>
-            </a:pPr>
-            <a:r>
-              <a:rPr lang="en-US" dirty="0">
-                <a:solidFill>
-                  <a:srgbClr val="FF0000"/>
-                </a:solidFill>
-              </a:rPr>
-              <a:t>BK + y = FD; 	</a:t>
-            </a:r>
-          </a:p>
-          <a:p>
-            <a:pPr marL="742950" lvl="1" indent="-285750">
-              <a:buFont typeface="Arial" panose="020B0604020202020204" pitchFamily="34" charset="0"/>
-              <a:buChar char="•"/>
-            </a:pPr>
-            <a:r>
-              <a:rPr lang="en-US" dirty="0">
-                <a:solidFill>
-                  <a:srgbClr val="FF0000"/>
-                </a:solidFill>
-              </a:rPr>
-              <a:t>Write FD to the address of BK</a:t>
-            </a:r>
-          </a:p>
-          <a:p>
-            <a:endParaRPr lang="en-US" dirty="0"/>
-          </a:p>
-        </p:txBody>
-      </p:sp>
-      <p:pic>
-        <p:nvPicPr>
-          <p:cNvPr id="9" name="Content Placeholder 8" descr="Unlink last two lines">
-            <a:extLst>
-              <a:ext uri="{FF2B5EF4-FFF2-40B4-BE49-F238E27FC236}">
-                <a16:creationId xmlns:a16="http://schemas.microsoft.com/office/drawing/2014/main" id="{F2A925A2-9E8E-9442-BFAD-A41F23251990}"/>
-              </a:ext>
-            </a:extLst>
-          </p:cNvPr>
-          <p:cNvPicPr>
-            <a:picLocks noGrp="1" noChangeAspect="1"/>
-          </p:cNvPicPr>
-          <p:nvPr>
-            <p:ph idx="1"/>
-          </p:nvPr>
-        </p:nvPicPr>
-        <p:blipFill rotWithShape="1">
-          <a:blip r:embed="rId2"/>
-          <a:srcRect r="47856"/>
-          <a:stretch/>
-        </p:blipFill>
-        <p:spPr>
-          <a:xfrm>
-            <a:off x="516038" y="1152041"/>
-            <a:ext cx="2364137" cy="876300"/>
-          </a:xfrm>
-        </p:spPr>
-      </p:pic>
-      <p:cxnSp>
-        <p:nvCxnSpPr>
-          <p:cNvPr id="6" name="Straight Connector 5">
-            <a:extLst>
-              <a:ext uri="{FF2B5EF4-FFF2-40B4-BE49-F238E27FC236}">
-                <a16:creationId xmlns:a16="http://schemas.microsoft.com/office/drawing/2014/main" id="{CD171E65-600E-2842-B04B-B40AD3C7287B}"/>
-              </a:ext>
-            </a:extLst>
-          </p:cNvPr>
-          <p:cNvCxnSpPr>
-            <a:cxnSpLocks/>
-          </p:cNvCxnSpPr>
-          <p:nvPr/>
-        </p:nvCxnSpPr>
-        <p:spPr>
-          <a:xfrm>
-            <a:off x="705173" y="1648267"/>
-            <a:ext cx="1774556" cy="0"/>
-          </a:xfrm>
-          <a:prstGeom prst="line">
-            <a:avLst/>
-          </a:prstGeom>
-          <a:ln w="25400">
-            <a:solidFill>
-              <a:srgbClr val="FF0000"/>
-            </a:solidFill>
-          </a:ln>
-        </p:spPr>
-        <p:style>
-          <a:lnRef idx="1">
-            <a:schemeClr val="accent1"/>
-          </a:lnRef>
-          <a:fillRef idx="0">
-            <a:schemeClr val="accent1"/>
-          </a:fillRef>
-          <a:effectRef idx="0">
-            <a:schemeClr val="accent1"/>
-          </a:effectRef>
-          <a:fontRef idx="minor">
-            <a:schemeClr val="tx1"/>
-          </a:fontRef>
-        </p:style>
-      </p:cxnSp>
-      <p:pic>
-        <p:nvPicPr>
-          <p:cNvPr id="4" name="Picture 3" descr="A close up of a sign&#10;&#10;Description automatically generated">
-            <a:extLst>
-              <a:ext uri="{FF2B5EF4-FFF2-40B4-BE49-F238E27FC236}">
-                <a16:creationId xmlns:a16="http://schemas.microsoft.com/office/drawing/2014/main" id="{27733851-8AC7-B648-9CC3-08F3D2C31BFE}"/>
-              </a:ext>
-            </a:extLst>
-          </p:cNvPr>
-          <p:cNvPicPr>
-            <a:picLocks noChangeAspect="1"/>
-          </p:cNvPicPr>
-          <p:nvPr/>
-        </p:nvPicPr>
-        <p:blipFill>
-          <a:blip r:embed="rId3"/>
-          <a:stretch>
-            <a:fillRect/>
-          </a:stretch>
-        </p:blipFill>
-        <p:spPr>
-          <a:xfrm>
-            <a:off x="3148509" y="984787"/>
-            <a:ext cx="5366841" cy="2087105"/>
-          </a:xfrm>
-          <a:prstGeom prst="rect">
-            <a:avLst/>
-          </a:prstGeom>
-        </p:spPr>
-      </p:pic>
-    </p:spTree>
-    <p:extLst>
-      <p:ext uri="{BB962C8B-B14F-4D97-AF65-F5344CB8AC3E}">
-        <p14:creationId xmlns:p14="http://schemas.microsoft.com/office/powerpoint/2010/main" val="3001743624"/>
-      </p:ext>
-    </p:extLst>
-  </p:cSld>
-  <p:clrMapOvr>
-    <a:masterClrMapping/>
-  </p:clrMapOvr>
-</p:sld>
-</file>
-
-<file path=ppt/slides/slide34.xml><?xml version="1.0" encoding="utf-8"?>
 <p:sld xmlns:a="http://schemas.openxmlformats.org/drawingml/2006/main" xmlns:r="http://schemas.openxmlformats.org/officeDocument/2006/relationships" xmlns:p="http://schemas.openxmlformats.org/presentationml/2006/main">
   <p:cSld>
     <p:spTree>
@@ -34960,7 +34251,7 @@
     </p:spTree>
     <p:extLst>
       <p:ext uri="{BB962C8B-B14F-4D97-AF65-F5344CB8AC3E}">
-        <p14:creationId xmlns:p14="http://schemas.microsoft.com/office/powerpoint/2010/main" val="59043430"/>
+        <p14:creationId xmlns:p14="http://schemas.microsoft.com/office/powerpoint/2010/main" val="2141023424"/>
       </p:ext>
     </p:extLst>
   </p:cSld>
@@ -34970,7 +34261,7 @@
 </p:sld>
 </file>
 
-<file path=ppt/slides/slide35.xml><?xml version="1.0" encoding="utf-8"?>
+<file path=ppt/slides/slide31.xml><?xml version="1.0" encoding="utf-8"?>
 <p:sld xmlns:a="http://schemas.openxmlformats.org/drawingml/2006/main" xmlns:r="http://schemas.openxmlformats.org/officeDocument/2006/relationships" xmlns:p="http://schemas.openxmlformats.org/presentationml/2006/main">
   <p:cSld>
     <p:spTree>
@@ -35828,7 +35119,7 @@
     </p:spTree>
     <p:extLst>
       <p:ext uri="{BB962C8B-B14F-4D97-AF65-F5344CB8AC3E}">
-        <p14:creationId xmlns:p14="http://schemas.microsoft.com/office/powerpoint/2010/main" val="3171311655"/>
+        <p14:creationId xmlns:p14="http://schemas.microsoft.com/office/powerpoint/2010/main" val="2219396888"/>
       </p:ext>
     </p:extLst>
   </p:cSld>
@@ -35838,7 +35129,7 @@
 </p:sld>
 </file>
 
-<file path=ppt/slides/slide36.xml><?xml version="1.0" encoding="utf-8"?>
+<file path=ppt/slides/slide32.xml><?xml version="1.0" encoding="utf-8"?>
 <p:sld xmlns:a="http://schemas.openxmlformats.org/drawingml/2006/main" xmlns:r="http://schemas.openxmlformats.org/officeDocument/2006/relationships" xmlns:p="http://schemas.openxmlformats.org/presentationml/2006/main">
   <p:cSld>
     <p:spTree>
@@ -36054,7 +35345,7 @@
     </p:spTree>
     <p:extLst>
       <p:ext uri="{BB962C8B-B14F-4D97-AF65-F5344CB8AC3E}">
-        <p14:creationId xmlns:p14="http://schemas.microsoft.com/office/powerpoint/2010/main" val="2680807224"/>
+        <p14:creationId xmlns:p14="http://schemas.microsoft.com/office/powerpoint/2010/main" val="3128709402"/>
       </p:ext>
     </p:extLst>
   </p:cSld>
@@ -36064,7 +35355,7 @@
 </p:sld>
 </file>
 
-<file path=ppt/slides/slide37.xml><?xml version="1.0" encoding="utf-8"?>
+<file path=ppt/slides/slide33.xml><?xml version="1.0" encoding="utf-8"?>
 <p:sld xmlns:a="http://schemas.openxmlformats.org/drawingml/2006/main" xmlns:r="http://schemas.openxmlformats.org/officeDocument/2006/relationships" xmlns:p="http://schemas.openxmlformats.org/presentationml/2006/main">
   <p:cSld>
     <p:spTree>
@@ -36205,7 +35496,7 @@
     </p:spTree>
     <p:extLst>
       <p:ext uri="{BB962C8B-B14F-4D97-AF65-F5344CB8AC3E}">
-        <p14:creationId xmlns:p14="http://schemas.microsoft.com/office/powerpoint/2010/main" val="2601335959"/>
+        <p14:creationId xmlns:p14="http://schemas.microsoft.com/office/powerpoint/2010/main" val="753752456"/>
       </p:ext>
     </p:extLst>
   </p:cSld>
@@ -36215,7 +35506,7 @@
 </p:sld>
 </file>
 
-<file path=ppt/slides/slide38.xml><?xml version="1.0" encoding="utf-8"?>
+<file path=ppt/slides/slide34.xml><?xml version="1.0" encoding="utf-8"?>
 <p:sld xmlns:a="http://schemas.openxmlformats.org/drawingml/2006/main" xmlns:r="http://schemas.openxmlformats.org/officeDocument/2006/relationships" xmlns:p="http://schemas.openxmlformats.org/presentationml/2006/main">
   <p:cSld>
     <p:spTree>
@@ -36387,7 +35678,7 @@
     </p:spTree>
     <p:extLst>
       <p:ext uri="{BB962C8B-B14F-4D97-AF65-F5344CB8AC3E}">
-        <p14:creationId xmlns:p14="http://schemas.microsoft.com/office/powerpoint/2010/main" val="734180899"/>
+        <p14:creationId xmlns:p14="http://schemas.microsoft.com/office/powerpoint/2010/main" val="1162692842"/>
       </p:ext>
     </p:extLst>
   </p:cSld>
@@ -36397,7 +35688,7 @@
 </p:sld>
 </file>
 
-<file path=ppt/slides/slide39.xml><?xml version="1.0" encoding="utf-8"?>
+<file path=ppt/slides/slide35.xml><?xml version="1.0" encoding="utf-8"?>
 <p:sld xmlns:a="http://schemas.openxmlformats.org/drawingml/2006/main" xmlns:r="http://schemas.openxmlformats.org/officeDocument/2006/relationships" xmlns:p="http://schemas.openxmlformats.org/presentationml/2006/main">
   <p:cSld>
     <p:spTree>
@@ -36524,7 +35815,798 @@
     </p:spTree>
     <p:extLst>
       <p:ext uri="{BB962C8B-B14F-4D97-AF65-F5344CB8AC3E}">
-        <p14:creationId xmlns:p14="http://schemas.microsoft.com/office/powerpoint/2010/main" val="1604924481"/>
+        <p14:creationId xmlns:p14="http://schemas.microsoft.com/office/powerpoint/2010/main" val="1957678085"/>
+      </p:ext>
+    </p:extLst>
+  </p:cSld>
+  <p:clrMapOvr>
+    <a:masterClrMapping/>
+  </p:clrMapOvr>
+</p:sld>
+</file>
+
+<file path=ppt/slides/slide36.xml><?xml version="1.0" encoding="utf-8"?>
+<p:sld xmlns:a="http://schemas.openxmlformats.org/drawingml/2006/main" xmlns:r="http://schemas.openxmlformats.org/officeDocument/2006/relationships" xmlns:p="http://schemas.openxmlformats.org/presentationml/2006/main" show="0">
+  <p:cSld>
+    <p:spTree>
+      <p:nvGrpSpPr>
+        <p:cNvPr id="1" name=""/>
+        <p:cNvGrpSpPr/>
+        <p:nvPr/>
+      </p:nvGrpSpPr>
+      <p:grpSpPr>
+        <a:xfrm>
+          <a:off x="0" y="0"/>
+          <a:ext cx="0" cy="0"/>
+          <a:chOff x="0" y="0"/>
+          <a:chExt cx="0" cy="0"/>
+        </a:xfrm>
+      </p:grpSpPr>
+      <p:sp>
+        <p:nvSpPr>
+          <p:cNvPr id="2" name="Title 1">
+            <a:extLst>
+              <a:ext uri="{FF2B5EF4-FFF2-40B4-BE49-F238E27FC236}">
+                <a16:creationId xmlns:a16="http://schemas.microsoft.com/office/drawing/2014/main" id="{C80281A4-A325-8E4D-A866-CFF7EF2C905F}"/>
+              </a:ext>
+            </a:extLst>
+          </p:cNvPr>
+          <p:cNvSpPr>
+            <a:spLocks noGrp="1"/>
+          </p:cNvSpPr>
+          <p:nvPr>
+            <p:ph type="title"/>
+          </p:nvPr>
+        </p:nvSpPr>
+        <p:spPr>
+          <a:xfrm>
+            <a:off x="628650" y="273847"/>
+            <a:ext cx="7886700" cy="994172"/>
+          </a:xfrm>
+        </p:spPr>
+        <p:txBody>
+          <a:bodyPr anchor="ctr">
+            <a:normAutofit/>
+          </a:bodyPr>
+          <a:lstStyle/>
+          <a:p>
+            <a:r>
+              <a:rPr lang="en-US" dirty="0"/>
+              <a:t>Corrupted Unlink</a:t>
+            </a:r>
+          </a:p>
+        </p:txBody>
+      </p:sp>
+      <p:pic>
+        <p:nvPicPr>
+          <p:cNvPr id="5" name="Content Placeholder 4" descr="A picture containing game&#10;&#10;Description automatically generated">
+            <a:extLst>
+              <a:ext uri="{FF2B5EF4-FFF2-40B4-BE49-F238E27FC236}">
+                <a16:creationId xmlns:a16="http://schemas.microsoft.com/office/drawing/2014/main" id="{EE478E75-E8BC-4543-839D-8D7B2C424FF1}"/>
+              </a:ext>
+            </a:extLst>
+          </p:cNvPr>
+          <p:cNvPicPr>
+            <a:picLocks noGrp="1" noChangeAspect="1"/>
+          </p:cNvPicPr>
+          <p:nvPr>
+            <p:ph sz="half" idx="1"/>
+          </p:nvPr>
+        </p:nvPicPr>
+        <p:blipFill>
+          <a:blip r:embed="rId2"/>
+          <a:stretch>
+            <a:fillRect/>
+          </a:stretch>
+        </p:blipFill>
+        <p:spPr>
+          <a:xfrm>
+            <a:off x="206573" y="1369219"/>
+            <a:ext cx="5832671" cy="2303905"/>
+          </a:xfrm>
+          <a:noFill/>
+        </p:spPr>
+      </p:pic>
+      <p:sp>
+        <p:nvSpPr>
+          <p:cNvPr id="10" name="Content Placeholder 3">
+            <a:extLst>
+              <a:ext uri="{FF2B5EF4-FFF2-40B4-BE49-F238E27FC236}">
+                <a16:creationId xmlns:a16="http://schemas.microsoft.com/office/drawing/2014/main" id="{1D641075-C8B8-40A8-82C3-0868FFAD725A}"/>
+              </a:ext>
+            </a:extLst>
+          </p:cNvPr>
+          <p:cNvSpPr>
+            <a:spLocks noGrp="1"/>
+          </p:cNvSpPr>
+          <p:nvPr>
+            <p:ph sz="half" idx="2"/>
+          </p:nvPr>
+        </p:nvSpPr>
+        <p:spPr>
+          <a:xfrm>
+            <a:off x="6021092" y="1369219"/>
+            <a:ext cx="2494258" cy="3263504"/>
+          </a:xfrm>
+        </p:spPr>
+        <p:txBody>
+          <a:bodyPr/>
+          <a:lstStyle/>
+          <a:p>
+            <a:r>
+              <a:rPr lang="en-US" dirty="0"/>
+              <a:t>What if we controlled </a:t>
+            </a:r>
+            <a:r>
+              <a:rPr lang="en-US" b="1" i="1" dirty="0"/>
+              <a:t>FD</a:t>
+            </a:r>
+            <a:r>
+              <a:rPr lang="en-US" dirty="0"/>
+              <a:t> and </a:t>
+            </a:r>
+            <a:r>
+              <a:rPr lang="en-US" b="1" i="1" dirty="0"/>
+              <a:t>BK</a:t>
+            </a:r>
+            <a:r>
+              <a:rPr lang="en-US" dirty="0"/>
+              <a:t>? </a:t>
+            </a:r>
+          </a:p>
+        </p:txBody>
+      </p:sp>
+    </p:spTree>
+    <p:extLst>
+      <p:ext uri="{BB962C8B-B14F-4D97-AF65-F5344CB8AC3E}">
+        <p14:creationId xmlns:p14="http://schemas.microsoft.com/office/powerpoint/2010/main" val="1161245620"/>
+      </p:ext>
+    </p:extLst>
+  </p:cSld>
+  <p:clrMapOvr>
+    <a:masterClrMapping/>
+  </p:clrMapOvr>
+</p:sld>
+</file>
+
+<file path=ppt/slides/slide37.xml><?xml version="1.0" encoding="utf-8"?>
+<p:sld xmlns:a="http://schemas.openxmlformats.org/drawingml/2006/main" xmlns:r="http://schemas.openxmlformats.org/officeDocument/2006/relationships" xmlns:p="http://schemas.openxmlformats.org/presentationml/2006/main" show="0">
+  <p:cSld>
+    <p:spTree>
+      <p:nvGrpSpPr>
+        <p:cNvPr id="1" name=""/>
+        <p:cNvGrpSpPr/>
+        <p:nvPr/>
+      </p:nvGrpSpPr>
+      <p:grpSpPr>
+        <a:xfrm>
+          <a:off x="0" y="0"/>
+          <a:ext cx="0" cy="0"/>
+          <a:chOff x="0" y="0"/>
+          <a:chExt cx="0" cy="0"/>
+        </a:xfrm>
+      </p:grpSpPr>
+      <p:sp>
+        <p:nvSpPr>
+          <p:cNvPr id="2" name="Title 1">
+            <a:extLst>
+              <a:ext uri="{FF2B5EF4-FFF2-40B4-BE49-F238E27FC236}">
+                <a16:creationId xmlns:a16="http://schemas.microsoft.com/office/drawing/2014/main" id="{F301ED8F-4787-BB44-A31D-56A8EBB356A6}"/>
+              </a:ext>
+            </a:extLst>
+          </p:cNvPr>
+          <p:cNvSpPr>
+            <a:spLocks noGrp="1"/>
+          </p:cNvSpPr>
+          <p:nvPr>
+            <p:ph type="title"/>
+          </p:nvPr>
+        </p:nvSpPr>
+        <p:spPr/>
+        <p:txBody>
+          <a:bodyPr/>
+          <a:lstStyle/>
+          <a:p>
+            <a:r>
+              <a:rPr lang="en-US" dirty="0"/>
+              <a:t>Code – FD and BK</a:t>
+            </a:r>
+          </a:p>
+        </p:txBody>
+      </p:sp>
+      <p:sp>
+        <p:nvSpPr>
+          <p:cNvPr id="8" name="TextBox 7">
+            <a:extLst>
+              <a:ext uri="{FF2B5EF4-FFF2-40B4-BE49-F238E27FC236}">
+                <a16:creationId xmlns:a16="http://schemas.microsoft.com/office/drawing/2014/main" id="{7276B931-B3EB-6441-AD0F-C781832BC418}"/>
+              </a:ext>
+            </a:extLst>
+          </p:cNvPr>
+          <p:cNvSpPr txBox="1"/>
+          <p:nvPr/>
+        </p:nvSpPr>
+        <p:spPr>
+          <a:xfrm>
+            <a:off x="516038" y="3115160"/>
+            <a:ext cx="5633634" cy="923330"/>
+          </a:xfrm>
+          <a:prstGeom prst="rect">
+            <a:avLst/>
+          </a:prstGeom>
+          <a:noFill/>
+        </p:spPr>
+        <p:txBody>
+          <a:bodyPr wrap="square" rtlCol="0">
+            <a:spAutoFit/>
+          </a:bodyPr>
+          <a:lstStyle/>
+          <a:p>
+            <a:pPr marL="285750" indent="-285750">
+              <a:buFont typeface="Arial" panose="020B0604020202020204" pitchFamily="34" charset="0"/>
+              <a:buChar char="•"/>
+            </a:pPr>
+            <a:r>
+              <a:rPr lang="en-US" dirty="0"/>
+              <a:t>FD is the forward pointer (in doubly linked list)  </a:t>
+            </a:r>
+          </a:p>
+          <a:p>
+            <a:pPr marL="285750" indent="-285750">
+              <a:buFont typeface="Arial" panose="020B0604020202020204" pitchFamily="34" charset="0"/>
+              <a:buChar char="•"/>
+            </a:pPr>
+            <a:r>
+              <a:rPr lang="en-US" dirty="0"/>
+              <a:t>BK is the backward pointer (in doubly linked list) </a:t>
+            </a:r>
+          </a:p>
+          <a:p>
+            <a:endParaRPr lang="en-US" dirty="0"/>
+          </a:p>
+        </p:txBody>
+      </p:sp>
+      <p:pic>
+        <p:nvPicPr>
+          <p:cNvPr id="9" name="Content Placeholder 8" descr="Unlink last two lines">
+            <a:extLst>
+              <a:ext uri="{FF2B5EF4-FFF2-40B4-BE49-F238E27FC236}">
+                <a16:creationId xmlns:a16="http://schemas.microsoft.com/office/drawing/2014/main" id="{F2A925A2-9E8E-9442-BFAD-A41F23251990}"/>
+              </a:ext>
+            </a:extLst>
+          </p:cNvPr>
+          <p:cNvPicPr>
+            <a:picLocks noGrp="1" noChangeAspect="1"/>
+          </p:cNvPicPr>
+          <p:nvPr>
+            <p:ph idx="1"/>
+          </p:nvPr>
+        </p:nvPicPr>
+        <p:blipFill rotWithShape="1">
+          <a:blip r:embed="rId2"/>
+          <a:srcRect r="47856"/>
+          <a:stretch/>
+        </p:blipFill>
+        <p:spPr>
+          <a:xfrm>
+            <a:off x="516038" y="1152041"/>
+            <a:ext cx="2364137" cy="876300"/>
+          </a:xfrm>
+        </p:spPr>
+      </p:pic>
+      <p:pic>
+        <p:nvPicPr>
+          <p:cNvPr id="6" name="Content Placeholder 4">
+            <a:extLst>
+              <a:ext uri="{FF2B5EF4-FFF2-40B4-BE49-F238E27FC236}">
+                <a16:creationId xmlns:a16="http://schemas.microsoft.com/office/drawing/2014/main" id="{3C37C7BE-079B-E240-94B2-7C307519ECC7}"/>
+              </a:ext>
+            </a:extLst>
+          </p:cNvPr>
+          <p:cNvPicPr>
+            <a:picLocks noChangeAspect="1"/>
+          </p:cNvPicPr>
+          <p:nvPr/>
+        </p:nvPicPr>
+        <p:blipFill>
+          <a:blip r:embed="rId3"/>
+          <a:stretch>
+            <a:fillRect/>
+          </a:stretch>
+        </p:blipFill>
+        <p:spPr>
+          <a:xfrm>
+            <a:off x="3272797" y="955007"/>
+            <a:ext cx="5633634" cy="2225285"/>
+          </a:xfrm>
+          <a:prstGeom prst="rect">
+            <a:avLst/>
+          </a:prstGeom>
+          <a:noFill/>
+        </p:spPr>
+      </p:pic>
+    </p:spTree>
+    <p:extLst>
+      <p:ext uri="{BB962C8B-B14F-4D97-AF65-F5344CB8AC3E}">
+        <p14:creationId xmlns:p14="http://schemas.microsoft.com/office/powerpoint/2010/main" val="4182951894"/>
+      </p:ext>
+    </p:extLst>
+  </p:cSld>
+  <p:clrMapOvr>
+    <a:masterClrMapping/>
+  </p:clrMapOvr>
+</p:sld>
+</file>
+
+<file path=ppt/slides/slide38.xml><?xml version="1.0" encoding="utf-8"?>
+<p:sld xmlns:a="http://schemas.openxmlformats.org/drawingml/2006/main" xmlns:r="http://schemas.openxmlformats.org/officeDocument/2006/relationships" xmlns:p="http://schemas.openxmlformats.org/presentationml/2006/main" show="0">
+  <p:cSld>
+    <p:spTree>
+      <p:nvGrpSpPr>
+        <p:cNvPr id="1" name=""/>
+        <p:cNvGrpSpPr/>
+        <p:nvPr/>
+      </p:nvGrpSpPr>
+      <p:grpSpPr>
+        <a:xfrm>
+          <a:off x="0" y="0"/>
+          <a:ext cx="0" cy="0"/>
+          <a:chOff x="0" y="0"/>
+          <a:chExt cx="0" cy="0"/>
+        </a:xfrm>
+      </p:grpSpPr>
+      <p:sp>
+        <p:nvSpPr>
+          <p:cNvPr id="2" name="Title 1">
+            <a:extLst>
+              <a:ext uri="{FF2B5EF4-FFF2-40B4-BE49-F238E27FC236}">
+                <a16:creationId xmlns:a16="http://schemas.microsoft.com/office/drawing/2014/main" id="{F301ED8F-4787-BB44-A31D-56A8EBB356A6}"/>
+              </a:ext>
+            </a:extLst>
+          </p:cNvPr>
+          <p:cNvSpPr>
+            <a:spLocks noGrp="1"/>
+          </p:cNvSpPr>
+          <p:nvPr>
+            <p:ph type="title"/>
+          </p:nvPr>
+        </p:nvSpPr>
+        <p:spPr/>
+        <p:txBody>
+          <a:bodyPr/>
+          <a:lstStyle/>
+          <a:p>
+            <a:r>
+              <a:rPr lang="en-US" dirty="0"/>
+              <a:t>Code – Edit Forward Pointer</a:t>
+            </a:r>
+          </a:p>
+        </p:txBody>
+      </p:sp>
+      <p:sp>
+        <p:nvSpPr>
+          <p:cNvPr id="8" name="TextBox 7">
+            <a:extLst>
+              <a:ext uri="{FF2B5EF4-FFF2-40B4-BE49-F238E27FC236}">
+                <a16:creationId xmlns:a16="http://schemas.microsoft.com/office/drawing/2014/main" id="{7276B931-B3EB-6441-AD0F-C781832BC418}"/>
+              </a:ext>
+            </a:extLst>
+          </p:cNvPr>
+          <p:cNvSpPr txBox="1"/>
+          <p:nvPr/>
+        </p:nvSpPr>
+        <p:spPr>
+          <a:xfrm>
+            <a:off x="516038" y="3115160"/>
+            <a:ext cx="5633634" cy="1477328"/>
+          </a:xfrm>
+          <a:prstGeom prst="rect">
+            <a:avLst/>
+          </a:prstGeom>
+          <a:noFill/>
+        </p:spPr>
+        <p:txBody>
+          <a:bodyPr wrap="square" rtlCol="0">
+            <a:spAutoFit/>
+          </a:bodyPr>
+          <a:lstStyle/>
+          <a:p>
+            <a:pPr marL="285750" indent="-285750">
+              <a:buFont typeface="Arial" panose="020B0604020202020204" pitchFamily="34" charset="0"/>
+              <a:buChar char="•"/>
+            </a:pPr>
+            <a:r>
+              <a:rPr lang="en-US" dirty="0"/>
+              <a:t>FD is a corrupted pointer (GOT/stack var/etc.) </a:t>
+            </a:r>
+          </a:p>
+          <a:p>
+            <a:pPr marL="285750" indent="-285750">
+              <a:buFont typeface="Arial" panose="020B0604020202020204" pitchFamily="34" charset="0"/>
+              <a:buChar char="•"/>
+            </a:pPr>
+            <a:r>
+              <a:rPr lang="en-US" dirty="0"/>
+              <a:t>BK is a corrupted pointer (GOT/stack var/etc.) </a:t>
+            </a:r>
+          </a:p>
+          <a:p>
+            <a:pPr marL="285750" indent="-285750">
+              <a:buFont typeface="Arial" panose="020B0604020202020204" pitchFamily="34" charset="0"/>
+              <a:buChar char="•"/>
+            </a:pPr>
+            <a:r>
+              <a:rPr lang="en-US" dirty="0">
+                <a:solidFill>
+                  <a:srgbClr val="FF0000"/>
+                </a:solidFill>
+              </a:rPr>
+              <a:t>FD + offset = BK; </a:t>
+            </a:r>
+          </a:p>
+          <a:p>
+            <a:pPr marL="742950" lvl="1" indent="-285750">
+              <a:buFont typeface="Arial" panose="020B0604020202020204" pitchFamily="34" charset="0"/>
+              <a:buChar char="•"/>
+            </a:pPr>
+            <a:r>
+              <a:rPr lang="en-US" dirty="0">
+                <a:solidFill>
+                  <a:srgbClr val="FF0000"/>
+                </a:solidFill>
+              </a:rPr>
+              <a:t>Write to BK the address of FD </a:t>
+            </a:r>
+          </a:p>
+          <a:p>
+            <a:endParaRPr lang="en-US" dirty="0"/>
+          </a:p>
+        </p:txBody>
+      </p:sp>
+      <p:pic>
+        <p:nvPicPr>
+          <p:cNvPr id="9" name="Content Placeholder 8" descr="Unlink last two lines">
+            <a:extLst>
+              <a:ext uri="{FF2B5EF4-FFF2-40B4-BE49-F238E27FC236}">
+                <a16:creationId xmlns:a16="http://schemas.microsoft.com/office/drawing/2014/main" id="{F2A925A2-9E8E-9442-BFAD-A41F23251990}"/>
+              </a:ext>
+            </a:extLst>
+          </p:cNvPr>
+          <p:cNvPicPr>
+            <a:picLocks noGrp="1" noChangeAspect="1"/>
+          </p:cNvPicPr>
+          <p:nvPr>
+            <p:ph idx="1"/>
+          </p:nvPr>
+        </p:nvPicPr>
+        <p:blipFill rotWithShape="1">
+          <a:blip r:embed="rId2"/>
+          <a:srcRect r="47856"/>
+          <a:stretch/>
+        </p:blipFill>
+        <p:spPr>
+          <a:xfrm>
+            <a:off x="516038" y="1152041"/>
+            <a:ext cx="2364137" cy="876300"/>
+          </a:xfrm>
+        </p:spPr>
+      </p:pic>
+      <p:cxnSp>
+        <p:nvCxnSpPr>
+          <p:cNvPr id="6" name="Straight Connector 5">
+            <a:extLst>
+              <a:ext uri="{FF2B5EF4-FFF2-40B4-BE49-F238E27FC236}">
+                <a16:creationId xmlns:a16="http://schemas.microsoft.com/office/drawing/2014/main" id="{CD171E65-600E-2842-B04B-B40AD3C7287B}"/>
+              </a:ext>
+            </a:extLst>
+          </p:cNvPr>
+          <p:cNvCxnSpPr>
+            <a:cxnSpLocks/>
+          </p:cNvCxnSpPr>
+          <p:nvPr/>
+        </p:nvCxnSpPr>
+        <p:spPr>
+          <a:xfrm>
+            <a:off x="720671" y="1408044"/>
+            <a:ext cx="1774556" cy="0"/>
+          </a:xfrm>
+          <a:prstGeom prst="line">
+            <a:avLst/>
+          </a:prstGeom>
+          <a:ln w="25400">
+            <a:solidFill>
+              <a:srgbClr val="FF0000"/>
+            </a:solidFill>
+          </a:ln>
+        </p:spPr>
+        <p:style>
+          <a:lnRef idx="1">
+            <a:schemeClr val="accent1"/>
+          </a:lnRef>
+          <a:fillRef idx="0">
+            <a:schemeClr val="accent1"/>
+          </a:fillRef>
+          <a:effectRef idx="0">
+            <a:schemeClr val="accent1"/>
+          </a:effectRef>
+          <a:fontRef idx="minor">
+            <a:schemeClr val="tx1"/>
+          </a:fontRef>
+        </p:style>
+      </p:cxnSp>
+      <p:pic>
+        <p:nvPicPr>
+          <p:cNvPr id="5" name="Picture 4" descr="A picture containing game, table&#10;&#10;Description automatically generated">
+            <a:extLst>
+              <a:ext uri="{FF2B5EF4-FFF2-40B4-BE49-F238E27FC236}">
+                <a16:creationId xmlns:a16="http://schemas.microsoft.com/office/drawing/2014/main" id="{76670C22-10C9-984D-A334-FA372526BB11}"/>
+              </a:ext>
+            </a:extLst>
+          </p:cNvPr>
+          <p:cNvPicPr>
+            <a:picLocks noChangeAspect="1"/>
+          </p:cNvPicPr>
+          <p:nvPr/>
+        </p:nvPicPr>
+        <p:blipFill>
+          <a:blip r:embed="rId3"/>
+          <a:stretch>
+            <a:fillRect/>
+          </a:stretch>
+        </p:blipFill>
+        <p:spPr>
+          <a:xfrm>
+            <a:off x="2992787" y="961603"/>
+            <a:ext cx="5543154" cy="2182617"/>
+          </a:xfrm>
+          <a:prstGeom prst="rect">
+            <a:avLst/>
+          </a:prstGeom>
+        </p:spPr>
+      </p:pic>
+    </p:spTree>
+    <p:extLst>
+      <p:ext uri="{BB962C8B-B14F-4D97-AF65-F5344CB8AC3E}">
+        <p14:creationId xmlns:p14="http://schemas.microsoft.com/office/powerpoint/2010/main" val="1795659096"/>
+      </p:ext>
+    </p:extLst>
+  </p:cSld>
+  <p:clrMapOvr>
+    <a:masterClrMapping/>
+  </p:clrMapOvr>
+</p:sld>
+</file>
+
+<file path=ppt/slides/slide39.xml><?xml version="1.0" encoding="utf-8"?>
+<p:sld xmlns:a="http://schemas.openxmlformats.org/drawingml/2006/main" xmlns:r="http://schemas.openxmlformats.org/officeDocument/2006/relationships" xmlns:p="http://schemas.openxmlformats.org/presentationml/2006/main" show="0">
+  <p:cSld>
+    <p:spTree>
+      <p:nvGrpSpPr>
+        <p:cNvPr id="1" name=""/>
+        <p:cNvGrpSpPr/>
+        <p:nvPr/>
+      </p:nvGrpSpPr>
+      <p:grpSpPr>
+        <a:xfrm>
+          <a:off x="0" y="0"/>
+          <a:ext cx="0" cy="0"/>
+          <a:chOff x="0" y="0"/>
+          <a:chExt cx="0" cy="0"/>
+        </a:xfrm>
+      </p:grpSpPr>
+      <p:sp>
+        <p:nvSpPr>
+          <p:cNvPr id="2" name="Title 1">
+            <a:extLst>
+              <a:ext uri="{FF2B5EF4-FFF2-40B4-BE49-F238E27FC236}">
+                <a16:creationId xmlns:a16="http://schemas.microsoft.com/office/drawing/2014/main" id="{F301ED8F-4787-BB44-A31D-56A8EBB356A6}"/>
+              </a:ext>
+            </a:extLst>
+          </p:cNvPr>
+          <p:cNvSpPr>
+            <a:spLocks noGrp="1"/>
+          </p:cNvSpPr>
+          <p:nvPr>
+            <p:ph type="title"/>
+          </p:nvPr>
+        </p:nvSpPr>
+        <p:spPr/>
+        <p:txBody>
+          <a:bodyPr/>
+          <a:lstStyle/>
+          <a:p>
+            <a:r>
+              <a:rPr lang="en-US" dirty="0"/>
+              <a:t>Code – Edit Forward Pointer</a:t>
+            </a:r>
+          </a:p>
+        </p:txBody>
+      </p:sp>
+      <p:sp>
+        <p:nvSpPr>
+          <p:cNvPr id="8" name="TextBox 7">
+            <a:extLst>
+              <a:ext uri="{FF2B5EF4-FFF2-40B4-BE49-F238E27FC236}">
+                <a16:creationId xmlns:a16="http://schemas.microsoft.com/office/drawing/2014/main" id="{7276B931-B3EB-6441-AD0F-C781832BC418}"/>
+              </a:ext>
+            </a:extLst>
+          </p:cNvPr>
+          <p:cNvSpPr txBox="1"/>
+          <p:nvPr/>
+        </p:nvSpPr>
+        <p:spPr>
+          <a:xfrm>
+            <a:off x="516038" y="3115160"/>
+            <a:ext cx="5633634" cy="1477328"/>
+          </a:xfrm>
+          <a:prstGeom prst="rect">
+            <a:avLst/>
+          </a:prstGeom>
+          <a:noFill/>
+        </p:spPr>
+        <p:txBody>
+          <a:bodyPr wrap="square" rtlCol="0">
+            <a:spAutoFit/>
+          </a:bodyPr>
+          <a:lstStyle/>
+          <a:p>
+            <a:pPr marL="285750" indent="-285750">
+              <a:buFont typeface="Arial" panose="020B0604020202020204" pitchFamily="34" charset="0"/>
+              <a:buChar char="•"/>
+            </a:pPr>
+            <a:r>
+              <a:rPr lang="en-US" dirty="0"/>
+              <a:t>FD is a corrupted pointer (GOT/stack var/etc.) </a:t>
+            </a:r>
+          </a:p>
+          <a:p>
+            <a:pPr marL="285750" indent="-285750">
+              <a:buFont typeface="Arial" panose="020B0604020202020204" pitchFamily="34" charset="0"/>
+              <a:buChar char="•"/>
+            </a:pPr>
+            <a:r>
+              <a:rPr lang="en-US" dirty="0"/>
+              <a:t>BK is a corrupted pointer (GOT/stack var/etc.) </a:t>
+            </a:r>
+          </a:p>
+          <a:p>
+            <a:pPr marL="285750" indent="-285750">
+              <a:buFont typeface="Arial" panose="020B0604020202020204" pitchFamily="34" charset="0"/>
+              <a:buChar char="•"/>
+            </a:pPr>
+            <a:r>
+              <a:rPr lang="en-US" dirty="0">
+                <a:solidFill>
+                  <a:srgbClr val="FF0000"/>
+                </a:solidFill>
+              </a:rPr>
+              <a:t>FD + x = BK; </a:t>
+            </a:r>
+          </a:p>
+          <a:p>
+            <a:pPr marL="742950" lvl="1" indent="-285750">
+              <a:buFont typeface="Arial" panose="020B0604020202020204" pitchFamily="34" charset="0"/>
+              <a:buChar char="•"/>
+            </a:pPr>
+            <a:r>
+              <a:rPr lang="en-US" dirty="0">
+                <a:solidFill>
+                  <a:srgbClr val="FF0000"/>
+                </a:solidFill>
+              </a:rPr>
+              <a:t>Write BK to the address of FD </a:t>
+            </a:r>
+          </a:p>
+          <a:p>
+            <a:endParaRPr lang="en-US" dirty="0"/>
+          </a:p>
+        </p:txBody>
+      </p:sp>
+      <p:pic>
+        <p:nvPicPr>
+          <p:cNvPr id="9" name="Content Placeholder 8" descr="Unlink last two lines">
+            <a:extLst>
+              <a:ext uri="{FF2B5EF4-FFF2-40B4-BE49-F238E27FC236}">
+                <a16:creationId xmlns:a16="http://schemas.microsoft.com/office/drawing/2014/main" id="{F2A925A2-9E8E-9442-BFAD-A41F23251990}"/>
+              </a:ext>
+            </a:extLst>
+          </p:cNvPr>
+          <p:cNvPicPr>
+            <a:picLocks noGrp="1" noChangeAspect="1"/>
+          </p:cNvPicPr>
+          <p:nvPr>
+            <p:ph idx="1"/>
+          </p:nvPr>
+        </p:nvPicPr>
+        <p:blipFill rotWithShape="1">
+          <a:blip r:embed="rId2"/>
+          <a:srcRect r="47856"/>
+          <a:stretch/>
+        </p:blipFill>
+        <p:spPr>
+          <a:xfrm>
+            <a:off x="516038" y="1152041"/>
+            <a:ext cx="2364137" cy="876300"/>
+          </a:xfrm>
+        </p:spPr>
+      </p:pic>
+      <p:cxnSp>
+        <p:nvCxnSpPr>
+          <p:cNvPr id="6" name="Straight Connector 5">
+            <a:extLst>
+              <a:ext uri="{FF2B5EF4-FFF2-40B4-BE49-F238E27FC236}">
+                <a16:creationId xmlns:a16="http://schemas.microsoft.com/office/drawing/2014/main" id="{CD171E65-600E-2842-B04B-B40AD3C7287B}"/>
+              </a:ext>
+            </a:extLst>
+          </p:cNvPr>
+          <p:cNvCxnSpPr>
+            <a:cxnSpLocks/>
+          </p:cNvCxnSpPr>
+          <p:nvPr/>
+        </p:nvCxnSpPr>
+        <p:spPr>
+          <a:xfrm>
+            <a:off x="720671" y="1408044"/>
+            <a:ext cx="1774556" cy="0"/>
+          </a:xfrm>
+          <a:prstGeom prst="line">
+            <a:avLst/>
+          </a:prstGeom>
+          <a:ln w="25400">
+            <a:solidFill>
+              <a:srgbClr val="FF0000"/>
+            </a:solidFill>
+          </a:ln>
+        </p:spPr>
+        <p:style>
+          <a:lnRef idx="1">
+            <a:schemeClr val="accent1"/>
+          </a:lnRef>
+          <a:fillRef idx="0">
+            <a:schemeClr val="accent1"/>
+          </a:fillRef>
+          <a:effectRef idx="0">
+            <a:schemeClr val="accent1"/>
+          </a:effectRef>
+          <a:fontRef idx="minor">
+            <a:schemeClr val="tx1"/>
+          </a:fontRef>
+        </p:style>
+      </p:cxnSp>
+      <p:pic>
+        <p:nvPicPr>
+          <p:cNvPr id="5" name="Picture 4" descr="A picture containing game, table&#10;&#10;Description automatically generated">
+            <a:extLst>
+              <a:ext uri="{FF2B5EF4-FFF2-40B4-BE49-F238E27FC236}">
+                <a16:creationId xmlns:a16="http://schemas.microsoft.com/office/drawing/2014/main" id="{76670C22-10C9-984D-A334-FA372526BB11}"/>
+              </a:ext>
+            </a:extLst>
+          </p:cNvPr>
+          <p:cNvPicPr>
+            <a:picLocks noChangeAspect="1"/>
+          </p:cNvPicPr>
+          <p:nvPr/>
+        </p:nvPicPr>
+        <p:blipFill>
+          <a:blip r:embed="rId3"/>
+          <a:stretch>
+            <a:fillRect/>
+          </a:stretch>
+        </p:blipFill>
+        <p:spPr>
+          <a:xfrm>
+            <a:off x="2992787" y="961603"/>
+            <a:ext cx="5543154" cy="2182617"/>
+          </a:xfrm>
+          <a:prstGeom prst="rect">
+            <a:avLst/>
+          </a:prstGeom>
+        </p:spPr>
+      </p:pic>
+    </p:spTree>
+    <p:extLst>
+      <p:ext uri="{BB962C8B-B14F-4D97-AF65-F5344CB8AC3E}">
+        <p14:creationId xmlns:p14="http://schemas.microsoft.com/office/powerpoint/2010/main" val="2415842382"/>
       </p:ext>
     </p:extLst>
   </p:cSld>
@@ -36743,6 +36825,265 @@
 </file>
 
 <file path=ppt/slides/slide40.xml><?xml version="1.0" encoding="utf-8"?>
+<p:sld xmlns:a="http://schemas.openxmlformats.org/drawingml/2006/main" xmlns:r="http://schemas.openxmlformats.org/officeDocument/2006/relationships" xmlns:p="http://schemas.openxmlformats.org/presentationml/2006/main" show="0">
+  <p:cSld>
+    <p:spTree>
+      <p:nvGrpSpPr>
+        <p:cNvPr id="1" name=""/>
+        <p:cNvGrpSpPr/>
+        <p:nvPr/>
+      </p:nvGrpSpPr>
+      <p:grpSpPr>
+        <a:xfrm>
+          <a:off x="0" y="0"/>
+          <a:ext cx="0" cy="0"/>
+          <a:chOff x="0" y="0"/>
+          <a:chExt cx="0" cy="0"/>
+        </a:xfrm>
+      </p:grpSpPr>
+      <p:sp>
+        <p:nvSpPr>
+          <p:cNvPr id="2" name="Title 1">
+            <a:extLst>
+              <a:ext uri="{FF2B5EF4-FFF2-40B4-BE49-F238E27FC236}">
+                <a16:creationId xmlns:a16="http://schemas.microsoft.com/office/drawing/2014/main" id="{F301ED8F-4787-BB44-A31D-56A8EBB356A6}"/>
+              </a:ext>
+            </a:extLst>
+          </p:cNvPr>
+          <p:cNvSpPr>
+            <a:spLocks noGrp="1"/>
+          </p:cNvSpPr>
+          <p:nvPr>
+            <p:ph type="title"/>
+          </p:nvPr>
+        </p:nvSpPr>
+        <p:spPr/>
+        <p:txBody>
+          <a:bodyPr/>
+          <a:lstStyle/>
+          <a:p>
+            <a:r>
+              <a:rPr lang="en-US" dirty="0"/>
+              <a:t>Code – Edit Backward Pointer</a:t>
+            </a:r>
+          </a:p>
+        </p:txBody>
+      </p:sp>
+      <p:sp>
+        <p:nvSpPr>
+          <p:cNvPr id="8" name="TextBox 7">
+            <a:extLst>
+              <a:ext uri="{FF2B5EF4-FFF2-40B4-BE49-F238E27FC236}">
+                <a16:creationId xmlns:a16="http://schemas.microsoft.com/office/drawing/2014/main" id="{7276B931-B3EB-6441-AD0F-C781832BC418}"/>
+              </a:ext>
+            </a:extLst>
+          </p:cNvPr>
+          <p:cNvSpPr txBox="1"/>
+          <p:nvPr/>
+        </p:nvSpPr>
+        <p:spPr>
+          <a:xfrm>
+            <a:off x="516038" y="3115160"/>
+            <a:ext cx="5633634" cy="2031325"/>
+          </a:xfrm>
+          <a:prstGeom prst="rect">
+            <a:avLst/>
+          </a:prstGeom>
+          <a:noFill/>
+        </p:spPr>
+        <p:txBody>
+          <a:bodyPr wrap="square" rtlCol="0">
+            <a:spAutoFit/>
+          </a:bodyPr>
+          <a:lstStyle/>
+          <a:p>
+            <a:pPr marL="285750" indent="-285750">
+              <a:buFont typeface="Arial" panose="020B0604020202020204" pitchFamily="34" charset="0"/>
+              <a:buChar char="•"/>
+            </a:pPr>
+            <a:r>
+              <a:rPr lang="en-US" dirty="0"/>
+              <a:t>FD is a corrupted pointer (GOT/stack var/etc.) </a:t>
+            </a:r>
+          </a:p>
+          <a:p>
+            <a:pPr marL="285750" indent="-285750">
+              <a:buFont typeface="Arial" panose="020B0604020202020204" pitchFamily="34" charset="0"/>
+              <a:buChar char="•"/>
+            </a:pPr>
+            <a:r>
+              <a:rPr lang="en-US" dirty="0"/>
+              <a:t>BK is a corrupted pointer (GOT/stack var/etc.) </a:t>
+            </a:r>
+          </a:p>
+          <a:p>
+            <a:pPr marL="285750" indent="-285750">
+              <a:buFont typeface="Arial" panose="020B0604020202020204" pitchFamily="34" charset="0"/>
+              <a:buChar char="•"/>
+            </a:pPr>
+            <a:r>
+              <a:rPr lang="en-US" dirty="0"/>
+              <a:t>FD + x = BK; </a:t>
+            </a:r>
+          </a:p>
+          <a:p>
+            <a:pPr marL="742950" lvl="1" indent="-285750">
+              <a:buFont typeface="Arial" panose="020B0604020202020204" pitchFamily="34" charset="0"/>
+              <a:buChar char="•"/>
+            </a:pPr>
+            <a:r>
+              <a:rPr lang="en-US" dirty="0"/>
+              <a:t>Write BK to the address of FD </a:t>
+            </a:r>
+          </a:p>
+          <a:p>
+            <a:pPr marL="285750" indent="-285750">
+              <a:buFont typeface="Arial" panose="020B0604020202020204" pitchFamily="34" charset="0"/>
+              <a:buChar char="•"/>
+            </a:pPr>
+            <a:r>
+              <a:rPr lang="en-US" dirty="0">
+                <a:solidFill>
+                  <a:srgbClr val="FF0000"/>
+                </a:solidFill>
+              </a:rPr>
+              <a:t>BK + y = FD; 	</a:t>
+            </a:r>
+          </a:p>
+          <a:p>
+            <a:pPr marL="742950" lvl="1" indent="-285750">
+              <a:buFont typeface="Arial" panose="020B0604020202020204" pitchFamily="34" charset="0"/>
+              <a:buChar char="•"/>
+            </a:pPr>
+            <a:r>
+              <a:rPr lang="en-US" dirty="0">
+                <a:solidFill>
+                  <a:srgbClr val="FF0000"/>
+                </a:solidFill>
+              </a:rPr>
+              <a:t>Write FD to the address of BK</a:t>
+            </a:r>
+          </a:p>
+          <a:p>
+            <a:endParaRPr lang="en-US" dirty="0"/>
+          </a:p>
+        </p:txBody>
+      </p:sp>
+      <p:pic>
+        <p:nvPicPr>
+          <p:cNvPr id="9" name="Content Placeholder 8" descr="Unlink last two lines">
+            <a:extLst>
+              <a:ext uri="{FF2B5EF4-FFF2-40B4-BE49-F238E27FC236}">
+                <a16:creationId xmlns:a16="http://schemas.microsoft.com/office/drawing/2014/main" id="{F2A925A2-9E8E-9442-BFAD-A41F23251990}"/>
+              </a:ext>
+            </a:extLst>
+          </p:cNvPr>
+          <p:cNvPicPr>
+            <a:picLocks noGrp="1" noChangeAspect="1"/>
+          </p:cNvPicPr>
+          <p:nvPr>
+            <p:ph idx="1"/>
+          </p:nvPr>
+        </p:nvPicPr>
+        <p:blipFill rotWithShape="1">
+          <a:blip r:embed="rId2"/>
+          <a:srcRect r="47856"/>
+          <a:stretch/>
+        </p:blipFill>
+        <p:spPr>
+          <a:xfrm>
+            <a:off x="516038" y="1152041"/>
+            <a:ext cx="2364137" cy="876300"/>
+          </a:xfrm>
+        </p:spPr>
+      </p:pic>
+      <p:cxnSp>
+        <p:nvCxnSpPr>
+          <p:cNvPr id="6" name="Straight Connector 5">
+            <a:extLst>
+              <a:ext uri="{FF2B5EF4-FFF2-40B4-BE49-F238E27FC236}">
+                <a16:creationId xmlns:a16="http://schemas.microsoft.com/office/drawing/2014/main" id="{CD171E65-600E-2842-B04B-B40AD3C7287B}"/>
+              </a:ext>
+            </a:extLst>
+          </p:cNvPr>
+          <p:cNvCxnSpPr>
+            <a:cxnSpLocks/>
+          </p:cNvCxnSpPr>
+          <p:nvPr/>
+        </p:nvCxnSpPr>
+        <p:spPr>
+          <a:xfrm>
+            <a:off x="705173" y="1648267"/>
+            <a:ext cx="1774556" cy="0"/>
+          </a:xfrm>
+          <a:prstGeom prst="line">
+            <a:avLst/>
+          </a:prstGeom>
+          <a:ln w="25400">
+            <a:solidFill>
+              <a:srgbClr val="FF0000"/>
+            </a:solidFill>
+          </a:ln>
+        </p:spPr>
+        <p:style>
+          <a:lnRef idx="1">
+            <a:schemeClr val="accent1"/>
+          </a:lnRef>
+          <a:fillRef idx="0">
+            <a:schemeClr val="accent1"/>
+          </a:fillRef>
+          <a:effectRef idx="0">
+            <a:schemeClr val="accent1"/>
+          </a:effectRef>
+          <a:fontRef idx="minor">
+            <a:schemeClr val="tx1"/>
+          </a:fontRef>
+        </p:style>
+      </p:cxnSp>
+      <p:pic>
+        <p:nvPicPr>
+          <p:cNvPr id="4" name="Picture 3" descr="A close up of a sign&#10;&#10;Description automatically generated">
+            <a:extLst>
+              <a:ext uri="{FF2B5EF4-FFF2-40B4-BE49-F238E27FC236}">
+                <a16:creationId xmlns:a16="http://schemas.microsoft.com/office/drawing/2014/main" id="{27733851-8AC7-B648-9CC3-08F3D2C31BFE}"/>
+              </a:ext>
+            </a:extLst>
+          </p:cNvPr>
+          <p:cNvPicPr>
+            <a:picLocks noChangeAspect="1"/>
+          </p:cNvPicPr>
+          <p:nvPr/>
+        </p:nvPicPr>
+        <p:blipFill>
+          <a:blip r:embed="rId3"/>
+          <a:stretch>
+            <a:fillRect/>
+          </a:stretch>
+        </p:blipFill>
+        <p:spPr>
+          <a:xfrm>
+            <a:off x="3148509" y="984787"/>
+            <a:ext cx="5366841" cy="2087105"/>
+          </a:xfrm>
+          <a:prstGeom prst="rect">
+            <a:avLst/>
+          </a:prstGeom>
+        </p:spPr>
+      </p:pic>
+    </p:spTree>
+    <p:extLst>
+      <p:ext uri="{BB962C8B-B14F-4D97-AF65-F5344CB8AC3E}">
+        <p14:creationId xmlns:p14="http://schemas.microsoft.com/office/powerpoint/2010/main" val="3001743624"/>
+      </p:ext>
+    </p:extLst>
+  </p:cSld>
+  <p:clrMapOvr>
+    <a:masterClrMapping/>
+  </p:clrMapOvr>
+</p:sld>
+</file>
+
+<file path=ppt/slides/slide41.xml><?xml version="1.0" encoding="utf-8"?>
 <p:sld xmlns:a="http://schemas.openxmlformats.org/drawingml/2006/main" xmlns:r="http://schemas.openxmlformats.org/officeDocument/2006/relationships" xmlns:p="http://schemas.openxmlformats.org/presentationml/2006/main">
   <p:cSld>
     <p:spTree>
@@ -37132,7 +37473,170 @@
 </p:sld>
 </file>
 
-<file path=ppt/slides/slide41.xml><?xml version="1.0" encoding="utf-8"?>
+<file path=ppt/slides/slide42.xml><?xml version="1.0" encoding="utf-8"?>
+<p:sld xmlns:a="http://schemas.openxmlformats.org/drawingml/2006/main" xmlns:r="http://schemas.openxmlformats.org/officeDocument/2006/relationships" xmlns:p="http://schemas.openxmlformats.org/presentationml/2006/main" show="0">
+  <p:cSld>
+    <p:spTree>
+      <p:nvGrpSpPr>
+        <p:cNvPr id="1" name=""/>
+        <p:cNvGrpSpPr/>
+        <p:nvPr/>
+      </p:nvGrpSpPr>
+      <p:grpSpPr>
+        <a:xfrm>
+          <a:off x="0" y="0"/>
+          <a:ext cx="0" cy="0"/>
+          <a:chOff x="0" y="0"/>
+          <a:chExt cx="0" cy="0"/>
+        </a:xfrm>
+      </p:grpSpPr>
+      <p:sp>
+        <p:nvSpPr>
+          <p:cNvPr id="2" name="Title 1">
+            <a:extLst>
+              <a:ext uri="{FF2B5EF4-FFF2-40B4-BE49-F238E27FC236}">
+                <a16:creationId xmlns:a16="http://schemas.microsoft.com/office/drawing/2014/main" id="{F301ED8F-4787-BB44-A31D-56A8EBB356A6}"/>
+              </a:ext>
+            </a:extLst>
+          </p:cNvPr>
+          <p:cNvSpPr>
+            <a:spLocks noGrp="1"/>
+          </p:cNvSpPr>
+          <p:nvPr>
+            <p:ph type="title"/>
+          </p:nvPr>
+        </p:nvSpPr>
+        <p:spPr/>
+        <p:txBody>
+          <a:bodyPr/>
+          <a:lstStyle/>
+          <a:p>
+            <a:r>
+              <a:rPr lang="en-US" dirty="0"/>
+              <a:t>Fake Unlink Pointers</a:t>
+            </a:r>
+          </a:p>
+        </p:txBody>
+      </p:sp>
+      <p:sp>
+        <p:nvSpPr>
+          <p:cNvPr id="8" name="TextBox 7">
+            <a:extLst>
+              <a:ext uri="{FF2B5EF4-FFF2-40B4-BE49-F238E27FC236}">
+                <a16:creationId xmlns:a16="http://schemas.microsoft.com/office/drawing/2014/main" id="{7276B931-B3EB-6441-AD0F-C781832BC418}"/>
+              </a:ext>
+            </a:extLst>
+          </p:cNvPr>
+          <p:cNvSpPr txBox="1"/>
+          <p:nvPr/>
+        </p:nvSpPr>
+        <p:spPr>
+          <a:xfrm>
+            <a:off x="516038" y="3252795"/>
+            <a:ext cx="5633634" cy="646331"/>
+          </a:xfrm>
+          <a:prstGeom prst="rect">
+            <a:avLst/>
+          </a:prstGeom>
+          <a:noFill/>
+        </p:spPr>
+        <p:txBody>
+          <a:bodyPr wrap="square" rtlCol="0">
+            <a:spAutoFit/>
+          </a:bodyPr>
+          <a:lstStyle/>
+          <a:p>
+            <a:pPr marL="285750" indent="-285750">
+              <a:buFont typeface="Arial" panose="020B0604020202020204" pitchFamily="34" charset="0"/>
+              <a:buChar char="•"/>
+            </a:pPr>
+            <a:r>
+              <a:rPr lang="en-US" dirty="0"/>
+              <a:t>Just going to remove the yellow chunks where the linked list </a:t>
+            </a:r>
+            <a:r>
+              <a:rPr lang="en-US" i="1" dirty="0"/>
+              <a:t>should</a:t>
+            </a:r>
+            <a:r>
+              <a:rPr lang="en-US" dirty="0"/>
+              <a:t> be at</a:t>
+            </a:r>
+          </a:p>
+        </p:txBody>
+      </p:sp>
+      <p:pic>
+        <p:nvPicPr>
+          <p:cNvPr id="9" name="Content Placeholder 8" descr="Unlink last two lines">
+            <a:extLst>
+              <a:ext uri="{FF2B5EF4-FFF2-40B4-BE49-F238E27FC236}">
+                <a16:creationId xmlns:a16="http://schemas.microsoft.com/office/drawing/2014/main" id="{F2A925A2-9E8E-9442-BFAD-A41F23251990}"/>
+              </a:ext>
+            </a:extLst>
+          </p:cNvPr>
+          <p:cNvPicPr>
+            <a:picLocks noGrp="1" noChangeAspect="1"/>
+          </p:cNvPicPr>
+          <p:nvPr>
+            <p:ph idx="1"/>
+          </p:nvPr>
+        </p:nvPicPr>
+        <p:blipFill rotWithShape="1">
+          <a:blip r:embed="rId2"/>
+          <a:srcRect r="47856"/>
+          <a:stretch/>
+        </p:blipFill>
+        <p:spPr>
+          <a:xfrm>
+            <a:off x="516038" y="1152041"/>
+            <a:ext cx="2364137" cy="876300"/>
+          </a:xfrm>
+        </p:spPr>
+      </p:pic>
+      <p:pic>
+        <p:nvPicPr>
+          <p:cNvPr id="4" name="Picture 3" descr="Corrupted Chunk Pointers">
+            <a:extLst>
+              <a:ext uri="{FF2B5EF4-FFF2-40B4-BE49-F238E27FC236}">
+                <a16:creationId xmlns:a16="http://schemas.microsoft.com/office/drawing/2014/main" id="{316973F4-E232-C546-B51D-75456C7F1A1C}"/>
+              </a:ext>
+            </a:extLst>
+          </p:cNvPr>
+          <p:cNvPicPr>
+            <a:picLocks noChangeAspect="1"/>
+          </p:cNvPicPr>
+          <p:nvPr/>
+        </p:nvPicPr>
+        <p:blipFill>
+          <a:blip r:embed="rId3"/>
+          <a:stretch>
+            <a:fillRect/>
+          </a:stretch>
+        </p:blipFill>
+        <p:spPr>
+          <a:xfrm>
+            <a:off x="3225261" y="953683"/>
+            <a:ext cx="5561309" cy="2328798"/>
+          </a:xfrm>
+          <a:prstGeom prst="rect">
+            <a:avLst/>
+          </a:prstGeom>
+        </p:spPr>
+      </p:pic>
+    </p:spTree>
+    <p:extLst>
+      <p:ext uri="{BB962C8B-B14F-4D97-AF65-F5344CB8AC3E}">
+        <p14:creationId xmlns:p14="http://schemas.microsoft.com/office/powerpoint/2010/main" val="85342651"/>
+      </p:ext>
+    </p:extLst>
+  </p:cSld>
+  <p:clrMapOvr>
+    <a:masterClrMapping/>
+  </p:clrMapOvr>
+</p:sld>
+</file>
+
+<file path=ppt/slides/slide43.xml><?xml version="1.0" encoding="utf-8"?>
 <p:sld xmlns:a="http://schemas.openxmlformats.org/drawingml/2006/main" xmlns:r="http://schemas.openxmlformats.org/officeDocument/2006/relationships" xmlns:p="http://schemas.openxmlformats.org/presentationml/2006/main">
   <p:cSld>
     <p:spTree>
@@ -37362,7 +37866,7 @@
 </p:sld>
 </file>
 
-<file path=ppt/slides/slide42.xml><?xml version="1.0" encoding="utf-8"?>
+<file path=ppt/slides/slide44.xml><?xml version="1.0" encoding="utf-8"?>
 <p:sld xmlns:a="http://schemas.openxmlformats.org/drawingml/2006/main" xmlns:r="http://schemas.openxmlformats.org/officeDocument/2006/relationships" xmlns:p="http://schemas.openxmlformats.org/presentationml/2006/main">
   <p:cSld>
     <p:spTree>
@@ -37592,7 +38096,7 @@
 </p:sld>
 </file>
 
-<file path=ppt/slides/slide43.xml><?xml version="1.0" encoding="utf-8"?>
+<file path=ppt/slides/slide45.xml><?xml version="1.0" encoding="utf-8"?>
 <p:sld xmlns:a="http://schemas.openxmlformats.org/drawingml/2006/main" xmlns:r="http://schemas.openxmlformats.org/officeDocument/2006/relationships" xmlns:p="http://schemas.openxmlformats.org/presentationml/2006/main">
   <p:cSld>
     <p:spTree>
@@ -37828,7 +38332,7 @@
 </p:sld>
 </file>
 
-<file path=ppt/slides/slide44.xml><?xml version="1.0" encoding="utf-8"?>
+<file path=ppt/slides/slide46.xml><?xml version="1.0" encoding="utf-8"?>
 <p:sld xmlns:a="http://schemas.openxmlformats.org/drawingml/2006/main" xmlns:r="http://schemas.openxmlformats.org/officeDocument/2006/relationships" xmlns:p="http://schemas.openxmlformats.org/presentationml/2006/main">
   <p:cSld>
     <p:spTree>
@@ -37979,7 +38483,7 @@
 </p:sld>
 </file>
 
-<file path=ppt/slides/slide45.xml><?xml version="1.0" encoding="utf-8"?>
+<file path=ppt/slides/slide47.xml><?xml version="1.0" encoding="utf-8"?>
 <p:sld xmlns:a="http://schemas.openxmlformats.org/drawingml/2006/main" xmlns:r="http://schemas.openxmlformats.org/officeDocument/2006/relationships" xmlns:p="http://schemas.openxmlformats.org/presentationml/2006/main">
   <p:cSld>
     <p:spTree>
@@ -38168,7 +38672,7 @@
 </p:sld>
 </file>
 
-<file path=ppt/slides/slide46.xml><?xml version="1.0" encoding="utf-8"?>
+<file path=ppt/slides/slide48.xml><?xml version="1.0" encoding="utf-8"?>
 <p:sld xmlns:a="http://schemas.openxmlformats.org/drawingml/2006/main" xmlns:r="http://schemas.openxmlformats.org/officeDocument/2006/relationships" xmlns:p="http://schemas.openxmlformats.org/presentationml/2006/main">
   <p:cSld>
     <p:spTree>
@@ -38349,7 +38853,7 @@
 </p:sld>
 </file>
 
-<file path=ppt/slides/slide47.xml><?xml version="1.0" encoding="utf-8"?>
+<file path=ppt/slides/slide49.xml><?xml version="1.0" encoding="utf-8"?>
 <p:sld xmlns:a="http://schemas.openxmlformats.org/drawingml/2006/main" xmlns:r="http://schemas.openxmlformats.org/officeDocument/2006/relationships" xmlns:p="http://schemas.openxmlformats.org/presentationml/2006/main">
   <p:cSld>
     <p:spTree>
@@ -38506,561 +39010,6 @@
     <p:extLst>
       <p:ext uri="{BB962C8B-B14F-4D97-AF65-F5344CB8AC3E}">
         <p14:creationId xmlns:p14="http://schemas.microsoft.com/office/powerpoint/2010/main" val="1283310742"/>
-      </p:ext>
-    </p:extLst>
-  </p:cSld>
-  <p:clrMapOvr>
-    <a:masterClrMapping/>
-  </p:clrMapOvr>
-</p:sld>
-</file>
-
-<file path=ppt/slides/slide48.xml><?xml version="1.0" encoding="utf-8"?>
-<p:sld xmlns:a="http://schemas.openxmlformats.org/drawingml/2006/main" xmlns:r="http://schemas.openxmlformats.org/officeDocument/2006/relationships" xmlns:p="http://schemas.openxmlformats.org/presentationml/2006/main">
-  <p:cSld>
-    <p:spTree>
-      <p:nvGrpSpPr>
-        <p:cNvPr id="1" name=""/>
-        <p:cNvGrpSpPr/>
-        <p:nvPr/>
-      </p:nvGrpSpPr>
-      <p:grpSpPr>
-        <a:xfrm>
-          <a:off x="0" y="0"/>
-          <a:ext cx="0" cy="0"/>
-          <a:chOff x="0" y="0"/>
-          <a:chExt cx="0" cy="0"/>
-        </a:xfrm>
-      </p:grpSpPr>
-      <p:sp>
-        <p:nvSpPr>
-          <p:cNvPr id="2" name="Title 1">
-            <a:extLst>
-              <a:ext uri="{FF2B5EF4-FFF2-40B4-BE49-F238E27FC236}">
-                <a16:creationId xmlns:a16="http://schemas.microsoft.com/office/drawing/2014/main" id="{F301ED8F-4787-BB44-A31D-56A8EBB356A6}"/>
-              </a:ext>
-            </a:extLst>
-          </p:cNvPr>
-          <p:cNvSpPr>
-            <a:spLocks noGrp="1"/>
-          </p:cNvSpPr>
-          <p:nvPr>
-            <p:ph type="title"/>
-          </p:nvPr>
-        </p:nvSpPr>
-        <p:spPr/>
-        <p:txBody>
-          <a:bodyPr/>
-          <a:lstStyle/>
-          <a:p>
-            <a:r>
-              <a:rPr lang="en-US" dirty="0"/>
-              <a:t>Fake Unlink Pointers</a:t>
-            </a:r>
-          </a:p>
-        </p:txBody>
-      </p:sp>
-      <p:sp>
-        <p:nvSpPr>
-          <p:cNvPr id="8" name="TextBox 7">
-            <a:extLst>
-              <a:ext uri="{FF2B5EF4-FFF2-40B4-BE49-F238E27FC236}">
-                <a16:creationId xmlns:a16="http://schemas.microsoft.com/office/drawing/2014/main" id="{7276B931-B3EB-6441-AD0F-C781832BC418}"/>
-              </a:ext>
-            </a:extLst>
-          </p:cNvPr>
-          <p:cNvSpPr txBox="1"/>
-          <p:nvPr/>
-        </p:nvSpPr>
-        <p:spPr>
-          <a:xfrm>
-            <a:off x="534699" y="3218314"/>
-            <a:ext cx="6127358" cy="1477328"/>
-          </a:xfrm>
-          <a:prstGeom prst="rect">
-            <a:avLst/>
-          </a:prstGeom>
-          <a:noFill/>
-        </p:spPr>
-        <p:txBody>
-          <a:bodyPr wrap="square" rtlCol="0">
-            <a:spAutoFit/>
-          </a:bodyPr>
-          <a:lstStyle/>
-          <a:p>
-            <a:pPr marL="285750" indent="-285750">
-              <a:buFont typeface="Arial" panose="020B0604020202020204" pitchFamily="34" charset="0"/>
-              <a:buChar char="•"/>
-            </a:pPr>
-            <a:r>
-              <a:rPr lang="en-US" dirty="0"/>
-              <a:t>WHERE is a corrupted pointer (GOT entry)</a:t>
-            </a:r>
-          </a:p>
-          <a:p>
-            <a:pPr marL="285750" indent="-285750">
-              <a:buFont typeface="Arial" panose="020B0604020202020204" pitchFamily="34" charset="0"/>
-              <a:buChar char="•"/>
-            </a:pPr>
-            <a:r>
-              <a:rPr lang="en-US" dirty="0"/>
-              <a:t>WHAT is a corrupted pointer (heap, where shellcode lives)</a:t>
-            </a:r>
-          </a:p>
-          <a:p>
-            <a:pPr marL="285750" indent="-285750">
-              <a:buFont typeface="Arial" panose="020B0604020202020204" pitchFamily="34" charset="0"/>
-              <a:buChar char="•"/>
-            </a:pPr>
-            <a:r>
-              <a:rPr lang="en-US" dirty="0"/>
-              <a:t>Set WHERE - 0x18 = WHAT</a:t>
-            </a:r>
-          </a:p>
-          <a:p>
-            <a:pPr marL="742950" lvl="1" indent="-285750">
-              <a:buFont typeface="Arial" panose="020B0604020202020204" pitchFamily="34" charset="0"/>
-              <a:buChar char="•"/>
-            </a:pPr>
-            <a:r>
-              <a:rPr lang="en-US" dirty="0"/>
-              <a:t>Offset is because </a:t>
-            </a:r>
-            <a:r>
-              <a:rPr lang="en-US" i="1" dirty="0"/>
-              <a:t>‘bk’ </a:t>
-            </a:r>
-            <a:r>
-              <a:rPr lang="en-US" dirty="0"/>
-              <a:t>is the fourth element of struct</a:t>
-            </a:r>
-          </a:p>
-          <a:p>
-            <a:pPr marL="742950" lvl="1" indent="-285750">
-              <a:buFont typeface="Arial" panose="020B0604020202020204" pitchFamily="34" charset="0"/>
-              <a:buChar char="•"/>
-            </a:pPr>
-            <a:r>
-              <a:rPr lang="en-US" dirty="0"/>
-              <a:t>Set </a:t>
-            </a:r>
-            <a:r>
-              <a:rPr lang="en-US" i="1" dirty="0"/>
-              <a:t>BK</a:t>
-            </a:r>
-            <a:r>
-              <a:rPr lang="en-US" dirty="0"/>
-              <a:t> to be address of shellcode </a:t>
-            </a:r>
-            <a:r>
-              <a:rPr lang="en-US" dirty="0">
-                <a:sym typeface="Wingdings" pitchFamily="2" charset="2"/>
-              </a:rPr>
-              <a:t> </a:t>
-            </a:r>
-            <a:endParaRPr lang="en-US" dirty="0"/>
-          </a:p>
-        </p:txBody>
-      </p:sp>
-      <p:cxnSp>
-        <p:nvCxnSpPr>
-          <p:cNvPr id="12" name="Straight Connector 11">
-            <a:extLst>
-              <a:ext uri="{FF2B5EF4-FFF2-40B4-BE49-F238E27FC236}">
-                <a16:creationId xmlns:a16="http://schemas.microsoft.com/office/drawing/2014/main" id="{F2AB99D8-6B45-DF4C-ABFE-19E446C9EC91}"/>
-              </a:ext>
-            </a:extLst>
-          </p:cNvPr>
-          <p:cNvCxnSpPr>
-            <a:cxnSpLocks/>
-          </p:cNvCxnSpPr>
-          <p:nvPr/>
-        </p:nvCxnSpPr>
-        <p:spPr>
-          <a:xfrm>
-            <a:off x="1226683" y="4063824"/>
-            <a:ext cx="2123007" cy="0"/>
-          </a:xfrm>
-          <a:prstGeom prst="line">
-            <a:avLst/>
-          </a:prstGeom>
-          <a:ln w="25400">
-            <a:solidFill>
-              <a:srgbClr val="FF0000"/>
-            </a:solidFill>
-          </a:ln>
-        </p:spPr>
-        <p:style>
-          <a:lnRef idx="1">
-            <a:schemeClr val="accent1"/>
-          </a:lnRef>
-          <a:fillRef idx="0">
-            <a:schemeClr val="accent1"/>
-          </a:fillRef>
-          <a:effectRef idx="0">
-            <a:schemeClr val="accent1"/>
-          </a:effectRef>
-          <a:fontRef idx="minor">
-            <a:schemeClr val="tx1"/>
-          </a:fontRef>
-        </p:style>
-      </p:cxnSp>
-      <p:pic>
-        <p:nvPicPr>
-          <p:cNvPr id="4" name="Picture 3" descr="Unlink POC WRITE on the bk of the FD (WHERE) ">
-            <a:extLst>
-              <a:ext uri="{FF2B5EF4-FFF2-40B4-BE49-F238E27FC236}">
-                <a16:creationId xmlns:a16="http://schemas.microsoft.com/office/drawing/2014/main" id="{B1D5C460-03E0-CC45-B51B-FD4ECD0C497A}"/>
-              </a:ext>
-            </a:extLst>
-          </p:cNvPr>
-          <p:cNvPicPr>
-            <a:picLocks noChangeAspect="1"/>
-          </p:cNvPicPr>
-          <p:nvPr/>
-        </p:nvPicPr>
-        <p:blipFill>
-          <a:blip r:embed="rId2"/>
-          <a:stretch>
-            <a:fillRect/>
-          </a:stretch>
-        </p:blipFill>
-        <p:spPr>
-          <a:xfrm>
-            <a:off x="3174093" y="1152041"/>
-            <a:ext cx="5381917" cy="2066272"/>
-          </a:xfrm>
-          <a:prstGeom prst="rect">
-            <a:avLst/>
-          </a:prstGeom>
-        </p:spPr>
-      </p:pic>
-      <p:pic>
-        <p:nvPicPr>
-          <p:cNvPr id="13" name="Picture 12" descr="Unlink WHAT and WHERE">
-            <a:extLst>
-              <a:ext uri="{FF2B5EF4-FFF2-40B4-BE49-F238E27FC236}">
-                <a16:creationId xmlns:a16="http://schemas.microsoft.com/office/drawing/2014/main" id="{74FCEE4C-E3EC-0241-B2FC-F5F723233F31}"/>
-              </a:ext>
-            </a:extLst>
-          </p:cNvPr>
-          <p:cNvPicPr>
-            <a:picLocks noChangeAspect="1"/>
-          </p:cNvPicPr>
-          <p:nvPr/>
-        </p:nvPicPr>
-        <p:blipFill rotWithShape="1">
-          <a:blip r:embed="rId3"/>
-          <a:srcRect l="11066" t="56113" r="43015" b="14925"/>
-          <a:stretch/>
-        </p:blipFill>
-        <p:spPr>
-          <a:xfrm>
-            <a:off x="368602" y="1083267"/>
-            <a:ext cx="2548433" cy="703823"/>
-          </a:xfrm>
-          <a:prstGeom prst="rect">
-            <a:avLst/>
-          </a:prstGeom>
-        </p:spPr>
-      </p:pic>
-      <p:cxnSp>
-        <p:nvCxnSpPr>
-          <p:cNvPr id="10" name="Straight Connector 9">
-            <a:extLst>
-              <a:ext uri="{FF2B5EF4-FFF2-40B4-BE49-F238E27FC236}">
-                <a16:creationId xmlns:a16="http://schemas.microsoft.com/office/drawing/2014/main" id="{F436FA15-5100-A64B-B744-F07369F74153}"/>
-              </a:ext>
-            </a:extLst>
-          </p:cNvPr>
-          <p:cNvCxnSpPr>
-            <a:cxnSpLocks/>
-            <a:endCxn id="13" idx="3"/>
-          </p:cNvCxnSpPr>
-          <p:nvPr/>
-        </p:nvCxnSpPr>
-        <p:spPr>
-          <a:xfrm>
-            <a:off x="380337" y="1416359"/>
-            <a:ext cx="2536698" cy="18820"/>
-          </a:xfrm>
-          <a:prstGeom prst="line">
-            <a:avLst/>
-          </a:prstGeom>
-          <a:ln w="25400">
-            <a:solidFill>
-              <a:srgbClr val="FF0000"/>
-            </a:solidFill>
-          </a:ln>
-        </p:spPr>
-        <p:style>
-          <a:lnRef idx="1">
-            <a:schemeClr val="accent1"/>
-          </a:lnRef>
-          <a:fillRef idx="0">
-            <a:schemeClr val="accent1"/>
-          </a:fillRef>
-          <a:effectRef idx="0">
-            <a:schemeClr val="accent1"/>
-          </a:effectRef>
-          <a:fontRef idx="minor">
-            <a:schemeClr val="tx1"/>
-          </a:fontRef>
-        </p:style>
-      </p:cxnSp>
-    </p:spTree>
-    <p:extLst>
-      <p:ext uri="{BB962C8B-B14F-4D97-AF65-F5344CB8AC3E}">
-        <p14:creationId xmlns:p14="http://schemas.microsoft.com/office/powerpoint/2010/main" val="1374347619"/>
-      </p:ext>
-    </p:extLst>
-  </p:cSld>
-  <p:clrMapOvr>
-    <a:masterClrMapping/>
-  </p:clrMapOvr>
-</p:sld>
-</file>
-
-<file path=ppt/slides/slide49.xml><?xml version="1.0" encoding="utf-8"?>
-<p:sld xmlns:a="http://schemas.openxmlformats.org/drawingml/2006/main" xmlns:r="http://schemas.openxmlformats.org/officeDocument/2006/relationships" xmlns:p="http://schemas.openxmlformats.org/presentationml/2006/main">
-  <p:cSld>
-    <p:spTree>
-      <p:nvGrpSpPr>
-        <p:cNvPr id="1" name=""/>
-        <p:cNvGrpSpPr/>
-        <p:nvPr/>
-      </p:nvGrpSpPr>
-      <p:grpSpPr>
-        <a:xfrm>
-          <a:off x="0" y="0"/>
-          <a:ext cx="0" cy="0"/>
-          <a:chOff x="0" y="0"/>
-          <a:chExt cx="0" cy="0"/>
-        </a:xfrm>
-      </p:grpSpPr>
-      <p:sp>
-        <p:nvSpPr>
-          <p:cNvPr id="2" name="Title 1">
-            <a:extLst>
-              <a:ext uri="{FF2B5EF4-FFF2-40B4-BE49-F238E27FC236}">
-                <a16:creationId xmlns:a16="http://schemas.microsoft.com/office/drawing/2014/main" id="{F301ED8F-4787-BB44-A31D-56A8EBB356A6}"/>
-              </a:ext>
-            </a:extLst>
-          </p:cNvPr>
-          <p:cNvSpPr>
-            <a:spLocks noGrp="1"/>
-          </p:cNvSpPr>
-          <p:nvPr>
-            <p:ph type="title"/>
-          </p:nvPr>
-        </p:nvSpPr>
-        <p:spPr/>
-        <p:txBody>
-          <a:bodyPr/>
-          <a:lstStyle/>
-          <a:p>
-            <a:r>
-              <a:rPr lang="en-US" dirty="0"/>
-              <a:t>Fake Unlink Pointers</a:t>
-            </a:r>
-          </a:p>
-        </p:txBody>
-      </p:sp>
-      <p:pic>
-        <p:nvPicPr>
-          <p:cNvPr id="13" name="Picture 12" descr="Unlink WHAT and WHERE">
-            <a:extLst>
-              <a:ext uri="{FF2B5EF4-FFF2-40B4-BE49-F238E27FC236}">
-                <a16:creationId xmlns:a16="http://schemas.microsoft.com/office/drawing/2014/main" id="{74FCEE4C-E3EC-0241-B2FC-F5F723233F31}"/>
-              </a:ext>
-            </a:extLst>
-          </p:cNvPr>
-          <p:cNvPicPr>
-            <a:picLocks noChangeAspect="1"/>
-          </p:cNvPicPr>
-          <p:nvPr/>
-        </p:nvPicPr>
-        <p:blipFill rotWithShape="1">
-          <a:blip r:embed="rId2"/>
-          <a:srcRect l="11066" t="56113" r="43015" b="14925"/>
-          <a:stretch/>
-        </p:blipFill>
-        <p:spPr>
-          <a:xfrm>
-            <a:off x="368602" y="1083267"/>
-            <a:ext cx="2548433" cy="703823"/>
-          </a:xfrm>
-          <a:prstGeom prst="rect">
-            <a:avLst/>
-          </a:prstGeom>
-        </p:spPr>
-      </p:pic>
-      <p:cxnSp>
-        <p:nvCxnSpPr>
-          <p:cNvPr id="10" name="Straight Connector 9">
-            <a:extLst>
-              <a:ext uri="{FF2B5EF4-FFF2-40B4-BE49-F238E27FC236}">
-                <a16:creationId xmlns:a16="http://schemas.microsoft.com/office/drawing/2014/main" id="{F436FA15-5100-A64B-B744-F07369F74153}"/>
-              </a:ext>
-            </a:extLst>
-          </p:cNvPr>
-          <p:cNvCxnSpPr>
-            <a:cxnSpLocks/>
-          </p:cNvCxnSpPr>
-          <p:nvPr/>
-        </p:nvCxnSpPr>
-        <p:spPr>
-          <a:xfrm>
-            <a:off x="368602" y="1696277"/>
-            <a:ext cx="2536698" cy="18820"/>
-          </a:xfrm>
-          <a:prstGeom prst="line">
-            <a:avLst/>
-          </a:prstGeom>
-          <a:ln w="25400">
-            <a:solidFill>
-              <a:srgbClr val="FF0000"/>
-            </a:solidFill>
-          </a:ln>
-        </p:spPr>
-        <p:style>
-          <a:lnRef idx="1">
-            <a:schemeClr val="accent1"/>
-          </a:lnRef>
-          <a:fillRef idx="0">
-            <a:schemeClr val="accent1"/>
-          </a:fillRef>
-          <a:effectRef idx="0">
-            <a:schemeClr val="accent1"/>
-          </a:effectRef>
-          <a:fontRef idx="minor">
-            <a:schemeClr val="tx1"/>
-          </a:fontRef>
-        </p:style>
-      </p:cxnSp>
-      <p:pic>
-        <p:nvPicPr>
-          <p:cNvPr id="5" name="Picture 4" descr="Write BACK to the location of the shellcode with the address of the GOT entry">
-            <a:extLst>
-              <a:ext uri="{FF2B5EF4-FFF2-40B4-BE49-F238E27FC236}">
-                <a16:creationId xmlns:a16="http://schemas.microsoft.com/office/drawing/2014/main" id="{F1BB4B04-433D-F844-B3E0-4496DE931919}"/>
-              </a:ext>
-            </a:extLst>
-          </p:cNvPr>
-          <p:cNvPicPr>
-            <a:picLocks noChangeAspect="1"/>
-          </p:cNvPicPr>
-          <p:nvPr/>
-        </p:nvPicPr>
-        <p:blipFill>
-          <a:blip r:embed="rId3"/>
-          <a:stretch>
-            <a:fillRect/>
-          </a:stretch>
-        </p:blipFill>
-        <p:spPr>
-          <a:xfrm>
-            <a:off x="3177082" y="1087449"/>
-            <a:ext cx="5552105" cy="2131612"/>
-          </a:xfrm>
-          <a:prstGeom prst="rect">
-            <a:avLst/>
-          </a:prstGeom>
-        </p:spPr>
-      </p:pic>
-      <p:sp>
-        <p:nvSpPr>
-          <p:cNvPr id="11" name="TextBox 10">
-            <a:extLst>
-              <a:ext uri="{FF2B5EF4-FFF2-40B4-BE49-F238E27FC236}">
-                <a16:creationId xmlns:a16="http://schemas.microsoft.com/office/drawing/2014/main" id="{A2368BF4-9B9C-0F4D-8CFD-8470BF0E163E}"/>
-              </a:ext>
-            </a:extLst>
-          </p:cNvPr>
-          <p:cNvSpPr txBox="1"/>
-          <p:nvPr/>
-        </p:nvSpPr>
-        <p:spPr>
-          <a:xfrm>
-            <a:off x="516038" y="3252795"/>
-            <a:ext cx="6248972" cy="1754326"/>
-          </a:xfrm>
-          <a:prstGeom prst="rect">
-            <a:avLst/>
-          </a:prstGeom>
-          <a:noFill/>
-        </p:spPr>
-        <p:txBody>
-          <a:bodyPr wrap="square" rtlCol="0">
-            <a:spAutoFit/>
-          </a:bodyPr>
-          <a:lstStyle/>
-          <a:p>
-            <a:pPr marL="285750" indent="-285750">
-              <a:buFont typeface="Arial" panose="020B0604020202020204" pitchFamily="34" charset="0"/>
-              <a:buChar char="•"/>
-            </a:pPr>
-            <a:r>
-              <a:rPr lang="en-US" dirty="0"/>
-              <a:t>WHERE is a corrupted pointer (GOT entry)</a:t>
-            </a:r>
-          </a:p>
-          <a:p>
-            <a:pPr marL="285750" indent="-285750">
-              <a:buFont typeface="Arial" panose="020B0604020202020204" pitchFamily="34" charset="0"/>
-              <a:buChar char="•"/>
-            </a:pPr>
-            <a:r>
-              <a:rPr lang="en-US" dirty="0"/>
-              <a:t>WHAT is a corrupted pointer (heap, where shellcode lives)</a:t>
-            </a:r>
-          </a:p>
-          <a:p>
-            <a:pPr marL="285750" indent="-285750">
-              <a:buFont typeface="Arial" panose="020B0604020202020204" pitchFamily="34" charset="0"/>
-              <a:buChar char="•"/>
-            </a:pPr>
-            <a:r>
-              <a:rPr lang="en-US" dirty="0"/>
-              <a:t>Set WHAT + 0x10 = WHERE; (third element of struct) </a:t>
-            </a:r>
-          </a:p>
-          <a:p>
-            <a:pPr marL="742950" lvl="1" indent="-285750">
-              <a:buFont typeface="Arial" panose="020B0604020202020204" pitchFamily="34" charset="0"/>
-              <a:buChar char="•"/>
-            </a:pPr>
-            <a:r>
-              <a:rPr lang="en-US" dirty="0"/>
-              <a:t>Hopefully don’t corrupt anything we need!</a:t>
-            </a:r>
-          </a:p>
-          <a:p>
-            <a:pPr marL="742950" lvl="1" indent="-285750">
-              <a:buFont typeface="Arial" panose="020B0604020202020204" pitchFamily="34" charset="0"/>
-              <a:buChar char="•"/>
-            </a:pPr>
-            <a:r>
-              <a:rPr lang="en-US" dirty="0"/>
-              <a:t>Bytes 0x10-0x18 of shellcode would be screwed up</a:t>
-            </a:r>
-          </a:p>
-          <a:p>
-            <a:pPr marL="742950" lvl="1" indent="-285750">
-              <a:buFont typeface="Arial" panose="020B0604020202020204" pitchFamily="34" charset="0"/>
-              <a:buChar char="•"/>
-            </a:pPr>
-            <a:r>
-              <a:rPr lang="en-US" dirty="0"/>
-              <a:t>Write small shellcode or jump over it!</a:t>
-            </a:r>
-          </a:p>
-        </p:txBody>
-      </p:sp>
-    </p:spTree>
-    <p:extLst>
-      <p:ext uri="{BB962C8B-B14F-4D97-AF65-F5344CB8AC3E}">
-        <p14:creationId xmlns:p14="http://schemas.microsoft.com/office/powerpoint/2010/main" val="3191011607"/>
       </p:ext>
     </p:extLst>
   </p:cSld>
@@ -39454,7 +39403,7 @@
 </file>
 
 <file path=ppt/slides/slide50.xml><?xml version="1.0" encoding="utf-8"?>
-<p:sld xmlns:a="http://schemas.openxmlformats.org/drawingml/2006/main" xmlns:r="http://schemas.openxmlformats.org/officeDocument/2006/relationships" xmlns:p="http://schemas.openxmlformats.org/presentationml/2006/main" show="0">
+<p:sld xmlns:a="http://schemas.openxmlformats.org/drawingml/2006/main" xmlns:r="http://schemas.openxmlformats.org/officeDocument/2006/relationships" xmlns:p="http://schemas.openxmlformats.org/presentationml/2006/main">
   <p:cSld>
     <p:spTree>
       <p:nvGrpSpPr>
@@ -39512,8 +39461,8 @@
         </p:nvSpPr>
         <p:spPr>
           <a:xfrm>
-            <a:off x="516038" y="3252795"/>
-            <a:ext cx="5633634" cy="646331"/>
+            <a:off x="534699" y="3218314"/>
+            <a:ext cx="6127358" cy="1477328"/>
           </a:xfrm>
           <a:prstGeom prst="rect">
             <a:avLst/>
@@ -39532,53 +39481,356 @@
             </a:pPr>
             <a:r>
               <a:rPr lang="en-US" dirty="0"/>
-              <a:t>Just going to remove the yellow chunks where the linked list </a:t>
+              <a:t>WHERE is a corrupted pointer (GOT entry)</a:t>
+            </a:r>
+          </a:p>
+          <a:p>
+            <a:pPr marL="285750" indent="-285750">
+              <a:buFont typeface="Arial" panose="020B0604020202020204" pitchFamily="34" charset="0"/>
+              <a:buChar char="•"/>
+            </a:pPr>
+            <a:r>
+              <a:rPr lang="en-US" dirty="0"/>
+              <a:t>WHAT is a corrupted pointer (heap, where shellcode lives)</a:t>
+            </a:r>
+          </a:p>
+          <a:p>
+            <a:pPr marL="285750" indent="-285750">
+              <a:buFont typeface="Arial" panose="020B0604020202020204" pitchFamily="34" charset="0"/>
+              <a:buChar char="•"/>
+            </a:pPr>
+            <a:r>
+              <a:rPr lang="en-US" dirty="0"/>
+              <a:t>Set WHERE - 0x18 = WHAT</a:t>
+            </a:r>
+          </a:p>
+          <a:p>
+            <a:pPr marL="742950" lvl="1" indent="-285750">
+              <a:buFont typeface="Arial" panose="020B0604020202020204" pitchFamily="34" charset="0"/>
+              <a:buChar char="•"/>
+            </a:pPr>
+            <a:r>
+              <a:rPr lang="en-US" dirty="0"/>
+              <a:t>Offset is because </a:t>
             </a:r>
             <a:r>
               <a:rPr lang="en-US" i="1" dirty="0"/>
-              <a:t>should</a:t>
+              <a:t>‘bk’ </a:t>
             </a:r>
             <a:r>
               <a:rPr lang="en-US" dirty="0"/>
-              <a:t> be at</a:t>
+              <a:t>is the fourth element of struct</a:t>
+            </a:r>
+          </a:p>
+          <a:p>
+            <a:pPr marL="742950" lvl="1" indent="-285750">
+              <a:buFont typeface="Arial" panose="020B0604020202020204" pitchFamily="34" charset="0"/>
+              <a:buChar char="•"/>
+            </a:pPr>
+            <a:r>
+              <a:rPr lang="en-US" dirty="0"/>
+              <a:t>Set </a:t>
+            </a:r>
+            <a:r>
+              <a:rPr lang="en-US" i="1" dirty="0"/>
+              <a:t>BK</a:t>
+            </a:r>
+            <a:r>
+              <a:rPr lang="en-US" dirty="0"/>
+              <a:t> to be address of shellcode </a:t>
+            </a:r>
+            <a:r>
+              <a:rPr lang="en-US" dirty="0">
+                <a:sym typeface="Wingdings" pitchFamily="2" charset="2"/>
+              </a:rPr>
+              <a:t> </a:t>
+            </a:r>
+            <a:endParaRPr lang="en-US" dirty="0"/>
+          </a:p>
+        </p:txBody>
+      </p:sp>
+      <p:cxnSp>
+        <p:nvCxnSpPr>
+          <p:cNvPr id="12" name="Straight Connector 11">
+            <a:extLst>
+              <a:ext uri="{FF2B5EF4-FFF2-40B4-BE49-F238E27FC236}">
+                <a16:creationId xmlns:a16="http://schemas.microsoft.com/office/drawing/2014/main" id="{F2AB99D8-6B45-DF4C-ABFE-19E446C9EC91}"/>
+              </a:ext>
+            </a:extLst>
+          </p:cNvPr>
+          <p:cNvCxnSpPr>
+            <a:cxnSpLocks/>
+          </p:cNvCxnSpPr>
+          <p:nvPr/>
+        </p:nvCxnSpPr>
+        <p:spPr>
+          <a:xfrm>
+            <a:off x="1226683" y="4063824"/>
+            <a:ext cx="2123007" cy="0"/>
+          </a:xfrm>
+          <a:prstGeom prst="line">
+            <a:avLst/>
+          </a:prstGeom>
+          <a:ln w="25400">
+            <a:solidFill>
+              <a:srgbClr val="FF0000"/>
+            </a:solidFill>
+          </a:ln>
+        </p:spPr>
+        <p:style>
+          <a:lnRef idx="1">
+            <a:schemeClr val="accent1"/>
+          </a:lnRef>
+          <a:fillRef idx="0">
+            <a:schemeClr val="accent1"/>
+          </a:fillRef>
+          <a:effectRef idx="0">
+            <a:schemeClr val="accent1"/>
+          </a:effectRef>
+          <a:fontRef idx="minor">
+            <a:schemeClr val="tx1"/>
+          </a:fontRef>
+        </p:style>
+      </p:cxnSp>
+      <p:pic>
+        <p:nvPicPr>
+          <p:cNvPr id="4" name="Picture 3" descr="Unlink POC WRITE on the bk of the FD (WHERE) ">
+            <a:extLst>
+              <a:ext uri="{FF2B5EF4-FFF2-40B4-BE49-F238E27FC236}">
+                <a16:creationId xmlns:a16="http://schemas.microsoft.com/office/drawing/2014/main" id="{B1D5C460-03E0-CC45-B51B-FD4ECD0C497A}"/>
+              </a:ext>
+            </a:extLst>
+          </p:cNvPr>
+          <p:cNvPicPr>
+            <a:picLocks noChangeAspect="1"/>
+          </p:cNvPicPr>
+          <p:nvPr/>
+        </p:nvPicPr>
+        <p:blipFill>
+          <a:blip r:embed="rId2"/>
+          <a:stretch>
+            <a:fillRect/>
+          </a:stretch>
+        </p:blipFill>
+        <p:spPr>
+          <a:xfrm>
+            <a:off x="3174093" y="1152041"/>
+            <a:ext cx="5381917" cy="2066272"/>
+          </a:xfrm>
+          <a:prstGeom prst="rect">
+            <a:avLst/>
+          </a:prstGeom>
+        </p:spPr>
+      </p:pic>
+      <p:pic>
+        <p:nvPicPr>
+          <p:cNvPr id="13" name="Picture 12" descr="Unlink WHAT and WHERE">
+            <a:extLst>
+              <a:ext uri="{FF2B5EF4-FFF2-40B4-BE49-F238E27FC236}">
+                <a16:creationId xmlns:a16="http://schemas.microsoft.com/office/drawing/2014/main" id="{74FCEE4C-E3EC-0241-B2FC-F5F723233F31}"/>
+              </a:ext>
+            </a:extLst>
+          </p:cNvPr>
+          <p:cNvPicPr>
+            <a:picLocks noChangeAspect="1"/>
+          </p:cNvPicPr>
+          <p:nvPr/>
+        </p:nvPicPr>
+        <p:blipFill rotWithShape="1">
+          <a:blip r:embed="rId3"/>
+          <a:srcRect l="11066" t="56113" r="43015" b="14925"/>
+          <a:stretch/>
+        </p:blipFill>
+        <p:spPr>
+          <a:xfrm>
+            <a:off x="368602" y="1083267"/>
+            <a:ext cx="2548433" cy="703823"/>
+          </a:xfrm>
+          <a:prstGeom prst="rect">
+            <a:avLst/>
+          </a:prstGeom>
+        </p:spPr>
+      </p:pic>
+      <p:cxnSp>
+        <p:nvCxnSpPr>
+          <p:cNvPr id="10" name="Straight Connector 9">
+            <a:extLst>
+              <a:ext uri="{FF2B5EF4-FFF2-40B4-BE49-F238E27FC236}">
+                <a16:creationId xmlns:a16="http://schemas.microsoft.com/office/drawing/2014/main" id="{F436FA15-5100-A64B-B744-F07369F74153}"/>
+              </a:ext>
+            </a:extLst>
+          </p:cNvPr>
+          <p:cNvCxnSpPr>
+            <a:cxnSpLocks/>
+            <a:endCxn id="13" idx="3"/>
+          </p:cNvCxnSpPr>
+          <p:nvPr/>
+        </p:nvCxnSpPr>
+        <p:spPr>
+          <a:xfrm>
+            <a:off x="380337" y="1416359"/>
+            <a:ext cx="2536698" cy="18820"/>
+          </a:xfrm>
+          <a:prstGeom prst="line">
+            <a:avLst/>
+          </a:prstGeom>
+          <a:ln w="25400">
+            <a:solidFill>
+              <a:srgbClr val="FF0000"/>
+            </a:solidFill>
+          </a:ln>
+        </p:spPr>
+        <p:style>
+          <a:lnRef idx="1">
+            <a:schemeClr val="accent1"/>
+          </a:lnRef>
+          <a:fillRef idx="0">
+            <a:schemeClr val="accent1"/>
+          </a:fillRef>
+          <a:effectRef idx="0">
+            <a:schemeClr val="accent1"/>
+          </a:effectRef>
+          <a:fontRef idx="minor">
+            <a:schemeClr val="tx1"/>
+          </a:fontRef>
+        </p:style>
+      </p:cxnSp>
+    </p:spTree>
+    <p:extLst>
+      <p:ext uri="{BB962C8B-B14F-4D97-AF65-F5344CB8AC3E}">
+        <p14:creationId xmlns:p14="http://schemas.microsoft.com/office/powerpoint/2010/main" val="1374347619"/>
+      </p:ext>
+    </p:extLst>
+  </p:cSld>
+  <p:clrMapOvr>
+    <a:masterClrMapping/>
+  </p:clrMapOvr>
+</p:sld>
+</file>
+
+<file path=ppt/slides/slide51.xml><?xml version="1.0" encoding="utf-8"?>
+<p:sld xmlns:a="http://schemas.openxmlformats.org/drawingml/2006/main" xmlns:r="http://schemas.openxmlformats.org/officeDocument/2006/relationships" xmlns:p="http://schemas.openxmlformats.org/presentationml/2006/main">
+  <p:cSld>
+    <p:spTree>
+      <p:nvGrpSpPr>
+        <p:cNvPr id="1" name=""/>
+        <p:cNvGrpSpPr/>
+        <p:nvPr/>
+      </p:nvGrpSpPr>
+      <p:grpSpPr>
+        <a:xfrm>
+          <a:off x="0" y="0"/>
+          <a:ext cx="0" cy="0"/>
+          <a:chOff x="0" y="0"/>
+          <a:chExt cx="0" cy="0"/>
+        </a:xfrm>
+      </p:grpSpPr>
+      <p:sp>
+        <p:nvSpPr>
+          <p:cNvPr id="2" name="Title 1">
+            <a:extLst>
+              <a:ext uri="{FF2B5EF4-FFF2-40B4-BE49-F238E27FC236}">
+                <a16:creationId xmlns:a16="http://schemas.microsoft.com/office/drawing/2014/main" id="{F301ED8F-4787-BB44-A31D-56A8EBB356A6}"/>
+              </a:ext>
+            </a:extLst>
+          </p:cNvPr>
+          <p:cNvSpPr>
+            <a:spLocks noGrp="1"/>
+          </p:cNvSpPr>
+          <p:nvPr>
+            <p:ph type="title"/>
+          </p:nvPr>
+        </p:nvSpPr>
+        <p:spPr/>
+        <p:txBody>
+          <a:bodyPr/>
+          <a:lstStyle/>
+          <a:p>
+            <a:r>
+              <a:rPr lang="en-US" dirty="0"/>
+              <a:t>Fake Unlink Pointers</a:t>
             </a:r>
           </a:p>
         </p:txBody>
       </p:sp>
       <p:pic>
         <p:nvPicPr>
-          <p:cNvPr id="9" name="Content Placeholder 8" descr="Unlink last two lines">
+          <p:cNvPr id="13" name="Picture 12" descr="Unlink WHAT and WHERE">
             <a:extLst>
               <a:ext uri="{FF2B5EF4-FFF2-40B4-BE49-F238E27FC236}">
-                <a16:creationId xmlns:a16="http://schemas.microsoft.com/office/drawing/2014/main" id="{F2A925A2-9E8E-9442-BFAD-A41F23251990}"/>
+                <a16:creationId xmlns:a16="http://schemas.microsoft.com/office/drawing/2014/main" id="{74FCEE4C-E3EC-0241-B2FC-F5F723233F31}"/>
               </a:ext>
             </a:extLst>
           </p:cNvPr>
           <p:cNvPicPr>
-            <a:picLocks noGrp="1" noChangeAspect="1"/>
+            <a:picLocks noChangeAspect="1"/>
           </p:cNvPicPr>
-          <p:nvPr>
-            <p:ph idx="1"/>
-          </p:nvPr>
+          <p:nvPr/>
         </p:nvPicPr>
         <p:blipFill rotWithShape="1">
           <a:blip r:embed="rId2"/>
-          <a:srcRect r="47856"/>
+          <a:srcRect l="11066" t="56113" r="43015" b="14925"/>
           <a:stretch/>
         </p:blipFill>
         <p:spPr>
           <a:xfrm>
-            <a:off x="516038" y="1152041"/>
-            <a:ext cx="2364137" cy="876300"/>
+            <a:off x="368602" y="1083267"/>
+            <a:ext cx="2548433" cy="703823"/>
           </a:xfrm>
+          <a:prstGeom prst="rect">
+            <a:avLst/>
+          </a:prstGeom>
         </p:spPr>
       </p:pic>
+      <p:cxnSp>
+        <p:nvCxnSpPr>
+          <p:cNvPr id="10" name="Straight Connector 9">
+            <a:extLst>
+              <a:ext uri="{FF2B5EF4-FFF2-40B4-BE49-F238E27FC236}">
+                <a16:creationId xmlns:a16="http://schemas.microsoft.com/office/drawing/2014/main" id="{F436FA15-5100-A64B-B744-F07369F74153}"/>
+              </a:ext>
+            </a:extLst>
+          </p:cNvPr>
+          <p:cNvCxnSpPr>
+            <a:cxnSpLocks/>
+          </p:cNvCxnSpPr>
+          <p:nvPr/>
+        </p:nvCxnSpPr>
+        <p:spPr>
+          <a:xfrm>
+            <a:off x="368602" y="1696277"/>
+            <a:ext cx="2536698" cy="18820"/>
+          </a:xfrm>
+          <a:prstGeom prst="line">
+            <a:avLst/>
+          </a:prstGeom>
+          <a:ln w="25400">
+            <a:solidFill>
+              <a:srgbClr val="FF0000"/>
+            </a:solidFill>
+          </a:ln>
+        </p:spPr>
+        <p:style>
+          <a:lnRef idx="1">
+            <a:schemeClr val="accent1"/>
+          </a:lnRef>
+          <a:fillRef idx="0">
+            <a:schemeClr val="accent1"/>
+          </a:fillRef>
+          <a:effectRef idx="0">
+            <a:schemeClr val="accent1"/>
+          </a:effectRef>
+          <a:fontRef idx="minor">
+            <a:schemeClr val="tx1"/>
+          </a:fontRef>
+        </p:style>
+      </p:cxnSp>
       <p:pic>
         <p:nvPicPr>
-          <p:cNvPr id="4" name="Picture 3" descr="Corrupted Chunk Pointers">
+          <p:cNvPr id="5" name="Picture 4" descr="Write BACK to the location of the shellcode with the address of the GOT entry">
             <a:extLst>
               <a:ext uri="{FF2B5EF4-FFF2-40B4-BE49-F238E27FC236}">
-                <a16:creationId xmlns:a16="http://schemas.microsoft.com/office/drawing/2014/main" id="{316973F4-E232-C546-B51D-75456C7F1A1C}"/>
+                <a16:creationId xmlns:a16="http://schemas.microsoft.com/office/drawing/2014/main" id="{F1BB4B04-433D-F844-B3E0-4496DE931919}"/>
               </a:ext>
             </a:extLst>
           </p:cNvPr>
@@ -39595,18 +39847,107 @@
         </p:blipFill>
         <p:spPr>
           <a:xfrm>
-            <a:off x="3225261" y="953683"/>
-            <a:ext cx="5561309" cy="2328798"/>
+            <a:off x="3177082" y="1087449"/>
+            <a:ext cx="5552105" cy="2131612"/>
           </a:xfrm>
           <a:prstGeom prst="rect">
             <a:avLst/>
           </a:prstGeom>
         </p:spPr>
       </p:pic>
+      <p:sp>
+        <p:nvSpPr>
+          <p:cNvPr id="11" name="TextBox 10">
+            <a:extLst>
+              <a:ext uri="{FF2B5EF4-FFF2-40B4-BE49-F238E27FC236}">
+                <a16:creationId xmlns:a16="http://schemas.microsoft.com/office/drawing/2014/main" id="{A2368BF4-9B9C-0F4D-8CFD-8470BF0E163E}"/>
+              </a:ext>
+            </a:extLst>
+          </p:cNvPr>
+          <p:cNvSpPr txBox="1"/>
+          <p:nvPr/>
+        </p:nvSpPr>
+        <p:spPr>
+          <a:xfrm>
+            <a:off x="516038" y="3252795"/>
+            <a:ext cx="6248972" cy="1754326"/>
+          </a:xfrm>
+          <a:prstGeom prst="rect">
+            <a:avLst/>
+          </a:prstGeom>
+          <a:noFill/>
+        </p:spPr>
+        <p:txBody>
+          <a:bodyPr wrap="square" rtlCol="0">
+            <a:spAutoFit/>
+          </a:bodyPr>
+          <a:lstStyle/>
+          <a:p>
+            <a:pPr marL="285750" indent="-285750">
+              <a:buFont typeface="Arial" panose="020B0604020202020204" pitchFamily="34" charset="0"/>
+              <a:buChar char="•"/>
+            </a:pPr>
+            <a:r>
+              <a:rPr lang="en-US" dirty="0"/>
+              <a:t>WHERE is a corrupted pointer (GOT entry)</a:t>
+            </a:r>
+          </a:p>
+          <a:p>
+            <a:pPr marL="285750" indent="-285750">
+              <a:buFont typeface="Arial" panose="020B0604020202020204" pitchFamily="34" charset="0"/>
+              <a:buChar char="•"/>
+            </a:pPr>
+            <a:r>
+              <a:rPr lang="en-US" dirty="0"/>
+              <a:t>WHAT is a corrupted pointer (heap, where shellcode lives)</a:t>
+            </a:r>
+          </a:p>
+          <a:p>
+            <a:pPr marL="285750" indent="-285750">
+              <a:buFont typeface="Arial" panose="020B0604020202020204" pitchFamily="34" charset="0"/>
+              <a:buChar char="•"/>
+            </a:pPr>
+            <a:r>
+              <a:rPr lang="en-US" dirty="0"/>
+              <a:t>Set WHAT + 0x10 = WHERE; (third element of struct) </a:t>
+            </a:r>
+          </a:p>
+          <a:p>
+            <a:pPr marL="742950" lvl="1" indent="-285750">
+              <a:buFont typeface="Arial" panose="020B0604020202020204" pitchFamily="34" charset="0"/>
+              <a:buChar char="•"/>
+            </a:pPr>
+            <a:r>
+              <a:rPr lang="en-US" dirty="0"/>
+              <a:t>Hopefully don’t corrupt anything we need!</a:t>
+            </a:r>
+          </a:p>
+          <a:p>
+            <a:pPr marL="742950" lvl="1" indent="-285750">
+              <a:buFont typeface="Arial" panose="020B0604020202020204" pitchFamily="34" charset="0"/>
+              <a:buChar char="•"/>
+            </a:pPr>
+            <a:r>
+              <a:rPr lang="en-US" dirty="0"/>
+              <a:t>Bytes 0x10-0x18 of shellcode would be screwed up</a:t>
+            </a:r>
+          </a:p>
+          <a:p>
+            <a:pPr marL="742950" lvl="1" indent="-285750">
+              <a:buFont typeface="Arial" panose="020B0604020202020204" pitchFamily="34" charset="0"/>
+              <a:buChar char="•"/>
+            </a:pPr>
+            <a:r>
+              <a:rPr lang="en-US" dirty="0"/>
+              <a:t>Write small shellcode or jump over it!</a:t>
+            </a:r>
+          </a:p>
+        </p:txBody>
+      </p:sp>
     </p:spTree>
     <p:extLst>
       <p:ext uri="{BB962C8B-B14F-4D97-AF65-F5344CB8AC3E}">
-        <p14:creationId xmlns:p14="http://schemas.microsoft.com/office/powerpoint/2010/main" val="85342651"/>
+        <p14:creationId xmlns:p14="http://schemas.microsoft.com/office/powerpoint/2010/main" val="3191011607"/>
       </p:ext>
     </p:extLst>
   </p:cSld>
@@ -39616,7 +39957,658 @@
 </p:sld>
 </file>
 
-<file path=ppt/slides/slide51.xml><?xml version="1.0" encoding="utf-8"?>
+<file path=ppt/slides/slide52.xml><?xml version="1.0" encoding="utf-8"?>
+<p:sld xmlns:a="http://schemas.openxmlformats.org/drawingml/2006/main" xmlns:r="http://schemas.openxmlformats.org/officeDocument/2006/relationships" xmlns:p="http://schemas.openxmlformats.org/presentationml/2006/main">
+  <p:cSld>
+    <p:spTree>
+      <p:nvGrpSpPr>
+        <p:cNvPr id="1" name=""/>
+        <p:cNvGrpSpPr/>
+        <p:nvPr/>
+      </p:nvGrpSpPr>
+      <p:grpSpPr>
+        <a:xfrm>
+          <a:off x="0" y="0"/>
+          <a:ext cx="0" cy="0"/>
+          <a:chOff x="0" y="0"/>
+          <a:chExt cx="0" cy="0"/>
+        </a:xfrm>
+      </p:grpSpPr>
+      <p:sp>
+        <p:nvSpPr>
+          <p:cNvPr id="2" name="Title 1">
+            <a:extLst>
+              <a:ext uri="{FF2B5EF4-FFF2-40B4-BE49-F238E27FC236}">
+                <a16:creationId xmlns:a16="http://schemas.microsoft.com/office/drawing/2014/main" id="{7BBB650C-D1BC-8143-BD6E-F916B9DA04E2}"/>
+              </a:ext>
+            </a:extLst>
+          </p:cNvPr>
+          <p:cNvSpPr>
+            <a:spLocks noGrp="1"/>
+          </p:cNvSpPr>
+          <p:nvPr>
+            <p:ph type="title"/>
+          </p:nvPr>
+        </p:nvSpPr>
+        <p:spPr>
+          <a:xfrm>
+            <a:off x="628650" y="273847"/>
+            <a:ext cx="7886700" cy="994172"/>
+          </a:xfrm>
+        </p:spPr>
+        <p:txBody>
+          <a:bodyPr anchor="ctr">
+            <a:normAutofit fontScale="90000"/>
+          </a:bodyPr>
+          <a:lstStyle/>
+          <a:p>
+            <a:r>
+              <a:rPr lang="en-US" dirty="0"/>
+              <a:t>Offsets (hard part) - Wrong Way</a:t>
+            </a:r>
+          </a:p>
+        </p:txBody>
+      </p:sp>
+      <p:sp>
+        <p:nvSpPr>
+          <p:cNvPr id="3" name="Content Placeholder 2">
+            <a:extLst>
+              <a:ext uri="{FF2B5EF4-FFF2-40B4-BE49-F238E27FC236}">
+                <a16:creationId xmlns:a16="http://schemas.microsoft.com/office/drawing/2014/main" id="{122AEAAC-FCD5-2E4C-B4A7-07D5E5F31E70}"/>
+              </a:ext>
+            </a:extLst>
+          </p:cNvPr>
+          <p:cNvSpPr>
+            <a:spLocks noGrp="1"/>
+          </p:cNvSpPr>
+          <p:nvPr>
+            <p:ph sz="half" idx="1"/>
+          </p:nvPr>
+        </p:nvSpPr>
+        <p:spPr>
+          <a:xfrm>
+            <a:off x="628650" y="1369219"/>
+            <a:ext cx="3886200" cy="3263504"/>
+          </a:xfrm>
+        </p:spPr>
+        <p:txBody>
+          <a:bodyPr>
+            <a:normAutofit/>
+          </a:bodyPr>
+          <a:lstStyle/>
+          <a:p>
+            <a:r>
+              <a:rPr lang="en-US" dirty="0"/>
+              <a:t>When you write the pointer of FD, you probably just want to set it to GOT.</a:t>
+            </a:r>
+          </a:p>
+          <a:p>
+            <a:r>
+              <a:rPr lang="en-US" dirty="0"/>
+              <a:t>However, you will write </a:t>
+            </a:r>
+            <a:r>
+              <a:rPr lang="en-US" b="1" dirty="0"/>
+              <a:t>0x18</a:t>
+            </a:r>
+            <a:r>
+              <a:rPr lang="en-US" dirty="0"/>
+              <a:t> bytes passed where you want. </a:t>
+            </a:r>
+          </a:p>
+          <a:p>
+            <a:r>
+              <a:rPr lang="en-US" dirty="0"/>
+              <a:t>Solution?</a:t>
+            </a:r>
+          </a:p>
+        </p:txBody>
+      </p:sp>
+      <p:pic>
+        <p:nvPicPr>
+          <p:cNvPr id="5" name="Picture 4" descr="Offset wrong">
+            <a:extLst>
+              <a:ext uri="{FF2B5EF4-FFF2-40B4-BE49-F238E27FC236}">
+                <a16:creationId xmlns:a16="http://schemas.microsoft.com/office/drawing/2014/main" id="{E0B0E5BD-AB2A-544B-84C2-7EDC70CC6334}"/>
+              </a:ext>
+            </a:extLst>
+          </p:cNvPr>
+          <p:cNvPicPr>
+            <a:picLocks noChangeAspect="1"/>
+          </p:cNvPicPr>
+          <p:nvPr/>
+        </p:nvPicPr>
+        <p:blipFill>
+          <a:blip r:embed="rId2"/>
+          <a:stretch>
+            <a:fillRect/>
+          </a:stretch>
+        </p:blipFill>
+        <p:spPr>
+          <a:xfrm>
+            <a:off x="5388883" y="1036025"/>
+            <a:ext cx="2608369" cy="3596698"/>
+          </a:xfrm>
+          <a:prstGeom prst="rect">
+            <a:avLst/>
+          </a:prstGeom>
+          <a:noFill/>
+        </p:spPr>
+      </p:pic>
+    </p:spTree>
+    <p:extLst>
+      <p:ext uri="{BB962C8B-B14F-4D97-AF65-F5344CB8AC3E}">
+        <p14:creationId xmlns:p14="http://schemas.microsoft.com/office/powerpoint/2010/main" val="1633557208"/>
+      </p:ext>
+    </p:extLst>
+  </p:cSld>
+  <p:clrMapOvr>
+    <a:masterClrMapping/>
+  </p:clrMapOvr>
+</p:sld>
+</file>
+
+<file path=ppt/slides/slide53.xml><?xml version="1.0" encoding="utf-8"?>
+<p:sld xmlns:a="http://schemas.openxmlformats.org/drawingml/2006/main" xmlns:r="http://schemas.openxmlformats.org/officeDocument/2006/relationships" xmlns:p="http://schemas.openxmlformats.org/presentationml/2006/main">
+  <p:cSld>
+    <p:spTree>
+      <p:nvGrpSpPr>
+        <p:cNvPr id="1" name=""/>
+        <p:cNvGrpSpPr/>
+        <p:nvPr/>
+      </p:nvGrpSpPr>
+      <p:grpSpPr>
+        <a:xfrm>
+          <a:off x="0" y="0"/>
+          <a:ext cx="0" cy="0"/>
+          <a:chOff x="0" y="0"/>
+          <a:chExt cx="0" cy="0"/>
+        </a:xfrm>
+      </p:grpSpPr>
+      <p:sp>
+        <p:nvSpPr>
+          <p:cNvPr id="2" name="Title 1">
+            <a:extLst>
+              <a:ext uri="{FF2B5EF4-FFF2-40B4-BE49-F238E27FC236}">
+                <a16:creationId xmlns:a16="http://schemas.microsoft.com/office/drawing/2014/main" id="{7BBB650C-D1BC-8143-BD6E-F916B9DA04E2}"/>
+              </a:ext>
+            </a:extLst>
+          </p:cNvPr>
+          <p:cNvSpPr>
+            <a:spLocks noGrp="1"/>
+          </p:cNvSpPr>
+          <p:nvPr>
+            <p:ph type="title"/>
+          </p:nvPr>
+        </p:nvSpPr>
+        <p:spPr>
+          <a:xfrm>
+            <a:off x="628650" y="273847"/>
+            <a:ext cx="7886700" cy="994172"/>
+          </a:xfrm>
+        </p:spPr>
+        <p:txBody>
+          <a:bodyPr anchor="ctr">
+            <a:normAutofit fontScale="90000"/>
+          </a:bodyPr>
+          <a:lstStyle/>
+          <a:p>
+            <a:r>
+              <a:rPr lang="en-US" dirty="0"/>
+              <a:t>Offsets (hard part) - Right Way</a:t>
+            </a:r>
+          </a:p>
+        </p:txBody>
+      </p:sp>
+      <p:sp>
+        <p:nvSpPr>
+          <p:cNvPr id="3" name="Content Placeholder 2">
+            <a:extLst>
+              <a:ext uri="{FF2B5EF4-FFF2-40B4-BE49-F238E27FC236}">
+                <a16:creationId xmlns:a16="http://schemas.microsoft.com/office/drawing/2014/main" id="{122AEAAC-FCD5-2E4C-B4A7-07D5E5F31E70}"/>
+              </a:ext>
+            </a:extLst>
+          </p:cNvPr>
+          <p:cNvSpPr>
+            <a:spLocks noGrp="1"/>
+          </p:cNvSpPr>
+          <p:nvPr>
+            <p:ph sz="half" idx="1"/>
+          </p:nvPr>
+        </p:nvSpPr>
+        <p:spPr>
+          <a:xfrm>
+            <a:off x="628650" y="1369219"/>
+            <a:ext cx="3886200" cy="3263504"/>
+          </a:xfrm>
+        </p:spPr>
+        <p:txBody>
+          <a:bodyPr>
+            <a:normAutofit/>
+          </a:bodyPr>
+          <a:lstStyle/>
+          <a:p>
+            <a:r>
+              <a:rPr lang="en-US" dirty="0"/>
+              <a:t>Subtract </a:t>
+            </a:r>
+            <a:r>
+              <a:rPr lang="en-US" b="1" dirty="0"/>
+              <a:t>0x18 </a:t>
+            </a:r>
+            <a:r>
+              <a:rPr lang="en-US" dirty="0"/>
+              <a:t>from the place you want to write to. (</a:t>
+            </a:r>
+            <a:r>
+              <a:rPr lang="en-US" i="1" dirty="0"/>
+              <a:t>GOT – 0x18</a:t>
+            </a:r>
+            <a:r>
+              <a:rPr lang="en-US" dirty="0"/>
+              <a:t>) </a:t>
+            </a:r>
+          </a:p>
+          <a:p>
+            <a:r>
+              <a:rPr lang="en-US" dirty="0"/>
+              <a:t>Now, the write access will work properly</a:t>
+            </a:r>
+          </a:p>
+          <a:p>
+            <a:r>
+              <a:rPr lang="en-US" dirty="0"/>
+              <a:t>No overshooting (like previous diagram</a:t>
+            </a:r>
+          </a:p>
+        </p:txBody>
+      </p:sp>
+      <p:pic>
+        <p:nvPicPr>
+          <p:cNvPr id="6" name="Picture 5" descr="Offset, right way">
+            <a:extLst>
+              <a:ext uri="{FF2B5EF4-FFF2-40B4-BE49-F238E27FC236}">
+                <a16:creationId xmlns:a16="http://schemas.microsoft.com/office/drawing/2014/main" id="{540E9A64-20D2-C942-ABEF-A46D3910F14D}"/>
+              </a:ext>
+            </a:extLst>
+          </p:cNvPr>
+          <p:cNvPicPr>
+            <a:picLocks noChangeAspect="1"/>
+          </p:cNvPicPr>
+          <p:nvPr/>
+        </p:nvPicPr>
+        <p:blipFill>
+          <a:blip r:embed="rId2"/>
+          <a:stretch>
+            <a:fillRect/>
+          </a:stretch>
+        </p:blipFill>
+        <p:spPr>
+          <a:xfrm>
+            <a:off x="5388883" y="1369219"/>
+            <a:ext cx="2366733" cy="3263504"/>
+          </a:xfrm>
+          <a:prstGeom prst="rect">
+            <a:avLst/>
+          </a:prstGeom>
+          <a:noFill/>
+        </p:spPr>
+      </p:pic>
+    </p:spTree>
+    <p:extLst>
+      <p:ext uri="{BB962C8B-B14F-4D97-AF65-F5344CB8AC3E}">
+        <p14:creationId xmlns:p14="http://schemas.microsoft.com/office/powerpoint/2010/main" val="1973408374"/>
+      </p:ext>
+    </p:extLst>
+  </p:cSld>
+  <p:clrMapOvr>
+    <a:masterClrMapping/>
+  </p:clrMapOvr>
+</p:sld>
+</file>
+
+<file path=ppt/slides/slide54.xml><?xml version="1.0" encoding="utf-8"?>
+<p:sld xmlns:a="http://schemas.openxmlformats.org/drawingml/2006/main" xmlns:r="http://schemas.openxmlformats.org/officeDocument/2006/relationships" xmlns:p="http://schemas.openxmlformats.org/presentationml/2006/main">
+  <p:cSld>
+    <p:spTree>
+      <p:nvGrpSpPr>
+        <p:cNvPr id="1" name=""/>
+        <p:cNvGrpSpPr/>
+        <p:nvPr/>
+      </p:nvGrpSpPr>
+      <p:grpSpPr>
+        <a:xfrm>
+          <a:off x="0" y="0"/>
+          <a:ext cx="0" cy="0"/>
+          <a:chOff x="0" y="0"/>
+          <a:chExt cx="0" cy="0"/>
+        </a:xfrm>
+      </p:grpSpPr>
+      <p:sp>
+        <p:nvSpPr>
+          <p:cNvPr id="2" name="Title 1">
+            <a:extLst>
+              <a:ext uri="{FF2B5EF4-FFF2-40B4-BE49-F238E27FC236}">
+                <a16:creationId xmlns:a16="http://schemas.microsoft.com/office/drawing/2014/main" id="{46E4870F-C75F-824B-B6B2-E2854B25EF85}"/>
+              </a:ext>
+            </a:extLst>
+          </p:cNvPr>
+          <p:cNvSpPr>
+            <a:spLocks noGrp="1"/>
+          </p:cNvSpPr>
+          <p:nvPr>
+            <p:ph type="title"/>
+          </p:nvPr>
+        </p:nvSpPr>
+        <p:spPr>
+          <a:xfrm>
+            <a:off x="628650" y="273847"/>
+            <a:ext cx="7886700" cy="994172"/>
+          </a:xfrm>
+        </p:spPr>
+        <p:txBody>
+          <a:bodyPr anchor="ctr">
+            <a:normAutofit/>
+          </a:bodyPr>
+          <a:lstStyle/>
+          <a:p>
+            <a:r>
+              <a:rPr lang="en-US" dirty="0"/>
+              <a:t>Jump to Shellcode!</a:t>
+            </a:r>
+          </a:p>
+        </p:txBody>
+      </p:sp>
+      <p:graphicFrame>
+        <p:nvGraphicFramePr>
+          <p:cNvPr id="5" name="Content Placeholder 2">
+            <a:extLst>
+              <a:ext uri="{FF2B5EF4-FFF2-40B4-BE49-F238E27FC236}">
+                <a16:creationId xmlns:a16="http://schemas.microsoft.com/office/drawing/2014/main" id="{E7ECAA9D-41C5-4CC3-B2E3-81551424162A}"/>
+              </a:ext>
+            </a:extLst>
+          </p:cNvPr>
+          <p:cNvGraphicFramePr>
+            <a:graphicFrameLocks noGrp="1"/>
+          </p:cNvGraphicFramePr>
+          <p:nvPr>
+            <p:ph idx="1"/>
+          </p:nvPr>
+        </p:nvGraphicFramePr>
+        <p:xfrm>
+          <a:off x="628650" y="1236541"/>
+          <a:ext cx="7886700" cy="3263504"/>
+        </p:xfrm>
+        <a:graphic>
+          <a:graphicData uri="http://schemas.openxmlformats.org/drawingml/2006/diagram">
+            <dgm:relIds xmlns:dgm="http://schemas.openxmlformats.org/drawingml/2006/diagram" xmlns:r="http://schemas.openxmlformats.org/officeDocument/2006/relationships" r:dm="rId2" r:lo="rId3" r:qs="rId4" r:cs="rId5"/>
+          </a:graphicData>
+        </a:graphic>
+      </p:graphicFrame>
+    </p:spTree>
+    <p:extLst>
+      <p:ext uri="{BB962C8B-B14F-4D97-AF65-F5344CB8AC3E}">
+        <p14:creationId xmlns:p14="http://schemas.microsoft.com/office/powerpoint/2010/main" val="834204851"/>
+      </p:ext>
+    </p:extLst>
+  </p:cSld>
+  <p:clrMapOvr>
+    <a:masterClrMapping/>
+  </p:clrMapOvr>
+</p:sld>
+</file>
+
+<file path=ppt/slides/slide55.xml><?xml version="1.0" encoding="utf-8"?>
+<p:sld xmlns:a="http://schemas.openxmlformats.org/drawingml/2006/main" xmlns:r="http://schemas.openxmlformats.org/officeDocument/2006/relationships" xmlns:p="http://schemas.openxmlformats.org/presentationml/2006/main">
+  <p:cSld>
+    <p:spTree>
+      <p:nvGrpSpPr>
+        <p:cNvPr id="1" name=""/>
+        <p:cNvGrpSpPr/>
+        <p:nvPr/>
+      </p:nvGrpSpPr>
+      <p:grpSpPr>
+        <a:xfrm>
+          <a:off x="0" y="0"/>
+          <a:ext cx="0" cy="0"/>
+          <a:chOff x="0" y="0"/>
+          <a:chExt cx="0" cy="0"/>
+        </a:xfrm>
+      </p:grpSpPr>
+      <p:sp>
+        <p:nvSpPr>
+          <p:cNvPr id="2" name="Title 1">
+            <a:extLst>
+              <a:ext uri="{FF2B5EF4-FFF2-40B4-BE49-F238E27FC236}">
+                <a16:creationId xmlns:a16="http://schemas.microsoft.com/office/drawing/2014/main" id="{7DB9B60E-33BB-EE43-81C3-E31A50D0A4D9}"/>
+              </a:ext>
+            </a:extLst>
+          </p:cNvPr>
+          <p:cNvSpPr>
+            <a:spLocks noGrp="1"/>
+          </p:cNvSpPr>
+          <p:nvPr>
+            <p:ph type="title"/>
+          </p:nvPr>
+        </p:nvSpPr>
+        <p:spPr/>
+        <p:txBody>
+          <a:bodyPr/>
+          <a:lstStyle/>
+          <a:p>
+            <a:r>
+              <a:rPr lang="en-US" dirty="0"/>
+              <a:t>Easy Winner </a:t>
+            </a:r>
+            <a:r>
+              <a:rPr lang="en-US" dirty="0" err="1"/>
+              <a:t>Func</a:t>
+            </a:r>
+            <a:endParaRPr lang="en-US" dirty="0"/>
+          </a:p>
+        </p:txBody>
+      </p:sp>
+      <p:pic>
+        <p:nvPicPr>
+          <p:cNvPr id="5" name="Content Placeholder 4" descr="A close up of a sign&#10;&#10;Description automatically generated">
+            <a:extLst>
+              <a:ext uri="{FF2B5EF4-FFF2-40B4-BE49-F238E27FC236}">
+                <a16:creationId xmlns:a16="http://schemas.microsoft.com/office/drawing/2014/main" id="{37E12C90-C1C9-104B-8A6D-824067C2604C}"/>
+              </a:ext>
+            </a:extLst>
+          </p:cNvPr>
+          <p:cNvPicPr>
+            <a:picLocks noGrp="1" noChangeAspect="1"/>
+          </p:cNvPicPr>
+          <p:nvPr>
+            <p:ph idx="1"/>
+          </p:nvPr>
+        </p:nvPicPr>
+        <p:blipFill>
+          <a:blip r:embed="rId2"/>
+          <a:stretch>
+            <a:fillRect/>
+          </a:stretch>
+        </p:blipFill>
+        <p:spPr>
+          <a:xfrm>
+            <a:off x="715182" y="1268019"/>
+            <a:ext cx="6521680" cy="1172964"/>
+          </a:xfrm>
+        </p:spPr>
+      </p:pic>
+      <p:cxnSp>
+        <p:nvCxnSpPr>
+          <p:cNvPr id="9" name="Straight Arrow Connector 8">
+            <a:extLst>
+              <a:ext uri="{FF2B5EF4-FFF2-40B4-BE49-F238E27FC236}">
+                <a16:creationId xmlns:a16="http://schemas.microsoft.com/office/drawing/2014/main" id="{97B1379F-412C-8D44-A21C-A2577633A4E7}"/>
+              </a:ext>
+            </a:extLst>
+          </p:cNvPr>
+          <p:cNvCxnSpPr>
+            <a:cxnSpLocks/>
+          </p:cNvCxnSpPr>
+          <p:nvPr/>
+        </p:nvCxnSpPr>
+        <p:spPr>
+          <a:xfrm flipH="1">
+            <a:off x="6820175" y="1615417"/>
+            <a:ext cx="850639" cy="0"/>
+          </a:xfrm>
+          <a:prstGeom prst="straightConnector1">
+            <a:avLst/>
+          </a:prstGeom>
+          <a:ln w="38100">
+            <a:solidFill>
+              <a:srgbClr val="FF0000"/>
+            </a:solidFill>
+            <a:tailEnd type="triangle"/>
+          </a:ln>
+        </p:spPr>
+        <p:style>
+          <a:lnRef idx="1">
+            <a:schemeClr val="accent1"/>
+          </a:lnRef>
+          <a:fillRef idx="0">
+            <a:schemeClr val="accent1"/>
+          </a:fillRef>
+          <a:effectRef idx="0">
+            <a:schemeClr val="accent1"/>
+          </a:effectRef>
+          <a:fontRef idx="minor">
+            <a:schemeClr val="tx1"/>
+          </a:fontRef>
+        </p:style>
+      </p:cxnSp>
+      <p:sp>
+        <p:nvSpPr>
+          <p:cNvPr id="12" name="TextBox 11">
+            <a:extLst>
+              <a:ext uri="{FF2B5EF4-FFF2-40B4-BE49-F238E27FC236}">
+                <a16:creationId xmlns:a16="http://schemas.microsoft.com/office/drawing/2014/main" id="{8694D84A-0844-6A46-9C1D-E9F91318A523}"/>
+              </a:ext>
+            </a:extLst>
+          </p:cNvPr>
+          <p:cNvSpPr txBox="1"/>
+          <p:nvPr/>
+        </p:nvSpPr>
+        <p:spPr>
+          <a:xfrm>
+            <a:off x="7245494" y="1300503"/>
+            <a:ext cx="1720312" cy="369332"/>
+          </a:xfrm>
+          <a:prstGeom prst="rect">
+            <a:avLst/>
+          </a:prstGeom>
+          <a:noFill/>
+        </p:spPr>
+        <p:txBody>
+          <a:bodyPr wrap="square" rtlCol="0">
+            <a:spAutoFit/>
+          </a:bodyPr>
+          <a:lstStyle/>
+          <a:p>
+            <a:r>
+              <a:rPr lang="en-US" dirty="0"/>
+              <a:t>Winner Address</a:t>
+            </a:r>
+          </a:p>
+        </p:txBody>
+      </p:sp>
+      <p:cxnSp>
+        <p:nvCxnSpPr>
+          <p:cNvPr id="13" name="Straight Arrow Connector 12">
+            <a:extLst>
+              <a:ext uri="{FF2B5EF4-FFF2-40B4-BE49-F238E27FC236}">
+                <a16:creationId xmlns:a16="http://schemas.microsoft.com/office/drawing/2014/main" id="{6F965600-E060-584F-8787-08CC7152EBCA}"/>
+              </a:ext>
+            </a:extLst>
+          </p:cNvPr>
+          <p:cNvCxnSpPr>
+            <a:cxnSpLocks/>
+          </p:cNvCxnSpPr>
+          <p:nvPr/>
+        </p:nvCxnSpPr>
+        <p:spPr>
+          <a:xfrm flipH="1">
+            <a:off x="4254286" y="2146515"/>
+            <a:ext cx="3416528" cy="0"/>
+          </a:xfrm>
+          <a:prstGeom prst="straightConnector1">
+            <a:avLst/>
+          </a:prstGeom>
+          <a:ln w="38100">
+            <a:solidFill>
+              <a:srgbClr val="FF0000"/>
+            </a:solidFill>
+            <a:tailEnd type="triangle"/>
+          </a:ln>
+        </p:spPr>
+        <p:style>
+          <a:lnRef idx="1">
+            <a:schemeClr val="accent1"/>
+          </a:lnRef>
+          <a:fillRef idx="0">
+            <a:schemeClr val="accent1"/>
+          </a:fillRef>
+          <a:effectRef idx="0">
+            <a:schemeClr val="accent1"/>
+          </a:effectRef>
+          <a:fontRef idx="minor">
+            <a:schemeClr val="tx1"/>
+          </a:fontRef>
+        </p:style>
+      </p:cxnSp>
+      <p:sp>
+        <p:nvSpPr>
+          <p:cNvPr id="16" name="TextBox 15">
+            <a:extLst>
+              <a:ext uri="{FF2B5EF4-FFF2-40B4-BE49-F238E27FC236}">
+                <a16:creationId xmlns:a16="http://schemas.microsoft.com/office/drawing/2014/main" id="{60F6D075-4993-0641-B673-0C2A8D2F2F44}"/>
+              </a:ext>
+            </a:extLst>
+          </p:cNvPr>
+          <p:cNvSpPr txBox="1"/>
+          <p:nvPr/>
+        </p:nvSpPr>
+        <p:spPr>
+          <a:xfrm>
+            <a:off x="7245494" y="1800083"/>
+            <a:ext cx="1720312" cy="369332"/>
+          </a:xfrm>
+          <a:prstGeom prst="rect">
+            <a:avLst/>
+          </a:prstGeom>
+          <a:noFill/>
+        </p:spPr>
+        <p:txBody>
+          <a:bodyPr wrap="square" rtlCol="0">
+            <a:spAutoFit/>
+          </a:bodyPr>
+          <a:lstStyle/>
+          <a:p>
+            <a:r>
+              <a:rPr lang="en-US" dirty="0"/>
+              <a:t>Shellcode</a:t>
+            </a:r>
+          </a:p>
+        </p:txBody>
+      </p:sp>
+    </p:spTree>
+    <p:extLst>
+      <p:ext uri="{BB962C8B-B14F-4D97-AF65-F5344CB8AC3E}">
+        <p14:creationId xmlns:p14="http://schemas.microsoft.com/office/powerpoint/2010/main" val="3926058450"/>
+      </p:ext>
+    </p:extLst>
+  </p:cSld>
+  <p:clrMapOvr>
+    <a:masterClrMapping/>
+  </p:clrMapOvr>
+</p:sld>
+</file>
+
+<file path=ppt/slides/slide56.xml><?xml version="1.0" encoding="utf-8"?>
 <p:sld xmlns:a="http://schemas.openxmlformats.org/drawingml/2006/main" xmlns:r="http://schemas.openxmlformats.org/officeDocument/2006/relationships" xmlns:p="http://schemas.openxmlformats.org/presentationml/2006/main" show="0">
   <p:cSld>
     <p:spTree>
@@ -39795,7 +40787,7 @@
 </p:sld>
 </file>
 
-<file path=ppt/slides/slide52.xml><?xml version="1.0" encoding="utf-8"?>
+<file path=ppt/slides/slide57.xml><?xml version="1.0" encoding="utf-8"?>
 <p:sld xmlns:a="http://schemas.openxmlformats.org/drawingml/2006/main" xmlns:r="http://schemas.openxmlformats.org/officeDocument/2006/relationships" xmlns:p="http://schemas.openxmlformats.org/presentationml/2006/main" show="0">
   <p:cSld>
     <p:spTree>
@@ -39960,7 +40952,7 @@
 </p:sld>
 </file>
 
-<file path=ppt/slides/slide53.xml><?xml version="1.0" encoding="utf-8"?>
+<file path=ppt/slides/slide58.xml><?xml version="1.0" encoding="utf-8"?>
 <p:sld xmlns:a="http://schemas.openxmlformats.org/drawingml/2006/main" xmlns:r="http://schemas.openxmlformats.org/officeDocument/2006/relationships" xmlns:p="http://schemas.openxmlformats.org/presentationml/2006/main" show="0">
   <p:cSld>
     <p:spTree>
@@ -40278,7 +41270,7 @@
 </p:sld>
 </file>
 
-<file path=ppt/slides/slide54.xml><?xml version="1.0" encoding="utf-8"?>
+<file path=ppt/slides/slide59.xml><?xml version="1.0" encoding="utf-8"?>
 <p:sld xmlns:a="http://schemas.openxmlformats.org/drawingml/2006/main" xmlns:r="http://schemas.openxmlformats.org/officeDocument/2006/relationships" xmlns:p="http://schemas.openxmlformats.org/presentationml/2006/main" show="0">
   <p:cSld>
     <p:spTree>
@@ -40517,842 +41509,6 @@
     <p:extLst>
       <p:ext uri="{BB962C8B-B14F-4D97-AF65-F5344CB8AC3E}">
         <p14:creationId xmlns:p14="http://schemas.microsoft.com/office/powerpoint/2010/main" val="1396188317"/>
-      </p:ext>
-    </p:extLst>
-  </p:cSld>
-  <p:clrMapOvr>
-    <a:masterClrMapping/>
-  </p:clrMapOvr>
-</p:sld>
-</file>
-
-<file path=ppt/slides/slide55.xml><?xml version="1.0" encoding="utf-8"?>
-<p:sld xmlns:a="http://schemas.openxmlformats.org/drawingml/2006/main" xmlns:r="http://schemas.openxmlformats.org/officeDocument/2006/relationships" xmlns:p="http://schemas.openxmlformats.org/presentationml/2006/main">
-  <p:cSld>
-    <p:spTree>
-      <p:nvGrpSpPr>
-        <p:cNvPr id="1" name=""/>
-        <p:cNvGrpSpPr/>
-        <p:nvPr/>
-      </p:nvGrpSpPr>
-      <p:grpSpPr>
-        <a:xfrm>
-          <a:off x="0" y="0"/>
-          <a:ext cx="0" cy="0"/>
-          <a:chOff x="0" y="0"/>
-          <a:chExt cx="0" cy="0"/>
-        </a:xfrm>
-      </p:grpSpPr>
-      <p:sp>
-        <p:nvSpPr>
-          <p:cNvPr id="2" name="Title 1">
-            <a:extLst>
-              <a:ext uri="{FF2B5EF4-FFF2-40B4-BE49-F238E27FC236}">
-                <a16:creationId xmlns:a16="http://schemas.microsoft.com/office/drawing/2014/main" id="{7BBB650C-D1BC-8143-BD6E-F916B9DA04E2}"/>
-              </a:ext>
-            </a:extLst>
-          </p:cNvPr>
-          <p:cNvSpPr>
-            <a:spLocks noGrp="1"/>
-          </p:cNvSpPr>
-          <p:nvPr>
-            <p:ph type="title"/>
-          </p:nvPr>
-        </p:nvSpPr>
-        <p:spPr>
-          <a:xfrm>
-            <a:off x="628650" y="273847"/>
-            <a:ext cx="7886700" cy="994172"/>
-          </a:xfrm>
-        </p:spPr>
-        <p:txBody>
-          <a:bodyPr anchor="ctr">
-            <a:normAutofit fontScale="90000"/>
-          </a:bodyPr>
-          <a:lstStyle/>
-          <a:p>
-            <a:r>
-              <a:rPr lang="en-US" dirty="0"/>
-              <a:t>Offsets (hard part) - Wrong Way</a:t>
-            </a:r>
-          </a:p>
-        </p:txBody>
-      </p:sp>
-      <p:sp>
-        <p:nvSpPr>
-          <p:cNvPr id="3" name="Content Placeholder 2">
-            <a:extLst>
-              <a:ext uri="{FF2B5EF4-FFF2-40B4-BE49-F238E27FC236}">
-                <a16:creationId xmlns:a16="http://schemas.microsoft.com/office/drawing/2014/main" id="{122AEAAC-FCD5-2E4C-B4A7-07D5E5F31E70}"/>
-              </a:ext>
-            </a:extLst>
-          </p:cNvPr>
-          <p:cNvSpPr>
-            <a:spLocks noGrp="1"/>
-          </p:cNvSpPr>
-          <p:nvPr>
-            <p:ph sz="half" idx="1"/>
-          </p:nvPr>
-        </p:nvSpPr>
-        <p:spPr>
-          <a:xfrm>
-            <a:off x="628650" y="1369219"/>
-            <a:ext cx="3886200" cy="3263504"/>
-          </a:xfrm>
-        </p:spPr>
-        <p:txBody>
-          <a:bodyPr>
-            <a:normAutofit/>
-          </a:bodyPr>
-          <a:lstStyle/>
-          <a:p>
-            <a:r>
-              <a:rPr lang="en-US" dirty="0"/>
-              <a:t>When you write the pointer of FD, you probably just want to set it to GOT.</a:t>
-            </a:r>
-          </a:p>
-          <a:p>
-            <a:r>
-              <a:rPr lang="en-US" dirty="0"/>
-              <a:t>However, you will write </a:t>
-            </a:r>
-            <a:r>
-              <a:rPr lang="en-US" b="1" dirty="0"/>
-              <a:t>0x18</a:t>
-            </a:r>
-            <a:r>
-              <a:rPr lang="en-US" dirty="0"/>
-              <a:t> bytes passed where you want. </a:t>
-            </a:r>
-          </a:p>
-          <a:p>
-            <a:r>
-              <a:rPr lang="en-US" dirty="0"/>
-              <a:t>Solution?</a:t>
-            </a:r>
-          </a:p>
-        </p:txBody>
-      </p:sp>
-      <p:pic>
-        <p:nvPicPr>
-          <p:cNvPr id="5" name="Picture 4" descr="Offset wrong">
-            <a:extLst>
-              <a:ext uri="{FF2B5EF4-FFF2-40B4-BE49-F238E27FC236}">
-                <a16:creationId xmlns:a16="http://schemas.microsoft.com/office/drawing/2014/main" id="{E0B0E5BD-AB2A-544B-84C2-7EDC70CC6334}"/>
-              </a:ext>
-            </a:extLst>
-          </p:cNvPr>
-          <p:cNvPicPr>
-            <a:picLocks noChangeAspect="1"/>
-          </p:cNvPicPr>
-          <p:nvPr/>
-        </p:nvPicPr>
-        <p:blipFill>
-          <a:blip r:embed="rId2"/>
-          <a:stretch>
-            <a:fillRect/>
-          </a:stretch>
-        </p:blipFill>
-        <p:spPr>
-          <a:xfrm>
-            <a:off x="5388883" y="1036025"/>
-            <a:ext cx="2608369" cy="3596698"/>
-          </a:xfrm>
-          <a:prstGeom prst="rect">
-            <a:avLst/>
-          </a:prstGeom>
-          <a:noFill/>
-        </p:spPr>
-      </p:pic>
-    </p:spTree>
-    <p:extLst>
-      <p:ext uri="{BB962C8B-B14F-4D97-AF65-F5344CB8AC3E}">
-        <p14:creationId xmlns:p14="http://schemas.microsoft.com/office/powerpoint/2010/main" val="3108088431"/>
-      </p:ext>
-    </p:extLst>
-  </p:cSld>
-  <p:clrMapOvr>
-    <a:masterClrMapping/>
-  </p:clrMapOvr>
-</p:sld>
-</file>
-
-<file path=ppt/slides/slide56.xml><?xml version="1.0" encoding="utf-8"?>
-<p:sld xmlns:a="http://schemas.openxmlformats.org/drawingml/2006/main" xmlns:r="http://schemas.openxmlformats.org/officeDocument/2006/relationships" xmlns:p="http://schemas.openxmlformats.org/presentationml/2006/main">
-  <p:cSld>
-    <p:spTree>
-      <p:nvGrpSpPr>
-        <p:cNvPr id="1" name=""/>
-        <p:cNvGrpSpPr/>
-        <p:nvPr/>
-      </p:nvGrpSpPr>
-      <p:grpSpPr>
-        <a:xfrm>
-          <a:off x="0" y="0"/>
-          <a:ext cx="0" cy="0"/>
-          <a:chOff x="0" y="0"/>
-          <a:chExt cx="0" cy="0"/>
-        </a:xfrm>
-      </p:grpSpPr>
-      <p:sp>
-        <p:nvSpPr>
-          <p:cNvPr id="2" name="Title 1">
-            <a:extLst>
-              <a:ext uri="{FF2B5EF4-FFF2-40B4-BE49-F238E27FC236}">
-                <a16:creationId xmlns:a16="http://schemas.microsoft.com/office/drawing/2014/main" id="{7BBB650C-D1BC-8143-BD6E-F916B9DA04E2}"/>
-              </a:ext>
-            </a:extLst>
-          </p:cNvPr>
-          <p:cNvSpPr>
-            <a:spLocks noGrp="1"/>
-          </p:cNvSpPr>
-          <p:nvPr>
-            <p:ph type="title"/>
-          </p:nvPr>
-        </p:nvSpPr>
-        <p:spPr>
-          <a:xfrm>
-            <a:off x="628650" y="273847"/>
-            <a:ext cx="7886700" cy="994172"/>
-          </a:xfrm>
-        </p:spPr>
-        <p:txBody>
-          <a:bodyPr anchor="ctr">
-            <a:normAutofit fontScale="90000"/>
-          </a:bodyPr>
-          <a:lstStyle/>
-          <a:p>
-            <a:r>
-              <a:rPr lang="en-US" dirty="0"/>
-              <a:t>Offsets (hard part) - Right Way</a:t>
-            </a:r>
-          </a:p>
-        </p:txBody>
-      </p:sp>
-      <p:sp>
-        <p:nvSpPr>
-          <p:cNvPr id="3" name="Content Placeholder 2">
-            <a:extLst>
-              <a:ext uri="{FF2B5EF4-FFF2-40B4-BE49-F238E27FC236}">
-                <a16:creationId xmlns:a16="http://schemas.microsoft.com/office/drawing/2014/main" id="{122AEAAC-FCD5-2E4C-B4A7-07D5E5F31E70}"/>
-              </a:ext>
-            </a:extLst>
-          </p:cNvPr>
-          <p:cNvSpPr>
-            <a:spLocks noGrp="1"/>
-          </p:cNvSpPr>
-          <p:nvPr>
-            <p:ph sz="half" idx="1"/>
-          </p:nvPr>
-        </p:nvSpPr>
-        <p:spPr>
-          <a:xfrm>
-            <a:off x="628650" y="1369219"/>
-            <a:ext cx="3886200" cy="3263504"/>
-          </a:xfrm>
-        </p:spPr>
-        <p:txBody>
-          <a:bodyPr>
-            <a:normAutofit/>
-          </a:bodyPr>
-          <a:lstStyle/>
-          <a:p>
-            <a:r>
-              <a:rPr lang="en-US" dirty="0"/>
-              <a:t>Subtract </a:t>
-            </a:r>
-            <a:r>
-              <a:rPr lang="en-US" b="1" dirty="0"/>
-              <a:t>0x18 </a:t>
-            </a:r>
-            <a:r>
-              <a:rPr lang="en-US" dirty="0"/>
-              <a:t>from the place you want to write to. (</a:t>
-            </a:r>
-            <a:r>
-              <a:rPr lang="en-US" i="1" dirty="0"/>
-              <a:t>GOT – 0x18</a:t>
-            </a:r>
-            <a:r>
-              <a:rPr lang="en-US" dirty="0"/>
-              <a:t>) </a:t>
-            </a:r>
-          </a:p>
-          <a:p>
-            <a:r>
-              <a:rPr lang="en-US" dirty="0"/>
-              <a:t>Now, the write access will work properly</a:t>
-            </a:r>
-          </a:p>
-          <a:p>
-            <a:r>
-              <a:rPr lang="en-US" dirty="0"/>
-              <a:t>No overshooting (like previous diagram</a:t>
-            </a:r>
-          </a:p>
-        </p:txBody>
-      </p:sp>
-      <p:pic>
-        <p:nvPicPr>
-          <p:cNvPr id="6" name="Picture 5" descr="Offset, right way">
-            <a:extLst>
-              <a:ext uri="{FF2B5EF4-FFF2-40B4-BE49-F238E27FC236}">
-                <a16:creationId xmlns:a16="http://schemas.microsoft.com/office/drawing/2014/main" id="{540E9A64-20D2-C942-ABEF-A46D3910F14D}"/>
-              </a:ext>
-            </a:extLst>
-          </p:cNvPr>
-          <p:cNvPicPr>
-            <a:picLocks noChangeAspect="1"/>
-          </p:cNvPicPr>
-          <p:nvPr/>
-        </p:nvPicPr>
-        <p:blipFill>
-          <a:blip r:embed="rId2"/>
-          <a:stretch>
-            <a:fillRect/>
-          </a:stretch>
-        </p:blipFill>
-        <p:spPr>
-          <a:xfrm>
-            <a:off x="5388883" y="1369219"/>
-            <a:ext cx="2366733" cy="3263504"/>
-          </a:xfrm>
-          <a:prstGeom prst="rect">
-            <a:avLst/>
-          </a:prstGeom>
-          <a:noFill/>
-        </p:spPr>
-      </p:pic>
-    </p:spTree>
-    <p:extLst>
-      <p:ext uri="{BB962C8B-B14F-4D97-AF65-F5344CB8AC3E}">
-        <p14:creationId xmlns:p14="http://schemas.microsoft.com/office/powerpoint/2010/main" val="1714655884"/>
-      </p:ext>
-    </p:extLst>
-  </p:cSld>
-  <p:clrMapOvr>
-    <a:masterClrMapping/>
-  </p:clrMapOvr>
-</p:sld>
-</file>
-
-<file path=ppt/slides/slide57.xml><?xml version="1.0" encoding="utf-8"?>
-<p:sld xmlns:a="http://schemas.openxmlformats.org/drawingml/2006/main" xmlns:r="http://schemas.openxmlformats.org/officeDocument/2006/relationships" xmlns:p="http://schemas.openxmlformats.org/presentationml/2006/main">
-  <p:cSld>
-    <p:spTree>
-      <p:nvGrpSpPr>
-        <p:cNvPr id="1" name=""/>
-        <p:cNvGrpSpPr/>
-        <p:nvPr/>
-      </p:nvGrpSpPr>
-      <p:grpSpPr>
-        <a:xfrm>
-          <a:off x="0" y="0"/>
-          <a:ext cx="0" cy="0"/>
-          <a:chOff x="0" y="0"/>
-          <a:chExt cx="0" cy="0"/>
-        </a:xfrm>
-      </p:grpSpPr>
-      <p:sp>
-        <p:nvSpPr>
-          <p:cNvPr id="2" name="Title 1">
-            <a:extLst>
-              <a:ext uri="{FF2B5EF4-FFF2-40B4-BE49-F238E27FC236}">
-                <a16:creationId xmlns:a16="http://schemas.microsoft.com/office/drawing/2014/main" id="{46E4870F-C75F-824B-B6B2-E2854B25EF85}"/>
-              </a:ext>
-            </a:extLst>
-          </p:cNvPr>
-          <p:cNvSpPr>
-            <a:spLocks noGrp="1"/>
-          </p:cNvSpPr>
-          <p:nvPr>
-            <p:ph type="title"/>
-          </p:nvPr>
-        </p:nvSpPr>
-        <p:spPr>
-          <a:xfrm>
-            <a:off x="628650" y="273847"/>
-            <a:ext cx="7886700" cy="994172"/>
-          </a:xfrm>
-        </p:spPr>
-        <p:txBody>
-          <a:bodyPr anchor="ctr">
-            <a:normAutofit/>
-          </a:bodyPr>
-          <a:lstStyle/>
-          <a:p>
-            <a:r>
-              <a:rPr lang="en-US" dirty="0"/>
-              <a:t>Jump to Shellcode!</a:t>
-            </a:r>
-          </a:p>
-        </p:txBody>
-      </p:sp>
-      <p:graphicFrame>
-        <p:nvGraphicFramePr>
-          <p:cNvPr id="5" name="Content Placeholder 2">
-            <a:extLst>
-              <a:ext uri="{FF2B5EF4-FFF2-40B4-BE49-F238E27FC236}">
-                <a16:creationId xmlns:a16="http://schemas.microsoft.com/office/drawing/2014/main" id="{E7ECAA9D-41C5-4CC3-B2E3-81551424162A}"/>
-              </a:ext>
-            </a:extLst>
-          </p:cNvPr>
-          <p:cNvGraphicFramePr>
-            <a:graphicFrameLocks noGrp="1"/>
-          </p:cNvGraphicFramePr>
-          <p:nvPr>
-            <p:ph idx="1"/>
-            <p:extLst>
-              <p:ext uri="{D42A27DB-BD31-4B8C-83A1-F6EECF244321}">
-                <p14:modId xmlns:p14="http://schemas.microsoft.com/office/powerpoint/2010/main" val="224941718"/>
-              </p:ext>
-            </p:extLst>
-          </p:nvPr>
-        </p:nvGraphicFramePr>
-        <p:xfrm>
-          <a:off x="628650" y="1236541"/>
-          <a:ext cx="7886700" cy="3263504"/>
-        </p:xfrm>
-        <a:graphic>
-          <a:graphicData uri="http://schemas.openxmlformats.org/drawingml/2006/diagram">
-            <dgm:relIds xmlns:dgm="http://schemas.openxmlformats.org/drawingml/2006/diagram" xmlns:r="http://schemas.openxmlformats.org/officeDocument/2006/relationships" r:dm="rId2" r:lo="rId3" r:qs="rId4" r:cs="rId5"/>
-          </a:graphicData>
-        </a:graphic>
-      </p:graphicFrame>
-    </p:spTree>
-    <p:extLst>
-      <p:ext uri="{BB962C8B-B14F-4D97-AF65-F5344CB8AC3E}">
-        <p14:creationId xmlns:p14="http://schemas.microsoft.com/office/powerpoint/2010/main" val="3319901412"/>
-      </p:ext>
-    </p:extLst>
-  </p:cSld>
-  <p:clrMapOvr>
-    <a:masterClrMapping/>
-  </p:clrMapOvr>
-</p:sld>
-</file>
-
-<file path=ppt/slides/slide58.xml><?xml version="1.0" encoding="utf-8"?>
-<p:sld xmlns:a="http://schemas.openxmlformats.org/drawingml/2006/main" xmlns:r="http://schemas.openxmlformats.org/officeDocument/2006/relationships" xmlns:p="http://schemas.openxmlformats.org/presentationml/2006/main">
-  <p:cSld>
-    <p:spTree>
-      <p:nvGrpSpPr>
-        <p:cNvPr id="1" name=""/>
-        <p:cNvGrpSpPr/>
-        <p:nvPr/>
-      </p:nvGrpSpPr>
-      <p:grpSpPr>
-        <a:xfrm>
-          <a:off x="0" y="0"/>
-          <a:ext cx="0" cy="0"/>
-          <a:chOff x="0" y="0"/>
-          <a:chExt cx="0" cy="0"/>
-        </a:xfrm>
-      </p:grpSpPr>
-      <p:sp>
-        <p:nvSpPr>
-          <p:cNvPr id="2" name="Title 1">
-            <a:extLst>
-              <a:ext uri="{FF2B5EF4-FFF2-40B4-BE49-F238E27FC236}">
-                <a16:creationId xmlns:a16="http://schemas.microsoft.com/office/drawing/2014/main" id="{7DB9B60E-33BB-EE43-81C3-E31A50D0A4D9}"/>
-              </a:ext>
-            </a:extLst>
-          </p:cNvPr>
-          <p:cNvSpPr>
-            <a:spLocks noGrp="1"/>
-          </p:cNvSpPr>
-          <p:nvPr>
-            <p:ph type="title"/>
-          </p:nvPr>
-        </p:nvSpPr>
-        <p:spPr/>
-        <p:txBody>
-          <a:bodyPr/>
-          <a:lstStyle/>
-          <a:p>
-            <a:r>
-              <a:rPr lang="en-US" dirty="0"/>
-              <a:t>Easy Winner </a:t>
-            </a:r>
-            <a:r>
-              <a:rPr lang="en-US" dirty="0" err="1"/>
-              <a:t>Func</a:t>
-            </a:r>
-            <a:endParaRPr lang="en-US" dirty="0"/>
-          </a:p>
-        </p:txBody>
-      </p:sp>
-      <p:pic>
-        <p:nvPicPr>
-          <p:cNvPr id="5" name="Content Placeholder 4" descr="A close up of a sign&#10;&#10;Description automatically generated">
-            <a:extLst>
-              <a:ext uri="{FF2B5EF4-FFF2-40B4-BE49-F238E27FC236}">
-                <a16:creationId xmlns:a16="http://schemas.microsoft.com/office/drawing/2014/main" id="{37E12C90-C1C9-104B-8A6D-824067C2604C}"/>
-              </a:ext>
-            </a:extLst>
-          </p:cNvPr>
-          <p:cNvPicPr>
-            <a:picLocks noGrp="1" noChangeAspect="1"/>
-          </p:cNvPicPr>
-          <p:nvPr>
-            <p:ph idx="1"/>
-          </p:nvPr>
-        </p:nvPicPr>
-        <p:blipFill>
-          <a:blip r:embed="rId2"/>
-          <a:stretch>
-            <a:fillRect/>
-          </a:stretch>
-        </p:blipFill>
-        <p:spPr>
-          <a:xfrm>
-            <a:off x="715182" y="1268019"/>
-            <a:ext cx="6521680" cy="1172964"/>
-          </a:xfrm>
-        </p:spPr>
-      </p:pic>
-      <p:cxnSp>
-        <p:nvCxnSpPr>
-          <p:cNvPr id="9" name="Straight Arrow Connector 8">
-            <a:extLst>
-              <a:ext uri="{FF2B5EF4-FFF2-40B4-BE49-F238E27FC236}">
-                <a16:creationId xmlns:a16="http://schemas.microsoft.com/office/drawing/2014/main" id="{97B1379F-412C-8D44-A21C-A2577633A4E7}"/>
-              </a:ext>
-            </a:extLst>
-          </p:cNvPr>
-          <p:cNvCxnSpPr>
-            <a:cxnSpLocks/>
-          </p:cNvCxnSpPr>
-          <p:nvPr/>
-        </p:nvCxnSpPr>
-        <p:spPr>
-          <a:xfrm flipH="1">
-            <a:off x="6820175" y="1615417"/>
-            <a:ext cx="850639" cy="0"/>
-          </a:xfrm>
-          <a:prstGeom prst="straightConnector1">
-            <a:avLst/>
-          </a:prstGeom>
-          <a:ln w="38100">
-            <a:solidFill>
-              <a:srgbClr val="FF0000"/>
-            </a:solidFill>
-            <a:tailEnd type="triangle"/>
-          </a:ln>
-        </p:spPr>
-        <p:style>
-          <a:lnRef idx="1">
-            <a:schemeClr val="accent1"/>
-          </a:lnRef>
-          <a:fillRef idx="0">
-            <a:schemeClr val="accent1"/>
-          </a:fillRef>
-          <a:effectRef idx="0">
-            <a:schemeClr val="accent1"/>
-          </a:effectRef>
-          <a:fontRef idx="minor">
-            <a:schemeClr val="tx1"/>
-          </a:fontRef>
-        </p:style>
-      </p:cxnSp>
-      <p:sp>
-        <p:nvSpPr>
-          <p:cNvPr id="12" name="TextBox 11">
-            <a:extLst>
-              <a:ext uri="{FF2B5EF4-FFF2-40B4-BE49-F238E27FC236}">
-                <a16:creationId xmlns:a16="http://schemas.microsoft.com/office/drawing/2014/main" id="{8694D84A-0844-6A46-9C1D-E9F91318A523}"/>
-              </a:ext>
-            </a:extLst>
-          </p:cNvPr>
-          <p:cNvSpPr txBox="1"/>
-          <p:nvPr/>
-        </p:nvSpPr>
-        <p:spPr>
-          <a:xfrm>
-            <a:off x="7245494" y="1300503"/>
-            <a:ext cx="1720312" cy="369332"/>
-          </a:xfrm>
-          <a:prstGeom prst="rect">
-            <a:avLst/>
-          </a:prstGeom>
-          <a:noFill/>
-        </p:spPr>
-        <p:txBody>
-          <a:bodyPr wrap="square" rtlCol="0">
-            <a:spAutoFit/>
-          </a:bodyPr>
-          <a:lstStyle/>
-          <a:p>
-            <a:r>
-              <a:rPr lang="en-US" dirty="0"/>
-              <a:t>Winner Address</a:t>
-            </a:r>
-          </a:p>
-        </p:txBody>
-      </p:sp>
-      <p:cxnSp>
-        <p:nvCxnSpPr>
-          <p:cNvPr id="13" name="Straight Arrow Connector 12">
-            <a:extLst>
-              <a:ext uri="{FF2B5EF4-FFF2-40B4-BE49-F238E27FC236}">
-                <a16:creationId xmlns:a16="http://schemas.microsoft.com/office/drawing/2014/main" id="{6F965600-E060-584F-8787-08CC7152EBCA}"/>
-              </a:ext>
-            </a:extLst>
-          </p:cNvPr>
-          <p:cNvCxnSpPr>
-            <a:cxnSpLocks/>
-          </p:cNvCxnSpPr>
-          <p:nvPr/>
-        </p:nvCxnSpPr>
-        <p:spPr>
-          <a:xfrm flipH="1">
-            <a:off x="4254286" y="2146515"/>
-            <a:ext cx="3416528" cy="0"/>
-          </a:xfrm>
-          <a:prstGeom prst="straightConnector1">
-            <a:avLst/>
-          </a:prstGeom>
-          <a:ln w="38100">
-            <a:solidFill>
-              <a:srgbClr val="FF0000"/>
-            </a:solidFill>
-            <a:tailEnd type="triangle"/>
-          </a:ln>
-        </p:spPr>
-        <p:style>
-          <a:lnRef idx="1">
-            <a:schemeClr val="accent1"/>
-          </a:lnRef>
-          <a:fillRef idx="0">
-            <a:schemeClr val="accent1"/>
-          </a:fillRef>
-          <a:effectRef idx="0">
-            <a:schemeClr val="accent1"/>
-          </a:effectRef>
-          <a:fontRef idx="minor">
-            <a:schemeClr val="tx1"/>
-          </a:fontRef>
-        </p:style>
-      </p:cxnSp>
-      <p:sp>
-        <p:nvSpPr>
-          <p:cNvPr id="16" name="TextBox 15">
-            <a:extLst>
-              <a:ext uri="{FF2B5EF4-FFF2-40B4-BE49-F238E27FC236}">
-                <a16:creationId xmlns:a16="http://schemas.microsoft.com/office/drawing/2014/main" id="{60F6D075-4993-0641-B673-0C2A8D2F2F44}"/>
-              </a:ext>
-            </a:extLst>
-          </p:cNvPr>
-          <p:cNvSpPr txBox="1"/>
-          <p:nvPr/>
-        </p:nvSpPr>
-        <p:spPr>
-          <a:xfrm>
-            <a:off x="7245494" y="1800083"/>
-            <a:ext cx="1720312" cy="369332"/>
-          </a:xfrm>
-          <a:prstGeom prst="rect">
-            <a:avLst/>
-          </a:prstGeom>
-          <a:noFill/>
-        </p:spPr>
-        <p:txBody>
-          <a:bodyPr wrap="square" rtlCol="0">
-            <a:spAutoFit/>
-          </a:bodyPr>
-          <a:lstStyle/>
-          <a:p>
-            <a:r>
-              <a:rPr lang="en-US" dirty="0"/>
-              <a:t>Shellcode</a:t>
-            </a:r>
-          </a:p>
-        </p:txBody>
-      </p:sp>
-    </p:spTree>
-    <p:extLst>
-      <p:ext uri="{BB962C8B-B14F-4D97-AF65-F5344CB8AC3E}">
-        <p14:creationId xmlns:p14="http://schemas.microsoft.com/office/powerpoint/2010/main" val="1502479331"/>
-      </p:ext>
-    </p:extLst>
-  </p:cSld>
-  <p:clrMapOvr>
-    <a:masterClrMapping/>
-  </p:clrMapOvr>
-</p:sld>
-</file>
-
-<file path=ppt/slides/slide59.xml><?xml version="1.0" encoding="utf-8"?>
-<p:sld xmlns:a="http://schemas.openxmlformats.org/drawingml/2006/main" xmlns:r="http://schemas.openxmlformats.org/officeDocument/2006/relationships" xmlns:p="http://schemas.openxmlformats.org/presentationml/2006/main">
-  <p:cSld>
-    <p:spTree>
-      <p:nvGrpSpPr>
-        <p:cNvPr id="1" name=""/>
-        <p:cNvGrpSpPr/>
-        <p:nvPr/>
-      </p:nvGrpSpPr>
-      <p:grpSpPr>
-        <a:xfrm>
-          <a:off x="0" y="0"/>
-          <a:ext cx="0" cy="0"/>
-          <a:chOff x="0" y="0"/>
-          <a:chExt cx="0" cy="0"/>
-        </a:xfrm>
-      </p:grpSpPr>
-      <p:sp>
-        <p:nvSpPr>
-          <p:cNvPr id="2" name="Title 1">
-            <a:extLst>
-              <a:ext uri="{FF2B5EF4-FFF2-40B4-BE49-F238E27FC236}">
-                <a16:creationId xmlns:a16="http://schemas.microsoft.com/office/drawing/2014/main" id="{50917DE6-522B-CD44-8651-0EA70998F72F}"/>
-              </a:ext>
-            </a:extLst>
-          </p:cNvPr>
-          <p:cNvSpPr>
-            <a:spLocks noGrp="1"/>
-          </p:cNvSpPr>
-          <p:nvPr>
-            <p:ph type="title"/>
-          </p:nvPr>
-        </p:nvSpPr>
-        <p:spPr/>
-        <p:txBody>
-          <a:bodyPr/>
-          <a:lstStyle/>
-          <a:p>
-            <a:r>
-              <a:rPr lang="en-US" dirty="0"/>
-              <a:t>Exercise2</a:t>
-            </a:r>
-          </a:p>
-        </p:txBody>
-      </p:sp>
-      <p:sp>
-        <p:nvSpPr>
-          <p:cNvPr id="3" name="Content Placeholder 2">
-            <a:extLst>
-              <a:ext uri="{FF2B5EF4-FFF2-40B4-BE49-F238E27FC236}">
-                <a16:creationId xmlns:a16="http://schemas.microsoft.com/office/drawing/2014/main" id="{AA0CA50D-07E6-F54C-86BD-7C069FDC799B}"/>
-              </a:ext>
-            </a:extLst>
-          </p:cNvPr>
-          <p:cNvSpPr>
-            <a:spLocks noGrp="1"/>
-          </p:cNvSpPr>
-          <p:nvPr>
-            <p:ph idx="1"/>
-          </p:nvPr>
-        </p:nvSpPr>
-        <p:spPr>
-          <a:xfrm>
-            <a:off x="628650" y="1236541"/>
-            <a:ext cx="7886700" cy="3783134"/>
-          </a:xfrm>
-        </p:spPr>
-        <p:txBody>
-          <a:bodyPr>
-            <a:normAutofit/>
-          </a:bodyPr>
-          <a:lstStyle/>
-          <a:p>
-            <a:r>
-              <a:rPr lang="en-US" i="1" dirty="0" err="1"/>
-              <a:t>prev_inuse</a:t>
-            </a:r>
-            <a:r>
-              <a:rPr lang="en-US" dirty="0"/>
-              <a:t> bit set to 0 to force a backwards consolidation</a:t>
-            </a:r>
-          </a:p>
-          <a:p>
-            <a:r>
-              <a:rPr lang="en-US" dirty="0"/>
-              <a:t>Everything else is the same as before: </a:t>
-            </a:r>
-          </a:p>
-          <a:p>
-            <a:pPr lvl="1"/>
-            <a:r>
-              <a:rPr lang="en-US" dirty="0"/>
-              <a:t>Writes (offsets) for chunks: </a:t>
-            </a:r>
-          </a:p>
-          <a:p>
-            <a:pPr lvl="2"/>
-            <a:r>
-              <a:rPr lang="en-US" dirty="0"/>
-              <a:t>Fd (offset of 0x10) </a:t>
-            </a:r>
-          </a:p>
-          <a:p>
-            <a:pPr lvl="2"/>
-            <a:r>
-              <a:rPr lang="en-US" dirty="0"/>
-              <a:t>Bk (offset of 0x18) </a:t>
-            </a:r>
-          </a:p>
-          <a:p>
-            <a:pPr lvl="1"/>
-            <a:r>
-              <a:rPr lang="en-US" dirty="0"/>
-              <a:t>Overwrite the </a:t>
-            </a:r>
-            <a:r>
-              <a:rPr lang="en-US" b="1" dirty="0"/>
-              <a:t>GOT</a:t>
-            </a:r>
-            <a:r>
-              <a:rPr lang="en-US" dirty="0"/>
-              <a:t> entry of </a:t>
-            </a:r>
-            <a:r>
-              <a:rPr lang="en-US" b="1" dirty="0"/>
-              <a:t>puts</a:t>
-            </a:r>
-            <a:r>
-              <a:rPr lang="en-US" dirty="0"/>
-              <a:t> or return </a:t>
-            </a:r>
-            <a:r>
-              <a:rPr lang="en-US" b="1" dirty="0"/>
-              <a:t>EIP</a:t>
-            </a:r>
-            <a:endParaRPr lang="en-US" dirty="0"/>
-          </a:p>
-          <a:p>
-            <a:pPr lvl="1"/>
-            <a:r>
-              <a:rPr lang="en-US" dirty="0"/>
-              <a:t>NO memory protections: </a:t>
-            </a:r>
-          </a:p>
-          <a:p>
-            <a:pPr lvl="2"/>
-            <a:r>
-              <a:rPr lang="en-US" dirty="0"/>
-              <a:t>ASLR, RELRO, NX (on stack but not heap).</a:t>
-            </a:r>
-          </a:p>
-          <a:p>
-            <a:pPr lvl="2"/>
-            <a:r>
-              <a:rPr lang="en-US" dirty="0"/>
-              <a:t>Shellcode is already written for you </a:t>
-            </a:r>
-            <a:r>
-              <a:rPr lang="en-US" dirty="0">
-                <a:sym typeface="Wingdings" pitchFamily="2" charset="2"/>
-              </a:rPr>
-              <a:t> </a:t>
-            </a:r>
-            <a:endParaRPr lang="en-US" dirty="0"/>
-          </a:p>
-        </p:txBody>
-      </p:sp>
-    </p:spTree>
-    <p:extLst>
-      <p:ext uri="{BB962C8B-B14F-4D97-AF65-F5344CB8AC3E}">
-        <p14:creationId xmlns:p14="http://schemas.microsoft.com/office/powerpoint/2010/main" val="1271793759"/>
       </p:ext>
     </p:extLst>
   </p:cSld>
@@ -41649,6 +41805,186 @@
 </file>
 
 <file path=ppt/slides/slide60.xml><?xml version="1.0" encoding="utf-8"?>
+<p:sld xmlns:a="http://schemas.openxmlformats.org/drawingml/2006/main" xmlns:r="http://schemas.openxmlformats.org/officeDocument/2006/relationships" xmlns:p="http://schemas.openxmlformats.org/presentationml/2006/main">
+  <p:cSld>
+    <p:spTree>
+      <p:nvGrpSpPr>
+        <p:cNvPr id="1" name=""/>
+        <p:cNvGrpSpPr/>
+        <p:nvPr/>
+      </p:nvGrpSpPr>
+      <p:grpSpPr>
+        <a:xfrm>
+          <a:off x="0" y="0"/>
+          <a:ext cx="0" cy="0"/>
+          <a:chOff x="0" y="0"/>
+          <a:chExt cx="0" cy="0"/>
+        </a:xfrm>
+      </p:grpSpPr>
+      <p:sp>
+        <p:nvSpPr>
+          <p:cNvPr id="2" name="Title 1">
+            <a:extLst>
+              <a:ext uri="{FF2B5EF4-FFF2-40B4-BE49-F238E27FC236}">
+                <a16:creationId xmlns:a16="http://schemas.microsoft.com/office/drawing/2014/main" id="{50917DE6-522B-CD44-8651-0EA70998F72F}"/>
+              </a:ext>
+            </a:extLst>
+          </p:cNvPr>
+          <p:cNvSpPr>
+            <a:spLocks noGrp="1"/>
+          </p:cNvSpPr>
+          <p:nvPr>
+            <p:ph type="title"/>
+          </p:nvPr>
+        </p:nvSpPr>
+        <p:spPr/>
+        <p:txBody>
+          <a:bodyPr/>
+          <a:lstStyle/>
+          <a:p>
+            <a:r>
+              <a:rPr lang="en-US" dirty="0"/>
+              <a:t>Exercise2</a:t>
+            </a:r>
+          </a:p>
+        </p:txBody>
+      </p:sp>
+      <p:sp>
+        <p:nvSpPr>
+          <p:cNvPr id="3" name="Content Placeholder 2">
+            <a:extLst>
+              <a:ext uri="{FF2B5EF4-FFF2-40B4-BE49-F238E27FC236}">
+                <a16:creationId xmlns:a16="http://schemas.microsoft.com/office/drawing/2014/main" id="{AA0CA50D-07E6-F54C-86BD-7C069FDC799B}"/>
+              </a:ext>
+            </a:extLst>
+          </p:cNvPr>
+          <p:cNvSpPr>
+            <a:spLocks noGrp="1"/>
+          </p:cNvSpPr>
+          <p:nvPr>
+            <p:ph idx="1"/>
+          </p:nvPr>
+        </p:nvSpPr>
+        <p:spPr>
+          <a:xfrm>
+            <a:off x="628650" y="1236541"/>
+            <a:ext cx="7886700" cy="3783134"/>
+          </a:xfrm>
+        </p:spPr>
+        <p:txBody>
+          <a:bodyPr>
+            <a:normAutofit/>
+          </a:bodyPr>
+          <a:lstStyle/>
+          <a:p>
+            <a:r>
+              <a:rPr lang="en-US" i="1" dirty="0" err="1"/>
+              <a:t>prev_inuse</a:t>
+            </a:r>
+            <a:r>
+              <a:rPr lang="en-US" dirty="0"/>
+              <a:t> bit set to 0 to force a backwards consolidation</a:t>
+            </a:r>
+          </a:p>
+          <a:p>
+            <a:r>
+              <a:rPr lang="en-US" dirty="0"/>
+              <a:t>Everything else is the same as before: </a:t>
+            </a:r>
+          </a:p>
+          <a:p>
+            <a:pPr lvl="1"/>
+            <a:r>
+              <a:rPr lang="en-US" dirty="0"/>
+              <a:t>Writes (offsets) for chunks: </a:t>
+            </a:r>
+          </a:p>
+          <a:p>
+            <a:pPr lvl="2"/>
+            <a:r>
+              <a:rPr lang="en-US" dirty="0"/>
+              <a:t>Fd (offset of 0x10) </a:t>
+            </a:r>
+          </a:p>
+          <a:p>
+            <a:pPr lvl="2"/>
+            <a:r>
+              <a:rPr lang="en-US" dirty="0"/>
+              <a:t>Bk (offset of 0x18) </a:t>
+            </a:r>
+          </a:p>
+          <a:p>
+            <a:pPr lvl="1"/>
+            <a:r>
+              <a:rPr lang="en-US" dirty="0"/>
+              <a:t>Overwrite the </a:t>
+            </a:r>
+            <a:r>
+              <a:rPr lang="en-US" b="1" dirty="0"/>
+              <a:t>GOT</a:t>
+            </a:r>
+            <a:r>
+              <a:rPr lang="en-US" dirty="0"/>
+              <a:t> entry of </a:t>
+            </a:r>
+            <a:r>
+              <a:rPr lang="en-US" b="1" dirty="0"/>
+              <a:t>puts</a:t>
+            </a:r>
+            <a:r>
+              <a:rPr lang="en-US" dirty="0"/>
+              <a:t> or return </a:t>
+            </a:r>
+            <a:r>
+              <a:rPr lang="en-US" b="1" dirty="0"/>
+              <a:t>EIP</a:t>
+            </a:r>
+            <a:endParaRPr lang="en-US" dirty="0"/>
+          </a:p>
+          <a:p>
+            <a:pPr lvl="1"/>
+            <a:r>
+              <a:rPr lang="en-US" dirty="0"/>
+              <a:t>NO memory protections: </a:t>
+            </a:r>
+          </a:p>
+          <a:p>
+            <a:pPr lvl="2"/>
+            <a:r>
+              <a:rPr lang="en-US" dirty="0"/>
+              <a:t>ASLR, RELRO, NX (on stack but not heap).</a:t>
+            </a:r>
+          </a:p>
+          <a:p>
+            <a:pPr lvl="2"/>
+            <a:r>
+              <a:rPr lang="en-US" dirty="0"/>
+              <a:t>Shellcode is already written for you </a:t>
+            </a:r>
+            <a:r>
+              <a:rPr lang="en-US" dirty="0">
+                <a:sym typeface="Wingdings" pitchFamily="2" charset="2"/>
+              </a:rPr>
+              <a:t> </a:t>
+            </a:r>
+            <a:endParaRPr lang="en-US" dirty="0"/>
+          </a:p>
+        </p:txBody>
+      </p:sp>
+    </p:spTree>
+    <p:extLst>
+      <p:ext uri="{BB962C8B-B14F-4D97-AF65-F5344CB8AC3E}">
+        <p14:creationId xmlns:p14="http://schemas.microsoft.com/office/powerpoint/2010/main" val="1271793759"/>
+      </p:ext>
+    </p:extLst>
+  </p:cSld>
+  <p:clrMapOvr>
+    <a:masterClrMapping/>
+  </p:clrMapOvr>
+</p:sld>
+</file>
+
+<file path=ppt/slides/slide61.xml><?xml version="1.0" encoding="utf-8"?>
 <p:sld xmlns:a="http://schemas.openxmlformats.org/drawingml/2006/main" xmlns:r="http://schemas.openxmlformats.org/officeDocument/2006/relationships" xmlns:p="http://schemas.openxmlformats.org/presentationml/2006/main">
   <p:cSld>
     <p:spTree>
@@ -41991,7 +42327,7 @@
 </p:sld>
 </file>
 
-<file path=ppt/slides/slide61.xml><?xml version="1.0" encoding="utf-8"?>
+<file path=ppt/slides/slide62.xml><?xml version="1.0" encoding="utf-8"?>
 <p:sld xmlns:a="http://schemas.openxmlformats.org/drawingml/2006/main" xmlns:r="http://schemas.openxmlformats.org/officeDocument/2006/relationships" xmlns:p="http://schemas.openxmlformats.org/presentationml/2006/main">
   <p:cSld>
     <p:spTree>
@@ -42082,7 +42418,7 @@
 </p:sld>
 </file>
 
-<file path=ppt/slides/slide62.xml><?xml version="1.0" encoding="utf-8"?>
+<file path=ppt/slides/slide63.xml><?xml version="1.0" encoding="utf-8"?>
 <p:sld xmlns:a="http://schemas.openxmlformats.org/drawingml/2006/main" xmlns:r="http://schemas.openxmlformats.org/officeDocument/2006/relationships" xmlns:p="http://schemas.openxmlformats.org/presentationml/2006/main">
   <p:cSld>
     <p:spTree>
@@ -42341,7 +42677,7 @@
 </p:sld>
 </file>
 
-<file path=ppt/slides/slide63.xml><?xml version="1.0" encoding="utf-8"?>
+<file path=ppt/slides/slide64.xml><?xml version="1.0" encoding="utf-8"?>
 <p:sld xmlns:a="http://schemas.openxmlformats.org/drawingml/2006/main" xmlns:r="http://schemas.openxmlformats.org/officeDocument/2006/relationships" xmlns:p="http://schemas.openxmlformats.org/presentationml/2006/main">
   <p:cSld>
     <p:spTree>
@@ -42574,7 +42910,7 @@
 </p:sld>
 </file>
 
-<file path=ppt/slides/slide64.xml><?xml version="1.0" encoding="utf-8"?>
+<file path=ppt/slides/slide65.xml><?xml version="1.0" encoding="utf-8"?>
 <p:sld xmlns:a="http://schemas.openxmlformats.org/drawingml/2006/main" xmlns:r="http://schemas.openxmlformats.org/officeDocument/2006/relationships" xmlns:p="http://schemas.openxmlformats.org/presentationml/2006/main">
   <p:cSld>
     <p:spTree>
@@ -42670,7 +43006,7 @@
 </p:sld>
 </file>
 
-<file path=ppt/slides/slide65.xml><?xml version="1.0" encoding="utf-8"?>
+<file path=ppt/slides/slide66.xml><?xml version="1.0" encoding="utf-8"?>
 <p:sld xmlns:a="http://schemas.openxmlformats.org/drawingml/2006/main" xmlns:r="http://schemas.openxmlformats.org/officeDocument/2006/relationships" xmlns:p="http://schemas.openxmlformats.org/presentationml/2006/main">
   <p:cSld>
     <p:spTree>
@@ -42906,7 +43242,7 @@
 </p:sld>
 </file>
 
-<file path=ppt/slides/slide66.xml><?xml version="1.0" encoding="utf-8"?>
+<file path=ppt/slides/slide67.xml><?xml version="1.0" encoding="utf-8"?>
 <p:sld xmlns:a="http://schemas.openxmlformats.org/drawingml/2006/main" xmlns:r="http://schemas.openxmlformats.org/officeDocument/2006/relationships" xmlns:p="http://schemas.openxmlformats.org/presentationml/2006/main">
   <p:cSld>
     <p:spTree>
@@ -43096,7 +43432,7 @@
 </p:sld>
 </file>
 
-<file path=ppt/slides/slide67.xml><?xml version="1.0" encoding="utf-8"?>
+<file path=ppt/slides/slide68.xml><?xml version="1.0" encoding="utf-8"?>
 <p:sld xmlns:a="http://schemas.openxmlformats.org/drawingml/2006/main" xmlns:r="http://schemas.openxmlformats.org/officeDocument/2006/relationships" xmlns:p="http://schemas.openxmlformats.org/presentationml/2006/main">
   <p:cSld>
     <p:spTree>
@@ -43278,7 +43614,7 @@
 </p:sld>
 </file>
 
-<file path=ppt/slides/slide68.xml><?xml version="1.0" encoding="utf-8"?>
+<file path=ppt/slides/slide69.xml><?xml version="1.0" encoding="utf-8"?>
 <p:sld xmlns:a="http://schemas.openxmlformats.org/drawingml/2006/main" xmlns:r="http://schemas.openxmlformats.org/officeDocument/2006/relationships" xmlns:p="http://schemas.openxmlformats.org/presentationml/2006/main">
   <p:cSld>
     <p:spTree>
@@ -43444,7 +43780,103 @@
 </p:sld>
 </file>
 
-<file path=ppt/slides/slide69.xml><?xml version="1.0" encoding="utf-8"?>
+<file path=ppt/slides/slide7.xml><?xml version="1.0" encoding="utf-8"?>
+<p:sld xmlns:a="http://schemas.openxmlformats.org/drawingml/2006/main" xmlns:r="http://schemas.openxmlformats.org/officeDocument/2006/relationships" xmlns:p="http://schemas.openxmlformats.org/presentationml/2006/main">
+  <p:cSld>
+    <p:spTree>
+      <p:nvGrpSpPr>
+        <p:cNvPr id="1" name=""/>
+        <p:cNvGrpSpPr/>
+        <p:nvPr/>
+      </p:nvGrpSpPr>
+      <p:grpSpPr>
+        <a:xfrm>
+          <a:off x="0" y="0"/>
+          <a:ext cx="0" cy="0"/>
+          <a:chOff x="0" y="0"/>
+          <a:chExt cx="0" cy="0"/>
+        </a:xfrm>
+      </p:grpSpPr>
+      <p:sp>
+        <p:nvSpPr>
+          <p:cNvPr id="2" name="Title 1">
+            <a:extLst>
+              <a:ext uri="{FF2B5EF4-FFF2-40B4-BE49-F238E27FC236}">
+                <a16:creationId xmlns:a16="http://schemas.microsoft.com/office/drawing/2014/main" id="{9FE9DBD8-DB8B-7D49-8DC2-F4DB58CD55DE}"/>
+              </a:ext>
+            </a:extLst>
+          </p:cNvPr>
+          <p:cNvSpPr>
+            <a:spLocks noGrp="1"/>
+          </p:cNvSpPr>
+          <p:nvPr>
+            <p:ph type="title"/>
+          </p:nvPr>
+        </p:nvSpPr>
+        <p:spPr>
+          <a:xfrm>
+            <a:off x="628650" y="273847"/>
+            <a:ext cx="7886700" cy="994172"/>
+          </a:xfrm>
+        </p:spPr>
+        <p:txBody>
+          <a:bodyPr anchor="ctr">
+            <a:normAutofit/>
+          </a:bodyPr>
+          <a:lstStyle/>
+          <a:p>
+            <a:r>
+              <a:rPr lang="en-US"/>
+              <a:t>Consolidation </a:t>
+            </a:r>
+          </a:p>
+        </p:txBody>
+      </p:sp>
+      <p:graphicFrame>
+        <p:nvGraphicFramePr>
+          <p:cNvPr id="12" name="Content Placeholder 3">
+            <a:extLst>
+              <a:ext uri="{FF2B5EF4-FFF2-40B4-BE49-F238E27FC236}">
+                <a16:creationId xmlns:a16="http://schemas.microsoft.com/office/drawing/2014/main" id="{7A40F2FF-8E3D-4578-9B16-3CB16A6541A1}"/>
+              </a:ext>
+            </a:extLst>
+          </p:cNvPr>
+          <p:cNvGraphicFramePr>
+            <a:graphicFrameLocks noGrp="1"/>
+          </p:cNvGraphicFramePr>
+          <p:nvPr>
+            <p:ph idx="1"/>
+            <p:extLst>
+              <p:ext uri="{D42A27DB-BD31-4B8C-83A1-F6EECF244321}">
+                <p14:modId xmlns:p14="http://schemas.microsoft.com/office/powerpoint/2010/main" val="2885620417"/>
+              </p:ext>
+            </p:extLst>
+          </p:nvPr>
+        </p:nvGraphicFramePr>
+        <p:xfrm>
+          <a:off x="628650" y="1236541"/>
+          <a:ext cx="7886700" cy="3263504"/>
+        </p:xfrm>
+        <a:graphic>
+          <a:graphicData uri="http://schemas.openxmlformats.org/drawingml/2006/diagram">
+            <dgm:relIds xmlns:dgm="http://schemas.openxmlformats.org/drawingml/2006/diagram" xmlns:r="http://schemas.openxmlformats.org/officeDocument/2006/relationships" r:dm="rId2" r:lo="rId3" r:qs="rId4" r:cs="rId5"/>
+          </a:graphicData>
+        </a:graphic>
+      </p:graphicFrame>
+    </p:spTree>
+    <p:extLst>
+      <p:ext uri="{BB962C8B-B14F-4D97-AF65-F5344CB8AC3E}">
+        <p14:creationId xmlns:p14="http://schemas.microsoft.com/office/powerpoint/2010/main" val="3016325248"/>
+      </p:ext>
+    </p:extLst>
+  </p:cSld>
+  <p:clrMapOvr>
+    <a:masterClrMapping/>
+  </p:clrMapOvr>
+</p:sld>
+</file>
+
+<file path=ppt/slides/slide70.xml><?xml version="1.0" encoding="utf-8"?>
 <p:sld xmlns:a="http://schemas.openxmlformats.org/drawingml/2006/main" xmlns:r="http://schemas.openxmlformats.org/officeDocument/2006/relationships" xmlns:p="http://schemas.openxmlformats.org/presentationml/2006/main">
   <p:cSld>
     <p:spTree>
@@ -43750,103 +44182,7 @@
 </p:sld>
 </file>
 
-<file path=ppt/slides/slide7.xml><?xml version="1.0" encoding="utf-8"?>
-<p:sld xmlns:a="http://schemas.openxmlformats.org/drawingml/2006/main" xmlns:r="http://schemas.openxmlformats.org/officeDocument/2006/relationships" xmlns:p="http://schemas.openxmlformats.org/presentationml/2006/main">
-  <p:cSld>
-    <p:spTree>
-      <p:nvGrpSpPr>
-        <p:cNvPr id="1" name=""/>
-        <p:cNvGrpSpPr/>
-        <p:nvPr/>
-      </p:nvGrpSpPr>
-      <p:grpSpPr>
-        <a:xfrm>
-          <a:off x="0" y="0"/>
-          <a:ext cx="0" cy="0"/>
-          <a:chOff x="0" y="0"/>
-          <a:chExt cx="0" cy="0"/>
-        </a:xfrm>
-      </p:grpSpPr>
-      <p:sp>
-        <p:nvSpPr>
-          <p:cNvPr id="2" name="Title 1">
-            <a:extLst>
-              <a:ext uri="{FF2B5EF4-FFF2-40B4-BE49-F238E27FC236}">
-                <a16:creationId xmlns:a16="http://schemas.microsoft.com/office/drawing/2014/main" id="{9FE9DBD8-DB8B-7D49-8DC2-F4DB58CD55DE}"/>
-              </a:ext>
-            </a:extLst>
-          </p:cNvPr>
-          <p:cNvSpPr>
-            <a:spLocks noGrp="1"/>
-          </p:cNvSpPr>
-          <p:nvPr>
-            <p:ph type="title"/>
-          </p:nvPr>
-        </p:nvSpPr>
-        <p:spPr>
-          <a:xfrm>
-            <a:off x="628650" y="273847"/>
-            <a:ext cx="7886700" cy="994172"/>
-          </a:xfrm>
-        </p:spPr>
-        <p:txBody>
-          <a:bodyPr anchor="ctr">
-            <a:normAutofit/>
-          </a:bodyPr>
-          <a:lstStyle/>
-          <a:p>
-            <a:r>
-              <a:rPr lang="en-US"/>
-              <a:t>Consolidation </a:t>
-            </a:r>
-          </a:p>
-        </p:txBody>
-      </p:sp>
-      <p:graphicFrame>
-        <p:nvGraphicFramePr>
-          <p:cNvPr id="12" name="Content Placeholder 3">
-            <a:extLst>
-              <a:ext uri="{FF2B5EF4-FFF2-40B4-BE49-F238E27FC236}">
-                <a16:creationId xmlns:a16="http://schemas.microsoft.com/office/drawing/2014/main" id="{7A40F2FF-8E3D-4578-9B16-3CB16A6541A1}"/>
-              </a:ext>
-            </a:extLst>
-          </p:cNvPr>
-          <p:cNvGraphicFramePr>
-            <a:graphicFrameLocks noGrp="1"/>
-          </p:cNvGraphicFramePr>
-          <p:nvPr>
-            <p:ph idx="1"/>
-            <p:extLst>
-              <p:ext uri="{D42A27DB-BD31-4B8C-83A1-F6EECF244321}">
-                <p14:modId xmlns:p14="http://schemas.microsoft.com/office/powerpoint/2010/main" val="2885620417"/>
-              </p:ext>
-            </p:extLst>
-          </p:nvPr>
-        </p:nvGraphicFramePr>
-        <p:xfrm>
-          <a:off x="628650" y="1236541"/>
-          <a:ext cx="7886700" cy="3263504"/>
-        </p:xfrm>
-        <a:graphic>
-          <a:graphicData uri="http://schemas.openxmlformats.org/drawingml/2006/diagram">
-            <dgm:relIds xmlns:dgm="http://schemas.openxmlformats.org/drawingml/2006/diagram" xmlns:r="http://schemas.openxmlformats.org/officeDocument/2006/relationships" r:dm="rId2" r:lo="rId3" r:qs="rId4" r:cs="rId5"/>
-          </a:graphicData>
-        </a:graphic>
-      </p:graphicFrame>
-    </p:spTree>
-    <p:extLst>
-      <p:ext uri="{BB962C8B-B14F-4D97-AF65-F5344CB8AC3E}">
-        <p14:creationId xmlns:p14="http://schemas.microsoft.com/office/powerpoint/2010/main" val="3016325248"/>
-      </p:ext>
-    </p:extLst>
-  </p:cSld>
-  <p:clrMapOvr>
-    <a:masterClrMapping/>
-  </p:clrMapOvr>
-</p:sld>
-</file>
-
-<file path=ppt/slides/slide70.xml><?xml version="1.0" encoding="utf-8"?>
+<file path=ppt/slides/slide71.xml><?xml version="1.0" encoding="utf-8"?>
 <p:sld xmlns:a="http://schemas.openxmlformats.org/drawingml/2006/main" xmlns:r="http://schemas.openxmlformats.org/officeDocument/2006/relationships" xmlns:p="http://schemas.openxmlformats.org/presentationml/2006/main">
   <p:cSld>
     <p:spTree>
@@ -44095,7 +44431,7 @@
 </p:sld>
 </file>
 
-<file path=ppt/slides/slide71.xml><?xml version="1.0" encoding="utf-8"?>
+<file path=ppt/slides/slide72.xml><?xml version="1.0" encoding="utf-8"?>
 <p:sld xmlns:a="http://schemas.openxmlformats.org/drawingml/2006/main" xmlns:r="http://schemas.openxmlformats.org/officeDocument/2006/relationships" xmlns:p="http://schemas.openxmlformats.org/presentationml/2006/main">
   <p:cSld>
     <p:spTree>
@@ -44246,7 +44582,7 @@
 </p:sld>
 </file>
 
-<file path=ppt/slides/slide72.xml><?xml version="1.0" encoding="utf-8"?>
+<file path=ppt/slides/slide73.xml><?xml version="1.0" encoding="utf-8"?>
 <p:sld xmlns:a="http://schemas.openxmlformats.org/drawingml/2006/main" xmlns:r="http://schemas.openxmlformats.org/officeDocument/2006/relationships" xmlns:p="http://schemas.openxmlformats.org/presentationml/2006/main">
   <p:cSld>
     <p:spTree>
@@ -44405,7 +44741,7 @@
 </p:sld>
 </file>
 
-<file path=ppt/slides/slide73.xml><?xml version="1.0" encoding="utf-8"?>
+<file path=ppt/slides/slide74.xml><?xml version="1.0" encoding="utf-8"?>
 <p:sld xmlns:a="http://schemas.openxmlformats.org/drawingml/2006/main" xmlns:r="http://schemas.openxmlformats.org/officeDocument/2006/relationships" xmlns:p="http://schemas.openxmlformats.org/presentationml/2006/main">
   <p:cSld>
     <p:spTree>
@@ -44496,7 +44832,7 @@
 </p:sld>
 </file>
 
-<file path=ppt/slides/slide74.xml><?xml version="1.0" encoding="utf-8"?>
+<file path=ppt/slides/slide75.xml><?xml version="1.0" encoding="utf-8"?>
 <p:sld xmlns:a="http://schemas.openxmlformats.org/drawingml/2006/main" xmlns:r="http://schemas.openxmlformats.org/officeDocument/2006/relationships" xmlns:p="http://schemas.openxmlformats.org/presentationml/2006/main">
   <p:cSld>
     <p:spTree>
@@ -44737,126 +45073,6 @@
     <p:extLst>
       <p:ext uri="{BB962C8B-B14F-4D97-AF65-F5344CB8AC3E}">
         <p14:creationId xmlns:p14="http://schemas.microsoft.com/office/powerpoint/2010/main" val="2873758949"/>
-      </p:ext>
-    </p:extLst>
-  </p:cSld>
-  <p:clrMapOvr>
-    <a:masterClrMapping/>
-  </p:clrMapOvr>
-</p:sld>
-</file>
-
-<file path=ppt/slides/slide75.xml><?xml version="1.0" encoding="utf-8"?>
-<p:sld xmlns:a="http://schemas.openxmlformats.org/drawingml/2006/main" xmlns:r="http://schemas.openxmlformats.org/officeDocument/2006/relationships" xmlns:p="http://schemas.openxmlformats.org/presentationml/2006/main">
-  <p:cSld>
-    <p:spTree>
-      <p:nvGrpSpPr>
-        <p:cNvPr id="1" name=""/>
-        <p:cNvGrpSpPr/>
-        <p:nvPr/>
-      </p:nvGrpSpPr>
-      <p:grpSpPr>
-        <a:xfrm>
-          <a:off x="0" y="0"/>
-          <a:ext cx="0" cy="0"/>
-          <a:chOff x="0" y="0"/>
-          <a:chExt cx="0" cy="0"/>
-        </a:xfrm>
-      </p:grpSpPr>
-      <p:sp>
-        <p:nvSpPr>
-          <p:cNvPr id="2" name="Title 1">
-            <a:extLst>
-              <a:ext uri="{FF2B5EF4-FFF2-40B4-BE49-F238E27FC236}">
-                <a16:creationId xmlns:a16="http://schemas.microsoft.com/office/drawing/2014/main" id="{78A3B2D3-2FE4-AD4C-88FA-754C142FC95E}"/>
-              </a:ext>
-            </a:extLst>
-          </p:cNvPr>
-          <p:cNvSpPr>
-            <a:spLocks noGrp="1"/>
-          </p:cNvSpPr>
-          <p:nvPr>
-            <p:ph type="title"/>
-          </p:nvPr>
-        </p:nvSpPr>
-        <p:spPr/>
-        <p:txBody>
-          <a:bodyPr/>
-          <a:lstStyle/>
-          <a:p>
-            <a:r>
-              <a:rPr lang="en-US" dirty="0"/>
-              <a:t>Drawbacks</a:t>
-            </a:r>
-          </a:p>
-        </p:txBody>
-      </p:sp>
-      <p:sp>
-        <p:nvSpPr>
-          <p:cNvPr id="3" name="Content Placeholder 2">
-            <a:extLst>
-              <a:ext uri="{FF2B5EF4-FFF2-40B4-BE49-F238E27FC236}">
-                <a16:creationId xmlns:a16="http://schemas.microsoft.com/office/drawing/2014/main" id="{7533078A-3E09-9644-9FC6-9A7B794982D1}"/>
-              </a:ext>
-            </a:extLst>
-          </p:cNvPr>
-          <p:cNvSpPr>
-            <a:spLocks noGrp="1"/>
-          </p:cNvSpPr>
-          <p:nvPr>
-            <p:ph idx="1"/>
-          </p:nvPr>
-        </p:nvSpPr>
-        <p:spPr/>
-        <p:txBody>
-          <a:bodyPr/>
-          <a:lstStyle/>
-          <a:p>
-            <a:r>
-              <a:rPr lang="en-US" dirty="0"/>
-              <a:t>Original patched in </a:t>
-            </a:r>
-            <a:r>
-              <a:rPr lang="en-US" dirty="0" err="1"/>
-              <a:t>GLibC</a:t>
-            </a:r>
-            <a:r>
-              <a:rPr lang="en-US" dirty="0"/>
-              <a:t> Malloc over 20 years ago</a:t>
-            </a:r>
-          </a:p>
-          <a:p>
-            <a:r>
-              <a:rPr lang="en-US" dirty="0"/>
-              <a:t>Cannot write to non-writable memory (code pointers) </a:t>
-            </a:r>
-          </a:p>
-          <a:p>
-            <a:r>
-              <a:rPr lang="en-US" dirty="0"/>
-              <a:t>TODO: </a:t>
-            </a:r>
-          </a:p>
-          <a:p>
-            <a:pPr lvl="1"/>
-            <a:r>
-              <a:rPr lang="en-US" dirty="0"/>
-              <a:t>No longer WRITE-WHAT-WHERE primitive</a:t>
-            </a:r>
-          </a:p>
-          <a:p>
-            <a:pPr lvl="1"/>
-            <a:r>
-              <a:rPr lang="en-US" dirty="0"/>
-              <a:t>But, overwrite a pointer using another technique!</a:t>
-            </a:r>
-          </a:p>
-        </p:txBody>
-      </p:sp>
-    </p:spTree>
-    <p:extLst>
-      <p:ext uri="{BB962C8B-B14F-4D97-AF65-F5344CB8AC3E}">
-        <p14:creationId xmlns:p14="http://schemas.microsoft.com/office/powerpoint/2010/main" val="683301765"/>
       </p:ext>
     </p:extLst>
   </p:cSld>
@@ -45225,6 +45441,157 @@
           <p:cNvPr id="2" name="Title 1">
             <a:extLst>
               <a:ext uri="{FF2B5EF4-FFF2-40B4-BE49-F238E27FC236}">
+                <a16:creationId xmlns:a16="http://schemas.microsoft.com/office/drawing/2014/main" id="{78A3B2D3-2FE4-AD4C-88FA-754C142FC95E}"/>
+              </a:ext>
+            </a:extLst>
+          </p:cNvPr>
+          <p:cNvSpPr>
+            <a:spLocks noGrp="1"/>
+          </p:cNvSpPr>
+          <p:nvPr>
+            <p:ph type="title"/>
+          </p:nvPr>
+        </p:nvSpPr>
+        <p:spPr>
+          <a:xfrm>
+            <a:off x="628650" y="273847"/>
+            <a:ext cx="7886700" cy="994172"/>
+          </a:xfrm>
+        </p:spPr>
+        <p:txBody>
+          <a:bodyPr anchor="ctr">
+            <a:normAutofit/>
+          </a:bodyPr>
+          <a:lstStyle/>
+          <a:p>
+            <a:r>
+              <a:rPr lang="en-US" dirty="0"/>
+              <a:t>Drawbacks</a:t>
+            </a:r>
+          </a:p>
+        </p:txBody>
+      </p:sp>
+      <p:pic>
+        <p:nvPicPr>
+          <p:cNvPr id="1030" name="Picture 6" descr="Spongebob Squarepants - Wa Wa Wa - YouTube">
+            <a:extLst>
+              <a:ext uri="{FF2B5EF4-FFF2-40B4-BE49-F238E27FC236}">
+                <a16:creationId xmlns:a16="http://schemas.microsoft.com/office/drawing/2014/main" id="{20E68ED6-87A5-2847-B8DE-64D3F6710F9E}"/>
+              </a:ext>
+            </a:extLst>
+          </p:cNvPr>
+          <p:cNvPicPr>
+            <a:picLocks noChangeAspect="1" noChangeArrowheads="1"/>
+          </p:cNvPicPr>
+          <p:nvPr/>
+        </p:nvPicPr>
+        <p:blipFill rotWithShape="1">
+          <a:blip r:embed="rId2">
+            <a:extLst>
+              <a:ext uri="{28A0092B-C50C-407E-A947-70E740481C1C}">
+                <a14:useLocalDpi xmlns:a14="http://schemas.microsoft.com/office/drawing/2010/main" val="0"/>
+              </a:ext>
+            </a:extLst>
+          </a:blip>
+          <a:stretch/>
+        </p:blipFill>
+        <p:spPr bwMode="auto">
+          <a:xfrm>
+            <a:off x="628650" y="1545522"/>
+            <a:ext cx="3886200" cy="2910898"/>
+          </a:xfrm>
+          <a:prstGeom prst="rect">
+            <a:avLst/>
+          </a:prstGeom>
+          <a:solidFill>
+            <a:srgbClr val="FFFFFF"/>
+          </a:solidFill>
+        </p:spPr>
+      </p:pic>
+      <p:sp>
+        <p:nvSpPr>
+          <p:cNvPr id="3" name="Content Placeholder 2">
+            <a:extLst>
+              <a:ext uri="{FF2B5EF4-FFF2-40B4-BE49-F238E27FC236}">
+                <a16:creationId xmlns:a16="http://schemas.microsoft.com/office/drawing/2014/main" id="{7533078A-3E09-9644-9FC6-9A7B794982D1}"/>
+              </a:ext>
+            </a:extLst>
+          </p:cNvPr>
+          <p:cNvSpPr>
+            <a:spLocks noGrp="1"/>
+          </p:cNvSpPr>
+          <p:nvPr>
+            <p:ph sz="half" idx="2"/>
+          </p:nvPr>
+        </p:nvSpPr>
+        <p:spPr>
+          <a:xfrm>
+            <a:off x="4629150" y="1369219"/>
+            <a:ext cx="3886200" cy="3263504"/>
+          </a:xfrm>
+        </p:spPr>
+        <p:txBody>
+          <a:bodyPr>
+            <a:normAutofit/>
+          </a:bodyPr>
+          <a:lstStyle/>
+          <a:p>
+            <a:r>
+              <a:rPr lang="en-US" dirty="0"/>
+              <a:t>Original patched in </a:t>
+            </a:r>
+            <a:r>
+              <a:rPr lang="en-US" dirty="0" err="1"/>
+              <a:t>GLibC</a:t>
+            </a:r>
+            <a:r>
+              <a:rPr lang="en-US" dirty="0"/>
+              <a:t> Malloc over 15 years ago</a:t>
+            </a:r>
+          </a:p>
+          <a:p>
+            <a:r>
+              <a:rPr lang="en-US" dirty="0"/>
+              <a:t>Cannot write to non-writable memory (code pointers) </a:t>
+            </a:r>
+          </a:p>
+        </p:txBody>
+      </p:sp>
+    </p:spTree>
+    <p:extLst>
+      <p:ext uri="{BB962C8B-B14F-4D97-AF65-F5344CB8AC3E}">
+        <p14:creationId xmlns:p14="http://schemas.microsoft.com/office/powerpoint/2010/main" val="683301765"/>
+      </p:ext>
+    </p:extLst>
+  </p:cSld>
+  <p:clrMapOvr>
+    <a:masterClrMapping/>
+  </p:clrMapOvr>
+</p:sld>
+</file>
+
+<file path=ppt/slides/slide78.xml><?xml version="1.0" encoding="utf-8"?>
+<p:sld xmlns:a="http://schemas.openxmlformats.org/drawingml/2006/main" xmlns:r="http://schemas.openxmlformats.org/officeDocument/2006/relationships" xmlns:p="http://schemas.openxmlformats.org/presentationml/2006/main">
+  <p:cSld>
+    <p:spTree>
+      <p:nvGrpSpPr>
+        <p:cNvPr id="1" name=""/>
+        <p:cNvGrpSpPr/>
+        <p:nvPr/>
+      </p:nvGrpSpPr>
+      <p:grpSpPr>
+        <a:xfrm>
+          <a:off x="0" y="0"/>
+          <a:ext cx="0" cy="0"/>
+          <a:chOff x="0" y="0"/>
+          <a:chExt cx="0" cy="0"/>
+        </a:xfrm>
+      </p:grpSpPr>
+      <p:sp>
+        <p:nvSpPr>
+          <p:cNvPr id="2" name="Title 1">
+            <a:extLst>
+              <a:ext uri="{FF2B5EF4-FFF2-40B4-BE49-F238E27FC236}">
                 <a16:creationId xmlns:a16="http://schemas.microsoft.com/office/drawing/2014/main" id="{D41F4F2B-BD12-E84C-A0B7-D98A29C980E8}"/>
               </a:ext>
             </a:extLst>
@@ -45420,7 +45787,7 @@
 </p:sld>
 </file>
 
-<file path=ppt/slides/slide78.xml><?xml version="1.0" encoding="utf-8"?>
+<file path=ppt/slides/slide79.xml><?xml version="1.0" encoding="utf-8"?>
 <p:sld xmlns:a="http://schemas.openxmlformats.org/drawingml/2006/main" xmlns:r="http://schemas.openxmlformats.org/officeDocument/2006/relationships" xmlns:p="http://schemas.openxmlformats.org/presentationml/2006/main">
   <p:cSld>
     <p:spTree>
@@ -45554,156 +45921,6 @@
     <p:extLst>
       <p:ext uri="{BB962C8B-B14F-4D97-AF65-F5344CB8AC3E}">
         <p14:creationId xmlns:p14="http://schemas.microsoft.com/office/powerpoint/2010/main" val="532587959"/>
-      </p:ext>
-    </p:extLst>
-  </p:cSld>
-  <p:clrMapOvr>
-    <a:masterClrMapping/>
-  </p:clrMapOvr>
-</p:sld>
-</file>
-
-<file path=ppt/slides/slide79.xml><?xml version="1.0" encoding="utf-8"?>
-<p:sld xmlns:a="http://schemas.openxmlformats.org/drawingml/2006/main" xmlns:r="http://schemas.openxmlformats.org/officeDocument/2006/relationships" xmlns:p="http://schemas.openxmlformats.org/presentationml/2006/main">
-  <p:cSld>
-    <p:spTree>
-      <p:nvGrpSpPr>
-        <p:cNvPr id="1" name=""/>
-        <p:cNvGrpSpPr/>
-        <p:nvPr/>
-      </p:nvGrpSpPr>
-      <p:grpSpPr>
-        <a:xfrm>
-          <a:off x="0" y="0"/>
-          <a:ext cx="0" cy="0"/>
-          <a:chOff x="0" y="0"/>
-          <a:chExt cx="0" cy="0"/>
-        </a:xfrm>
-      </p:grpSpPr>
-      <p:sp>
-        <p:nvSpPr>
-          <p:cNvPr id="2" name="Title 1">
-            <a:extLst>
-              <a:ext uri="{FF2B5EF4-FFF2-40B4-BE49-F238E27FC236}">
-                <a16:creationId xmlns:a16="http://schemas.microsoft.com/office/drawing/2014/main" id="{E9E670F8-AACA-D046-8E4F-17454C7527D7}"/>
-              </a:ext>
-            </a:extLst>
-          </p:cNvPr>
-          <p:cNvSpPr>
-            <a:spLocks noGrp="1"/>
-          </p:cNvSpPr>
-          <p:nvPr>
-            <p:ph type="title"/>
-          </p:nvPr>
-        </p:nvSpPr>
-        <p:spPr>
-          <a:xfrm>
-            <a:off x="628650" y="273847"/>
-            <a:ext cx="7886700" cy="994172"/>
-          </a:xfrm>
-        </p:spPr>
-        <p:txBody>
-          <a:bodyPr anchor="ctr">
-            <a:normAutofit/>
-          </a:bodyPr>
-          <a:lstStyle/>
-          <a:p>
-            <a:r>
-              <a:rPr lang="en-US" dirty="0"/>
-              <a:t>Unsafe Unlink Setup – 1 </a:t>
-            </a:r>
-          </a:p>
-        </p:txBody>
-      </p:sp>
-      <p:pic>
-        <p:nvPicPr>
-          <p:cNvPr id="5" name="Content Placeholder 4" descr="Diagram&#10;&#10;Description automatically generated">
-            <a:extLst>
-              <a:ext uri="{FF2B5EF4-FFF2-40B4-BE49-F238E27FC236}">
-                <a16:creationId xmlns:a16="http://schemas.microsoft.com/office/drawing/2014/main" id="{E0FF205A-0822-E040-9B1C-DDBE9B537C0F}"/>
-              </a:ext>
-            </a:extLst>
-          </p:cNvPr>
-          <p:cNvPicPr>
-            <a:picLocks noGrp="1" noChangeAspect="1"/>
-          </p:cNvPicPr>
-          <p:nvPr>
-            <p:ph sz="half" idx="1"/>
-          </p:nvPr>
-        </p:nvPicPr>
-        <p:blipFill>
-          <a:blip r:embed="rId2"/>
-          <a:stretch>
-            <a:fillRect/>
-          </a:stretch>
-        </p:blipFill>
-        <p:spPr>
-          <a:xfrm>
-            <a:off x="628650" y="1401113"/>
-            <a:ext cx="3886200" cy="3199715"/>
-          </a:xfrm>
-          <a:noFill/>
-        </p:spPr>
-      </p:pic>
-      <p:sp>
-        <p:nvSpPr>
-          <p:cNvPr id="10" name="Content Placeholder 3">
-            <a:extLst>
-              <a:ext uri="{FF2B5EF4-FFF2-40B4-BE49-F238E27FC236}">
-                <a16:creationId xmlns:a16="http://schemas.microsoft.com/office/drawing/2014/main" id="{2261C260-EABE-400C-BFDD-E06E1533800F}"/>
-              </a:ext>
-            </a:extLst>
-          </p:cNvPr>
-          <p:cNvSpPr>
-            <a:spLocks noGrp="1"/>
-          </p:cNvSpPr>
-          <p:nvPr>
-            <p:ph sz="half" idx="2"/>
-          </p:nvPr>
-        </p:nvSpPr>
-        <p:spPr>
-          <a:xfrm>
-            <a:off x="4629150" y="1369219"/>
-            <a:ext cx="3886200" cy="3263504"/>
-          </a:xfrm>
-        </p:spPr>
-        <p:txBody>
-          <a:bodyPr/>
-          <a:lstStyle/>
-          <a:p>
-            <a:r>
-              <a:rPr lang="en-US" dirty="0"/>
-              <a:t>User sees </a:t>
-            </a:r>
-            <a:r>
-              <a:rPr lang="en-US" b="1" i="1" dirty="0"/>
-              <a:t>memory</a:t>
-            </a:r>
-            <a:endParaRPr lang="en-US" dirty="0"/>
-          </a:p>
-          <a:p>
-            <a:r>
-              <a:rPr lang="en-US" dirty="0"/>
-              <a:t>Allocator sees </a:t>
-            </a:r>
-            <a:r>
-              <a:rPr lang="en-US" b="1" i="1" dirty="0"/>
-              <a:t>chunk</a:t>
-            </a:r>
-            <a:endParaRPr lang="en-US" dirty="0"/>
-          </a:p>
-          <a:p>
-            <a:r>
-              <a:rPr lang="en-US" dirty="0"/>
-              <a:t>Chunk + 0x10 = memory</a:t>
-            </a:r>
-          </a:p>
-        </p:txBody>
-      </p:sp>
-    </p:spTree>
-    <p:extLst>
-      <p:ext uri="{BB962C8B-B14F-4D97-AF65-F5344CB8AC3E}">
-        <p14:creationId xmlns:p14="http://schemas.microsoft.com/office/powerpoint/2010/main" val="568598570"/>
       </p:ext>
     </p:extLst>
   </p:cSld>
@@ -46075,7 +46292,7 @@
           <a:p>
             <a:r>
               <a:rPr lang="en-US" dirty="0"/>
-              <a:t>Unsafe Unlink Setup – 2 </a:t>
+              <a:t>Unsafe Unlink Setup – 1 </a:t>
             </a:r>
           </a:p>
         </p:txBody>
@@ -46138,21 +46355,29 @@
           <a:p>
             <a:r>
               <a:rPr lang="en-US" dirty="0"/>
-              <a:t>What if we used this quirk to create a </a:t>
+              <a:t>User sees </a:t>
             </a:r>
             <a:r>
               <a:rPr lang="en-US" b="1" i="1" dirty="0"/>
-              <a:t>fake chunk</a:t>
-            </a:r>
+              <a:t>memory</a:t>
+            </a:r>
+            <a:endParaRPr lang="en-US" dirty="0"/>
+          </a:p>
+          <a:p>
             <a:r>
               <a:rPr lang="en-US" dirty="0"/>
-              <a:t>?</a:t>
-            </a:r>
+              <a:t>Allocator sees </a:t>
+            </a:r>
+            <a:r>
+              <a:rPr lang="en-US" b="1" i="1" dirty="0"/>
+              <a:t>chunk</a:t>
+            </a:r>
+            <a:endParaRPr lang="en-US" dirty="0"/>
           </a:p>
           <a:p>
             <a:r>
               <a:rPr lang="en-US" dirty="0"/>
-              <a:t>When we consolidate backwards, we could use THIS pointer to bypass the check!</a:t>
+              <a:t>Chunk + 0x10 = memory</a:t>
             </a:r>
           </a:p>
         </p:txBody>
@@ -46160,7 +46385,7 @@
     </p:spTree>
     <p:extLst>
       <p:ext uri="{BB962C8B-B14F-4D97-AF65-F5344CB8AC3E}">
-        <p14:creationId xmlns:p14="http://schemas.microsoft.com/office/powerpoint/2010/main" val="1858268095"/>
+        <p14:creationId xmlns:p14="http://schemas.microsoft.com/office/powerpoint/2010/main" val="568598570"/>
       </p:ext>
     </p:extLst>
   </p:cSld>
@@ -46217,6 +46442,148 @@
           <a:p>
             <a:r>
               <a:rPr lang="en-US" dirty="0"/>
+              <a:t>Unsafe Unlink Setup – 2 </a:t>
+            </a:r>
+          </a:p>
+        </p:txBody>
+      </p:sp>
+      <p:pic>
+        <p:nvPicPr>
+          <p:cNvPr id="5" name="Content Placeholder 4" descr="Diagram&#10;&#10;Description automatically generated">
+            <a:extLst>
+              <a:ext uri="{FF2B5EF4-FFF2-40B4-BE49-F238E27FC236}">
+                <a16:creationId xmlns:a16="http://schemas.microsoft.com/office/drawing/2014/main" id="{E0FF205A-0822-E040-9B1C-DDBE9B537C0F}"/>
+              </a:ext>
+            </a:extLst>
+          </p:cNvPr>
+          <p:cNvPicPr>
+            <a:picLocks noGrp="1" noChangeAspect="1"/>
+          </p:cNvPicPr>
+          <p:nvPr>
+            <p:ph sz="half" idx="1"/>
+          </p:nvPr>
+        </p:nvPicPr>
+        <p:blipFill>
+          <a:blip r:embed="rId2"/>
+          <a:stretch>
+            <a:fillRect/>
+          </a:stretch>
+        </p:blipFill>
+        <p:spPr>
+          <a:xfrm>
+            <a:off x="628650" y="1401113"/>
+            <a:ext cx="3886200" cy="3199715"/>
+          </a:xfrm>
+          <a:noFill/>
+        </p:spPr>
+      </p:pic>
+      <p:sp>
+        <p:nvSpPr>
+          <p:cNvPr id="10" name="Content Placeholder 3">
+            <a:extLst>
+              <a:ext uri="{FF2B5EF4-FFF2-40B4-BE49-F238E27FC236}">
+                <a16:creationId xmlns:a16="http://schemas.microsoft.com/office/drawing/2014/main" id="{2261C260-EABE-400C-BFDD-E06E1533800F}"/>
+              </a:ext>
+            </a:extLst>
+          </p:cNvPr>
+          <p:cNvSpPr>
+            <a:spLocks noGrp="1"/>
+          </p:cNvSpPr>
+          <p:nvPr>
+            <p:ph sz="half" idx="2"/>
+          </p:nvPr>
+        </p:nvSpPr>
+        <p:spPr>
+          <a:xfrm>
+            <a:off x="4629150" y="1369219"/>
+            <a:ext cx="3886200" cy="3263504"/>
+          </a:xfrm>
+        </p:spPr>
+        <p:txBody>
+          <a:bodyPr/>
+          <a:lstStyle/>
+          <a:p>
+            <a:r>
+              <a:rPr lang="en-US" dirty="0"/>
+              <a:t>What if we used this quirk to create a </a:t>
+            </a:r>
+            <a:r>
+              <a:rPr lang="en-US" b="1" i="1" dirty="0"/>
+              <a:t>fake chunk</a:t>
+            </a:r>
+            <a:r>
+              <a:rPr lang="en-US" dirty="0"/>
+              <a:t>?</a:t>
+            </a:r>
+          </a:p>
+          <a:p>
+            <a:r>
+              <a:rPr lang="en-US" dirty="0"/>
+              <a:t>When we consolidate backwards, we could use THIS pointer to bypass the check!</a:t>
+            </a:r>
+          </a:p>
+        </p:txBody>
+      </p:sp>
+    </p:spTree>
+    <p:extLst>
+      <p:ext uri="{BB962C8B-B14F-4D97-AF65-F5344CB8AC3E}">
+        <p14:creationId xmlns:p14="http://schemas.microsoft.com/office/powerpoint/2010/main" val="1858268095"/>
+      </p:ext>
+    </p:extLst>
+  </p:cSld>
+  <p:clrMapOvr>
+    <a:masterClrMapping/>
+  </p:clrMapOvr>
+</p:sld>
+</file>
+
+<file path=ppt/slides/slide82.xml><?xml version="1.0" encoding="utf-8"?>
+<p:sld xmlns:a="http://schemas.openxmlformats.org/drawingml/2006/main" xmlns:r="http://schemas.openxmlformats.org/officeDocument/2006/relationships" xmlns:p="http://schemas.openxmlformats.org/presentationml/2006/main">
+  <p:cSld>
+    <p:spTree>
+      <p:nvGrpSpPr>
+        <p:cNvPr id="1" name=""/>
+        <p:cNvGrpSpPr/>
+        <p:nvPr/>
+      </p:nvGrpSpPr>
+      <p:grpSpPr>
+        <a:xfrm>
+          <a:off x="0" y="0"/>
+          <a:ext cx="0" cy="0"/>
+          <a:chOff x="0" y="0"/>
+          <a:chExt cx="0" cy="0"/>
+        </a:xfrm>
+      </p:grpSpPr>
+      <p:sp>
+        <p:nvSpPr>
+          <p:cNvPr id="2" name="Title 1">
+            <a:extLst>
+              <a:ext uri="{FF2B5EF4-FFF2-40B4-BE49-F238E27FC236}">
+                <a16:creationId xmlns:a16="http://schemas.microsoft.com/office/drawing/2014/main" id="{E9E670F8-AACA-D046-8E4F-17454C7527D7}"/>
+              </a:ext>
+            </a:extLst>
+          </p:cNvPr>
+          <p:cNvSpPr>
+            <a:spLocks noGrp="1"/>
+          </p:cNvSpPr>
+          <p:nvPr>
+            <p:ph type="title"/>
+          </p:nvPr>
+        </p:nvSpPr>
+        <p:spPr>
+          <a:xfrm>
+            <a:off x="628650" y="273847"/>
+            <a:ext cx="7886700" cy="994172"/>
+          </a:xfrm>
+        </p:spPr>
+        <p:txBody>
+          <a:bodyPr anchor="ctr">
+            <a:normAutofit/>
+          </a:bodyPr>
+          <a:lstStyle/>
+          <a:p>
+            <a:r>
+              <a:rPr lang="en-US" dirty="0"/>
               <a:t>Unsafe Unlink Setup – 3 </a:t>
             </a:r>
           </a:p>
@@ -46316,7 +46683,7 @@
 </p:sld>
 </file>
 
-<file path=ppt/slides/slide82.xml><?xml version="1.0" encoding="utf-8"?>
+<file path=ppt/slides/slide83.xml><?xml version="1.0" encoding="utf-8"?>
 <p:sld xmlns:a="http://schemas.openxmlformats.org/drawingml/2006/main" xmlns:r="http://schemas.openxmlformats.org/officeDocument/2006/relationships" xmlns:p="http://schemas.openxmlformats.org/presentationml/2006/main">
   <p:cSld>
     <p:spTree>
@@ -46523,7 +46890,7 @@
 </p:sld>
 </file>
 
-<file path=ppt/slides/slide83.xml><?xml version="1.0" encoding="utf-8"?>
+<file path=ppt/slides/slide84.xml><?xml version="1.0" encoding="utf-8"?>
 <p:sld xmlns:a="http://schemas.openxmlformats.org/drawingml/2006/main" xmlns:r="http://schemas.openxmlformats.org/officeDocument/2006/relationships" xmlns:p="http://schemas.openxmlformats.org/presentationml/2006/main">
   <p:cSld>
     <p:spTree>
@@ -46730,7 +47097,7 @@
 </p:sld>
 </file>
 
-<file path=ppt/slides/slide84.xml><?xml version="1.0" encoding="utf-8"?>
+<file path=ppt/slides/slide85.xml><?xml version="1.0" encoding="utf-8"?>
 <p:sld xmlns:a="http://schemas.openxmlformats.org/drawingml/2006/main" xmlns:r="http://schemas.openxmlformats.org/officeDocument/2006/relationships" xmlns:p="http://schemas.openxmlformats.org/presentationml/2006/main">
   <p:cSld>
     <p:spTree>
@@ -46943,7 +47310,7 @@
 </p:sld>
 </file>
 
-<file path=ppt/slides/slide85.xml><?xml version="1.0" encoding="utf-8"?>
+<file path=ppt/slides/slide86.xml><?xml version="1.0" encoding="utf-8"?>
 <p:sld xmlns:a="http://schemas.openxmlformats.org/drawingml/2006/main" xmlns:r="http://schemas.openxmlformats.org/officeDocument/2006/relationships" xmlns:p="http://schemas.openxmlformats.org/presentationml/2006/main">
   <p:cSld>
     <p:spTree>
@@ -47116,7 +47483,7 @@
 </p:sld>
 </file>
 
-<file path=ppt/slides/slide86.xml><?xml version="1.0" encoding="utf-8"?>
+<file path=ppt/slides/slide87.xml><?xml version="1.0" encoding="utf-8"?>
 <p:sld xmlns:a="http://schemas.openxmlformats.org/drawingml/2006/main" xmlns:r="http://schemas.openxmlformats.org/officeDocument/2006/relationships" xmlns:p="http://schemas.openxmlformats.org/presentationml/2006/main">
   <p:cSld>
     <p:spTree>
@@ -47232,7 +47599,7 @@
 </p:sld>
 </file>
 
-<file path=ppt/slides/slide87.xml><?xml version="1.0" encoding="utf-8"?>
+<file path=ppt/slides/slide88.xml><?xml version="1.0" encoding="utf-8"?>
 <p:sld xmlns:a="http://schemas.openxmlformats.org/drawingml/2006/main" xmlns:r="http://schemas.openxmlformats.org/officeDocument/2006/relationships" xmlns:p="http://schemas.openxmlformats.org/presentationml/2006/main">
   <p:cSld>
     <p:spTree>
@@ -47401,7 +47768,7 @@
 </p:sld>
 </file>
 
-<file path=ppt/slides/slide88.xml><?xml version="1.0" encoding="utf-8"?>
+<file path=ppt/slides/slide89.xml><?xml version="1.0" encoding="utf-8"?>
 <p:sld xmlns:a="http://schemas.openxmlformats.org/drawingml/2006/main" xmlns:r="http://schemas.openxmlformats.org/officeDocument/2006/relationships" xmlns:p="http://schemas.openxmlformats.org/presentationml/2006/main">
   <p:cSld>
     <p:spTree>
@@ -47573,102 +47940,6 @@
 </p:sld>
 </file>
 
-<file path=ppt/slides/slide89.xml><?xml version="1.0" encoding="utf-8"?>
-<p:sld xmlns:a="http://schemas.openxmlformats.org/drawingml/2006/main" xmlns:r="http://schemas.openxmlformats.org/officeDocument/2006/relationships" xmlns:p="http://schemas.openxmlformats.org/presentationml/2006/main">
-  <p:cSld>
-    <p:spTree>
-      <p:nvGrpSpPr>
-        <p:cNvPr id="1" name=""/>
-        <p:cNvGrpSpPr/>
-        <p:nvPr/>
-      </p:nvGrpSpPr>
-      <p:grpSpPr>
-        <a:xfrm>
-          <a:off x="0" y="0"/>
-          <a:ext cx="0" cy="0"/>
-          <a:chOff x="0" y="0"/>
-          <a:chExt cx="0" cy="0"/>
-        </a:xfrm>
-      </p:grpSpPr>
-      <p:sp>
-        <p:nvSpPr>
-          <p:cNvPr id="2" name="Title 1">
-            <a:extLst>
-              <a:ext uri="{FF2B5EF4-FFF2-40B4-BE49-F238E27FC236}">
-                <a16:creationId xmlns:a16="http://schemas.microsoft.com/office/drawing/2014/main" id="{891D7252-8ACB-5042-A464-CE83D62171E4}"/>
-              </a:ext>
-            </a:extLst>
-          </p:cNvPr>
-          <p:cNvSpPr>
-            <a:spLocks noGrp="1"/>
-          </p:cNvSpPr>
-          <p:nvPr>
-            <p:ph type="title"/>
-          </p:nvPr>
-        </p:nvSpPr>
-        <p:spPr>
-          <a:xfrm>
-            <a:off x="628650" y="273847"/>
-            <a:ext cx="7886700" cy="994172"/>
-          </a:xfrm>
-        </p:spPr>
-        <p:txBody>
-          <a:bodyPr anchor="ctr">
-            <a:normAutofit/>
-          </a:bodyPr>
-          <a:lstStyle/>
-          <a:p>
-            <a:r>
-              <a:rPr lang="en-US" dirty="0"/>
-              <a:t>Puts All of This Together</a:t>
-            </a:r>
-          </a:p>
-        </p:txBody>
-      </p:sp>
-      <p:graphicFrame>
-        <p:nvGraphicFramePr>
-          <p:cNvPr id="5" name="Content Placeholder 2">
-            <a:extLst>
-              <a:ext uri="{FF2B5EF4-FFF2-40B4-BE49-F238E27FC236}">
-                <a16:creationId xmlns:a16="http://schemas.microsoft.com/office/drawing/2014/main" id="{AAAD6EEA-0B3E-429A-8843-B8D3D1CB8ACD}"/>
-              </a:ext>
-            </a:extLst>
-          </p:cNvPr>
-          <p:cNvGraphicFramePr>
-            <a:graphicFrameLocks noGrp="1"/>
-          </p:cNvGraphicFramePr>
-          <p:nvPr>
-            <p:ph idx="1"/>
-            <p:extLst>
-              <p:ext uri="{D42A27DB-BD31-4B8C-83A1-F6EECF244321}">
-                <p14:modId xmlns:p14="http://schemas.microsoft.com/office/powerpoint/2010/main" val="1203403640"/>
-              </p:ext>
-            </p:extLst>
-          </p:nvPr>
-        </p:nvGraphicFramePr>
-        <p:xfrm>
-          <a:off x="628650" y="1236541"/>
-          <a:ext cx="7886700" cy="3263504"/>
-        </p:xfrm>
-        <a:graphic>
-          <a:graphicData uri="http://schemas.openxmlformats.org/drawingml/2006/diagram">
-            <dgm:relIds xmlns:dgm="http://schemas.openxmlformats.org/drawingml/2006/diagram" xmlns:r="http://schemas.openxmlformats.org/officeDocument/2006/relationships" r:dm="rId2" r:lo="rId3" r:qs="rId4" r:cs="rId5"/>
-          </a:graphicData>
-        </a:graphic>
-      </p:graphicFrame>
-    </p:spTree>
-    <p:extLst>
-      <p:ext uri="{BB962C8B-B14F-4D97-AF65-F5344CB8AC3E}">
-        <p14:creationId xmlns:p14="http://schemas.microsoft.com/office/powerpoint/2010/main" val="3184685061"/>
-      </p:ext>
-    </p:extLst>
-  </p:cSld>
-  <p:clrMapOvr>
-    <a:masterClrMapping/>
-  </p:clrMapOvr>
-</p:sld>
-</file>
-
 <file path=ppt/slides/slide9.xml><?xml version="1.0" encoding="utf-8"?>
 <p:sld xmlns:a="http://schemas.openxmlformats.org/drawingml/2006/main" xmlns:r="http://schemas.openxmlformats.org/officeDocument/2006/relationships" xmlns:p="http://schemas.openxmlformats.org/presentationml/2006/main">
   <p:cSld>
@@ -48002,6 +48273,102 @@
           <p:cNvPr id="2" name="Title 1">
             <a:extLst>
               <a:ext uri="{FF2B5EF4-FFF2-40B4-BE49-F238E27FC236}">
+                <a16:creationId xmlns:a16="http://schemas.microsoft.com/office/drawing/2014/main" id="{891D7252-8ACB-5042-A464-CE83D62171E4}"/>
+              </a:ext>
+            </a:extLst>
+          </p:cNvPr>
+          <p:cNvSpPr>
+            <a:spLocks noGrp="1"/>
+          </p:cNvSpPr>
+          <p:nvPr>
+            <p:ph type="title"/>
+          </p:nvPr>
+        </p:nvSpPr>
+        <p:spPr>
+          <a:xfrm>
+            <a:off x="628650" y="273847"/>
+            <a:ext cx="7886700" cy="994172"/>
+          </a:xfrm>
+        </p:spPr>
+        <p:txBody>
+          <a:bodyPr anchor="ctr">
+            <a:normAutofit/>
+          </a:bodyPr>
+          <a:lstStyle/>
+          <a:p>
+            <a:r>
+              <a:rPr lang="en-US" dirty="0"/>
+              <a:t>Puts All of This Together</a:t>
+            </a:r>
+          </a:p>
+        </p:txBody>
+      </p:sp>
+      <p:graphicFrame>
+        <p:nvGraphicFramePr>
+          <p:cNvPr id="5" name="Content Placeholder 2">
+            <a:extLst>
+              <a:ext uri="{FF2B5EF4-FFF2-40B4-BE49-F238E27FC236}">
+                <a16:creationId xmlns:a16="http://schemas.microsoft.com/office/drawing/2014/main" id="{AAAD6EEA-0B3E-429A-8843-B8D3D1CB8ACD}"/>
+              </a:ext>
+            </a:extLst>
+          </p:cNvPr>
+          <p:cNvGraphicFramePr>
+            <a:graphicFrameLocks noGrp="1"/>
+          </p:cNvGraphicFramePr>
+          <p:nvPr>
+            <p:ph idx="1"/>
+            <p:extLst>
+              <p:ext uri="{D42A27DB-BD31-4B8C-83A1-F6EECF244321}">
+                <p14:modId xmlns:p14="http://schemas.microsoft.com/office/powerpoint/2010/main" val="1203403640"/>
+              </p:ext>
+            </p:extLst>
+          </p:nvPr>
+        </p:nvGraphicFramePr>
+        <p:xfrm>
+          <a:off x="628650" y="1236541"/>
+          <a:ext cx="7886700" cy="3263504"/>
+        </p:xfrm>
+        <a:graphic>
+          <a:graphicData uri="http://schemas.openxmlformats.org/drawingml/2006/diagram">
+            <dgm:relIds xmlns:dgm="http://schemas.openxmlformats.org/drawingml/2006/diagram" xmlns:r="http://schemas.openxmlformats.org/officeDocument/2006/relationships" r:dm="rId2" r:lo="rId3" r:qs="rId4" r:cs="rId5"/>
+          </a:graphicData>
+        </a:graphic>
+      </p:graphicFrame>
+    </p:spTree>
+    <p:extLst>
+      <p:ext uri="{BB962C8B-B14F-4D97-AF65-F5344CB8AC3E}">
+        <p14:creationId xmlns:p14="http://schemas.microsoft.com/office/powerpoint/2010/main" val="3184685061"/>
+      </p:ext>
+    </p:extLst>
+  </p:cSld>
+  <p:clrMapOvr>
+    <a:masterClrMapping/>
+  </p:clrMapOvr>
+</p:sld>
+</file>
+
+<file path=ppt/slides/slide91.xml><?xml version="1.0" encoding="utf-8"?>
+<p:sld xmlns:a="http://schemas.openxmlformats.org/drawingml/2006/main" xmlns:r="http://schemas.openxmlformats.org/officeDocument/2006/relationships" xmlns:p="http://schemas.openxmlformats.org/presentationml/2006/main">
+  <p:cSld>
+    <p:spTree>
+      <p:nvGrpSpPr>
+        <p:cNvPr id="1" name=""/>
+        <p:cNvGrpSpPr/>
+        <p:nvPr/>
+      </p:nvGrpSpPr>
+      <p:grpSpPr>
+        <a:xfrm>
+          <a:off x="0" y="0"/>
+          <a:ext cx="0" cy="0"/>
+          <a:chOff x="0" y="0"/>
+          <a:chExt cx="0" cy="0"/>
+        </a:xfrm>
+      </p:grpSpPr>
+      <p:sp>
+        <p:nvSpPr>
+          <p:cNvPr id="2" name="Title 1">
+            <a:extLst>
+              <a:ext uri="{FF2B5EF4-FFF2-40B4-BE49-F238E27FC236}">
                 <a16:creationId xmlns:a16="http://schemas.microsoft.com/office/drawing/2014/main" id="{A90A02E4-3663-3C40-BA39-AFC8E4C6C9EC}"/>
               </a:ext>
             </a:extLst>
@@ -48086,7 +48453,7 @@
 </p:sld>
 </file>
 
-<file path=ppt/slides/slide91.xml><?xml version="1.0" encoding="utf-8"?>
+<file path=ppt/slides/slide92.xml><?xml version="1.0" encoding="utf-8"?>
 <p:sld xmlns:a="http://schemas.openxmlformats.org/drawingml/2006/main" xmlns:r="http://schemas.openxmlformats.org/officeDocument/2006/relationships" xmlns:p="http://schemas.openxmlformats.org/presentationml/2006/main">
   <p:cSld>
     <p:spTree>
@@ -48192,7 +48559,7 @@
 </p:sld>
 </file>
 
-<file path=ppt/slides/slide92.xml><?xml version="1.0" encoding="utf-8"?>
+<file path=ppt/slides/slide93.xml><?xml version="1.0" encoding="utf-8"?>
 <p:sld xmlns:a="http://schemas.openxmlformats.org/drawingml/2006/main" xmlns:r="http://schemas.openxmlformats.org/officeDocument/2006/relationships" xmlns:p="http://schemas.openxmlformats.org/presentationml/2006/main">
   <p:cSld>
     <p:spTree>

--- a/modules/unlink/Unlink.pptx
+++ b/modules/unlink/Unlink.pptx
@@ -5,7 +5,7 @@
     <p:sldMasterId id="2147483660" r:id="rId1"/>
   </p:sldMasterIdLst>
   <p:notesMasterIdLst>
-    <p:notesMasterId r:id="rId95"/>
+    <p:notesMasterId r:id="rId98"/>
   </p:notesMasterIdLst>
   <p:sldIdLst>
     <p:sldId id="440" r:id="rId2"/>
@@ -87,20 +87,23 @@
     <p:sldId id="471" r:id="rId78"/>
     <p:sldId id="428" r:id="rId79"/>
     <p:sldId id="457" r:id="rId80"/>
-    <p:sldId id="459" r:id="rId81"/>
-    <p:sldId id="460" r:id="rId82"/>
-    <p:sldId id="461" r:id="rId83"/>
-    <p:sldId id="462" r:id="rId84"/>
-    <p:sldId id="463" r:id="rId85"/>
-    <p:sldId id="465" r:id="rId86"/>
-    <p:sldId id="467" r:id="rId87"/>
-    <p:sldId id="468" r:id="rId88"/>
-    <p:sldId id="466" r:id="rId89"/>
-    <p:sldId id="469" r:id="rId90"/>
-    <p:sldId id="458" r:id="rId91"/>
-    <p:sldId id="470" r:id="rId92"/>
-    <p:sldId id="442" r:id="rId93"/>
-    <p:sldId id="429" r:id="rId94"/>
+    <p:sldId id="513" r:id="rId81"/>
+    <p:sldId id="459" r:id="rId82"/>
+    <p:sldId id="460" r:id="rId83"/>
+    <p:sldId id="515" r:id="rId84"/>
+    <p:sldId id="461" r:id="rId85"/>
+    <p:sldId id="517" r:id="rId86"/>
+    <p:sldId id="462" r:id="rId87"/>
+    <p:sldId id="463" r:id="rId88"/>
+    <p:sldId id="465" r:id="rId89"/>
+    <p:sldId id="467" r:id="rId90"/>
+    <p:sldId id="468" r:id="rId91"/>
+    <p:sldId id="466" r:id="rId92"/>
+    <p:sldId id="469" r:id="rId93"/>
+    <p:sldId id="458" r:id="rId94"/>
+    <p:sldId id="470" r:id="rId95"/>
+    <p:sldId id="442" r:id="rId96"/>
+    <p:sldId id="429" r:id="rId97"/>
   </p:sldIdLst>
   <p:sldSz cx="9144000" cy="5143500" type="screen16x9"/>
   <p:notesSz cx="6858000" cy="9144000"/>
@@ -24625,7 +24628,7 @@
           <a:p>
             <a:fld id="{2DA23E8D-1792-1541-9147-970A8DD8A355}" type="datetimeFigureOut">
               <a:rPr lang="en-US" smtClean="0"/>
-              <a:t>9/19/21</a:t>
+              <a:t>12/5/21</a:t>
             </a:fld>
             <a:endParaRPr lang="en-US" dirty="0"/>
           </a:p>
@@ -25063,6 +25066,264 @@
 </p:notes>
 </file>
 
+<file path=ppt/notesSlides/notesSlide3.xml><?xml version="1.0" encoding="utf-8"?>
+<p:notes xmlns:a="http://schemas.openxmlformats.org/drawingml/2006/main" xmlns:r="http://schemas.openxmlformats.org/officeDocument/2006/relationships" xmlns:p="http://schemas.openxmlformats.org/presentationml/2006/main">
+  <p:cSld>
+    <p:spTree>
+      <p:nvGrpSpPr>
+        <p:cNvPr id="1" name=""/>
+        <p:cNvGrpSpPr/>
+        <p:nvPr/>
+      </p:nvGrpSpPr>
+      <p:grpSpPr>
+        <a:xfrm>
+          <a:off x="0" y="0"/>
+          <a:ext cx="0" cy="0"/>
+          <a:chOff x="0" y="0"/>
+          <a:chExt cx="0" cy="0"/>
+        </a:xfrm>
+      </p:grpSpPr>
+      <p:sp>
+        <p:nvSpPr>
+          <p:cNvPr id="2" name="Slide Image Placeholder 1"/>
+          <p:cNvSpPr>
+            <a:spLocks noGrp="1" noRot="1" noChangeAspect="1"/>
+          </p:cNvSpPr>
+          <p:nvPr>
+            <p:ph type="sldImg"/>
+          </p:nvPr>
+        </p:nvSpPr>
+        <p:spPr/>
+      </p:sp>
+      <p:sp>
+        <p:nvSpPr>
+          <p:cNvPr id="3" name="Notes Placeholder 2"/>
+          <p:cNvSpPr>
+            <a:spLocks noGrp="1"/>
+          </p:cNvSpPr>
+          <p:nvPr>
+            <p:ph type="body" idx="1"/>
+          </p:nvPr>
+        </p:nvSpPr>
+        <p:spPr/>
+        <p:txBody>
+          <a:bodyPr/>
+          <a:lstStyle/>
+          <a:p>
+            <a:r>
+              <a:rPr lang="en-US" dirty="0"/>
+              <a:t>The goal is to bypass THIS security check while doing something meaningful</a:t>
+            </a:r>
+          </a:p>
+        </p:txBody>
+      </p:sp>
+      <p:sp>
+        <p:nvSpPr>
+          <p:cNvPr id="4" name="Slide Number Placeholder 3"/>
+          <p:cNvSpPr>
+            <a:spLocks noGrp="1"/>
+          </p:cNvSpPr>
+          <p:nvPr>
+            <p:ph type="sldNum" sz="quarter" idx="5"/>
+          </p:nvPr>
+        </p:nvSpPr>
+        <p:spPr/>
+        <p:txBody>
+          <a:bodyPr/>
+          <a:lstStyle/>
+          <a:p>
+            <a:fld id="{AC55928C-CD14-454C-B617-1AFCF9A58596}" type="slidenum">
+              <a:rPr lang="en-US" smtClean="0"/>
+              <a:t>79</a:t>
+            </a:fld>
+            <a:endParaRPr lang="en-US" dirty="0"/>
+          </a:p>
+        </p:txBody>
+      </p:sp>
+    </p:spTree>
+    <p:extLst>
+      <p:ext uri="{BB962C8B-B14F-4D97-AF65-F5344CB8AC3E}">
+        <p14:creationId xmlns:p14="http://schemas.microsoft.com/office/powerpoint/2010/main" val="3783062137"/>
+      </p:ext>
+    </p:extLst>
+  </p:cSld>
+  <p:clrMapOvr>
+    <a:masterClrMapping/>
+  </p:clrMapOvr>
+</p:notes>
+</file>
+
+<file path=ppt/notesSlides/notesSlide4.xml><?xml version="1.0" encoding="utf-8"?>
+<p:notes xmlns:a="http://schemas.openxmlformats.org/drawingml/2006/main" xmlns:r="http://schemas.openxmlformats.org/officeDocument/2006/relationships" xmlns:p="http://schemas.openxmlformats.org/presentationml/2006/main">
+  <p:cSld>
+    <p:spTree>
+      <p:nvGrpSpPr>
+        <p:cNvPr id="1" name=""/>
+        <p:cNvGrpSpPr/>
+        <p:nvPr/>
+      </p:nvGrpSpPr>
+      <p:grpSpPr>
+        <a:xfrm>
+          <a:off x="0" y="0"/>
+          <a:ext cx="0" cy="0"/>
+          <a:chOff x="0" y="0"/>
+          <a:chExt cx="0" cy="0"/>
+        </a:xfrm>
+      </p:grpSpPr>
+      <p:sp>
+        <p:nvSpPr>
+          <p:cNvPr id="2" name="Slide Image Placeholder 1"/>
+          <p:cNvSpPr>
+            <a:spLocks noGrp="1" noRot="1" noChangeAspect="1"/>
+          </p:cNvSpPr>
+          <p:nvPr>
+            <p:ph type="sldImg"/>
+          </p:nvPr>
+        </p:nvSpPr>
+        <p:spPr/>
+      </p:sp>
+      <p:sp>
+        <p:nvSpPr>
+          <p:cNvPr id="3" name="Notes Placeholder 2"/>
+          <p:cNvSpPr>
+            <a:spLocks noGrp="1"/>
+          </p:cNvSpPr>
+          <p:nvPr>
+            <p:ph type="body" idx="1"/>
+          </p:nvPr>
+        </p:nvSpPr>
+        <p:spPr/>
+        <p:txBody>
+          <a:bodyPr/>
+          <a:lstStyle/>
+          <a:p>
+            <a:r>
+              <a:rPr lang="en-US" dirty="0"/>
+              <a:t>Describe setup</a:t>
+            </a:r>
+          </a:p>
+        </p:txBody>
+      </p:sp>
+      <p:sp>
+        <p:nvSpPr>
+          <p:cNvPr id="4" name="Slide Number Placeholder 3"/>
+          <p:cNvSpPr>
+            <a:spLocks noGrp="1"/>
+          </p:cNvSpPr>
+          <p:nvPr>
+            <p:ph type="sldNum" sz="quarter" idx="5"/>
+          </p:nvPr>
+        </p:nvSpPr>
+        <p:spPr/>
+        <p:txBody>
+          <a:bodyPr/>
+          <a:lstStyle/>
+          <a:p>
+            <a:fld id="{AC55928C-CD14-454C-B617-1AFCF9A58596}" type="slidenum">
+              <a:rPr lang="en-US" smtClean="0"/>
+              <a:t>81</a:t>
+            </a:fld>
+            <a:endParaRPr lang="en-US" dirty="0"/>
+          </a:p>
+        </p:txBody>
+      </p:sp>
+    </p:spTree>
+    <p:extLst>
+      <p:ext uri="{BB962C8B-B14F-4D97-AF65-F5344CB8AC3E}">
+        <p14:creationId xmlns:p14="http://schemas.microsoft.com/office/powerpoint/2010/main" val="3967024695"/>
+      </p:ext>
+    </p:extLst>
+  </p:cSld>
+  <p:clrMapOvr>
+    <a:masterClrMapping/>
+  </p:clrMapOvr>
+</p:notes>
+</file>
+
+<file path=ppt/notesSlides/notesSlide5.xml><?xml version="1.0" encoding="utf-8"?>
+<p:notes xmlns:a="http://schemas.openxmlformats.org/drawingml/2006/main" xmlns:r="http://schemas.openxmlformats.org/officeDocument/2006/relationships" xmlns:p="http://schemas.openxmlformats.org/presentationml/2006/main">
+  <p:cSld>
+    <p:spTree>
+      <p:nvGrpSpPr>
+        <p:cNvPr id="1" name=""/>
+        <p:cNvGrpSpPr/>
+        <p:nvPr/>
+      </p:nvGrpSpPr>
+      <p:grpSpPr>
+        <a:xfrm>
+          <a:off x="0" y="0"/>
+          <a:ext cx="0" cy="0"/>
+          <a:chOff x="0" y="0"/>
+          <a:chExt cx="0" cy="0"/>
+        </a:xfrm>
+      </p:grpSpPr>
+      <p:sp>
+        <p:nvSpPr>
+          <p:cNvPr id="2" name="Slide Image Placeholder 1"/>
+          <p:cNvSpPr>
+            <a:spLocks noGrp="1" noRot="1" noChangeAspect="1"/>
+          </p:cNvSpPr>
+          <p:nvPr>
+            <p:ph type="sldImg"/>
+          </p:nvPr>
+        </p:nvSpPr>
+        <p:spPr/>
+      </p:sp>
+      <p:sp>
+        <p:nvSpPr>
+          <p:cNvPr id="3" name="Notes Placeholder 2"/>
+          <p:cNvSpPr>
+            <a:spLocks noGrp="1"/>
+          </p:cNvSpPr>
+          <p:nvPr>
+            <p:ph type="body" idx="1"/>
+          </p:nvPr>
+        </p:nvSpPr>
+        <p:spPr/>
+        <p:txBody>
+          <a:bodyPr/>
+          <a:lstStyle/>
+          <a:p>
+            <a:endParaRPr lang="en-US" dirty="0"/>
+          </a:p>
+        </p:txBody>
+      </p:sp>
+      <p:sp>
+        <p:nvSpPr>
+          <p:cNvPr id="4" name="Slide Number Placeholder 3"/>
+          <p:cNvSpPr>
+            <a:spLocks noGrp="1"/>
+          </p:cNvSpPr>
+          <p:nvPr>
+            <p:ph type="sldNum" sz="quarter" idx="5"/>
+          </p:nvPr>
+        </p:nvSpPr>
+        <p:spPr/>
+        <p:txBody>
+          <a:bodyPr/>
+          <a:lstStyle/>
+          <a:p>
+            <a:fld id="{AC55928C-CD14-454C-B617-1AFCF9A58596}" type="slidenum">
+              <a:rPr lang="en-US" smtClean="0"/>
+              <a:t>83</a:t>
+            </a:fld>
+            <a:endParaRPr lang="en-US" dirty="0"/>
+          </a:p>
+        </p:txBody>
+      </p:sp>
+    </p:spTree>
+    <p:extLst>
+      <p:ext uri="{BB962C8B-B14F-4D97-AF65-F5344CB8AC3E}">
+        <p14:creationId xmlns:p14="http://schemas.microsoft.com/office/powerpoint/2010/main" val="3036814789"/>
+      </p:ext>
+    </p:extLst>
+  </p:cSld>
+  <p:clrMapOvr>
+    <a:masterClrMapping/>
+  </p:clrMapOvr>
+</p:notes>
+</file>
+
 <file path=ppt/slideLayouts/slideLayout1.xml><?xml version="1.0" encoding="utf-8"?>
 <p:sldLayout xmlns:a="http://schemas.openxmlformats.org/drawingml/2006/main" xmlns:r="http://schemas.openxmlformats.org/officeDocument/2006/relationships" xmlns:p="http://schemas.openxmlformats.org/presentationml/2006/main" type="title" preserve="1">
   <p:cSld name="Title Slide">
@@ -25266,7 +25527,7 @@
                 <a:latin typeface="Calibri"/>
               </a:rPr>
               <a:pPr/>
-              <a:t>9/19/21</a:t>
+              <a:t>12/5/21</a:t>
             </a:fld>
             <a:endParaRPr lang="en-US" dirty="0">
               <a:solidFill>
@@ -25519,7 +25780,7 @@
                 <a:latin typeface="Calibri"/>
               </a:rPr>
               <a:pPr/>
-              <a:t>9/19/21</a:t>
+              <a:t>12/5/21</a:t>
             </a:fld>
             <a:endParaRPr lang="en-US" dirty="0">
               <a:solidFill>
@@ -25734,7 +25995,7 @@
                 <a:latin typeface="Calibri"/>
               </a:rPr>
               <a:pPr/>
-              <a:t>9/19/21</a:t>
+              <a:t>12/5/21</a:t>
             </a:fld>
             <a:endParaRPr lang="en-US" dirty="0">
               <a:solidFill>
@@ -26132,7 +26393,7 @@
                 <a:latin typeface="Calibri"/>
               </a:rPr>
               <a:pPr/>
-              <a:t>9/19/21</a:t>
+              <a:t>12/5/21</a:t>
             </a:fld>
             <a:endParaRPr lang="en-US" dirty="0">
               <a:solidFill>
@@ -26474,7 +26735,7 @@
                 <a:latin typeface="Calibri"/>
               </a:rPr>
               <a:pPr/>
-              <a:t>9/19/21</a:t>
+              <a:t>12/5/21</a:t>
             </a:fld>
             <a:endParaRPr lang="en-US" dirty="0">
               <a:solidFill>
@@ -26802,7 +27063,7 @@
                 <a:latin typeface="Calibri"/>
               </a:rPr>
               <a:pPr/>
-              <a:t>9/19/21</a:t>
+              <a:t>12/5/21</a:t>
             </a:fld>
             <a:endParaRPr lang="en-US" dirty="0">
               <a:solidFill>
@@ -27291,7 +27552,7 @@
                 <a:latin typeface="Calibri"/>
               </a:rPr>
               <a:pPr/>
-              <a:t>9/19/21</a:t>
+              <a:t>12/5/21</a:t>
             </a:fld>
             <a:endParaRPr lang="en-US" dirty="0">
               <a:solidFill>
@@ -27474,7 +27735,7 @@
                 <a:latin typeface="Calibri"/>
               </a:rPr>
               <a:pPr/>
-              <a:t>9/19/21</a:t>
+              <a:t>12/5/21</a:t>
             </a:fld>
             <a:endParaRPr lang="en-US" dirty="0">
               <a:solidFill>
@@ -27720,7 +27981,7 @@
                 <a:latin typeface="Calibri"/>
               </a:rPr>
               <a:pPr/>
-              <a:t>9/19/21</a:t>
+              <a:t>12/5/21</a:t>
             </a:fld>
             <a:endParaRPr lang="en-US" dirty="0">
               <a:solidFill>
@@ -28062,7 +28323,7 @@
                 <a:latin typeface="Calibri"/>
               </a:rPr>
               <a:pPr/>
-              <a:t>9/19/21</a:t>
+              <a:t>12/5/21</a:t>
             </a:fld>
             <a:endParaRPr lang="en-US" dirty="0">
               <a:solidFill>
@@ -28354,7 +28615,7 @@
                 <a:latin typeface="Calibri"/>
               </a:rPr>
               <a:pPr/>
-              <a:t>9/19/21</a:t>
+              <a:t>12/5/21</a:t>
             </a:fld>
             <a:endParaRPr lang="en-US" dirty="0">
               <a:solidFill>
@@ -28604,7 +28865,7 @@
                 <a:latin typeface="Calibri"/>
               </a:rPr>
               <a:pPr defTabSz="914400"/>
-              <a:t>9/19/21</a:t>
+              <a:t>12/5/21</a:t>
             </a:fld>
             <a:endParaRPr lang="en-US" dirty="0">
               <a:solidFill>
@@ -45901,7 +46162,7 @@
           <p:nvPr/>
         </p:nvPicPr>
         <p:blipFill>
-          <a:blip r:embed="rId2"/>
+          <a:blip r:embed="rId3"/>
           <a:stretch>
             <a:fillRect/>
           </a:stretch>
@@ -46267,7 +46528,7 @@
           <p:cNvPr id="2" name="Title 1">
             <a:extLst>
               <a:ext uri="{FF2B5EF4-FFF2-40B4-BE49-F238E27FC236}">
-                <a16:creationId xmlns:a16="http://schemas.microsoft.com/office/drawing/2014/main" id="{E9E670F8-AACA-D046-8E4F-17454C7527D7}"/>
+                <a16:creationId xmlns:a16="http://schemas.microsoft.com/office/drawing/2014/main" id="{85B060AF-17BF-7942-A9AD-15CE2BFC050C}"/>
               </a:ext>
             </a:extLst>
           </p:cNvPr>
@@ -46292,26 +46553,24 @@
           <a:p>
             <a:r>
               <a:rPr lang="en-US" dirty="0"/>
-              <a:t>Unsafe Unlink Setup – 1 </a:t>
+              <a:t>Chunk vs. Memory - Refresher</a:t>
             </a:r>
           </a:p>
         </p:txBody>
       </p:sp>
       <p:pic>
         <p:nvPicPr>
-          <p:cNvPr id="5" name="Content Placeholder 4" descr="Diagram&#10;&#10;Description automatically generated">
+          <p:cNvPr id="4" name="Picture 3" descr="Table&#10;&#10;Description automatically generated">
             <a:extLst>
               <a:ext uri="{FF2B5EF4-FFF2-40B4-BE49-F238E27FC236}">
-                <a16:creationId xmlns:a16="http://schemas.microsoft.com/office/drawing/2014/main" id="{E0FF205A-0822-E040-9B1C-DDBE9B537C0F}"/>
+                <a16:creationId xmlns:a16="http://schemas.microsoft.com/office/drawing/2014/main" id="{5535E3E2-F180-E848-8B58-7718D3B48EA3}"/>
               </a:ext>
             </a:extLst>
           </p:cNvPr>
           <p:cNvPicPr>
-            <a:picLocks noGrp="1" noChangeAspect="1"/>
+            <a:picLocks noChangeAspect="1"/>
           </p:cNvPicPr>
-          <p:nvPr>
-            <p:ph sz="half" idx="1"/>
-          </p:nvPr>
+          <p:nvPr/>
         </p:nvPicPr>
         <p:blipFill>
           <a:blip r:embed="rId2"/>
@@ -46321,18 +46580,21 @@
         </p:blipFill>
         <p:spPr>
           <a:xfrm>
-            <a:off x="628650" y="1401113"/>
-            <a:ext cx="3886200" cy="3199715"/>
+            <a:off x="1589990" y="1369219"/>
+            <a:ext cx="1963519" cy="3263504"/>
           </a:xfrm>
+          <a:prstGeom prst="rect">
+            <a:avLst/>
+          </a:prstGeom>
           <a:noFill/>
         </p:spPr>
       </p:pic>
       <p:sp>
         <p:nvSpPr>
-          <p:cNvPr id="10" name="Content Placeholder 3">
+          <p:cNvPr id="3" name="Content Placeholder 2">
             <a:extLst>
               <a:ext uri="{FF2B5EF4-FFF2-40B4-BE49-F238E27FC236}">
-                <a16:creationId xmlns:a16="http://schemas.microsoft.com/office/drawing/2014/main" id="{2261C260-EABE-400C-BFDD-E06E1533800F}"/>
+                <a16:creationId xmlns:a16="http://schemas.microsoft.com/office/drawing/2014/main" id="{2AC09845-B512-5D4A-B147-AC4FCD1C9306}"/>
               </a:ext>
             </a:extLst>
           </p:cNvPr>
@@ -46345,47 +46607,153 @@
         </p:nvSpPr>
         <p:spPr>
           <a:xfrm>
-            <a:off x="4629150" y="1369219"/>
-            <a:ext cx="3886200" cy="3263504"/>
+            <a:off x="4629149" y="1369219"/>
+            <a:ext cx="4180743" cy="3263504"/>
           </a:xfrm>
         </p:spPr>
         <p:txBody>
-          <a:bodyPr/>
+          <a:bodyPr>
+            <a:normAutofit/>
+          </a:bodyPr>
           <a:lstStyle/>
           <a:p>
             <a:r>
               <a:rPr lang="en-US" dirty="0"/>
-              <a:t>User sees </a:t>
+              <a:t>Chunk (what </a:t>
             </a:r>
             <a:r>
               <a:rPr lang="en-US" b="1" i="1" dirty="0"/>
-              <a:t>memory</a:t>
-            </a:r>
+              <a:t>malloc</a:t>
+            </a:r>
+            <a:r>
+              <a:rPr lang="en-US" dirty="0"/>
+              <a:t> sees)</a:t>
+            </a:r>
+          </a:p>
+          <a:p>
+            <a:pPr lvl="1"/>
+            <a:r>
+              <a:rPr lang="en-US" dirty="0"/>
+              <a:t>Memory – 0x10</a:t>
+            </a:r>
+          </a:p>
+          <a:p>
+            <a:pPr marL="0" indent="0">
+              <a:buNone/>
+            </a:pPr>
             <a:endParaRPr lang="en-US" dirty="0"/>
           </a:p>
           <a:p>
             <a:r>
               <a:rPr lang="en-US" dirty="0"/>
-              <a:t>Allocator sees </a:t>
+              <a:t>Memory (what </a:t>
             </a:r>
             <a:r>
               <a:rPr lang="en-US" b="1" i="1" dirty="0"/>
-              <a:t>chunk</a:t>
-            </a:r>
-            <a:endParaRPr lang="en-US" dirty="0"/>
-          </a:p>
-          <a:p>
+              <a:t>user</a:t>
+            </a:r>
             <a:r>
               <a:rPr lang="en-US" dirty="0"/>
-              <a:t>Chunk + 0x10 = memory</a:t>
+              <a:t> sees):</a:t>
+            </a:r>
+          </a:p>
+          <a:p>
+            <a:pPr lvl="1"/>
+            <a:r>
+              <a:rPr lang="en-US" dirty="0"/>
+              <a:t>Chunk + 0x10</a:t>
             </a:r>
           </a:p>
         </p:txBody>
       </p:sp>
+      <p:cxnSp>
+        <p:nvCxnSpPr>
+          <p:cNvPr id="6" name="Straight Arrow Connector 5">
+            <a:extLst>
+              <a:ext uri="{FF2B5EF4-FFF2-40B4-BE49-F238E27FC236}">
+                <a16:creationId xmlns:a16="http://schemas.microsoft.com/office/drawing/2014/main" id="{C8961554-47C1-A541-93D9-9C3B7245FAC7}"/>
+              </a:ext>
+            </a:extLst>
+          </p:cNvPr>
+          <p:cNvCxnSpPr/>
+          <p:nvPr/>
+        </p:nvCxnSpPr>
+        <p:spPr>
+          <a:xfrm flipH="1">
+            <a:off x="3559946" y="1369220"/>
+            <a:ext cx="1012054" cy="0"/>
+          </a:xfrm>
+          <a:prstGeom prst="straightConnector1">
+            <a:avLst/>
+          </a:prstGeom>
+          <a:ln w="76200">
+            <a:solidFill>
+              <a:srgbClr val="FF0000"/>
+            </a:solidFill>
+            <a:tailEnd type="triangle"/>
+          </a:ln>
+        </p:spPr>
+        <p:style>
+          <a:lnRef idx="1">
+            <a:schemeClr val="accent1"/>
+          </a:lnRef>
+          <a:fillRef idx="0">
+            <a:schemeClr val="accent1"/>
+          </a:fillRef>
+          <a:effectRef idx="0">
+            <a:schemeClr val="accent1"/>
+          </a:effectRef>
+          <a:fontRef idx="minor">
+            <a:schemeClr val="tx1"/>
+          </a:fontRef>
+        </p:style>
+      </p:cxnSp>
+      <p:cxnSp>
+        <p:nvCxnSpPr>
+          <p:cNvPr id="7" name="Straight Arrow Connector 6">
+            <a:extLst>
+              <a:ext uri="{FF2B5EF4-FFF2-40B4-BE49-F238E27FC236}">
+                <a16:creationId xmlns:a16="http://schemas.microsoft.com/office/drawing/2014/main" id="{7FC75F93-AE41-D248-900B-985CA4E75BA9}"/>
+              </a:ext>
+            </a:extLst>
+          </p:cNvPr>
+          <p:cNvCxnSpPr/>
+          <p:nvPr/>
+        </p:nvCxnSpPr>
+        <p:spPr>
+          <a:xfrm flipH="1">
+            <a:off x="3559946" y="2950925"/>
+            <a:ext cx="1012054" cy="0"/>
+          </a:xfrm>
+          <a:prstGeom prst="straightConnector1">
+            <a:avLst/>
+          </a:prstGeom>
+          <a:ln w="76200">
+            <a:solidFill>
+              <a:srgbClr val="FF0000"/>
+            </a:solidFill>
+            <a:tailEnd type="triangle"/>
+          </a:ln>
+        </p:spPr>
+        <p:style>
+          <a:lnRef idx="1">
+            <a:schemeClr val="accent1"/>
+          </a:lnRef>
+          <a:fillRef idx="0">
+            <a:schemeClr val="accent1"/>
+          </a:fillRef>
+          <a:effectRef idx="0">
+            <a:schemeClr val="accent1"/>
+          </a:effectRef>
+          <a:fontRef idx="minor">
+            <a:schemeClr val="tx1"/>
+          </a:fontRef>
+        </p:style>
+      </p:cxnSp>
     </p:spTree>
     <p:extLst>
       <p:ext uri="{BB962C8B-B14F-4D97-AF65-F5344CB8AC3E}">
-        <p14:creationId xmlns:p14="http://schemas.microsoft.com/office/powerpoint/2010/main" val="568598570"/>
+        <p14:creationId xmlns:p14="http://schemas.microsoft.com/office/powerpoint/2010/main" val="2737548928"/>
       </p:ext>
     </p:extLst>
   </p:cSld>
@@ -46442,7 +46810,7 @@
           <a:p>
             <a:r>
               <a:rPr lang="en-US" dirty="0"/>
-              <a:t>Unsafe Unlink Setup – 2 </a:t>
+              <a:t>Unsafe Unlink Setup – 1 </a:t>
             </a:r>
           </a:p>
         </p:txBody>
@@ -46464,7 +46832,7 @@
           </p:nvPr>
         </p:nvPicPr>
         <p:blipFill>
-          <a:blip r:embed="rId2"/>
+          <a:blip r:embed="rId3"/>
           <a:stretch>
             <a:fillRect/>
           </a:stretch>
@@ -46505,21 +46873,57 @@
           <a:p>
             <a:r>
               <a:rPr lang="en-US" dirty="0"/>
-              <a:t>What if we used this quirk to create a </a:t>
+              <a:t>User sees </a:t>
             </a:r>
             <a:r>
               <a:rPr lang="en-US" b="1" i="1" dirty="0"/>
-              <a:t>fake chunk</a:t>
-            </a:r>
+              <a:t>memory</a:t>
+            </a:r>
+            <a:endParaRPr lang="en-US" dirty="0"/>
+          </a:p>
+          <a:p>
             <a:r>
               <a:rPr lang="en-US" dirty="0"/>
-              <a:t>?</a:t>
-            </a:r>
+              <a:t>Allocator sees </a:t>
+            </a:r>
+            <a:r>
+              <a:rPr lang="en-US" b="1" i="1" dirty="0"/>
+              <a:t>chunk</a:t>
+            </a:r>
+            <a:endParaRPr lang="en-US" dirty="0"/>
           </a:p>
           <a:p>
             <a:r>
               <a:rPr lang="en-US" dirty="0"/>
-              <a:t>When we consolidate backwards, we could use THIS pointer to bypass the check!</a:t>
+              <a:t>Chunk + 0x10 = memory</a:t>
+            </a:r>
+          </a:p>
+          <a:p>
+            <a:r>
+              <a:rPr lang="en-US" dirty="0"/>
+              <a:t>‘</a:t>
+            </a:r>
+            <a:r>
+              <a:rPr lang="en-US" i="1" dirty="0"/>
+              <a:t>Pointer to Memory</a:t>
+            </a:r>
+            <a:r>
+              <a:rPr lang="en-US" dirty="0"/>
+              <a:t>’ is a normal pointer from memory</a:t>
+            </a:r>
+          </a:p>
+          <a:p>
+            <a:r>
+              <a:rPr lang="en-US" dirty="0"/>
+              <a:t>Want to treat it like a pointer in malloc (</a:t>
+            </a:r>
+            <a:r>
+              <a:rPr lang="en-US" i="1" dirty="0"/>
+              <a:t>chunk</a:t>
+            </a:r>
+            <a:r>
+              <a:rPr lang="en-US" dirty="0"/>
+              <a:t>).</a:t>
             </a:r>
           </a:p>
         </p:txBody>
@@ -46527,7 +46931,7 @@
     </p:spTree>
     <p:extLst>
       <p:ext uri="{BB962C8B-B14F-4D97-AF65-F5344CB8AC3E}">
-        <p14:creationId xmlns:p14="http://schemas.microsoft.com/office/powerpoint/2010/main" val="1858268095"/>
+        <p14:creationId xmlns:p14="http://schemas.microsoft.com/office/powerpoint/2010/main" val="568598570"/>
       </p:ext>
     </p:extLst>
   </p:cSld>
@@ -46584,6 +46988,148 @@
           <a:p>
             <a:r>
               <a:rPr lang="en-US" dirty="0"/>
+              <a:t>Unsafe Unlink Setup – 2 </a:t>
+            </a:r>
+          </a:p>
+        </p:txBody>
+      </p:sp>
+      <p:pic>
+        <p:nvPicPr>
+          <p:cNvPr id="5" name="Content Placeholder 4" descr="Chunk setup">
+            <a:extLst>
+              <a:ext uri="{FF2B5EF4-FFF2-40B4-BE49-F238E27FC236}">
+                <a16:creationId xmlns:a16="http://schemas.microsoft.com/office/drawing/2014/main" id="{E0FF205A-0822-E040-9B1C-DDBE9B537C0F}"/>
+              </a:ext>
+            </a:extLst>
+          </p:cNvPr>
+          <p:cNvPicPr>
+            <a:picLocks noGrp="1" noChangeAspect="1"/>
+          </p:cNvPicPr>
+          <p:nvPr>
+            <p:ph sz="half" idx="1"/>
+          </p:nvPr>
+        </p:nvPicPr>
+        <p:blipFill>
+          <a:blip r:embed="rId2"/>
+          <a:stretch>
+            <a:fillRect/>
+          </a:stretch>
+        </p:blipFill>
+        <p:spPr>
+          <a:xfrm>
+            <a:off x="628650" y="1401113"/>
+            <a:ext cx="3886200" cy="3199715"/>
+          </a:xfrm>
+          <a:noFill/>
+        </p:spPr>
+      </p:pic>
+      <p:sp>
+        <p:nvSpPr>
+          <p:cNvPr id="10" name="Content Placeholder 3">
+            <a:extLst>
+              <a:ext uri="{FF2B5EF4-FFF2-40B4-BE49-F238E27FC236}">
+                <a16:creationId xmlns:a16="http://schemas.microsoft.com/office/drawing/2014/main" id="{2261C260-EABE-400C-BFDD-E06E1533800F}"/>
+              </a:ext>
+            </a:extLst>
+          </p:cNvPr>
+          <p:cNvSpPr>
+            <a:spLocks noGrp="1"/>
+          </p:cNvSpPr>
+          <p:nvPr>
+            <p:ph sz="half" idx="2"/>
+          </p:nvPr>
+        </p:nvSpPr>
+        <p:spPr>
+          <a:xfrm>
+            <a:off x="4629150" y="1369219"/>
+            <a:ext cx="3886200" cy="3263504"/>
+          </a:xfrm>
+        </p:spPr>
+        <p:txBody>
+          <a:bodyPr/>
+          <a:lstStyle/>
+          <a:p>
+            <a:r>
+              <a:rPr lang="en-US" dirty="0"/>
+              <a:t>What if we used this quirk to create a </a:t>
+            </a:r>
+            <a:r>
+              <a:rPr lang="en-US" b="1" i="1" dirty="0"/>
+              <a:t>fake chunk</a:t>
+            </a:r>
+            <a:r>
+              <a:rPr lang="en-US" dirty="0"/>
+              <a:t>?</a:t>
+            </a:r>
+          </a:p>
+          <a:p>
+            <a:r>
+              <a:rPr lang="en-US" dirty="0"/>
+              <a:t>When we consolidate backwards, we could use the difference to cause havoc!</a:t>
+            </a:r>
+          </a:p>
+        </p:txBody>
+      </p:sp>
+    </p:spTree>
+    <p:extLst>
+      <p:ext uri="{BB962C8B-B14F-4D97-AF65-F5344CB8AC3E}">
+        <p14:creationId xmlns:p14="http://schemas.microsoft.com/office/powerpoint/2010/main" val="1858268095"/>
+      </p:ext>
+    </p:extLst>
+  </p:cSld>
+  <p:clrMapOvr>
+    <a:masterClrMapping/>
+  </p:clrMapOvr>
+</p:sld>
+</file>
+
+<file path=ppt/slides/slide83.xml><?xml version="1.0" encoding="utf-8"?>
+<p:sld xmlns:a="http://schemas.openxmlformats.org/drawingml/2006/main" xmlns:r="http://schemas.openxmlformats.org/officeDocument/2006/relationships" xmlns:p="http://schemas.openxmlformats.org/presentationml/2006/main">
+  <p:cSld>
+    <p:spTree>
+      <p:nvGrpSpPr>
+        <p:cNvPr id="1" name=""/>
+        <p:cNvGrpSpPr/>
+        <p:nvPr/>
+      </p:nvGrpSpPr>
+      <p:grpSpPr>
+        <a:xfrm>
+          <a:off x="0" y="0"/>
+          <a:ext cx="0" cy="0"/>
+          <a:chOff x="0" y="0"/>
+          <a:chExt cx="0" cy="0"/>
+        </a:xfrm>
+      </p:grpSpPr>
+      <p:sp>
+        <p:nvSpPr>
+          <p:cNvPr id="2" name="Title 1">
+            <a:extLst>
+              <a:ext uri="{FF2B5EF4-FFF2-40B4-BE49-F238E27FC236}">
+                <a16:creationId xmlns:a16="http://schemas.microsoft.com/office/drawing/2014/main" id="{E9E670F8-AACA-D046-8E4F-17454C7527D7}"/>
+              </a:ext>
+            </a:extLst>
+          </p:cNvPr>
+          <p:cNvSpPr>
+            <a:spLocks noGrp="1"/>
+          </p:cNvSpPr>
+          <p:nvPr>
+            <p:ph type="title"/>
+          </p:nvPr>
+        </p:nvSpPr>
+        <p:spPr>
+          <a:xfrm>
+            <a:off x="628650" y="273847"/>
+            <a:ext cx="7886700" cy="994172"/>
+          </a:xfrm>
+        </p:spPr>
+        <p:txBody>
+          <a:bodyPr anchor="ctr">
+            <a:normAutofit/>
+          </a:bodyPr>
+          <a:lstStyle/>
+          <a:p>
+            <a:r>
+              <a:rPr lang="en-US" dirty="0"/>
               <a:t>Unsafe Unlink Setup – 3 </a:t>
             </a:r>
           </a:p>
@@ -46607,8 +47153,8 @@
         </p:nvSpPr>
         <p:spPr>
           <a:xfrm>
-            <a:off x="4629150" y="1369219"/>
-            <a:ext cx="4137778" cy="3263504"/>
+            <a:off x="5725296" y="1336268"/>
+            <a:ext cx="3418703" cy="3268684"/>
           </a:xfrm>
         </p:spPr>
         <p:txBody>
@@ -46617,36 +47163,122 @@
           <a:p>
             <a:r>
               <a:rPr lang="en-US" dirty="0"/>
-              <a:t>Overwrite </a:t>
-            </a:r>
-            <a:r>
-              <a:rPr lang="en-US" b="1" i="1" dirty="0"/>
-              <a:t>prev_size </a:t>
+              <a:t>Setup a fake chunk to reference </a:t>
+            </a:r>
+            <a:r>
+              <a:rPr lang="en-US" i="1" dirty="0"/>
+              <a:t>Pointer To Chunk</a:t>
             </a:r>
             <a:r>
               <a:rPr lang="en-US" dirty="0"/>
-              <a:t>of next chunk to attempt to unlink THIS</a:t>
-            </a:r>
-          </a:p>
-          <a:p>
-            <a:pPr lvl="1"/>
-            <a:r>
-              <a:rPr lang="en-US" dirty="0"/>
-              <a:t>- 0x10 on the prev_size</a:t>
-            </a:r>
-          </a:p>
-          <a:p>
-            <a:pPr lvl="1"/>
+              <a:t> for our pointer. </a:t>
+            </a:r>
+          </a:p>
+          <a:p>
             <a:endParaRPr lang="en-US" dirty="0"/>
           </a:p>
         </p:txBody>
       </p:sp>
       <p:pic>
         <p:nvPicPr>
-          <p:cNvPr id="7" name="Content Placeholder 6" descr="Unsafe unlink fake chunk information">
+          <p:cNvPr id="7" name="Content Placeholder 6" descr="Prev size goes back to the chunk">
             <a:extLst>
               <a:ext uri="{FF2B5EF4-FFF2-40B4-BE49-F238E27FC236}">
-                <a16:creationId xmlns:a16="http://schemas.microsoft.com/office/drawing/2014/main" id="{82EF9DB5-F900-FA43-A632-24B35522FC44}"/>
+                <a16:creationId xmlns:a16="http://schemas.microsoft.com/office/drawing/2014/main" id="{6B33EF59-8217-2A4C-A3C0-4F511A1098F3}"/>
+              </a:ext>
+            </a:extLst>
+          </p:cNvPr>
+          <p:cNvPicPr>
+            <a:picLocks noGrp="1" noChangeAspect="1"/>
+          </p:cNvPicPr>
+          <p:nvPr>
+            <p:ph sz="half" idx="1"/>
+          </p:nvPr>
+        </p:nvPicPr>
+        <p:blipFill>
+          <a:blip r:embed="rId3"/>
+          <a:stretch>
+            <a:fillRect/>
+          </a:stretch>
+        </p:blipFill>
+        <p:spPr>
+          <a:xfrm>
+            <a:off x="268415" y="1127233"/>
+            <a:ext cx="5485886" cy="3172918"/>
+          </a:xfrm>
+        </p:spPr>
+      </p:pic>
+    </p:spTree>
+    <p:extLst>
+      <p:ext uri="{BB962C8B-B14F-4D97-AF65-F5344CB8AC3E}">
+        <p14:creationId xmlns:p14="http://schemas.microsoft.com/office/powerpoint/2010/main" val="245759880"/>
+      </p:ext>
+    </p:extLst>
+  </p:cSld>
+  <p:clrMapOvr>
+    <a:masterClrMapping/>
+  </p:clrMapOvr>
+</p:sld>
+</file>
+
+<file path=ppt/slides/slide84.xml><?xml version="1.0" encoding="utf-8"?>
+<p:sld xmlns:a="http://schemas.openxmlformats.org/drawingml/2006/main" xmlns:r="http://schemas.openxmlformats.org/officeDocument/2006/relationships" xmlns:p="http://schemas.openxmlformats.org/presentationml/2006/main">
+  <p:cSld>
+    <p:spTree>
+      <p:nvGrpSpPr>
+        <p:cNvPr id="1" name=""/>
+        <p:cNvGrpSpPr/>
+        <p:nvPr/>
+      </p:nvGrpSpPr>
+      <p:grpSpPr>
+        <a:xfrm>
+          <a:off x="0" y="0"/>
+          <a:ext cx="0" cy="0"/>
+          <a:chOff x="0" y="0"/>
+          <a:chExt cx="0" cy="0"/>
+        </a:xfrm>
+      </p:grpSpPr>
+      <p:sp>
+        <p:nvSpPr>
+          <p:cNvPr id="2" name="Title 1">
+            <a:extLst>
+              <a:ext uri="{FF2B5EF4-FFF2-40B4-BE49-F238E27FC236}">
+                <a16:creationId xmlns:a16="http://schemas.microsoft.com/office/drawing/2014/main" id="{E9E670F8-AACA-D046-8E4F-17454C7527D7}"/>
+              </a:ext>
+            </a:extLst>
+          </p:cNvPr>
+          <p:cNvSpPr>
+            <a:spLocks noGrp="1"/>
+          </p:cNvSpPr>
+          <p:nvPr>
+            <p:ph type="title"/>
+          </p:nvPr>
+        </p:nvSpPr>
+        <p:spPr>
+          <a:xfrm>
+            <a:off x="628650" y="273847"/>
+            <a:ext cx="7886700" cy="994172"/>
+          </a:xfrm>
+        </p:spPr>
+        <p:txBody>
+          <a:bodyPr anchor="ctr">
+            <a:normAutofit/>
+          </a:bodyPr>
+          <a:lstStyle/>
+          <a:p>
+            <a:r>
+              <a:rPr lang="en-US" dirty="0"/>
+              <a:t>Unsafe Unlink Setup – 4 </a:t>
+            </a:r>
+          </a:p>
+        </p:txBody>
+      </p:sp>
+      <p:pic>
+        <p:nvPicPr>
+          <p:cNvPr id="22" name="Content Placeholder 21" descr="Diagram&#10;&#10;Description automatically generated">
+            <a:extLst>
+              <a:ext uri="{FF2B5EF4-FFF2-40B4-BE49-F238E27FC236}">
+                <a16:creationId xmlns:a16="http://schemas.microsoft.com/office/drawing/2014/main" id="{75E7617C-D8CE-2240-8157-11B95FE9BCA4}"/>
               </a:ext>
             </a:extLst>
           </p:cNvPr>
@@ -46665,11 +47297,74 @@
         </p:blipFill>
         <p:spPr>
           <a:xfrm>
-            <a:off x="571501" y="1268019"/>
-            <a:ext cx="3943350" cy="3234964"/>
+            <a:off x="136610" y="1737221"/>
+            <a:ext cx="5613401" cy="3246670"/>
           </a:xfrm>
         </p:spPr>
       </p:pic>
+      <p:sp>
+        <p:nvSpPr>
+          <p:cNvPr id="10" name="Content Placeholder 3">
+            <a:extLst>
+              <a:ext uri="{FF2B5EF4-FFF2-40B4-BE49-F238E27FC236}">
+                <a16:creationId xmlns:a16="http://schemas.microsoft.com/office/drawing/2014/main" id="{2261C260-EABE-400C-BFDD-E06E1533800F}"/>
+              </a:ext>
+            </a:extLst>
+          </p:cNvPr>
+          <p:cNvSpPr>
+            <a:spLocks noGrp="1"/>
+          </p:cNvSpPr>
+          <p:nvPr>
+            <p:ph sz="half" idx="2"/>
+          </p:nvPr>
+        </p:nvSpPr>
+        <p:spPr>
+          <a:xfrm>
+            <a:off x="4909751" y="1375719"/>
+            <a:ext cx="4234249" cy="3257004"/>
+          </a:xfrm>
+        </p:spPr>
+        <p:txBody>
+          <a:bodyPr/>
+          <a:lstStyle/>
+          <a:p>
+            <a:r>
+              <a:rPr lang="en-US" dirty="0"/>
+              <a:t>Overwrite </a:t>
+            </a:r>
+            <a:r>
+              <a:rPr lang="en-US" b="1" i="1" dirty="0"/>
+              <a:t>prev_size </a:t>
+            </a:r>
+            <a:r>
+              <a:rPr lang="en-US" dirty="0"/>
+              <a:t>of next chunk to attempt to unlink bad chunk:</a:t>
+            </a:r>
+          </a:p>
+          <a:p>
+            <a:pPr lvl="1"/>
+            <a:r>
+              <a:rPr lang="en-US" b="1" dirty="0"/>
+              <a:t>-0x10 </a:t>
+            </a:r>
+            <a:r>
+              <a:rPr lang="en-US" dirty="0"/>
+              <a:t>on the prev_size</a:t>
+            </a:r>
+          </a:p>
+          <a:p>
+            <a:pPr lvl="1"/>
+            <a:r>
+              <a:rPr lang="en-US" dirty="0"/>
+              <a:t>Point it back to the wrong spot (red arrow)</a:t>
+            </a:r>
+          </a:p>
+          <a:p>
+            <a:pPr lvl="1"/>
+            <a:endParaRPr lang="en-US" dirty="0"/>
+          </a:p>
+        </p:txBody>
+      </p:sp>
     </p:spTree>
     <p:extLst>
       <p:ext uri="{BB962C8B-B14F-4D97-AF65-F5344CB8AC3E}">
@@ -46683,7 +47378,264 @@
 </p:sld>
 </file>
 
-<file path=ppt/slides/slide83.xml><?xml version="1.0" encoding="utf-8"?>
+<file path=ppt/slides/slide85.xml><?xml version="1.0" encoding="utf-8"?>
+<p:sld xmlns:a="http://schemas.openxmlformats.org/drawingml/2006/main" xmlns:r="http://schemas.openxmlformats.org/officeDocument/2006/relationships" xmlns:p="http://schemas.openxmlformats.org/presentationml/2006/main">
+  <p:cSld>
+    <p:spTree>
+      <p:nvGrpSpPr>
+        <p:cNvPr id="1" name=""/>
+        <p:cNvGrpSpPr/>
+        <p:nvPr/>
+      </p:nvGrpSpPr>
+      <p:grpSpPr>
+        <a:xfrm>
+          <a:off x="0" y="0"/>
+          <a:ext cx="0" cy="0"/>
+          <a:chOff x="0" y="0"/>
+          <a:chExt cx="0" cy="0"/>
+        </a:xfrm>
+      </p:grpSpPr>
+      <p:sp>
+        <p:nvSpPr>
+          <p:cNvPr id="2" name="Title 1">
+            <a:extLst>
+              <a:ext uri="{FF2B5EF4-FFF2-40B4-BE49-F238E27FC236}">
+                <a16:creationId xmlns:a16="http://schemas.microsoft.com/office/drawing/2014/main" id="{85B060AF-17BF-7942-A9AD-15CE2BFC050C}"/>
+              </a:ext>
+            </a:extLst>
+          </p:cNvPr>
+          <p:cNvSpPr>
+            <a:spLocks noGrp="1"/>
+          </p:cNvSpPr>
+          <p:nvPr>
+            <p:ph type="title"/>
+          </p:nvPr>
+        </p:nvSpPr>
+        <p:spPr>
+          <a:xfrm>
+            <a:off x="628650" y="273847"/>
+            <a:ext cx="7886700" cy="994172"/>
+          </a:xfrm>
+        </p:spPr>
+        <p:txBody>
+          <a:bodyPr anchor="ctr">
+            <a:normAutofit/>
+          </a:bodyPr>
+          <a:lstStyle/>
+          <a:p>
+            <a:r>
+              <a:rPr lang="en-US" dirty="0"/>
+              <a:t>Unsafe Unlink Setup – 5</a:t>
+            </a:r>
+          </a:p>
+        </p:txBody>
+      </p:sp>
+      <p:pic>
+        <p:nvPicPr>
+          <p:cNvPr id="4" name="Picture 3" descr="Table&#10;&#10;Description automatically generated">
+            <a:extLst>
+              <a:ext uri="{FF2B5EF4-FFF2-40B4-BE49-F238E27FC236}">
+                <a16:creationId xmlns:a16="http://schemas.microsoft.com/office/drawing/2014/main" id="{5535E3E2-F180-E848-8B58-7718D3B48EA3}"/>
+              </a:ext>
+            </a:extLst>
+          </p:cNvPr>
+          <p:cNvPicPr>
+            <a:picLocks noChangeAspect="1"/>
+          </p:cNvPicPr>
+          <p:nvPr/>
+        </p:nvPicPr>
+        <p:blipFill>
+          <a:blip r:embed="rId2"/>
+          <a:stretch>
+            <a:fillRect/>
+          </a:stretch>
+        </p:blipFill>
+        <p:spPr>
+          <a:xfrm>
+            <a:off x="1589990" y="1369219"/>
+            <a:ext cx="1963519" cy="3263504"/>
+          </a:xfrm>
+          <a:prstGeom prst="rect">
+            <a:avLst/>
+          </a:prstGeom>
+          <a:noFill/>
+        </p:spPr>
+      </p:pic>
+      <p:sp>
+        <p:nvSpPr>
+          <p:cNvPr id="3" name="Content Placeholder 2">
+            <a:extLst>
+              <a:ext uri="{FF2B5EF4-FFF2-40B4-BE49-F238E27FC236}">
+                <a16:creationId xmlns:a16="http://schemas.microsoft.com/office/drawing/2014/main" id="{2AC09845-B512-5D4A-B147-AC4FCD1C9306}"/>
+              </a:ext>
+            </a:extLst>
+          </p:cNvPr>
+          <p:cNvSpPr>
+            <a:spLocks noGrp="1"/>
+          </p:cNvSpPr>
+          <p:nvPr>
+            <p:ph sz="half" idx="2"/>
+          </p:nvPr>
+        </p:nvSpPr>
+        <p:spPr>
+          <a:xfrm>
+            <a:off x="4629149" y="1369219"/>
+            <a:ext cx="4180743" cy="3263504"/>
+          </a:xfrm>
+        </p:spPr>
+        <p:txBody>
+          <a:bodyPr>
+            <a:normAutofit/>
+          </a:bodyPr>
+          <a:lstStyle/>
+          <a:p>
+            <a:r>
+              <a:rPr lang="en-US" dirty="0"/>
+              <a:t>Chunk (what </a:t>
+            </a:r>
+            <a:r>
+              <a:rPr lang="en-US" b="1" i="1" dirty="0"/>
+              <a:t>malloc</a:t>
+            </a:r>
+            <a:r>
+              <a:rPr lang="en-US" dirty="0"/>
+              <a:t> sees)</a:t>
+            </a:r>
+          </a:p>
+          <a:p>
+            <a:pPr lvl="1"/>
+            <a:r>
+              <a:rPr lang="en-US" dirty="0"/>
+              <a:t>Memory – 0x10</a:t>
+            </a:r>
+          </a:p>
+          <a:p>
+            <a:pPr marL="0" indent="0">
+              <a:buNone/>
+            </a:pPr>
+            <a:endParaRPr lang="en-US" dirty="0"/>
+          </a:p>
+          <a:p>
+            <a:r>
+              <a:rPr lang="en-US" dirty="0"/>
+              <a:t>Memory (what </a:t>
+            </a:r>
+            <a:r>
+              <a:rPr lang="en-US" b="1" i="1" dirty="0"/>
+              <a:t>user</a:t>
+            </a:r>
+            <a:r>
+              <a:rPr lang="en-US" dirty="0"/>
+              <a:t> sees):</a:t>
+            </a:r>
+          </a:p>
+          <a:p>
+            <a:pPr lvl="1"/>
+            <a:r>
+              <a:rPr lang="en-US" dirty="0"/>
+              <a:t>Chunk + 0x10</a:t>
+            </a:r>
+          </a:p>
+        </p:txBody>
+      </p:sp>
+      <p:cxnSp>
+        <p:nvCxnSpPr>
+          <p:cNvPr id="6" name="Straight Arrow Connector 5">
+            <a:extLst>
+              <a:ext uri="{FF2B5EF4-FFF2-40B4-BE49-F238E27FC236}">
+                <a16:creationId xmlns:a16="http://schemas.microsoft.com/office/drawing/2014/main" id="{C8961554-47C1-A541-93D9-9C3B7245FAC7}"/>
+              </a:ext>
+            </a:extLst>
+          </p:cNvPr>
+          <p:cNvCxnSpPr/>
+          <p:nvPr/>
+        </p:nvCxnSpPr>
+        <p:spPr>
+          <a:xfrm flipH="1">
+            <a:off x="3559946" y="1369220"/>
+            <a:ext cx="1012054" cy="0"/>
+          </a:xfrm>
+          <a:prstGeom prst="straightConnector1">
+            <a:avLst/>
+          </a:prstGeom>
+          <a:ln w="76200">
+            <a:solidFill>
+              <a:srgbClr val="FF0000"/>
+            </a:solidFill>
+            <a:tailEnd type="triangle"/>
+          </a:ln>
+        </p:spPr>
+        <p:style>
+          <a:lnRef idx="1">
+            <a:schemeClr val="accent1"/>
+          </a:lnRef>
+          <a:fillRef idx="0">
+            <a:schemeClr val="accent1"/>
+          </a:fillRef>
+          <a:effectRef idx="0">
+            <a:schemeClr val="accent1"/>
+          </a:effectRef>
+          <a:fontRef idx="minor">
+            <a:schemeClr val="tx1"/>
+          </a:fontRef>
+        </p:style>
+      </p:cxnSp>
+      <p:cxnSp>
+        <p:nvCxnSpPr>
+          <p:cNvPr id="7" name="Straight Arrow Connector 6">
+            <a:extLst>
+              <a:ext uri="{FF2B5EF4-FFF2-40B4-BE49-F238E27FC236}">
+                <a16:creationId xmlns:a16="http://schemas.microsoft.com/office/drawing/2014/main" id="{7FC75F93-AE41-D248-900B-985CA4E75BA9}"/>
+              </a:ext>
+            </a:extLst>
+          </p:cNvPr>
+          <p:cNvCxnSpPr/>
+          <p:nvPr/>
+        </p:nvCxnSpPr>
+        <p:spPr>
+          <a:xfrm flipH="1">
+            <a:off x="3559946" y="2950925"/>
+            <a:ext cx="1012054" cy="0"/>
+          </a:xfrm>
+          <a:prstGeom prst="straightConnector1">
+            <a:avLst/>
+          </a:prstGeom>
+          <a:ln w="76200">
+            <a:solidFill>
+              <a:srgbClr val="FF0000"/>
+            </a:solidFill>
+            <a:tailEnd type="triangle"/>
+          </a:ln>
+        </p:spPr>
+        <p:style>
+          <a:lnRef idx="1">
+            <a:schemeClr val="accent1"/>
+          </a:lnRef>
+          <a:fillRef idx="0">
+            <a:schemeClr val="accent1"/>
+          </a:fillRef>
+          <a:effectRef idx="0">
+            <a:schemeClr val="accent1"/>
+          </a:effectRef>
+          <a:fontRef idx="minor">
+            <a:schemeClr val="tx1"/>
+          </a:fontRef>
+        </p:style>
+      </p:cxnSp>
+    </p:spTree>
+    <p:extLst>
+      <p:ext uri="{BB962C8B-B14F-4D97-AF65-F5344CB8AC3E}">
+        <p14:creationId xmlns:p14="http://schemas.microsoft.com/office/powerpoint/2010/main" val="1696577919"/>
+      </p:ext>
+    </p:extLst>
+  </p:cSld>
+  <p:clrMapOvr>
+    <a:masterClrMapping/>
+  </p:clrMapOvr>
+</p:sld>
+</file>
+
+<file path=ppt/slides/slide86.xml><?xml version="1.0" encoding="utf-8"?>
 <p:sld xmlns:a="http://schemas.openxmlformats.org/drawingml/2006/main" xmlns:r="http://schemas.openxmlformats.org/officeDocument/2006/relationships" xmlns:p="http://schemas.openxmlformats.org/presentationml/2006/main">
   <p:cSld>
     <p:spTree>
@@ -46890,7 +47842,7 @@
 </p:sld>
 </file>
 
-<file path=ppt/slides/slide84.xml><?xml version="1.0" encoding="utf-8"?>
+<file path=ppt/slides/slide87.xml><?xml version="1.0" encoding="utf-8"?>
 <p:sld xmlns:a="http://schemas.openxmlformats.org/drawingml/2006/main" xmlns:r="http://schemas.openxmlformats.org/officeDocument/2006/relationships" xmlns:p="http://schemas.openxmlformats.org/presentationml/2006/main">
   <p:cSld>
     <p:spTree>
@@ -47097,7 +48049,7 @@
 </p:sld>
 </file>
 
-<file path=ppt/slides/slide85.xml><?xml version="1.0" encoding="utf-8"?>
+<file path=ppt/slides/slide88.xml><?xml version="1.0" encoding="utf-8"?>
 <p:sld xmlns:a="http://schemas.openxmlformats.org/drawingml/2006/main" xmlns:r="http://schemas.openxmlformats.org/officeDocument/2006/relationships" xmlns:p="http://schemas.openxmlformats.org/presentationml/2006/main">
   <p:cSld>
     <p:spTree>
@@ -47310,7 +48262,7 @@
 </p:sld>
 </file>
 
-<file path=ppt/slides/slide86.xml><?xml version="1.0" encoding="utf-8"?>
+<file path=ppt/slides/slide89.xml><?xml version="1.0" encoding="utf-8"?>
 <p:sld xmlns:a="http://schemas.openxmlformats.org/drawingml/2006/main" xmlns:r="http://schemas.openxmlformats.org/officeDocument/2006/relationships" xmlns:p="http://schemas.openxmlformats.org/presentationml/2006/main">
   <p:cSld>
     <p:spTree>
@@ -47483,7 +48435,318 @@
 </p:sld>
 </file>
 
-<file path=ppt/slides/slide87.xml><?xml version="1.0" encoding="utf-8"?>
+<file path=ppt/slides/slide9.xml><?xml version="1.0" encoding="utf-8"?>
+<p:sld xmlns:a="http://schemas.openxmlformats.org/drawingml/2006/main" xmlns:r="http://schemas.openxmlformats.org/officeDocument/2006/relationships" xmlns:p="http://schemas.openxmlformats.org/presentationml/2006/main">
+  <p:cSld>
+    <p:spTree>
+      <p:nvGrpSpPr>
+        <p:cNvPr id="1" name=""/>
+        <p:cNvGrpSpPr/>
+        <p:nvPr/>
+      </p:nvGrpSpPr>
+      <p:grpSpPr>
+        <a:xfrm>
+          <a:off x="0" y="0"/>
+          <a:ext cx="0" cy="0"/>
+          <a:chOff x="0" y="0"/>
+          <a:chExt cx="0" cy="0"/>
+        </a:xfrm>
+      </p:grpSpPr>
+      <p:sp>
+        <p:nvSpPr>
+          <p:cNvPr id="2" name="Title 1">
+            <a:extLst>
+              <a:ext uri="{FF2B5EF4-FFF2-40B4-BE49-F238E27FC236}">
+                <a16:creationId xmlns:a16="http://schemas.microsoft.com/office/drawing/2014/main" id="{6BEB7CF1-743A-D74C-AC52-B586D7683293}"/>
+              </a:ext>
+            </a:extLst>
+          </p:cNvPr>
+          <p:cNvSpPr>
+            <a:spLocks noGrp="1"/>
+          </p:cNvSpPr>
+          <p:nvPr>
+            <p:ph type="title"/>
+          </p:nvPr>
+        </p:nvSpPr>
+        <p:spPr>
+          <a:xfrm>
+            <a:off x="628650" y="273847"/>
+            <a:ext cx="7886700" cy="994172"/>
+          </a:xfrm>
+        </p:spPr>
+        <p:txBody>
+          <a:bodyPr anchor="ctr">
+            <a:normAutofit/>
+          </a:bodyPr>
+          <a:lstStyle/>
+          <a:p>
+            <a:r>
+              <a:rPr lang="en-US" dirty="0"/>
+              <a:t>Code Review! (answers)</a:t>
+            </a:r>
+          </a:p>
+        </p:txBody>
+      </p:sp>
+      <p:pic>
+        <p:nvPicPr>
+          <p:cNvPr id="5" name="Content Placeholder 4" descr="A screen shot of a social media post&#10;&#10;Description automatically generated">
+            <a:extLst>
+              <a:ext uri="{FF2B5EF4-FFF2-40B4-BE49-F238E27FC236}">
+                <a16:creationId xmlns:a16="http://schemas.microsoft.com/office/drawing/2014/main" id="{2079519E-7C78-EC4D-84CF-60D0BE06D9AF}"/>
+              </a:ext>
+            </a:extLst>
+          </p:cNvPr>
+          <p:cNvPicPr>
+            <a:picLocks noGrp="1" noChangeAspect="1"/>
+          </p:cNvPicPr>
+          <p:nvPr>
+            <p:ph sz="half" idx="1"/>
+          </p:nvPr>
+        </p:nvPicPr>
+        <p:blipFill>
+          <a:blip r:embed="rId2"/>
+          <a:stretch>
+            <a:fillRect/>
+          </a:stretch>
+        </p:blipFill>
+        <p:spPr>
+          <a:xfrm>
+            <a:off x="79963" y="1318619"/>
+            <a:ext cx="4492037" cy="1669701"/>
+          </a:xfrm>
+          <a:noFill/>
+        </p:spPr>
+      </p:pic>
+      <p:sp>
+        <p:nvSpPr>
+          <p:cNvPr id="10" name="Content Placeholder 3">
+            <a:extLst>
+              <a:ext uri="{FF2B5EF4-FFF2-40B4-BE49-F238E27FC236}">
+                <a16:creationId xmlns:a16="http://schemas.microsoft.com/office/drawing/2014/main" id="{79B45F60-0363-424B-9E27-65854133F913}"/>
+              </a:ext>
+            </a:extLst>
+          </p:cNvPr>
+          <p:cNvSpPr>
+            <a:spLocks noGrp="1"/>
+          </p:cNvSpPr>
+          <p:nvPr>
+            <p:ph sz="half" idx="2"/>
+          </p:nvPr>
+        </p:nvSpPr>
+        <p:spPr>
+          <a:xfrm>
+            <a:off x="4572001" y="1369219"/>
+            <a:ext cx="4492036" cy="3263504"/>
+          </a:xfrm>
+        </p:spPr>
+        <p:txBody>
+          <a:bodyPr>
+            <a:normAutofit/>
+          </a:bodyPr>
+          <a:lstStyle/>
+          <a:p>
+            <a:r>
+              <a:rPr lang="en-US" dirty="0"/>
+              <a:t>Inside of </a:t>
+            </a:r>
+            <a:r>
+              <a:rPr lang="en-US" i="1" dirty="0"/>
+              <a:t>free</a:t>
+            </a:r>
+            <a:r>
+              <a:rPr lang="en-US" dirty="0"/>
+              <a:t> (_</a:t>
+            </a:r>
+            <a:r>
+              <a:rPr lang="en-US" dirty="0" err="1"/>
+              <a:t>int_free</a:t>
+            </a:r>
+            <a:r>
+              <a:rPr lang="en-US" dirty="0"/>
+              <a:t>)</a:t>
+            </a:r>
+          </a:p>
+          <a:p>
+            <a:r>
+              <a:rPr lang="en-US" dirty="0"/>
+              <a:t>p: current chunk being freed</a:t>
+            </a:r>
+          </a:p>
+          <a:p>
+            <a:r>
+              <a:rPr lang="en-US" dirty="0"/>
+              <a:t>size: size of p</a:t>
+            </a:r>
+          </a:p>
+          <a:p>
+            <a:r>
+              <a:rPr lang="en-US" dirty="0"/>
+              <a:t>Answers: </a:t>
+            </a:r>
+          </a:p>
+          <a:p>
+            <a:pPr marL="457200" lvl="1" indent="0">
+              <a:buNone/>
+            </a:pPr>
+            <a:r>
+              <a:rPr lang="en-US" dirty="0"/>
+              <a:t>1. Is the </a:t>
+            </a:r>
+            <a:r>
+              <a:rPr lang="en-US" i="1" dirty="0"/>
+              <a:t>previous</a:t>
+            </a:r>
+            <a:r>
+              <a:rPr lang="en-US" dirty="0"/>
+              <a:t> chunk free (checks via the </a:t>
+            </a:r>
+            <a:r>
+              <a:rPr lang="en-US" i="1" dirty="0" err="1"/>
+              <a:t>prev_inuse</a:t>
+            </a:r>
+            <a:r>
+              <a:rPr lang="en-US" dirty="0"/>
+              <a:t> bit)</a:t>
+            </a:r>
+          </a:p>
+          <a:p>
+            <a:pPr marL="457200" lvl="1" indent="0">
+              <a:buNone/>
+            </a:pPr>
+            <a:r>
+              <a:rPr lang="en-US" dirty="0"/>
+              <a:t>2. Current chunk – </a:t>
+            </a:r>
+            <a:r>
+              <a:rPr lang="en-US" i="1" dirty="0"/>
+              <a:t>prev_size</a:t>
+            </a:r>
+            <a:endParaRPr lang="en-US" dirty="0"/>
+          </a:p>
+        </p:txBody>
+      </p:sp>
+      <p:sp>
+        <p:nvSpPr>
+          <p:cNvPr id="6" name="TextBox 5">
+            <a:extLst>
+              <a:ext uri="{FF2B5EF4-FFF2-40B4-BE49-F238E27FC236}">
+                <a16:creationId xmlns:a16="http://schemas.microsoft.com/office/drawing/2014/main" id="{6ED31DE9-D4DA-BB47-8961-1227E69BE052}"/>
+              </a:ext>
+            </a:extLst>
+          </p:cNvPr>
+          <p:cNvSpPr txBox="1"/>
+          <p:nvPr/>
+        </p:nvSpPr>
+        <p:spPr>
+          <a:xfrm>
+            <a:off x="2107770" y="1329919"/>
+            <a:ext cx="604434" cy="584775"/>
+          </a:xfrm>
+          <a:prstGeom prst="rect">
+            <a:avLst/>
+          </a:prstGeom>
+          <a:noFill/>
+        </p:spPr>
+        <p:txBody>
+          <a:bodyPr wrap="square" rtlCol="0">
+            <a:spAutoFit/>
+          </a:bodyPr>
+          <a:lstStyle/>
+          <a:p>
+            <a:r>
+              <a:rPr lang="en-US" sz="3200" dirty="0">
+                <a:solidFill>
+                  <a:srgbClr val="FF0000"/>
+                </a:solidFill>
+              </a:rPr>
+              <a:t>1)</a:t>
+            </a:r>
+          </a:p>
+        </p:txBody>
+      </p:sp>
+      <p:sp>
+        <p:nvSpPr>
+          <p:cNvPr id="8" name="TextBox 7">
+            <a:extLst>
+              <a:ext uri="{FF2B5EF4-FFF2-40B4-BE49-F238E27FC236}">
+                <a16:creationId xmlns:a16="http://schemas.microsoft.com/office/drawing/2014/main" id="{A3757472-D2AA-4E4C-9568-9C2638FD134D}"/>
+              </a:ext>
+            </a:extLst>
+          </p:cNvPr>
+          <p:cNvSpPr txBox="1"/>
+          <p:nvPr/>
+        </p:nvSpPr>
+        <p:spPr>
+          <a:xfrm>
+            <a:off x="4192868" y="2052290"/>
+            <a:ext cx="604434" cy="584775"/>
+          </a:xfrm>
+          <a:prstGeom prst="rect">
+            <a:avLst/>
+          </a:prstGeom>
+          <a:noFill/>
+        </p:spPr>
+        <p:txBody>
+          <a:bodyPr wrap="square" rtlCol="0">
+            <a:spAutoFit/>
+          </a:bodyPr>
+          <a:lstStyle/>
+          <a:p>
+            <a:r>
+              <a:rPr lang="en-US" sz="3200" dirty="0">
+                <a:solidFill>
+                  <a:srgbClr val="FF0000"/>
+                </a:solidFill>
+              </a:rPr>
+              <a:t>2)</a:t>
+            </a:r>
+          </a:p>
+        </p:txBody>
+      </p:sp>
+      <p:pic>
+        <p:nvPicPr>
+          <p:cNvPr id="7" name="Picture 6" descr="A screenshot of a cell phone&#10;&#10;Description automatically generated">
+            <a:extLst>
+              <a:ext uri="{FF2B5EF4-FFF2-40B4-BE49-F238E27FC236}">
+                <a16:creationId xmlns:a16="http://schemas.microsoft.com/office/drawing/2014/main" id="{5A43FD0D-659D-AA4B-A33F-4ABB12D11E05}"/>
+              </a:ext>
+            </a:extLst>
+          </p:cNvPr>
+          <p:cNvPicPr>
+            <a:picLocks noChangeAspect="1"/>
+          </p:cNvPicPr>
+          <p:nvPr/>
+        </p:nvPicPr>
+        <p:blipFill>
+          <a:blip r:embed="rId3"/>
+          <a:stretch>
+            <a:fillRect/>
+          </a:stretch>
+        </p:blipFill>
+        <p:spPr>
+          <a:xfrm>
+            <a:off x="130381" y="3038920"/>
+            <a:ext cx="1783479" cy="1983229"/>
+          </a:xfrm>
+          <a:prstGeom prst="rect">
+            <a:avLst/>
+          </a:prstGeom>
+        </p:spPr>
+      </p:pic>
+    </p:spTree>
+    <p:extLst>
+      <p:ext uri="{BB962C8B-B14F-4D97-AF65-F5344CB8AC3E}">
+        <p14:creationId xmlns:p14="http://schemas.microsoft.com/office/powerpoint/2010/main" val="1384499838"/>
+      </p:ext>
+    </p:extLst>
+  </p:cSld>
+  <p:clrMapOvr>
+    <a:masterClrMapping/>
+  </p:clrMapOvr>
+</p:sld>
+</file>
+
+<file path=ppt/slides/slide90.xml><?xml version="1.0" encoding="utf-8"?>
 <p:sld xmlns:a="http://schemas.openxmlformats.org/drawingml/2006/main" xmlns:r="http://schemas.openxmlformats.org/officeDocument/2006/relationships" xmlns:p="http://schemas.openxmlformats.org/presentationml/2006/main">
   <p:cSld>
     <p:spTree>
@@ -47599,7 +48862,7 @@
 </p:sld>
 </file>
 
-<file path=ppt/slides/slide88.xml><?xml version="1.0" encoding="utf-8"?>
+<file path=ppt/slides/slide91.xml><?xml version="1.0" encoding="utf-8"?>
 <p:sld xmlns:a="http://schemas.openxmlformats.org/drawingml/2006/main" xmlns:r="http://schemas.openxmlformats.org/officeDocument/2006/relationships" xmlns:p="http://schemas.openxmlformats.org/presentationml/2006/main">
   <p:cSld>
     <p:spTree>
@@ -47768,7 +49031,7 @@
 </p:sld>
 </file>
 
-<file path=ppt/slides/slide89.xml><?xml version="1.0" encoding="utf-8"?>
+<file path=ppt/slides/slide92.xml><?xml version="1.0" encoding="utf-8"?>
 <p:sld xmlns:a="http://schemas.openxmlformats.org/drawingml/2006/main" xmlns:r="http://schemas.openxmlformats.org/officeDocument/2006/relationships" xmlns:p="http://schemas.openxmlformats.org/presentationml/2006/main">
   <p:cSld>
     <p:spTree>
@@ -47940,318 +49203,7 @@
 </p:sld>
 </file>
 
-<file path=ppt/slides/slide9.xml><?xml version="1.0" encoding="utf-8"?>
-<p:sld xmlns:a="http://schemas.openxmlformats.org/drawingml/2006/main" xmlns:r="http://schemas.openxmlformats.org/officeDocument/2006/relationships" xmlns:p="http://schemas.openxmlformats.org/presentationml/2006/main">
-  <p:cSld>
-    <p:spTree>
-      <p:nvGrpSpPr>
-        <p:cNvPr id="1" name=""/>
-        <p:cNvGrpSpPr/>
-        <p:nvPr/>
-      </p:nvGrpSpPr>
-      <p:grpSpPr>
-        <a:xfrm>
-          <a:off x="0" y="0"/>
-          <a:ext cx="0" cy="0"/>
-          <a:chOff x="0" y="0"/>
-          <a:chExt cx="0" cy="0"/>
-        </a:xfrm>
-      </p:grpSpPr>
-      <p:sp>
-        <p:nvSpPr>
-          <p:cNvPr id="2" name="Title 1">
-            <a:extLst>
-              <a:ext uri="{FF2B5EF4-FFF2-40B4-BE49-F238E27FC236}">
-                <a16:creationId xmlns:a16="http://schemas.microsoft.com/office/drawing/2014/main" id="{6BEB7CF1-743A-D74C-AC52-B586D7683293}"/>
-              </a:ext>
-            </a:extLst>
-          </p:cNvPr>
-          <p:cNvSpPr>
-            <a:spLocks noGrp="1"/>
-          </p:cNvSpPr>
-          <p:nvPr>
-            <p:ph type="title"/>
-          </p:nvPr>
-        </p:nvSpPr>
-        <p:spPr>
-          <a:xfrm>
-            <a:off x="628650" y="273847"/>
-            <a:ext cx="7886700" cy="994172"/>
-          </a:xfrm>
-        </p:spPr>
-        <p:txBody>
-          <a:bodyPr anchor="ctr">
-            <a:normAutofit/>
-          </a:bodyPr>
-          <a:lstStyle/>
-          <a:p>
-            <a:r>
-              <a:rPr lang="en-US" dirty="0"/>
-              <a:t>Code Review! (answers)</a:t>
-            </a:r>
-          </a:p>
-        </p:txBody>
-      </p:sp>
-      <p:pic>
-        <p:nvPicPr>
-          <p:cNvPr id="5" name="Content Placeholder 4" descr="A screen shot of a social media post&#10;&#10;Description automatically generated">
-            <a:extLst>
-              <a:ext uri="{FF2B5EF4-FFF2-40B4-BE49-F238E27FC236}">
-                <a16:creationId xmlns:a16="http://schemas.microsoft.com/office/drawing/2014/main" id="{2079519E-7C78-EC4D-84CF-60D0BE06D9AF}"/>
-              </a:ext>
-            </a:extLst>
-          </p:cNvPr>
-          <p:cNvPicPr>
-            <a:picLocks noGrp="1" noChangeAspect="1"/>
-          </p:cNvPicPr>
-          <p:nvPr>
-            <p:ph sz="half" idx="1"/>
-          </p:nvPr>
-        </p:nvPicPr>
-        <p:blipFill>
-          <a:blip r:embed="rId2"/>
-          <a:stretch>
-            <a:fillRect/>
-          </a:stretch>
-        </p:blipFill>
-        <p:spPr>
-          <a:xfrm>
-            <a:off x="79963" y="1318619"/>
-            <a:ext cx="4492037" cy="1669701"/>
-          </a:xfrm>
-          <a:noFill/>
-        </p:spPr>
-      </p:pic>
-      <p:sp>
-        <p:nvSpPr>
-          <p:cNvPr id="10" name="Content Placeholder 3">
-            <a:extLst>
-              <a:ext uri="{FF2B5EF4-FFF2-40B4-BE49-F238E27FC236}">
-                <a16:creationId xmlns:a16="http://schemas.microsoft.com/office/drawing/2014/main" id="{79B45F60-0363-424B-9E27-65854133F913}"/>
-              </a:ext>
-            </a:extLst>
-          </p:cNvPr>
-          <p:cNvSpPr>
-            <a:spLocks noGrp="1"/>
-          </p:cNvSpPr>
-          <p:nvPr>
-            <p:ph sz="half" idx="2"/>
-          </p:nvPr>
-        </p:nvSpPr>
-        <p:spPr>
-          <a:xfrm>
-            <a:off x="4572001" y="1369219"/>
-            <a:ext cx="4492036" cy="3263504"/>
-          </a:xfrm>
-        </p:spPr>
-        <p:txBody>
-          <a:bodyPr>
-            <a:normAutofit/>
-          </a:bodyPr>
-          <a:lstStyle/>
-          <a:p>
-            <a:r>
-              <a:rPr lang="en-US" dirty="0"/>
-              <a:t>Inside of </a:t>
-            </a:r>
-            <a:r>
-              <a:rPr lang="en-US" i="1" dirty="0"/>
-              <a:t>free</a:t>
-            </a:r>
-            <a:r>
-              <a:rPr lang="en-US" dirty="0"/>
-              <a:t> (_</a:t>
-            </a:r>
-            <a:r>
-              <a:rPr lang="en-US" dirty="0" err="1"/>
-              <a:t>int_free</a:t>
-            </a:r>
-            <a:r>
-              <a:rPr lang="en-US" dirty="0"/>
-              <a:t>)</a:t>
-            </a:r>
-          </a:p>
-          <a:p>
-            <a:r>
-              <a:rPr lang="en-US" dirty="0"/>
-              <a:t>p: current chunk being freed</a:t>
-            </a:r>
-          </a:p>
-          <a:p>
-            <a:r>
-              <a:rPr lang="en-US" dirty="0"/>
-              <a:t>size: size of p</a:t>
-            </a:r>
-          </a:p>
-          <a:p>
-            <a:r>
-              <a:rPr lang="en-US" dirty="0"/>
-              <a:t>Answers: </a:t>
-            </a:r>
-          </a:p>
-          <a:p>
-            <a:pPr marL="457200" lvl="1" indent="0">
-              <a:buNone/>
-            </a:pPr>
-            <a:r>
-              <a:rPr lang="en-US" dirty="0"/>
-              <a:t>1. Is the </a:t>
-            </a:r>
-            <a:r>
-              <a:rPr lang="en-US" i="1" dirty="0"/>
-              <a:t>previous</a:t>
-            </a:r>
-            <a:r>
-              <a:rPr lang="en-US" dirty="0"/>
-              <a:t> chunk free (checks via the </a:t>
-            </a:r>
-            <a:r>
-              <a:rPr lang="en-US" i="1" dirty="0" err="1"/>
-              <a:t>prev_inuse</a:t>
-            </a:r>
-            <a:r>
-              <a:rPr lang="en-US" dirty="0"/>
-              <a:t> bit)</a:t>
-            </a:r>
-          </a:p>
-          <a:p>
-            <a:pPr marL="457200" lvl="1" indent="0">
-              <a:buNone/>
-            </a:pPr>
-            <a:r>
-              <a:rPr lang="en-US" dirty="0"/>
-              <a:t>2. Current chunk – </a:t>
-            </a:r>
-            <a:r>
-              <a:rPr lang="en-US" i="1" dirty="0"/>
-              <a:t>prev_size</a:t>
-            </a:r>
-            <a:endParaRPr lang="en-US" dirty="0"/>
-          </a:p>
-        </p:txBody>
-      </p:sp>
-      <p:sp>
-        <p:nvSpPr>
-          <p:cNvPr id="6" name="TextBox 5">
-            <a:extLst>
-              <a:ext uri="{FF2B5EF4-FFF2-40B4-BE49-F238E27FC236}">
-                <a16:creationId xmlns:a16="http://schemas.microsoft.com/office/drawing/2014/main" id="{6ED31DE9-D4DA-BB47-8961-1227E69BE052}"/>
-              </a:ext>
-            </a:extLst>
-          </p:cNvPr>
-          <p:cNvSpPr txBox="1"/>
-          <p:nvPr/>
-        </p:nvSpPr>
-        <p:spPr>
-          <a:xfrm>
-            <a:off x="2107770" y="1329919"/>
-            <a:ext cx="604434" cy="584775"/>
-          </a:xfrm>
-          <a:prstGeom prst="rect">
-            <a:avLst/>
-          </a:prstGeom>
-          <a:noFill/>
-        </p:spPr>
-        <p:txBody>
-          <a:bodyPr wrap="square" rtlCol="0">
-            <a:spAutoFit/>
-          </a:bodyPr>
-          <a:lstStyle/>
-          <a:p>
-            <a:r>
-              <a:rPr lang="en-US" sz="3200" dirty="0">
-                <a:solidFill>
-                  <a:srgbClr val="FF0000"/>
-                </a:solidFill>
-              </a:rPr>
-              <a:t>1)</a:t>
-            </a:r>
-          </a:p>
-        </p:txBody>
-      </p:sp>
-      <p:sp>
-        <p:nvSpPr>
-          <p:cNvPr id="8" name="TextBox 7">
-            <a:extLst>
-              <a:ext uri="{FF2B5EF4-FFF2-40B4-BE49-F238E27FC236}">
-                <a16:creationId xmlns:a16="http://schemas.microsoft.com/office/drawing/2014/main" id="{A3757472-D2AA-4E4C-9568-9C2638FD134D}"/>
-              </a:ext>
-            </a:extLst>
-          </p:cNvPr>
-          <p:cNvSpPr txBox="1"/>
-          <p:nvPr/>
-        </p:nvSpPr>
-        <p:spPr>
-          <a:xfrm>
-            <a:off x="4192868" y="2052290"/>
-            <a:ext cx="604434" cy="584775"/>
-          </a:xfrm>
-          <a:prstGeom prst="rect">
-            <a:avLst/>
-          </a:prstGeom>
-          <a:noFill/>
-        </p:spPr>
-        <p:txBody>
-          <a:bodyPr wrap="square" rtlCol="0">
-            <a:spAutoFit/>
-          </a:bodyPr>
-          <a:lstStyle/>
-          <a:p>
-            <a:r>
-              <a:rPr lang="en-US" sz="3200" dirty="0">
-                <a:solidFill>
-                  <a:srgbClr val="FF0000"/>
-                </a:solidFill>
-              </a:rPr>
-              <a:t>2)</a:t>
-            </a:r>
-          </a:p>
-        </p:txBody>
-      </p:sp>
-      <p:pic>
-        <p:nvPicPr>
-          <p:cNvPr id="7" name="Picture 6" descr="A screenshot of a cell phone&#10;&#10;Description automatically generated">
-            <a:extLst>
-              <a:ext uri="{FF2B5EF4-FFF2-40B4-BE49-F238E27FC236}">
-                <a16:creationId xmlns:a16="http://schemas.microsoft.com/office/drawing/2014/main" id="{5A43FD0D-659D-AA4B-A33F-4ABB12D11E05}"/>
-              </a:ext>
-            </a:extLst>
-          </p:cNvPr>
-          <p:cNvPicPr>
-            <a:picLocks noChangeAspect="1"/>
-          </p:cNvPicPr>
-          <p:nvPr/>
-        </p:nvPicPr>
-        <p:blipFill>
-          <a:blip r:embed="rId3"/>
-          <a:stretch>
-            <a:fillRect/>
-          </a:stretch>
-        </p:blipFill>
-        <p:spPr>
-          <a:xfrm>
-            <a:off x="130381" y="3038920"/>
-            <a:ext cx="1783479" cy="1983229"/>
-          </a:xfrm>
-          <a:prstGeom prst="rect">
-            <a:avLst/>
-          </a:prstGeom>
-        </p:spPr>
-      </p:pic>
-    </p:spTree>
-    <p:extLst>
-      <p:ext uri="{BB962C8B-B14F-4D97-AF65-F5344CB8AC3E}">
-        <p14:creationId xmlns:p14="http://schemas.microsoft.com/office/powerpoint/2010/main" val="1384499838"/>
-      </p:ext>
-    </p:extLst>
-  </p:cSld>
-  <p:clrMapOvr>
-    <a:masterClrMapping/>
-  </p:clrMapOvr>
-</p:sld>
-</file>
-
-<file path=ppt/slides/slide90.xml><?xml version="1.0" encoding="utf-8"?>
+<file path=ppt/slides/slide93.xml><?xml version="1.0" encoding="utf-8"?>
 <p:sld xmlns:a="http://schemas.openxmlformats.org/drawingml/2006/main" xmlns:r="http://schemas.openxmlformats.org/officeDocument/2006/relationships" xmlns:p="http://schemas.openxmlformats.org/presentationml/2006/main">
   <p:cSld>
     <p:spTree>
@@ -48347,7 +49299,7 @@
 </p:sld>
 </file>
 
-<file path=ppt/slides/slide91.xml><?xml version="1.0" encoding="utf-8"?>
+<file path=ppt/slides/slide94.xml><?xml version="1.0" encoding="utf-8"?>
 <p:sld xmlns:a="http://schemas.openxmlformats.org/drawingml/2006/main" xmlns:r="http://schemas.openxmlformats.org/officeDocument/2006/relationships" xmlns:p="http://schemas.openxmlformats.org/presentationml/2006/main">
   <p:cSld>
     <p:spTree>
@@ -48453,7 +49405,7 @@
 </p:sld>
 </file>
 
-<file path=ppt/slides/slide92.xml><?xml version="1.0" encoding="utf-8"?>
+<file path=ppt/slides/slide95.xml><?xml version="1.0" encoding="utf-8"?>
 <p:sld xmlns:a="http://schemas.openxmlformats.org/drawingml/2006/main" xmlns:r="http://schemas.openxmlformats.org/officeDocument/2006/relationships" xmlns:p="http://schemas.openxmlformats.org/presentationml/2006/main">
   <p:cSld>
     <p:spTree>
@@ -48559,7 +49511,7 @@
 </p:sld>
 </file>
 
-<file path=ppt/slides/slide93.xml><?xml version="1.0" encoding="utf-8"?>
+<file path=ppt/slides/slide96.xml><?xml version="1.0" encoding="utf-8"?>
 <p:sld xmlns:a="http://schemas.openxmlformats.org/drawingml/2006/main" xmlns:r="http://schemas.openxmlformats.org/officeDocument/2006/relationships" xmlns:p="http://schemas.openxmlformats.org/presentationml/2006/main">
   <p:cSld>
     <p:spTree>

--- a/modules/unlink/Unlink.pptx
+++ b/modules/unlink/Unlink.pptx
@@ -5,7 +5,7 @@
     <p:sldMasterId id="2147483660" r:id="rId1"/>
   </p:sldMasterIdLst>
   <p:notesMasterIdLst>
-    <p:notesMasterId r:id="rId98"/>
+    <p:notesMasterId r:id="rId103"/>
   </p:notesMasterIdLst>
   <p:sldIdLst>
     <p:sldId id="440" r:id="rId2"/>
@@ -93,17 +93,22 @@
     <p:sldId id="515" r:id="rId84"/>
     <p:sldId id="461" r:id="rId85"/>
     <p:sldId id="517" r:id="rId86"/>
-    <p:sldId id="462" r:id="rId87"/>
-    <p:sldId id="463" r:id="rId88"/>
-    <p:sldId id="465" r:id="rId89"/>
-    <p:sldId id="467" r:id="rId90"/>
-    <p:sldId id="468" r:id="rId91"/>
-    <p:sldId id="466" r:id="rId92"/>
-    <p:sldId id="469" r:id="rId93"/>
-    <p:sldId id="458" r:id="rId94"/>
-    <p:sldId id="470" r:id="rId95"/>
-    <p:sldId id="442" r:id="rId96"/>
-    <p:sldId id="429" r:id="rId97"/>
+    <p:sldId id="519" r:id="rId87"/>
+    <p:sldId id="518" r:id="rId88"/>
+    <p:sldId id="520" r:id="rId89"/>
+    <p:sldId id="521" r:id="rId90"/>
+    <p:sldId id="467" r:id="rId91"/>
+    <p:sldId id="468" r:id="rId92"/>
+    <p:sldId id="466" r:id="rId93"/>
+    <p:sldId id="522" r:id="rId94"/>
+    <p:sldId id="523" r:id="rId95"/>
+    <p:sldId id="524" r:id="rId96"/>
+    <p:sldId id="525" r:id="rId97"/>
+    <p:sldId id="526" r:id="rId98"/>
+    <p:sldId id="458" r:id="rId99"/>
+    <p:sldId id="470" r:id="rId100"/>
+    <p:sldId id="442" r:id="rId101"/>
+    <p:sldId id="429" r:id="rId102"/>
   </p:sldIdLst>
   <p:sldSz cx="9144000" cy="5143500" type="screen16x9"/>
   <p:notesSz cx="6858000" cy="9144000"/>
@@ -24628,7 +24633,7 @@
           <a:p>
             <a:fld id="{2DA23E8D-1792-1541-9147-970A8DD8A355}" type="datetimeFigureOut">
               <a:rPr lang="en-US" smtClean="0"/>
-              <a:t>12/5/21</a:t>
+              <a:t>12/18/21</a:t>
             </a:fld>
             <a:endParaRPr lang="en-US" dirty="0"/>
           </a:p>
@@ -24979,6 +24984,180 @@
 </p:notes>
 </file>
 
+<file path=ppt/notesSlides/notesSlide10.xml><?xml version="1.0" encoding="utf-8"?>
+<p:notes xmlns:a="http://schemas.openxmlformats.org/drawingml/2006/main" xmlns:r="http://schemas.openxmlformats.org/officeDocument/2006/relationships" xmlns:p="http://schemas.openxmlformats.org/presentationml/2006/main">
+  <p:cSld>
+    <p:spTree>
+      <p:nvGrpSpPr>
+        <p:cNvPr id="1" name=""/>
+        <p:cNvGrpSpPr/>
+        <p:nvPr/>
+      </p:nvGrpSpPr>
+      <p:grpSpPr>
+        <a:xfrm>
+          <a:off x="0" y="0"/>
+          <a:ext cx="0" cy="0"/>
+          <a:chOff x="0" y="0"/>
+          <a:chExt cx="0" cy="0"/>
+        </a:xfrm>
+      </p:grpSpPr>
+      <p:sp>
+        <p:nvSpPr>
+          <p:cNvPr id="2" name="Slide Image Placeholder 1"/>
+          <p:cNvSpPr>
+            <a:spLocks noGrp="1" noRot="1" noChangeAspect="1"/>
+          </p:cNvSpPr>
+          <p:nvPr>
+            <p:ph type="sldImg"/>
+          </p:nvPr>
+        </p:nvSpPr>
+        <p:spPr/>
+      </p:sp>
+      <p:sp>
+        <p:nvSpPr>
+          <p:cNvPr id="3" name="Notes Placeholder 2"/>
+          <p:cNvSpPr>
+            <a:spLocks noGrp="1"/>
+          </p:cNvSpPr>
+          <p:nvPr>
+            <p:ph type="body" idx="1"/>
+          </p:nvPr>
+        </p:nvSpPr>
+        <p:spPr/>
+        <p:txBody>
+          <a:bodyPr/>
+          <a:lstStyle/>
+          <a:p>
+            <a:r>
+              <a:rPr lang="en-US" dirty="0"/>
+              <a:t>Is this useful? Let’s see how the rest of the macro works out!</a:t>
+            </a:r>
+          </a:p>
+        </p:txBody>
+      </p:sp>
+      <p:sp>
+        <p:nvSpPr>
+          <p:cNvPr id="4" name="Slide Number Placeholder 3"/>
+          <p:cNvSpPr>
+            <a:spLocks noGrp="1"/>
+          </p:cNvSpPr>
+          <p:nvPr>
+            <p:ph type="sldNum" sz="quarter" idx="5"/>
+          </p:nvPr>
+        </p:nvSpPr>
+        <p:spPr/>
+        <p:txBody>
+          <a:bodyPr/>
+          <a:lstStyle/>
+          <a:p>
+            <a:fld id="{AC55928C-CD14-454C-B617-1AFCF9A58596}" type="slidenum">
+              <a:rPr lang="en-US" smtClean="0"/>
+              <a:t>90</a:t>
+            </a:fld>
+            <a:endParaRPr lang="en-US" dirty="0"/>
+          </a:p>
+        </p:txBody>
+      </p:sp>
+    </p:spTree>
+    <p:extLst>
+      <p:ext uri="{BB962C8B-B14F-4D97-AF65-F5344CB8AC3E}">
+        <p14:creationId xmlns:p14="http://schemas.microsoft.com/office/powerpoint/2010/main" val="3063626548"/>
+      </p:ext>
+    </p:extLst>
+  </p:cSld>
+  <p:clrMapOvr>
+    <a:masterClrMapping/>
+  </p:clrMapOvr>
+</p:notes>
+</file>
+
+<file path=ppt/notesSlides/notesSlide11.xml><?xml version="1.0" encoding="utf-8"?>
+<p:notes xmlns:a="http://schemas.openxmlformats.org/drawingml/2006/main" xmlns:r="http://schemas.openxmlformats.org/officeDocument/2006/relationships" xmlns:p="http://schemas.openxmlformats.org/presentationml/2006/main">
+  <p:cSld>
+    <p:spTree>
+      <p:nvGrpSpPr>
+        <p:cNvPr id="1" name=""/>
+        <p:cNvGrpSpPr/>
+        <p:nvPr/>
+      </p:nvGrpSpPr>
+      <p:grpSpPr>
+        <a:xfrm>
+          <a:off x="0" y="0"/>
+          <a:ext cx="0" cy="0"/>
+          <a:chOff x="0" y="0"/>
+          <a:chExt cx="0" cy="0"/>
+        </a:xfrm>
+      </p:grpSpPr>
+      <p:sp>
+        <p:nvSpPr>
+          <p:cNvPr id="2" name="Slide Image Placeholder 1"/>
+          <p:cNvSpPr>
+            <a:spLocks noGrp="1" noRot="1" noChangeAspect="1"/>
+          </p:cNvSpPr>
+          <p:nvPr>
+            <p:ph type="sldImg"/>
+          </p:nvPr>
+        </p:nvSpPr>
+        <p:spPr/>
+      </p:sp>
+      <p:sp>
+        <p:nvSpPr>
+          <p:cNvPr id="3" name="Notes Placeholder 2"/>
+          <p:cNvSpPr>
+            <a:spLocks noGrp="1"/>
+          </p:cNvSpPr>
+          <p:nvPr>
+            <p:ph type="body" idx="1"/>
+          </p:nvPr>
+        </p:nvSpPr>
+        <p:spPr/>
+        <p:txBody>
+          <a:bodyPr/>
+          <a:lstStyle/>
+          <a:p>
+            <a:r>
+              <a:rPr lang="en-US" dirty="0"/>
+              <a:t>Removed the security check… just remember that it is there. </a:t>
+            </a:r>
+          </a:p>
+        </p:txBody>
+      </p:sp>
+      <p:sp>
+        <p:nvSpPr>
+          <p:cNvPr id="4" name="Slide Number Placeholder 3"/>
+          <p:cNvSpPr>
+            <a:spLocks noGrp="1"/>
+          </p:cNvSpPr>
+          <p:nvPr>
+            <p:ph type="sldNum" sz="quarter" idx="5"/>
+          </p:nvPr>
+        </p:nvSpPr>
+        <p:spPr/>
+        <p:txBody>
+          <a:bodyPr/>
+          <a:lstStyle/>
+          <a:p>
+            <a:fld id="{AC55928C-CD14-454C-B617-1AFCF9A58596}" type="slidenum">
+              <a:rPr lang="en-US" smtClean="0"/>
+              <a:t>91</a:t>
+            </a:fld>
+            <a:endParaRPr lang="en-US" dirty="0"/>
+          </a:p>
+        </p:txBody>
+      </p:sp>
+    </p:spTree>
+    <p:extLst>
+      <p:ext uri="{BB962C8B-B14F-4D97-AF65-F5344CB8AC3E}">
+        <p14:creationId xmlns:p14="http://schemas.microsoft.com/office/powerpoint/2010/main" val="3170883085"/>
+      </p:ext>
+    </p:extLst>
+  </p:cSld>
+  <p:clrMapOvr>
+    <a:masterClrMapping/>
+  </p:clrMapOvr>
+</p:notes>
+</file>
+
 <file path=ppt/notesSlides/notesSlide2.xml><?xml version="1.0" encoding="utf-8"?>
 <p:notes xmlns:a="http://schemas.openxmlformats.org/drawingml/2006/main" xmlns:r="http://schemas.openxmlformats.org/officeDocument/2006/relationships" xmlns:p="http://schemas.openxmlformats.org/presentationml/2006/main">
   <p:cSld>
@@ -25315,6 +25494,354 @@
     <p:extLst>
       <p:ext uri="{BB962C8B-B14F-4D97-AF65-F5344CB8AC3E}">
         <p14:creationId xmlns:p14="http://schemas.microsoft.com/office/powerpoint/2010/main" val="3036814789"/>
+      </p:ext>
+    </p:extLst>
+  </p:cSld>
+  <p:clrMapOvr>
+    <a:masterClrMapping/>
+  </p:clrMapOvr>
+</p:notes>
+</file>
+
+<file path=ppt/notesSlides/notesSlide6.xml><?xml version="1.0" encoding="utf-8"?>
+<p:notes xmlns:a="http://schemas.openxmlformats.org/drawingml/2006/main" xmlns:r="http://schemas.openxmlformats.org/officeDocument/2006/relationships" xmlns:p="http://schemas.openxmlformats.org/presentationml/2006/main">
+  <p:cSld>
+    <p:spTree>
+      <p:nvGrpSpPr>
+        <p:cNvPr id="1" name=""/>
+        <p:cNvGrpSpPr/>
+        <p:nvPr/>
+      </p:nvGrpSpPr>
+      <p:grpSpPr>
+        <a:xfrm>
+          <a:off x="0" y="0"/>
+          <a:ext cx="0" cy="0"/>
+          <a:chOff x="0" y="0"/>
+          <a:chExt cx="0" cy="0"/>
+        </a:xfrm>
+      </p:grpSpPr>
+      <p:sp>
+        <p:nvSpPr>
+          <p:cNvPr id="2" name="Slide Image Placeholder 1"/>
+          <p:cNvSpPr>
+            <a:spLocks noGrp="1" noRot="1" noChangeAspect="1"/>
+          </p:cNvSpPr>
+          <p:nvPr>
+            <p:ph type="sldImg"/>
+          </p:nvPr>
+        </p:nvSpPr>
+        <p:spPr/>
+      </p:sp>
+      <p:sp>
+        <p:nvSpPr>
+          <p:cNvPr id="3" name="Notes Placeholder 2"/>
+          <p:cNvSpPr>
+            <a:spLocks noGrp="1"/>
+          </p:cNvSpPr>
+          <p:nvPr>
+            <p:ph type="body" idx="1"/>
+          </p:nvPr>
+        </p:nvSpPr>
+        <p:spPr/>
+        <p:txBody>
+          <a:bodyPr/>
+          <a:lstStyle/>
+          <a:p>
+            <a:r>
+              <a:rPr lang="en-US" dirty="0"/>
+              <a:t>The goal is to bypass THIS security check while doing something meaningful</a:t>
+            </a:r>
+          </a:p>
+        </p:txBody>
+      </p:sp>
+      <p:sp>
+        <p:nvSpPr>
+          <p:cNvPr id="4" name="Slide Number Placeholder 3"/>
+          <p:cNvSpPr>
+            <a:spLocks noGrp="1"/>
+          </p:cNvSpPr>
+          <p:nvPr>
+            <p:ph type="sldNum" sz="quarter" idx="5"/>
+          </p:nvPr>
+        </p:nvSpPr>
+        <p:spPr/>
+        <p:txBody>
+          <a:bodyPr/>
+          <a:lstStyle/>
+          <a:p>
+            <a:fld id="{AC55928C-CD14-454C-B617-1AFCF9A58596}" type="slidenum">
+              <a:rPr lang="en-US" smtClean="0"/>
+              <a:t>86</a:t>
+            </a:fld>
+            <a:endParaRPr lang="en-US" dirty="0"/>
+          </a:p>
+        </p:txBody>
+      </p:sp>
+    </p:spTree>
+    <p:extLst>
+      <p:ext uri="{BB962C8B-B14F-4D97-AF65-F5344CB8AC3E}">
+        <p14:creationId xmlns:p14="http://schemas.microsoft.com/office/powerpoint/2010/main" val="1402674623"/>
+      </p:ext>
+    </p:extLst>
+  </p:cSld>
+  <p:clrMapOvr>
+    <a:masterClrMapping/>
+  </p:clrMapOvr>
+</p:notes>
+</file>
+
+<file path=ppt/notesSlides/notesSlide7.xml><?xml version="1.0" encoding="utf-8"?>
+<p:notes xmlns:a="http://schemas.openxmlformats.org/drawingml/2006/main" xmlns:r="http://schemas.openxmlformats.org/officeDocument/2006/relationships" xmlns:p="http://schemas.openxmlformats.org/presentationml/2006/main">
+  <p:cSld>
+    <p:spTree>
+      <p:nvGrpSpPr>
+        <p:cNvPr id="1" name=""/>
+        <p:cNvGrpSpPr/>
+        <p:nvPr/>
+      </p:nvGrpSpPr>
+      <p:grpSpPr>
+        <a:xfrm>
+          <a:off x="0" y="0"/>
+          <a:ext cx="0" cy="0"/>
+          <a:chOff x="0" y="0"/>
+          <a:chExt cx="0" cy="0"/>
+        </a:xfrm>
+      </p:grpSpPr>
+      <p:sp>
+        <p:nvSpPr>
+          <p:cNvPr id="2" name="Slide Image Placeholder 1"/>
+          <p:cNvSpPr>
+            <a:spLocks noGrp="1" noRot="1" noChangeAspect="1"/>
+          </p:cNvSpPr>
+          <p:nvPr>
+            <p:ph type="sldImg"/>
+          </p:nvPr>
+        </p:nvSpPr>
+        <p:spPr/>
+      </p:sp>
+      <p:sp>
+        <p:nvSpPr>
+          <p:cNvPr id="3" name="Notes Placeholder 2"/>
+          <p:cNvSpPr>
+            <a:spLocks noGrp="1"/>
+          </p:cNvSpPr>
+          <p:nvPr>
+            <p:ph type="body" idx="1"/>
+          </p:nvPr>
+        </p:nvSpPr>
+        <p:spPr/>
+        <p:txBody>
+          <a:bodyPr/>
+          <a:lstStyle/>
+          <a:p>
+            <a:r>
+              <a:rPr lang="en-US" dirty="0"/>
+              <a:t>Bypass the first security check</a:t>
+            </a:r>
+          </a:p>
+        </p:txBody>
+      </p:sp>
+      <p:sp>
+        <p:nvSpPr>
+          <p:cNvPr id="4" name="Slide Number Placeholder 3"/>
+          <p:cNvSpPr>
+            <a:spLocks noGrp="1"/>
+          </p:cNvSpPr>
+          <p:nvPr>
+            <p:ph type="sldNum" sz="quarter" idx="5"/>
+          </p:nvPr>
+        </p:nvSpPr>
+        <p:spPr/>
+        <p:txBody>
+          <a:bodyPr/>
+          <a:lstStyle/>
+          <a:p>
+            <a:fld id="{AC55928C-CD14-454C-B617-1AFCF9A58596}" type="slidenum">
+              <a:rPr lang="en-US" smtClean="0"/>
+              <a:t>87</a:t>
+            </a:fld>
+            <a:endParaRPr lang="en-US" dirty="0"/>
+          </a:p>
+        </p:txBody>
+      </p:sp>
+    </p:spTree>
+    <p:extLst>
+      <p:ext uri="{BB962C8B-B14F-4D97-AF65-F5344CB8AC3E}">
+        <p14:creationId xmlns:p14="http://schemas.microsoft.com/office/powerpoint/2010/main" val="3144274338"/>
+      </p:ext>
+    </p:extLst>
+  </p:cSld>
+  <p:clrMapOvr>
+    <a:masterClrMapping/>
+  </p:clrMapOvr>
+</p:notes>
+</file>
+
+<file path=ppt/notesSlides/notesSlide8.xml><?xml version="1.0" encoding="utf-8"?>
+<p:notes xmlns:a="http://schemas.openxmlformats.org/drawingml/2006/main" xmlns:r="http://schemas.openxmlformats.org/officeDocument/2006/relationships" xmlns:p="http://schemas.openxmlformats.org/presentationml/2006/main">
+  <p:cSld>
+    <p:spTree>
+      <p:nvGrpSpPr>
+        <p:cNvPr id="1" name=""/>
+        <p:cNvGrpSpPr/>
+        <p:nvPr/>
+      </p:nvGrpSpPr>
+      <p:grpSpPr>
+        <a:xfrm>
+          <a:off x="0" y="0"/>
+          <a:ext cx="0" cy="0"/>
+          <a:chOff x="0" y="0"/>
+          <a:chExt cx="0" cy="0"/>
+        </a:xfrm>
+      </p:grpSpPr>
+      <p:sp>
+        <p:nvSpPr>
+          <p:cNvPr id="2" name="Slide Image Placeholder 1"/>
+          <p:cNvSpPr>
+            <a:spLocks noGrp="1" noRot="1" noChangeAspect="1"/>
+          </p:cNvSpPr>
+          <p:nvPr>
+            <p:ph type="sldImg"/>
+          </p:nvPr>
+        </p:nvSpPr>
+        <p:spPr/>
+      </p:sp>
+      <p:sp>
+        <p:nvSpPr>
+          <p:cNvPr id="3" name="Notes Placeholder 2"/>
+          <p:cNvSpPr>
+            <a:spLocks noGrp="1"/>
+          </p:cNvSpPr>
+          <p:nvPr>
+            <p:ph type="body" idx="1"/>
+          </p:nvPr>
+        </p:nvSpPr>
+        <p:spPr/>
+        <p:txBody>
+          <a:bodyPr/>
+          <a:lstStyle/>
+          <a:p>
+            <a:r>
+              <a:rPr lang="en-US" dirty="0"/>
+              <a:t>Bypass the first security check</a:t>
+            </a:r>
+          </a:p>
+        </p:txBody>
+      </p:sp>
+      <p:sp>
+        <p:nvSpPr>
+          <p:cNvPr id="4" name="Slide Number Placeholder 3"/>
+          <p:cNvSpPr>
+            <a:spLocks noGrp="1"/>
+          </p:cNvSpPr>
+          <p:nvPr>
+            <p:ph type="sldNum" sz="quarter" idx="5"/>
+          </p:nvPr>
+        </p:nvSpPr>
+        <p:spPr/>
+        <p:txBody>
+          <a:bodyPr/>
+          <a:lstStyle/>
+          <a:p>
+            <a:fld id="{AC55928C-CD14-454C-B617-1AFCF9A58596}" type="slidenum">
+              <a:rPr lang="en-US" smtClean="0"/>
+              <a:t>88</a:t>
+            </a:fld>
+            <a:endParaRPr lang="en-US" dirty="0"/>
+          </a:p>
+        </p:txBody>
+      </p:sp>
+    </p:spTree>
+    <p:extLst>
+      <p:ext uri="{BB962C8B-B14F-4D97-AF65-F5344CB8AC3E}">
+        <p14:creationId xmlns:p14="http://schemas.microsoft.com/office/powerpoint/2010/main" val="3811770443"/>
+      </p:ext>
+    </p:extLst>
+  </p:cSld>
+  <p:clrMapOvr>
+    <a:masterClrMapping/>
+  </p:clrMapOvr>
+</p:notes>
+</file>
+
+<file path=ppt/notesSlides/notesSlide9.xml><?xml version="1.0" encoding="utf-8"?>
+<p:notes xmlns:a="http://schemas.openxmlformats.org/drawingml/2006/main" xmlns:r="http://schemas.openxmlformats.org/officeDocument/2006/relationships" xmlns:p="http://schemas.openxmlformats.org/presentationml/2006/main">
+  <p:cSld>
+    <p:spTree>
+      <p:nvGrpSpPr>
+        <p:cNvPr id="1" name=""/>
+        <p:cNvGrpSpPr/>
+        <p:nvPr/>
+      </p:nvGrpSpPr>
+      <p:grpSpPr>
+        <a:xfrm>
+          <a:off x="0" y="0"/>
+          <a:ext cx="0" cy="0"/>
+          <a:chOff x="0" y="0"/>
+          <a:chExt cx="0" cy="0"/>
+        </a:xfrm>
+      </p:grpSpPr>
+      <p:sp>
+        <p:nvSpPr>
+          <p:cNvPr id="2" name="Slide Image Placeholder 1"/>
+          <p:cNvSpPr>
+            <a:spLocks noGrp="1" noRot="1" noChangeAspect="1"/>
+          </p:cNvSpPr>
+          <p:nvPr>
+            <p:ph type="sldImg"/>
+          </p:nvPr>
+        </p:nvSpPr>
+        <p:spPr/>
+      </p:sp>
+      <p:sp>
+        <p:nvSpPr>
+          <p:cNvPr id="3" name="Notes Placeholder 2"/>
+          <p:cNvSpPr>
+            <a:spLocks noGrp="1"/>
+          </p:cNvSpPr>
+          <p:nvPr>
+            <p:ph type="body" idx="1"/>
+          </p:nvPr>
+        </p:nvSpPr>
+        <p:spPr/>
+        <p:txBody>
+          <a:bodyPr/>
+          <a:lstStyle/>
+          <a:p>
+            <a:r>
+              <a:rPr lang="en-US" dirty="0"/>
+              <a:t>Bypass the first security check</a:t>
+            </a:r>
+          </a:p>
+        </p:txBody>
+      </p:sp>
+      <p:sp>
+        <p:nvSpPr>
+          <p:cNvPr id="4" name="Slide Number Placeholder 3"/>
+          <p:cNvSpPr>
+            <a:spLocks noGrp="1"/>
+          </p:cNvSpPr>
+          <p:nvPr>
+            <p:ph type="sldNum" sz="quarter" idx="5"/>
+          </p:nvPr>
+        </p:nvSpPr>
+        <p:spPr/>
+        <p:txBody>
+          <a:bodyPr/>
+          <a:lstStyle/>
+          <a:p>
+            <a:fld id="{AC55928C-CD14-454C-B617-1AFCF9A58596}" type="slidenum">
+              <a:rPr lang="en-US" smtClean="0"/>
+              <a:t>89</a:t>
+            </a:fld>
+            <a:endParaRPr lang="en-US" dirty="0"/>
+          </a:p>
+        </p:txBody>
+      </p:sp>
+    </p:spTree>
+    <p:extLst>
+      <p:ext uri="{BB962C8B-B14F-4D97-AF65-F5344CB8AC3E}">
+        <p14:creationId xmlns:p14="http://schemas.microsoft.com/office/powerpoint/2010/main" val="1149768454"/>
       </p:ext>
     </p:extLst>
   </p:cSld>
@@ -25527,7 +26054,7 @@
                 <a:latin typeface="Calibri"/>
               </a:rPr>
               <a:pPr/>
-              <a:t>12/5/21</a:t>
+              <a:t>12/18/21</a:t>
             </a:fld>
             <a:endParaRPr lang="en-US" dirty="0">
               <a:solidFill>
@@ -25780,7 +26307,7 @@
                 <a:latin typeface="Calibri"/>
               </a:rPr>
               <a:pPr/>
-              <a:t>12/5/21</a:t>
+              <a:t>12/18/21</a:t>
             </a:fld>
             <a:endParaRPr lang="en-US" dirty="0">
               <a:solidFill>
@@ -25995,7 +26522,7 @@
                 <a:latin typeface="Calibri"/>
               </a:rPr>
               <a:pPr/>
-              <a:t>12/5/21</a:t>
+              <a:t>12/18/21</a:t>
             </a:fld>
             <a:endParaRPr lang="en-US" dirty="0">
               <a:solidFill>
@@ -26393,7 +26920,7 @@
                 <a:latin typeface="Calibri"/>
               </a:rPr>
               <a:pPr/>
-              <a:t>12/5/21</a:t>
+              <a:t>12/18/21</a:t>
             </a:fld>
             <a:endParaRPr lang="en-US" dirty="0">
               <a:solidFill>
@@ -26735,7 +27262,7 @@
                 <a:latin typeface="Calibri"/>
               </a:rPr>
               <a:pPr/>
-              <a:t>12/5/21</a:t>
+              <a:t>12/18/21</a:t>
             </a:fld>
             <a:endParaRPr lang="en-US" dirty="0">
               <a:solidFill>
@@ -27063,7 +27590,7 @@
                 <a:latin typeface="Calibri"/>
               </a:rPr>
               <a:pPr/>
-              <a:t>12/5/21</a:t>
+              <a:t>12/18/21</a:t>
             </a:fld>
             <a:endParaRPr lang="en-US" dirty="0">
               <a:solidFill>
@@ -27552,7 +28079,7 @@
                 <a:latin typeface="Calibri"/>
               </a:rPr>
               <a:pPr/>
-              <a:t>12/5/21</a:t>
+              <a:t>12/18/21</a:t>
             </a:fld>
             <a:endParaRPr lang="en-US" dirty="0">
               <a:solidFill>
@@ -27735,7 +28262,7 @@
                 <a:latin typeface="Calibri"/>
               </a:rPr>
               <a:pPr/>
-              <a:t>12/5/21</a:t>
+              <a:t>12/18/21</a:t>
             </a:fld>
             <a:endParaRPr lang="en-US" dirty="0">
               <a:solidFill>
@@ -27981,7 +28508,7 @@
                 <a:latin typeface="Calibri"/>
               </a:rPr>
               <a:pPr/>
-              <a:t>12/5/21</a:t>
+              <a:t>12/18/21</a:t>
             </a:fld>
             <a:endParaRPr lang="en-US" dirty="0">
               <a:solidFill>
@@ -28323,7 +28850,7 @@
                 <a:latin typeface="Calibri"/>
               </a:rPr>
               <a:pPr/>
-              <a:t>12/5/21</a:t>
+              <a:t>12/18/21</a:t>
             </a:fld>
             <a:endParaRPr lang="en-US" dirty="0">
               <a:solidFill>
@@ -28615,7 +29142,7 @@
                 <a:latin typeface="Calibri"/>
               </a:rPr>
               <a:pPr/>
-              <a:t>12/5/21</a:t>
+              <a:t>12/18/21</a:t>
             </a:fld>
             <a:endParaRPr lang="en-US" dirty="0">
               <a:solidFill>
@@ -28865,7 +29392,7 @@
                 <a:latin typeface="Calibri"/>
               </a:rPr>
               <a:pPr defTabSz="914400"/>
-              <a:t>12/5/21</a:t>
+              <a:t>12/18/21</a:t>
             </a:fld>
             <a:endParaRPr lang="en-US" dirty="0">
               <a:solidFill>
@@ -29487,6 +30014,257 @@
     <p:extLst>
       <p:ext uri="{BB962C8B-B14F-4D97-AF65-F5344CB8AC3E}">
         <p14:creationId xmlns:p14="http://schemas.microsoft.com/office/powerpoint/2010/main" val="2073662773"/>
+      </p:ext>
+    </p:extLst>
+  </p:cSld>
+  <p:clrMapOvr>
+    <a:masterClrMapping/>
+  </p:clrMapOvr>
+</p:sld>
+</file>
+
+<file path=ppt/slides/slide100.xml><?xml version="1.0" encoding="utf-8"?>
+<p:sld xmlns:a="http://schemas.openxmlformats.org/drawingml/2006/main" xmlns:r="http://schemas.openxmlformats.org/officeDocument/2006/relationships" xmlns:p="http://schemas.openxmlformats.org/presentationml/2006/main">
+  <p:cSld>
+    <p:spTree>
+      <p:nvGrpSpPr>
+        <p:cNvPr id="1" name=""/>
+        <p:cNvGrpSpPr/>
+        <p:nvPr/>
+      </p:nvGrpSpPr>
+      <p:grpSpPr>
+        <a:xfrm>
+          <a:off x="0" y="0"/>
+          <a:ext cx="0" cy="0"/>
+          <a:chOff x="0" y="0"/>
+          <a:chExt cx="0" cy="0"/>
+        </a:xfrm>
+      </p:grpSpPr>
+      <p:sp>
+        <p:nvSpPr>
+          <p:cNvPr id="2" name="Title 1">
+            <a:extLst>
+              <a:ext uri="{FF2B5EF4-FFF2-40B4-BE49-F238E27FC236}">
+                <a16:creationId xmlns:a16="http://schemas.microsoft.com/office/drawing/2014/main" id="{C96CF04D-2F9B-2D4B-BB6E-1DBC2C66150E}"/>
+              </a:ext>
+            </a:extLst>
+          </p:cNvPr>
+          <p:cNvSpPr>
+            <a:spLocks noGrp="1"/>
+          </p:cNvSpPr>
+          <p:nvPr>
+            <p:ph type="title"/>
+          </p:nvPr>
+        </p:nvSpPr>
+        <p:spPr/>
+        <p:txBody>
+          <a:bodyPr/>
+          <a:lstStyle/>
+          <a:p>
+            <a:r>
+              <a:rPr lang="en-US" dirty="0"/>
+              <a:t>Similar Techniques</a:t>
+            </a:r>
+          </a:p>
+        </p:txBody>
+      </p:sp>
+      <p:sp>
+        <p:nvSpPr>
+          <p:cNvPr id="3" name="Content Placeholder 2">
+            <a:extLst>
+              <a:ext uri="{FF2B5EF4-FFF2-40B4-BE49-F238E27FC236}">
+                <a16:creationId xmlns:a16="http://schemas.microsoft.com/office/drawing/2014/main" id="{DB0B48B3-4287-5643-8B39-63515724D843}"/>
+              </a:ext>
+            </a:extLst>
+          </p:cNvPr>
+          <p:cNvSpPr>
+            <a:spLocks noGrp="1"/>
+          </p:cNvSpPr>
+          <p:nvPr>
+            <p:ph idx="1"/>
+          </p:nvPr>
+        </p:nvSpPr>
+        <p:spPr/>
+        <p:txBody>
+          <a:bodyPr/>
+          <a:lstStyle/>
+          <a:p>
+            <a:r>
+              <a:rPr lang="en-US" dirty="0"/>
+              <a:t>House of Einherjar: </a:t>
+            </a:r>
+          </a:p>
+          <a:p>
+            <a:pPr lvl="1"/>
+            <a:r>
+              <a:rPr lang="en-US" dirty="0"/>
+              <a:t>Unlink a fake chunk to overlap a large chunk of data</a:t>
+            </a:r>
+          </a:p>
+          <a:p>
+            <a:r>
+              <a:rPr lang="en-US" dirty="0"/>
+              <a:t>House of Storm: 	</a:t>
+            </a:r>
+          </a:p>
+          <a:p>
+            <a:pPr lvl="1"/>
+            <a:r>
+              <a:rPr lang="en-US" dirty="0"/>
+              <a:t>Add in a chunk by corrupting free list pointers</a:t>
+            </a:r>
+          </a:p>
+        </p:txBody>
+      </p:sp>
+    </p:spTree>
+    <p:extLst>
+      <p:ext uri="{BB962C8B-B14F-4D97-AF65-F5344CB8AC3E}">
+        <p14:creationId xmlns:p14="http://schemas.microsoft.com/office/powerpoint/2010/main" val="3545615887"/>
+      </p:ext>
+    </p:extLst>
+  </p:cSld>
+  <p:clrMapOvr>
+    <a:masterClrMapping/>
+  </p:clrMapOvr>
+</p:sld>
+</file>
+
+<file path=ppt/slides/slide101.xml><?xml version="1.0" encoding="utf-8"?>
+<p:sld xmlns:a="http://schemas.openxmlformats.org/drawingml/2006/main" xmlns:r="http://schemas.openxmlformats.org/officeDocument/2006/relationships" xmlns:p="http://schemas.openxmlformats.org/presentationml/2006/main">
+  <p:cSld>
+    <p:spTree>
+      <p:nvGrpSpPr>
+        <p:cNvPr id="1" name=""/>
+        <p:cNvGrpSpPr/>
+        <p:nvPr/>
+      </p:nvGrpSpPr>
+      <p:grpSpPr>
+        <a:xfrm>
+          <a:off x="0" y="0"/>
+          <a:ext cx="0" cy="0"/>
+          <a:chOff x="0" y="0"/>
+          <a:chExt cx="0" cy="0"/>
+        </a:xfrm>
+      </p:grpSpPr>
+      <p:sp>
+        <p:nvSpPr>
+          <p:cNvPr id="2" name="Title 1">
+            <a:extLst>
+              <a:ext uri="{FF2B5EF4-FFF2-40B4-BE49-F238E27FC236}">
+                <a16:creationId xmlns:a16="http://schemas.microsoft.com/office/drawing/2014/main" id="{B4A67C53-5C79-0548-A92E-EC918DEE6260}"/>
+              </a:ext>
+            </a:extLst>
+          </p:cNvPr>
+          <p:cNvSpPr>
+            <a:spLocks noGrp="1"/>
+          </p:cNvSpPr>
+          <p:nvPr>
+            <p:ph type="title"/>
+          </p:nvPr>
+        </p:nvSpPr>
+        <p:spPr/>
+        <p:txBody>
+          <a:bodyPr/>
+          <a:lstStyle/>
+          <a:p>
+            <a:r>
+              <a:rPr lang="en-US" dirty="0"/>
+              <a:t>Resources</a:t>
+            </a:r>
+          </a:p>
+        </p:txBody>
+      </p:sp>
+      <p:sp>
+        <p:nvSpPr>
+          <p:cNvPr id="3" name="Content Placeholder 2">
+            <a:extLst>
+              <a:ext uri="{FF2B5EF4-FFF2-40B4-BE49-F238E27FC236}">
+                <a16:creationId xmlns:a16="http://schemas.microsoft.com/office/drawing/2014/main" id="{31ED45E3-BAAF-194E-B4F4-BBE1A78FE0F0}"/>
+              </a:ext>
+            </a:extLst>
+          </p:cNvPr>
+          <p:cNvSpPr>
+            <a:spLocks noGrp="1"/>
+          </p:cNvSpPr>
+          <p:nvPr>
+            <p:ph idx="1"/>
+          </p:nvPr>
+        </p:nvSpPr>
+        <p:spPr/>
+        <p:txBody>
+          <a:bodyPr/>
+          <a:lstStyle/>
+          <a:p>
+            <a:r>
+              <a:rPr lang="en-US" dirty="0" err="1"/>
+              <a:t>LiveOverflow</a:t>
+            </a:r>
+            <a:r>
+              <a:rPr lang="en-US" dirty="0"/>
+              <a:t>: </a:t>
+            </a:r>
+            <a:r>
+              <a:rPr lang="en-US" dirty="0">
+                <a:hlinkClick r:id="rId2"/>
+              </a:rPr>
+              <a:t>https://www.youtube.com/watch?v=gL45bjQvZSU</a:t>
+            </a:r>
+            <a:endParaRPr lang="en-US" dirty="0"/>
+          </a:p>
+          <a:p>
+            <a:r>
+              <a:rPr lang="en-US" dirty="0"/>
+              <a:t>Once Upon a Free: </a:t>
+            </a:r>
+            <a:r>
+              <a:rPr lang="en-US" dirty="0">
+                <a:hlinkClick r:id="rId3"/>
+              </a:rPr>
+              <a:t>http://phrack.org/issues/57/9.html</a:t>
+            </a:r>
+            <a:endParaRPr lang="en-US" dirty="0"/>
+          </a:p>
+          <a:p>
+            <a:r>
+              <a:rPr lang="en-US" dirty="0"/>
+              <a:t>Unsafe Unlink: </a:t>
+            </a:r>
+          </a:p>
+          <a:p>
+            <a:pPr lvl="1"/>
+            <a:r>
+              <a:rPr lang="en-US" dirty="0">
+                <a:hlinkClick r:id="rId4"/>
+              </a:rPr>
+              <a:t>https://heap-exploitation.dhavalkapil.com/attacks/unlink_exploit.html</a:t>
+            </a:r>
+            <a:endParaRPr lang="en-US" dirty="0"/>
+          </a:p>
+          <a:p>
+            <a:pPr lvl="1"/>
+            <a:r>
+              <a:rPr lang="en-US" dirty="0">
+                <a:hlinkClick r:id="rId5"/>
+              </a:rPr>
+              <a:t>https://dangokyo.me/2018/01/01/heap-exploitation-unsafe-unlink-fastbin-corruption/</a:t>
+            </a:r>
+            <a:endParaRPr lang="en-US" dirty="0"/>
+          </a:p>
+          <a:p>
+            <a:pPr marL="457200" lvl="1" indent="0">
+              <a:buNone/>
+            </a:pPr>
+            <a:endParaRPr lang="en-US" dirty="0"/>
+          </a:p>
+          <a:p>
+            <a:endParaRPr lang="en-US" dirty="0"/>
+          </a:p>
+        </p:txBody>
+      </p:sp>
+    </p:spTree>
+    <p:extLst>
+      <p:ext uri="{BB962C8B-B14F-4D97-AF65-F5344CB8AC3E}">
+        <p14:creationId xmlns:p14="http://schemas.microsoft.com/office/powerpoint/2010/main" val="726634461"/>
       </p:ext>
     </p:extLst>
   </p:cSld>
@@ -47413,19 +48191,19 @@
         </p:nvSpPr>
         <p:spPr>
           <a:xfrm>
-            <a:off x="628650" y="273847"/>
-            <a:ext cx="7886700" cy="994172"/>
+            <a:off x="159798" y="273847"/>
+            <a:ext cx="9135122" cy="994172"/>
           </a:xfrm>
         </p:spPr>
         <p:txBody>
           <a:bodyPr anchor="ctr">
-            <a:normAutofit/>
+            <a:normAutofit fontScale="90000"/>
           </a:bodyPr>
           <a:lstStyle/>
           <a:p>
             <a:r>
               <a:rPr lang="en-US" dirty="0"/>
-              <a:t>Unsafe Unlink Setup – 5</a:t>
+              <a:t>Unsafe Unlink Setup – Mem Vs. Chunk</a:t>
             </a:r>
           </a:p>
         </p:txBody>
@@ -47657,7 +48435,7 @@
           <p:cNvPr id="2" name="Title 1">
             <a:extLst>
               <a:ext uri="{FF2B5EF4-FFF2-40B4-BE49-F238E27FC236}">
-                <a16:creationId xmlns:a16="http://schemas.microsoft.com/office/drawing/2014/main" id="{E9E670F8-AACA-D046-8E4F-17454C7527D7}"/>
+                <a16:creationId xmlns:a16="http://schemas.microsoft.com/office/drawing/2014/main" id="{493DDB27-1B87-CB4F-9100-F10B92D42884}"/>
               </a:ext>
             </a:extLst>
           </p:cNvPr>
@@ -47671,28 +48449,28 @@
         <p:spPr>
           <a:xfrm>
             <a:off x="628650" y="273847"/>
-            <a:ext cx="7886700" cy="994172"/>
+            <a:ext cx="8417696" cy="994172"/>
           </a:xfrm>
         </p:spPr>
         <p:txBody>
-          <a:bodyPr anchor="ctr">
-            <a:normAutofit/>
+          <a:bodyPr>
+            <a:normAutofit fontScale="90000"/>
           </a:bodyPr>
           <a:lstStyle/>
           <a:p>
             <a:r>
               <a:rPr lang="en-US" dirty="0"/>
-              <a:t>Unsafe Unlink Setup – 4 </a:t>
+              <a:t>What if we Setup the Pointers like this?</a:t>
             </a:r>
           </a:p>
         </p:txBody>
       </p:sp>
       <p:sp>
         <p:nvSpPr>
-          <p:cNvPr id="10" name="Content Placeholder 3">
+          <p:cNvPr id="3" name="Content Placeholder 2">
             <a:extLst>
               <a:ext uri="{FF2B5EF4-FFF2-40B4-BE49-F238E27FC236}">
-                <a16:creationId xmlns:a16="http://schemas.microsoft.com/office/drawing/2014/main" id="{2261C260-EABE-400C-BFDD-E06E1533800F}"/>
+                <a16:creationId xmlns:a16="http://schemas.microsoft.com/office/drawing/2014/main" id="{66773FD0-646F-3943-A87A-54D13598B121}"/>
               </a:ext>
             </a:extLst>
           </p:cNvPr>
@@ -47700,13 +48478,13 @@
             <a:spLocks noGrp="1"/>
           </p:cNvSpPr>
           <p:nvPr>
-            <p:ph sz="half" idx="2"/>
+            <p:ph idx="1"/>
           </p:nvPr>
         </p:nvSpPr>
         <p:spPr>
           <a:xfrm>
-            <a:off x="4629150" y="1369219"/>
-            <a:ext cx="4137778" cy="3263504"/>
+            <a:off x="195017" y="1268019"/>
+            <a:ext cx="7886700" cy="3263504"/>
           </a:xfrm>
         </p:spPr>
         <p:txBody>
@@ -47715,52 +48493,38 @@
           <a:p>
             <a:r>
               <a:rPr lang="en-US" dirty="0"/>
-              <a:t>FD + 0x18 (bk) = Pointer!</a:t>
+              <a:t>Next&gt;bk = P</a:t>
             </a:r>
           </a:p>
           <a:p>
             <a:r>
               <a:rPr lang="en-US" dirty="0"/>
-              <a:t>Passes the FIRST part of the check</a:t>
+              <a:t>Prev&gt;fd = P</a:t>
+            </a:r>
+          </a:p>
+          <a:p>
+            <a:endParaRPr lang="en-US" dirty="0"/>
+          </a:p>
+          <a:p>
+            <a:endParaRPr lang="en-US" dirty="0"/>
+          </a:p>
+          <a:p>
+            <a:endParaRPr lang="en-US" dirty="0"/>
+          </a:p>
+          <a:p>
+            <a:r>
+              <a:rPr lang="en-US" dirty="0"/>
+              <a:t>Could bypass the security check!</a:t>
             </a:r>
           </a:p>
         </p:txBody>
       </p:sp>
       <p:pic>
         <p:nvPicPr>
-          <p:cNvPr id="12" name="Content Placeholder 11" descr="Fake FD on unsafe unlink">
+          <p:cNvPr id="5" name="Graphic 4" descr="Unlink initial setup">
             <a:extLst>
               <a:ext uri="{FF2B5EF4-FFF2-40B4-BE49-F238E27FC236}">
-                <a16:creationId xmlns:a16="http://schemas.microsoft.com/office/drawing/2014/main" id="{51EAE596-BE11-074D-8BEC-B59954782971}"/>
-              </a:ext>
-            </a:extLst>
-          </p:cNvPr>
-          <p:cNvPicPr>
-            <a:picLocks noGrp="1" noChangeAspect="1"/>
-          </p:cNvPicPr>
-          <p:nvPr>
-            <p:ph sz="half" idx="1"/>
-          </p:nvPr>
-        </p:nvPicPr>
-        <p:blipFill>
-          <a:blip r:embed="rId2"/>
-          <a:stretch>
-            <a:fillRect/>
-          </a:stretch>
-        </p:blipFill>
-        <p:spPr>
-          <a:xfrm>
-            <a:off x="446071" y="1257890"/>
-            <a:ext cx="3909112" cy="3206876"/>
-          </a:xfrm>
-        </p:spPr>
-      </p:pic>
-      <p:pic>
-        <p:nvPicPr>
-          <p:cNvPr id="13" name="Content Placeholder 4" descr="Unlink Mitigation">
-            <a:extLst>
-              <a:ext uri="{FF2B5EF4-FFF2-40B4-BE49-F238E27FC236}">
-                <a16:creationId xmlns:a16="http://schemas.microsoft.com/office/drawing/2014/main" id="{E2D7F700-5AD9-E749-A930-4450D98053D2}"/>
+                <a16:creationId xmlns:a16="http://schemas.microsoft.com/office/drawing/2014/main" id="{2599062D-EC2F-EB43-924C-8848FFDE4264}"/>
               </a:ext>
             </a:extLst>
           </p:cNvPr>
@@ -47769,70 +48533,31 @@
           </p:cNvPicPr>
           <p:nvPr/>
         </p:nvPicPr>
-        <p:blipFill>
-          <a:blip r:embed="rId3"/>
-          <a:stretch>
-            <a:fillRect/>
-          </a:stretch>
+        <p:blipFill rotWithShape="1">
+          <a:blip r:embed="rId3">
+            <a:extLst>
+              <a:ext uri="{96DAC541-7B7A-43D3-8B79-37D633B846F1}">
+                <asvg:svgBlip xmlns:asvg="http://schemas.microsoft.com/office/drawing/2016/SVG/main" r:embed="rId4"/>
+              </a:ext>
+            </a:extLst>
+          </a:blip>
+          <a:srcRect l="12630" t="18608" r="30118" b="64218"/>
+          <a:stretch/>
         </p:blipFill>
         <p:spPr>
           <a:xfrm>
-            <a:off x="2195582" y="3995951"/>
-            <a:ext cx="6892446" cy="1120021"/>
+            <a:off x="2899458" y="1184577"/>
+            <a:ext cx="5552084" cy="2155227"/>
           </a:xfrm>
           <a:prstGeom prst="rect">
             <a:avLst/>
           </a:prstGeom>
-          <a:noFill/>
         </p:spPr>
       </p:pic>
-      <p:cxnSp>
-        <p:nvCxnSpPr>
-          <p:cNvPr id="14" name="Straight Connector 13">
-            <a:extLst>
-              <a:ext uri="{FF2B5EF4-FFF2-40B4-BE49-F238E27FC236}">
-                <a16:creationId xmlns:a16="http://schemas.microsoft.com/office/drawing/2014/main" id="{2ED6C49A-E183-3440-AD64-D776264FCDD9}"/>
-              </a:ext>
-            </a:extLst>
-          </p:cNvPr>
-          <p:cNvCxnSpPr>
-            <a:cxnSpLocks/>
-          </p:cNvCxnSpPr>
-          <p:nvPr/>
-        </p:nvCxnSpPr>
-        <p:spPr>
-          <a:xfrm>
-            <a:off x="4477732" y="4869653"/>
-            <a:ext cx="961534" cy="0"/>
-          </a:xfrm>
-          <a:prstGeom prst="line">
-            <a:avLst/>
-          </a:prstGeom>
-          <a:ln w="25400">
-            <a:solidFill>
-              <a:srgbClr val="FF0000"/>
-            </a:solidFill>
-          </a:ln>
-        </p:spPr>
-        <p:style>
-          <a:lnRef idx="1">
-            <a:schemeClr val="accent1"/>
-          </a:lnRef>
-          <a:fillRef idx="0">
-            <a:schemeClr val="accent1"/>
-          </a:fillRef>
-          <a:effectRef idx="0">
-            <a:schemeClr val="accent1"/>
-          </a:effectRef>
-          <a:fontRef idx="minor">
-            <a:schemeClr val="tx1"/>
-          </a:fontRef>
-        </p:style>
-      </p:cxnSp>
     </p:spTree>
     <p:extLst>
       <p:ext uri="{BB962C8B-B14F-4D97-AF65-F5344CB8AC3E}">
-        <p14:creationId xmlns:p14="http://schemas.microsoft.com/office/powerpoint/2010/main" val="2467445632"/>
+        <p14:creationId xmlns:p14="http://schemas.microsoft.com/office/powerpoint/2010/main" val="354962705"/>
       </p:ext>
     </p:extLst>
   </p:cSld>
@@ -47861,31 +48586,32 @@
       </p:grpSpPr>
       <p:pic>
         <p:nvPicPr>
-          <p:cNvPr id="6" name="Content Placeholder 5" descr="Fake bk for unsafe unlink">
+          <p:cNvPr id="4" name="Picture 3" descr="Unlink macro with the security check">
             <a:extLst>
               <a:ext uri="{FF2B5EF4-FFF2-40B4-BE49-F238E27FC236}">
-                <a16:creationId xmlns:a16="http://schemas.microsoft.com/office/drawing/2014/main" id="{F5682B9B-CE3F-484D-A96C-6050D3682CB3}"/>
+                <a16:creationId xmlns:a16="http://schemas.microsoft.com/office/drawing/2014/main" id="{1DD282F1-2337-7B46-8AFC-25009E2BFE9B}"/>
               </a:ext>
             </a:extLst>
           </p:cNvPr>
           <p:cNvPicPr>
-            <a:picLocks noGrp="1" noChangeAspect="1"/>
+            <a:picLocks noChangeAspect="1"/>
           </p:cNvPicPr>
-          <p:nvPr>
-            <p:ph sz="half" idx="1"/>
-          </p:nvPr>
+          <p:nvPr/>
         </p:nvPicPr>
         <p:blipFill>
-          <a:blip r:embed="rId2"/>
+          <a:blip r:embed="rId3"/>
           <a:stretch>
             <a:fillRect/>
           </a:stretch>
         </p:blipFill>
         <p:spPr>
           <a:xfrm>
-            <a:off x="197963" y="1151876"/>
-            <a:ext cx="3774191" cy="3096193"/>
+            <a:off x="1551344" y="3905768"/>
+            <a:ext cx="7592656" cy="1237732"/>
           </a:xfrm>
+          <a:prstGeom prst="rect">
+            <a:avLst/>
+          </a:prstGeom>
         </p:spPr>
       </p:pic>
       <p:sp>
@@ -47941,8 +48667,8 @@
         </p:nvSpPr>
         <p:spPr>
           <a:xfrm>
-            <a:off x="4629150" y="1369219"/>
-            <a:ext cx="4137778" cy="3263504"/>
+            <a:off x="5459767" y="1369219"/>
+            <a:ext cx="3684233" cy="3176962"/>
           </a:xfrm>
         </p:spPr>
         <p:txBody>
@@ -47951,48 +48677,43 @@
           <a:p>
             <a:r>
               <a:rPr lang="en-US" dirty="0"/>
-              <a:t>BK + 0x10 (fd) = Pointer!</a:t>
-            </a:r>
-          </a:p>
-          <a:p>
+              <a:t>Set </a:t>
+            </a:r>
+            <a:r>
+              <a:rPr lang="en-US" b="1" dirty="0"/>
+              <a:t>Next</a:t>
+            </a:r>
             <a:r>
               <a:rPr lang="en-US" dirty="0"/>
-              <a:t>Passes the SECOND part of the check</a:t>
+              <a:t> to be </a:t>
+            </a:r>
+            <a:r>
+              <a:rPr lang="en-US" b="1" dirty="0"/>
+              <a:t>Pointer</a:t>
+            </a:r>
+            <a:r>
+              <a:rPr lang="en-US" dirty="0"/>
+              <a:t> </a:t>
+            </a:r>
+            <a:r>
+              <a:rPr lang="en-US" b="1" dirty="0"/>
+              <a:t>– 0x18</a:t>
+            </a:r>
+          </a:p>
+          <a:p>
+            <a:r>
+              <a:rPr lang="en-US" dirty="0"/>
+              <a:t>Next + 0x18 (bk) = Pointer!</a:t>
+            </a:r>
+          </a:p>
+          <a:p>
+            <a:r>
+              <a:rPr lang="en-US" dirty="0"/>
+              <a:t>Passes the FIRST part of the check</a:t>
             </a:r>
           </a:p>
         </p:txBody>
       </p:sp>
-      <p:pic>
-        <p:nvPicPr>
-          <p:cNvPr id="13" name="Content Placeholder 4" descr="Unlink Mitigation">
-            <a:extLst>
-              <a:ext uri="{FF2B5EF4-FFF2-40B4-BE49-F238E27FC236}">
-                <a16:creationId xmlns:a16="http://schemas.microsoft.com/office/drawing/2014/main" id="{E2D7F700-5AD9-E749-A930-4450D98053D2}"/>
-              </a:ext>
-            </a:extLst>
-          </p:cNvPr>
-          <p:cNvPicPr>
-            <a:picLocks noChangeAspect="1"/>
-          </p:cNvPicPr>
-          <p:nvPr/>
-        </p:nvPicPr>
-        <p:blipFill>
-          <a:blip r:embed="rId3"/>
-          <a:stretch>
-            <a:fillRect/>
-          </a:stretch>
-        </p:blipFill>
-        <p:spPr>
-          <a:xfrm>
-            <a:off x="2195582" y="3995951"/>
-            <a:ext cx="6892446" cy="1120021"/>
-          </a:xfrm>
-          <a:prstGeom prst="rect">
-            <a:avLst/>
-          </a:prstGeom>
-          <a:noFill/>
-        </p:spPr>
-      </p:pic>
       <p:cxnSp>
         <p:nvCxnSpPr>
           <p:cNvPr id="14" name="Straight Connector 13">
@@ -48009,8 +48730,8 @@
         </p:nvCxnSpPr>
         <p:spPr>
           <a:xfrm>
-            <a:off x="5684363" y="4869653"/>
-            <a:ext cx="961534" cy="0"/>
+            <a:off x="4024971" y="4834142"/>
+            <a:ext cx="1570455" cy="0"/>
           </a:xfrm>
           <a:prstGeom prst="line">
             <a:avLst/>
@@ -48036,10 +48757,39 @@
           </a:fontRef>
         </p:style>
       </p:cxnSp>
+      <p:pic>
+        <p:nvPicPr>
+          <p:cNvPr id="26" name="Content Placeholder 25" descr="Unsafe Unlink next pointer setup">
+            <a:extLst>
+              <a:ext uri="{FF2B5EF4-FFF2-40B4-BE49-F238E27FC236}">
+                <a16:creationId xmlns:a16="http://schemas.microsoft.com/office/drawing/2014/main" id="{004B5B82-B0F5-D44F-A168-E93AE893DBD7}"/>
+              </a:ext>
+            </a:extLst>
+          </p:cNvPr>
+          <p:cNvPicPr>
+            <a:picLocks noGrp="1" noChangeAspect="1"/>
+          </p:cNvPicPr>
+          <p:nvPr>
+            <p:ph sz="half" idx="1"/>
+          </p:nvPr>
+        </p:nvPicPr>
+        <p:blipFill>
+          <a:blip r:embed="rId4"/>
+          <a:stretch>
+            <a:fillRect/>
+          </a:stretch>
+        </p:blipFill>
+        <p:spPr>
+          <a:xfrm>
+            <a:off x="428621" y="922890"/>
+            <a:ext cx="5166805" cy="2909727"/>
+          </a:xfrm>
+        </p:spPr>
+      </p:pic>
     </p:spTree>
     <p:extLst>
       <p:ext uri="{BB962C8B-B14F-4D97-AF65-F5344CB8AC3E}">
-        <p14:creationId xmlns:p14="http://schemas.microsoft.com/office/powerpoint/2010/main" val="3805253557"/>
+        <p14:creationId xmlns:p14="http://schemas.microsoft.com/office/powerpoint/2010/main" val="3575343712"/>
       </p:ext>
     </p:extLst>
   </p:cSld>
@@ -48068,31 +48818,32 @@
       </p:grpSpPr>
       <p:pic>
         <p:nvPicPr>
-          <p:cNvPr id="6" name="Content Placeholder 5" descr="Bypass the unlink security check">
+          <p:cNvPr id="4" name="Picture 3" descr="Unlink macro with the security check">
             <a:extLst>
               <a:ext uri="{FF2B5EF4-FFF2-40B4-BE49-F238E27FC236}">
-                <a16:creationId xmlns:a16="http://schemas.microsoft.com/office/drawing/2014/main" id="{F5682B9B-CE3F-484D-A96C-6050D3682CB3}"/>
+                <a16:creationId xmlns:a16="http://schemas.microsoft.com/office/drawing/2014/main" id="{1DD282F1-2337-7B46-8AFC-25009E2BFE9B}"/>
               </a:ext>
             </a:extLst>
           </p:cNvPr>
           <p:cNvPicPr>
-            <a:picLocks noGrp="1" noChangeAspect="1"/>
+            <a:picLocks noChangeAspect="1"/>
           </p:cNvPicPr>
-          <p:nvPr>
-            <p:ph sz="half" idx="1"/>
-          </p:nvPr>
+          <p:nvPr/>
         </p:nvPicPr>
         <p:blipFill>
-          <a:blip r:embed="rId2"/>
+          <a:blip r:embed="rId3"/>
           <a:stretch>
             <a:fillRect/>
           </a:stretch>
         </p:blipFill>
         <p:spPr>
           <a:xfrm>
-            <a:off x="197963" y="1151876"/>
-            <a:ext cx="3774191" cy="3096193"/>
+            <a:off x="1551344" y="3905768"/>
+            <a:ext cx="7592656" cy="1237732"/>
           </a:xfrm>
+          <a:prstGeom prst="rect">
+            <a:avLst/>
+          </a:prstGeom>
         </p:spPr>
       </p:pic>
       <p:sp>
@@ -48148,8 +48899,8 @@
         </p:nvSpPr>
         <p:spPr>
           <a:xfrm>
-            <a:off x="4629150" y="1369219"/>
-            <a:ext cx="4137778" cy="3263504"/>
+            <a:off x="5459767" y="1369219"/>
+            <a:ext cx="3684233" cy="3176962"/>
           </a:xfrm>
         </p:spPr>
         <p:txBody>
@@ -48158,54 +48909,43 @@
           <a:p>
             <a:r>
               <a:rPr lang="en-US" dirty="0"/>
-              <a:t>FD-&gt;bk = Pointer!</a:t>
-            </a:r>
-          </a:p>
-          <a:p>
+              <a:t>Set </a:t>
+            </a:r>
+            <a:r>
+              <a:rPr lang="en-US" b="1" dirty="0"/>
+              <a:t>Prev</a:t>
+            </a:r>
             <a:r>
               <a:rPr lang="en-US" dirty="0"/>
-              <a:t>BK-&gt;fd = Pointer!</a:t>
-            </a:r>
-          </a:p>
-          <a:p>
+              <a:t> to be </a:t>
+            </a:r>
+            <a:r>
+              <a:rPr lang="en-US" b="1" dirty="0"/>
+              <a:t>Pointer</a:t>
+            </a:r>
             <a:r>
               <a:rPr lang="en-US" dirty="0"/>
-              <a:t>Passes BOTH parts of the check</a:t>
+              <a:t> </a:t>
+            </a:r>
+            <a:r>
+              <a:rPr lang="en-US" b="1" dirty="0"/>
+              <a:t>– 0x10</a:t>
+            </a:r>
+          </a:p>
+          <a:p>
+            <a:r>
+              <a:rPr lang="en-US" dirty="0"/>
+              <a:t>Prev + 0x10 (bk) = Pointer!</a:t>
+            </a:r>
+          </a:p>
+          <a:p>
+            <a:r>
+              <a:rPr lang="en-US" dirty="0"/>
+              <a:t>Passes the SECOND part of the check</a:t>
             </a:r>
           </a:p>
         </p:txBody>
       </p:sp>
-      <p:pic>
-        <p:nvPicPr>
-          <p:cNvPr id="13" name="Content Placeholder 4" descr="Unlink Mitigation">
-            <a:extLst>
-              <a:ext uri="{FF2B5EF4-FFF2-40B4-BE49-F238E27FC236}">
-                <a16:creationId xmlns:a16="http://schemas.microsoft.com/office/drawing/2014/main" id="{E2D7F700-5AD9-E749-A930-4450D98053D2}"/>
-              </a:ext>
-            </a:extLst>
-          </p:cNvPr>
-          <p:cNvPicPr>
-            <a:picLocks noChangeAspect="1"/>
-          </p:cNvPicPr>
-          <p:nvPr/>
-        </p:nvPicPr>
-        <p:blipFill>
-          <a:blip r:embed="rId3"/>
-          <a:stretch>
-            <a:fillRect/>
-          </a:stretch>
-        </p:blipFill>
-        <p:spPr>
-          <a:xfrm>
-            <a:off x="2195582" y="3995951"/>
-            <a:ext cx="6892446" cy="1120021"/>
-          </a:xfrm>
-          <a:prstGeom prst="rect">
-            <a:avLst/>
-          </a:prstGeom>
-          <a:noFill/>
-        </p:spPr>
-      </p:pic>
       <p:cxnSp>
         <p:nvCxnSpPr>
           <p:cNvPr id="14" name="Straight Connector 13">
@@ -48222,8 +48962,8 @@
         </p:nvCxnSpPr>
         <p:spPr>
           <a:xfrm>
-            <a:off x="4458878" y="4869653"/>
-            <a:ext cx="2187019" cy="0"/>
+            <a:off x="5862648" y="4843020"/>
+            <a:ext cx="1570455" cy="0"/>
           </a:xfrm>
           <a:prstGeom prst="line">
             <a:avLst/>
@@ -48249,10 +48989,39 @@
           </a:fontRef>
         </p:style>
       </p:cxnSp>
+      <p:pic>
+        <p:nvPicPr>
+          <p:cNvPr id="12" name="Content Placeholder 11" descr="Unsafe unlink prev pointer setup">
+            <a:extLst>
+              <a:ext uri="{FF2B5EF4-FFF2-40B4-BE49-F238E27FC236}">
+                <a16:creationId xmlns:a16="http://schemas.microsoft.com/office/drawing/2014/main" id="{7A89A986-ABBF-E64D-8C92-2BA253CFC472}"/>
+              </a:ext>
+            </a:extLst>
+          </p:cNvPr>
+          <p:cNvPicPr>
+            <a:picLocks noGrp="1" noChangeAspect="1"/>
+          </p:cNvPicPr>
+          <p:nvPr>
+            <p:ph sz="half" idx="1"/>
+          </p:nvPr>
+        </p:nvPicPr>
+        <p:blipFill>
+          <a:blip r:embed="rId4"/>
+          <a:stretch>
+            <a:fillRect/>
+          </a:stretch>
+        </p:blipFill>
+        <p:spPr>
+          <a:xfrm>
+            <a:off x="0" y="1007824"/>
+            <a:ext cx="5051394" cy="2844732"/>
+          </a:xfrm>
+        </p:spPr>
+      </p:pic>
     </p:spTree>
     <p:extLst>
       <p:ext uri="{BB962C8B-B14F-4D97-AF65-F5344CB8AC3E}">
-        <p14:creationId xmlns:p14="http://schemas.microsoft.com/office/powerpoint/2010/main" val="2802998201"/>
+        <p14:creationId xmlns:p14="http://schemas.microsoft.com/office/powerpoint/2010/main" val="3041122637"/>
       </p:ext>
     </p:extLst>
   </p:cSld>
@@ -48279,12 +49048,42 @@
           <a:chExt cx="0" cy="0"/>
         </a:xfrm>
       </p:grpSpPr>
+      <p:pic>
+        <p:nvPicPr>
+          <p:cNvPr id="4" name="Picture 3" descr="Unlink macro with the security check">
+            <a:extLst>
+              <a:ext uri="{FF2B5EF4-FFF2-40B4-BE49-F238E27FC236}">
+                <a16:creationId xmlns:a16="http://schemas.microsoft.com/office/drawing/2014/main" id="{1DD282F1-2337-7B46-8AFC-25009E2BFE9B}"/>
+              </a:ext>
+            </a:extLst>
+          </p:cNvPr>
+          <p:cNvPicPr>
+            <a:picLocks noChangeAspect="1"/>
+          </p:cNvPicPr>
+          <p:nvPr/>
+        </p:nvPicPr>
+        <p:blipFill>
+          <a:blip r:embed="rId3"/>
+          <a:stretch>
+            <a:fillRect/>
+          </a:stretch>
+        </p:blipFill>
+        <p:spPr>
+          <a:xfrm>
+            <a:off x="1551344" y="3905768"/>
+            <a:ext cx="7592656" cy="1237732"/>
+          </a:xfrm>
+          <a:prstGeom prst="rect">
+            <a:avLst/>
+          </a:prstGeom>
+        </p:spPr>
+      </p:pic>
       <p:sp>
         <p:nvSpPr>
           <p:cNvPr id="2" name="Title 1">
             <a:extLst>
               <a:ext uri="{FF2B5EF4-FFF2-40B4-BE49-F238E27FC236}">
-                <a16:creationId xmlns:a16="http://schemas.microsoft.com/office/drawing/2014/main" id="{F301ED8F-4787-BB44-A31D-56A8EBB356A6}"/>
+                <a16:creationId xmlns:a16="http://schemas.microsoft.com/office/drawing/2014/main" id="{E9E670F8-AACA-D046-8E4F-17454C7527D7}"/>
               </a:ext>
             </a:extLst>
           </p:cNvPr>
@@ -48295,53 +49094,31 @@
             <p:ph type="title"/>
           </p:nvPr>
         </p:nvSpPr>
-        <p:spPr/>
+        <p:spPr>
+          <a:xfrm>
+            <a:off x="628650" y="273847"/>
+            <a:ext cx="7886700" cy="994172"/>
+          </a:xfrm>
+        </p:spPr>
         <p:txBody>
-          <a:bodyPr/>
+          <a:bodyPr anchor="ctr">
+            <a:normAutofit/>
+          </a:bodyPr>
           <a:lstStyle/>
           <a:p>
             <a:r>
               <a:rPr lang="en-US" dirty="0"/>
-              <a:t>Remember This Macro?</a:t>
+              <a:t>Unsafe Unlink Setup – 7 </a:t>
             </a:r>
           </a:p>
         </p:txBody>
       </p:sp>
-      <p:pic>
-        <p:nvPicPr>
-          <p:cNvPr id="5" name="Content Placeholder 4" descr="A screenshot of a cell phone&#10;&#10;Description automatically generated">
+      <p:cxnSp>
+        <p:nvCxnSpPr>
+          <p:cNvPr id="14" name="Straight Connector 13">
             <a:extLst>
               <a:ext uri="{FF2B5EF4-FFF2-40B4-BE49-F238E27FC236}">
-                <a16:creationId xmlns:a16="http://schemas.microsoft.com/office/drawing/2014/main" id="{70D2DF68-10AC-764E-9191-57CBE9190183}"/>
-              </a:ext>
-            </a:extLst>
-          </p:cNvPr>
-          <p:cNvPicPr>
-            <a:picLocks noGrp="1" noChangeAspect="1"/>
-          </p:cNvPicPr>
-          <p:nvPr>
-            <p:ph idx="1"/>
-          </p:nvPr>
-        </p:nvPicPr>
-        <p:blipFill>
-          <a:blip r:embed="rId2"/>
-          <a:stretch>
-            <a:fillRect/>
-          </a:stretch>
-        </p:blipFill>
-        <p:spPr>
-          <a:xfrm>
-            <a:off x="1155593" y="1063706"/>
-            <a:ext cx="7988407" cy="3356474"/>
-          </a:xfrm>
-        </p:spPr>
-      </p:pic>
-      <p:cxnSp>
-        <p:nvCxnSpPr>
-          <p:cNvPr id="6" name="Straight Connector 5">
-            <a:extLst>
-              <a:ext uri="{FF2B5EF4-FFF2-40B4-BE49-F238E27FC236}">
-                <a16:creationId xmlns:a16="http://schemas.microsoft.com/office/drawing/2014/main" id="{08E2D46C-6615-1840-880C-890D7C2E7BFF}"/>
+                <a16:creationId xmlns:a16="http://schemas.microsoft.com/office/drawing/2014/main" id="{2ED6C49A-E183-3440-AD64-D776264FCDD9}"/>
               </a:ext>
             </a:extLst>
           </p:cNvPr>
@@ -48352,8 +49129,8 @@
         </p:nvCxnSpPr>
         <p:spPr>
           <a:xfrm>
-            <a:off x="1662152" y="3763466"/>
-            <a:ext cx="2702458" cy="0"/>
+            <a:off x="4030462" y="4843020"/>
+            <a:ext cx="3402641" cy="0"/>
           </a:xfrm>
           <a:prstGeom prst="line">
             <a:avLst/>
@@ -48379,53 +49156,109 @@
           </a:fontRef>
         </p:style>
       </p:cxnSp>
-      <p:cxnSp>
-        <p:nvCxnSpPr>
-          <p:cNvPr id="9" name="Straight Connector 8">
+      <p:sp>
+        <p:nvSpPr>
+          <p:cNvPr id="11" name="TextBox 10">
             <a:extLst>
               <a:ext uri="{FF2B5EF4-FFF2-40B4-BE49-F238E27FC236}">
-                <a16:creationId xmlns:a16="http://schemas.microsoft.com/office/drawing/2014/main" id="{DC2948BE-4341-DD4B-8395-8C913235A5B1}"/>
+                <a16:creationId xmlns:a16="http://schemas.microsoft.com/office/drawing/2014/main" id="{8DFB1D6B-FC36-AB43-AB49-E926AF9E41E1}"/>
               </a:ext>
             </a:extLst>
           </p:cNvPr>
-          <p:cNvCxnSpPr>
-            <a:cxnSpLocks/>
-          </p:cNvCxnSpPr>
+          <p:cNvSpPr txBox="1"/>
           <p:nvPr/>
-        </p:nvCxnSpPr>
+        </p:nvSpPr>
         <p:spPr>
           <a:xfrm>
-            <a:off x="1662152" y="3314786"/>
-            <a:ext cx="2702458" cy="0"/>
+            <a:off x="5514698" y="1425220"/>
+            <a:ext cx="3346882" cy="2400657"/>
           </a:xfrm>
-          <a:prstGeom prst="line">
+          <a:prstGeom prst="rect">
             <a:avLst/>
           </a:prstGeom>
-          <a:ln w="25400">
-            <a:solidFill>
-              <a:srgbClr val="FF0000"/>
-            </a:solidFill>
-          </a:ln>
+          <a:noFill/>
         </p:spPr>
-        <p:style>
-          <a:lnRef idx="1">
-            <a:schemeClr val="accent1"/>
-          </a:lnRef>
-          <a:fillRef idx="0">
-            <a:schemeClr val="accent1"/>
-          </a:fillRef>
-          <a:effectRef idx="0">
-            <a:schemeClr val="accent1"/>
-          </a:effectRef>
-          <a:fontRef idx="minor">
-            <a:schemeClr val="tx1"/>
-          </a:fontRef>
-        </p:style>
-      </p:cxnSp>
+        <p:txBody>
+          <a:bodyPr wrap="square">
+            <a:spAutoFit/>
+          </a:bodyPr>
+          <a:lstStyle/>
+          <a:p>
+            <a:pPr marL="285750" indent="-285750">
+              <a:buFont typeface="Arial" panose="020B0604020202020204" pitchFamily="34" charset="0"/>
+              <a:buChar char="•"/>
+            </a:pPr>
+            <a:r>
+              <a:rPr lang="en-US" sz="2500" dirty="0"/>
+              <a:t>FD-&gt;bk = Pointer!</a:t>
+            </a:r>
+          </a:p>
+          <a:p>
+            <a:pPr marL="285750" indent="-285750">
+              <a:buFont typeface="Arial" panose="020B0604020202020204" pitchFamily="34" charset="0"/>
+              <a:buChar char="•"/>
+            </a:pPr>
+            <a:r>
+              <a:rPr lang="en-US" sz="2500" dirty="0"/>
+              <a:t>BK-&gt;fd = Pointer!</a:t>
+            </a:r>
+          </a:p>
+          <a:p>
+            <a:pPr marL="285750" indent="-285750">
+              <a:buFont typeface="Arial" panose="020B0604020202020204" pitchFamily="34" charset="0"/>
+              <a:buChar char="•"/>
+            </a:pPr>
+            <a:r>
+              <a:rPr lang="en-US" sz="2500" dirty="0"/>
+              <a:t>Passes BOTH parts of the check!</a:t>
+            </a:r>
+          </a:p>
+          <a:p>
+            <a:pPr marL="285750" indent="-285750">
+              <a:buFont typeface="Arial" panose="020B0604020202020204" pitchFamily="34" charset="0"/>
+              <a:buChar char="•"/>
+            </a:pPr>
+            <a:r>
+              <a:rPr lang="en-US" sz="2500" dirty="0"/>
+              <a:t>Goes to the same location…</a:t>
+            </a:r>
+          </a:p>
+        </p:txBody>
+      </p:sp>
+      <p:pic>
+        <p:nvPicPr>
+          <p:cNvPr id="15" name="Content Placeholder 11" descr="Unsafe unlink prev pointer setup">
+            <a:extLst>
+              <a:ext uri="{FF2B5EF4-FFF2-40B4-BE49-F238E27FC236}">
+                <a16:creationId xmlns:a16="http://schemas.microsoft.com/office/drawing/2014/main" id="{351FE8B9-1E21-9F4A-9344-CFF0BFD2C559}"/>
+              </a:ext>
+            </a:extLst>
+          </p:cNvPr>
+          <p:cNvPicPr>
+            <a:picLocks noChangeAspect="1"/>
+          </p:cNvPicPr>
+          <p:nvPr/>
+        </p:nvPicPr>
+        <p:blipFill>
+          <a:blip r:embed="rId4"/>
+          <a:stretch>
+            <a:fillRect/>
+          </a:stretch>
+        </p:blipFill>
+        <p:spPr>
+          <a:xfrm>
+            <a:off x="0" y="1007824"/>
+            <a:ext cx="5051394" cy="2844732"/>
+          </a:xfrm>
+          <a:prstGeom prst="rect">
+            <a:avLst/>
+          </a:prstGeom>
+        </p:spPr>
+      </p:pic>
     </p:spTree>
     <p:extLst>
       <p:ext uri="{BB962C8B-B14F-4D97-AF65-F5344CB8AC3E}">
-        <p14:creationId xmlns:p14="http://schemas.microsoft.com/office/powerpoint/2010/main" val="1474679594"/>
+        <p14:creationId xmlns:p14="http://schemas.microsoft.com/office/powerpoint/2010/main" val="2963577786"/>
       </p:ext>
     </p:extLst>
   </p:cSld>
@@ -48786,17 +49619,17 @@
           <a:p>
             <a:r>
               <a:rPr lang="en-US" dirty="0"/>
-              <a:t>Actually Unlink Now!</a:t>
+              <a:t>Remember This Macro?</a:t>
             </a:r>
           </a:p>
         </p:txBody>
       </p:sp>
       <p:pic>
         <p:nvPicPr>
-          <p:cNvPr id="9" name="Content Placeholder 8" descr="Unlink last two lines">
+          <p:cNvPr id="5" name="Content Placeholder 4" descr="A screenshot of a cell phone&#10;&#10;Description automatically generated">
             <a:extLst>
               <a:ext uri="{FF2B5EF4-FFF2-40B4-BE49-F238E27FC236}">
-                <a16:creationId xmlns:a16="http://schemas.microsoft.com/office/drawing/2014/main" id="{F2A925A2-9E8E-9442-BFAD-A41F23251990}"/>
+                <a16:creationId xmlns:a16="http://schemas.microsoft.com/office/drawing/2014/main" id="{70D2DF68-10AC-764E-9191-57CBE9190183}"/>
               </a:ext>
             </a:extLst>
           </p:cNvPr>
@@ -48807,32 +49640,6 @@
             <p:ph idx="1"/>
           </p:nvPr>
         </p:nvPicPr>
-        <p:blipFill rotWithShape="1">
-          <a:blip r:embed="rId2"/>
-          <a:srcRect r="47856"/>
-          <a:stretch/>
-        </p:blipFill>
-        <p:spPr>
-          <a:xfrm>
-            <a:off x="516038" y="1152041"/>
-            <a:ext cx="2364137" cy="876300"/>
-          </a:xfrm>
-        </p:spPr>
-      </p:pic>
-      <p:pic>
-        <p:nvPicPr>
-          <p:cNvPr id="5" name="Picture 4">
-            <a:extLst>
-              <a:ext uri="{FF2B5EF4-FFF2-40B4-BE49-F238E27FC236}">
-                <a16:creationId xmlns:a16="http://schemas.microsoft.com/office/drawing/2014/main" id="{E88DECB1-3E07-6C48-B9E3-96955483BFFB}"/>
-              </a:ext>
-            </a:extLst>
-          </p:cNvPr>
-          <p:cNvPicPr>
-            <a:picLocks noChangeAspect="1"/>
-          </p:cNvPicPr>
-          <p:nvPr/>
-        </p:nvPicPr>
         <p:blipFill>
           <a:blip r:embed="rId3"/>
           <a:stretch>
@@ -48841,18 +49648,148 @@
         </p:blipFill>
         <p:spPr>
           <a:xfrm>
-            <a:off x="1215937" y="1743217"/>
-            <a:ext cx="6683725" cy="3007675"/>
+            <a:off x="177554" y="1268019"/>
+            <a:ext cx="5939134" cy="2495435"/>
+          </a:xfrm>
+        </p:spPr>
+      </p:pic>
+      <p:cxnSp>
+        <p:nvCxnSpPr>
+          <p:cNvPr id="6" name="Straight Connector 5">
+            <a:extLst>
+              <a:ext uri="{FF2B5EF4-FFF2-40B4-BE49-F238E27FC236}">
+                <a16:creationId xmlns:a16="http://schemas.microsoft.com/office/drawing/2014/main" id="{08E2D46C-6615-1840-880C-890D7C2E7BFF}"/>
+              </a:ext>
+            </a:extLst>
+          </p:cNvPr>
+          <p:cNvCxnSpPr>
+            <a:cxnSpLocks/>
+          </p:cNvCxnSpPr>
+          <p:nvPr/>
+        </p:nvCxnSpPr>
+        <p:spPr>
+          <a:xfrm>
+            <a:off x="437033" y="2946721"/>
+            <a:ext cx="2702458" cy="0"/>
+          </a:xfrm>
+          <a:prstGeom prst="line">
+            <a:avLst/>
+          </a:prstGeom>
+          <a:ln w="25400">
+            <a:solidFill>
+              <a:srgbClr val="FF0000"/>
+            </a:solidFill>
+          </a:ln>
+        </p:spPr>
+        <p:style>
+          <a:lnRef idx="1">
+            <a:schemeClr val="accent1"/>
+          </a:lnRef>
+          <a:fillRef idx="0">
+            <a:schemeClr val="accent1"/>
+          </a:fillRef>
+          <a:effectRef idx="0">
+            <a:schemeClr val="accent1"/>
+          </a:effectRef>
+          <a:fontRef idx="minor">
+            <a:schemeClr val="tx1"/>
+          </a:fontRef>
+        </p:style>
+      </p:cxnSp>
+      <p:cxnSp>
+        <p:nvCxnSpPr>
+          <p:cNvPr id="9" name="Straight Connector 8">
+            <a:extLst>
+              <a:ext uri="{FF2B5EF4-FFF2-40B4-BE49-F238E27FC236}">
+                <a16:creationId xmlns:a16="http://schemas.microsoft.com/office/drawing/2014/main" id="{DC2948BE-4341-DD4B-8395-8C913235A5B1}"/>
+              </a:ext>
+            </a:extLst>
+          </p:cNvPr>
+          <p:cNvCxnSpPr>
+            <a:cxnSpLocks/>
+          </p:cNvCxnSpPr>
+          <p:nvPr/>
+        </p:nvCxnSpPr>
+        <p:spPr>
+          <a:xfrm>
+            <a:off x="437033" y="3297030"/>
+            <a:ext cx="2702458" cy="0"/>
+          </a:xfrm>
+          <a:prstGeom prst="line">
+            <a:avLst/>
+          </a:prstGeom>
+          <a:ln w="25400">
+            <a:solidFill>
+              <a:srgbClr val="FF0000"/>
+            </a:solidFill>
+          </a:ln>
+        </p:spPr>
+        <p:style>
+          <a:lnRef idx="1">
+            <a:schemeClr val="accent1"/>
+          </a:lnRef>
+          <a:fillRef idx="0">
+            <a:schemeClr val="accent1"/>
+          </a:fillRef>
+          <a:effectRef idx="0">
+            <a:schemeClr val="accent1"/>
+          </a:effectRef>
+          <a:fontRef idx="minor">
+            <a:schemeClr val="tx1"/>
+          </a:fontRef>
+        </p:style>
+      </p:cxnSp>
+      <p:pic>
+        <p:nvPicPr>
+          <p:cNvPr id="1026" name="Picture 2" descr="31 Photos That Prove Life As A Parent Is Basically One Big Mess | HuffPost  Life">
+            <a:extLst>
+              <a:ext uri="{FF2B5EF4-FFF2-40B4-BE49-F238E27FC236}">
+                <a16:creationId xmlns:a16="http://schemas.microsoft.com/office/drawing/2014/main" id="{C3CB1E2A-E808-094B-AB5C-2B7F8CD2784D}"/>
+              </a:ext>
+            </a:extLst>
+          </p:cNvPr>
+          <p:cNvPicPr>
+            <a:picLocks noChangeAspect="1" noChangeArrowheads="1"/>
+          </p:cNvPicPr>
+          <p:nvPr/>
+        </p:nvPicPr>
+        <p:blipFill>
+          <a:blip r:embed="rId4">
+            <a:extLst>
+              <a:ext uri="{28A0092B-C50C-407E-A947-70E740481C1C}">
+                <a14:useLocalDpi xmlns:a14="http://schemas.microsoft.com/office/drawing/2010/main" val="0"/>
+              </a:ext>
+            </a:extLst>
+          </a:blip>
+          <a:srcRect/>
+          <a:stretch>
+            <a:fillRect/>
+          </a:stretch>
+        </p:blipFill>
+        <p:spPr bwMode="auto">
+          <a:xfrm>
+            <a:off x="5419570" y="1171851"/>
+            <a:ext cx="2796124" cy="3741021"/>
           </a:xfrm>
           <a:prstGeom prst="rect">
             <a:avLst/>
           </a:prstGeom>
+          <a:noFill/>
+          <a:extLst>
+            <a:ext uri="{909E8E84-426E-40DD-AFC4-6F175D3DCCD1}">
+              <a14:hiddenFill xmlns:a14="http://schemas.microsoft.com/office/drawing/2010/main">
+                <a:solidFill>
+                  <a:srgbClr val="FFFFFF"/>
+                </a:solidFill>
+              </a14:hiddenFill>
+            </a:ext>
+          </a:extLst>
         </p:spPr>
       </p:pic>
     </p:spTree>
     <p:extLst>
       <p:ext uri="{BB962C8B-B14F-4D97-AF65-F5344CB8AC3E}">
-        <p14:creationId xmlns:p14="http://schemas.microsoft.com/office/powerpoint/2010/main" val="2186476783"/>
+        <p14:creationId xmlns:p14="http://schemas.microsoft.com/office/powerpoint/2010/main" val="1474679594"/>
       </p:ext>
     </p:extLst>
   </p:cSld>
@@ -48879,41 +49816,12 @@
           <a:chExt cx="0" cy="0"/>
         </a:xfrm>
       </p:grpSpPr>
-      <p:pic>
-        <p:nvPicPr>
-          <p:cNvPr id="7" name="Content Placeholder 6" descr="Unlink results in pointer editing">
-            <a:extLst>
-              <a:ext uri="{FF2B5EF4-FFF2-40B4-BE49-F238E27FC236}">
-                <a16:creationId xmlns:a16="http://schemas.microsoft.com/office/drawing/2014/main" id="{6AEE9D39-D1C9-1E48-B6CC-55C4F01FD2B1}"/>
-              </a:ext>
-            </a:extLst>
-          </p:cNvPr>
-          <p:cNvPicPr>
-            <a:picLocks noGrp="1" noChangeAspect="1"/>
-          </p:cNvPicPr>
-          <p:nvPr>
-            <p:ph sz="half" idx="1"/>
-          </p:nvPr>
-        </p:nvPicPr>
-        <p:blipFill>
-          <a:blip r:embed="rId2"/>
-          <a:stretch>
-            <a:fillRect/>
-          </a:stretch>
-        </p:blipFill>
-        <p:spPr>
-          <a:xfrm>
-            <a:off x="213282" y="1003766"/>
-            <a:ext cx="4137778" cy="3315062"/>
-          </a:xfrm>
-        </p:spPr>
-      </p:pic>
       <p:sp>
         <p:nvSpPr>
           <p:cNvPr id="2" name="Title 1">
             <a:extLst>
               <a:ext uri="{FF2B5EF4-FFF2-40B4-BE49-F238E27FC236}">
-                <a16:creationId xmlns:a16="http://schemas.microsoft.com/office/drawing/2014/main" id="{E9E670F8-AACA-D046-8E4F-17454C7527D7}"/>
+                <a16:creationId xmlns:a16="http://schemas.microsoft.com/office/drawing/2014/main" id="{F301ED8F-4787-BB44-A31D-56A8EBB356A6}"/>
               </a:ext>
             </a:extLst>
           </p:cNvPr>
@@ -48924,76 +49832,59 @@
             <p:ph type="title"/>
           </p:nvPr>
         </p:nvSpPr>
-        <p:spPr>
-          <a:xfrm>
-            <a:off x="628650" y="273847"/>
-            <a:ext cx="7886700" cy="994172"/>
-          </a:xfrm>
-        </p:spPr>
-        <p:txBody>
-          <a:bodyPr anchor="ctr">
-            <a:normAutofit/>
-          </a:bodyPr>
-          <a:lstStyle/>
-          <a:p>
-            <a:r>
-              <a:rPr lang="en-US" dirty="0"/>
-              <a:t>Unsafe Unlink Result</a:t>
-            </a:r>
-          </a:p>
-        </p:txBody>
-      </p:sp>
-      <p:sp>
-        <p:nvSpPr>
-          <p:cNvPr id="10" name="Content Placeholder 3">
-            <a:extLst>
-              <a:ext uri="{FF2B5EF4-FFF2-40B4-BE49-F238E27FC236}">
-                <a16:creationId xmlns:a16="http://schemas.microsoft.com/office/drawing/2014/main" id="{2261C260-EABE-400C-BFDD-E06E1533800F}"/>
-              </a:ext>
-            </a:extLst>
-          </p:cNvPr>
-          <p:cNvSpPr>
-            <a:spLocks noGrp="1"/>
-          </p:cNvSpPr>
-          <p:nvPr>
-            <p:ph sz="half" idx="2"/>
-          </p:nvPr>
-        </p:nvSpPr>
-        <p:spPr>
-          <a:xfrm>
-            <a:off x="4629150" y="1369219"/>
-            <a:ext cx="4137778" cy="3263504"/>
-          </a:xfrm>
-        </p:spPr>
+        <p:spPr/>
         <p:txBody>
           <a:bodyPr/>
           <a:lstStyle/>
           <a:p>
             <a:r>
               <a:rPr lang="en-US" dirty="0"/>
-              <a:t>P-&gt;bk-&gt;fd = BK</a:t>
-            </a:r>
-          </a:p>
-          <a:p>
-            <a:r>
-              <a:rPr lang="en-US" dirty="0"/>
-              <a:t>P-&gt;fd-&gt;bk = FD</a:t>
-            </a:r>
-          </a:p>
-          <a:p>
-            <a:r>
-              <a:rPr lang="en-US" dirty="0"/>
-              <a:t>Overwrite the pointer itself!</a:t>
+              <a:t>Actually Unlink Now!</a:t>
             </a:r>
           </a:p>
         </p:txBody>
       </p:sp>
       <p:pic>
         <p:nvPicPr>
-          <p:cNvPr id="4" name="Picture 3" descr="Unsafe unlink writing over the top of itself.">
+          <p:cNvPr id="6" name="Graphic 5" descr="Edit Prevs fd (BK) to be the same as Next (FD) ">
             <a:extLst>
               <a:ext uri="{FF2B5EF4-FFF2-40B4-BE49-F238E27FC236}">
-                <a16:creationId xmlns:a16="http://schemas.microsoft.com/office/drawing/2014/main" id="{58592682-B9B8-4248-9071-BDF61B8A204F}"/>
+                <a16:creationId xmlns:a16="http://schemas.microsoft.com/office/drawing/2014/main" id="{8CD1DE6E-26B6-6F4B-AD59-846B9F958419}"/>
+              </a:ext>
+            </a:extLst>
+          </p:cNvPr>
+          <p:cNvPicPr>
+            <a:picLocks noChangeAspect="1"/>
+          </p:cNvPicPr>
+          <p:nvPr/>
+        </p:nvPicPr>
+        <p:blipFill rotWithShape="1">
+          <a:blip r:embed="rId3">
+            <a:extLst>
+              <a:ext uri="{96DAC541-7B7A-43D3-8B79-37D633B846F1}">
+                <asvg:svgBlip xmlns:asvg="http://schemas.microsoft.com/office/drawing/2016/SVG/main" r:embed="rId4"/>
+              </a:ext>
+            </a:extLst>
+          </a:blip>
+          <a:srcRect l="12921" t="17087" r="31908" b="65998"/>
+          <a:stretch/>
+        </p:blipFill>
+        <p:spPr>
+          <a:xfrm>
+            <a:off x="3284032" y="2450861"/>
+            <a:ext cx="5502755" cy="2183283"/>
+          </a:xfrm>
+          <a:prstGeom prst="rect">
+            <a:avLst/>
+          </a:prstGeom>
+        </p:spPr>
+      </p:pic>
+      <p:pic>
+        <p:nvPicPr>
+          <p:cNvPr id="10" name="Picture 9" descr="Unlink Macro with name update">
+            <a:extLst>
+              <a:ext uri="{FF2B5EF4-FFF2-40B4-BE49-F238E27FC236}">
+                <a16:creationId xmlns:a16="http://schemas.microsoft.com/office/drawing/2014/main" id="{7912C908-3C6B-BA43-B5F1-7DA89CB3150F}"/>
               </a:ext>
             </a:extLst>
           </p:cNvPr>
@@ -49003,25 +49894,111 @@
           <p:nvPr/>
         </p:nvPicPr>
         <p:blipFill>
-          <a:blip r:embed="rId3"/>
+          <a:blip r:embed="rId5"/>
           <a:stretch>
             <a:fillRect/>
           </a:stretch>
         </p:blipFill>
         <p:spPr>
           <a:xfrm>
-            <a:off x="2525587" y="3702027"/>
-            <a:ext cx="3223279" cy="1233601"/>
+            <a:off x="29621" y="1042803"/>
+            <a:ext cx="4178300" cy="1638300"/>
           </a:xfrm>
           <a:prstGeom prst="rect">
             <a:avLst/>
           </a:prstGeom>
         </p:spPr>
       </p:pic>
+      <p:cxnSp>
+        <p:nvCxnSpPr>
+          <p:cNvPr id="11" name="Straight Connector 10">
+            <a:extLst>
+              <a:ext uri="{FF2B5EF4-FFF2-40B4-BE49-F238E27FC236}">
+                <a16:creationId xmlns:a16="http://schemas.microsoft.com/office/drawing/2014/main" id="{21B4E65C-1F18-9D4C-AF7B-A843FFF7EEBC}"/>
+              </a:ext>
+            </a:extLst>
+          </p:cNvPr>
+          <p:cNvCxnSpPr>
+            <a:cxnSpLocks/>
+          </p:cNvCxnSpPr>
+          <p:nvPr/>
+        </p:nvCxnSpPr>
+        <p:spPr>
+          <a:xfrm>
+            <a:off x="508518" y="2371916"/>
+            <a:ext cx="1716792" cy="0"/>
+          </a:xfrm>
+          <a:prstGeom prst="line">
+            <a:avLst/>
+          </a:prstGeom>
+          <a:ln w="25400">
+            <a:solidFill>
+              <a:srgbClr val="FF0000"/>
+            </a:solidFill>
+          </a:ln>
+        </p:spPr>
+        <p:style>
+          <a:lnRef idx="1">
+            <a:schemeClr val="accent1"/>
+          </a:lnRef>
+          <a:fillRef idx="0">
+            <a:schemeClr val="accent1"/>
+          </a:fillRef>
+          <a:effectRef idx="0">
+            <a:schemeClr val="accent1"/>
+          </a:effectRef>
+          <a:fontRef idx="minor">
+            <a:schemeClr val="tx1"/>
+          </a:fontRef>
+        </p:style>
+      </p:cxnSp>
+      <p:cxnSp>
+        <p:nvCxnSpPr>
+          <p:cNvPr id="12" name="Straight Connector 11">
+            <a:extLst>
+              <a:ext uri="{FF2B5EF4-FFF2-40B4-BE49-F238E27FC236}">
+                <a16:creationId xmlns:a16="http://schemas.microsoft.com/office/drawing/2014/main" id="{EA9F895A-72FB-4E49-9829-E83D546F3B1A}"/>
+              </a:ext>
+            </a:extLst>
+          </p:cNvPr>
+          <p:cNvCxnSpPr>
+            <a:cxnSpLocks/>
+          </p:cNvCxnSpPr>
+          <p:nvPr/>
+        </p:nvCxnSpPr>
+        <p:spPr>
+          <a:xfrm>
+            <a:off x="508518" y="2110528"/>
+            <a:ext cx="1716792" cy="0"/>
+          </a:xfrm>
+          <a:prstGeom prst="line">
+            <a:avLst/>
+          </a:prstGeom>
+          <a:ln w="25400">
+            <a:solidFill>
+              <a:srgbClr val="FF0000"/>
+            </a:solidFill>
+          </a:ln>
+        </p:spPr>
+        <p:style>
+          <a:lnRef idx="1">
+            <a:schemeClr val="accent1"/>
+          </a:lnRef>
+          <a:fillRef idx="0">
+            <a:schemeClr val="accent1"/>
+          </a:fillRef>
+          <a:effectRef idx="0">
+            <a:schemeClr val="accent1"/>
+          </a:effectRef>
+          <a:fontRef idx="minor">
+            <a:schemeClr val="tx1"/>
+          </a:fontRef>
+        </p:style>
+      </p:cxnSp>
     </p:spTree>
     <p:extLst>
       <p:ext uri="{BB962C8B-B14F-4D97-AF65-F5344CB8AC3E}">
-        <p14:creationId xmlns:p14="http://schemas.microsoft.com/office/powerpoint/2010/main" val="2272459286"/>
+        <p14:creationId xmlns:p14="http://schemas.microsoft.com/office/powerpoint/2010/main" val="2186476783"/>
       </p:ext>
     </p:extLst>
   </p:cSld>
@@ -49066,6 +50043,480 @@
         </p:nvSpPr>
         <p:spPr>
           <a:xfrm>
+            <a:off x="592585" y="0"/>
+            <a:ext cx="8418249" cy="994172"/>
+          </a:xfrm>
+        </p:spPr>
+        <p:txBody>
+          <a:bodyPr anchor="ctr">
+            <a:normAutofit fontScale="90000"/>
+          </a:bodyPr>
+          <a:lstStyle/>
+          <a:p>
+            <a:r>
+              <a:rPr lang="en-US" dirty="0"/>
+              <a:t>Unsafe Unlink – Overwrite Pointer!</a:t>
+            </a:r>
+          </a:p>
+        </p:txBody>
+      </p:sp>
+      <p:sp>
+        <p:nvSpPr>
+          <p:cNvPr id="8" name="Content Placeholder 7">
+            <a:extLst>
+              <a:ext uri="{FF2B5EF4-FFF2-40B4-BE49-F238E27FC236}">
+                <a16:creationId xmlns:a16="http://schemas.microsoft.com/office/drawing/2014/main" id="{3D35A732-1F45-D147-B0BB-44CB04EA56CF}"/>
+              </a:ext>
+            </a:extLst>
+          </p:cNvPr>
+          <p:cNvSpPr>
+            <a:spLocks noGrp="1"/>
+          </p:cNvSpPr>
+          <p:nvPr>
+            <p:ph sz="half" idx="2"/>
+          </p:nvPr>
+        </p:nvSpPr>
+        <p:spPr>
+          <a:xfrm>
+            <a:off x="5395501" y="809926"/>
+            <a:ext cx="3615334" cy="3263504"/>
+          </a:xfrm>
+        </p:spPr>
+        <p:txBody>
+          <a:bodyPr/>
+          <a:lstStyle/>
+          <a:p>
+            <a:pPr marL="0" indent="0">
+              <a:buNone/>
+            </a:pPr>
+            <a:endParaRPr lang="en-US" dirty="0"/>
+          </a:p>
+          <a:p>
+            <a:r>
+              <a:rPr lang="en-US" dirty="0"/>
+              <a:t>Next = Pointer – 0x18</a:t>
+            </a:r>
+          </a:p>
+          <a:p>
+            <a:r>
+              <a:rPr lang="en-US" dirty="0"/>
+              <a:t>Prev = Pointer – 0x10</a:t>
+            </a:r>
+          </a:p>
+          <a:p>
+            <a:r>
+              <a:rPr lang="en-US" dirty="0"/>
+              <a:t>Next-&gt;bk = prev</a:t>
+            </a:r>
+          </a:p>
+          <a:p>
+            <a:r>
+              <a:rPr lang="en-US" dirty="0"/>
+              <a:t>Overwrites the </a:t>
+            </a:r>
+            <a:r>
+              <a:rPr lang="en-US" i="1" dirty="0"/>
+              <a:t>Pointer to Chunk</a:t>
+            </a:r>
+            <a:r>
+              <a:rPr lang="en-US" dirty="0"/>
+              <a:t> with a pointer close to itself!</a:t>
+            </a:r>
+          </a:p>
+          <a:p>
+            <a:pPr marL="0" indent="0">
+              <a:buNone/>
+            </a:pPr>
+            <a:endParaRPr lang="en-US" dirty="0"/>
+          </a:p>
+        </p:txBody>
+      </p:sp>
+      <p:pic>
+        <p:nvPicPr>
+          <p:cNvPr id="12" name="Picture 11" descr="Unlink Macro with name update">
+            <a:extLst>
+              <a:ext uri="{FF2B5EF4-FFF2-40B4-BE49-F238E27FC236}">
+                <a16:creationId xmlns:a16="http://schemas.microsoft.com/office/drawing/2014/main" id="{D224A1C7-CD3F-BE40-AE4B-88DF65C91CD6}"/>
+              </a:ext>
+            </a:extLst>
+          </p:cNvPr>
+          <p:cNvPicPr>
+            <a:picLocks noChangeAspect="1"/>
+          </p:cNvPicPr>
+          <p:nvPr/>
+        </p:nvPicPr>
+        <p:blipFill rotWithShape="1">
+          <a:blip r:embed="rId2"/>
+          <a:srcRect l="9194" t="48512" r="41691" b="14201"/>
+          <a:stretch/>
+        </p:blipFill>
+        <p:spPr>
+          <a:xfrm>
+            <a:off x="861134" y="3822478"/>
+            <a:ext cx="3710866" cy="1104630"/>
+          </a:xfrm>
+          <a:prstGeom prst="rect">
+            <a:avLst/>
+          </a:prstGeom>
+        </p:spPr>
+      </p:pic>
+      <p:cxnSp>
+        <p:nvCxnSpPr>
+          <p:cNvPr id="17" name="Straight Connector 16">
+            <a:extLst>
+              <a:ext uri="{FF2B5EF4-FFF2-40B4-BE49-F238E27FC236}">
+                <a16:creationId xmlns:a16="http://schemas.microsoft.com/office/drawing/2014/main" id="{63FA7DF3-9F11-4B4B-97C4-C28A6353DA62}"/>
+              </a:ext>
+            </a:extLst>
+          </p:cNvPr>
+          <p:cNvCxnSpPr>
+            <a:cxnSpLocks/>
+          </p:cNvCxnSpPr>
+          <p:nvPr/>
+        </p:nvCxnSpPr>
+        <p:spPr>
+          <a:xfrm>
+            <a:off x="1005204" y="4273574"/>
+            <a:ext cx="3273833" cy="0"/>
+          </a:xfrm>
+          <a:prstGeom prst="line">
+            <a:avLst/>
+          </a:prstGeom>
+          <a:ln w="25400">
+            <a:solidFill>
+              <a:srgbClr val="FF0000"/>
+            </a:solidFill>
+          </a:ln>
+        </p:spPr>
+        <p:style>
+          <a:lnRef idx="1">
+            <a:schemeClr val="accent1"/>
+          </a:lnRef>
+          <a:fillRef idx="0">
+            <a:schemeClr val="accent1"/>
+          </a:fillRef>
+          <a:effectRef idx="0">
+            <a:schemeClr val="accent1"/>
+          </a:effectRef>
+          <a:fontRef idx="minor">
+            <a:schemeClr val="tx1"/>
+          </a:fontRef>
+        </p:style>
+      </p:cxnSp>
+      <p:pic>
+        <p:nvPicPr>
+          <p:cNvPr id="22" name="Content Placeholder 21" descr="Unsafe unlink overwrite the pointer to itself - FD-&gt;bk">
+            <a:extLst>
+              <a:ext uri="{FF2B5EF4-FFF2-40B4-BE49-F238E27FC236}">
+                <a16:creationId xmlns:a16="http://schemas.microsoft.com/office/drawing/2014/main" id="{DE41A23F-455B-0E45-A47B-0F044D4BB58B}"/>
+              </a:ext>
+            </a:extLst>
+          </p:cNvPr>
+          <p:cNvPicPr>
+            <a:picLocks noGrp="1" noChangeAspect="1"/>
+          </p:cNvPicPr>
+          <p:nvPr>
+            <p:ph sz="half" idx="1"/>
+          </p:nvPr>
+        </p:nvPicPr>
+        <p:blipFill>
+          <a:blip r:embed="rId3"/>
+          <a:stretch>
+            <a:fillRect/>
+          </a:stretch>
+        </p:blipFill>
+        <p:spPr>
+          <a:xfrm>
+            <a:off x="0" y="765818"/>
+            <a:ext cx="5395500" cy="2901098"/>
+          </a:xfrm>
+        </p:spPr>
+      </p:pic>
+    </p:spTree>
+    <p:extLst>
+      <p:ext uri="{BB962C8B-B14F-4D97-AF65-F5344CB8AC3E}">
+        <p14:creationId xmlns:p14="http://schemas.microsoft.com/office/powerpoint/2010/main" val="2272459286"/>
+      </p:ext>
+    </p:extLst>
+  </p:cSld>
+  <p:clrMapOvr>
+    <a:masterClrMapping/>
+  </p:clrMapOvr>
+</p:sld>
+</file>
+
+<file path=ppt/slides/slide93.xml><?xml version="1.0" encoding="utf-8"?>
+<p:sld xmlns:a="http://schemas.openxmlformats.org/drawingml/2006/main" xmlns:r="http://schemas.openxmlformats.org/officeDocument/2006/relationships" xmlns:p="http://schemas.openxmlformats.org/presentationml/2006/main">
+  <p:cSld>
+    <p:spTree>
+      <p:nvGrpSpPr>
+        <p:cNvPr id="1" name=""/>
+        <p:cNvGrpSpPr/>
+        <p:nvPr/>
+      </p:nvGrpSpPr>
+      <p:grpSpPr>
+        <a:xfrm>
+          <a:off x="0" y="0"/>
+          <a:ext cx="0" cy="0"/>
+          <a:chOff x="0" y="0"/>
+          <a:chExt cx="0" cy="0"/>
+        </a:xfrm>
+      </p:grpSpPr>
+      <p:sp>
+        <p:nvSpPr>
+          <p:cNvPr id="2" name="Title 1">
+            <a:extLst>
+              <a:ext uri="{FF2B5EF4-FFF2-40B4-BE49-F238E27FC236}">
+                <a16:creationId xmlns:a16="http://schemas.microsoft.com/office/drawing/2014/main" id="{E9E670F8-AACA-D046-8E4F-17454C7527D7}"/>
+              </a:ext>
+            </a:extLst>
+          </p:cNvPr>
+          <p:cNvSpPr>
+            <a:spLocks noGrp="1"/>
+          </p:cNvSpPr>
+          <p:nvPr>
+            <p:ph type="title"/>
+          </p:nvPr>
+        </p:nvSpPr>
+        <p:spPr>
+          <a:xfrm>
+            <a:off x="592585" y="0"/>
+            <a:ext cx="8418249" cy="994172"/>
+          </a:xfrm>
+        </p:spPr>
+        <p:txBody>
+          <a:bodyPr anchor="ctr">
+            <a:normAutofit fontScale="90000"/>
+          </a:bodyPr>
+          <a:lstStyle/>
+          <a:p>
+            <a:r>
+              <a:rPr lang="en-US" dirty="0"/>
+              <a:t>Unsafe Unlink – Overwrite Pointer!</a:t>
+            </a:r>
+          </a:p>
+        </p:txBody>
+      </p:sp>
+      <p:sp>
+        <p:nvSpPr>
+          <p:cNvPr id="8" name="Content Placeholder 7">
+            <a:extLst>
+              <a:ext uri="{FF2B5EF4-FFF2-40B4-BE49-F238E27FC236}">
+                <a16:creationId xmlns:a16="http://schemas.microsoft.com/office/drawing/2014/main" id="{3D35A732-1F45-D147-B0BB-44CB04EA56CF}"/>
+              </a:ext>
+            </a:extLst>
+          </p:cNvPr>
+          <p:cNvSpPr>
+            <a:spLocks noGrp="1"/>
+          </p:cNvSpPr>
+          <p:nvPr>
+            <p:ph sz="half" idx="2"/>
+          </p:nvPr>
+        </p:nvSpPr>
+        <p:spPr>
+          <a:xfrm>
+            <a:off x="5395501" y="809926"/>
+            <a:ext cx="3615334" cy="3263504"/>
+          </a:xfrm>
+        </p:spPr>
+        <p:txBody>
+          <a:bodyPr/>
+          <a:lstStyle/>
+          <a:p>
+            <a:pPr marL="0" indent="0">
+              <a:buNone/>
+            </a:pPr>
+            <a:endParaRPr lang="en-US" dirty="0"/>
+          </a:p>
+          <a:p>
+            <a:r>
+              <a:rPr lang="en-US" dirty="0"/>
+              <a:t>Next = Pointer – 0x18</a:t>
+            </a:r>
+          </a:p>
+          <a:p>
+            <a:r>
+              <a:rPr lang="en-US" dirty="0"/>
+              <a:t>Prev = Pointer – 0x10</a:t>
+            </a:r>
+          </a:p>
+          <a:p>
+            <a:r>
+              <a:rPr lang="en-US" dirty="0"/>
+              <a:t>Prev&gt;fd = Next</a:t>
+            </a:r>
+          </a:p>
+          <a:p>
+            <a:r>
+              <a:rPr lang="en-US" dirty="0"/>
+              <a:t>Overwrites the </a:t>
+            </a:r>
+            <a:r>
+              <a:rPr lang="en-US" i="1" dirty="0"/>
+              <a:t>Pointer to Chunk</a:t>
+            </a:r>
+            <a:r>
+              <a:rPr lang="en-US" dirty="0"/>
+              <a:t> with a pointer close to itself!.. Again!</a:t>
+            </a:r>
+          </a:p>
+          <a:p>
+            <a:pPr marL="0" indent="0">
+              <a:buNone/>
+            </a:pPr>
+            <a:endParaRPr lang="en-US" dirty="0"/>
+          </a:p>
+        </p:txBody>
+      </p:sp>
+      <p:pic>
+        <p:nvPicPr>
+          <p:cNvPr id="12" name="Picture 11" descr="Unlink Macro with name update">
+            <a:extLst>
+              <a:ext uri="{FF2B5EF4-FFF2-40B4-BE49-F238E27FC236}">
+                <a16:creationId xmlns:a16="http://schemas.microsoft.com/office/drawing/2014/main" id="{D224A1C7-CD3F-BE40-AE4B-88DF65C91CD6}"/>
+              </a:ext>
+            </a:extLst>
+          </p:cNvPr>
+          <p:cNvPicPr>
+            <a:picLocks noChangeAspect="1"/>
+          </p:cNvPicPr>
+          <p:nvPr/>
+        </p:nvPicPr>
+        <p:blipFill rotWithShape="1">
+          <a:blip r:embed="rId2"/>
+          <a:srcRect l="9194" t="48512" r="41691" b="14201"/>
+          <a:stretch/>
+        </p:blipFill>
+        <p:spPr>
+          <a:xfrm>
+            <a:off x="861134" y="3822478"/>
+            <a:ext cx="3710866" cy="1104630"/>
+          </a:xfrm>
+          <a:prstGeom prst="rect">
+            <a:avLst/>
+          </a:prstGeom>
+        </p:spPr>
+      </p:pic>
+      <p:cxnSp>
+        <p:nvCxnSpPr>
+          <p:cNvPr id="17" name="Straight Connector 16">
+            <a:extLst>
+              <a:ext uri="{FF2B5EF4-FFF2-40B4-BE49-F238E27FC236}">
+                <a16:creationId xmlns:a16="http://schemas.microsoft.com/office/drawing/2014/main" id="{63FA7DF3-9F11-4B4B-97C4-C28A6353DA62}"/>
+              </a:ext>
+            </a:extLst>
+          </p:cNvPr>
+          <p:cNvCxnSpPr>
+            <a:cxnSpLocks/>
+          </p:cNvCxnSpPr>
+          <p:nvPr/>
+        </p:nvCxnSpPr>
+        <p:spPr>
+          <a:xfrm>
+            <a:off x="996327" y="4815111"/>
+            <a:ext cx="3273833" cy="0"/>
+          </a:xfrm>
+          <a:prstGeom prst="line">
+            <a:avLst/>
+          </a:prstGeom>
+          <a:ln w="25400">
+            <a:solidFill>
+              <a:srgbClr val="FF0000"/>
+            </a:solidFill>
+          </a:ln>
+        </p:spPr>
+        <p:style>
+          <a:lnRef idx="1">
+            <a:schemeClr val="accent1"/>
+          </a:lnRef>
+          <a:fillRef idx="0">
+            <a:schemeClr val="accent1"/>
+          </a:fillRef>
+          <a:effectRef idx="0">
+            <a:schemeClr val="accent1"/>
+          </a:effectRef>
+          <a:fontRef idx="minor">
+            <a:schemeClr val="tx1"/>
+          </a:fontRef>
+        </p:style>
+      </p:cxnSp>
+      <p:pic>
+        <p:nvPicPr>
+          <p:cNvPr id="11" name="Content Placeholder 10" descr="Unsafe unlink overwrite the pointer to itself. BK-&gt;fd">
+            <a:extLst>
+              <a:ext uri="{FF2B5EF4-FFF2-40B4-BE49-F238E27FC236}">
+                <a16:creationId xmlns:a16="http://schemas.microsoft.com/office/drawing/2014/main" id="{4EBD1B1F-A12D-0C42-B3B5-9E830007947D}"/>
+              </a:ext>
+            </a:extLst>
+          </p:cNvPr>
+          <p:cNvPicPr>
+            <a:picLocks noGrp="1" noChangeAspect="1"/>
+          </p:cNvPicPr>
+          <p:nvPr>
+            <p:ph sz="half" idx="1"/>
+          </p:nvPr>
+        </p:nvPicPr>
+        <p:blipFill>
+          <a:blip r:embed="rId3"/>
+          <a:stretch>
+            <a:fillRect/>
+          </a:stretch>
+        </p:blipFill>
+        <p:spPr>
+          <a:xfrm>
+            <a:off x="133165" y="712272"/>
+            <a:ext cx="5395206" cy="2900940"/>
+          </a:xfrm>
+        </p:spPr>
+      </p:pic>
+    </p:spTree>
+    <p:extLst>
+      <p:ext uri="{BB962C8B-B14F-4D97-AF65-F5344CB8AC3E}">
+        <p14:creationId xmlns:p14="http://schemas.microsoft.com/office/powerpoint/2010/main" val="4054672689"/>
+      </p:ext>
+    </p:extLst>
+  </p:cSld>
+  <p:clrMapOvr>
+    <a:masterClrMapping/>
+  </p:clrMapOvr>
+</p:sld>
+</file>
+
+<file path=ppt/slides/slide94.xml><?xml version="1.0" encoding="utf-8"?>
+<p:sld xmlns:a="http://schemas.openxmlformats.org/drawingml/2006/main" xmlns:r="http://schemas.openxmlformats.org/officeDocument/2006/relationships" xmlns:p="http://schemas.openxmlformats.org/presentationml/2006/main">
+  <p:cSld>
+    <p:spTree>
+      <p:nvGrpSpPr>
+        <p:cNvPr id="1" name=""/>
+        <p:cNvGrpSpPr/>
+        <p:nvPr/>
+      </p:nvGrpSpPr>
+      <p:grpSpPr>
+        <a:xfrm>
+          <a:off x="0" y="0"/>
+          <a:ext cx="0" cy="0"/>
+          <a:chOff x="0" y="0"/>
+          <a:chExt cx="0" cy="0"/>
+        </a:xfrm>
+      </p:grpSpPr>
+      <p:sp>
+        <p:nvSpPr>
+          <p:cNvPr id="2" name="Title 1">
+            <a:extLst>
+              <a:ext uri="{FF2B5EF4-FFF2-40B4-BE49-F238E27FC236}">
+                <a16:creationId xmlns:a16="http://schemas.microsoft.com/office/drawing/2014/main" id="{E1300350-F572-5F47-ABDE-1045342454A9}"/>
+              </a:ext>
+            </a:extLst>
+          </p:cNvPr>
+          <p:cNvSpPr>
+            <a:spLocks noGrp="1"/>
+          </p:cNvSpPr>
+          <p:nvPr>
+            <p:ph type="title"/>
+          </p:nvPr>
+        </p:nvSpPr>
+        <p:spPr>
+          <a:xfrm>
             <a:off x="628650" y="273847"/>
             <a:ext cx="7886700" cy="994172"/>
           </a:xfrm>
@@ -49078,17 +50529,64 @@
           <a:p>
             <a:r>
               <a:rPr lang="en-US" dirty="0"/>
-              <a:t>Unsafe Unlink Result</a:t>
+              <a:t>Why Is This Useful?</a:t>
             </a:r>
           </a:p>
         </p:txBody>
       </p:sp>
+      <p:pic>
+        <p:nvPicPr>
+          <p:cNvPr id="4100" name="Picture 4" descr="George Foreman GR0040B 2-Serving Classic Plate Grill, Black">
+            <a:extLst>
+              <a:ext uri="{FF2B5EF4-FFF2-40B4-BE49-F238E27FC236}">
+                <a16:creationId xmlns:a16="http://schemas.microsoft.com/office/drawing/2014/main" id="{55E5A608-4E64-304A-BD71-E1ED69859EE4}"/>
+              </a:ext>
+            </a:extLst>
+          </p:cNvPr>
+          <p:cNvPicPr>
+            <a:picLocks noChangeAspect="1" noChangeArrowheads="1"/>
+          </p:cNvPicPr>
+          <p:nvPr/>
+        </p:nvPicPr>
+        <p:blipFill rotWithShape="1">
+          <a:blip r:embed="rId2">
+            <a:extLst>
+              <a:ext uri="{28A0092B-C50C-407E-A947-70E740481C1C}">
+                <a14:useLocalDpi xmlns:a14="http://schemas.microsoft.com/office/drawing/2010/main" val="0"/>
+              </a:ext>
+            </a:extLst>
+          </a:blip>
+          <a:srcRect t="14715" r="5" b="1313"/>
+          <a:stretch/>
+        </p:blipFill>
+        <p:spPr bwMode="auto">
+          <a:xfrm>
+            <a:off x="628650" y="1369219"/>
+            <a:ext cx="3886200" cy="3263504"/>
+          </a:xfrm>
+          <a:prstGeom prst="rect">
+            <a:avLst/>
+          </a:prstGeom>
+          <a:solidFill>
+            <a:srgbClr val="FFFFFF"/>
+          </a:solidFill>
+          <a:extLst>
+            <a:ext uri="{909E8E84-426E-40DD-AFC4-6F175D3DCCD1}">
+              <a14:hiddenFill xmlns:a14="http://schemas.microsoft.com/office/drawing/2010/main">
+                <a:solidFill>
+                  <a:srgbClr val="FFFFFF"/>
+                </a:solidFill>
+              </a14:hiddenFill>
+            </a:ext>
+          </a:extLst>
+        </p:spPr>
+      </p:pic>
       <p:sp>
         <p:nvSpPr>
-          <p:cNvPr id="10" name="Content Placeholder 3">
+          <p:cNvPr id="3" name="Content Placeholder 2">
             <a:extLst>
               <a:ext uri="{FF2B5EF4-FFF2-40B4-BE49-F238E27FC236}">
-                <a16:creationId xmlns:a16="http://schemas.microsoft.com/office/drawing/2014/main" id="{2261C260-EABE-400C-BFDD-E06E1533800F}"/>
+                <a16:creationId xmlns:a16="http://schemas.microsoft.com/office/drawing/2014/main" id="{FEBBC3D6-B462-6043-984B-5C52127AF17B}"/>
               </a:ext>
             </a:extLst>
           </p:cNvPr>
@@ -49102,7 +50600,120 @@
         <p:spPr>
           <a:xfrm>
             <a:off x="4629150" y="1369219"/>
-            <a:ext cx="4137778" cy="3263504"/>
+            <a:ext cx="3886200" cy="3263504"/>
+          </a:xfrm>
+        </p:spPr>
+        <p:txBody>
+          <a:bodyPr>
+            <a:normAutofit/>
+          </a:bodyPr>
+          <a:lstStyle/>
+          <a:p>
+            <a:r>
+              <a:rPr lang="en-US" dirty="0"/>
+              <a:t>Corrupt our original pointer with an additional write!</a:t>
+            </a:r>
+          </a:p>
+          <a:p>
+            <a:r>
+              <a:rPr lang="en-US" dirty="0"/>
+              <a:t>Pointers are commonly stored NEXT to each other. </a:t>
+            </a:r>
+          </a:p>
+          <a:p>
+            <a:pPr lvl="1"/>
+            <a:r>
+              <a:rPr lang="en-US" dirty="0"/>
+              <a:t>Corrupt nearby pointers as well!</a:t>
+            </a:r>
+          </a:p>
+        </p:txBody>
+      </p:sp>
+    </p:spTree>
+    <p:extLst>
+      <p:ext uri="{BB962C8B-B14F-4D97-AF65-F5344CB8AC3E}">
+        <p14:creationId xmlns:p14="http://schemas.microsoft.com/office/powerpoint/2010/main" val="1017505069"/>
+      </p:ext>
+    </p:extLst>
+  </p:cSld>
+  <p:clrMapOvr>
+    <a:masterClrMapping/>
+  </p:clrMapOvr>
+</p:sld>
+</file>
+
+<file path=ppt/slides/slide95.xml><?xml version="1.0" encoding="utf-8"?>
+<p:sld xmlns:a="http://schemas.openxmlformats.org/drawingml/2006/main" xmlns:r="http://schemas.openxmlformats.org/officeDocument/2006/relationships" xmlns:p="http://schemas.openxmlformats.org/presentationml/2006/main">
+  <p:cSld>
+    <p:spTree>
+      <p:nvGrpSpPr>
+        <p:cNvPr id="1" name=""/>
+        <p:cNvGrpSpPr/>
+        <p:nvPr/>
+      </p:nvGrpSpPr>
+      <p:grpSpPr>
+        <a:xfrm>
+          <a:off x="0" y="0"/>
+          <a:ext cx="0" cy="0"/>
+          <a:chOff x="0" y="0"/>
+          <a:chExt cx="0" cy="0"/>
+        </a:xfrm>
+      </p:grpSpPr>
+      <p:sp>
+        <p:nvSpPr>
+          <p:cNvPr id="2" name="Title 1">
+            <a:extLst>
+              <a:ext uri="{FF2B5EF4-FFF2-40B4-BE49-F238E27FC236}">
+                <a16:creationId xmlns:a16="http://schemas.microsoft.com/office/drawing/2014/main" id="{E9E670F8-AACA-D046-8E4F-17454C7527D7}"/>
+              </a:ext>
+            </a:extLst>
+          </p:cNvPr>
+          <p:cNvSpPr>
+            <a:spLocks noGrp="1"/>
+          </p:cNvSpPr>
+          <p:nvPr>
+            <p:ph type="title"/>
+          </p:nvPr>
+        </p:nvSpPr>
+        <p:spPr>
+          <a:xfrm>
+            <a:off x="592585" y="0"/>
+            <a:ext cx="8418249" cy="994172"/>
+          </a:xfrm>
+        </p:spPr>
+        <p:txBody>
+          <a:bodyPr anchor="ctr">
+            <a:normAutofit/>
+          </a:bodyPr>
+          <a:lstStyle/>
+          <a:p>
+            <a:r>
+              <a:rPr lang="en-US" dirty="0"/>
+              <a:t>Unsafe Unlink – Aftermath</a:t>
+            </a:r>
+          </a:p>
+        </p:txBody>
+      </p:sp>
+      <p:sp>
+        <p:nvSpPr>
+          <p:cNvPr id="8" name="Content Placeholder 7">
+            <a:extLst>
+              <a:ext uri="{FF2B5EF4-FFF2-40B4-BE49-F238E27FC236}">
+                <a16:creationId xmlns:a16="http://schemas.microsoft.com/office/drawing/2014/main" id="{3D35A732-1F45-D147-B0BB-44CB04EA56CF}"/>
+              </a:ext>
+            </a:extLst>
+          </p:cNvPr>
+          <p:cNvSpPr>
+            <a:spLocks noGrp="1"/>
+          </p:cNvSpPr>
+          <p:nvPr>
+            <p:ph sz="half" idx="2"/>
+          </p:nvPr>
+        </p:nvSpPr>
+        <p:spPr>
+          <a:xfrm>
+            <a:off x="5395501" y="809926"/>
+            <a:ext cx="3615334" cy="3263504"/>
           </a:xfrm>
         </p:spPr>
         <p:txBody>
@@ -49111,32 +50722,174 @@
           <a:p>
             <a:r>
               <a:rPr lang="en-US" dirty="0"/>
-              <a:t>Use our pointer to overwrite itself </a:t>
-            </a:r>
-            <a:r>
-              <a:rPr lang="en-US" dirty="0">
-                <a:sym typeface="Wingdings" pitchFamily="2" charset="2"/>
-              </a:rPr>
-              <a:t> </a:t>
-            </a:r>
-          </a:p>
-          <a:p>
-            <a:r>
-              <a:rPr lang="en-US" dirty="0">
-                <a:sym typeface="Wingdings" pitchFamily="2" charset="2"/>
-              </a:rPr>
-              <a:t>Overwrite the pointer used to bypass the unlink check</a:t>
-            </a:r>
-            <a:endParaRPr lang="en-US" dirty="0"/>
+              <a:t>Overwrite data right before the pointer itself.</a:t>
+            </a:r>
+          </a:p>
+          <a:p>
+            <a:r>
+              <a:rPr lang="en-US" dirty="0"/>
+              <a:t>Can corrupt the pointer itself, if we want!</a:t>
+            </a:r>
           </a:p>
         </p:txBody>
       </p:sp>
       <p:pic>
         <p:nvPicPr>
-          <p:cNvPr id="6" name="Content Placeholder 5" descr="Overwrite the pointer itself">
+          <p:cNvPr id="11" name="Content Placeholder 10" descr="Unsafe unlink overwrite the pointer to itself. BK-&gt;fd">
             <a:extLst>
               <a:ext uri="{FF2B5EF4-FFF2-40B4-BE49-F238E27FC236}">
-                <a16:creationId xmlns:a16="http://schemas.microsoft.com/office/drawing/2014/main" id="{2A9CC603-4B44-F840-BB5F-05CEEE18B5F7}"/>
+                <a16:creationId xmlns:a16="http://schemas.microsoft.com/office/drawing/2014/main" id="{C4BD03F8-2BB5-3842-B3B3-02F7688DEA5D}"/>
+              </a:ext>
+            </a:extLst>
+          </p:cNvPr>
+          <p:cNvPicPr>
+            <a:picLocks noChangeAspect="1"/>
+          </p:cNvPicPr>
+          <p:nvPr/>
+        </p:nvPicPr>
+        <p:blipFill>
+          <a:blip r:embed="rId2"/>
+          <a:stretch>
+            <a:fillRect/>
+          </a:stretch>
+        </p:blipFill>
+        <p:spPr>
+          <a:xfrm>
+            <a:off x="133165" y="712272"/>
+            <a:ext cx="5395206" cy="2900940"/>
+          </a:xfrm>
+          <a:prstGeom prst="rect">
+            <a:avLst/>
+          </a:prstGeom>
+        </p:spPr>
+      </p:pic>
+    </p:spTree>
+    <p:extLst>
+      <p:ext uri="{BB962C8B-B14F-4D97-AF65-F5344CB8AC3E}">
+        <p14:creationId xmlns:p14="http://schemas.microsoft.com/office/powerpoint/2010/main" val="1713783111"/>
+      </p:ext>
+    </p:extLst>
+  </p:cSld>
+  <p:clrMapOvr>
+    <a:masterClrMapping/>
+  </p:clrMapOvr>
+</p:sld>
+</file>
+
+<file path=ppt/slides/slide96.xml><?xml version="1.0" encoding="utf-8"?>
+<p:sld xmlns:a="http://schemas.openxmlformats.org/drawingml/2006/main" xmlns:r="http://schemas.openxmlformats.org/officeDocument/2006/relationships" xmlns:p="http://schemas.openxmlformats.org/presentationml/2006/main">
+  <p:cSld>
+    <p:spTree>
+      <p:nvGrpSpPr>
+        <p:cNvPr id="1" name=""/>
+        <p:cNvGrpSpPr/>
+        <p:nvPr/>
+      </p:nvGrpSpPr>
+      <p:grpSpPr>
+        <a:xfrm>
+          <a:off x="0" y="0"/>
+          <a:ext cx="0" cy="0"/>
+          <a:chOff x="0" y="0"/>
+          <a:chExt cx="0" cy="0"/>
+        </a:xfrm>
+      </p:grpSpPr>
+      <p:sp>
+        <p:nvSpPr>
+          <p:cNvPr id="2" name="Title 1">
+            <a:extLst>
+              <a:ext uri="{FF2B5EF4-FFF2-40B4-BE49-F238E27FC236}">
+                <a16:creationId xmlns:a16="http://schemas.microsoft.com/office/drawing/2014/main" id="{E9E670F8-AACA-D046-8E4F-17454C7527D7}"/>
+              </a:ext>
+            </a:extLst>
+          </p:cNvPr>
+          <p:cNvSpPr>
+            <a:spLocks noGrp="1"/>
+          </p:cNvSpPr>
+          <p:nvPr>
+            <p:ph type="title"/>
+          </p:nvPr>
+        </p:nvSpPr>
+        <p:spPr>
+          <a:xfrm>
+            <a:off x="592585" y="0"/>
+            <a:ext cx="8418249" cy="994172"/>
+          </a:xfrm>
+        </p:spPr>
+        <p:txBody>
+          <a:bodyPr anchor="ctr">
+            <a:normAutofit/>
+          </a:bodyPr>
+          <a:lstStyle/>
+          <a:p>
+            <a:r>
+              <a:rPr lang="en-US" dirty="0"/>
+              <a:t>Unsafe Unlink – Aftermath</a:t>
+            </a:r>
+          </a:p>
+        </p:txBody>
+      </p:sp>
+      <p:sp>
+        <p:nvSpPr>
+          <p:cNvPr id="8" name="Content Placeholder 7">
+            <a:extLst>
+              <a:ext uri="{FF2B5EF4-FFF2-40B4-BE49-F238E27FC236}">
+                <a16:creationId xmlns:a16="http://schemas.microsoft.com/office/drawing/2014/main" id="{3D35A732-1F45-D147-B0BB-44CB04EA56CF}"/>
+              </a:ext>
+            </a:extLst>
+          </p:cNvPr>
+          <p:cNvSpPr>
+            <a:spLocks noGrp="1"/>
+          </p:cNvSpPr>
+          <p:nvPr>
+            <p:ph sz="half" idx="2"/>
+          </p:nvPr>
+        </p:nvSpPr>
+        <p:spPr>
+          <a:xfrm>
+            <a:off x="5395501" y="809926"/>
+            <a:ext cx="3615334" cy="3263504"/>
+          </a:xfrm>
+        </p:spPr>
+        <p:txBody>
+          <a:bodyPr/>
+          <a:lstStyle/>
+          <a:p>
+            <a:r>
+              <a:rPr lang="en-US" dirty="0"/>
+              <a:t>Corrupt the 3 previous values to our pointer.</a:t>
+            </a:r>
+          </a:p>
+          <a:p>
+            <a:r>
+              <a:rPr lang="en-US" dirty="0"/>
+              <a:t>If list of pointers, this could be VERY useful!</a:t>
+            </a:r>
+          </a:p>
+          <a:p>
+            <a:r>
+              <a:rPr lang="en-US" dirty="0"/>
+              <a:t>If control </a:t>
+            </a:r>
+            <a:r>
+              <a:rPr lang="en-US" i="1" dirty="0"/>
+              <a:t>pointer to chunk,</a:t>
+            </a:r>
+            <a:r>
+              <a:rPr lang="en-US" dirty="0"/>
+              <a:t> we can edit this forever with our own values. </a:t>
+            </a:r>
+          </a:p>
+          <a:p>
+            <a:endParaRPr lang="en-US" dirty="0"/>
+          </a:p>
+        </p:txBody>
+      </p:sp>
+      <p:pic>
+        <p:nvPicPr>
+          <p:cNvPr id="12" name="Content Placeholder 11" descr="Overwriting the data around the pointers">
+            <a:extLst>
+              <a:ext uri="{FF2B5EF4-FFF2-40B4-BE49-F238E27FC236}">
+                <a16:creationId xmlns:a16="http://schemas.microsoft.com/office/drawing/2014/main" id="{E1519185-0BB1-D04B-8DC0-36FD123B0481}"/>
               </a:ext>
             </a:extLst>
           </p:cNvPr>
@@ -49155,45 +50908,15 @@
         </p:blipFill>
         <p:spPr>
           <a:xfrm>
-            <a:off x="335830" y="1091374"/>
-            <a:ext cx="3972220" cy="3182422"/>
+            <a:off x="210843" y="994172"/>
+            <a:ext cx="4777767" cy="2725572"/>
           </a:xfrm>
-        </p:spPr>
-      </p:pic>
-      <p:pic>
-        <p:nvPicPr>
-          <p:cNvPr id="7" name="Picture 6" descr="Unsafe unlink writing over the top of itself.">
-            <a:extLst>
-              <a:ext uri="{FF2B5EF4-FFF2-40B4-BE49-F238E27FC236}">
-                <a16:creationId xmlns:a16="http://schemas.microsoft.com/office/drawing/2014/main" id="{07AB6A48-DA8A-EE45-90EF-9802668B6D3F}"/>
-              </a:ext>
-            </a:extLst>
-          </p:cNvPr>
-          <p:cNvPicPr>
-            <a:picLocks noChangeAspect="1"/>
-          </p:cNvPicPr>
-          <p:nvPr/>
-        </p:nvPicPr>
-        <p:blipFill>
-          <a:blip r:embed="rId3"/>
-          <a:stretch>
-            <a:fillRect/>
-          </a:stretch>
-        </p:blipFill>
-        <p:spPr>
-          <a:xfrm>
-            <a:off x="2525587" y="3702027"/>
-            <a:ext cx="3223279" cy="1233601"/>
-          </a:xfrm>
-          <a:prstGeom prst="rect">
-            <a:avLst/>
-          </a:prstGeom>
         </p:spPr>
       </p:pic>
     </p:spTree>
     <p:extLst>
       <p:ext uri="{BB962C8B-B14F-4D97-AF65-F5344CB8AC3E}">
-        <p14:creationId xmlns:p14="http://schemas.microsoft.com/office/powerpoint/2010/main" val="2393535310"/>
+        <p14:creationId xmlns:p14="http://schemas.microsoft.com/office/powerpoint/2010/main" val="953586807"/>
       </p:ext>
     </p:extLst>
   </p:cSld>
@@ -49203,7 +50926,157 @@
 </p:sld>
 </file>
 
-<file path=ppt/slides/slide93.xml><?xml version="1.0" encoding="utf-8"?>
+<file path=ppt/slides/slide97.xml><?xml version="1.0" encoding="utf-8"?>
+<p:sld xmlns:a="http://schemas.openxmlformats.org/drawingml/2006/main" xmlns:r="http://schemas.openxmlformats.org/officeDocument/2006/relationships" xmlns:p="http://schemas.openxmlformats.org/presentationml/2006/main">
+  <p:cSld>
+    <p:spTree>
+      <p:nvGrpSpPr>
+        <p:cNvPr id="1" name=""/>
+        <p:cNvGrpSpPr/>
+        <p:nvPr/>
+      </p:nvGrpSpPr>
+      <p:grpSpPr>
+        <a:xfrm>
+          <a:off x="0" y="0"/>
+          <a:ext cx="0" cy="0"/>
+          <a:chOff x="0" y="0"/>
+          <a:chExt cx="0" cy="0"/>
+        </a:xfrm>
+      </p:grpSpPr>
+      <p:sp>
+        <p:nvSpPr>
+          <p:cNvPr id="2" name="Title 1">
+            <a:extLst>
+              <a:ext uri="{FF2B5EF4-FFF2-40B4-BE49-F238E27FC236}">
+                <a16:creationId xmlns:a16="http://schemas.microsoft.com/office/drawing/2014/main" id="{E9E670F8-AACA-D046-8E4F-17454C7527D7}"/>
+              </a:ext>
+            </a:extLst>
+          </p:cNvPr>
+          <p:cNvSpPr>
+            <a:spLocks noGrp="1"/>
+          </p:cNvSpPr>
+          <p:nvPr>
+            <p:ph type="title"/>
+          </p:nvPr>
+        </p:nvSpPr>
+        <p:spPr>
+          <a:xfrm>
+            <a:off x="592585" y="0"/>
+            <a:ext cx="8418249" cy="994172"/>
+          </a:xfrm>
+        </p:spPr>
+        <p:txBody>
+          <a:bodyPr anchor="ctr">
+            <a:normAutofit/>
+          </a:bodyPr>
+          <a:lstStyle/>
+          <a:p>
+            <a:r>
+              <a:rPr lang="en-US" dirty="0"/>
+              <a:t>Unsafe Unlink – Aftermath</a:t>
+            </a:r>
+          </a:p>
+        </p:txBody>
+      </p:sp>
+      <p:sp>
+        <p:nvSpPr>
+          <p:cNvPr id="8" name="Content Placeholder 7">
+            <a:extLst>
+              <a:ext uri="{FF2B5EF4-FFF2-40B4-BE49-F238E27FC236}">
+                <a16:creationId xmlns:a16="http://schemas.microsoft.com/office/drawing/2014/main" id="{3D35A732-1F45-D147-B0BB-44CB04EA56CF}"/>
+              </a:ext>
+            </a:extLst>
+          </p:cNvPr>
+          <p:cNvSpPr>
+            <a:spLocks noGrp="1"/>
+          </p:cNvSpPr>
+          <p:nvPr>
+            <p:ph sz="half" idx="2"/>
+          </p:nvPr>
+        </p:nvSpPr>
+        <p:spPr>
+          <a:xfrm>
+            <a:off x="5395501" y="809926"/>
+            <a:ext cx="3615334" cy="3263504"/>
+          </a:xfrm>
+        </p:spPr>
+        <p:txBody>
+          <a:bodyPr/>
+          <a:lstStyle/>
+          <a:p>
+            <a:r>
+              <a:rPr lang="en-US" dirty="0"/>
+              <a:t>Corrupt the 3 previous values to our pointer.</a:t>
+            </a:r>
+          </a:p>
+          <a:p>
+            <a:r>
+              <a:rPr lang="en-US" dirty="0"/>
+              <a:t>If list of pointers, this could be VERY useful!</a:t>
+            </a:r>
+          </a:p>
+          <a:p>
+            <a:r>
+              <a:rPr lang="en-US" dirty="0"/>
+              <a:t>If control </a:t>
+            </a:r>
+            <a:r>
+              <a:rPr lang="en-US" i="1" dirty="0"/>
+              <a:t>pointer to chunk,</a:t>
+            </a:r>
+            <a:r>
+              <a:rPr lang="en-US" dirty="0"/>
+              <a:t> we can edit this forever with our own values. </a:t>
+            </a:r>
+          </a:p>
+          <a:p>
+            <a:endParaRPr lang="en-US" dirty="0"/>
+          </a:p>
+        </p:txBody>
+      </p:sp>
+      <p:pic>
+        <p:nvPicPr>
+          <p:cNvPr id="6" name="Content Placeholder 5" descr="Overwriting a pointer to the chunk itself!">
+            <a:extLst>
+              <a:ext uri="{FF2B5EF4-FFF2-40B4-BE49-F238E27FC236}">
+                <a16:creationId xmlns:a16="http://schemas.microsoft.com/office/drawing/2014/main" id="{D5280E64-2B2D-394D-A643-8259B15F7925}"/>
+              </a:ext>
+            </a:extLst>
+          </p:cNvPr>
+          <p:cNvPicPr>
+            <a:picLocks noGrp="1" noChangeAspect="1"/>
+          </p:cNvPicPr>
+          <p:nvPr>
+            <p:ph sz="half" idx="1"/>
+          </p:nvPr>
+        </p:nvPicPr>
+        <p:blipFill>
+          <a:blip r:embed="rId2"/>
+          <a:stretch>
+            <a:fillRect/>
+          </a:stretch>
+        </p:blipFill>
+        <p:spPr>
+          <a:xfrm>
+            <a:off x="0" y="809926"/>
+            <a:ext cx="5143570" cy="3122882"/>
+          </a:xfrm>
+        </p:spPr>
+      </p:pic>
+    </p:spTree>
+    <p:extLst>
+      <p:ext uri="{BB962C8B-B14F-4D97-AF65-F5344CB8AC3E}">
+        <p14:creationId xmlns:p14="http://schemas.microsoft.com/office/powerpoint/2010/main" val="601024480"/>
+      </p:ext>
+    </p:extLst>
+  </p:cSld>
+  <p:clrMapOvr>
+    <a:masterClrMapping/>
+  </p:clrMapOvr>
+</p:sld>
+</file>
+
+<file path=ppt/slides/slide98.xml><?xml version="1.0" encoding="utf-8"?>
 <p:sld xmlns:a="http://schemas.openxmlformats.org/drawingml/2006/main" xmlns:r="http://schemas.openxmlformats.org/officeDocument/2006/relationships" xmlns:p="http://schemas.openxmlformats.org/presentationml/2006/main">
   <p:cSld>
     <p:spTree>
@@ -49299,7 +51172,7 @@
 </p:sld>
 </file>
 
-<file path=ppt/slides/slide94.xml><?xml version="1.0" encoding="utf-8"?>
+<file path=ppt/slides/slide99.xml><?xml version="1.0" encoding="utf-8"?>
 <p:sld xmlns:a="http://schemas.openxmlformats.org/drawingml/2006/main" xmlns:r="http://schemas.openxmlformats.org/officeDocument/2006/relationships" xmlns:p="http://schemas.openxmlformats.org/presentationml/2006/main">
   <p:cSld>
     <p:spTree>
@@ -49396,257 +51269,6 @@
     <p:extLst>
       <p:ext uri="{BB962C8B-B14F-4D97-AF65-F5344CB8AC3E}">
         <p14:creationId xmlns:p14="http://schemas.microsoft.com/office/powerpoint/2010/main" val="2337429973"/>
-      </p:ext>
-    </p:extLst>
-  </p:cSld>
-  <p:clrMapOvr>
-    <a:masterClrMapping/>
-  </p:clrMapOvr>
-</p:sld>
-</file>
-
-<file path=ppt/slides/slide95.xml><?xml version="1.0" encoding="utf-8"?>
-<p:sld xmlns:a="http://schemas.openxmlformats.org/drawingml/2006/main" xmlns:r="http://schemas.openxmlformats.org/officeDocument/2006/relationships" xmlns:p="http://schemas.openxmlformats.org/presentationml/2006/main">
-  <p:cSld>
-    <p:spTree>
-      <p:nvGrpSpPr>
-        <p:cNvPr id="1" name=""/>
-        <p:cNvGrpSpPr/>
-        <p:nvPr/>
-      </p:nvGrpSpPr>
-      <p:grpSpPr>
-        <a:xfrm>
-          <a:off x="0" y="0"/>
-          <a:ext cx="0" cy="0"/>
-          <a:chOff x="0" y="0"/>
-          <a:chExt cx="0" cy="0"/>
-        </a:xfrm>
-      </p:grpSpPr>
-      <p:sp>
-        <p:nvSpPr>
-          <p:cNvPr id="2" name="Title 1">
-            <a:extLst>
-              <a:ext uri="{FF2B5EF4-FFF2-40B4-BE49-F238E27FC236}">
-                <a16:creationId xmlns:a16="http://schemas.microsoft.com/office/drawing/2014/main" id="{C96CF04D-2F9B-2D4B-BB6E-1DBC2C66150E}"/>
-              </a:ext>
-            </a:extLst>
-          </p:cNvPr>
-          <p:cNvSpPr>
-            <a:spLocks noGrp="1"/>
-          </p:cNvSpPr>
-          <p:nvPr>
-            <p:ph type="title"/>
-          </p:nvPr>
-        </p:nvSpPr>
-        <p:spPr/>
-        <p:txBody>
-          <a:bodyPr/>
-          <a:lstStyle/>
-          <a:p>
-            <a:r>
-              <a:rPr lang="en-US" dirty="0"/>
-              <a:t>Similar Techniques</a:t>
-            </a:r>
-          </a:p>
-        </p:txBody>
-      </p:sp>
-      <p:sp>
-        <p:nvSpPr>
-          <p:cNvPr id="3" name="Content Placeholder 2">
-            <a:extLst>
-              <a:ext uri="{FF2B5EF4-FFF2-40B4-BE49-F238E27FC236}">
-                <a16:creationId xmlns:a16="http://schemas.microsoft.com/office/drawing/2014/main" id="{DB0B48B3-4287-5643-8B39-63515724D843}"/>
-              </a:ext>
-            </a:extLst>
-          </p:cNvPr>
-          <p:cNvSpPr>
-            <a:spLocks noGrp="1"/>
-          </p:cNvSpPr>
-          <p:nvPr>
-            <p:ph idx="1"/>
-          </p:nvPr>
-        </p:nvSpPr>
-        <p:spPr/>
-        <p:txBody>
-          <a:bodyPr/>
-          <a:lstStyle/>
-          <a:p>
-            <a:r>
-              <a:rPr lang="en-US" dirty="0"/>
-              <a:t>House of Einherjar: </a:t>
-            </a:r>
-          </a:p>
-          <a:p>
-            <a:pPr lvl="1"/>
-            <a:r>
-              <a:rPr lang="en-US" dirty="0"/>
-              <a:t>Unlink a fake chunk to overlap a large chunk of data</a:t>
-            </a:r>
-          </a:p>
-          <a:p>
-            <a:r>
-              <a:rPr lang="en-US" dirty="0"/>
-              <a:t>House of Storm: 	</a:t>
-            </a:r>
-          </a:p>
-          <a:p>
-            <a:pPr lvl="1"/>
-            <a:r>
-              <a:rPr lang="en-US" dirty="0"/>
-              <a:t>Add in a chunk by corrupting free list pointers</a:t>
-            </a:r>
-          </a:p>
-        </p:txBody>
-      </p:sp>
-    </p:spTree>
-    <p:extLst>
-      <p:ext uri="{BB962C8B-B14F-4D97-AF65-F5344CB8AC3E}">
-        <p14:creationId xmlns:p14="http://schemas.microsoft.com/office/powerpoint/2010/main" val="3545615887"/>
-      </p:ext>
-    </p:extLst>
-  </p:cSld>
-  <p:clrMapOvr>
-    <a:masterClrMapping/>
-  </p:clrMapOvr>
-</p:sld>
-</file>
-
-<file path=ppt/slides/slide96.xml><?xml version="1.0" encoding="utf-8"?>
-<p:sld xmlns:a="http://schemas.openxmlformats.org/drawingml/2006/main" xmlns:r="http://schemas.openxmlformats.org/officeDocument/2006/relationships" xmlns:p="http://schemas.openxmlformats.org/presentationml/2006/main">
-  <p:cSld>
-    <p:spTree>
-      <p:nvGrpSpPr>
-        <p:cNvPr id="1" name=""/>
-        <p:cNvGrpSpPr/>
-        <p:nvPr/>
-      </p:nvGrpSpPr>
-      <p:grpSpPr>
-        <a:xfrm>
-          <a:off x="0" y="0"/>
-          <a:ext cx="0" cy="0"/>
-          <a:chOff x="0" y="0"/>
-          <a:chExt cx="0" cy="0"/>
-        </a:xfrm>
-      </p:grpSpPr>
-      <p:sp>
-        <p:nvSpPr>
-          <p:cNvPr id="2" name="Title 1">
-            <a:extLst>
-              <a:ext uri="{FF2B5EF4-FFF2-40B4-BE49-F238E27FC236}">
-                <a16:creationId xmlns:a16="http://schemas.microsoft.com/office/drawing/2014/main" id="{B4A67C53-5C79-0548-A92E-EC918DEE6260}"/>
-              </a:ext>
-            </a:extLst>
-          </p:cNvPr>
-          <p:cNvSpPr>
-            <a:spLocks noGrp="1"/>
-          </p:cNvSpPr>
-          <p:nvPr>
-            <p:ph type="title"/>
-          </p:nvPr>
-        </p:nvSpPr>
-        <p:spPr/>
-        <p:txBody>
-          <a:bodyPr/>
-          <a:lstStyle/>
-          <a:p>
-            <a:r>
-              <a:rPr lang="en-US" dirty="0"/>
-              <a:t>Resources</a:t>
-            </a:r>
-          </a:p>
-        </p:txBody>
-      </p:sp>
-      <p:sp>
-        <p:nvSpPr>
-          <p:cNvPr id="3" name="Content Placeholder 2">
-            <a:extLst>
-              <a:ext uri="{FF2B5EF4-FFF2-40B4-BE49-F238E27FC236}">
-                <a16:creationId xmlns:a16="http://schemas.microsoft.com/office/drawing/2014/main" id="{31ED45E3-BAAF-194E-B4F4-BBE1A78FE0F0}"/>
-              </a:ext>
-            </a:extLst>
-          </p:cNvPr>
-          <p:cNvSpPr>
-            <a:spLocks noGrp="1"/>
-          </p:cNvSpPr>
-          <p:nvPr>
-            <p:ph idx="1"/>
-          </p:nvPr>
-        </p:nvSpPr>
-        <p:spPr/>
-        <p:txBody>
-          <a:bodyPr/>
-          <a:lstStyle/>
-          <a:p>
-            <a:r>
-              <a:rPr lang="en-US" dirty="0" err="1"/>
-              <a:t>LiveOverflow</a:t>
-            </a:r>
-            <a:r>
-              <a:rPr lang="en-US" dirty="0"/>
-              <a:t>: </a:t>
-            </a:r>
-            <a:r>
-              <a:rPr lang="en-US" dirty="0">
-                <a:hlinkClick r:id="rId2"/>
-              </a:rPr>
-              <a:t>https://www.youtube.com/watch?v=gL45bjQvZSU</a:t>
-            </a:r>
-            <a:endParaRPr lang="en-US" dirty="0"/>
-          </a:p>
-          <a:p>
-            <a:r>
-              <a:rPr lang="en-US" dirty="0"/>
-              <a:t>Once Upon a Free: </a:t>
-            </a:r>
-            <a:r>
-              <a:rPr lang="en-US" dirty="0">
-                <a:hlinkClick r:id="rId3"/>
-              </a:rPr>
-              <a:t>http://phrack.org/issues/57/9.html</a:t>
-            </a:r>
-            <a:endParaRPr lang="en-US" dirty="0"/>
-          </a:p>
-          <a:p>
-            <a:r>
-              <a:rPr lang="en-US" dirty="0"/>
-              <a:t>Unsafe Unlink: </a:t>
-            </a:r>
-          </a:p>
-          <a:p>
-            <a:pPr lvl="1"/>
-            <a:r>
-              <a:rPr lang="en-US" dirty="0">
-                <a:hlinkClick r:id="rId4"/>
-              </a:rPr>
-              <a:t>https://heap-exploitation.dhavalkapil.com/attacks/unlink_exploit.html</a:t>
-            </a:r>
-            <a:endParaRPr lang="en-US" dirty="0"/>
-          </a:p>
-          <a:p>
-            <a:pPr lvl="1"/>
-            <a:r>
-              <a:rPr lang="en-US" dirty="0">
-                <a:hlinkClick r:id="rId5"/>
-              </a:rPr>
-              <a:t>https://dangokyo.me/2018/01/01/heap-exploitation-unsafe-unlink-fastbin-corruption/</a:t>
-            </a:r>
-            <a:endParaRPr lang="en-US" dirty="0"/>
-          </a:p>
-          <a:p>
-            <a:pPr marL="457200" lvl="1" indent="0">
-              <a:buNone/>
-            </a:pPr>
-            <a:endParaRPr lang="en-US" dirty="0"/>
-          </a:p>
-          <a:p>
-            <a:endParaRPr lang="en-US" dirty="0"/>
-          </a:p>
-        </p:txBody>
-      </p:sp>
-    </p:spTree>
-    <p:extLst>
-      <p:ext uri="{BB962C8B-B14F-4D97-AF65-F5344CB8AC3E}">
-        <p14:creationId xmlns:p14="http://schemas.microsoft.com/office/powerpoint/2010/main" val="726634461"/>
       </p:ext>
     </p:extLst>
   </p:cSld>

--- a/modules/unlink/Unlink.pptx
+++ b/modules/unlink/Unlink.pptx
@@ -5,7 +5,7 @@
     <p:sldMasterId id="2147483660" r:id="rId1"/>
   </p:sldMasterIdLst>
   <p:notesMasterIdLst>
-    <p:notesMasterId r:id="rId103"/>
+    <p:notesMasterId r:id="rId104"/>
   </p:notesMasterIdLst>
   <p:sldIdLst>
     <p:sldId id="440" r:id="rId2"/>
@@ -80,35 +80,36 @@
     <p:sldId id="491" r:id="rId71"/>
     <p:sldId id="492" r:id="rId72"/>
     <p:sldId id="451" r:id="rId73"/>
-    <p:sldId id="452" r:id="rId74"/>
+    <p:sldId id="528" r:id="rId74"/>
     <p:sldId id="453" r:id="rId75"/>
     <p:sldId id="454" r:id="rId76"/>
     <p:sldId id="427" r:id="rId77"/>
     <p:sldId id="471" r:id="rId78"/>
     <p:sldId id="428" r:id="rId79"/>
-    <p:sldId id="457" r:id="rId80"/>
-    <p:sldId id="513" r:id="rId81"/>
-    <p:sldId id="459" r:id="rId82"/>
-    <p:sldId id="460" r:id="rId83"/>
-    <p:sldId id="515" r:id="rId84"/>
-    <p:sldId id="461" r:id="rId85"/>
-    <p:sldId id="517" r:id="rId86"/>
-    <p:sldId id="519" r:id="rId87"/>
-    <p:sldId id="518" r:id="rId88"/>
-    <p:sldId id="520" r:id="rId89"/>
-    <p:sldId id="521" r:id="rId90"/>
-    <p:sldId id="467" r:id="rId91"/>
-    <p:sldId id="468" r:id="rId92"/>
-    <p:sldId id="466" r:id="rId93"/>
-    <p:sldId id="522" r:id="rId94"/>
-    <p:sldId id="523" r:id="rId95"/>
-    <p:sldId id="524" r:id="rId96"/>
-    <p:sldId id="525" r:id="rId97"/>
-    <p:sldId id="526" r:id="rId98"/>
-    <p:sldId id="458" r:id="rId99"/>
-    <p:sldId id="470" r:id="rId100"/>
-    <p:sldId id="442" r:id="rId101"/>
-    <p:sldId id="429" r:id="rId102"/>
+    <p:sldId id="527" r:id="rId80"/>
+    <p:sldId id="457" r:id="rId81"/>
+    <p:sldId id="513" r:id="rId82"/>
+    <p:sldId id="459" r:id="rId83"/>
+    <p:sldId id="460" r:id="rId84"/>
+    <p:sldId id="515" r:id="rId85"/>
+    <p:sldId id="461" r:id="rId86"/>
+    <p:sldId id="517" r:id="rId87"/>
+    <p:sldId id="519" r:id="rId88"/>
+    <p:sldId id="518" r:id="rId89"/>
+    <p:sldId id="520" r:id="rId90"/>
+    <p:sldId id="521" r:id="rId91"/>
+    <p:sldId id="467" r:id="rId92"/>
+    <p:sldId id="468" r:id="rId93"/>
+    <p:sldId id="466" r:id="rId94"/>
+    <p:sldId id="522" r:id="rId95"/>
+    <p:sldId id="523" r:id="rId96"/>
+    <p:sldId id="524" r:id="rId97"/>
+    <p:sldId id="525" r:id="rId98"/>
+    <p:sldId id="526" r:id="rId99"/>
+    <p:sldId id="458" r:id="rId100"/>
+    <p:sldId id="470" r:id="rId101"/>
+    <p:sldId id="442" r:id="rId102"/>
+    <p:sldId id="429" r:id="rId103"/>
   </p:sldIdLst>
   <p:sldSz cx="9144000" cy="5143500" type="screen16x9"/>
   <p:notesSz cx="6858000" cy="9144000"/>
@@ -24633,7 +24634,7 @@
           <a:p>
             <a:fld id="{2DA23E8D-1792-1541-9147-970A8DD8A355}" type="datetimeFigureOut">
               <a:rPr lang="en-US" smtClean="0"/>
-              <a:t>12/18/21</a:t>
+              <a:t>4/17/22</a:t>
             </a:fld>
             <a:endParaRPr lang="en-US" dirty="0"/>
           </a:p>
@@ -25052,7 +25053,7 @@
           <a:p>
             <a:fld id="{AC55928C-CD14-454C-B617-1AFCF9A58596}" type="slidenum">
               <a:rPr lang="en-US" smtClean="0"/>
-              <a:t>90</a:t>
+              <a:t>91</a:t>
             </a:fld>
             <a:endParaRPr lang="en-US" dirty="0"/>
           </a:p>
@@ -25139,7 +25140,7 @@
           <a:p>
             <a:fld id="{AC55928C-CD14-454C-B617-1AFCF9A58596}" type="slidenum">
               <a:rPr lang="en-US" smtClean="0"/>
-              <a:t>91</a:t>
+              <a:t>92</a:t>
             </a:fld>
             <a:endParaRPr lang="en-US" dirty="0"/>
           </a:p>
@@ -25313,7 +25314,7 @@
           <a:p>
             <a:fld id="{AC55928C-CD14-454C-B617-1AFCF9A58596}" type="slidenum">
               <a:rPr lang="en-US" smtClean="0"/>
-              <a:t>79</a:t>
+              <a:t>80</a:t>
             </a:fld>
             <a:endParaRPr lang="en-US" dirty="0"/>
           </a:p>
@@ -25400,7 +25401,7 @@
           <a:p>
             <a:fld id="{AC55928C-CD14-454C-B617-1AFCF9A58596}" type="slidenum">
               <a:rPr lang="en-US" smtClean="0"/>
-              <a:t>81</a:t>
+              <a:t>82</a:t>
             </a:fld>
             <a:endParaRPr lang="en-US" dirty="0"/>
           </a:p>
@@ -25484,7 +25485,7 @@
           <a:p>
             <a:fld id="{AC55928C-CD14-454C-B617-1AFCF9A58596}" type="slidenum">
               <a:rPr lang="en-US" smtClean="0"/>
-              <a:t>83</a:t>
+              <a:t>84</a:t>
             </a:fld>
             <a:endParaRPr lang="en-US" dirty="0"/>
           </a:p>
@@ -25571,7 +25572,7 @@
           <a:p>
             <a:fld id="{AC55928C-CD14-454C-B617-1AFCF9A58596}" type="slidenum">
               <a:rPr lang="en-US" smtClean="0"/>
-              <a:t>86</a:t>
+              <a:t>87</a:t>
             </a:fld>
             <a:endParaRPr lang="en-US" dirty="0"/>
           </a:p>
@@ -25658,7 +25659,7 @@
           <a:p>
             <a:fld id="{AC55928C-CD14-454C-B617-1AFCF9A58596}" type="slidenum">
               <a:rPr lang="en-US" smtClean="0"/>
-              <a:t>87</a:t>
+              <a:t>88</a:t>
             </a:fld>
             <a:endParaRPr lang="en-US" dirty="0"/>
           </a:p>
@@ -25745,7 +25746,7 @@
           <a:p>
             <a:fld id="{AC55928C-CD14-454C-B617-1AFCF9A58596}" type="slidenum">
               <a:rPr lang="en-US" smtClean="0"/>
-              <a:t>88</a:t>
+              <a:t>89</a:t>
             </a:fld>
             <a:endParaRPr lang="en-US" dirty="0"/>
           </a:p>
@@ -25832,7 +25833,7 @@
           <a:p>
             <a:fld id="{AC55928C-CD14-454C-B617-1AFCF9A58596}" type="slidenum">
               <a:rPr lang="en-US" smtClean="0"/>
-              <a:t>89</a:t>
+              <a:t>90</a:t>
             </a:fld>
             <a:endParaRPr lang="en-US" dirty="0"/>
           </a:p>
@@ -26054,7 +26055,7 @@
                 <a:latin typeface="Calibri"/>
               </a:rPr>
               <a:pPr/>
-              <a:t>12/18/21</a:t>
+              <a:t>4/17/22</a:t>
             </a:fld>
             <a:endParaRPr lang="en-US" dirty="0">
               <a:solidFill>
@@ -26307,7 +26308,7 @@
                 <a:latin typeface="Calibri"/>
               </a:rPr>
               <a:pPr/>
-              <a:t>12/18/21</a:t>
+              <a:t>4/17/22</a:t>
             </a:fld>
             <a:endParaRPr lang="en-US" dirty="0">
               <a:solidFill>
@@ -26522,7 +26523,7 @@
                 <a:latin typeface="Calibri"/>
               </a:rPr>
               <a:pPr/>
-              <a:t>12/18/21</a:t>
+              <a:t>4/17/22</a:t>
             </a:fld>
             <a:endParaRPr lang="en-US" dirty="0">
               <a:solidFill>
@@ -26920,7 +26921,7 @@
                 <a:latin typeface="Calibri"/>
               </a:rPr>
               <a:pPr/>
-              <a:t>12/18/21</a:t>
+              <a:t>4/17/22</a:t>
             </a:fld>
             <a:endParaRPr lang="en-US" dirty="0">
               <a:solidFill>
@@ -27262,7 +27263,7 @@
                 <a:latin typeface="Calibri"/>
               </a:rPr>
               <a:pPr/>
-              <a:t>12/18/21</a:t>
+              <a:t>4/17/22</a:t>
             </a:fld>
             <a:endParaRPr lang="en-US" dirty="0">
               <a:solidFill>
@@ -27590,7 +27591,7 @@
                 <a:latin typeface="Calibri"/>
               </a:rPr>
               <a:pPr/>
-              <a:t>12/18/21</a:t>
+              <a:t>4/17/22</a:t>
             </a:fld>
             <a:endParaRPr lang="en-US" dirty="0">
               <a:solidFill>
@@ -28079,7 +28080,7 @@
                 <a:latin typeface="Calibri"/>
               </a:rPr>
               <a:pPr/>
-              <a:t>12/18/21</a:t>
+              <a:t>4/17/22</a:t>
             </a:fld>
             <a:endParaRPr lang="en-US" dirty="0">
               <a:solidFill>
@@ -28262,7 +28263,7 @@
                 <a:latin typeface="Calibri"/>
               </a:rPr>
               <a:pPr/>
-              <a:t>12/18/21</a:t>
+              <a:t>4/17/22</a:t>
             </a:fld>
             <a:endParaRPr lang="en-US" dirty="0">
               <a:solidFill>
@@ -28508,7 +28509,7 @@
                 <a:latin typeface="Calibri"/>
               </a:rPr>
               <a:pPr/>
-              <a:t>12/18/21</a:t>
+              <a:t>4/17/22</a:t>
             </a:fld>
             <a:endParaRPr lang="en-US" dirty="0">
               <a:solidFill>
@@ -28850,7 +28851,7 @@
                 <a:latin typeface="Calibri"/>
               </a:rPr>
               <a:pPr/>
-              <a:t>12/18/21</a:t>
+              <a:t>4/17/22</a:t>
             </a:fld>
             <a:endParaRPr lang="en-US" dirty="0">
               <a:solidFill>
@@ -29142,7 +29143,7 @@
                 <a:latin typeface="Calibri"/>
               </a:rPr>
               <a:pPr/>
-              <a:t>12/18/21</a:t>
+              <a:t>4/17/22</a:t>
             </a:fld>
             <a:endParaRPr lang="en-US" dirty="0">
               <a:solidFill>
@@ -29392,7 +29393,7 @@
                 <a:latin typeface="Calibri"/>
               </a:rPr>
               <a:pPr defTabSz="914400"/>
-              <a:t>12/18/21</a:t>
+              <a:t>4/17/22</a:t>
             </a:fld>
             <a:endParaRPr lang="en-US" dirty="0">
               <a:solidFill>
@@ -30045,6 +30046,112 @@
           <p:cNvPr id="2" name="Title 1">
             <a:extLst>
               <a:ext uri="{FF2B5EF4-FFF2-40B4-BE49-F238E27FC236}">
+                <a16:creationId xmlns:a16="http://schemas.microsoft.com/office/drawing/2014/main" id="{A90A02E4-3663-3C40-BA39-AFC8E4C6C9EC}"/>
+              </a:ext>
+            </a:extLst>
+          </p:cNvPr>
+          <p:cNvSpPr>
+            <a:spLocks noGrp="1"/>
+          </p:cNvSpPr>
+          <p:nvPr>
+            <p:ph type="title"/>
+          </p:nvPr>
+        </p:nvSpPr>
+        <p:spPr>
+          <a:xfrm>
+            <a:off x="628650" y="273847"/>
+            <a:ext cx="7886700" cy="994172"/>
+          </a:xfrm>
+        </p:spPr>
+        <p:txBody>
+          <a:bodyPr anchor="ctr">
+            <a:normAutofit/>
+          </a:bodyPr>
+          <a:lstStyle/>
+          <a:p>
+            <a:r>
+              <a:rPr lang="en-US" dirty="0"/>
+              <a:t>Unsafe Unlink DEMO</a:t>
+            </a:r>
+          </a:p>
+        </p:txBody>
+      </p:sp>
+      <p:pic>
+        <p:nvPicPr>
+          <p:cNvPr id="1026" name="Picture 2" descr="Demo - Better support, happy customers - TOPdesk">
+            <a:extLst>
+              <a:ext uri="{FF2B5EF4-FFF2-40B4-BE49-F238E27FC236}">
+                <a16:creationId xmlns:a16="http://schemas.microsoft.com/office/drawing/2014/main" id="{2C8C0D5D-E3BF-EE49-B634-8F339CA9B268}"/>
+              </a:ext>
+            </a:extLst>
+          </p:cNvPr>
+          <p:cNvPicPr>
+            <a:picLocks noGrp="1" noChangeAspect="1" noChangeArrowheads="1"/>
+          </p:cNvPicPr>
+          <p:nvPr>
+            <p:ph idx="1"/>
+          </p:nvPr>
+        </p:nvPicPr>
+        <p:blipFill>
+          <a:blip r:embed="rId2">
+            <a:extLst>
+              <a:ext uri="{28A0092B-C50C-407E-A947-70E740481C1C}">
+                <a14:useLocalDpi xmlns:a14="http://schemas.microsoft.com/office/drawing/2010/main" val="0"/>
+              </a:ext>
+            </a:extLst>
+          </a:blip>
+          <a:stretch>
+            <a:fillRect/>
+          </a:stretch>
+        </p:blipFill>
+        <p:spPr bwMode="auto">
+          <a:xfrm>
+            <a:off x="1886602" y="1236541"/>
+            <a:ext cx="5370795" cy="3263504"/>
+          </a:xfrm>
+          <a:prstGeom prst="rect">
+            <a:avLst/>
+          </a:prstGeom>
+          <a:solidFill>
+            <a:srgbClr val="FFFFFF"/>
+          </a:solidFill>
+        </p:spPr>
+      </p:pic>
+    </p:spTree>
+    <p:extLst>
+      <p:ext uri="{BB962C8B-B14F-4D97-AF65-F5344CB8AC3E}">
+        <p14:creationId xmlns:p14="http://schemas.microsoft.com/office/powerpoint/2010/main" val="2337429973"/>
+      </p:ext>
+    </p:extLst>
+  </p:cSld>
+  <p:clrMapOvr>
+    <a:masterClrMapping/>
+  </p:clrMapOvr>
+</p:sld>
+</file>
+
+<file path=ppt/slides/slide101.xml><?xml version="1.0" encoding="utf-8"?>
+<p:sld xmlns:a="http://schemas.openxmlformats.org/drawingml/2006/main" xmlns:r="http://schemas.openxmlformats.org/officeDocument/2006/relationships" xmlns:p="http://schemas.openxmlformats.org/presentationml/2006/main">
+  <p:cSld>
+    <p:spTree>
+      <p:nvGrpSpPr>
+        <p:cNvPr id="1" name=""/>
+        <p:cNvGrpSpPr/>
+        <p:nvPr/>
+      </p:nvGrpSpPr>
+      <p:grpSpPr>
+        <a:xfrm>
+          <a:off x="0" y="0"/>
+          <a:ext cx="0" cy="0"/>
+          <a:chOff x="0" y="0"/>
+          <a:chExt cx="0" cy="0"/>
+        </a:xfrm>
+      </p:grpSpPr>
+      <p:sp>
+        <p:nvSpPr>
+          <p:cNvPr id="2" name="Title 1">
+            <a:extLst>
+              <a:ext uri="{FF2B5EF4-FFF2-40B4-BE49-F238E27FC236}">
                 <a16:creationId xmlns:a16="http://schemas.microsoft.com/office/drawing/2014/main" id="{C96CF04D-2F9B-2D4B-BB6E-1DBC2C66150E}"/>
               </a:ext>
             </a:extLst>
@@ -30129,7 +30236,7 @@
 </p:sld>
 </file>
 
-<file path=ppt/slides/slide101.xml><?xml version="1.0" encoding="utf-8"?>
+<file path=ppt/slides/slide102.xml><?xml version="1.0" encoding="utf-8"?>
 <p:sld xmlns:a="http://schemas.openxmlformats.org/drawingml/2006/main" xmlns:r="http://schemas.openxmlformats.org/officeDocument/2006/relationships" xmlns:p="http://schemas.openxmlformats.org/presentationml/2006/main">
   <p:cSld>
     <p:spTree>
@@ -39523,7 +39630,7 @@
 </file>
 
 <file path=ppt/slides/slide47.xml><?xml version="1.0" encoding="utf-8"?>
-<p:sld xmlns:a="http://schemas.openxmlformats.org/drawingml/2006/main" xmlns:r="http://schemas.openxmlformats.org/officeDocument/2006/relationships" xmlns:p="http://schemas.openxmlformats.org/presentationml/2006/main">
+<p:sld xmlns:a="http://schemas.openxmlformats.org/drawingml/2006/main" xmlns:r="http://schemas.openxmlformats.org/officeDocument/2006/relationships" xmlns:p="http://schemas.openxmlformats.org/presentationml/2006/main" show="0">
   <p:cSld>
     <p:spTree>
       <p:nvGrpSpPr>
@@ -39842,7 +39949,7 @@
         </p:blipFill>
         <p:spPr>
           <a:xfrm>
-            <a:off x="3224244" y="1190562"/>
+            <a:off x="302287" y="1152413"/>
             <a:ext cx="5774253" cy="2062233"/>
           </a:xfrm>
           <a:prstGeom prst="rect">
@@ -39850,12 +39957,73 @@
           </a:prstGeom>
         </p:spPr>
       </p:pic>
+      <p:sp>
+        <p:nvSpPr>
+          <p:cNvPr id="4" name="Rectangle 3">
+            <a:extLst>
+              <a:ext uri="{FF2B5EF4-FFF2-40B4-BE49-F238E27FC236}">
+                <a16:creationId xmlns:a16="http://schemas.microsoft.com/office/drawing/2014/main" id="{DB6295F9-9CF9-50E6-C0D4-B72710AFB71B}"/>
+              </a:ext>
+            </a:extLst>
+          </p:cNvPr>
+          <p:cNvSpPr/>
+          <p:nvPr/>
+        </p:nvSpPr>
+        <p:spPr>
+          <a:xfrm>
+            <a:off x="2801958" y="1164603"/>
+            <a:ext cx="597358" cy="244982"/>
+          </a:xfrm>
+          <a:prstGeom prst="rect">
+            <a:avLst/>
+          </a:prstGeom>
+          <a:solidFill>
+            <a:schemeClr val="bg1"/>
+          </a:solidFill>
+          <a:ln>
+            <a:solidFill>
+              <a:schemeClr val="bg1"/>
+            </a:solidFill>
+          </a:ln>
+        </p:spPr>
+        <p:style>
+          <a:lnRef idx="2">
+            <a:schemeClr val="accent1">
+              <a:shade val="50000"/>
+            </a:schemeClr>
+          </a:lnRef>
+          <a:fillRef idx="1">
+            <a:schemeClr val="accent1"/>
+          </a:fillRef>
+          <a:effectRef idx="0">
+            <a:schemeClr val="accent1"/>
+          </a:effectRef>
+          <a:fontRef idx="minor">
+            <a:schemeClr val="lt1"/>
+          </a:fontRef>
+        </p:style>
+        <p:txBody>
+          <a:bodyPr rtlCol="0" anchor="ctr"/>
+          <a:lstStyle/>
+          <a:p>
+            <a:pPr algn="ctr"/>
+            <a:r>
+              <a:rPr lang="en-US" sz="2200" b="1" dirty="0">
+                <a:solidFill>
+                  <a:schemeClr val="tx1"/>
+                </a:solidFill>
+              </a:rPr>
+              <a:t>Cur</a:t>
+            </a:r>
+          </a:p>
+        </p:txBody>
+      </p:sp>
       <p:pic>
         <p:nvPicPr>
-          <p:cNvPr id="13" name="Picture 12" descr="Unlink WHAT and WHERE sub">
+          <p:cNvPr id="9" name="Picture 8" descr="Unlink source code with the 'where' and 'what' added">
             <a:extLst>
               <a:ext uri="{FF2B5EF4-FFF2-40B4-BE49-F238E27FC236}">
-                <a16:creationId xmlns:a16="http://schemas.microsoft.com/office/drawing/2014/main" id="{8FB49F87-06FB-DA4C-9B60-C126F7F2F096}"/>
+                <a16:creationId xmlns:a16="http://schemas.microsoft.com/office/drawing/2014/main" id="{ECDB9D3F-5A8D-B70A-75F9-24F923C201C8}"/>
               </a:ext>
             </a:extLst>
           </p:cNvPr>
@@ -39866,13 +40034,13 @@
         </p:nvPicPr>
         <p:blipFill rotWithShape="1">
           <a:blip r:embed="rId3"/>
-          <a:srcRect r="44354"/>
+          <a:srcRect l="-1" r="3"/>
           <a:stretch/>
         </p:blipFill>
         <p:spPr>
           <a:xfrm>
-            <a:off x="145504" y="967376"/>
-            <a:ext cx="2625688" cy="2066116"/>
+            <a:off x="4083042" y="2768872"/>
+            <a:ext cx="4758752" cy="1847516"/>
           </a:xfrm>
           <a:prstGeom prst="rect">
             <a:avLst/>
@@ -40045,6 +40213,67 @@
           </a:prstGeom>
         </p:spPr>
       </p:pic>
+      <p:sp>
+        <p:nvSpPr>
+          <p:cNvPr id="6" name="Rectangle 5">
+            <a:extLst>
+              <a:ext uri="{FF2B5EF4-FFF2-40B4-BE49-F238E27FC236}">
+                <a16:creationId xmlns:a16="http://schemas.microsoft.com/office/drawing/2014/main" id="{BF7701B1-5BD1-E6E8-1211-4320EB6B2DED}"/>
+              </a:ext>
+            </a:extLst>
+          </p:cNvPr>
+          <p:cNvSpPr/>
+          <p:nvPr/>
+        </p:nvSpPr>
+        <p:spPr>
+          <a:xfrm>
+            <a:off x="5750177" y="1190562"/>
+            <a:ext cx="597358" cy="244982"/>
+          </a:xfrm>
+          <a:prstGeom prst="rect">
+            <a:avLst/>
+          </a:prstGeom>
+          <a:solidFill>
+            <a:schemeClr val="bg1"/>
+          </a:solidFill>
+          <a:ln>
+            <a:solidFill>
+              <a:schemeClr val="bg1"/>
+            </a:solidFill>
+          </a:ln>
+        </p:spPr>
+        <p:style>
+          <a:lnRef idx="2">
+            <a:schemeClr val="accent1">
+              <a:shade val="50000"/>
+            </a:schemeClr>
+          </a:lnRef>
+          <a:fillRef idx="1">
+            <a:schemeClr val="accent1"/>
+          </a:fillRef>
+          <a:effectRef idx="0">
+            <a:schemeClr val="accent1"/>
+          </a:effectRef>
+          <a:fontRef idx="minor">
+            <a:schemeClr val="lt1"/>
+          </a:fontRef>
+        </p:style>
+        <p:txBody>
+          <a:bodyPr rtlCol="0" anchor="ctr"/>
+          <a:lstStyle/>
+          <a:p>
+            <a:pPr algn="ctr"/>
+            <a:r>
+              <a:rPr lang="en-US" sz="2200" b="1" dirty="0">
+                <a:solidFill>
+                  <a:schemeClr val="tx1"/>
+                </a:solidFill>
+              </a:rPr>
+              <a:t>Cur</a:t>
+            </a:r>
+          </a:p>
+        </p:txBody>
+      </p:sp>
     </p:spTree>
     <p:extLst>
       <p:ext uri="{BB962C8B-B14F-4D97-AF65-F5344CB8AC3E}">
@@ -40734,6 +40963,67 @@
           </a:fontRef>
         </p:style>
       </p:cxnSp>
+      <p:sp>
+        <p:nvSpPr>
+          <p:cNvPr id="9" name="Rectangle 8">
+            <a:extLst>
+              <a:ext uri="{FF2B5EF4-FFF2-40B4-BE49-F238E27FC236}">
+                <a16:creationId xmlns:a16="http://schemas.microsoft.com/office/drawing/2014/main" id="{12AA0716-892C-3998-9690-04660A000C4B}"/>
+              </a:ext>
+            </a:extLst>
+          </p:cNvPr>
+          <p:cNvSpPr/>
+          <p:nvPr/>
+        </p:nvSpPr>
+        <p:spPr>
+          <a:xfrm>
+            <a:off x="5492725" y="1134595"/>
+            <a:ext cx="597358" cy="244982"/>
+          </a:xfrm>
+          <a:prstGeom prst="rect">
+            <a:avLst/>
+          </a:prstGeom>
+          <a:solidFill>
+            <a:schemeClr val="bg1"/>
+          </a:solidFill>
+          <a:ln>
+            <a:solidFill>
+              <a:schemeClr val="bg1"/>
+            </a:solidFill>
+          </a:ln>
+        </p:spPr>
+        <p:style>
+          <a:lnRef idx="2">
+            <a:schemeClr val="accent1">
+              <a:shade val="50000"/>
+            </a:schemeClr>
+          </a:lnRef>
+          <a:fillRef idx="1">
+            <a:schemeClr val="accent1"/>
+          </a:fillRef>
+          <a:effectRef idx="0">
+            <a:schemeClr val="accent1"/>
+          </a:effectRef>
+          <a:fontRef idx="minor">
+            <a:schemeClr val="lt1"/>
+          </a:fontRef>
+        </p:style>
+        <p:txBody>
+          <a:bodyPr rtlCol="0" anchor="ctr"/>
+          <a:lstStyle/>
+          <a:p>
+            <a:pPr algn="ctr"/>
+            <a:r>
+              <a:rPr lang="en-US" sz="2200" b="1" dirty="0">
+                <a:solidFill>
+                  <a:schemeClr val="tx1"/>
+                </a:solidFill>
+              </a:rPr>
+              <a:t>Cur</a:t>
+            </a:r>
+          </a:p>
+        </p:txBody>
+      </p:sp>
     </p:spTree>
     <p:extLst>
       <p:ext uri="{BB962C8B-B14F-4D97-AF65-F5344CB8AC3E}">
@@ -40983,6 +41273,67 @@
           </a:p>
         </p:txBody>
       </p:sp>
+      <p:sp>
+        <p:nvSpPr>
+          <p:cNvPr id="7" name="Rectangle 6">
+            <a:extLst>
+              <a:ext uri="{FF2B5EF4-FFF2-40B4-BE49-F238E27FC236}">
+                <a16:creationId xmlns:a16="http://schemas.microsoft.com/office/drawing/2014/main" id="{C2C073F7-14F9-6BFC-D4FB-DB6DD798D825}"/>
+              </a:ext>
+            </a:extLst>
+          </p:cNvPr>
+          <p:cNvSpPr/>
+          <p:nvPr/>
+        </p:nvSpPr>
+        <p:spPr>
+          <a:xfrm>
+            <a:off x="5563746" y="1145528"/>
+            <a:ext cx="597358" cy="244982"/>
+          </a:xfrm>
+          <a:prstGeom prst="rect">
+            <a:avLst/>
+          </a:prstGeom>
+          <a:solidFill>
+            <a:schemeClr val="bg1"/>
+          </a:solidFill>
+          <a:ln>
+            <a:solidFill>
+              <a:schemeClr val="bg1"/>
+            </a:solidFill>
+          </a:ln>
+        </p:spPr>
+        <p:style>
+          <a:lnRef idx="2">
+            <a:schemeClr val="accent1">
+              <a:shade val="50000"/>
+            </a:schemeClr>
+          </a:lnRef>
+          <a:fillRef idx="1">
+            <a:schemeClr val="accent1"/>
+          </a:fillRef>
+          <a:effectRef idx="0">
+            <a:schemeClr val="accent1"/>
+          </a:effectRef>
+          <a:fontRef idx="minor">
+            <a:schemeClr val="lt1"/>
+          </a:fontRef>
+        </p:style>
+        <p:txBody>
+          <a:bodyPr rtlCol="0" anchor="ctr"/>
+          <a:lstStyle/>
+          <a:p>
+            <a:pPr algn="ctr"/>
+            <a:r>
+              <a:rPr lang="en-US" sz="2200" b="1" dirty="0">
+                <a:solidFill>
+                  <a:schemeClr val="tx1"/>
+                </a:solidFill>
+              </a:rPr>
+              <a:t>Cur</a:t>
+            </a:r>
+          </a:p>
+        </p:txBody>
+      </p:sp>
     </p:spTree>
     <p:extLst>
       <p:ext uri="{BB962C8B-B14F-4D97-AF65-F5344CB8AC3E}">
@@ -41134,6 +41485,189 @@
           <a:noFill/>
         </p:spPr>
       </p:pic>
+      <p:sp>
+        <p:nvSpPr>
+          <p:cNvPr id="6" name="Rectangle 5">
+            <a:extLst>
+              <a:ext uri="{FF2B5EF4-FFF2-40B4-BE49-F238E27FC236}">
+                <a16:creationId xmlns:a16="http://schemas.microsoft.com/office/drawing/2014/main" id="{31793801-AA0B-7B81-F856-5E1F58CB108E}"/>
+              </a:ext>
+            </a:extLst>
+          </p:cNvPr>
+          <p:cNvSpPr/>
+          <p:nvPr/>
+        </p:nvSpPr>
+        <p:spPr>
+          <a:xfrm>
+            <a:off x="4907521" y="1023037"/>
+            <a:ext cx="3268812" cy="244982"/>
+          </a:xfrm>
+          <a:prstGeom prst="rect">
+            <a:avLst/>
+          </a:prstGeom>
+          <a:solidFill>
+            <a:schemeClr val="bg1"/>
+          </a:solidFill>
+          <a:ln>
+            <a:solidFill>
+              <a:schemeClr val="bg1"/>
+            </a:solidFill>
+          </a:ln>
+        </p:spPr>
+        <p:style>
+          <a:lnRef idx="2">
+            <a:schemeClr val="accent1">
+              <a:shade val="50000"/>
+            </a:schemeClr>
+          </a:lnRef>
+          <a:fillRef idx="1">
+            <a:schemeClr val="accent1"/>
+          </a:fillRef>
+          <a:effectRef idx="0">
+            <a:schemeClr val="accent1"/>
+          </a:effectRef>
+          <a:fontRef idx="minor">
+            <a:schemeClr val="lt1"/>
+          </a:fontRef>
+        </p:style>
+        <p:txBody>
+          <a:bodyPr rtlCol="0" anchor="ctr"/>
+          <a:lstStyle/>
+          <a:p>
+            <a:pPr algn="ctr"/>
+            <a:r>
+              <a:rPr lang="en-US" sz="2000" b="1" dirty="0">
+                <a:solidFill>
+                  <a:schemeClr val="tx1"/>
+                </a:solidFill>
+              </a:rPr>
+              <a:t>Next-&gt;bk = Prev</a:t>
+            </a:r>
+          </a:p>
+        </p:txBody>
+      </p:sp>
+      <p:sp>
+        <p:nvSpPr>
+          <p:cNvPr id="8" name="Rectangle 7">
+            <a:extLst>
+              <a:ext uri="{FF2B5EF4-FFF2-40B4-BE49-F238E27FC236}">
+                <a16:creationId xmlns:a16="http://schemas.microsoft.com/office/drawing/2014/main" id="{C26A0940-8219-6AC1-B25A-FA0AC0A439FF}"/>
+              </a:ext>
+            </a:extLst>
+          </p:cNvPr>
+          <p:cNvSpPr/>
+          <p:nvPr/>
+        </p:nvSpPr>
+        <p:spPr>
+          <a:xfrm>
+            <a:off x="5058661" y="1246728"/>
+            <a:ext cx="3268812" cy="244982"/>
+          </a:xfrm>
+          <a:prstGeom prst="rect">
+            <a:avLst/>
+          </a:prstGeom>
+          <a:solidFill>
+            <a:schemeClr val="bg1"/>
+          </a:solidFill>
+          <a:ln>
+            <a:solidFill>
+              <a:schemeClr val="bg1"/>
+            </a:solidFill>
+          </a:ln>
+        </p:spPr>
+        <p:style>
+          <a:lnRef idx="2">
+            <a:schemeClr val="accent1">
+              <a:shade val="50000"/>
+            </a:schemeClr>
+          </a:lnRef>
+          <a:fillRef idx="1">
+            <a:schemeClr val="accent1"/>
+          </a:fillRef>
+          <a:effectRef idx="0">
+            <a:schemeClr val="accent1"/>
+          </a:effectRef>
+          <a:fontRef idx="minor">
+            <a:schemeClr val="lt1"/>
+          </a:fontRef>
+        </p:style>
+        <p:txBody>
+          <a:bodyPr rtlCol="0" anchor="ctr"/>
+          <a:lstStyle/>
+          <a:p>
+            <a:pPr algn="ctr"/>
+            <a:r>
+              <a:rPr lang="en-US" sz="2000" b="1" dirty="0">
+                <a:solidFill>
+                  <a:schemeClr val="tx1"/>
+                </a:solidFill>
+              </a:rPr>
+              <a:t>Next + 0x18 = Prev</a:t>
+            </a:r>
+          </a:p>
+        </p:txBody>
+      </p:sp>
+      <p:sp>
+        <p:nvSpPr>
+          <p:cNvPr id="10" name="Rectangle 9">
+            <a:extLst>
+              <a:ext uri="{FF2B5EF4-FFF2-40B4-BE49-F238E27FC236}">
+                <a16:creationId xmlns:a16="http://schemas.microsoft.com/office/drawing/2014/main" id="{1411E08F-8A55-89E2-C05F-05CA1BCC790F}"/>
+              </a:ext>
+            </a:extLst>
+          </p:cNvPr>
+          <p:cNvSpPr/>
+          <p:nvPr/>
+        </p:nvSpPr>
+        <p:spPr>
+          <a:xfrm>
+            <a:off x="5058661" y="1470419"/>
+            <a:ext cx="3268812" cy="244982"/>
+          </a:xfrm>
+          <a:prstGeom prst="rect">
+            <a:avLst/>
+          </a:prstGeom>
+          <a:solidFill>
+            <a:schemeClr val="bg1"/>
+          </a:solidFill>
+          <a:ln>
+            <a:solidFill>
+              <a:schemeClr val="bg1"/>
+            </a:solidFill>
+          </a:ln>
+        </p:spPr>
+        <p:style>
+          <a:lnRef idx="2">
+            <a:schemeClr val="accent1">
+              <a:shade val="50000"/>
+            </a:schemeClr>
+          </a:lnRef>
+          <a:fillRef idx="1">
+            <a:schemeClr val="accent1"/>
+          </a:fillRef>
+          <a:effectRef idx="0">
+            <a:schemeClr val="accent1"/>
+          </a:effectRef>
+          <a:fontRef idx="minor">
+            <a:schemeClr val="lt1"/>
+          </a:fontRef>
+        </p:style>
+        <p:txBody>
+          <a:bodyPr rtlCol="0" anchor="ctr"/>
+          <a:lstStyle/>
+          <a:p>
+            <a:pPr algn="ctr"/>
+            <a:r>
+              <a:rPr lang="en-US" sz="2000" b="1" dirty="0">
+                <a:solidFill>
+                  <a:srgbClr val="FF0000"/>
+                </a:solidFill>
+              </a:rPr>
+              <a:t>GOT + 0x18 = Prev</a:t>
+            </a:r>
+          </a:p>
+        </p:txBody>
+      </p:sp>
     </p:spTree>
     <p:extLst>
       <p:ext uri="{BB962C8B-B14F-4D97-AF65-F5344CB8AC3E}">
@@ -41284,8 +41818,8 @@
         </p:blipFill>
         <p:spPr>
           <a:xfrm>
-            <a:off x="5388883" y="1369219"/>
-            <a:ext cx="2366733" cy="3263504"/>
+            <a:off x="5336689" y="1109709"/>
+            <a:ext cx="2554932" cy="3523014"/>
           </a:xfrm>
           <a:prstGeom prst="rect">
             <a:avLst/>
@@ -41293,6 +41827,189 @@
           <a:noFill/>
         </p:spPr>
       </p:pic>
+      <p:sp>
+        <p:nvSpPr>
+          <p:cNvPr id="9" name="Rectangle 8">
+            <a:extLst>
+              <a:ext uri="{FF2B5EF4-FFF2-40B4-BE49-F238E27FC236}">
+                <a16:creationId xmlns:a16="http://schemas.microsoft.com/office/drawing/2014/main" id="{9FD57D7E-0FF2-3226-794F-5858EC8535FF}"/>
+              </a:ext>
+            </a:extLst>
+          </p:cNvPr>
+          <p:cNvSpPr/>
+          <p:nvPr/>
+        </p:nvSpPr>
+        <p:spPr>
+          <a:xfrm>
+            <a:off x="4907521" y="1023037"/>
+            <a:ext cx="3268812" cy="244982"/>
+          </a:xfrm>
+          <a:prstGeom prst="rect">
+            <a:avLst/>
+          </a:prstGeom>
+          <a:solidFill>
+            <a:schemeClr val="bg1"/>
+          </a:solidFill>
+          <a:ln>
+            <a:solidFill>
+              <a:schemeClr val="bg1"/>
+            </a:solidFill>
+          </a:ln>
+        </p:spPr>
+        <p:style>
+          <a:lnRef idx="2">
+            <a:schemeClr val="accent1">
+              <a:shade val="50000"/>
+            </a:schemeClr>
+          </a:lnRef>
+          <a:fillRef idx="1">
+            <a:schemeClr val="accent1"/>
+          </a:fillRef>
+          <a:effectRef idx="0">
+            <a:schemeClr val="accent1"/>
+          </a:effectRef>
+          <a:fontRef idx="minor">
+            <a:schemeClr val="lt1"/>
+          </a:fontRef>
+        </p:style>
+        <p:txBody>
+          <a:bodyPr rtlCol="0" anchor="ctr"/>
+          <a:lstStyle/>
+          <a:p>
+            <a:pPr algn="ctr"/>
+            <a:r>
+              <a:rPr lang="en-US" sz="2000" b="1" dirty="0">
+                <a:solidFill>
+                  <a:schemeClr val="tx1"/>
+                </a:solidFill>
+              </a:rPr>
+              <a:t>Next-&gt;bk = Prev</a:t>
+            </a:r>
+          </a:p>
+        </p:txBody>
+      </p:sp>
+      <p:sp>
+        <p:nvSpPr>
+          <p:cNvPr id="10" name="Rectangle 9">
+            <a:extLst>
+              <a:ext uri="{FF2B5EF4-FFF2-40B4-BE49-F238E27FC236}">
+                <a16:creationId xmlns:a16="http://schemas.microsoft.com/office/drawing/2014/main" id="{5C3487A0-A668-F00F-17E3-1D76703C828A}"/>
+              </a:ext>
+            </a:extLst>
+          </p:cNvPr>
+          <p:cNvSpPr/>
+          <p:nvPr/>
+        </p:nvSpPr>
+        <p:spPr>
+          <a:xfrm>
+            <a:off x="5058661" y="1246728"/>
+            <a:ext cx="3268812" cy="244982"/>
+          </a:xfrm>
+          <a:prstGeom prst="rect">
+            <a:avLst/>
+          </a:prstGeom>
+          <a:solidFill>
+            <a:schemeClr val="bg1"/>
+          </a:solidFill>
+          <a:ln>
+            <a:solidFill>
+              <a:schemeClr val="bg1"/>
+            </a:solidFill>
+          </a:ln>
+        </p:spPr>
+        <p:style>
+          <a:lnRef idx="2">
+            <a:schemeClr val="accent1">
+              <a:shade val="50000"/>
+            </a:schemeClr>
+          </a:lnRef>
+          <a:fillRef idx="1">
+            <a:schemeClr val="accent1"/>
+          </a:fillRef>
+          <a:effectRef idx="0">
+            <a:schemeClr val="accent1"/>
+          </a:effectRef>
+          <a:fontRef idx="minor">
+            <a:schemeClr val="lt1"/>
+          </a:fontRef>
+        </p:style>
+        <p:txBody>
+          <a:bodyPr rtlCol="0" anchor="ctr"/>
+          <a:lstStyle/>
+          <a:p>
+            <a:pPr algn="ctr"/>
+            <a:r>
+              <a:rPr lang="en-US" sz="2000" b="1" dirty="0">
+                <a:solidFill>
+                  <a:schemeClr val="tx1"/>
+                </a:solidFill>
+              </a:rPr>
+              <a:t>Next + 0x18 = Prev</a:t>
+            </a:r>
+          </a:p>
+        </p:txBody>
+      </p:sp>
+      <p:sp>
+        <p:nvSpPr>
+          <p:cNvPr id="11" name="Rectangle 10">
+            <a:extLst>
+              <a:ext uri="{FF2B5EF4-FFF2-40B4-BE49-F238E27FC236}">
+                <a16:creationId xmlns:a16="http://schemas.microsoft.com/office/drawing/2014/main" id="{4A636FCA-8A4A-60D4-62BA-F22F5CE16A70}"/>
+              </a:ext>
+            </a:extLst>
+          </p:cNvPr>
+          <p:cNvSpPr/>
+          <p:nvPr/>
+        </p:nvSpPr>
+        <p:spPr>
+          <a:xfrm>
+            <a:off x="5058661" y="1470419"/>
+            <a:ext cx="3268812" cy="244982"/>
+          </a:xfrm>
+          <a:prstGeom prst="rect">
+            <a:avLst/>
+          </a:prstGeom>
+          <a:solidFill>
+            <a:schemeClr val="bg1"/>
+          </a:solidFill>
+          <a:ln>
+            <a:solidFill>
+              <a:schemeClr val="bg1"/>
+            </a:solidFill>
+          </a:ln>
+        </p:spPr>
+        <p:style>
+          <a:lnRef idx="2">
+            <a:schemeClr val="accent1">
+              <a:shade val="50000"/>
+            </a:schemeClr>
+          </a:lnRef>
+          <a:fillRef idx="1">
+            <a:schemeClr val="accent1"/>
+          </a:fillRef>
+          <a:effectRef idx="0">
+            <a:schemeClr val="accent1"/>
+          </a:effectRef>
+          <a:fontRef idx="minor">
+            <a:schemeClr val="lt1"/>
+          </a:fontRef>
+        </p:style>
+        <p:txBody>
+          <a:bodyPr rtlCol="0" anchor="ctr"/>
+          <a:lstStyle/>
+          <a:p>
+            <a:pPr algn="ctr"/>
+            <a:r>
+              <a:rPr lang="en-US" sz="2000" b="1" dirty="0">
+                <a:solidFill>
+                  <a:srgbClr val="FF0000"/>
+                </a:solidFill>
+              </a:rPr>
+              <a:t>GOT + 0x18 = Prev</a:t>
+            </a:r>
+          </a:p>
+        </p:txBody>
+      </p:sp>
     </p:spTree>
     <p:extLst>
       <p:ext uri="{BB962C8B-B14F-4D97-AF65-F5344CB8AC3E}">
@@ -42883,7 +43600,7 @@
           <a:p>
             <a:r>
               <a:rPr lang="en-US" dirty="0"/>
-              <a:t>Exercise2</a:t>
+              <a:t>Exercise 2</a:t>
             </a:r>
           </a:p>
         </p:txBody>
@@ -43790,7 +44507,7 @@
         </p:blipFill>
         <p:spPr>
           <a:xfrm>
-            <a:off x="5455403" y="158834"/>
+            <a:off x="5455403" y="173464"/>
             <a:ext cx="2491132" cy="4284423"/>
           </a:xfrm>
           <a:noFill/>
@@ -44282,7 +44999,7 @@
 </file>
 
 <file path=ppt/slides/slide67.xml><?xml version="1.0" encoding="utf-8"?>
-<p:sld xmlns:a="http://schemas.openxmlformats.org/drawingml/2006/main" xmlns:r="http://schemas.openxmlformats.org/officeDocument/2006/relationships" xmlns:p="http://schemas.openxmlformats.org/presentationml/2006/main">
+<p:sld xmlns:a="http://schemas.openxmlformats.org/drawingml/2006/main" xmlns:r="http://schemas.openxmlformats.org/officeDocument/2006/relationships" xmlns:p="http://schemas.openxmlformats.org/presentationml/2006/main" show="0">
   <p:cSld>
     <p:spTree>
       <p:nvGrpSpPr>
@@ -44602,7 +45319,7 @@
         </p:blipFill>
         <p:spPr>
           <a:xfrm>
-            <a:off x="3224244" y="1190562"/>
+            <a:off x="232470" y="1190562"/>
             <a:ext cx="5774253" cy="2062233"/>
           </a:xfrm>
           <a:prstGeom prst="rect">
@@ -44612,10 +45329,10 @@
       </p:pic>
       <p:pic>
         <p:nvPicPr>
-          <p:cNvPr id="12" name="Picture 11" descr="Unlink WHAT and WHERE sub">
+          <p:cNvPr id="6" name="Picture 5" descr="Unlink source code with the 'where' and 'what' added">
             <a:extLst>
               <a:ext uri="{FF2B5EF4-FFF2-40B4-BE49-F238E27FC236}">
-                <a16:creationId xmlns:a16="http://schemas.microsoft.com/office/drawing/2014/main" id="{AE3B6AA3-2CD6-5044-898C-427CF70D7760}"/>
+                <a16:creationId xmlns:a16="http://schemas.microsoft.com/office/drawing/2014/main" id="{AD528BB5-D7DE-A226-E449-A10DC0445678}"/>
               </a:ext>
             </a:extLst>
           </p:cNvPr>
@@ -44624,22 +45341,82 @@
           </p:cNvPicPr>
           <p:nvPr/>
         </p:nvPicPr>
-        <p:blipFill>
+        <p:blipFill rotWithShape="1">
           <a:blip r:embed="rId3"/>
-          <a:stretch>
-            <a:fillRect/>
-          </a:stretch>
+          <a:srcRect l="-1" r="3"/>
+          <a:stretch/>
         </p:blipFill>
         <p:spPr>
           <a:xfrm>
-            <a:off x="145503" y="967376"/>
-            <a:ext cx="3078741" cy="1348088"/>
+            <a:off x="4100798" y="2795506"/>
+            <a:ext cx="4758752" cy="1847516"/>
           </a:xfrm>
           <a:prstGeom prst="rect">
             <a:avLst/>
           </a:prstGeom>
         </p:spPr>
       </p:pic>
+      <p:sp>
+        <p:nvSpPr>
+          <p:cNvPr id="9" name="Rectangle 8">
+            <a:extLst>
+              <a:ext uri="{FF2B5EF4-FFF2-40B4-BE49-F238E27FC236}">
+                <a16:creationId xmlns:a16="http://schemas.microsoft.com/office/drawing/2014/main" id="{2609CAA9-49B6-CECA-137B-16AE2ADCB607}"/>
+              </a:ext>
+            </a:extLst>
+          </p:cNvPr>
+          <p:cNvSpPr/>
+          <p:nvPr/>
+        </p:nvSpPr>
+        <p:spPr>
+          <a:xfrm>
+            <a:off x="2735497" y="1190562"/>
+            <a:ext cx="597358" cy="244982"/>
+          </a:xfrm>
+          <a:prstGeom prst="rect">
+            <a:avLst/>
+          </a:prstGeom>
+          <a:solidFill>
+            <a:schemeClr val="bg1"/>
+          </a:solidFill>
+          <a:ln>
+            <a:solidFill>
+              <a:schemeClr val="bg1"/>
+            </a:solidFill>
+          </a:ln>
+        </p:spPr>
+        <p:style>
+          <a:lnRef idx="2">
+            <a:schemeClr val="accent1">
+              <a:shade val="50000"/>
+            </a:schemeClr>
+          </a:lnRef>
+          <a:fillRef idx="1">
+            <a:schemeClr val="accent1"/>
+          </a:fillRef>
+          <a:effectRef idx="0">
+            <a:schemeClr val="accent1"/>
+          </a:effectRef>
+          <a:fontRef idx="minor">
+            <a:schemeClr val="lt1"/>
+          </a:fontRef>
+        </p:style>
+        <p:txBody>
+          <a:bodyPr rtlCol="0" anchor="ctr"/>
+          <a:lstStyle/>
+          <a:p>
+            <a:pPr algn="ctr"/>
+            <a:r>
+              <a:rPr lang="en-US" sz="2200" b="1" dirty="0">
+                <a:solidFill>
+                  <a:schemeClr val="tx1"/>
+                </a:solidFill>
+              </a:rPr>
+              <a:t>Cur</a:t>
+            </a:r>
+          </a:p>
+        </p:txBody>
+      </p:sp>
     </p:spTree>
     <p:extLst>
       <p:ext uri="{BB962C8B-B14F-4D97-AF65-F5344CB8AC3E}">
@@ -44806,6 +45583,67 @@
           </a:prstGeom>
         </p:spPr>
       </p:pic>
+      <p:sp>
+        <p:nvSpPr>
+          <p:cNvPr id="6" name="Rectangle 5">
+            <a:extLst>
+              <a:ext uri="{FF2B5EF4-FFF2-40B4-BE49-F238E27FC236}">
+                <a16:creationId xmlns:a16="http://schemas.microsoft.com/office/drawing/2014/main" id="{8CFB8274-D609-790F-DE8D-6D34A15427D1}"/>
+              </a:ext>
+            </a:extLst>
+          </p:cNvPr>
+          <p:cNvSpPr/>
+          <p:nvPr/>
+        </p:nvSpPr>
+        <p:spPr>
+          <a:xfrm>
+            <a:off x="5681710" y="1201669"/>
+            <a:ext cx="648070" cy="244982"/>
+          </a:xfrm>
+          <a:prstGeom prst="rect">
+            <a:avLst/>
+          </a:prstGeom>
+          <a:solidFill>
+            <a:schemeClr val="bg1"/>
+          </a:solidFill>
+          <a:ln>
+            <a:solidFill>
+              <a:schemeClr val="bg1"/>
+            </a:solidFill>
+          </a:ln>
+        </p:spPr>
+        <p:style>
+          <a:lnRef idx="2">
+            <a:schemeClr val="accent1">
+              <a:shade val="50000"/>
+            </a:schemeClr>
+          </a:lnRef>
+          <a:fillRef idx="1">
+            <a:schemeClr val="accent1"/>
+          </a:fillRef>
+          <a:effectRef idx="0">
+            <a:schemeClr val="accent1"/>
+          </a:effectRef>
+          <a:fontRef idx="minor">
+            <a:schemeClr val="lt1"/>
+          </a:fontRef>
+        </p:style>
+        <p:txBody>
+          <a:bodyPr rtlCol="0" anchor="ctr"/>
+          <a:lstStyle/>
+          <a:p>
+            <a:pPr algn="ctr"/>
+            <a:r>
+              <a:rPr lang="en-US" sz="2200" b="1" dirty="0">
+                <a:solidFill>
+                  <a:schemeClr val="tx1"/>
+                </a:solidFill>
+              </a:rPr>
+              <a:t>Cur</a:t>
+            </a:r>
+          </a:p>
+        </p:txBody>
+      </p:sp>
     </p:spTree>
     <p:extLst>
       <p:ext uri="{BB962C8B-B14F-4D97-AF65-F5344CB8AC3E}">
@@ -45208,6 +46046,67 @@
           </a:fontRef>
         </p:style>
       </p:cxnSp>
+      <p:sp>
+        <p:nvSpPr>
+          <p:cNvPr id="9" name="Rectangle 8">
+            <a:extLst>
+              <a:ext uri="{FF2B5EF4-FFF2-40B4-BE49-F238E27FC236}">
+                <a16:creationId xmlns:a16="http://schemas.microsoft.com/office/drawing/2014/main" id="{E062E0F1-5E92-0ED2-16BE-10F91FE41F9B}"/>
+              </a:ext>
+            </a:extLst>
+          </p:cNvPr>
+          <p:cNvSpPr/>
+          <p:nvPr/>
+        </p:nvSpPr>
+        <p:spPr>
+          <a:xfrm>
+            <a:off x="5492725" y="1134595"/>
+            <a:ext cx="597358" cy="244982"/>
+          </a:xfrm>
+          <a:prstGeom prst="rect">
+            <a:avLst/>
+          </a:prstGeom>
+          <a:solidFill>
+            <a:schemeClr val="bg1"/>
+          </a:solidFill>
+          <a:ln>
+            <a:solidFill>
+              <a:schemeClr val="bg1"/>
+            </a:solidFill>
+          </a:ln>
+        </p:spPr>
+        <p:style>
+          <a:lnRef idx="2">
+            <a:schemeClr val="accent1">
+              <a:shade val="50000"/>
+            </a:schemeClr>
+          </a:lnRef>
+          <a:fillRef idx="1">
+            <a:schemeClr val="accent1"/>
+          </a:fillRef>
+          <a:effectRef idx="0">
+            <a:schemeClr val="accent1"/>
+          </a:effectRef>
+          <a:fontRef idx="minor">
+            <a:schemeClr val="lt1"/>
+          </a:fontRef>
+        </p:style>
+        <p:txBody>
+          <a:bodyPr rtlCol="0" anchor="ctr"/>
+          <a:lstStyle/>
+          <a:p>
+            <a:pPr algn="ctr"/>
+            <a:r>
+              <a:rPr lang="en-US" sz="2200" b="1" dirty="0">
+                <a:solidFill>
+                  <a:schemeClr val="tx1"/>
+                </a:solidFill>
+              </a:rPr>
+              <a:t>Cur</a:t>
+            </a:r>
+          </a:p>
+        </p:txBody>
+      </p:sp>
     </p:spTree>
     <p:extLst>
       <p:ext uri="{BB962C8B-B14F-4D97-AF65-F5344CB8AC3E}">
@@ -45457,6 +46356,67 @@
           </a:p>
         </p:txBody>
       </p:sp>
+      <p:sp>
+        <p:nvSpPr>
+          <p:cNvPr id="7" name="Rectangle 6">
+            <a:extLst>
+              <a:ext uri="{FF2B5EF4-FFF2-40B4-BE49-F238E27FC236}">
+                <a16:creationId xmlns:a16="http://schemas.microsoft.com/office/drawing/2014/main" id="{91D649EE-B0E0-4C58-C562-E4112EE9F5F2}"/>
+              </a:ext>
+            </a:extLst>
+          </p:cNvPr>
+          <p:cNvSpPr/>
+          <p:nvPr/>
+        </p:nvSpPr>
+        <p:spPr>
+          <a:xfrm>
+            <a:off x="5545991" y="1145528"/>
+            <a:ext cx="597358" cy="244982"/>
+          </a:xfrm>
+          <a:prstGeom prst="rect">
+            <a:avLst/>
+          </a:prstGeom>
+          <a:solidFill>
+            <a:schemeClr val="bg1"/>
+          </a:solidFill>
+          <a:ln>
+            <a:solidFill>
+              <a:schemeClr val="bg1"/>
+            </a:solidFill>
+          </a:ln>
+        </p:spPr>
+        <p:style>
+          <a:lnRef idx="2">
+            <a:schemeClr val="accent1">
+              <a:shade val="50000"/>
+            </a:schemeClr>
+          </a:lnRef>
+          <a:fillRef idx="1">
+            <a:schemeClr val="accent1"/>
+          </a:fillRef>
+          <a:effectRef idx="0">
+            <a:schemeClr val="accent1"/>
+          </a:effectRef>
+          <a:fontRef idx="minor">
+            <a:schemeClr val="lt1"/>
+          </a:fontRef>
+        </p:style>
+        <p:txBody>
+          <a:bodyPr rtlCol="0" anchor="ctr"/>
+          <a:lstStyle/>
+          <a:p>
+            <a:pPr algn="ctr"/>
+            <a:r>
+              <a:rPr lang="en-US" sz="2200" b="1" dirty="0">
+                <a:solidFill>
+                  <a:schemeClr val="tx1"/>
+                </a:solidFill>
+              </a:rPr>
+              <a:t>Cur</a:t>
+            </a:r>
+          </a:p>
+        </p:txBody>
+      </p:sp>
     </p:spTree>
     <p:extLst>
       <p:ext uri="{BB962C8B-B14F-4D97-AF65-F5344CB8AC3E}">
@@ -45608,6 +46568,189 @@
           <a:noFill/>
         </p:spPr>
       </p:pic>
+      <p:sp>
+        <p:nvSpPr>
+          <p:cNvPr id="6" name="Rectangle 5">
+            <a:extLst>
+              <a:ext uri="{FF2B5EF4-FFF2-40B4-BE49-F238E27FC236}">
+                <a16:creationId xmlns:a16="http://schemas.microsoft.com/office/drawing/2014/main" id="{0E576B54-7F12-7F08-5ED6-C45A2AC75BB8}"/>
+              </a:ext>
+            </a:extLst>
+          </p:cNvPr>
+          <p:cNvSpPr/>
+          <p:nvPr/>
+        </p:nvSpPr>
+        <p:spPr>
+          <a:xfrm>
+            <a:off x="4907521" y="1023037"/>
+            <a:ext cx="3268812" cy="244982"/>
+          </a:xfrm>
+          <a:prstGeom prst="rect">
+            <a:avLst/>
+          </a:prstGeom>
+          <a:solidFill>
+            <a:schemeClr val="bg1"/>
+          </a:solidFill>
+          <a:ln>
+            <a:solidFill>
+              <a:schemeClr val="bg1"/>
+            </a:solidFill>
+          </a:ln>
+        </p:spPr>
+        <p:style>
+          <a:lnRef idx="2">
+            <a:schemeClr val="accent1">
+              <a:shade val="50000"/>
+            </a:schemeClr>
+          </a:lnRef>
+          <a:fillRef idx="1">
+            <a:schemeClr val="accent1"/>
+          </a:fillRef>
+          <a:effectRef idx="0">
+            <a:schemeClr val="accent1"/>
+          </a:effectRef>
+          <a:fontRef idx="minor">
+            <a:schemeClr val="lt1"/>
+          </a:fontRef>
+        </p:style>
+        <p:txBody>
+          <a:bodyPr rtlCol="0" anchor="ctr"/>
+          <a:lstStyle/>
+          <a:p>
+            <a:pPr algn="ctr"/>
+            <a:r>
+              <a:rPr lang="en-US" sz="2000" b="1" dirty="0">
+                <a:solidFill>
+                  <a:schemeClr val="tx1"/>
+                </a:solidFill>
+              </a:rPr>
+              <a:t>Next-&gt;bk = Prev</a:t>
+            </a:r>
+          </a:p>
+        </p:txBody>
+      </p:sp>
+      <p:sp>
+        <p:nvSpPr>
+          <p:cNvPr id="7" name="Rectangle 6">
+            <a:extLst>
+              <a:ext uri="{FF2B5EF4-FFF2-40B4-BE49-F238E27FC236}">
+                <a16:creationId xmlns:a16="http://schemas.microsoft.com/office/drawing/2014/main" id="{329CB856-4CBB-2C33-1BFD-872B3BD68834}"/>
+              </a:ext>
+            </a:extLst>
+          </p:cNvPr>
+          <p:cNvSpPr/>
+          <p:nvPr/>
+        </p:nvSpPr>
+        <p:spPr>
+          <a:xfrm>
+            <a:off x="5058661" y="1246728"/>
+            <a:ext cx="3268812" cy="244982"/>
+          </a:xfrm>
+          <a:prstGeom prst="rect">
+            <a:avLst/>
+          </a:prstGeom>
+          <a:solidFill>
+            <a:schemeClr val="bg1"/>
+          </a:solidFill>
+          <a:ln>
+            <a:solidFill>
+              <a:schemeClr val="bg1"/>
+            </a:solidFill>
+          </a:ln>
+        </p:spPr>
+        <p:style>
+          <a:lnRef idx="2">
+            <a:schemeClr val="accent1">
+              <a:shade val="50000"/>
+            </a:schemeClr>
+          </a:lnRef>
+          <a:fillRef idx="1">
+            <a:schemeClr val="accent1"/>
+          </a:fillRef>
+          <a:effectRef idx="0">
+            <a:schemeClr val="accent1"/>
+          </a:effectRef>
+          <a:fontRef idx="minor">
+            <a:schemeClr val="lt1"/>
+          </a:fontRef>
+        </p:style>
+        <p:txBody>
+          <a:bodyPr rtlCol="0" anchor="ctr"/>
+          <a:lstStyle/>
+          <a:p>
+            <a:pPr algn="ctr"/>
+            <a:r>
+              <a:rPr lang="en-US" sz="2000" b="1" dirty="0">
+                <a:solidFill>
+                  <a:schemeClr val="tx1"/>
+                </a:solidFill>
+              </a:rPr>
+              <a:t>Next + 0x18 = Prev</a:t>
+            </a:r>
+          </a:p>
+        </p:txBody>
+      </p:sp>
+      <p:sp>
+        <p:nvSpPr>
+          <p:cNvPr id="8" name="Rectangle 7">
+            <a:extLst>
+              <a:ext uri="{FF2B5EF4-FFF2-40B4-BE49-F238E27FC236}">
+                <a16:creationId xmlns:a16="http://schemas.microsoft.com/office/drawing/2014/main" id="{168D1D8A-089D-6CAA-A4C5-35EE55089930}"/>
+              </a:ext>
+            </a:extLst>
+          </p:cNvPr>
+          <p:cNvSpPr/>
+          <p:nvPr/>
+        </p:nvSpPr>
+        <p:spPr>
+          <a:xfrm>
+            <a:off x="5058661" y="1470419"/>
+            <a:ext cx="3268812" cy="244982"/>
+          </a:xfrm>
+          <a:prstGeom prst="rect">
+            <a:avLst/>
+          </a:prstGeom>
+          <a:solidFill>
+            <a:schemeClr val="bg1"/>
+          </a:solidFill>
+          <a:ln>
+            <a:solidFill>
+              <a:schemeClr val="bg1"/>
+            </a:solidFill>
+          </a:ln>
+        </p:spPr>
+        <p:style>
+          <a:lnRef idx="2">
+            <a:schemeClr val="accent1">
+              <a:shade val="50000"/>
+            </a:schemeClr>
+          </a:lnRef>
+          <a:fillRef idx="1">
+            <a:schemeClr val="accent1"/>
+          </a:fillRef>
+          <a:effectRef idx="0">
+            <a:schemeClr val="accent1"/>
+          </a:effectRef>
+          <a:fontRef idx="minor">
+            <a:schemeClr val="lt1"/>
+          </a:fontRef>
+        </p:style>
+        <p:txBody>
+          <a:bodyPr rtlCol="0" anchor="ctr"/>
+          <a:lstStyle/>
+          <a:p>
+            <a:pPr algn="ctr"/>
+            <a:r>
+              <a:rPr lang="en-US" sz="2000" b="1" dirty="0">
+                <a:solidFill>
+                  <a:srgbClr val="FF0000"/>
+                </a:solidFill>
+              </a:rPr>
+              <a:t>GOT + 0x18 = Prev</a:t>
+            </a:r>
+          </a:p>
+        </p:txBody>
+      </p:sp>
     </p:spTree>
     <p:extLst>
       <p:ext uri="{BB962C8B-B14F-4D97-AF65-F5344CB8AC3E}">
@@ -45758,8 +46901,8 @@
         </p:blipFill>
         <p:spPr>
           <a:xfrm>
-            <a:off x="5388883" y="1369219"/>
-            <a:ext cx="2366733" cy="3263504"/>
+            <a:off x="5336689" y="1109709"/>
+            <a:ext cx="2554932" cy="3523014"/>
           </a:xfrm>
           <a:prstGeom prst="rect">
             <a:avLst/>
@@ -45767,10 +46910,193 @@
           <a:noFill/>
         </p:spPr>
       </p:pic>
+      <p:sp>
+        <p:nvSpPr>
+          <p:cNvPr id="9" name="Rectangle 8">
+            <a:extLst>
+              <a:ext uri="{FF2B5EF4-FFF2-40B4-BE49-F238E27FC236}">
+                <a16:creationId xmlns:a16="http://schemas.microsoft.com/office/drawing/2014/main" id="{9FD57D7E-0FF2-3226-794F-5858EC8535FF}"/>
+              </a:ext>
+            </a:extLst>
+          </p:cNvPr>
+          <p:cNvSpPr/>
+          <p:nvPr/>
+        </p:nvSpPr>
+        <p:spPr>
+          <a:xfrm>
+            <a:off x="4907521" y="1023037"/>
+            <a:ext cx="3268812" cy="244982"/>
+          </a:xfrm>
+          <a:prstGeom prst="rect">
+            <a:avLst/>
+          </a:prstGeom>
+          <a:solidFill>
+            <a:schemeClr val="bg1"/>
+          </a:solidFill>
+          <a:ln>
+            <a:solidFill>
+              <a:schemeClr val="bg1"/>
+            </a:solidFill>
+          </a:ln>
+        </p:spPr>
+        <p:style>
+          <a:lnRef idx="2">
+            <a:schemeClr val="accent1">
+              <a:shade val="50000"/>
+            </a:schemeClr>
+          </a:lnRef>
+          <a:fillRef idx="1">
+            <a:schemeClr val="accent1"/>
+          </a:fillRef>
+          <a:effectRef idx="0">
+            <a:schemeClr val="accent1"/>
+          </a:effectRef>
+          <a:fontRef idx="minor">
+            <a:schemeClr val="lt1"/>
+          </a:fontRef>
+        </p:style>
+        <p:txBody>
+          <a:bodyPr rtlCol="0" anchor="ctr"/>
+          <a:lstStyle/>
+          <a:p>
+            <a:pPr algn="ctr"/>
+            <a:r>
+              <a:rPr lang="en-US" sz="2000" b="1" dirty="0">
+                <a:solidFill>
+                  <a:schemeClr val="tx1"/>
+                </a:solidFill>
+              </a:rPr>
+              <a:t>Next-&gt;bk = Prev</a:t>
+            </a:r>
+          </a:p>
+        </p:txBody>
+      </p:sp>
+      <p:sp>
+        <p:nvSpPr>
+          <p:cNvPr id="10" name="Rectangle 9">
+            <a:extLst>
+              <a:ext uri="{FF2B5EF4-FFF2-40B4-BE49-F238E27FC236}">
+                <a16:creationId xmlns:a16="http://schemas.microsoft.com/office/drawing/2014/main" id="{5C3487A0-A668-F00F-17E3-1D76703C828A}"/>
+              </a:ext>
+            </a:extLst>
+          </p:cNvPr>
+          <p:cNvSpPr/>
+          <p:nvPr/>
+        </p:nvSpPr>
+        <p:spPr>
+          <a:xfrm>
+            <a:off x="5058661" y="1246728"/>
+            <a:ext cx="3268812" cy="244982"/>
+          </a:xfrm>
+          <a:prstGeom prst="rect">
+            <a:avLst/>
+          </a:prstGeom>
+          <a:solidFill>
+            <a:schemeClr val="bg1"/>
+          </a:solidFill>
+          <a:ln>
+            <a:solidFill>
+              <a:schemeClr val="bg1"/>
+            </a:solidFill>
+          </a:ln>
+        </p:spPr>
+        <p:style>
+          <a:lnRef idx="2">
+            <a:schemeClr val="accent1">
+              <a:shade val="50000"/>
+            </a:schemeClr>
+          </a:lnRef>
+          <a:fillRef idx="1">
+            <a:schemeClr val="accent1"/>
+          </a:fillRef>
+          <a:effectRef idx="0">
+            <a:schemeClr val="accent1"/>
+          </a:effectRef>
+          <a:fontRef idx="minor">
+            <a:schemeClr val="lt1"/>
+          </a:fontRef>
+        </p:style>
+        <p:txBody>
+          <a:bodyPr rtlCol="0" anchor="ctr"/>
+          <a:lstStyle/>
+          <a:p>
+            <a:pPr algn="ctr"/>
+            <a:r>
+              <a:rPr lang="en-US" sz="2000" b="1" dirty="0">
+                <a:solidFill>
+                  <a:schemeClr val="tx1"/>
+                </a:solidFill>
+              </a:rPr>
+              <a:t>Next + 0x18 = Prev</a:t>
+            </a:r>
+          </a:p>
+        </p:txBody>
+      </p:sp>
+      <p:sp>
+        <p:nvSpPr>
+          <p:cNvPr id="11" name="Rectangle 10">
+            <a:extLst>
+              <a:ext uri="{FF2B5EF4-FFF2-40B4-BE49-F238E27FC236}">
+                <a16:creationId xmlns:a16="http://schemas.microsoft.com/office/drawing/2014/main" id="{4A636FCA-8A4A-60D4-62BA-F22F5CE16A70}"/>
+              </a:ext>
+            </a:extLst>
+          </p:cNvPr>
+          <p:cNvSpPr/>
+          <p:nvPr/>
+        </p:nvSpPr>
+        <p:spPr>
+          <a:xfrm>
+            <a:off x="5058661" y="1470419"/>
+            <a:ext cx="3268812" cy="244982"/>
+          </a:xfrm>
+          <a:prstGeom prst="rect">
+            <a:avLst/>
+          </a:prstGeom>
+          <a:solidFill>
+            <a:schemeClr val="bg1"/>
+          </a:solidFill>
+          <a:ln>
+            <a:solidFill>
+              <a:schemeClr val="bg1"/>
+            </a:solidFill>
+          </a:ln>
+        </p:spPr>
+        <p:style>
+          <a:lnRef idx="2">
+            <a:schemeClr val="accent1">
+              <a:shade val="50000"/>
+            </a:schemeClr>
+          </a:lnRef>
+          <a:fillRef idx="1">
+            <a:schemeClr val="accent1"/>
+          </a:fillRef>
+          <a:effectRef idx="0">
+            <a:schemeClr val="accent1"/>
+          </a:effectRef>
+          <a:fontRef idx="minor">
+            <a:schemeClr val="lt1"/>
+          </a:fontRef>
+        </p:style>
+        <p:txBody>
+          <a:bodyPr rtlCol="0" anchor="ctr"/>
+          <a:lstStyle/>
+          <a:p>
+            <a:pPr algn="ctr"/>
+            <a:r>
+              <a:rPr lang="en-US" sz="2000" b="1" dirty="0">
+                <a:solidFill>
+                  <a:srgbClr val="FF0000"/>
+                </a:solidFill>
+              </a:rPr>
+              <a:t>GOT + 0x18 = Prev</a:t>
+            </a:r>
+          </a:p>
+        </p:txBody>
+      </p:sp>
     </p:spTree>
     <p:extLst>
       <p:ext uri="{BB962C8B-B14F-4D97-AF65-F5344CB8AC3E}">
-        <p14:creationId xmlns:p14="http://schemas.microsoft.com/office/powerpoint/2010/main" val="3283990237"/>
+        <p14:creationId xmlns:p14="http://schemas.microsoft.com/office/powerpoint/2010/main" val="442752185"/>
       </p:ext>
     </p:extLst>
   </p:cSld>
@@ -46688,13 +48014,8 @@
             <a:pPr lvl="1"/>
             <a:r>
               <a:rPr lang="en-US" dirty="0"/>
-              <a:t>Not the same attack, but still a </a:t>
-            </a:r>
-            <a:r>
-              <a:rPr lang="en-US"/>
-              <a:t>powerful primitive</a:t>
-            </a:r>
-            <a:endParaRPr lang="en-US" dirty="0"/>
+              <a:t>Not the same attack, but still a powerful primitive</a:t>
+            </a:r>
           </a:p>
           <a:p>
             <a:r>
@@ -46761,7 +48082,7 @@
         </p:blipFill>
         <p:spPr>
           <a:xfrm>
-            <a:off x="176164" y="3358715"/>
+            <a:off x="571185" y="3753189"/>
             <a:ext cx="7886700" cy="1281587"/>
           </a:xfrm>
           <a:prstGeom prst="rect">
@@ -46786,7 +48107,7 @@
         </p:nvCxnSpPr>
         <p:spPr>
           <a:xfrm>
-            <a:off x="2771054" y="4393983"/>
+            <a:off x="3082351" y="4752428"/>
             <a:ext cx="2979297" cy="0"/>
           </a:xfrm>
           <a:prstGeom prst="line">
@@ -46848,7 +48169,7 @@
           <p:cNvPr id="2" name="Title 1">
             <a:extLst>
               <a:ext uri="{FF2B5EF4-FFF2-40B4-BE49-F238E27FC236}">
-                <a16:creationId xmlns:a16="http://schemas.microsoft.com/office/drawing/2014/main" id="{493DDB27-1B87-CB4F-9100-F10B92D42884}"/>
+                <a16:creationId xmlns:a16="http://schemas.microsoft.com/office/drawing/2014/main" id="{E9E670F8-AACA-D046-8E4F-17454C7527D7}"/>
               </a:ext>
             </a:extLst>
           </p:cNvPr>
@@ -46859,24 +48180,31 @@
             <p:ph type="title"/>
           </p:nvPr>
         </p:nvSpPr>
-        <p:spPr/>
+        <p:spPr>
+          <a:xfrm>
+            <a:off x="592585" y="0"/>
+            <a:ext cx="8418249" cy="994172"/>
+          </a:xfrm>
+        </p:spPr>
         <p:txBody>
-          <a:bodyPr/>
+          <a:bodyPr anchor="ctr">
+            <a:normAutofit/>
+          </a:bodyPr>
           <a:lstStyle/>
           <a:p>
             <a:r>
               <a:rPr lang="en-US" dirty="0"/>
-              <a:t>What about the Security Check?</a:t>
+              <a:t>Unsafe Unlink – Aftermath</a:t>
             </a:r>
           </a:p>
         </p:txBody>
       </p:sp>
       <p:sp>
         <p:nvSpPr>
-          <p:cNvPr id="3" name="Content Placeholder 2">
+          <p:cNvPr id="8" name="Content Placeholder 7">
             <a:extLst>
               <a:ext uri="{FF2B5EF4-FFF2-40B4-BE49-F238E27FC236}">
-                <a16:creationId xmlns:a16="http://schemas.microsoft.com/office/drawing/2014/main" id="{66773FD0-646F-3943-A87A-54D13598B121}"/>
+                <a16:creationId xmlns:a16="http://schemas.microsoft.com/office/drawing/2014/main" id="{3D35A732-1F45-D147-B0BB-44CB04EA56CF}"/>
               </a:ext>
             </a:extLst>
           </p:cNvPr>
@@ -46884,13 +48212,13 @@
             <a:spLocks noGrp="1"/>
           </p:cNvSpPr>
           <p:nvPr>
-            <p:ph idx="1"/>
+            <p:ph sz="half" idx="2"/>
           </p:nvPr>
         </p:nvSpPr>
         <p:spPr>
           <a:xfrm>
-            <a:off x="195017" y="1268019"/>
-            <a:ext cx="7886700" cy="3263504"/>
+            <a:off x="5395501" y="809926"/>
+            <a:ext cx="3615334" cy="3263504"/>
           </a:xfrm>
         </p:spPr>
         <p:txBody>
@@ -46899,67 +48227,67 @@
           <a:p>
             <a:r>
               <a:rPr lang="en-US" dirty="0"/>
-              <a:t>FD-&gt;bk = P</a:t>
+              <a:t>Corrupt the 3 previous values to our pointer.</a:t>
             </a:r>
           </a:p>
           <a:p>
             <a:r>
               <a:rPr lang="en-US" dirty="0"/>
-              <a:t>BK-&gt;fd = P</a:t>
+              <a:t>If list of pointers, this could be VERY useful!</a:t>
+            </a:r>
+          </a:p>
+          <a:p>
+            <a:r>
+              <a:rPr lang="en-US" dirty="0"/>
+              <a:t>If control </a:t>
+            </a:r>
+            <a:r>
+              <a:rPr lang="en-US" i="1" dirty="0"/>
+              <a:t>pointer to chunk,</a:t>
+            </a:r>
+            <a:r>
+              <a:rPr lang="en-US" dirty="0"/>
+              <a:t> we can edit this forever with our own values. </a:t>
             </a:r>
           </a:p>
           <a:p>
             <a:endParaRPr lang="en-US" dirty="0"/>
-          </a:p>
-          <a:p>
-            <a:endParaRPr lang="en-US" dirty="0"/>
-          </a:p>
-          <a:p>
-            <a:endParaRPr lang="en-US" dirty="0"/>
-          </a:p>
-          <a:p>
-            <a:r>
-              <a:rPr lang="en-US" dirty="0"/>
-              <a:t>Seems indestructible, right?</a:t>
-            </a:r>
           </a:p>
         </p:txBody>
       </p:sp>
       <p:pic>
         <p:nvPicPr>
-          <p:cNvPr id="4" name="Content Placeholder 4" descr="Unsorted bin linked list diagram">
+          <p:cNvPr id="12" name="Content Placeholder 11" descr="Overwriting the data around the pointers">
             <a:extLst>
               <a:ext uri="{FF2B5EF4-FFF2-40B4-BE49-F238E27FC236}">
-                <a16:creationId xmlns:a16="http://schemas.microsoft.com/office/drawing/2014/main" id="{6860FAAE-19C7-DB41-ABA6-565577905DD2}"/>
+                <a16:creationId xmlns:a16="http://schemas.microsoft.com/office/drawing/2014/main" id="{E1519185-0BB1-D04B-8DC0-36FD123B0481}"/>
               </a:ext>
             </a:extLst>
           </p:cNvPr>
           <p:cNvPicPr>
-            <a:picLocks noChangeAspect="1"/>
+            <a:picLocks noGrp="1" noChangeAspect="1"/>
           </p:cNvPicPr>
-          <p:nvPr/>
+          <p:nvPr>
+            <p:ph sz="half" idx="1"/>
+          </p:nvPr>
         </p:nvPicPr>
         <p:blipFill>
-          <a:blip r:embed="rId3"/>
+          <a:blip r:embed="rId2"/>
           <a:stretch>
             <a:fillRect/>
           </a:stretch>
         </p:blipFill>
         <p:spPr>
           <a:xfrm>
-            <a:off x="2506280" y="1131232"/>
-            <a:ext cx="6009070" cy="2261917"/>
+            <a:off x="210843" y="1008802"/>
+            <a:ext cx="4777767" cy="2725572"/>
           </a:xfrm>
-          <a:prstGeom prst="rect">
-            <a:avLst/>
-          </a:prstGeom>
-          <a:noFill/>
         </p:spPr>
       </p:pic>
     </p:spTree>
     <p:extLst>
       <p:ext uri="{BB962C8B-B14F-4D97-AF65-F5344CB8AC3E}">
-        <p14:creationId xmlns:p14="http://schemas.microsoft.com/office/powerpoint/2010/main" val="532587959"/>
+        <p14:creationId xmlns:p14="http://schemas.microsoft.com/office/powerpoint/2010/main" val="563784693"/>
       </p:ext>
     </p:extLst>
   </p:cSld>
@@ -47285,6 +48613,149 @@
 </file>
 
 <file path=ppt/slides/slide80.xml><?xml version="1.0" encoding="utf-8"?>
+<p:sld xmlns:a="http://schemas.openxmlformats.org/drawingml/2006/main" xmlns:r="http://schemas.openxmlformats.org/officeDocument/2006/relationships" xmlns:p="http://schemas.openxmlformats.org/presentationml/2006/main">
+  <p:cSld>
+    <p:spTree>
+      <p:nvGrpSpPr>
+        <p:cNvPr id="1" name=""/>
+        <p:cNvGrpSpPr/>
+        <p:nvPr/>
+      </p:nvGrpSpPr>
+      <p:grpSpPr>
+        <a:xfrm>
+          <a:off x="0" y="0"/>
+          <a:ext cx="0" cy="0"/>
+          <a:chOff x="0" y="0"/>
+          <a:chExt cx="0" cy="0"/>
+        </a:xfrm>
+      </p:grpSpPr>
+      <p:sp>
+        <p:nvSpPr>
+          <p:cNvPr id="2" name="Title 1">
+            <a:extLst>
+              <a:ext uri="{FF2B5EF4-FFF2-40B4-BE49-F238E27FC236}">
+                <a16:creationId xmlns:a16="http://schemas.microsoft.com/office/drawing/2014/main" id="{493DDB27-1B87-CB4F-9100-F10B92D42884}"/>
+              </a:ext>
+            </a:extLst>
+          </p:cNvPr>
+          <p:cNvSpPr>
+            <a:spLocks noGrp="1"/>
+          </p:cNvSpPr>
+          <p:nvPr>
+            <p:ph type="title"/>
+          </p:nvPr>
+        </p:nvSpPr>
+        <p:spPr/>
+        <p:txBody>
+          <a:bodyPr/>
+          <a:lstStyle/>
+          <a:p>
+            <a:r>
+              <a:rPr lang="en-US" dirty="0"/>
+              <a:t>What about the Security Check?</a:t>
+            </a:r>
+          </a:p>
+        </p:txBody>
+      </p:sp>
+      <p:sp>
+        <p:nvSpPr>
+          <p:cNvPr id="3" name="Content Placeholder 2">
+            <a:extLst>
+              <a:ext uri="{FF2B5EF4-FFF2-40B4-BE49-F238E27FC236}">
+                <a16:creationId xmlns:a16="http://schemas.microsoft.com/office/drawing/2014/main" id="{66773FD0-646F-3943-A87A-54D13598B121}"/>
+              </a:ext>
+            </a:extLst>
+          </p:cNvPr>
+          <p:cNvSpPr>
+            <a:spLocks noGrp="1"/>
+          </p:cNvSpPr>
+          <p:nvPr>
+            <p:ph idx="1"/>
+          </p:nvPr>
+        </p:nvSpPr>
+        <p:spPr>
+          <a:xfrm>
+            <a:off x="195017" y="1268019"/>
+            <a:ext cx="7886700" cy="3263504"/>
+          </a:xfrm>
+        </p:spPr>
+        <p:txBody>
+          <a:bodyPr/>
+          <a:lstStyle/>
+          <a:p>
+            <a:r>
+              <a:rPr lang="en-US" dirty="0"/>
+              <a:t>Next-&gt;bk = Prev</a:t>
+            </a:r>
+          </a:p>
+          <a:p>
+            <a:r>
+              <a:rPr lang="en-US" dirty="0"/>
+              <a:t>Prev-&gt;fd = Next</a:t>
+            </a:r>
+          </a:p>
+          <a:p>
+            <a:endParaRPr lang="en-US" dirty="0"/>
+          </a:p>
+          <a:p>
+            <a:endParaRPr lang="en-US" dirty="0"/>
+          </a:p>
+          <a:p>
+            <a:endParaRPr lang="en-US" dirty="0"/>
+          </a:p>
+          <a:p>
+            <a:r>
+              <a:rPr lang="en-US" dirty="0"/>
+              <a:t>Seems indestructible, right?</a:t>
+            </a:r>
+          </a:p>
+        </p:txBody>
+      </p:sp>
+      <p:pic>
+        <p:nvPicPr>
+          <p:cNvPr id="4" name="Content Placeholder 4" descr="Unsorted bin linked list diagram">
+            <a:extLst>
+              <a:ext uri="{FF2B5EF4-FFF2-40B4-BE49-F238E27FC236}">
+                <a16:creationId xmlns:a16="http://schemas.microsoft.com/office/drawing/2014/main" id="{6860FAAE-19C7-DB41-ABA6-565577905DD2}"/>
+              </a:ext>
+            </a:extLst>
+          </p:cNvPr>
+          <p:cNvPicPr>
+            <a:picLocks noChangeAspect="1"/>
+          </p:cNvPicPr>
+          <p:nvPr/>
+        </p:nvPicPr>
+        <p:blipFill>
+          <a:blip r:embed="rId3"/>
+          <a:stretch>
+            <a:fillRect/>
+          </a:stretch>
+        </p:blipFill>
+        <p:spPr>
+          <a:xfrm>
+            <a:off x="2737099" y="1131232"/>
+            <a:ext cx="6009070" cy="2261917"/>
+          </a:xfrm>
+          <a:prstGeom prst="rect">
+            <a:avLst/>
+          </a:prstGeom>
+          <a:noFill/>
+        </p:spPr>
+      </p:pic>
+    </p:spTree>
+    <p:extLst>
+      <p:ext uri="{BB962C8B-B14F-4D97-AF65-F5344CB8AC3E}">
+        <p14:creationId xmlns:p14="http://schemas.microsoft.com/office/powerpoint/2010/main" val="532587959"/>
+      </p:ext>
+    </p:extLst>
+  </p:cSld>
+  <p:clrMapOvr>
+    <a:masterClrMapping/>
+  </p:clrMapOvr>
+</p:sld>
+</file>
+
+<file path=ppt/slides/slide81.xml><?xml version="1.0" encoding="utf-8"?>
 <p:sld xmlns:a="http://schemas.openxmlformats.org/drawingml/2006/main" xmlns:r="http://schemas.openxmlformats.org/officeDocument/2006/relationships" xmlns:p="http://schemas.openxmlformats.org/presentationml/2006/main">
   <p:cSld>
     <p:spTree>
@@ -47541,7 +49012,7 @@
 </p:sld>
 </file>
 
-<file path=ppt/slides/slide81.xml><?xml version="1.0" encoding="utf-8"?>
+<file path=ppt/slides/slide82.xml><?xml version="1.0" encoding="utf-8"?>
 <p:sld xmlns:a="http://schemas.openxmlformats.org/drawingml/2006/main" xmlns:r="http://schemas.openxmlformats.org/officeDocument/2006/relationships" xmlns:p="http://schemas.openxmlformats.org/presentationml/2006/main">
   <p:cSld>
     <p:spTree>
@@ -47719,7 +49190,7 @@
 </p:sld>
 </file>
 
-<file path=ppt/slides/slide82.xml><?xml version="1.0" encoding="utf-8"?>
+<file path=ppt/slides/slide83.xml><?xml version="1.0" encoding="utf-8"?>
 <p:sld xmlns:a="http://schemas.openxmlformats.org/drawingml/2006/main" xmlns:r="http://schemas.openxmlformats.org/officeDocument/2006/relationships" xmlns:p="http://schemas.openxmlformats.org/presentationml/2006/main">
   <p:cSld>
     <p:spTree>
@@ -47861,7 +49332,7 @@
 </p:sld>
 </file>
 
-<file path=ppt/slides/slide83.xml><?xml version="1.0" encoding="utf-8"?>
+<file path=ppt/slides/slide84.xml><?xml version="1.0" encoding="utf-8"?>
 <p:sld xmlns:a="http://schemas.openxmlformats.org/drawingml/2006/main" xmlns:r="http://schemas.openxmlformats.org/officeDocument/2006/relationships" xmlns:p="http://schemas.openxmlformats.org/presentationml/2006/main">
   <p:cSld>
     <p:spTree>
@@ -47999,7 +49470,7 @@
 </p:sld>
 </file>
 
-<file path=ppt/slides/slide84.xml><?xml version="1.0" encoding="utf-8"?>
+<file path=ppt/slides/slide85.xml><?xml version="1.0" encoding="utf-8"?>
 <p:sld xmlns:a="http://schemas.openxmlformats.org/drawingml/2006/main" xmlns:r="http://schemas.openxmlformats.org/officeDocument/2006/relationships" xmlns:p="http://schemas.openxmlformats.org/presentationml/2006/main">
   <p:cSld>
     <p:spTree>
@@ -48156,8 +49627,8 @@
 </p:sld>
 </file>
 
-<file path=ppt/slides/slide85.xml><?xml version="1.0" encoding="utf-8"?>
-<p:sld xmlns:a="http://schemas.openxmlformats.org/drawingml/2006/main" xmlns:r="http://schemas.openxmlformats.org/officeDocument/2006/relationships" xmlns:p="http://schemas.openxmlformats.org/presentationml/2006/main">
+<file path=ppt/slides/slide86.xml><?xml version="1.0" encoding="utf-8"?>
+<p:sld xmlns:a="http://schemas.openxmlformats.org/drawingml/2006/main" xmlns:r="http://schemas.openxmlformats.org/officeDocument/2006/relationships" xmlns:p="http://schemas.openxmlformats.org/presentationml/2006/main" show="0">
   <p:cSld>
     <p:spTree>
       <p:nvGrpSpPr>
@@ -48413,7 +49884,7 @@
 </p:sld>
 </file>
 
-<file path=ppt/slides/slide86.xml><?xml version="1.0" encoding="utf-8"?>
+<file path=ppt/slides/slide87.xml><?xml version="1.0" encoding="utf-8"?>
 <p:sld xmlns:a="http://schemas.openxmlformats.org/drawingml/2006/main" xmlns:r="http://schemas.openxmlformats.org/officeDocument/2006/relationships" xmlns:p="http://schemas.openxmlformats.org/presentationml/2006/main">
   <p:cSld>
     <p:spTree>
@@ -48493,13 +49964,13 @@
           <a:p>
             <a:r>
               <a:rPr lang="en-US" dirty="0"/>
-              <a:t>Next&gt;bk = P</a:t>
+              <a:t>Next&gt;bk = Cur</a:t>
             </a:r>
           </a:p>
           <a:p>
             <a:r>
               <a:rPr lang="en-US" dirty="0"/>
-              <a:t>Prev&gt;fd = P</a:t>
+              <a:t>Prev&gt;fd = Cur</a:t>
             </a:r>
           </a:p>
           <a:p>
@@ -48567,7 +50038,7 @@
 </p:sld>
 </file>
 
-<file path=ppt/slides/slide87.xml><?xml version="1.0" encoding="utf-8"?>
+<file path=ppt/slides/slide88.xml><?xml version="1.0" encoding="utf-8"?>
 <p:sld xmlns:a="http://schemas.openxmlformats.org/drawingml/2006/main" xmlns:r="http://schemas.openxmlformats.org/officeDocument/2006/relationships" xmlns:p="http://schemas.openxmlformats.org/presentationml/2006/main">
   <p:cSld>
     <p:spTree>
@@ -48799,7 +50270,7 @@
 </p:sld>
 </file>
 
-<file path=ppt/slides/slide88.xml><?xml version="1.0" encoding="utf-8"?>
+<file path=ppt/slides/slide89.xml><?xml version="1.0" encoding="utf-8"?>
 <p:sld xmlns:a="http://schemas.openxmlformats.org/drawingml/2006/main" xmlns:r="http://schemas.openxmlformats.org/officeDocument/2006/relationships" xmlns:p="http://schemas.openxmlformats.org/presentationml/2006/main">
   <p:cSld>
     <p:spTree>
@@ -49031,7 +50502,318 @@
 </p:sld>
 </file>
 
-<file path=ppt/slides/slide89.xml><?xml version="1.0" encoding="utf-8"?>
+<file path=ppt/slides/slide9.xml><?xml version="1.0" encoding="utf-8"?>
+<p:sld xmlns:a="http://schemas.openxmlformats.org/drawingml/2006/main" xmlns:r="http://schemas.openxmlformats.org/officeDocument/2006/relationships" xmlns:p="http://schemas.openxmlformats.org/presentationml/2006/main">
+  <p:cSld>
+    <p:spTree>
+      <p:nvGrpSpPr>
+        <p:cNvPr id="1" name=""/>
+        <p:cNvGrpSpPr/>
+        <p:nvPr/>
+      </p:nvGrpSpPr>
+      <p:grpSpPr>
+        <a:xfrm>
+          <a:off x="0" y="0"/>
+          <a:ext cx="0" cy="0"/>
+          <a:chOff x="0" y="0"/>
+          <a:chExt cx="0" cy="0"/>
+        </a:xfrm>
+      </p:grpSpPr>
+      <p:sp>
+        <p:nvSpPr>
+          <p:cNvPr id="2" name="Title 1">
+            <a:extLst>
+              <a:ext uri="{FF2B5EF4-FFF2-40B4-BE49-F238E27FC236}">
+                <a16:creationId xmlns:a16="http://schemas.microsoft.com/office/drawing/2014/main" id="{6BEB7CF1-743A-D74C-AC52-B586D7683293}"/>
+              </a:ext>
+            </a:extLst>
+          </p:cNvPr>
+          <p:cNvSpPr>
+            <a:spLocks noGrp="1"/>
+          </p:cNvSpPr>
+          <p:nvPr>
+            <p:ph type="title"/>
+          </p:nvPr>
+        </p:nvSpPr>
+        <p:spPr>
+          <a:xfrm>
+            <a:off x="628650" y="273847"/>
+            <a:ext cx="7886700" cy="994172"/>
+          </a:xfrm>
+        </p:spPr>
+        <p:txBody>
+          <a:bodyPr anchor="ctr">
+            <a:normAutofit/>
+          </a:bodyPr>
+          <a:lstStyle/>
+          <a:p>
+            <a:r>
+              <a:rPr lang="en-US" dirty="0"/>
+              <a:t>Code Review! (answers)</a:t>
+            </a:r>
+          </a:p>
+        </p:txBody>
+      </p:sp>
+      <p:pic>
+        <p:nvPicPr>
+          <p:cNvPr id="5" name="Content Placeholder 4" descr="A screen shot of a social media post&#10;&#10;Description automatically generated">
+            <a:extLst>
+              <a:ext uri="{FF2B5EF4-FFF2-40B4-BE49-F238E27FC236}">
+                <a16:creationId xmlns:a16="http://schemas.microsoft.com/office/drawing/2014/main" id="{2079519E-7C78-EC4D-84CF-60D0BE06D9AF}"/>
+              </a:ext>
+            </a:extLst>
+          </p:cNvPr>
+          <p:cNvPicPr>
+            <a:picLocks noGrp="1" noChangeAspect="1"/>
+          </p:cNvPicPr>
+          <p:nvPr>
+            <p:ph sz="half" idx="1"/>
+          </p:nvPr>
+        </p:nvPicPr>
+        <p:blipFill>
+          <a:blip r:embed="rId2"/>
+          <a:stretch>
+            <a:fillRect/>
+          </a:stretch>
+        </p:blipFill>
+        <p:spPr>
+          <a:xfrm>
+            <a:off x="79963" y="1318619"/>
+            <a:ext cx="4492037" cy="1669701"/>
+          </a:xfrm>
+          <a:noFill/>
+        </p:spPr>
+      </p:pic>
+      <p:sp>
+        <p:nvSpPr>
+          <p:cNvPr id="10" name="Content Placeholder 3">
+            <a:extLst>
+              <a:ext uri="{FF2B5EF4-FFF2-40B4-BE49-F238E27FC236}">
+                <a16:creationId xmlns:a16="http://schemas.microsoft.com/office/drawing/2014/main" id="{79B45F60-0363-424B-9E27-65854133F913}"/>
+              </a:ext>
+            </a:extLst>
+          </p:cNvPr>
+          <p:cNvSpPr>
+            <a:spLocks noGrp="1"/>
+          </p:cNvSpPr>
+          <p:nvPr>
+            <p:ph sz="half" idx="2"/>
+          </p:nvPr>
+        </p:nvSpPr>
+        <p:spPr>
+          <a:xfrm>
+            <a:off x="4572001" y="1369219"/>
+            <a:ext cx="4492036" cy="3263504"/>
+          </a:xfrm>
+        </p:spPr>
+        <p:txBody>
+          <a:bodyPr>
+            <a:normAutofit/>
+          </a:bodyPr>
+          <a:lstStyle/>
+          <a:p>
+            <a:r>
+              <a:rPr lang="en-US" dirty="0"/>
+              <a:t>Inside of </a:t>
+            </a:r>
+            <a:r>
+              <a:rPr lang="en-US" i="1" dirty="0"/>
+              <a:t>free</a:t>
+            </a:r>
+            <a:r>
+              <a:rPr lang="en-US" dirty="0"/>
+              <a:t> (_</a:t>
+            </a:r>
+            <a:r>
+              <a:rPr lang="en-US" dirty="0" err="1"/>
+              <a:t>int_free</a:t>
+            </a:r>
+            <a:r>
+              <a:rPr lang="en-US" dirty="0"/>
+              <a:t>)</a:t>
+            </a:r>
+          </a:p>
+          <a:p>
+            <a:r>
+              <a:rPr lang="en-US" dirty="0"/>
+              <a:t>p: current chunk being freed</a:t>
+            </a:r>
+          </a:p>
+          <a:p>
+            <a:r>
+              <a:rPr lang="en-US" dirty="0"/>
+              <a:t>size: size of p</a:t>
+            </a:r>
+          </a:p>
+          <a:p>
+            <a:r>
+              <a:rPr lang="en-US" dirty="0"/>
+              <a:t>Answers: </a:t>
+            </a:r>
+          </a:p>
+          <a:p>
+            <a:pPr marL="457200" lvl="1" indent="0">
+              <a:buNone/>
+            </a:pPr>
+            <a:r>
+              <a:rPr lang="en-US" dirty="0"/>
+              <a:t>1. Is the </a:t>
+            </a:r>
+            <a:r>
+              <a:rPr lang="en-US" i="1" dirty="0"/>
+              <a:t>previous</a:t>
+            </a:r>
+            <a:r>
+              <a:rPr lang="en-US" dirty="0"/>
+              <a:t> chunk free (checks via the </a:t>
+            </a:r>
+            <a:r>
+              <a:rPr lang="en-US" i="1" dirty="0" err="1"/>
+              <a:t>prev_inuse</a:t>
+            </a:r>
+            <a:r>
+              <a:rPr lang="en-US" dirty="0"/>
+              <a:t> bit)</a:t>
+            </a:r>
+          </a:p>
+          <a:p>
+            <a:pPr marL="457200" lvl="1" indent="0">
+              <a:buNone/>
+            </a:pPr>
+            <a:r>
+              <a:rPr lang="en-US" dirty="0"/>
+              <a:t>2. Current chunk – </a:t>
+            </a:r>
+            <a:r>
+              <a:rPr lang="en-US" i="1" dirty="0"/>
+              <a:t>prev_size</a:t>
+            </a:r>
+            <a:endParaRPr lang="en-US" dirty="0"/>
+          </a:p>
+        </p:txBody>
+      </p:sp>
+      <p:sp>
+        <p:nvSpPr>
+          <p:cNvPr id="6" name="TextBox 5">
+            <a:extLst>
+              <a:ext uri="{FF2B5EF4-FFF2-40B4-BE49-F238E27FC236}">
+                <a16:creationId xmlns:a16="http://schemas.microsoft.com/office/drawing/2014/main" id="{6ED31DE9-D4DA-BB47-8961-1227E69BE052}"/>
+              </a:ext>
+            </a:extLst>
+          </p:cNvPr>
+          <p:cNvSpPr txBox="1"/>
+          <p:nvPr/>
+        </p:nvSpPr>
+        <p:spPr>
+          <a:xfrm>
+            <a:off x="2107770" y="1329919"/>
+            <a:ext cx="604434" cy="584775"/>
+          </a:xfrm>
+          <a:prstGeom prst="rect">
+            <a:avLst/>
+          </a:prstGeom>
+          <a:noFill/>
+        </p:spPr>
+        <p:txBody>
+          <a:bodyPr wrap="square" rtlCol="0">
+            <a:spAutoFit/>
+          </a:bodyPr>
+          <a:lstStyle/>
+          <a:p>
+            <a:r>
+              <a:rPr lang="en-US" sz="3200" dirty="0">
+                <a:solidFill>
+                  <a:srgbClr val="FF0000"/>
+                </a:solidFill>
+              </a:rPr>
+              <a:t>1)</a:t>
+            </a:r>
+          </a:p>
+        </p:txBody>
+      </p:sp>
+      <p:sp>
+        <p:nvSpPr>
+          <p:cNvPr id="8" name="TextBox 7">
+            <a:extLst>
+              <a:ext uri="{FF2B5EF4-FFF2-40B4-BE49-F238E27FC236}">
+                <a16:creationId xmlns:a16="http://schemas.microsoft.com/office/drawing/2014/main" id="{A3757472-D2AA-4E4C-9568-9C2638FD134D}"/>
+              </a:ext>
+            </a:extLst>
+          </p:cNvPr>
+          <p:cNvSpPr txBox="1"/>
+          <p:nvPr/>
+        </p:nvSpPr>
+        <p:spPr>
+          <a:xfrm>
+            <a:off x="4192868" y="2052290"/>
+            <a:ext cx="604434" cy="584775"/>
+          </a:xfrm>
+          <a:prstGeom prst="rect">
+            <a:avLst/>
+          </a:prstGeom>
+          <a:noFill/>
+        </p:spPr>
+        <p:txBody>
+          <a:bodyPr wrap="square" rtlCol="0">
+            <a:spAutoFit/>
+          </a:bodyPr>
+          <a:lstStyle/>
+          <a:p>
+            <a:r>
+              <a:rPr lang="en-US" sz="3200" dirty="0">
+                <a:solidFill>
+                  <a:srgbClr val="FF0000"/>
+                </a:solidFill>
+              </a:rPr>
+              <a:t>2)</a:t>
+            </a:r>
+          </a:p>
+        </p:txBody>
+      </p:sp>
+      <p:pic>
+        <p:nvPicPr>
+          <p:cNvPr id="7" name="Picture 6" descr="A screenshot of a cell phone&#10;&#10;Description automatically generated">
+            <a:extLst>
+              <a:ext uri="{FF2B5EF4-FFF2-40B4-BE49-F238E27FC236}">
+                <a16:creationId xmlns:a16="http://schemas.microsoft.com/office/drawing/2014/main" id="{5A43FD0D-659D-AA4B-A33F-4ABB12D11E05}"/>
+              </a:ext>
+            </a:extLst>
+          </p:cNvPr>
+          <p:cNvPicPr>
+            <a:picLocks noChangeAspect="1"/>
+          </p:cNvPicPr>
+          <p:nvPr/>
+        </p:nvPicPr>
+        <p:blipFill>
+          <a:blip r:embed="rId3"/>
+          <a:stretch>
+            <a:fillRect/>
+          </a:stretch>
+        </p:blipFill>
+        <p:spPr>
+          <a:xfrm>
+            <a:off x="130381" y="3038920"/>
+            <a:ext cx="1783479" cy="1983229"/>
+          </a:xfrm>
+          <a:prstGeom prst="rect">
+            <a:avLst/>
+          </a:prstGeom>
+        </p:spPr>
+      </p:pic>
+    </p:spTree>
+    <p:extLst>
+      <p:ext uri="{BB962C8B-B14F-4D97-AF65-F5344CB8AC3E}">
+        <p14:creationId xmlns:p14="http://schemas.microsoft.com/office/powerpoint/2010/main" val="1384499838"/>
+      </p:ext>
+    </p:extLst>
+  </p:cSld>
+  <p:clrMapOvr>
+    <a:masterClrMapping/>
+  </p:clrMapOvr>
+</p:sld>
+</file>
+
+<file path=ppt/slides/slide90.xml><?xml version="1.0" encoding="utf-8"?>
 <p:sld xmlns:a="http://schemas.openxmlformats.org/drawingml/2006/main" xmlns:r="http://schemas.openxmlformats.org/officeDocument/2006/relationships" xmlns:p="http://schemas.openxmlformats.org/presentationml/2006/main">
   <p:cSld>
     <p:spTree>
@@ -49190,7 +50972,7 @@
             </a:pPr>
             <a:r>
               <a:rPr lang="en-US" sz="2500" dirty="0"/>
-              <a:t>FD-&gt;bk = Pointer!</a:t>
+              <a:t>Next-&gt;bk = Pointer!</a:t>
             </a:r>
           </a:p>
           <a:p>
@@ -49200,7 +50982,7 @@
             </a:pPr>
             <a:r>
               <a:rPr lang="en-US" sz="2500" dirty="0"/>
-              <a:t>BK-&gt;fd = Pointer!</a:t>
+              <a:t>Prev-&gt;fd = Pointer!</a:t>
             </a:r>
           </a:p>
           <a:p>
@@ -49268,318 +51050,7 @@
 </p:sld>
 </file>
 
-<file path=ppt/slides/slide9.xml><?xml version="1.0" encoding="utf-8"?>
-<p:sld xmlns:a="http://schemas.openxmlformats.org/drawingml/2006/main" xmlns:r="http://schemas.openxmlformats.org/officeDocument/2006/relationships" xmlns:p="http://schemas.openxmlformats.org/presentationml/2006/main">
-  <p:cSld>
-    <p:spTree>
-      <p:nvGrpSpPr>
-        <p:cNvPr id="1" name=""/>
-        <p:cNvGrpSpPr/>
-        <p:nvPr/>
-      </p:nvGrpSpPr>
-      <p:grpSpPr>
-        <a:xfrm>
-          <a:off x="0" y="0"/>
-          <a:ext cx="0" cy="0"/>
-          <a:chOff x="0" y="0"/>
-          <a:chExt cx="0" cy="0"/>
-        </a:xfrm>
-      </p:grpSpPr>
-      <p:sp>
-        <p:nvSpPr>
-          <p:cNvPr id="2" name="Title 1">
-            <a:extLst>
-              <a:ext uri="{FF2B5EF4-FFF2-40B4-BE49-F238E27FC236}">
-                <a16:creationId xmlns:a16="http://schemas.microsoft.com/office/drawing/2014/main" id="{6BEB7CF1-743A-D74C-AC52-B586D7683293}"/>
-              </a:ext>
-            </a:extLst>
-          </p:cNvPr>
-          <p:cNvSpPr>
-            <a:spLocks noGrp="1"/>
-          </p:cNvSpPr>
-          <p:nvPr>
-            <p:ph type="title"/>
-          </p:nvPr>
-        </p:nvSpPr>
-        <p:spPr>
-          <a:xfrm>
-            <a:off x="628650" y="273847"/>
-            <a:ext cx="7886700" cy="994172"/>
-          </a:xfrm>
-        </p:spPr>
-        <p:txBody>
-          <a:bodyPr anchor="ctr">
-            <a:normAutofit/>
-          </a:bodyPr>
-          <a:lstStyle/>
-          <a:p>
-            <a:r>
-              <a:rPr lang="en-US" dirty="0"/>
-              <a:t>Code Review! (answers)</a:t>
-            </a:r>
-          </a:p>
-        </p:txBody>
-      </p:sp>
-      <p:pic>
-        <p:nvPicPr>
-          <p:cNvPr id="5" name="Content Placeholder 4" descr="A screen shot of a social media post&#10;&#10;Description automatically generated">
-            <a:extLst>
-              <a:ext uri="{FF2B5EF4-FFF2-40B4-BE49-F238E27FC236}">
-                <a16:creationId xmlns:a16="http://schemas.microsoft.com/office/drawing/2014/main" id="{2079519E-7C78-EC4D-84CF-60D0BE06D9AF}"/>
-              </a:ext>
-            </a:extLst>
-          </p:cNvPr>
-          <p:cNvPicPr>
-            <a:picLocks noGrp="1" noChangeAspect="1"/>
-          </p:cNvPicPr>
-          <p:nvPr>
-            <p:ph sz="half" idx="1"/>
-          </p:nvPr>
-        </p:nvPicPr>
-        <p:blipFill>
-          <a:blip r:embed="rId2"/>
-          <a:stretch>
-            <a:fillRect/>
-          </a:stretch>
-        </p:blipFill>
-        <p:spPr>
-          <a:xfrm>
-            <a:off x="79963" y="1318619"/>
-            <a:ext cx="4492037" cy="1669701"/>
-          </a:xfrm>
-          <a:noFill/>
-        </p:spPr>
-      </p:pic>
-      <p:sp>
-        <p:nvSpPr>
-          <p:cNvPr id="10" name="Content Placeholder 3">
-            <a:extLst>
-              <a:ext uri="{FF2B5EF4-FFF2-40B4-BE49-F238E27FC236}">
-                <a16:creationId xmlns:a16="http://schemas.microsoft.com/office/drawing/2014/main" id="{79B45F60-0363-424B-9E27-65854133F913}"/>
-              </a:ext>
-            </a:extLst>
-          </p:cNvPr>
-          <p:cNvSpPr>
-            <a:spLocks noGrp="1"/>
-          </p:cNvSpPr>
-          <p:nvPr>
-            <p:ph sz="half" idx="2"/>
-          </p:nvPr>
-        </p:nvSpPr>
-        <p:spPr>
-          <a:xfrm>
-            <a:off x="4572001" y="1369219"/>
-            <a:ext cx="4492036" cy="3263504"/>
-          </a:xfrm>
-        </p:spPr>
-        <p:txBody>
-          <a:bodyPr>
-            <a:normAutofit/>
-          </a:bodyPr>
-          <a:lstStyle/>
-          <a:p>
-            <a:r>
-              <a:rPr lang="en-US" dirty="0"/>
-              <a:t>Inside of </a:t>
-            </a:r>
-            <a:r>
-              <a:rPr lang="en-US" i="1" dirty="0"/>
-              <a:t>free</a:t>
-            </a:r>
-            <a:r>
-              <a:rPr lang="en-US" dirty="0"/>
-              <a:t> (_</a:t>
-            </a:r>
-            <a:r>
-              <a:rPr lang="en-US" dirty="0" err="1"/>
-              <a:t>int_free</a:t>
-            </a:r>
-            <a:r>
-              <a:rPr lang="en-US" dirty="0"/>
-              <a:t>)</a:t>
-            </a:r>
-          </a:p>
-          <a:p>
-            <a:r>
-              <a:rPr lang="en-US" dirty="0"/>
-              <a:t>p: current chunk being freed</a:t>
-            </a:r>
-          </a:p>
-          <a:p>
-            <a:r>
-              <a:rPr lang="en-US" dirty="0"/>
-              <a:t>size: size of p</a:t>
-            </a:r>
-          </a:p>
-          <a:p>
-            <a:r>
-              <a:rPr lang="en-US" dirty="0"/>
-              <a:t>Answers: </a:t>
-            </a:r>
-          </a:p>
-          <a:p>
-            <a:pPr marL="457200" lvl="1" indent="0">
-              <a:buNone/>
-            </a:pPr>
-            <a:r>
-              <a:rPr lang="en-US" dirty="0"/>
-              <a:t>1. Is the </a:t>
-            </a:r>
-            <a:r>
-              <a:rPr lang="en-US" i="1" dirty="0"/>
-              <a:t>previous</a:t>
-            </a:r>
-            <a:r>
-              <a:rPr lang="en-US" dirty="0"/>
-              <a:t> chunk free (checks via the </a:t>
-            </a:r>
-            <a:r>
-              <a:rPr lang="en-US" i="1" dirty="0" err="1"/>
-              <a:t>prev_inuse</a:t>
-            </a:r>
-            <a:r>
-              <a:rPr lang="en-US" dirty="0"/>
-              <a:t> bit)</a:t>
-            </a:r>
-          </a:p>
-          <a:p>
-            <a:pPr marL="457200" lvl="1" indent="0">
-              <a:buNone/>
-            </a:pPr>
-            <a:r>
-              <a:rPr lang="en-US" dirty="0"/>
-              <a:t>2. Current chunk – </a:t>
-            </a:r>
-            <a:r>
-              <a:rPr lang="en-US" i="1" dirty="0"/>
-              <a:t>prev_size</a:t>
-            </a:r>
-            <a:endParaRPr lang="en-US" dirty="0"/>
-          </a:p>
-        </p:txBody>
-      </p:sp>
-      <p:sp>
-        <p:nvSpPr>
-          <p:cNvPr id="6" name="TextBox 5">
-            <a:extLst>
-              <a:ext uri="{FF2B5EF4-FFF2-40B4-BE49-F238E27FC236}">
-                <a16:creationId xmlns:a16="http://schemas.microsoft.com/office/drawing/2014/main" id="{6ED31DE9-D4DA-BB47-8961-1227E69BE052}"/>
-              </a:ext>
-            </a:extLst>
-          </p:cNvPr>
-          <p:cNvSpPr txBox="1"/>
-          <p:nvPr/>
-        </p:nvSpPr>
-        <p:spPr>
-          <a:xfrm>
-            <a:off x="2107770" y="1329919"/>
-            <a:ext cx="604434" cy="584775"/>
-          </a:xfrm>
-          <a:prstGeom prst="rect">
-            <a:avLst/>
-          </a:prstGeom>
-          <a:noFill/>
-        </p:spPr>
-        <p:txBody>
-          <a:bodyPr wrap="square" rtlCol="0">
-            <a:spAutoFit/>
-          </a:bodyPr>
-          <a:lstStyle/>
-          <a:p>
-            <a:r>
-              <a:rPr lang="en-US" sz="3200" dirty="0">
-                <a:solidFill>
-                  <a:srgbClr val="FF0000"/>
-                </a:solidFill>
-              </a:rPr>
-              <a:t>1)</a:t>
-            </a:r>
-          </a:p>
-        </p:txBody>
-      </p:sp>
-      <p:sp>
-        <p:nvSpPr>
-          <p:cNvPr id="8" name="TextBox 7">
-            <a:extLst>
-              <a:ext uri="{FF2B5EF4-FFF2-40B4-BE49-F238E27FC236}">
-                <a16:creationId xmlns:a16="http://schemas.microsoft.com/office/drawing/2014/main" id="{A3757472-D2AA-4E4C-9568-9C2638FD134D}"/>
-              </a:ext>
-            </a:extLst>
-          </p:cNvPr>
-          <p:cNvSpPr txBox="1"/>
-          <p:nvPr/>
-        </p:nvSpPr>
-        <p:spPr>
-          <a:xfrm>
-            <a:off x="4192868" y="2052290"/>
-            <a:ext cx="604434" cy="584775"/>
-          </a:xfrm>
-          <a:prstGeom prst="rect">
-            <a:avLst/>
-          </a:prstGeom>
-          <a:noFill/>
-        </p:spPr>
-        <p:txBody>
-          <a:bodyPr wrap="square" rtlCol="0">
-            <a:spAutoFit/>
-          </a:bodyPr>
-          <a:lstStyle/>
-          <a:p>
-            <a:r>
-              <a:rPr lang="en-US" sz="3200" dirty="0">
-                <a:solidFill>
-                  <a:srgbClr val="FF0000"/>
-                </a:solidFill>
-              </a:rPr>
-              <a:t>2)</a:t>
-            </a:r>
-          </a:p>
-        </p:txBody>
-      </p:sp>
-      <p:pic>
-        <p:nvPicPr>
-          <p:cNvPr id="7" name="Picture 6" descr="A screenshot of a cell phone&#10;&#10;Description automatically generated">
-            <a:extLst>
-              <a:ext uri="{FF2B5EF4-FFF2-40B4-BE49-F238E27FC236}">
-                <a16:creationId xmlns:a16="http://schemas.microsoft.com/office/drawing/2014/main" id="{5A43FD0D-659D-AA4B-A33F-4ABB12D11E05}"/>
-              </a:ext>
-            </a:extLst>
-          </p:cNvPr>
-          <p:cNvPicPr>
-            <a:picLocks noChangeAspect="1"/>
-          </p:cNvPicPr>
-          <p:nvPr/>
-        </p:nvPicPr>
-        <p:blipFill>
-          <a:blip r:embed="rId3"/>
-          <a:stretch>
-            <a:fillRect/>
-          </a:stretch>
-        </p:blipFill>
-        <p:spPr>
-          <a:xfrm>
-            <a:off x="130381" y="3038920"/>
-            <a:ext cx="1783479" cy="1983229"/>
-          </a:xfrm>
-          <a:prstGeom prst="rect">
-            <a:avLst/>
-          </a:prstGeom>
-        </p:spPr>
-      </p:pic>
-    </p:spTree>
-    <p:extLst>
-      <p:ext uri="{BB962C8B-B14F-4D97-AF65-F5344CB8AC3E}">
-        <p14:creationId xmlns:p14="http://schemas.microsoft.com/office/powerpoint/2010/main" val="1384499838"/>
-      </p:ext>
-    </p:extLst>
-  </p:cSld>
-  <p:clrMapOvr>
-    <a:masterClrMapping/>
-  </p:clrMapOvr>
-</p:sld>
-</file>
-
-<file path=ppt/slides/slide90.xml><?xml version="1.0" encoding="utf-8"?>
+<file path=ppt/slides/slide91.xml><?xml version="1.0" encoding="utf-8"?>
 <p:sld xmlns:a="http://schemas.openxmlformats.org/drawingml/2006/main" xmlns:r="http://schemas.openxmlformats.org/officeDocument/2006/relationships" xmlns:p="http://schemas.openxmlformats.org/presentationml/2006/main">
   <p:cSld>
     <p:spTree>
@@ -49786,6 +51257,36 @@
           </a:extLst>
         </p:spPr>
       </p:pic>
+      <p:pic>
+        <p:nvPicPr>
+          <p:cNvPr id="7" name="Picture 6" descr="Unlink Macro with name update">
+            <a:extLst>
+              <a:ext uri="{FF2B5EF4-FFF2-40B4-BE49-F238E27FC236}">
+                <a16:creationId xmlns:a16="http://schemas.microsoft.com/office/drawing/2014/main" id="{381B70C8-F9A1-19EA-EAAE-83D30AEEF302}"/>
+              </a:ext>
+            </a:extLst>
+          </p:cNvPr>
+          <p:cNvPicPr>
+            <a:picLocks noChangeAspect="1"/>
+          </p:cNvPicPr>
+          <p:nvPr/>
+        </p:nvPicPr>
+        <p:blipFill>
+          <a:blip r:embed="rId5"/>
+          <a:stretch>
+            <a:fillRect/>
+          </a:stretch>
+        </p:blipFill>
+        <p:spPr>
+          <a:xfrm>
+            <a:off x="709412" y="3422019"/>
+            <a:ext cx="4178300" cy="1638300"/>
+          </a:xfrm>
+          <a:prstGeom prst="rect">
+            <a:avLst/>
+          </a:prstGeom>
+        </p:spPr>
+      </p:pic>
     </p:spTree>
     <p:extLst>
       <p:ext uri="{BB962C8B-B14F-4D97-AF65-F5344CB8AC3E}">
@@ -49799,7 +51300,7 @@
 </p:sld>
 </file>
 
-<file path=ppt/slides/slide91.xml><?xml version="1.0" encoding="utf-8"?>
+<file path=ppt/slides/slide92.xml><?xml version="1.0" encoding="utf-8"?>
 <p:sld xmlns:a="http://schemas.openxmlformats.org/drawingml/2006/main" xmlns:r="http://schemas.openxmlformats.org/officeDocument/2006/relationships" xmlns:p="http://schemas.openxmlformats.org/presentationml/2006/main">
   <p:cSld>
     <p:spTree>
@@ -50008,7 +51509,7 @@
 </p:sld>
 </file>
 
-<file path=ppt/slides/slide92.xml><?xml version="1.0" encoding="utf-8"?>
+<file path=ppt/slides/slide93.xml><?xml version="1.0" encoding="utf-8"?>
 <p:sld xmlns:a="http://schemas.openxmlformats.org/drawingml/2006/main" xmlns:r="http://schemas.openxmlformats.org/officeDocument/2006/relationships" xmlns:p="http://schemas.openxmlformats.org/presentationml/2006/main">
   <p:cSld>
     <p:spTree>
@@ -50245,7 +51746,7 @@
 </p:sld>
 </file>
 
-<file path=ppt/slides/slide93.xml><?xml version="1.0" encoding="utf-8"?>
+<file path=ppt/slides/slide94.xml><?xml version="1.0" encoding="utf-8"?>
 <p:sld xmlns:a="http://schemas.openxmlformats.org/drawingml/2006/main" xmlns:r="http://schemas.openxmlformats.org/officeDocument/2006/relationships" xmlns:p="http://schemas.openxmlformats.org/presentationml/2006/main">
   <p:cSld>
     <p:spTree>
@@ -50482,7 +51983,7 @@
 </p:sld>
 </file>
 
-<file path=ppt/slides/slide94.xml><?xml version="1.0" encoding="utf-8"?>
+<file path=ppt/slides/slide95.xml><?xml version="1.0" encoding="utf-8"?>
 <p:sld xmlns:a="http://schemas.openxmlformats.org/drawingml/2006/main" xmlns:r="http://schemas.openxmlformats.org/officeDocument/2006/relationships" xmlns:p="http://schemas.openxmlformats.org/presentationml/2006/main">
   <p:cSld>
     <p:spTree>
@@ -50570,15 +52071,6 @@
           <a:solidFill>
             <a:srgbClr val="FFFFFF"/>
           </a:solidFill>
-          <a:extLst>
-            <a:ext uri="{909E8E84-426E-40DD-AFC4-6F175D3DCCD1}">
-              <a14:hiddenFill xmlns:a14="http://schemas.microsoft.com/office/drawing/2010/main">
-                <a:solidFill>
-                  <a:srgbClr val="FFFFFF"/>
-                </a:solidFill>
-              </a14:hiddenFill>
-            </a:ext>
-          </a:extLst>
         </p:spPr>
       </p:pic>
       <p:sp>
@@ -50642,8 +52134,8 @@
 </p:sld>
 </file>
 
-<file path=ppt/slides/slide95.xml><?xml version="1.0" encoding="utf-8"?>
-<p:sld xmlns:a="http://schemas.openxmlformats.org/drawingml/2006/main" xmlns:r="http://schemas.openxmlformats.org/officeDocument/2006/relationships" xmlns:p="http://schemas.openxmlformats.org/presentationml/2006/main">
+<file path=ppt/slides/slide96.xml><?xml version="1.0" encoding="utf-8"?>
+<p:sld xmlns:a="http://schemas.openxmlformats.org/drawingml/2006/main" xmlns:r="http://schemas.openxmlformats.org/officeDocument/2006/relationships" xmlns:p="http://schemas.openxmlformats.org/presentationml/2006/main" show="0">
   <p:cSld>
     <p:spTree>
       <p:nvGrpSpPr>
@@ -50767,156 +52259,6 @@
     <p:extLst>
       <p:ext uri="{BB962C8B-B14F-4D97-AF65-F5344CB8AC3E}">
         <p14:creationId xmlns:p14="http://schemas.microsoft.com/office/powerpoint/2010/main" val="1713783111"/>
-      </p:ext>
-    </p:extLst>
-  </p:cSld>
-  <p:clrMapOvr>
-    <a:masterClrMapping/>
-  </p:clrMapOvr>
-</p:sld>
-</file>
-
-<file path=ppt/slides/slide96.xml><?xml version="1.0" encoding="utf-8"?>
-<p:sld xmlns:a="http://schemas.openxmlformats.org/drawingml/2006/main" xmlns:r="http://schemas.openxmlformats.org/officeDocument/2006/relationships" xmlns:p="http://schemas.openxmlformats.org/presentationml/2006/main">
-  <p:cSld>
-    <p:spTree>
-      <p:nvGrpSpPr>
-        <p:cNvPr id="1" name=""/>
-        <p:cNvGrpSpPr/>
-        <p:nvPr/>
-      </p:nvGrpSpPr>
-      <p:grpSpPr>
-        <a:xfrm>
-          <a:off x="0" y="0"/>
-          <a:ext cx="0" cy="0"/>
-          <a:chOff x="0" y="0"/>
-          <a:chExt cx="0" cy="0"/>
-        </a:xfrm>
-      </p:grpSpPr>
-      <p:sp>
-        <p:nvSpPr>
-          <p:cNvPr id="2" name="Title 1">
-            <a:extLst>
-              <a:ext uri="{FF2B5EF4-FFF2-40B4-BE49-F238E27FC236}">
-                <a16:creationId xmlns:a16="http://schemas.microsoft.com/office/drawing/2014/main" id="{E9E670F8-AACA-D046-8E4F-17454C7527D7}"/>
-              </a:ext>
-            </a:extLst>
-          </p:cNvPr>
-          <p:cNvSpPr>
-            <a:spLocks noGrp="1"/>
-          </p:cNvSpPr>
-          <p:nvPr>
-            <p:ph type="title"/>
-          </p:nvPr>
-        </p:nvSpPr>
-        <p:spPr>
-          <a:xfrm>
-            <a:off x="592585" y="0"/>
-            <a:ext cx="8418249" cy="994172"/>
-          </a:xfrm>
-        </p:spPr>
-        <p:txBody>
-          <a:bodyPr anchor="ctr">
-            <a:normAutofit/>
-          </a:bodyPr>
-          <a:lstStyle/>
-          <a:p>
-            <a:r>
-              <a:rPr lang="en-US" dirty="0"/>
-              <a:t>Unsafe Unlink – Aftermath</a:t>
-            </a:r>
-          </a:p>
-        </p:txBody>
-      </p:sp>
-      <p:sp>
-        <p:nvSpPr>
-          <p:cNvPr id="8" name="Content Placeholder 7">
-            <a:extLst>
-              <a:ext uri="{FF2B5EF4-FFF2-40B4-BE49-F238E27FC236}">
-                <a16:creationId xmlns:a16="http://schemas.microsoft.com/office/drawing/2014/main" id="{3D35A732-1F45-D147-B0BB-44CB04EA56CF}"/>
-              </a:ext>
-            </a:extLst>
-          </p:cNvPr>
-          <p:cNvSpPr>
-            <a:spLocks noGrp="1"/>
-          </p:cNvSpPr>
-          <p:nvPr>
-            <p:ph sz="half" idx="2"/>
-          </p:nvPr>
-        </p:nvSpPr>
-        <p:spPr>
-          <a:xfrm>
-            <a:off x="5395501" y="809926"/>
-            <a:ext cx="3615334" cy="3263504"/>
-          </a:xfrm>
-        </p:spPr>
-        <p:txBody>
-          <a:bodyPr/>
-          <a:lstStyle/>
-          <a:p>
-            <a:r>
-              <a:rPr lang="en-US" dirty="0"/>
-              <a:t>Corrupt the 3 previous values to our pointer.</a:t>
-            </a:r>
-          </a:p>
-          <a:p>
-            <a:r>
-              <a:rPr lang="en-US" dirty="0"/>
-              <a:t>If list of pointers, this could be VERY useful!</a:t>
-            </a:r>
-          </a:p>
-          <a:p>
-            <a:r>
-              <a:rPr lang="en-US" dirty="0"/>
-              <a:t>If control </a:t>
-            </a:r>
-            <a:r>
-              <a:rPr lang="en-US" i="1" dirty="0"/>
-              <a:t>pointer to chunk,</a:t>
-            </a:r>
-            <a:r>
-              <a:rPr lang="en-US" dirty="0"/>
-              <a:t> we can edit this forever with our own values. </a:t>
-            </a:r>
-          </a:p>
-          <a:p>
-            <a:endParaRPr lang="en-US" dirty="0"/>
-          </a:p>
-        </p:txBody>
-      </p:sp>
-      <p:pic>
-        <p:nvPicPr>
-          <p:cNvPr id="12" name="Content Placeholder 11" descr="Overwriting the data around the pointers">
-            <a:extLst>
-              <a:ext uri="{FF2B5EF4-FFF2-40B4-BE49-F238E27FC236}">
-                <a16:creationId xmlns:a16="http://schemas.microsoft.com/office/drawing/2014/main" id="{E1519185-0BB1-D04B-8DC0-36FD123B0481}"/>
-              </a:ext>
-            </a:extLst>
-          </p:cNvPr>
-          <p:cNvPicPr>
-            <a:picLocks noGrp="1" noChangeAspect="1"/>
-          </p:cNvPicPr>
-          <p:nvPr>
-            <p:ph sz="half" idx="1"/>
-          </p:nvPr>
-        </p:nvPicPr>
-        <p:blipFill>
-          <a:blip r:embed="rId2"/>
-          <a:stretch>
-            <a:fillRect/>
-          </a:stretch>
-        </p:blipFill>
-        <p:spPr>
-          <a:xfrm>
-            <a:off x="210843" y="994172"/>
-            <a:ext cx="4777767" cy="2725572"/>
-          </a:xfrm>
-        </p:spPr>
-      </p:pic>
-    </p:spTree>
-    <p:extLst>
-      <p:ext uri="{BB962C8B-B14F-4D97-AF65-F5344CB8AC3E}">
-        <p14:creationId xmlns:p14="http://schemas.microsoft.com/office/powerpoint/2010/main" val="953586807"/>
       </p:ext>
     </p:extLst>
   </p:cSld>
@@ -51036,6 +52378,156 @@
       </p:sp>
       <p:pic>
         <p:nvPicPr>
+          <p:cNvPr id="12" name="Content Placeholder 11" descr="Overwriting the data around the pointers">
+            <a:extLst>
+              <a:ext uri="{FF2B5EF4-FFF2-40B4-BE49-F238E27FC236}">
+                <a16:creationId xmlns:a16="http://schemas.microsoft.com/office/drawing/2014/main" id="{E1519185-0BB1-D04B-8DC0-36FD123B0481}"/>
+              </a:ext>
+            </a:extLst>
+          </p:cNvPr>
+          <p:cNvPicPr>
+            <a:picLocks noGrp="1" noChangeAspect="1"/>
+          </p:cNvPicPr>
+          <p:nvPr>
+            <p:ph sz="half" idx="1"/>
+          </p:nvPr>
+        </p:nvPicPr>
+        <p:blipFill>
+          <a:blip r:embed="rId2"/>
+          <a:stretch>
+            <a:fillRect/>
+          </a:stretch>
+        </p:blipFill>
+        <p:spPr>
+          <a:xfrm>
+            <a:off x="210843" y="1008802"/>
+            <a:ext cx="4777767" cy="2725572"/>
+          </a:xfrm>
+        </p:spPr>
+      </p:pic>
+    </p:spTree>
+    <p:extLst>
+      <p:ext uri="{BB962C8B-B14F-4D97-AF65-F5344CB8AC3E}">
+        <p14:creationId xmlns:p14="http://schemas.microsoft.com/office/powerpoint/2010/main" val="953586807"/>
+      </p:ext>
+    </p:extLst>
+  </p:cSld>
+  <p:clrMapOvr>
+    <a:masterClrMapping/>
+  </p:clrMapOvr>
+</p:sld>
+</file>
+
+<file path=ppt/slides/slide98.xml><?xml version="1.0" encoding="utf-8"?>
+<p:sld xmlns:a="http://schemas.openxmlformats.org/drawingml/2006/main" xmlns:r="http://schemas.openxmlformats.org/officeDocument/2006/relationships" xmlns:p="http://schemas.openxmlformats.org/presentationml/2006/main">
+  <p:cSld>
+    <p:spTree>
+      <p:nvGrpSpPr>
+        <p:cNvPr id="1" name=""/>
+        <p:cNvGrpSpPr/>
+        <p:nvPr/>
+      </p:nvGrpSpPr>
+      <p:grpSpPr>
+        <a:xfrm>
+          <a:off x="0" y="0"/>
+          <a:ext cx="0" cy="0"/>
+          <a:chOff x="0" y="0"/>
+          <a:chExt cx="0" cy="0"/>
+        </a:xfrm>
+      </p:grpSpPr>
+      <p:sp>
+        <p:nvSpPr>
+          <p:cNvPr id="2" name="Title 1">
+            <a:extLst>
+              <a:ext uri="{FF2B5EF4-FFF2-40B4-BE49-F238E27FC236}">
+                <a16:creationId xmlns:a16="http://schemas.microsoft.com/office/drawing/2014/main" id="{E9E670F8-AACA-D046-8E4F-17454C7527D7}"/>
+              </a:ext>
+            </a:extLst>
+          </p:cNvPr>
+          <p:cNvSpPr>
+            <a:spLocks noGrp="1"/>
+          </p:cNvSpPr>
+          <p:nvPr>
+            <p:ph type="title"/>
+          </p:nvPr>
+        </p:nvSpPr>
+        <p:spPr>
+          <a:xfrm>
+            <a:off x="592585" y="0"/>
+            <a:ext cx="8418249" cy="994172"/>
+          </a:xfrm>
+        </p:spPr>
+        <p:txBody>
+          <a:bodyPr anchor="ctr">
+            <a:normAutofit/>
+          </a:bodyPr>
+          <a:lstStyle/>
+          <a:p>
+            <a:r>
+              <a:rPr lang="en-US" dirty="0"/>
+              <a:t>Unsafe Unlink – Aftermath</a:t>
+            </a:r>
+          </a:p>
+        </p:txBody>
+      </p:sp>
+      <p:sp>
+        <p:nvSpPr>
+          <p:cNvPr id="8" name="Content Placeholder 7">
+            <a:extLst>
+              <a:ext uri="{FF2B5EF4-FFF2-40B4-BE49-F238E27FC236}">
+                <a16:creationId xmlns:a16="http://schemas.microsoft.com/office/drawing/2014/main" id="{3D35A732-1F45-D147-B0BB-44CB04EA56CF}"/>
+              </a:ext>
+            </a:extLst>
+          </p:cNvPr>
+          <p:cNvSpPr>
+            <a:spLocks noGrp="1"/>
+          </p:cNvSpPr>
+          <p:nvPr>
+            <p:ph sz="half" idx="2"/>
+          </p:nvPr>
+        </p:nvSpPr>
+        <p:spPr>
+          <a:xfrm>
+            <a:off x="5395501" y="809926"/>
+            <a:ext cx="3615334" cy="3263504"/>
+          </a:xfrm>
+        </p:spPr>
+        <p:txBody>
+          <a:bodyPr/>
+          <a:lstStyle/>
+          <a:p>
+            <a:r>
+              <a:rPr lang="en-US" dirty="0"/>
+              <a:t>Corrupt the 3 previous values to our pointer.</a:t>
+            </a:r>
+          </a:p>
+          <a:p>
+            <a:r>
+              <a:rPr lang="en-US" dirty="0"/>
+              <a:t>If list of pointers, this could be VERY useful!</a:t>
+            </a:r>
+          </a:p>
+          <a:p>
+            <a:r>
+              <a:rPr lang="en-US" dirty="0"/>
+              <a:t>If control </a:t>
+            </a:r>
+            <a:r>
+              <a:rPr lang="en-US" i="1" dirty="0"/>
+              <a:t>pointer to chunk,</a:t>
+            </a:r>
+            <a:r>
+              <a:rPr lang="en-US" dirty="0"/>
+              <a:t> we can edit this forever with our own values. </a:t>
+            </a:r>
+          </a:p>
+          <a:p>
+            <a:endParaRPr lang="en-US" dirty="0"/>
+          </a:p>
+        </p:txBody>
+      </p:sp>
+      <p:pic>
+        <p:nvPicPr>
           <p:cNvPr id="6" name="Content Placeholder 5" descr="Overwriting a pointer to the chunk itself!">
             <a:extLst>
               <a:ext uri="{FF2B5EF4-FFF2-40B4-BE49-F238E27FC236}">
@@ -51076,7 +52568,7 @@
 </p:sld>
 </file>
 
-<file path=ppt/slides/slide98.xml><?xml version="1.0" encoding="utf-8"?>
+<file path=ppt/slides/slide99.xml><?xml version="1.0" encoding="utf-8"?>
 <p:sld xmlns:a="http://schemas.openxmlformats.org/drawingml/2006/main" xmlns:r="http://schemas.openxmlformats.org/officeDocument/2006/relationships" xmlns:p="http://schemas.openxmlformats.org/presentationml/2006/main">
   <p:cSld>
     <p:spTree>
@@ -51163,112 +52655,6 @@
     <p:extLst>
       <p:ext uri="{BB962C8B-B14F-4D97-AF65-F5344CB8AC3E}">
         <p14:creationId xmlns:p14="http://schemas.microsoft.com/office/powerpoint/2010/main" val="3184685061"/>
-      </p:ext>
-    </p:extLst>
-  </p:cSld>
-  <p:clrMapOvr>
-    <a:masterClrMapping/>
-  </p:clrMapOvr>
-</p:sld>
-</file>
-
-<file path=ppt/slides/slide99.xml><?xml version="1.0" encoding="utf-8"?>
-<p:sld xmlns:a="http://schemas.openxmlformats.org/drawingml/2006/main" xmlns:r="http://schemas.openxmlformats.org/officeDocument/2006/relationships" xmlns:p="http://schemas.openxmlformats.org/presentationml/2006/main">
-  <p:cSld>
-    <p:spTree>
-      <p:nvGrpSpPr>
-        <p:cNvPr id="1" name=""/>
-        <p:cNvGrpSpPr/>
-        <p:nvPr/>
-      </p:nvGrpSpPr>
-      <p:grpSpPr>
-        <a:xfrm>
-          <a:off x="0" y="0"/>
-          <a:ext cx="0" cy="0"/>
-          <a:chOff x="0" y="0"/>
-          <a:chExt cx="0" cy="0"/>
-        </a:xfrm>
-      </p:grpSpPr>
-      <p:sp>
-        <p:nvSpPr>
-          <p:cNvPr id="2" name="Title 1">
-            <a:extLst>
-              <a:ext uri="{FF2B5EF4-FFF2-40B4-BE49-F238E27FC236}">
-                <a16:creationId xmlns:a16="http://schemas.microsoft.com/office/drawing/2014/main" id="{A90A02E4-3663-3C40-BA39-AFC8E4C6C9EC}"/>
-              </a:ext>
-            </a:extLst>
-          </p:cNvPr>
-          <p:cNvSpPr>
-            <a:spLocks noGrp="1"/>
-          </p:cNvSpPr>
-          <p:nvPr>
-            <p:ph type="title"/>
-          </p:nvPr>
-        </p:nvSpPr>
-        <p:spPr>
-          <a:xfrm>
-            <a:off x="628650" y="273847"/>
-            <a:ext cx="7886700" cy="994172"/>
-          </a:xfrm>
-        </p:spPr>
-        <p:txBody>
-          <a:bodyPr anchor="ctr">
-            <a:normAutofit/>
-          </a:bodyPr>
-          <a:lstStyle/>
-          <a:p>
-            <a:r>
-              <a:rPr lang="en-US" dirty="0"/>
-              <a:t>Unsafe Unlink DEMO</a:t>
-            </a:r>
-          </a:p>
-        </p:txBody>
-      </p:sp>
-      <p:pic>
-        <p:nvPicPr>
-          <p:cNvPr id="1026" name="Picture 2" descr="Demo - Better support, happy customers - TOPdesk">
-            <a:extLst>
-              <a:ext uri="{FF2B5EF4-FFF2-40B4-BE49-F238E27FC236}">
-                <a16:creationId xmlns:a16="http://schemas.microsoft.com/office/drawing/2014/main" id="{2C8C0D5D-E3BF-EE49-B634-8F339CA9B268}"/>
-              </a:ext>
-            </a:extLst>
-          </p:cNvPr>
-          <p:cNvPicPr>
-            <a:picLocks noGrp="1" noChangeAspect="1" noChangeArrowheads="1"/>
-          </p:cNvPicPr>
-          <p:nvPr>
-            <p:ph idx="1"/>
-          </p:nvPr>
-        </p:nvPicPr>
-        <p:blipFill>
-          <a:blip r:embed="rId2">
-            <a:extLst>
-              <a:ext uri="{28A0092B-C50C-407E-A947-70E740481C1C}">
-                <a14:useLocalDpi xmlns:a14="http://schemas.microsoft.com/office/drawing/2010/main" val="0"/>
-              </a:ext>
-            </a:extLst>
-          </a:blip>
-          <a:stretch>
-            <a:fillRect/>
-          </a:stretch>
-        </p:blipFill>
-        <p:spPr bwMode="auto">
-          <a:xfrm>
-            <a:off x="1886602" y="1236541"/>
-            <a:ext cx="5370795" cy="3263504"/>
-          </a:xfrm>
-          <a:prstGeom prst="rect">
-            <a:avLst/>
-          </a:prstGeom>
-          <a:solidFill>
-            <a:srgbClr val="FFFFFF"/>
-          </a:solidFill>
-        </p:spPr>
-      </p:pic>
-    </p:spTree>
-    <p:extLst>
-      <p:ext uri="{BB962C8B-B14F-4D97-AF65-F5344CB8AC3E}">
-        <p14:creationId xmlns:p14="http://schemas.microsoft.com/office/powerpoint/2010/main" val="2337429973"/>
       </p:ext>
     </p:extLst>
   </p:cSld>

--- a/modules/unlink/Unlink.pptx
+++ b/modules/unlink/Unlink.pptx
@@ -5,7 +5,7 @@
     <p:sldMasterId id="2147483660" r:id="rId1"/>
   </p:sldMasterIdLst>
   <p:notesMasterIdLst>
-    <p:notesMasterId r:id="rId104"/>
+    <p:notesMasterId r:id="rId103"/>
   </p:notesMasterIdLst>
   <p:sldIdLst>
     <p:sldId id="440" r:id="rId2"/>
@@ -86,30 +86,29 @@
     <p:sldId id="427" r:id="rId77"/>
     <p:sldId id="471" r:id="rId78"/>
     <p:sldId id="428" r:id="rId79"/>
-    <p:sldId id="527" r:id="rId80"/>
-    <p:sldId id="457" r:id="rId81"/>
-    <p:sldId id="513" r:id="rId82"/>
-    <p:sldId id="459" r:id="rId83"/>
-    <p:sldId id="460" r:id="rId84"/>
-    <p:sldId id="515" r:id="rId85"/>
-    <p:sldId id="461" r:id="rId86"/>
-    <p:sldId id="517" r:id="rId87"/>
-    <p:sldId id="519" r:id="rId88"/>
-    <p:sldId id="518" r:id="rId89"/>
-    <p:sldId id="520" r:id="rId90"/>
-    <p:sldId id="521" r:id="rId91"/>
-    <p:sldId id="467" r:id="rId92"/>
-    <p:sldId id="468" r:id="rId93"/>
-    <p:sldId id="466" r:id="rId94"/>
-    <p:sldId id="522" r:id="rId95"/>
-    <p:sldId id="523" r:id="rId96"/>
-    <p:sldId id="524" r:id="rId97"/>
-    <p:sldId id="525" r:id="rId98"/>
-    <p:sldId id="526" r:id="rId99"/>
-    <p:sldId id="458" r:id="rId100"/>
-    <p:sldId id="470" r:id="rId101"/>
-    <p:sldId id="442" r:id="rId102"/>
-    <p:sldId id="429" r:id="rId103"/>
+    <p:sldId id="457" r:id="rId80"/>
+    <p:sldId id="513" r:id="rId81"/>
+    <p:sldId id="459" r:id="rId82"/>
+    <p:sldId id="460" r:id="rId83"/>
+    <p:sldId id="515" r:id="rId84"/>
+    <p:sldId id="461" r:id="rId85"/>
+    <p:sldId id="517" r:id="rId86"/>
+    <p:sldId id="519" r:id="rId87"/>
+    <p:sldId id="518" r:id="rId88"/>
+    <p:sldId id="520" r:id="rId89"/>
+    <p:sldId id="521" r:id="rId90"/>
+    <p:sldId id="467" r:id="rId91"/>
+    <p:sldId id="468" r:id="rId92"/>
+    <p:sldId id="466" r:id="rId93"/>
+    <p:sldId id="522" r:id="rId94"/>
+    <p:sldId id="523" r:id="rId95"/>
+    <p:sldId id="524" r:id="rId96"/>
+    <p:sldId id="525" r:id="rId97"/>
+    <p:sldId id="526" r:id="rId98"/>
+    <p:sldId id="458" r:id="rId99"/>
+    <p:sldId id="470" r:id="rId100"/>
+    <p:sldId id="442" r:id="rId101"/>
+    <p:sldId id="429" r:id="rId102"/>
   </p:sldIdLst>
   <p:sldSz cx="9144000" cy="5143500" type="screen16x9"/>
   <p:notesSz cx="6858000" cy="9144000"/>
@@ -24634,7 +24633,7 @@
           <a:p>
             <a:fld id="{2DA23E8D-1792-1541-9147-970A8DD8A355}" type="datetimeFigureOut">
               <a:rPr lang="en-US" smtClean="0"/>
-              <a:t>4/17/22</a:t>
+              <a:t>5/1/22</a:t>
             </a:fld>
             <a:endParaRPr lang="en-US" dirty="0"/>
           </a:p>
@@ -25031,7 +25030,7 @@
           <a:p>
             <a:r>
               <a:rPr lang="en-US" dirty="0"/>
-              <a:t>Is this useful? Let’s see how the rest of the macro works out!</a:t>
+              <a:t>Bypass the first security check</a:t>
             </a:r>
           </a:p>
         </p:txBody>
@@ -25053,7 +25052,7 @@
           <a:p>
             <a:fld id="{AC55928C-CD14-454C-B617-1AFCF9A58596}" type="slidenum">
               <a:rPr lang="en-US" smtClean="0"/>
-              <a:t>91</a:t>
+              <a:t>89</a:t>
             </a:fld>
             <a:endParaRPr lang="en-US" dirty="0"/>
           </a:p>
@@ -25062,7 +25061,7 @@
     </p:spTree>
     <p:extLst>
       <p:ext uri="{BB962C8B-B14F-4D97-AF65-F5344CB8AC3E}">
-        <p14:creationId xmlns:p14="http://schemas.microsoft.com/office/powerpoint/2010/main" val="3063626548"/>
+        <p14:creationId xmlns:p14="http://schemas.microsoft.com/office/powerpoint/2010/main" val="1149768454"/>
       </p:ext>
     </p:extLst>
   </p:cSld>
@@ -25118,7 +25117,7 @@
           <a:p>
             <a:r>
               <a:rPr lang="en-US" dirty="0"/>
-              <a:t>Removed the security check… just remember that it is there. </a:t>
+              <a:t>Is this useful? Let’s see how the rest of the macro works out!</a:t>
             </a:r>
           </a:p>
         </p:txBody>
@@ -25140,7 +25139,94 @@
           <a:p>
             <a:fld id="{AC55928C-CD14-454C-B617-1AFCF9A58596}" type="slidenum">
               <a:rPr lang="en-US" smtClean="0"/>
-              <a:t>92</a:t>
+              <a:t>90</a:t>
+            </a:fld>
+            <a:endParaRPr lang="en-US" dirty="0"/>
+          </a:p>
+        </p:txBody>
+      </p:sp>
+    </p:spTree>
+    <p:extLst>
+      <p:ext uri="{BB962C8B-B14F-4D97-AF65-F5344CB8AC3E}">
+        <p14:creationId xmlns:p14="http://schemas.microsoft.com/office/powerpoint/2010/main" val="3063626548"/>
+      </p:ext>
+    </p:extLst>
+  </p:cSld>
+  <p:clrMapOvr>
+    <a:masterClrMapping/>
+  </p:clrMapOvr>
+</p:notes>
+</file>
+
+<file path=ppt/notesSlides/notesSlide12.xml><?xml version="1.0" encoding="utf-8"?>
+<p:notes xmlns:a="http://schemas.openxmlformats.org/drawingml/2006/main" xmlns:r="http://schemas.openxmlformats.org/officeDocument/2006/relationships" xmlns:p="http://schemas.openxmlformats.org/presentationml/2006/main">
+  <p:cSld>
+    <p:spTree>
+      <p:nvGrpSpPr>
+        <p:cNvPr id="1" name=""/>
+        <p:cNvGrpSpPr/>
+        <p:nvPr/>
+      </p:nvGrpSpPr>
+      <p:grpSpPr>
+        <a:xfrm>
+          <a:off x="0" y="0"/>
+          <a:ext cx="0" cy="0"/>
+          <a:chOff x="0" y="0"/>
+          <a:chExt cx="0" cy="0"/>
+        </a:xfrm>
+      </p:grpSpPr>
+      <p:sp>
+        <p:nvSpPr>
+          <p:cNvPr id="2" name="Slide Image Placeholder 1"/>
+          <p:cNvSpPr>
+            <a:spLocks noGrp="1" noRot="1" noChangeAspect="1"/>
+          </p:cNvSpPr>
+          <p:nvPr>
+            <p:ph type="sldImg"/>
+          </p:nvPr>
+        </p:nvSpPr>
+        <p:spPr/>
+      </p:sp>
+      <p:sp>
+        <p:nvSpPr>
+          <p:cNvPr id="3" name="Notes Placeholder 2"/>
+          <p:cNvSpPr>
+            <a:spLocks noGrp="1"/>
+          </p:cNvSpPr>
+          <p:nvPr>
+            <p:ph type="body" idx="1"/>
+          </p:nvPr>
+        </p:nvSpPr>
+        <p:spPr/>
+        <p:txBody>
+          <a:bodyPr/>
+          <a:lstStyle/>
+          <a:p>
+            <a:r>
+              <a:rPr lang="en-US" dirty="0"/>
+              <a:t>Removed the security check… just remember that it is there. </a:t>
+            </a:r>
+          </a:p>
+        </p:txBody>
+      </p:sp>
+      <p:sp>
+        <p:nvSpPr>
+          <p:cNvPr id="4" name="Slide Number Placeholder 3"/>
+          <p:cNvSpPr>
+            <a:spLocks noGrp="1"/>
+          </p:cNvSpPr>
+          <p:nvPr>
+            <p:ph type="sldNum" sz="quarter" idx="5"/>
+          </p:nvPr>
+        </p:nvSpPr>
+        <p:spPr/>
+        <p:txBody>
+          <a:bodyPr/>
+          <a:lstStyle/>
+          <a:p>
+            <a:fld id="{AC55928C-CD14-454C-B617-1AFCF9A58596}" type="slidenum">
+              <a:rPr lang="en-US" smtClean="0"/>
+              <a:t>91</a:t>
             </a:fld>
             <a:endParaRPr lang="en-US" dirty="0"/>
           </a:p>
@@ -25314,7 +25400,7 @@
           <a:p>
             <a:fld id="{AC55928C-CD14-454C-B617-1AFCF9A58596}" type="slidenum">
               <a:rPr lang="en-US" smtClean="0"/>
-              <a:t>80</a:t>
+              <a:t>79</a:t>
             </a:fld>
             <a:endParaRPr lang="en-US" dirty="0"/>
           </a:p>
@@ -25401,7 +25487,7 @@
           <a:p>
             <a:fld id="{AC55928C-CD14-454C-B617-1AFCF9A58596}" type="slidenum">
               <a:rPr lang="en-US" smtClean="0"/>
-              <a:t>82</a:t>
+              <a:t>81</a:t>
             </a:fld>
             <a:endParaRPr lang="en-US" dirty="0"/>
           </a:p>
@@ -25485,7 +25571,7 @@
           <a:p>
             <a:fld id="{AC55928C-CD14-454C-B617-1AFCF9A58596}" type="slidenum">
               <a:rPr lang="en-US" smtClean="0"/>
-              <a:t>84</a:t>
+              <a:t>83</a:t>
             </a:fld>
             <a:endParaRPr lang="en-US" dirty="0"/>
           </a:p>
@@ -25550,7 +25636,15 @@
           <a:p>
             <a:r>
               <a:rPr lang="en-US" dirty="0"/>
-              <a:t>The goal is to bypass THIS security check while doing something meaningful</a:t>
+              <a:t>We write new interesting pointers here, and we overwrite </a:t>
+            </a:r>
+            <a:r>
+              <a:rPr lang="en-US" dirty="0" err="1"/>
+              <a:t>prev_size</a:t>
+            </a:r>
+            <a:r>
+              <a:rPr lang="en-US" dirty="0"/>
+              <a:t> of the next chunk</a:t>
             </a:r>
           </a:p>
         </p:txBody>
@@ -25572,7 +25666,7 @@
           <a:p>
             <a:fld id="{AC55928C-CD14-454C-B617-1AFCF9A58596}" type="slidenum">
               <a:rPr lang="en-US" smtClean="0"/>
-              <a:t>87</a:t>
+              <a:t>84</a:t>
             </a:fld>
             <a:endParaRPr lang="en-US" dirty="0"/>
           </a:p>
@@ -25581,7 +25675,7 @@
     </p:spTree>
     <p:extLst>
       <p:ext uri="{BB962C8B-B14F-4D97-AF65-F5344CB8AC3E}">
-        <p14:creationId xmlns:p14="http://schemas.microsoft.com/office/powerpoint/2010/main" val="1402674623"/>
+        <p14:creationId xmlns:p14="http://schemas.microsoft.com/office/powerpoint/2010/main" val="503319179"/>
       </p:ext>
     </p:extLst>
   </p:cSld>
@@ -25637,7 +25731,7 @@
           <a:p>
             <a:r>
               <a:rPr lang="en-US" dirty="0"/>
-              <a:t>Bypass the first security check</a:t>
+              <a:t>The goal is to bypass THIS security check while doing something meaningful</a:t>
             </a:r>
           </a:p>
         </p:txBody>
@@ -25659,7 +25753,7 @@
           <a:p>
             <a:fld id="{AC55928C-CD14-454C-B617-1AFCF9A58596}" type="slidenum">
               <a:rPr lang="en-US" smtClean="0"/>
-              <a:t>88</a:t>
+              <a:t>86</a:t>
             </a:fld>
             <a:endParaRPr lang="en-US" dirty="0"/>
           </a:p>
@@ -25668,7 +25762,7 @@
     </p:spTree>
     <p:extLst>
       <p:ext uri="{BB962C8B-B14F-4D97-AF65-F5344CB8AC3E}">
-        <p14:creationId xmlns:p14="http://schemas.microsoft.com/office/powerpoint/2010/main" val="3144274338"/>
+        <p14:creationId xmlns:p14="http://schemas.microsoft.com/office/powerpoint/2010/main" val="1402674623"/>
       </p:ext>
     </p:extLst>
   </p:cSld>
@@ -25746,7 +25840,7 @@
           <a:p>
             <a:fld id="{AC55928C-CD14-454C-B617-1AFCF9A58596}" type="slidenum">
               <a:rPr lang="en-US" smtClean="0"/>
-              <a:t>89</a:t>
+              <a:t>87</a:t>
             </a:fld>
             <a:endParaRPr lang="en-US" dirty="0"/>
           </a:p>
@@ -25755,7 +25849,7 @@
     </p:spTree>
     <p:extLst>
       <p:ext uri="{BB962C8B-B14F-4D97-AF65-F5344CB8AC3E}">
-        <p14:creationId xmlns:p14="http://schemas.microsoft.com/office/powerpoint/2010/main" val="3811770443"/>
+        <p14:creationId xmlns:p14="http://schemas.microsoft.com/office/powerpoint/2010/main" val="3144274338"/>
       </p:ext>
     </p:extLst>
   </p:cSld>
@@ -25833,7 +25927,7 @@
           <a:p>
             <a:fld id="{AC55928C-CD14-454C-B617-1AFCF9A58596}" type="slidenum">
               <a:rPr lang="en-US" smtClean="0"/>
-              <a:t>90</a:t>
+              <a:t>88</a:t>
             </a:fld>
             <a:endParaRPr lang="en-US" dirty="0"/>
           </a:p>
@@ -25842,7 +25936,7 @@
     </p:spTree>
     <p:extLst>
       <p:ext uri="{BB962C8B-B14F-4D97-AF65-F5344CB8AC3E}">
-        <p14:creationId xmlns:p14="http://schemas.microsoft.com/office/powerpoint/2010/main" val="1149768454"/>
+        <p14:creationId xmlns:p14="http://schemas.microsoft.com/office/powerpoint/2010/main" val="3811770443"/>
       </p:ext>
     </p:extLst>
   </p:cSld>
@@ -26055,7 +26149,7 @@
                 <a:latin typeface="Calibri"/>
               </a:rPr>
               <a:pPr/>
-              <a:t>4/17/22</a:t>
+              <a:t>5/1/22</a:t>
             </a:fld>
             <a:endParaRPr lang="en-US" dirty="0">
               <a:solidFill>
@@ -26308,7 +26402,7 @@
                 <a:latin typeface="Calibri"/>
               </a:rPr>
               <a:pPr/>
-              <a:t>4/17/22</a:t>
+              <a:t>5/1/22</a:t>
             </a:fld>
             <a:endParaRPr lang="en-US" dirty="0">
               <a:solidFill>
@@ -26523,7 +26617,7 @@
                 <a:latin typeface="Calibri"/>
               </a:rPr>
               <a:pPr/>
-              <a:t>4/17/22</a:t>
+              <a:t>5/1/22</a:t>
             </a:fld>
             <a:endParaRPr lang="en-US" dirty="0">
               <a:solidFill>
@@ -26921,7 +27015,7 @@
                 <a:latin typeface="Calibri"/>
               </a:rPr>
               <a:pPr/>
-              <a:t>4/17/22</a:t>
+              <a:t>5/1/22</a:t>
             </a:fld>
             <a:endParaRPr lang="en-US" dirty="0">
               <a:solidFill>
@@ -27263,7 +27357,7 @@
                 <a:latin typeface="Calibri"/>
               </a:rPr>
               <a:pPr/>
-              <a:t>4/17/22</a:t>
+              <a:t>5/1/22</a:t>
             </a:fld>
             <a:endParaRPr lang="en-US" dirty="0">
               <a:solidFill>
@@ -27591,7 +27685,7 @@
                 <a:latin typeface="Calibri"/>
               </a:rPr>
               <a:pPr/>
-              <a:t>4/17/22</a:t>
+              <a:t>5/1/22</a:t>
             </a:fld>
             <a:endParaRPr lang="en-US" dirty="0">
               <a:solidFill>
@@ -28080,7 +28174,7 @@
                 <a:latin typeface="Calibri"/>
               </a:rPr>
               <a:pPr/>
-              <a:t>4/17/22</a:t>
+              <a:t>5/1/22</a:t>
             </a:fld>
             <a:endParaRPr lang="en-US" dirty="0">
               <a:solidFill>
@@ -28263,7 +28357,7 @@
                 <a:latin typeface="Calibri"/>
               </a:rPr>
               <a:pPr/>
-              <a:t>4/17/22</a:t>
+              <a:t>5/1/22</a:t>
             </a:fld>
             <a:endParaRPr lang="en-US" dirty="0">
               <a:solidFill>
@@ -28509,7 +28603,7 @@
                 <a:latin typeface="Calibri"/>
               </a:rPr>
               <a:pPr/>
-              <a:t>4/17/22</a:t>
+              <a:t>5/1/22</a:t>
             </a:fld>
             <a:endParaRPr lang="en-US" dirty="0">
               <a:solidFill>
@@ -28851,7 +28945,7 @@
                 <a:latin typeface="Calibri"/>
               </a:rPr>
               <a:pPr/>
-              <a:t>4/17/22</a:t>
+              <a:t>5/1/22</a:t>
             </a:fld>
             <a:endParaRPr lang="en-US" dirty="0">
               <a:solidFill>
@@ -29143,7 +29237,7 @@
                 <a:latin typeface="Calibri"/>
               </a:rPr>
               <a:pPr/>
-              <a:t>4/17/22</a:t>
+              <a:t>5/1/22</a:t>
             </a:fld>
             <a:endParaRPr lang="en-US" dirty="0">
               <a:solidFill>
@@ -29393,7 +29487,7 @@
                 <a:latin typeface="Calibri"/>
               </a:rPr>
               <a:pPr defTabSz="914400"/>
-              <a:t>4/17/22</a:t>
+              <a:t>5/1/22</a:t>
             </a:fld>
             <a:endParaRPr lang="en-US" dirty="0">
               <a:solidFill>
@@ -30046,112 +30140,6 @@
           <p:cNvPr id="2" name="Title 1">
             <a:extLst>
               <a:ext uri="{FF2B5EF4-FFF2-40B4-BE49-F238E27FC236}">
-                <a16:creationId xmlns:a16="http://schemas.microsoft.com/office/drawing/2014/main" id="{A90A02E4-3663-3C40-BA39-AFC8E4C6C9EC}"/>
-              </a:ext>
-            </a:extLst>
-          </p:cNvPr>
-          <p:cNvSpPr>
-            <a:spLocks noGrp="1"/>
-          </p:cNvSpPr>
-          <p:nvPr>
-            <p:ph type="title"/>
-          </p:nvPr>
-        </p:nvSpPr>
-        <p:spPr>
-          <a:xfrm>
-            <a:off x="628650" y="273847"/>
-            <a:ext cx="7886700" cy="994172"/>
-          </a:xfrm>
-        </p:spPr>
-        <p:txBody>
-          <a:bodyPr anchor="ctr">
-            <a:normAutofit/>
-          </a:bodyPr>
-          <a:lstStyle/>
-          <a:p>
-            <a:r>
-              <a:rPr lang="en-US" dirty="0"/>
-              <a:t>Unsafe Unlink DEMO</a:t>
-            </a:r>
-          </a:p>
-        </p:txBody>
-      </p:sp>
-      <p:pic>
-        <p:nvPicPr>
-          <p:cNvPr id="1026" name="Picture 2" descr="Demo - Better support, happy customers - TOPdesk">
-            <a:extLst>
-              <a:ext uri="{FF2B5EF4-FFF2-40B4-BE49-F238E27FC236}">
-                <a16:creationId xmlns:a16="http://schemas.microsoft.com/office/drawing/2014/main" id="{2C8C0D5D-E3BF-EE49-B634-8F339CA9B268}"/>
-              </a:ext>
-            </a:extLst>
-          </p:cNvPr>
-          <p:cNvPicPr>
-            <a:picLocks noGrp="1" noChangeAspect="1" noChangeArrowheads="1"/>
-          </p:cNvPicPr>
-          <p:nvPr>
-            <p:ph idx="1"/>
-          </p:nvPr>
-        </p:nvPicPr>
-        <p:blipFill>
-          <a:blip r:embed="rId2">
-            <a:extLst>
-              <a:ext uri="{28A0092B-C50C-407E-A947-70E740481C1C}">
-                <a14:useLocalDpi xmlns:a14="http://schemas.microsoft.com/office/drawing/2010/main" val="0"/>
-              </a:ext>
-            </a:extLst>
-          </a:blip>
-          <a:stretch>
-            <a:fillRect/>
-          </a:stretch>
-        </p:blipFill>
-        <p:spPr bwMode="auto">
-          <a:xfrm>
-            <a:off x="1886602" y="1236541"/>
-            <a:ext cx="5370795" cy="3263504"/>
-          </a:xfrm>
-          <a:prstGeom prst="rect">
-            <a:avLst/>
-          </a:prstGeom>
-          <a:solidFill>
-            <a:srgbClr val="FFFFFF"/>
-          </a:solidFill>
-        </p:spPr>
-      </p:pic>
-    </p:spTree>
-    <p:extLst>
-      <p:ext uri="{BB962C8B-B14F-4D97-AF65-F5344CB8AC3E}">
-        <p14:creationId xmlns:p14="http://schemas.microsoft.com/office/powerpoint/2010/main" val="2337429973"/>
-      </p:ext>
-    </p:extLst>
-  </p:cSld>
-  <p:clrMapOvr>
-    <a:masterClrMapping/>
-  </p:clrMapOvr>
-</p:sld>
-</file>
-
-<file path=ppt/slides/slide101.xml><?xml version="1.0" encoding="utf-8"?>
-<p:sld xmlns:a="http://schemas.openxmlformats.org/drawingml/2006/main" xmlns:r="http://schemas.openxmlformats.org/officeDocument/2006/relationships" xmlns:p="http://schemas.openxmlformats.org/presentationml/2006/main">
-  <p:cSld>
-    <p:spTree>
-      <p:nvGrpSpPr>
-        <p:cNvPr id="1" name=""/>
-        <p:cNvGrpSpPr/>
-        <p:nvPr/>
-      </p:nvGrpSpPr>
-      <p:grpSpPr>
-        <a:xfrm>
-          <a:off x="0" y="0"/>
-          <a:ext cx="0" cy="0"/>
-          <a:chOff x="0" y="0"/>
-          <a:chExt cx="0" cy="0"/>
-        </a:xfrm>
-      </p:grpSpPr>
-      <p:sp>
-        <p:nvSpPr>
-          <p:cNvPr id="2" name="Title 1">
-            <a:extLst>
-              <a:ext uri="{FF2B5EF4-FFF2-40B4-BE49-F238E27FC236}">
                 <a16:creationId xmlns:a16="http://schemas.microsoft.com/office/drawing/2014/main" id="{C96CF04D-2F9B-2D4B-BB6E-1DBC2C66150E}"/>
               </a:ext>
             </a:extLst>
@@ -30236,7 +30224,7 @@
 </p:sld>
 </file>
 
-<file path=ppt/slides/slide102.xml><?xml version="1.0" encoding="utf-8"?>
+<file path=ppt/slides/slide101.xml><?xml version="1.0" encoding="utf-8"?>
 <p:sld xmlns:a="http://schemas.openxmlformats.org/drawingml/2006/main" xmlns:r="http://schemas.openxmlformats.org/officeDocument/2006/relationships" xmlns:p="http://schemas.openxmlformats.org/presentationml/2006/main">
   <p:cSld>
     <p:spTree>
@@ -48014,8 +48002,13 @@
             <a:pPr lvl="1"/>
             <a:r>
               <a:rPr lang="en-US" dirty="0"/>
-              <a:t>Not the same attack, but still a powerful primitive</a:t>
-            </a:r>
+              <a:t>Not the same attack, but still a </a:t>
+            </a:r>
+            <a:r>
+              <a:rPr lang="en-US"/>
+              <a:t>powerful primitive</a:t>
+            </a:r>
+            <a:endParaRPr lang="en-US" dirty="0"/>
           </a:p>
           <a:p>
             <a:r>
@@ -48082,7 +48075,7 @@
         </p:blipFill>
         <p:spPr>
           <a:xfrm>
-            <a:off x="571185" y="3753189"/>
+            <a:off x="238307" y="3678311"/>
             <a:ext cx="7886700" cy="1281587"/>
           </a:xfrm>
           <a:prstGeom prst="rect">
@@ -48107,7 +48100,7 @@
         </p:nvCxnSpPr>
         <p:spPr>
           <a:xfrm>
-            <a:off x="3082351" y="4752428"/>
+            <a:off x="2779932" y="4704701"/>
             <a:ext cx="2979297" cy="0"/>
           </a:xfrm>
           <a:prstGeom prst="line">
@@ -48169,7 +48162,7 @@
           <p:cNvPr id="2" name="Title 1">
             <a:extLst>
               <a:ext uri="{FF2B5EF4-FFF2-40B4-BE49-F238E27FC236}">
-                <a16:creationId xmlns:a16="http://schemas.microsoft.com/office/drawing/2014/main" id="{E9E670F8-AACA-D046-8E4F-17454C7527D7}"/>
+                <a16:creationId xmlns:a16="http://schemas.microsoft.com/office/drawing/2014/main" id="{493DDB27-1B87-CB4F-9100-F10B92D42884}"/>
               </a:ext>
             </a:extLst>
           </p:cNvPr>
@@ -48180,31 +48173,24 @@
             <p:ph type="title"/>
           </p:nvPr>
         </p:nvSpPr>
-        <p:spPr>
-          <a:xfrm>
-            <a:off x="592585" y="0"/>
-            <a:ext cx="8418249" cy="994172"/>
-          </a:xfrm>
-        </p:spPr>
+        <p:spPr/>
         <p:txBody>
-          <a:bodyPr anchor="ctr">
-            <a:normAutofit/>
-          </a:bodyPr>
+          <a:bodyPr/>
           <a:lstStyle/>
           <a:p>
             <a:r>
               <a:rPr lang="en-US" dirty="0"/>
-              <a:t>Unsafe Unlink – Aftermath</a:t>
+              <a:t>What about the Security Check?</a:t>
             </a:r>
           </a:p>
         </p:txBody>
       </p:sp>
       <p:sp>
         <p:nvSpPr>
-          <p:cNvPr id="8" name="Content Placeholder 7">
+          <p:cNvPr id="3" name="Content Placeholder 2">
             <a:extLst>
               <a:ext uri="{FF2B5EF4-FFF2-40B4-BE49-F238E27FC236}">
-                <a16:creationId xmlns:a16="http://schemas.microsoft.com/office/drawing/2014/main" id="{3D35A732-1F45-D147-B0BB-44CB04EA56CF}"/>
+                <a16:creationId xmlns:a16="http://schemas.microsoft.com/office/drawing/2014/main" id="{66773FD0-646F-3943-A87A-54D13598B121}"/>
               </a:ext>
             </a:extLst>
           </p:cNvPr>
@@ -48212,13 +48198,13 @@
             <a:spLocks noGrp="1"/>
           </p:cNvSpPr>
           <p:nvPr>
-            <p:ph sz="half" idx="2"/>
+            <p:ph idx="1"/>
           </p:nvPr>
         </p:nvSpPr>
         <p:spPr>
           <a:xfrm>
-            <a:off x="5395501" y="809926"/>
-            <a:ext cx="3615334" cy="3263504"/>
+            <a:off x="195017" y="1268019"/>
+            <a:ext cx="7886700" cy="3263504"/>
           </a:xfrm>
         </p:spPr>
         <p:txBody>
@@ -48227,67 +48213,67 @@
           <a:p>
             <a:r>
               <a:rPr lang="en-US" dirty="0"/>
-              <a:t>Corrupt the 3 previous values to our pointer.</a:t>
+              <a:t>FD-&gt;bk = P</a:t>
             </a:r>
           </a:p>
           <a:p>
             <a:r>
               <a:rPr lang="en-US" dirty="0"/>
-              <a:t>If list of pointers, this could be VERY useful!</a:t>
-            </a:r>
+              <a:t>BK-&gt;fd = P</a:t>
+            </a:r>
+          </a:p>
+          <a:p>
+            <a:endParaRPr lang="en-US" dirty="0"/>
+          </a:p>
+          <a:p>
+            <a:endParaRPr lang="en-US" dirty="0"/>
+          </a:p>
+          <a:p>
+            <a:endParaRPr lang="en-US" dirty="0"/>
           </a:p>
           <a:p>
             <a:r>
               <a:rPr lang="en-US" dirty="0"/>
-              <a:t>If control </a:t>
-            </a:r>
-            <a:r>
-              <a:rPr lang="en-US" i="1" dirty="0"/>
-              <a:t>pointer to chunk,</a:t>
-            </a:r>
-            <a:r>
-              <a:rPr lang="en-US" dirty="0"/>
-              <a:t> we can edit this forever with our own values. </a:t>
-            </a:r>
-          </a:p>
-          <a:p>
-            <a:endParaRPr lang="en-US" dirty="0"/>
+              <a:t>Seems indestructible, right?</a:t>
+            </a:r>
           </a:p>
         </p:txBody>
       </p:sp>
       <p:pic>
         <p:nvPicPr>
-          <p:cNvPr id="12" name="Content Placeholder 11" descr="Overwriting the data around the pointers">
+          <p:cNvPr id="4" name="Content Placeholder 4" descr="Unsorted bin linked list diagram">
             <a:extLst>
               <a:ext uri="{FF2B5EF4-FFF2-40B4-BE49-F238E27FC236}">
-                <a16:creationId xmlns:a16="http://schemas.microsoft.com/office/drawing/2014/main" id="{E1519185-0BB1-D04B-8DC0-36FD123B0481}"/>
+                <a16:creationId xmlns:a16="http://schemas.microsoft.com/office/drawing/2014/main" id="{6860FAAE-19C7-DB41-ABA6-565577905DD2}"/>
               </a:ext>
             </a:extLst>
           </p:cNvPr>
           <p:cNvPicPr>
-            <a:picLocks noGrp="1" noChangeAspect="1"/>
+            <a:picLocks noChangeAspect="1"/>
           </p:cNvPicPr>
-          <p:nvPr>
-            <p:ph sz="half" idx="1"/>
-          </p:nvPr>
+          <p:nvPr/>
         </p:nvPicPr>
         <p:blipFill>
-          <a:blip r:embed="rId2"/>
+          <a:blip r:embed="rId3"/>
           <a:stretch>
             <a:fillRect/>
           </a:stretch>
         </p:blipFill>
         <p:spPr>
           <a:xfrm>
-            <a:off x="210843" y="1008802"/>
-            <a:ext cx="4777767" cy="2725572"/>
+            <a:off x="2506280" y="1131232"/>
+            <a:ext cx="6009070" cy="2261917"/>
           </a:xfrm>
+          <a:prstGeom prst="rect">
+            <a:avLst/>
+          </a:prstGeom>
+          <a:noFill/>
         </p:spPr>
       </p:pic>
     </p:spTree>
     <p:extLst>
       <p:ext uri="{BB962C8B-B14F-4D97-AF65-F5344CB8AC3E}">
-        <p14:creationId xmlns:p14="http://schemas.microsoft.com/office/powerpoint/2010/main" val="563784693"/>
+        <p14:creationId xmlns:p14="http://schemas.microsoft.com/office/powerpoint/2010/main" val="532587959"/>
       </p:ext>
     </p:extLst>
   </p:cSld>
@@ -48613,149 +48599,6 @@
 </file>
 
 <file path=ppt/slides/slide80.xml><?xml version="1.0" encoding="utf-8"?>
-<p:sld xmlns:a="http://schemas.openxmlformats.org/drawingml/2006/main" xmlns:r="http://schemas.openxmlformats.org/officeDocument/2006/relationships" xmlns:p="http://schemas.openxmlformats.org/presentationml/2006/main">
-  <p:cSld>
-    <p:spTree>
-      <p:nvGrpSpPr>
-        <p:cNvPr id="1" name=""/>
-        <p:cNvGrpSpPr/>
-        <p:nvPr/>
-      </p:nvGrpSpPr>
-      <p:grpSpPr>
-        <a:xfrm>
-          <a:off x="0" y="0"/>
-          <a:ext cx="0" cy="0"/>
-          <a:chOff x="0" y="0"/>
-          <a:chExt cx="0" cy="0"/>
-        </a:xfrm>
-      </p:grpSpPr>
-      <p:sp>
-        <p:nvSpPr>
-          <p:cNvPr id="2" name="Title 1">
-            <a:extLst>
-              <a:ext uri="{FF2B5EF4-FFF2-40B4-BE49-F238E27FC236}">
-                <a16:creationId xmlns:a16="http://schemas.microsoft.com/office/drawing/2014/main" id="{493DDB27-1B87-CB4F-9100-F10B92D42884}"/>
-              </a:ext>
-            </a:extLst>
-          </p:cNvPr>
-          <p:cNvSpPr>
-            <a:spLocks noGrp="1"/>
-          </p:cNvSpPr>
-          <p:nvPr>
-            <p:ph type="title"/>
-          </p:nvPr>
-        </p:nvSpPr>
-        <p:spPr/>
-        <p:txBody>
-          <a:bodyPr/>
-          <a:lstStyle/>
-          <a:p>
-            <a:r>
-              <a:rPr lang="en-US" dirty="0"/>
-              <a:t>What about the Security Check?</a:t>
-            </a:r>
-          </a:p>
-        </p:txBody>
-      </p:sp>
-      <p:sp>
-        <p:nvSpPr>
-          <p:cNvPr id="3" name="Content Placeholder 2">
-            <a:extLst>
-              <a:ext uri="{FF2B5EF4-FFF2-40B4-BE49-F238E27FC236}">
-                <a16:creationId xmlns:a16="http://schemas.microsoft.com/office/drawing/2014/main" id="{66773FD0-646F-3943-A87A-54D13598B121}"/>
-              </a:ext>
-            </a:extLst>
-          </p:cNvPr>
-          <p:cNvSpPr>
-            <a:spLocks noGrp="1"/>
-          </p:cNvSpPr>
-          <p:nvPr>
-            <p:ph idx="1"/>
-          </p:nvPr>
-        </p:nvSpPr>
-        <p:spPr>
-          <a:xfrm>
-            <a:off x="195017" y="1268019"/>
-            <a:ext cx="7886700" cy="3263504"/>
-          </a:xfrm>
-        </p:spPr>
-        <p:txBody>
-          <a:bodyPr/>
-          <a:lstStyle/>
-          <a:p>
-            <a:r>
-              <a:rPr lang="en-US" dirty="0"/>
-              <a:t>Next-&gt;bk = Prev</a:t>
-            </a:r>
-          </a:p>
-          <a:p>
-            <a:r>
-              <a:rPr lang="en-US" dirty="0"/>
-              <a:t>Prev-&gt;fd = Next</a:t>
-            </a:r>
-          </a:p>
-          <a:p>
-            <a:endParaRPr lang="en-US" dirty="0"/>
-          </a:p>
-          <a:p>
-            <a:endParaRPr lang="en-US" dirty="0"/>
-          </a:p>
-          <a:p>
-            <a:endParaRPr lang="en-US" dirty="0"/>
-          </a:p>
-          <a:p>
-            <a:r>
-              <a:rPr lang="en-US" dirty="0"/>
-              <a:t>Seems indestructible, right?</a:t>
-            </a:r>
-          </a:p>
-        </p:txBody>
-      </p:sp>
-      <p:pic>
-        <p:nvPicPr>
-          <p:cNvPr id="4" name="Content Placeholder 4" descr="Unsorted bin linked list diagram">
-            <a:extLst>
-              <a:ext uri="{FF2B5EF4-FFF2-40B4-BE49-F238E27FC236}">
-                <a16:creationId xmlns:a16="http://schemas.microsoft.com/office/drawing/2014/main" id="{6860FAAE-19C7-DB41-ABA6-565577905DD2}"/>
-              </a:ext>
-            </a:extLst>
-          </p:cNvPr>
-          <p:cNvPicPr>
-            <a:picLocks noChangeAspect="1"/>
-          </p:cNvPicPr>
-          <p:nvPr/>
-        </p:nvPicPr>
-        <p:blipFill>
-          <a:blip r:embed="rId3"/>
-          <a:stretch>
-            <a:fillRect/>
-          </a:stretch>
-        </p:blipFill>
-        <p:spPr>
-          <a:xfrm>
-            <a:off x="2737099" y="1131232"/>
-            <a:ext cx="6009070" cy="2261917"/>
-          </a:xfrm>
-          <a:prstGeom prst="rect">
-            <a:avLst/>
-          </a:prstGeom>
-          <a:noFill/>
-        </p:spPr>
-      </p:pic>
-    </p:spTree>
-    <p:extLst>
-      <p:ext uri="{BB962C8B-B14F-4D97-AF65-F5344CB8AC3E}">
-        <p14:creationId xmlns:p14="http://schemas.microsoft.com/office/powerpoint/2010/main" val="532587959"/>
-      </p:ext>
-    </p:extLst>
-  </p:cSld>
-  <p:clrMapOvr>
-    <a:masterClrMapping/>
-  </p:clrMapOvr>
-</p:sld>
-</file>
-
-<file path=ppt/slides/slide81.xml><?xml version="1.0" encoding="utf-8"?>
 <p:sld xmlns:a="http://schemas.openxmlformats.org/drawingml/2006/main" xmlns:r="http://schemas.openxmlformats.org/officeDocument/2006/relationships" xmlns:p="http://schemas.openxmlformats.org/presentationml/2006/main">
   <p:cSld>
     <p:spTree>
@@ -49012,7 +48855,7 @@
 </p:sld>
 </file>
 
-<file path=ppt/slides/slide82.xml><?xml version="1.0" encoding="utf-8"?>
+<file path=ppt/slides/slide81.xml><?xml version="1.0" encoding="utf-8"?>
 <p:sld xmlns:a="http://schemas.openxmlformats.org/drawingml/2006/main" xmlns:r="http://schemas.openxmlformats.org/officeDocument/2006/relationships" xmlns:p="http://schemas.openxmlformats.org/presentationml/2006/main">
   <p:cSld>
     <p:spTree>
@@ -49190,7 +49033,7 @@
 </p:sld>
 </file>
 
-<file path=ppt/slides/slide83.xml><?xml version="1.0" encoding="utf-8"?>
+<file path=ppt/slides/slide82.xml><?xml version="1.0" encoding="utf-8"?>
 <p:sld xmlns:a="http://schemas.openxmlformats.org/drawingml/2006/main" xmlns:r="http://schemas.openxmlformats.org/officeDocument/2006/relationships" xmlns:p="http://schemas.openxmlformats.org/presentationml/2006/main">
   <p:cSld>
     <p:spTree>
@@ -49332,6 +49175,144 @@
 </p:sld>
 </file>
 
+<file path=ppt/slides/slide83.xml><?xml version="1.0" encoding="utf-8"?>
+<p:sld xmlns:a="http://schemas.openxmlformats.org/drawingml/2006/main" xmlns:r="http://schemas.openxmlformats.org/officeDocument/2006/relationships" xmlns:p="http://schemas.openxmlformats.org/presentationml/2006/main">
+  <p:cSld>
+    <p:spTree>
+      <p:nvGrpSpPr>
+        <p:cNvPr id="1" name=""/>
+        <p:cNvGrpSpPr/>
+        <p:nvPr/>
+      </p:nvGrpSpPr>
+      <p:grpSpPr>
+        <a:xfrm>
+          <a:off x="0" y="0"/>
+          <a:ext cx="0" cy="0"/>
+          <a:chOff x="0" y="0"/>
+          <a:chExt cx="0" cy="0"/>
+        </a:xfrm>
+      </p:grpSpPr>
+      <p:sp>
+        <p:nvSpPr>
+          <p:cNvPr id="2" name="Title 1">
+            <a:extLst>
+              <a:ext uri="{FF2B5EF4-FFF2-40B4-BE49-F238E27FC236}">
+                <a16:creationId xmlns:a16="http://schemas.microsoft.com/office/drawing/2014/main" id="{E9E670F8-AACA-D046-8E4F-17454C7527D7}"/>
+              </a:ext>
+            </a:extLst>
+          </p:cNvPr>
+          <p:cNvSpPr>
+            <a:spLocks noGrp="1"/>
+          </p:cNvSpPr>
+          <p:nvPr>
+            <p:ph type="title"/>
+          </p:nvPr>
+        </p:nvSpPr>
+        <p:spPr>
+          <a:xfrm>
+            <a:off x="628650" y="273847"/>
+            <a:ext cx="7886700" cy="994172"/>
+          </a:xfrm>
+        </p:spPr>
+        <p:txBody>
+          <a:bodyPr anchor="ctr">
+            <a:normAutofit/>
+          </a:bodyPr>
+          <a:lstStyle/>
+          <a:p>
+            <a:r>
+              <a:rPr lang="en-US" dirty="0"/>
+              <a:t>Unsafe Unlink Setup – 3 </a:t>
+            </a:r>
+          </a:p>
+        </p:txBody>
+      </p:sp>
+      <p:sp>
+        <p:nvSpPr>
+          <p:cNvPr id="10" name="Content Placeholder 3">
+            <a:extLst>
+              <a:ext uri="{FF2B5EF4-FFF2-40B4-BE49-F238E27FC236}">
+                <a16:creationId xmlns:a16="http://schemas.microsoft.com/office/drawing/2014/main" id="{2261C260-EABE-400C-BFDD-E06E1533800F}"/>
+              </a:ext>
+            </a:extLst>
+          </p:cNvPr>
+          <p:cNvSpPr>
+            <a:spLocks noGrp="1"/>
+          </p:cNvSpPr>
+          <p:nvPr>
+            <p:ph sz="half" idx="2"/>
+          </p:nvPr>
+        </p:nvSpPr>
+        <p:spPr>
+          <a:xfrm>
+            <a:off x="5725296" y="1336268"/>
+            <a:ext cx="3418703" cy="3268684"/>
+          </a:xfrm>
+        </p:spPr>
+        <p:txBody>
+          <a:bodyPr/>
+          <a:lstStyle/>
+          <a:p>
+            <a:r>
+              <a:rPr lang="en-US" dirty="0"/>
+              <a:t>Setup a fake chunk to reference </a:t>
+            </a:r>
+            <a:r>
+              <a:rPr lang="en-US" i="1" dirty="0"/>
+              <a:t>Pointer To Chunk</a:t>
+            </a:r>
+            <a:r>
+              <a:rPr lang="en-US" dirty="0"/>
+              <a:t> for our pointer. </a:t>
+            </a:r>
+          </a:p>
+          <a:p>
+            <a:endParaRPr lang="en-US" dirty="0"/>
+          </a:p>
+        </p:txBody>
+      </p:sp>
+      <p:pic>
+        <p:nvPicPr>
+          <p:cNvPr id="7" name="Content Placeholder 6" descr="Prev size goes back to the chunk">
+            <a:extLst>
+              <a:ext uri="{FF2B5EF4-FFF2-40B4-BE49-F238E27FC236}">
+                <a16:creationId xmlns:a16="http://schemas.microsoft.com/office/drawing/2014/main" id="{6B33EF59-8217-2A4C-A3C0-4F511A1098F3}"/>
+              </a:ext>
+            </a:extLst>
+          </p:cNvPr>
+          <p:cNvPicPr>
+            <a:picLocks noGrp="1" noChangeAspect="1"/>
+          </p:cNvPicPr>
+          <p:nvPr>
+            <p:ph sz="half" idx="1"/>
+          </p:nvPr>
+        </p:nvPicPr>
+        <p:blipFill>
+          <a:blip r:embed="rId3"/>
+          <a:stretch>
+            <a:fillRect/>
+          </a:stretch>
+        </p:blipFill>
+        <p:spPr>
+          <a:xfrm>
+            <a:off x="268415" y="1127233"/>
+            <a:ext cx="5485886" cy="3172918"/>
+          </a:xfrm>
+        </p:spPr>
+      </p:pic>
+    </p:spTree>
+    <p:extLst>
+      <p:ext uri="{BB962C8B-B14F-4D97-AF65-F5344CB8AC3E}">
+        <p14:creationId xmlns:p14="http://schemas.microsoft.com/office/powerpoint/2010/main" val="245759880"/>
+      </p:ext>
+    </p:extLst>
+  </p:cSld>
+  <p:clrMapOvr>
+    <a:masterClrMapping/>
+  </p:clrMapOvr>
+</p:sld>
+</file>
+
 <file path=ppt/slides/slide84.xml><?xml version="1.0" encoding="utf-8"?>
 <p:sld xmlns:a="http://schemas.openxmlformats.org/drawingml/2006/main" xmlns:r="http://schemas.openxmlformats.org/officeDocument/2006/relationships" xmlns:p="http://schemas.openxmlformats.org/presentationml/2006/main">
   <p:cSld>
@@ -49379,144 +49360,6 @@
           <a:p>
             <a:r>
               <a:rPr lang="en-US" dirty="0"/>
-              <a:t>Unsafe Unlink Setup – 3 </a:t>
-            </a:r>
-          </a:p>
-        </p:txBody>
-      </p:sp>
-      <p:sp>
-        <p:nvSpPr>
-          <p:cNvPr id="10" name="Content Placeholder 3">
-            <a:extLst>
-              <a:ext uri="{FF2B5EF4-FFF2-40B4-BE49-F238E27FC236}">
-                <a16:creationId xmlns:a16="http://schemas.microsoft.com/office/drawing/2014/main" id="{2261C260-EABE-400C-BFDD-E06E1533800F}"/>
-              </a:ext>
-            </a:extLst>
-          </p:cNvPr>
-          <p:cNvSpPr>
-            <a:spLocks noGrp="1"/>
-          </p:cNvSpPr>
-          <p:nvPr>
-            <p:ph sz="half" idx="2"/>
-          </p:nvPr>
-        </p:nvSpPr>
-        <p:spPr>
-          <a:xfrm>
-            <a:off x="5725296" y="1336268"/>
-            <a:ext cx="3418703" cy="3268684"/>
-          </a:xfrm>
-        </p:spPr>
-        <p:txBody>
-          <a:bodyPr/>
-          <a:lstStyle/>
-          <a:p>
-            <a:r>
-              <a:rPr lang="en-US" dirty="0"/>
-              <a:t>Setup a fake chunk to reference </a:t>
-            </a:r>
-            <a:r>
-              <a:rPr lang="en-US" i="1" dirty="0"/>
-              <a:t>Pointer To Chunk</a:t>
-            </a:r>
-            <a:r>
-              <a:rPr lang="en-US" dirty="0"/>
-              <a:t> for our pointer. </a:t>
-            </a:r>
-          </a:p>
-          <a:p>
-            <a:endParaRPr lang="en-US" dirty="0"/>
-          </a:p>
-        </p:txBody>
-      </p:sp>
-      <p:pic>
-        <p:nvPicPr>
-          <p:cNvPr id="7" name="Content Placeholder 6" descr="Prev size goes back to the chunk">
-            <a:extLst>
-              <a:ext uri="{FF2B5EF4-FFF2-40B4-BE49-F238E27FC236}">
-                <a16:creationId xmlns:a16="http://schemas.microsoft.com/office/drawing/2014/main" id="{6B33EF59-8217-2A4C-A3C0-4F511A1098F3}"/>
-              </a:ext>
-            </a:extLst>
-          </p:cNvPr>
-          <p:cNvPicPr>
-            <a:picLocks noGrp="1" noChangeAspect="1"/>
-          </p:cNvPicPr>
-          <p:nvPr>
-            <p:ph sz="half" idx="1"/>
-          </p:nvPr>
-        </p:nvPicPr>
-        <p:blipFill>
-          <a:blip r:embed="rId3"/>
-          <a:stretch>
-            <a:fillRect/>
-          </a:stretch>
-        </p:blipFill>
-        <p:spPr>
-          <a:xfrm>
-            <a:off x="268415" y="1127233"/>
-            <a:ext cx="5485886" cy="3172918"/>
-          </a:xfrm>
-        </p:spPr>
-      </p:pic>
-    </p:spTree>
-    <p:extLst>
-      <p:ext uri="{BB962C8B-B14F-4D97-AF65-F5344CB8AC3E}">
-        <p14:creationId xmlns:p14="http://schemas.microsoft.com/office/powerpoint/2010/main" val="245759880"/>
-      </p:ext>
-    </p:extLst>
-  </p:cSld>
-  <p:clrMapOvr>
-    <a:masterClrMapping/>
-  </p:clrMapOvr>
-</p:sld>
-</file>
-
-<file path=ppt/slides/slide85.xml><?xml version="1.0" encoding="utf-8"?>
-<p:sld xmlns:a="http://schemas.openxmlformats.org/drawingml/2006/main" xmlns:r="http://schemas.openxmlformats.org/officeDocument/2006/relationships" xmlns:p="http://schemas.openxmlformats.org/presentationml/2006/main">
-  <p:cSld>
-    <p:spTree>
-      <p:nvGrpSpPr>
-        <p:cNvPr id="1" name=""/>
-        <p:cNvGrpSpPr/>
-        <p:nvPr/>
-      </p:nvGrpSpPr>
-      <p:grpSpPr>
-        <a:xfrm>
-          <a:off x="0" y="0"/>
-          <a:ext cx="0" cy="0"/>
-          <a:chOff x="0" y="0"/>
-          <a:chExt cx="0" cy="0"/>
-        </a:xfrm>
-      </p:grpSpPr>
-      <p:sp>
-        <p:nvSpPr>
-          <p:cNvPr id="2" name="Title 1">
-            <a:extLst>
-              <a:ext uri="{FF2B5EF4-FFF2-40B4-BE49-F238E27FC236}">
-                <a16:creationId xmlns:a16="http://schemas.microsoft.com/office/drawing/2014/main" id="{E9E670F8-AACA-D046-8E4F-17454C7527D7}"/>
-              </a:ext>
-            </a:extLst>
-          </p:cNvPr>
-          <p:cNvSpPr>
-            <a:spLocks noGrp="1"/>
-          </p:cNvSpPr>
-          <p:nvPr>
-            <p:ph type="title"/>
-          </p:nvPr>
-        </p:nvSpPr>
-        <p:spPr>
-          <a:xfrm>
-            <a:off x="628650" y="273847"/>
-            <a:ext cx="7886700" cy="994172"/>
-          </a:xfrm>
-        </p:spPr>
-        <p:txBody>
-          <a:bodyPr anchor="ctr">
-            <a:normAutofit/>
-          </a:bodyPr>
-          <a:lstStyle/>
-          <a:p>
-            <a:r>
-              <a:rPr lang="en-US" dirty="0"/>
               <a:t>Unsafe Unlink Setup – 4 </a:t>
             </a:r>
           </a:p>
@@ -49539,7 +49382,7 @@
           </p:nvPr>
         </p:nvPicPr>
         <p:blipFill>
-          <a:blip r:embed="rId2"/>
+          <a:blip r:embed="rId3"/>
           <a:stretch>
             <a:fillRect/>
           </a:stretch>
@@ -49627,7 +49470,7 @@
 </p:sld>
 </file>
 
-<file path=ppt/slides/slide86.xml><?xml version="1.0" encoding="utf-8"?>
+<file path=ppt/slides/slide85.xml><?xml version="1.0" encoding="utf-8"?>
 <p:sld xmlns:a="http://schemas.openxmlformats.org/drawingml/2006/main" xmlns:r="http://schemas.openxmlformats.org/officeDocument/2006/relationships" xmlns:p="http://schemas.openxmlformats.org/presentationml/2006/main" show="0">
   <p:cSld>
     <p:spTree>
@@ -49884,7 +49727,7 @@
 </p:sld>
 </file>
 
-<file path=ppt/slides/slide87.xml><?xml version="1.0" encoding="utf-8"?>
+<file path=ppt/slides/slide86.xml><?xml version="1.0" encoding="utf-8"?>
 <p:sld xmlns:a="http://schemas.openxmlformats.org/drawingml/2006/main" xmlns:r="http://schemas.openxmlformats.org/officeDocument/2006/relationships" xmlns:p="http://schemas.openxmlformats.org/presentationml/2006/main">
   <p:cSld>
     <p:spTree>
@@ -49964,13 +49807,13 @@
           <a:p>
             <a:r>
               <a:rPr lang="en-US" dirty="0"/>
-              <a:t>Next&gt;bk = Cur</a:t>
+              <a:t>Next&gt;bk = P</a:t>
             </a:r>
           </a:p>
           <a:p>
             <a:r>
               <a:rPr lang="en-US" dirty="0"/>
-              <a:t>Prev&gt;fd = Cur</a:t>
+              <a:t>Prev&gt;fd = P</a:t>
             </a:r>
           </a:p>
           <a:p>
@@ -50038,7 +49881,7 @@
 </p:sld>
 </file>
 
-<file path=ppt/slides/slide88.xml><?xml version="1.0" encoding="utf-8"?>
+<file path=ppt/slides/slide87.xml><?xml version="1.0" encoding="utf-8"?>
 <p:sld xmlns:a="http://schemas.openxmlformats.org/drawingml/2006/main" xmlns:r="http://schemas.openxmlformats.org/officeDocument/2006/relationships" xmlns:p="http://schemas.openxmlformats.org/presentationml/2006/main">
   <p:cSld>
     <p:spTree>
@@ -50270,7 +50113,7 @@
 </p:sld>
 </file>
 
-<file path=ppt/slides/slide89.xml><?xml version="1.0" encoding="utf-8"?>
+<file path=ppt/slides/slide88.xml><?xml version="1.0" encoding="utf-8"?>
 <p:sld xmlns:a="http://schemas.openxmlformats.org/drawingml/2006/main" xmlns:r="http://schemas.openxmlformats.org/officeDocument/2006/relationships" xmlns:p="http://schemas.openxmlformats.org/presentationml/2006/main">
   <p:cSld>
     <p:spTree>
@@ -50502,318 +50345,7 @@
 </p:sld>
 </file>
 
-<file path=ppt/slides/slide9.xml><?xml version="1.0" encoding="utf-8"?>
-<p:sld xmlns:a="http://schemas.openxmlformats.org/drawingml/2006/main" xmlns:r="http://schemas.openxmlformats.org/officeDocument/2006/relationships" xmlns:p="http://schemas.openxmlformats.org/presentationml/2006/main">
-  <p:cSld>
-    <p:spTree>
-      <p:nvGrpSpPr>
-        <p:cNvPr id="1" name=""/>
-        <p:cNvGrpSpPr/>
-        <p:nvPr/>
-      </p:nvGrpSpPr>
-      <p:grpSpPr>
-        <a:xfrm>
-          <a:off x="0" y="0"/>
-          <a:ext cx="0" cy="0"/>
-          <a:chOff x="0" y="0"/>
-          <a:chExt cx="0" cy="0"/>
-        </a:xfrm>
-      </p:grpSpPr>
-      <p:sp>
-        <p:nvSpPr>
-          <p:cNvPr id="2" name="Title 1">
-            <a:extLst>
-              <a:ext uri="{FF2B5EF4-FFF2-40B4-BE49-F238E27FC236}">
-                <a16:creationId xmlns:a16="http://schemas.microsoft.com/office/drawing/2014/main" id="{6BEB7CF1-743A-D74C-AC52-B586D7683293}"/>
-              </a:ext>
-            </a:extLst>
-          </p:cNvPr>
-          <p:cNvSpPr>
-            <a:spLocks noGrp="1"/>
-          </p:cNvSpPr>
-          <p:nvPr>
-            <p:ph type="title"/>
-          </p:nvPr>
-        </p:nvSpPr>
-        <p:spPr>
-          <a:xfrm>
-            <a:off x="628650" y="273847"/>
-            <a:ext cx="7886700" cy="994172"/>
-          </a:xfrm>
-        </p:spPr>
-        <p:txBody>
-          <a:bodyPr anchor="ctr">
-            <a:normAutofit/>
-          </a:bodyPr>
-          <a:lstStyle/>
-          <a:p>
-            <a:r>
-              <a:rPr lang="en-US" dirty="0"/>
-              <a:t>Code Review! (answers)</a:t>
-            </a:r>
-          </a:p>
-        </p:txBody>
-      </p:sp>
-      <p:pic>
-        <p:nvPicPr>
-          <p:cNvPr id="5" name="Content Placeholder 4" descr="A screen shot of a social media post&#10;&#10;Description automatically generated">
-            <a:extLst>
-              <a:ext uri="{FF2B5EF4-FFF2-40B4-BE49-F238E27FC236}">
-                <a16:creationId xmlns:a16="http://schemas.microsoft.com/office/drawing/2014/main" id="{2079519E-7C78-EC4D-84CF-60D0BE06D9AF}"/>
-              </a:ext>
-            </a:extLst>
-          </p:cNvPr>
-          <p:cNvPicPr>
-            <a:picLocks noGrp="1" noChangeAspect="1"/>
-          </p:cNvPicPr>
-          <p:nvPr>
-            <p:ph sz="half" idx="1"/>
-          </p:nvPr>
-        </p:nvPicPr>
-        <p:blipFill>
-          <a:blip r:embed="rId2"/>
-          <a:stretch>
-            <a:fillRect/>
-          </a:stretch>
-        </p:blipFill>
-        <p:spPr>
-          <a:xfrm>
-            <a:off x="79963" y="1318619"/>
-            <a:ext cx="4492037" cy="1669701"/>
-          </a:xfrm>
-          <a:noFill/>
-        </p:spPr>
-      </p:pic>
-      <p:sp>
-        <p:nvSpPr>
-          <p:cNvPr id="10" name="Content Placeholder 3">
-            <a:extLst>
-              <a:ext uri="{FF2B5EF4-FFF2-40B4-BE49-F238E27FC236}">
-                <a16:creationId xmlns:a16="http://schemas.microsoft.com/office/drawing/2014/main" id="{79B45F60-0363-424B-9E27-65854133F913}"/>
-              </a:ext>
-            </a:extLst>
-          </p:cNvPr>
-          <p:cNvSpPr>
-            <a:spLocks noGrp="1"/>
-          </p:cNvSpPr>
-          <p:nvPr>
-            <p:ph sz="half" idx="2"/>
-          </p:nvPr>
-        </p:nvSpPr>
-        <p:spPr>
-          <a:xfrm>
-            <a:off x="4572001" y="1369219"/>
-            <a:ext cx="4492036" cy="3263504"/>
-          </a:xfrm>
-        </p:spPr>
-        <p:txBody>
-          <a:bodyPr>
-            <a:normAutofit/>
-          </a:bodyPr>
-          <a:lstStyle/>
-          <a:p>
-            <a:r>
-              <a:rPr lang="en-US" dirty="0"/>
-              <a:t>Inside of </a:t>
-            </a:r>
-            <a:r>
-              <a:rPr lang="en-US" i="1" dirty="0"/>
-              <a:t>free</a:t>
-            </a:r>
-            <a:r>
-              <a:rPr lang="en-US" dirty="0"/>
-              <a:t> (_</a:t>
-            </a:r>
-            <a:r>
-              <a:rPr lang="en-US" dirty="0" err="1"/>
-              <a:t>int_free</a:t>
-            </a:r>
-            <a:r>
-              <a:rPr lang="en-US" dirty="0"/>
-              <a:t>)</a:t>
-            </a:r>
-          </a:p>
-          <a:p>
-            <a:r>
-              <a:rPr lang="en-US" dirty="0"/>
-              <a:t>p: current chunk being freed</a:t>
-            </a:r>
-          </a:p>
-          <a:p>
-            <a:r>
-              <a:rPr lang="en-US" dirty="0"/>
-              <a:t>size: size of p</a:t>
-            </a:r>
-          </a:p>
-          <a:p>
-            <a:r>
-              <a:rPr lang="en-US" dirty="0"/>
-              <a:t>Answers: </a:t>
-            </a:r>
-          </a:p>
-          <a:p>
-            <a:pPr marL="457200" lvl="1" indent="0">
-              <a:buNone/>
-            </a:pPr>
-            <a:r>
-              <a:rPr lang="en-US" dirty="0"/>
-              <a:t>1. Is the </a:t>
-            </a:r>
-            <a:r>
-              <a:rPr lang="en-US" i="1" dirty="0"/>
-              <a:t>previous</a:t>
-            </a:r>
-            <a:r>
-              <a:rPr lang="en-US" dirty="0"/>
-              <a:t> chunk free (checks via the </a:t>
-            </a:r>
-            <a:r>
-              <a:rPr lang="en-US" i="1" dirty="0" err="1"/>
-              <a:t>prev_inuse</a:t>
-            </a:r>
-            <a:r>
-              <a:rPr lang="en-US" dirty="0"/>
-              <a:t> bit)</a:t>
-            </a:r>
-          </a:p>
-          <a:p>
-            <a:pPr marL="457200" lvl="1" indent="0">
-              <a:buNone/>
-            </a:pPr>
-            <a:r>
-              <a:rPr lang="en-US" dirty="0"/>
-              <a:t>2. Current chunk – </a:t>
-            </a:r>
-            <a:r>
-              <a:rPr lang="en-US" i="1" dirty="0"/>
-              <a:t>prev_size</a:t>
-            </a:r>
-            <a:endParaRPr lang="en-US" dirty="0"/>
-          </a:p>
-        </p:txBody>
-      </p:sp>
-      <p:sp>
-        <p:nvSpPr>
-          <p:cNvPr id="6" name="TextBox 5">
-            <a:extLst>
-              <a:ext uri="{FF2B5EF4-FFF2-40B4-BE49-F238E27FC236}">
-                <a16:creationId xmlns:a16="http://schemas.microsoft.com/office/drawing/2014/main" id="{6ED31DE9-D4DA-BB47-8961-1227E69BE052}"/>
-              </a:ext>
-            </a:extLst>
-          </p:cNvPr>
-          <p:cNvSpPr txBox="1"/>
-          <p:nvPr/>
-        </p:nvSpPr>
-        <p:spPr>
-          <a:xfrm>
-            <a:off x="2107770" y="1329919"/>
-            <a:ext cx="604434" cy="584775"/>
-          </a:xfrm>
-          <a:prstGeom prst="rect">
-            <a:avLst/>
-          </a:prstGeom>
-          <a:noFill/>
-        </p:spPr>
-        <p:txBody>
-          <a:bodyPr wrap="square" rtlCol="0">
-            <a:spAutoFit/>
-          </a:bodyPr>
-          <a:lstStyle/>
-          <a:p>
-            <a:r>
-              <a:rPr lang="en-US" sz="3200" dirty="0">
-                <a:solidFill>
-                  <a:srgbClr val="FF0000"/>
-                </a:solidFill>
-              </a:rPr>
-              <a:t>1)</a:t>
-            </a:r>
-          </a:p>
-        </p:txBody>
-      </p:sp>
-      <p:sp>
-        <p:nvSpPr>
-          <p:cNvPr id="8" name="TextBox 7">
-            <a:extLst>
-              <a:ext uri="{FF2B5EF4-FFF2-40B4-BE49-F238E27FC236}">
-                <a16:creationId xmlns:a16="http://schemas.microsoft.com/office/drawing/2014/main" id="{A3757472-D2AA-4E4C-9568-9C2638FD134D}"/>
-              </a:ext>
-            </a:extLst>
-          </p:cNvPr>
-          <p:cNvSpPr txBox="1"/>
-          <p:nvPr/>
-        </p:nvSpPr>
-        <p:spPr>
-          <a:xfrm>
-            <a:off x="4192868" y="2052290"/>
-            <a:ext cx="604434" cy="584775"/>
-          </a:xfrm>
-          <a:prstGeom prst="rect">
-            <a:avLst/>
-          </a:prstGeom>
-          <a:noFill/>
-        </p:spPr>
-        <p:txBody>
-          <a:bodyPr wrap="square" rtlCol="0">
-            <a:spAutoFit/>
-          </a:bodyPr>
-          <a:lstStyle/>
-          <a:p>
-            <a:r>
-              <a:rPr lang="en-US" sz="3200" dirty="0">
-                <a:solidFill>
-                  <a:srgbClr val="FF0000"/>
-                </a:solidFill>
-              </a:rPr>
-              <a:t>2)</a:t>
-            </a:r>
-          </a:p>
-        </p:txBody>
-      </p:sp>
-      <p:pic>
-        <p:nvPicPr>
-          <p:cNvPr id="7" name="Picture 6" descr="A screenshot of a cell phone&#10;&#10;Description automatically generated">
-            <a:extLst>
-              <a:ext uri="{FF2B5EF4-FFF2-40B4-BE49-F238E27FC236}">
-                <a16:creationId xmlns:a16="http://schemas.microsoft.com/office/drawing/2014/main" id="{5A43FD0D-659D-AA4B-A33F-4ABB12D11E05}"/>
-              </a:ext>
-            </a:extLst>
-          </p:cNvPr>
-          <p:cNvPicPr>
-            <a:picLocks noChangeAspect="1"/>
-          </p:cNvPicPr>
-          <p:nvPr/>
-        </p:nvPicPr>
-        <p:blipFill>
-          <a:blip r:embed="rId3"/>
-          <a:stretch>
-            <a:fillRect/>
-          </a:stretch>
-        </p:blipFill>
-        <p:spPr>
-          <a:xfrm>
-            <a:off x="130381" y="3038920"/>
-            <a:ext cx="1783479" cy="1983229"/>
-          </a:xfrm>
-          <a:prstGeom prst="rect">
-            <a:avLst/>
-          </a:prstGeom>
-        </p:spPr>
-      </p:pic>
-    </p:spTree>
-    <p:extLst>
-      <p:ext uri="{BB962C8B-B14F-4D97-AF65-F5344CB8AC3E}">
-        <p14:creationId xmlns:p14="http://schemas.microsoft.com/office/powerpoint/2010/main" val="1384499838"/>
-      </p:ext>
-    </p:extLst>
-  </p:cSld>
-  <p:clrMapOvr>
-    <a:masterClrMapping/>
-  </p:clrMapOvr>
-</p:sld>
-</file>
-
-<file path=ppt/slides/slide90.xml><?xml version="1.0" encoding="utf-8"?>
+<file path=ppt/slides/slide89.xml><?xml version="1.0" encoding="utf-8"?>
 <p:sld xmlns:a="http://schemas.openxmlformats.org/drawingml/2006/main" xmlns:r="http://schemas.openxmlformats.org/officeDocument/2006/relationships" xmlns:p="http://schemas.openxmlformats.org/presentationml/2006/main">
   <p:cSld>
     <p:spTree>
@@ -50972,7 +50504,7 @@
             </a:pPr>
             <a:r>
               <a:rPr lang="en-US" sz="2500" dirty="0"/>
-              <a:t>Next-&gt;bk = Pointer!</a:t>
+              <a:t>FD-&gt;bk = Pointer!</a:t>
             </a:r>
           </a:p>
           <a:p>
@@ -50982,7 +50514,7 @@
             </a:pPr>
             <a:r>
               <a:rPr lang="en-US" sz="2500" dirty="0"/>
-              <a:t>Prev-&gt;fd = Pointer!</a:t>
+              <a:t>BK-&gt;fd = Pointer!</a:t>
             </a:r>
           </a:p>
           <a:p>
@@ -51050,7 +50582,318 @@
 </p:sld>
 </file>
 
-<file path=ppt/slides/slide91.xml><?xml version="1.0" encoding="utf-8"?>
+<file path=ppt/slides/slide9.xml><?xml version="1.0" encoding="utf-8"?>
+<p:sld xmlns:a="http://schemas.openxmlformats.org/drawingml/2006/main" xmlns:r="http://schemas.openxmlformats.org/officeDocument/2006/relationships" xmlns:p="http://schemas.openxmlformats.org/presentationml/2006/main">
+  <p:cSld>
+    <p:spTree>
+      <p:nvGrpSpPr>
+        <p:cNvPr id="1" name=""/>
+        <p:cNvGrpSpPr/>
+        <p:nvPr/>
+      </p:nvGrpSpPr>
+      <p:grpSpPr>
+        <a:xfrm>
+          <a:off x="0" y="0"/>
+          <a:ext cx="0" cy="0"/>
+          <a:chOff x="0" y="0"/>
+          <a:chExt cx="0" cy="0"/>
+        </a:xfrm>
+      </p:grpSpPr>
+      <p:sp>
+        <p:nvSpPr>
+          <p:cNvPr id="2" name="Title 1">
+            <a:extLst>
+              <a:ext uri="{FF2B5EF4-FFF2-40B4-BE49-F238E27FC236}">
+                <a16:creationId xmlns:a16="http://schemas.microsoft.com/office/drawing/2014/main" id="{6BEB7CF1-743A-D74C-AC52-B586D7683293}"/>
+              </a:ext>
+            </a:extLst>
+          </p:cNvPr>
+          <p:cNvSpPr>
+            <a:spLocks noGrp="1"/>
+          </p:cNvSpPr>
+          <p:nvPr>
+            <p:ph type="title"/>
+          </p:nvPr>
+        </p:nvSpPr>
+        <p:spPr>
+          <a:xfrm>
+            <a:off x="628650" y="273847"/>
+            <a:ext cx="7886700" cy="994172"/>
+          </a:xfrm>
+        </p:spPr>
+        <p:txBody>
+          <a:bodyPr anchor="ctr">
+            <a:normAutofit/>
+          </a:bodyPr>
+          <a:lstStyle/>
+          <a:p>
+            <a:r>
+              <a:rPr lang="en-US" dirty="0"/>
+              <a:t>Code Review! (answers)</a:t>
+            </a:r>
+          </a:p>
+        </p:txBody>
+      </p:sp>
+      <p:pic>
+        <p:nvPicPr>
+          <p:cNvPr id="5" name="Content Placeholder 4" descr="A screen shot of a social media post&#10;&#10;Description automatically generated">
+            <a:extLst>
+              <a:ext uri="{FF2B5EF4-FFF2-40B4-BE49-F238E27FC236}">
+                <a16:creationId xmlns:a16="http://schemas.microsoft.com/office/drawing/2014/main" id="{2079519E-7C78-EC4D-84CF-60D0BE06D9AF}"/>
+              </a:ext>
+            </a:extLst>
+          </p:cNvPr>
+          <p:cNvPicPr>
+            <a:picLocks noGrp="1" noChangeAspect="1"/>
+          </p:cNvPicPr>
+          <p:nvPr>
+            <p:ph sz="half" idx="1"/>
+          </p:nvPr>
+        </p:nvPicPr>
+        <p:blipFill>
+          <a:blip r:embed="rId2"/>
+          <a:stretch>
+            <a:fillRect/>
+          </a:stretch>
+        </p:blipFill>
+        <p:spPr>
+          <a:xfrm>
+            <a:off x="79963" y="1318619"/>
+            <a:ext cx="4492037" cy="1669701"/>
+          </a:xfrm>
+          <a:noFill/>
+        </p:spPr>
+      </p:pic>
+      <p:sp>
+        <p:nvSpPr>
+          <p:cNvPr id="10" name="Content Placeholder 3">
+            <a:extLst>
+              <a:ext uri="{FF2B5EF4-FFF2-40B4-BE49-F238E27FC236}">
+                <a16:creationId xmlns:a16="http://schemas.microsoft.com/office/drawing/2014/main" id="{79B45F60-0363-424B-9E27-65854133F913}"/>
+              </a:ext>
+            </a:extLst>
+          </p:cNvPr>
+          <p:cNvSpPr>
+            <a:spLocks noGrp="1"/>
+          </p:cNvSpPr>
+          <p:nvPr>
+            <p:ph sz="half" idx="2"/>
+          </p:nvPr>
+        </p:nvSpPr>
+        <p:spPr>
+          <a:xfrm>
+            <a:off x="4572001" y="1369219"/>
+            <a:ext cx="4492036" cy="3263504"/>
+          </a:xfrm>
+        </p:spPr>
+        <p:txBody>
+          <a:bodyPr>
+            <a:normAutofit/>
+          </a:bodyPr>
+          <a:lstStyle/>
+          <a:p>
+            <a:r>
+              <a:rPr lang="en-US" dirty="0"/>
+              <a:t>Inside of </a:t>
+            </a:r>
+            <a:r>
+              <a:rPr lang="en-US" i="1" dirty="0"/>
+              <a:t>free</a:t>
+            </a:r>
+            <a:r>
+              <a:rPr lang="en-US" dirty="0"/>
+              <a:t> (_</a:t>
+            </a:r>
+            <a:r>
+              <a:rPr lang="en-US" dirty="0" err="1"/>
+              <a:t>int_free</a:t>
+            </a:r>
+            <a:r>
+              <a:rPr lang="en-US" dirty="0"/>
+              <a:t>)</a:t>
+            </a:r>
+          </a:p>
+          <a:p>
+            <a:r>
+              <a:rPr lang="en-US" dirty="0"/>
+              <a:t>p: current chunk being freed</a:t>
+            </a:r>
+          </a:p>
+          <a:p>
+            <a:r>
+              <a:rPr lang="en-US" dirty="0"/>
+              <a:t>size: size of p</a:t>
+            </a:r>
+          </a:p>
+          <a:p>
+            <a:r>
+              <a:rPr lang="en-US" dirty="0"/>
+              <a:t>Answers: </a:t>
+            </a:r>
+          </a:p>
+          <a:p>
+            <a:pPr marL="457200" lvl="1" indent="0">
+              <a:buNone/>
+            </a:pPr>
+            <a:r>
+              <a:rPr lang="en-US" dirty="0"/>
+              <a:t>1. Is the </a:t>
+            </a:r>
+            <a:r>
+              <a:rPr lang="en-US" i="1" dirty="0"/>
+              <a:t>previous</a:t>
+            </a:r>
+            <a:r>
+              <a:rPr lang="en-US" dirty="0"/>
+              <a:t> chunk free (checks via the </a:t>
+            </a:r>
+            <a:r>
+              <a:rPr lang="en-US" i="1" dirty="0" err="1"/>
+              <a:t>prev_inuse</a:t>
+            </a:r>
+            <a:r>
+              <a:rPr lang="en-US" dirty="0"/>
+              <a:t> bit)</a:t>
+            </a:r>
+          </a:p>
+          <a:p>
+            <a:pPr marL="457200" lvl="1" indent="0">
+              <a:buNone/>
+            </a:pPr>
+            <a:r>
+              <a:rPr lang="en-US" dirty="0"/>
+              <a:t>2. Current chunk – </a:t>
+            </a:r>
+            <a:r>
+              <a:rPr lang="en-US" i="1" dirty="0"/>
+              <a:t>prev_size</a:t>
+            </a:r>
+            <a:endParaRPr lang="en-US" dirty="0"/>
+          </a:p>
+        </p:txBody>
+      </p:sp>
+      <p:sp>
+        <p:nvSpPr>
+          <p:cNvPr id="6" name="TextBox 5">
+            <a:extLst>
+              <a:ext uri="{FF2B5EF4-FFF2-40B4-BE49-F238E27FC236}">
+                <a16:creationId xmlns:a16="http://schemas.microsoft.com/office/drawing/2014/main" id="{6ED31DE9-D4DA-BB47-8961-1227E69BE052}"/>
+              </a:ext>
+            </a:extLst>
+          </p:cNvPr>
+          <p:cNvSpPr txBox="1"/>
+          <p:nvPr/>
+        </p:nvSpPr>
+        <p:spPr>
+          <a:xfrm>
+            <a:off x="2107770" y="1329919"/>
+            <a:ext cx="604434" cy="584775"/>
+          </a:xfrm>
+          <a:prstGeom prst="rect">
+            <a:avLst/>
+          </a:prstGeom>
+          <a:noFill/>
+        </p:spPr>
+        <p:txBody>
+          <a:bodyPr wrap="square" rtlCol="0">
+            <a:spAutoFit/>
+          </a:bodyPr>
+          <a:lstStyle/>
+          <a:p>
+            <a:r>
+              <a:rPr lang="en-US" sz="3200" dirty="0">
+                <a:solidFill>
+                  <a:srgbClr val="FF0000"/>
+                </a:solidFill>
+              </a:rPr>
+              <a:t>1)</a:t>
+            </a:r>
+          </a:p>
+        </p:txBody>
+      </p:sp>
+      <p:sp>
+        <p:nvSpPr>
+          <p:cNvPr id="8" name="TextBox 7">
+            <a:extLst>
+              <a:ext uri="{FF2B5EF4-FFF2-40B4-BE49-F238E27FC236}">
+                <a16:creationId xmlns:a16="http://schemas.microsoft.com/office/drawing/2014/main" id="{A3757472-D2AA-4E4C-9568-9C2638FD134D}"/>
+              </a:ext>
+            </a:extLst>
+          </p:cNvPr>
+          <p:cNvSpPr txBox="1"/>
+          <p:nvPr/>
+        </p:nvSpPr>
+        <p:spPr>
+          <a:xfrm>
+            <a:off x="4192868" y="2052290"/>
+            <a:ext cx="604434" cy="584775"/>
+          </a:xfrm>
+          <a:prstGeom prst="rect">
+            <a:avLst/>
+          </a:prstGeom>
+          <a:noFill/>
+        </p:spPr>
+        <p:txBody>
+          <a:bodyPr wrap="square" rtlCol="0">
+            <a:spAutoFit/>
+          </a:bodyPr>
+          <a:lstStyle/>
+          <a:p>
+            <a:r>
+              <a:rPr lang="en-US" sz="3200" dirty="0">
+                <a:solidFill>
+                  <a:srgbClr val="FF0000"/>
+                </a:solidFill>
+              </a:rPr>
+              <a:t>2)</a:t>
+            </a:r>
+          </a:p>
+        </p:txBody>
+      </p:sp>
+      <p:pic>
+        <p:nvPicPr>
+          <p:cNvPr id="7" name="Picture 6" descr="A screenshot of a cell phone&#10;&#10;Description automatically generated">
+            <a:extLst>
+              <a:ext uri="{FF2B5EF4-FFF2-40B4-BE49-F238E27FC236}">
+                <a16:creationId xmlns:a16="http://schemas.microsoft.com/office/drawing/2014/main" id="{5A43FD0D-659D-AA4B-A33F-4ABB12D11E05}"/>
+              </a:ext>
+            </a:extLst>
+          </p:cNvPr>
+          <p:cNvPicPr>
+            <a:picLocks noChangeAspect="1"/>
+          </p:cNvPicPr>
+          <p:nvPr/>
+        </p:nvPicPr>
+        <p:blipFill>
+          <a:blip r:embed="rId3"/>
+          <a:stretch>
+            <a:fillRect/>
+          </a:stretch>
+        </p:blipFill>
+        <p:spPr>
+          <a:xfrm>
+            <a:off x="130381" y="3038920"/>
+            <a:ext cx="1783479" cy="1983229"/>
+          </a:xfrm>
+          <a:prstGeom prst="rect">
+            <a:avLst/>
+          </a:prstGeom>
+        </p:spPr>
+      </p:pic>
+    </p:spTree>
+    <p:extLst>
+      <p:ext uri="{BB962C8B-B14F-4D97-AF65-F5344CB8AC3E}">
+        <p14:creationId xmlns:p14="http://schemas.microsoft.com/office/powerpoint/2010/main" val="1384499838"/>
+      </p:ext>
+    </p:extLst>
+  </p:cSld>
+  <p:clrMapOvr>
+    <a:masterClrMapping/>
+  </p:clrMapOvr>
+</p:sld>
+</file>
+
+<file path=ppt/slides/slide90.xml><?xml version="1.0" encoding="utf-8"?>
 <p:sld xmlns:a="http://schemas.openxmlformats.org/drawingml/2006/main" xmlns:r="http://schemas.openxmlformats.org/officeDocument/2006/relationships" xmlns:p="http://schemas.openxmlformats.org/presentationml/2006/main">
   <p:cSld>
     <p:spTree>
@@ -51257,36 +51100,6 @@
           </a:extLst>
         </p:spPr>
       </p:pic>
-      <p:pic>
-        <p:nvPicPr>
-          <p:cNvPr id="7" name="Picture 6" descr="Unlink Macro with name update">
-            <a:extLst>
-              <a:ext uri="{FF2B5EF4-FFF2-40B4-BE49-F238E27FC236}">
-                <a16:creationId xmlns:a16="http://schemas.microsoft.com/office/drawing/2014/main" id="{381B70C8-F9A1-19EA-EAAE-83D30AEEF302}"/>
-              </a:ext>
-            </a:extLst>
-          </p:cNvPr>
-          <p:cNvPicPr>
-            <a:picLocks noChangeAspect="1"/>
-          </p:cNvPicPr>
-          <p:nvPr/>
-        </p:nvPicPr>
-        <p:blipFill>
-          <a:blip r:embed="rId5"/>
-          <a:stretch>
-            <a:fillRect/>
-          </a:stretch>
-        </p:blipFill>
-        <p:spPr>
-          <a:xfrm>
-            <a:off x="709412" y="3422019"/>
-            <a:ext cx="4178300" cy="1638300"/>
-          </a:xfrm>
-          <a:prstGeom prst="rect">
-            <a:avLst/>
-          </a:prstGeom>
-        </p:spPr>
-      </p:pic>
     </p:spTree>
     <p:extLst>
       <p:ext uri="{BB962C8B-B14F-4D97-AF65-F5344CB8AC3E}">
@@ -51300,7 +51113,7 @@
 </p:sld>
 </file>
 
-<file path=ppt/slides/slide92.xml><?xml version="1.0" encoding="utf-8"?>
+<file path=ppt/slides/slide91.xml><?xml version="1.0" encoding="utf-8"?>
 <p:sld xmlns:a="http://schemas.openxmlformats.org/drawingml/2006/main" xmlns:r="http://schemas.openxmlformats.org/officeDocument/2006/relationships" xmlns:p="http://schemas.openxmlformats.org/presentationml/2006/main">
   <p:cSld>
     <p:spTree>
@@ -51509,7 +51322,7 @@
 </p:sld>
 </file>
 
-<file path=ppt/slides/slide93.xml><?xml version="1.0" encoding="utf-8"?>
+<file path=ppt/slides/slide92.xml><?xml version="1.0" encoding="utf-8"?>
 <p:sld xmlns:a="http://schemas.openxmlformats.org/drawingml/2006/main" xmlns:r="http://schemas.openxmlformats.org/officeDocument/2006/relationships" xmlns:p="http://schemas.openxmlformats.org/presentationml/2006/main">
   <p:cSld>
     <p:spTree>
@@ -51746,7 +51559,7 @@
 </p:sld>
 </file>
 
-<file path=ppt/slides/slide94.xml><?xml version="1.0" encoding="utf-8"?>
+<file path=ppt/slides/slide93.xml><?xml version="1.0" encoding="utf-8"?>
 <p:sld xmlns:a="http://schemas.openxmlformats.org/drawingml/2006/main" xmlns:r="http://schemas.openxmlformats.org/officeDocument/2006/relationships" xmlns:p="http://schemas.openxmlformats.org/presentationml/2006/main">
   <p:cSld>
     <p:spTree>
@@ -51983,7 +51796,7 @@
 </p:sld>
 </file>
 
-<file path=ppt/slides/slide95.xml><?xml version="1.0" encoding="utf-8"?>
+<file path=ppt/slides/slide94.xml><?xml version="1.0" encoding="utf-8"?>
 <p:sld xmlns:a="http://schemas.openxmlformats.org/drawingml/2006/main" xmlns:r="http://schemas.openxmlformats.org/officeDocument/2006/relationships" xmlns:p="http://schemas.openxmlformats.org/presentationml/2006/main">
   <p:cSld>
     <p:spTree>
@@ -52134,8 +51947,8 @@
 </p:sld>
 </file>
 
-<file path=ppt/slides/slide96.xml><?xml version="1.0" encoding="utf-8"?>
-<p:sld xmlns:a="http://schemas.openxmlformats.org/drawingml/2006/main" xmlns:r="http://schemas.openxmlformats.org/officeDocument/2006/relationships" xmlns:p="http://schemas.openxmlformats.org/presentationml/2006/main" show="0">
+<file path=ppt/slides/slide95.xml><?xml version="1.0" encoding="utf-8"?>
+<p:sld xmlns:a="http://schemas.openxmlformats.org/drawingml/2006/main" xmlns:r="http://schemas.openxmlformats.org/officeDocument/2006/relationships" xmlns:p="http://schemas.openxmlformats.org/presentationml/2006/main">
   <p:cSld>
     <p:spTree>
       <p:nvGrpSpPr>
@@ -52259,6 +52072,156 @@
     <p:extLst>
       <p:ext uri="{BB962C8B-B14F-4D97-AF65-F5344CB8AC3E}">
         <p14:creationId xmlns:p14="http://schemas.microsoft.com/office/powerpoint/2010/main" val="1713783111"/>
+      </p:ext>
+    </p:extLst>
+  </p:cSld>
+  <p:clrMapOvr>
+    <a:masterClrMapping/>
+  </p:clrMapOvr>
+</p:sld>
+</file>
+
+<file path=ppt/slides/slide96.xml><?xml version="1.0" encoding="utf-8"?>
+<p:sld xmlns:a="http://schemas.openxmlformats.org/drawingml/2006/main" xmlns:r="http://schemas.openxmlformats.org/officeDocument/2006/relationships" xmlns:p="http://schemas.openxmlformats.org/presentationml/2006/main">
+  <p:cSld>
+    <p:spTree>
+      <p:nvGrpSpPr>
+        <p:cNvPr id="1" name=""/>
+        <p:cNvGrpSpPr/>
+        <p:nvPr/>
+      </p:nvGrpSpPr>
+      <p:grpSpPr>
+        <a:xfrm>
+          <a:off x="0" y="0"/>
+          <a:ext cx="0" cy="0"/>
+          <a:chOff x="0" y="0"/>
+          <a:chExt cx="0" cy="0"/>
+        </a:xfrm>
+      </p:grpSpPr>
+      <p:sp>
+        <p:nvSpPr>
+          <p:cNvPr id="2" name="Title 1">
+            <a:extLst>
+              <a:ext uri="{FF2B5EF4-FFF2-40B4-BE49-F238E27FC236}">
+                <a16:creationId xmlns:a16="http://schemas.microsoft.com/office/drawing/2014/main" id="{E9E670F8-AACA-D046-8E4F-17454C7527D7}"/>
+              </a:ext>
+            </a:extLst>
+          </p:cNvPr>
+          <p:cNvSpPr>
+            <a:spLocks noGrp="1"/>
+          </p:cNvSpPr>
+          <p:nvPr>
+            <p:ph type="title"/>
+          </p:nvPr>
+        </p:nvSpPr>
+        <p:spPr>
+          <a:xfrm>
+            <a:off x="592585" y="0"/>
+            <a:ext cx="8418249" cy="994172"/>
+          </a:xfrm>
+        </p:spPr>
+        <p:txBody>
+          <a:bodyPr anchor="ctr">
+            <a:normAutofit/>
+          </a:bodyPr>
+          <a:lstStyle/>
+          <a:p>
+            <a:r>
+              <a:rPr lang="en-US" dirty="0"/>
+              <a:t>Unsafe Unlink – Aftermath</a:t>
+            </a:r>
+          </a:p>
+        </p:txBody>
+      </p:sp>
+      <p:sp>
+        <p:nvSpPr>
+          <p:cNvPr id="8" name="Content Placeholder 7">
+            <a:extLst>
+              <a:ext uri="{FF2B5EF4-FFF2-40B4-BE49-F238E27FC236}">
+                <a16:creationId xmlns:a16="http://schemas.microsoft.com/office/drawing/2014/main" id="{3D35A732-1F45-D147-B0BB-44CB04EA56CF}"/>
+              </a:ext>
+            </a:extLst>
+          </p:cNvPr>
+          <p:cNvSpPr>
+            <a:spLocks noGrp="1"/>
+          </p:cNvSpPr>
+          <p:nvPr>
+            <p:ph sz="half" idx="2"/>
+          </p:nvPr>
+        </p:nvSpPr>
+        <p:spPr>
+          <a:xfrm>
+            <a:off x="5395501" y="809926"/>
+            <a:ext cx="3615334" cy="3263504"/>
+          </a:xfrm>
+        </p:spPr>
+        <p:txBody>
+          <a:bodyPr/>
+          <a:lstStyle/>
+          <a:p>
+            <a:r>
+              <a:rPr lang="en-US" dirty="0"/>
+              <a:t>Corrupt the 3 previous values to our pointer.</a:t>
+            </a:r>
+          </a:p>
+          <a:p>
+            <a:r>
+              <a:rPr lang="en-US" dirty="0"/>
+              <a:t>If list of pointers, this could be VERY useful!</a:t>
+            </a:r>
+          </a:p>
+          <a:p>
+            <a:r>
+              <a:rPr lang="en-US" dirty="0"/>
+              <a:t>If control </a:t>
+            </a:r>
+            <a:r>
+              <a:rPr lang="en-US" i="1" dirty="0"/>
+              <a:t>pointer to chunk,</a:t>
+            </a:r>
+            <a:r>
+              <a:rPr lang="en-US" dirty="0"/>
+              <a:t> we can edit this forever with our own values. </a:t>
+            </a:r>
+          </a:p>
+          <a:p>
+            <a:endParaRPr lang="en-US" dirty="0"/>
+          </a:p>
+        </p:txBody>
+      </p:sp>
+      <p:pic>
+        <p:nvPicPr>
+          <p:cNvPr id="12" name="Content Placeholder 11" descr="Overwriting the data around the pointers">
+            <a:extLst>
+              <a:ext uri="{FF2B5EF4-FFF2-40B4-BE49-F238E27FC236}">
+                <a16:creationId xmlns:a16="http://schemas.microsoft.com/office/drawing/2014/main" id="{E1519185-0BB1-D04B-8DC0-36FD123B0481}"/>
+              </a:ext>
+            </a:extLst>
+          </p:cNvPr>
+          <p:cNvPicPr>
+            <a:picLocks noGrp="1" noChangeAspect="1"/>
+          </p:cNvPicPr>
+          <p:nvPr>
+            <p:ph sz="half" idx="1"/>
+          </p:nvPr>
+        </p:nvPicPr>
+        <p:blipFill>
+          <a:blip r:embed="rId2"/>
+          <a:stretch>
+            <a:fillRect/>
+          </a:stretch>
+        </p:blipFill>
+        <p:spPr>
+          <a:xfrm>
+            <a:off x="210843" y="994172"/>
+            <a:ext cx="4777767" cy="2725572"/>
+          </a:xfrm>
+        </p:spPr>
+      </p:pic>
+    </p:spTree>
+    <p:extLst>
+      <p:ext uri="{BB962C8B-B14F-4D97-AF65-F5344CB8AC3E}">
+        <p14:creationId xmlns:p14="http://schemas.microsoft.com/office/powerpoint/2010/main" val="953586807"/>
       </p:ext>
     </p:extLst>
   </p:cSld>
@@ -52378,156 +52341,6 @@
       </p:sp>
       <p:pic>
         <p:nvPicPr>
-          <p:cNvPr id="12" name="Content Placeholder 11" descr="Overwriting the data around the pointers">
-            <a:extLst>
-              <a:ext uri="{FF2B5EF4-FFF2-40B4-BE49-F238E27FC236}">
-                <a16:creationId xmlns:a16="http://schemas.microsoft.com/office/drawing/2014/main" id="{E1519185-0BB1-D04B-8DC0-36FD123B0481}"/>
-              </a:ext>
-            </a:extLst>
-          </p:cNvPr>
-          <p:cNvPicPr>
-            <a:picLocks noGrp="1" noChangeAspect="1"/>
-          </p:cNvPicPr>
-          <p:nvPr>
-            <p:ph sz="half" idx="1"/>
-          </p:nvPr>
-        </p:nvPicPr>
-        <p:blipFill>
-          <a:blip r:embed="rId2"/>
-          <a:stretch>
-            <a:fillRect/>
-          </a:stretch>
-        </p:blipFill>
-        <p:spPr>
-          <a:xfrm>
-            <a:off x="210843" y="1008802"/>
-            <a:ext cx="4777767" cy="2725572"/>
-          </a:xfrm>
-        </p:spPr>
-      </p:pic>
-    </p:spTree>
-    <p:extLst>
-      <p:ext uri="{BB962C8B-B14F-4D97-AF65-F5344CB8AC3E}">
-        <p14:creationId xmlns:p14="http://schemas.microsoft.com/office/powerpoint/2010/main" val="953586807"/>
-      </p:ext>
-    </p:extLst>
-  </p:cSld>
-  <p:clrMapOvr>
-    <a:masterClrMapping/>
-  </p:clrMapOvr>
-</p:sld>
-</file>
-
-<file path=ppt/slides/slide98.xml><?xml version="1.0" encoding="utf-8"?>
-<p:sld xmlns:a="http://schemas.openxmlformats.org/drawingml/2006/main" xmlns:r="http://schemas.openxmlformats.org/officeDocument/2006/relationships" xmlns:p="http://schemas.openxmlformats.org/presentationml/2006/main">
-  <p:cSld>
-    <p:spTree>
-      <p:nvGrpSpPr>
-        <p:cNvPr id="1" name=""/>
-        <p:cNvGrpSpPr/>
-        <p:nvPr/>
-      </p:nvGrpSpPr>
-      <p:grpSpPr>
-        <a:xfrm>
-          <a:off x="0" y="0"/>
-          <a:ext cx="0" cy="0"/>
-          <a:chOff x="0" y="0"/>
-          <a:chExt cx="0" cy="0"/>
-        </a:xfrm>
-      </p:grpSpPr>
-      <p:sp>
-        <p:nvSpPr>
-          <p:cNvPr id="2" name="Title 1">
-            <a:extLst>
-              <a:ext uri="{FF2B5EF4-FFF2-40B4-BE49-F238E27FC236}">
-                <a16:creationId xmlns:a16="http://schemas.microsoft.com/office/drawing/2014/main" id="{E9E670F8-AACA-D046-8E4F-17454C7527D7}"/>
-              </a:ext>
-            </a:extLst>
-          </p:cNvPr>
-          <p:cNvSpPr>
-            <a:spLocks noGrp="1"/>
-          </p:cNvSpPr>
-          <p:nvPr>
-            <p:ph type="title"/>
-          </p:nvPr>
-        </p:nvSpPr>
-        <p:spPr>
-          <a:xfrm>
-            <a:off x="592585" y="0"/>
-            <a:ext cx="8418249" cy="994172"/>
-          </a:xfrm>
-        </p:spPr>
-        <p:txBody>
-          <a:bodyPr anchor="ctr">
-            <a:normAutofit/>
-          </a:bodyPr>
-          <a:lstStyle/>
-          <a:p>
-            <a:r>
-              <a:rPr lang="en-US" dirty="0"/>
-              <a:t>Unsafe Unlink – Aftermath</a:t>
-            </a:r>
-          </a:p>
-        </p:txBody>
-      </p:sp>
-      <p:sp>
-        <p:nvSpPr>
-          <p:cNvPr id="8" name="Content Placeholder 7">
-            <a:extLst>
-              <a:ext uri="{FF2B5EF4-FFF2-40B4-BE49-F238E27FC236}">
-                <a16:creationId xmlns:a16="http://schemas.microsoft.com/office/drawing/2014/main" id="{3D35A732-1F45-D147-B0BB-44CB04EA56CF}"/>
-              </a:ext>
-            </a:extLst>
-          </p:cNvPr>
-          <p:cNvSpPr>
-            <a:spLocks noGrp="1"/>
-          </p:cNvSpPr>
-          <p:nvPr>
-            <p:ph sz="half" idx="2"/>
-          </p:nvPr>
-        </p:nvSpPr>
-        <p:spPr>
-          <a:xfrm>
-            <a:off x="5395501" y="809926"/>
-            <a:ext cx="3615334" cy="3263504"/>
-          </a:xfrm>
-        </p:spPr>
-        <p:txBody>
-          <a:bodyPr/>
-          <a:lstStyle/>
-          <a:p>
-            <a:r>
-              <a:rPr lang="en-US" dirty="0"/>
-              <a:t>Corrupt the 3 previous values to our pointer.</a:t>
-            </a:r>
-          </a:p>
-          <a:p>
-            <a:r>
-              <a:rPr lang="en-US" dirty="0"/>
-              <a:t>If list of pointers, this could be VERY useful!</a:t>
-            </a:r>
-          </a:p>
-          <a:p>
-            <a:r>
-              <a:rPr lang="en-US" dirty="0"/>
-              <a:t>If control </a:t>
-            </a:r>
-            <a:r>
-              <a:rPr lang="en-US" i="1" dirty="0"/>
-              <a:t>pointer to chunk,</a:t>
-            </a:r>
-            <a:r>
-              <a:rPr lang="en-US" dirty="0"/>
-              <a:t> we can edit this forever with our own values. </a:t>
-            </a:r>
-          </a:p>
-          <a:p>
-            <a:endParaRPr lang="en-US" dirty="0"/>
-          </a:p>
-        </p:txBody>
-      </p:sp>
-      <p:pic>
-        <p:nvPicPr>
           <p:cNvPr id="6" name="Content Placeholder 5" descr="Overwriting a pointer to the chunk itself!">
             <a:extLst>
               <a:ext uri="{FF2B5EF4-FFF2-40B4-BE49-F238E27FC236}">
@@ -52568,7 +52381,7 @@
 </p:sld>
 </file>
 
-<file path=ppt/slides/slide99.xml><?xml version="1.0" encoding="utf-8"?>
+<file path=ppt/slides/slide98.xml><?xml version="1.0" encoding="utf-8"?>
 <p:sld xmlns:a="http://schemas.openxmlformats.org/drawingml/2006/main" xmlns:r="http://schemas.openxmlformats.org/officeDocument/2006/relationships" xmlns:p="http://schemas.openxmlformats.org/presentationml/2006/main">
   <p:cSld>
     <p:spTree>
@@ -52634,11 +52447,6 @@
           </p:cNvGraphicFramePr>
           <p:nvPr>
             <p:ph idx="1"/>
-            <p:extLst>
-              <p:ext uri="{D42A27DB-BD31-4B8C-83A1-F6EECF244321}">
-                <p14:modId xmlns:p14="http://schemas.microsoft.com/office/powerpoint/2010/main" val="1203403640"/>
-              </p:ext>
-            </p:extLst>
           </p:nvPr>
         </p:nvGraphicFramePr>
         <p:xfrm>
@@ -52655,6 +52463,112 @@
     <p:extLst>
       <p:ext uri="{BB962C8B-B14F-4D97-AF65-F5344CB8AC3E}">
         <p14:creationId xmlns:p14="http://schemas.microsoft.com/office/powerpoint/2010/main" val="3184685061"/>
+      </p:ext>
+    </p:extLst>
+  </p:cSld>
+  <p:clrMapOvr>
+    <a:masterClrMapping/>
+  </p:clrMapOvr>
+</p:sld>
+</file>
+
+<file path=ppt/slides/slide99.xml><?xml version="1.0" encoding="utf-8"?>
+<p:sld xmlns:a="http://schemas.openxmlformats.org/drawingml/2006/main" xmlns:r="http://schemas.openxmlformats.org/officeDocument/2006/relationships" xmlns:p="http://schemas.openxmlformats.org/presentationml/2006/main">
+  <p:cSld>
+    <p:spTree>
+      <p:nvGrpSpPr>
+        <p:cNvPr id="1" name=""/>
+        <p:cNvGrpSpPr/>
+        <p:nvPr/>
+      </p:nvGrpSpPr>
+      <p:grpSpPr>
+        <a:xfrm>
+          <a:off x="0" y="0"/>
+          <a:ext cx="0" cy="0"/>
+          <a:chOff x="0" y="0"/>
+          <a:chExt cx="0" cy="0"/>
+        </a:xfrm>
+      </p:grpSpPr>
+      <p:sp>
+        <p:nvSpPr>
+          <p:cNvPr id="2" name="Title 1">
+            <a:extLst>
+              <a:ext uri="{FF2B5EF4-FFF2-40B4-BE49-F238E27FC236}">
+                <a16:creationId xmlns:a16="http://schemas.microsoft.com/office/drawing/2014/main" id="{A90A02E4-3663-3C40-BA39-AFC8E4C6C9EC}"/>
+              </a:ext>
+            </a:extLst>
+          </p:cNvPr>
+          <p:cNvSpPr>
+            <a:spLocks noGrp="1"/>
+          </p:cNvSpPr>
+          <p:nvPr>
+            <p:ph type="title"/>
+          </p:nvPr>
+        </p:nvSpPr>
+        <p:spPr>
+          <a:xfrm>
+            <a:off x="628650" y="273847"/>
+            <a:ext cx="7886700" cy="994172"/>
+          </a:xfrm>
+        </p:spPr>
+        <p:txBody>
+          <a:bodyPr anchor="ctr">
+            <a:normAutofit/>
+          </a:bodyPr>
+          <a:lstStyle/>
+          <a:p>
+            <a:r>
+              <a:rPr lang="en-US" dirty="0"/>
+              <a:t>Unsafe Unlink DEMO</a:t>
+            </a:r>
+          </a:p>
+        </p:txBody>
+      </p:sp>
+      <p:pic>
+        <p:nvPicPr>
+          <p:cNvPr id="1026" name="Picture 2" descr="Demo - Better support, happy customers - TOPdesk">
+            <a:extLst>
+              <a:ext uri="{FF2B5EF4-FFF2-40B4-BE49-F238E27FC236}">
+                <a16:creationId xmlns:a16="http://schemas.microsoft.com/office/drawing/2014/main" id="{2C8C0D5D-E3BF-EE49-B634-8F339CA9B268}"/>
+              </a:ext>
+            </a:extLst>
+          </p:cNvPr>
+          <p:cNvPicPr>
+            <a:picLocks noGrp="1" noChangeAspect="1" noChangeArrowheads="1"/>
+          </p:cNvPicPr>
+          <p:nvPr>
+            <p:ph idx="1"/>
+          </p:nvPr>
+        </p:nvPicPr>
+        <p:blipFill>
+          <a:blip r:embed="rId2">
+            <a:extLst>
+              <a:ext uri="{28A0092B-C50C-407E-A947-70E740481C1C}">
+                <a14:useLocalDpi xmlns:a14="http://schemas.microsoft.com/office/drawing/2010/main" val="0"/>
+              </a:ext>
+            </a:extLst>
+          </a:blip>
+          <a:stretch>
+            <a:fillRect/>
+          </a:stretch>
+        </p:blipFill>
+        <p:spPr bwMode="auto">
+          <a:xfrm>
+            <a:off x="1886602" y="1236541"/>
+            <a:ext cx="5370795" cy="3263504"/>
+          </a:xfrm>
+          <a:prstGeom prst="rect">
+            <a:avLst/>
+          </a:prstGeom>
+          <a:solidFill>
+            <a:srgbClr val="FFFFFF"/>
+          </a:solidFill>
+        </p:spPr>
+      </p:pic>
+    </p:spTree>
+    <p:extLst>
+      <p:ext uri="{BB962C8B-B14F-4D97-AF65-F5344CB8AC3E}">
+        <p14:creationId xmlns:p14="http://schemas.microsoft.com/office/powerpoint/2010/main" val="2337429973"/>
       </p:ext>
     </p:extLst>
   </p:cSld>

--- a/modules/unlink/Unlink.pptx
+++ b/modules/unlink/Unlink.pptx
@@ -5,7 +5,7 @@
     <p:sldMasterId id="2147483660" r:id="rId1"/>
   </p:sldMasterIdLst>
   <p:notesMasterIdLst>
-    <p:notesMasterId r:id="rId103"/>
+    <p:notesMasterId r:id="rId101"/>
   </p:notesMasterIdLst>
   <p:sldIdLst>
     <p:sldId id="440" r:id="rId2"/>
@@ -29,86 +29,84 @@
     <p:sldId id="409" r:id="rId20"/>
     <p:sldId id="473" r:id="rId21"/>
     <p:sldId id="401" r:id="rId22"/>
-    <p:sldId id="474" r:id="rId23"/>
-    <p:sldId id="495" r:id="rId24"/>
-    <p:sldId id="496" r:id="rId25"/>
-    <p:sldId id="497" r:id="rId26"/>
-    <p:sldId id="498" r:id="rId27"/>
-    <p:sldId id="499" r:id="rId28"/>
-    <p:sldId id="500" r:id="rId29"/>
-    <p:sldId id="501" r:id="rId30"/>
-    <p:sldId id="502" r:id="rId31"/>
-    <p:sldId id="503" r:id="rId32"/>
-    <p:sldId id="504" r:id="rId33"/>
-    <p:sldId id="505" r:id="rId34"/>
-    <p:sldId id="506" r:id="rId35"/>
-    <p:sldId id="507" r:id="rId36"/>
-    <p:sldId id="400" r:id="rId37"/>
-    <p:sldId id="402" r:id="rId38"/>
-    <p:sldId id="403" r:id="rId39"/>
-    <p:sldId id="411" r:id="rId40"/>
-    <p:sldId id="404" r:id="rId41"/>
+    <p:sldId id="495" r:id="rId23"/>
+    <p:sldId id="496" r:id="rId24"/>
+    <p:sldId id="497" r:id="rId25"/>
+    <p:sldId id="498" r:id="rId26"/>
+    <p:sldId id="499" r:id="rId27"/>
+    <p:sldId id="500" r:id="rId28"/>
+    <p:sldId id="501" r:id="rId29"/>
+    <p:sldId id="502" r:id="rId30"/>
+    <p:sldId id="503" r:id="rId31"/>
+    <p:sldId id="504" r:id="rId32"/>
+    <p:sldId id="505" r:id="rId33"/>
+    <p:sldId id="506" r:id="rId34"/>
+    <p:sldId id="507" r:id="rId35"/>
+    <p:sldId id="400" r:id="rId36"/>
+    <p:sldId id="402" r:id="rId37"/>
+    <p:sldId id="403" r:id="rId38"/>
+    <p:sldId id="411" r:id="rId39"/>
+    <p:sldId id="404" r:id="rId40"/>
+    <p:sldId id="415" r:id="rId41"/>
     <p:sldId id="408" r:id="rId42"/>
-    <p:sldId id="415" r:id="rId43"/>
-    <p:sldId id="455" r:id="rId44"/>
-    <p:sldId id="456" r:id="rId45"/>
-    <p:sldId id="414" r:id="rId46"/>
-    <p:sldId id="418" r:id="rId47"/>
-    <p:sldId id="482" r:id="rId48"/>
-    <p:sldId id="483" r:id="rId49"/>
-    <p:sldId id="484" r:id="rId50"/>
-    <p:sldId id="485" r:id="rId51"/>
-    <p:sldId id="487" r:id="rId52"/>
-    <p:sldId id="508" r:id="rId53"/>
-    <p:sldId id="509" r:id="rId54"/>
-    <p:sldId id="510" r:id="rId55"/>
-    <p:sldId id="511" r:id="rId56"/>
-    <p:sldId id="416" r:id="rId57"/>
-    <p:sldId id="417" r:id="rId58"/>
-    <p:sldId id="419" r:id="rId59"/>
-    <p:sldId id="420" r:id="rId60"/>
-    <p:sldId id="443" r:id="rId61"/>
-    <p:sldId id="412" r:id="rId62"/>
-    <p:sldId id="432" r:id="rId63"/>
-    <p:sldId id="413" r:id="rId64"/>
-    <p:sldId id="424" r:id="rId65"/>
-    <p:sldId id="445" r:id="rId66"/>
-    <p:sldId id="494" r:id="rId67"/>
-    <p:sldId id="488" r:id="rId68"/>
-    <p:sldId id="489" r:id="rId69"/>
-    <p:sldId id="490" r:id="rId70"/>
-    <p:sldId id="491" r:id="rId71"/>
-    <p:sldId id="492" r:id="rId72"/>
-    <p:sldId id="451" r:id="rId73"/>
-    <p:sldId id="528" r:id="rId74"/>
-    <p:sldId id="453" r:id="rId75"/>
-    <p:sldId id="454" r:id="rId76"/>
-    <p:sldId id="427" r:id="rId77"/>
-    <p:sldId id="471" r:id="rId78"/>
-    <p:sldId id="428" r:id="rId79"/>
-    <p:sldId id="457" r:id="rId80"/>
-    <p:sldId id="513" r:id="rId81"/>
-    <p:sldId id="459" r:id="rId82"/>
-    <p:sldId id="460" r:id="rId83"/>
-    <p:sldId id="515" r:id="rId84"/>
-    <p:sldId id="461" r:id="rId85"/>
-    <p:sldId id="517" r:id="rId86"/>
-    <p:sldId id="519" r:id="rId87"/>
-    <p:sldId id="518" r:id="rId88"/>
-    <p:sldId id="520" r:id="rId89"/>
-    <p:sldId id="521" r:id="rId90"/>
-    <p:sldId id="467" r:id="rId91"/>
-    <p:sldId id="468" r:id="rId92"/>
-    <p:sldId id="466" r:id="rId93"/>
-    <p:sldId id="522" r:id="rId94"/>
-    <p:sldId id="523" r:id="rId95"/>
-    <p:sldId id="524" r:id="rId96"/>
-    <p:sldId id="525" r:id="rId97"/>
-    <p:sldId id="526" r:id="rId98"/>
-    <p:sldId id="458" r:id="rId99"/>
-    <p:sldId id="470" r:id="rId100"/>
-    <p:sldId id="442" r:id="rId101"/>
-    <p:sldId id="429" r:id="rId102"/>
+    <p:sldId id="455" r:id="rId43"/>
+    <p:sldId id="456" r:id="rId44"/>
+    <p:sldId id="414" r:id="rId45"/>
+    <p:sldId id="418" r:id="rId46"/>
+    <p:sldId id="482" r:id="rId47"/>
+    <p:sldId id="483" r:id="rId48"/>
+    <p:sldId id="484" r:id="rId49"/>
+    <p:sldId id="485" r:id="rId50"/>
+    <p:sldId id="487" r:id="rId51"/>
+    <p:sldId id="508" r:id="rId52"/>
+    <p:sldId id="509" r:id="rId53"/>
+    <p:sldId id="510" r:id="rId54"/>
+    <p:sldId id="511" r:id="rId55"/>
+    <p:sldId id="416" r:id="rId56"/>
+    <p:sldId id="417" r:id="rId57"/>
+    <p:sldId id="419" r:id="rId58"/>
+    <p:sldId id="420" r:id="rId59"/>
+    <p:sldId id="443" r:id="rId60"/>
+    <p:sldId id="412" r:id="rId61"/>
+    <p:sldId id="432" r:id="rId62"/>
+    <p:sldId id="413" r:id="rId63"/>
+    <p:sldId id="424" r:id="rId64"/>
+    <p:sldId id="445" r:id="rId65"/>
+    <p:sldId id="494" r:id="rId66"/>
+    <p:sldId id="489" r:id="rId67"/>
+    <p:sldId id="490" r:id="rId68"/>
+    <p:sldId id="491" r:id="rId69"/>
+    <p:sldId id="492" r:id="rId70"/>
+    <p:sldId id="451" r:id="rId71"/>
+    <p:sldId id="528" r:id="rId72"/>
+    <p:sldId id="453" r:id="rId73"/>
+    <p:sldId id="454" r:id="rId74"/>
+    <p:sldId id="427" r:id="rId75"/>
+    <p:sldId id="471" r:id="rId76"/>
+    <p:sldId id="428" r:id="rId77"/>
+    <p:sldId id="457" r:id="rId78"/>
+    <p:sldId id="513" r:id="rId79"/>
+    <p:sldId id="459" r:id="rId80"/>
+    <p:sldId id="460" r:id="rId81"/>
+    <p:sldId id="515" r:id="rId82"/>
+    <p:sldId id="461" r:id="rId83"/>
+    <p:sldId id="517" r:id="rId84"/>
+    <p:sldId id="519" r:id="rId85"/>
+    <p:sldId id="518" r:id="rId86"/>
+    <p:sldId id="520" r:id="rId87"/>
+    <p:sldId id="521" r:id="rId88"/>
+    <p:sldId id="467" r:id="rId89"/>
+    <p:sldId id="468" r:id="rId90"/>
+    <p:sldId id="466" r:id="rId91"/>
+    <p:sldId id="522" r:id="rId92"/>
+    <p:sldId id="523" r:id="rId93"/>
+    <p:sldId id="524" r:id="rId94"/>
+    <p:sldId id="525" r:id="rId95"/>
+    <p:sldId id="526" r:id="rId96"/>
+    <p:sldId id="458" r:id="rId97"/>
+    <p:sldId id="470" r:id="rId98"/>
+    <p:sldId id="442" r:id="rId99"/>
+    <p:sldId id="429" r:id="rId100"/>
   </p:sldIdLst>
   <p:sldSz cx="9144000" cy="5143500" type="screen16x9"/>
   <p:notesSz cx="6858000" cy="9144000"/>
@@ -24633,7 +24631,7 @@
           <a:p>
             <a:fld id="{2DA23E8D-1792-1541-9147-970A8DD8A355}" type="datetimeFigureOut">
               <a:rPr lang="en-US" smtClean="0"/>
-              <a:t>5/1/22</a:t>
+              <a:t>5/10/22</a:t>
             </a:fld>
             <a:endParaRPr lang="en-US" dirty="0"/>
           </a:p>
@@ -25052,7 +25050,7 @@
           <a:p>
             <a:fld id="{AC55928C-CD14-454C-B617-1AFCF9A58596}" type="slidenum">
               <a:rPr lang="en-US" smtClean="0"/>
-              <a:t>89</a:t>
+              <a:t>87</a:t>
             </a:fld>
             <a:endParaRPr lang="en-US" dirty="0"/>
           </a:p>
@@ -25139,7 +25137,7 @@
           <a:p>
             <a:fld id="{AC55928C-CD14-454C-B617-1AFCF9A58596}" type="slidenum">
               <a:rPr lang="en-US" smtClean="0"/>
-              <a:t>90</a:t>
+              <a:t>88</a:t>
             </a:fld>
             <a:endParaRPr lang="en-US" dirty="0"/>
           </a:p>
@@ -25226,7 +25224,7 @@
           <a:p>
             <a:fld id="{AC55928C-CD14-454C-B617-1AFCF9A58596}" type="slidenum">
               <a:rPr lang="en-US" smtClean="0"/>
-              <a:t>91</a:t>
+              <a:t>89</a:t>
             </a:fld>
             <a:endParaRPr lang="en-US" dirty="0"/>
           </a:p>
@@ -25313,7 +25311,7 @@
           <a:p>
             <a:fld id="{AC55928C-CD14-454C-B617-1AFCF9A58596}" type="slidenum">
               <a:rPr lang="en-US" smtClean="0"/>
-              <a:t>35</a:t>
+              <a:t>34</a:t>
             </a:fld>
             <a:endParaRPr lang="en-US" dirty="0"/>
           </a:p>
@@ -25400,7 +25398,7 @@
           <a:p>
             <a:fld id="{AC55928C-CD14-454C-B617-1AFCF9A58596}" type="slidenum">
               <a:rPr lang="en-US" smtClean="0"/>
-              <a:t>79</a:t>
+              <a:t>77</a:t>
             </a:fld>
             <a:endParaRPr lang="en-US" dirty="0"/>
           </a:p>
@@ -25487,7 +25485,7 @@
           <a:p>
             <a:fld id="{AC55928C-CD14-454C-B617-1AFCF9A58596}" type="slidenum">
               <a:rPr lang="en-US" smtClean="0"/>
-              <a:t>81</a:t>
+              <a:t>79</a:t>
             </a:fld>
             <a:endParaRPr lang="en-US" dirty="0"/>
           </a:p>
@@ -25571,7 +25569,7 @@
           <a:p>
             <a:fld id="{AC55928C-CD14-454C-B617-1AFCF9A58596}" type="slidenum">
               <a:rPr lang="en-US" smtClean="0"/>
-              <a:t>83</a:t>
+              <a:t>81</a:t>
             </a:fld>
             <a:endParaRPr lang="en-US" dirty="0"/>
           </a:p>
@@ -25666,7 +25664,7 @@
           <a:p>
             <a:fld id="{AC55928C-CD14-454C-B617-1AFCF9A58596}" type="slidenum">
               <a:rPr lang="en-US" smtClean="0"/>
-              <a:t>84</a:t>
+              <a:t>82</a:t>
             </a:fld>
             <a:endParaRPr lang="en-US" dirty="0"/>
           </a:p>
@@ -25753,7 +25751,7 @@
           <a:p>
             <a:fld id="{AC55928C-CD14-454C-B617-1AFCF9A58596}" type="slidenum">
               <a:rPr lang="en-US" smtClean="0"/>
-              <a:t>86</a:t>
+              <a:t>84</a:t>
             </a:fld>
             <a:endParaRPr lang="en-US" dirty="0"/>
           </a:p>
@@ -25840,7 +25838,7 @@
           <a:p>
             <a:fld id="{AC55928C-CD14-454C-B617-1AFCF9A58596}" type="slidenum">
               <a:rPr lang="en-US" smtClean="0"/>
-              <a:t>87</a:t>
+              <a:t>85</a:t>
             </a:fld>
             <a:endParaRPr lang="en-US" dirty="0"/>
           </a:p>
@@ -25927,7 +25925,7 @@
           <a:p>
             <a:fld id="{AC55928C-CD14-454C-B617-1AFCF9A58596}" type="slidenum">
               <a:rPr lang="en-US" smtClean="0"/>
-              <a:t>88</a:t>
+              <a:t>86</a:t>
             </a:fld>
             <a:endParaRPr lang="en-US" dirty="0"/>
           </a:p>
@@ -26149,7 +26147,7 @@
                 <a:latin typeface="Calibri"/>
               </a:rPr>
               <a:pPr/>
-              <a:t>5/1/22</a:t>
+              <a:t>5/10/22</a:t>
             </a:fld>
             <a:endParaRPr lang="en-US" dirty="0">
               <a:solidFill>
@@ -26402,7 +26400,7 @@
                 <a:latin typeface="Calibri"/>
               </a:rPr>
               <a:pPr/>
-              <a:t>5/1/22</a:t>
+              <a:t>5/10/22</a:t>
             </a:fld>
             <a:endParaRPr lang="en-US" dirty="0">
               <a:solidFill>
@@ -26617,7 +26615,7 @@
                 <a:latin typeface="Calibri"/>
               </a:rPr>
               <a:pPr/>
-              <a:t>5/1/22</a:t>
+              <a:t>5/10/22</a:t>
             </a:fld>
             <a:endParaRPr lang="en-US" dirty="0">
               <a:solidFill>
@@ -27015,7 +27013,7 @@
                 <a:latin typeface="Calibri"/>
               </a:rPr>
               <a:pPr/>
-              <a:t>5/1/22</a:t>
+              <a:t>5/10/22</a:t>
             </a:fld>
             <a:endParaRPr lang="en-US" dirty="0">
               <a:solidFill>
@@ -27357,7 +27355,7 @@
                 <a:latin typeface="Calibri"/>
               </a:rPr>
               <a:pPr/>
-              <a:t>5/1/22</a:t>
+              <a:t>5/10/22</a:t>
             </a:fld>
             <a:endParaRPr lang="en-US" dirty="0">
               <a:solidFill>
@@ -27685,7 +27683,7 @@
                 <a:latin typeface="Calibri"/>
               </a:rPr>
               <a:pPr/>
-              <a:t>5/1/22</a:t>
+              <a:t>5/10/22</a:t>
             </a:fld>
             <a:endParaRPr lang="en-US" dirty="0">
               <a:solidFill>
@@ -28174,7 +28172,7 @@
                 <a:latin typeface="Calibri"/>
               </a:rPr>
               <a:pPr/>
-              <a:t>5/1/22</a:t>
+              <a:t>5/10/22</a:t>
             </a:fld>
             <a:endParaRPr lang="en-US" dirty="0">
               <a:solidFill>
@@ -28357,7 +28355,7 @@
                 <a:latin typeface="Calibri"/>
               </a:rPr>
               <a:pPr/>
-              <a:t>5/1/22</a:t>
+              <a:t>5/10/22</a:t>
             </a:fld>
             <a:endParaRPr lang="en-US" dirty="0">
               <a:solidFill>
@@ -28603,7 +28601,7 @@
                 <a:latin typeface="Calibri"/>
               </a:rPr>
               <a:pPr/>
-              <a:t>5/1/22</a:t>
+              <a:t>5/10/22</a:t>
             </a:fld>
             <a:endParaRPr lang="en-US" dirty="0">
               <a:solidFill>
@@ -28945,7 +28943,7 @@
                 <a:latin typeface="Calibri"/>
               </a:rPr>
               <a:pPr/>
-              <a:t>5/1/22</a:t>
+              <a:t>5/10/22</a:t>
             </a:fld>
             <a:endParaRPr lang="en-US" dirty="0">
               <a:solidFill>
@@ -29237,7 +29235,7 @@
                 <a:latin typeface="Calibri"/>
               </a:rPr>
               <a:pPr/>
-              <a:t>5/1/22</a:t>
+              <a:t>5/10/22</a:t>
             </a:fld>
             <a:endParaRPr lang="en-US" dirty="0">
               <a:solidFill>
@@ -29487,7 +29485,7 @@
                 <a:latin typeface="Calibri"/>
               </a:rPr>
               <a:pPr defTabSz="914400"/>
-              <a:t>5/1/22</a:t>
+              <a:t>5/10/22</a:t>
             </a:fld>
             <a:endParaRPr lang="en-US" dirty="0">
               <a:solidFill>
@@ -30109,257 +30107,6 @@
     <p:extLst>
       <p:ext uri="{BB962C8B-B14F-4D97-AF65-F5344CB8AC3E}">
         <p14:creationId xmlns:p14="http://schemas.microsoft.com/office/powerpoint/2010/main" val="2073662773"/>
-      </p:ext>
-    </p:extLst>
-  </p:cSld>
-  <p:clrMapOvr>
-    <a:masterClrMapping/>
-  </p:clrMapOvr>
-</p:sld>
-</file>
-
-<file path=ppt/slides/slide100.xml><?xml version="1.0" encoding="utf-8"?>
-<p:sld xmlns:a="http://schemas.openxmlformats.org/drawingml/2006/main" xmlns:r="http://schemas.openxmlformats.org/officeDocument/2006/relationships" xmlns:p="http://schemas.openxmlformats.org/presentationml/2006/main">
-  <p:cSld>
-    <p:spTree>
-      <p:nvGrpSpPr>
-        <p:cNvPr id="1" name=""/>
-        <p:cNvGrpSpPr/>
-        <p:nvPr/>
-      </p:nvGrpSpPr>
-      <p:grpSpPr>
-        <a:xfrm>
-          <a:off x="0" y="0"/>
-          <a:ext cx="0" cy="0"/>
-          <a:chOff x="0" y="0"/>
-          <a:chExt cx="0" cy="0"/>
-        </a:xfrm>
-      </p:grpSpPr>
-      <p:sp>
-        <p:nvSpPr>
-          <p:cNvPr id="2" name="Title 1">
-            <a:extLst>
-              <a:ext uri="{FF2B5EF4-FFF2-40B4-BE49-F238E27FC236}">
-                <a16:creationId xmlns:a16="http://schemas.microsoft.com/office/drawing/2014/main" id="{C96CF04D-2F9B-2D4B-BB6E-1DBC2C66150E}"/>
-              </a:ext>
-            </a:extLst>
-          </p:cNvPr>
-          <p:cNvSpPr>
-            <a:spLocks noGrp="1"/>
-          </p:cNvSpPr>
-          <p:nvPr>
-            <p:ph type="title"/>
-          </p:nvPr>
-        </p:nvSpPr>
-        <p:spPr/>
-        <p:txBody>
-          <a:bodyPr/>
-          <a:lstStyle/>
-          <a:p>
-            <a:r>
-              <a:rPr lang="en-US" dirty="0"/>
-              <a:t>Similar Techniques</a:t>
-            </a:r>
-          </a:p>
-        </p:txBody>
-      </p:sp>
-      <p:sp>
-        <p:nvSpPr>
-          <p:cNvPr id="3" name="Content Placeholder 2">
-            <a:extLst>
-              <a:ext uri="{FF2B5EF4-FFF2-40B4-BE49-F238E27FC236}">
-                <a16:creationId xmlns:a16="http://schemas.microsoft.com/office/drawing/2014/main" id="{DB0B48B3-4287-5643-8B39-63515724D843}"/>
-              </a:ext>
-            </a:extLst>
-          </p:cNvPr>
-          <p:cNvSpPr>
-            <a:spLocks noGrp="1"/>
-          </p:cNvSpPr>
-          <p:nvPr>
-            <p:ph idx="1"/>
-          </p:nvPr>
-        </p:nvSpPr>
-        <p:spPr/>
-        <p:txBody>
-          <a:bodyPr/>
-          <a:lstStyle/>
-          <a:p>
-            <a:r>
-              <a:rPr lang="en-US" dirty="0"/>
-              <a:t>House of Einherjar: </a:t>
-            </a:r>
-          </a:p>
-          <a:p>
-            <a:pPr lvl="1"/>
-            <a:r>
-              <a:rPr lang="en-US" dirty="0"/>
-              <a:t>Unlink a fake chunk to overlap a large chunk of data</a:t>
-            </a:r>
-          </a:p>
-          <a:p>
-            <a:r>
-              <a:rPr lang="en-US" dirty="0"/>
-              <a:t>House of Storm: 	</a:t>
-            </a:r>
-          </a:p>
-          <a:p>
-            <a:pPr lvl="1"/>
-            <a:r>
-              <a:rPr lang="en-US" dirty="0"/>
-              <a:t>Add in a chunk by corrupting free list pointers</a:t>
-            </a:r>
-          </a:p>
-        </p:txBody>
-      </p:sp>
-    </p:spTree>
-    <p:extLst>
-      <p:ext uri="{BB962C8B-B14F-4D97-AF65-F5344CB8AC3E}">
-        <p14:creationId xmlns:p14="http://schemas.microsoft.com/office/powerpoint/2010/main" val="3545615887"/>
-      </p:ext>
-    </p:extLst>
-  </p:cSld>
-  <p:clrMapOvr>
-    <a:masterClrMapping/>
-  </p:clrMapOvr>
-</p:sld>
-</file>
-
-<file path=ppt/slides/slide101.xml><?xml version="1.0" encoding="utf-8"?>
-<p:sld xmlns:a="http://schemas.openxmlformats.org/drawingml/2006/main" xmlns:r="http://schemas.openxmlformats.org/officeDocument/2006/relationships" xmlns:p="http://schemas.openxmlformats.org/presentationml/2006/main">
-  <p:cSld>
-    <p:spTree>
-      <p:nvGrpSpPr>
-        <p:cNvPr id="1" name=""/>
-        <p:cNvGrpSpPr/>
-        <p:nvPr/>
-      </p:nvGrpSpPr>
-      <p:grpSpPr>
-        <a:xfrm>
-          <a:off x="0" y="0"/>
-          <a:ext cx="0" cy="0"/>
-          <a:chOff x="0" y="0"/>
-          <a:chExt cx="0" cy="0"/>
-        </a:xfrm>
-      </p:grpSpPr>
-      <p:sp>
-        <p:nvSpPr>
-          <p:cNvPr id="2" name="Title 1">
-            <a:extLst>
-              <a:ext uri="{FF2B5EF4-FFF2-40B4-BE49-F238E27FC236}">
-                <a16:creationId xmlns:a16="http://schemas.microsoft.com/office/drawing/2014/main" id="{B4A67C53-5C79-0548-A92E-EC918DEE6260}"/>
-              </a:ext>
-            </a:extLst>
-          </p:cNvPr>
-          <p:cNvSpPr>
-            <a:spLocks noGrp="1"/>
-          </p:cNvSpPr>
-          <p:nvPr>
-            <p:ph type="title"/>
-          </p:nvPr>
-        </p:nvSpPr>
-        <p:spPr/>
-        <p:txBody>
-          <a:bodyPr/>
-          <a:lstStyle/>
-          <a:p>
-            <a:r>
-              <a:rPr lang="en-US" dirty="0"/>
-              <a:t>Resources</a:t>
-            </a:r>
-          </a:p>
-        </p:txBody>
-      </p:sp>
-      <p:sp>
-        <p:nvSpPr>
-          <p:cNvPr id="3" name="Content Placeholder 2">
-            <a:extLst>
-              <a:ext uri="{FF2B5EF4-FFF2-40B4-BE49-F238E27FC236}">
-                <a16:creationId xmlns:a16="http://schemas.microsoft.com/office/drawing/2014/main" id="{31ED45E3-BAAF-194E-B4F4-BBE1A78FE0F0}"/>
-              </a:ext>
-            </a:extLst>
-          </p:cNvPr>
-          <p:cNvSpPr>
-            <a:spLocks noGrp="1"/>
-          </p:cNvSpPr>
-          <p:nvPr>
-            <p:ph idx="1"/>
-          </p:nvPr>
-        </p:nvSpPr>
-        <p:spPr/>
-        <p:txBody>
-          <a:bodyPr/>
-          <a:lstStyle/>
-          <a:p>
-            <a:r>
-              <a:rPr lang="en-US" dirty="0" err="1"/>
-              <a:t>LiveOverflow</a:t>
-            </a:r>
-            <a:r>
-              <a:rPr lang="en-US" dirty="0"/>
-              <a:t>: </a:t>
-            </a:r>
-            <a:r>
-              <a:rPr lang="en-US" dirty="0">
-                <a:hlinkClick r:id="rId2"/>
-              </a:rPr>
-              <a:t>https://www.youtube.com/watch?v=gL45bjQvZSU</a:t>
-            </a:r>
-            <a:endParaRPr lang="en-US" dirty="0"/>
-          </a:p>
-          <a:p>
-            <a:r>
-              <a:rPr lang="en-US" dirty="0"/>
-              <a:t>Once Upon a Free: </a:t>
-            </a:r>
-            <a:r>
-              <a:rPr lang="en-US" dirty="0">
-                <a:hlinkClick r:id="rId3"/>
-              </a:rPr>
-              <a:t>http://phrack.org/issues/57/9.html</a:t>
-            </a:r>
-            <a:endParaRPr lang="en-US" dirty="0"/>
-          </a:p>
-          <a:p>
-            <a:r>
-              <a:rPr lang="en-US" dirty="0"/>
-              <a:t>Unsafe Unlink: </a:t>
-            </a:r>
-          </a:p>
-          <a:p>
-            <a:pPr lvl="1"/>
-            <a:r>
-              <a:rPr lang="en-US" dirty="0">
-                <a:hlinkClick r:id="rId4"/>
-              </a:rPr>
-              <a:t>https://heap-exploitation.dhavalkapil.com/attacks/unlink_exploit.html</a:t>
-            </a:r>
-            <a:endParaRPr lang="en-US" dirty="0"/>
-          </a:p>
-          <a:p>
-            <a:pPr lvl="1"/>
-            <a:r>
-              <a:rPr lang="en-US" dirty="0">
-                <a:hlinkClick r:id="rId5"/>
-              </a:rPr>
-              <a:t>https://dangokyo.me/2018/01/01/heap-exploitation-unsafe-unlink-fastbin-corruption/</a:t>
-            </a:r>
-            <a:endParaRPr lang="en-US" dirty="0"/>
-          </a:p>
-          <a:p>
-            <a:pPr marL="457200" lvl="1" indent="0">
-              <a:buNone/>
-            </a:pPr>
-            <a:endParaRPr lang="en-US" dirty="0"/>
-          </a:p>
-          <a:p>
-            <a:endParaRPr lang="en-US" dirty="0"/>
-          </a:p>
-        </p:txBody>
-      </p:sp>
-    </p:spTree>
-    <p:extLst>
-      <p:ext uri="{BB962C8B-B14F-4D97-AF65-F5344CB8AC3E}">
-        <p14:creationId xmlns:p14="http://schemas.microsoft.com/office/powerpoint/2010/main" val="726634461"/>
       </p:ext>
     </p:extLst>
   </p:cSld>
@@ -31983,7 +31730,7 @@
           <a:p>
             <a:r>
               <a:rPr lang="en-US" dirty="0"/>
-              <a:t>Code – A and B</a:t>
+              <a:t>Code – Prev and Next</a:t>
             </a:r>
           </a:p>
         </p:txBody>
@@ -32136,10 +31883,10 @@
       </p:grpSpPr>
       <p:pic>
         <p:nvPicPr>
-          <p:cNvPr id="9" name="Picture 8" descr="Unlink Macro with name update">
+          <p:cNvPr id="7" name="Picture 6" descr="Unlink Macro with name update">
             <a:extLst>
               <a:ext uri="{FF2B5EF4-FFF2-40B4-BE49-F238E27FC236}">
-                <a16:creationId xmlns:a16="http://schemas.microsoft.com/office/drawing/2014/main" id="{7E0D8065-1290-9649-9EB1-486C9F3FB036}"/>
+                <a16:creationId xmlns:a16="http://schemas.microsoft.com/office/drawing/2014/main" id="{BF989718-00B9-AD7B-137C-C529BA1927FC}"/>
               </a:ext>
             </a:extLst>
           </p:cNvPr>
@@ -32150,13 +31897,13 @@
         </p:nvPicPr>
         <p:blipFill rotWithShape="1">
           <a:blip r:embed="rId2"/>
-          <a:srcRect l="9064" t="13747" r="45468" b="49856"/>
+          <a:srcRect l="10663" t="49809" r="43868" b="16052"/>
           <a:stretch/>
         </p:blipFill>
         <p:spPr>
           <a:xfrm>
-            <a:off x="165365" y="1437663"/>
-            <a:ext cx="3167490" cy="994172"/>
+            <a:off x="0" y="1632293"/>
+            <a:ext cx="3377020" cy="994171"/>
           </a:xfrm>
           <a:prstGeom prst="rect">
             <a:avLst/>
@@ -32295,13 +32042,14 @@
           </p:cNvPr>
           <p:cNvCxnSpPr>
             <a:cxnSpLocks/>
+            <a:endCxn id="4" idx="1"/>
           </p:cNvCxnSpPr>
           <p:nvPr/>
         </p:nvCxnSpPr>
         <p:spPr>
           <a:xfrm>
-            <a:off x="311851" y="1921288"/>
-            <a:ext cx="2810095" cy="0"/>
+            <a:off x="72154" y="2028340"/>
+            <a:ext cx="3049792" cy="0"/>
           </a:xfrm>
           <a:prstGeom prst="line">
             <a:avLst/>
@@ -32392,35 +32140,6 @@
           <a:chExt cx="0" cy="0"/>
         </a:xfrm>
       </p:grpSpPr>
-      <p:pic>
-        <p:nvPicPr>
-          <p:cNvPr id="7" name="Picture 6" descr="Unlink Macro with name update">
-            <a:extLst>
-              <a:ext uri="{FF2B5EF4-FFF2-40B4-BE49-F238E27FC236}">
-                <a16:creationId xmlns:a16="http://schemas.microsoft.com/office/drawing/2014/main" id="{C3A58D42-388C-9A4E-9225-6BBD907235EC}"/>
-              </a:ext>
-            </a:extLst>
-          </p:cNvPr>
-          <p:cNvPicPr>
-            <a:picLocks noChangeAspect="1"/>
-          </p:cNvPicPr>
-          <p:nvPr/>
-        </p:nvPicPr>
-        <p:blipFill rotWithShape="1">
-          <a:blip r:embed="rId2"/>
-          <a:srcRect l="9064" t="13747" r="45468" b="49856"/>
-          <a:stretch/>
-        </p:blipFill>
-        <p:spPr>
-          <a:xfrm>
-            <a:off x="125567" y="1531254"/>
-            <a:ext cx="3167490" cy="994172"/>
-          </a:xfrm>
-          <a:prstGeom prst="rect">
-            <a:avLst/>
-          </a:prstGeom>
-        </p:spPr>
-      </p:pic>
       <p:sp>
         <p:nvSpPr>
           <p:cNvPr id="2" name="Title 1">
@@ -32624,10 +32343,10 @@
           <p:nvPr/>
         </p:nvPicPr>
         <p:blipFill rotWithShape="1">
-          <a:blip r:embed="rId3">
+          <a:blip r:embed="rId2">
             <a:extLst>
               <a:ext uri="{96DAC541-7B7A-43D3-8B79-37D633B846F1}">
-                <asvg:svgBlip xmlns:asvg="http://schemas.microsoft.com/office/drawing/2016/SVG/main" r:embed="rId4"/>
+                <asvg:svgBlip xmlns:asvg="http://schemas.microsoft.com/office/drawing/2016/SVG/main" r:embed="rId3"/>
               </a:ext>
             </a:extLst>
           </a:blip>
@@ -32644,6 +32363,78 @@
           </a:prstGeom>
         </p:spPr>
       </p:pic>
+      <p:pic>
+        <p:nvPicPr>
+          <p:cNvPr id="9" name="Picture 8" descr="Unlink Macro with name update">
+            <a:extLst>
+              <a:ext uri="{FF2B5EF4-FFF2-40B4-BE49-F238E27FC236}">
+                <a16:creationId xmlns:a16="http://schemas.microsoft.com/office/drawing/2014/main" id="{FDBD49DA-BFDC-8A63-8F1F-CD05F84E3BD3}"/>
+              </a:ext>
+            </a:extLst>
+          </p:cNvPr>
+          <p:cNvPicPr>
+            <a:picLocks noChangeAspect="1"/>
+          </p:cNvPicPr>
+          <p:nvPr/>
+        </p:nvPicPr>
+        <p:blipFill rotWithShape="1">
+          <a:blip r:embed="rId4"/>
+          <a:srcRect l="10663" t="49809" r="43868" b="16052"/>
+          <a:stretch/>
+        </p:blipFill>
+        <p:spPr>
+          <a:xfrm>
+            <a:off x="0" y="1632293"/>
+            <a:ext cx="3377020" cy="994171"/>
+          </a:xfrm>
+          <a:prstGeom prst="rect">
+            <a:avLst/>
+          </a:prstGeom>
+        </p:spPr>
+      </p:pic>
+      <p:cxnSp>
+        <p:nvCxnSpPr>
+          <p:cNvPr id="10" name="Straight Connector 9">
+            <a:extLst>
+              <a:ext uri="{FF2B5EF4-FFF2-40B4-BE49-F238E27FC236}">
+                <a16:creationId xmlns:a16="http://schemas.microsoft.com/office/drawing/2014/main" id="{224E84EC-A64A-700F-0B60-1B49C9247F8F}"/>
+              </a:ext>
+            </a:extLst>
+          </p:cNvPr>
+          <p:cNvCxnSpPr>
+            <a:cxnSpLocks/>
+          </p:cNvCxnSpPr>
+          <p:nvPr/>
+        </p:nvCxnSpPr>
+        <p:spPr>
+          <a:xfrm>
+            <a:off x="81032" y="2589506"/>
+            <a:ext cx="3049792" cy="0"/>
+          </a:xfrm>
+          <a:prstGeom prst="line">
+            <a:avLst/>
+          </a:prstGeom>
+          <a:ln w="25400">
+            <a:solidFill>
+              <a:srgbClr val="FF0000"/>
+            </a:solidFill>
+          </a:ln>
+        </p:spPr>
+        <p:style>
+          <a:lnRef idx="1">
+            <a:schemeClr val="accent1"/>
+          </a:lnRef>
+          <a:fillRef idx="0">
+            <a:schemeClr val="accent1"/>
+          </a:fillRef>
+          <a:effectRef idx="0">
+            <a:schemeClr val="accent1"/>
+          </a:effectRef>
+          <a:fontRef idx="minor">
+            <a:schemeClr val="tx1"/>
+          </a:fontRef>
+        </p:style>
+      </p:cxnSp>
     </p:spTree>
     <p:extLst>
       <p:ext uri="{BB962C8B-B14F-4D97-AF65-F5344CB8AC3E}">
@@ -33217,7 +33008,7 @@
         </p:nvCxnSpPr>
         <p:spPr>
           <a:xfrm>
-            <a:off x="2894566" y="4361333"/>
+            <a:off x="2486193" y="4379088"/>
             <a:ext cx="1677434" cy="0"/>
           </a:xfrm>
           <a:prstGeom prst="line">
@@ -33485,259 +33276,6 @@
             </a:pPr>
             <a:r>
               <a:rPr lang="en-US" dirty="0"/>
-              <a:t>WHERE = C (because of overwrite) </a:t>
-            </a:r>
-          </a:p>
-          <a:p>
-            <a:pPr marL="285750" indent="-285750">
-              <a:buFont typeface="Arial" panose="020B0604020202020204" pitchFamily="34" charset="0"/>
-              <a:buChar char="•"/>
-            </a:pPr>
-            <a:r>
-              <a:rPr lang="en-US" dirty="0"/>
-              <a:t>WHAT = A (because of overwrite)</a:t>
-            </a:r>
-          </a:p>
-          <a:p>
-            <a:pPr marL="285750" indent="-285750">
-              <a:buFont typeface="Arial" panose="020B0604020202020204" pitchFamily="34" charset="0"/>
-              <a:buChar char="•"/>
-            </a:pPr>
-            <a:r>
-              <a:rPr lang="en-US" dirty="0"/>
-              <a:t>So, let’s clean this up!</a:t>
-            </a:r>
-          </a:p>
-          <a:p>
-            <a:endParaRPr lang="en-US" dirty="0"/>
-          </a:p>
-        </p:txBody>
-      </p:sp>
-      <p:sp>
-        <p:nvSpPr>
-          <p:cNvPr id="15" name="TextBox 14">
-            <a:extLst>
-              <a:ext uri="{FF2B5EF4-FFF2-40B4-BE49-F238E27FC236}">
-                <a16:creationId xmlns:a16="http://schemas.microsoft.com/office/drawing/2014/main" id="{10EF5EDE-4FE1-A945-B92E-ECD5620CC5B6}"/>
-              </a:ext>
-            </a:extLst>
-          </p:cNvPr>
-          <p:cNvSpPr txBox="1"/>
-          <p:nvPr/>
-        </p:nvSpPr>
-        <p:spPr>
-          <a:xfrm>
-            <a:off x="708549" y="2859823"/>
-            <a:ext cx="640857" cy="307777"/>
-          </a:xfrm>
-          <a:prstGeom prst="rect">
-            <a:avLst/>
-          </a:prstGeom>
-          <a:solidFill>
-            <a:schemeClr val="bg1"/>
-          </a:solidFill>
-        </p:spPr>
-        <p:txBody>
-          <a:bodyPr wrap="square" rtlCol="0">
-            <a:spAutoFit/>
-          </a:bodyPr>
-          <a:lstStyle/>
-          <a:p>
-            <a:r>
-              <a:rPr lang="en-US" sz="1400" b="1" dirty="0"/>
-              <a:t>WHAT</a:t>
-            </a:r>
-          </a:p>
-        </p:txBody>
-      </p:sp>
-      <p:sp>
-        <p:nvSpPr>
-          <p:cNvPr id="16" name="TextBox 15">
-            <a:extLst>
-              <a:ext uri="{FF2B5EF4-FFF2-40B4-BE49-F238E27FC236}">
-                <a16:creationId xmlns:a16="http://schemas.microsoft.com/office/drawing/2014/main" id="{57196571-A1C3-D74C-9DE3-10B95D7F04DD}"/>
-              </a:ext>
-            </a:extLst>
-          </p:cNvPr>
-          <p:cNvSpPr txBox="1"/>
-          <p:nvPr/>
-        </p:nvSpPr>
-        <p:spPr>
-          <a:xfrm>
-            <a:off x="5178166" y="1520976"/>
-            <a:ext cx="903050" cy="307777"/>
-          </a:xfrm>
-          <a:prstGeom prst="rect">
-            <a:avLst/>
-          </a:prstGeom>
-          <a:solidFill>
-            <a:schemeClr val="bg1"/>
-          </a:solidFill>
-        </p:spPr>
-        <p:txBody>
-          <a:bodyPr wrap="square" rtlCol="0">
-            <a:spAutoFit/>
-          </a:bodyPr>
-          <a:lstStyle/>
-          <a:p>
-            <a:r>
-              <a:rPr lang="en-US" sz="1400" b="1" dirty="0"/>
-              <a:t>WHERE</a:t>
-            </a:r>
-          </a:p>
-        </p:txBody>
-      </p:sp>
-      <p:pic>
-        <p:nvPicPr>
-          <p:cNvPr id="10" name="Picture 9" descr="Unlink source code with the 'where' and 'what' added">
-            <a:extLst>
-              <a:ext uri="{FF2B5EF4-FFF2-40B4-BE49-F238E27FC236}">
-                <a16:creationId xmlns:a16="http://schemas.microsoft.com/office/drawing/2014/main" id="{1D3AB08C-848C-4348-9864-175F666EC891}"/>
-              </a:ext>
-            </a:extLst>
-          </p:cNvPr>
-          <p:cNvPicPr>
-            <a:picLocks noChangeAspect="1"/>
-          </p:cNvPicPr>
-          <p:nvPr/>
-        </p:nvPicPr>
-        <p:blipFill>
-          <a:blip r:embed="rId3"/>
-          <a:stretch>
-            <a:fillRect/>
-          </a:stretch>
-        </p:blipFill>
-        <p:spPr>
-          <a:xfrm>
-            <a:off x="5178166" y="3008243"/>
-            <a:ext cx="3852462" cy="1495662"/>
-          </a:xfrm>
-          <a:prstGeom prst="rect">
-            <a:avLst/>
-          </a:prstGeom>
-        </p:spPr>
-      </p:pic>
-    </p:spTree>
-    <p:extLst>
-      <p:ext uri="{BB962C8B-B14F-4D97-AF65-F5344CB8AC3E}">
-        <p14:creationId xmlns:p14="http://schemas.microsoft.com/office/powerpoint/2010/main" val="289247060"/>
-      </p:ext>
-    </p:extLst>
-  </p:cSld>
-  <p:clrMapOvr>
-    <a:masterClrMapping/>
-  </p:clrMapOvr>
-</p:sld>
-</file>
-
-<file path=ppt/slides/slide23.xml><?xml version="1.0" encoding="utf-8"?>
-<p:sld xmlns:a="http://schemas.openxmlformats.org/drawingml/2006/main" xmlns:r="http://schemas.openxmlformats.org/officeDocument/2006/relationships" xmlns:p="http://schemas.openxmlformats.org/presentationml/2006/main">
-  <p:cSld>
-    <p:spTree>
-      <p:nvGrpSpPr>
-        <p:cNvPr id="1" name=""/>
-        <p:cNvGrpSpPr/>
-        <p:nvPr/>
-      </p:nvGrpSpPr>
-      <p:grpSpPr>
-        <a:xfrm>
-          <a:off x="0" y="0"/>
-          <a:ext cx="0" cy="0"/>
-          <a:chOff x="0" y="0"/>
-          <a:chExt cx="0" cy="0"/>
-        </a:xfrm>
-      </p:grpSpPr>
-      <p:pic>
-        <p:nvPicPr>
-          <p:cNvPr id="9" name="Content Placeholder 15" descr="Corrupting the 'Cur' pointer and what results from this">
-            <a:extLst>
-              <a:ext uri="{FF2B5EF4-FFF2-40B4-BE49-F238E27FC236}">
-                <a16:creationId xmlns:a16="http://schemas.microsoft.com/office/drawing/2014/main" id="{8A96B262-0186-7F4A-9FE3-F20B04740978}"/>
-              </a:ext>
-            </a:extLst>
-          </p:cNvPr>
-          <p:cNvPicPr>
-            <a:picLocks noGrp="1" noChangeAspect="1"/>
-          </p:cNvPicPr>
-          <p:nvPr>
-            <p:ph sz="half" idx="1"/>
-          </p:nvPr>
-        </p:nvPicPr>
-        <p:blipFill>
-          <a:blip r:embed="rId2"/>
-          <a:stretch>
-            <a:fillRect/>
-          </a:stretch>
-        </p:blipFill>
-        <p:spPr>
-          <a:xfrm>
-            <a:off x="516038" y="1398074"/>
-            <a:ext cx="5449756" cy="2623957"/>
-          </a:xfrm>
-        </p:spPr>
-      </p:pic>
-      <p:sp>
-        <p:nvSpPr>
-          <p:cNvPr id="2" name="Title 1">
-            <a:extLst>
-              <a:ext uri="{FF2B5EF4-FFF2-40B4-BE49-F238E27FC236}">
-                <a16:creationId xmlns:a16="http://schemas.microsoft.com/office/drawing/2014/main" id="{F301ED8F-4787-BB44-A31D-56A8EBB356A6}"/>
-              </a:ext>
-            </a:extLst>
-          </p:cNvPr>
-          <p:cNvSpPr>
-            <a:spLocks noGrp="1"/>
-          </p:cNvSpPr>
-          <p:nvPr>
-            <p:ph type="title"/>
-          </p:nvPr>
-        </p:nvSpPr>
-        <p:spPr/>
-        <p:txBody>
-          <a:bodyPr/>
-          <a:lstStyle/>
-          <a:p>
-            <a:r>
-              <a:rPr lang="en-US" dirty="0"/>
-              <a:t>Code – WHERE/WHAT</a:t>
-            </a:r>
-          </a:p>
-        </p:txBody>
-      </p:sp>
-      <p:sp>
-        <p:nvSpPr>
-          <p:cNvPr id="8" name="TextBox 7">
-            <a:extLst>
-              <a:ext uri="{FF2B5EF4-FFF2-40B4-BE49-F238E27FC236}">
-                <a16:creationId xmlns:a16="http://schemas.microsoft.com/office/drawing/2014/main" id="{7276B931-B3EB-6441-AD0F-C781832BC418}"/>
-              </a:ext>
-            </a:extLst>
-          </p:cNvPr>
-          <p:cNvSpPr txBox="1"/>
-          <p:nvPr/>
-        </p:nvSpPr>
-        <p:spPr>
-          <a:xfrm>
-            <a:off x="482420" y="3943171"/>
-            <a:ext cx="5633634" cy="1200329"/>
-          </a:xfrm>
-          <a:prstGeom prst="rect">
-            <a:avLst/>
-          </a:prstGeom>
-          <a:noFill/>
-        </p:spPr>
-        <p:txBody>
-          <a:bodyPr wrap="square" rtlCol="0">
-            <a:spAutoFit/>
-          </a:bodyPr>
-          <a:lstStyle/>
-          <a:p>
-            <a:pPr marL="285750" indent="-285750">
-              <a:buFont typeface="Arial" panose="020B0604020202020204" pitchFamily="34" charset="0"/>
-              <a:buChar char="•"/>
-            </a:pPr>
-            <a:r>
-              <a:rPr lang="en-US" dirty="0"/>
               <a:t>WHERE = Next (because of overwrite) </a:t>
             </a:r>
           </a:p>
@@ -33883,7 +33421,7 @@
 </p:sld>
 </file>
 
-<file path=ppt/slides/slide24.xml><?xml version="1.0" encoding="utf-8"?>
+<file path=ppt/slides/slide23.xml><?xml version="1.0" encoding="utf-8"?>
 <p:sld xmlns:a="http://schemas.openxmlformats.org/drawingml/2006/main" xmlns:r="http://schemas.openxmlformats.org/officeDocument/2006/relationships" xmlns:p="http://schemas.openxmlformats.org/presentationml/2006/main">
   <p:cSld>
     <p:spTree>
@@ -34065,7 +33603,7 @@
 </p:sld>
 </file>
 
-<file path=ppt/slides/slide25.xml><?xml version="1.0" encoding="utf-8"?>
+<file path=ppt/slides/slide24.xml><?xml version="1.0" encoding="utf-8"?>
 <p:sld xmlns:a="http://schemas.openxmlformats.org/drawingml/2006/main" xmlns:r="http://schemas.openxmlformats.org/officeDocument/2006/relationships" xmlns:p="http://schemas.openxmlformats.org/presentationml/2006/main">
   <p:cSld>
     <p:spTree>
@@ -34305,7 +33843,7 @@
 </p:sld>
 </file>
 
-<file path=ppt/slides/slide26.xml><?xml version="1.0" encoding="utf-8"?>
+<file path=ppt/slides/slide25.xml><?xml version="1.0" encoding="utf-8"?>
 <p:sld xmlns:a="http://schemas.openxmlformats.org/drawingml/2006/main" xmlns:r="http://schemas.openxmlformats.org/officeDocument/2006/relationships" xmlns:p="http://schemas.openxmlformats.org/presentationml/2006/main">
   <p:cSld>
     <p:spTree>
@@ -34520,7 +34058,7 @@
 </p:sld>
 </file>
 
-<file path=ppt/slides/slide27.xml><?xml version="1.0" encoding="utf-8"?>
+<file path=ppt/slides/slide26.xml><?xml version="1.0" encoding="utf-8"?>
 <p:sld xmlns:a="http://schemas.openxmlformats.org/drawingml/2006/main" xmlns:r="http://schemas.openxmlformats.org/officeDocument/2006/relationships" xmlns:p="http://schemas.openxmlformats.org/presentationml/2006/main">
   <p:cSld>
     <p:spTree>
@@ -34785,7 +34323,7 @@
 </p:sld>
 </file>
 
-<file path=ppt/slides/slide28.xml><?xml version="1.0" encoding="utf-8"?>
+<file path=ppt/slides/slide27.xml><?xml version="1.0" encoding="utf-8"?>
 <p:sld xmlns:a="http://schemas.openxmlformats.org/drawingml/2006/main" xmlns:r="http://schemas.openxmlformats.org/officeDocument/2006/relationships" xmlns:p="http://schemas.openxmlformats.org/presentationml/2006/main">
   <p:cSld>
     <p:spTree>
@@ -34992,7 +34530,7 @@
 </p:sld>
 </file>
 
-<file path=ppt/slides/slide29.xml><?xml version="1.0" encoding="utf-8"?>
+<file path=ppt/slides/slide28.xml><?xml version="1.0" encoding="utf-8"?>
 <p:sld xmlns:a="http://schemas.openxmlformats.org/drawingml/2006/main" xmlns:r="http://schemas.openxmlformats.org/officeDocument/2006/relationships" xmlns:p="http://schemas.openxmlformats.org/presentationml/2006/main">
   <p:cSld>
     <p:spTree>
@@ -35076,104 +34614,8 @@
 </p:sld>
 </file>
 
-<file path=ppt/slides/slide3.xml><?xml version="1.0" encoding="utf-8"?>
-<p:sld xmlns:a="http://schemas.openxmlformats.org/drawingml/2006/main" xmlns:r="http://schemas.openxmlformats.org/officeDocument/2006/relationships" xmlns:p="http://schemas.openxmlformats.org/presentationml/2006/main">
-  <p:cSld>
-    <p:spTree>
-      <p:nvGrpSpPr>
-        <p:cNvPr id="1" name=""/>
-        <p:cNvGrpSpPr/>
-        <p:nvPr/>
-      </p:nvGrpSpPr>
-      <p:grpSpPr>
-        <a:xfrm>
-          <a:off x="0" y="0"/>
-          <a:ext cx="0" cy="0"/>
-          <a:chOff x="0" y="0"/>
-          <a:chExt cx="0" cy="0"/>
-        </a:xfrm>
-      </p:grpSpPr>
-      <p:sp>
-        <p:nvSpPr>
-          <p:cNvPr id="2" name="Title 1">
-            <a:extLst>
-              <a:ext uri="{FF2B5EF4-FFF2-40B4-BE49-F238E27FC236}">
-                <a16:creationId xmlns:a16="http://schemas.microsoft.com/office/drawing/2014/main" id="{9FE9DBD8-DB8B-7D49-8DC2-F4DB58CD55DE}"/>
-              </a:ext>
-            </a:extLst>
-          </p:cNvPr>
-          <p:cNvSpPr>
-            <a:spLocks noGrp="1"/>
-          </p:cNvSpPr>
-          <p:nvPr>
-            <p:ph type="title"/>
-          </p:nvPr>
-        </p:nvSpPr>
-        <p:spPr>
-          <a:xfrm>
-            <a:off x="628650" y="273847"/>
-            <a:ext cx="7886700" cy="994172"/>
-          </a:xfrm>
-        </p:spPr>
-        <p:txBody>
-          <a:bodyPr anchor="ctr">
-            <a:normAutofit/>
-          </a:bodyPr>
-          <a:lstStyle/>
-          <a:p>
-            <a:r>
-              <a:rPr lang="en-US"/>
-              <a:t>Consolidation </a:t>
-            </a:r>
-          </a:p>
-        </p:txBody>
-      </p:sp>
-      <p:graphicFrame>
-        <p:nvGraphicFramePr>
-          <p:cNvPr id="12" name="Content Placeholder 3">
-            <a:extLst>
-              <a:ext uri="{FF2B5EF4-FFF2-40B4-BE49-F238E27FC236}">
-                <a16:creationId xmlns:a16="http://schemas.microsoft.com/office/drawing/2014/main" id="{051F256C-C461-4BA1-908E-8A9EDA2EE8E2}"/>
-              </a:ext>
-            </a:extLst>
-          </p:cNvPr>
-          <p:cNvGraphicFramePr>
-            <a:graphicFrameLocks noGrp="1"/>
-          </p:cNvGraphicFramePr>
-          <p:nvPr>
-            <p:ph idx="1"/>
-            <p:extLst>
-              <p:ext uri="{D42A27DB-BD31-4B8C-83A1-F6EECF244321}">
-                <p14:modId xmlns:p14="http://schemas.microsoft.com/office/powerpoint/2010/main" val="3000323649"/>
-              </p:ext>
-            </p:extLst>
-          </p:nvPr>
-        </p:nvGraphicFramePr>
-        <p:xfrm>
-          <a:off x="628650" y="1236541"/>
-          <a:ext cx="7886700" cy="3263504"/>
-        </p:xfrm>
-        <a:graphic>
-          <a:graphicData uri="http://schemas.openxmlformats.org/drawingml/2006/diagram">
-            <dgm:relIds xmlns:dgm="http://schemas.openxmlformats.org/drawingml/2006/diagram" xmlns:r="http://schemas.openxmlformats.org/officeDocument/2006/relationships" r:dm="rId2" r:lo="rId3" r:qs="rId4" r:cs="rId5"/>
-          </a:graphicData>
-        </a:graphic>
-      </p:graphicFrame>
-    </p:spTree>
-    <p:extLst>
-      <p:ext uri="{BB962C8B-B14F-4D97-AF65-F5344CB8AC3E}">
-        <p14:creationId xmlns:p14="http://schemas.microsoft.com/office/powerpoint/2010/main" val="841333381"/>
-      </p:ext>
-    </p:extLst>
-  </p:cSld>
-  <p:clrMapOvr>
-    <a:masterClrMapping/>
-  </p:clrMapOvr>
-</p:sld>
-</file>
-
-<file path=ppt/slides/slide30.xml><?xml version="1.0" encoding="utf-8"?>
-<p:sld xmlns:a="http://schemas.openxmlformats.org/drawingml/2006/main" xmlns:r="http://schemas.openxmlformats.org/officeDocument/2006/relationships" xmlns:p="http://schemas.openxmlformats.org/presentationml/2006/main">
+<file path=ppt/slides/slide29.xml><?xml version="1.0" encoding="utf-8"?>
+<p:sld xmlns:a="http://schemas.openxmlformats.org/drawingml/2006/main" xmlns:r="http://schemas.openxmlformats.org/officeDocument/2006/relationships" xmlns:p="http://schemas.openxmlformats.org/presentationml/2006/main" show="0">
   <p:cSld>
     <p:spTree>
       <p:nvGrpSpPr>
@@ -35395,7 +34837,103 @@
 </p:sld>
 </file>
 
-<file path=ppt/slides/slide31.xml><?xml version="1.0" encoding="utf-8"?>
+<file path=ppt/slides/slide3.xml><?xml version="1.0" encoding="utf-8"?>
+<p:sld xmlns:a="http://schemas.openxmlformats.org/drawingml/2006/main" xmlns:r="http://schemas.openxmlformats.org/officeDocument/2006/relationships" xmlns:p="http://schemas.openxmlformats.org/presentationml/2006/main">
+  <p:cSld>
+    <p:spTree>
+      <p:nvGrpSpPr>
+        <p:cNvPr id="1" name=""/>
+        <p:cNvGrpSpPr/>
+        <p:nvPr/>
+      </p:nvGrpSpPr>
+      <p:grpSpPr>
+        <a:xfrm>
+          <a:off x="0" y="0"/>
+          <a:ext cx="0" cy="0"/>
+          <a:chOff x="0" y="0"/>
+          <a:chExt cx="0" cy="0"/>
+        </a:xfrm>
+      </p:grpSpPr>
+      <p:sp>
+        <p:nvSpPr>
+          <p:cNvPr id="2" name="Title 1">
+            <a:extLst>
+              <a:ext uri="{FF2B5EF4-FFF2-40B4-BE49-F238E27FC236}">
+                <a16:creationId xmlns:a16="http://schemas.microsoft.com/office/drawing/2014/main" id="{9FE9DBD8-DB8B-7D49-8DC2-F4DB58CD55DE}"/>
+              </a:ext>
+            </a:extLst>
+          </p:cNvPr>
+          <p:cNvSpPr>
+            <a:spLocks noGrp="1"/>
+          </p:cNvSpPr>
+          <p:nvPr>
+            <p:ph type="title"/>
+          </p:nvPr>
+        </p:nvSpPr>
+        <p:spPr>
+          <a:xfrm>
+            <a:off x="628650" y="273847"/>
+            <a:ext cx="7886700" cy="994172"/>
+          </a:xfrm>
+        </p:spPr>
+        <p:txBody>
+          <a:bodyPr anchor="ctr">
+            <a:normAutofit/>
+          </a:bodyPr>
+          <a:lstStyle/>
+          <a:p>
+            <a:r>
+              <a:rPr lang="en-US"/>
+              <a:t>Consolidation </a:t>
+            </a:r>
+          </a:p>
+        </p:txBody>
+      </p:sp>
+      <p:graphicFrame>
+        <p:nvGraphicFramePr>
+          <p:cNvPr id="12" name="Content Placeholder 3">
+            <a:extLst>
+              <a:ext uri="{FF2B5EF4-FFF2-40B4-BE49-F238E27FC236}">
+                <a16:creationId xmlns:a16="http://schemas.microsoft.com/office/drawing/2014/main" id="{051F256C-C461-4BA1-908E-8A9EDA2EE8E2}"/>
+              </a:ext>
+            </a:extLst>
+          </p:cNvPr>
+          <p:cNvGraphicFramePr>
+            <a:graphicFrameLocks noGrp="1"/>
+          </p:cNvGraphicFramePr>
+          <p:nvPr>
+            <p:ph idx="1"/>
+            <p:extLst>
+              <p:ext uri="{D42A27DB-BD31-4B8C-83A1-F6EECF244321}">
+                <p14:modId xmlns:p14="http://schemas.microsoft.com/office/powerpoint/2010/main" val="3000323649"/>
+              </p:ext>
+            </p:extLst>
+          </p:nvPr>
+        </p:nvGraphicFramePr>
+        <p:xfrm>
+          <a:off x="628650" y="1236541"/>
+          <a:ext cx="7886700" cy="3263504"/>
+        </p:xfrm>
+        <a:graphic>
+          <a:graphicData uri="http://schemas.openxmlformats.org/drawingml/2006/diagram">
+            <dgm:relIds xmlns:dgm="http://schemas.openxmlformats.org/drawingml/2006/diagram" xmlns:r="http://schemas.openxmlformats.org/officeDocument/2006/relationships" r:dm="rId2" r:lo="rId3" r:qs="rId4" r:cs="rId5"/>
+          </a:graphicData>
+        </a:graphic>
+      </p:graphicFrame>
+    </p:spTree>
+    <p:extLst>
+      <p:ext uri="{BB962C8B-B14F-4D97-AF65-F5344CB8AC3E}">
+        <p14:creationId xmlns:p14="http://schemas.microsoft.com/office/powerpoint/2010/main" val="841333381"/>
+      </p:ext>
+    </p:extLst>
+  </p:cSld>
+  <p:clrMapOvr>
+    <a:masterClrMapping/>
+  </p:clrMapOvr>
+</p:sld>
+</file>
+
+<file path=ppt/slides/slide30.xml><?xml version="1.0" encoding="utf-8"?>
 <p:sld xmlns:a="http://schemas.openxmlformats.org/drawingml/2006/main" xmlns:r="http://schemas.openxmlformats.org/officeDocument/2006/relationships" xmlns:p="http://schemas.openxmlformats.org/presentationml/2006/main">
   <p:cSld>
     <p:spTree>
@@ -36263,7 +35801,7 @@
 </p:sld>
 </file>
 
-<file path=ppt/slides/slide32.xml><?xml version="1.0" encoding="utf-8"?>
+<file path=ppt/slides/slide31.xml><?xml version="1.0" encoding="utf-8"?>
 <p:sld xmlns:a="http://schemas.openxmlformats.org/drawingml/2006/main" xmlns:r="http://schemas.openxmlformats.org/officeDocument/2006/relationships" xmlns:p="http://schemas.openxmlformats.org/presentationml/2006/main">
   <p:cSld>
     <p:spTree>
@@ -36280,6 +35818,35 @@
           <a:chExt cx="0" cy="0"/>
         </a:xfrm>
       </p:grpSpPr>
+      <p:pic>
+        <p:nvPicPr>
+          <p:cNvPr id="7" name="Picture 6" descr="Unlink source code with the 'where' and 'what' added">
+            <a:extLst>
+              <a:ext uri="{FF2B5EF4-FFF2-40B4-BE49-F238E27FC236}">
+                <a16:creationId xmlns:a16="http://schemas.microsoft.com/office/drawing/2014/main" id="{DECF6EC7-090D-818C-50BE-6E5C8CB0CD64}"/>
+              </a:ext>
+            </a:extLst>
+          </p:cNvPr>
+          <p:cNvPicPr>
+            <a:picLocks noChangeAspect="1"/>
+          </p:cNvPicPr>
+          <p:nvPr/>
+        </p:nvPicPr>
+        <p:blipFill rotWithShape="1">
+          <a:blip r:embed="rId2"/>
+          <a:srcRect l="10132" t="50000" b="18158"/>
+          <a:stretch/>
+        </p:blipFill>
+        <p:spPr>
+          <a:xfrm>
+            <a:off x="4293600" y="4031023"/>
+            <a:ext cx="4042949" cy="556151"/>
+          </a:xfrm>
+          <a:prstGeom prst="rect">
+            <a:avLst/>
+          </a:prstGeom>
+        </p:spPr>
+      </p:pic>
       <p:sp>
         <p:nvSpPr>
           <p:cNvPr id="2" name="Title 1">
@@ -36389,7 +35956,7 @@
           <p:nvPr/>
         </p:nvPicPr>
         <p:blipFill>
-          <a:blip r:embed="rId2"/>
+          <a:blip r:embed="rId3"/>
           <a:stretch>
             <a:fillRect/>
           </a:stretch>
@@ -36398,35 +35965,6 @@
           <a:xfrm>
             <a:off x="4034324" y="432189"/>
             <a:ext cx="5062766" cy="3598834"/>
-          </a:xfrm>
-          <a:prstGeom prst="rect">
-            <a:avLst/>
-          </a:prstGeom>
-        </p:spPr>
-      </p:pic>
-      <p:pic>
-        <p:nvPicPr>
-          <p:cNvPr id="10" name="Picture 9" descr="Unlink WHAT and WHERE sub">
-            <a:extLst>
-              <a:ext uri="{FF2B5EF4-FFF2-40B4-BE49-F238E27FC236}">
-                <a16:creationId xmlns:a16="http://schemas.microsoft.com/office/drawing/2014/main" id="{95C3CE53-E2B0-CF47-A06C-EE7E174DD0AE}"/>
-              </a:ext>
-            </a:extLst>
-          </p:cNvPr>
-          <p:cNvPicPr>
-            <a:picLocks noChangeAspect="1"/>
-          </p:cNvPicPr>
-          <p:nvPr/>
-        </p:nvPicPr>
-        <p:blipFill rotWithShape="1">
-          <a:blip r:embed="rId3"/>
-          <a:srcRect l="11066" t="56113" r="17881" b="14925"/>
-          <a:stretch/>
-        </p:blipFill>
-        <p:spPr>
-          <a:xfrm>
-            <a:off x="4534443" y="3563361"/>
-            <a:ext cx="3943350" cy="703823"/>
           </a:xfrm>
           <a:prstGeom prst="rect">
             <a:avLst/>
@@ -36449,8 +35987,8 @@
         </p:nvCxnSpPr>
         <p:spPr>
           <a:xfrm>
-            <a:off x="4534443" y="3894968"/>
-            <a:ext cx="2417570" cy="17149"/>
+            <a:off x="4293600" y="4291949"/>
+            <a:ext cx="1956280" cy="0"/>
           </a:xfrm>
           <a:prstGeom prst="line">
             <a:avLst/>
@@ -36489,7 +36027,7 @@
 </p:sld>
 </file>
 
-<file path=ppt/slides/slide33.xml><?xml version="1.0" encoding="utf-8"?>
+<file path=ppt/slides/slide32.xml><?xml version="1.0" encoding="utf-8"?>
 <p:sld xmlns:a="http://schemas.openxmlformats.org/drawingml/2006/main" xmlns:r="http://schemas.openxmlformats.org/officeDocument/2006/relationships" xmlns:p="http://schemas.openxmlformats.org/presentationml/2006/main">
   <p:cSld>
     <p:spTree>
@@ -36640,7 +36178,7 @@
 </p:sld>
 </file>
 
-<file path=ppt/slides/slide34.xml><?xml version="1.0" encoding="utf-8"?>
+<file path=ppt/slides/slide33.xml><?xml version="1.0" encoding="utf-8"?>
 <p:sld xmlns:a="http://schemas.openxmlformats.org/drawingml/2006/main" xmlns:r="http://schemas.openxmlformats.org/officeDocument/2006/relationships" xmlns:p="http://schemas.openxmlformats.org/presentationml/2006/main">
   <p:cSld>
     <p:spTree>
@@ -36822,7 +36360,7 @@
 </p:sld>
 </file>
 
-<file path=ppt/slides/slide35.xml><?xml version="1.0" encoding="utf-8"?>
+<file path=ppt/slides/slide34.xml><?xml version="1.0" encoding="utf-8"?>
 <p:sld xmlns:a="http://schemas.openxmlformats.org/drawingml/2006/main" xmlns:r="http://schemas.openxmlformats.org/officeDocument/2006/relationships" xmlns:p="http://schemas.openxmlformats.org/presentationml/2006/main">
   <p:cSld>
     <p:spTree>
@@ -36959,7 +36497,7 @@
 </p:sld>
 </file>
 
-<file path=ppt/slides/slide36.xml><?xml version="1.0" encoding="utf-8"?>
+<file path=ppt/slides/slide35.xml><?xml version="1.0" encoding="utf-8"?>
 <p:sld xmlns:a="http://schemas.openxmlformats.org/drawingml/2006/main" xmlns:r="http://schemas.openxmlformats.org/officeDocument/2006/relationships" xmlns:p="http://schemas.openxmlformats.org/presentationml/2006/main" show="0">
   <p:cSld>
     <p:spTree>
@@ -37103,7 +36641,7 @@
 </p:sld>
 </file>
 
-<file path=ppt/slides/slide37.xml><?xml version="1.0" encoding="utf-8"?>
+<file path=ppt/slides/slide36.xml><?xml version="1.0" encoding="utf-8"?>
 <p:sld xmlns:a="http://schemas.openxmlformats.org/drawingml/2006/main" xmlns:r="http://schemas.openxmlformats.org/officeDocument/2006/relationships" xmlns:p="http://schemas.openxmlformats.org/presentationml/2006/main" show="0">
   <p:cSld>
     <p:spTree>
@@ -37272,7 +36810,7 @@
 </p:sld>
 </file>
 
-<file path=ppt/slides/slide38.xml><?xml version="1.0" encoding="utf-8"?>
+<file path=ppt/slides/slide37.xml><?xml version="1.0" encoding="utf-8"?>
 <p:sld xmlns:a="http://schemas.openxmlformats.org/drawingml/2006/main" xmlns:r="http://schemas.openxmlformats.org/officeDocument/2006/relationships" xmlns:p="http://schemas.openxmlformats.org/presentationml/2006/main" show="0">
   <p:cSld>
     <p:spTree>
@@ -37511,7 +37049,7 @@
 </p:sld>
 </file>
 
-<file path=ppt/slides/slide39.xml><?xml version="1.0" encoding="utf-8"?>
+<file path=ppt/slides/slide38.xml><?xml version="1.0" encoding="utf-8"?>
 <p:sld xmlns:a="http://schemas.openxmlformats.org/drawingml/2006/main" xmlns:r="http://schemas.openxmlformats.org/officeDocument/2006/relationships" xmlns:p="http://schemas.openxmlformats.org/presentationml/2006/main" show="0">
   <p:cSld>
     <p:spTree>
@@ -37741,6 +37279,265 @@
     <p:extLst>
       <p:ext uri="{BB962C8B-B14F-4D97-AF65-F5344CB8AC3E}">
         <p14:creationId xmlns:p14="http://schemas.microsoft.com/office/powerpoint/2010/main" val="2415842382"/>
+      </p:ext>
+    </p:extLst>
+  </p:cSld>
+  <p:clrMapOvr>
+    <a:masterClrMapping/>
+  </p:clrMapOvr>
+</p:sld>
+</file>
+
+<file path=ppt/slides/slide39.xml><?xml version="1.0" encoding="utf-8"?>
+<p:sld xmlns:a="http://schemas.openxmlformats.org/drawingml/2006/main" xmlns:r="http://schemas.openxmlformats.org/officeDocument/2006/relationships" xmlns:p="http://schemas.openxmlformats.org/presentationml/2006/main" show="0">
+  <p:cSld>
+    <p:spTree>
+      <p:nvGrpSpPr>
+        <p:cNvPr id="1" name=""/>
+        <p:cNvGrpSpPr/>
+        <p:nvPr/>
+      </p:nvGrpSpPr>
+      <p:grpSpPr>
+        <a:xfrm>
+          <a:off x="0" y="0"/>
+          <a:ext cx="0" cy="0"/>
+          <a:chOff x="0" y="0"/>
+          <a:chExt cx="0" cy="0"/>
+        </a:xfrm>
+      </p:grpSpPr>
+      <p:sp>
+        <p:nvSpPr>
+          <p:cNvPr id="2" name="Title 1">
+            <a:extLst>
+              <a:ext uri="{FF2B5EF4-FFF2-40B4-BE49-F238E27FC236}">
+                <a16:creationId xmlns:a16="http://schemas.microsoft.com/office/drawing/2014/main" id="{F301ED8F-4787-BB44-A31D-56A8EBB356A6}"/>
+              </a:ext>
+            </a:extLst>
+          </p:cNvPr>
+          <p:cNvSpPr>
+            <a:spLocks noGrp="1"/>
+          </p:cNvSpPr>
+          <p:nvPr>
+            <p:ph type="title"/>
+          </p:nvPr>
+        </p:nvSpPr>
+        <p:spPr/>
+        <p:txBody>
+          <a:bodyPr/>
+          <a:lstStyle/>
+          <a:p>
+            <a:r>
+              <a:rPr lang="en-US" dirty="0"/>
+              <a:t>Code – Edit Backward Pointer</a:t>
+            </a:r>
+          </a:p>
+        </p:txBody>
+      </p:sp>
+      <p:sp>
+        <p:nvSpPr>
+          <p:cNvPr id="8" name="TextBox 7">
+            <a:extLst>
+              <a:ext uri="{FF2B5EF4-FFF2-40B4-BE49-F238E27FC236}">
+                <a16:creationId xmlns:a16="http://schemas.microsoft.com/office/drawing/2014/main" id="{7276B931-B3EB-6441-AD0F-C781832BC418}"/>
+              </a:ext>
+            </a:extLst>
+          </p:cNvPr>
+          <p:cNvSpPr txBox="1"/>
+          <p:nvPr/>
+        </p:nvSpPr>
+        <p:spPr>
+          <a:xfrm>
+            <a:off x="516038" y="3115160"/>
+            <a:ext cx="5633634" cy="2031325"/>
+          </a:xfrm>
+          <a:prstGeom prst="rect">
+            <a:avLst/>
+          </a:prstGeom>
+          <a:noFill/>
+        </p:spPr>
+        <p:txBody>
+          <a:bodyPr wrap="square" rtlCol="0">
+            <a:spAutoFit/>
+          </a:bodyPr>
+          <a:lstStyle/>
+          <a:p>
+            <a:pPr marL="285750" indent="-285750">
+              <a:buFont typeface="Arial" panose="020B0604020202020204" pitchFamily="34" charset="0"/>
+              <a:buChar char="•"/>
+            </a:pPr>
+            <a:r>
+              <a:rPr lang="en-US" dirty="0"/>
+              <a:t>FD is a corrupted pointer (GOT/stack var/etc.) </a:t>
+            </a:r>
+          </a:p>
+          <a:p>
+            <a:pPr marL="285750" indent="-285750">
+              <a:buFont typeface="Arial" panose="020B0604020202020204" pitchFamily="34" charset="0"/>
+              <a:buChar char="•"/>
+            </a:pPr>
+            <a:r>
+              <a:rPr lang="en-US" dirty="0"/>
+              <a:t>BK is a corrupted pointer (GOT/stack var/etc.) </a:t>
+            </a:r>
+          </a:p>
+          <a:p>
+            <a:pPr marL="285750" indent="-285750">
+              <a:buFont typeface="Arial" panose="020B0604020202020204" pitchFamily="34" charset="0"/>
+              <a:buChar char="•"/>
+            </a:pPr>
+            <a:r>
+              <a:rPr lang="en-US" dirty="0"/>
+              <a:t>FD + x = BK; </a:t>
+            </a:r>
+          </a:p>
+          <a:p>
+            <a:pPr marL="742950" lvl="1" indent="-285750">
+              <a:buFont typeface="Arial" panose="020B0604020202020204" pitchFamily="34" charset="0"/>
+              <a:buChar char="•"/>
+            </a:pPr>
+            <a:r>
+              <a:rPr lang="en-US" dirty="0"/>
+              <a:t>Write BK to the address of FD </a:t>
+            </a:r>
+          </a:p>
+          <a:p>
+            <a:pPr marL="285750" indent="-285750">
+              <a:buFont typeface="Arial" panose="020B0604020202020204" pitchFamily="34" charset="0"/>
+              <a:buChar char="•"/>
+            </a:pPr>
+            <a:r>
+              <a:rPr lang="en-US" dirty="0">
+                <a:solidFill>
+                  <a:srgbClr val="FF0000"/>
+                </a:solidFill>
+              </a:rPr>
+              <a:t>BK + y = FD; 	</a:t>
+            </a:r>
+          </a:p>
+          <a:p>
+            <a:pPr marL="742950" lvl="1" indent="-285750">
+              <a:buFont typeface="Arial" panose="020B0604020202020204" pitchFamily="34" charset="0"/>
+              <a:buChar char="•"/>
+            </a:pPr>
+            <a:r>
+              <a:rPr lang="en-US" dirty="0">
+                <a:solidFill>
+                  <a:srgbClr val="FF0000"/>
+                </a:solidFill>
+              </a:rPr>
+              <a:t>Write FD to the address of BK</a:t>
+            </a:r>
+          </a:p>
+          <a:p>
+            <a:endParaRPr lang="en-US" dirty="0"/>
+          </a:p>
+        </p:txBody>
+      </p:sp>
+      <p:pic>
+        <p:nvPicPr>
+          <p:cNvPr id="9" name="Content Placeholder 8" descr="Unlink last two lines">
+            <a:extLst>
+              <a:ext uri="{FF2B5EF4-FFF2-40B4-BE49-F238E27FC236}">
+                <a16:creationId xmlns:a16="http://schemas.microsoft.com/office/drawing/2014/main" id="{F2A925A2-9E8E-9442-BFAD-A41F23251990}"/>
+              </a:ext>
+            </a:extLst>
+          </p:cNvPr>
+          <p:cNvPicPr>
+            <a:picLocks noGrp="1" noChangeAspect="1"/>
+          </p:cNvPicPr>
+          <p:nvPr>
+            <p:ph idx="1"/>
+          </p:nvPr>
+        </p:nvPicPr>
+        <p:blipFill rotWithShape="1">
+          <a:blip r:embed="rId2"/>
+          <a:srcRect r="47856"/>
+          <a:stretch/>
+        </p:blipFill>
+        <p:spPr>
+          <a:xfrm>
+            <a:off x="516038" y="1152041"/>
+            <a:ext cx="2364137" cy="876300"/>
+          </a:xfrm>
+        </p:spPr>
+      </p:pic>
+      <p:cxnSp>
+        <p:nvCxnSpPr>
+          <p:cNvPr id="6" name="Straight Connector 5">
+            <a:extLst>
+              <a:ext uri="{FF2B5EF4-FFF2-40B4-BE49-F238E27FC236}">
+                <a16:creationId xmlns:a16="http://schemas.microsoft.com/office/drawing/2014/main" id="{CD171E65-600E-2842-B04B-B40AD3C7287B}"/>
+              </a:ext>
+            </a:extLst>
+          </p:cNvPr>
+          <p:cNvCxnSpPr>
+            <a:cxnSpLocks/>
+          </p:cNvCxnSpPr>
+          <p:nvPr/>
+        </p:nvCxnSpPr>
+        <p:spPr>
+          <a:xfrm>
+            <a:off x="705173" y="1648267"/>
+            <a:ext cx="1774556" cy="0"/>
+          </a:xfrm>
+          <a:prstGeom prst="line">
+            <a:avLst/>
+          </a:prstGeom>
+          <a:ln w="25400">
+            <a:solidFill>
+              <a:srgbClr val="FF0000"/>
+            </a:solidFill>
+          </a:ln>
+        </p:spPr>
+        <p:style>
+          <a:lnRef idx="1">
+            <a:schemeClr val="accent1"/>
+          </a:lnRef>
+          <a:fillRef idx="0">
+            <a:schemeClr val="accent1"/>
+          </a:fillRef>
+          <a:effectRef idx="0">
+            <a:schemeClr val="accent1"/>
+          </a:effectRef>
+          <a:fontRef idx="minor">
+            <a:schemeClr val="tx1"/>
+          </a:fontRef>
+        </p:style>
+      </p:cxnSp>
+      <p:pic>
+        <p:nvPicPr>
+          <p:cNvPr id="4" name="Picture 3" descr="A close up of a sign&#10;&#10;Description automatically generated">
+            <a:extLst>
+              <a:ext uri="{FF2B5EF4-FFF2-40B4-BE49-F238E27FC236}">
+                <a16:creationId xmlns:a16="http://schemas.microsoft.com/office/drawing/2014/main" id="{27733851-8AC7-B648-9CC3-08F3D2C31BFE}"/>
+              </a:ext>
+            </a:extLst>
+          </p:cNvPr>
+          <p:cNvPicPr>
+            <a:picLocks noChangeAspect="1"/>
+          </p:cNvPicPr>
+          <p:nvPr/>
+        </p:nvPicPr>
+        <p:blipFill>
+          <a:blip r:embed="rId3"/>
+          <a:stretch>
+            <a:fillRect/>
+          </a:stretch>
+        </p:blipFill>
+        <p:spPr>
+          <a:xfrm>
+            <a:off x="3148509" y="984787"/>
+            <a:ext cx="5366841" cy="2087105"/>
+          </a:xfrm>
+          <a:prstGeom prst="rect">
+            <a:avLst/>
+          </a:prstGeom>
+        </p:spPr>
+      </p:pic>
+    </p:spTree>
+    <p:extLst>
+      <p:ext uri="{BB962C8B-B14F-4D97-AF65-F5344CB8AC3E}">
+        <p14:creationId xmlns:p14="http://schemas.microsoft.com/office/powerpoint/2010/main" val="3001743624"/>
       </p:ext>
     </p:extLst>
   </p:cSld>
@@ -37998,7 +37795,7 @@
           <a:p>
             <a:r>
               <a:rPr lang="en-US" dirty="0"/>
-              <a:t>Code – Edit Backward Pointer</a:t>
+              <a:t>Fake Unlink Pointers</a:t>
             </a:r>
           </a:p>
         </p:txBody>
@@ -38017,8 +37814,8 @@
         </p:nvSpPr>
         <p:spPr>
           <a:xfrm>
-            <a:off x="516038" y="3115160"/>
-            <a:ext cx="5633634" cy="2031325"/>
+            <a:off x="516038" y="3252795"/>
+            <a:ext cx="5633634" cy="646331"/>
           </a:xfrm>
           <a:prstGeom prst="rect">
             <a:avLst/>
@@ -38037,69 +37834,16 @@
             </a:pPr>
             <a:r>
               <a:rPr lang="en-US" dirty="0"/>
-              <a:t>FD is a corrupted pointer (GOT/stack var/etc.) </a:t>
-            </a:r>
-          </a:p>
-          <a:p>
-            <a:pPr marL="285750" indent="-285750">
-              <a:buFont typeface="Arial" panose="020B0604020202020204" pitchFamily="34" charset="0"/>
-              <a:buChar char="•"/>
-            </a:pPr>
+              <a:t>Just going to remove the yellow chunks where the linked list </a:t>
+            </a:r>
+            <a:r>
+              <a:rPr lang="en-US" i="1" dirty="0"/>
+              <a:t>should</a:t>
+            </a:r>
             <a:r>
               <a:rPr lang="en-US" dirty="0"/>
-              <a:t>BK is a corrupted pointer (GOT/stack var/etc.) </a:t>
-            </a:r>
-          </a:p>
-          <a:p>
-            <a:pPr marL="285750" indent="-285750">
-              <a:buFont typeface="Arial" panose="020B0604020202020204" pitchFamily="34" charset="0"/>
-              <a:buChar char="•"/>
-            </a:pPr>
-            <a:r>
-              <a:rPr lang="en-US" dirty="0"/>
-              <a:t>FD + x = BK; </a:t>
-            </a:r>
-          </a:p>
-          <a:p>
-            <a:pPr marL="742950" lvl="1" indent="-285750">
-              <a:buFont typeface="Arial" panose="020B0604020202020204" pitchFamily="34" charset="0"/>
-              <a:buChar char="•"/>
-            </a:pPr>
-            <a:r>
-              <a:rPr lang="en-US" dirty="0"/>
-              <a:t>Write BK to the address of FD </a:t>
-            </a:r>
-          </a:p>
-          <a:p>
-            <a:pPr marL="285750" indent="-285750">
-              <a:buFont typeface="Arial" panose="020B0604020202020204" pitchFamily="34" charset="0"/>
-              <a:buChar char="•"/>
-            </a:pPr>
-            <a:r>
-              <a:rPr lang="en-US" dirty="0">
-                <a:solidFill>
-                  <a:srgbClr val="FF0000"/>
-                </a:solidFill>
-              </a:rPr>
-              <a:t>BK + y = FD; 	</a:t>
-            </a:r>
-          </a:p>
-          <a:p>
-            <a:pPr marL="742950" lvl="1" indent="-285750">
-              <a:buFont typeface="Arial" panose="020B0604020202020204" pitchFamily="34" charset="0"/>
-              <a:buChar char="•"/>
-            </a:pPr>
-            <a:r>
-              <a:rPr lang="en-US" dirty="0">
-                <a:solidFill>
-                  <a:srgbClr val="FF0000"/>
-                </a:solidFill>
-              </a:rPr>
-              <a:t>Write FD to the address of BK</a:t>
-            </a:r>
-          </a:p>
-          <a:p>
-            <a:endParaRPr lang="en-US" dirty="0"/>
+              <a:t> be at</a:t>
+            </a:r>
           </a:p>
         </p:txBody>
       </p:sp>
@@ -38131,55 +37875,12 @@
           </a:xfrm>
         </p:spPr>
       </p:pic>
-      <p:cxnSp>
-        <p:nvCxnSpPr>
-          <p:cNvPr id="6" name="Straight Connector 5">
+      <p:pic>
+        <p:nvPicPr>
+          <p:cNvPr id="4" name="Picture 3" descr="Corrupted Chunk Pointers">
             <a:extLst>
               <a:ext uri="{FF2B5EF4-FFF2-40B4-BE49-F238E27FC236}">
-                <a16:creationId xmlns:a16="http://schemas.microsoft.com/office/drawing/2014/main" id="{CD171E65-600E-2842-B04B-B40AD3C7287B}"/>
-              </a:ext>
-            </a:extLst>
-          </p:cNvPr>
-          <p:cNvCxnSpPr>
-            <a:cxnSpLocks/>
-          </p:cNvCxnSpPr>
-          <p:nvPr/>
-        </p:nvCxnSpPr>
-        <p:spPr>
-          <a:xfrm>
-            <a:off x="705173" y="1648267"/>
-            <a:ext cx="1774556" cy="0"/>
-          </a:xfrm>
-          <a:prstGeom prst="line">
-            <a:avLst/>
-          </a:prstGeom>
-          <a:ln w="25400">
-            <a:solidFill>
-              <a:srgbClr val="FF0000"/>
-            </a:solidFill>
-          </a:ln>
-        </p:spPr>
-        <p:style>
-          <a:lnRef idx="1">
-            <a:schemeClr val="accent1"/>
-          </a:lnRef>
-          <a:fillRef idx="0">
-            <a:schemeClr val="accent1"/>
-          </a:fillRef>
-          <a:effectRef idx="0">
-            <a:schemeClr val="accent1"/>
-          </a:effectRef>
-          <a:fontRef idx="minor">
-            <a:schemeClr val="tx1"/>
-          </a:fontRef>
-        </p:style>
-      </p:cxnSp>
-      <p:pic>
-        <p:nvPicPr>
-          <p:cNvPr id="4" name="Picture 3" descr="A close up of a sign&#10;&#10;Description automatically generated">
-            <a:extLst>
-              <a:ext uri="{FF2B5EF4-FFF2-40B4-BE49-F238E27FC236}">
-                <a16:creationId xmlns:a16="http://schemas.microsoft.com/office/drawing/2014/main" id="{27733851-8AC7-B648-9CC3-08F3D2C31BFE}"/>
+                <a16:creationId xmlns:a16="http://schemas.microsoft.com/office/drawing/2014/main" id="{316973F4-E232-C546-B51D-75456C7F1A1C}"/>
               </a:ext>
             </a:extLst>
           </p:cNvPr>
@@ -38196,8 +37897,8 @@
         </p:blipFill>
         <p:spPr>
           <a:xfrm>
-            <a:off x="3148509" y="984787"/>
-            <a:ext cx="5366841" cy="2087105"/>
+            <a:off x="3225261" y="953683"/>
+            <a:ext cx="5561309" cy="2328798"/>
           </a:xfrm>
           <a:prstGeom prst="rect">
             <a:avLst/>
@@ -38207,7 +37908,7 @@
     </p:spTree>
     <p:extLst>
       <p:ext uri="{BB962C8B-B14F-4D97-AF65-F5344CB8AC3E}">
-        <p14:creationId xmlns:p14="http://schemas.microsoft.com/office/powerpoint/2010/main" val="3001743624"/>
+        <p14:creationId xmlns:p14="http://schemas.microsoft.com/office/powerpoint/2010/main" val="85342651"/>
       </p:ext>
     </p:extLst>
   </p:cSld>
@@ -38608,169 +38309,6 @@
 </file>
 
 <file path=ppt/slides/slide42.xml><?xml version="1.0" encoding="utf-8"?>
-<p:sld xmlns:a="http://schemas.openxmlformats.org/drawingml/2006/main" xmlns:r="http://schemas.openxmlformats.org/officeDocument/2006/relationships" xmlns:p="http://schemas.openxmlformats.org/presentationml/2006/main" show="0">
-  <p:cSld>
-    <p:spTree>
-      <p:nvGrpSpPr>
-        <p:cNvPr id="1" name=""/>
-        <p:cNvGrpSpPr/>
-        <p:nvPr/>
-      </p:nvGrpSpPr>
-      <p:grpSpPr>
-        <a:xfrm>
-          <a:off x="0" y="0"/>
-          <a:ext cx="0" cy="0"/>
-          <a:chOff x="0" y="0"/>
-          <a:chExt cx="0" cy="0"/>
-        </a:xfrm>
-      </p:grpSpPr>
-      <p:sp>
-        <p:nvSpPr>
-          <p:cNvPr id="2" name="Title 1">
-            <a:extLst>
-              <a:ext uri="{FF2B5EF4-FFF2-40B4-BE49-F238E27FC236}">
-                <a16:creationId xmlns:a16="http://schemas.microsoft.com/office/drawing/2014/main" id="{F301ED8F-4787-BB44-A31D-56A8EBB356A6}"/>
-              </a:ext>
-            </a:extLst>
-          </p:cNvPr>
-          <p:cNvSpPr>
-            <a:spLocks noGrp="1"/>
-          </p:cNvSpPr>
-          <p:nvPr>
-            <p:ph type="title"/>
-          </p:nvPr>
-        </p:nvSpPr>
-        <p:spPr/>
-        <p:txBody>
-          <a:bodyPr/>
-          <a:lstStyle/>
-          <a:p>
-            <a:r>
-              <a:rPr lang="en-US" dirty="0"/>
-              <a:t>Fake Unlink Pointers</a:t>
-            </a:r>
-          </a:p>
-        </p:txBody>
-      </p:sp>
-      <p:sp>
-        <p:nvSpPr>
-          <p:cNvPr id="8" name="TextBox 7">
-            <a:extLst>
-              <a:ext uri="{FF2B5EF4-FFF2-40B4-BE49-F238E27FC236}">
-                <a16:creationId xmlns:a16="http://schemas.microsoft.com/office/drawing/2014/main" id="{7276B931-B3EB-6441-AD0F-C781832BC418}"/>
-              </a:ext>
-            </a:extLst>
-          </p:cNvPr>
-          <p:cNvSpPr txBox="1"/>
-          <p:nvPr/>
-        </p:nvSpPr>
-        <p:spPr>
-          <a:xfrm>
-            <a:off x="516038" y="3252795"/>
-            <a:ext cx="5633634" cy="646331"/>
-          </a:xfrm>
-          <a:prstGeom prst="rect">
-            <a:avLst/>
-          </a:prstGeom>
-          <a:noFill/>
-        </p:spPr>
-        <p:txBody>
-          <a:bodyPr wrap="square" rtlCol="0">
-            <a:spAutoFit/>
-          </a:bodyPr>
-          <a:lstStyle/>
-          <a:p>
-            <a:pPr marL="285750" indent="-285750">
-              <a:buFont typeface="Arial" panose="020B0604020202020204" pitchFamily="34" charset="0"/>
-              <a:buChar char="•"/>
-            </a:pPr>
-            <a:r>
-              <a:rPr lang="en-US" dirty="0"/>
-              <a:t>Just going to remove the yellow chunks where the linked list </a:t>
-            </a:r>
-            <a:r>
-              <a:rPr lang="en-US" i="1" dirty="0"/>
-              <a:t>should</a:t>
-            </a:r>
-            <a:r>
-              <a:rPr lang="en-US" dirty="0"/>
-              <a:t> be at</a:t>
-            </a:r>
-          </a:p>
-        </p:txBody>
-      </p:sp>
-      <p:pic>
-        <p:nvPicPr>
-          <p:cNvPr id="9" name="Content Placeholder 8" descr="Unlink last two lines">
-            <a:extLst>
-              <a:ext uri="{FF2B5EF4-FFF2-40B4-BE49-F238E27FC236}">
-                <a16:creationId xmlns:a16="http://schemas.microsoft.com/office/drawing/2014/main" id="{F2A925A2-9E8E-9442-BFAD-A41F23251990}"/>
-              </a:ext>
-            </a:extLst>
-          </p:cNvPr>
-          <p:cNvPicPr>
-            <a:picLocks noGrp="1" noChangeAspect="1"/>
-          </p:cNvPicPr>
-          <p:nvPr>
-            <p:ph idx="1"/>
-          </p:nvPr>
-        </p:nvPicPr>
-        <p:blipFill rotWithShape="1">
-          <a:blip r:embed="rId2"/>
-          <a:srcRect r="47856"/>
-          <a:stretch/>
-        </p:blipFill>
-        <p:spPr>
-          <a:xfrm>
-            <a:off x="516038" y="1152041"/>
-            <a:ext cx="2364137" cy="876300"/>
-          </a:xfrm>
-        </p:spPr>
-      </p:pic>
-      <p:pic>
-        <p:nvPicPr>
-          <p:cNvPr id="4" name="Picture 3" descr="Corrupted Chunk Pointers">
-            <a:extLst>
-              <a:ext uri="{FF2B5EF4-FFF2-40B4-BE49-F238E27FC236}">
-                <a16:creationId xmlns:a16="http://schemas.microsoft.com/office/drawing/2014/main" id="{316973F4-E232-C546-B51D-75456C7F1A1C}"/>
-              </a:ext>
-            </a:extLst>
-          </p:cNvPr>
-          <p:cNvPicPr>
-            <a:picLocks noChangeAspect="1"/>
-          </p:cNvPicPr>
-          <p:nvPr/>
-        </p:nvPicPr>
-        <p:blipFill>
-          <a:blip r:embed="rId3"/>
-          <a:stretch>
-            <a:fillRect/>
-          </a:stretch>
-        </p:blipFill>
-        <p:spPr>
-          <a:xfrm>
-            <a:off x="3225261" y="953683"/>
-            <a:ext cx="5561309" cy="2328798"/>
-          </a:xfrm>
-          <a:prstGeom prst="rect">
-            <a:avLst/>
-          </a:prstGeom>
-        </p:spPr>
-      </p:pic>
-    </p:spTree>
-    <p:extLst>
-      <p:ext uri="{BB962C8B-B14F-4D97-AF65-F5344CB8AC3E}">
-        <p14:creationId xmlns:p14="http://schemas.microsoft.com/office/powerpoint/2010/main" val="85342651"/>
-      </p:ext>
-    </p:extLst>
-  </p:cSld>
-  <p:clrMapOvr>
-    <a:masterClrMapping/>
-  </p:clrMapOvr>
-</p:sld>
-</file>
-
-<file path=ppt/slides/slide43.xml><?xml version="1.0" encoding="utf-8"?>
 <p:sld xmlns:a="http://schemas.openxmlformats.org/drawingml/2006/main" xmlns:r="http://schemas.openxmlformats.org/officeDocument/2006/relationships" xmlns:p="http://schemas.openxmlformats.org/presentationml/2006/main">
   <p:cSld>
     <p:spTree>
@@ -39000,7 +38538,7 @@
 </p:sld>
 </file>
 
-<file path=ppt/slides/slide44.xml><?xml version="1.0" encoding="utf-8"?>
+<file path=ppt/slides/slide43.xml><?xml version="1.0" encoding="utf-8"?>
 <p:sld xmlns:a="http://schemas.openxmlformats.org/drawingml/2006/main" xmlns:r="http://schemas.openxmlformats.org/officeDocument/2006/relationships" xmlns:p="http://schemas.openxmlformats.org/presentationml/2006/main">
   <p:cSld>
     <p:spTree>
@@ -39230,7 +38768,7 @@
 </p:sld>
 </file>
 
-<file path=ppt/slides/slide45.xml><?xml version="1.0" encoding="utf-8"?>
+<file path=ppt/slides/slide44.xml><?xml version="1.0" encoding="utf-8"?>
 <p:sld xmlns:a="http://schemas.openxmlformats.org/drawingml/2006/main" xmlns:r="http://schemas.openxmlformats.org/officeDocument/2006/relationships" xmlns:p="http://schemas.openxmlformats.org/presentationml/2006/main">
   <p:cSld>
     <p:spTree>
@@ -39466,7 +39004,7 @@
 </p:sld>
 </file>
 
-<file path=ppt/slides/slide46.xml><?xml version="1.0" encoding="utf-8"?>
+<file path=ppt/slides/slide45.xml><?xml version="1.0" encoding="utf-8"?>
 <p:sld xmlns:a="http://schemas.openxmlformats.org/drawingml/2006/main" xmlns:r="http://schemas.openxmlformats.org/officeDocument/2006/relationships" xmlns:p="http://schemas.openxmlformats.org/presentationml/2006/main">
   <p:cSld>
     <p:spTree>
@@ -39617,7 +39155,7 @@
 </p:sld>
 </file>
 
-<file path=ppt/slides/slide47.xml><?xml version="1.0" encoding="utf-8"?>
+<file path=ppt/slides/slide46.xml><?xml version="1.0" encoding="utf-8"?>
 <p:sld xmlns:a="http://schemas.openxmlformats.org/drawingml/2006/main" xmlns:r="http://schemas.openxmlformats.org/officeDocument/2006/relationships" xmlns:p="http://schemas.openxmlformats.org/presentationml/2006/main" show="0">
   <p:cSld>
     <p:spTree>
@@ -39806,7 +39344,7 @@
 </p:sld>
 </file>
 
-<file path=ppt/slides/slide48.xml><?xml version="1.0" encoding="utf-8"?>
+<file path=ppt/slides/slide47.xml><?xml version="1.0" encoding="utf-8"?>
 <p:sld xmlns:a="http://schemas.openxmlformats.org/drawingml/2006/main" xmlns:r="http://schemas.openxmlformats.org/officeDocument/2006/relationships" xmlns:p="http://schemas.openxmlformats.org/presentationml/2006/main">
   <p:cSld>
     <p:spTree>
@@ -40048,7 +39586,7 @@
 </p:sld>
 </file>
 
-<file path=ppt/slides/slide49.xml><?xml version="1.0" encoding="utf-8"?>
+<file path=ppt/slides/slide48.xml><?xml version="1.0" encoding="utf-8"?>
 <p:sld xmlns:a="http://schemas.openxmlformats.org/drawingml/2006/main" xmlns:r="http://schemas.openxmlformats.org/officeDocument/2006/relationships" xmlns:p="http://schemas.openxmlformats.org/presentationml/2006/main">
   <p:cSld>
     <p:spTree>
@@ -40266,6 +39804,373 @@
     <p:extLst>
       <p:ext uri="{BB962C8B-B14F-4D97-AF65-F5344CB8AC3E}">
         <p14:creationId xmlns:p14="http://schemas.microsoft.com/office/powerpoint/2010/main" val="1283310742"/>
+      </p:ext>
+    </p:extLst>
+  </p:cSld>
+  <p:clrMapOvr>
+    <a:masterClrMapping/>
+  </p:clrMapOvr>
+</p:sld>
+</file>
+
+<file path=ppt/slides/slide49.xml><?xml version="1.0" encoding="utf-8"?>
+<p:sld xmlns:a="http://schemas.openxmlformats.org/drawingml/2006/main" xmlns:r="http://schemas.openxmlformats.org/officeDocument/2006/relationships" xmlns:p="http://schemas.openxmlformats.org/presentationml/2006/main">
+  <p:cSld>
+    <p:spTree>
+      <p:nvGrpSpPr>
+        <p:cNvPr id="1" name=""/>
+        <p:cNvGrpSpPr/>
+        <p:nvPr/>
+      </p:nvGrpSpPr>
+      <p:grpSpPr>
+        <a:xfrm>
+          <a:off x="0" y="0"/>
+          <a:ext cx="0" cy="0"/>
+          <a:chOff x="0" y="0"/>
+          <a:chExt cx="0" cy="0"/>
+        </a:xfrm>
+      </p:grpSpPr>
+      <p:sp>
+        <p:nvSpPr>
+          <p:cNvPr id="2" name="Title 1">
+            <a:extLst>
+              <a:ext uri="{FF2B5EF4-FFF2-40B4-BE49-F238E27FC236}">
+                <a16:creationId xmlns:a16="http://schemas.microsoft.com/office/drawing/2014/main" id="{F301ED8F-4787-BB44-A31D-56A8EBB356A6}"/>
+              </a:ext>
+            </a:extLst>
+          </p:cNvPr>
+          <p:cNvSpPr>
+            <a:spLocks noGrp="1"/>
+          </p:cNvSpPr>
+          <p:nvPr>
+            <p:ph type="title"/>
+          </p:nvPr>
+        </p:nvSpPr>
+        <p:spPr/>
+        <p:txBody>
+          <a:bodyPr/>
+          <a:lstStyle/>
+          <a:p>
+            <a:r>
+              <a:rPr lang="en-US" dirty="0"/>
+              <a:t>Fake Unlink Pointers</a:t>
+            </a:r>
+          </a:p>
+        </p:txBody>
+      </p:sp>
+      <p:sp>
+        <p:nvSpPr>
+          <p:cNvPr id="8" name="TextBox 7">
+            <a:extLst>
+              <a:ext uri="{FF2B5EF4-FFF2-40B4-BE49-F238E27FC236}">
+                <a16:creationId xmlns:a16="http://schemas.microsoft.com/office/drawing/2014/main" id="{7276B931-B3EB-6441-AD0F-C781832BC418}"/>
+              </a:ext>
+            </a:extLst>
+          </p:cNvPr>
+          <p:cNvSpPr txBox="1"/>
+          <p:nvPr/>
+        </p:nvSpPr>
+        <p:spPr>
+          <a:xfrm>
+            <a:off x="534699" y="3218314"/>
+            <a:ext cx="6127358" cy="1477328"/>
+          </a:xfrm>
+          <a:prstGeom prst="rect">
+            <a:avLst/>
+          </a:prstGeom>
+          <a:noFill/>
+        </p:spPr>
+        <p:txBody>
+          <a:bodyPr wrap="square" rtlCol="0">
+            <a:spAutoFit/>
+          </a:bodyPr>
+          <a:lstStyle/>
+          <a:p>
+            <a:pPr marL="285750" indent="-285750">
+              <a:buFont typeface="Arial" panose="020B0604020202020204" pitchFamily="34" charset="0"/>
+              <a:buChar char="•"/>
+            </a:pPr>
+            <a:r>
+              <a:rPr lang="en-US" dirty="0"/>
+              <a:t>WHERE is a corrupted pointer (GOT entry)</a:t>
+            </a:r>
+          </a:p>
+          <a:p>
+            <a:pPr marL="285750" indent="-285750">
+              <a:buFont typeface="Arial" panose="020B0604020202020204" pitchFamily="34" charset="0"/>
+              <a:buChar char="•"/>
+            </a:pPr>
+            <a:r>
+              <a:rPr lang="en-US" dirty="0"/>
+              <a:t>WHAT is a corrupted pointer (heap, where shellcode lives)</a:t>
+            </a:r>
+          </a:p>
+          <a:p>
+            <a:pPr marL="285750" indent="-285750">
+              <a:buFont typeface="Arial" panose="020B0604020202020204" pitchFamily="34" charset="0"/>
+              <a:buChar char="•"/>
+            </a:pPr>
+            <a:r>
+              <a:rPr lang="en-US" dirty="0"/>
+              <a:t>Set WHERE - 0x18 = WHAT</a:t>
+            </a:r>
+          </a:p>
+          <a:p>
+            <a:pPr marL="742950" lvl="1" indent="-285750">
+              <a:buFont typeface="Arial" panose="020B0604020202020204" pitchFamily="34" charset="0"/>
+              <a:buChar char="•"/>
+            </a:pPr>
+            <a:r>
+              <a:rPr lang="en-US" dirty="0"/>
+              <a:t>Offset is because </a:t>
+            </a:r>
+            <a:r>
+              <a:rPr lang="en-US" i="1" dirty="0"/>
+              <a:t>‘bk’ </a:t>
+            </a:r>
+            <a:r>
+              <a:rPr lang="en-US" dirty="0"/>
+              <a:t>is the fourth element of struct</a:t>
+            </a:r>
+          </a:p>
+          <a:p>
+            <a:pPr marL="742950" lvl="1" indent="-285750">
+              <a:buFont typeface="Arial" panose="020B0604020202020204" pitchFamily="34" charset="0"/>
+              <a:buChar char="•"/>
+            </a:pPr>
+            <a:r>
+              <a:rPr lang="en-US" dirty="0"/>
+              <a:t>Set </a:t>
+            </a:r>
+            <a:r>
+              <a:rPr lang="en-US" i="1" dirty="0"/>
+              <a:t>BK</a:t>
+            </a:r>
+            <a:r>
+              <a:rPr lang="en-US" dirty="0"/>
+              <a:t> to be address of shellcode </a:t>
+            </a:r>
+            <a:r>
+              <a:rPr lang="en-US" dirty="0">
+                <a:sym typeface="Wingdings" pitchFamily="2" charset="2"/>
+              </a:rPr>
+              <a:t> </a:t>
+            </a:r>
+            <a:endParaRPr lang="en-US" dirty="0"/>
+          </a:p>
+        </p:txBody>
+      </p:sp>
+      <p:cxnSp>
+        <p:nvCxnSpPr>
+          <p:cNvPr id="12" name="Straight Connector 11">
+            <a:extLst>
+              <a:ext uri="{FF2B5EF4-FFF2-40B4-BE49-F238E27FC236}">
+                <a16:creationId xmlns:a16="http://schemas.microsoft.com/office/drawing/2014/main" id="{F2AB99D8-6B45-DF4C-ABFE-19E446C9EC91}"/>
+              </a:ext>
+            </a:extLst>
+          </p:cNvPr>
+          <p:cNvCxnSpPr>
+            <a:cxnSpLocks/>
+          </p:cNvCxnSpPr>
+          <p:nvPr/>
+        </p:nvCxnSpPr>
+        <p:spPr>
+          <a:xfrm>
+            <a:off x="1226683" y="4063824"/>
+            <a:ext cx="2123007" cy="0"/>
+          </a:xfrm>
+          <a:prstGeom prst="line">
+            <a:avLst/>
+          </a:prstGeom>
+          <a:ln w="25400">
+            <a:solidFill>
+              <a:srgbClr val="FF0000"/>
+            </a:solidFill>
+          </a:ln>
+        </p:spPr>
+        <p:style>
+          <a:lnRef idx="1">
+            <a:schemeClr val="accent1"/>
+          </a:lnRef>
+          <a:fillRef idx="0">
+            <a:schemeClr val="accent1"/>
+          </a:fillRef>
+          <a:effectRef idx="0">
+            <a:schemeClr val="accent1"/>
+          </a:effectRef>
+          <a:fontRef idx="minor">
+            <a:schemeClr val="tx1"/>
+          </a:fontRef>
+        </p:style>
+      </p:cxnSp>
+      <p:pic>
+        <p:nvPicPr>
+          <p:cNvPr id="4" name="Picture 3" descr="Unlink POC WRITE on the bk of the FD (WHERE) ">
+            <a:extLst>
+              <a:ext uri="{FF2B5EF4-FFF2-40B4-BE49-F238E27FC236}">
+                <a16:creationId xmlns:a16="http://schemas.microsoft.com/office/drawing/2014/main" id="{B1D5C460-03E0-CC45-B51B-FD4ECD0C497A}"/>
+              </a:ext>
+            </a:extLst>
+          </p:cNvPr>
+          <p:cNvPicPr>
+            <a:picLocks noChangeAspect="1"/>
+          </p:cNvPicPr>
+          <p:nvPr/>
+        </p:nvPicPr>
+        <p:blipFill>
+          <a:blip r:embed="rId2"/>
+          <a:stretch>
+            <a:fillRect/>
+          </a:stretch>
+        </p:blipFill>
+        <p:spPr>
+          <a:xfrm>
+            <a:off x="3174093" y="1152041"/>
+            <a:ext cx="5381917" cy="2066272"/>
+          </a:xfrm>
+          <a:prstGeom prst="rect">
+            <a:avLst/>
+          </a:prstGeom>
+        </p:spPr>
+      </p:pic>
+      <p:pic>
+        <p:nvPicPr>
+          <p:cNvPr id="13" name="Picture 12" descr="Unlink WHAT and WHERE">
+            <a:extLst>
+              <a:ext uri="{FF2B5EF4-FFF2-40B4-BE49-F238E27FC236}">
+                <a16:creationId xmlns:a16="http://schemas.microsoft.com/office/drawing/2014/main" id="{74FCEE4C-E3EC-0241-B2FC-F5F723233F31}"/>
+              </a:ext>
+            </a:extLst>
+          </p:cNvPr>
+          <p:cNvPicPr>
+            <a:picLocks noChangeAspect="1"/>
+          </p:cNvPicPr>
+          <p:nvPr/>
+        </p:nvPicPr>
+        <p:blipFill rotWithShape="1">
+          <a:blip r:embed="rId3"/>
+          <a:srcRect l="11066" t="56113" r="43015" b="14925"/>
+          <a:stretch/>
+        </p:blipFill>
+        <p:spPr>
+          <a:xfrm>
+            <a:off x="368602" y="1083267"/>
+            <a:ext cx="2548433" cy="703823"/>
+          </a:xfrm>
+          <a:prstGeom prst="rect">
+            <a:avLst/>
+          </a:prstGeom>
+        </p:spPr>
+      </p:pic>
+      <p:cxnSp>
+        <p:nvCxnSpPr>
+          <p:cNvPr id="10" name="Straight Connector 9">
+            <a:extLst>
+              <a:ext uri="{FF2B5EF4-FFF2-40B4-BE49-F238E27FC236}">
+                <a16:creationId xmlns:a16="http://schemas.microsoft.com/office/drawing/2014/main" id="{F436FA15-5100-A64B-B744-F07369F74153}"/>
+              </a:ext>
+            </a:extLst>
+          </p:cNvPr>
+          <p:cNvCxnSpPr>
+            <a:cxnSpLocks/>
+            <a:endCxn id="13" idx="3"/>
+          </p:cNvCxnSpPr>
+          <p:nvPr/>
+        </p:nvCxnSpPr>
+        <p:spPr>
+          <a:xfrm>
+            <a:off x="380337" y="1416359"/>
+            <a:ext cx="2536698" cy="18820"/>
+          </a:xfrm>
+          <a:prstGeom prst="line">
+            <a:avLst/>
+          </a:prstGeom>
+          <a:ln w="25400">
+            <a:solidFill>
+              <a:srgbClr val="FF0000"/>
+            </a:solidFill>
+          </a:ln>
+        </p:spPr>
+        <p:style>
+          <a:lnRef idx="1">
+            <a:schemeClr val="accent1"/>
+          </a:lnRef>
+          <a:fillRef idx="0">
+            <a:schemeClr val="accent1"/>
+          </a:fillRef>
+          <a:effectRef idx="0">
+            <a:schemeClr val="accent1"/>
+          </a:effectRef>
+          <a:fontRef idx="minor">
+            <a:schemeClr val="tx1"/>
+          </a:fontRef>
+        </p:style>
+      </p:cxnSp>
+      <p:sp>
+        <p:nvSpPr>
+          <p:cNvPr id="9" name="Rectangle 8">
+            <a:extLst>
+              <a:ext uri="{FF2B5EF4-FFF2-40B4-BE49-F238E27FC236}">
+                <a16:creationId xmlns:a16="http://schemas.microsoft.com/office/drawing/2014/main" id="{12AA0716-892C-3998-9690-04660A000C4B}"/>
+              </a:ext>
+            </a:extLst>
+          </p:cNvPr>
+          <p:cNvSpPr/>
+          <p:nvPr/>
+        </p:nvSpPr>
+        <p:spPr>
+          <a:xfrm>
+            <a:off x="5492725" y="1134595"/>
+            <a:ext cx="597358" cy="244982"/>
+          </a:xfrm>
+          <a:prstGeom prst="rect">
+            <a:avLst/>
+          </a:prstGeom>
+          <a:solidFill>
+            <a:schemeClr val="bg1"/>
+          </a:solidFill>
+          <a:ln>
+            <a:solidFill>
+              <a:schemeClr val="bg1"/>
+            </a:solidFill>
+          </a:ln>
+        </p:spPr>
+        <p:style>
+          <a:lnRef idx="2">
+            <a:schemeClr val="accent1">
+              <a:shade val="50000"/>
+            </a:schemeClr>
+          </a:lnRef>
+          <a:fillRef idx="1">
+            <a:schemeClr val="accent1"/>
+          </a:fillRef>
+          <a:effectRef idx="0">
+            <a:schemeClr val="accent1"/>
+          </a:effectRef>
+          <a:fontRef idx="minor">
+            <a:schemeClr val="lt1"/>
+          </a:fontRef>
+        </p:style>
+        <p:txBody>
+          <a:bodyPr rtlCol="0" anchor="ctr"/>
+          <a:lstStyle/>
+          <a:p>
+            <a:pPr algn="ctr"/>
+            <a:r>
+              <a:rPr lang="en-US" sz="2200" b="1" dirty="0">
+                <a:solidFill>
+                  <a:schemeClr val="tx1"/>
+                </a:solidFill>
+              </a:rPr>
+              <a:t>Cur</a:t>
+            </a:r>
+          </a:p>
+        </p:txBody>
+      </p:sp>
+    </p:spTree>
+    <p:extLst>
+      <p:ext uri="{BB962C8B-B14F-4D97-AF65-F5344CB8AC3E}">
+        <p14:creationId xmlns:p14="http://schemas.microsoft.com/office/powerpoint/2010/main" val="1374347619"/>
       </p:ext>
     </p:extLst>
   </p:cSld>
@@ -40703,373 +40608,6 @@
           </a:p>
         </p:txBody>
       </p:sp>
-      <p:sp>
-        <p:nvSpPr>
-          <p:cNvPr id="8" name="TextBox 7">
-            <a:extLst>
-              <a:ext uri="{FF2B5EF4-FFF2-40B4-BE49-F238E27FC236}">
-                <a16:creationId xmlns:a16="http://schemas.microsoft.com/office/drawing/2014/main" id="{7276B931-B3EB-6441-AD0F-C781832BC418}"/>
-              </a:ext>
-            </a:extLst>
-          </p:cNvPr>
-          <p:cNvSpPr txBox="1"/>
-          <p:nvPr/>
-        </p:nvSpPr>
-        <p:spPr>
-          <a:xfrm>
-            <a:off x="534699" y="3218314"/>
-            <a:ext cx="6127358" cy="1477328"/>
-          </a:xfrm>
-          <a:prstGeom prst="rect">
-            <a:avLst/>
-          </a:prstGeom>
-          <a:noFill/>
-        </p:spPr>
-        <p:txBody>
-          <a:bodyPr wrap="square" rtlCol="0">
-            <a:spAutoFit/>
-          </a:bodyPr>
-          <a:lstStyle/>
-          <a:p>
-            <a:pPr marL="285750" indent="-285750">
-              <a:buFont typeface="Arial" panose="020B0604020202020204" pitchFamily="34" charset="0"/>
-              <a:buChar char="•"/>
-            </a:pPr>
-            <a:r>
-              <a:rPr lang="en-US" dirty="0"/>
-              <a:t>WHERE is a corrupted pointer (GOT entry)</a:t>
-            </a:r>
-          </a:p>
-          <a:p>
-            <a:pPr marL="285750" indent="-285750">
-              <a:buFont typeface="Arial" panose="020B0604020202020204" pitchFamily="34" charset="0"/>
-              <a:buChar char="•"/>
-            </a:pPr>
-            <a:r>
-              <a:rPr lang="en-US" dirty="0"/>
-              <a:t>WHAT is a corrupted pointer (heap, where shellcode lives)</a:t>
-            </a:r>
-          </a:p>
-          <a:p>
-            <a:pPr marL="285750" indent="-285750">
-              <a:buFont typeface="Arial" panose="020B0604020202020204" pitchFamily="34" charset="0"/>
-              <a:buChar char="•"/>
-            </a:pPr>
-            <a:r>
-              <a:rPr lang="en-US" dirty="0"/>
-              <a:t>Set WHERE - 0x18 = WHAT</a:t>
-            </a:r>
-          </a:p>
-          <a:p>
-            <a:pPr marL="742950" lvl="1" indent="-285750">
-              <a:buFont typeface="Arial" panose="020B0604020202020204" pitchFamily="34" charset="0"/>
-              <a:buChar char="•"/>
-            </a:pPr>
-            <a:r>
-              <a:rPr lang="en-US" dirty="0"/>
-              <a:t>Offset is because </a:t>
-            </a:r>
-            <a:r>
-              <a:rPr lang="en-US" i="1" dirty="0"/>
-              <a:t>‘bk’ </a:t>
-            </a:r>
-            <a:r>
-              <a:rPr lang="en-US" dirty="0"/>
-              <a:t>is the fourth element of struct</a:t>
-            </a:r>
-          </a:p>
-          <a:p>
-            <a:pPr marL="742950" lvl="1" indent="-285750">
-              <a:buFont typeface="Arial" panose="020B0604020202020204" pitchFamily="34" charset="0"/>
-              <a:buChar char="•"/>
-            </a:pPr>
-            <a:r>
-              <a:rPr lang="en-US" dirty="0"/>
-              <a:t>Set </a:t>
-            </a:r>
-            <a:r>
-              <a:rPr lang="en-US" i="1" dirty="0"/>
-              <a:t>BK</a:t>
-            </a:r>
-            <a:r>
-              <a:rPr lang="en-US" dirty="0"/>
-              <a:t> to be address of shellcode </a:t>
-            </a:r>
-            <a:r>
-              <a:rPr lang="en-US" dirty="0">
-                <a:sym typeface="Wingdings" pitchFamily="2" charset="2"/>
-              </a:rPr>
-              <a:t> </a:t>
-            </a:r>
-            <a:endParaRPr lang="en-US" dirty="0"/>
-          </a:p>
-        </p:txBody>
-      </p:sp>
-      <p:cxnSp>
-        <p:nvCxnSpPr>
-          <p:cNvPr id="12" name="Straight Connector 11">
-            <a:extLst>
-              <a:ext uri="{FF2B5EF4-FFF2-40B4-BE49-F238E27FC236}">
-                <a16:creationId xmlns:a16="http://schemas.microsoft.com/office/drawing/2014/main" id="{F2AB99D8-6B45-DF4C-ABFE-19E446C9EC91}"/>
-              </a:ext>
-            </a:extLst>
-          </p:cNvPr>
-          <p:cNvCxnSpPr>
-            <a:cxnSpLocks/>
-          </p:cNvCxnSpPr>
-          <p:nvPr/>
-        </p:nvCxnSpPr>
-        <p:spPr>
-          <a:xfrm>
-            <a:off x="1226683" y="4063824"/>
-            <a:ext cx="2123007" cy="0"/>
-          </a:xfrm>
-          <a:prstGeom prst="line">
-            <a:avLst/>
-          </a:prstGeom>
-          <a:ln w="25400">
-            <a:solidFill>
-              <a:srgbClr val="FF0000"/>
-            </a:solidFill>
-          </a:ln>
-        </p:spPr>
-        <p:style>
-          <a:lnRef idx="1">
-            <a:schemeClr val="accent1"/>
-          </a:lnRef>
-          <a:fillRef idx="0">
-            <a:schemeClr val="accent1"/>
-          </a:fillRef>
-          <a:effectRef idx="0">
-            <a:schemeClr val="accent1"/>
-          </a:effectRef>
-          <a:fontRef idx="minor">
-            <a:schemeClr val="tx1"/>
-          </a:fontRef>
-        </p:style>
-      </p:cxnSp>
-      <p:pic>
-        <p:nvPicPr>
-          <p:cNvPr id="4" name="Picture 3" descr="Unlink POC WRITE on the bk of the FD (WHERE) ">
-            <a:extLst>
-              <a:ext uri="{FF2B5EF4-FFF2-40B4-BE49-F238E27FC236}">
-                <a16:creationId xmlns:a16="http://schemas.microsoft.com/office/drawing/2014/main" id="{B1D5C460-03E0-CC45-B51B-FD4ECD0C497A}"/>
-              </a:ext>
-            </a:extLst>
-          </p:cNvPr>
-          <p:cNvPicPr>
-            <a:picLocks noChangeAspect="1"/>
-          </p:cNvPicPr>
-          <p:nvPr/>
-        </p:nvPicPr>
-        <p:blipFill>
-          <a:blip r:embed="rId2"/>
-          <a:stretch>
-            <a:fillRect/>
-          </a:stretch>
-        </p:blipFill>
-        <p:spPr>
-          <a:xfrm>
-            <a:off x="3174093" y="1152041"/>
-            <a:ext cx="5381917" cy="2066272"/>
-          </a:xfrm>
-          <a:prstGeom prst="rect">
-            <a:avLst/>
-          </a:prstGeom>
-        </p:spPr>
-      </p:pic>
-      <p:pic>
-        <p:nvPicPr>
-          <p:cNvPr id="13" name="Picture 12" descr="Unlink WHAT and WHERE">
-            <a:extLst>
-              <a:ext uri="{FF2B5EF4-FFF2-40B4-BE49-F238E27FC236}">
-                <a16:creationId xmlns:a16="http://schemas.microsoft.com/office/drawing/2014/main" id="{74FCEE4C-E3EC-0241-B2FC-F5F723233F31}"/>
-              </a:ext>
-            </a:extLst>
-          </p:cNvPr>
-          <p:cNvPicPr>
-            <a:picLocks noChangeAspect="1"/>
-          </p:cNvPicPr>
-          <p:nvPr/>
-        </p:nvPicPr>
-        <p:blipFill rotWithShape="1">
-          <a:blip r:embed="rId3"/>
-          <a:srcRect l="11066" t="56113" r="43015" b="14925"/>
-          <a:stretch/>
-        </p:blipFill>
-        <p:spPr>
-          <a:xfrm>
-            <a:off x="368602" y="1083267"/>
-            <a:ext cx="2548433" cy="703823"/>
-          </a:xfrm>
-          <a:prstGeom prst="rect">
-            <a:avLst/>
-          </a:prstGeom>
-        </p:spPr>
-      </p:pic>
-      <p:cxnSp>
-        <p:nvCxnSpPr>
-          <p:cNvPr id="10" name="Straight Connector 9">
-            <a:extLst>
-              <a:ext uri="{FF2B5EF4-FFF2-40B4-BE49-F238E27FC236}">
-                <a16:creationId xmlns:a16="http://schemas.microsoft.com/office/drawing/2014/main" id="{F436FA15-5100-A64B-B744-F07369F74153}"/>
-              </a:ext>
-            </a:extLst>
-          </p:cNvPr>
-          <p:cNvCxnSpPr>
-            <a:cxnSpLocks/>
-            <a:endCxn id="13" idx="3"/>
-          </p:cNvCxnSpPr>
-          <p:nvPr/>
-        </p:nvCxnSpPr>
-        <p:spPr>
-          <a:xfrm>
-            <a:off x="380337" y="1416359"/>
-            <a:ext cx="2536698" cy="18820"/>
-          </a:xfrm>
-          <a:prstGeom prst="line">
-            <a:avLst/>
-          </a:prstGeom>
-          <a:ln w="25400">
-            <a:solidFill>
-              <a:srgbClr val="FF0000"/>
-            </a:solidFill>
-          </a:ln>
-        </p:spPr>
-        <p:style>
-          <a:lnRef idx="1">
-            <a:schemeClr val="accent1"/>
-          </a:lnRef>
-          <a:fillRef idx="0">
-            <a:schemeClr val="accent1"/>
-          </a:fillRef>
-          <a:effectRef idx="0">
-            <a:schemeClr val="accent1"/>
-          </a:effectRef>
-          <a:fontRef idx="minor">
-            <a:schemeClr val="tx1"/>
-          </a:fontRef>
-        </p:style>
-      </p:cxnSp>
-      <p:sp>
-        <p:nvSpPr>
-          <p:cNvPr id="9" name="Rectangle 8">
-            <a:extLst>
-              <a:ext uri="{FF2B5EF4-FFF2-40B4-BE49-F238E27FC236}">
-                <a16:creationId xmlns:a16="http://schemas.microsoft.com/office/drawing/2014/main" id="{12AA0716-892C-3998-9690-04660A000C4B}"/>
-              </a:ext>
-            </a:extLst>
-          </p:cNvPr>
-          <p:cNvSpPr/>
-          <p:nvPr/>
-        </p:nvSpPr>
-        <p:spPr>
-          <a:xfrm>
-            <a:off x="5492725" y="1134595"/>
-            <a:ext cx="597358" cy="244982"/>
-          </a:xfrm>
-          <a:prstGeom prst="rect">
-            <a:avLst/>
-          </a:prstGeom>
-          <a:solidFill>
-            <a:schemeClr val="bg1"/>
-          </a:solidFill>
-          <a:ln>
-            <a:solidFill>
-              <a:schemeClr val="bg1"/>
-            </a:solidFill>
-          </a:ln>
-        </p:spPr>
-        <p:style>
-          <a:lnRef idx="2">
-            <a:schemeClr val="accent1">
-              <a:shade val="50000"/>
-            </a:schemeClr>
-          </a:lnRef>
-          <a:fillRef idx="1">
-            <a:schemeClr val="accent1"/>
-          </a:fillRef>
-          <a:effectRef idx="0">
-            <a:schemeClr val="accent1"/>
-          </a:effectRef>
-          <a:fontRef idx="minor">
-            <a:schemeClr val="lt1"/>
-          </a:fontRef>
-        </p:style>
-        <p:txBody>
-          <a:bodyPr rtlCol="0" anchor="ctr"/>
-          <a:lstStyle/>
-          <a:p>
-            <a:pPr algn="ctr"/>
-            <a:r>
-              <a:rPr lang="en-US" sz="2200" b="1" dirty="0">
-                <a:solidFill>
-                  <a:schemeClr val="tx1"/>
-                </a:solidFill>
-              </a:rPr>
-              <a:t>Cur</a:t>
-            </a:r>
-          </a:p>
-        </p:txBody>
-      </p:sp>
-    </p:spTree>
-    <p:extLst>
-      <p:ext uri="{BB962C8B-B14F-4D97-AF65-F5344CB8AC3E}">
-        <p14:creationId xmlns:p14="http://schemas.microsoft.com/office/powerpoint/2010/main" val="1374347619"/>
-      </p:ext>
-    </p:extLst>
-  </p:cSld>
-  <p:clrMapOvr>
-    <a:masterClrMapping/>
-  </p:clrMapOvr>
-</p:sld>
-</file>
-
-<file path=ppt/slides/slide51.xml><?xml version="1.0" encoding="utf-8"?>
-<p:sld xmlns:a="http://schemas.openxmlformats.org/drawingml/2006/main" xmlns:r="http://schemas.openxmlformats.org/officeDocument/2006/relationships" xmlns:p="http://schemas.openxmlformats.org/presentationml/2006/main">
-  <p:cSld>
-    <p:spTree>
-      <p:nvGrpSpPr>
-        <p:cNvPr id="1" name=""/>
-        <p:cNvGrpSpPr/>
-        <p:nvPr/>
-      </p:nvGrpSpPr>
-      <p:grpSpPr>
-        <a:xfrm>
-          <a:off x="0" y="0"/>
-          <a:ext cx="0" cy="0"/>
-          <a:chOff x="0" y="0"/>
-          <a:chExt cx="0" cy="0"/>
-        </a:xfrm>
-      </p:grpSpPr>
-      <p:sp>
-        <p:nvSpPr>
-          <p:cNvPr id="2" name="Title 1">
-            <a:extLst>
-              <a:ext uri="{FF2B5EF4-FFF2-40B4-BE49-F238E27FC236}">
-                <a16:creationId xmlns:a16="http://schemas.microsoft.com/office/drawing/2014/main" id="{F301ED8F-4787-BB44-A31D-56A8EBB356A6}"/>
-              </a:ext>
-            </a:extLst>
-          </p:cNvPr>
-          <p:cNvSpPr>
-            <a:spLocks noGrp="1"/>
-          </p:cNvSpPr>
-          <p:nvPr>
-            <p:ph type="title"/>
-          </p:nvPr>
-        </p:nvSpPr>
-        <p:spPr/>
-        <p:txBody>
-          <a:bodyPr/>
-          <a:lstStyle/>
-          <a:p>
-            <a:r>
-              <a:rPr lang="en-US" dirty="0"/>
-              <a:t>Fake Unlink Pointers</a:t>
-            </a:r>
-          </a:p>
-        </p:txBody>
-      </p:sp>
       <p:pic>
         <p:nvPicPr>
           <p:cNvPr id="13" name="Picture 12" descr="Unlink WHAT and WHERE">
@@ -41335,7 +40873,7 @@
 </p:sld>
 </file>
 
-<file path=ppt/slides/slide52.xml><?xml version="1.0" encoding="utf-8"?>
+<file path=ppt/slides/slide51.xml><?xml version="1.0" encoding="utf-8"?>
 <p:sld xmlns:a="http://schemas.openxmlformats.org/drawingml/2006/main" xmlns:r="http://schemas.openxmlformats.org/officeDocument/2006/relationships" xmlns:p="http://schemas.openxmlformats.org/presentationml/2006/main">
   <p:cSld>
     <p:spTree>
@@ -41669,7 +41207,7 @@
 </p:sld>
 </file>
 
-<file path=ppt/slides/slide53.xml><?xml version="1.0" encoding="utf-8"?>
+<file path=ppt/slides/slide52.xml><?xml version="1.0" encoding="utf-8"?>
 <p:sld xmlns:a="http://schemas.openxmlformats.org/drawingml/2006/main" xmlns:r="http://schemas.openxmlformats.org/officeDocument/2006/relationships" xmlns:p="http://schemas.openxmlformats.org/presentationml/2006/main">
   <p:cSld>
     <p:spTree>
@@ -42011,7 +41549,7 @@
 </p:sld>
 </file>
 
-<file path=ppt/slides/slide54.xml><?xml version="1.0" encoding="utf-8"?>
+<file path=ppt/slides/slide53.xml><?xml version="1.0" encoding="utf-8"?>
 <p:sld xmlns:a="http://schemas.openxmlformats.org/drawingml/2006/main" xmlns:r="http://schemas.openxmlformats.org/officeDocument/2006/relationships" xmlns:p="http://schemas.openxmlformats.org/presentationml/2006/main">
   <p:cSld>
     <p:spTree>
@@ -42102,7 +41640,7 @@
 </p:sld>
 </file>
 
-<file path=ppt/slides/slide55.xml><?xml version="1.0" encoding="utf-8"?>
+<file path=ppt/slides/slide54.xml><?xml version="1.0" encoding="utf-8"?>
 <p:sld xmlns:a="http://schemas.openxmlformats.org/drawingml/2006/main" xmlns:r="http://schemas.openxmlformats.org/officeDocument/2006/relationships" xmlns:p="http://schemas.openxmlformats.org/presentationml/2006/main">
   <p:cSld>
     <p:spTree>
@@ -42352,7 +41890,7 @@
 </p:sld>
 </file>
 
-<file path=ppt/slides/slide56.xml><?xml version="1.0" encoding="utf-8"?>
+<file path=ppt/slides/slide55.xml><?xml version="1.0" encoding="utf-8"?>
 <p:sld xmlns:a="http://schemas.openxmlformats.org/drawingml/2006/main" xmlns:r="http://schemas.openxmlformats.org/officeDocument/2006/relationships" xmlns:p="http://schemas.openxmlformats.org/presentationml/2006/main" show="0">
   <p:cSld>
     <p:spTree>
@@ -42531,7 +42069,7 @@
 </p:sld>
 </file>
 
-<file path=ppt/slides/slide57.xml><?xml version="1.0" encoding="utf-8"?>
+<file path=ppt/slides/slide56.xml><?xml version="1.0" encoding="utf-8"?>
 <p:sld xmlns:a="http://schemas.openxmlformats.org/drawingml/2006/main" xmlns:r="http://schemas.openxmlformats.org/officeDocument/2006/relationships" xmlns:p="http://schemas.openxmlformats.org/presentationml/2006/main" show="0">
   <p:cSld>
     <p:spTree>
@@ -42696,7 +42234,7 @@
 </p:sld>
 </file>
 
-<file path=ppt/slides/slide58.xml><?xml version="1.0" encoding="utf-8"?>
+<file path=ppt/slides/slide57.xml><?xml version="1.0" encoding="utf-8"?>
 <p:sld xmlns:a="http://schemas.openxmlformats.org/drawingml/2006/main" xmlns:r="http://schemas.openxmlformats.org/officeDocument/2006/relationships" xmlns:p="http://schemas.openxmlformats.org/presentationml/2006/main" show="0">
   <p:cSld>
     <p:spTree>
@@ -43014,7 +42552,7 @@
 </p:sld>
 </file>
 
-<file path=ppt/slides/slide59.xml><?xml version="1.0" encoding="utf-8"?>
+<file path=ppt/slides/slide58.xml><?xml version="1.0" encoding="utf-8"?>
 <p:sld xmlns:a="http://schemas.openxmlformats.org/drawingml/2006/main" xmlns:r="http://schemas.openxmlformats.org/officeDocument/2006/relationships" xmlns:p="http://schemas.openxmlformats.org/presentationml/2006/main" show="0">
   <p:cSld>
     <p:spTree>
@@ -43253,6 +42791,186 @@
     <p:extLst>
       <p:ext uri="{BB962C8B-B14F-4D97-AF65-F5344CB8AC3E}">
         <p14:creationId xmlns:p14="http://schemas.microsoft.com/office/powerpoint/2010/main" val="1396188317"/>
+      </p:ext>
+    </p:extLst>
+  </p:cSld>
+  <p:clrMapOvr>
+    <a:masterClrMapping/>
+  </p:clrMapOvr>
+</p:sld>
+</file>
+
+<file path=ppt/slides/slide59.xml><?xml version="1.0" encoding="utf-8"?>
+<p:sld xmlns:a="http://schemas.openxmlformats.org/drawingml/2006/main" xmlns:r="http://schemas.openxmlformats.org/officeDocument/2006/relationships" xmlns:p="http://schemas.openxmlformats.org/presentationml/2006/main">
+  <p:cSld>
+    <p:spTree>
+      <p:nvGrpSpPr>
+        <p:cNvPr id="1" name=""/>
+        <p:cNvGrpSpPr/>
+        <p:nvPr/>
+      </p:nvGrpSpPr>
+      <p:grpSpPr>
+        <a:xfrm>
+          <a:off x="0" y="0"/>
+          <a:ext cx="0" cy="0"/>
+          <a:chOff x="0" y="0"/>
+          <a:chExt cx="0" cy="0"/>
+        </a:xfrm>
+      </p:grpSpPr>
+      <p:sp>
+        <p:nvSpPr>
+          <p:cNvPr id="2" name="Title 1">
+            <a:extLst>
+              <a:ext uri="{FF2B5EF4-FFF2-40B4-BE49-F238E27FC236}">
+                <a16:creationId xmlns:a16="http://schemas.microsoft.com/office/drawing/2014/main" id="{50917DE6-522B-CD44-8651-0EA70998F72F}"/>
+              </a:ext>
+            </a:extLst>
+          </p:cNvPr>
+          <p:cNvSpPr>
+            <a:spLocks noGrp="1"/>
+          </p:cNvSpPr>
+          <p:nvPr>
+            <p:ph type="title"/>
+          </p:nvPr>
+        </p:nvSpPr>
+        <p:spPr/>
+        <p:txBody>
+          <a:bodyPr/>
+          <a:lstStyle/>
+          <a:p>
+            <a:r>
+              <a:rPr lang="en-US" dirty="0"/>
+              <a:t>Exercise 2</a:t>
+            </a:r>
+          </a:p>
+        </p:txBody>
+      </p:sp>
+      <p:sp>
+        <p:nvSpPr>
+          <p:cNvPr id="3" name="Content Placeholder 2">
+            <a:extLst>
+              <a:ext uri="{FF2B5EF4-FFF2-40B4-BE49-F238E27FC236}">
+                <a16:creationId xmlns:a16="http://schemas.microsoft.com/office/drawing/2014/main" id="{AA0CA50D-07E6-F54C-86BD-7C069FDC799B}"/>
+              </a:ext>
+            </a:extLst>
+          </p:cNvPr>
+          <p:cNvSpPr>
+            <a:spLocks noGrp="1"/>
+          </p:cNvSpPr>
+          <p:nvPr>
+            <p:ph idx="1"/>
+          </p:nvPr>
+        </p:nvSpPr>
+        <p:spPr>
+          <a:xfrm>
+            <a:off x="628650" y="1236541"/>
+            <a:ext cx="7886700" cy="3783134"/>
+          </a:xfrm>
+        </p:spPr>
+        <p:txBody>
+          <a:bodyPr>
+            <a:normAutofit/>
+          </a:bodyPr>
+          <a:lstStyle/>
+          <a:p>
+            <a:r>
+              <a:rPr lang="en-US" i="1" dirty="0" err="1"/>
+              <a:t>prev_inuse</a:t>
+            </a:r>
+            <a:r>
+              <a:rPr lang="en-US" dirty="0"/>
+              <a:t> bit set to 0 to force a backwards consolidation</a:t>
+            </a:r>
+          </a:p>
+          <a:p>
+            <a:r>
+              <a:rPr lang="en-US" dirty="0"/>
+              <a:t>Everything else is the same as before: </a:t>
+            </a:r>
+          </a:p>
+          <a:p>
+            <a:pPr lvl="1"/>
+            <a:r>
+              <a:rPr lang="en-US" dirty="0"/>
+              <a:t>Writes (offsets) for chunks: </a:t>
+            </a:r>
+          </a:p>
+          <a:p>
+            <a:pPr lvl="2"/>
+            <a:r>
+              <a:rPr lang="en-US" dirty="0"/>
+              <a:t>Fd (offset of 0x10) </a:t>
+            </a:r>
+          </a:p>
+          <a:p>
+            <a:pPr lvl="2"/>
+            <a:r>
+              <a:rPr lang="en-US" dirty="0"/>
+              <a:t>Bk (offset of 0x18) </a:t>
+            </a:r>
+          </a:p>
+          <a:p>
+            <a:pPr lvl="1"/>
+            <a:r>
+              <a:rPr lang="en-US" dirty="0"/>
+              <a:t>Overwrite the </a:t>
+            </a:r>
+            <a:r>
+              <a:rPr lang="en-US" b="1" dirty="0"/>
+              <a:t>GOT</a:t>
+            </a:r>
+            <a:r>
+              <a:rPr lang="en-US" dirty="0"/>
+              <a:t> entry of </a:t>
+            </a:r>
+            <a:r>
+              <a:rPr lang="en-US" b="1" dirty="0"/>
+              <a:t>puts</a:t>
+            </a:r>
+            <a:r>
+              <a:rPr lang="en-US" dirty="0"/>
+              <a:t> or return </a:t>
+            </a:r>
+            <a:r>
+              <a:rPr lang="en-US" b="1" dirty="0"/>
+              <a:t>EIP</a:t>
+            </a:r>
+            <a:endParaRPr lang="en-US" dirty="0"/>
+          </a:p>
+          <a:p>
+            <a:pPr lvl="1"/>
+            <a:r>
+              <a:rPr lang="en-US" dirty="0"/>
+              <a:t>NO memory protections: </a:t>
+            </a:r>
+          </a:p>
+          <a:p>
+            <a:pPr lvl="2"/>
+            <a:r>
+              <a:rPr lang="en-US" dirty="0"/>
+              <a:t>ASLR, RELRO, NX (on stack but not heap).</a:t>
+            </a:r>
+          </a:p>
+          <a:p>
+            <a:pPr lvl="2"/>
+            <a:r>
+              <a:rPr lang="en-US" dirty="0"/>
+              <a:t>Shellcode is already written for you </a:t>
+            </a:r>
+            <a:r>
+              <a:rPr lang="en-US" dirty="0">
+                <a:sym typeface="Wingdings" pitchFamily="2" charset="2"/>
+              </a:rPr>
+              <a:t> </a:t>
+            </a:r>
+            <a:endParaRPr lang="en-US" dirty="0"/>
+          </a:p>
+        </p:txBody>
+      </p:sp>
+    </p:spTree>
+    <p:extLst>
+      <p:ext uri="{BB962C8B-B14F-4D97-AF65-F5344CB8AC3E}">
+        <p14:creationId xmlns:p14="http://schemas.microsoft.com/office/powerpoint/2010/main" val="1271793759"/>
       </p:ext>
     </p:extLst>
   </p:cSld>
@@ -43549,186 +43267,6 @@
 </file>
 
 <file path=ppt/slides/slide60.xml><?xml version="1.0" encoding="utf-8"?>
-<p:sld xmlns:a="http://schemas.openxmlformats.org/drawingml/2006/main" xmlns:r="http://schemas.openxmlformats.org/officeDocument/2006/relationships" xmlns:p="http://schemas.openxmlformats.org/presentationml/2006/main">
-  <p:cSld>
-    <p:spTree>
-      <p:nvGrpSpPr>
-        <p:cNvPr id="1" name=""/>
-        <p:cNvGrpSpPr/>
-        <p:nvPr/>
-      </p:nvGrpSpPr>
-      <p:grpSpPr>
-        <a:xfrm>
-          <a:off x="0" y="0"/>
-          <a:ext cx="0" cy="0"/>
-          <a:chOff x="0" y="0"/>
-          <a:chExt cx="0" cy="0"/>
-        </a:xfrm>
-      </p:grpSpPr>
-      <p:sp>
-        <p:nvSpPr>
-          <p:cNvPr id="2" name="Title 1">
-            <a:extLst>
-              <a:ext uri="{FF2B5EF4-FFF2-40B4-BE49-F238E27FC236}">
-                <a16:creationId xmlns:a16="http://schemas.microsoft.com/office/drawing/2014/main" id="{50917DE6-522B-CD44-8651-0EA70998F72F}"/>
-              </a:ext>
-            </a:extLst>
-          </p:cNvPr>
-          <p:cNvSpPr>
-            <a:spLocks noGrp="1"/>
-          </p:cNvSpPr>
-          <p:nvPr>
-            <p:ph type="title"/>
-          </p:nvPr>
-        </p:nvSpPr>
-        <p:spPr/>
-        <p:txBody>
-          <a:bodyPr/>
-          <a:lstStyle/>
-          <a:p>
-            <a:r>
-              <a:rPr lang="en-US" dirty="0"/>
-              <a:t>Exercise 2</a:t>
-            </a:r>
-          </a:p>
-        </p:txBody>
-      </p:sp>
-      <p:sp>
-        <p:nvSpPr>
-          <p:cNvPr id="3" name="Content Placeholder 2">
-            <a:extLst>
-              <a:ext uri="{FF2B5EF4-FFF2-40B4-BE49-F238E27FC236}">
-                <a16:creationId xmlns:a16="http://schemas.microsoft.com/office/drawing/2014/main" id="{AA0CA50D-07E6-F54C-86BD-7C069FDC799B}"/>
-              </a:ext>
-            </a:extLst>
-          </p:cNvPr>
-          <p:cNvSpPr>
-            <a:spLocks noGrp="1"/>
-          </p:cNvSpPr>
-          <p:nvPr>
-            <p:ph idx="1"/>
-          </p:nvPr>
-        </p:nvSpPr>
-        <p:spPr>
-          <a:xfrm>
-            <a:off x="628650" y="1236541"/>
-            <a:ext cx="7886700" cy="3783134"/>
-          </a:xfrm>
-        </p:spPr>
-        <p:txBody>
-          <a:bodyPr>
-            <a:normAutofit/>
-          </a:bodyPr>
-          <a:lstStyle/>
-          <a:p>
-            <a:r>
-              <a:rPr lang="en-US" i="1" dirty="0" err="1"/>
-              <a:t>prev_inuse</a:t>
-            </a:r>
-            <a:r>
-              <a:rPr lang="en-US" dirty="0"/>
-              <a:t> bit set to 0 to force a backwards consolidation</a:t>
-            </a:r>
-          </a:p>
-          <a:p>
-            <a:r>
-              <a:rPr lang="en-US" dirty="0"/>
-              <a:t>Everything else is the same as before: </a:t>
-            </a:r>
-          </a:p>
-          <a:p>
-            <a:pPr lvl="1"/>
-            <a:r>
-              <a:rPr lang="en-US" dirty="0"/>
-              <a:t>Writes (offsets) for chunks: </a:t>
-            </a:r>
-          </a:p>
-          <a:p>
-            <a:pPr lvl="2"/>
-            <a:r>
-              <a:rPr lang="en-US" dirty="0"/>
-              <a:t>Fd (offset of 0x10) </a:t>
-            </a:r>
-          </a:p>
-          <a:p>
-            <a:pPr lvl="2"/>
-            <a:r>
-              <a:rPr lang="en-US" dirty="0"/>
-              <a:t>Bk (offset of 0x18) </a:t>
-            </a:r>
-          </a:p>
-          <a:p>
-            <a:pPr lvl="1"/>
-            <a:r>
-              <a:rPr lang="en-US" dirty="0"/>
-              <a:t>Overwrite the </a:t>
-            </a:r>
-            <a:r>
-              <a:rPr lang="en-US" b="1" dirty="0"/>
-              <a:t>GOT</a:t>
-            </a:r>
-            <a:r>
-              <a:rPr lang="en-US" dirty="0"/>
-              <a:t> entry of </a:t>
-            </a:r>
-            <a:r>
-              <a:rPr lang="en-US" b="1" dirty="0"/>
-              <a:t>puts</a:t>
-            </a:r>
-            <a:r>
-              <a:rPr lang="en-US" dirty="0"/>
-              <a:t> or return </a:t>
-            </a:r>
-            <a:r>
-              <a:rPr lang="en-US" b="1" dirty="0"/>
-              <a:t>EIP</a:t>
-            </a:r>
-            <a:endParaRPr lang="en-US" dirty="0"/>
-          </a:p>
-          <a:p>
-            <a:pPr lvl="1"/>
-            <a:r>
-              <a:rPr lang="en-US" dirty="0"/>
-              <a:t>NO memory protections: </a:t>
-            </a:r>
-          </a:p>
-          <a:p>
-            <a:pPr lvl="2"/>
-            <a:r>
-              <a:rPr lang="en-US" dirty="0"/>
-              <a:t>ASLR, RELRO, NX (on stack but not heap).</a:t>
-            </a:r>
-          </a:p>
-          <a:p>
-            <a:pPr lvl="2"/>
-            <a:r>
-              <a:rPr lang="en-US" dirty="0"/>
-              <a:t>Shellcode is already written for you </a:t>
-            </a:r>
-            <a:r>
-              <a:rPr lang="en-US" dirty="0">
-                <a:sym typeface="Wingdings" pitchFamily="2" charset="2"/>
-              </a:rPr>
-              <a:t> </a:t>
-            </a:r>
-            <a:endParaRPr lang="en-US" dirty="0"/>
-          </a:p>
-        </p:txBody>
-      </p:sp>
-    </p:spTree>
-    <p:extLst>
-      <p:ext uri="{BB962C8B-B14F-4D97-AF65-F5344CB8AC3E}">
-        <p14:creationId xmlns:p14="http://schemas.microsoft.com/office/powerpoint/2010/main" val="1271793759"/>
-      </p:ext>
-    </p:extLst>
-  </p:cSld>
-  <p:clrMapOvr>
-    <a:masterClrMapping/>
-  </p:clrMapOvr>
-</p:sld>
-</file>
-
-<file path=ppt/slides/slide61.xml><?xml version="1.0" encoding="utf-8"?>
 <p:sld xmlns:a="http://schemas.openxmlformats.org/drawingml/2006/main" xmlns:r="http://schemas.openxmlformats.org/officeDocument/2006/relationships" xmlns:p="http://schemas.openxmlformats.org/presentationml/2006/main">
   <p:cSld>
     <p:spTree>
@@ -44071,7 +43609,7 @@
 </p:sld>
 </file>
 
-<file path=ppt/slides/slide62.xml><?xml version="1.0" encoding="utf-8"?>
+<file path=ppt/slides/slide61.xml><?xml version="1.0" encoding="utf-8"?>
 <p:sld xmlns:a="http://schemas.openxmlformats.org/drawingml/2006/main" xmlns:r="http://schemas.openxmlformats.org/officeDocument/2006/relationships" xmlns:p="http://schemas.openxmlformats.org/presentationml/2006/main">
   <p:cSld>
     <p:spTree>
@@ -44162,7 +43700,7 @@
 </p:sld>
 </file>
 
-<file path=ppt/slides/slide63.xml><?xml version="1.0" encoding="utf-8"?>
+<file path=ppt/slides/slide62.xml><?xml version="1.0" encoding="utf-8"?>
 <p:sld xmlns:a="http://schemas.openxmlformats.org/drawingml/2006/main" xmlns:r="http://schemas.openxmlformats.org/officeDocument/2006/relationships" xmlns:p="http://schemas.openxmlformats.org/presentationml/2006/main">
   <p:cSld>
     <p:spTree>
@@ -44421,7 +43959,7 @@
 </p:sld>
 </file>
 
-<file path=ppt/slides/slide64.xml><?xml version="1.0" encoding="utf-8"?>
+<file path=ppt/slides/slide63.xml><?xml version="1.0" encoding="utf-8"?>
 <p:sld xmlns:a="http://schemas.openxmlformats.org/drawingml/2006/main" xmlns:r="http://schemas.openxmlformats.org/officeDocument/2006/relationships" xmlns:p="http://schemas.openxmlformats.org/presentationml/2006/main">
   <p:cSld>
     <p:spTree>
@@ -44654,7 +44192,7 @@
 </p:sld>
 </file>
 
-<file path=ppt/slides/slide65.xml><?xml version="1.0" encoding="utf-8"?>
+<file path=ppt/slides/slide64.xml><?xml version="1.0" encoding="utf-8"?>
 <p:sld xmlns:a="http://schemas.openxmlformats.org/drawingml/2006/main" xmlns:r="http://schemas.openxmlformats.org/officeDocument/2006/relationships" xmlns:p="http://schemas.openxmlformats.org/presentationml/2006/main">
   <p:cSld>
     <p:spTree>
@@ -44750,7 +44288,7 @@
 </p:sld>
 </file>
 
-<file path=ppt/slides/slide66.xml><?xml version="1.0" encoding="utf-8"?>
+<file path=ppt/slides/slide65.xml><?xml version="1.0" encoding="utf-8"?>
 <p:sld xmlns:a="http://schemas.openxmlformats.org/drawingml/2006/main" xmlns:r="http://schemas.openxmlformats.org/officeDocument/2006/relationships" xmlns:p="http://schemas.openxmlformats.org/presentationml/2006/main">
   <p:cSld>
     <p:spTree>
@@ -44986,197 +44524,7 @@
 </p:sld>
 </file>
 
-<file path=ppt/slides/slide67.xml><?xml version="1.0" encoding="utf-8"?>
-<p:sld xmlns:a="http://schemas.openxmlformats.org/drawingml/2006/main" xmlns:r="http://schemas.openxmlformats.org/officeDocument/2006/relationships" xmlns:p="http://schemas.openxmlformats.org/presentationml/2006/main" show="0">
-  <p:cSld>
-    <p:spTree>
-      <p:nvGrpSpPr>
-        <p:cNvPr id="1" name=""/>
-        <p:cNvGrpSpPr/>
-        <p:nvPr/>
-      </p:nvGrpSpPr>
-      <p:grpSpPr>
-        <a:xfrm>
-          <a:off x="0" y="0"/>
-          <a:ext cx="0" cy="0"/>
-          <a:chOff x="0" y="0"/>
-          <a:chExt cx="0" cy="0"/>
-        </a:xfrm>
-      </p:grpSpPr>
-      <p:sp>
-        <p:nvSpPr>
-          <p:cNvPr id="2" name="Title 1">
-            <a:extLst>
-              <a:ext uri="{FF2B5EF4-FFF2-40B4-BE49-F238E27FC236}">
-                <a16:creationId xmlns:a16="http://schemas.microsoft.com/office/drawing/2014/main" id="{F301ED8F-4787-BB44-A31D-56A8EBB356A6}"/>
-              </a:ext>
-            </a:extLst>
-          </p:cNvPr>
-          <p:cNvSpPr>
-            <a:spLocks noGrp="1"/>
-          </p:cNvSpPr>
-          <p:nvPr>
-            <p:ph type="title"/>
-          </p:nvPr>
-        </p:nvSpPr>
-        <p:spPr/>
-        <p:txBody>
-          <a:bodyPr/>
-          <a:lstStyle/>
-          <a:p>
-            <a:r>
-              <a:rPr lang="en-US" dirty="0"/>
-              <a:t>Fake Unlink Pointers</a:t>
-            </a:r>
-          </a:p>
-        </p:txBody>
-      </p:sp>
-      <p:sp>
-        <p:nvSpPr>
-          <p:cNvPr id="8" name="TextBox 7">
-            <a:extLst>
-              <a:ext uri="{FF2B5EF4-FFF2-40B4-BE49-F238E27FC236}">
-                <a16:creationId xmlns:a16="http://schemas.microsoft.com/office/drawing/2014/main" id="{7276B931-B3EB-6441-AD0F-C781832BC418}"/>
-              </a:ext>
-            </a:extLst>
-          </p:cNvPr>
-          <p:cNvSpPr txBox="1"/>
-          <p:nvPr/>
-        </p:nvSpPr>
-        <p:spPr>
-          <a:xfrm>
-            <a:off x="516038" y="3252795"/>
-            <a:ext cx="5633634" cy="646331"/>
-          </a:xfrm>
-          <a:prstGeom prst="rect">
-            <a:avLst/>
-          </a:prstGeom>
-          <a:noFill/>
-        </p:spPr>
-        <p:txBody>
-          <a:bodyPr wrap="square" rtlCol="0">
-            <a:spAutoFit/>
-          </a:bodyPr>
-          <a:lstStyle/>
-          <a:p>
-            <a:pPr marL="285750" indent="-285750">
-              <a:buFont typeface="Arial" panose="020B0604020202020204" pitchFamily="34" charset="0"/>
-              <a:buChar char="•"/>
-            </a:pPr>
-            <a:r>
-              <a:rPr lang="en-US" dirty="0"/>
-              <a:t>Just going to remove the yellow chunks where the linked list </a:t>
-            </a:r>
-            <a:r>
-              <a:rPr lang="en-US" i="1" dirty="0"/>
-              <a:t>should</a:t>
-            </a:r>
-            <a:r>
-              <a:rPr lang="en-US" dirty="0"/>
-              <a:t> be at</a:t>
-            </a:r>
-          </a:p>
-        </p:txBody>
-      </p:sp>
-      <p:pic>
-        <p:nvPicPr>
-          <p:cNvPr id="4" name="Picture 3" descr="Corrupted Chunk Pointers">
-            <a:extLst>
-              <a:ext uri="{FF2B5EF4-FFF2-40B4-BE49-F238E27FC236}">
-                <a16:creationId xmlns:a16="http://schemas.microsoft.com/office/drawing/2014/main" id="{316973F4-E232-C546-B51D-75456C7F1A1C}"/>
-              </a:ext>
-            </a:extLst>
-          </p:cNvPr>
-          <p:cNvPicPr>
-            <a:picLocks noChangeAspect="1"/>
-          </p:cNvPicPr>
-          <p:nvPr/>
-        </p:nvPicPr>
-        <p:blipFill>
-          <a:blip r:embed="rId2"/>
-          <a:stretch>
-            <a:fillRect/>
-          </a:stretch>
-        </p:blipFill>
-        <p:spPr>
-          <a:xfrm>
-            <a:off x="3225261" y="953683"/>
-            <a:ext cx="5561309" cy="2328798"/>
-          </a:xfrm>
-          <a:prstGeom prst="rect">
-            <a:avLst/>
-          </a:prstGeom>
-        </p:spPr>
-      </p:pic>
-      <p:sp>
-        <p:nvSpPr>
-          <p:cNvPr id="5" name="Content Placeholder 4">
-            <a:extLst>
-              <a:ext uri="{FF2B5EF4-FFF2-40B4-BE49-F238E27FC236}">
-                <a16:creationId xmlns:a16="http://schemas.microsoft.com/office/drawing/2014/main" id="{275A6550-33A3-1541-987A-8F52F0DF3A39}"/>
-              </a:ext>
-            </a:extLst>
-          </p:cNvPr>
-          <p:cNvSpPr>
-            <a:spLocks noGrp="1"/>
-          </p:cNvSpPr>
-          <p:nvPr>
-            <p:ph idx="1"/>
-          </p:nvPr>
-        </p:nvSpPr>
-        <p:spPr/>
-        <p:txBody>
-          <a:bodyPr/>
-          <a:lstStyle/>
-          <a:p>
-            <a:endParaRPr lang="en-US" dirty="0"/>
-          </a:p>
-        </p:txBody>
-      </p:sp>
-      <p:pic>
-        <p:nvPicPr>
-          <p:cNvPr id="10" name="Picture 9" descr="Unlink WHAT and WHERE sub">
-            <a:extLst>
-              <a:ext uri="{FF2B5EF4-FFF2-40B4-BE49-F238E27FC236}">
-                <a16:creationId xmlns:a16="http://schemas.microsoft.com/office/drawing/2014/main" id="{C95D097B-7CE4-7F4E-8C89-5ABEA417DA40}"/>
-              </a:ext>
-            </a:extLst>
-          </p:cNvPr>
-          <p:cNvPicPr>
-            <a:picLocks noChangeAspect="1"/>
-          </p:cNvPicPr>
-          <p:nvPr/>
-        </p:nvPicPr>
-        <p:blipFill>
-          <a:blip r:embed="rId3"/>
-          <a:stretch>
-            <a:fillRect/>
-          </a:stretch>
-        </p:blipFill>
-        <p:spPr>
-          <a:xfrm>
-            <a:off x="145504" y="967376"/>
-            <a:ext cx="3008244" cy="1317219"/>
-          </a:xfrm>
-          <a:prstGeom prst="rect">
-            <a:avLst/>
-          </a:prstGeom>
-        </p:spPr>
-      </p:pic>
-    </p:spTree>
-    <p:extLst>
-      <p:ext uri="{BB962C8B-B14F-4D97-AF65-F5344CB8AC3E}">
-        <p14:creationId xmlns:p14="http://schemas.microsoft.com/office/powerpoint/2010/main" val="837915121"/>
-      </p:ext>
-    </p:extLst>
-  </p:cSld>
-  <p:clrMapOvr>
-    <a:masterClrMapping/>
-  </p:clrMapOvr>
-</p:sld>
-</file>
-
-<file path=ppt/slides/slide68.xml><?xml version="1.0" encoding="utf-8"?>
+<file path=ppt/slides/slide66.xml><?xml version="1.0" encoding="utf-8"?>
 <p:sld xmlns:a="http://schemas.openxmlformats.org/drawingml/2006/main" xmlns:r="http://schemas.openxmlformats.org/officeDocument/2006/relationships" xmlns:p="http://schemas.openxmlformats.org/presentationml/2006/main">
   <p:cSld>
     <p:spTree>
@@ -45418,7 +44766,7 @@
 </p:sld>
 </file>
 
-<file path=ppt/slides/slide69.xml><?xml version="1.0" encoding="utf-8"?>
+<file path=ppt/slides/slide67.xml><?xml version="1.0" encoding="utf-8"?>
 <p:sld xmlns:a="http://schemas.openxmlformats.org/drawingml/2006/main" xmlns:r="http://schemas.openxmlformats.org/officeDocument/2006/relationships" xmlns:p="http://schemas.openxmlformats.org/presentationml/2006/main">
   <p:cSld>
     <p:spTree>
@@ -45645,103 +44993,7 @@
 </p:sld>
 </file>
 
-<file path=ppt/slides/slide7.xml><?xml version="1.0" encoding="utf-8"?>
-<p:sld xmlns:a="http://schemas.openxmlformats.org/drawingml/2006/main" xmlns:r="http://schemas.openxmlformats.org/officeDocument/2006/relationships" xmlns:p="http://schemas.openxmlformats.org/presentationml/2006/main">
-  <p:cSld>
-    <p:spTree>
-      <p:nvGrpSpPr>
-        <p:cNvPr id="1" name=""/>
-        <p:cNvGrpSpPr/>
-        <p:nvPr/>
-      </p:nvGrpSpPr>
-      <p:grpSpPr>
-        <a:xfrm>
-          <a:off x="0" y="0"/>
-          <a:ext cx="0" cy="0"/>
-          <a:chOff x="0" y="0"/>
-          <a:chExt cx="0" cy="0"/>
-        </a:xfrm>
-      </p:grpSpPr>
-      <p:sp>
-        <p:nvSpPr>
-          <p:cNvPr id="2" name="Title 1">
-            <a:extLst>
-              <a:ext uri="{FF2B5EF4-FFF2-40B4-BE49-F238E27FC236}">
-                <a16:creationId xmlns:a16="http://schemas.microsoft.com/office/drawing/2014/main" id="{9FE9DBD8-DB8B-7D49-8DC2-F4DB58CD55DE}"/>
-              </a:ext>
-            </a:extLst>
-          </p:cNvPr>
-          <p:cNvSpPr>
-            <a:spLocks noGrp="1"/>
-          </p:cNvSpPr>
-          <p:nvPr>
-            <p:ph type="title"/>
-          </p:nvPr>
-        </p:nvSpPr>
-        <p:spPr>
-          <a:xfrm>
-            <a:off x="628650" y="273847"/>
-            <a:ext cx="7886700" cy="994172"/>
-          </a:xfrm>
-        </p:spPr>
-        <p:txBody>
-          <a:bodyPr anchor="ctr">
-            <a:normAutofit/>
-          </a:bodyPr>
-          <a:lstStyle/>
-          <a:p>
-            <a:r>
-              <a:rPr lang="en-US"/>
-              <a:t>Consolidation </a:t>
-            </a:r>
-          </a:p>
-        </p:txBody>
-      </p:sp>
-      <p:graphicFrame>
-        <p:nvGraphicFramePr>
-          <p:cNvPr id="12" name="Content Placeholder 3">
-            <a:extLst>
-              <a:ext uri="{FF2B5EF4-FFF2-40B4-BE49-F238E27FC236}">
-                <a16:creationId xmlns:a16="http://schemas.microsoft.com/office/drawing/2014/main" id="{7A40F2FF-8E3D-4578-9B16-3CB16A6541A1}"/>
-              </a:ext>
-            </a:extLst>
-          </p:cNvPr>
-          <p:cNvGraphicFramePr>
-            <a:graphicFrameLocks noGrp="1"/>
-          </p:cNvGraphicFramePr>
-          <p:nvPr>
-            <p:ph idx="1"/>
-            <p:extLst>
-              <p:ext uri="{D42A27DB-BD31-4B8C-83A1-F6EECF244321}">
-                <p14:modId xmlns:p14="http://schemas.microsoft.com/office/powerpoint/2010/main" val="2885620417"/>
-              </p:ext>
-            </p:extLst>
-          </p:nvPr>
-        </p:nvGraphicFramePr>
-        <p:xfrm>
-          <a:off x="628650" y="1236541"/>
-          <a:ext cx="7886700" cy="3263504"/>
-        </p:xfrm>
-        <a:graphic>
-          <a:graphicData uri="http://schemas.openxmlformats.org/drawingml/2006/diagram">
-            <dgm:relIds xmlns:dgm="http://schemas.openxmlformats.org/drawingml/2006/diagram" xmlns:r="http://schemas.openxmlformats.org/officeDocument/2006/relationships" r:dm="rId2" r:lo="rId3" r:qs="rId4" r:cs="rId5"/>
-          </a:graphicData>
-        </a:graphic>
-      </p:graphicFrame>
-    </p:spTree>
-    <p:extLst>
-      <p:ext uri="{BB962C8B-B14F-4D97-AF65-F5344CB8AC3E}">
-        <p14:creationId xmlns:p14="http://schemas.microsoft.com/office/powerpoint/2010/main" val="3016325248"/>
-      </p:ext>
-    </p:extLst>
-  </p:cSld>
-  <p:clrMapOvr>
-    <a:masterClrMapping/>
-  </p:clrMapOvr>
-</p:sld>
-</file>
-
-<file path=ppt/slides/slide70.xml><?xml version="1.0" encoding="utf-8"?>
+<file path=ppt/slides/slide68.xml><?xml version="1.0" encoding="utf-8"?>
 <p:sld xmlns:a="http://schemas.openxmlformats.org/drawingml/2006/main" xmlns:r="http://schemas.openxmlformats.org/officeDocument/2006/relationships" xmlns:p="http://schemas.openxmlformats.org/presentationml/2006/main">
   <p:cSld>
     <p:spTree>
@@ -46108,7 +45360,7 @@
 </p:sld>
 </file>
 
-<file path=ppt/slides/slide71.xml><?xml version="1.0" encoding="utf-8"?>
+<file path=ppt/slides/slide69.xml><?xml version="1.0" encoding="utf-8"?>
 <p:sld xmlns:a="http://schemas.openxmlformats.org/drawingml/2006/main" xmlns:r="http://schemas.openxmlformats.org/officeDocument/2006/relationships" xmlns:p="http://schemas.openxmlformats.org/presentationml/2006/main">
   <p:cSld>
     <p:spTree>
@@ -46418,7 +45670,103 @@
 </p:sld>
 </file>
 
-<file path=ppt/slides/slide72.xml><?xml version="1.0" encoding="utf-8"?>
+<file path=ppt/slides/slide7.xml><?xml version="1.0" encoding="utf-8"?>
+<p:sld xmlns:a="http://schemas.openxmlformats.org/drawingml/2006/main" xmlns:r="http://schemas.openxmlformats.org/officeDocument/2006/relationships" xmlns:p="http://schemas.openxmlformats.org/presentationml/2006/main">
+  <p:cSld>
+    <p:spTree>
+      <p:nvGrpSpPr>
+        <p:cNvPr id="1" name=""/>
+        <p:cNvGrpSpPr/>
+        <p:nvPr/>
+      </p:nvGrpSpPr>
+      <p:grpSpPr>
+        <a:xfrm>
+          <a:off x="0" y="0"/>
+          <a:ext cx="0" cy="0"/>
+          <a:chOff x="0" y="0"/>
+          <a:chExt cx="0" cy="0"/>
+        </a:xfrm>
+      </p:grpSpPr>
+      <p:sp>
+        <p:nvSpPr>
+          <p:cNvPr id="2" name="Title 1">
+            <a:extLst>
+              <a:ext uri="{FF2B5EF4-FFF2-40B4-BE49-F238E27FC236}">
+                <a16:creationId xmlns:a16="http://schemas.microsoft.com/office/drawing/2014/main" id="{9FE9DBD8-DB8B-7D49-8DC2-F4DB58CD55DE}"/>
+              </a:ext>
+            </a:extLst>
+          </p:cNvPr>
+          <p:cNvSpPr>
+            <a:spLocks noGrp="1"/>
+          </p:cNvSpPr>
+          <p:nvPr>
+            <p:ph type="title"/>
+          </p:nvPr>
+        </p:nvSpPr>
+        <p:spPr>
+          <a:xfrm>
+            <a:off x="628650" y="273847"/>
+            <a:ext cx="7886700" cy="994172"/>
+          </a:xfrm>
+        </p:spPr>
+        <p:txBody>
+          <a:bodyPr anchor="ctr">
+            <a:normAutofit/>
+          </a:bodyPr>
+          <a:lstStyle/>
+          <a:p>
+            <a:r>
+              <a:rPr lang="en-US"/>
+              <a:t>Consolidation </a:t>
+            </a:r>
+          </a:p>
+        </p:txBody>
+      </p:sp>
+      <p:graphicFrame>
+        <p:nvGraphicFramePr>
+          <p:cNvPr id="12" name="Content Placeholder 3">
+            <a:extLst>
+              <a:ext uri="{FF2B5EF4-FFF2-40B4-BE49-F238E27FC236}">
+                <a16:creationId xmlns:a16="http://schemas.microsoft.com/office/drawing/2014/main" id="{7A40F2FF-8E3D-4578-9B16-3CB16A6541A1}"/>
+              </a:ext>
+            </a:extLst>
+          </p:cNvPr>
+          <p:cNvGraphicFramePr>
+            <a:graphicFrameLocks noGrp="1"/>
+          </p:cNvGraphicFramePr>
+          <p:nvPr>
+            <p:ph idx="1"/>
+            <p:extLst>
+              <p:ext uri="{D42A27DB-BD31-4B8C-83A1-F6EECF244321}">
+                <p14:modId xmlns:p14="http://schemas.microsoft.com/office/powerpoint/2010/main" val="2885620417"/>
+              </p:ext>
+            </p:extLst>
+          </p:nvPr>
+        </p:nvGraphicFramePr>
+        <p:xfrm>
+          <a:off x="628650" y="1236541"/>
+          <a:ext cx="7886700" cy="3263504"/>
+        </p:xfrm>
+        <a:graphic>
+          <a:graphicData uri="http://schemas.openxmlformats.org/drawingml/2006/diagram">
+            <dgm:relIds xmlns:dgm="http://schemas.openxmlformats.org/drawingml/2006/diagram" xmlns:r="http://schemas.openxmlformats.org/officeDocument/2006/relationships" r:dm="rId2" r:lo="rId3" r:qs="rId4" r:cs="rId5"/>
+          </a:graphicData>
+        </a:graphic>
+      </p:graphicFrame>
+    </p:spTree>
+    <p:extLst>
+      <p:ext uri="{BB962C8B-B14F-4D97-AF65-F5344CB8AC3E}">
+        <p14:creationId xmlns:p14="http://schemas.microsoft.com/office/powerpoint/2010/main" val="3016325248"/>
+      </p:ext>
+    </p:extLst>
+  </p:cSld>
+  <p:clrMapOvr>
+    <a:masterClrMapping/>
+  </p:clrMapOvr>
+</p:sld>
+</file>
+
+<file path=ppt/slides/slide70.xml><?xml version="1.0" encoding="utf-8"?>
 <p:sld xmlns:a="http://schemas.openxmlformats.org/drawingml/2006/main" xmlns:r="http://schemas.openxmlformats.org/officeDocument/2006/relationships" xmlns:p="http://schemas.openxmlformats.org/presentationml/2006/main">
   <p:cSld>
     <p:spTree>
@@ -46752,7 +46100,7 @@
 </p:sld>
 </file>
 
-<file path=ppt/slides/slide73.xml><?xml version="1.0" encoding="utf-8"?>
+<file path=ppt/slides/slide71.xml><?xml version="1.0" encoding="utf-8"?>
 <p:sld xmlns:a="http://schemas.openxmlformats.org/drawingml/2006/main" xmlns:r="http://schemas.openxmlformats.org/officeDocument/2006/relationships" xmlns:p="http://schemas.openxmlformats.org/presentationml/2006/main">
   <p:cSld>
     <p:spTree>
@@ -47094,7 +46442,7 @@
 </p:sld>
 </file>
 
-<file path=ppt/slides/slide74.xml><?xml version="1.0" encoding="utf-8"?>
+<file path=ppt/slides/slide72.xml><?xml version="1.0" encoding="utf-8"?>
 <p:sld xmlns:a="http://schemas.openxmlformats.org/drawingml/2006/main" xmlns:r="http://schemas.openxmlformats.org/officeDocument/2006/relationships" xmlns:p="http://schemas.openxmlformats.org/presentationml/2006/main">
   <p:cSld>
     <p:spTree>
@@ -47185,7 +46533,7 @@
 </p:sld>
 </file>
 
-<file path=ppt/slides/slide75.xml><?xml version="1.0" encoding="utf-8"?>
+<file path=ppt/slides/slide73.xml><?xml version="1.0" encoding="utf-8"?>
 <p:sld xmlns:a="http://schemas.openxmlformats.org/drawingml/2006/main" xmlns:r="http://schemas.openxmlformats.org/officeDocument/2006/relationships" xmlns:p="http://schemas.openxmlformats.org/presentationml/2006/main">
   <p:cSld>
     <p:spTree>
@@ -47435,7 +46783,7 @@
 </p:sld>
 </file>
 
-<file path=ppt/slides/slide76.xml><?xml version="1.0" encoding="utf-8"?>
+<file path=ppt/slides/slide74.xml><?xml version="1.0" encoding="utf-8"?>
 <p:sld xmlns:a="http://schemas.openxmlformats.org/drawingml/2006/main" xmlns:r="http://schemas.openxmlformats.org/officeDocument/2006/relationships" xmlns:p="http://schemas.openxmlformats.org/presentationml/2006/main">
   <p:cSld>
     <p:spTree>
@@ -47772,7 +47120,7 @@
 </p:sld>
 </file>
 
-<file path=ppt/slides/slide77.xml><?xml version="1.0" encoding="utf-8"?>
+<file path=ppt/slides/slide75.xml><?xml version="1.0" encoding="utf-8"?>
 <p:sld xmlns:a="http://schemas.openxmlformats.org/drawingml/2006/main" xmlns:r="http://schemas.openxmlformats.org/officeDocument/2006/relationships" xmlns:p="http://schemas.openxmlformats.org/presentationml/2006/main">
   <p:cSld>
     <p:spTree>
@@ -47923,7 +47271,7 @@
 </p:sld>
 </file>
 
-<file path=ppt/slides/slide78.xml><?xml version="1.0" encoding="utf-8"?>
+<file path=ppt/slides/slide76.xml><?xml version="1.0" encoding="utf-8"?>
 <p:sld xmlns:a="http://schemas.openxmlformats.org/drawingml/2006/main" xmlns:r="http://schemas.openxmlformats.org/officeDocument/2006/relationships" xmlns:p="http://schemas.openxmlformats.org/presentationml/2006/main">
   <p:cSld>
     <p:spTree>
@@ -48140,7 +47488,7 @@
 </p:sld>
 </file>
 
-<file path=ppt/slides/slide79.xml><?xml version="1.0" encoding="utf-8"?>
+<file path=ppt/slides/slide77.xml><?xml version="1.0" encoding="utf-8"?>
 <p:sld xmlns:a="http://schemas.openxmlformats.org/drawingml/2006/main" xmlns:r="http://schemas.openxmlformats.org/officeDocument/2006/relationships" xmlns:p="http://schemas.openxmlformats.org/presentationml/2006/main">
   <p:cSld>
     <p:spTree>
@@ -48283,322 +47631,7 @@
 </p:sld>
 </file>
 
-<file path=ppt/slides/slide8.xml><?xml version="1.0" encoding="utf-8"?>
-<p:sld xmlns:a="http://schemas.openxmlformats.org/drawingml/2006/main" xmlns:r="http://schemas.openxmlformats.org/officeDocument/2006/relationships" xmlns:p="http://schemas.openxmlformats.org/presentationml/2006/main">
-  <p:cSld>
-    <p:spTree>
-      <p:nvGrpSpPr>
-        <p:cNvPr id="1" name=""/>
-        <p:cNvGrpSpPr/>
-        <p:nvPr/>
-      </p:nvGrpSpPr>
-      <p:grpSpPr>
-        <a:xfrm>
-          <a:off x="0" y="0"/>
-          <a:ext cx="0" cy="0"/>
-          <a:chOff x="0" y="0"/>
-          <a:chExt cx="0" cy="0"/>
-        </a:xfrm>
-      </p:grpSpPr>
-      <p:sp>
-        <p:nvSpPr>
-          <p:cNvPr id="2" name="Title 1">
-            <a:extLst>
-              <a:ext uri="{FF2B5EF4-FFF2-40B4-BE49-F238E27FC236}">
-                <a16:creationId xmlns:a16="http://schemas.microsoft.com/office/drawing/2014/main" id="{6BEB7CF1-743A-D74C-AC52-B586D7683293}"/>
-              </a:ext>
-            </a:extLst>
-          </p:cNvPr>
-          <p:cNvSpPr>
-            <a:spLocks noGrp="1"/>
-          </p:cNvSpPr>
-          <p:nvPr>
-            <p:ph type="title"/>
-          </p:nvPr>
-        </p:nvSpPr>
-        <p:spPr>
-          <a:xfrm>
-            <a:off x="628650" y="273847"/>
-            <a:ext cx="7886700" cy="994172"/>
-          </a:xfrm>
-        </p:spPr>
-        <p:txBody>
-          <a:bodyPr anchor="ctr">
-            <a:normAutofit/>
-          </a:bodyPr>
-          <a:lstStyle/>
-          <a:p>
-            <a:r>
-              <a:rPr lang="en-US" dirty="0"/>
-              <a:t>Code Review! (questions) </a:t>
-            </a:r>
-          </a:p>
-        </p:txBody>
-      </p:sp>
-      <p:pic>
-        <p:nvPicPr>
-          <p:cNvPr id="5" name="Content Placeholder 4" descr="A screen shot of a social media post&#10;&#10;Description automatically generated">
-            <a:extLst>
-              <a:ext uri="{FF2B5EF4-FFF2-40B4-BE49-F238E27FC236}">
-                <a16:creationId xmlns:a16="http://schemas.microsoft.com/office/drawing/2014/main" id="{2079519E-7C78-EC4D-84CF-60D0BE06D9AF}"/>
-              </a:ext>
-            </a:extLst>
-          </p:cNvPr>
-          <p:cNvPicPr>
-            <a:picLocks noGrp="1" noChangeAspect="1"/>
-          </p:cNvPicPr>
-          <p:nvPr>
-            <p:ph sz="half" idx="1"/>
-          </p:nvPr>
-        </p:nvPicPr>
-        <p:blipFill>
-          <a:blip r:embed="rId2"/>
-          <a:stretch>
-            <a:fillRect/>
-          </a:stretch>
-        </p:blipFill>
-        <p:spPr>
-          <a:xfrm>
-            <a:off x="79963" y="1369219"/>
-            <a:ext cx="4492037" cy="1669701"/>
-          </a:xfrm>
-          <a:noFill/>
-        </p:spPr>
-      </p:pic>
-      <p:sp>
-        <p:nvSpPr>
-          <p:cNvPr id="10" name="Content Placeholder 3">
-            <a:extLst>
-              <a:ext uri="{FF2B5EF4-FFF2-40B4-BE49-F238E27FC236}">
-                <a16:creationId xmlns:a16="http://schemas.microsoft.com/office/drawing/2014/main" id="{79B45F60-0363-424B-9E27-65854133F913}"/>
-              </a:ext>
-            </a:extLst>
-          </p:cNvPr>
-          <p:cNvSpPr>
-            <a:spLocks noGrp="1"/>
-          </p:cNvSpPr>
-          <p:nvPr>
-            <p:ph sz="half" idx="2"/>
-          </p:nvPr>
-        </p:nvSpPr>
-        <p:spPr>
-          <a:xfrm>
-            <a:off x="4629149" y="1369219"/>
-            <a:ext cx="4434887" cy="3263504"/>
-          </a:xfrm>
-        </p:spPr>
-        <p:txBody>
-          <a:bodyPr>
-            <a:normAutofit fontScale="85000" lnSpcReduction="20000"/>
-          </a:bodyPr>
-          <a:lstStyle/>
-          <a:p>
-            <a:r>
-              <a:rPr lang="en-US" dirty="0"/>
-              <a:t>Inside of </a:t>
-            </a:r>
-            <a:r>
-              <a:rPr lang="en-US" i="1" dirty="0"/>
-              <a:t>free</a:t>
-            </a:r>
-            <a:r>
-              <a:rPr lang="en-US" dirty="0"/>
-              <a:t> (_</a:t>
-            </a:r>
-            <a:r>
-              <a:rPr lang="en-US" dirty="0" err="1"/>
-              <a:t>int_free</a:t>
-            </a:r>
-            <a:r>
-              <a:rPr lang="en-US" dirty="0"/>
-              <a:t>)</a:t>
-            </a:r>
-          </a:p>
-          <a:p>
-            <a:r>
-              <a:rPr lang="en-US" dirty="0"/>
-              <a:t>p: current chunk being freed</a:t>
-            </a:r>
-          </a:p>
-          <a:p>
-            <a:r>
-              <a:rPr lang="en-US" dirty="0"/>
-              <a:t>size: size of p</a:t>
-            </a:r>
-          </a:p>
-          <a:p>
-            <a:r>
-              <a:rPr lang="en-US" dirty="0" err="1"/>
-              <a:t>chunk_at_offset</a:t>
-            </a:r>
-            <a:r>
-              <a:rPr lang="en-US" dirty="0"/>
-              <a:t>: </a:t>
-            </a:r>
-          </a:p>
-          <a:p>
-            <a:pPr lvl="1"/>
-            <a:r>
-              <a:rPr lang="en-US" dirty="0"/>
-              <a:t>Gets chunk at the requested offset</a:t>
-            </a:r>
-          </a:p>
-          <a:p>
-            <a:r>
-              <a:rPr lang="en-US" dirty="0"/>
-              <a:t>Questions: </a:t>
-            </a:r>
-          </a:p>
-          <a:p>
-            <a:pPr marL="457200" lvl="1" indent="0">
-              <a:buNone/>
-            </a:pPr>
-            <a:r>
-              <a:rPr lang="en-US" dirty="0"/>
-              <a:t>1. What is the function call checking here?</a:t>
-            </a:r>
-          </a:p>
-          <a:p>
-            <a:pPr marL="457200" lvl="1" indent="0">
-              <a:buNone/>
-            </a:pPr>
-            <a:r>
-              <a:rPr lang="en-US" dirty="0"/>
-              <a:t>2. How does it find the </a:t>
-            </a:r>
-            <a:r>
-              <a:rPr lang="en-US" i="1" dirty="0"/>
-              <a:t>previous</a:t>
-            </a:r>
-            <a:r>
-              <a:rPr lang="en-US" dirty="0"/>
-              <a:t> chunk? </a:t>
-            </a:r>
-          </a:p>
-        </p:txBody>
-      </p:sp>
-      <p:sp>
-        <p:nvSpPr>
-          <p:cNvPr id="6" name="TextBox 5">
-            <a:extLst>
-              <a:ext uri="{FF2B5EF4-FFF2-40B4-BE49-F238E27FC236}">
-                <a16:creationId xmlns:a16="http://schemas.microsoft.com/office/drawing/2014/main" id="{6ED31DE9-D4DA-BB47-8961-1227E69BE052}"/>
-              </a:ext>
-            </a:extLst>
-          </p:cNvPr>
-          <p:cNvSpPr txBox="1"/>
-          <p:nvPr/>
-        </p:nvSpPr>
-        <p:spPr>
-          <a:xfrm>
-            <a:off x="2107770" y="1425843"/>
-            <a:ext cx="604434" cy="584775"/>
-          </a:xfrm>
-          <a:prstGeom prst="rect">
-            <a:avLst/>
-          </a:prstGeom>
-          <a:noFill/>
-        </p:spPr>
-        <p:txBody>
-          <a:bodyPr wrap="square" rtlCol="0">
-            <a:spAutoFit/>
-          </a:bodyPr>
-          <a:lstStyle/>
-          <a:p>
-            <a:r>
-              <a:rPr lang="en-US" sz="3200" dirty="0">
-                <a:solidFill>
-                  <a:srgbClr val="FF0000"/>
-                </a:solidFill>
-              </a:rPr>
-              <a:t>1)</a:t>
-            </a:r>
-          </a:p>
-        </p:txBody>
-      </p:sp>
-      <p:sp>
-        <p:nvSpPr>
-          <p:cNvPr id="8" name="TextBox 7">
-            <a:extLst>
-              <a:ext uri="{FF2B5EF4-FFF2-40B4-BE49-F238E27FC236}">
-                <a16:creationId xmlns:a16="http://schemas.microsoft.com/office/drawing/2014/main" id="{A3757472-D2AA-4E4C-9568-9C2638FD134D}"/>
-              </a:ext>
-            </a:extLst>
-          </p:cNvPr>
-          <p:cNvSpPr txBox="1"/>
-          <p:nvPr/>
-        </p:nvSpPr>
-        <p:spPr>
-          <a:xfrm>
-            <a:off x="4212635" y="2104806"/>
-            <a:ext cx="604434" cy="584775"/>
-          </a:xfrm>
-          <a:prstGeom prst="rect">
-            <a:avLst/>
-          </a:prstGeom>
-          <a:noFill/>
-        </p:spPr>
-        <p:txBody>
-          <a:bodyPr wrap="square" rtlCol="0">
-            <a:spAutoFit/>
-          </a:bodyPr>
-          <a:lstStyle/>
-          <a:p>
-            <a:r>
-              <a:rPr lang="en-US" sz="3200" dirty="0">
-                <a:solidFill>
-                  <a:srgbClr val="FF0000"/>
-                </a:solidFill>
-              </a:rPr>
-              <a:t>2)</a:t>
-            </a:r>
-          </a:p>
-        </p:txBody>
-      </p:sp>
-      <p:pic>
-        <p:nvPicPr>
-          <p:cNvPr id="9" name="Picture 8" descr="A screenshot of a cell phone&#10;&#10;Description automatically generated">
-            <a:extLst>
-              <a:ext uri="{FF2B5EF4-FFF2-40B4-BE49-F238E27FC236}">
-                <a16:creationId xmlns:a16="http://schemas.microsoft.com/office/drawing/2014/main" id="{47AFF4BB-6475-A341-8571-7C0868A3540F}"/>
-              </a:ext>
-            </a:extLst>
-          </p:cNvPr>
-          <p:cNvPicPr>
-            <a:picLocks noChangeAspect="1"/>
-          </p:cNvPicPr>
-          <p:nvPr/>
-        </p:nvPicPr>
-        <p:blipFill>
-          <a:blip r:embed="rId3"/>
-          <a:stretch>
-            <a:fillRect/>
-          </a:stretch>
-        </p:blipFill>
-        <p:spPr>
-          <a:xfrm>
-            <a:off x="130381" y="3038920"/>
-            <a:ext cx="1783479" cy="1983229"/>
-          </a:xfrm>
-          <a:prstGeom prst="rect">
-            <a:avLst/>
-          </a:prstGeom>
-        </p:spPr>
-      </p:pic>
-    </p:spTree>
-    <p:extLst>
-      <p:ext uri="{BB962C8B-B14F-4D97-AF65-F5344CB8AC3E}">
-        <p14:creationId xmlns:p14="http://schemas.microsoft.com/office/powerpoint/2010/main" val="2069957500"/>
-      </p:ext>
-    </p:extLst>
-  </p:cSld>
-  <p:clrMapOvr>
-    <a:masterClrMapping/>
-  </p:clrMapOvr>
-</p:sld>
-</file>
-
-<file path=ppt/slides/slide80.xml><?xml version="1.0" encoding="utf-8"?>
+<file path=ppt/slides/slide78.xml><?xml version="1.0" encoding="utf-8"?>
 <p:sld xmlns:a="http://schemas.openxmlformats.org/drawingml/2006/main" xmlns:r="http://schemas.openxmlformats.org/officeDocument/2006/relationships" xmlns:p="http://schemas.openxmlformats.org/presentationml/2006/main">
   <p:cSld>
     <p:spTree>
@@ -48855,7 +47888,7 @@
 </p:sld>
 </file>
 
-<file path=ppt/slides/slide81.xml><?xml version="1.0" encoding="utf-8"?>
+<file path=ppt/slides/slide79.xml><?xml version="1.0" encoding="utf-8"?>
 <p:sld xmlns:a="http://schemas.openxmlformats.org/drawingml/2006/main" xmlns:r="http://schemas.openxmlformats.org/officeDocument/2006/relationships" xmlns:p="http://schemas.openxmlformats.org/presentationml/2006/main">
   <p:cSld>
     <p:spTree>
@@ -49033,7 +48066,322 @@
 </p:sld>
 </file>
 
-<file path=ppt/slides/slide82.xml><?xml version="1.0" encoding="utf-8"?>
+<file path=ppt/slides/slide8.xml><?xml version="1.0" encoding="utf-8"?>
+<p:sld xmlns:a="http://schemas.openxmlformats.org/drawingml/2006/main" xmlns:r="http://schemas.openxmlformats.org/officeDocument/2006/relationships" xmlns:p="http://schemas.openxmlformats.org/presentationml/2006/main">
+  <p:cSld>
+    <p:spTree>
+      <p:nvGrpSpPr>
+        <p:cNvPr id="1" name=""/>
+        <p:cNvGrpSpPr/>
+        <p:nvPr/>
+      </p:nvGrpSpPr>
+      <p:grpSpPr>
+        <a:xfrm>
+          <a:off x="0" y="0"/>
+          <a:ext cx="0" cy="0"/>
+          <a:chOff x="0" y="0"/>
+          <a:chExt cx="0" cy="0"/>
+        </a:xfrm>
+      </p:grpSpPr>
+      <p:sp>
+        <p:nvSpPr>
+          <p:cNvPr id="2" name="Title 1">
+            <a:extLst>
+              <a:ext uri="{FF2B5EF4-FFF2-40B4-BE49-F238E27FC236}">
+                <a16:creationId xmlns:a16="http://schemas.microsoft.com/office/drawing/2014/main" id="{6BEB7CF1-743A-D74C-AC52-B586D7683293}"/>
+              </a:ext>
+            </a:extLst>
+          </p:cNvPr>
+          <p:cNvSpPr>
+            <a:spLocks noGrp="1"/>
+          </p:cNvSpPr>
+          <p:nvPr>
+            <p:ph type="title"/>
+          </p:nvPr>
+        </p:nvSpPr>
+        <p:spPr>
+          <a:xfrm>
+            <a:off x="628650" y="273847"/>
+            <a:ext cx="7886700" cy="994172"/>
+          </a:xfrm>
+        </p:spPr>
+        <p:txBody>
+          <a:bodyPr anchor="ctr">
+            <a:normAutofit/>
+          </a:bodyPr>
+          <a:lstStyle/>
+          <a:p>
+            <a:r>
+              <a:rPr lang="en-US" dirty="0"/>
+              <a:t>Code Review! (questions) </a:t>
+            </a:r>
+          </a:p>
+        </p:txBody>
+      </p:sp>
+      <p:pic>
+        <p:nvPicPr>
+          <p:cNvPr id="5" name="Content Placeholder 4" descr="A screen shot of a social media post&#10;&#10;Description automatically generated">
+            <a:extLst>
+              <a:ext uri="{FF2B5EF4-FFF2-40B4-BE49-F238E27FC236}">
+                <a16:creationId xmlns:a16="http://schemas.microsoft.com/office/drawing/2014/main" id="{2079519E-7C78-EC4D-84CF-60D0BE06D9AF}"/>
+              </a:ext>
+            </a:extLst>
+          </p:cNvPr>
+          <p:cNvPicPr>
+            <a:picLocks noGrp="1" noChangeAspect="1"/>
+          </p:cNvPicPr>
+          <p:nvPr>
+            <p:ph sz="half" idx="1"/>
+          </p:nvPr>
+        </p:nvPicPr>
+        <p:blipFill>
+          <a:blip r:embed="rId2"/>
+          <a:stretch>
+            <a:fillRect/>
+          </a:stretch>
+        </p:blipFill>
+        <p:spPr>
+          <a:xfrm>
+            <a:off x="79963" y="1369219"/>
+            <a:ext cx="4492037" cy="1669701"/>
+          </a:xfrm>
+          <a:noFill/>
+        </p:spPr>
+      </p:pic>
+      <p:sp>
+        <p:nvSpPr>
+          <p:cNvPr id="10" name="Content Placeholder 3">
+            <a:extLst>
+              <a:ext uri="{FF2B5EF4-FFF2-40B4-BE49-F238E27FC236}">
+                <a16:creationId xmlns:a16="http://schemas.microsoft.com/office/drawing/2014/main" id="{79B45F60-0363-424B-9E27-65854133F913}"/>
+              </a:ext>
+            </a:extLst>
+          </p:cNvPr>
+          <p:cNvSpPr>
+            <a:spLocks noGrp="1"/>
+          </p:cNvSpPr>
+          <p:nvPr>
+            <p:ph sz="half" idx="2"/>
+          </p:nvPr>
+        </p:nvSpPr>
+        <p:spPr>
+          <a:xfrm>
+            <a:off x="4629149" y="1369219"/>
+            <a:ext cx="4434887" cy="3263504"/>
+          </a:xfrm>
+        </p:spPr>
+        <p:txBody>
+          <a:bodyPr>
+            <a:normAutofit fontScale="85000" lnSpcReduction="20000"/>
+          </a:bodyPr>
+          <a:lstStyle/>
+          <a:p>
+            <a:r>
+              <a:rPr lang="en-US" dirty="0"/>
+              <a:t>Inside of </a:t>
+            </a:r>
+            <a:r>
+              <a:rPr lang="en-US" i="1" dirty="0"/>
+              <a:t>free</a:t>
+            </a:r>
+            <a:r>
+              <a:rPr lang="en-US" dirty="0"/>
+              <a:t> (_</a:t>
+            </a:r>
+            <a:r>
+              <a:rPr lang="en-US" dirty="0" err="1"/>
+              <a:t>int_free</a:t>
+            </a:r>
+            <a:r>
+              <a:rPr lang="en-US" dirty="0"/>
+              <a:t>)</a:t>
+            </a:r>
+          </a:p>
+          <a:p>
+            <a:r>
+              <a:rPr lang="en-US" dirty="0"/>
+              <a:t>p: current chunk being freed</a:t>
+            </a:r>
+          </a:p>
+          <a:p>
+            <a:r>
+              <a:rPr lang="en-US" dirty="0"/>
+              <a:t>size: size of p</a:t>
+            </a:r>
+          </a:p>
+          <a:p>
+            <a:r>
+              <a:rPr lang="en-US" dirty="0" err="1"/>
+              <a:t>chunk_at_offset</a:t>
+            </a:r>
+            <a:r>
+              <a:rPr lang="en-US" dirty="0"/>
+              <a:t>: </a:t>
+            </a:r>
+          </a:p>
+          <a:p>
+            <a:pPr lvl="1"/>
+            <a:r>
+              <a:rPr lang="en-US" dirty="0"/>
+              <a:t>Gets chunk at the requested offset</a:t>
+            </a:r>
+          </a:p>
+          <a:p>
+            <a:r>
+              <a:rPr lang="en-US" dirty="0"/>
+              <a:t>Questions: </a:t>
+            </a:r>
+          </a:p>
+          <a:p>
+            <a:pPr marL="457200" lvl="1" indent="0">
+              <a:buNone/>
+            </a:pPr>
+            <a:r>
+              <a:rPr lang="en-US" dirty="0"/>
+              <a:t>1. What is the function call checking here?</a:t>
+            </a:r>
+          </a:p>
+          <a:p>
+            <a:pPr marL="457200" lvl="1" indent="0">
+              <a:buNone/>
+            </a:pPr>
+            <a:r>
+              <a:rPr lang="en-US" dirty="0"/>
+              <a:t>2. How does it find the </a:t>
+            </a:r>
+            <a:r>
+              <a:rPr lang="en-US" i="1" dirty="0"/>
+              <a:t>previous</a:t>
+            </a:r>
+            <a:r>
+              <a:rPr lang="en-US" dirty="0"/>
+              <a:t> chunk? </a:t>
+            </a:r>
+          </a:p>
+        </p:txBody>
+      </p:sp>
+      <p:sp>
+        <p:nvSpPr>
+          <p:cNvPr id="6" name="TextBox 5">
+            <a:extLst>
+              <a:ext uri="{FF2B5EF4-FFF2-40B4-BE49-F238E27FC236}">
+                <a16:creationId xmlns:a16="http://schemas.microsoft.com/office/drawing/2014/main" id="{6ED31DE9-D4DA-BB47-8961-1227E69BE052}"/>
+              </a:ext>
+            </a:extLst>
+          </p:cNvPr>
+          <p:cNvSpPr txBox="1"/>
+          <p:nvPr/>
+        </p:nvSpPr>
+        <p:spPr>
+          <a:xfrm>
+            <a:off x="2107770" y="1425843"/>
+            <a:ext cx="604434" cy="584775"/>
+          </a:xfrm>
+          <a:prstGeom prst="rect">
+            <a:avLst/>
+          </a:prstGeom>
+          <a:noFill/>
+        </p:spPr>
+        <p:txBody>
+          <a:bodyPr wrap="square" rtlCol="0">
+            <a:spAutoFit/>
+          </a:bodyPr>
+          <a:lstStyle/>
+          <a:p>
+            <a:r>
+              <a:rPr lang="en-US" sz="3200" dirty="0">
+                <a:solidFill>
+                  <a:srgbClr val="FF0000"/>
+                </a:solidFill>
+              </a:rPr>
+              <a:t>1)</a:t>
+            </a:r>
+          </a:p>
+        </p:txBody>
+      </p:sp>
+      <p:sp>
+        <p:nvSpPr>
+          <p:cNvPr id="8" name="TextBox 7">
+            <a:extLst>
+              <a:ext uri="{FF2B5EF4-FFF2-40B4-BE49-F238E27FC236}">
+                <a16:creationId xmlns:a16="http://schemas.microsoft.com/office/drawing/2014/main" id="{A3757472-D2AA-4E4C-9568-9C2638FD134D}"/>
+              </a:ext>
+            </a:extLst>
+          </p:cNvPr>
+          <p:cNvSpPr txBox="1"/>
+          <p:nvPr/>
+        </p:nvSpPr>
+        <p:spPr>
+          <a:xfrm>
+            <a:off x="4212635" y="2104806"/>
+            <a:ext cx="604434" cy="584775"/>
+          </a:xfrm>
+          <a:prstGeom prst="rect">
+            <a:avLst/>
+          </a:prstGeom>
+          <a:noFill/>
+        </p:spPr>
+        <p:txBody>
+          <a:bodyPr wrap="square" rtlCol="0">
+            <a:spAutoFit/>
+          </a:bodyPr>
+          <a:lstStyle/>
+          <a:p>
+            <a:r>
+              <a:rPr lang="en-US" sz="3200" dirty="0">
+                <a:solidFill>
+                  <a:srgbClr val="FF0000"/>
+                </a:solidFill>
+              </a:rPr>
+              <a:t>2)</a:t>
+            </a:r>
+          </a:p>
+        </p:txBody>
+      </p:sp>
+      <p:pic>
+        <p:nvPicPr>
+          <p:cNvPr id="9" name="Picture 8" descr="A screenshot of a cell phone&#10;&#10;Description automatically generated">
+            <a:extLst>
+              <a:ext uri="{FF2B5EF4-FFF2-40B4-BE49-F238E27FC236}">
+                <a16:creationId xmlns:a16="http://schemas.microsoft.com/office/drawing/2014/main" id="{47AFF4BB-6475-A341-8571-7C0868A3540F}"/>
+              </a:ext>
+            </a:extLst>
+          </p:cNvPr>
+          <p:cNvPicPr>
+            <a:picLocks noChangeAspect="1"/>
+          </p:cNvPicPr>
+          <p:nvPr/>
+        </p:nvPicPr>
+        <p:blipFill>
+          <a:blip r:embed="rId3"/>
+          <a:stretch>
+            <a:fillRect/>
+          </a:stretch>
+        </p:blipFill>
+        <p:spPr>
+          <a:xfrm>
+            <a:off x="130381" y="3038920"/>
+            <a:ext cx="1783479" cy="1983229"/>
+          </a:xfrm>
+          <a:prstGeom prst="rect">
+            <a:avLst/>
+          </a:prstGeom>
+        </p:spPr>
+      </p:pic>
+    </p:spTree>
+    <p:extLst>
+      <p:ext uri="{BB962C8B-B14F-4D97-AF65-F5344CB8AC3E}">
+        <p14:creationId xmlns:p14="http://schemas.microsoft.com/office/powerpoint/2010/main" val="2069957500"/>
+      </p:ext>
+    </p:extLst>
+  </p:cSld>
+  <p:clrMapOvr>
+    <a:masterClrMapping/>
+  </p:clrMapOvr>
+</p:sld>
+</file>
+
+<file path=ppt/slides/slide80.xml><?xml version="1.0" encoding="utf-8"?>
 <p:sld xmlns:a="http://schemas.openxmlformats.org/drawingml/2006/main" xmlns:r="http://schemas.openxmlformats.org/officeDocument/2006/relationships" xmlns:p="http://schemas.openxmlformats.org/presentationml/2006/main">
   <p:cSld>
     <p:spTree>
@@ -49175,7 +48523,7 @@
 </p:sld>
 </file>
 
-<file path=ppt/slides/slide83.xml><?xml version="1.0" encoding="utf-8"?>
+<file path=ppt/slides/slide81.xml><?xml version="1.0" encoding="utf-8"?>
 <p:sld xmlns:a="http://schemas.openxmlformats.org/drawingml/2006/main" xmlns:r="http://schemas.openxmlformats.org/officeDocument/2006/relationships" xmlns:p="http://schemas.openxmlformats.org/presentationml/2006/main">
   <p:cSld>
     <p:spTree>
@@ -49313,7 +48661,7 @@
 </p:sld>
 </file>
 
-<file path=ppt/slides/slide84.xml><?xml version="1.0" encoding="utf-8"?>
+<file path=ppt/slides/slide82.xml><?xml version="1.0" encoding="utf-8"?>
 <p:sld xmlns:a="http://schemas.openxmlformats.org/drawingml/2006/main" xmlns:r="http://schemas.openxmlformats.org/officeDocument/2006/relationships" xmlns:p="http://schemas.openxmlformats.org/presentationml/2006/main">
   <p:cSld>
     <p:spTree>
@@ -49470,7 +48818,7 @@
 </p:sld>
 </file>
 
-<file path=ppt/slides/slide85.xml><?xml version="1.0" encoding="utf-8"?>
+<file path=ppt/slides/slide83.xml><?xml version="1.0" encoding="utf-8"?>
 <p:sld xmlns:a="http://schemas.openxmlformats.org/drawingml/2006/main" xmlns:r="http://schemas.openxmlformats.org/officeDocument/2006/relationships" xmlns:p="http://schemas.openxmlformats.org/presentationml/2006/main" show="0">
   <p:cSld>
     <p:spTree>
@@ -49727,7 +49075,7 @@
 </p:sld>
 </file>
 
-<file path=ppt/slides/slide86.xml><?xml version="1.0" encoding="utf-8"?>
+<file path=ppt/slides/slide84.xml><?xml version="1.0" encoding="utf-8"?>
 <p:sld xmlns:a="http://schemas.openxmlformats.org/drawingml/2006/main" xmlns:r="http://schemas.openxmlformats.org/officeDocument/2006/relationships" xmlns:p="http://schemas.openxmlformats.org/presentationml/2006/main">
   <p:cSld>
     <p:spTree>
@@ -49881,7 +49229,7 @@
 </p:sld>
 </file>
 
-<file path=ppt/slides/slide87.xml><?xml version="1.0" encoding="utf-8"?>
+<file path=ppt/slides/slide85.xml><?xml version="1.0" encoding="utf-8"?>
 <p:sld xmlns:a="http://schemas.openxmlformats.org/drawingml/2006/main" xmlns:r="http://schemas.openxmlformats.org/officeDocument/2006/relationships" xmlns:p="http://schemas.openxmlformats.org/presentationml/2006/main">
   <p:cSld>
     <p:spTree>
@@ -50113,7 +49461,7 @@
 </p:sld>
 </file>
 
-<file path=ppt/slides/slide88.xml><?xml version="1.0" encoding="utf-8"?>
+<file path=ppt/slides/slide86.xml><?xml version="1.0" encoding="utf-8"?>
 <p:sld xmlns:a="http://schemas.openxmlformats.org/drawingml/2006/main" xmlns:r="http://schemas.openxmlformats.org/officeDocument/2006/relationships" xmlns:p="http://schemas.openxmlformats.org/presentationml/2006/main">
   <p:cSld>
     <p:spTree>
@@ -50345,7 +49693,7 @@
 </p:sld>
 </file>
 
-<file path=ppt/slides/slide89.xml><?xml version="1.0" encoding="utf-8"?>
+<file path=ppt/slides/slide87.xml><?xml version="1.0" encoding="utf-8"?>
 <p:sld xmlns:a="http://schemas.openxmlformats.org/drawingml/2006/main" xmlns:r="http://schemas.openxmlformats.org/officeDocument/2006/relationships" xmlns:p="http://schemas.openxmlformats.org/presentationml/2006/main">
   <p:cSld>
     <p:spTree>
@@ -50582,318 +49930,7 @@
 </p:sld>
 </file>
 
-<file path=ppt/slides/slide9.xml><?xml version="1.0" encoding="utf-8"?>
-<p:sld xmlns:a="http://schemas.openxmlformats.org/drawingml/2006/main" xmlns:r="http://schemas.openxmlformats.org/officeDocument/2006/relationships" xmlns:p="http://schemas.openxmlformats.org/presentationml/2006/main">
-  <p:cSld>
-    <p:spTree>
-      <p:nvGrpSpPr>
-        <p:cNvPr id="1" name=""/>
-        <p:cNvGrpSpPr/>
-        <p:nvPr/>
-      </p:nvGrpSpPr>
-      <p:grpSpPr>
-        <a:xfrm>
-          <a:off x="0" y="0"/>
-          <a:ext cx="0" cy="0"/>
-          <a:chOff x="0" y="0"/>
-          <a:chExt cx="0" cy="0"/>
-        </a:xfrm>
-      </p:grpSpPr>
-      <p:sp>
-        <p:nvSpPr>
-          <p:cNvPr id="2" name="Title 1">
-            <a:extLst>
-              <a:ext uri="{FF2B5EF4-FFF2-40B4-BE49-F238E27FC236}">
-                <a16:creationId xmlns:a16="http://schemas.microsoft.com/office/drawing/2014/main" id="{6BEB7CF1-743A-D74C-AC52-B586D7683293}"/>
-              </a:ext>
-            </a:extLst>
-          </p:cNvPr>
-          <p:cNvSpPr>
-            <a:spLocks noGrp="1"/>
-          </p:cNvSpPr>
-          <p:nvPr>
-            <p:ph type="title"/>
-          </p:nvPr>
-        </p:nvSpPr>
-        <p:spPr>
-          <a:xfrm>
-            <a:off x="628650" y="273847"/>
-            <a:ext cx="7886700" cy="994172"/>
-          </a:xfrm>
-        </p:spPr>
-        <p:txBody>
-          <a:bodyPr anchor="ctr">
-            <a:normAutofit/>
-          </a:bodyPr>
-          <a:lstStyle/>
-          <a:p>
-            <a:r>
-              <a:rPr lang="en-US" dirty="0"/>
-              <a:t>Code Review! (answers)</a:t>
-            </a:r>
-          </a:p>
-        </p:txBody>
-      </p:sp>
-      <p:pic>
-        <p:nvPicPr>
-          <p:cNvPr id="5" name="Content Placeholder 4" descr="A screen shot of a social media post&#10;&#10;Description automatically generated">
-            <a:extLst>
-              <a:ext uri="{FF2B5EF4-FFF2-40B4-BE49-F238E27FC236}">
-                <a16:creationId xmlns:a16="http://schemas.microsoft.com/office/drawing/2014/main" id="{2079519E-7C78-EC4D-84CF-60D0BE06D9AF}"/>
-              </a:ext>
-            </a:extLst>
-          </p:cNvPr>
-          <p:cNvPicPr>
-            <a:picLocks noGrp="1" noChangeAspect="1"/>
-          </p:cNvPicPr>
-          <p:nvPr>
-            <p:ph sz="half" idx="1"/>
-          </p:nvPr>
-        </p:nvPicPr>
-        <p:blipFill>
-          <a:blip r:embed="rId2"/>
-          <a:stretch>
-            <a:fillRect/>
-          </a:stretch>
-        </p:blipFill>
-        <p:spPr>
-          <a:xfrm>
-            <a:off x="79963" y="1318619"/>
-            <a:ext cx="4492037" cy="1669701"/>
-          </a:xfrm>
-          <a:noFill/>
-        </p:spPr>
-      </p:pic>
-      <p:sp>
-        <p:nvSpPr>
-          <p:cNvPr id="10" name="Content Placeholder 3">
-            <a:extLst>
-              <a:ext uri="{FF2B5EF4-FFF2-40B4-BE49-F238E27FC236}">
-                <a16:creationId xmlns:a16="http://schemas.microsoft.com/office/drawing/2014/main" id="{79B45F60-0363-424B-9E27-65854133F913}"/>
-              </a:ext>
-            </a:extLst>
-          </p:cNvPr>
-          <p:cNvSpPr>
-            <a:spLocks noGrp="1"/>
-          </p:cNvSpPr>
-          <p:nvPr>
-            <p:ph sz="half" idx="2"/>
-          </p:nvPr>
-        </p:nvSpPr>
-        <p:spPr>
-          <a:xfrm>
-            <a:off x="4572001" y="1369219"/>
-            <a:ext cx="4492036" cy="3263504"/>
-          </a:xfrm>
-        </p:spPr>
-        <p:txBody>
-          <a:bodyPr>
-            <a:normAutofit/>
-          </a:bodyPr>
-          <a:lstStyle/>
-          <a:p>
-            <a:r>
-              <a:rPr lang="en-US" dirty="0"/>
-              <a:t>Inside of </a:t>
-            </a:r>
-            <a:r>
-              <a:rPr lang="en-US" i="1" dirty="0"/>
-              <a:t>free</a:t>
-            </a:r>
-            <a:r>
-              <a:rPr lang="en-US" dirty="0"/>
-              <a:t> (_</a:t>
-            </a:r>
-            <a:r>
-              <a:rPr lang="en-US" dirty="0" err="1"/>
-              <a:t>int_free</a:t>
-            </a:r>
-            <a:r>
-              <a:rPr lang="en-US" dirty="0"/>
-              <a:t>)</a:t>
-            </a:r>
-          </a:p>
-          <a:p>
-            <a:r>
-              <a:rPr lang="en-US" dirty="0"/>
-              <a:t>p: current chunk being freed</a:t>
-            </a:r>
-          </a:p>
-          <a:p>
-            <a:r>
-              <a:rPr lang="en-US" dirty="0"/>
-              <a:t>size: size of p</a:t>
-            </a:r>
-          </a:p>
-          <a:p>
-            <a:r>
-              <a:rPr lang="en-US" dirty="0"/>
-              <a:t>Answers: </a:t>
-            </a:r>
-          </a:p>
-          <a:p>
-            <a:pPr marL="457200" lvl="1" indent="0">
-              <a:buNone/>
-            </a:pPr>
-            <a:r>
-              <a:rPr lang="en-US" dirty="0"/>
-              <a:t>1. Is the </a:t>
-            </a:r>
-            <a:r>
-              <a:rPr lang="en-US" i="1" dirty="0"/>
-              <a:t>previous</a:t>
-            </a:r>
-            <a:r>
-              <a:rPr lang="en-US" dirty="0"/>
-              <a:t> chunk free (checks via the </a:t>
-            </a:r>
-            <a:r>
-              <a:rPr lang="en-US" i="1" dirty="0" err="1"/>
-              <a:t>prev_inuse</a:t>
-            </a:r>
-            <a:r>
-              <a:rPr lang="en-US" dirty="0"/>
-              <a:t> bit)</a:t>
-            </a:r>
-          </a:p>
-          <a:p>
-            <a:pPr marL="457200" lvl="1" indent="0">
-              <a:buNone/>
-            </a:pPr>
-            <a:r>
-              <a:rPr lang="en-US" dirty="0"/>
-              <a:t>2. Current chunk – </a:t>
-            </a:r>
-            <a:r>
-              <a:rPr lang="en-US" i="1" dirty="0"/>
-              <a:t>prev_size</a:t>
-            </a:r>
-            <a:endParaRPr lang="en-US" dirty="0"/>
-          </a:p>
-        </p:txBody>
-      </p:sp>
-      <p:sp>
-        <p:nvSpPr>
-          <p:cNvPr id="6" name="TextBox 5">
-            <a:extLst>
-              <a:ext uri="{FF2B5EF4-FFF2-40B4-BE49-F238E27FC236}">
-                <a16:creationId xmlns:a16="http://schemas.microsoft.com/office/drawing/2014/main" id="{6ED31DE9-D4DA-BB47-8961-1227E69BE052}"/>
-              </a:ext>
-            </a:extLst>
-          </p:cNvPr>
-          <p:cNvSpPr txBox="1"/>
-          <p:nvPr/>
-        </p:nvSpPr>
-        <p:spPr>
-          <a:xfrm>
-            <a:off x="2107770" y="1329919"/>
-            <a:ext cx="604434" cy="584775"/>
-          </a:xfrm>
-          <a:prstGeom prst="rect">
-            <a:avLst/>
-          </a:prstGeom>
-          <a:noFill/>
-        </p:spPr>
-        <p:txBody>
-          <a:bodyPr wrap="square" rtlCol="0">
-            <a:spAutoFit/>
-          </a:bodyPr>
-          <a:lstStyle/>
-          <a:p>
-            <a:r>
-              <a:rPr lang="en-US" sz="3200" dirty="0">
-                <a:solidFill>
-                  <a:srgbClr val="FF0000"/>
-                </a:solidFill>
-              </a:rPr>
-              <a:t>1)</a:t>
-            </a:r>
-          </a:p>
-        </p:txBody>
-      </p:sp>
-      <p:sp>
-        <p:nvSpPr>
-          <p:cNvPr id="8" name="TextBox 7">
-            <a:extLst>
-              <a:ext uri="{FF2B5EF4-FFF2-40B4-BE49-F238E27FC236}">
-                <a16:creationId xmlns:a16="http://schemas.microsoft.com/office/drawing/2014/main" id="{A3757472-D2AA-4E4C-9568-9C2638FD134D}"/>
-              </a:ext>
-            </a:extLst>
-          </p:cNvPr>
-          <p:cNvSpPr txBox="1"/>
-          <p:nvPr/>
-        </p:nvSpPr>
-        <p:spPr>
-          <a:xfrm>
-            <a:off x="4192868" y="2052290"/>
-            <a:ext cx="604434" cy="584775"/>
-          </a:xfrm>
-          <a:prstGeom prst="rect">
-            <a:avLst/>
-          </a:prstGeom>
-          <a:noFill/>
-        </p:spPr>
-        <p:txBody>
-          <a:bodyPr wrap="square" rtlCol="0">
-            <a:spAutoFit/>
-          </a:bodyPr>
-          <a:lstStyle/>
-          <a:p>
-            <a:r>
-              <a:rPr lang="en-US" sz="3200" dirty="0">
-                <a:solidFill>
-                  <a:srgbClr val="FF0000"/>
-                </a:solidFill>
-              </a:rPr>
-              <a:t>2)</a:t>
-            </a:r>
-          </a:p>
-        </p:txBody>
-      </p:sp>
-      <p:pic>
-        <p:nvPicPr>
-          <p:cNvPr id="7" name="Picture 6" descr="A screenshot of a cell phone&#10;&#10;Description automatically generated">
-            <a:extLst>
-              <a:ext uri="{FF2B5EF4-FFF2-40B4-BE49-F238E27FC236}">
-                <a16:creationId xmlns:a16="http://schemas.microsoft.com/office/drawing/2014/main" id="{5A43FD0D-659D-AA4B-A33F-4ABB12D11E05}"/>
-              </a:ext>
-            </a:extLst>
-          </p:cNvPr>
-          <p:cNvPicPr>
-            <a:picLocks noChangeAspect="1"/>
-          </p:cNvPicPr>
-          <p:nvPr/>
-        </p:nvPicPr>
-        <p:blipFill>
-          <a:blip r:embed="rId3"/>
-          <a:stretch>
-            <a:fillRect/>
-          </a:stretch>
-        </p:blipFill>
-        <p:spPr>
-          <a:xfrm>
-            <a:off x="130381" y="3038920"/>
-            <a:ext cx="1783479" cy="1983229"/>
-          </a:xfrm>
-          <a:prstGeom prst="rect">
-            <a:avLst/>
-          </a:prstGeom>
-        </p:spPr>
-      </p:pic>
-    </p:spTree>
-    <p:extLst>
-      <p:ext uri="{BB962C8B-B14F-4D97-AF65-F5344CB8AC3E}">
-        <p14:creationId xmlns:p14="http://schemas.microsoft.com/office/powerpoint/2010/main" val="1384499838"/>
-      </p:ext>
-    </p:extLst>
-  </p:cSld>
-  <p:clrMapOvr>
-    <a:masterClrMapping/>
-  </p:clrMapOvr>
-</p:sld>
-</file>
-
-<file path=ppt/slides/slide90.xml><?xml version="1.0" encoding="utf-8"?>
+<file path=ppt/slides/slide88.xml><?xml version="1.0" encoding="utf-8"?>
 <p:sld xmlns:a="http://schemas.openxmlformats.org/drawingml/2006/main" xmlns:r="http://schemas.openxmlformats.org/officeDocument/2006/relationships" xmlns:p="http://schemas.openxmlformats.org/presentationml/2006/main">
   <p:cSld>
     <p:spTree>
@@ -51113,7 +50150,7 @@
 </p:sld>
 </file>
 
-<file path=ppt/slides/slide91.xml><?xml version="1.0" encoding="utf-8"?>
+<file path=ppt/slides/slide89.xml><?xml version="1.0" encoding="utf-8"?>
 <p:sld xmlns:a="http://schemas.openxmlformats.org/drawingml/2006/main" xmlns:r="http://schemas.openxmlformats.org/officeDocument/2006/relationships" xmlns:p="http://schemas.openxmlformats.org/presentationml/2006/main">
   <p:cSld>
     <p:spTree>
@@ -51322,7 +50359,318 @@
 </p:sld>
 </file>
 
-<file path=ppt/slides/slide92.xml><?xml version="1.0" encoding="utf-8"?>
+<file path=ppt/slides/slide9.xml><?xml version="1.0" encoding="utf-8"?>
+<p:sld xmlns:a="http://schemas.openxmlformats.org/drawingml/2006/main" xmlns:r="http://schemas.openxmlformats.org/officeDocument/2006/relationships" xmlns:p="http://schemas.openxmlformats.org/presentationml/2006/main">
+  <p:cSld>
+    <p:spTree>
+      <p:nvGrpSpPr>
+        <p:cNvPr id="1" name=""/>
+        <p:cNvGrpSpPr/>
+        <p:nvPr/>
+      </p:nvGrpSpPr>
+      <p:grpSpPr>
+        <a:xfrm>
+          <a:off x="0" y="0"/>
+          <a:ext cx="0" cy="0"/>
+          <a:chOff x="0" y="0"/>
+          <a:chExt cx="0" cy="0"/>
+        </a:xfrm>
+      </p:grpSpPr>
+      <p:sp>
+        <p:nvSpPr>
+          <p:cNvPr id="2" name="Title 1">
+            <a:extLst>
+              <a:ext uri="{FF2B5EF4-FFF2-40B4-BE49-F238E27FC236}">
+                <a16:creationId xmlns:a16="http://schemas.microsoft.com/office/drawing/2014/main" id="{6BEB7CF1-743A-D74C-AC52-B586D7683293}"/>
+              </a:ext>
+            </a:extLst>
+          </p:cNvPr>
+          <p:cNvSpPr>
+            <a:spLocks noGrp="1"/>
+          </p:cNvSpPr>
+          <p:nvPr>
+            <p:ph type="title"/>
+          </p:nvPr>
+        </p:nvSpPr>
+        <p:spPr>
+          <a:xfrm>
+            <a:off x="628650" y="273847"/>
+            <a:ext cx="7886700" cy="994172"/>
+          </a:xfrm>
+        </p:spPr>
+        <p:txBody>
+          <a:bodyPr anchor="ctr">
+            <a:normAutofit/>
+          </a:bodyPr>
+          <a:lstStyle/>
+          <a:p>
+            <a:r>
+              <a:rPr lang="en-US" dirty="0"/>
+              <a:t>Code Review! (answers)</a:t>
+            </a:r>
+          </a:p>
+        </p:txBody>
+      </p:sp>
+      <p:pic>
+        <p:nvPicPr>
+          <p:cNvPr id="5" name="Content Placeholder 4" descr="A screen shot of a social media post&#10;&#10;Description automatically generated">
+            <a:extLst>
+              <a:ext uri="{FF2B5EF4-FFF2-40B4-BE49-F238E27FC236}">
+                <a16:creationId xmlns:a16="http://schemas.microsoft.com/office/drawing/2014/main" id="{2079519E-7C78-EC4D-84CF-60D0BE06D9AF}"/>
+              </a:ext>
+            </a:extLst>
+          </p:cNvPr>
+          <p:cNvPicPr>
+            <a:picLocks noGrp="1" noChangeAspect="1"/>
+          </p:cNvPicPr>
+          <p:nvPr>
+            <p:ph sz="half" idx="1"/>
+          </p:nvPr>
+        </p:nvPicPr>
+        <p:blipFill>
+          <a:blip r:embed="rId2"/>
+          <a:stretch>
+            <a:fillRect/>
+          </a:stretch>
+        </p:blipFill>
+        <p:spPr>
+          <a:xfrm>
+            <a:off x="79963" y="1318619"/>
+            <a:ext cx="4492037" cy="1669701"/>
+          </a:xfrm>
+          <a:noFill/>
+        </p:spPr>
+      </p:pic>
+      <p:sp>
+        <p:nvSpPr>
+          <p:cNvPr id="10" name="Content Placeholder 3">
+            <a:extLst>
+              <a:ext uri="{FF2B5EF4-FFF2-40B4-BE49-F238E27FC236}">
+                <a16:creationId xmlns:a16="http://schemas.microsoft.com/office/drawing/2014/main" id="{79B45F60-0363-424B-9E27-65854133F913}"/>
+              </a:ext>
+            </a:extLst>
+          </p:cNvPr>
+          <p:cNvSpPr>
+            <a:spLocks noGrp="1"/>
+          </p:cNvSpPr>
+          <p:nvPr>
+            <p:ph sz="half" idx="2"/>
+          </p:nvPr>
+        </p:nvSpPr>
+        <p:spPr>
+          <a:xfrm>
+            <a:off x="4572001" y="1369219"/>
+            <a:ext cx="4492036" cy="3263504"/>
+          </a:xfrm>
+        </p:spPr>
+        <p:txBody>
+          <a:bodyPr>
+            <a:normAutofit/>
+          </a:bodyPr>
+          <a:lstStyle/>
+          <a:p>
+            <a:r>
+              <a:rPr lang="en-US" dirty="0"/>
+              <a:t>Inside of </a:t>
+            </a:r>
+            <a:r>
+              <a:rPr lang="en-US" i="1" dirty="0"/>
+              <a:t>free</a:t>
+            </a:r>
+            <a:r>
+              <a:rPr lang="en-US" dirty="0"/>
+              <a:t> (_</a:t>
+            </a:r>
+            <a:r>
+              <a:rPr lang="en-US" dirty="0" err="1"/>
+              <a:t>int_free</a:t>
+            </a:r>
+            <a:r>
+              <a:rPr lang="en-US" dirty="0"/>
+              <a:t>)</a:t>
+            </a:r>
+          </a:p>
+          <a:p>
+            <a:r>
+              <a:rPr lang="en-US" dirty="0"/>
+              <a:t>p: current chunk being freed</a:t>
+            </a:r>
+          </a:p>
+          <a:p>
+            <a:r>
+              <a:rPr lang="en-US" dirty="0"/>
+              <a:t>size: size of p</a:t>
+            </a:r>
+          </a:p>
+          <a:p>
+            <a:r>
+              <a:rPr lang="en-US" dirty="0"/>
+              <a:t>Answers: </a:t>
+            </a:r>
+          </a:p>
+          <a:p>
+            <a:pPr marL="457200" lvl="1" indent="0">
+              <a:buNone/>
+            </a:pPr>
+            <a:r>
+              <a:rPr lang="en-US" dirty="0"/>
+              <a:t>1. Is the </a:t>
+            </a:r>
+            <a:r>
+              <a:rPr lang="en-US" i="1" dirty="0"/>
+              <a:t>previous</a:t>
+            </a:r>
+            <a:r>
+              <a:rPr lang="en-US" dirty="0"/>
+              <a:t> chunk free (checks via the </a:t>
+            </a:r>
+            <a:r>
+              <a:rPr lang="en-US" i="1" dirty="0" err="1"/>
+              <a:t>prev_inuse</a:t>
+            </a:r>
+            <a:r>
+              <a:rPr lang="en-US" dirty="0"/>
+              <a:t> bit)</a:t>
+            </a:r>
+          </a:p>
+          <a:p>
+            <a:pPr marL="457200" lvl="1" indent="0">
+              <a:buNone/>
+            </a:pPr>
+            <a:r>
+              <a:rPr lang="en-US" dirty="0"/>
+              <a:t>2. Current chunk – </a:t>
+            </a:r>
+            <a:r>
+              <a:rPr lang="en-US" i="1" dirty="0"/>
+              <a:t>prev_size</a:t>
+            </a:r>
+            <a:endParaRPr lang="en-US" dirty="0"/>
+          </a:p>
+        </p:txBody>
+      </p:sp>
+      <p:sp>
+        <p:nvSpPr>
+          <p:cNvPr id="6" name="TextBox 5">
+            <a:extLst>
+              <a:ext uri="{FF2B5EF4-FFF2-40B4-BE49-F238E27FC236}">
+                <a16:creationId xmlns:a16="http://schemas.microsoft.com/office/drawing/2014/main" id="{6ED31DE9-D4DA-BB47-8961-1227E69BE052}"/>
+              </a:ext>
+            </a:extLst>
+          </p:cNvPr>
+          <p:cNvSpPr txBox="1"/>
+          <p:nvPr/>
+        </p:nvSpPr>
+        <p:spPr>
+          <a:xfrm>
+            <a:off x="2107770" y="1329919"/>
+            <a:ext cx="604434" cy="584775"/>
+          </a:xfrm>
+          <a:prstGeom prst="rect">
+            <a:avLst/>
+          </a:prstGeom>
+          <a:noFill/>
+        </p:spPr>
+        <p:txBody>
+          <a:bodyPr wrap="square" rtlCol="0">
+            <a:spAutoFit/>
+          </a:bodyPr>
+          <a:lstStyle/>
+          <a:p>
+            <a:r>
+              <a:rPr lang="en-US" sz="3200" dirty="0">
+                <a:solidFill>
+                  <a:srgbClr val="FF0000"/>
+                </a:solidFill>
+              </a:rPr>
+              <a:t>1)</a:t>
+            </a:r>
+          </a:p>
+        </p:txBody>
+      </p:sp>
+      <p:sp>
+        <p:nvSpPr>
+          <p:cNvPr id="8" name="TextBox 7">
+            <a:extLst>
+              <a:ext uri="{FF2B5EF4-FFF2-40B4-BE49-F238E27FC236}">
+                <a16:creationId xmlns:a16="http://schemas.microsoft.com/office/drawing/2014/main" id="{A3757472-D2AA-4E4C-9568-9C2638FD134D}"/>
+              </a:ext>
+            </a:extLst>
+          </p:cNvPr>
+          <p:cNvSpPr txBox="1"/>
+          <p:nvPr/>
+        </p:nvSpPr>
+        <p:spPr>
+          <a:xfrm>
+            <a:off x="4192868" y="2052290"/>
+            <a:ext cx="604434" cy="584775"/>
+          </a:xfrm>
+          <a:prstGeom prst="rect">
+            <a:avLst/>
+          </a:prstGeom>
+          <a:noFill/>
+        </p:spPr>
+        <p:txBody>
+          <a:bodyPr wrap="square" rtlCol="0">
+            <a:spAutoFit/>
+          </a:bodyPr>
+          <a:lstStyle/>
+          <a:p>
+            <a:r>
+              <a:rPr lang="en-US" sz="3200" dirty="0">
+                <a:solidFill>
+                  <a:srgbClr val="FF0000"/>
+                </a:solidFill>
+              </a:rPr>
+              <a:t>2)</a:t>
+            </a:r>
+          </a:p>
+        </p:txBody>
+      </p:sp>
+      <p:pic>
+        <p:nvPicPr>
+          <p:cNvPr id="7" name="Picture 6" descr="A screenshot of a cell phone&#10;&#10;Description automatically generated">
+            <a:extLst>
+              <a:ext uri="{FF2B5EF4-FFF2-40B4-BE49-F238E27FC236}">
+                <a16:creationId xmlns:a16="http://schemas.microsoft.com/office/drawing/2014/main" id="{5A43FD0D-659D-AA4B-A33F-4ABB12D11E05}"/>
+              </a:ext>
+            </a:extLst>
+          </p:cNvPr>
+          <p:cNvPicPr>
+            <a:picLocks noChangeAspect="1"/>
+          </p:cNvPicPr>
+          <p:nvPr/>
+        </p:nvPicPr>
+        <p:blipFill>
+          <a:blip r:embed="rId3"/>
+          <a:stretch>
+            <a:fillRect/>
+          </a:stretch>
+        </p:blipFill>
+        <p:spPr>
+          <a:xfrm>
+            <a:off x="130381" y="3038920"/>
+            <a:ext cx="1783479" cy="1983229"/>
+          </a:xfrm>
+          <a:prstGeom prst="rect">
+            <a:avLst/>
+          </a:prstGeom>
+        </p:spPr>
+      </p:pic>
+    </p:spTree>
+    <p:extLst>
+      <p:ext uri="{BB962C8B-B14F-4D97-AF65-F5344CB8AC3E}">
+        <p14:creationId xmlns:p14="http://schemas.microsoft.com/office/powerpoint/2010/main" val="1384499838"/>
+      </p:ext>
+    </p:extLst>
+  </p:cSld>
+  <p:clrMapOvr>
+    <a:masterClrMapping/>
+  </p:clrMapOvr>
+</p:sld>
+</file>
+
+<file path=ppt/slides/slide90.xml><?xml version="1.0" encoding="utf-8"?>
 <p:sld xmlns:a="http://schemas.openxmlformats.org/drawingml/2006/main" xmlns:r="http://schemas.openxmlformats.org/officeDocument/2006/relationships" xmlns:p="http://schemas.openxmlformats.org/presentationml/2006/main">
   <p:cSld>
     <p:spTree>
@@ -51559,7 +50907,7 @@
 </p:sld>
 </file>
 
-<file path=ppt/slides/slide93.xml><?xml version="1.0" encoding="utf-8"?>
+<file path=ppt/slides/slide91.xml><?xml version="1.0" encoding="utf-8"?>
 <p:sld xmlns:a="http://schemas.openxmlformats.org/drawingml/2006/main" xmlns:r="http://schemas.openxmlformats.org/officeDocument/2006/relationships" xmlns:p="http://schemas.openxmlformats.org/presentationml/2006/main">
   <p:cSld>
     <p:spTree>
@@ -51796,7 +51144,7 @@
 </p:sld>
 </file>
 
-<file path=ppt/slides/slide94.xml><?xml version="1.0" encoding="utf-8"?>
+<file path=ppt/slides/slide92.xml><?xml version="1.0" encoding="utf-8"?>
 <p:sld xmlns:a="http://schemas.openxmlformats.org/drawingml/2006/main" xmlns:r="http://schemas.openxmlformats.org/officeDocument/2006/relationships" xmlns:p="http://schemas.openxmlformats.org/presentationml/2006/main">
   <p:cSld>
     <p:spTree>
@@ -51947,7 +51295,7 @@
 </p:sld>
 </file>
 
-<file path=ppt/slides/slide95.xml><?xml version="1.0" encoding="utf-8"?>
+<file path=ppt/slides/slide93.xml><?xml version="1.0" encoding="utf-8"?>
 <p:sld xmlns:a="http://schemas.openxmlformats.org/drawingml/2006/main" xmlns:r="http://schemas.openxmlformats.org/officeDocument/2006/relationships" xmlns:p="http://schemas.openxmlformats.org/presentationml/2006/main">
   <p:cSld>
     <p:spTree>
@@ -52081,7 +51429,7 @@
 </p:sld>
 </file>
 
-<file path=ppt/slides/slide96.xml><?xml version="1.0" encoding="utf-8"?>
+<file path=ppt/slides/slide94.xml><?xml version="1.0" encoding="utf-8"?>
 <p:sld xmlns:a="http://schemas.openxmlformats.org/drawingml/2006/main" xmlns:r="http://schemas.openxmlformats.org/officeDocument/2006/relationships" xmlns:p="http://schemas.openxmlformats.org/presentationml/2006/main">
   <p:cSld>
     <p:spTree>
@@ -52231,7 +51579,7 @@
 </p:sld>
 </file>
 
-<file path=ppt/slides/slide97.xml><?xml version="1.0" encoding="utf-8"?>
+<file path=ppt/slides/slide95.xml><?xml version="1.0" encoding="utf-8"?>
 <p:sld xmlns:a="http://schemas.openxmlformats.org/drawingml/2006/main" xmlns:r="http://schemas.openxmlformats.org/officeDocument/2006/relationships" xmlns:p="http://schemas.openxmlformats.org/presentationml/2006/main">
   <p:cSld>
     <p:spTree>
@@ -52381,7 +51729,7 @@
 </p:sld>
 </file>
 
-<file path=ppt/slides/slide98.xml><?xml version="1.0" encoding="utf-8"?>
+<file path=ppt/slides/slide96.xml><?xml version="1.0" encoding="utf-8"?>
 <p:sld xmlns:a="http://schemas.openxmlformats.org/drawingml/2006/main" xmlns:r="http://schemas.openxmlformats.org/officeDocument/2006/relationships" xmlns:p="http://schemas.openxmlformats.org/presentationml/2006/main">
   <p:cSld>
     <p:spTree>
@@ -52472,7 +51820,7 @@
 </p:sld>
 </file>
 
-<file path=ppt/slides/slide99.xml><?xml version="1.0" encoding="utf-8"?>
+<file path=ppt/slides/slide97.xml><?xml version="1.0" encoding="utf-8"?>
 <p:sld xmlns:a="http://schemas.openxmlformats.org/drawingml/2006/main" xmlns:r="http://schemas.openxmlformats.org/officeDocument/2006/relationships" xmlns:p="http://schemas.openxmlformats.org/presentationml/2006/main">
   <p:cSld>
     <p:spTree>
@@ -52569,6 +51917,257 @@
     <p:extLst>
       <p:ext uri="{BB962C8B-B14F-4D97-AF65-F5344CB8AC3E}">
         <p14:creationId xmlns:p14="http://schemas.microsoft.com/office/powerpoint/2010/main" val="2337429973"/>
+      </p:ext>
+    </p:extLst>
+  </p:cSld>
+  <p:clrMapOvr>
+    <a:masterClrMapping/>
+  </p:clrMapOvr>
+</p:sld>
+</file>
+
+<file path=ppt/slides/slide98.xml><?xml version="1.0" encoding="utf-8"?>
+<p:sld xmlns:a="http://schemas.openxmlformats.org/drawingml/2006/main" xmlns:r="http://schemas.openxmlformats.org/officeDocument/2006/relationships" xmlns:p="http://schemas.openxmlformats.org/presentationml/2006/main">
+  <p:cSld>
+    <p:spTree>
+      <p:nvGrpSpPr>
+        <p:cNvPr id="1" name=""/>
+        <p:cNvGrpSpPr/>
+        <p:nvPr/>
+      </p:nvGrpSpPr>
+      <p:grpSpPr>
+        <a:xfrm>
+          <a:off x="0" y="0"/>
+          <a:ext cx="0" cy="0"/>
+          <a:chOff x="0" y="0"/>
+          <a:chExt cx="0" cy="0"/>
+        </a:xfrm>
+      </p:grpSpPr>
+      <p:sp>
+        <p:nvSpPr>
+          <p:cNvPr id="2" name="Title 1">
+            <a:extLst>
+              <a:ext uri="{FF2B5EF4-FFF2-40B4-BE49-F238E27FC236}">
+                <a16:creationId xmlns:a16="http://schemas.microsoft.com/office/drawing/2014/main" id="{C96CF04D-2F9B-2D4B-BB6E-1DBC2C66150E}"/>
+              </a:ext>
+            </a:extLst>
+          </p:cNvPr>
+          <p:cNvSpPr>
+            <a:spLocks noGrp="1"/>
+          </p:cNvSpPr>
+          <p:nvPr>
+            <p:ph type="title"/>
+          </p:nvPr>
+        </p:nvSpPr>
+        <p:spPr/>
+        <p:txBody>
+          <a:bodyPr/>
+          <a:lstStyle/>
+          <a:p>
+            <a:r>
+              <a:rPr lang="en-US" dirty="0"/>
+              <a:t>Similar Techniques</a:t>
+            </a:r>
+          </a:p>
+        </p:txBody>
+      </p:sp>
+      <p:sp>
+        <p:nvSpPr>
+          <p:cNvPr id="3" name="Content Placeholder 2">
+            <a:extLst>
+              <a:ext uri="{FF2B5EF4-FFF2-40B4-BE49-F238E27FC236}">
+                <a16:creationId xmlns:a16="http://schemas.microsoft.com/office/drawing/2014/main" id="{DB0B48B3-4287-5643-8B39-63515724D843}"/>
+              </a:ext>
+            </a:extLst>
+          </p:cNvPr>
+          <p:cNvSpPr>
+            <a:spLocks noGrp="1"/>
+          </p:cNvSpPr>
+          <p:nvPr>
+            <p:ph idx="1"/>
+          </p:nvPr>
+        </p:nvSpPr>
+        <p:spPr/>
+        <p:txBody>
+          <a:bodyPr/>
+          <a:lstStyle/>
+          <a:p>
+            <a:r>
+              <a:rPr lang="en-US" dirty="0"/>
+              <a:t>House of Einherjar: </a:t>
+            </a:r>
+          </a:p>
+          <a:p>
+            <a:pPr lvl="1"/>
+            <a:r>
+              <a:rPr lang="en-US" dirty="0"/>
+              <a:t>Unlink a fake chunk to overlap a large chunk of data</a:t>
+            </a:r>
+          </a:p>
+          <a:p>
+            <a:r>
+              <a:rPr lang="en-US" dirty="0"/>
+              <a:t>House of Storm: 	</a:t>
+            </a:r>
+          </a:p>
+          <a:p>
+            <a:pPr lvl="1"/>
+            <a:r>
+              <a:rPr lang="en-US" dirty="0"/>
+              <a:t>Add in a chunk by corrupting free list pointers</a:t>
+            </a:r>
+          </a:p>
+        </p:txBody>
+      </p:sp>
+    </p:spTree>
+    <p:extLst>
+      <p:ext uri="{BB962C8B-B14F-4D97-AF65-F5344CB8AC3E}">
+        <p14:creationId xmlns:p14="http://schemas.microsoft.com/office/powerpoint/2010/main" val="3545615887"/>
+      </p:ext>
+    </p:extLst>
+  </p:cSld>
+  <p:clrMapOvr>
+    <a:masterClrMapping/>
+  </p:clrMapOvr>
+</p:sld>
+</file>
+
+<file path=ppt/slides/slide99.xml><?xml version="1.0" encoding="utf-8"?>
+<p:sld xmlns:a="http://schemas.openxmlformats.org/drawingml/2006/main" xmlns:r="http://schemas.openxmlformats.org/officeDocument/2006/relationships" xmlns:p="http://schemas.openxmlformats.org/presentationml/2006/main">
+  <p:cSld>
+    <p:spTree>
+      <p:nvGrpSpPr>
+        <p:cNvPr id="1" name=""/>
+        <p:cNvGrpSpPr/>
+        <p:nvPr/>
+      </p:nvGrpSpPr>
+      <p:grpSpPr>
+        <a:xfrm>
+          <a:off x="0" y="0"/>
+          <a:ext cx="0" cy="0"/>
+          <a:chOff x="0" y="0"/>
+          <a:chExt cx="0" cy="0"/>
+        </a:xfrm>
+      </p:grpSpPr>
+      <p:sp>
+        <p:nvSpPr>
+          <p:cNvPr id="2" name="Title 1">
+            <a:extLst>
+              <a:ext uri="{FF2B5EF4-FFF2-40B4-BE49-F238E27FC236}">
+                <a16:creationId xmlns:a16="http://schemas.microsoft.com/office/drawing/2014/main" id="{B4A67C53-5C79-0548-A92E-EC918DEE6260}"/>
+              </a:ext>
+            </a:extLst>
+          </p:cNvPr>
+          <p:cNvSpPr>
+            <a:spLocks noGrp="1"/>
+          </p:cNvSpPr>
+          <p:nvPr>
+            <p:ph type="title"/>
+          </p:nvPr>
+        </p:nvSpPr>
+        <p:spPr/>
+        <p:txBody>
+          <a:bodyPr/>
+          <a:lstStyle/>
+          <a:p>
+            <a:r>
+              <a:rPr lang="en-US" dirty="0"/>
+              <a:t>Resources</a:t>
+            </a:r>
+          </a:p>
+        </p:txBody>
+      </p:sp>
+      <p:sp>
+        <p:nvSpPr>
+          <p:cNvPr id="3" name="Content Placeholder 2">
+            <a:extLst>
+              <a:ext uri="{FF2B5EF4-FFF2-40B4-BE49-F238E27FC236}">
+                <a16:creationId xmlns:a16="http://schemas.microsoft.com/office/drawing/2014/main" id="{31ED45E3-BAAF-194E-B4F4-BBE1A78FE0F0}"/>
+              </a:ext>
+            </a:extLst>
+          </p:cNvPr>
+          <p:cNvSpPr>
+            <a:spLocks noGrp="1"/>
+          </p:cNvSpPr>
+          <p:nvPr>
+            <p:ph idx="1"/>
+          </p:nvPr>
+        </p:nvSpPr>
+        <p:spPr/>
+        <p:txBody>
+          <a:bodyPr/>
+          <a:lstStyle/>
+          <a:p>
+            <a:r>
+              <a:rPr lang="en-US" dirty="0" err="1"/>
+              <a:t>LiveOverflow</a:t>
+            </a:r>
+            <a:r>
+              <a:rPr lang="en-US" dirty="0"/>
+              <a:t>: </a:t>
+            </a:r>
+            <a:r>
+              <a:rPr lang="en-US" dirty="0">
+                <a:hlinkClick r:id="rId2"/>
+              </a:rPr>
+              <a:t>https://www.youtube.com/watch?v=gL45bjQvZSU</a:t>
+            </a:r>
+            <a:endParaRPr lang="en-US" dirty="0"/>
+          </a:p>
+          <a:p>
+            <a:r>
+              <a:rPr lang="en-US" dirty="0"/>
+              <a:t>Once Upon a Free: </a:t>
+            </a:r>
+            <a:r>
+              <a:rPr lang="en-US" dirty="0">
+                <a:hlinkClick r:id="rId3"/>
+              </a:rPr>
+              <a:t>http://phrack.org/issues/57/9.html</a:t>
+            </a:r>
+            <a:endParaRPr lang="en-US" dirty="0"/>
+          </a:p>
+          <a:p>
+            <a:r>
+              <a:rPr lang="en-US" dirty="0"/>
+              <a:t>Unsafe Unlink: </a:t>
+            </a:r>
+          </a:p>
+          <a:p>
+            <a:pPr lvl="1"/>
+            <a:r>
+              <a:rPr lang="en-US" dirty="0">
+                <a:hlinkClick r:id="rId4"/>
+              </a:rPr>
+              <a:t>https://heap-exploitation.dhavalkapil.com/attacks/unlink_exploit.html</a:t>
+            </a:r>
+            <a:endParaRPr lang="en-US" dirty="0"/>
+          </a:p>
+          <a:p>
+            <a:pPr lvl="1"/>
+            <a:r>
+              <a:rPr lang="en-US" dirty="0">
+                <a:hlinkClick r:id="rId5"/>
+              </a:rPr>
+              <a:t>https://dangokyo.me/2018/01/01/heap-exploitation-unsafe-unlink-fastbin-corruption/</a:t>
+            </a:r>
+            <a:endParaRPr lang="en-US" dirty="0"/>
+          </a:p>
+          <a:p>
+            <a:pPr marL="457200" lvl="1" indent="0">
+              <a:buNone/>
+            </a:pPr>
+            <a:endParaRPr lang="en-US" dirty="0"/>
+          </a:p>
+          <a:p>
+            <a:endParaRPr lang="en-US" dirty="0"/>
+          </a:p>
+        </p:txBody>
+      </p:sp>
+    </p:spTree>
+    <p:extLst>
+      <p:ext uri="{BB962C8B-B14F-4D97-AF65-F5344CB8AC3E}">
+        <p14:creationId xmlns:p14="http://schemas.microsoft.com/office/powerpoint/2010/main" val="726634461"/>
       </p:ext>
     </p:extLst>
   </p:cSld>

--- a/modules/unlink/Unlink.pptx
+++ b/modules/unlink/Unlink.pptx
@@ -24631,7 +24631,7 @@
           <a:p>
             <a:fld id="{2DA23E8D-1792-1541-9147-970A8DD8A355}" type="datetimeFigureOut">
               <a:rPr lang="en-US" smtClean="0"/>
-              <a:t>5/10/22</a:t>
+              <a:t>8/7/22</a:t>
             </a:fld>
             <a:endParaRPr lang="en-US" dirty="0"/>
           </a:p>
@@ -26147,7 +26147,7 @@
                 <a:latin typeface="Calibri"/>
               </a:rPr>
               <a:pPr/>
-              <a:t>5/10/22</a:t>
+              <a:t>8/7/22</a:t>
             </a:fld>
             <a:endParaRPr lang="en-US" dirty="0">
               <a:solidFill>
@@ -26400,7 +26400,7 @@
                 <a:latin typeface="Calibri"/>
               </a:rPr>
               <a:pPr/>
-              <a:t>5/10/22</a:t>
+              <a:t>8/7/22</a:t>
             </a:fld>
             <a:endParaRPr lang="en-US" dirty="0">
               <a:solidFill>
@@ -26615,7 +26615,7 @@
                 <a:latin typeface="Calibri"/>
               </a:rPr>
               <a:pPr/>
-              <a:t>5/10/22</a:t>
+              <a:t>8/7/22</a:t>
             </a:fld>
             <a:endParaRPr lang="en-US" dirty="0">
               <a:solidFill>
@@ -27013,7 +27013,7 @@
                 <a:latin typeface="Calibri"/>
               </a:rPr>
               <a:pPr/>
-              <a:t>5/10/22</a:t>
+              <a:t>8/7/22</a:t>
             </a:fld>
             <a:endParaRPr lang="en-US" dirty="0">
               <a:solidFill>
@@ -27355,7 +27355,7 @@
                 <a:latin typeface="Calibri"/>
               </a:rPr>
               <a:pPr/>
-              <a:t>5/10/22</a:t>
+              <a:t>8/7/22</a:t>
             </a:fld>
             <a:endParaRPr lang="en-US" dirty="0">
               <a:solidFill>
@@ -27683,7 +27683,7 @@
                 <a:latin typeface="Calibri"/>
               </a:rPr>
               <a:pPr/>
-              <a:t>5/10/22</a:t>
+              <a:t>8/7/22</a:t>
             </a:fld>
             <a:endParaRPr lang="en-US" dirty="0">
               <a:solidFill>
@@ -28172,7 +28172,7 @@
                 <a:latin typeface="Calibri"/>
               </a:rPr>
               <a:pPr/>
-              <a:t>5/10/22</a:t>
+              <a:t>8/7/22</a:t>
             </a:fld>
             <a:endParaRPr lang="en-US" dirty="0">
               <a:solidFill>
@@ -28355,7 +28355,7 @@
                 <a:latin typeface="Calibri"/>
               </a:rPr>
               <a:pPr/>
-              <a:t>5/10/22</a:t>
+              <a:t>8/7/22</a:t>
             </a:fld>
             <a:endParaRPr lang="en-US" dirty="0">
               <a:solidFill>
@@ -28601,7 +28601,7 @@
                 <a:latin typeface="Calibri"/>
               </a:rPr>
               <a:pPr/>
-              <a:t>5/10/22</a:t>
+              <a:t>8/7/22</a:t>
             </a:fld>
             <a:endParaRPr lang="en-US" dirty="0">
               <a:solidFill>
@@ -28943,7 +28943,7 @@
                 <a:latin typeface="Calibri"/>
               </a:rPr>
               <a:pPr/>
-              <a:t>5/10/22</a:t>
+              <a:t>8/7/22</a:t>
             </a:fld>
             <a:endParaRPr lang="en-US" dirty="0">
               <a:solidFill>
@@ -29235,7 +29235,7 @@
                 <a:latin typeface="Calibri"/>
               </a:rPr>
               <a:pPr/>
-              <a:t>5/10/22</a:t>
+              <a:t>8/7/22</a:t>
             </a:fld>
             <a:endParaRPr lang="en-US" dirty="0">
               <a:solidFill>
@@ -29485,7 +29485,7 @@
                 <a:latin typeface="Calibri"/>
               </a:rPr>
               <a:pPr defTabSz="914400"/>
-              <a:t>5/10/22</a:t>
+              <a:t>8/7/22</a:t>
             </a:fld>
             <a:endParaRPr lang="en-US" dirty="0">
               <a:solidFill>
@@ -35098,58 +35098,6 @@
       </p:sp>
       <p:sp>
         <p:nvSpPr>
-          <p:cNvPr id="12" name="Rectangle 11">
-            <a:extLst>
-              <a:ext uri="{FF2B5EF4-FFF2-40B4-BE49-F238E27FC236}">
-                <a16:creationId xmlns:a16="http://schemas.microsoft.com/office/drawing/2014/main" id="{FD551EDD-3CCF-744A-AC6B-54E43D49A22E}"/>
-              </a:ext>
-            </a:extLst>
-          </p:cNvPr>
-          <p:cNvSpPr/>
-          <p:nvPr/>
-        </p:nvSpPr>
-        <p:spPr>
-          <a:xfrm>
-            <a:off x="3306007" y="2626502"/>
-            <a:ext cx="204360" cy="273269"/>
-          </a:xfrm>
-          <a:prstGeom prst="rect">
-            <a:avLst/>
-          </a:prstGeom>
-          <a:noFill/>
-          <a:ln w="25400">
-            <a:solidFill>
-              <a:srgbClr val="FF0000"/>
-            </a:solidFill>
-          </a:ln>
-        </p:spPr>
-        <p:style>
-          <a:lnRef idx="2">
-            <a:schemeClr val="accent1">
-              <a:shade val="50000"/>
-            </a:schemeClr>
-          </a:lnRef>
-          <a:fillRef idx="1">
-            <a:schemeClr val="accent1"/>
-          </a:fillRef>
-          <a:effectRef idx="0">
-            <a:schemeClr val="accent1"/>
-          </a:effectRef>
-          <a:fontRef idx="minor">
-            <a:schemeClr val="lt1"/>
-          </a:fontRef>
-        </p:style>
-        <p:txBody>
-          <a:bodyPr rtlCol="0" anchor="ctr"/>
-          <a:lstStyle/>
-          <a:p>
-            <a:pPr algn="ctr"/>
-            <a:endParaRPr lang="en-US"/>
-          </a:p>
-        </p:txBody>
-      </p:sp>
-      <p:sp>
-        <p:nvSpPr>
           <p:cNvPr id="6" name="Content Placeholder 2">
             <a:extLst>
               <a:ext uri="{FF2B5EF4-FFF2-40B4-BE49-F238E27FC236}">
@@ -42801,7 +42749,7 @@
 </file>
 
 <file path=ppt/slides/slide59.xml><?xml version="1.0" encoding="utf-8"?>
-<p:sld xmlns:a="http://schemas.openxmlformats.org/drawingml/2006/main" xmlns:r="http://schemas.openxmlformats.org/officeDocument/2006/relationships" xmlns:p="http://schemas.openxmlformats.org/presentationml/2006/main">
+<p:sld xmlns:a="http://schemas.openxmlformats.org/drawingml/2006/main" xmlns:r="http://schemas.openxmlformats.org/officeDocument/2006/relationships" xmlns:p="http://schemas.openxmlformats.org/presentationml/2006/main" show="0">
   <p:cSld>
     <p:spTree>
       <p:nvGrpSpPr>
@@ -43248,7 +43196,7 @@
           <a:p>
             <a:r>
               <a:rPr lang="en-US" dirty="0"/>
-              <a:t>One large chunk!</a:t>
+              <a:t>One mega chunk!</a:t>
             </a:r>
           </a:p>
         </p:txBody>
@@ -43267,7 +43215,7 @@
 </file>
 
 <file path=ppt/slides/slide60.xml><?xml version="1.0" encoding="utf-8"?>
-<p:sld xmlns:a="http://schemas.openxmlformats.org/drawingml/2006/main" xmlns:r="http://schemas.openxmlformats.org/officeDocument/2006/relationships" xmlns:p="http://schemas.openxmlformats.org/presentationml/2006/main">
+<p:sld xmlns:a="http://schemas.openxmlformats.org/drawingml/2006/main" xmlns:r="http://schemas.openxmlformats.org/officeDocument/2006/relationships" xmlns:p="http://schemas.openxmlformats.org/presentationml/2006/main" show="0">
   <p:cSld>
     <p:spTree>
       <p:nvGrpSpPr>
@@ -43610,7 +43558,7 @@
 </file>
 
 <file path=ppt/slides/slide61.xml><?xml version="1.0" encoding="utf-8"?>
-<p:sld xmlns:a="http://schemas.openxmlformats.org/drawingml/2006/main" xmlns:r="http://schemas.openxmlformats.org/officeDocument/2006/relationships" xmlns:p="http://schemas.openxmlformats.org/presentationml/2006/main">
+<p:sld xmlns:a="http://schemas.openxmlformats.org/drawingml/2006/main" xmlns:r="http://schemas.openxmlformats.org/officeDocument/2006/relationships" xmlns:p="http://schemas.openxmlformats.org/presentationml/2006/main" show="0">
   <p:cSld>
     <p:spTree>
       <p:nvGrpSpPr>
@@ -43701,7 +43649,7 @@
 </file>
 
 <file path=ppt/slides/slide62.xml><?xml version="1.0" encoding="utf-8"?>
-<p:sld xmlns:a="http://schemas.openxmlformats.org/drawingml/2006/main" xmlns:r="http://schemas.openxmlformats.org/officeDocument/2006/relationships" xmlns:p="http://schemas.openxmlformats.org/presentationml/2006/main">
+<p:sld xmlns:a="http://schemas.openxmlformats.org/drawingml/2006/main" xmlns:r="http://schemas.openxmlformats.org/officeDocument/2006/relationships" xmlns:p="http://schemas.openxmlformats.org/presentationml/2006/main" show="0">
   <p:cSld>
     <p:spTree>
       <p:nvGrpSpPr>
@@ -43960,7 +43908,7 @@
 </file>
 
 <file path=ppt/slides/slide63.xml><?xml version="1.0" encoding="utf-8"?>
-<p:sld xmlns:a="http://schemas.openxmlformats.org/drawingml/2006/main" xmlns:r="http://schemas.openxmlformats.org/officeDocument/2006/relationships" xmlns:p="http://schemas.openxmlformats.org/presentationml/2006/main">
+<p:sld xmlns:a="http://schemas.openxmlformats.org/drawingml/2006/main" xmlns:r="http://schemas.openxmlformats.org/officeDocument/2006/relationships" xmlns:p="http://schemas.openxmlformats.org/presentationml/2006/main" show="0">
   <p:cSld>
     <p:spTree>
       <p:nvGrpSpPr>
@@ -44193,7 +44141,7 @@
 </file>
 
 <file path=ppt/slides/slide64.xml><?xml version="1.0" encoding="utf-8"?>
-<p:sld xmlns:a="http://schemas.openxmlformats.org/drawingml/2006/main" xmlns:r="http://schemas.openxmlformats.org/officeDocument/2006/relationships" xmlns:p="http://schemas.openxmlformats.org/presentationml/2006/main">
+<p:sld xmlns:a="http://schemas.openxmlformats.org/drawingml/2006/main" xmlns:r="http://schemas.openxmlformats.org/officeDocument/2006/relationships" xmlns:p="http://schemas.openxmlformats.org/presentationml/2006/main" show="0">
   <p:cSld>
     <p:spTree>
       <p:nvGrpSpPr>
@@ -44289,7 +44237,7 @@
 </file>
 
 <file path=ppt/slides/slide65.xml><?xml version="1.0" encoding="utf-8"?>
-<p:sld xmlns:a="http://schemas.openxmlformats.org/drawingml/2006/main" xmlns:r="http://schemas.openxmlformats.org/officeDocument/2006/relationships" xmlns:p="http://schemas.openxmlformats.org/presentationml/2006/main">
+<p:sld xmlns:a="http://schemas.openxmlformats.org/drawingml/2006/main" xmlns:r="http://schemas.openxmlformats.org/officeDocument/2006/relationships" xmlns:p="http://schemas.openxmlformats.org/presentationml/2006/main" show="0">
   <p:cSld>
     <p:spTree>
       <p:nvGrpSpPr>
@@ -44525,7 +44473,7 @@
 </file>
 
 <file path=ppt/slides/slide66.xml><?xml version="1.0" encoding="utf-8"?>
-<p:sld xmlns:a="http://schemas.openxmlformats.org/drawingml/2006/main" xmlns:r="http://schemas.openxmlformats.org/officeDocument/2006/relationships" xmlns:p="http://schemas.openxmlformats.org/presentationml/2006/main">
+<p:sld xmlns:a="http://schemas.openxmlformats.org/drawingml/2006/main" xmlns:r="http://schemas.openxmlformats.org/officeDocument/2006/relationships" xmlns:p="http://schemas.openxmlformats.org/presentationml/2006/main" show="0">
   <p:cSld>
     <p:spTree>
       <p:nvGrpSpPr>
@@ -44767,7 +44715,7 @@
 </file>
 
 <file path=ppt/slides/slide67.xml><?xml version="1.0" encoding="utf-8"?>
-<p:sld xmlns:a="http://schemas.openxmlformats.org/drawingml/2006/main" xmlns:r="http://schemas.openxmlformats.org/officeDocument/2006/relationships" xmlns:p="http://schemas.openxmlformats.org/presentationml/2006/main">
+<p:sld xmlns:a="http://schemas.openxmlformats.org/drawingml/2006/main" xmlns:r="http://schemas.openxmlformats.org/officeDocument/2006/relationships" xmlns:p="http://schemas.openxmlformats.org/presentationml/2006/main" show="0">
   <p:cSld>
     <p:spTree>
       <p:nvGrpSpPr>
@@ -44994,7 +44942,7 @@
 </file>
 
 <file path=ppt/slides/slide68.xml><?xml version="1.0" encoding="utf-8"?>
-<p:sld xmlns:a="http://schemas.openxmlformats.org/drawingml/2006/main" xmlns:r="http://schemas.openxmlformats.org/officeDocument/2006/relationships" xmlns:p="http://schemas.openxmlformats.org/presentationml/2006/main">
+<p:sld xmlns:a="http://schemas.openxmlformats.org/drawingml/2006/main" xmlns:r="http://schemas.openxmlformats.org/officeDocument/2006/relationships" xmlns:p="http://schemas.openxmlformats.org/presentationml/2006/main" show="0">
   <p:cSld>
     <p:spTree>
       <p:nvGrpSpPr>
@@ -45361,7 +45309,7 @@
 </file>
 
 <file path=ppt/slides/slide69.xml><?xml version="1.0" encoding="utf-8"?>
-<p:sld xmlns:a="http://schemas.openxmlformats.org/drawingml/2006/main" xmlns:r="http://schemas.openxmlformats.org/officeDocument/2006/relationships" xmlns:p="http://schemas.openxmlformats.org/presentationml/2006/main">
+<p:sld xmlns:a="http://schemas.openxmlformats.org/drawingml/2006/main" xmlns:r="http://schemas.openxmlformats.org/officeDocument/2006/relationships" xmlns:p="http://schemas.openxmlformats.org/presentationml/2006/main" show="0">
   <p:cSld>
     <p:spTree>
       <p:nvGrpSpPr>
@@ -45767,7 +45715,7 @@
 </file>
 
 <file path=ppt/slides/slide70.xml><?xml version="1.0" encoding="utf-8"?>
-<p:sld xmlns:a="http://schemas.openxmlformats.org/drawingml/2006/main" xmlns:r="http://schemas.openxmlformats.org/officeDocument/2006/relationships" xmlns:p="http://schemas.openxmlformats.org/presentationml/2006/main">
+<p:sld xmlns:a="http://schemas.openxmlformats.org/drawingml/2006/main" xmlns:r="http://schemas.openxmlformats.org/officeDocument/2006/relationships" xmlns:p="http://schemas.openxmlformats.org/presentationml/2006/main" show="0">
   <p:cSld>
     <p:spTree>
       <p:nvGrpSpPr>
@@ -46101,7 +46049,7 @@
 </file>
 
 <file path=ppt/slides/slide71.xml><?xml version="1.0" encoding="utf-8"?>
-<p:sld xmlns:a="http://schemas.openxmlformats.org/drawingml/2006/main" xmlns:r="http://schemas.openxmlformats.org/officeDocument/2006/relationships" xmlns:p="http://schemas.openxmlformats.org/presentationml/2006/main">
+<p:sld xmlns:a="http://schemas.openxmlformats.org/drawingml/2006/main" xmlns:r="http://schemas.openxmlformats.org/officeDocument/2006/relationships" xmlns:p="http://schemas.openxmlformats.org/presentationml/2006/main" show="0">
   <p:cSld>
     <p:spTree>
       <p:nvGrpSpPr>
@@ -46443,7 +46391,7 @@
 </file>
 
 <file path=ppt/slides/slide72.xml><?xml version="1.0" encoding="utf-8"?>
-<p:sld xmlns:a="http://schemas.openxmlformats.org/drawingml/2006/main" xmlns:r="http://schemas.openxmlformats.org/officeDocument/2006/relationships" xmlns:p="http://schemas.openxmlformats.org/presentationml/2006/main">
+<p:sld xmlns:a="http://schemas.openxmlformats.org/drawingml/2006/main" xmlns:r="http://schemas.openxmlformats.org/officeDocument/2006/relationships" xmlns:p="http://schemas.openxmlformats.org/presentationml/2006/main" show="0">
   <p:cSld>
     <p:spTree>
       <p:nvGrpSpPr>
@@ -46534,7 +46482,7 @@
 </file>
 
 <file path=ppt/slides/slide73.xml><?xml version="1.0" encoding="utf-8"?>
-<p:sld xmlns:a="http://schemas.openxmlformats.org/drawingml/2006/main" xmlns:r="http://schemas.openxmlformats.org/officeDocument/2006/relationships" xmlns:p="http://schemas.openxmlformats.org/presentationml/2006/main">
+<p:sld xmlns:a="http://schemas.openxmlformats.org/drawingml/2006/main" xmlns:r="http://schemas.openxmlformats.org/officeDocument/2006/relationships" xmlns:p="http://schemas.openxmlformats.org/presentationml/2006/main" show="0">
   <p:cSld>
     <p:spTree>
       <p:nvGrpSpPr>
@@ -47561,13 +47509,13 @@
           <a:p>
             <a:r>
               <a:rPr lang="en-US" dirty="0"/>
-              <a:t>FD-&gt;bk = P</a:t>
+              <a:t>Next-&gt;bk = Cur</a:t>
             </a:r>
           </a:p>
           <a:p>
             <a:r>
               <a:rPr lang="en-US" dirty="0"/>
-              <a:t>BK-&gt;fd = P</a:t>
+              <a:t>Prev-&gt;fd = Cur</a:t>
             </a:r>
           </a:p>
           <a:p>
@@ -47589,10 +47537,10 @@
       </p:sp>
       <p:pic>
         <p:nvPicPr>
-          <p:cNvPr id="4" name="Content Placeholder 4" descr="Unsorted bin linked list diagram">
+          <p:cNvPr id="5" name="Graphic 4" descr="Unlink initial setup">
             <a:extLst>
               <a:ext uri="{FF2B5EF4-FFF2-40B4-BE49-F238E27FC236}">
-                <a16:creationId xmlns:a16="http://schemas.microsoft.com/office/drawing/2014/main" id="{6860FAAE-19C7-DB41-ABA6-565577905DD2}"/>
+                <a16:creationId xmlns:a16="http://schemas.microsoft.com/office/drawing/2014/main" id="{C33BFE0F-06BA-85B0-5213-10723018F1C1}"/>
               </a:ext>
             </a:extLst>
           </p:cNvPr>
@@ -47601,21 +47549,25 @@
           </p:cNvPicPr>
           <p:nvPr/>
         </p:nvPicPr>
-        <p:blipFill>
-          <a:blip r:embed="rId3"/>
-          <a:stretch>
-            <a:fillRect/>
-          </a:stretch>
+        <p:blipFill rotWithShape="1">
+          <a:blip r:embed="rId3">
+            <a:extLst>
+              <a:ext uri="{96DAC541-7B7A-43D3-8B79-37D633B846F1}">
+                <asvg:svgBlip xmlns:asvg="http://schemas.microsoft.com/office/drawing/2016/SVG/main" r:embed="rId4"/>
+              </a:ext>
+            </a:extLst>
+          </a:blip>
+          <a:srcRect l="12630" t="18608" r="30118" b="64218"/>
+          <a:stretch/>
         </p:blipFill>
         <p:spPr>
           <a:xfrm>
-            <a:off x="2506280" y="1131232"/>
-            <a:ext cx="6009070" cy="2261917"/>
+            <a:off x="2963266" y="1184577"/>
+            <a:ext cx="5552084" cy="2155227"/>
           </a:xfrm>
           <a:prstGeom prst="rect">
             <a:avLst/>
           </a:prstGeom>
-          <a:noFill/>
         </p:spPr>
       </p:pic>
     </p:spTree>
@@ -48382,7 +48334,7 @@
 </file>
 
 <file path=ppt/slides/slide80.xml><?xml version="1.0" encoding="utf-8"?>
-<p:sld xmlns:a="http://schemas.openxmlformats.org/drawingml/2006/main" xmlns:r="http://schemas.openxmlformats.org/officeDocument/2006/relationships" xmlns:p="http://schemas.openxmlformats.org/presentationml/2006/main">
+<p:sld xmlns:a="http://schemas.openxmlformats.org/drawingml/2006/main" xmlns:r="http://schemas.openxmlformats.org/officeDocument/2006/relationships" xmlns:p="http://schemas.openxmlformats.org/presentationml/2006/main" show="0">
   <p:cSld>
     <p:spTree>
       <p:nvGrpSpPr>
@@ -48524,7 +48476,7 @@
 </file>
 
 <file path=ppt/slides/slide81.xml><?xml version="1.0" encoding="utf-8"?>
-<p:sld xmlns:a="http://schemas.openxmlformats.org/drawingml/2006/main" xmlns:r="http://schemas.openxmlformats.org/officeDocument/2006/relationships" xmlns:p="http://schemas.openxmlformats.org/presentationml/2006/main">
+<p:sld xmlns:a="http://schemas.openxmlformats.org/drawingml/2006/main" xmlns:r="http://schemas.openxmlformats.org/officeDocument/2006/relationships" xmlns:p="http://schemas.openxmlformats.org/presentationml/2006/main" show="0">
   <p:cSld>
     <p:spTree>
       <p:nvGrpSpPr>
@@ -48662,7 +48614,7 @@
 </file>
 
 <file path=ppt/slides/slide82.xml><?xml version="1.0" encoding="utf-8"?>
-<p:sld xmlns:a="http://schemas.openxmlformats.org/drawingml/2006/main" xmlns:r="http://schemas.openxmlformats.org/officeDocument/2006/relationships" xmlns:p="http://schemas.openxmlformats.org/presentationml/2006/main">
+<p:sld xmlns:a="http://schemas.openxmlformats.org/drawingml/2006/main" xmlns:r="http://schemas.openxmlformats.org/officeDocument/2006/relationships" xmlns:p="http://schemas.openxmlformats.org/presentationml/2006/main" show="0">
   <p:cSld>
     <p:spTree>
       <p:nvGrpSpPr>
@@ -49076,7 +49028,7 @@
 </file>
 
 <file path=ppt/slides/slide84.xml><?xml version="1.0" encoding="utf-8"?>
-<p:sld xmlns:a="http://schemas.openxmlformats.org/drawingml/2006/main" xmlns:r="http://schemas.openxmlformats.org/officeDocument/2006/relationships" xmlns:p="http://schemas.openxmlformats.org/presentationml/2006/main">
+<p:sld xmlns:a="http://schemas.openxmlformats.org/drawingml/2006/main" xmlns:r="http://schemas.openxmlformats.org/officeDocument/2006/relationships" xmlns:p="http://schemas.openxmlformats.org/presentationml/2006/main" show="0">
   <p:cSld>
     <p:spTree>
       <p:nvGrpSpPr>
@@ -51821,7 +51773,7 @@
 </file>
 
 <file path=ppt/slides/slide97.xml><?xml version="1.0" encoding="utf-8"?>
-<p:sld xmlns:a="http://schemas.openxmlformats.org/drawingml/2006/main" xmlns:r="http://schemas.openxmlformats.org/officeDocument/2006/relationships" xmlns:p="http://schemas.openxmlformats.org/presentationml/2006/main">
+<p:sld xmlns:a="http://schemas.openxmlformats.org/drawingml/2006/main" xmlns:r="http://schemas.openxmlformats.org/officeDocument/2006/relationships" xmlns:p="http://schemas.openxmlformats.org/presentationml/2006/main" show="0">
   <p:cSld>
     <p:spTree>
       <p:nvGrpSpPr>

--- a/modules/unlink/Unlink.pptx
+++ b/modules/unlink/Unlink.pptx
@@ -7730,23 +7730,23 @@
             <a:defRPr cap="all"/>
           </a:pPr>
           <a:r>
-            <a:rPr lang="en-US"/>
+            <a:rPr lang="en-US" dirty="0"/>
             <a:t>By editing the </a:t>
           </a:r>
           <a:r>
-            <a:rPr lang="en-US" i="1"/>
+            <a:rPr lang="en-US" i="1" dirty="0"/>
             <a:t>fd</a:t>
           </a:r>
           <a:r>
-            <a:rPr lang="en-US"/>
+            <a:rPr lang="en-US" dirty="0"/>
             <a:t> and </a:t>
           </a:r>
           <a:r>
-            <a:rPr lang="en-US" i="1"/>
+            <a:rPr lang="en-US" i="1" dirty="0"/>
             <a:t>bk </a:t>
           </a:r>
           <a:r>
-            <a:rPr lang="en-US"/>
+            <a:rPr lang="en-US" dirty="0"/>
             <a:t>fields (that’s all!) </a:t>
           </a:r>
         </a:p>
@@ -10870,23 +10870,23 @@
             <a:defRPr cap="all"/>
           </a:pPr>
           <a:r>
-            <a:rPr lang="en-US" sz="1600" kern="1200"/>
+            <a:rPr lang="en-US" sz="1600" kern="1200" dirty="0"/>
             <a:t>By editing the </a:t>
           </a:r>
           <a:r>
-            <a:rPr lang="en-US" sz="1600" i="1" kern="1200"/>
+            <a:rPr lang="en-US" sz="1600" i="1" kern="1200" dirty="0"/>
             <a:t>fd</a:t>
           </a:r>
           <a:r>
-            <a:rPr lang="en-US" sz="1600" kern="1200"/>
+            <a:rPr lang="en-US" sz="1600" kern="1200" dirty="0"/>
             <a:t> and </a:t>
           </a:r>
           <a:r>
-            <a:rPr lang="en-US" sz="1600" i="1" kern="1200"/>
+            <a:rPr lang="en-US" sz="1600" i="1" kern="1200" dirty="0"/>
             <a:t>bk </a:t>
           </a:r>
           <a:r>
-            <a:rPr lang="en-US" sz="1600" kern="1200"/>
+            <a:rPr lang="en-US" sz="1600" kern="1200" dirty="0"/>
             <a:t>fields (that’s all!) </a:t>
           </a:r>
         </a:p>
@@ -11328,7 +11328,7 @@
       </dsp:nvSpPr>
       <dsp:spPr>
         <a:xfrm>
-          <a:off x="1131974" y="11751"/>
+          <a:off x="1131974" y="11752"/>
           <a:ext cx="1921500" cy="1921500"/>
         </a:xfrm>
         <a:prstGeom prst="ellipse">
@@ -11368,8 +11368,8 @@
       </dsp:nvSpPr>
       <dsp:spPr>
         <a:xfrm>
-          <a:off x="1541474" y="421251"/>
-          <a:ext cx="1102500" cy="1102500"/>
+          <a:off x="1541474" y="421252"/>
+          <a:ext cx="1102499" cy="1102499"/>
         </a:xfrm>
         <a:prstGeom prst="rect">
           <a:avLst/>
@@ -11487,7 +11487,7 @@
       </dsp:nvSpPr>
       <dsp:spPr>
         <a:xfrm>
-          <a:off x="4833225" y="11751"/>
+          <a:off x="4833225" y="11752"/>
           <a:ext cx="1921500" cy="1921500"/>
         </a:xfrm>
         <a:prstGeom prst="ellipse">
@@ -11527,8 +11527,8 @@
       </dsp:nvSpPr>
       <dsp:spPr>
         <a:xfrm>
-          <a:off x="5242725" y="421251"/>
-          <a:ext cx="1102500" cy="1102500"/>
+          <a:off x="5242725" y="421252"/>
+          <a:ext cx="1102499" cy="1102499"/>
         </a:xfrm>
         <a:prstGeom prst="rect">
           <a:avLst/>
@@ -24549,6 +24549,38 @@
 </dgm:styleDef>
 </file>
 
+<file path=ppt/ink/ink1.xml><?xml version="1.0" encoding="utf-8"?>
+<inkml:ink xmlns:inkml="http://www.w3.org/2003/InkML">
+  <inkml:definitions>
+    <inkml:context xml:id="ctx0">
+      <inkml:inkSource xml:id="inkSrc0">
+        <inkml:traceFormat>
+          <inkml:channel name="X" type="integer" min="-2.14748E9" max="2.14748E9" units="cm"/>
+          <inkml:channel name="Y" type="integer" min="-2.14748E9" max="2.14748E9" units="cm"/>
+          <inkml:channel name="F" type="integer" max="32767" units="dev"/>
+        </inkml:traceFormat>
+        <inkml:channelProperties>
+          <inkml:channelProperty channel="X" name="resolution" value="1000" units="1/cm"/>
+          <inkml:channelProperty channel="Y" name="resolution" value="1000" units="1/cm"/>
+          <inkml:channelProperty channel="F" name="resolution" value="0" units="1/dev"/>
+        </inkml:channelProperties>
+      </inkml:inkSource>
+      <inkml:timestamp xml:id="ts0" timeString="2023-08-06T01:06:04.864"/>
+    </inkml:context>
+    <inkml:brush xml:id="br0">
+      <inkml:brushProperty name="width" value="0.05292" units="cm"/>
+      <inkml:brushProperty name="height" value="0.05292" units="cm"/>
+      <inkml:brushProperty name="color" value="#FF0000"/>
+    </inkml:brush>
+  </inkml:definitions>
+  <inkml:trace contextRef="#ctx0" brushRef="#br0">16444 4194 24575,'25'0'0,"3"0"0,-3 0 0,1 0 0,-2 0 0,1 0 0,7 0 0,0 0 0,-7 0 0,-1 0 0,-4 0 0,0 0 0,10 0 0,-15-6 0,10 4 0,-10-4 0,10 6 0,-10 0 0,-2 0 0,4-11 0,-14 8 0,9-9 0,-12 12 0,12 0 0,8-6 0,14-7 0,-11 9 0,0-1 0,-3-3 0,1-2 0,2 1 0,0-1 0,-3 0 0,-1-2 0,1-2 0,0 2 0,0 5 0,0 1 0,-1-4 0,1 2 0,0 3 0,0 1 0,14-9 0,-8-5 0,-1 15 0,-16-14 0,9 15 0,1-4 0,3-5 0,-4 9 0,2 1 0,0-8 0,0 0 0,0 2 0,1 1 0,1-2 0,1 1 0,3 1 0,0-1 0,-5-2 0,1 0 0,3 5 0,1-1 0,-6-7 0,0-1 0,0 6 0,-1 0 0,1-6 0,0 1 0,3 4 0,0 1 0,-3-6 0,1 1 0,1 7 0,1 1 0,3-4 0,0-1 0,-5 1 0,0 2 0,5 2 0,0-1 0,-6-1 0,0 1 0,-1 1 0,1 2 0,1 2 0,-2-2 0,9-15 0,-4 15 0,0 1 0,-6-8 0,1 0 0,13 8 0,1 1 0,-6-9 0,0 0 0,8 7 0,1 1 0,-5-7 0,-1-2 0,3 4 0,1-1 0,-2 0 0,0 0 0,-4 0 0,-1 0 0,-1-2 0,1 1 0,-4 6 0,-1 1 0,-2-5 0,0 0 0,5 5 0,1 2 0,-5-1 0,1 0 0,10 0 0,-1 0 0,-9 0 0,-1 0 0,7 0 0,1 0 0,-8 0 0,-1 0 0,9 0 0,0 0 0,-5 0 0,0 0 0,8 0 0,1 0 0,-6 0 0,0 0 0,5 0 0,1 0 0,-6 0 0,0 0 0,-1 0 0,1 0 0,5 0 0,-1 0 0,-3 0 0,0 0 0,5 0 0,0 0 0,0 0 0,-1 0 0,-7 0 0,-1 0 0,2 0 0,-1 0 0,-5 0 0,0 0 0,2 0 0,1 0 0,-2 0 0,-1 0 0,3-2 0,0-2 0,-3-2 0,0-1 0,5 3 0,1-1 0,-4-3 0,-1-2 0,-1 4 0,-1-1 0,0 0 0,-1-1 0,10-5 0,-11 4 0,0 1 0,9 5 0,-1-9 0,-10 12 0,10 0 0,-10 0 0,10 0 0,-11 0 0,0 0 0,3 12 0,-14-4 0,15 23 0,-17-9 0,8-3 0,0 1 0,0 13 0,-2-13 0,-1 0 0,0 8 0,0-9 0,0-1 0,-3 4 0,8 4 0,-11-1 0,6-10 0,-4 16 0,4-9 0,-6 4 0,11-1 0,-8-16 0,9 9 0,-12-5 0,6 2 0,-5 10 0,5-11 0,-6 11 0,0-16 0,0 3 0,0-12 0</inkml:trace>
+  <inkml:trace contextRef="#ctx0" brushRef="#br0" timeOffset="8766">18309 7078 24575,'-19'20'0,"4"5"0,-10-4 0,17-7 0,-10 4 0,16-16 0,-15 3 0,8 7 0,-4-9 0,-5 15 0,9-17 0,-16 17 0,11-15 0,-17 14 0,9-15 0,3 6 0,-1 2 0,-2-2 0,4-2 0,0 2 0,-4 9 0,-5-14 0,2 9 0,-1-6 0,4 7 0,-9-4 0,16 3 0,-16-6 0,9-5 0,-4 17 0,-5-15 0,9 14 0,3-10 0,0-1 0,-3 3 0,-9 3 0,16-6 0,-10-5 0,10 5 0,-16-6 0,9 12 0,-4-9 0,1 15 0,10-17 0,-10 5 0,11 6 0,-11-9 0,16 8 0,-9-11 0,5 6 0,-14-4 0,5 15 0,-9-14 0,5 15 0,-8-17 0,6 17 0,10-14 0,0 1 0,-4 20 0,-5-16 0,2 8 0,10-3 0,-10-6 0,11 10 0,-11-17 0,4 17 0,6-15 0,-2 15 0,4-5 0,-2-4 0,-10 3 0,10-7 0,-10-3 0,10 16 0,-10-16 0,11 16 0,-17-16 0,9 15 0,3-15 0,0-1 0,2 8 0,0 0 0,-3-9 0,0 1 0,-8 17 0,-9-15 0,15 9 0,-4-7 0,1-3 0,-1 4 0,3-6 0,-7 0 0,3 0 0,5 0 0,-9 12 0,5-9 0,4 8 0,-15-5 0,15-4 0,3 1 0,0 0 0,-3-3 0,-9 0 0,4 0 0,5 11 0,-14-8 0,13 9 0,4-11 0,0-2 0,-3 1 0,-15 0 0,10 0 0,7 3 0,0 0 0,-6-2 0,0-1 0,2 3 0,0 0 0,-2-3 0,-1 0 0,-2 6 0,1 0 0,6-5 0,1 1 0,-8 4 0,1 0 0,-8-6 0,14-1 0,0 2 0,0 5 0,-14-5 0,13 5 0,4-7 0,0 2 0,-3 11 0,-15-9 0,10 8 0,7-7 0,0-2 0,0-1 0,0 0 0,-14 5 0,8-6 0,1 0 0,10 0 0,-16 0 0,9 0 0,-4 0 0,1 0 0,10 0 0,-10 0 0,16 0 0,-8 0 0,3 0 0,-12 0 0,-2 0 0,9 0 0,0 0 0,-3 0 0,-9 0 0,4 0 0,-6 0 0,5 0 0,4 0 0,-1 0 0,-6 0 0,6 0 0,-1 0 0,6 0 0,0 0 0,-2 0 0,-1 0 0,2 0 0,1 0 0,-3-3 0,0 0 0,3 2 0,0 0 0,0-2 0,1 0 0,-1 4 0,0-2 0,-6-4 0,0-1 0,5 4 0,0 1 0,-5-5 0,0 0 0,3 5 0,1 2 0,1-1 0,1 0 0,-3 0 0,0 0 0,-11 0 0,15 0 0,0 0 0,-15 0 0,14 0 0,1 0 0,-9 0 0,-9 0 0,9 0 0,9-3 0,-2 0 0,-4 2 0,-1 1 0,5-3 0,-1 0 0,-7-3 0,1 0 0,7 5 0,1-1 0,-3-7 0,0 0 0,3 9 0,0-1 0,1-8 0,-1 0 0,0 7 0,0 1 0,-14-10 0,8 5 0,1 4 0,16-4 0,-9 6 0,17 0 0,-17 0 0,-2 0 0,-14-11 0,14 9 0,0 1 0,-3-5 0,1 0 0,1 2 0,0 2 0,2 1 0,-1 0 0,0-2 0,2 1 0,-16 2 0,14 0 0,0 0 0,-2 0 0,-2 0 0,1 0 0,-1 0 0,1-6 0,-1 0 0,1 5 0,1-1 0,-6-10 0,-3 12 0,22 0 0,-8 0 0,-3 0 0,-7 0 0,2-3 0,-2 0 0,3 3 0,0-1 0,-3-1 0,1-2 0,2-2 0,2 0 0,-12 3 0,8-9 0,13 12 0,-5 0 0,-3-5 0,3 4 0,-3 0 0,-5-8 0,-1 0 0,3 8 0,-1 0 0,-4-8 0,1 0 0,7 2 0,1 1 0,-9-2 0,0 1 0,8 1 0,0-1 0,-5-3 0,0 2 0,-2 5 0,-2-15 0,15 17 0,-10-5 0,16 6 0,-3 0 0,12 0 0,-6 0 0,5 0 0,-23-12 0,2 4 0,-2-5 0,-3 1 0,-3 4 0,0 1 0,-1-6 0,0 1 0,1 5 0,1-1 0,6-4 0,1-1 0,-12-1 0,14 1 0,2 1 0,-4-3 0,4 2 0,-1 1 0,-9-3 0,3 2 0,-2 1 0,6 5 0,0-1 0,-5-4 0,0-1 0,3 6 0,1 0 0,1 0 0,1 1 0,-1-4 0,2 2 0,-8 5 0,2-9 0,17 6 0,-10 5 0,17-5 0,-17 6 0,9 0 0,-4 0 0,-5 0 0,15 0 0,-14 0 0,3 0 0,6 0 0,-10 0 0,17 0 0,-5-12 0,6 9 0,0-8 0,-12 11 0,9 0 0,-15 0 0,-1-6 0,9 4 0,-20-4 0,28 6 0,-10 0 0,12 0 0</inkml:trace>
+  <inkml:trace contextRef="#ctx0" brushRef="#br0" timeOffset="12851">10610 7289 24575,'-19'0'0,"10"0"0,-15 0 0,21 0 0,-8 0 0,11 0 0,-6 0 0,4 0 0,-4 0 0,6 0 0,0 0 0,0 6 0,0-4 0,0 15 0,0-8 0,6 16 0,-4-16 0,4 9 0,5-5 0,-8-4 0,9 8 0,-12-15 0,0 4 0,0-6 0,0 0 0,-12-6 0,4 4 0,-17-15 0,-2 14 0,5-15 0,-9 17 0,22-17 0,-8 15 0,3-15 0,0 5 0,1 4 0,-5-2 0,15 5 0,-15 4 0,17-4 0,-17-5 0,15 8 0,-8-9 0,11 12 0,0 0 0,11 0 0,-8 0 0,9-6 0,-6 4 0,-5-15 0,17 8 0,-9-4 0,4 7 0,5 6 0,-15 0 0,14 0 0,-4 0 0,2-12 0,-2 9 0,5-9 0,-9 12 0,16-5 0,-10 3 0,10-4 0,-5-6 0,1 10 0,-8-10 0,5 12 0,-10 0 0,17 0 0,-10 0 0,-2 0 0,5 0 0,-15 0 0,15 0 0,-17 0 0,-1 0 0,-1 12 0,-17-4 0,9 23 0,-16-3 0,12-11 0,0 0 0,-9 9 0,6-12 0,1-3 0,-6 4 0,1 10 0,6-16 0,8 3 0,6-12 0,0 0 0,-11 0 0,8 6 0,-15-5 0,5 17 0,-2-15 0,2 8 0,7-11 0,-6 0 0,9 0 0,-8-11 0,11 8 0,0-9 0,0 12 0,0 0 0,0-6 0,-6 5 0,4-5 0,-4 6 0,6-12 0,0 9 0,0-9 0,0 12 0,0 0 0,0-6 0,0 5 0,0-5 0,0 6 0,0-12 0,0 9 0,0-8 0</inkml:trace>
+  <inkml:trace contextRef="#ctx0" brushRef="#br0" timeOffset="16566">20585 3982 24575,'7'0'0,"16"0"0,-6 0 0,1 0 0,2 0 0,14 0 0,-6 0 0,-9 0 0,-2 0 0,-8 0 0,4 0 0,5 0 0,-15 0 0,15 0 0,-17-12 0,17 9 0,-15-8 0,8 11 0,-5 0 0,-4-6 0,4 4 0,-6-4 0,0 6 0,0 0 0,0-11 0,11 8 0,-8-15 0,15 16 0,-17-15 0,5 14 0,6-15 0,-9 17 0,15-5 0,-17 6 0,17 0 0,-15 0 0,8 0 0,-11 0 0,6 0 0,-4 0 0,4 0 0</inkml:trace>
+  <inkml:trace contextRef="#ctx0" brushRef="#br0" timeOffset="18507">20558 4101 24575,'0'7'0,"12"-1"0,-9 6 0,9-9 0,-12 9 0,5-6 0,-3-5 0,16 23 0,2-8 0,-9 2 0,0 2 0,5-3 0,-1 0 0,0 11 0,-3-12 0,1-1 0,1-1 0,0 11 0,3-10 0,-14 10 0,15-16 0,-17 3 0,5-12 0,-6 0 0,0-12 0,12 9 0,-9-15 0,9 5 0,-6-2 0,-5-16 0,17 3 0,-15-5 0,14 6 0,-15-4 0,4 9 0,5-4 0,-8 1 0,9-2 0,-12 5 0,6-9 0,-5 17 0,5-11 0,-6 16 0,0-9 0,0 5 0,0 4 0,12-2 0,-9 5 0,9 4 0,-12-4 0,6 6 0,-5-11 0,5 8 0,-6-9 0,0 12 0</inkml:trace>
+</inkml:ink>
+</file>
+
 <file path=ppt/notesMasters/notesMaster1.xml><?xml version="1.0" encoding="utf-8"?>
 <p:notesMaster xmlns:a="http://schemas.openxmlformats.org/drawingml/2006/main" xmlns:r="http://schemas.openxmlformats.org/officeDocument/2006/relationships" xmlns:p="http://schemas.openxmlformats.org/presentationml/2006/main">
   <p:cSld>
@@ -24631,7 +24663,7 @@
           <a:p>
             <a:fld id="{2DA23E8D-1792-1541-9147-970A8DD8A355}" type="datetimeFigureOut">
               <a:rPr lang="en-US" smtClean="0"/>
-              <a:t>8/7/22</a:t>
+              <a:t>8/9/23</a:t>
             </a:fld>
             <a:endParaRPr lang="en-US" dirty="0"/>
           </a:p>
@@ -25050,7 +25082,7 @@
           <a:p>
             <a:fld id="{AC55928C-CD14-454C-B617-1AFCF9A58596}" type="slidenum">
               <a:rPr lang="en-US" smtClean="0"/>
-              <a:t>87</a:t>
+              <a:t>85</a:t>
             </a:fld>
             <a:endParaRPr lang="en-US" dirty="0"/>
           </a:p>
@@ -25059,7 +25091,7 @@
     </p:spTree>
     <p:extLst>
       <p:ext uri="{BB962C8B-B14F-4D97-AF65-F5344CB8AC3E}">
-        <p14:creationId xmlns:p14="http://schemas.microsoft.com/office/powerpoint/2010/main" val="1149768454"/>
+        <p14:creationId xmlns:p14="http://schemas.microsoft.com/office/powerpoint/2010/main" val="3144274338"/>
       </p:ext>
     </p:extLst>
   </p:cSld>
@@ -25115,7 +25147,7 @@
           <a:p>
             <a:r>
               <a:rPr lang="en-US" dirty="0"/>
-              <a:t>Is this useful? Let’s see how the rest of the macro works out!</a:t>
+              <a:t>Bypass the first security check</a:t>
             </a:r>
           </a:p>
         </p:txBody>
@@ -25137,6 +25169,180 @@
           <a:p>
             <a:fld id="{AC55928C-CD14-454C-B617-1AFCF9A58596}" type="slidenum">
               <a:rPr lang="en-US" smtClean="0"/>
+              <a:t>86</a:t>
+            </a:fld>
+            <a:endParaRPr lang="en-US" dirty="0"/>
+          </a:p>
+        </p:txBody>
+      </p:sp>
+    </p:spTree>
+    <p:extLst>
+      <p:ext uri="{BB962C8B-B14F-4D97-AF65-F5344CB8AC3E}">
+        <p14:creationId xmlns:p14="http://schemas.microsoft.com/office/powerpoint/2010/main" val="3811770443"/>
+      </p:ext>
+    </p:extLst>
+  </p:cSld>
+  <p:clrMapOvr>
+    <a:masterClrMapping/>
+  </p:clrMapOvr>
+</p:notes>
+</file>
+
+<file path=ppt/notesSlides/notesSlide12.xml><?xml version="1.0" encoding="utf-8"?>
+<p:notes xmlns:a="http://schemas.openxmlformats.org/drawingml/2006/main" xmlns:r="http://schemas.openxmlformats.org/officeDocument/2006/relationships" xmlns:p="http://schemas.openxmlformats.org/presentationml/2006/main">
+  <p:cSld>
+    <p:spTree>
+      <p:nvGrpSpPr>
+        <p:cNvPr id="1" name=""/>
+        <p:cNvGrpSpPr/>
+        <p:nvPr/>
+      </p:nvGrpSpPr>
+      <p:grpSpPr>
+        <a:xfrm>
+          <a:off x="0" y="0"/>
+          <a:ext cx="0" cy="0"/>
+          <a:chOff x="0" y="0"/>
+          <a:chExt cx="0" cy="0"/>
+        </a:xfrm>
+      </p:grpSpPr>
+      <p:sp>
+        <p:nvSpPr>
+          <p:cNvPr id="2" name="Slide Image Placeholder 1"/>
+          <p:cNvSpPr>
+            <a:spLocks noGrp="1" noRot="1" noChangeAspect="1"/>
+          </p:cNvSpPr>
+          <p:nvPr>
+            <p:ph type="sldImg"/>
+          </p:nvPr>
+        </p:nvSpPr>
+        <p:spPr/>
+      </p:sp>
+      <p:sp>
+        <p:nvSpPr>
+          <p:cNvPr id="3" name="Notes Placeholder 2"/>
+          <p:cNvSpPr>
+            <a:spLocks noGrp="1"/>
+          </p:cNvSpPr>
+          <p:nvPr>
+            <p:ph type="body" idx="1"/>
+          </p:nvPr>
+        </p:nvSpPr>
+        <p:spPr/>
+        <p:txBody>
+          <a:bodyPr/>
+          <a:lstStyle/>
+          <a:p>
+            <a:r>
+              <a:rPr lang="en-US" dirty="0"/>
+              <a:t>Bypass the first security check</a:t>
+            </a:r>
+          </a:p>
+        </p:txBody>
+      </p:sp>
+      <p:sp>
+        <p:nvSpPr>
+          <p:cNvPr id="4" name="Slide Number Placeholder 3"/>
+          <p:cNvSpPr>
+            <a:spLocks noGrp="1"/>
+          </p:cNvSpPr>
+          <p:nvPr>
+            <p:ph type="sldNum" sz="quarter" idx="5"/>
+          </p:nvPr>
+        </p:nvSpPr>
+        <p:spPr/>
+        <p:txBody>
+          <a:bodyPr/>
+          <a:lstStyle/>
+          <a:p>
+            <a:fld id="{AC55928C-CD14-454C-B617-1AFCF9A58596}" type="slidenum">
+              <a:rPr lang="en-US" smtClean="0"/>
+              <a:t>87</a:t>
+            </a:fld>
+            <a:endParaRPr lang="en-US" dirty="0"/>
+          </a:p>
+        </p:txBody>
+      </p:sp>
+    </p:spTree>
+    <p:extLst>
+      <p:ext uri="{BB962C8B-B14F-4D97-AF65-F5344CB8AC3E}">
+        <p14:creationId xmlns:p14="http://schemas.microsoft.com/office/powerpoint/2010/main" val="1149768454"/>
+      </p:ext>
+    </p:extLst>
+  </p:cSld>
+  <p:clrMapOvr>
+    <a:masterClrMapping/>
+  </p:clrMapOvr>
+</p:notes>
+</file>
+
+<file path=ppt/notesSlides/notesSlide13.xml><?xml version="1.0" encoding="utf-8"?>
+<p:notes xmlns:a="http://schemas.openxmlformats.org/drawingml/2006/main" xmlns:r="http://schemas.openxmlformats.org/officeDocument/2006/relationships" xmlns:p="http://schemas.openxmlformats.org/presentationml/2006/main">
+  <p:cSld>
+    <p:spTree>
+      <p:nvGrpSpPr>
+        <p:cNvPr id="1" name=""/>
+        <p:cNvGrpSpPr/>
+        <p:nvPr/>
+      </p:nvGrpSpPr>
+      <p:grpSpPr>
+        <a:xfrm>
+          <a:off x="0" y="0"/>
+          <a:ext cx="0" cy="0"/>
+          <a:chOff x="0" y="0"/>
+          <a:chExt cx="0" cy="0"/>
+        </a:xfrm>
+      </p:grpSpPr>
+      <p:sp>
+        <p:nvSpPr>
+          <p:cNvPr id="2" name="Slide Image Placeholder 1"/>
+          <p:cNvSpPr>
+            <a:spLocks noGrp="1" noRot="1" noChangeAspect="1"/>
+          </p:cNvSpPr>
+          <p:nvPr>
+            <p:ph type="sldImg"/>
+          </p:nvPr>
+        </p:nvSpPr>
+        <p:spPr/>
+      </p:sp>
+      <p:sp>
+        <p:nvSpPr>
+          <p:cNvPr id="3" name="Notes Placeholder 2"/>
+          <p:cNvSpPr>
+            <a:spLocks noGrp="1"/>
+          </p:cNvSpPr>
+          <p:nvPr>
+            <p:ph type="body" idx="1"/>
+          </p:nvPr>
+        </p:nvSpPr>
+        <p:spPr/>
+        <p:txBody>
+          <a:bodyPr/>
+          <a:lstStyle/>
+          <a:p>
+            <a:r>
+              <a:rPr lang="en-US" dirty="0"/>
+              <a:t>Is this useful? Let’s see how the rest of the macro works out!</a:t>
+            </a:r>
+          </a:p>
+        </p:txBody>
+      </p:sp>
+      <p:sp>
+        <p:nvSpPr>
+          <p:cNvPr id="4" name="Slide Number Placeholder 3"/>
+          <p:cNvSpPr>
+            <a:spLocks noGrp="1"/>
+          </p:cNvSpPr>
+          <p:nvPr>
+            <p:ph type="sldNum" sz="quarter" idx="5"/>
+          </p:nvPr>
+        </p:nvSpPr>
+        <p:spPr/>
+        <p:txBody>
+          <a:bodyPr/>
+          <a:lstStyle/>
+          <a:p>
+            <a:fld id="{AC55928C-CD14-454C-B617-1AFCF9A58596}" type="slidenum">
+              <a:rPr lang="en-US" smtClean="0"/>
               <a:t>88</a:t>
             </a:fld>
             <a:endParaRPr lang="en-US" dirty="0"/>
@@ -25156,7 +25362,7 @@
 </p:notes>
 </file>
 
-<file path=ppt/notesSlides/notesSlide12.xml><?xml version="1.0" encoding="utf-8"?>
+<file path=ppt/notesSlides/notesSlide14.xml><?xml version="1.0" encoding="utf-8"?>
 <p:notes xmlns:a="http://schemas.openxmlformats.org/drawingml/2006/main" xmlns:r="http://schemas.openxmlformats.org/officeDocument/2006/relationships" xmlns:p="http://schemas.openxmlformats.org/presentationml/2006/main">
   <p:cSld>
     <p:spTree>
@@ -25289,7 +25495,7 @@
           <a:p>
             <a:r>
               <a:rPr lang="en-US" dirty="0"/>
-              <a:t>STOP and ask for questions!</a:t>
+              <a:t>Tired of learning how to remove an element from a linked list.</a:t>
             </a:r>
           </a:p>
         </p:txBody>
@@ -25311,7 +25517,7 @@
           <a:p>
             <a:fld id="{AC55928C-CD14-454C-B617-1AFCF9A58596}" type="slidenum">
               <a:rPr lang="en-US" smtClean="0"/>
-              <a:t>34</a:t>
+              <a:t>18</a:t>
             </a:fld>
             <a:endParaRPr lang="en-US" dirty="0"/>
           </a:p>
@@ -25320,7 +25526,7 @@
     </p:spTree>
     <p:extLst>
       <p:ext uri="{BB962C8B-B14F-4D97-AF65-F5344CB8AC3E}">
-        <p14:creationId xmlns:p14="http://schemas.microsoft.com/office/powerpoint/2010/main" val="17712015"/>
+        <p14:creationId xmlns:p14="http://schemas.microsoft.com/office/powerpoint/2010/main" val="7239980"/>
       </p:ext>
     </p:extLst>
   </p:cSld>
@@ -25376,7 +25582,7 @@
           <a:p>
             <a:r>
               <a:rPr lang="en-US" dirty="0"/>
-              <a:t>The goal is to bypass THIS security check while doing something meaningful</a:t>
+              <a:t>STOP and ask for questions!</a:t>
             </a:r>
           </a:p>
         </p:txBody>
@@ -25398,7 +25604,7 @@
           <a:p>
             <a:fld id="{AC55928C-CD14-454C-B617-1AFCF9A58596}" type="slidenum">
               <a:rPr lang="en-US" smtClean="0"/>
-              <a:t>77</a:t>
+              <a:t>34</a:t>
             </a:fld>
             <a:endParaRPr lang="en-US" dirty="0"/>
           </a:p>
@@ -25407,7 +25613,7 @@
     </p:spTree>
     <p:extLst>
       <p:ext uri="{BB962C8B-B14F-4D97-AF65-F5344CB8AC3E}">
-        <p14:creationId xmlns:p14="http://schemas.microsoft.com/office/powerpoint/2010/main" val="3783062137"/>
+        <p14:creationId xmlns:p14="http://schemas.microsoft.com/office/powerpoint/2010/main" val="17712015"/>
       </p:ext>
     </p:extLst>
   </p:cSld>
@@ -25463,7 +25669,7 @@
           <a:p>
             <a:r>
               <a:rPr lang="en-US" dirty="0"/>
-              <a:t>Describe setup</a:t>
+              <a:t>Questions?</a:t>
             </a:r>
           </a:p>
         </p:txBody>
@@ -25485,7 +25691,7 @@
           <a:p>
             <a:fld id="{AC55928C-CD14-454C-B617-1AFCF9A58596}" type="slidenum">
               <a:rPr lang="en-US" smtClean="0"/>
-              <a:t>79</a:t>
+              <a:t>54</a:t>
             </a:fld>
             <a:endParaRPr lang="en-US" dirty="0"/>
           </a:p>
@@ -25494,7 +25700,7 @@
     </p:spTree>
     <p:extLst>
       <p:ext uri="{BB962C8B-B14F-4D97-AF65-F5344CB8AC3E}">
-        <p14:creationId xmlns:p14="http://schemas.microsoft.com/office/powerpoint/2010/main" val="3967024695"/>
+        <p14:creationId xmlns:p14="http://schemas.microsoft.com/office/powerpoint/2010/main" val="3853950663"/>
       </p:ext>
     </p:extLst>
   </p:cSld>
@@ -25548,7 +25754,10 @@
           <a:bodyPr/>
           <a:lstStyle/>
           <a:p>
-            <a:endParaRPr lang="en-US" dirty="0"/>
+            <a:r>
+              <a:rPr lang="en-US" dirty="0"/>
+              <a:t>The goal is to bypass THIS security check while doing something meaningful</a:t>
+            </a:r>
           </a:p>
         </p:txBody>
       </p:sp>
@@ -25569,7 +25778,7 @@
           <a:p>
             <a:fld id="{AC55928C-CD14-454C-B617-1AFCF9A58596}" type="slidenum">
               <a:rPr lang="en-US" smtClean="0"/>
-              <a:t>81</a:t>
+              <a:t>77</a:t>
             </a:fld>
             <a:endParaRPr lang="en-US" dirty="0"/>
           </a:p>
@@ -25578,7 +25787,7 @@
     </p:spTree>
     <p:extLst>
       <p:ext uri="{BB962C8B-B14F-4D97-AF65-F5344CB8AC3E}">
-        <p14:creationId xmlns:p14="http://schemas.microsoft.com/office/powerpoint/2010/main" val="3036814789"/>
+        <p14:creationId xmlns:p14="http://schemas.microsoft.com/office/powerpoint/2010/main" val="3783062137"/>
       </p:ext>
     </p:extLst>
   </p:cSld>
@@ -25634,15 +25843,7 @@
           <a:p>
             <a:r>
               <a:rPr lang="en-US" dirty="0"/>
-              <a:t>We write new interesting pointers here, and we overwrite </a:t>
-            </a:r>
-            <a:r>
-              <a:rPr lang="en-US" dirty="0" err="1"/>
-              <a:t>prev_size</a:t>
-            </a:r>
-            <a:r>
-              <a:rPr lang="en-US" dirty="0"/>
-              <a:t> of the next chunk</a:t>
+              <a:t>Describe setup</a:t>
             </a:r>
           </a:p>
         </p:txBody>
@@ -25664,7 +25865,7 @@
           <a:p>
             <a:fld id="{AC55928C-CD14-454C-B617-1AFCF9A58596}" type="slidenum">
               <a:rPr lang="en-US" smtClean="0"/>
-              <a:t>82</a:t>
+              <a:t>79</a:t>
             </a:fld>
             <a:endParaRPr lang="en-US" dirty="0"/>
           </a:p>
@@ -25673,7 +25874,7 @@
     </p:spTree>
     <p:extLst>
       <p:ext uri="{BB962C8B-B14F-4D97-AF65-F5344CB8AC3E}">
-        <p14:creationId xmlns:p14="http://schemas.microsoft.com/office/powerpoint/2010/main" val="503319179"/>
+        <p14:creationId xmlns:p14="http://schemas.microsoft.com/office/powerpoint/2010/main" val="3967024695"/>
       </p:ext>
     </p:extLst>
   </p:cSld>
@@ -25727,10 +25928,7 @@
           <a:bodyPr/>
           <a:lstStyle/>
           <a:p>
-            <a:r>
-              <a:rPr lang="en-US" dirty="0"/>
-              <a:t>The goal is to bypass THIS security check while doing something meaningful</a:t>
-            </a:r>
+            <a:endParaRPr lang="en-US" dirty="0"/>
           </a:p>
         </p:txBody>
       </p:sp>
@@ -25751,7 +25949,7 @@
           <a:p>
             <a:fld id="{AC55928C-CD14-454C-B617-1AFCF9A58596}" type="slidenum">
               <a:rPr lang="en-US" smtClean="0"/>
-              <a:t>84</a:t>
+              <a:t>81</a:t>
             </a:fld>
             <a:endParaRPr lang="en-US" dirty="0"/>
           </a:p>
@@ -25760,7 +25958,7 @@
     </p:spTree>
     <p:extLst>
       <p:ext uri="{BB962C8B-B14F-4D97-AF65-F5344CB8AC3E}">
-        <p14:creationId xmlns:p14="http://schemas.microsoft.com/office/powerpoint/2010/main" val="1402674623"/>
+        <p14:creationId xmlns:p14="http://schemas.microsoft.com/office/powerpoint/2010/main" val="3036814789"/>
       </p:ext>
     </p:extLst>
   </p:cSld>
@@ -25816,7 +26014,15 @@
           <a:p>
             <a:r>
               <a:rPr lang="en-US" dirty="0"/>
-              <a:t>Bypass the first security check</a:t>
+              <a:t>We write new interesting pointers here, and we overwrite </a:t>
+            </a:r>
+            <a:r>
+              <a:rPr lang="en-US" dirty="0" err="1"/>
+              <a:t>prev_size</a:t>
+            </a:r>
+            <a:r>
+              <a:rPr lang="en-US" dirty="0"/>
+              <a:t> of the next chunk</a:t>
             </a:r>
           </a:p>
         </p:txBody>
@@ -25838,7 +26044,7 @@
           <a:p>
             <a:fld id="{AC55928C-CD14-454C-B617-1AFCF9A58596}" type="slidenum">
               <a:rPr lang="en-US" smtClean="0"/>
-              <a:t>85</a:t>
+              <a:t>82</a:t>
             </a:fld>
             <a:endParaRPr lang="en-US" dirty="0"/>
           </a:p>
@@ -25847,7 +26053,7 @@
     </p:spTree>
     <p:extLst>
       <p:ext uri="{BB962C8B-B14F-4D97-AF65-F5344CB8AC3E}">
-        <p14:creationId xmlns:p14="http://schemas.microsoft.com/office/powerpoint/2010/main" val="3144274338"/>
+        <p14:creationId xmlns:p14="http://schemas.microsoft.com/office/powerpoint/2010/main" val="503319179"/>
       </p:ext>
     </p:extLst>
   </p:cSld>
@@ -25903,7 +26109,7 @@
           <a:p>
             <a:r>
               <a:rPr lang="en-US" dirty="0"/>
-              <a:t>Bypass the first security check</a:t>
+              <a:t>The goal is to bypass THIS security check while doing something meaningful</a:t>
             </a:r>
           </a:p>
         </p:txBody>
@@ -25925,7 +26131,7 @@
           <a:p>
             <a:fld id="{AC55928C-CD14-454C-B617-1AFCF9A58596}" type="slidenum">
               <a:rPr lang="en-US" smtClean="0"/>
-              <a:t>86</a:t>
+              <a:t>84</a:t>
             </a:fld>
             <a:endParaRPr lang="en-US" dirty="0"/>
           </a:p>
@@ -25934,7 +26140,7 @@
     </p:spTree>
     <p:extLst>
       <p:ext uri="{BB962C8B-B14F-4D97-AF65-F5344CB8AC3E}">
-        <p14:creationId xmlns:p14="http://schemas.microsoft.com/office/powerpoint/2010/main" val="3811770443"/>
+        <p14:creationId xmlns:p14="http://schemas.microsoft.com/office/powerpoint/2010/main" val="1402674623"/>
       </p:ext>
     </p:extLst>
   </p:cSld>
@@ -26147,7 +26353,7 @@
                 <a:latin typeface="Calibri"/>
               </a:rPr>
               <a:pPr/>
-              <a:t>8/7/22</a:t>
+              <a:t>8/9/23</a:t>
             </a:fld>
             <a:endParaRPr lang="en-US" dirty="0">
               <a:solidFill>
@@ -26400,7 +26606,7 @@
                 <a:latin typeface="Calibri"/>
               </a:rPr>
               <a:pPr/>
-              <a:t>8/7/22</a:t>
+              <a:t>8/9/23</a:t>
             </a:fld>
             <a:endParaRPr lang="en-US" dirty="0">
               <a:solidFill>
@@ -26615,7 +26821,7 @@
                 <a:latin typeface="Calibri"/>
               </a:rPr>
               <a:pPr/>
-              <a:t>8/7/22</a:t>
+              <a:t>8/9/23</a:t>
             </a:fld>
             <a:endParaRPr lang="en-US" dirty="0">
               <a:solidFill>
@@ -27013,7 +27219,7 @@
                 <a:latin typeface="Calibri"/>
               </a:rPr>
               <a:pPr/>
-              <a:t>8/7/22</a:t>
+              <a:t>8/9/23</a:t>
             </a:fld>
             <a:endParaRPr lang="en-US" dirty="0">
               <a:solidFill>
@@ -27355,7 +27561,7 @@
                 <a:latin typeface="Calibri"/>
               </a:rPr>
               <a:pPr/>
-              <a:t>8/7/22</a:t>
+              <a:t>8/9/23</a:t>
             </a:fld>
             <a:endParaRPr lang="en-US" dirty="0">
               <a:solidFill>
@@ -27683,7 +27889,7 @@
                 <a:latin typeface="Calibri"/>
               </a:rPr>
               <a:pPr/>
-              <a:t>8/7/22</a:t>
+              <a:t>8/9/23</a:t>
             </a:fld>
             <a:endParaRPr lang="en-US" dirty="0">
               <a:solidFill>
@@ -28172,7 +28378,7 @@
                 <a:latin typeface="Calibri"/>
               </a:rPr>
               <a:pPr/>
-              <a:t>8/7/22</a:t>
+              <a:t>8/9/23</a:t>
             </a:fld>
             <a:endParaRPr lang="en-US" dirty="0">
               <a:solidFill>
@@ -28355,7 +28561,7 @@
                 <a:latin typeface="Calibri"/>
               </a:rPr>
               <a:pPr/>
-              <a:t>8/7/22</a:t>
+              <a:t>8/9/23</a:t>
             </a:fld>
             <a:endParaRPr lang="en-US" dirty="0">
               <a:solidFill>
@@ -28601,7 +28807,7 @@
                 <a:latin typeface="Calibri"/>
               </a:rPr>
               <a:pPr/>
-              <a:t>8/7/22</a:t>
+              <a:t>8/9/23</a:t>
             </a:fld>
             <a:endParaRPr lang="en-US" dirty="0">
               <a:solidFill>
@@ -28943,7 +29149,7 @@
                 <a:latin typeface="Calibri"/>
               </a:rPr>
               <a:pPr/>
-              <a:t>8/7/22</a:t>
+              <a:t>8/9/23</a:t>
             </a:fld>
             <a:endParaRPr lang="en-US" dirty="0">
               <a:solidFill>
@@ -29235,7 +29441,7 @@
                 <a:latin typeface="Calibri"/>
               </a:rPr>
               <a:pPr/>
-              <a:t>8/7/22</a:t>
+              <a:t>8/9/23</a:t>
             </a:fld>
             <a:endParaRPr lang="en-US" dirty="0">
               <a:solidFill>
@@ -29485,7 +29691,7 @@
                 <a:latin typeface="Calibri"/>
               </a:rPr>
               <a:pPr defTabSz="914400"/>
-              <a:t>8/7/22</a:t>
+              <a:t>8/9/23</a:t>
             </a:fld>
             <a:endParaRPr lang="en-US" dirty="0">
               <a:solidFill>
@@ -30341,7 +30547,7 @@
         <p:spPr>
           <a:xfrm>
             <a:off x="1587398" y="1818784"/>
-            <a:ext cx="336500" cy="369332"/>
+            <a:ext cx="1119226" cy="369332"/>
           </a:xfrm>
           <a:prstGeom prst="rect">
             <a:avLst/>
@@ -30356,7 +30562,7 @@
           <a:p>
             <a:r>
               <a:rPr lang="en-US" dirty="0"/>
-              <a:t>1</a:t>
+              <a:t>Prev</a:t>
             </a:r>
           </a:p>
         </p:txBody>
@@ -30376,7 +30582,7 @@
         <p:spPr>
           <a:xfrm>
             <a:off x="4403750" y="1890716"/>
-            <a:ext cx="336500" cy="369332"/>
+            <a:ext cx="716890" cy="369332"/>
           </a:xfrm>
           <a:prstGeom prst="rect">
             <a:avLst/>
@@ -30391,7 +30597,7 @@
           <a:p>
             <a:r>
               <a:rPr lang="en-US" dirty="0"/>
-              <a:t>2</a:t>
+              <a:t>Cur</a:t>
             </a:r>
           </a:p>
         </p:txBody>
@@ -30411,7 +30617,7 @@
         <p:spPr>
           <a:xfrm>
             <a:off x="7220102" y="1889500"/>
-            <a:ext cx="336500" cy="369332"/>
+            <a:ext cx="716890" cy="369332"/>
           </a:xfrm>
           <a:prstGeom prst="rect">
             <a:avLst/>
@@ -30426,7 +30632,7 @@
           <a:p>
             <a:r>
               <a:rPr lang="en-US" dirty="0"/>
-              <a:t>3</a:t>
+              <a:t>Next</a:t>
             </a:r>
           </a:p>
         </p:txBody>
@@ -30528,10 +30734,10 @@
       </p:pic>
       <p:sp>
         <p:nvSpPr>
-          <p:cNvPr id="4" name="TextBox 3">
+          <p:cNvPr id="3" name="TextBox 2">
             <a:extLst>
               <a:ext uri="{FF2B5EF4-FFF2-40B4-BE49-F238E27FC236}">
-                <a16:creationId xmlns:a16="http://schemas.microsoft.com/office/drawing/2014/main" id="{2808846E-B1C2-5648-8056-A1F59F61CDAC}"/>
+                <a16:creationId xmlns:a16="http://schemas.microsoft.com/office/drawing/2014/main" id="{D8661562-DBEF-40B5-A14A-AAC0881EC1C9}"/>
               </a:ext>
             </a:extLst>
           </p:cNvPr>
@@ -30540,8 +30746,8 @@
         </p:nvSpPr>
         <p:spPr>
           <a:xfrm>
-            <a:off x="1587398" y="1869341"/>
-            <a:ext cx="336500" cy="369332"/>
+            <a:off x="1587398" y="1818784"/>
+            <a:ext cx="1119226" cy="369332"/>
           </a:xfrm>
           <a:prstGeom prst="rect">
             <a:avLst/>
@@ -30556,17 +30762,17 @@
           <a:p>
             <a:r>
               <a:rPr lang="en-US" dirty="0"/>
-              <a:t>1</a:t>
+              <a:t>Prev</a:t>
             </a:r>
           </a:p>
         </p:txBody>
       </p:sp>
       <p:sp>
         <p:nvSpPr>
-          <p:cNvPr id="5" name="TextBox 4">
+          <p:cNvPr id="8" name="TextBox 7">
             <a:extLst>
               <a:ext uri="{FF2B5EF4-FFF2-40B4-BE49-F238E27FC236}">
-                <a16:creationId xmlns:a16="http://schemas.microsoft.com/office/drawing/2014/main" id="{6C986F60-AB0E-444C-BED8-066C8E7B10CB}"/>
+                <a16:creationId xmlns:a16="http://schemas.microsoft.com/office/drawing/2014/main" id="{8ACE4028-BFBA-7C72-2830-C5A86903167D}"/>
               </a:ext>
             </a:extLst>
           </p:cNvPr>
@@ -30575,8 +30781,8 @@
         </p:nvSpPr>
         <p:spPr>
           <a:xfrm>
-            <a:off x="4403750" y="1685891"/>
-            <a:ext cx="336500" cy="369332"/>
+            <a:off x="4213555" y="1634118"/>
+            <a:ext cx="716890" cy="369332"/>
           </a:xfrm>
           <a:prstGeom prst="rect">
             <a:avLst/>
@@ -30591,17 +30797,17 @@
           <a:p>
             <a:r>
               <a:rPr lang="en-US" dirty="0"/>
-              <a:t>2</a:t>
+              <a:t>Cur</a:t>
             </a:r>
           </a:p>
         </p:txBody>
       </p:sp>
       <p:sp>
         <p:nvSpPr>
-          <p:cNvPr id="6" name="TextBox 5">
+          <p:cNvPr id="9" name="TextBox 8">
             <a:extLst>
               <a:ext uri="{FF2B5EF4-FFF2-40B4-BE49-F238E27FC236}">
-                <a16:creationId xmlns:a16="http://schemas.microsoft.com/office/drawing/2014/main" id="{74376F1E-9663-9B42-A1B4-A2D412714D86}"/>
+                <a16:creationId xmlns:a16="http://schemas.microsoft.com/office/drawing/2014/main" id="{6FCCFDDD-A243-93F9-17B1-2265EB2BFB95}"/>
               </a:ext>
             </a:extLst>
           </p:cNvPr>
@@ -30610,8 +30816,8 @@
         </p:nvSpPr>
         <p:spPr>
           <a:xfrm>
-            <a:off x="7220102" y="1869341"/>
-            <a:ext cx="336500" cy="369332"/>
+            <a:off x="7220102" y="1889500"/>
+            <a:ext cx="716890" cy="369332"/>
           </a:xfrm>
           <a:prstGeom prst="rect">
             <a:avLst/>
@@ -30626,7 +30832,7 @@
           <a:p>
             <a:r>
               <a:rPr lang="en-US" dirty="0"/>
-              <a:t>3</a:t>
+              <a:t>Next</a:t>
             </a:r>
           </a:p>
         </p:txBody>
@@ -31851,6 +32057,57 @@
           </a:prstGeom>
         </p:spPr>
       </p:pic>
+      <mc:AlternateContent xmlns:mc="http://schemas.openxmlformats.org/markup-compatibility/2006" xmlns:p14="http://schemas.microsoft.com/office/powerpoint/2010/main">
+        <mc:Choice Requires="p14">
+          <p:contentPart p14:bwMode="auto" r:id="rId5">
+            <p14:nvContentPartPr>
+              <p14:cNvPr id="3" name="Ink 2">
+                <a:extLst>
+                  <a:ext uri="{FF2B5EF4-FFF2-40B4-BE49-F238E27FC236}">
+                    <a16:creationId xmlns:a16="http://schemas.microsoft.com/office/drawing/2014/main" id="{F79EBF93-4B23-1997-1642-030F8C5273CD}"/>
+                  </a:ext>
+                </a:extLst>
+              </p14:cNvPr>
+              <p14:cNvContentPartPr/>
+              <p14:nvPr/>
+            </p14:nvContentPartPr>
+            <p14:xfrm>
+              <a:off x="3710160" y="1224000"/>
+              <a:ext cx="3848400" cy="1676880"/>
+            </p14:xfrm>
+          </p:contentPart>
+        </mc:Choice>
+        <mc:Fallback xmlns="">
+          <p:pic>
+            <p:nvPicPr>
+              <p:cNvPr id="3" name="Ink 2">
+                <a:extLst>
+                  <a:ext uri="{FF2B5EF4-FFF2-40B4-BE49-F238E27FC236}">
+                    <a16:creationId xmlns:a16="http://schemas.microsoft.com/office/drawing/2014/main" id="{F79EBF93-4B23-1997-1642-030F8C5273CD}"/>
+                  </a:ext>
+                </a:extLst>
+              </p:cNvPr>
+              <p:cNvPicPr/>
+              <p:nvPr/>
+            </p:nvPicPr>
+            <p:blipFill>
+              <a:blip r:embed="rId6"/>
+              <a:stretch>
+                <a:fillRect/>
+              </a:stretch>
+            </p:blipFill>
+            <p:spPr>
+              <a:xfrm>
+                <a:off x="3700800" y="1214640"/>
+                <a:ext cx="3867120" cy="1695600"/>
+              </a:xfrm>
+              <a:prstGeom prst="rect">
+                <a:avLst/>
+              </a:prstGeom>
+            </p:spPr>
+          </p:pic>
+        </mc:Fallback>
+      </mc:AlternateContent>
     </p:spTree>
     <p:extLst>
       <p:ext uri="{BB962C8B-B14F-4D97-AF65-F5344CB8AC3E}">
@@ -32343,10 +32600,10 @@
           <p:nvPr/>
         </p:nvPicPr>
         <p:blipFill rotWithShape="1">
-          <a:blip r:embed="rId2">
+          <a:blip r:embed="rId3">
             <a:extLst>
               <a:ext uri="{96DAC541-7B7A-43D3-8B79-37D633B846F1}">
-                <asvg:svgBlip xmlns:asvg="http://schemas.microsoft.com/office/drawing/2016/SVG/main" r:embed="rId3"/>
+                <asvg:svgBlip xmlns:asvg="http://schemas.microsoft.com/office/drawing/2016/SVG/main" r:embed="rId4"/>
               </a:ext>
             </a:extLst>
           </a:blip>
@@ -32378,7 +32635,7 @@
           <p:nvPr/>
         </p:nvPicPr>
         <p:blipFill rotWithShape="1">
-          <a:blip r:embed="rId4"/>
+          <a:blip r:embed="rId5"/>
           <a:srcRect l="10663" t="49809" r="43868" b="16052"/>
           <a:stretch/>
         </p:blipFill>
@@ -32938,7 +33195,9 @@
           </a:xfrm>
         </p:spPr>
         <p:txBody>
-          <a:bodyPr/>
+          <a:bodyPr>
+            <a:normAutofit lnSpcReduction="10000"/>
+          </a:bodyPr>
           <a:lstStyle/>
           <a:p>
             <a:r>
@@ -33064,6 +33323,49 @@
           </a:xfrm>
         </p:spPr>
       </p:pic>
+      <p:cxnSp>
+        <p:nvCxnSpPr>
+          <p:cNvPr id="3" name="Straight Connector 2">
+            <a:extLst>
+              <a:ext uri="{FF2B5EF4-FFF2-40B4-BE49-F238E27FC236}">
+                <a16:creationId xmlns:a16="http://schemas.microsoft.com/office/drawing/2014/main" id="{0792C531-8E0A-91E7-724B-7D86F9659198}"/>
+              </a:ext>
+            </a:extLst>
+          </p:cNvPr>
+          <p:cNvCxnSpPr>
+            <a:cxnSpLocks/>
+          </p:cNvCxnSpPr>
+          <p:nvPr/>
+        </p:nvCxnSpPr>
+        <p:spPr>
+          <a:xfrm>
+            <a:off x="2205645" y="2169191"/>
+            <a:ext cx="910630" cy="0"/>
+          </a:xfrm>
+          <a:prstGeom prst="line">
+            <a:avLst/>
+          </a:prstGeom>
+          <a:ln w="25400">
+            <a:solidFill>
+              <a:srgbClr val="FF0000"/>
+            </a:solidFill>
+          </a:ln>
+        </p:spPr>
+        <p:style>
+          <a:lnRef idx="1">
+            <a:schemeClr val="accent1"/>
+          </a:lnRef>
+          <a:fillRef idx="0">
+            <a:schemeClr val="accent1"/>
+          </a:fillRef>
+          <a:effectRef idx="0">
+            <a:schemeClr val="accent1"/>
+          </a:effectRef>
+          <a:fontRef idx="minor">
+            <a:schemeClr val="tx1"/>
+          </a:fontRef>
+        </p:style>
+      </p:cxnSp>
     </p:spTree>
     <p:extLst>
       <p:ext uri="{BB962C8B-B14F-4D97-AF65-F5344CB8AC3E}">
@@ -33774,7 +34076,7 @@
         <p:spPr>
           <a:xfrm>
             <a:off x="4944283" y="4223427"/>
-            <a:ext cx="2020086" cy="17148"/>
+            <a:ext cx="1990527" cy="0"/>
           </a:xfrm>
           <a:prstGeom prst="line">
             <a:avLst/>
@@ -34284,7 +34586,7 @@
         <p:spPr>
           <a:xfrm>
             <a:off x="4971247" y="4506867"/>
-            <a:ext cx="2417570" cy="17149"/>
+            <a:ext cx="2139127" cy="0"/>
           </a:xfrm>
           <a:prstGeom prst="line">
             <a:avLst/>
@@ -41655,7 +41957,7 @@
           </p:nvPr>
         </p:nvPicPr>
         <p:blipFill>
-          <a:blip r:embed="rId2"/>
+          <a:blip r:embed="rId3"/>
           <a:stretch>
             <a:fillRect/>
           </a:stretch>
@@ -47437,7 +47739,7 @@
 </file>
 
 <file path=ppt/slides/slide77.xml><?xml version="1.0" encoding="utf-8"?>
-<p:sld xmlns:a="http://schemas.openxmlformats.org/drawingml/2006/main" xmlns:r="http://schemas.openxmlformats.org/officeDocument/2006/relationships" xmlns:p="http://schemas.openxmlformats.org/presentationml/2006/main">
+<p:sld xmlns:a="http://schemas.openxmlformats.org/drawingml/2006/main" xmlns:r="http://schemas.openxmlformats.org/officeDocument/2006/relationships" xmlns:p="http://schemas.openxmlformats.org/presentationml/2006/main" show="0">
   <p:cSld>
     <p:spTree>
       <p:nvGrpSpPr>
@@ -47584,7 +47886,7 @@
 </file>
 
 <file path=ppt/slides/slide78.xml><?xml version="1.0" encoding="utf-8"?>
-<p:sld xmlns:a="http://schemas.openxmlformats.org/drawingml/2006/main" xmlns:r="http://schemas.openxmlformats.org/officeDocument/2006/relationships" xmlns:p="http://schemas.openxmlformats.org/presentationml/2006/main">
+<p:sld xmlns:a="http://schemas.openxmlformats.org/drawingml/2006/main" xmlns:r="http://schemas.openxmlformats.org/officeDocument/2006/relationships" xmlns:p="http://schemas.openxmlformats.org/presentationml/2006/main" show="0">
   <p:cSld>
     <p:spTree>
       <p:nvGrpSpPr>
@@ -47841,7 +48143,7 @@
 </file>
 
 <file path=ppt/slides/slide79.xml><?xml version="1.0" encoding="utf-8"?>
-<p:sld xmlns:a="http://schemas.openxmlformats.org/drawingml/2006/main" xmlns:r="http://schemas.openxmlformats.org/officeDocument/2006/relationships" xmlns:p="http://schemas.openxmlformats.org/presentationml/2006/main">
+<p:sld xmlns:a="http://schemas.openxmlformats.org/drawingml/2006/main" xmlns:r="http://schemas.openxmlformats.org/officeDocument/2006/relationships" xmlns:p="http://schemas.openxmlformats.org/presentationml/2006/main" show="0">
   <p:cSld>
     <p:spTree>
       <p:nvGrpSpPr>
@@ -49182,7 +49484,7 @@
 </file>
 
 <file path=ppt/slides/slide85.xml><?xml version="1.0" encoding="utf-8"?>
-<p:sld xmlns:a="http://schemas.openxmlformats.org/drawingml/2006/main" xmlns:r="http://schemas.openxmlformats.org/officeDocument/2006/relationships" xmlns:p="http://schemas.openxmlformats.org/presentationml/2006/main">
+<p:sld xmlns:a="http://schemas.openxmlformats.org/drawingml/2006/main" xmlns:r="http://schemas.openxmlformats.org/officeDocument/2006/relationships" xmlns:p="http://schemas.openxmlformats.org/presentationml/2006/main" show="0">
   <p:cSld>
     <p:spTree>
       <p:nvGrpSpPr>
@@ -49414,7 +49716,7 @@
 </file>
 
 <file path=ppt/slides/slide86.xml><?xml version="1.0" encoding="utf-8"?>
-<p:sld xmlns:a="http://schemas.openxmlformats.org/drawingml/2006/main" xmlns:r="http://schemas.openxmlformats.org/officeDocument/2006/relationships" xmlns:p="http://schemas.openxmlformats.org/presentationml/2006/main">
+<p:sld xmlns:a="http://schemas.openxmlformats.org/drawingml/2006/main" xmlns:r="http://schemas.openxmlformats.org/officeDocument/2006/relationships" xmlns:p="http://schemas.openxmlformats.org/presentationml/2006/main" show="0">
   <p:cSld>
     <p:spTree>
       <p:nvGrpSpPr>
@@ -49646,7 +49948,7 @@
 </file>
 
 <file path=ppt/slides/slide87.xml><?xml version="1.0" encoding="utf-8"?>
-<p:sld xmlns:a="http://schemas.openxmlformats.org/drawingml/2006/main" xmlns:r="http://schemas.openxmlformats.org/officeDocument/2006/relationships" xmlns:p="http://schemas.openxmlformats.org/presentationml/2006/main">
+<p:sld xmlns:a="http://schemas.openxmlformats.org/drawingml/2006/main" xmlns:r="http://schemas.openxmlformats.org/officeDocument/2006/relationships" xmlns:p="http://schemas.openxmlformats.org/presentationml/2006/main" show="0">
   <p:cSld>
     <p:spTree>
       <p:nvGrpSpPr>
@@ -49883,7 +50185,7 @@
 </file>
 
 <file path=ppt/slides/slide88.xml><?xml version="1.0" encoding="utf-8"?>
-<p:sld xmlns:a="http://schemas.openxmlformats.org/drawingml/2006/main" xmlns:r="http://schemas.openxmlformats.org/officeDocument/2006/relationships" xmlns:p="http://schemas.openxmlformats.org/presentationml/2006/main">
+<p:sld xmlns:a="http://schemas.openxmlformats.org/drawingml/2006/main" xmlns:r="http://schemas.openxmlformats.org/officeDocument/2006/relationships" xmlns:p="http://schemas.openxmlformats.org/presentationml/2006/main" show="0">
   <p:cSld>
     <p:spTree>
       <p:nvGrpSpPr>
@@ -50103,7 +50405,7 @@
 </file>
 
 <file path=ppt/slides/slide89.xml><?xml version="1.0" encoding="utf-8"?>
-<p:sld xmlns:a="http://schemas.openxmlformats.org/drawingml/2006/main" xmlns:r="http://schemas.openxmlformats.org/officeDocument/2006/relationships" xmlns:p="http://schemas.openxmlformats.org/presentationml/2006/main">
+<p:sld xmlns:a="http://schemas.openxmlformats.org/drawingml/2006/main" xmlns:r="http://schemas.openxmlformats.org/officeDocument/2006/relationships" xmlns:p="http://schemas.openxmlformats.org/presentationml/2006/main" show="0">
   <p:cSld>
     <p:spTree>
       <p:nvGrpSpPr>
@@ -50623,7 +50925,7 @@
 </file>
 
 <file path=ppt/slides/slide90.xml><?xml version="1.0" encoding="utf-8"?>
-<p:sld xmlns:a="http://schemas.openxmlformats.org/drawingml/2006/main" xmlns:r="http://schemas.openxmlformats.org/officeDocument/2006/relationships" xmlns:p="http://schemas.openxmlformats.org/presentationml/2006/main">
+<p:sld xmlns:a="http://schemas.openxmlformats.org/drawingml/2006/main" xmlns:r="http://schemas.openxmlformats.org/officeDocument/2006/relationships" xmlns:p="http://schemas.openxmlformats.org/presentationml/2006/main" show="0">
   <p:cSld>
     <p:spTree>
       <p:nvGrpSpPr>
@@ -50860,7 +51162,7 @@
 </file>
 
 <file path=ppt/slides/slide91.xml><?xml version="1.0" encoding="utf-8"?>
-<p:sld xmlns:a="http://schemas.openxmlformats.org/drawingml/2006/main" xmlns:r="http://schemas.openxmlformats.org/officeDocument/2006/relationships" xmlns:p="http://schemas.openxmlformats.org/presentationml/2006/main">
+<p:sld xmlns:a="http://schemas.openxmlformats.org/drawingml/2006/main" xmlns:r="http://schemas.openxmlformats.org/officeDocument/2006/relationships" xmlns:p="http://schemas.openxmlformats.org/presentationml/2006/main" show="0">
   <p:cSld>
     <p:spTree>
       <p:nvGrpSpPr>
@@ -51097,7 +51399,7 @@
 </file>
 
 <file path=ppt/slides/slide92.xml><?xml version="1.0" encoding="utf-8"?>
-<p:sld xmlns:a="http://schemas.openxmlformats.org/drawingml/2006/main" xmlns:r="http://schemas.openxmlformats.org/officeDocument/2006/relationships" xmlns:p="http://schemas.openxmlformats.org/presentationml/2006/main">
+<p:sld xmlns:a="http://schemas.openxmlformats.org/drawingml/2006/main" xmlns:r="http://schemas.openxmlformats.org/officeDocument/2006/relationships" xmlns:p="http://schemas.openxmlformats.org/presentationml/2006/main" show="0">
   <p:cSld>
     <p:spTree>
       <p:nvGrpSpPr>
@@ -51248,7 +51550,7 @@
 </file>
 
 <file path=ppt/slides/slide93.xml><?xml version="1.0" encoding="utf-8"?>
-<p:sld xmlns:a="http://schemas.openxmlformats.org/drawingml/2006/main" xmlns:r="http://schemas.openxmlformats.org/officeDocument/2006/relationships" xmlns:p="http://schemas.openxmlformats.org/presentationml/2006/main">
+<p:sld xmlns:a="http://schemas.openxmlformats.org/drawingml/2006/main" xmlns:r="http://schemas.openxmlformats.org/officeDocument/2006/relationships" xmlns:p="http://schemas.openxmlformats.org/presentationml/2006/main" show="0">
   <p:cSld>
     <p:spTree>
       <p:nvGrpSpPr>
@@ -51382,7 +51684,7 @@
 </file>
 
 <file path=ppt/slides/slide94.xml><?xml version="1.0" encoding="utf-8"?>
-<p:sld xmlns:a="http://schemas.openxmlformats.org/drawingml/2006/main" xmlns:r="http://schemas.openxmlformats.org/officeDocument/2006/relationships" xmlns:p="http://schemas.openxmlformats.org/presentationml/2006/main">
+<p:sld xmlns:a="http://schemas.openxmlformats.org/drawingml/2006/main" xmlns:r="http://schemas.openxmlformats.org/officeDocument/2006/relationships" xmlns:p="http://schemas.openxmlformats.org/presentationml/2006/main" show="0">
   <p:cSld>
     <p:spTree>
       <p:nvGrpSpPr>
@@ -51532,7 +51834,7 @@
 </file>
 
 <file path=ppt/slides/slide95.xml><?xml version="1.0" encoding="utf-8"?>
-<p:sld xmlns:a="http://schemas.openxmlformats.org/drawingml/2006/main" xmlns:r="http://schemas.openxmlformats.org/officeDocument/2006/relationships" xmlns:p="http://schemas.openxmlformats.org/presentationml/2006/main">
+<p:sld xmlns:a="http://schemas.openxmlformats.org/drawingml/2006/main" xmlns:r="http://schemas.openxmlformats.org/officeDocument/2006/relationships" xmlns:p="http://schemas.openxmlformats.org/presentationml/2006/main" show="0">
   <p:cSld>
     <p:spTree>
       <p:nvGrpSpPr>
@@ -51682,7 +51984,7 @@
 </file>
 
 <file path=ppt/slides/slide96.xml><?xml version="1.0" encoding="utf-8"?>
-<p:sld xmlns:a="http://schemas.openxmlformats.org/drawingml/2006/main" xmlns:r="http://schemas.openxmlformats.org/officeDocument/2006/relationships" xmlns:p="http://schemas.openxmlformats.org/presentationml/2006/main">
+<p:sld xmlns:a="http://schemas.openxmlformats.org/drawingml/2006/main" xmlns:r="http://schemas.openxmlformats.org/officeDocument/2006/relationships" xmlns:p="http://schemas.openxmlformats.org/presentationml/2006/main" show="0">
   <p:cSld>
     <p:spTree>
       <p:nvGrpSpPr>
